--- a/ppt/Chess200.pptx
+++ b/ppt/Chess200.pptx
@@ -6331,7 +6331,53 @@
                 <a:ea typeface="Gill Sans" charset="0"/>
                 <a:cs typeface="Gill Sans" charset="0"/>
               </a:rPr>
-              <a:t>Lets compute the list of all numbers x with x between 2 and 100, where there is not any divisor of x  from 2 to (n-1):</a:t>
+              <a:t>Lets compute the list of all numbers x where</a:t>
+            </a:r>
+          </a:p>
+          <a:p>
+            <a:pPr>
+              <a:lnSpc>
+                <a:spcPct val="120000"/>
+              </a:lnSpc>
+              <a:spcBef>
+                <a:spcPts val="1000"/>
+              </a:spcBef>
+              <a:buSzPct val="120000"/>
+              <a:defRPr/>
+            </a:pPr>
+            <a:r>
+              <a:rPr lang="en-US" sz="2600" smtClean="0">
+                <a:solidFill>
+                  <a:srgbClr val="262626"/>
+                </a:solidFill>
+                <a:latin typeface="+mn-lt"/>
+                <a:ea typeface="Gill Sans" charset="0"/>
+                <a:cs typeface="Gill Sans" charset="0"/>
+              </a:rPr>
+              <a:t>x is between 2 and 100, and there is</a:t>
+            </a:r>
+          </a:p>
+          <a:p>
+            <a:pPr>
+              <a:lnSpc>
+                <a:spcPct val="120000"/>
+              </a:lnSpc>
+              <a:spcBef>
+                <a:spcPts val="1000"/>
+              </a:spcBef>
+              <a:buSzPct val="120000"/>
+              <a:defRPr/>
+            </a:pPr>
+            <a:r>
+              <a:rPr lang="en-US" sz="2600" smtClean="0">
+                <a:solidFill>
+                  <a:srgbClr val="262626"/>
+                </a:solidFill>
+                <a:latin typeface="+mn-lt"/>
+                <a:ea typeface="Gill Sans" charset="0"/>
+                <a:cs typeface="Gill Sans" charset="0"/>
+              </a:rPr>
+              <a:t>not any divisor of x from 2 to (n-1):</a:t>
             </a:r>
           </a:p>
           <a:p>
@@ -6559,6 +6605,47 @@
           <a:chExt cx="0" cy="0"/>
         </a:xfrm>
       </p:grpSpPr>
+      <p:pic>
+        <p:nvPicPr>
+          <p:cNvPr id="3078" name="Picture 6" descr="TALC"/>
+          <p:cNvPicPr>
+            <a:picLocks noChangeAspect="1" noChangeArrowheads="1"/>
+          </p:cNvPicPr>
+          <p:nvPr/>
+        </p:nvPicPr>
+        <p:blipFill>
+          <a:blip r:embed="rId2">
+            <a:extLst>
+              <a:ext uri="{28A0092B-C50C-407E-A947-70E740481C1C}">
+                <a14:useLocalDpi xmlns:a14="http://schemas.microsoft.com/office/drawing/2010/main" val="0"/>
+              </a:ext>
+            </a:extLst>
+          </a:blip>
+          <a:srcRect/>
+          <a:stretch>
+            <a:fillRect/>
+          </a:stretch>
+        </p:blipFill>
+        <p:spPr bwMode="auto">
+          <a:xfrm>
+            <a:off x="2561315" y="4508837"/>
+            <a:ext cx="7927617" cy="4915127"/>
+          </a:xfrm>
+          <a:prstGeom prst="rect">
+            <a:avLst/>
+          </a:prstGeom>
+          <a:noFill/>
+          <a:extLst>
+            <a:ext uri="{909E8E84-426E-40DD-AFC4-6F175D3DCCD1}">
+              <a14:hiddenFill xmlns:a14="http://schemas.microsoft.com/office/drawing/2010/main">
+                <a:solidFill>
+                  <a:srgbClr val="FFFFFF"/>
+                </a:solidFill>
+              </a14:hiddenFill>
+            </a:ext>
+          </a:extLst>
+        </p:spPr>
+      </p:pic>
       <p:sp>
         <p:nvSpPr>
           <p:cNvPr id="9218" name="Titel 1"/>
@@ -6706,6 +6793,27 @@
               </a:rPr>
               <a:t>In conservative and laggard enviroment</a:t>
             </a:r>
+            <a:br>
+              <a:rPr lang="en-US" sz="2600" smtClean="0">
+                <a:solidFill>
+                  <a:srgbClr val="262626"/>
+                </a:solidFill>
+                <a:latin typeface="+mn-lt"/>
+                <a:ea typeface="Gill Sans" charset="0"/>
+                <a:cs typeface="Gill Sans" charset="0"/>
+              </a:rPr>
+            </a:br>
+            <a:r>
+              <a:rPr lang="en-US" sz="2600" smtClean="0">
+                <a:solidFill>
+                  <a:srgbClr val="262626"/>
+                </a:solidFill>
+                <a:latin typeface="+mn-lt"/>
+                <a:ea typeface="Gill Sans" charset="0"/>
+                <a:cs typeface="Gill Sans" charset="0"/>
+              </a:rPr>
+              <a:t>(e.g. personal, political reasons):</a:t>
+            </a:r>
           </a:p>
           <a:p>
             <a:pPr marL="254000" indent="-254000">
@@ -6750,47 +6858,6 @@
           </a:p>
         </p:txBody>
       </p:sp>
-      <p:pic>
-        <p:nvPicPr>
-          <p:cNvPr id="3078" name="Picture 6" descr="TALC"/>
-          <p:cNvPicPr>
-            <a:picLocks noChangeAspect="1" noChangeArrowheads="1"/>
-          </p:cNvPicPr>
-          <p:nvPr/>
-        </p:nvPicPr>
-        <p:blipFill>
-          <a:blip r:embed="rId2">
-            <a:extLst>
-              <a:ext uri="{28A0092B-C50C-407E-A947-70E740481C1C}">
-                <a14:useLocalDpi xmlns:a14="http://schemas.microsoft.com/office/drawing/2010/main" val="0"/>
-              </a:ext>
-            </a:extLst>
-          </a:blip>
-          <a:srcRect/>
-          <a:stretch>
-            <a:fillRect/>
-          </a:stretch>
-        </p:blipFill>
-        <p:spPr bwMode="auto">
-          <a:xfrm>
-            <a:off x="2561316" y="4508837"/>
-            <a:ext cx="7927617" cy="4915127"/>
-          </a:xfrm>
-          <a:prstGeom prst="rect">
-            <a:avLst/>
-          </a:prstGeom>
-          <a:noFill/>
-          <a:extLst>
-            <a:ext uri="{909E8E84-426E-40DD-AFC4-6F175D3DCCD1}">
-              <a14:hiddenFill xmlns:a14="http://schemas.microsoft.com/office/drawing/2010/main">
-                <a:solidFill>
-                  <a:srgbClr val="FFFFFF"/>
-                </a:solidFill>
-              </a14:hiddenFill>
-            </a:ext>
-          </a:extLst>
-        </p:spPr>
-      </p:pic>
       <p:pic>
         <p:nvPicPr>
           <p:cNvPr id="3079" name="Picture 7" descr="C:\Users\3t\AppData\Local\Microsoft\Windows\Temporary Internet Files\Content.IE5\OFIS4223\1169px-Achtung.svg[1].png"/>
@@ -6832,6 +6899,60 @@
           </a:extLst>
         </p:spPr>
       </p:pic>
+      <p:sp>
+        <p:nvSpPr>
+          <p:cNvPr id="2" name="Rechteck 1"/>
+          <p:cNvSpPr/>
+          <p:nvPr/>
+        </p:nvSpPr>
+        <p:spPr>
+          <a:xfrm>
+            <a:off x="6648038" y="4914900"/>
+            <a:ext cx="3963809" cy="3138488"/>
+          </a:xfrm>
+          <a:prstGeom prst="rect">
+            <a:avLst/>
+          </a:prstGeom>
+          <a:blipFill dpi="0" rotWithShape="1">
+            <a:blip r:embed="rId4">
+              <a:alphaModFix amt="30000"/>
+            </a:blip>
+            <a:srcRect/>
+            <a:stretch>
+              <a:fillRect/>
+            </a:stretch>
+          </a:blipFill>
+          <a:ln w="63500">
+            <a:solidFill>
+              <a:srgbClr val="FF0000"/>
+            </a:solidFill>
+          </a:ln>
+        </p:spPr>
+        <p:style>
+          <a:lnRef idx="2">
+            <a:schemeClr val="accent1">
+              <a:shade val="50000"/>
+            </a:schemeClr>
+          </a:lnRef>
+          <a:fillRef idx="1">
+            <a:schemeClr val="accent1"/>
+          </a:fillRef>
+          <a:effectRef idx="0">
+            <a:schemeClr val="accent1"/>
+          </a:effectRef>
+          <a:fontRef idx="minor">
+            <a:schemeClr val="lt1"/>
+          </a:fontRef>
+        </p:style>
+        <p:txBody>
+          <a:bodyPr rtlCol="0" anchor="ctr"/>
+          <a:lstStyle/>
+          <a:p>
+            <a:pPr algn="ctr"/>
+            <a:endParaRPr lang="de-DE"/>
+          </a:p>
+        </p:txBody>
+      </p:sp>
     </p:spTree>
     <p:extLst>
       <p:ext uri="{BB962C8B-B14F-4D97-AF65-F5344CB8AC3E}">
@@ -7298,7 +7419,7 @@
                 <a:ea typeface="Gill Sans" charset="0"/>
                 <a:cs typeface="Gill Sans" charset="0"/>
               </a:rPr>
-              <a:t>(4) After awk solution, plus 500 LOC test harness, no development time reported ;-)</a:t>
+              <a:t>(4) After awk solution, plus 500 LOC test harness, no development time reported </a:t>
             </a:r>
           </a:p>
           <a:p>
@@ -7387,6 +7508,203 @@
           </a:p>
         </p:txBody>
       </p:sp>
+      <p:sp>
+        <p:nvSpPr>
+          <p:cNvPr id="2" name="Rechteck 1"/>
+          <p:cNvSpPr/>
+          <p:nvPr/>
+        </p:nvSpPr>
+        <p:spPr>
+          <a:xfrm>
+            <a:off x="487362" y="5072743"/>
+            <a:ext cx="12076758" cy="473791"/>
+          </a:xfrm>
+          <a:prstGeom prst="rect">
+            <a:avLst/>
+          </a:prstGeom>
+          <a:solidFill>
+            <a:srgbClr val="FFFF00">
+              <a:alpha val="20000"/>
+            </a:srgbClr>
+          </a:solidFill>
+          <a:ln w="50800">
+            <a:solidFill>
+              <a:srgbClr val="FF0000"/>
+            </a:solidFill>
+          </a:ln>
+        </p:spPr>
+        <p:style>
+          <a:lnRef idx="2">
+            <a:schemeClr val="accent1">
+              <a:shade val="50000"/>
+            </a:schemeClr>
+          </a:lnRef>
+          <a:fillRef idx="1">
+            <a:schemeClr val="accent1"/>
+          </a:fillRef>
+          <a:effectRef idx="0">
+            <a:schemeClr val="accent1"/>
+          </a:effectRef>
+          <a:fontRef idx="minor">
+            <a:schemeClr val="lt1"/>
+          </a:fontRef>
+        </p:style>
+        <p:txBody>
+          <a:bodyPr rtlCol="0" anchor="ctr"/>
+          <a:lstStyle/>
+          <a:p>
+            <a:pPr algn="ctr"/>
+            <a:endParaRPr lang="de-DE"/>
+          </a:p>
+        </p:txBody>
+      </p:sp>
+      <p:cxnSp>
+        <p:nvCxnSpPr>
+          <p:cNvPr id="10" name="Gerade Verbindung mit Pfeil 9"/>
+          <p:cNvCxnSpPr/>
+          <p:nvPr/>
+        </p:nvCxnSpPr>
+        <p:spPr>
+          <a:xfrm>
+            <a:off x="219919" y="5309638"/>
+            <a:ext cx="267442" cy="0"/>
+          </a:xfrm>
+          <a:prstGeom prst="straightConnector1">
+            <a:avLst/>
+          </a:prstGeom>
+          <a:ln w="50800">
+            <a:solidFill>
+              <a:srgbClr val="FF0000"/>
+            </a:solidFill>
+            <a:tailEnd type="arrow"/>
+          </a:ln>
+        </p:spPr>
+        <p:style>
+          <a:lnRef idx="1">
+            <a:schemeClr val="accent1"/>
+          </a:lnRef>
+          <a:fillRef idx="0">
+            <a:schemeClr val="accent1"/>
+          </a:fillRef>
+          <a:effectRef idx="0">
+            <a:schemeClr val="accent1"/>
+          </a:effectRef>
+          <a:fontRef idx="minor">
+            <a:schemeClr val="tx1"/>
+          </a:fontRef>
+        </p:style>
+      </p:cxnSp>
+      <p:cxnSp>
+        <p:nvCxnSpPr>
+          <p:cNvPr id="13" name="Gerade Verbindung 12"/>
+          <p:cNvCxnSpPr/>
+          <p:nvPr/>
+        </p:nvCxnSpPr>
+        <p:spPr>
+          <a:xfrm>
+            <a:off x="219919" y="5309638"/>
+            <a:ext cx="0" cy="3000985"/>
+          </a:xfrm>
+          <a:prstGeom prst="line">
+            <a:avLst/>
+          </a:prstGeom>
+          <a:ln w="50800">
+            <a:solidFill>
+              <a:srgbClr val="FF0000"/>
+            </a:solidFill>
+          </a:ln>
+        </p:spPr>
+        <p:style>
+          <a:lnRef idx="1">
+            <a:schemeClr val="accent1"/>
+          </a:lnRef>
+          <a:fillRef idx="0">
+            <a:schemeClr val="accent1"/>
+          </a:fillRef>
+          <a:effectRef idx="0">
+            <a:schemeClr val="accent1"/>
+          </a:effectRef>
+          <a:fontRef idx="minor">
+            <a:schemeClr val="tx1"/>
+          </a:fontRef>
+        </p:style>
+      </p:cxnSp>
+      <p:cxnSp>
+        <p:nvCxnSpPr>
+          <p:cNvPr id="19" name="Gerade Verbindung 18"/>
+          <p:cNvCxnSpPr/>
+          <p:nvPr/>
+        </p:nvCxnSpPr>
+        <p:spPr>
+          <a:xfrm>
+            <a:off x="219919" y="8310623"/>
+            <a:ext cx="267442" cy="0"/>
+          </a:xfrm>
+          <a:prstGeom prst="line">
+            <a:avLst/>
+          </a:prstGeom>
+          <a:ln w="50800">
+            <a:solidFill>
+              <a:srgbClr val="FF0000"/>
+            </a:solidFill>
+          </a:ln>
+        </p:spPr>
+        <p:style>
+          <a:lnRef idx="1">
+            <a:schemeClr val="accent1"/>
+          </a:lnRef>
+          <a:fillRef idx="0">
+            <a:schemeClr val="accent1"/>
+          </a:fillRef>
+          <a:effectRef idx="0">
+            <a:schemeClr val="accent1"/>
+          </a:effectRef>
+          <a:fontRef idx="minor">
+            <a:schemeClr val="tx1"/>
+          </a:fontRef>
+        </p:style>
+      </p:cxnSp>
+      <p:pic>
+        <p:nvPicPr>
+          <p:cNvPr id="2051" name="Picture 3" descr="C:\Users\3t\AppData\Local\Microsoft\Windows\Temporary Internet Files\Content.IE5\OFIS4223\500px-Face-wink.svg[1].png"/>
+          <p:cNvPicPr>
+            <a:picLocks noChangeAspect="1" noChangeArrowheads="1"/>
+          </p:cNvPicPr>
+          <p:nvPr/>
+        </p:nvPicPr>
+        <p:blipFill>
+          <a:blip r:embed="rId3" cstate="print">
+            <a:extLst>
+              <a:ext uri="{28A0092B-C50C-407E-A947-70E740481C1C}">
+                <a14:useLocalDpi xmlns:a14="http://schemas.microsoft.com/office/drawing/2010/main" val="0"/>
+              </a:ext>
+            </a:extLst>
+          </a:blip>
+          <a:srcRect/>
+          <a:stretch>
+            <a:fillRect/>
+          </a:stretch>
+        </p:blipFill>
+        <p:spPr bwMode="auto">
+          <a:xfrm flipH="1">
+            <a:off x="11281748" y="6008914"/>
+            <a:ext cx="1472162" cy="1472162"/>
+          </a:xfrm>
+          <a:prstGeom prst="rect">
+            <a:avLst/>
+          </a:prstGeom>
+          <a:noFill/>
+          <a:extLst>
+            <a:ext uri="{909E8E84-426E-40DD-AFC4-6F175D3DCCD1}">
+              <a14:hiddenFill xmlns:a14="http://schemas.microsoft.com/office/drawing/2010/main">
+                <a:solidFill>
+                  <a:srgbClr val="FFFFFF"/>
+                </a:solidFill>
+              </a14:hiddenFill>
+            </a:ext>
+          </a:extLst>
+        </p:spPr>
+      </p:pic>
     </p:spTree>
     <p:extLst>
       <p:ext uri="{BB962C8B-B14F-4D97-AF65-F5344CB8AC3E}">

--- a/ppt/Chess200.pptx
+++ b/ppt/Chess200.pptx
@@ -1,6 +1,6 @@
 
 <file path=ppt/presentation.xml><?xml version="1.0" encoding="utf-8"?>
-<p:presentation xmlns:a="http://schemas.openxmlformats.org/drawingml/2006/main" xmlns:r="http://schemas.openxmlformats.org/officeDocument/2006/relationships" xmlns:p="http://schemas.openxmlformats.org/presentationml/2006/main" saveSubsetFonts="1">
+<p:presentation xmlns:a="http://schemas.openxmlformats.org/drawingml/2006/main" xmlns:r="http://schemas.openxmlformats.org/officeDocument/2006/relationships" xmlns:p="http://schemas.openxmlformats.org/presentationml/2006/main" embedTrueTypeFonts="1" saveSubsetFonts="1">
   <p:sldMasterIdLst>
     <p:sldMasterId id="2147483648" r:id="rId1"/>
   </p:sldMasterIdLst>
@@ -14,18 +14,31 @@
     <p:sldId id="261" r:id="rId2"/>
     <p:sldId id="280" r:id="rId3"/>
     <p:sldId id="283" r:id="rId4"/>
-    <p:sldId id="284" r:id="rId5"/>
-    <p:sldId id="285" r:id="rId6"/>
-    <p:sldId id="289" r:id="rId7"/>
-    <p:sldId id="288" r:id="rId8"/>
-    <p:sldId id="286" r:id="rId9"/>
-    <p:sldId id="287" r:id="rId10"/>
-    <p:sldId id="281" r:id="rId11"/>
-    <p:sldId id="282" r:id="rId12"/>
+    <p:sldId id="290" r:id="rId5"/>
+    <p:sldId id="284" r:id="rId6"/>
+    <p:sldId id="285" r:id="rId7"/>
+    <p:sldId id="289" r:id="rId8"/>
+    <p:sldId id="288" r:id="rId9"/>
+    <p:sldId id="286" r:id="rId10"/>
+    <p:sldId id="287" r:id="rId11"/>
+    <p:sldId id="281" r:id="rId12"/>
     <p:sldId id="269" r:id="rId13"/>
   </p:sldIdLst>
   <p:sldSz cx="13004800" cy="9753600"/>
   <p:notesSz cx="7010400" cy="9296400"/>
+  <p:embeddedFontLst>
+    <p:embeddedFont>
+      <p:font typeface="Calibri" panose="020F0502020204030204" pitchFamily="34" charset="0"/>
+      <p:regular r:id="rId16"/>
+      <p:bold r:id="rId17"/>
+      <p:italic r:id="rId18"/>
+      <p:boldItalic r:id="rId19"/>
+    </p:embeddedFont>
+    <p:embeddedFont>
+      <p:font typeface="Wingdings 3" panose="05040102010807070707" pitchFamily="18" charset="2"/>
+      <p:regular r:id="rId20"/>
+    </p:embeddedFont>
+  </p:embeddedFontLst>
   <p:defaultTextStyle>
     <a:defPPr>
       <a:defRPr lang="de-DE"/>
@@ -245,7 +258,7 @@
               <a:pPr>
                 <a:defRPr/>
               </a:pPr>
-              <a:t>9/28/2017</a:t>
+              <a:t>10/9/2017</a:t>
             </a:fld>
             <a:endParaRPr lang="en-US"/>
           </a:p>
@@ -857,7 +870,7 @@
               <a:pPr>
                 <a:defRPr/>
               </a:pPr>
-              <a:t>4</a:t>
+              <a:t>5</a:t>
             </a:fld>
             <a:endParaRPr lang="de-DE"/>
           </a:p>
@@ -3673,8 +3686,8 @@
         </p:nvSpPr>
         <p:spPr bwMode="auto">
           <a:xfrm>
-            <a:off x="492125" y="7202488"/>
-            <a:ext cx="11053763" cy="1936750"/>
+            <a:off x="492125" y="8087932"/>
+            <a:ext cx="11053763" cy="1051305"/>
           </a:xfrm>
           <a:noFill/>
           <a:ln>
@@ -3720,8 +3733,8 @@
         </p:nvSpPr>
         <p:spPr bwMode="auto">
           <a:xfrm>
-            <a:off x="485775" y="5067300"/>
-            <a:ext cx="11053763" cy="2133600"/>
+            <a:off x="485775" y="7173533"/>
+            <a:ext cx="11053763" cy="954646"/>
           </a:xfrm>
           <a:noFill/>
           <a:ln>
@@ -3748,8 +3761,8 @@
               <a:t> </a:t>
             </a:r>
             <a:r>
-              <a:rPr lang="de-DE" err="1" smtClean="0"/>
-              <a:t>Xth</a:t>
+              <a:rPr lang="de-DE" smtClean="0"/>
+              <a:t>16th</a:t>
             </a:r>
             <a:r>
               <a:rPr lang="de-DE" smtClean="0"/>
@@ -3758,47 +3771,81 @@
           </a:p>
         </p:txBody>
       </p:sp>
-      <p:pic>
-        <p:nvPicPr>
-          <p:cNvPr id="1026" name="Picture 2" descr="Bildergebnis für haskell"/>
-          <p:cNvPicPr>
-            <a:picLocks noChangeAspect="1" noChangeArrowheads="1"/>
-          </p:cNvPicPr>
+      <p:sp>
+        <p:nvSpPr>
+          <p:cNvPr id="6" name="Textfeld 5"/>
+          <p:cNvSpPr txBox="1"/>
           <p:nvPr/>
-        </p:nvPicPr>
-        <p:blipFill>
-          <a:blip r:embed="rId2">
-            <a:extLst>
-              <a:ext uri="{28A0092B-C50C-407E-A947-70E740481C1C}">
-                <a14:useLocalDpi xmlns:a14="http://schemas.microsoft.com/office/drawing/2010/main" val="0"/>
-              </a:ext>
-            </a:extLst>
-          </a:blip>
-          <a:srcRect/>
-          <a:stretch>
-            <a:fillRect/>
-          </a:stretch>
-        </p:blipFill>
-        <p:spPr bwMode="auto">
+        </p:nvSpPr>
+        <p:spPr>
           <a:xfrm>
-            <a:off x="968375" y="1542414"/>
-            <a:ext cx="5631228" cy="2247265"/>
+            <a:off x="1249251" y="3080465"/>
+            <a:ext cx="10547798" cy="3046988"/>
           </a:xfrm>
           <a:prstGeom prst="rect">
             <a:avLst/>
           </a:prstGeom>
           <a:noFill/>
-          <a:extLst>
-            <a:ext uri="{909E8E84-426E-40DD-AFC4-6F175D3DCCD1}">
-              <a14:hiddenFill xmlns:a14="http://schemas.microsoft.com/office/drawing/2010/main">
-                <a:solidFill>
-                  <a:srgbClr val="FFFFFF"/>
-                </a:solidFill>
-              </a14:hiddenFill>
-            </a:ext>
-          </a:extLst>
         </p:spPr>
-      </p:pic>
+        <p:txBody>
+          <a:bodyPr wrap="square" rtlCol="0">
+            <a:spAutoFit/>
+          </a:bodyPr>
+          <a:lstStyle/>
+          <a:p>
+            <a:r>
+              <a:rPr lang="en-US" sz="2000" i="1" smtClean="0"/>
+              <a:t>“As </a:t>
+            </a:r>
+            <a:r>
+              <a:rPr lang="en-US" sz="2000" i="1"/>
+              <a:t>long as our hypothetical Blub programmer is looking down the power continuum, he knows he's looking down. Languages less powerful than Blub are obviously less powerful, because they're missing some feature he's used to. But when our hypothetical Blub programmer looks in the other direction, up the power continuum, he doesn't realize he's looking up. What he sees are merely weird languages. He probably considers them about equivalent in power to Blub, but with all this other hairy stuff thrown in as well. Blub is good enough for him, because he thinks in </a:t>
+            </a:r>
+            <a:r>
+              <a:rPr lang="en-US" sz="2000" i="1"/>
+              <a:t>Blub</a:t>
+            </a:r>
+            <a:r>
+              <a:rPr lang="en-US" sz="2000" i="1" smtClean="0"/>
+              <a:t>.”</a:t>
+            </a:r>
+          </a:p>
+          <a:p>
+            <a:endParaRPr lang="en-US" sz="2000" i="1" smtClean="0"/>
+          </a:p>
+          <a:p>
+            <a:pPr algn="r"/>
+            <a:r>
+              <a:rPr lang="en-US" sz="1600" smtClean="0">
+                <a:latin typeface="Arial" panose="020B0604020202020204" pitchFamily="34" charset="0"/>
+                <a:cs typeface="Arial" panose="020B0604020202020204" pitchFamily="34" charset="0"/>
+              </a:rPr>
+              <a:t>From the essay “</a:t>
+            </a:r>
+            <a:r>
+              <a:rPr lang="en-US" sz="1600" smtClean="0">
+                <a:latin typeface="Arial" panose="020B0604020202020204" pitchFamily="34" charset="0"/>
+                <a:cs typeface="Arial" panose="020B0604020202020204" pitchFamily="34" charset="0"/>
+              </a:rPr>
+              <a:t>Beating the Averages” by Paul Graham</a:t>
+            </a:r>
+          </a:p>
+          <a:p>
+            <a:pPr algn="r"/>
+            <a:r>
+              <a:rPr lang="en-US" sz="1600" smtClean="0">
+                <a:latin typeface="Arial" panose="020B0604020202020204" pitchFamily="34" charset="0"/>
+                <a:cs typeface="Arial" panose="020B0604020202020204" pitchFamily="34" charset="0"/>
+              </a:rPr>
+              <a:t>(Startup Millionaire, co-Founder of YCombinator)</a:t>
+            </a:r>
+            <a:endParaRPr lang="de-DE" sz="1600" smtClean="0">
+              <a:latin typeface="Arial" panose="020B0604020202020204" pitchFamily="34" charset="0"/>
+              <a:cs typeface="Arial" panose="020B0604020202020204" pitchFamily="34" charset="0"/>
+            </a:endParaRPr>
+          </a:p>
+        </p:txBody>
+      </p:sp>
     </p:spTree>
   </p:cSld>
   <p:clrMapOvr>
@@ -3863,3441 +3910,8 @@
           <a:p>
             <a:r>
               <a:rPr lang="en-US" smtClean="0"/>
-              <a:t>Haskell Brooks Curry</a:t>
-            </a:r>
-          </a:p>
-        </p:txBody>
-      </p:sp>
-      <p:sp>
-        <p:nvSpPr>
-          <p:cNvPr id="5" name="Rectangle 4"/>
-          <p:cNvSpPr>
-            <a:spLocks/>
-          </p:cNvSpPr>
-          <p:nvPr/>
-        </p:nvSpPr>
-        <p:spPr bwMode="auto">
-          <a:xfrm>
-            <a:off x="487363" y="1373188"/>
-            <a:ext cx="5588000" cy="6680200"/>
-          </a:xfrm>
-          <a:prstGeom prst="rect">
-            <a:avLst/>
-          </a:prstGeom>
-          <a:noFill/>
-          <a:ln w="12700" cap="flat">
-            <a:noFill/>
-            <a:miter lim="800000"/>
-            <a:headEnd type="none" w="med" len="med"/>
-            <a:tailEnd type="none" w="med" len="med"/>
-          </a:ln>
-        </p:spPr>
-        <p:txBody>
-          <a:bodyPr lIns="0" tIns="0" rIns="0" bIns="0"/>
-          <a:lstStyle/>
-          <a:p>
-            <a:pPr marL="254000" indent="-254000">
-              <a:lnSpc>
-                <a:spcPct val="120000"/>
-              </a:lnSpc>
-              <a:spcBef>
-                <a:spcPts val="1000"/>
-              </a:spcBef>
-              <a:buSzPct val="120000"/>
-              <a:buFont typeface="Lucida Grande" charset="0"/>
-              <a:buChar char="‣"/>
-              <a:defRPr/>
-            </a:pPr>
-            <a:r>
-              <a:rPr lang="en-US" sz="2600" smtClean="0">
-                <a:solidFill>
-                  <a:srgbClr val="262626"/>
-                </a:solidFill>
-                <a:latin typeface="+mn-lt"/>
-                <a:ea typeface="Gill Sans" charset="0"/>
-                <a:cs typeface="Gill Sans" charset="0"/>
-              </a:rPr>
-              <a:t>Haskell Brooks Curry</a:t>
-            </a:r>
-            <a:endParaRPr lang="en-US" sz="2600">
-              <a:solidFill>
-                <a:srgbClr val="262626"/>
-              </a:solidFill>
-              <a:latin typeface="+mn-lt"/>
-              <a:ea typeface="Gill Sans" charset="0"/>
-              <a:cs typeface="Gill Sans" charset="0"/>
-            </a:endParaRPr>
-          </a:p>
-          <a:p>
-            <a:pPr marL="254000" indent="-254000">
-              <a:lnSpc>
-                <a:spcPct val="120000"/>
-              </a:lnSpc>
-              <a:spcBef>
-                <a:spcPts val="1000"/>
-              </a:spcBef>
-              <a:defRPr/>
-            </a:pPr>
-            <a:endParaRPr lang="en-US" sz="2600">
-              <a:solidFill>
-                <a:srgbClr val="262626"/>
-              </a:solidFill>
-              <a:latin typeface="+mn-lt"/>
-              <a:ea typeface="Gill Sans" charset="0"/>
-              <a:cs typeface="Gill Sans" charset="0"/>
-            </a:endParaRPr>
-          </a:p>
-        </p:txBody>
-      </p:sp>
-      <p:sp>
-        <p:nvSpPr>
-          <p:cNvPr id="2" name="AutoShape 2" descr="Bildergebnis für haskell brooks curry"/>
-          <p:cNvSpPr>
-            <a:spLocks noChangeAspect="1" noChangeArrowheads="1"/>
-          </p:cNvSpPr>
-          <p:nvPr/>
-        </p:nvSpPr>
-        <p:spPr bwMode="auto">
-          <a:xfrm>
-            <a:off x="155575" y="-731838"/>
-            <a:ext cx="1228725" cy="1524001"/>
-          </a:xfrm>
-          <a:prstGeom prst="rect">
-            <a:avLst/>
-          </a:prstGeom>
-          <a:noFill/>
-          <a:extLst>
-            <a:ext uri="{909E8E84-426E-40DD-AFC4-6F175D3DCCD1}">
-              <a14:hiddenFill xmlns:a14="http://schemas.microsoft.com/office/drawing/2010/main">
-                <a:solidFill>
-                  <a:srgbClr val="FFFFFF"/>
-                </a:solidFill>
-              </a14:hiddenFill>
-            </a:ext>
-          </a:extLst>
-        </p:spPr>
-        <p:txBody>
-          <a:bodyPr vert="horz" wrap="square" lIns="91440" tIns="45720" rIns="91440" bIns="45720" numCol="1" anchor="t" anchorCtr="0" compatLnSpc="1">
-            <a:prstTxWarp prst="textNoShape">
-              <a:avLst/>
-            </a:prstTxWarp>
-          </a:bodyPr>
-          <a:lstStyle/>
-          <a:p>
-            <a:endParaRPr lang="de-DE"/>
-          </a:p>
-        </p:txBody>
-      </p:sp>
-      <p:pic>
-        <p:nvPicPr>
-          <p:cNvPr id="3076" name="Picture 4"/>
-          <p:cNvPicPr>
-            <a:picLocks noChangeAspect="1" noChangeArrowheads="1"/>
-          </p:cNvPicPr>
-          <p:nvPr/>
-        </p:nvPicPr>
-        <p:blipFill>
-          <a:blip r:embed="rId2">
-            <a:extLst>
-              <a:ext uri="{28A0092B-C50C-407E-A947-70E740481C1C}">
-                <a14:useLocalDpi xmlns:a14="http://schemas.microsoft.com/office/drawing/2010/main" val="0"/>
-              </a:ext>
-            </a:extLst>
-          </a:blip>
-          <a:srcRect/>
-          <a:stretch>
-            <a:fillRect/>
-          </a:stretch>
-        </p:blipFill>
-        <p:spPr bwMode="auto">
-          <a:xfrm>
-            <a:off x="8065860" y="241074"/>
-            <a:ext cx="3228643" cy="3979862"/>
-          </a:xfrm>
-          <a:prstGeom prst="rect">
-            <a:avLst/>
-          </a:prstGeom>
-          <a:noFill/>
-          <a:ln>
-            <a:noFill/>
-          </a:ln>
-          <a:extLst>
-            <a:ext uri="{909E8E84-426E-40DD-AFC4-6F175D3DCCD1}">
-              <a14:hiddenFill xmlns:a14="http://schemas.microsoft.com/office/drawing/2010/main">
-                <a:solidFill>
-                  <a:schemeClr val="accent1"/>
-                </a:solidFill>
-              </a14:hiddenFill>
-            </a:ext>
-            <a:ext uri="{91240B29-F687-4F45-9708-019B960494DF}">
-              <a14:hiddenLine xmlns:a14="http://schemas.microsoft.com/office/drawing/2010/main" w="9525">
-                <a:solidFill>
-                  <a:schemeClr val="tx1"/>
-                </a:solidFill>
-                <a:miter lim="800000"/>
-                <a:headEnd/>
-                <a:tailEnd/>
-              </a14:hiddenLine>
-            </a:ext>
-          </a:extLst>
-        </p:spPr>
-      </p:pic>
-    </p:spTree>
-    <p:extLst>
-      <p:ext uri="{BB962C8B-B14F-4D97-AF65-F5344CB8AC3E}">
-        <p14:creationId xmlns:p14="http://schemas.microsoft.com/office/powerpoint/2010/main" val="1082810959"/>
-      </p:ext>
-    </p:extLst>
-  </p:cSld>
-  <p:clrMapOvr>
-    <a:masterClrMapping/>
-  </p:clrMapOvr>
-</p:sld>
-</file>
-
-<file path=ppt/slides/slide11.xml><?xml version="1.0" encoding="utf-8"?>
-<p:sld xmlns:a="http://schemas.openxmlformats.org/drawingml/2006/main" xmlns:r="http://schemas.openxmlformats.org/officeDocument/2006/relationships" xmlns:p="http://schemas.openxmlformats.org/presentationml/2006/main">
-  <p:cSld>
-    <p:spTree>
-      <p:nvGrpSpPr>
-        <p:cNvPr id="1" name=""/>
-        <p:cNvGrpSpPr/>
-        <p:nvPr/>
-      </p:nvGrpSpPr>
-      <p:grpSpPr>
-        <a:xfrm>
-          <a:off x="0" y="0"/>
-          <a:ext cx="0" cy="0"/>
-          <a:chOff x="0" y="0"/>
-          <a:chExt cx="0" cy="0"/>
-        </a:xfrm>
-      </p:grpSpPr>
-      <p:sp>
-        <p:nvSpPr>
-          <p:cNvPr id="9218" name="Titel 1"/>
-          <p:cNvSpPr>
-            <a:spLocks noGrp="1"/>
-          </p:cNvSpPr>
-          <p:nvPr>
-            <p:ph type="title"/>
-          </p:nvPr>
-        </p:nvSpPr>
-        <p:spPr bwMode="auto">
-          <a:xfrm>
-            <a:off x="442913" y="93663"/>
-            <a:ext cx="10742612" cy="939800"/>
-          </a:xfrm>
-          <a:noFill/>
-          <a:ln>
-            <a:miter lim="800000"/>
-            <a:headEnd/>
-            <a:tailEnd/>
-          </a:ln>
-        </p:spPr>
-        <p:txBody>
-          <a:bodyPr vert="horz" wrap="square" numCol="1" anchor="t" anchorCtr="0" compatLnSpc="1">
-            <a:prstTxWarp prst="textNoShape">
-              <a:avLst/>
-            </a:prstTxWarp>
-          </a:bodyPr>
-          <a:lstStyle/>
-          <a:p>
-            <a:r>
-              <a:rPr lang="en-US" smtClean="0"/>
-              <a:t>About us</a:t>
-            </a:r>
-          </a:p>
-        </p:txBody>
-      </p:sp>
-      <p:sp>
-        <p:nvSpPr>
-          <p:cNvPr id="5" name="Rectangle 4"/>
-          <p:cNvSpPr>
-            <a:spLocks/>
-          </p:cNvSpPr>
-          <p:nvPr/>
-        </p:nvSpPr>
-        <p:spPr bwMode="auto">
-          <a:xfrm>
-            <a:off x="487363" y="1373188"/>
-            <a:ext cx="5588000" cy="6680200"/>
-          </a:xfrm>
-          <a:prstGeom prst="rect">
-            <a:avLst/>
-          </a:prstGeom>
-          <a:noFill/>
-          <a:ln w="12700" cap="flat">
-            <a:noFill/>
-            <a:miter lim="800000"/>
-            <a:headEnd type="none" w="med" len="med"/>
-            <a:tailEnd type="none" w="med" len="med"/>
-          </a:ln>
-        </p:spPr>
-        <p:txBody>
-          <a:bodyPr lIns="0" tIns="0" rIns="0" bIns="0"/>
-          <a:lstStyle/>
-          <a:p>
-            <a:pPr marL="254000" indent="-254000">
-              <a:lnSpc>
-                <a:spcPct val="120000"/>
-              </a:lnSpc>
-              <a:spcBef>
-                <a:spcPts val="1000"/>
-              </a:spcBef>
-              <a:buSzPct val="120000"/>
-              <a:buFont typeface="Lucida Grande" charset="0"/>
-              <a:buChar char="‣"/>
-              <a:defRPr/>
-            </a:pPr>
-            <a:r>
-              <a:rPr lang="en-US" sz="2600">
-                <a:solidFill>
-                  <a:srgbClr val="262626"/>
-                </a:solidFill>
-                <a:latin typeface="+mn-lt"/>
-                <a:ea typeface="Gill Sans" charset="0"/>
-                <a:cs typeface="Gill Sans" charset="0"/>
-              </a:rPr>
-              <a:t>We are a technology consultancy for quality assurance of embedded systems. Our core competences are model based development, model based testing, test automation, tool qualification</a:t>
-            </a:r>
-          </a:p>
-          <a:p>
-            <a:pPr marL="254000" indent="-254000">
-              <a:lnSpc>
-                <a:spcPct val="120000"/>
-              </a:lnSpc>
-              <a:spcBef>
-                <a:spcPts val="1000"/>
-              </a:spcBef>
-              <a:buSzPct val="120000"/>
-              <a:buFont typeface="Lucida Grande" charset="0"/>
-              <a:buChar char="‣"/>
-              <a:defRPr/>
-            </a:pPr>
-            <a:r>
-              <a:rPr lang="en-US" sz="2600">
-                <a:solidFill>
-                  <a:srgbClr val="262626"/>
-                </a:solidFill>
-                <a:latin typeface="+mn-lt"/>
-                <a:ea typeface="Gill Sans" charset="0"/>
-                <a:cs typeface="Gill Sans" charset="0"/>
-              </a:rPr>
-              <a:t>We develop innovative software engineering methods, implement them in form of tools and processes and we support our customers in their application. </a:t>
-            </a:r>
-          </a:p>
-          <a:p>
-            <a:pPr marL="254000" indent="-254000">
-              <a:lnSpc>
-                <a:spcPct val="120000"/>
-              </a:lnSpc>
-              <a:spcBef>
-                <a:spcPts val="1000"/>
-              </a:spcBef>
-              <a:defRPr/>
-            </a:pPr>
-            <a:endParaRPr lang="en-US" sz="2600">
-              <a:solidFill>
-                <a:srgbClr val="262626"/>
-              </a:solidFill>
-              <a:latin typeface="+mn-lt"/>
-              <a:ea typeface="Gill Sans" charset="0"/>
-              <a:cs typeface="Gill Sans" charset="0"/>
-            </a:endParaRPr>
-          </a:p>
-        </p:txBody>
-      </p:sp>
-    </p:spTree>
-    <p:extLst>
-      <p:ext uri="{BB962C8B-B14F-4D97-AF65-F5344CB8AC3E}">
-        <p14:creationId xmlns:p14="http://schemas.microsoft.com/office/powerpoint/2010/main" val="3717779407"/>
-      </p:ext>
-    </p:extLst>
-  </p:cSld>
-  <p:clrMapOvr>
-    <a:masterClrMapping/>
-  </p:clrMapOvr>
-</p:sld>
-</file>
-
-<file path=ppt/slides/slide12.xml><?xml version="1.0" encoding="utf-8"?>
-<p:sld xmlns:a="http://schemas.openxmlformats.org/drawingml/2006/main" xmlns:r="http://schemas.openxmlformats.org/officeDocument/2006/relationships" xmlns:p="http://schemas.openxmlformats.org/presentationml/2006/main">
-  <p:cSld>
-    <p:spTree>
-      <p:nvGrpSpPr>
-        <p:cNvPr id="1" name=""/>
-        <p:cNvGrpSpPr/>
-        <p:nvPr/>
-      </p:nvGrpSpPr>
-      <p:grpSpPr>
-        <a:xfrm>
-          <a:off x="0" y="0"/>
-          <a:ext cx="0" cy="0"/>
-          <a:chOff x="0" y="0"/>
-          <a:chExt cx="0" cy="0"/>
-        </a:xfrm>
-      </p:grpSpPr>
-      <p:pic>
-        <p:nvPicPr>
-          <p:cNvPr id="17410" name="Picture 2"/>
-          <p:cNvPicPr>
-            <a:picLocks noChangeArrowheads="1"/>
-          </p:cNvPicPr>
-          <p:nvPr/>
-        </p:nvPicPr>
-        <p:blipFill>
-          <a:blip r:embed="rId2" cstate="print"/>
-          <a:srcRect/>
-          <a:stretch>
-            <a:fillRect/>
-          </a:stretch>
-        </p:blipFill>
-        <p:spPr bwMode="auto">
-          <a:xfrm>
-            <a:off x="461963" y="1608138"/>
-            <a:ext cx="5689600" cy="7340600"/>
-          </a:xfrm>
-          <a:prstGeom prst="rect">
-            <a:avLst/>
-          </a:prstGeom>
-          <a:noFill/>
-          <a:ln w="12700">
-            <a:noFill/>
-            <a:miter lim="800000"/>
-            <a:headEnd/>
-            <a:tailEnd/>
-          </a:ln>
-        </p:spPr>
-      </p:pic>
-      <p:sp>
-        <p:nvSpPr>
-          <p:cNvPr id="4" name="Abgerundetes Rechteck 3"/>
-          <p:cNvSpPr/>
-          <p:nvPr/>
-        </p:nvSpPr>
-        <p:spPr>
-          <a:xfrm>
-            <a:off x="6813550" y="1625600"/>
-            <a:ext cx="5703888" cy="5391150"/>
-          </a:xfrm>
-          <a:prstGeom prst="roundRect">
-            <a:avLst>
-              <a:gd name="adj" fmla="val 0"/>
-            </a:avLst>
-          </a:prstGeom>
-          <a:noFill/>
-          <a:ln>
-            <a:noFill/>
-          </a:ln>
-          <a:effectLst/>
-        </p:spPr>
-        <p:style>
-          <a:lnRef idx="2">
-            <a:schemeClr val="accent1">
-              <a:shade val="50000"/>
-            </a:schemeClr>
-          </a:lnRef>
-          <a:fillRef idx="1">
-            <a:schemeClr val="accent1"/>
-          </a:fillRef>
-          <a:effectRef idx="0">
-            <a:schemeClr val="accent1"/>
-          </a:effectRef>
-          <a:fontRef idx="minor">
-            <a:schemeClr val="lt1"/>
-          </a:fontRef>
-        </p:style>
-        <p:txBody>
-          <a:bodyPr lIns="130046" tIns="65023" rIns="130046" bIns="65023" anchor="ctr"/>
-          <a:lstStyle/>
-          <a:p>
-            <a:pPr algn="ctr">
-              <a:defRPr/>
-            </a:pPr>
-            <a:endParaRPr lang="de-DE" sz="3400" b="1">
-              <a:solidFill>
-                <a:srgbClr val="64748B"/>
-              </a:solidFill>
-            </a:endParaRPr>
-          </a:p>
-        </p:txBody>
-      </p:sp>
-      <p:sp>
-        <p:nvSpPr>
-          <p:cNvPr id="5" name="Abgerundetes Rechteck 4"/>
-          <p:cNvSpPr/>
-          <p:nvPr/>
-        </p:nvSpPr>
-        <p:spPr>
-          <a:xfrm>
-            <a:off x="6813550" y="7234238"/>
-            <a:ext cx="5703888" cy="1706562"/>
-          </a:xfrm>
-          <a:prstGeom prst="roundRect">
-            <a:avLst>
-              <a:gd name="adj" fmla="val 0"/>
-            </a:avLst>
-          </a:prstGeom>
-          <a:noFill/>
-          <a:ln>
-            <a:noFill/>
-          </a:ln>
-          <a:effectLst/>
-        </p:spPr>
-        <p:style>
-          <a:lnRef idx="2">
-            <a:schemeClr val="accent1">
-              <a:shade val="50000"/>
-            </a:schemeClr>
-          </a:lnRef>
-          <a:fillRef idx="1">
-            <a:schemeClr val="accent1"/>
-          </a:fillRef>
-          <a:effectRef idx="0">
-            <a:schemeClr val="accent1"/>
-          </a:effectRef>
-          <a:fontRef idx="minor">
-            <a:schemeClr val="lt1"/>
-          </a:fontRef>
-        </p:style>
-        <p:txBody>
-          <a:bodyPr lIns="130046" tIns="65023" rIns="130046" bIns="65023" anchor="ctr"/>
-          <a:lstStyle/>
-          <a:p>
-            <a:pPr algn="ctr">
-              <a:defRPr/>
-            </a:pPr>
-            <a:r>
-              <a:rPr lang="de-DE" b="1">
-                <a:solidFill>
-                  <a:schemeClr val="bg2"/>
-                </a:solidFill>
-              </a:rPr>
-              <a:t>Arnulfstraße 27</a:t>
-            </a:r>
-          </a:p>
-          <a:p>
-            <a:pPr algn="ctr">
-              <a:defRPr/>
-            </a:pPr>
-            <a:r>
-              <a:rPr lang="de-DE" b="1">
-                <a:solidFill>
-                  <a:schemeClr val="bg2"/>
-                </a:solidFill>
-              </a:rPr>
-              <a:t>80335 München</a:t>
-            </a:r>
-          </a:p>
-          <a:p>
-            <a:pPr algn="ctr">
-              <a:defRPr/>
-            </a:pPr>
-            <a:r>
-              <a:rPr lang="de-DE" b="1">
-                <a:solidFill>
-                  <a:schemeClr val="bg2"/>
-                </a:solidFill>
-              </a:rPr>
-              <a:t>www.validas.de</a:t>
-            </a:r>
-          </a:p>
-          <a:p>
-            <a:pPr algn="ctr">
-              <a:defRPr/>
-            </a:pPr>
-            <a:r>
-              <a:rPr lang="de-DE" b="1">
-                <a:solidFill>
-                  <a:schemeClr val="bg2"/>
-                </a:solidFill>
-              </a:rPr>
-              <a:t>info@validas.de</a:t>
-            </a:r>
-          </a:p>
-        </p:txBody>
-      </p:sp>
-      <p:pic>
-        <p:nvPicPr>
-          <p:cNvPr id="17413" name="Picture 2" descr="\\smbsrv.validas\intranet\Validas\CorporateIdentity\ValidasLogos\validas600.png"/>
-          <p:cNvPicPr>
-            <a:picLocks noChangeAspect="1" noChangeArrowheads="1"/>
-          </p:cNvPicPr>
-          <p:nvPr/>
-        </p:nvPicPr>
-        <p:blipFill>
-          <a:blip r:embed="rId3" cstate="print">
-            <a:lum bright="-10000" contrast="30000"/>
-          </a:blip>
-          <a:srcRect/>
-          <a:stretch>
-            <a:fillRect/>
-          </a:stretch>
-        </p:blipFill>
-        <p:spPr bwMode="auto">
-          <a:xfrm>
-            <a:off x="8024813" y="2809875"/>
-            <a:ext cx="3727450" cy="819150"/>
-          </a:xfrm>
-          <a:prstGeom prst="rect">
-            <a:avLst/>
-          </a:prstGeom>
-          <a:noFill/>
-          <a:ln w="9525">
-            <a:noFill/>
-            <a:miter lim="800000"/>
-            <a:headEnd/>
-            <a:tailEnd/>
-          </a:ln>
-        </p:spPr>
-      </p:pic>
-      <p:sp>
-        <p:nvSpPr>
-          <p:cNvPr id="17415" name="Titel 9"/>
-          <p:cNvSpPr>
-            <a:spLocks noGrp="1"/>
-          </p:cNvSpPr>
-          <p:nvPr>
-            <p:ph type="title"/>
-          </p:nvPr>
-        </p:nvSpPr>
-        <p:spPr bwMode="auto">
-          <a:xfrm>
-            <a:off x="442913" y="93663"/>
-            <a:ext cx="10742612" cy="939800"/>
-          </a:xfrm>
-          <a:noFill/>
-          <a:ln>
-            <a:miter lim="800000"/>
-            <a:headEnd/>
-            <a:tailEnd/>
-          </a:ln>
-        </p:spPr>
-        <p:txBody>
-          <a:bodyPr vert="horz" wrap="square" numCol="1" anchor="t" anchorCtr="0" compatLnSpc="1">
-            <a:prstTxWarp prst="textNoShape">
-              <a:avLst/>
-            </a:prstTxWarp>
-          </a:bodyPr>
-          <a:lstStyle/>
-          <a:p>
-            <a:pPr eaLnBrk="1" hangingPunct="1"/>
-            <a:r>
-              <a:rPr lang="de-DE" smtClean="0"/>
-              <a:t>Thank you !</a:t>
-            </a:r>
-            <a:endParaRPr lang="en-US" smtClean="0"/>
-          </a:p>
-        </p:txBody>
-      </p:sp>
-    </p:spTree>
-  </p:cSld>
-  <p:clrMapOvr>
-    <a:masterClrMapping/>
-  </p:clrMapOvr>
-  <p:transition/>
-  <p:timing>
-    <p:tnLst>
-      <p:par>
-        <p:cTn id="1" dur="indefinite" restart="never" nodeType="tmRoot"/>
-      </p:par>
-    </p:tnLst>
-  </p:timing>
-</p:sld>
-</file>
-
-<file path=ppt/slides/slide2.xml><?xml version="1.0" encoding="utf-8"?>
-<p:sld xmlns:a="http://schemas.openxmlformats.org/drawingml/2006/main" xmlns:r="http://schemas.openxmlformats.org/officeDocument/2006/relationships" xmlns:p="http://schemas.openxmlformats.org/presentationml/2006/main">
-  <p:cSld>
-    <p:spTree>
-      <p:nvGrpSpPr>
-        <p:cNvPr id="1" name=""/>
-        <p:cNvGrpSpPr/>
-        <p:nvPr/>
-      </p:nvGrpSpPr>
-      <p:grpSpPr>
-        <a:xfrm>
-          <a:off x="0" y="0"/>
-          <a:ext cx="0" cy="0"/>
-          <a:chOff x="0" y="0"/>
-          <a:chExt cx="0" cy="0"/>
-        </a:xfrm>
-      </p:grpSpPr>
-      <p:sp>
-        <p:nvSpPr>
-          <p:cNvPr id="9218" name="Titel 1"/>
-          <p:cNvSpPr>
-            <a:spLocks noGrp="1"/>
-          </p:cNvSpPr>
-          <p:nvPr>
-            <p:ph type="title"/>
-          </p:nvPr>
-        </p:nvSpPr>
-        <p:spPr bwMode="auto">
-          <a:xfrm>
-            <a:off x="442913" y="93663"/>
-            <a:ext cx="10742612" cy="939800"/>
-          </a:xfrm>
-          <a:noFill/>
-          <a:ln>
-            <a:miter lim="800000"/>
-            <a:headEnd/>
-            <a:tailEnd/>
-          </a:ln>
-        </p:spPr>
-        <p:txBody>
-          <a:bodyPr vert="horz" wrap="square" numCol="1" anchor="t" anchorCtr="0" compatLnSpc="1">
-            <a:prstTxWarp prst="textNoShape">
-              <a:avLst/>
-            </a:prstTxWarp>
-          </a:bodyPr>
-          <a:lstStyle/>
-          <a:p>
-            <a:r>
-              <a:rPr lang="en-US" smtClean="0"/>
-              <a:t>What does </a:t>
-            </a:r>
-            <a:r>
-              <a:rPr lang="en-US" smtClean="0">
-                <a:latin typeface="Courier New" panose="02070309020205020404" pitchFamily="49" charset="0"/>
-                <a:cs typeface="Courier New" panose="02070309020205020404" pitchFamily="49" charset="0"/>
-              </a:rPr>
-              <a:t>process</a:t>
-            </a:r>
-            <a:r>
-              <a:rPr lang="en-US" smtClean="0"/>
-              <a:t> do?</a:t>
-            </a:r>
-          </a:p>
-        </p:txBody>
-      </p:sp>
-      <p:sp>
-        <p:nvSpPr>
-          <p:cNvPr id="3" name="Textfeld 2"/>
-          <p:cNvSpPr txBox="1"/>
-          <p:nvPr/>
-        </p:nvSpPr>
-        <p:spPr>
-          <a:xfrm>
-            <a:off x="477520" y="1229360"/>
-            <a:ext cx="5416868" cy="7786747"/>
-          </a:xfrm>
-          <a:prstGeom prst="rect">
-            <a:avLst/>
-          </a:prstGeom>
-          <a:noFill/>
-        </p:spPr>
-        <p:txBody>
-          <a:bodyPr wrap="none" rtlCol="0">
-            <a:spAutoFit/>
-          </a:bodyPr>
-          <a:lstStyle/>
-          <a:p>
-            <a:r>
-              <a:rPr lang="de-DE" sz="2000" err="1">
-                <a:latin typeface="Courier New" panose="02070309020205020404" pitchFamily="49" charset="0"/>
-                <a:cs typeface="Courier New" panose="02070309020205020404" pitchFamily="49" charset="0"/>
-              </a:rPr>
-              <a:t>void</a:t>
-            </a:r>
-            <a:r>
-              <a:rPr lang="de-DE" sz="2000">
-                <a:latin typeface="Courier New" panose="02070309020205020404" pitchFamily="49" charset="0"/>
-                <a:cs typeface="Courier New" panose="02070309020205020404" pitchFamily="49" charset="0"/>
-              </a:rPr>
-              <a:t> </a:t>
-            </a:r>
-            <a:r>
-              <a:rPr lang="de-DE" sz="2000" err="1">
-                <a:latin typeface="Courier New" panose="02070309020205020404" pitchFamily="49" charset="0"/>
-                <a:cs typeface="Courier New" panose="02070309020205020404" pitchFamily="49" charset="0"/>
-              </a:rPr>
-              <a:t>swap</a:t>
-            </a:r>
-            <a:r>
-              <a:rPr lang="de-DE" sz="2000">
-                <a:latin typeface="Courier New" panose="02070309020205020404" pitchFamily="49" charset="0"/>
-                <a:cs typeface="Courier New" panose="02070309020205020404" pitchFamily="49" charset="0"/>
-              </a:rPr>
-              <a:t>(</a:t>
-            </a:r>
-            <a:r>
-              <a:rPr lang="de-DE" sz="2000" err="1">
-                <a:latin typeface="Courier New" panose="02070309020205020404" pitchFamily="49" charset="0"/>
-                <a:cs typeface="Courier New" panose="02070309020205020404" pitchFamily="49" charset="0"/>
-              </a:rPr>
-              <a:t>int</a:t>
-            </a:r>
-            <a:r>
-              <a:rPr lang="de-DE" sz="2000">
-                <a:latin typeface="Courier New" panose="02070309020205020404" pitchFamily="49" charset="0"/>
-                <a:cs typeface="Courier New" panose="02070309020205020404" pitchFamily="49" charset="0"/>
-              </a:rPr>
-              <a:t> *a, </a:t>
-            </a:r>
-            <a:r>
-              <a:rPr lang="de-DE" sz="2000" err="1">
-                <a:latin typeface="Courier New" panose="02070309020205020404" pitchFamily="49" charset="0"/>
-                <a:cs typeface="Courier New" panose="02070309020205020404" pitchFamily="49" charset="0"/>
-              </a:rPr>
-              <a:t>int</a:t>
-            </a:r>
-            <a:r>
-              <a:rPr lang="de-DE" sz="2000">
-                <a:latin typeface="Courier New" panose="02070309020205020404" pitchFamily="49" charset="0"/>
-                <a:cs typeface="Courier New" panose="02070309020205020404" pitchFamily="49" charset="0"/>
-              </a:rPr>
-              <a:t> *b)</a:t>
-            </a:r>
-          </a:p>
-          <a:p>
-            <a:r>
-              <a:rPr lang="de-DE" sz="2000">
-                <a:latin typeface="Courier New" panose="02070309020205020404" pitchFamily="49" charset="0"/>
-                <a:cs typeface="Courier New" panose="02070309020205020404" pitchFamily="49" charset="0"/>
-              </a:rPr>
-              <a:t>{</a:t>
-            </a:r>
-          </a:p>
-          <a:p>
-            <a:r>
-              <a:rPr lang="de-DE" sz="2000">
-                <a:latin typeface="Courier New" panose="02070309020205020404" pitchFamily="49" charset="0"/>
-                <a:cs typeface="Courier New" panose="02070309020205020404" pitchFamily="49" charset="0"/>
-              </a:rPr>
-              <a:t>    </a:t>
-            </a:r>
-            <a:r>
-              <a:rPr lang="de-DE" sz="2000" err="1">
-                <a:latin typeface="Courier New" panose="02070309020205020404" pitchFamily="49" charset="0"/>
-                <a:cs typeface="Courier New" panose="02070309020205020404" pitchFamily="49" charset="0"/>
-              </a:rPr>
-              <a:t>int</a:t>
-            </a:r>
-            <a:r>
-              <a:rPr lang="de-DE" sz="2000">
-                <a:latin typeface="Courier New" panose="02070309020205020404" pitchFamily="49" charset="0"/>
-                <a:cs typeface="Courier New" panose="02070309020205020404" pitchFamily="49" charset="0"/>
-              </a:rPr>
-              <a:t> </a:t>
-            </a:r>
-            <a:r>
-              <a:rPr lang="de-DE" sz="2000" err="1">
-                <a:latin typeface="Courier New" panose="02070309020205020404" pitchFamily="49" charset="0"/>
-                <a:cs typeface="Courier New" panose="02070309020205020404" pitchFamily="49" charset="0"/>
-              </a:rPr>
-              <a:t>tmp</a:t>
-            </a:r>
-            <a:r>
-              <a:rPr lang="de-DE" sz="2000">
-                <a:latin typeface="Courier New" panose="02070309020205020404" pitchFamily="49" charset="0"/>
-                <a:cs typeface="Courier New" panose="02070309020205020404" pitchFamily="49" charset="0"/>
-              </a:rPr>
-              <a:t> = *a;</a:t>
-            </a:r>
-          </a:p>
-          <a:p>
-            <a:r>
-              <a:rPr lang="de-DE" sz="2000">
-                <a:latin typeface="Courier New" panose="02070309020205020404" pitchFamily="49" charset="0"/>
-                <a:cs typeface="Courier New" panose="02070309020205020404" pitchFamily="49" charset="0"/>
-              </a:rPr>
-              <a:t>    *a = *b;</a:t>
-            </a:r>
-          </a:p>
-          <a:p>
-            <a:r>
-              <a:rPr lang="de-DE" sz="2000">
-                <a:latin typeface="Courier New" panose="02070309020205020404" pitchFamily="49" charset="0"/>
-                <a:cs typeface="Courier New" panose="02070309020205020404" pitchFamily="49" charset="0"/>
-              </a:rPr>
-              <a:t>    *b = </a:t>
-            </a:r>
-            <a:r>
-              <a:rPr lang="de-DE" sz="2000" err="1">
-                <a:latin typeface="Courier New" panose="02070309020205020404" pitchFamily="49" charset="0"/>
-                <a:cs typeface="Courier New" panose="02070309020205020404" pitchFamily="49" charset="0"/>
-              </a:rPr>
-              <a:t>tmp</a:t>
-            </a:r>
-            <a:r>
-              <a:rPr lang="de-DE" sz="2000">
-                <a:latin typeface="Courier New" panose="02070309020205020404" pitchFamily="49" charset="0"/>
-                <a:cs typeface="Courier New" panose="02070309020205020404" pitchFamily="49" charset="0"/>
-              </a:rPr>
-              <a:t>;</a:t>
-            </a:r>
-          </a:p>
-          <a:p>
-            <a:r>
-              <a:rPr lang="de-DE" sz="2000">
-                <a:latin typeface="Courier New" panose="02070309020205020404" pitchFamily="49" charset="0"/>
-                <a:cs typeface="Courier New" panose="02070309020205020404" pitchFamily="49" charset="0"/>
-              </a:rPr>
-              <a:t>}</a:t>
-            </a:r>
-          </a:p>
-          <a:p>
-            <a:endParaRPr lang="de-DE" sz="2000">
-              <a:latin typeface="Courier New" panose="02070309020205020404" pitchFamily="49" charset="0"/>
-              <a:cs typeface="Courier New" panose="02070309020205020404" pitchFamily="49" charset="0"/>
-            </a:endParaRPr>
-          </a:p>
-          <a:p>
-            <a:r>
-              <a:rPr lang="de-DE" sz="2000" err="1">
-                <a:latin typeface="Courier New" panose="02070309020205020404" pitchFamily="49" charset="0"/>
-                <a:cs typeface="Courier New" panose="02070309020205020404" pitchFamily="49" charset="0"/>
-              </a:rPr>
-              <a:t>void</a:t>
-            </a:r>
-            <a:r>
-              <a:rPr lang="de-DE" sz="2000">
-                <a:latin typeface="Courier New" panose="02070309020205020404" pitchFamily="49" charset="0"/>
-                <a:cs typeface="Courier New" panose="02070309020205020404" pitchFamily="49" charset="0"/>
-              </a:rPr>
-              <a:t> </a:t>
-            </a:r>
-            <a:r>
-              <a:rPr lang="de-DE" sz="2000" err="1" smtClean="0">
-                <a:latin typeface="Courier New" panose="02070309020205020404" pitchFamily="49" charset="0"/>
-                <a:cs typeface="Courier New" panose="02070309020205020404" pitchFamily="49" charset="0"/>
-              </a:rPr>
-              <a:t>process</a:t>
-            </a:r>
-            <a:r>
-              <a:rPr lang="de-DE" sz="2000" smtClean="0">
-                <a:latin typeface="Courier New" panose="02070309020205020404" pitchFamily="49" charset="0"/>
-                <a:cs typeface="Courier New" panose="02070309020205020404" pitchFamily="49" charset="0"/>
-              </a:rPr>
-              <a:t>(</a:t>
-            </a:r>
-            <a:r>
-              <a:rPr lang="de-DE" sz="2000" err="1" smtClean="0">
-                <a:latin typeface="Courier New" panose="02070309020205020404" pitchFamily="49" charset="0"/>
-                <a:cs typeface="Courier New" panose="02070309020205020404" pitchFamily="49" charset="0"/>
-              </a:rPr>
-              <a:t>int</a:t>
-            </a:r>
-            <a:r>
-              <a:rPr lang="de-DE" sz="2000" smtClean="0">
-                <a:latin typeface="Courier New" panose="02070309020205020404" pitchFamily="49" charset="0"/>
-                <a:cs typeface="Courier New" panose="02070309020205020404" pitchFamily="49" charset="0"/>
-              </a:rPr>
-              <a:t> </a:t>
-            </a:r>
-            <a:r>
-              <a:rPr lang="de-DE" sz="2000">
-                <a:latin typeface="Courier New" panose="02070309020205020404" pitchFamily="49" charset="0"/>
-                <a:cs typeface="Courier New" panose="02070309020205020404" pitchFamily="49" charset="0"/>
-              </a:rPr>
-              <a:t>*</a:t>
-            </a:r>
-            <a:r>
-              <a:rPr lang="de-DE" sz="2000" err="1">
-                <a:latin typeface="Courier New" panose="02070309020205020404" pitchFamily="49" charset="0"/>
-                <a:cs typeface="Courier New" panose="02070309020205020404" pitchFamily="49" charset="0"/>
-              </a:rPr>
-              <a:t>begin</a:t>
-            </a:r>
-            <a:r>
-              <a:rPr lang="de-DE" sz="2000">
-                <a:latin typeface="Courier New" panose="02070309020205020404" pitchFamily="49" charset="0"/>
-                <a:cs typeface="Courier New" panose="02070309020205020404" pitchFamily="49" charset="0"/>
-              </a:rPr>
-              <a:t>, </a:t>
-            </a:r>
-            <a:r>
-              <a:rPr lang="de-DE" sz="2000" err="1">
-                <a:latin typeface="Courier New" panose="02070309020205020404" pitchFamily="49" charset="0"/>
-                <a:cs typeface="Courier New" panose="02070309020205020404" pitchFamily="49" charset="0"/>
-              </a:rPr>
-              <a:t>int</a:t>
-            </a:r>
-            <a:r>
-              <a:rPr lang="de-DE" sz="2000">
-                <a:latin typeface="Courier New" panose="02070309020205020404" pitchFamily="49" charset="0"/>
-                <a:cs typeface="Courier New" panose="02070309020205020404" pitchFamily="49" charset="0"/>
-              </a:rPr>
-              <a:t> *end)</a:t>
-            </a:r>
-          </a:p>
-          <a:p>
-            <a:r>
-              <a:rPr lang="de-DE" sz="2000">
-                <a:latin typeface="Courier New" panose="02070309020205020404" pitchFamily="49" charset="0"/>
-                <a:cs typeface="Courier New" panose="02070309020205020404" pitchFamily="49" charset="0"/>
-              </a:rPr>
-              <a:t>{</a:t>
-            </a:r>
-          </a:p>
-          <a:p>
-            <a:r>
-              <a:rPr lang="de-DE" sz="2000">
-                <a:latin typeface="Courier New" panose="02070309020205020404" pitchFamily="49" charset="0"/>
-                <a:cs typeface="Courier New" panose="02070309020205020404" pitchFamily="49" charset="0"/>
-              </a:rPr>
-              <a:t>    </a:t>
-            </a:r>
-            <a:r>
-              <a:rPr lang="de-DE" sz="2000" err="1">
-                <a:latin typeface="Courier New" panose="02070309020205020404" pitchFamily="49" charset="0"/>
-                <a:cs typeface="Courier New" panose="02070309020205020404" pitchFamily="49" charset="0"/>
-              </a:rPr>
-              <a:t>int</a:t>
-            </a:r>
-            <a:r>
-              <a:rPr lang="de-DE" sz="2000">
-                <a:latin typeface="Courier New" panose="02070309020205020404" pitchFamily="49" charset="0"/>
-                <a:cs typeface="Courier New" panose="02070309020205020404" pitchFamily="49" charset="0"/>
-              </a:rPr>
-              <a:t> *</a:t>
-            </a:r>
-            <a:r>
-              <a:rPr lang="de-DE" sz="2000" err="1">
-                <a:latin typeface="Courier New" panose="02070309020205020404" pitchFamily="49" charset="0"/>
-                <a:cs typeface="Courier New" panose="02070309020205020404" pitchFamily="49" charset="0"/>
-              </a:rPr>
-              <a:t>ptr</a:t>
-            </a:r>
-            <a:r>
-              <a:rPr lang="de-DE" sz="2000">
-                <a:latin typeface="Courier New" panose="02070309020205020404" pitchFamily="49" charset="0"/>
-                <a:cs typeface="Courier New" panose="02070309020205020404" pitchFamily="49" charset="0"/>
-              </a:rPr>
-              <a:t>;</a:t>
-            </a:r>
-          </a:p>
-          <a:p>
-            <a:r>
-              <a:rPr lang="de-DE" sz="2000">
-                <a:latin typeface="Courier New" panose="02070309020205020404" pitchFamily="49" charset="0"/>
-                <a:cs typeface="Courier New" panose="02070309020205020404" pitchFamily="49" charset="0"/>
-              </a:rPr>
-              <a:t>    </a:t>
-            </a:r>
-            <a:r>
-              <a:rPr lang="de-DE" sz="2000" err="1">
-                <a:latin typeface="Courier New" panose="02070309020205020404" pitchFamily="49" charset="0"/>
-                <a:cs typeface="Courier New" panose="02070309020205020404" pitchFamily="49" charset="0"/>
-              </a:rPr>
-              <a:t>int</a:t>
-            </a:r>
-            <a:r>
-              <a:rPr lang="de-DE" sz="2000">
-                <a:latin typeface="Courier New" panose="02070309020205020404" pitchFamily="49" charset="0"/>
-                <a:cs typeface="Courier New" panose="02070309020205020404" pitchFamily="49" charset="0"/>
-              </a:rPr>
-              <a:t> *</a:t>
-            </a:r>
-            <a:r>
-              <a:rPr lang="de-DE" sz="2000" err="1">
-                <a:latin typeface="Courier New" panose="02070309020205020404" pitchFamily="49" charset="0"/>
-                <a:cs typeface="Courier New" panose="02070309020205020404" pitchFamily="49" charset="0"/>
-              </a:rPr>
-              <a:t>split</a:t>
-            </a:r>
-            <a:r>
-              <a:rPr lang="de-DE" sz="2000">
-                <a:latin typeface="Courier New" panose="02070309020205020404" pitchFamily="49" charset="0"/>
-                <a:cs typeface="Courier New" panose="02070309020205020404" pitchFamily="49" charset="0"/>
-              </a:rPr>
-              <a:t>;</a:t>
-            </a:r>
-          </a:p>
-          <a:p>
-            <a:r>
-              <a:rPr lang="de-DE" sz="2000">
-                <a:latin typeface="Courier New" panose="02070309020205020404" pitchFamily="49" charset="0"/>
-                <a:cs typeface="Courier New" panose="02070309020205020404" pitchFamily="49" charset="0"/>
-              </a:rPr>
-              <a:t>    </a:t>
-            </a:r>
-            <a:r>
-              <a:rPr lang="de-DE" sz="2000" err="1">
-                <a:latin typeface="Courier New" panose="02070309020205020404" pitchFamily="49" charset="0"/>
-                <a:cs typeface="Courier New" panose="02070309020205020404" pitchFamily="49" charset="0"/>
-              </a:rPr>
-              <a:t>if</a:t>
-            </a:r>
-            <a:r>
-              <a:rPr lang="de-DE" sz="2000">
-                <a:latin typeface="Courier New" panose="02070309020205020404" pitchFamily="49" charset="0"/>
-                <a:cs typeface="Courier New" panose="02070309020205020404" pitchFamily="49" charset="0"/>
-              </a:rPr>
-              <a:t> (end - </a:t>
-            </a:r>
-            <a:r>
-              <a:rPr lang="de-DE" sz="2000" err="1">
-                <a:latin typeface="Courier New" panose="02070309020205020404" pitchFamily="49" charset="0"/>
-                <a:cs typeface="Courier New" panose="02070309020205020404" pitchFamily="49" charset="0"/>
-              </a:rPr>
-              <a:t>begin</a:t>
-            </a:r>
-            <a:r>
-              <a:rPr lang="de-DE" sz="2000">
-                <a:latin typeface="Courier New" panose="02070309020205020404" pitchFamily="49" charset="0"/>
-                <a:cs typeface="Courier New" panose="02070309020205020404" pitchFamily="49" charset="0"/>
-              </a:rPr>
-              <a:t> &lt;= 1)</a:t>
-            </a:r>
-          </a:p>
-          <a:p>
-            <a:r>
-              <a:rPr lang="de-DE" sz="2000">
-                <a:latin typeface="Courier New" panose="02070309020205020404" pitchFamily="49" charset="0"/>
-                <a:cs typeface="Courier New" panose="02070309020205020404" pitchFamily="49" charset="0"/>
-              </a:rPr>
-              <a:t>        </a:t>
-            </a:r>
-            <a:r>
-              <a:rPr lang="de-DE" sz="2000" err="1">
-                <a:latin typeface="Courier New" panose="02070309020205020404" pitchFamily="49" charset="0"/>
-                <a:cs typeface="Courier New" panose="02070309020205020404" pitchFamily="49" charset="0"/>
-              </a:rPr>
-              <a:t>return</a:t>
-            </a:r>
-            <a:r>
-              <a:rPr lang="de-DE" sz="2000">
-                <a:latin typeface="Courier New" panose="02070309020205020404" pitchFamily="49" charset="0"/>
-                <a:cs typeface="Courier New" panose="02070309020205020404" pitchFamily="49" charset="0"/>
-              </a:rPr>
-              <a:t>;</a:t>
-            </a:r>
-          </a:p>
-          <a:p>
-            <a:r>
-              <a:rPr lang="de-DE" sz="2000">
-                <a:latin typeface="Courier New" panose="02070309020205020404" pitchFamily="49" charset="0"/>
-                <a:cs typeface="Courier New" panose="02070309020205020404" pitchFamily="49" charset="0"/>
-              </a:rPr>
-              <a:t>    </a:t>
-            </a:r>
-            <a:r>
-              <a:rPr lang="de-DE" sz="2000" err="1">
-                <a:latin typeface="Courier New" panose="02070309020205020404" pitchFamily="49" charset="0"/>
-                <a:cs typeface="Courier New" panose="02070309020205020404" pitchFamily="49" charset="0"/>
-              </a:rPr>
-              <a:t>ptr</a:t>
-            </a:r>
-            <a:r>
-              <a:rPr lang="de-DE" sz="2000">
-                <a:latin typeface="Courier New" panose="02070309020205020404" pitchFamily="49" charset="0"/>
-                <a:cs typeface="Courier New" panose="02070309020205020404" pitchFamily="49" charset="0"/>
-              </a:rPr>
-              <a:t> = </a:t>
-            </a:r>
-            <a:r>
-              <a:rPr lang="de-DE" sz="2000" err="1">
-                <a:latin typeface="Courier New" panose="02070309020205020404" pitchFamily="49" charset="0"/>
-                <a:cs typeface="Courier New" panose="02070309020205020404" pitchFamily="49" charset="0"/>
-              </a:rPr>
-              <a:t>begin</a:t>
-            </a:r>
-            <a:r>
-              <a:rPr lang="de-DE" sz="2000">
-                <a:latin typeface="Courier New" panose="02070309020205020404" pitchFamily="49" charset="0"/>
-                <a:cs typeface="Courier New" panose="02070309020205020404" pitchFamily="49" charset="0"/>
-              </a:rPr>
-              <a:t>;</a:t>
-            </a:r>
-          </a:p>
-          <a:p>
-            <a:r>
-              <a:rPr lang="de-DE" sz="2000">
-                <a:latin typeface="Courier New" panose="02070309020205020404" pitchFamily="49" charset="0"/>
-                <a:cs typeface="Courier New" panose="02070309020205020404" pitchFamily="49" charset="0"/>
-              </a:rPr>
-              <a:t>    </a:t>
-            </a:r>
-            <a:r>
-              <a:rPr lang="de-DE" sz="2000" err="1">
-                <a:latin typeface="Courier New" panose="02070309020205020404" pitchFamily="49" charset="0"/>
-                <a:cs typeface="Courier New" panose="02070309020205020404" pitchFamily="49" charset="0"/>
-              </a:rPr>
-              <a:t>split</a:t>
-            </a:r>
-            <a:r>
-              <a:rPr lang="de-DE" sz="2000">
-                <a:latin typeface="Courier New" panose="02070309020205020404" pitchFamily="49" charset="0"/>
-                <a:cs typeface="Courier New" panose="02070309020205020404" pitchFamily="49" charset="0"/>
-              </a:rPr>
-              <a:t> = </a:t>
-            </a:r>
-            <a:r>
-              <a:rPr lang="de-DE" sz="2000" err="1">
-                <a:latin typeface="Courier New" panose="02070309020205020404" pitchFamily="49" charset="0"/>
-                <a:cs typeface="Courier New" panose="02070309020205020404" pitchFamily="49" charset="0"/>
-              </a:rPr>
-              <a:t>begin</a:t>
-            </a:r>
-            <a:r>
-              <a:rPr lang="de-DE" sz="2000">
-                <a:latin typeface="Courier New" panose="02070309020205020404" pitchFamily="49" charset="0"/>
-                <a:cs typeface="Courier New" panose="02070309020205020404" pitchFamily="49" charset="0"/>
-              </a:rPr>
-              <a:t> + 1;</a:t>
-            </a:r>
-          </a:p>
-          <a:p>
-            <a:r>
-              <a:rPr lang="de-DE" sz="2000">
-                <a:latin typeface="Courier New" panose="02070309020205020404" pitchFamily="49" charset="0"/>
-                <a:cs typeface="Courier New" panose="02070309020205020404" pitchFamily="49" charset="0"/>
-              </a:rPr>
-              <a:t>    </a:t>
-            </a:r>
-            <a:r>
-              <a:rPr lang="de-DE" sz="2000" err="1">
-                <a:latin typeface="Courier New" panose="02070309020205020404" pitchFamily="49" charset="0"/>
-                <a:cs typeface="Courier New" panose="02070309020205020404" pitchFamily="49" charset="0"/>
-              </a:rPr>
-              <a:t>while</a:t>
-            </a:r>
-            <a:r>
-              <a:rPr lang="de-DE" sz="2000">
-                <a:latin typeface="Courier New" panose="02070309020205020404" pitchFamily="49" charset="0"/>
-                <a:cs typeface="Courier New" panose="02070309020205020404" pitchFamily="49" charset="0"/>
-              </a:rPr>
-              <a:t> (++</a:t>
-            </a:r>
-            <a:r>
-              <a:rPr lang="de-DE" sz="2000" err="1">
-                <a:latin typeface="Courier New" panose="02070309020205020404" pitchFamily="49" charset="0"/>
-                <a:cs typeface="Courier New" panose="02070309020205020404" pitchFamily="49" charset="0"/>
-              </a:rPr>
-              <a:t>ptr</a:t>
-            </a:r>
-            <a:r>
-              <a:rPr lang="de-DE" sz="2000">
-                <a:latin typeface="Courier New" panose="02070309020205020404" pitchFamily="49" charset="0"/>
-                <a:cs typeface="Courier New" panose="02070309020205020404" pitchFamily="49" charset="0"/>
-              </a:rPr>
-              <a:t> &lt;= end) {</a:t>
-            </a:r>
-          </a:p>
-          <a:p>
-            <a:r>
-              <a:rPr lang="de-DE" sz="2000">
-                <a:latin typeface="Courier New" panose="02070309020205020404" pitchFamily="49" charset="0"/>
-                <a:cs typeface="Courier New" panose="02070309020205020404" pitchFamily="49" charset="0"/>
-              </a:rPr>
-              <a:t>        </a:t>
-            </a:r>
-            <a:r>
-              <a:rPr lang="de-DE" sz="2000" err="1">
-                <a:latin typeface="Courier New" panose="02070309020205020404" pitchFamily="49" charset="0"/>
-                <a:cs typeface="Courier New" panose="02070309020205020404" pitchFamily="49" charset="0"/>
-              </a:rPr>
-              <a:t>if</a:t>
-            </a:r>
-            <a:r>
-              <a:rPr lang="de-DE" sz="2000">
-                <a:latin typeface="Courier New" panose="02070309020205020404" pitchFamily="49" charset="0"/>
-                <a:cs typeface="Courier New" panose="02070309020205020404" pitchFamily="49" charset="0"/>
-              </a:rPr>
-              <a:t> (*</a:t>
-            </a:r>
-            <a:r>
-              <a:rPr lang="de-DE" sz="2000" err="1">
-                <a:latin typeface="Courier New" panose="02070309020205020404" pitchFamily="49" charset="0"/>
-                <a:cs typeface="Courier New" panose="02070309020205020404" pitchFamily="49" charset="0"/>
-              </a:rPr>
-              <a:t>ptr</a:t>
-            </a:r>
-            <a:r>
-              <a:rPr lang="de-DE" sz="2000">
-                <a:latin typeface="Courier New" panose="02070309020205020404" pitchFamily="49" charset="0"/>
-                <a:cs typeface="Courier New" panose="02070309020205020404" pitchFamily="49" charset="0"/>
-              </a:rPr>
-              <a:t> &lt; *</a:t>
-            </a:r>
-            <a:r>
-              <a:rPr lang="de-DE" sz="2000" err="1">
-                <a:latin typeface="Courier New" panose="02070309020205020404" pitchFamily="49" charset="0"/>
-                <a:cs typeface="Courier New" panose="02070309020205020404" pitchFamily="49" charset="0"/>
-              </a:rPr>
-              <a:t>begin</a:t>
-            </a:r>
-            <a:r>
-              <a:rPr lang="de-DE" sz="2000">
-                <a:latin typeface="Courier New" panose="02070309020205020404" pitchFamily="49" charset="0"/>
-                <a:cs typeface="Courier New" panose="02070309020205020404" pitchFamily="49" charset="0"/>
-              </a:rPr>
-              <a:t>) {</a:t>
-            </a:r>
-          </a:p>
-          <a:p>
-            <a:r>
-              <a:rPr lang="de-DE" sz="2000">
-                <a:latin typeface="Courier New" panose="02070309020205020404" pitchFamily="49" charset="0"/>
-                <a:cs typeface="Courier New" panose="02070309020205020404" pitchFamily="49" charset="0"/>
-              </a:rPr>
-              <a:t>            </a:t>
-            </a:r>
-            <a:r>
-              <a:rPr lang="de-DE" sz="2000" err="1">
-                <a:latin typeface="Courier New" panose="02070309020205020404" pitchFamily="49" charset="0"/>
-                <a:cs typeface="Courier New" panose="02070309020205020404" pitchFamily="49" charset="0"/>
-              </a:rPr>
-              <a:t>swap</a:t>
-            </a:r>
-            <a:r>
-              <a:rPr lang="de-DE" sz="2000">
-                <a:latin typeface="Courier New" panose="02070309020205020404" pitchFamily="49" charset="0"/>
-                <a:cs typeface="Courier New" panose="02070309020205020404" pitchFamily="49" charset="0"/>
-              </a:rPr>
-              <a:t>(</a:t>
-            </a:r>
-            <a:r>
-              <a:rPr lang="de-DE" sz="2000" err="1">
-                <a:latin typeface="Courier New" panose="02070309020205020404" pitchFamily="49" charset="0"/>
-                <a:cs typeface="Courier New" panose="02070309020205020404" pitchFamily="49" charset="0"/>
-              </a:rPr>
-              <a:t>ptr</a:t>
-            </a:r>
-            <a:r>
-              <a:rPr lang="de-DE" sz="2000">
-                <a:latin typeface="Courier New" panose="02070309020205020404" pitchFamily="49" charset="0"/>
-                <a:cs typeface="Courier New" panose="02070309020205020404" pitchFamily="49" charset="0"/>
-              </a:rPr>
-              <a:t>, </a:t>
-            </a:r>
-            <a:r>
-              <a:rPr lang="de-DE" sz="2000" err="1">
-                <a:latin typeface="Courier New" panose="02070309020205020404" pitchFamily="49" charset="0"/>
-                <a:cs typeface="Courier New" panose="02070309020205020404" pitchFamily="49" charset="0"/>
-              </a:rPr>
-              <a:t>split</a:t>
-            </a:r>
-            <a:r>
-              <a:rPr lang="de-DE" sz="2000">
-                <a:latin typeface="Courier New" panose="02070309020205020404" pitchFamily="49" charset="0"/>
-                <a:cs typeface="Courier New" panose="02070309020205020404" pitchFamily="49" charset="0"/>
-              </a:rPr>
-              <a:t>);</a:t>
-            </a:r>
-          </a:p>
-          <a:p>
-            <a:r>
-              <a:rPr lang="de-DE" sz="2000">
-                <a:latin typeface="Courier New" panose="02070309020205020404" pitchFamily="49" charset="0"/>
-                <a:cs typeface="Courier New" panose="02070309020205020404" pitchFamily="49" charset="0"/>
-              </a:rPr>
-              <a:t>            ++</a:t>
-            </a:r>
-            <a:r>
-              <a:rPr lang="de-DE" sz="2000" err="1">
-                <a:latin typeface="Courier New" panose="02070309020205020404" pitchFamily="49" charset="0"/>
-                <a:cs typeface="Courier New" panose="02070309020205020404" pitchFamily="49" charset="0"/>
-              </a:rPr>
-              <a:t>split</a:t>
-            </a:r>
-            <a:r>
-              <a:rPr lang="de-DE" sz="2000">
-                <a:latin typeface="Courier New" panose="02070309020205020404" pitchFamily="49" charset="0"/>
-                <a:cs typeface="Courier New" panose="02070309020205020404" pitchFamily="49" charset="0"/>
-              </a:rPr>
-              <a:t>;</a:t>
-            </a:r>
-          </a:p>
-          <a:p>
-            <a:r>
-              <a:rPr lang="de-DE" sz="2000">
-                <a:latin typeface="Courier New" panose="02070309020205020404" pitchFamily="49" charset="0"/>
-                <a:cs typeface="Courier New" panose="02070309020205020404" pitchFamily="49" charset="0"/>
-              </a:rPr>
-              <a:t>        }</a:t>
-            </a:r>
-          </a:p>
-          <a:p>
-            <a:r>
-              <a:rPr lang="de-DE" sz="2000">
-                <a:latin typeface="Courier New" panose="02070309020205020404" pitchFamily="49" charset="0"/>
-                <a:cs typeface="Courier New" panose="02070309020205020404" pitchFamily="49" charset="0"/>
-              </a:rPr>
-              <a:t>    }</a:t>
-            </a:r>
-          </a:p>
-          <a:p>
-            <a:r>
-              <a:rPr lang="de-DE" sz="2000">
-                <a:latin typeface="Courier New" panose="02070309020205020404" pitchFamily="49" charset="0"/>
-                <a:cs typeface="Courier New" panose="02070309020205020404" pitchFamily="49" charset="0"/>
-              </a:rPr>
-              <a:t>    </a:t>
-            </a:r>
-            <a:r>
-              <a:rPr lang="de-DE" sz="2000" err="1">
-                <a:latin typeface="Courier New" panose="02070309020205020404" pitchFamily="49" charset="0"/>
-                <a:cs typeface="Courier New" panose="02070309020205020404" pitchFamily="49" charset="0"/>
-              </a:rPr>
-              <a:t>swap</a:t>
-            </a:r>
-            <a:r>
-              <a:rPr lang="de-DE" sz="2000">
-                <a:latin typeface="Courier New" panose="02070309020205020404" pitchFamily="49" charset="0"/>
-                <a:cs typeface="Courier New" panose="02070309020205020404" pitchFamily="49" charset="0"/>
-              </a:rPr>
-              <a:t>(</a:t>
-            </a:r>
-            <a:r>
-              <a:rPr lang="de-DE" sz="2000" err="1">
-                <a:latin typeface="Courier New" panose="02070309020205020404" pitchFamily="49" charset="0"/>
-                <a:cs typeface="Courier New" panose="02070309020205020404" pitchFamily="49" charset="0"/>
-              </a:rPr>
-              <a:t>begin</a:t>
-            </a:r>
-            <a:r>
-              <a:rPr lang="de-DE" sz="2000">
-                <a:latin typeface="Courier New" panose="02070309020205020404" pitchFamily="49" charset="0"/>
-                <a:cs typeface="Courier New" panose="02070309020205020404" pitchFamily="49" charset="0"/>
-              </a:rPr>
-              <a:t>, </a:t>
-            </a:r>
-            <a:r>
-              <a:rPr lang="de-DE" sz="2000" err="1">
-                <a:latin typeface="Courier New" panose="02070309020205020404" pitchFamily="49" charset="0"/>
-                <a:cs typeface="Courier New" panose="02070309020205020404" pitchFamily="49" charset="0"/>
-              </a:rPr>
-              <a:t>split</a:t>
-            </a:r>
-            <a:r>
-              <a:rPr lang="de-DE" sz="2000">
-                <a:latin typeface="Courier New" panose="02070309020205020404" pitchFamily="49" charset="0"/>
-                <a:cs typeface="Courier New" panose="02070309020205020404" pitchFamily="49" charset="0"/>
-              </a:rPr>
-              <a:t> - 1);</a:t>
-            </a:r>
-          </a:p>
-          <a:p>
-            <a:r>
-              <a:rPr lang="de-DE" sz="2000">
-                <a:latin typeface="Courier New" panose="02070309020205020404" pitchFamily="49" charset="0"/>
-                <a:cs typeface="Courier New" panose="02070309020205020404" pitchFamily="49" charset="0"/>
-              </a:rPr>
-              <a:t>    </a:t>
-            </a:r>
-            <a:r>
-              <a:rPr lang="de-DE" sz="2000" err="1" smtClean="0">
-                <a:latin typeface="Courier New" panose="02070309020205020404" pitchFamily="49" charset="0"/>
-                <a:cs typeface="Courier New" panose="02070309020205020404" pitchFamily="49" charset="0"/>
-              </a:rPr>
-              <a:t>process</a:t>
-            </a:r>
-            <a:r>
-              <a:rPr lang="de-DE" sz="2000" smtClean="0">
-                <a:latin typeface="Courier New" panose="02070309020205020404" pitchFamily="49" charset="0"/>
-                <a:cs typeface="Courier New" panose="02070309020205020404" pitchFamily="49" charset="0"/>
-              </a:rPr>
-              <a:t>(</a:t>
-            </a:r>
-            <a:r>
-              <a:rPr lang="de-DE" sz="2000" err="1" smtClean="0">
-                <a:latin typeface="Courier New" panose="02070309020205020404" pitchFamily="49" charset="0"/>
-                <a:cs typeface="Courier New" panose="02070309020205020404" pitchFamily="49" charset="0"/>
-              </a:rPr>
-              <a:t>begin</a:t>
-            </a:r>
-            <a:r>
-              <a:rPr lang="de-DE" sz="2000">
-                <a:latin typeface="Courier New" panose="02070309020205020404" pitchFamily="49" charset="0"/>
-                <a:cs typeface="Courier New" panose="02070309020205020404" pitchFamily="49" charset="0"/>
-              </a:rPr>
-              <a:t>, </a:t>
-            </a:r>
-            <a:r>
-              <a:rPr lang="de-DE" sz="2000" err="1">
-                <a:latin typeface="Courier New" panose="02070309020205020404" pitchFamily="49" charset="0"/>
-                <a:cs typeface="Courier New" panose="02070309020205020404" pitchFamily="49" charset="0"/>
-              </a:rPr>
-              <a:t>split</a:t>
-            </a:r>
-            <a:r>
-              <a:rPr lang="de-DE" sz="2000">
-                <a:latin typeface="Courier New" panose="02070309020205020404" pitchFamily="49" charset="0"/>
-                <a:cs typeface="Courier New" panose="02070309020205020404" pitchFamily="49" charset="0"/>
-              </a:rPr>
-              <a:t> - 1);</a:t>
-            </a:r>
-          </a:p>
-          <a:p>
-            <a:r>
-              <a:rPr lang="de-DE" sz="2000">
-                <a:latin typeface="Courier New" panose="02070309020205020404" pitchFamily="49" charset="0"/>
-                <a:cs typeface="Courier New" panose="02070309020205020404" pitchFamily="49" charset="0"/>
-              </a:rPr>
-              <a:t>    </a:t>
-            </a:r>
-            <a:r>
-              <a:rPr lang="de-DE" sz="2000" err="1" smtClean="0">
-                <a:latin typeface="Courier New" panose="02070309020205020404" pitchFamily="49" charset="0"/>
-                <a:cs typeface="Courier New" panose="02070309020205020404" pitchFamily="49" charset="0"/>
-              </a:rPr>
-              <a:t>process</a:t>
-            </a:r>
-            <a:r>
-              <a:rPr lang="de-DE" sz="2000" smtClean="0">
-                <a:latin typeface="Courier New" panose="02070309020205020404" pitchFamily="49" charset="0"/>
-                <a:cs typeface="Courier New" panose="02070309020205020404" pitchFamily="49" charset="0"/>
-              </a:rPr>
-              <a:t>(</a:t>
-            </a:r>
-            <a:r>
-              <a:rPr lang="de-DE" sz="2000" err="1" smtClean="0">
-                <a:latin typeface="Courier New" panose="02070309020205020404" pitchFamily="49" charset="0"/>
-                <a:cs typeface="Courier New" panose="02070309020205020404" pitchFamily="49" charset="0"/>
-              </a:rPr>
-              <a:t>split</a:t>
-            </a:r>
-            <a:r>
-              <a:rPr lang="de-DE" sz="2000">
-                <a:latin typeface="Courier New" panose="02070309020205020404" pitchFamily="49" charset="0"/>
-                <a:cs typeface="Courier New" panose="02070309020205020404" pitchFamily="49" charset="0"/>
-              </a:rPr>
-              <a:t>, end);</a:t>
-            </a:r>
-          </a:p>
-          <a:p>
-            <a:r>
-              <a:rPr lang="de-DE" sz="2000">
-                <a:latin typeface="Courier New" panose="02070309020205020404" pitchFamily="49" charset="0"/>
-                <a:cs typeface="Courier New" panose="02070309020205020404" pitchFamily="49" charset="0"/>
-              </a:rPr>
-              <a:t>}</a:t>
-            </a:r>
-            <a:endParaRPr lang="de-DE" sz="2000" smtClean="0">
-              <a:latin typeface="Courier New" panose="02070309020205020404" pitchFamily="49" charset="0"/>
-              <a:cs typeface="Courier New" panose="02070309020205020404" pitchFamily="49" charset="0"/>
-            </a:endParaRPr>
-          </a:p>
-        </p:txBody>
-      </p:sp>
-    </p:spTree>
-  </p:cSld>
-  <p:clrMapOvr>
-    <a:masterClrMapping/>
-  </p:clrMapOvr>
-</p:sld>
-</file>
-
-<file path=ppt/slides/slide3.xml><?xml version="1.0" encoding="utf-8"?>
-<p:sld xmlns:a="http://schemas.openxmlformats.org/drawingml/2006/main" xmlns:r="http://schemas.openxmlformats.org/officeDocument/2006/relationships" xmlns:p="http://schemas.openxmlformats.org/presentationml/2006/main">
-  <p:cSld>
-    <p:spTree>
-      <p:nvGrpSpPr>
-        <p:cNvPr id="1" name=""/>
-        <p:cNvGrpSpPr/>
-        <p:nvPr/>
-      </p:nvGrpSpPr>
-      <p:grpSpPr>
-        <a:xfrm>
-          <a:off x="0" y="0"/>
-          <a:ext cx="0" cy="0"/>
-          <a:chOff x="0" y="0"/>
-          <a:chExt cx="0" cy="0"/>
-        </a:xfrm>
-      </p:grpSpPr>
-      <p:sp>
-        <p:nvSpPr>
-          <p:cNvPr id="9218" name="Titel 1"/>
-          <p:cNvSpPr>
-            <a:spLocks noGrp="1"/>
-          </p:cNvSpPr>
-          <p:nvPr>
-            <p:ph type="title"/>
-          </p:nvPr>
-        </p:nvSpPr>
-        <p:spPr bwMode="auto">
-          <a:xfrm>
-            <a:off x="442913" y="93663"/>
-            <a:ext cx="10742612" cy="939800"/>
-          </a:xfrm>
-          <a:noFill/>
-          <a:ln>
-            <a:miter lim="800000"/>
-            <a:headEnd/>
-            <a:tailEnd/>
-          </a:ln>
-        </p:spPr>
-        <p:txBody>
-          <a:bodyPr vert="horz" wrap="square" numCol="1" anchor="t" anchorCtr="0" compatLnSpc="1">
-            <a:prstTxWarp prst="textNoShape">
-              <a:avLst/>
-            </a:prstTxWarp>
-          </a:bodyPr>
-          <a:lstStyle/>
-          <a:p>
-            <a:r>
-              <a:rPr lang="en-US" smtClean="0"/>
-              <a:t>What does </a:t>
-            </a:r>
-            <a:r>
-              <a:rPr lang="en-US" smtClean="0">
-                <a:latin typeface="Droid Sans Mono Chess ASCII" panose="020B0609030804020204" pitchFamily="50" charset="0"/>
-                <a:ea typeface="Droid Sans Mono Chess ASCII" panose="020B0609030804020204" pitchFamily="50" charset="0"/>
-                <a:cs typeface="Droid Sans Mono Chess ASCII" panose="020B0609030804020204" pitchFamily="50" charset="0"/>
-              </a:rPr>
-              <a:t>process2</a:t>
-            </a:r>
-            <a:r>
-              <a:rPr lang="en-US" smtClean="0"/>
-              <a:t> do?</a:t>
-            </a:r>
-          </a:p>
-        </p:txBody>
-      </p:sp>
-      <p:sp>
-        <p:nvSpPr>
-          <p:cNvPr id="3" name="Textfeld 2"/>
-          <p:cNvSpPr txBox="1"/>
-          <p:nvPr/>
-        </p:nvSpPr>
-        <p:spPr>
-          <a:xfrm>
-            <a:off x="477520" y="1544320"/>
-            <a:ext cx="11572399" cy="1631216"/>
-          </a:xfrm>
-          <a:prstGeom prst="rect">
-            <a:avLst/>
-          </a:prstGeom>
-          <a:noFill/>
-        </p:spPr>
-        <p:txBody>
-          <a:bodyPr wrap="none" rtlCol="0">
-            <a:spAutoFit/>
-          </a:bodyPr>
-          <a:lstStyle/>
-          <a:p>
-            <a:r>
-              <a:rPr lang="en-US" sz="2000">
-                <a:latin typeface="Droid Sans Mono Chess ASCII" panose="020B0609030804020204" pitchFamily="50" charset="0"/>
-                <a:ea typeface="Droid Sans Mono Chess ASCII" panose="020B0609030804020204" pitchFamily="50" charset="0"/>
-                <a:cs typeface="Droid Sans Mono Chess ASCII" panose="020B0609030804020204" pitchFamily="50" charset="0"/>
-              </a:rPr>
-              <a:t>process2 []           = []</a:t>
-            </a:r>
-          </a:p>
-          <a:p>
-            <a:r>
-              <a:rPr lang="en-US" sz="2000">
-                <a:latin typeface="Droid Sans Mono Chess ASCII" panose="020B0609030804020204" pitchFamily="50" charset="0"/>
-                <a:ea typeface="Droid Sans Mono Chess ASCII" panose="020B0609030804020204" pitchFamily="50" charset="0"/>
-                <a:cs typeface="Droid Sans Mono Chess ASCII" panose="020B0609030804020204" pitchFamily="50" charset="0"/>
-              </a:rPr>
-              <a:t>process2 (first:rest) = process2 smaller_eq ++ [first] ++ process2 greater</a:t>
-            </a:r>
-          </a:p>
-          <a:p>
-            <a:r>
-              <a:rPr lang="en-US" sz="2000">
-                <a:latin typeface="Droid Sans Mono Chess ASCII" panose="020B0609030804020204" pitchFamily="50" charset="0"/>
-                <a:ea typeface="Droid Sans Mono Chess ASCII" panose="020B0609030804020204" pitchFamily="50" charset="0"/>
-                <a:cs typeface="Droid Sans Mono Chess ASCII" panose="020B0609030804020204" pitchFamily="50" charset="0"/>
-              </a:rPr>
-              <a:t>	where</a:t>
-            </a:r>
-          </a:p>
-          <a:p>
-            <a:r>
-              <a:rPr lang="en-US" sz="2000">
-                <a:latin typeface="Droid Sans Mono Chess ASCII" panose="020B0609030804020204" pitchFamily="50" charset="0"/>
-                <a:ea typeface="Droid Sans Mono Chess ASCII" panose="020B0609030804020204" pitchFamily="50" charset="0"/>
-                <a:cs typeface="Droid Sans Mono Chess ASCII" panose="020B0609030804020204" pitchFamily="50" charset="0"/>
-              </a:rPr>
-              <a:t>	smaller_eq = filter (&lt;= first) rest</a:t>
-            </a:r>
-          </a:p>
-          <a:p>
-            <a:r>
-              <a:rPr lang="en-US" sz="2000">
-                <a:latin typeface="Droid Sans Mono Chess ASCII" panose="020B0609030804020204" pitchFamily="50" charset="0"/>
-                <a:ea typeface="Droid Sans Mono Chess ASCII" panose="020B0609030804020204" pitchFamily="50" charset="0"/>
-                <a:cs typeface="Droid Sans Mono Chess ASCII" panose="020B0609030804020204" pitchFamily="50" charset="0"/>
-              </a:rPr>
-              <a:t>	greater    = filter (&gt;  first) rest</a:t>
-            </a:r>
-            <a:endParaRPr lang="de-DE" sz="2000">
-              <a:latin typeface="Droid Sans Mono Chess ASCII" panose="020B0609030804020204" pitchFamily="50" charset="0"/>
-              <a:ea typeface="Droid Sans Mono Chess ASCII" panose="020B0609030804020204" pitchFamily="50" charset="0"/>
-              <a:cs typeface="Droid Sans Mono Chess ASCII" panose="020B0609030804020204" pitchFamily="50" charset="0"/>
-            </a:endParaRPr>
-          </a:p>
-        </p:txBody>
-      </p:sp>
-    </p:spTree>
-    <p:extLst>
-      <p:ext uri="{BB962C8B-B14F-4D97-AF65-F5344CB8AC3E}">
-        <p14:creationId xmlns:p14="http://schemas.microsoft.com/office/powerpoint/2010/main" val="2610126838"/>
-      </p:ext>
-    </p:extLst>
-  </p:cSld>
-  <p:clrMapOvr>
-    <a:masterClrMapping/>
-  </p:clrMapOvr>
-</p:sld>
-</file>
-
-<file path=ppt/slides/slide4.xml><?xml version="1.0" encoding="utf-8"?>
-<p:sld xmlns:a="http://schemas.openxmlformats.org/drawingml/2006/main" xmlns:r="http://schemas.openxmlformats.org/officeDocument/2006/relationships" xmlns:p="http://schemas.openxmlformats.org/presentationml/2006/main">
-  <p:cSld>
-    <p:spTree>
-      <p:nvGrpSpPr>
-        <p:cNvPr id="1" name=""/>
-        <p:cNvGrpSpPr/>
-        <p:nvPr/>
-      </p:nvGrpSpPr>
-      <p:grpSpPr>
-        <a:xfrm>
-          <a:off x="0" y="0"/>
-          <a:ext cx="0" cy="0"/>
-          <a:chOff x="0" y="0"/>
-          <a:chExt cx="0" cy="0"/>
-        </a:xfrm>
-      </p:grpSpPr>
-      <p:sp>
-        <p:nvSpPr>
-          <p:cNvPr id="9218" name="Titel 1"/>
-          <p:cNvSpPr>
-            <a:spLocks noGrp="1"/>
-          </p:cNvSpPr>
-          <p:nvPr>
-            <p:ph type="title"/>
-          </p:nvPr>
-        </p:nvSpPr>
-        <p:spPr bwMode="auto">
-          <a:xfrm>
-            <a:off x="442913" y="93663"/>
-            <a:ext cx="10742612" cy="939800"/>
-          </a:xfrm>
-          <a:noFill/>
-          <a:ln>
-            <a:miter lim="800000"/>
-            <a:headEnd/>
-            <a:tailEnd/>
-          </a:ln>
-        </p:spPr>
-        <p:txBody>
-          <a:bodyPr vert="horz" wrap="square" numCol="1" anchor="t" anchorCtr="0" compatLnSpc="1">
-            <a:prstTxWarp prst="textNoShape">
-              <a:avLst/>
-            </a:prstTxWarp>
-          </a:bodyPr>
-          <a:lstStyle/>
-          <a:p>
-            <a:r>
-              <a:rPr lang="en-US" smtClean="0"/>
-              <a:t>How to prove </a:t>
-            </a:r>
-            <a:r>
-              <a:rPr lang="en-US" smtClean="0"/>
-              <a:t>that it’s sorting?</a:t>
-            </a:r>
-            <a:endParaRPr lang="en-US" smtClean="0"/>
-          </a:p>
-        </p:txBody>
-      </p:sp>
-      <p:sp>
-        <p:nvSpPr>
-          <p:cNvPr id="3" name="Textfeld 2"/>
-          <p:cNvSpPr txBox="1"/>
-          <p:nvPr/>
-        </p:nvSpPr>
-        <p:spPr>
-          <a:xfrm>
-            <a:off x="477520" y="1544320"/>
-            <a:ext cx="11572399" cy="1631216"/>
-          </a:xfrm>
-          <a:prstGeom prst="rect">
-            <a:avLst/>
-          </a:prstGeom>
-          <a:noFill/>
-        </p:spPr>
-        <p:txBody>
-          <a:bodyPr wrap="none" rtlCol="0">
-            <a:spAutoFit/>
-          </a:bodyPr>
-          <a:lstStyle/>
-          <a:p>
-            <a:r>
-              <a:rPr lang="en-US" sz="2000" smtClean="0">
-                <a:latin typeface="Droid Sans Mono Chess ASCII" panose="020B0609030804020204" pitchFamily="50" charset="0"/>
-                <a:ea typeface="Droid Sans Mono Chess ASCII" panose="020B0609030804020204" pitchFamily="50" charset="0"/>
-                <a:cs typeface="Droid Sans Mono Chess ASCII" panose="020B0609030804020204" pitchFamily="50" charset="0"/>
-              </a:rPr>
-              <a:t>process2 </a:t>
-            </a:r>
-            <a:r>
-              <a:rPr lang="en-US" sz="2000">
-                <a:latin typeface="Droid Sans Mono Chess ASCII" panose="020B0609030804020204" pitchFamily="50" charset="0"/>
-                <a:ea typeface="Droid Sans Mono Chess ASCII" panose="020B0609030804020204" pitchFamily="50" charset="0"/>
-                <a:cs typeface="Droid Sans Mono Chess ASCII" panose="020B0609030804020204" pitchFamily="50" charset="0"/>
-              </a:rPr>
-              <a:t>[]           = []</a:t>
-            </a:r>
-          </a:p>
-          <a:p>
-            <a:r>
-              <a:rPr lang="en-US" sz="2000" smtClean="0">
-                <a:latin typeface="Droid Sans Mono Chess ASCII" panose="020B0609030804020204" pitchFamily="50" charset="0"/>
-                <a:ea typeface="Droid Sans Mono Chess ASCII" panose="020B0609030804020204" pitchFamily="50" charset="0"/>
-                <a:cs typeface="Droid Sans Mono Chess ASCII" panose="020B0609030804020204" pitchFamily="50" charset="0"/>
-              </a:rPr>
-              <a:t>process2 </a:t>
-            </a:r>
-            <a:r>
-              <a:rPr lang="en-US" sz="2000">
-                <a:latin typeface="Droid Sans Mono Chess ASCII" panose="020B0609030804020204" pitchFamily="50" charset="0"/>
-                <a:ea typeface="Droid Sans Mono Chess ASCII" panose="020B0609030804020204" pitchFamily="50" charset="0"/>
-                <a:cs typeface="Droid Sans Mono Chess ASCII" panose="020B0609030804020204" pitchFamily="50" charset="0"/>
-              </a:rPr>
-              <a:t>(first:rest) = </a:t>
-            </a:r>
-            <a:r>
-              <a:rPr lang="en-US" sz="2000" smtClean="0">
-                <a:latin typeface="Droid Sans Mono Chess ASCII" panose="020B0609030804020204" pitchFamily="50" charset="0"/>
-                <a:ea typeface="Droid Sans Mono Chess ASCII" panose="020B0609030804020204" pitchFamily="50" charset="0"/>
-                <a:cs typeface="Droid Sans Mono Chess ASCII" panose="020B0609030804020204" pitchFamily="50" charset="0"/>
-              </a:rPr>
-              <a:t>process2 smaller_eq </a:t>
-            </a:r>
-            <a:r>
-              <a:rPr lang="en-US" sz="2000">
-                <a:latin typeface="Droid Sans Mono Chess ASCII" panose="020B0609030804020204" pitchFamily="50" charset="0"/>
-                <a:ea typeface="Droid Sans Mono Chess ASCII" panose="020B0609030804020204" pitchFamily="50" charset="0"/>
-                <a:cs typeface="Droid Sans Mono Chess ASCII" panose="020B0609030804020204" pitchFamily="50" charset="0"/>
-              </a:rPr>
-              <a:t>++ [first] ++ </a:t>
-            </a:r>
-            <a:r>
-              <a:rPr lang="en-US" sz="2000" smtClean="0">
-                <a:latin typeface="Droid Sans Mono Chess ASCII" panose="020B0609030804020204" pitchFamily="50" charset="0"/>
-                <a:ea typeface="Droid Sans Mono Chess ASCII" panose="020B0609030804020204" pitchFamily="50" charset="0"/>
-                <a:cs typeface="Droid Sans Mono Chess ASCII" panose="020B0609030804020204" pitchFamily="50" charset="0"/>
-              </a:rPr>
-              <a:t>process2 greater</a:t>
-            </a:r>
-            <a:endParaRPr lang="en-US" sz="2000">
-              <a:latin typeface="Droid Sans Mono Chess ASCII" panose="020B0609030804020204" pitchFamily="50" charset="0"/>
-              <a:ea typeface="Droid Sans Mono Chess ASCII" panose="020B0609030804020204" pitchFamily="50" charset="0"/>
-              <a:cs typeface="Droid Sans Mono Chess ASCII" panose="020B0609030804020204" pitchFamily="50" charset="0"/>
-            </a:endParaRPr>
-          </a:p>
-          <a:p>
-            <a:r>
-              <a:rPr lang="en-US" sz="2000">
-                <a:latin typeface="Droid Sans Mono Chess ASCII" panose="020B0609030804020204" pitchFamily="50" charset="0"/>
-                <a:ea typeface="Droid Sans Mono Chess ASCII" panose="020B0609030804020204" pitchFamily="50" charset="0"/>
-                <a:cs typeface="Droid Sans Mono Chess ASCII" panose="020B0609030804020204" pitchFamily="50" charset="0"/>
-              </a:rPr>
-              <a:t>	where</a:t>
-            </a:r>
-          </a:p>
-          <a:p>
-            <a:r>
-              <a:rPr lang="en-US" sz="2000">
-                <a:latin typeface="Droid Sans Mono Chess ASCII" panose="020B0609030804020204" pitchFamily="50" charset="0"/>
-                <a:ea typeface="Droid Sans Mono Chess ASCII" panose="020B0609030804020204" pitchFamily="50" charset="0"/>
-                <a:cs typeface="Droid Sans Mono Chess ASCII" panose="020B0609030804020204" pitchFamily="50" charset="0"/>
-              </a:rPr>
-              <a:t>	</a:t>
-            </a:r>
-            <a:r>
-              <a:rPr lang="en-US" sz="2000" smtClean="0">
-                <a:latin typeface="Droid Sans Mono Chess ASCII" panose="020B0609030804020204" pitchFamily="50" charset="0"/>
-                <a:ea typeface="Droid Sans Mono Chess ASCII" panose="020B0609030804020204" pitchFamily="50" charset="0"/>
-                <a:cs typeface="Droid Sans Mono Chess ASCII" panose="020B0609030804020204" pitchFamily="50" charset="0"/>
-              </a:rPr>
-              <a:t>smaller_eq </a:t>
-            </a:r>
-            <a:r>
-              <a:rPr lang="en-US" sz="2000">
-                <a:latin typeface="Droid Sans Mono Chess ASCII" panose="020B0609030804020204" pitchFamily="50" charset="0"/>
-                <a:ea typeface="Droid Sans Mono Chess ASCII" panose="020B0609030804020204" pitchFamily="50" charset="0"/>
-                <a:cs typeface="Droid Sans Mono Chess ASCII" panose="020B0609030804020204" pitchFamily="50" charset="0"/>
-              </a:rPr>
-              <a:t>= filter (&lt;= first) rest</a:t>
-            </a:r>
-          </a:p>
-          <a:p>
-            <a:r>
-              <a:rPr lang="en-US" sz="2000">
-                <a:latin typeface="Droid Sans Mono Chess ASCII" panose="020B0609030804020204" pitchFamily="50" charset="0"/>
-                <a:ea typeface="Droid Sans Mono Chess ASCII" panose="020B0609030804020204" pitchFamily="50" charset="0"/>
-                <a:cs typeface="Droid Sans Mono Chess ASCII" panose="020B0609030804020204" pitchFamily="50" charset="0"/>
-              </a:rPr>
-              <a:t>	</a:t>
-            </a:r>
-            <a:r>
-              <a:rPr lang="en-US" sz="2000" smtClean="0">
-                <a:latin typeface="Droid Sans Mono Chess ASCII" panose="020B0609030804020204" pitchFamily="50" charset="0"/>
-                <a:ea typeface="Droid Sans Mono Chess ASCII" panose="020B0609030804020204" pitchFamily="50" charset="0"/>
-                <a:cs typeface="Droid Sans Mono Chess ASCII" panose="020B0609030804020204" pitchFamily="50" charset="0"/>
-              </a:rPr>
-              <a:t>greater    = </a:t>
-            </a:r>
-            <a:r>
-              <a:rPr lang="en-US" sz="2000">
-                <a:latin typeface="Droid Sans Mono Chess ASCII" panose="020B0609030804020204" pitchFamily="50" charset="0"/>
-                <a:ea typeface="Droid Sans Mono Chess ASCII" panose="020B0609030804020204" pitchFamily="50" charset="0"/>
-                <a:cs typeface="Droid Sans Mono Chess ASCII" panose="020B0609030804020204" pitchFamily="50" charset="0"/>
-              </a:rPr>
-              <a:t>filter (&gt;  first) rest</a:t>
-            </a:r>
-            <a:endParaRPr lang="de-DE" sz="2000" smtClean="0">
-              <a:latin typeface="Droid Sans Mono Chess ASCII" panose="020B0609030804020204" pitchFamily="50" charset="0"/>
-              <a:ea typeface="Droid Sans Mono Chess ASCII" panose="020B0609030804020204" pitchFamily="50" charset="0"/>
-              <a:cs typeface="Droid Sans Mono Chess ASCII" panose="020B0609030804020204" pitchFamily="50" charset="0"/>
-            </a:endParaRPr>
-          </a:p>
-        </p:txBody>
-      </p:sp>
-    </p:spTree>
-    <p:extLst>
-      <p:ext uri="{BB962C8B-B14F-4D97-AF65-F5344CB8AC3E}">
-        <p14:creationId xmlns:p14="http://schemas.microsoft.com/office/powerpoint/2010/main" val="2362116585"/>
-      </p:ext>
-    </p:extLst>
-  </p:cSld>
-  <p:clrMapOvr>
-    <a:masterClrMapping/>
-  </p:clrMapOvr>
-</p:sld>
-</file>
-
-<file path=ppt/slides/slide5.xml><?xml version="1.0" encoding="utf-8"?>
-<p:sld xmlns:a="http://schemas.openxmlformats.org/drawingml/2006/main" xmlns:r="http://schemas.openxmlformats.org/officeDocument/2006/relationships" xmlns:p="http://schemas.openxmlformats.org/presentationml/2006/main">
-  <p:cSld>
-    <p:spTree>
-      <p:nvGrpSpPr>
-        <p:cNvPr id="1" name=""/>
-        <p:cNvGrpSpPr/>
-        <p:nvPr/>
-      </p:nvGrpSpPr>
-      <p:grpSpPr>
-        <a:xfrm>
-          <a:off x="0" y="0"/>
-          <a:ext cx="0" cy="0"/>
-          <a:chOff x="0" y="0"/>
-          <a:chExt cx="0" cy="0"/>
-        </a:xfrm>
-      </p:grpSpPr>
-      <p:sp>
-        <p:nvSpPr>
-          <p:cNvPr id="9218" name="Titel 1"/>
-          <p:cNvSpPr>
-            <a:spLocks noGrp="1"/>
-          </p:cNvSpPr>
-          <p:nvPr>
-            <p:ph type="title"/>
-          </p:nvPr>
-        </p:nvSpPr>
-        <p:spPr bwMode="auto">
-          <a:xfrm>
-            <a:off x="442913" y="93663"/>
-            <a:ext cx="10742612" cy="939800"/>
-          </a:xfrm>
-          <a:noFill/>
-          <a:ln>
-            <a:miter lim="800000"/>
-            <a:headEnd/>
-            <a:tailEnd/>
-          </a:ln>
-        </p:spPr>
-        <p:txBody>
-          <a:bodyPr vert="horz" wrap="square" numCol="1" anchor="t" anchorCtr="0" compatLnSpc="1">
-            <a:prstTxWarp prst="textNoShape">
-              <a:avLst/>
-            </a:prstTxWarp>
-          </a:bodyPr>
-          <a:lstStyle/>
-          <a:p>
-            <a:r>
-              <a:rPr lang="en-US" smtClean="0"/>
-              <a:t>Features</a:t>
-            </a:r>
-            <a:endParaRPr lang="en-US" smtClean="0"/>
-          </a:p>
-        </p:txBody>
-      </p:sp>
-      <p:sp>
-        <p:nvSpPr>
-          <p:cNvPr id="3" name="Rectangle 4"/>
-          <p:cNvSpPr>
-            <a:spLocks/>
-          </p:cNvSpPr>
-          <p:nvPr/>
-        </p:nvSpPr>
-        <p:spPr bwMode="auto">
-          <a:xfrm>
-            <a:off x="487362" y="1373188"/>
-            <a:ext cx="10790237" cy="6680200"/>
-          </a:xfrm>
-          <a:prstGeom prst="rect">
-            <a:avLst/>
-          </a:prstGeom>
-          <a:noFill/>
-          <a:ln w="12700" cap="flat">
-            <a:noFill/>
-            <a:miter lim="800000"/>
-            <a:headEnd type="none" w="med" len="med"/>
-            <a:tailEnd type="none" w="med" len="med"/>
-          </a:ln>
-        </p:spPr>
-        <p:txBody>
-          <a:bodyPr lIns="0" tIns="0" rIns="0" bIns="0"/>
-          <a:lstStyle/>
-          <a:p>
-            <a:pPr marL="254000" indent="-254000">
-              <a:lnSpc>
-                <a:spcPct val="120000"/>
-              </a:lnSpc>
-              <a:spcBef>
-                <a:spcPts val="1000"/>
-              </a:spcBef>
-              <a:buSzPct val="120000"/>
-              <a:buFont typeface="Lucida Grande" charset="0"/>
-              <a:buChar char="‣"/>
-              <a:defRPr/>
-            </a:pPr>
-            <a:r>
-              <a:rPr lang="en-US" sz="2600" smtClean="0">
-                <a:solidFill>
-                  <a:srgbClr val="262626"/>
-                </a:solidFill>
-                <a:latin typeface="+mn-lt"/>
-                <a:ea typeface="Gill Sans" charset="0"/>
-                <a:cs typeface="Gill Sans" charset="0"/>
-              </a:rPr>
-              <a:t>Infinite Lists, lazy evaluation, Producer-Consumer Model</a:t>
-            </a:r>
-            <a:endParaRPr lang="en-US" sz="2600">
-              <a:solidFill>
-                <a:srgbClr val="262626"/>
-              </a:solidFill>
-              <a:latin typeface="+mn-lt"/>
-              <a:ea typeface="Gill Sans" charset="0"/>
-              <a:cs typeface="Gill Sans" charset="0"/>
-            </a:endParaRPr>
-          </a:p>
-          <a:p>
-            <a:pPr marL="254000" indent="-254000">
-              <a:lnSpc>
-                <a:spcPct val="120000"/>
-              </a:lnSpc>
-              <a:spcBef>
-                <a:spcPts val="1000"/>
-              </a:spcBef>
-              <a:buSzPct val="120000"/>
-              <a:buFont typeface="Lucida Grande" charset="0"/>
-              <a:buChar char="‣"/>
-              <a:defRPr/>
-            </a:pPr>
-            <a:r>
-              <a:rPr lang="en-US" sz="2600" smtClean="0">
-                <a:solidFill>
-                  <a:srgbClr val="262626"/>
-                </a:solidFill>
-                <a:latin typeface="+mn-lt"/>
-                <a:ea typeface="Gill Sans" charset="0"/>
-                <a:cs typeface="Gill Sans" charset="0"/>
-              </a:rPr>
-              <a:t>Profiling</a:t>
-            </a:r>
-          </a:p>
-          <a:p>
-            <a:pPr marL="254000" indent="-254000">
-              <a:lnSpc>
-                <a:spcPct val="120000"/>
-              </a:lnSpc>
-              <a:spcBef>
-                <a:spcPts val="1000"/>
-              </a:spcBef>
-              <a:buSzPct val="120000"/>
-              <a:buFont typeface="Lucida Grande" charset="0"/>
-              <a:buChar char="‣"/>
-              <a:defRPr/>
-            </a:pPr>
-            <a:r>
-              <a:rPr lang="en-US" sz="2600" smtClean="0">
-                <a:solidFill>
-                  <a:srgbClr val="262626"/>
-                </a:solidFill>
-                <a:latin typeface="+mn-lt"/>
-                <a:ea typeface="Gill Sans" charset="0"/>
-                <a:cs typeface="Gill Sans" charset="0"/>
-              </a:rPr>
-              <a:t>Central Library</a:t>
-            </a:r>
-          </a:p>
-          <a:p>
-            <a:pPr marL="254000" indent="-254000">
-              <a:lnSpc>
-                <a:spcPct val="120000"/>
-              </a:lnSpc>
-              <a:spcBef>
-                <a:spcPts val="1000"/>
-              </a:spcBef>
-              <a:buSzPct val="120000"/>
-              <a:buFont typeface="Lucida Grande" charset="0"/>
-              <a:buChar char="‣"/>
-              <a:defRPr/>
-            </a:pPr>
-            <a:r>
-              <a:rPr lang="en-US" sz="2600" smtClean="0">
-                <a:solidFill>
-                  <a:srgbClr val="262626"/>
-                </a:solidFill>
-                <a:latin typeface="+mn-lt"/>
-                <a:ea typeface="Gill Sans" charset="0"/>
-                <a:cs typeface="Gill Sans" charset="0"/>
-              </a:rPr>
-              <a:t>Compiler and Interpreter</a:t>
-            </a:r>
-          </a:p>
-          <a:p>
-            <a:pPr marL="254000" indent="-254000">
-              <a:lnSpc>
-                <a:spcPct val="120000"/>
-              </a:lnSpc>
-              <a:spcBef>
-                <a:spcPts val="1000"/>
-              </a:spcBef>
-              <a:buSzPct val="120000"/>
-              <a:buFont typeface="Lucida Grande" charset="0"/>
-              <a:buChar char="‣"/>
-              <a:defRPr/>
-            </a:pPr>
-            <a:r>
-              <a:rPr lang="en-US" sz="2600" smtClean="0">
-                <a:solidFill>
-                  <a:srgbClr val="262626"/>
-                </a:solidFill>
-                <a:latin typeface="+mn-lt"/>
-                <a:ea typeface="Gill Sans" charset="0"/>
-                <a:cs typeface="Gill Sans" charset="0"/>
-              </a:rPr>
-              <a:t>Full Programming at command line</a:t>
-            </a:r>
-          </a:p>
-          <a:p>
-            <a:pPr marL="254000" indent="-254000">
-              <a:lnSpc>
-                <a:spcPct val="120000"/>
-              </a:lnSpc>
-              <a:spcBef>
-                <a:spcPts val="1000"/>
-              </a:spcBef>
-              <a:buSzPct val="120000"/>
-              <a:buFont typeface="Lucida Grande" charset="0"/>
-              <a:buChar char="‣"/>
-              <a:defRPr/>
-            </a:pPr>
-            <a:r>
-              <a:rPr lang="en-US" sz="2600" smtClean="0">
-                <a:solidFill>
-                  <a:srgbClr val="262626"/>
-                </a:solidFill>
-                <a:latin typeface="+mn-lt"/>
-                <a:ea typeface="Gill Sans" charset="0"/>
-                <a:cs typeface="Gill Sans" charset="0"/>
-              </a:rPr>
-              <a:t> Industrial Strength (Galois, …)</a:t>
-            </a:r>
-          </a:p>
-          <a:p>
-            <a:pPr marL="254000" indent="-254000">
-              <a:lnSpc>
-                <a:spcPct val="120000"/>
-              </a:lnSpc>
-              <a:spcBef>
-                <a:spcPts val="1000"/>
-              </a:spcBef>
-              <a:buSzPct val="120000"/>
-              <a:buFont typeface="Lucida Grande" charset="0"/>
-              <a:buChar char="‣"/>
-              <a:defRPr/>
-            </a:pPr>
-            <a:r>
-              <a:rPr lang="en-US" sz="2600" smtClean="0">
-                <a:solidFill>
-                  <a:srgbClr val="262626"/>
-                </a:solidFill>
-                <a:latin typeface="+mn-lt"/>
-                <a:ea typeface="Gill Sans" charset="0"/>
-                <a:cs typeface="Gill Sans" charset="0"/>
-              </a:rPr>
-              <a:t>Easy parallelization, Semaphores, …</a:t>
-            </a:r>
-          </a:p>
-          <a:p>
-            <a:pPr marL="254000" indent="-254000">
-              <a:lnSpc>
-                <a:spcPct val="120000"/>
-              </a:lnSpc>
-              <a:spcBef>
-                <a:spcPts val="1000"/>
-              </a:spcBef>
-              <a:buSzPct val="120000"/>
-              <a:buFont typeface="Lucida Grande" charset="0"/>
-              <a:buChar char="‣"/>
-              <a:defRPr/>
-            </a:pPr>
-            <a:r>
-              <a:rPr lang="en-US" sz="2600" smtClean="0">
-                <a:solidFill>
-                  <a:srgbClr val="262626"/>
-                </a:solidFill>
-                <a:latin typeface="+mn-lt"/>
-                <a:ea typeface="Gill Sans" charset="0"/>
-                <a:cs typeface="Gill Sans" charset="0"/>
-              </a:rPr>
-              <a:t>“If it typechecks, it works”</a:t>
-            </a:r>
-          </a:p>
-          <a:p>
-            <a:pPr marL="254000" indent="-254000">
-              <a:lnSpc>
-                <a:spcPct val="120000"/>
-              </a:lnSpc>
-              <a:spcBef>
-                <a:spcPts val="1000"/>
-              </a:spcBef>
-              <a:buSzPct val="120000"/>
-              <a:buFont typeface="Lucida Grande" charset="0"/>
-              <a:buChar char="‣"/>
-              <a:defRPr/>
-            </a:pPr>
-            <a:r>
-              <a:rPr lang="en-US" sz="2600" smtClean="0">
-                <a:solidFill>
-                  <a:srgbClr val="262626"/>
-                </a:solidFill>
-                <a:latin typeface="+mn-lt"/>
-                <a:ea typeface="Gill Sans" charset="0"/>
-                <a:cs typeface="Gill Sans" charset="0"/>
-              </a:rPr>
-              <a:t>Inspiring F#, Java, C#, …</a:t>
-            </a:r>
-          </a:p>
-          <a:p>
-            <a:pPr marL="254000" indent="-254000">
-              <a:lnSpc>
-                <a:spcPct val="120000"/>
-              </a:lnSpc>
-              <a:spcBef>
-                <a:spcPts val="1000"/>
-              </a:spcBef>
-              <a:buSzPct val="120000"/>
-              <a:buFont typeface="Lucida Grande" charset="0"/>
-              <a:buChar char="‣"/>
-              <a:defRPr/>
-            </a:pPr>
-            <a:r>
-              <a:rPr lang="en-US" sz="2600" smtClean="0">
-                <a:solidFill>
-                  <a:srgbClr val="262626"/>
-                </a:solidFill>
-                <a:latin typeface="+mn-lt"/>
-                <a:ea typeface="Gill Sans" charset="0"/>
-                <a:cs typeface="Gill Sans" charset="0"/>
-              </a:rPr>
-              <a:t>Every Monad is a DSL</a:t>
-            </a:r>
-          </a:p>
-          <a:p>
-            <a:pPr marL="254000" indent="-254000">
-              <a:lnSpc>
-                <a:spcPct val="120000"/>
-              </a:lnSpc>
-              <a:spcBef>
-                <a:spcPts val="1000"/>
-              </a:spcBef>
-              <a:buSzPct val="120000"/>
-              <a:buFont typeface="Lucida Grande" charset="0"/>
-              <a:buChar char="‣"/>
-              <a:defRPr/>
-            </a:pPr>
-            <a:r>
-              <a:rPr lang="en-US" sz="2600" smtClean="0">
-                <a:solidFill>
-                  <a:srgbClr val="262626"/>
-                </a:solidFill>
-                <a:latin typeface="+mn-lt"/>
-                <a:ea typeface="Gill Sans" charset="0"/>
-                <a:cs typeface="Gill Sans" charset="0"/>
-              </a:rPr>
-              <a:t>List Comprehension</a:t>
-            </a:r>
-          </a:p>
-          <a:p>
-            <a:pPr marL="254000" indent="-254000">
-              <a:lnSpc>
-                <a:spcPct val="120000"/>
-              </a:lnSpc>
-              <a:spcBef>
-                <a:spcPts val="1000"/>
-              </a:spcBef>
-              <a:buSzPct val="120000"/>
-              <a:buFont typeface="Lucida Grande" charset="0"/>
-              <a:buChar char="‣"/>
-              <a:defRPr/>
-            </a:pPr>
-            <a:endParaRPr lang="en-US" sz="2600">
-              <a:solidFill>
-                <a:srgbClr val="262626"/>
-              </a:solidFill>
-              <a:latin typeface="+mn-lt"/>
-              <a:ea typeface="Gill Sans" charset="0"/>
-              <a:cs typeface="Gill Sans" charset="0"/>
-            </a:endParaRPr>
-          </a:p>
-          <a:p>
-            <a:pPr marL="254000" indent="-254000">
-              <a:lnSpc>
-                <a:spcPct val="120000"/>
-              </a:lnSpc>
-              <a:spcBef>
-                <a:spcPts val="1000"/>
-              </a:spcBef>
-              <a:defRPr/>
-            </a:pPr>
-            <a:endParaRPr lang="en-US" sz="2600">
-              <a:solidFill>
-                <a:srgbClr val="262626"/>
-              </a:solidFill>
-              <a:latin typeface="+mn-lt"/>
-              <a:ea typeface="Gill Sans" charset="0"/>
-              <a:cs typeface="Gill Sans" charset="0"/>
-            </a:endParaRPr>
-          </a:p>
-        </p:txBody>
-      </p:sp>
-    </p:spTree>
-    <p:extLst>
-      <p:ext uri="{BB962C8B-B14F-4D97-AF65-F5344CB8AC3E}">
-        <p14:creationId xmlns:p14="http://schemas.microsoft.com/office/powerpoint/2010/main" val="3297322222"/>
-      </p:ext>
-    </p:extLst>
-  </p:cSld>
-  <p:clrMapOvr>
-    <a:masterClrMapping/>
-  </p:clrMapOvr>
-</p:sld>
-</file>
-
-<file path=ppt/slides/slide6.xml><?xml version="1.0" encoding="utf-8"?>
-<p:sld xmlns:a="http://schemas.openxmlformats.org/drawingml/2006/main" xmlns:r="http://schemas.openxmlformats.org/officeDocument/2006/relationships" xmlns:p="http://schemas.openxmlformats.org/presentationml/2006/main">
-  <p:cSld>
-    <p:spTree>
-      <p:nvGrpSpPr>
-        <p:cNvPr id="1" name=""/>
-        <p:cNvGrpSpPr/>
-        <p:nvPr/>
-      </p:nvGrpSpPr>
-      <p:grpSpPr>
-        <a:xfrm>
-          <a:off x="0" y="0"/>
-          <a:ext cx="0" cy="0"/>
-          <a:chOff x="0" y="0"/>
-          <a:chExt cx="0" cy="0"/>
-        </a:xfrm>
-      </p:grpSpPr>
-      <p:sp>
-        <p:nvSpPr>
-          <p:cNvPr id="9218" name="Titel 1"/>
-          <p:cNvSpPr>
-            <a:spLocks noGrp="1"/>
-          </p:cNvSpPr>
-          <p:nvPr>
-            <p:ph type="title"/>
-          </p:nvPr>
-        </p:nvSpPr>
-        <p:spPr bwMode="auto">
-          <a:xfrm>
-            <a:off x="442913" y="93663"/>
-            <a:ext cx="10742612" cy="939800"/>
-          </a:xfrm>
-          <a:noFill/>
-          <a:ln>
-            <a:miter lim="800000"/>
-            <a:headEnd/>
-            <a:tailEnd/>
-          </a:ln>
-        </p:spPr>
-        <p:txBody>
-          <a:bodyPr vert="horz" wrap="square" numCol="1" anchor="t" anchorCtr="0" compatLnSpc="1">
-            <a:prstTxWarp prst="textNoShape">
-              <a:avLst/>
-            </a:prstTxWarp>
-          </a:bodyPr>
-          <a:lstStyle/>
-          <a:p>
-            <a:r>
-              <a:rPr lang="en-US" smtClean="0"/>
-              <a:t>So called “List Comprehension”</a:t>
-            </a:r>
-            <a:endParaRPr lang="en-US" smtClean="0"/>
-          </a:p>
-        </p:txBody>
-      </p:sp>
-      <p:sp>
-        <p:nvSpPr>
-          <p:cNvPr id="3" name="Rectangle 4"/>
-          <p:cNvSpPr>
-            <a:spLocks/>
-          </p:cNvSpPr>
-          <p:nvPr/>
-        </p:nvSpPr>
-        <p:spPr bwMode="auto">
-          <a:xfrm>
-            <a:off x="487362" y="1438502"/>
-            <a:ext cx="10790237" cy="3002869"/>
-          </a:xfrm>
-          <a:prstGeom prst="rect">
-            <a:avLst/>
-          </a:prstGeom>
-          <a:noFill/>
-          <a:ln w="12700" cap="flat">
-            <a:noFill/>
-            <a:miter lim="800000"/>
-            <a:headEnd type="none" w="med" len="med"/>
-            <a:tailEnd type="none" w="med" len="med"/>
-          </a:ln>
-        </p:spPr>
-        <p:txBody>
-          <a:bodyPr lIns="0" tIns="0" rIns="0" bIns="0"/>
-          <a:lstStyle/>
-          <a:p>
-            <a:pPr>
-              <a:lnSpc>
-                <a:spcPct val="120000"/>
-              </a:lnSpc>
-              <a:spcBef>
-                <a:spcPts val="1000"/>
-              </a:spcBef>
-              <a:buSzPct val="120000"/>
-              <a:defRPr/>
-            </a:pPr>
-            <a:r>
-              <a:rPr lang="en-US" sz="2600" smtClean="0">
-                <a:solidFill>
-                  <a:srgbClr val="262626"/>
-                </a:solidFill>
-                <a:latin typeface="+mn-lt"/>
-                <a:ea typeface="Gill Sans" charset="0"/>
-                <a:cs typeface="Gill Sans" charset="0"/>
-              </a:rPr>
-              <a:t>Task: All prime Numbers up to 100!</a:t>
-            </a:r>
-          </a:p>
-          <a:p>
-            <a:pPr>
-              <a:lnSpc>
-                <a:spcPct val="120000"/>
-              </a:lnSpc>
-              <a:spcBef>
-                <a:spcPts val="1000"/>
-              </a:spcBef>
-              <a:buSzPct val="120000"/>
-              <a:defRPr/>
-            </a:pPr>
-            <a:endParaRPr lang="en-US" sz="2600">
-              <a:solidFill>
-                <a:srgbClr val="262626"/>
-              </a:solidFill>
-              <a:latin typeface="+mn-lt"/>
-              <a:ea typeface="Gill Sans" charset="0"/>
-              <a:cs typeface="Gill Sans" charset="0"/>
-            </a:endParaRPr>
-          </a:p>
-          <a:p>
-            <a:pPr>
-              <a:lnSpc>
-                <a:spcPct val="120000"/>
-              </a:lnSpc>
-              <a:spcBef>
-                <a:spcPts val="1000"/>
-              </a:spcBef>
-              <a:buSzPct val="120000"/>
-              <a:defRPr/>
-            </a:pPr>
-            <a:r>
-              <a:rPr lang="en-US" sz="2600" smtClean="0">
-                <a:solidFill>
-                  <a:srgbClr val="262626"/>
-                </a:solidFill>
-                <a:latin typeface="+mn-lt"/>
-                <a:ea typeface="Gill Sans" charset="0"/>
-                <a:cs typeface="Gill Sans" charset="0"/>
-              </a:rPr>
-              <a:t>Lets compute the list of all numbers x where</a:t>
-            </a:r>
-          </a:p>
-          <a:p>
-            <a:pPr>
-              <a:lnSpc>
-                <a:spcPct val="120000"/>
-              </a:lnSpc>
-              <a:spcBef>
-                <a:spcPts val="1000"/>
-              </a:spcBef>
-              <a:buSzPct val="120000"/>
-              <a:defRPr/>
-            </a:pPr>
-            <a:r>
-              <a:rPr lang="en-US" sz="2600" smtClean="0">
-                <a:solidFill>
-                  <a:srgbClr val="262626"/>
-                </a:solidFill>
-                <a:latin typeface="+mn-lt"/>
-                <a:ea typeface="Gill Sans" charset="0"/>
-                <a:cs typeface="Gill Sans" charset="0"/>
-              </a:rPr>
-              <a:t>x is between 2 and 100, and there is</a:t>
-            </a:r>
-          </a:p>
-          <a:p>
-            <a:pPr>
-              <a:lnSpc>
-                <a:spcPct val="120000"/>
-              </a:lnSpc>
-              <a:spcBef>
-                <a:spcPts val="1000"/>
-              </a:spcBef>
-              <a:buSzPct val="120000"/>
-              <a:defRPr/>
-            </a:pPr>
-            <a:r>
-              <a:rPr lang="en-US" sz="2600" smtClean="0">
-                <a:solidFill>
-                  <a:srgbClr val="262626"/>
-                </a:solidFill>
-                <a:latin typeface="+mn-lt"/>
-                <a:ea typeface="Gill Sans" charset="0"/>
-                <a:cs typeface="Gill Sans" charset="0"/>
-              </a:rPr>
-              <a:t>not any divisor of x from 2 to (n-1):</a:t>
-            </a:r>
-          </a:p>
-          <a:p>
-            <a:pPr>
-              <a:lnSpc>
-                <a:spcPct val="120000"/>
-              </a:lnSpc>
-              <a:spcBef>
-                <a:spcPts val="1000"/>
-              </a:spcBef>
-              <a:buSzPct val="120000"/>
-              <a:defRPr/>
-            </a:pPr>
-            <a:endParaRPr lang="en-US" sz="2600">
-              <a:solidFill>
-                <a:srgbClr val="262626"/>
-              </a:solidFill>
-              <a:latin typeface="+mn-lt"/>
-              <a:ea typeface="Gill Sans" charset="0"/>
-              <a:cs typeface="Gill Sans" charset="0"/>
-            </a:endParaRPr>
-          </a:p>
-          <a:p>
-            <a:pPr>
-              <a:lnSpc>
-                <a:spcPct val="120000"/>
-              </a:lnSpc>
-              <a:spcBef>
-                <a:spcPts val="1000"/>
-              </a:spcBef>
-              <a:buSzPct val="120000"/>
-              <a:defRPr/>
-            </a:pPr>
-            <a:endParaRPr lang="en-US" sz="2600" smtClean="0">
-              <a:solidFill>
-                <a:srgbClr val="262626"/>
-              </a:solidFill>
-              <a:latin typeface="+mn-lt"/>
-              <a:ea typeface="Gill Sans" charset="0"/>
-              <a:cs typeface="Gill Sans" charset="0"/>
-            </a:endParaRPr>
-          </a:p>
-          <a:p>
-            <a:pPr>
-              <a:lnSpc>
-                <a:spcPct val="120000"/>
-              </a:lnSpc>
-              <a:spcBef>
-                <a:spcPts val="1000"/>
-              </a:spcBef>
-              <a:buSzPct val="120000"/>
-              <a:defRPr/>
-            </a:pPr>
-            <a:endParaRPr lang="en-US" sz="2600" smtClean="0">
-              <a:solidFill>
-                <a:srgbClr val="262626"/>
-              </a:solidFill>
-              <a:latin typeface="+mn-lt"/>
-              <a:ea typeface="Gill Sans" charset="0"/>
-              <a:cs typeface="Gill Sans" charset="0"/>
-            </a:endParaRPr>
-          </a:p>
-          <a:p>
-            <a:pPr>
-              <a:lnSpc>
-                <a:spcPct val="120000"/>
-              </a:lnSpc>
-              <a:spcBef>
-                <a:spcPts val="1000"/>
-              </a:spcBef>
-              <a:buSzPct val="120000"/>
-              <a:defRPr/>
-            </a:pPr>
-            <a:endParaRPr lang="en-US" sz="2600">
-              <a:solidFill>
-                <a:srgbClr val="262626"/>
-              </a:solidFill>
-              <a:latin typeface="+mn-lt"/>
-              <a:ea typeface="Gill Sans" charset="0"/>
-              <a:cs typeface="Gill Sans" charset="0"/>
-            </a:endParaRPr>
-          </a:p>
-          <a:p>
-            <a:pPr>
-              <a:lnSpc>
-                <a:spcPct val="120000"/>
-              </a:lnSpc>
-              <a:spcBef>
-                <a:spcPts val="1000"/>
-              </a:spcBef>
-              <a:buSzPct val="120000"/>
-              <a:defRPr/>
-            </a:pPr>
-            <a:endParaRPr lang="en-US" sz="2600">
-              <a:solidFill>
-                <a:srgbClr val="262626"/>
-              </a:solidFill>
-              <a:latin typeface="+mn-lt"/>
-              <a:ea typeface="Gill Sans" charset="0"/>
-              <a:cs typeface="Gill Sans" charset="0"/>
-            </a:endParaRPr>
-          </a:p>
-          <a:p>
-            <a:pPr marL="254000" indent="-254000">
-              <a:lnSpc>
-                <a:spcPct val="120000"/>
-              </a:lnSpc>
-              <a:spcBef>
-                <a:spcPts val="1000"/>
-              </a:spcBef>
-              <a:defRPr/>
-            </a:pPr>
-            <a:endParaRPr lang="en-US" sz="2600">
-              <a:solidFill>
-                <a:srgbClr val="262626"/>
-              </a:solidFill>
-              <a:latin typeface="+mn-lt"/>
-              <a:ea typeface="Gill Sans" charset="0"/>
-              <a:cs typeface="Gill Sans" charset="0"/>
-            </a:endParaRPr>
-          </a:p>
-        </p:txBody>
-      </p:sp>
-      <p:sp>
-        <p:nvSpPr>
-          <p:cNvPr id="4" name="Textfeld 3"/>
-          <p:cNvSpPr txBox="1"/>
-          <p:nvPr/>
-        </p:nvSpPr>
-        <p:spPr>
-          <a:xfrm>
-            <a:off x="404057" y="4876368"/>
-            <a:ext cx="8956298" cy="1015663"/>
-          </a:xfrm>
-          <a:prstGeom prst="rect">
-            <a:avLst/>
-          </a:prstGeom>
-          <a:noFill/>
-        </p:spPr>
-        <p:txBody>
-          <a:bodyPr wrap="none" rtlCol="0">
-            <a:spAutoFit/>
-          </a:bodyPr>
-          <a:lstStyle/>
-          <a:p>
-            <a:r>
-              <a:rPr lang="en-US" sz="2000" smtClean="0">
-                <a:latin typeface="Droid Sans Mono Chess ASCII" panose="020B0609030804020204" pitchFamily="50" charset="0"/>
-                <a:ea typeface="Droid Sans Mono Chess ASCII" panose="020B0609030804020204" pitchFamily="50" charset="0"/>
-                <a:cs typeface="Droid Sans Mono Chess ASCII" panose="020B0609030804020204" pitchFamily="50" charset="0"/>
-              </a:rPr>
-              <a:t>[ x | x &lt;- [2..100], not (any (divisorOf x)) [2..(n-1)] ]</a:t>
-            </a:r>
-          </a:p>
-          <a:p>
-            <a:r>
-              <a:rPr lang="en-US" sz="2000">
-                <a:latin typeface="Droid Sans Mono Chess ASCII" panose="020B0609030804020204" pitchFamily="50" charset="0"/>
-                <a:ea typeface="Droid Sans Mono Chess ASCII" panose="020B0609030804020204" pitchFamily="50" charset="0"/>
-                <a:cs typeface="Droid Sans Mono Chess ASCII" panose="020B0609030804020204" pitchFamily="50" charset="0"/>
-              </a:rPr>
-              <a:t>	</a:t>
-            </a:r>
-            <a:r>
-              <a:rPr lang="en-US" sz="2000" smtClean="0">
-                <a:latin typeface="Droid Sans Mono Chess ASCII" panose="020B0609030804020204" pitchFamily="50" charset="0"/>
-                <a:ea typeface="Droid Sans Mono Chess ASCII" panose="020B0609030804020204" pitchFamily="50" charset="0"/>
-                <a:cs typeface="Droid Sans Mono Chess ASCII" panose="020B0609030804020204" pitchFamily="50" charset="0"/>
-              </a:rPr>
-              <a:t>where</a:t>
-            </a:r>
-          </a:p>
-          <a:p>
-            <a:r>
-              <a:rPr lang="en-US" sz="2000">
-                <a:latin typeface="Droid Sans Mono Chess ASCII" panose="020B0609030804020204" pitchFamily="50" charset="0"/>
-                <a:ea typeface="Droid Sans Mono Chess ASCII" panose="020B0609030804020204" pitchFamily="50" charset="0"/>
-                <a:cs typeface="Droid Sans Mono Chess ASCII" panose="020B0609030804020204" pitchFamily="50" charset="0"/>
-              </a:rPr>
-              <a:t> </a:t>
-            </a:r>
-            <a:r>
-              <a:rPr lang="en-US" sz="2000" smtClean="0">
-                <a:latin typeface="Droid Sans Mono Chess ASCII" panose="020B0609030804020204" pitchFamily="50" charset="0"/>
-                <a:ea typeface="Droid Sans Mono Chess ASCII" panose="020B0609030804020204" pitchFamily="50" charset="0"/>
-                <a:cs typeface="Droid Sans Mono Chess ASCII" panose="020B0609030804020204" pitchFamily="50" charset="0"/>
-              </a:rPr>
-              <a:t>     divisorOf x i = mod x i == 0</a:t>
-            </a:r>
-            <a:endParaRPr lang="de-DE" sz="2000">
-              <a:latin typeface="Droid Sans Mono Chess ASCII" panose="020B0609030804020204" pitchFamily="50" charset="0"/>
-              <a:ea typeface="Droid Sans Mono Chess ASCII" panose="020B0609030804020204" pitchFamily="50" charset="0"/>
-              <a:cs typeface="Droid Sans Mono Chess ASCII" panose="020B0609030804020204" pitchFamily="50" charset="0"/>
-            </a:endParaRPr>
-          </a:p>
-        </p:txBody>
-      </p:sp>
-    </p:spTree>
-    <p:extLst>
-      <p:ext uri="{BB962C8B-B14F-4D97-AF65-F5344CB8AC3E}">
-        <p14:creationId xmlns:p14="http://schemas.microsoft.com/office/powerpoint/2010/main" val="3971016912"/>
-      </p:ext>
-    </p:extLst>
-  </p:cSld>
-  <p:clrMapOvr>
-    <a:masterClrMapping/>
-  </p:clrMapOvr>
-</p:sld>
-</file>
-
-<file path=ppt/slides/slide7.xml><?xml version="1.0" encoding="utf-8"?>
-<p:sld xmlns:a="http://schemas.openxmlformats.org/drawingml/2006/main" xmlns:r="http://schemas.openxmlformats.org/officeDocument/2006/relationships" xmlns:p="http://schemas.openxmlformats.org/presentationml/2006/main">
-  <p:cSld>
-    <p:spTree>
-      <p:nvGrpSpPr>
-        <p:cNvPr id="1" name=""/>
-        <p:cNvGrpSpPr/>
-        <p:nvPr/>
-      </p:nvGrpSpPr>
-      <p:grpSpPr>
-        <a:xfrm>
-          <a:off x="0" y="0"/>
-          <a:ext cx="0" cy="0"/>
-          <a:chOff x="0" y="0"/>
-          <a:chExt cx="0" cy="0"/>
-        </a:xfrm>
-      </p:grpSpPr>
-      <p:pic>
-        <p:nvPicPr>
-          <p:cNvPr id="3078" name="Picture 6" descr="TALC"/>
-          <p:cNvPicPr>
-            <a:picLocks noChangeAspect="1" noChangeArrowheads="1"/>
-          </p:cNvPicPr>
-          <p:nvPr/>
-        </p:nvPicPr>
-        <p:blipFill>
-          <a:blip r:embed="rId2">
-            <a:extLst>
-              <a:ext uri="{28A0092B-C50C-407E-A947-70E740481C1C}">
-                <a14:useLocalDpi xmlns:a14="http://schemas.microsoft.com/office/drawing/2010/main" val="0"/>
-              </a:ext>
-            </a:extLst>
-          </a:blip>
-          <a:srcRect/>
-          <a:stretch>
-            <a:fillRect/>
-          </a:stretch>
-        </p:blipFill>
-        <p:spPr bwMode="auto">
-          <a:xfrm>
-            <a:off x="2561315" y="4508837"/>
-            <a:ext cx="7927617" cy="4915127"/>
-          </a:xfrm>
-          <a:prstGeom prst="rect">
-            <a:avLst/>
-          </a:prstGeom>
-          <a:noFill/>
-          <a:extLst>
-            <a:ext uri="{909E8E84-426E-40DD-AFC4-6F175D3DCCD1}">
-              <a14:hiddenFill xmlns:a14="http://schemas.microsoft.com/office/drawing/2010/main">
-                <a:solidFill>
-                  <a:srgbClr val="FFFFFF"/>
-                </a:solidFill>
-              </a14:hiddenFill>
-            </a:ext>
-          </a:extLst>
-        </p:spPr>
-      </p:pic>
-      <p:sp>
-        <p:nvSpPr>
-          <p:cNvPr id="9218" name="Titel 1"/>
-          <p:cNvSpPr>
-            <a:spLocks noGrp="1"/>
-          </p:cNvSpPr>
-          <p:nvPr>
-            <p:ph type="title"/>
-          </p:nvPr>
-        </p:nvSpPr>
-        <p:spPr bwMode="auto">
-          <a:xfrm>
-            <a:off x="442913" y="93663"/>
-            <a:ext cx="10742612" cy="939800"/>
-          </a:xfrm>
-          <a:noFill/>
-          <a:ln>
-            <a:miter lim="800000"/>
-            <a:headEnd/>
-            <a:tailEnd/>
-          </a:ln>
-        </p:spPr>
-        <p:txBody>
-          <a:bodyPr vert="horz" wrap="square" numCol="1" anchor="t" anchorCtr="0" compatLnSpc="1">
-            <a:prstTxWarp prst="textNoShape">
-              <a:avLst/>
-            </a:prstTxWarp>
-          </a:bodyPr>
-          <a:lstStyle/>
-          <a:p>
-            <a:r>
-              <a:rPr lang="en-US" smtClean="0"/>
-              <a:t>When </a:t>
-            </a:r>
-            <a:r>
-              <a:rPr lang="en-US" u="sng" smtClean="0"/>
-              <a:t>not</a:t>
-            </a:r>
-            <a:r>
-              <a:rPr lang="en-US" smtClean="0"/>
-              <a:t> to use Haskell</a:t>
-            </a:r>
-            <a:endParaRPr lang="en-US" smtClean="0"/>
-          </a:p>
-        </p:txBody>
-      </p:sp>
-      <p:sp>
-        <p:nvSpPr>
-          <p:cNvPr id="3" name="Rectangle 4"/>
-          <p:cNvSpPr>
-            <a:spLocks/>
-          </p:cNvSpPr>
-          <p:nvPr/>
-        </p:nvSpPr>
-        <p:spPr bwMode="auto">
-          <a:xfrm>
-            <a:off x="443819" y="1373188"/>
-            <a:ext cx="10790237" cy="6680200"/>
-          </a:xfrm>
-          <a:prstGeom prst="rect">
-            <a:avLst/>
-          </a:prstGeom>
-          <a:noFill/>
-          <a:ln w="12700" cap="flat">
-            <a:noFill/>
-            <a:miter lim="800000"/>
-            <a:headEnd type="none" w="med" len="med"/>
-            <a:tailEnd type="none" w="med" len="med"/>
-          </a:ln>
-        </p:spPr>
-        <p:txBody>
-          <a:bodyPr lIns="0" tIns="0" rIns="0" bIns="0"/>
-          <a:lstStyle/>
-          <a:p>
-            <a:pPr marL="254000" indent="-254000">
-              <a:lnSpc>
-                <a:spcPct val="120000"/>
-              </a:lnSpc>
-              <a:spcBef>
-                <a:spcPts val="1000"/>
-              </a:spcBef>
-              <a:buSzPct val="120000"/>
-              <a:buFont typeface="Lucida Grande" charset="0"/>
-              <a:buChar char="‣"/>
-              <a:defRPr/>
-            </a:pPr>
-            <a:r>
-              <a:rPr lang="en-US" sz="2600" smtClean="0">
-                <a:solidFill>
-                  <a:srgbClr val="262626"/>
-                </a:solidFill>
-                <a:latin typeface="+mn-lt"/>
-                <a:ea typeface="Gill Sans" charset="0"/>
-                <a:cs typeface="Gill Sans" charset="0"/>
-              </a:rPr>
-              <a:t>Tight Realtime properties required</a:t>
-            </a:r>
-          </a:p>
-          <a:p>
-            <a:pPr marL="254000" indent="-254000">
-              <a:lnSpc>
-                <a:spcPct val="120000"/>
-              </a:lnSpc>
-              <a:spcBef>
-                <a:spcPts val="1000"/>
-              </a:spcBef>
-              <a:buSzPct val="120000"/>
-              <a:buFont typeface="Lucida Grande" charset="0"/>
-              <a:buChar char="‣"/>
-              <a:defRPr/>
-            </a:pPr>
-            <a:r>
-              <a:rPr lang="en-US" sz="2600" smtClean="0">
-                <a:solidFill>
-                  <a:srgbClr val="262626"/>
-                </a:solidFill>
-                <a:latin typeface="+mn-lt"/>
-                <a:ea typeface="Gill Sans" charset="0"/>
-                <a:cs typeface="Gill Sans" charset="0"/>
-              </a:rPr>
-              <a:t>Very low level problem (machine oriented)</a:t>
-            </a:r>
-          </a:p>
-          <a:p>
-            <a:pPr marL="254000" indent="-254000">
-              <a:lnSpc>
-                <a:spcPct val="120000"/>
-              </a:lnSpc>
-              <a:spcBef>
-                <a:spcPts val="1000"/>
-              </a:spcBef>
-              <a:buSzPct val="120000"/>
-              <a:buFont typeface="Lucida Grande" charset="0"/>
-              <a:buChar char="‣"/>
-              <a:defRPr/>
-            </a:pPr>
-            <a:r>
-              <a:rPr lang="en-US" sz="2600" smtClean="0">
-                <a:solidFill>
-                  <a:srgbClr val="262626"/>
-                </a:solidFill>
-                <a:latin typeface="+mn-lt"/>
-                <a:ea typeface="Gill Sans" charset="0"/>
-                <a:cs typeface="Gill Sans" charset="0"/>
-              </a:rPr>
-              <a:t>In conservative and laggard enviroment</a:t>
-            </a:r>
-            <a:br>
-              <a:rPr lang="en-US" sz="2600" smtClean="0">
-                <a:solidFill>
-                  <a:srgbClr val="262626"/>
-                </a:solidFill>
-                <a:latin typeface="+mn-lt"/>
-                <a:ea typeface="Gill Sans" charset="0"/>
-                <a:cs typeface="Gill Sans" charset="0"/>
-              </a:rPr>
-            </a:br>
-            <a:r>
-              <a:rPr lang="en-US" sz="2600" smtClean="0">
-                <a:solidFill>
-                  <a:srgbClr val="262626"/>
-                </a:solidFill>
-                <a:latin typeface="+mn-lt"/>
-                <a:ea typeface="Gill Sans" charset="0"/>
-                <a:cs typeface="Gill Sans" charset="0"/>
-              </a:rPr>
-              <a:t>(e.g. personal, political reasons):</a:t>
-            </a:r>
-          </a:p>
-          <a:p>
-            <a:pPr marL="254000" indent="-254000">
-              <a:lnSpc>
-                <a:spcPct val="120000"/>
-              </a:lnSpc>
-              <a:spcBef>
-                <a:spcPts val="1000"/>
-              </a:spcBef>
-              <a:buSzPct val="120000"/>
-              <a:buFont typeface="Lucida Grande" charset="0"/>
-              <a:buChar char="‣"/>
-              <a:defRPr/>
-            </a:pPr>
-            <a:endParaRPr lang="en-US" sz="2600">
-              <a:solidFill>
-                <a:srgbClr val="262626"/>
-              </a:solidFill>
-              <a:latin typeface="+mn-lt"/>
-              <a:ea typeface="Gill Sans" charset="0"/>
-              <a:cs typeface="Gill Sans" charset="0"/>
-            </a:endParaRPr>
-          </a:p>
-          <a:p>
-            <a:pPr marL="254000" indent="-254000">
-              <a:lnSpc>
-                <a:spcPct val="120000"/>
-              </a:lnSpc>
-              <a:spcBef>
-                <a:spcPts val="1000"/>
-              </a:spcBef>
-              <a:defRPr/>
-            </a:pPr>
-            <a:endParaRPr lang="en-US" sz="2600">
-              <a:solidFill>
-                <a:srgbClr val="262626"/>
-              </a:solidFill>
-              <a:latin typeface="+mn-lt"/>
-              <a:ea typeface="Gill Sans" charset="0"/>
-              <a:cs typeface="Gill Sans" charset="0"/>
-            </a:endParaRPr>
-          </a:p>
-        </p:txBody>
-      </p:sp>
-      <p:pic>
-        <p:nvPicPr>
-          <p:cNvPr id="3079" name="Picture 7" descr="C:\Users\3t\AppData\Local\Microsoft\Windows\Temporary Internet Files\Content.IE5\OFIS4223\1169px-Achtung.svg[1].png"/>
-          <p:cNvPicPr>
-            <a:picLocks noChangeAspect="1" noChangeArrowheads="1"/>
-          </p:cNvPicPr>
-          <p:nvPr/>
-        </p:nvPicPr>
-        <p:blipFill>
-          <a:blip r:embed="rId3" cstate="print">
-            <a:extLst>
-              <a:ext uri="{28A0092B-C50C-407E-A947-70E740481C1C}">
-                <a14:useLocalDpi xmlns:a14="http://schemas.microsoft.com/office/drawing/2010/main" val="0"/>
-              </a:ext>
-            </a:extLst>
-          </a:blip>
-          <a:srcRect/>
-          <a:stretch>
-            <a:fillRect/>
-          </a:stretch>
-        </p:blipFill>
-        <p:spPr bwMode="auto">
-          <a:xfrm>
-            <a:off x="9579429" y="309883"/>
-            <a:ext cx="2729359" cy="2390816"/>
-          </a:xfrm>
-          <a:prstGeom prst="rect">
-            <a:avLst/>
-          </a:prstGeom>
-          <a:noFill/>
-          <a:extLst>
-            <a:ext uri="{909E8E84-426E-40DD-AFC4-6F175D3DCCD1}">
-              <a14:hiddenFill xmlns:a14="http://schemas.microsoft.com/office/drawing/2010/main">
-                <a:solidFill>
-                  <a:srgbClr val="FFFFFF"/>
-                </a:solidFill>
-              </a14:hiddenFill>
-            </a:ext>
-          </a:extLst>
-        </p:spPr>
-      </p:pic>
-      <p:sp>
-        <p:nvSpPr>
-          <p:cNvPr id="2" name="Rechteck 1"/>
-          <p:cNvSpPr/>
-          <p:nvPr/>
-        </p:nvSpPr>
-        <p:spPr>
-          <a:xfrm>
-            <a:off x="6648038" y="4914900"/>
-            <a:ext cx="3963809" cy="3138488"/>
-          </a:xfrm>
-          <a:prstGeom prst="rect">
-            <a:avLst/>
-          </a:prstGeom>
-          <a:blipFill dpi="0" rotWithShape="1">
-            <a:blip r:embed="rId4">
-              <a:alphaModFix amt="30000"/>
-            </a:blip>
-            <a:srcRect/>
-            <a:stretch>
-              <a:fillRect/>
-            </a:stretch>
-          </a:blipFill>
-          <a:ln w="63500">
-            <a:solidFill>
-              <a:srgbClr val="FF0000"/>
-            </a:solidFill>
-          </a:ln>
-        </p:spPr>
-        <p:style>
-          <a:lnRef idx="2">
-            <a:schemeClr val="accent1">
-              <a:shade val="50000"/>
-            </a:schemeClr>
-          </a:lnRef>
-          <a:fillRef idx="1">
-            <a:schemeClr val="accent1"/>
-          </a:fillRef>
-          <a:effectRef idx="0">
-            <a:schemeClr val="accent1"/>
-          </a:effectRef>
-          <a:fontRef idx="minor">
-            <a:schemeClr val="lt1"/>
-          </a:fontRef>
-        </p:style>
-        <p:txBody>
-          <a:bodyPr rtlCol="0" anchor="ctr"/>
-          <a:lstStyle/>
-          <a:p>
-            <a:pPr algn="ctr"/>
-            <a:endParaRPr lang="de-DE"/>
-          </a:p>
-        </p:txBody>
-      </p:sp>
-    </p:spTree>
-    <p:extLst>
-      <p:ext uri="{BB962C8B-B14F-4D97-AF65-F5344CB8AC3E}">
-        <p14:creationId xmlns:p14="http://schemas.microsoft.com/office/powerpoint/2010/main" val="2077020566"/>
-      </p:ext>
-    </p:extLst>
-  </p:cSld>
-  <p:clrMapOvr>
-    <a:masterClrMapping/>
-  </p:clrMapOvr>
-</p:sld>
-</file>
-
-<file path=ppt/slides/slide8.xml><?xml version="1.0" encoding="utf-8"?>
-<p:sld xmlns:a="http://schemas.openxmlformats.org/drawingml/2006/main" xmlns:r="http://schemas.openxmlformats.org/officeDocument/2006/relationships" xmlns:p="http://schemas.openxmlformats.org/presentationml/2006/main">
-  <p:cSld>
-    <p:spTree>
-      <p:nvGrpSpPr>
-        <p:cNvPr id="1" name=""/>
-        <p:cNvGrpSpPr/>
-        <p:nvPr/>
-      </p:nvGrpSpPr>
-      <p:grpSpPr>
-        <a:xfrm>
-          <a:off x="0" y="0"/>
-          <a:ext cx="0" cy="0"/>
-          <a:chOff x="0" y="0"/>
-          <a:chExt cx="0" cy="0"/>
-        </a:xfrm>
-      </p:grpSpPr>
-      <p:sp>
-        <p:nvSpPr>
-          <p:cNvPr id="9218" name="Titel 1"/>
-          <p:cNvSpPr>
-            <a:spLocks noGrp="1"/>
-          </p:cNvSpPr>
-          <p:nvPr>
-            <p:ph type="title"/>
-          </p:nvPr>
-        </p:nvSpPr>
-        <p:spPr bwMode="auto">
-          <a:xfrm>
-            <a:off x="442913" y="93663"/>
-            <a:ext cx="10742612" cy="939800"/>
-          </a:xfrm>
-          <a:noFill/>
-          <a:ln>
-            <a:miter lim="800000"/>
-            <a:headEnd/>
-            <a:tailEnd/>
-          </a:ln>
-        </p:spPr>
-        <p:txBody>
-          <a:bodyPr vert="horz" wrap="square" numCol="1" anchor="t" anchorCtr="0" compatLnSpc="1">
-            <a:prstTxWarp prst="textNoShape">
-              <a:avLst/>
-            </a:prstTxWarp>
-          </a:bodyPr>
-          <a:lstStyle/>
-          <a:p>
-            <a:r>
-              <a:rPr lang="en-US" smtClean="0"/>
-              <a:t>The NSWC Experiment</a:t>
-            </a:r>
-          </a:p>
-        </p:txBody>
-      </p:sp>
-      <p:pic>
-        <p:nvPicPr>
-          <p:cNvPr id="1026" name="Picture 2"/>
-          <p:cNvPicPr>
-            <a:picLocks noChangeAspect="1" noChangeArrowheads="1"/>
-          </p:cNvPicPr>
-          <p:nvPr/>
-        </p:nvPicPr>
-        <p:blipFill>
-          <a:blip r:embed="rId2">
-            <a:extLst>
-              <a:ext uri="{28A0092B-C50C-407E-A947-70E740481C1C}">
-                <a14:useLocalDpi xmlns:a14="http://schemas.microsoft.com/office/drawing/2010/main" val="0"/>
-              </a:ext>
-            </a:extLst>
-          </a:blip>
-          <a:srcRect/>
-          <a:stretch>
-            <a:fillRect/>
-          </a:stretch>
-        </p:blipFill>
-        <p:spPr bwMode="auto">
-          <a:xfrm>
-            <a:off x="-18823" y="1535454"/>
-            <a:ext cx="7277554" cy="5071156"/>
-          </a:xfrm>
-          <a:prstGeom prst="rect">
-            <a:avLst/>
-          </a:prstGeom>
-          <a:noFill/>
-          <a:ln>
-            <a:noFill/>
-          </a:ln>
-          <a:extLst>
-            <a:ext uri="{909E8E84-426E-40DD-AFC4-6F175D3DCCD1}">
-              <a14:hiddenFill xmlns:a14="http://schemas.microsoft.com/office/drawing/2010/main">
-                <a:solidFill>
-                  <a:schemeClr val="accent1"/>
-                </a:solidFill>
-              </a14:hiddenFill>
-            </a:ext>
-            <a:ext uri="{91240B29-F687-4F45-9708-019B960494DF}">
-              <a14:hiddenLine xmlns:a14="http://schemas.microsoft.com/office/drawing/2010/main" w="9525">
-                <a:solidFill>
-                  <a:schemeClr val="tx1"/>
-                </a:solidFill>
-                <a:miter lim="800000"/>
-                <a:headEnd/>
-                <a:tailEnd/>
-              </a14:hiddenLine>
-            </a:ext>
-          </a:extLst>
-        </p:spPr>
-      </p:pic>
-      <p:pic>
-        <p:nvPicPr>
-          <p:cNvPr id="1027" name="Picture 3"/>
-          <p:cNvPicPr>
-            <a:picLocks noChangeAspect="1" noChangeArrowheads="1"/>
-          </p:cNvPicPr>
-          <p:nvPr/>
-        </p:nvPicPr>
-        <p:blipFill>
-          <a:blip r:embed="rId3">
-            <a:extLst>
-              <a:ext uri="{28A0092B-C50C-407E-A947-70E740481C1C}">
-                <a14:useLocalDpi xmlns:a14="http://schemas.microsoft.com/office/drawing/2010/main" val="0"/>
-              </a:ext>
-            </a:extLst>
-          </a:blip>
-          <a:srcRect/>
-          <a:stretch>
-            <a:fillRect/>
-          </a:stretch>
-        </p:blipFill>
-        <p:spPr bwMode="auto">
-          <a:xfrm>
-            <a:off x="7258731" y="1535454"/>
-            <a:ext cx="5522006" cy="6324600"/>
-          </a:xfrm>
-          <a:prstGeom prst="rect">
-            <a:avLst/>
-          </a:prstGeom>
-          <a:noFill/>
-          <a:ln>
-            <a:noFill/>
-          </a:ln>
-          <a:extLst>
-            <a:ext uri="{909E8E84-426E-40DD-AFC4-6F175D3DCCD1}">
-              <a14:hiddenFill xmlns:a14="http://schemas.microsoft.com/office/drawing/2010/main">
-                <a:solidFill>
-                  <a:schemeClr val="accent1"/>
-                </a:solidFill>
-              </a14:hiddenFill>
-            </a:ext>
-            <a:ext uri="{91240B29-F687-4F45-9708-019B960494DF}">
-              <a14:hiddenLine xmlns:a14="http://schemas.microsoft.com/office/drawing/2010/main" w="9525">
-                <a:solidFill>
-                  <a:schemeClr val="tx1"/>
-                </a:solidFill>
-                <a:miter lim="800000"/>
-                <a:headEnd/>
-                <a:tailEnd/>
-              </a14:hiddenLine>
-            </a:ext>
-          </a:extLst>
-        </p:spPr>
-      </p:pic>
-      <p:sp>
-        <p:nvSpPr>
-          <p:cNvPr id="5" name="Rectangle 4"/>
-          <p:cNvSpPr>
-            <a:spLocks/>
-          </p:cNvSpPr>
-          <p:nvPr/>
-        </p:nvSpPr>
-        <p:spPr bwMode="auto">
-          <a:xfrm>
-            <a:off x="552675" y="8164291"/>
-            <a:ext cx="12052982" cy="957938"/>
-          </a:xfrm>
-          <a:prstGeom prst="rect">
-            <a:avLst/>
-          </a:prstGeom>
-          <a:noFill/>
-          <a:ln w="12700" cap="flat">
-            <a:noFill/>
-            <a:miter lim="800000"/>
-            <a:headEnd type="none" w="med" len="med"/>
-            <a:tailEnd type="none" w="med" len="med"/>
-          </a:ln>
-        </p:spPr>
-        <p:txBody>
-          <a:bodyPr lIns="0" tIns="0" rIns="0" bIns="0"/>
-          <a:lstStyle/>
-          <a:p>
-            <a:pPr>
-              <a:spcBef>
-                <a:spcPts val="1000"/>
-              </a:spcBef>
-              <a:buSzPct val="120000"/>
-              <a:defRPr/>
-            </a:pPr>
-            <a:r>
-              <a:rPr lang="en-US" sz="3600" i="1" smtClean="0">
-                <a:solidFill>
-                  <a:srgbClr val="262626"/>
-                </a:solidFill>
-                <a:effectLst>
-                  <a:outerShdw blurRad="38100" dist="38100" dir="2700000" algn="tl">
-                    <a:srgbClr val="000000">
-                      <a:alpha val="43137"/>
-                    </a:srgbClr>
-                  </a:outerShdw>
-                </a:effectLst>
-                <a:latin typeface="+mn-lt"/>
-                <a:ea typeface="Gill Sans" charset="0"/>
-                <a:cs typeface="Gill Sans" charset="0"/>
-              </a:rPr>
-              <a:t>ADA vs. C++ vs. awk vs. Relational Lisp vs. Haskell vs. …</a:t>
-            </a:r>
-          </a:p>
-          <a:p>
-            <a:pPr marL="254000" indent="-254000">
-              <a:spcBef>
-                <a:spcPts val="1000"/>
-              </a:spcBef>
-              <a:buSzPct val="120000"/>
-              <a:buFont typeface="Lucida Grande" charset="0"/>
-              <a:buChar char="‣"/>
-              <a:defRPr/>
-            </a:pPr>
-            <a:endParaRPr lang="en-US" sz="3600" i="1">
-              <a:solidFill>
-                <a:srgbClr val="262626"/>
-              </a:solidFill>
-              <a:effectLst>
-                <a:outerShdw blurRad="38100" dist="38100" dir="2700000" algn="tl">
-                  <a:srgbClr val="000000">
-                    <a:alpha val="43137"/>
-                  </a:srgbClr>
-                </a:outerShdw>
-              </a:effectLst>
-              <a:latin typeface="+mn-lt"/>
-              <a:ea typeface="Gill Sans" charset="0"/>
-              <a:cs typeface="Gill Sans" charset="0"/>
-            </a:endParaRPr>
-          </a:p>
-          <a:p>
-            <a:pPr marL="254000" indent="-254000">
-              <a:spcBef>
-                <a:spcPts val="1000"/>
-              </a:spcBef>
-              <a:defRPr/>
-            </a:pPr>
-            <a:endParaRPr lang="en-US" sz="3600" i="1">
-              <a:solidFill>
-                <a:srgbClr val="262626"/>
-              </a:solidFill>
-              <a:effectLst>
-                <a:outerShdw blurRad="38100" dist="38100" dir="2700000" algn="tl">
-                  <a:srgbClr val="000000">
-                    <a:alpha val="43137"/>
-                  </a:srgbClr>
-                </a:outerShdw>
-              </a:effectLst>
-              <a:latin typeface="+mn-lt"/>
-              <a:ea typeface="Gill Sans" charset="0"/>
-              <a:cs typeface="Gill Sans" charset="0"/>
-            </a:endParaRPr>
-          </a:p>
-        </p:txBody>
-      </p:sp>
-    </p:spTree>
-    <p:extLst>
-      <p:ext uri="{BB962C8B-B14F-4D97-AF65-F5344CB8AC3E}">
-        <p14:creationId xmlns:p14="http://schemas.microsoft.com/office/powerpoint/2010/main" val="3618038885"/>
-      </p:ext>
-    </p:extLst>
-  </p:cSld>
-  <p:clrMapOvr>
-    <a:masterClrMapping/>
-  </p:clrMapOvr>
-</p:sld>
-</file>
-
-<file path=ppt/slides/slide9.xml><?xml version="1.0" encoding="utf-8"?>
-<p:sld xmlns:a="http://schemas.openxmlformats.org/drawingml/2006/main" xmlns:r="http://schemas.openxmlformats.org/officeDocument/2006/relationships" xmlns:p="http://schemas.openxmlformats.org/presentationml/2006/main">
-  <p:cSld>
-    <p:spTree>
-      <p:nvGrpSpPr>
-        <p:cNvPr id="1" name=""/>
-        <p:cNvGrpSpPr/>
-        <p:nvPr/>
-      </p:nvGrpSpPr>
-      <p:grpSpPr>
-        <a:xfrm>
-          <a:off x="0" y="0"/>
-          <a:ext cx="0" cy="0"/>
-          <a:chOff x="0" y="0"/>
-          <a:chExt cx="0" cy="0"/>
-        </a:xfrm>
-      </p:grpSpPr>
-      <p:sp>
-        <p:nvSpPr>
-          <p:cNvPr id="9218" name="Titel 1"/>
-          <p:cNvSpPr>
-            <a:spLocks noGrp="1"/>
-          </p:cNvSpPr>
-          <p:nvPr>
-            <p:ph type="title"/>
-          </p:nvPr>
-        </p:nvSpPr>
-        <p:spPr bwMode="auto">
-          <a:xfrm>
-            <a:off x="442913" y="93663"/>
-            <a:ext cx="10742612" cy="939800"/>
-          </a:xfrm>
-          <a:noFill/>
-          <a:ln>
-            <a:miter lim="800000"/>
-            <a:headEnd/>
-            <a:tailEnd/>
-          </a:ln>
-        </p:spPr>
-        <p:txBody>
-          <a:bodyPr vert="horz" wrap="square" numCol="1" anchor="t" anchorCtr="0" compatLnSpc="1">
-            <a:prstTxWarp prst="textNoShape">
-              <a:avLst/>
-            </a:prstTxWarp>
-          </a:bodyPr>
-          <a:lstStyle/>
-          <a:p>
-            <a:r>
-              <a:rPr lang="en-US" smtClean="0"/>
               <a:t>NSWC Prototyping Results</a:t>
             </a:r>
-            <a:endParaRPr lang="en-US" smtClean="0"/>
           </a:p>
         </p:txBody>
       </p:sp>
@@ -7709,6 +4323,4393 @@
     <p:extLst>
       <p:ext uri="{BB962C8B-B14F-4D97-AF65-F5344CB8AC3E}">
         <p14:creationId xmlns:p14="http://schemas.microsoft.com/office/powerpoint/2010/main" val="1852614918"/>
+      </p:ext>
+    </p:extLst>
+  </p:cSld>
+  <p:clrMapOvr>
+    <a:masterClrMapping/>
+  </p:clrMapOvr>
+</p:sld>
+</file>
+
+<file path=ppt/slides/slide11.xml><?xml version="1.0" encoding="utf-8"?>
+<p:sld xmlns:a="http://schemas.openxmlformats.org/drawingml/2006/main" xmlns:r="http://schemas.openxmlformats.org/officeDocument/2006/relationships" xmlns:p="http://schemas.openxmlformats.org/presentationml/2006/main">
+  <p:cSld>
+    <p:spTree>
+      <p:nvGrpSpPr>
+        <p:cNvPr id="1" name=""/>
+        <p:cNvGrpSpPr/>
+        <p:nvPr/>
+      </p:nvGrpSpPr>
+      <p:grpSpPr>
+        <a:xfrm>
+          <a:off x="0" y="0"/>
+          <a:ext cx="0" cy="0"/>
+          <a:chOff x="0" y="0"/>
+          <a:chExt cx="0" cy="0"/>
+        </a:xfrm>
+      </p:grpSpPr>
+      <p:sp>
+        <p:nvSpPr>
+          <p:cNvPr id="9218" name="Titel 1"/>
+          <p:cNvSpPr>
+            <a:spLocks noGrp="1"/>
+          </p:cNvSpPr>
+          <p:nvPr>
+            <p:ph type="title"/>
+          </p:nvPr>
+        </p:nvSpPr>
+        <p:spPr bwMode="auto">
+          <a:xfrm>
+            <a:off x="442913" y="93663"/>
+            <a:ext cx="10742612" cy="939800"/>
+          </a:xfrm>
+          <a:noFill/>
+          <a:ln>
+            <a:miter lim="800000"/>
+            <a:headEnd/>
+            <a:tailEnd/>
+          </a:ln>
+        </p:spPr>
+        <p:txBody>
+          <a:bodyPr vert="horz" wrap="square" numCol="1" anchor="t" anchorCtr="0" compatLnSpc="1">
+            <a:prstTxWarp prst="textNoShape">
+              <a:avLst/>
+            </a:prstTxWarp>
+          </a:bodyPr>
+          <a:lstStyle/>
+          <a:p>
+            <a:r>
+              <a:rPr lang="en-US" smtClean="0"/>
+              <a:t>Haskell Brooks Curry</a:t>
+            </a:r>
+          </a:p>
+        </p:txBody>
+      </p:sp>
+      <p:sp>
+        <p:nvSpPr>
+          <p:cNvPr id="5" name="Rectangle 4"/>
+          <p:cNvSpPr>
+            <a:spLocks/>
+          </p:cNvSpPr>
+          <p:nvPr/>
+        </p:nvSpPr>
+        <p:spPr bwMode="auto">
+          <a:xfrm>
+            <a:off x="487363" y="1373188"/>
+            <a:ext cx="5588000" cy="6680200"/>
+          </a:xfrm>
+          <a:prstGeom prst="rect">
+            <a:avLst/>
+          </a:prstGeom>
+          <a:noFill/>
+          <a:ln w="12700" cap="flat">
+            <a:noFill/>
+            <a:miter lim="800000"/>
+            <a:headEnd type="none" w="med" len="med"/>
+            <a:tailEnd type="none" w="med" len="med"/>
+          </a:ln>
+        </p:spPr>
+        <p:txBody>
+          <a:bodyPr lIns="0" tIns="0" rIns="0" bIns="0"/>
+          <a:lstStyle/>
+          <a:p>
+            <a:pPr marL="254000" indent="-254000">
+              <a:lnSpc>
+                <a:spcPct val="120000"/>
+              </a:lnSpc>
+              <a:spcBef>
+                <a:spcPts val="1000"/>
+              </a:spcBef>
+              <a:buSzPct val="120000"/>
+              <a:buFont typeface="Lucida Grande" charset="0"/>
+              <a:buChar char="‣"/>
+              <a:defRPr/>
+            </a:pPr>
+            <a:r>
+              <a:rPr lang="en-US" sz="2600" smtClean="0">
+                <a:solidFill>
+                  <a:srgbClr val="262626"/>
+                </a:solidFill>
+                <a:latin typeface="+mn-lt"/>
+                <a:ea typeface="Gill Sans" charset="0"/>
+                <a:cs typeface="Gill Sans" charset="0"/>
+              </a:rPr>
+              <a:t>Haskell Brooks Curry</a:t>
+            </a:r>
+            <a:endParaRPr lang="en-US" sz="2600">
+              <a:solidFill>
+                <a:srgbClr val="262626"/>
+              </a:solidFill>
+              <a:latin typeface="+mn-lt"/>
+              <a:ea typeface="Gill Sans" charset="0"/>
+              <a:cs typeface="Gill Sans" charset="0"/>
+            </a:endParaRPr>
+          </a:p>
+          <a:p>
+            <a:pPr marL="254000" indent="-254000">
+              <a:lnSpc>
+                <a:spcPct val="120000"/>
+              </a:lnSpc>
+              <a:spcBef>
+                <a:spcPts val="1000"/>
+              </a:spcBef>
+              <a:defRPr/>
+            </a:pPr>
+            <a:endParaRPr lang="en-US" sz="2600">
+              <a:solidFill>
+                <a:srgbClr val="262626"/>
+              </a:solidFill>
+              <a:latin typeface="+mn-lt"/>
+              <a:ea typeface="Gill Sans" charset="0"/>
+              <a:cs typeface="Gill Sans" charset="0"/>
+            </a:endParaRPr>
+          </a:p>
+        </p:txBody>
+      </p:sp>
+      <p:sp>
+        <p:nvSpPr>
+          <p:cNvPr id="2" name="AutoShape 2" descr="Bildergebnis für haskell brooks curry"/>
+          <p:cNvSpPr>
+            <a:spLocks noChangeAspect="1" noChangeArrowheads="1"/>
+          </p:cNvSpPr>
+          <p:nvPr/>
+        </p:nvSpPr>
+        <p:spPr bwMode="auto">
+          <a:xfrm>
+            <a:off x="155575" y="-731838"/>
+            <a:ext cx="1228725" cy="1524001"/>
+          </a:xfrm>
+          <a:prstGeom prst="rect">
+            <a:avLst/>
+          </a:prstGeom>
+          <a:noFill/>
+          <a:extLst>
+            <a:ext uri="{909E8E84-426E-40DD-AFC4-6F175D3DCCD1}">
+              <a14:hiddenFill xmlns:a14="http://schemas.microsoft.com/office/drawing/2010/main">
+                <a:solidFill>
+                  <a:srgbClr val="FFFFFF"/>
+                </a:solidFill>
+              </a14:hiddenFill>
+            </a:ext>
+          </a:extLst>
+        </p:spPr>
+        <p:txBody>
+          <a:bodyPr vert="horz" wrap="square" lIns="91440" tIns="45720" rIns="91440" bIns="45720" numCol="1" anchor="t" anchorCtr="0" compatLnSpc="1">
+            <a:prstTxWarp prst="textNoShape">
+              <a:avLst/>
+            </a:prstTxWarp>
+          </a:bodyPr>
+          <a:lstStyle/>
+          <a:p>
+            <a:endParaRPr lang="de-DE"/>
+          </a:p>
+        </p:txBody>
+      </p:sp>
+      <p:pic>
+        <p:nvPicPr>
+          <p:cNvPr id="3076" name="Picture 4"/>
+          <p:cNvPicPr>
+            <a:picLocks noChangeAspect="1" noChangeArrowheads="1"/>
+          </p:cNvPicPr>
+          <p:nvPr/>
+        </p:nvPicPr>
+        <p:blipFill>
+          <a:blip r:embed="rId2">
+            <a:extLst>
+              <a:ext uri="{28A0092B-C50C-407E-A947-70E740481C1C}">
+                <a14:useLocalDpi xmlns:a14="http://schemas.microsoft.com/office/drawing/2010/main" val="0"/>
+              </a:ext>
+            </a:extLst>
+          </a:blip>
+          <a:srcRect/>
+          <a:stretch>
+            <a:fillRect/>
+          </a:stretch>
+        </p:blipFill>
+        <p:spPr bwMode="auto">
+          <a:xfrm>
+            <a:off x="8065860" y="241074"/>
+            <a:ext cx="3550884" cy="4377080"/>
+          </a:xfrm>
+          <a:prstGeom prst="rect">
+            <a:avLst/>
+          </a:prstGeom>
+          <a:noFill/>
+          <a:ln>
+            <a:noFill/>
+          </a:ln>
+          <a:extLst>
+            <a:ext uri="{909E8E84-426E-40DD-AFC4-6F175D3DCCD1}">
+              <a14:hiddenFill xmlns:a14="http://schemas.microsoft.com/office/drawing/2010/main">
+                <a:solidFill>
+                  <a:schemeClr val="accent1"/>
+                </a:solidFill>
+              </a14:hiddenFill>
+            </a:ext>
+            <a:ext uri="{91240B29-F687-4F45-9708-019B960494DF}">
+              <a14:hiddenLine xmlns:a14="http://schemas.microsoft.com/office/drawing/2010/main" w="9525">
+                <a:solidFill>
+                  <a:schemeClr val="tx1"/>
+                </a:solidFill>
+                <a:miter lim="800000"/>
+                <a:headEnd/>
+                <a:tailEnd/>
+              </a14:hiddenLine>
+            </a:ext>
+          </a:extLst>
+        </p:spPr>
+      </p:pic>
+    </p:spTree>
+    <p:extLst>
+      <p:ext uri="{BB962C8B-B14F-4D97-AF65-F5344CB8AC3E}">
+        <p14:creationId xmlns:p14="http://schemas.microsoft.com/office/powerpoint/2010/main" val="1082810959"/>
+      </p:ext>
+    </p:extLst>
+  </p:cSld>
+  <p:clrMapOvr>
+    <a:masterClrMapping/>
+  </p:clrMapOvr>
+</p:sld>
+</file>
+
+<file path=ppt/slides/slide12.xml><?xml version="1.0" encoding="utf-8"?>
+<p:sld xmlns:a="http://schemas.openxmlformats.org/drawingml/2006/main" xmlns:r="http://schemas.openxmlformats.org/officeDocument/2006/relationships" xmlns:p="http://schemas.openxmlformats.org/presentationml/2006/main">
+  <p:cSld>
+    <p:spTree>
+      <p:nvGrpSpPr>
+        <p:cNvPr id="1" name=""/>
+        <p:cNvGrpSpPr/>
+        <p:nvPr/>
+      </p:nvGrpSpPr>
+      <p:grpSpPr>
+        <a:xfrm>
+          <a:off x="0" y="0"/>
+          <a:ext cx="0" cy="0"/>
+          <a:chOff x="0" y="0"/>
+          <a:chExt cx="0" cy="0"/>
+        </a:xfrm>
+      </p:grpSpPr>
+      <p:pic>
+        <p:nvPicPr>
+          <p:cNvPr id="17410" name="Picture 2"/>
+          <p:cNvPicPr>
+            <a:picLocks noChangeArrowheads="1"/>
+          </p:cNvPicPr>
+          <p:nvPr/>
+        </p:nvPicPr>
+        <p:blipFill>
+          <a:blip r:embed="rId2" cstate="print"/>
+          <a:srcRect/>
+          <a:stretch>
+            <a:fillRect/>
+          </a:stretch>
+        </p:blipFill>
+        <p:spPr bwMode="auto">
+          <a:xfrm>
+            <a:off x="461963" y="1608138"/>
+            <a:ext cx="5689600" cy="7340600"/>
+          </a:xfrm>
+          <a:prstGeom prst="rect">
+            <a:avLst/>
+          </a:prstGeom>
+          <a:noFill/>
+          <a:ln w="12700">
+            <a:noFill/>
+            <a:miter lim="800000"/>
+            <a:headEnd/>
+            <a:tailEnd/>
+          </a:ln>
+        </p:spPr>
+      </p:pic>
+      <p:sp>
+        <p:nvSpPr>
+          <p:cNvPr id="4" name="Abgerundetes Rechteck 3"/>
+          <p:cNvSpPr/>
+          <p:nvPr/>
+        </p:nvSpPr>
+        <p:spPr>
+          <a:xfrm>
+            <a:off x="6813550" y="1625600"/>
+            <a:ext cx="5703888" cy="5391150"/>
+          </a:xfrm>
+          <a:prstGeom prst="roundRect">
+            <a:avLst>
+              <a:gd name="adj" fmla="val 0"/>
+            </a:avLst>
+          </a:prstGeom>
+          <a:noFill/>
+          <a:ln>
+            <a:noFill/>
+          </a:ln>
+          <a:effectLst/>
+        </p:spPr>
+        <p:style>
+          <a:lnRef idx="2">
+            <a:schemeClr val="accent1">
+              <a:shade val="50000"/>
+            </a:schemeClr>
+          </a:lnRef>
+          <a:fillRef idx="1">
+            <a:schemeClr val="accent1"/>
+          </a:fillRef>
+          <a:effectRef idx="0">
+            <a:schemeClr val="accent1"/>
+          </a:effectRef>
+          <a:fontRef idx="minor">
+            <a:schemeClr val="lt1"/>
+          </a:fontRef>
+        </p:style>
+        <p:txBody>
+          <a:bodyPr lIns="130046" tIns="65023" rIns="130046" bIns="65023" anchor="ctr"/>
+          <a:lstStyle/>
+          <a:p>
+            <a:pPr algn="ctr">
+              <a:defRPr/>
+            </a:pPr>
+            <a:endParaRPr lang="de-DE" sz="3400" b="1">
+              <a:solidFill>
+                <a:srgbClr val="64748B"/>
+              </a:solidFill>
+            </a:endParaRPr>
+          </a:p>
+        </p:txBody>
+      </p:sp>
+      <p:sp>
+        <p:nvSpPr>
+          <p:cNvPr id="5" name="Abgerundetes Rechteck 4"/>
+          <p:cNvSpPr/>
+          <p:nvPr/>
+        </p:nvSpPr>
+        <p:spPr>
+          <a:xfrm>
+            <a:off x="6813550" y="7234238"/>
+            <a:ext cx="5703888" cy="1706562"/>
+          </a:xfrm>
+          <a:prstGeom prst="roundRect">
+            <a:avLst>
+              <a:gd name="adj" fmla="val 0"/>
+            </a:avLst>
+          </a:prstGeom>
+          <a:noFill/>
+          <a:ln>
+            <a:noFill/>
+          </a:ln>
+          <a:effectLst/>
+        </p:spPr>
+        <p:style>
+          <a:lnRef idx="2">
+            <a:schemeClr val="accent1">
+              <a:shade val="50000"/>
+            </a:schemeClr>
+          </a:lnRef>
+          <a:fillRef idx="1">
+            <a:schemeClr val="accent1"/>
+          </a:fillRef>
+          <a:effectRef idx="0">
+            <a:schemeClr val="accent1"/>
+          </a:effectRef>
+          <a:fontRef idx="minor">
+            <a:schemeClr val="lt1"/>
+          </a:fontRef>
+        </p:style>
+        <p:txBody>
+          <a:bodyPr lIns="130046" tIns="65023" rIns="130046" bIns="65023" anchor="ctr"/>
+          <a:lstStyle/>
+          <a:p>
+            <a:pPr algn="ctr">
+              <a:defRPr/>
+            </a:pPr>
+            <a:r>
+              <a:rPr lang="de-DE" b="1">
+                <a:solidFill>
+                  <a:schemeClr val="bg2"/>
+                </a:solidFill>
+              </a:rPr>
+              <a:t>Arnulfstraße 27</a:t>
+            </a:r>
+          </a:p>
+          <a:p>
+            <a:pPr algn="ctr">
+              <a:defRPr/>
+            </a:pPr>
+            <a:r>
+              <a:rPr lang="de-DE" b="1">
+                <a:solidFill>
+                  <a:schemeClr val="bg2"/>
+                </a:solidFill>
+              </a:rPr>
+              <a:t>80335 München</a:t>
+            </a:r>
+          </a:p>
+          <a:p>
+            <a:pPr algn="ctr">
+              <a:defRPr/>
+            </a:pPr>
+            <a:r>
+              <a:rPr lang="de-DE" b="1">
+                <a:solidFill>
+                  <a:schemeClr val="bg2"/>
+                </a:solidFill>
+              </a:rPr>
+              <a:t>www.validas.de</a:t>
+            </a:r>
+          </a:p>
+          <a:p>
+            <a:pPr algn="ctr">
+              <a:defRPr/>
+            </a:pPr>
+            <a:r>
+              <a:rPr lang="de-DE" b="1">
+                <a:solidFill>
+                  <a:schemeClr val="bg2"/>
+                </a:solidFill>
+              </a:rPr>
+              <a:t>info@validas.de</a:t>
+            </a:r>
+          </a:p>
+        </p:txBody>
+      </p:sp>
+      <p:pic>
+        <p:nvPicPr>
+          <p:cNvPr id="17413" name="Picture 2" descr="\\smbsrv.validas\intranet\Validas\CorporateIdentity\ValidasLogos\validas600.png"/>
+          <p:cNvPicPr>
+            <a:picLocks noChangeAspect="1" noChangeArrowheads="1"/>
+          </p:cNvPicPr>
+          <p:nvPr/>
+        </p:nvPicPr>
+        <p:blipFill>
+          <a:blip r:embed="rId3" cstate="print">
+            <a:lum bright="-10000" contrast="30000"/>
+          </a:blip>
+          <a:srcRect/>
+          <a:stretch>
+            <a:fillRect/>
+          </a:stretch>
+        </p:blipFill>
+        <p:spPr bwMode="auto">
+          <a:xfrm>
+            <a:off x="8024813" y="2809875"/>
+            <a:ext cx="3727450" cy="819150"/>
+          </a:xfrm>
+          <a:prstGeom prst="rect">
+            <a:avLst/>
+          </a:prstGeom>
+          <a:noFill/>
+          <a:ln w="9525">
+            <a:noFill/>
+            <a:miter lim="800000"/>
+            <a:headEnd/>
+            <a:tailEnd/>
+          </a:ln>
+        </p:spPr>
+      </p:pic>
+      <p:sp>
+        <p:nvSpPr>
+          <p:cNvPr id="17415" name="Titel 9"/>
+          <p:cNvSpPr>
+            <a:spLocks noGrp="1"/>
+          </p:cNvSpPr>
+          <p:nvPr>
+            <p:ph type="title"/>
+          </p:nvPr>
+        </p:nvSpPr>
+        <p:spPr bwMode="auto">
+          <a:xfrm>
+            <a:off x="442913" y="93663"/>
+            <a:ext cx="10742612" cy="939800"/>
+          </a:xfrm>
+          <a:noFill/>
+          <a:ln>
+            <a:miter lim="800000"/>
+            <a:headEnd/>
+            <a:tailEnd/>
+          </a:ln>
+        </p:spPr>
+        <p:txBody>
+          <a:bodyPr vert="horz" wrap="square" numCol="1" anchor="t" anchorCtr="0" compatLnSpc="1">
+            <a:prstTxWarp prst="textNoShape">
+              <a:avLst/>
+            </a:prstTxWarp>
+          </a:bodyPr>
+          <a:lstStyle/>
+          <a:p>
+            <a:pPr eaLnBrk="1" hangingPunct="1"/>
+            <a:r>
+              <a:rPr lang="de-DE" smtClean="0"/>
+              <a:t>Thank you !</a:t>
+            </a:r>
+            <a:endParaRPr lang="en-US" smtClean="0"/>
+          </a:p>
+        </p:txBody>
+      </p:sp>
+    </p:spTree>
+  </p:cSld>
+  <p:clrMapOvr>
+    <a:masterClrMapping/>
+  </p:clrMapOvr>
+  <p:transition/>
+  <p:timing>
+    <p:tnLst>
+      <p:par>
+        <p:cTn id="1" dur="indefinite" restart="never" nodeType="tmRoot"/>
+      </p:par>
+    </p:tnLst>
+  </p:timing>
+</p:sld>
+</file>
+
+<file path=ppt/slides/slide2.xml><?xml version="1.0" encoding="utf-8"?>
+<p:sld xmlns:a="http://schemas.openxmlformats.org/drawingml/2006/main" xmlns:r="http://schemas.openxmlformats.org/officeDocument/2006/relationships" xmlns:p="http://schemas.openxmlformats.org/presentationml/2006/main">
+  <p:cSld>
+    <p:spTree>
+      <p:nvGrpSpPr>
+        <p:cNvPr id="1" name=""/>
+        <p:cNvGrpSpPr/>
+        <p:nvPr/>
+      </p:nvGrpSpPr>
+      <p:grpSpPr>
+        <a:xfrm>
+          <a:off x="0" y="0"/>
+          <a:ext cx="0" cy="0"/>
+          <a:chOff x="0" y="0"/>
+          <a:chExt cx="0" cy="0"/>
+        </a:xfrm>
+      </p:grpSpPr>
+      <p:sp>
+        <p:nvSpPr>
+          <p:cNvPr id="9218" name="Titel 1"/>
+          <p:cNvSpPr>
+            <a:spLocks noGrp="1"/>
+          </p:cNvSpPr>
+          <p:nvPr>
+            <p:ph type="title"/>
+          </p:nvPr>
+        </p:nvSpPr>
+        <p:spPr bwMode="auto">
+          <a:xfrm>
+            <a:off x="442913" y="93663"/>
+            <a:ext cx="10742612" cy="939800"/>
+          </a:xfrm>
+          <a:noFill/>
+          <a:ln>
+            <a:miter lim="800000"/>
+            <a:headEnd/>
+            <a:tailEnd/>
+          </a:ln>
+        </p:spPr>
+        <p:txBody>
+          <a:bodyPr vert="horz" wrap="square" numCol="1" anchor="t" anchorCtr="0" compatLnSpc="1">
+            <a:prstTxWarp prst="textNoShape">
+              <a:avLst/>
+            </a:prstTxWarp>
+          </a:bodyPr>
+          <a:lstStyle/>
+          <a:p>
+            <a:r>
+              <a:rPr lang="en-US" smtClean="0"/>
+              <a:t>What does </a:t>
+            </a:r>
+            <a:r>
+              <a:rPr lang="en-US" smtClean="0">
+                <a:latin typeface="Courier New" panose="02070309020205020404" pitchFamily="49" charset="0"/>
+                <a:cs typeface="Courier New" panose="02070309020205020404" pitchFamily="49" charset="0"/>
+              </a:rPr>
+              <a:t>process</a:t>
+            </a:r>
+            <a:r>
+              <a:rPr lang="en-US" smtClean="0"/>
+              <a:t> do?</a:t>
+            </a:r>
+          </a:p>
+        </p:txBody>
+      </p:sp>
+      <p:sp>
+        <p:nvSpPr>
+          <p:cNvPr id="3" name="Textfeld 2"/>
+          <p:cNvSpPr txBox="1"/>
+          <p:nvPr/>
+        </p:nvSpPr>
+        <p:spPr>
+          <a:xfrm>
+            <a:off x="477520" y="1229360"/>
+            <a:ext cx="5416868" cy="7786747"/>
+          </a:xfrm>
+          <a:prstGeom prst="rect">
+            <a:avLst/>
+          </a:prstGeom>
+          <a:noFill/>
+        </p:spPr>
+        <p:txBody>
+          <a:bodyPr wrap="none" rtlCol="0">
+            <a:spAutoFit/>
+          </a:bodyPr>
+          <a:lstStyle/>
+          <a:p>
+            <a:r>
+              <a:rPr lang="de-DE" sz="2000" err="1">
+                <a:latin typeface="Courier New" panose="02070309020205020404" pitchFamily="49" charset="0"/>
+                <a:cs typeface="Courier New" panose="02070309020205020404" pitchFamily="49" charset="0"/>
+              </a:rPr>
+              <a:t>void</a:t>
+            </a:r>
+            <a:r>
+              <a:rPr lang="de-DE" sz="2000">
+                <a:latin typeface="Courier New" panose="02070309020205020404" pitchFamily="49" charset="0"/>
+                <a:cs typeface="Courier New" panose="02070309020205020404" pitchFamily="49" charset="0"/>
+              </a:rPr>
+              <a:t> </a:t>
+            </a:r>
+            <a:r>
+              <a:rPr lang="de-DE" sz="2000" err="1">
+                <a:latin typeface="Courier New" panose="02070309020205020404" pitchFamily="49" charset="0"/>
+                <a:cs typeface="Courier New" panose="02070309020205020404" pitchFamily="49" charset="0"/>
+              </a:rPr>
+              <a:t>swap</a:t>
+            </a:r>
+            <a:r>
+              <a:rPr lang="de-DE" sz="2000">
+                <a:latin typeface="Courier New" panose="02070309020205020404" pitchFamily="49" charset="0"/>
+                <a:cs typeface="Courier New" panose="02070309020205020404" pitchFamily="49" charset="0"/>
+              </a:rPr>
+              <a:t>(</a:t>
+            </a:r>
+            <a:r>
+              <a:rPr lang="de-DE" sz="2000" err="1">
+                <a:latin typeface="Courier New" panose="02070309020205020404" pitchFamily="49" charset="0"/>
+                <a:cs typeface="Courier New" panose="02070309020205020404" pitchFamily="49" charset="0"/>
+              </a:rPr>
+              <a:t>int</a:t>
+            </a:r>
+            <a:r>
+              <a:rPr lang="de-DE" sz="2000">
+                <a:latin typeface="Courier New" panose="02070309020205020404" pitchFamily="49" charset="0"/>
+                <a:cs typeface="Courier New" panose="02070309020205020404" pitchFamily="49" charset="0"/>
+              </a:rPr>
+              <a:t> *a, </a:t>
+            </a:r>
+            <a:r>
+              <a:rPr lang="de-DE" sz="2000" err="1">
+                <a:latin typeface="Courier New" panose="02070309020205020404" pitchFamily="49" charset="0"/>
+                <a:cs typeface="Courier New" panose="02070309020205020404" pitchFamily="49" charset="0"/>
+              </a:rPr>
+              <a:t>int</a:t>
+            </a:r>
+            <a:r>
+              <a:rPr lang="de-DE" sz="2000">
+                <a:latin typeface="Courier New" panose="02070309020205020404" pitchFamily="49" charset="0"/>
+                <a:cs typeface="Courier New" panose="02070309020205020404" pitchFamily="49" charset="0"/>
+              </a:rPr>
+              <a:t> *b)</a:t>
+            </a:r>
+          </a:p>
+          <a:p>
+            <a:r>
+              <a:rPr lang="de-DE" sz="2000">
+                <a:latin typeface="Courier New" panose="02070309020205020404" pitchFamily="49" charset="0"/>
+                <a:cs typeface="Courier New" panose="02070309020205020404" pitchFamily="49" charset="0"/>
+              </a:rPr>
+              <a:t>{</a:t>
+            </a:r>
+          </a:p>
+          <a:p>
+            <a:r>
+              <a:rPr lang="de-DE" sz="2000">
+                <a:latin typeface="Courier New" panose="02070309020205020404" pitchFamily="49" charset="0"/>
+                <a:cs typeface="Courier New" panose="02070309020205020404" pitchFamily="49" charset="0"/>
+              </a:rPr>
+              <a:t>    </a:t>
+            </a:r>
+            <a:r>
+              <a:rPr lang="de-DE" sz="2000" err="1">
+                <a:latin typeface="Courier New" panose="02070309020205020404" pitchFamily="49" charset="0"/>
+                <a:cs typeface="Courier New" panose="02070309020205020404" pitchFamily="49" charset="0"/>
+              </a:rPr>
+              <a:t>int</a:t>
+            </a:r>
+            <a:r>
+              <a:rPr lang="de-DE" sz="2000">
+                <a:latin typeface="Courier New" panose="02070309020205020404" pitchFamily="49" charset="0"/>
+                <a:cs typeface="Courier New" panose="02070309020205020404" pitchFamily="49" charset="0"/>
+              </a:rPr>
+              <a:t> </a:t>
+            </a:r>
+            <a:r>
+              <a:rPr lang="de-DE" sz="2000" err="1">
+                <a:latin typeface="Courier New" panose="02070309020205020404" pitchFamily="49" charset="0"/>
+                <a:cs typeface="Courier New" panose="02070309020205020404" pitchFamily="49" charset="0"/>
+              </a:rPr>
+              <a:t>tmp</a:t>
+            </a:r>
+            <a:r>
+              <a:rPr lang="de-DE" sz="2000">
+                <a:latin typeface="Courier New" panose="02070309020205020404" pitchFamily="49" charset="0"/>
+                <a:cs typeface="Courier New" panose="02070309020205020404" pitchFamily="49" charset="0"/>
+              </a:rPr>
+              <a:t> = *a;</a:t>
+            </a:r>
+          </a:p>
+          <a:p>
+            <a:r>
+              <a:rPr lang="de-DE" sz="2000">
+                <a:latin typeface="Courier New" panose="02070309020205020404" pitchFamily="49" charset="0"/>
+                <a:cs typeface="Courier New" panose="02070309020205020404" pitchFamily="49" charset="0"/>
+              </a:rPr>
+              <a:t>    *a = *b;</a:t>
+            </a:r>
+          </a:p>
+          <a:p>
+            <a:r>
+              <a:rPr lang="de-DE" sz="2000">
+                <a:latin typeface="Courier New" panose="02070309020205020404" pitchFamily="49" charset="0"/>
+                <a:cs typeface="Courier New" panose="02070309020205020404" pitchFamily="49" charset="0"/>
+              </a:rPr>
+              <a:t>    *b = </a:t>
+            </a:r>
+            <a:r>
+              <a:rPr lang="de-DE" sz="2000" err="1">
+                <a:latin typeface="Courier New" panose="02070309020205020404" pitchFamily="49" charset="0"/>
+                <a:cs typeface="Courier New" panose="02070309020205020404" pitchFamily="49" charset="0"/>
+              </a:rPr>
+              <a:t>tmp</a:t>
+            </a:r>
+            <a:r>
+              <a:rPr lang="de-DE" sz="2000">
+                <a:latin typeface="Courier New" panose="02070309020205020404" pitchFamily="49" charset="0"/>
+                <a:cs typeface="Courier New" panose="02070309020205020404" pitchFamily="49" charset="0"/>
+              </a:rPr>
+              <a:t>;</a:t>
+            </a:r>
+          </a:p>
+          <a:p>
+            <a:r>
+              <a:rPr lang="de-DE" sz="2000">
+                <a:latin typeface="Courier New" panose="02070309020205020404" pitchFamily="49" charset="0"/>
+                <a:cs typeface="Courier New" panose="02070309020205020404" pitchFamily="49" charset="0"/>
+              </a:rPr>
+              <a:t>}</a:t>
+            </a:r>
+          </a:p>
+          <a:p>
+            <a:endParaRPr lang="de-DE" sz="2000">
+              <a:latin typeface="Courier New" panose="02070309020205020404" pitchFamily="49" charset="0"/>
+              <a:cs typeface="Courier New" panose="02070309020205020404" pitchFamily="49" charset="0"/>
+            </a:endParaRPr>
+          </a:p>
+          <a:p>
+            <a:r>
+              <a:rPr lang="de-DE" sz="2000" err="1">
+                <a:latin typeface="Courier New" panose="02070309020205020404" pitchFamily="49" charset="0"/>
+                <a:cs typeface="Courier New" panose="02070309020205020404" pitchFamily="49" charset="0"/>
+              </a:rPr>
+              <a:t>void</a:t>
+            </a:r>
+            <a:r>
+              <a:rPr lang="de-DE" sz="2000">
+                <a:latin typeface="Courier New" panose="02070309020205020404" pitchFamily="49" charset="0"/>
+                <a:cs typeface="Courier New" panose="02070309020205020404" pitchFamily="49" charset="0"/>
+              </a:rPr>
+              <a:t> </a:t>
+            </a:r>
+            <a:r>
+              <a:rPr lang="de-DE" sz="2000" err="1" smtClean="0">
+                <a:latin typeface="Courier New" panose="02070309020205020404" pitchFamily="49" charset="0"/>
+                <a:cs typeface="Courier New" panose="02070309020205020404" pitchFamily="49" charset="0"/>
+              </a:rPr>
+              <a:t>process</a:t>
+            </a:r>
+            <a:r>
+              <a:rPr lang="de-DE" sz="2000" smtClean="0">
+                <a:latin typeface="Courier New" panose="02070309020205020404" pitchFamily="49" charset="0"/>
+                <a:cs typeface="Courier New" panose="02070309020205020404" pitchFamily="49" charset="0"/>
+              </a:rPr>
+              <a:t>(</a:t>
+            </a:r>
+            <a:r>
+              <a:rPr lang="de-DE" sz="2000" err="1" smtClean="0">
+                <a:latin typeface="Courier New" panose="02070309020205020404" pitchFamily="49" charset="0"/>
+                <a:cs typeface="Courier New" panose="02070309020205020404" pitchFamily="49" charset="0"/>
+              </a:rPr>
+              <a:t>int</a:t>
+            </a:r>
+            <a:r>
+              <a:rPr lang="de-DE" sz="2000" smtClean="0">
+                <a:latin typeface="Courier New" panose="02070309020205020404" pitchFamily="49" charset="0"/>
+                <a:cs typeface="Courier New" panose="02070309020205020404" pitchFamily="49" charset="0"/>
+              </a:rPr>
+              <a:t> </a:t>
+            </a:r>
+            <a:r>
+              <a:rPr lang="de-DE" sz="2000">
+                <a:latin typeface="Courier New" panose="02070309020205020404" pitchFamily="49" charset="0"/>
+                <a:cs typeface="Courier New" panose="02070309020205020404" pitchFamily="49" charset="0"/>
+              </a:rPr>
+              <a:t>*</a:t>
+            </a:r>
+            <a:r>
+              <a:rPr lang="de-DE" sz="2000" err="1">
+                <a:latin typeface="Courier New" panose="02070309020205020404" pitchFamily="49" charset="0"/>
+                <a:cs typeface="Courier New" panose="02070309020205020404" pitchFamily="49" charset="0"/>
+              </a:rPr>
+              <a:t>begin</a:t>
+            </a:r>
+            <a:r>
+              <a:rPr lang="de-DE" sz="2000">
+                <a:latin typeface="Courier New" panose="02070309020205020404" pitchFamily="49" charset="0"/>
+                <a:cs typeface="Courier New" panose="02070309020205020404" pitchFamily="49" charset="0"/>
+              </a:rPr>
+              <a:t>, </a:t>
+            </a:r>
+            <a:r>
+              <a:rPr lang="de-DE" sz="2000" err="1">
+                <a:latin typeface="Courier New" panose="02070309020205020404" pitchFamily="49" charset="0"/>
+                <a:cs typeface="Courier New" panose="02070309020205020404" pitchFamily="49" charset="0"/>
+              </a:rPr>
+              <a:t>int</a:t>
+            </a:r>
+            <a:r>
+              <a:rPr lang="de-DE" sz="2000">
+                <a:latin typeface="Courier New" panose="02070309020205020404" pitchFamily="49" charset="0"/>
+                <a:cs typeface="Courier New" panose="02070309020205020404" pitchFamily="49" charset="0"/>
+              </a:rPr>
+              <a:t> *end)</a:t>
+            </a:r>
+          </a:p>
+          <a:p>
+            <a:r>
+              <a:rPr lang="de-DE" sz="2000">
+                <a:latin typeface="Courier New" panose="02070309020205020404" pitchFamily="49" charset="0"/>
+                <a:cs typeface="Courier New" panose="02070309020205020404" pitchFamily="49" charset="0"/>
+              </a:rPr>
+              <a:t>{</a:t>
+            </a:r>
+          </a:p>
+          <a:p>
+            <a:r>
+              <a:rPr lang="de-DE" sz="2000">
+                <a:latin typeface="Courier New" panose="02070309020205020404" pitchFamily="49" charset="0"/>
+                <a:cs typeface="Courier New" panose="02070309020205020404" pitchFamily="49" charset="0"/>
+              </a:rPr>
+              <a:t>    </a:t>
+            </a:r>
+            <a:r>
+              <a:rPr lang="de-DE" sz="2000" err="1">
+                <a:latin typeface="Courier New" panose="02070309020205020404" pitchFamily="49" charset="0"/>
+                <a:cs typeface="Courier New" panose="02070309020205020404" pitchFamily="49" charset="0"/>
+              </a:rPr>
+              <a:t>int</a:t>
+            </a:r>
+            <a:r>
+              <a:rPr lang="de-DE" sz="2000">
+                <a:latin typeface="Courier New" panose="02070309020205020404" pitchFamily="49" charset="0"/>
+                <a:cs typeface="Courier New" panose="02070309020205020404" pitchFamily="49" charset="0"/>
+              </a:rPr>
+              <a:t> *</a:t>
+            </a:r>
+            <a:r>
+              <a:rPr lang="de-DE" sz="2000" err="1">
+                <a:latin typeface="Courier New" panose="02070309020205020404" pitchFamily="49" charset="0"/>
+                <a:cs typeface="Courier New" panose="02070309020205020404" pitchFamily="49" charset="0"/>
+              </a:rPr>
+              <a:t>ptr</a:t>
+            </a:r>
+            <a:r>
+              <a:rPr lang="de-DE" sz="2000">
+                <a:latin typeface="Courier New" panose="02070309020205020404" pitchFamily="49" charset="0"/>
+                <a:cs typeface="Courier New" panose="02070309020205020404" pitchFamily="49" charset="0"/>
+              </a:rPr>
+              <a:t>;</a:t>
+            </a:r>
+          </a:p>
+          <a:p>
+            <a:r>
+              <a:rPr lang="de-DE" sz="2000">
+                <a:latin typeface="Courier New" panose="02070309020205020404" pitchFamily="49" charset="0"/>
+                <a:cs typeface="Courier New" panose="02070309020205020404" pitchFamily="49" charset="0"/>
+              </a:rPr>
+              <a:t>    </a:t>
+            </a:r>
+            <a:r>
+              <a:rPr lang="de-DE" sz="2000" err="1">
+                <a:latin typeface="Courier New" panose="02070309020205020404" pitchFamily="49" charset="0"/>
+                <a:cs typeface="Courier New" panose="02070309020205020404" pitchFamily="49" charset="0"/>
+              </a:rPr>
+              <a:t>int</a:t>
+            </a:r>
+            <a:r>
+              <a:rPr lang="de-DE" sz="2000">
+                <a:latin typeface="Courier New" panose="02070309020205020404" pitchFamily="49" charset="0"/>
+                <a:cs typeface="Courier New" panose="02070309020205020404" pitchFamily="49" charset="0"/>
+              </a:rPr>
+              <a:t> *</a:t>
+            </a:r>
+            <a:r>
+              <a:rPr lang="de-DE" sz="2000" err="1">
+                <a:latin typeface="Courier New" panose="02070309020205020404" pitchFamily="49" charset="0"/>
+                <a:cs typeface="Courier New" panose="02070309020205020404" pitchFamily="49" charset="0"/>
+              </a:rPr>
+              <a:t>split</a:t>
+            </a:r>
+            <a:r>
+              <a:rPr lang="de-DE" sz="2000">
+                <a:latin typeface="Courier New" panose="02070309020205020404" pitchFamily="49" charset="0"/>
+                <a:cs typeface="Courier New" panose="02070309020205020404" pitchFamily="49" charset="0"/>
+              </a:rPr>
+              <a:t>;</a:t>
+            </a:r>
+          </a:p>
+          <a:p>
+            <a:r>
+              <a:rPr lang="de-DE" sz="2000">
+                <a:latin typeface="Courier New" panose="02070309020205020404" pitchFamily="49" charset="0"/>
+                <a:cs typeface="Courier New" panose="02070309020205020404" pitchFamily="49" charset="0"/>
+              </a:rPr>
+              <a:t>    </a:t>
+            </a:r>
+            <a:r>
+              <a:rPr lang="de-DE" sz="2000" err="1">
+                <a:latin typeface="Courier New" panose="02070309020205020404" pitchFamily="49" charset="0"/>
+                <a:cs typeface="Courier New" panose="02070309020205020404" pitchFamily="49" charset="0"/>
+              </a:rPr>
+              <a:t>if</a:t>
+            </a:r>
+            <a:r>
+              <a:rPr lang="de-DE" sz="2000">
+                <a:latin typeface="Courier New" panose="02070309020205020404" pitchFamily="49" charset="0"/>
+                <a:cs typeface="Courier New" panose="02070309020205020404" pitchFamily="49" charset="0"/>
+              </a:rPr>
+              <a:t> (end - </a:t>
+            </a:r>
+            <a:r>
+              <a:rPr lang="de-DE" sz="2000" err="1">
+                <a:latin typeface="Courier New" panose="02070309020205020404" pitchFamily="49" charset="0"/>
+                <a:cs typeface="Courier New" panose="02070309020205020404" pitchFamily="49" charset="0"/>
+              </a:rPr>
+              <a:t>begin</a:t>
+            </a:r>
+            <a:r>
+              <a:rPr lang="de-DE" sz="2000">
+                <a:latin typeface="Courier New" panose="02070309020205020404" pitchFamily="49" charset="0"/>
+                <a:cs typeface="Courier New" panose="02070309020205020404" pitchFamily="49" charset="0"/>
+              </a:rPr>
+              <a:t> &lt;= 1)</a:t>
+            </a:r>
+          </a:p>
+          <a:p>
+            <a:r>
+              <a:rPr lang="de-DE" sz="2000">
+                <a:latin typeface="Courier New" panose="02070309020205020404" pitchFamily="49" charset="0"/>
+                <a:cs typeface="Courier New" panose="02070309020205020404" pitchFamily="49" charset="0"/>
+              </a:rPr>
+              <a:t>        </a:t>
+            </a:r>
+            <a:r>
+              <a:rPr lang="de-DE" sz="2000" err="1">
+                <a:latin typeface="Courier New" panose="02070309020205020404" pitchFamily="49" charset="0"/>
+                <a:cs typeface="Courier New" panose="02070309020205020404" pitchFamily="49" charset="0"/>
+              </a:rPr>
+              <a:t>return</a:t>
+            </a:r>
+            <a:r>
+              <a:rPr lang="de-DE" sz="2000">
+                <a:latin typeface="Courier New" panose="02070309020205020404" pitchFamily="49" charset="0"/>
+                <a:cs typeface="Courier New" panose="02070309020205020404" pitchFamily="49" charset="0"/>
+              </a:rPr>
+              <a:t>;</a:t>
+            </a:r>
+          </a:p>
+          <a:p>
+            <a:r>
+              <a:rPr lang="de-DE" sz="2000">
+                <a:latin typeface="Courier New" panose="02070309020205020404" pitchFamily="49" charset="0"/>
+                <a:cs typeface="Courier New" panose="02070309020205020404" pitchFamily="49" charset="0"/>
+              </a:rPr>
+              <a:t>    </a:t>
+            </a:r>
+            <a:r>
+              <a:rPr lang="de-DE" sz="2000" err="1">
+                <a:latin typeface="Courier New" panose="02070309020205020404" pitchFamily="49" charset="0"/>
+                <a:cs typeface="Courier New" panose="02070309020205020404" pitchFamily="49" charset="0"/>
+              </a:rPr>
+              <a:t>ptr</a:t>
+            </a:r>
+            <a:r>
+              <a:rPr lang="de-DE" sz="2000">
+                <a:latin typeface="Courier New" panose="02070309020205020404" pitchFamily="49" charset="0"/>
+                <a:cs typeface="Courier New" panose="02070309020205020404" pitchFamily="49" charset="0"/>
+              </a:rPr>
+              <a:t> = </a:t>
+            </a:r>
+            <a:r>
+              <a:rPr lang="de-DE" sz="2000" err="1">
+                <a:latin typeface="Courier New" panose="02070309020205020404" pitchFamily="49" charset="0"/>
+                <a:cs typeface="Courier New" panose="02070309020205020404" pitchFamily="49" charset="0"/>
+              </a:rPr>
+              <a:t>begin</a:t>
+            </a:r>
+            <a:r>
+              <a:rPr lang="de-DE" sz="2000">
+                <a:latin typeface="Courier New" panose="02070309020205020404" pitchFamily="49" charset="0"/>
+                <a:cs typeface="Courier New" panose="02070309020205020404" pitchFamily="49" charset="0"/>
+              </a:rPr>
+              <a:t>;</a:t>
+            </a:r>
+          </a:p>
+          <a:p>
+            <a:r>
+              <a:rPr lang="de-DE" sz="2000">
+                <a:latin typeface="Courier New" panose="02070309020205020404" pitchFamily="49" charset="0"/>
+                <a:cs typeface="Courier New" panose="02070309020205020404" pitchFamily="49" charset="0"/>
+              </a:rPr>
+              <a:t>    </a:t>
+            </a:r>
+            <a:r>
+              <a:rPr lang="de-DE" sz="2000" err="1">
+                <a:latin typeface="Courier New" panose="02070309020205020404" pitchFamily="49" charset="0"/>
+                <a:cs typeface="Courier New" panose="02070309020205020404" pitchFamily="49" charset="0"/>
+              </a:rPr>
+              <a:t>split</a:t>
+            </a:r>
+            <a:r>
+              <a:rPr lang="de-DE" sz="2000">
+                <a:latin typeface="Courier New" panose="02070309020205020404" pitchFamily="49" charset="0"/>
+                <a:cs typeface="Courier New" panose="02070309020205020404" pitchFamily="49" charset="0"/>
+              </a:rPr>
+              <a:t> = </a:t>
+            </a:r>
+            <a:r>
+              <a:rPr lang="de-DE" sz="2000" err="1">
+                <a:latin typeface="Courier New" panose="02070309020205020404" pitchFamily="49" charset="0"/>
+                <a:cs typeface="Courier New" panose="02070309020205020404" pitchFamily="49" charset="0"/>
+              </a:rPr>
+              <a:t>begin</a:t>
+            </a:r>
+            <a:r>
+              <a:rPr lang="de-DE" sz="2000">
+                <a:latin typeface="Courier New" panose="02070309020205020404" pitchFamily="49" charset="0"/>
+                <a:cs typeface="Courier New" panose="02070309020205020404" pitchFamily="49" charset="0"/>
+              </a:rPr>
+              <a:t> + 1;</a:t>
+            </a:r>
+          </a:p>
+          <a:p>
+            <a:r>
+              <a:rPr lang="de-DE" sz="2000">
+                <a:latin typeface="Courier New" panose="02070309020205020404" pitchFamily="49" charset="0"/>
+                <a:cs typeface="Courier New" panose="02070309020205020404" pitchFamily="49" charset="0"/>
+              </a:rPr>
+              <a:t>    </a:t>
+            </a:r>
+            <a:r>
+              <a:rPr lang="de-DE" sz="2000" err="1">
+                <a:latin typeface="Courier New" panose="02070309020205020404" pitchFamily="49" charset="0"/>
+                <a:cs typeface="Courier New" panose="02070309020205020404" pitchFamily="49" charset="0"/>
+              </a:rPr>
+              <a:t>while</a:t>
+            </a:r>
+            <a:r>
+              <a:rPr lang="de-DE" sz="2000">
+                <a:latin typeface="Courier New" panose="02070309020205020404" pitchFamily="49" charset="0"/>
+                <a:cs typeface="Courier New" panose="02070309020205020404" pitchFamily="49" charset="0"/>
+              </a:rPr>
+              <a:t> (++</a:t>
+            </a:r>
+            <a:r>
+              <a:rPr lang="de-DE" sz="2000" err="1">
+                <a:latin typeface="Courier New" panose="02070309020205020404" pitchFamily="49" charset="0"/>
+                <a:cs typeface="Courier New" panose="02070309020205020404" pitchFamily="49" charset="0"/>
+              </a:rPr>
+              <a:t>ptr</a:t>
+            </a:r>
+            <a:r>
+              <a:rPr lang="de-DE" sz="2000">
+                <a:latin typeface="Courier New" panose="02070309020205020404" pitchFamily="49" charset="0"/>
+                <a:cs typeface="Courier New" panose="02070309020205020404" pitchFamily="49" charset="0"/>
+              </a:rPr>
+              <a:t> &lt;= end) {</a:t>
+            </a:r>
+          </a:p>
+          <a:p>
+            <a:r>
+              <a:rPr lang="de-DE" sz="2000">
+                <a:latin typeface="Courier New" panose="02070309020205020404" pitchFamily="49" charset="0"/>
+                <a:cs typeface="Courier New" panose="02070309020205020404" pitchFamily="49" charset="0"/>
+              </a:rPr>
+              <a:t>        </a:t>
+            </a:r>
+            <a:r>
+              <a:rPr lang="de-DE" sz="2000" err="1">
+                <a:latin typeface="Courier New" panose="02070309020205020404" pitchFamily="49" charset="0"/>
+                <a:cs typeface="Courier New" panose="02070309020205020404" pitchFamily="49" charset="0"/>
+              </a:rPr>
+              <a:t>if</a:t>
+            </a:r>
+            <a:r>
+              <a:rPr lang="de-DE" sz="2000">
+                <a:latin typeface="Courier New" panose="02070309020205020404" pitchFamily="49" charset="0"/>
+                <a:cs typeface="Courier New" panose="02070309020205020404" pitchFamily="49" charset="0"/>
+              </a:rPr>
+              <a:t> (*</a:t>
+            </a:r>
+            <a:r>
+              <a:rPr lang="de-DE" sz="2000" err="1">
+                <a:latin typeface="Courier New" panose="02070309020205020404" pitchFamily="49" charset="0"/>
+                <a:cs typeface="Courier New" panose="02070309020205020404" pitchFamily="49" charset="0"/>
+              </a:rPr>
+              <a:t>ptr</a:t>
+            </a:r>
+            <a:r>
+              <a:rPr lang="de-DE" sz="2000">
+                <a:latin typeface="Courier New" panose="02070309020205020404" pitchFamily="49" charset="0"/>
+                <a:cs typeface="Courier New" panose="02070309020205020404" pitchFamily="49" charset="0"/>
+              </a:rPr>
+              <a:t> &lt; *</a:t>
+            </a:r>
+            <a:r>
+              <a:rPr lang="de-DE" sz="2000" err="1">
+                <a:latin typeface="Courier New" panose="02070309020205020404" pitchFamily="49" charset="0"/>
+                <a:cs typeface="Courier New" panose="02070309020205020404" pitchFamily="49" charset="0"/>
+              </a:rPr>
+              <a:t>begin</a:t>
+            </a:r>
+            <a:r>
+              <a:rPr lang="de-DE" sz="2000">
+                <a:latin typeface="Courier New" panose="02070309020205020404" pitchFamily="49" charset="0"/>
+                <a:cs typeface="Courier New" panose="02070309020205020404" pitchFamily="49" charset="0"/>
+              </a:rPr>
+              <a:t>) {</a:t>
+            </a:r>
+          </a:p>
+          <a:p>
+            <a:r>
+              <a:rPr lang="de-DE" sz="2000">
+                <a:latin typeface="Courier New" panose="02070309020205020404" pitchFamily="49" charset="0"/>
+                <a:cs typeface="Courier New" panose="02070309020205020404" pitchFamily="49" charset="0"/>
+              </a:rPr>
+              <a:t>            </a:t>
+            </a:r>
+            <a:r>
+              <a:rPr lang="de-DE" sz="2000" err="1">
+                <a:latin typeface="Courier New" panose="02070309020205020404" pitchFamily="49" charset="0"/>
+                <a:cs typeface="Courier New" panose="02070309020205020404" pitchFamily="49" charset="0"/>
+              </a:rPr>
+              <a:t>swap</a:t>
+            </a:r>
+            <a:r>
+              <a:rPr lang="de-DE" sz="2000">
+                <a:latin typeface="Courier New" panose="02070309020205020404" pitchFamily="49" charset="0"/>
+                <a:cs typeface="Courier New" panose="02070309020205020404" pitchFamily="49" charset="0"/>
+              </a:rPr>
+              <a:t>(</a:t>
+            </a:r>
+            <a:r>
+              <a:rPr lang="de-DE" sz="2000" err="1">
+                <a:latin typeface="Courier New" panose="02070309020205020404" pitchFamily="49" charset="0"/>
+                <a:cs typeface="Courier New" panose="02070309020205020404" pitchFamily="49" charset="0"/>
+              </a:rPr>
+              <a:t>ptr</a:t>
+            </a:r>
+            <a:r>
+              <a:rPr lang="de-DE" sz="2000">
+                <a:latin typeface="Courier New" panose="02070309020205020404" pitchFamily="49" charset="0"/>
+                <a:cs typeface="Courier New" panose="02070309020205020404" pitchFamily="49" charset="0"/>
+              </a:rPr>
+              <a:t>, </a:t>
+            </a:r>
+            <a:r>
+              <a:rPr lang="de-DE" sz="2000" err="1">
+                <a:latin typeface="Courier New" panose="02070309020205020404" pitchFamily="49" charset="0"/>
+                <a:cs typeface="Courier New" panose="02070309020205020404" pitchFamily="49" charset="0"/>
+              </a:rPr>
+              <a:t>split</a:t>
+            </a:r>
+            <a:r>
+              <a:rPr lang="de-DE" sz="2000">
+                <a:latin typeface="Courier New" panose="02070309020205020404" pitchFamily="49" charset="0"/>
+                <a:cs typeface="Courier New" panose="02070309020205020404" pitchFamily="49" charset="0"/>
+              </a:rPr>
+              <a:t>);</a:t>
+            </a:r>
+          </a:p>
+          <a:p>
+            <a:r>
+              <a:rPr lang="de-DE" sz="2000">
+                <a:latin typeface="Courier New" panose="02070309020205020404" pitchFamily="49" charset="0"/>
+                <a:cs typeface="Courier New" panose="02070309020205020404" pitchFamily="49" charset="0"/>
+              </a:rPr>
+              <a:t>            ++</a:t>
+            </a:r>
+            <a:r>
+              <a:rPr lang="de-DE" sz="2000" err="1">
+                <a:latin typeface="Courier New" panose="02070309020205020404" pitchFamily="49" charset="0"/>
+                <a:cs typeface="Courier New" panose="02070309020205020404" pitchFamily="49" charset="0"/>
+              </a:rPr>
+              <a:t>split</a:t>
+            </a:r>
+            <a:r>
+              <a:rPr lang="de-DE" sz="2000">
+                <a:latin typeface="Courier New" panose="02070309020205020404" pitchFamily="49" charset="0"/>
+                <a:cs typeface="Courier New" panose="02070309020205020404" pitchFamily="49" charset="0"/>
+              </a:rPr>
+              <a:t>;</a:t>
+            </a:r>
+          </a:p>
+          <a:p>
+            <a:r>
+              <a:rPr lang="de-DE" sz="2000">
+                <a:latin typeface="Courier New" panose="02070309020205020404" pitchFamily="49" charset="0"/>
+                <a:cs typeface="Courier New" panose="02070309020205020404" pitchFamily="49" charset="0"/>
+              </a:rPr>
+              <a:t>        }</a:t>
+            </a:r>
+          </a:p>
+          <a:p>
+            <a:r>
+              <a:rPr lang="de-DE" sz="2000">
+                <a:latin typeface="Courier New" panose="02070309020205020404" pitchFamily="49" charset="0"/>
+                <a:cs typeface="Courier New" panose="02070309020205020404" pitchFamily="49" charset="0"/>
+              </a:rPr>
+              <a:t>    }</a:t>
+            </a:r>
+          </a:p>
+          <a:p>
+            <a:r>
+              <a:rPr lang="de-DE" sz="2000">
+                <a:latin typeface="Courier New" panose="02070309020205020404" pitchFamily="49" charset="0"/>
+                <a:cs typeface="Courier New" panose="02070309020205020404" pitchFamily="49" charset="0"/>
+              </a:rPr>
+              <a:t>    </a:t>
+            </a:r>
+            <a:r>
+              <a:rPr lang="de-DE" sz="2000" err="1">
+                <a:latin typeface="Courier New" panose="02070309020205020404" pitchFamily="49" charset="0"/>
+                <a:cs typeface="Courier New" panose="02070309020205020404" pitchFamily="49" charset="0"/>
+              </a:rPr>
+              <a:t>swap</a:t>
+            </a:r>
+            <a:r>
+              <a:rPr lang="de-DE" sz="2000">
+                <a:latin typeface="Courier New" panose="02070309020205020404" pitchFamily="49" charset="0"/>
+                <a:cs typeface="Courier New" panose="02070309020205020404" pitchFamily="49" charset="0"/>
+              </a:rPr>
+              <a:t>(</a:t>
+            </a:r>
+            <a:r>
+              <a:rPr lang="de-DE" sz="2000" err="1">
+                <a:latin typeface="Courier New" panose="02070309020205020404" pitchFamily="49" charset="0"/>
+                <a:cs typeface="Courier New" panose="02070309020205020404" pitchFamily="49" charset="0"/>
+              </a:rPr>
+              <a:t>begin</a:t>
+            </a:r>
+            <a:r>
+              <a:rPr lang="de-DE" sz="2000">
+                <a:latin typeface="Courier New" panose="02070309020205020404" pitchFamily="49" charset="0"/>
+                <a:cs typeface="Courier New" panose="02070309020205020404" pitchFamily="49" charset="0"/>
+              </a:rPr>
+              <a:t>, </a:t>
+            </a:r>
+            <a:r>
+              <a:rPr lang="de-DE" sz="2000" err="1">
+                <a:latin typeface="Courier New" panose="02070309020205020404" pitchFamily="49" charset="0"/>
+                <a:cs typeface="Courier New" panose="02070309020205020404" pitchFamily="49" charset="0"/>
+              </a:rPr>
+              <a:t>split</a:t>
+            </a:r>
+            <a:r>
+              <a:rPr lang="de-DE" sz="2000">
+                <a:latin typeface="Courier New" panose="02070309020205020404" pitchFamily="49" charset="0"/>
+                <a:cs typeface="Courier New" panose="02070309020205020404" pitchFamily="49" charset="0"/>
+              </a:rPr>
+              <a:t> - 1);</a:t>
+            </a:r>
+          </a:p>
+          <a:p>
+            <a:r>
+              <a:rPr lang="de-DE" sz="2000">
+                <a:latin typeface="Courier New" panose="02070309020205020404" pitchFamily="49" charset="0"/>
+                <a:cs typeface="Courier New" panose="02070309020205020404" pitchFamily="49" charset="0"/>
+              </a:rPr>
+              <a:t>    </a:t>
+            </a:r>
+            <a:r>
+              <a:rPr lang="de-DE" sz="2000" err="1" smtClean="0">
+                <a:latin typeface="Courier New" panose="02070309020205020404" pitchFamily="49" charset="0"/>
+                <a:cs typeface="Courier New" panose="02070309020205020404" pitchFamily="49" charset="0"/>
+              </a:rPr>
+              <a:t>process</a:t>
+            </a:r>
+            <a:r>
+              <a:rPr lang="de-DE" sz="2000" smtClean="0">
+                <a:latin typeface="Courier New" panose="02070309020205020404" pitchFamily="49" charset="0"/>
+                <a:cs typeface="Courier New" panose="02070309020205020404" pitchFamily="49" charset="0"/>
+              </a:rPr>
+              <a:t>(</a:t>
+            </a:r>
+            <a:r>
+              <a:rPr lang="de-DE" sz="2000" err="1" smtClean="0">
+                <a:latin typeface="Courier New" panose="02070309020205020404" pitchFamily="49" charset="0"/>
+                <a:cs typeface="Courier New" panose="02070309020205020404" pitchFamily="49" charset="0"/>
+              </a:rPr>
+              <a:t>begin</a:t>
+            </a:r>
+            <a:r>
+              <a:rPr lang="de-DE" sz="2000">
+                <a:latin typeface="Courier New" panose="02070309020205020404" pitchFamily="49" charset="0"/>
+                <a:cs typeface="Courier New" panose="02070309020205020404" pitchFamily="49" charset="0"/>
+              </a:rPr>
+              <a:t>, </a:t>
+            </a:r>
+            <a:r>
+              <a:rPr lang="de-DE" sz="2000" err="1">
+                <a:latin typeface="Courier New" panose="02070309020205020404" pitchFamily="49" charset="0"/>
+                <a:cs typeface="Courier New" panose="02070309020205020404" pitchFamily="49" charset="0"/>
+              </a:rPr>
+              <a:t>split</a:t>
+            </a:r>
+            <a:r>
+              <a:rPr lang="de-DE" sz="2000">
+                <a:latin typeface="Courier New" panose="02070309020205020404" pitchFamily="49" charset="0"/>
+                <a:cs typeface="Courier New" panose="02070309020205020404" pitchFamily="49" charset="0"/>
+              </a:rPr>
+              <a:t> - 1);</a:t>
+            </a:r>
+          </a:p>
+          <a:p>
+            <a:r>
+              <a:rPr lang="de-DE" sz="2000">
+                <a:latin typeface="Courier New" panose="02070309020205020404" pitchFamily="49" charset="0"/>
+                <a:cs typeface="Courier New" panose="02070309020205020404" pitchFamily="49" charset="0"/>
+              </a:rPr>
+              <a:t>    </a:t>
+            </a:r>
+            <a:r>
+              <a:rPr lang="de-DE" sz="2000" err="1" smtClean="0">
+                <a:latin typeface="Courier New" panose="02070309020205020404" pitchFamily="49" charset="0"/>
+                <a:cs typeface="Courier New" panose="02070309020205020404" pitchFamily="49" charset="0"/>
+              </a:rPr>
+              <a:t>process</a:t>
+            </a:r>
+            <a:r>
+              <a:rPr lang="de-DE" sz="2000" smtClean="0">
+                <a:latin typeface="Courier New" panose="02070309020205020404" pitchFamily="49" charset="0"/>
+                <a:cs typeface="Courier New" panose="02070309020205020404" pitchFamily="49" charset="0"/>
+              </a:rPr>
+              <a:t>(</a:t>
+            </a:r>
+            <a:r>
+              <a:rPr lang="de-DE" sz="2000" err="1" smtClean="0">
+                <a:latin typeface="Courier New" panose="02070309020205020404" pitchFamily="49" charset="0"/>
+                <a:cs typeface="Courier New" panose="02070309020205020404" pitchFamily="49" charset="0"/>
+              </a:rPr>
+              <a:t>split</a:t>
+            </a:r>
+            <a:r>
+              <a:rPr lang="de-DE" sz="2000">
+                <a:latin typeface="Courier New" panose="02070309020205020404" pitchFamily="49" charset="0"/>
+                <a:cs typeface="Courier New" panose="02070309020205020404" pitchFamily="49" charset="0"/>
+              </a:rPr>
+              <a:t>, end);</a:t>
+            </a:r>
+          </a:p>
+          <a:p>
+            <a:r>
+              <a:rPr lang="de-DE" sz="2000">
+                <a:latin typeface="Courier New" panose="02070309020205020404" pitchFamily="49" charset="0"/>
+                <a:cs typeface="Courier New" panose="02070309020205020404" pitchFamily="49" charset="0"/>
+              </a:rPr>
+              <a:t>}</a:t>
+            </a:r>
+            <a:endParaRPr lang="de-DE" sz="2000" smtClean="0">
+              <a:latin typeface="Courier New" panose="02070309020205020404" pitchFamily="49" charset="0"/>
+              <a:cs typeface="Courier New" panose="02070309020205020404" pitchFamily="49" charset="0"/>
+            </a:endParaRPr>
+          </a:p>
+        </p:txBody>
+      </p:sp>
+    </p:spTree>
+  </p:cSld>
+  <p:clrMapOvr>
+    <a:masterClrMapping/>
+  </p:clrMapOvr>
+</p:sld>
+</file>
+
+<file path=ppt/slides/slide3.xml><?xml version="1.0" encoding="utf-8"?>
+<p:sld xmlns:a="http://schemas.openxmlformats.org/drawingml/2006/main" xmlns:r="http://schemas.openxmlformats.org/officeDocument/2006/relationships" xmlns:p="http://schemas.openxmlformats.org/presentationml/2006/main">
+  <p:cSld>
+    <p:spTree>
+      <p:nvGrpSpPr>
+        <p:cNvPr id="1" name=""/>
+        <p:cNvGrpSpPr/>
+        <p:nvPr/>
+      </p:nvGrpSpPr>
+      <p:grpSpPr>
+        <a:xfrm>
+          <a:off x="0" y="0"/>
+          <a:ext cx="0" cy="0"/>
+          <a:chOff x="0" y="0"/>
+          <a:chExt cx="0" cy="0"/>
+        </a:xfrm>
+      </p:grpSpPr>
+      <p:sp>
+        <p:nvSpPr>
+          <p:cNvPr id="9218" name="Titel 1"/>
+          <p:cNvSpPr>
+            <a:spLocks noGrp="1"/>
+          </p:cNvSpPr>
+          <p:nvPr>
+            <p:ph type="title"/>
+          </p:nvPr>
+        </p:nvSpPr>
+        <p:spPr bwMode="auto">
+          <a:xfrm>
+            <a:off x="442913" y="93663"/>
+            <a:ext cx="10742612" cy="939800"/>
+          </a:xfrm>
+          <a:noFill/>
+          <a:ln>
+            <a:miter lim="800000"/>
+            <a:headEnd/>
+            <a:tailEnd/>
+          </a:ln>
+        </p:spPr>
+        <p:txBody>
+          <a:bodyPr vert="horz" wrap="square" numCol="1" anchor="t" anchorCtr="0" compatLnSpc="1">
+            <a:prstTxWarp prst="textNoShape">
+              <a:avLst/>
+            </a:prstTxWarp>
+          </a:bodyPr>
+          <a:lstStyle/>
+          <a:p>
+            <a:r>
+              <a:rPr lang="en-US" smtClean="0"/>
+              <a:t>What does </a:t>
+            </a:r>
+            <a:r>
+              <a:rPr lang="en-US" smtClean="0">
+                <a:latin typeface="Droid Sans Mono Chess ASCII" panose="020B0609030804020204" pitchFamily="50" charset="0"/>
+                <a:ea typeface="Droid Sans Mono Chess ASCII" panose="020B0609030804020204" pitchFamily="50" charset="0"/>
+                <a:cs typeface="Droid Sans Mono Chess ASCII" panose="020B0609030804020204" pitchFamily="50" charset="0"/>
+              </a:rPr>
+              <a:t>process2</a:t>
+            </a:r>
+            <a:r>
+              <a:rPr lang="en-US" smtClean="0"/>
+              <a:t> do?</a:t>
+            </a:r>
+          </a:p>
+        </p:txBody>
+      </p:sp>
+      <p:sp>
+        <p:nvSpPr>
+          <p:cNvPr id="3" name="Textfeld 2"/>
+          <p:cNvSpPr txBox="1"/>
+          <p:nvPr/>
+        </p:nvSpPr>
+        <p:spPr>
+          <a:xfrm>
+            <a:off x="477520" y="2046596"/>
+            <a:ext cx="11435438" cy="1938992"/>
+          </a:xfrm>
+          <a:prstGeom prst="rect">
+            <a:avLst/>
+          </a:prstGeom>
+          <a:noFill/>
+        </p:spPr>
+        <p:txBody>
+          <a:bodyPr wrap="square" rtlCol="0">
+            <a:spAutoFit/>
+          </a:bodyPr>
+          <a:lstStyle/>
+          <a:p>
+            <a:r>
+              <a:rPr lang="en-US" sz="2000">
+                <a:latin typeface="Droid Sans Mono Chess ASCII" panose="020B0609030804020204" pitchFamily="50" charset="0"/>
+                <a:ea typeface="Droid Sans Mono Chess ASCII" panose="020B0609030804020204" pitchFamily="50" charset="0"/>
+                <a:cs typeface="Droid Sans Mono Chess ASCII" panose="020B0609030804020204" pitchFamily="50" charset="0"/>
+              </a:rPr>
+              <a:t>process2 []           = </a:t>
+            </a:r>
+            <a:r>
+              <a:rPr lang="en-US" sz="2000" smtClean="0">
+                <a:latin typeface="Droid Sans Mono Chess ASCII" panose="020B0609030804020204" pitchFamily="50" charset="0"/>
+                <a:ea typeface="Droid Sans Mono Chess ASCII" panose="020B0609030804020204" pitchFamily="50" charset="0"/>
+                <a:cs typeface="Droid Sans Mono Chess ASCII" panose="020B0609030804020204" pitchFamily="50" charset="0"/>
+              </a:rPr>
+              <a:t>[]</a:t>
+            </a:r>
+          </a:p>
+          <a:p>
+            <a:endParaRPr lang="en-US" sz="2000">
+              <a:latin typeface="Droid Sans Mono Chess ASCII" panose="020B0609030804020204" pitchFamily="50" charset="0"/>
+              <a:ea typeface="Droid Sans Mono Chess ASCII" panose="020B0609030804020204" pitchFamily="50" charset="0"/>
+              <a:cs typeface="Droid Sans Mono Chess ASCII" panose="020B0609030804020204" pitchFamily="50" charset="0"/>
+            </a:endParaRPr>
+          </a:p>
+          <a:p>
+            <a:r>
+              <a:rPr lang="en-US" sz="2000">
+                <a:latin typeface="Droid Sans Mono Chess ASCII" panose="020B0609030804020204" pitchFamily="50" charset="0"/>
+                <a:ea typeface="Droid Sans Mono Chess ASCII" panose="020B0609030804020204" pitchFamily="50" charset="0"/>
+                <a:cs typeface="Droid Sans Mono Chess ASCII" panose="020B0609030804020204" pitchFamily="50" charset="0"/>
+              </a:rPr>
+              <a:t>process2 (first:rest) = </a:t>
+            </a:r>
+            <a:r>
+              <a:rPr lang="en-US" sz="2000" smtClean="0">
+                <a:latin typeface="Droid Sans Mono Chess ASCII" panose="020B0609030804020204" pitchFamily="50" charset="0"/>
+                <a:ea typeface="Droid Sans Mono Chess ASCII" panose="020B0609030804020204" pitchFamily="50" charset="0"/>
+                <a:cs typeface="Droid Sans Mono Chess ASCII" panose="020B0609030804020204" pitchFamily="50" charset="0"/>
+              </a:rPr>
+              <a:t>let smaller </a:t>
+            </a:r>
+            <a:r>
+              <a:rPr lang="en-US" sz="2000">
+                <a:latin typeface="Droid Sans Mono Chess ASCII" panose="020B0609030804020204" pitchFamily="50" charset="0"/>
+                <a:ea typeface="Droid Sans Mono Chess ASCII" panose="020B0609030804020204" pitchFamily="50" charset="0"/>
+                <a:cs typeface="Droid Sans Mono Chess ASCII" panose="020B0609030804020204" pitchFamily="50" charset="0"/>
+              </a:rPr>
+              <a:t>= filter (&lt;= first) rest</a:t>
+            </a:r>
+          </a:p>
+          <a:p>
+            <a:r>
+              <a:rPr lang="en-US" sz="2000">
+                <a:latin typeface="Droid Sans Mono Chess ASCII" panose="020B0609030804020204" pitchFamily="50" charset="0"/>
+                <a:ea typeface="Droid Sans Mono Chess ASCII" panose="020B0609030804020204" pitchFamily="50" charset="0"/>
+                <a:cs typeface="Droid Sans Mono Chess ASCII" panose="020B0609030804020204" pitchFamily="50" charset="0"/>
+              </a:rPr>
+              <a:t>	</a:t>
+            </a:r>
+            <a:r>
+              <a:rPr lang="en-US" sz="2000" smtClean="0">
+                <a:latin typeface="Droid Sans Mono Chess ASCII" panose="020B0609030804020204" pitchFamily="50" charset="0"/>
+                <a:ea typeface="Droid Sans Mono Chess ASCII" panose="020B0609030804020204" pitchFamily="50" charset="0"/>
+                <a:cs typeface="Droid Sans Mono Chess ASCII" panose="020B0609030804020204" pitchFamily="50" charset="0"/>
+              </a:rPr>
+              <a:t>                      bigger  </a:t>
+            </a:r>
+            <a:r>
+              <a:rPr lang="en-US" sz="2000">
+                <a:latin typeface="Droid Sans Mono Chess ASCII" panose="020B0609030804020204" pitchFamily="50" charset="0"/>
+                <a:ea typeface="Droid Sans Mono Chess ASCII" panose="020B0609030804020204" pitchFamily="50" charset="0"/>
+                <a:cs typeface="Droid Sans Mono Chess ASCII" panose="020B0609030804020204" pitchFamily="50" charset="0"/>
+              </a:rPr>
+              <a:t>= filter (&gt;  first</a:t>
+            </a:r>
+            <a:r>
+              <a:rPr lang="en-US" sz="2000">
+                <a:latin typeface="Droid Sans Mono Chess ASCII" panose="020B0609030804020204" pitchFamily="50" charset="0"/>
+                <a:ea typeface="Droid Sans Mono Chess ASCII" panose="020B0609030804020204" pitchFamily="50" charset="0"/>
+                <a:cs typeface="Droid Sans Mono Chess ASCII" panose="020B0609030804020204" pitchFamily="50" charset="0"/>
+              </a:rPr>
+              <a:t>) </a:t>
+            </a:r>
+            <a:r>
+              <a:rPr lang="en-US" sz="2000" smtClean="0">
+                <a:latin typeface="Droid Sans Mono Chess ASCII" panose="020B0609030804020204" pitchFamily="50" charset="0"/>
+                <a:ea typeface="Droid Sans Mono Chess ASCII" panose="020B0609030804020204" pitchFamily="50" charset="0"/>
+                <a:cs typeface="Droid Sans Mono Chess ASCII" panose="020B0609030804020204" pitchFamily="50" charset="0"/>
+              </a:rPr>
+              <a:t>rest</a:t>
+            </a:r>
+            <a:endParaRPr lang="en-US" sz="2000">
+              <a:latin typeface="Droid Sans Mono Chess ASCII" panose="020B0609030804020204" pitchFamily="50" charset="0"/>
+              <a:ea typeface="Droid Sans Mono Chess ASCII" panose="020B0609030804020204" pitchFamily="50" charset="0"/>
+              <a:cs typeface="Droid Sans Mono Chess ASCII" panose="020B0609030804020204" pitchFamily="50" charset="0"/>
+            </a:endParaRPr>
+          </a:p>
+          <a:p>
+            <a:r>
+              <a:rPr lang="en-US" sz="2000">
+                <a:latin typeface="Droid Sans Mono Chess ASCII" panose="020B0609030804020204" pitchFamily="50" charset="0"/>
+                <a:ea typeface="Droid Sans Mono Chess ASCII" panose="020B0609030804020204" pitchFamily="50" charset="0"/>
+                <a:cs typeface="Droid Sans Mono Chess ASCII" panose="020B0609030804020204" pitchFamily="50" charset="0"/>
+              </a:rPr>
+              <a:t>	in</a:t>
+            </a:r>
+          </a:p>
+          <a:p>
+            <a:r>
+              <a:rPr lang="en-US" sz="2000">
+                <a:latin typeface="Droid Sans Mono Chess ASCII" panose="020B0609030804020204" pitchFamily="50" charset="0"/>
+                <a:ea typeface="Droid Sans Mono Chess ASCII" panose="020B0609030804020204" pitchFamily="50" charset="0"/>
+                <a:cs typeface="Droid Sans Mono Chess ASCII" panose="020B0609030804020204" pitchFamily="50" charset="0"/>
+              </a:rPr>
+              <a:t>	</a:t>
+            </a:r>
+            <a:r>
+              <a:rPr lang="en-US" sz="2000" smtClean="0">
+                <a:latin typeface="Droid Sans Mono Chess ASCII" panose="020B0609030804020204" pitchFamily="50" charset="0"/>
+                <a:ea typeface="Droid Sans Mono Chess ASCII" panose="020B0609030804020204" pitchFamily="50" charset="0"/>
+                <a:cs typeface="Droid Sans Mono Chess ASCII" panose="020B0609030804020204" pitchFamily="50" charset="0"/>
+              </a:rPr>
+              <a:t>process2 </a:t>
+            </a:r>
+            <a:r>
+              <a:rPr lang="en-US" sz="2000">
+                <a:latin typeface="Droid Sans Mono Chess ASCII" panose="020B0609030804020204" pitchFamily="50" charset="0"/>
+                <a:ea typeface="Droid Sans Mono Chess ASCII" panose="020B0609030804020204" pitchFamily="50" charset="0"/>
+                <a:cs typeface="Droid Sans Mono Chess ASCII" panose="020B0609030804020204" pitchFamily="50" charset="0"/>
+              </a:rPr>
+              <a:t>smaller </a:t>
+            </a:r>
+            <a:r>
+              <a:rPr lang="en-US" sz="2000" smtClean="0">
+                <a:latin typeface="Droid Sans Mono Chess ASCII" panose="020B0609030804020204" pitchFamily="50" charset="0"/>
+                <a:ea typeface="Droid Sans Mono Chess ASCII" panose="020B0609030804020204" pitchFamily="50" charset="0"/>
+                <a:cs typeface="Droid Sans Mono Chess ASCII" panose="020B0609030804020204" pitchFamily="50" charset="0"/>
+              </a:rPr>
+              <a:t>  ++   [</a:t>
+            </a:r>
+            <a:r>
+              <a:rPr lang="en-US" sz="2000">
+                <a:latin typeface="Droid Sans Mono Chess ASCII" panose="020B0609030804020204" pitchFamily="50" charset="0"/>
+                <a:ea typeface="Droid Sans Mono Chess ASCII" panose="020B0609030804020204" pitchFamily="50" charset="0"/>
+                <a:cs typeface="Droid Sans Mono Chess ASCII" panose="020B0609030804020204" pitchFamily="50" charset="0"/>
+              </a:rPr>
+              <a:t>first</a:t>
+            </a:r>
+            <a:r>
+              <a:rPr lang="en-US" sz="2000">
+                <a:latin typeface="Droid Sans Mono Chess ASCII" panose="020B0609030804020204" pitchFamily="50" charset="0"/>
+                <a:ea typeface="Droid Sans Mono Chess ASCII" panose="020B0609030804020204" pitchFamily="50" charset="0"/>
+                <a:cs typeface="Droid Sans Mono Chess ASCII" panose="020B0609030804020204" pitchFamily="50" charset="0"/>
+              </a:rPr>
+              <a:t>] </a:t>
+            </a:r>
+            <a:r>
+              <a:rPr lang="en-US" sz="2000" smtClean="0">
+                <a:latin typeface="Droid Sans Mono Chess ASCII" panose="020B0609030804020204" pitchFamily="50" charset="0"/>
+                <a:ea typeface="Droid Sans Mono Chess ASCII" panose="020B0609030804020204" pitchFamily="50" charset="0"/>
+                <a:cs typeface="Droid Sans Mono Chess ASCII" panose="020B0609030804020204" pitchFamily="50" charset="0"/>
+              </a:rPr>
+              <a:t>  ++   process2 </a:t>
+            </a:r>
+            <a:r>
+              <a:rPr lang="en-US" sz="2000">
+                <a:latin typeface="Droid Sans Mono Chess ASCII" panose="020B0609030804020204" pitchFamily="50" charset="0"/>
+                <a:ea typeface="Droid Sans Mono Chess ASCII" panose="020B0609030804020204" pitchFamily="50" charset="0"/>
+                <a:cs typeface="Droid Sans Mono Chess ASCII" panose="020B0609030804020204" pitchFamily="50" charset="0"/>
+              </a:rPr>
+              <a:t>bigger</a:t>
+            </a:r>
+            <a:endParaRPr lang="de-DE" sz="2000">
+              <a:latin typeface="Droid Sans Mono Chess ASCII" panose="020B0609030804020204" pitchFamily="50" charset="0"/>
+              <a:ea typeface="Droid Sans Mono Chess ASCII" panose="020B0609030804020204" pitchFamily="50" charset="0"/>
+              <a:cs typeface="Droid Sans Mono Chess ASCII" panose="020B0609030804020204" pitchFamily="50" charset="0"/>
+            </a:endParaRPr>
+          </a:p>
+        </p:txBody>
+      </p:sp>
+    </p:spTree>
+    <p:extLst>
+      <p:ext uri="{BB962C8B-B14F-4D97-AF65-F5344CB8AC3E}">
+        <p14:creationId xmlns:p14="http://schemas.microsoft.com/office/powerpoint/2010/main" val="2610126838"/>
+      </p:ext>
+    </p:extLst>
+  </p:cSld>
+  <p:clrMapOvr>
+    <a:masterClrMapping/>
+  </p:clrMapOvr>
+</p:sld>
+</file>
+
+<file path=ppt/slides/slide4.xml><?xml version="1.0" encoding="utf-8"?>
+<p:sld xmlns:a="http://schemas.openxmlformats.org/drawingml/2006/main" xmlns:r="http://schemas.openxmlformats.org/officeDocument/2006/relationships" xmlns:p="http://schemas.openxmlformats.org/presentationml/2006/main">
+  <p:cSld>
+    <p:spTree>
+      <p:nvGrpSpPr>
+        <p:cNvPr id="1" name=""/>
+        <p:cNvGrpSpPr/>
+        <p:nvPr/>
+      </p:nvGrpSpPr>
+      <p:grpSpPr>
+        <a:xfrm>
+          <a:off x="0" y="0"/>
+          <a:ext cx="0" cy="0"/>
+          <a:chOff x="0" y="0"/>
+          <a:chExt cx="0" cy="0"/>
+        </a:xfrm>
+      </p:grpSpPr>
+      <p:sp>
+        <p:nvSpPr>
+          <p:cNvPr id="9218" name="Titel 1"/>
+          <p:cNvSpPr>
+            <a:spLocks noGrp="1"/>
+          </p:cNvSpPr>
+          <p:nvPr>
+            <p:ph type="title"/>
+          </p:nvPr>
+        </p:nvSpPr>
+        <p:spPr bwMode="auto">
+          <a:xfrm>
+            <a:off x="442913" y="93663"/>
+            <a:ext cx="10742612" cy="939800"/>
+          </a:xfrm>
+          <a:noFill/>
+          <a:ln>
+            <a:miter lim="800000"/>
+            <a:headEnd/>
+            <a:tailEnd/>
+          </a:ln>
+        </p:spPr>
+        <p:txBody>
+          <a:bodyPr vert="horz" wrap="square" numCol="1" anchor="t" anchorCtr="0" compatLnSpc="1">
+            <a:prstTxWarp prst="textNoShape">
+              <a:avLst/>
+            </a:prstTxWarp>
+          </a:bodyPr>
+          <a:lstStyle/>
+          <a:p>
+            <a:r>
+              <a:rPr lang="en-US"/>
+              <a:t>How to prove the functionality?</a:t>
+            </a:r>
+            <a:endParaRPr lang="en-US" smtClean="0"/>
+          </a:p>
+        </p:txBody>
+      </p:sp>
+      <p:sp>
+        <p:nvSpPr>
+          <p:cNvPr id="3" name="Textfeld 2"/>
+          <p:cNvSpPr txBox="1"/>
+          <p:nvPr/>
+        </p:nvSpPr>
+        <p:spPr>
+          <a:xfrm>
+            <a:off x="477520" y="1229360"/>
+            <a:ext cx="5416868" cy="7786747"/>
+          </a:xfrm>
+          <a:prstGeom prst="rect">
+            <a:avLst/>
+          </a:prstGeom>
+          <a:noFill/>
+        </p:spPr>
+        <p:txBody>
+          <a:bodyPr wrap="none" rtlCol="0">
+            <a:spAutoFit/>
+          </a:bodyPr>
+          <a:lstStyle/>
+          <a:p>
+            <a:r>
+              <a:rPr lang="de-DE" sz="2000" err="1">
+                <a:latin typeface="Courier New" panose="02070309020205020404" pitchFamily="49" charset="0"/>
+                <a:cs typeface="Courier New" panose="02070309020205020404" pitchFamily="49" charset="0"/>
+              </a:rPr>
+              <a:t>void</a:t>
+            </a:r>
+            <a:r>
+              <a:rPr lang="de-DE" sz="2000">
+                <a:latin typeface="Courier New" panose="02070309020205020404" pitchFamily="49" charset="0"/>
+                <a:cs typeface="Courier New" panose="02070309020205020404" pitchFamily="49" charset="0"/>
+              </a:rPr>
+              <a:t> </a:t>
+            </a:r>
+            <a:r>
+              <a:rPr lang="de-DE" sz="2000" err="1">
+                <a:latin typeface="Courier New" panose="02070309020205020404" pitchFamily="49" charset="0"/>
+                <a:cs typeface="Courier New" panose="02070309020205020404" pitchFamily="49" charset="0"/>
+              </a:rPr>
+              <a:t>swap</a:t>
+            </a:r>
+            <a:r>
+              <a:rPr lang="de-DE" sz="2000">
+                <a:latin typeface="Courier New" panose="02070309020205020404" pitchFamily="49" charset="0"/>
+                <a:cs typeface="Courier New" panose="02070309020205020404" pitchFamily="49" charset="0"/>
+              </a:rPr>
+              <a:t>(</a:t>
+            </a:r>
+            <a:r>
+              <a:rPr lang="de-DE" sz="2000" err="1">
+                <a:latin typeface="Courier New" panose="02070309020205020404" pitchFamily="49" charset="0"/>
+                <a:cs typeface="Courier New" panose="02070309020205020404" pitchFamily="49" charset="0"/>
+              </a:rPr>
+              <a:t>int</a:t>
+            </a:r>
+            <a:r>
+              <a:rPr lang="de-DE" sz="2000">
+                <a:latin typeface="Courier New" panose="02070309020205020404" pitchFamily="49" charset="0"/>
+                <a:cs typeface="Courier New" panose="02070309020205020404" pitchFamily="49" charset="0"/>
+              </a:rPr>
+              <a:t> *a, </a:t>
+            </a:r>
+            <a:r>
+              <a:rPr lang="de-DE" sz="2000" err="1">
+                <a:latin typeface="Courier New" panose="02070309020205020404" pitchFamily="49" charset="0"/>
+                <a:cs typeface="Courier New" panose="02070309020205020404" pitchFamily="49" charset="0"/>
+              </a:rPr>
+              <a:t>int</a:t>
+            </a:r>
+            <a:r>
+              <a:rPr lang="de-DE" sz="2000">
+                <a:latin typeface="Courier New" panose="02070309020205020404" pitchFamily="49" charset="0"/>
+                <a:cs typeface="Courier New" panose="02070309020205020404" pitchFamily="49" charset="0"/>
+              </a:rPr>
+              <a:t> *b)</a:t>
+            </a:r>
+          </a:p>
+          <a:p>
+            <a:r>
+              <a:rPr lang="de-DE" sz="2000">
+                <a:latin typeface="Courier New" panose="02070309020205020404" pitchFamily="49" charset="0"/>
+                <a:cs typeface="Courier New" panose="02070309020205020404" pitchFamily="49" charset="0"/>
+              </a:rPr>
+              <a:t>{</a:t>
+            </a:r>
+          </a:p>
+          <a:p>
+            <a:r>
+              <a:rPr lang="de-DE" sz="2000">
+                <a:latin typeface="Courier New" panose="02070309020205020404" pitchFamily="49" charset="0"/>
+                <a:cs typeface="Courier New" panose="02070309020205020404" pitchFamily="49" charset="0"/>
+              </a:rPr>
+              <a:t>    </a:t>
+            </a:r>
+            <a:r>
+              <a:rPr lang="de-DE" sz="2000" err="1">
+                <a:latin typeface="Courier New" panose="02070309020205020404" pitchFamily="49" charset="0"/>
+                <a:cs typeface="Courier New" panose="02070309020205020404" pitchFamily="49" charset="0"/>
+              </a:rPr>
+              <a:t>int</a:t>
+            </a:r>
+            <a:r>
+              <a:rPr lang="de-DE" sz="2000">
+                <a:latin typeface="Courier New" panose="02070309020205020404" pitchFamily="49" charset="0"/>
+                <a:cs typeface="Courier New" panose="02070309020205020404" pitchFamily="49" charset="0"/>
+              </a:rPr>
+              <a:t> </a:t>
+            </a:r>
+            <a:r>
+              <a:rPr lang="de-DE" sz="2000" err="1">
+                <a:latin typeface="Courier New" panose="02070309020205020404" pitchFamily="49" charset="0"/>
+                <a:cs typeface="Courier New" panose="02070309020205020404" pitchFamily="49" charset="0"/>
+              </a:rPr>
+              <a:t>tmp</a:t>
+            </a:r>
+            <a:r>
+              <a:rPr lang="de-DE" sz="2000">
+                <a:latin typeface="Courier New" panose="02070309020205020404" pitchFamily="49" charset="0"/>
+                <a:cs typeface="Courier New" panose="02070309020205020404" pitchFamily="49" charset="0"/>
+              </a:rPr>
+              <a:t> = *a;</a:t>
+            </a:r>
+          </a:p>
+          <a:p>
+            <a:r>
+              <a:rPr lang="de-DE" sz="2000">
+                <a:latin typeface="Courier New" panose="02070309020205020404" pitchFamily="49" charset="0"/>
+                <a:cs typeface="Courier New" panose="02070309020205020404" pitchFamily="49" charset="0"/>
+              </a:rPr>
+              <a:t>    *a = *b;</a:t>
+            </a:r>
+          </a:p>
+          <a:p>
+            <a:r>
+              <a:rPr lang="de-DE" sz="2000">
+                <a:latin typeface="Courier New" panose="02070309020205020404" pitchFamily="49" charset="0"/>
+                <a:cs typeface="Courier New" panose="02070309020205020404" pitchFamily="49" charset="0"/>
+              </a:rPr>
+              <a:t>    *b = </a:t>
+            </a:r>
+            <a:r>
+              <a:rPr lang="de-DE" sz="2000" err="1">
+                <a:latin typeface="Courier New" panose="02070309020205020404" pitchFamily="49" charset="0"/>
+                <a:cs typeface="Courier New" panose="02070309020205020404" pitchFamily="49" charset="0"/>
+              </a:rPr>
+              <a:t>tmp</a:t>
+            </a:r>
+            <a:r>
+              <a:rPr lang="de-DE" sz="2000">
+                <a:latin typeface="Courier New" panose="02070309020205020404" pitchFamily="49" charset="0"/>
+                <a:cs typeface="Courier New" panose="02070309020205020404" pitchFamily="49" charset="0"/>
+              </a:rPr>
+              <a:t>;</a:t>
+            </a:r>
+          </a:p>
+          <a:p>
+            <a:r>
+              <a:rPr lang="de-DE" sz="2000">
+                <a:latin typeface="Courier New" panose="02070309020205020404" pitchFamily="49" charset="0"/>
+                <a:cs typeface="Courier New" panose="02070309020205020404" pitchFamily="49" charset="0"/>
+              </a:rPr>
+              <a:t>}</a:t>
+            </a:r>
+          </a:p>
+          <a:p>
+            <a:endParaRPr lang="de-DE" sz="2000">
+              <a:latin typeface="Courier New" panose="02070309020205020404" pitchFamily="49" charset="0"/>
+              <a:cs typeface="Courier New" panose="02070309020205020404" pitchFamily="49" charset="0"/>
+            </a:endParaRPr>
+          </a:p>
+          <a:p>
+            <a:r>
+              <a:rPr lang="de-DE" sz="2000" err="1">
+                <a:latin typeface="Courier New" panose="02070309020205020404" pitchFamily="49" charset="0"/>
+                <a:cs typeface="Courier New" panose="02070309020205020404" pitchFamily="49" charset="0"/>
+              </a:rPr>
+              <a:t>void</a:t>
+            </a:r>
+            <a:r>
+              <a:rPr lang="de-DE" sz="2000">
+                <a:latin typeface="Courier New" panose="02070309020205020404" pitchFamily="49" charset="0"/>
+                <a:cs typeface="Courier New" panose="02070309020205020404" pitchFamily="49" charset="0"/>
+              </a:rPr>
+              <a:t> </a:t>
+            </a:r>
+            <a:r>
+              <a:rPr lang="de-DE" sz="2000" err="1" smtClean="0">
+                <a:latin typeface="Courier New" panose="02070309020205020404" pitchFamily="49" charset="0"/>
+                <a:cs typeface="Courier New" panose="02070309020205020404" pitchFamily="49" charset="0"/>
+              </a:rPr>
+              <a:t>process</a:t>
+            </a:r>
+            <a:r>
+              <a:rPr lang="de-DE" sz="2000" smtClean="0">
+                <a:latin typeface="Courier New" panose="02070309020205020404" pitchFamily="49" charset="0"/>
+                <a:cs typeface="Courier New" panose="02070309020205020404" pitchFamily="49" charset="0"/>
+              </a:rPr>
+              <a:t>(</a:t>
+            </a:r>
+            <a:r>
+              <a:rPr lang="de-DE" sz="2000" err="1" smtClean="0">
+                <a:latin typeface="Courier New" panose="02070309020205020404" pitchFamily="49" charset="0"/>
+                <a:cs typeface="Courier New" panose="02070309020205020404" pitchFamily="49" charset="0"/>
+              </a:rPr>
+              <a:t>int</a:t>
+            </a:r>
+            <a:r>
+              <a:rPr lang="de-DE" sz="2000" smtClean="0">
+                <a:latin typeface="Courier New" panose="02070309020205020404" pitchFamily="49" charset="0"/>
+                <a:cs typeface="Courier New" panose="02070309020205020404" pitchFamily="49" charset="0"/>
+              </a:rPr>
+              <a:t> </a:t>
+            </a:r>
+            <a:r>
+              <a:rPr lang="de-DE" sz="2000">
+                <a:latin typeface="Courier New" panose="02070309020205020404" pitchFamily="49" charset="0"/>
+                <a:cs typeface="Courier New" panose="02070309020205020404" pitchFamily="49" charset="0"/>
+              </a:rPr>
+              <a:t>*</a:t>
+            </a:r>
+            <a:r>
+              <a:rPr lang="de-DE" sz="2000" err="1">
+                <a:latin typeface="Courier New" panose="02070309020205020404" pitchFamily="49" charset="0"/>
+                <a:cs typeface="Courier New" panose="02070309020205020404" pitchFamily="49" charset="0"/>
+              </a:rPr>
+              <a:t>begin</a:t>
+            </a:r>
+            <a:r>
+              <a:rPr lang="de-DE" sz="2000">
+                <a:latin typeface="Courier New" panose="02070309020205020404" pitchFamily="49" charset="0"/>
+                <a:cs typeface="Courier New" panose="02070309020205020404" pitchFamily="49" charset="0"/>
+              </a:rPr>
+              <a:t>, </a:t>
+            </a:r>
+            <a:r>
+              <a:rPr lang="de-DE" sz="2000" err="1">
+                <a:latin typeface="Courier New" panose="02070309020205020404" pitchFamily="49" charset="0"/>
+                <a:cs typeface="Courier New" panose="02070309020205020404" pitchFamily="49" charset="0"/>
+              </a:rPr>
+              <a:t>int</a:t>
+            </a:r>
+            <a:r>
+              <a:rPr lang="de-DE" sz="2000">
+                <a:latin typeface="Courier New" panose="02070309020205020404" pitchFamily="49" charset="0"/>
+                <a:cs typeface="Courier New" panose="02070309020205020404" pitchFamily="49" charset="0"/>
+              </a:rPr>
+              <a:t> *end)</a:t>
+            </a:r>
+          </a:p>
+          <a:p>
+            <a:r>
+              <a:rPr lang="de-DE" sz="2000">
+                <a:latin typeface="Courier New" panose="02070309020205020404" pitchFamily="49" charset="0"/>
+                <a:cs typeface="Courier New" panose="02070309020205020404" pitchFamily="49" charset="0"/>
+              </a:rPr>
+              <a:t>{</a:t>
+            </a:r>
+          </a:p>
+          <a:p>
+            <a:r>
+              <a:rPr lang="de-DE" sz="2000">
+                <a:latin typeface="Courier New" panose="02070309020205020404" pitchFamily="49" charset="0"/>
+                <a:cs typeface="Courier New" panose="02070309020205020404" pitchFamily="49" charset="0"/>
+              </a:rPr>
+              <a:t>    </a:t>
+            </a:r>
+            <a:r>
+              <a:rPr lang="de-DE" sz="2000" err="1">
+                <a:latin typeface="Courier New" panose="02070309020205020404" pitchFamily="49" charset="0"/>
+                <a:cs typeface="Courier New" panose="02070309020205020404" pitchFamily="49" charset="0"/>
+              </a:rPr>
+              <a:t>int</a:t>
+            </a:r>
+            <a:r>
+              <a:rPr lang="de-DE" sz="2000">
+                <a:latin typeface="Courier New" panose="02070309020205020404" pitchFamily="49" charset="0"/>
+                <a:cs typeface="Courier New" panose="02070309020205020404" pitchFamily="49" charset="0"/>
+              </a:rPr>
+              <a:t> *</a:t>
+            </a:r>
+            <a:r>
+              <a:rPr lang="de-DE" sz="2000" err="1">
+                <a:latin typeface="Courier New" panose="02070309020205020404" pitchFamily="49" charset="0"/>
+                <a:cs typeface="Courier New" panose="02070309020205020404" pitchFamily="49" charset="0"/>
+              </a:rPr>
+              <a:t>ptr</a:t>
+            </a:r>
+            <a:r>
+              <a:rPr lang="de-DE" sz="2000">
+                <a:latin typeface="Courier New" panose="02070309020205020404" pitchFamily="49" charset="0"/>
+                <a:cs typeface="Courier New" panose="02070309020205020404" pitchFamily="49" charset="0"/>
+              </a:rPr>
+              <a:t>;</a:t>
+            </a:r>
+          </a:p>
+          <a:p>
+            <a:r>
+              <a:rPr lang="de-DE" sz="2000">
+                <a:latin typeface="Courier New" panose="02070309020205020404" pitchFamily="49" charset="0"/>
+                <a:cs typeface="Courier New" panose="02070309020205020404" pitchFamily="49" charset="0"/>
+              </a:rPr>
+              <a:t>    </a:t>
+            </a:r>
+            <a:r>
+              <a:rPr lang="de-DE" sz="2000" err="1">
+                <a:latin typeface="Courier New" panose="02070309020205020404" pitchFamily="49" charset="0"/>
+                <a:cs typeface="Courier New" panose="02070309020205020404" pitchFamily="49" charset="0"/>
+              </a:rPr>
+              <a:t>int</a:t>
+            </a:r>
+            <a:r>
+              <a:rPr lang="de-DE" sz="2000">
+                <a:latin typeface="Courier New" panose="02070309020205020404" pitchFamily="49" charset="0"/>
+                <a:cs typeface="Courier New" panose="02070309020205020404" pitchFamily="49" charset="0"/>
+              </a:rPr>
+              <a:t> *</a:t>
+            </a:r>
+            <a:r>
+              <a:rPr lang="de-DE" sz="2000" err="1">
+                <a:latin typeface="Courier New" panose="02070309020205020404" pitchFamily="49" charset="0"/>
+                <a:cs typeface="Courier New" panose="02070309020205020404" pitchFamily="49" charset="0"/>
+              </a:rPr>
+              <a:t>split</a:t>
+            </a:r>
+            <a:r>
+              <a:rPr lang="de-DE" sz="2000">
+                <a:latin typeface="Courier New" panose="02070309020205020404" pitchFamily="49" charset="0"/>
+                <a:cs typeface="Courier New" panose="02070309020205020404" pitchFamily="49" charset="0"/>
+              </a:rPr>
+              <a:t>;</a:t>
+            </a:r>
+          </a:p>
+          <a:p>
+            <a:r>
+              <a:rPr lang="de-DE" sz="2000">
+                <a:latin typeface="Courier New" panose="02070309020205020404" pitchFamily="49" charset="0"/>
+                <a:cs typeface="Courier New" panose="02070309020205020404" pitchFamily="49" charset="0"/>
+              </a:rPr>
+              <a:t>    </a:t>
+            </a:r>
+            <a:r>
+              <a:rPr lang="de-DE" sz="2000" err="1">
+                <a:latin typeface="Courier New" panose="02070309020205020404" pitchFamily="49" charset="0"/>
+                <a:cs typeface="Courier New" panose="02070309020205020404" pitchFamily="49" charset="0"/>
+              </a:rPr>
+              <a:t>if</a:t>
+            </a:r>
+            <a:r>
+              <a:rPr lang="de-DE" sz="2000">
+                <a:latin typeface="Courier New" panose="02070309020205020404" pitchFamily="49" charset="0"/>
+                <a:cs typeface="Courier New" panose="02070309020205020404" pitchFamily="49" charset="0"/>
+              </a:rPr>
+              <a:t> (end - </a:t>
+            </a:r>
+            <a:r>
+              <a:rPr lang="de-DE" sz="2000" err="1">
+                <a:latin typeface="Courier New" panose="02070309020205020404" pitchFamily="49" charset="0"/>
+                <a:cs typeface="Courier New" panose="02070309020205020404" pitchFamily="49" charset="0"/>
+              </a:rPr>
+              <a:t>begin</a:t>
+            </a:r>
+            <a:r>
+              <a:rPr lang="de-DE" sz="2000">
+                <a:latin typeface="Courier New" panose="02070309020205020404" pitchFamily="49" charset="0"/>
+                <a:cs typeface="Courier New" panose="02070309020205020404" pitchFamily="49" charset="0"/>
+              </a:rPr>
+              <a:t> &lt;= 1)</a:t>
+            </a:r>
+          </a:p>
+          <a:p>
+            <a:r>
+              <a:rPr lang="de-DE" sz="2000">
+                <a:latin typeface="Courier New" panose="02070309020205020404" pitchFamily="49" charset="0"/>
+                <a:cs typeface="Courier New" panose="02070309020205020404" pitchFamily="49" charset="0"/>
+              </a:rPr>
+              <a:t>        </a:t>
+            </a:r>
+            <a:r>
+              <a:rPr lang="de-DE" sz="2000" err="1">
+                <a:latin typeface="Courier New" panose="02070309020205020404" pitchFamily="49" charset="0"/>
+                <a:cs typeface="Courier New" panose="02070309020205020404" pitchFamily="49" charset="0"/>
+              </a:rPr>
+              <a:t>return</a:t>
+            </a:r>
+            <a:r>
+              <a:rPr lang="de-DE" sz="2000">
+                <a:latin typeface="Courier New" panose="02070309020205020404" pitchFamily="49" charset="0"/>
+                <a:cs typeface="Courier New" panose="02070309020205020404" pitchFamily="49" charset="0"/>
+              </a:rPr>
+              <a:t>;</a:t>
+            </a:r>
+          </a:p>
+          <a:p>
+            <a:r>
+              <a:rPr lang="de-DE" sz="2000">
+                <a:latin typeface="Courier New" panose="02070309020205020404" pitchFamily="49" charset="0"/>
+                <a:cs typeface="Courier New" panose="02070309020205020404" pitchFamily="49" charset="0"/>
+              </a:rPr>
+              <a:t>    </a:t>
+            </a:r>
+            <a:r>
+              <a:rPr lang="de-DE" sz="2000" err="1">
+                <a:latin typeface="Courier New" panose="02070309020205020404" pitchFamily="49" charset="0"/>
+                <a:cs typeface="Courier New" panose="02070309020205020404" pitchFamily="49" charset="0"/>
+              </a:rPr>
+              <a:t>ptr</a:t>
+            </a:r>
+            <a:r>
+              <a:rPr lang="de-DE" sz="2000">
+                <a:latin typeface="Courier New" panose="02070309020205020404" pitchFamily="49" charset="0"/>
+                <a:cs typeface="Courier New" panose="02070309020205020404" pitchFamily="49" charset="0"/>
+              </a:rPr>
+              <a:t> = </a:t>
+            </a:r>
+            <a:r>
+              <a:rPr lang="de-DE" sz="2000" err="1">
+                <a:latin typeface="Courier New" panose="02070309020205020404" pitchFamily="49" charset="0"/>
+                <a:cs typeface="Courier New" panose="02070309020205020404" pitchFamily="49" charset="0"/>
+              </a:rPr>
+              <a:t>begin</a:t>
+            </a:r>
+            <a:r>
+              <a:rPr lang="de-DE" sz="2000">
+                <a:latin typeface="Courier New" panose="02070309020205020404" pitchFamily="49" charset="0"/>
+                <a:cs typeface="Courier New" panose="02070309020205020404" pitchFamily="49" charset="0"/>
+              </a:rPr>
+              <a:t>;</a:t>
+            </a:r>
+          </a:p>
+          <a:p>
+            <a:r>
+              <a:rPr lang="de-DE" sz="2000">
+                <a:latin typeface="Courier New" panose="02070309020205020404" pitchFamily="49" charset="0"/>
+                <a:cs typeface="Courier New" panose="02070309020205020404" pitchFamily="49" charset="0"/>
+              </a:rPr>
+              <a:t>    </a:t>
+            </a:r>
+            <a:r>
+              <a:rPr lang="de-DE" sz="2000" err="1">
+                <a:latin typeface="Courier New" panose="02070309020205020404" pitchFamily="49" charset="0"/>
+                <a:cs typeface="Courier New" panose="02070309020205020404" pitchFamily="49" charset="0"/>
+              </a:rPr>
+              <a:t>split</a:t>
+            </a:r>
+            <a:r>
+              <a:rPr lang="de-DE" sz="2000">
+                <a:latin typeface="Courier New" panose="02070309020205020404" pitchFamily="49" charset="0"/>
+                <a:cs typeface="Courier New" panose="02070309020205020404" pitchFamily="49" charset="0"/>
+              </a:rPr>
+              <a:t> = </a:t>
+            </a:r>
+            <a:r>
+              <a:rPr lang="de-DE" sz="2000" err="1">
+                <a:latin typeface="Courier New" panose="02070309020205020404" pitchFamily="49" charset="0"/>
+                <a:cs typeface="Courier New" panose="02070309020205020404" pitchFamily="49" charset="0"/>
+              </a:rPr>
+              <a:t>begin</a:t>
+            </a:r>
+            <a:r>
+              <a:rPr lang="de-DE" sz="2000">
+                <a:latin typeface="Courier New" panose="02070309020205020404" pitchFamily="49" charset="0"/>
+                <a:cs typeface="Courier New" panose="02070309020205020404" pitchFamily="49" charset="0"/>
+              </a:rPr>
+              <a:t> + 1;</a:t>
+            </a:r>
+          </a:p>
+          <a:p>
+            <a:r>
+              <a:rPr lang="de-DE" sz="2000">
+                <a:latin typeface="Courier New" panose="02070309020205020404" pitchFamily="49" charset="0"/>
+                <a:cs typeface="Courier New" panose="02070309020205020404" pitchFamily="49" charset="0"/>
+              </a:rPr>
+              <a:t>    </a:t>
+            </a:r>
+            <a:r>
+              <a:rPr lang="de-DE" sz="2000" err="1">
+                <a:latin typeface="Courier New" panose="02070309020205020404" pitchFamily="49" charset="0"/>
+                <a:cs typeface="Courier New" panose="02070309020205020404" pitchFamily="49" charset="0"/>
+              </a:rPr>
+              <a:t>while</a:t>
+            </a:r>
+            <a:r>
+              <a:rPr lang="de-DE" sz="2000">
+                <a:latin typeface="Courier New" panose="02070309020205020404" pitchFamily="49" charset="0"/>
+                <a:cs typeface="Courier New" panose="02070309020205020404" pitchFamily="49" charset="0"/>
+              </a:rPr>
+              <a:t> (++</a:t>
+            </a:r>
+            <a:r>
+              <a:rPr lang="de-DE" sz="2000" err="1">
+                <a:latin typeface="Courier New" panose="02070309020205020404" pitchFamily="49" charset="0"/>
+                <a:cs typeface="Courier New" panose="02070309020205020404" pitchFamily="49" charset="0"/>
+              </a:rPr>
+              <a:t>ptr</a:t>
+            </a:r>
+            <a:r>
+              <a:rPr lang="de-DE" sz="2000">
+                <a:latin typeface="Courier New" panose="02070309020205020404" pitchFamily="49" charset="0"/>
+                <a:cs typeface="Courier New" panose="02070309020205020404" pitchFamily="49" charset="0"/>
+              </a:rPr>
+              <a:t> &lt;= end) {</a:t>
+            </a:r>
+          </a:p>
+          <a:p>
+            <a:r>
+              <a:rPr lang="de-DE" sz="2000">
+                <a:latin typeface="Courier New" panose="02070309020205020404" pitchFamily="49" charset="0"/>
+                <a:cs typeface="Courier New" panose="02070309020205020404" pitchFamily="49" charset="0"/>
+              </a:rPr>
+              <a:t>        </a:t>
+            </a:r>
+            <a:r>
+              <a:rPr lang="de-DE" sz="2000" err="1">
+                <a:latin typeface="Courier New" panose="02070309020205020404" pitchFamily="49" charset="0"/>
+                <a:cs typeface="Courier New" panose="02070309020205020404" pitchFamily="49" charset="0"/>
+              </a:rPr>
+              <a:t>if</a:t>
+            </a:r>
+            <a:r>
+              <a:rPr lang="de-DE" sz="2000">
+                <a:latin typeface="Courier New" panose="02070309020205020404" pitchFamily="49" charset="0"/>
+                <a:cs typeface="Courier New" panose="02070309020205020404" pitchFamily="49" charset="0"/>
+              </a:rPr>
+              <a:t> (*</a:t>
+            </a:r>
+            <a:r>
+              <a:rPr lang="de-DE" sz="2000" err="1">
+                <a:latin typeface="Courier New" panose="02070309020205020404" pitchFamily="49" charset="0"/>
+                <a:cs typeface="Courier New" panose="02070309020205020404" pitchFamily="49" charset="0"/>
+              </a:rPr>
+              <a:t>ptr</a:t>
+            </a:r>
+            <a:r>
+              <a:rPr lang="de-DE" sz="2000">
+                <a:latin typeface="Courier New" panose="02070309020205020404" pitchFamily="49" charset="0"/>
+                <a:cs typeface="Courier New" panose="02070309020205020404" pitchFamily="49" charset="0"/>
+              </a:rPr>
+              <a:t> &lt; *</a:t>
+            </a:r>
+            <a:r>
+              <a:rPr lang="de-DE" sz="2000" err="1">
+                <a:latin typeface="Courier New" panose="02070309020205020404" pitchFamily="49" charset="0"/>
+                <a:cs typeface="Courier New" panose="02070309020205020404" pitchFamily="49" charset="0"/>
+              </a:rPr>
+              <a:t>begin</a:t>
+            </a:r>
+            <a:r>
+              <a:rPr lang="de-DE" sz="2000">
+                <a:latin typeface="Courier New" panose="02070309020205020404" pitchFamily="49" charset="0"/>
+                <a:cs typeface="Courier New" panose="02070309020205020404" pitchFamily="49" charset="0"/>
+              </a:rPr>
+              <a:t>) {</a:t>
+            </a:r>
+          </a:p>
+          <a:p>
+            <a:r>
+              <a:rPr lang="de-DE" sz="2000">
+                <a:latin typeface="Courier New" panose="02070309020205020404" pitchFamily="49" charset="0"/>
+                <a:cs typeface="Courier New" panose="02070309020205020404" pitchFamily="49" charset="0"/>
+              </a:rPr>
+              <a:t>            </a:t>
+            </a:r>
+            <a:r>
+              <a:rPr lang="de-DE" sz="2000" err="1">
+                <a:latin typeface="Courier New" panose="02070309020205020404" pitchFamily="49" charset="0"/>
+                <a:cs typeface="Courier New" panose="02070309020205020404" pitchFamily="49" charset="0"/>
+              </a:rPr>
+              <a:t>swap</a:t>
+            </a:r>
+            <a:r>
+              <a:rPr lang="de-DE" sz="2000">
+                <a:latin typeface="Courier New" panose="02070309020205020404" pitchFamily="49" charset="0"/>
+                <a:cs typeface="Courier New" panose="02070309020205020404" pitchFamily="49" charset="0"/>
+              </a:rPr>
+              <a:t>(</a:t>
+            </a:r>
+            <a:r>
+              <a:rPr lang="de-DE" sz="2000" err="1">
+                <a:latin typeface="Courier New" panose="02070309020205020404" pitchFamily="49" charset="0"/>
+                <a:cs typeface="Courier New" panose="02070309020205020404" pitchFamily="49" charset="0"/>
+              </a:rPr>
+              <a:t>ptr</a:t>
+            </a:r>
+            <a:r>
+              <a:rPr lang="de-DE" sz="2000">
+                <a:latin typeface="Courier New" panose="02070309020205020404" pitchFamily="49" charset="0"/>
+                <a:cs typeface="Courier New" panose="02070309020205020404" pitchFamily="49" charset="0"/>
+              </a:rPr>
+              <a:t>, </a:t>
+            </a:r>
+            <a:r>
+              <a:rPr lang="de-DE" sz="2000" err="1">
+                <a:latin typeface="Courier New" panose="02070309020205020404" pitchFamily="49" charset="0"/>
+                <a:cs typeface="Courier New" panose="02070309020205020404" pitchFamily="49" charset="0"/>
+              </a:rPr>
+              <a:t>split</a:t>
+            </a:r>
+            <a:r>
+              <a:rPr lang="de-DE" sz="2000">
+                <a:latin typeface="Courier New" panose="02070309020205020404" pitchFamily="49" charset="0"/>
+                <a:cs typeface="Courier New" panose="02070309020205020404" pitchFamily="49" charset="0"/>
+              </a:rPr>
+              <a:t>);</a:t>
+            </a:r>
+          </a:p>
+          <a:p>
+            <a:r>
+              <a:rPr lang="de-DE" sz="2000">
+                <a:latin typeface="Courier New" panose="02070309020205020404" pitchFamily="49" charset="0"/>
+                <a:cs typeface="Courier New" panose="02070309020205020404" pitchFamily="49" charset="0"/>
+              </a:rPr>
+              <a:t>            ++</a:t>
+            </a:r>
+            <a:r>
+              <a:rPr lang="de-DE" sz="2000" err="1">
+                <a:latin typeface="Courier New" panose="02070309020205020404" pitchFamily="49" charset="0"/>
+                <a:cs typeface="Courier New" panose="02070309020205020404" pitchFamily="49" charset="0"/>
+              </a:rPr>
+              <a:t>split</a:t>
+            </a:r>
+            <a:r>
+              <a:rPr lang="de-DE" sz="2000">
+                <a:latin typeface="Courier New" panose="02070309020205020404" pitchFamily="49" charset="0"/>
+                <a:cs typeface="Courier New" panose="02070309020205020404" pitchFamily="49" charset="0"/>
+              </a:rPr>
+              <a:t>;</a:t>
+            </a:r>
+          </a:p>
+          <a:p>
+            <a:r>
+              <a:rPr lang="de-DE" sz="2000">
+                <a:latin typeface="Courier New" panose="02070309020205020404" pitchFamily="49" charset="0"/>
+                <a:cs typeface="Courier New" panose="02070309020205020404" pitchFamily="49" charset="0"/>
+              </a:rPr>
+              <a:t>        }</a:t>
+            </a:r>
+          </a:p>
+          <a:p>
+            <a:r>
+              <a:rPr lang="de-DE" sz="2000">
+                <a:latin typeface="Courier New" panose="02070309020205020404" pitchFamily="49" charset="0"/>
+                <a:cs typeface="Courier New" panose="02070309020205020404" pitchFamily="49" charset="0"/>
+              </a:rPr>
+              <a:t>    }</a:t>
+            </a:r>
+          </a:p>
+          <a:p>
+            <a:r>
+              <a:rPr lang="de-DE" sz="2000">
+                <a:latin typeface="Courier New" panose="02070309020205020404" pitchFamily="49" charset="0"/>
+                <a:cs typeface="Courier New" panose="02070309020205020404" pitchFamily="49" charset="0"/>
+              </a:rPr>
+              <a:t>    </a:t>
+            </a:r>
+            <a:r>
+              <a:rPr lang="de-DE" sz="2000" err="1">
+                <a:latin typeface="Courier New" panose="02070309020205020404" pitchFamily="49" charset="0"/>
+                <a:cs typeface="Courier New" panose="02070309020205020404" pitchFamily="49" charset="0"/>
+              </a:rPr>
+              <a:t>swap</a:t>
+            </a:r>
+            <a:r>
+              <a:rPr lang="de-DE" sz="2000">
+                <a:latin typeface="Courier New" panose="02070309020205020404" pitchFamily="49" charset="0"/>
+                <a:cs typeface="Courier New" panose="02070309020205020404" pitchFamily="49" charset="0"/>
+              </a:rPr>
+              <a:t>(</a:t>
+            </a:r>
+            <a:r>
+              <a:rPr lang="de-DE" sz="2000" err="1">
+                <a:latin typeface="Courier New" panose="02070309020205020404" pitchFamily="49" charset="0"/>
+                <a:cs typeface="Courier New" panose="02070309020205020404" pitchFamily="49" charset="0"/>
+              </a:rPr>
+              <a:t>begin</a:t>
+            </a:r>
+            <a:r>
+              <a:rPr lang="de-DE" sz="2000">
+                <a:latin typeface="Courier New" panose="02070309020205020404" pitchFamily="49" charset="0"/>
+                <a:cs typeface="Courier New" panose="02070309020205020404" pitchFamily="49" charset="0"/>
+              </a:rPr>
+              <a:t>, </a:t>
+            </a:r>
+            <a:r>
+              <a:rPr lang="de-DE" sz="2000" err="1">
+                <a:latin typeface="Courier New" panose="02070309020205020404" pitchFamily="49" charset="0"/>
+                <a:cs typeface="Courier New" panose="02070309020205020404" pitchFamily="49" charset="0"/>
+              </a:rPr>
+              <a:t>split</a:t>
+            </a:r>
+            <a:r>
+              <a:rPr lang="de-DE" sz="2000">
+                <a:latin typeface="Courier New" panose="02070309020205020404" pitchFamily="49" charset="0"/>
+                <a:cs typeface="Courier New" panose="02070309020205020404" pitchFamily="49" charset="0"/>
+              </a:rPr>
+              <a:t> - 1);</a:t>
+            </a:r>
+          </a:p>
+          <a:p>
+            <a:r>
+              <a:rPr lang="de-DE" sz="2000">
+                <a:latin typeface="Courier New" panose="02070309020205020404" pitchFamily="49" charset="0"/>
+                <a:cs typeface="Courier New" panose="02070309020205020404" pitchFamily="49" charset="0"/>
+              </a:rPr>
+              <a:t>    </a:t>
+            </a:r>
+            <a:r>
+              <a:rPr lang="de-DE" sz="2000" err="1" smtClean="0">
+                <a:latin typeface="Courier New" panose="02070309020205020404" pitchFamily="49" charset="0"/>
+                <a:cs typeface="Courier New" panose="02070309020205020404" pitchFamily="49" charset="0"/>
+              </a:rPr>
+              <a:t>process</a:t>
+            </a:r>
+            <a:r>
+              <a:rPr lang="de-DE" sz="2000" smtClean="0">
+                <a:latin typeface="Courier New" panose="02070309020205020404" pitchFamily="49" charset="0"/>
+                <a:cs typeface="Courier New" panose="02070309020205020404" pitchFamily="49" charset="0"/>
+              </a:rPr>
+              <a:t>(</a:t>
+            </a:r>
+            <a:r>
+              <a:rPr lang="de-DE" sz="2000" err="1" smtClean="0">
+                <a:latin typeface="Courier New" panose="02070309020205020404" pitchFamily="49" charset="0"/>
+                <a:cs typeface="Courier New" panose="02070309020205020404" pitchFamily="49" charset="0"/>
+              </a:rPr>
+              <a:t>begin</a:t>
+            </a:r>
+            <a:r>
+              <a:rPr lang="de-DE" sz="2000">
+                <a:latin typeface="Courier New" panose="02070309020205020404" pitchFamily="49" charset="0"/>
+                <a:cs typeface="Courier New" panose="02070309020205020404" pitchFamily="49" charset="0"/>
+              </a:rPr>
+              <a:t>, </a:t>
+            </a:r>
+            <a:r>
+              <a:rPr lang="de-DE" sz="2000" err="1">
+                <a:latin typeface="Courier New" panose="02070309020205020404" pitchFamily="49" charset="0"/>
+                <a:cs typeface="Courier New" panose="02070309020205020404" pitchFamily="49" charset="0"/>
+              </a:rPr>
+              <a:t>split</a:t>
+            </a:r>
+            <a:r>
+              <a:rPr lang="de-DE" sz="2000">
+                <a:latin typeface="Courier New" panose="02070309020205020404" pitchFamily="49" charset="0"/>
+                <a:cs typeface="Courier New" panose="02070309020205020404" pitchFamily="49" charset="0"/>
+              </a:rPr>
+              <a:t> - 1);</a:t>
+            </a:r>
+          </a:p>
+          <a:p>
+            <a:r>
+              <a:rPr lang="de-DE" sz="2000">
+                <a:latin typeface="Courier New" panose="02070309020205020404" pitchFamily="49" charset="0"/>
+                <a:cs typeface="Courier New" panose="02070309020205020404" pitchFamily="49" charset="0"/>
+              </a:rPr>
+              <a:t>    </a:t>
+            </a:r>
+            <a:r>
+              <a:rPr lang="de-DE" sz="2000" err="1" smtClean="0">
+                <a:latin typeface="Courier New" panose="02070309020205020404" pitchFamily="49" charset="0"/>
+                <a:cs typeface="Courier New" panose="02070309020205020404" pitchFamily="49" charset="0"/>
+              </a:rPr>
+              <a:t>process</a:t>
+            </a:r>
+            <a:r>
+              <a:rPr lang="de-DE" sz="2000" smtClean="0">
+                <a:latin typeface="Courier New" panose="02070309020205020404" pitchFamily="49" charset="0"/>
+                <a:cs typeface="Courier New" panose="02070309020205020404" pitchFamily="49" charset="0"/>
+              </a:rPr>
+              <a:t>(</a:t>
+            </a:r>
+            <a:r>
+              <a:rPr lang="de-DE" sz="2000" err="1" smtClean="0">
+                <a:latin typeface="Courier New" panose="02070309020205020404" pitchFamily="49" charset="0"/>
+                <a:cs typeface="Courier New" panose="02070309020205020404" pitchFamily="49" charset="0"/>
+              </a:rPr>
+              <a:t>split</a:t>
+            </a:r>
+            <a:r>
+              <a:rPr lang="de-DE" sz="2000">
+                <a:latin typeface="Courier New" panose="02070309020205020404" pitchFamily="49" charset="0"/>
+                <a:cs typeface="Courier New" panose="02070309020205020404" pitchFamily="49" charset="0"/>
+              </a:rPr>
+              <a:t>, end);</a:t>
+            </a:r>
+          </a:p>
+          <a:p>
+            <a:r>
+              <a:rPr lang="de-DE" sz="2000">
+                <a:latin typeface="Courier New" panose="02070309020205020404" pitchFamily="49" charset="0"/>
+                <a:cs typeface="Courier New" panose="02070309020205020404" pitchFamily="49" charset="0"/>
+              </a:rPr>
+              <a:t>}</a:t>
+            </a:r>
+            <a:endParaRPr lang="de-DE" sz="2000" smtClean="0">
+              <a:latin typeface="Courier New" panose="02070309020205020404" pitchFamily="49" charset="0"/>
+              <a:cs typeface="Courier New" panose="02070309020205020404" pitchFamily="49" charset="0"/>
+            </a:endParaRPr>
+          </a:p>
+        </p:txBody>
+      </p:sp>
+    </p:spTree>
+    <p:extLst>
+      <p:ext uri="{BB962C8B-B14F-4D97-AF65-F5344CB8AC3E}">
+        <p14:creationId xmlns:p14="http://schemas.microsoft.com/office/powerpoint/2010/main" val="3339263808"/>
+      </p:ext>
+    </p:extLst>
+  </p:cSld>
+  <p:clrMapOvr>
+    <a:masterClrMapping/>
+  </p:clrMapOvr>
+</p:sld>
+</file>
+
+<file path=ppt/slides/slide5.xml><?xml version="1.0" encoding="utf-8"?>
+<p:sld xmlns:a="http://schemas.openxmlformats.org/drawingml/2006/main" xmlns:r="http://schemas.openxmlformats.org/officeDocument/2006/relationships" xmlns:p="http://schemas.openxmlformats.org/presentationml/2006/main">
+  <p:cSld>
+    <p:spTree>
+      <p:nvGrpSpPr>
+        <p:cNvPr id="1" name=""/>
+        <p:cNvGrpSpPr/>
+        <p:nvPr/>
+      </p:nvGrpSpPr>
+      <p:grpSpPr>
+        <a:xfrm>
+          <a:off x="0" y="0"/>
+          <a:ext cx="0" cy="0"/>
+          <a:chOff x="0" y="0"/>
+          <a:chExt cx="0" cy="0"/>
+        </a:xfrm>
+      </p:grpSpPr>
+      <p:sp>
+        <p:nvSpPr>
+          <p:cNvPr id="9218" name="Titel 1"/>
+          <p:cNvSpPr>
+            <a:spLocks noGrp="1"/>
+          </p:cNvSpPr>
+          <p:nvPr>
+            <p:ph type="title"/>
+          </p:nvPr>
+        </p:nvSpPr>
+        <p:spPr bwMode="auto">
+          <a:xfrm>
+            <a:off x="442913" y="93663"/>
+            <a:ext cx="10742612" cy="939800"/>
+          </a:xfrm>
+          <a:noFill/>
+          <a:ln>
+            <a:miter lim="800000"/>
+            <a:headEnd/>
+            <a:tailEnd/>
+          </a:ln>
+        </p:spPr>
+        <p:txBody>
+          <a:bodyPr vert="horz" wrap="square" numCol="1" anchor="t" anchorCtr="0" compatLnSpc="1">
+            <a:prstTxWarp prst="textNoShape">
+              <a:avLst/>
+            </a:prstTxWarp>
+          </a:bodyPr>
+          <a:lstStyle/>
+          <a:p>
+            <a:r>
+              <a:rPr lang="en-US" smtClean="0"/>
+              <a:t>How to prove </a:t>
+            </a:r>
+            <a:r>
+              <a:rPr lang="en-US" smtClean="0"/>
+              <a:t>the functionality?</a:t>
+            </a:r>
+            <a:endParaRPr lang="en-US" smtClean="0"/>
+          </a:p>
+        </p:txBody>
+      </p:sp>
+      <p:sp>
+        <p:nvSpPr>
+          <p:cNvPr id="4" name="Textfeld 3"/>
+          <p:cNvSpPr txBox="1"/>
+          <p:nvPr/>
+        </p:nvSpPr>
+        <p:spPr>
+          <a:xfrm>
+            <a:off x="477520" y="2046596"/>
+            <a:ext cx="11435438" cy="1938992"/>
+          </a:xfrm>
+          <a:prstGeom prst="rect">
+            <a:avLst/>
+          </a:prstGeom>
+          <a:noFill/>
+        </p:spPr>
+        <p:txBody>
+          <a:bodyPr wrap="square" rtlCol="0">
+            <a:spAutoFit/>
+          </a:bodyPr>
+          <a:lstStyle/>
+          <a:p>
+            <a:r>
+              <a:rPr lang="en-US" sz="2000">
+                <a:latin typeface="Droid Sans Mono Chess ASCII" panose="020B0609030804020204" pitchFamily="50" charset="0"/>
+                <a:ea typeface="Droid Sans Mono Chess ASCII" panose="020B0609030804020204" pitchFamily="50" charset="0"/>
+                <a:cs typeface="Droid Sans Mono Chess ASCII" panose="020B0609030804020204" pitchFamily="50" charset="0"/>
+              </a:rPr>
+              <a:t>process2 []           = </a:t>
+            </a:r>
+            <a:r>
+              <a:rPr lang="en-US" sz="2000" smtClean="0">
+                <a:latin typeface="Droid Sans Mono Chess ASCII" panose="020B0609030804020204" pitchFamily="50" charset="0"/>
+                <a:ea typeface="Droid Sans Mono Chess ASCII" panose="020B0609030804020204" pitchFamily="50" charset="0"/>
+                <a:cs typeface="Droid Sans Mono Chess ASCII" panose="020B0609030804020204" pitchFamily="50" charset="0"/>
+              </a:rPr>
+              <a:t>[]</a:t>
+            </a:r>
+          </a:p>
+          <a:p>
+            <a:endParaRPr lang="en-US" sz="2000">
+              <a:latin typeface="Droid Sans Mono Chess ASCII" panose="020B0609030804020204" pitchFamily="50" charset="0"/>
+              <a:ea typeface="Droid Sans Mono Chess ASCII" panose="020B0609030804020204" pitchFamily="50" charset="0"/>
+              <a:cs typeface="Droid Sans Mono Chess ASCII" panose="020B0609030804020204" pitchFamily="50" charset="0"/>
+            </a:endParaRPr>
+          </a:p>
+          <a:p>
+            <a:r>
+              <a:rPr lang="en-US" sz="2000">
+                <a:latin typeface="Droid Sans Mono Chess ASCII" panose="020B0609030804020204" pitchFamily="50" charset="0"/>
+                <a:ea typeface="Droid Sans Mono Chess ASCII" panose="020B0609030804020204" pitchFamily="50" charset="0"/>
+                <a:cs typeface="Droid Sans Mono Chess ASCII" panose="020B0609030804020204" pitchFamily="50" charset="0"/>
+              </a:rPr>
+              <a:t>process2 (first:rest) = </a:t>
+            </a:r>
+            <a:r>
+              <a:rPr lang="en-US" sz="2000" smtClean="0">
+                <a:latin typeface="Droid Sans Mono Chess ASCII" panose="020B0609030804020204" pitchFamily="50" charset="0"/>
+                <a:ea typeface="Droid Sans Mono Chess ASCII" panose="020B0609030804020204" pitchFamily="50" charset="0"/>
+                <a:cs typeface="Droid Sans Mono Chess ASCII" panose="020B0609030804020204" pitchFamily="50" charset="0"/>
+              </a:rPr>
+              <a:t>let smaller </a:t>
+            </a:r>
+            <a:r>
+              <a:rPr lang="en-US" sz="2000">
+                <a:latin typeface="Droid Sans Mono Chess ASCII" panose="020B0609030804020204" pitchFamily="50" charset="0"/>
+                <a:ea typeface="Droid Sans Mono Chess ASCII" panose="020B0609030804020204" pitchFamily="50" charset="0"/>
+                <a:cs typeface="Droid Sans Mono Chess ASCII" panose="020B0609030804020204" pitchFamily="50" charset="0"/>
+              </a:rPr>
+              <a:t>= filter (&lt;= first) rest</a:t>
+            </a:r>
+          </a:p>
+          <a:p>
+            <a:r>
+              <a:rPr lang="en-US" sz="2000">
+                <a:latin typeface="Droid Sans Mono Chess ASCII" panose="020B0609030804020204" pitchFamily="50" charset="0"/>
+                <a:ea typeface="Droid Sans Mono Chess ASCII" panose="020B0609030804020204" pitchFamily="50" charset="0"/>
+                <a:cs typeface="Droid Sans Mono Chess ASCII" panose="020B0609030804020204" pitchFamily="50" charset="0"/>
+              </a:rPr>
+              <a:t>	</a:t>
+            </a:r>
+            <a:r>
+              <a:rPr lang="en-US" sz="2000" smtClean="0">
+                <a:latin typeface="Droid Sans Mono Chess ASCII" panose="020B0609030804020204" pitchFamily="50" charset="0"/>
+                <a:ea typeface="Droid Sans Mono Chess ASCII" panose="020B0609030804020204" pitchFamily="50" charset="0"/>
+                <a:cs typeface="Droid Sans Mono Chess ASCII" panose="020B0609030804020204" pitchFamily="50" charset="0"/>
+              </a:rPr>
+              <a:t>                      bigger  </a:t>
+            </a:r>
+            <a:r>
+              <a:rPr lang="en-US" sz="2000">
+                <a:latin typeface="Droid Sans Mono Chess ASCII" panose="020B0609030804020204" pitchFamily="50" charset="0"/>
+                <a:ea typeface="Droid Sans Mono Chess ASCII" panose="020B0609030804020204" pitchFamily="50" charset="0"/>
+                <a:cs typeface="Droid Sans Mono Chess ASCII" panose="020B0609030804020204" pitchFamily="50" charset="0"/>
+              </a:rPr>
+              <a:t>= filter (&gt;  first</a:t>
+            </a:r>
+            <a:r>
+              <a:rPr lang="en-US" sz="2000">
+                <a:latin typeface="Droid Sans Mono Chess ASCII" panose="020B0609030804020204" pitchFamily="50" charset="0"/>
+                <a:ea typeface="Droid Sans Mono Chess ASCII" panose="020B0609030804020204" pitchFamily="50" charset="0"/>
+                <a:cs typeface="Droid Sans Mono Chess ASCII" panose="020B0609030804020204" pitchFamily="50" charset="0"/>
+              </a:rPr>
+              <a:t>) </a:t>
+            </a:r>
+            <a:r>
+              <a:rPr lang="en-US" sz="2000" smtClean="0">
+                <a:latin typeface="Droid Sans Mono Chess ASCII" panose="020B0609030804020204" pitchFamily="50" charset="0"/>
+                <a:ea typeface="Droid Sans Mono Chess ASCII" panose="020B0609030804020204" pitchFamily="50" charset="0"/>
+                <a:cs typeface="Droid Sans Mono Chess ASCII" panose="020B0609030804020204" pitchFamily="50" charset="0"/>
+              </a:rPr>
+              <a:t>rest</a:t>
+            </a:r>
+            <a:endParaRPr lang="en-US" sz="2000">
+              <a:latin typeface="Droid Sans Mono Chess ASCII" panose="020B0609030804020204" pitchFamily="50" charset="0"/>
+              <a:ea typeface="Droid Sans Mono Chess ASCII" panose="020B0609030804020204" pitchFamily="50" charset="0"/>
+              <a:cs typeface="Droid Sans Mono Chess ASCII" panose="020B0609030804020204" pitchFamily="50" charset="0"/>
+            </a:endParaRPr>
+          </a:p>
+          <a:p>
+            <a:r>
+              <a:rPr lang="en-US" sz="2000">
+                <a:latin typeface="Droid Sans Mono Chess ASCII" panose="020B0609030804020204" pitchFamily="50" charset="0"/>
+                <a:ea typeface="Droid Sans Mono Chess ASCII" panose="020B0609030804020204" pitchFamily="50" charset="0"/>
+                <a:cs typeface="Droid Sans Mono Chess ASCII" panose="020B0609030804020204" pitchFamily="50" charset="0"/>
+              </a:rPr>
+              <a:t>	in</a:t>
+            </a:r>
+          </a:p>
+          <a:p>
+            <a:r>
+              <a:rPr lang="en-US" sz="2000">
+                <a:latin typeface="Droid Sans Mono Chess ASCII" panose="020B0609030804020204" pitchFamily="50" charset="0"/>
+                <a:ea typeface="Droid Sans Mono Chess ASCII" panose="020B0609030804020204" pitchFamily="50" charset="0"/>
+                <a:cs typeface="Droid Sans Mono Chess ASCII" panose="020B0609030804020204" pitchFamily="50" charset="0"/>
+              </a:rPr>
+              <a:t>	</a:t>
+            </a:r>
+            <a:r>
+              <a:rPr lang="en-US" sz="2000" smtClean="0">
+                <a:latin typeface="Droid Sans Mono Chess ASCII" panose="020B0609030804020204" pitchFamily="50" charset="0"/>
+                <a:ea typeface="Droid Sans Mono Chess ASCII" panose="020B0609030804020204" pitchFamily="50" charset="0"/>
+                <a:cs typeface="Droid Sans Mono Chess ASCII" panose="020B0609030804020204" pitchFamily="50" charset="0"/>
+              </a:rPr>
+              <a:t>process2 </a:t>
+            </a:r>
+            <a:r>
+              <a:rPr lang="en-US" sz="2000">
+                <a:latin typeface="Droid Sans Mono Chess ASCII" panose="020B0609030804020204" pitchFamily="50" charset="0"/>
+                <a:ea typeface="Droid Sans Mono Chess ASCII" panose="020B0609030804020204" pitchFamily="50" charset="0"/>
+                <a:cs typeface="Droid Sans Mono Chess ASCII" panose="020B0609030804020204" pitchFamily="50" charset="0"/>
+              </a:rPr>
+              <a:t>smaller </a:t>
+            </a:r>
+            <a:r>
+              <a:rPr lang="en-US" sz="2000" smtClean="0">
+                <a:latin typeface="Droid Sans Mono Chess ASCII" panose="020B0609030804020204" pitchFamily="50" charset="0"/>
+                <a:ea typeface="Droid Sans Mono Chess ASCII" panose="020B0609030804020204" pitchFamily="50" charset="0"/>
+                <a:cs typeface="Droid Sans Mono Chess ASCII" panose="020B0609030804020204" pitchFamily="50" charset="0"/>
+              </a:rPr>
+              <a:t>  ++   [</a:t>
+            </a:r>
+            <a:r>
+              <a:rPr lang="en-US" sz="2000">
+                <a:latin typeface="Droid Sans Mono Chess ASCII" panose="020B0609030804020204" pitchFamily="50" charset="0"/>
+                <a:ea typeface="Droid Sans Mono Chess ASCII" panose="020B0609030804020204" pitchFamily="50" charset="0"/>
+                <a:cs typeface="Droid Sans Mono Chess ASCII" panose="020B0609030804020204" pitchFamily="50" charset="0"/>
+              </a:rPr>
+              <a:t>first</a:t>
+            </a:r>
+            <a:r>
+              <a:rPr lang="en-US" sz="2000">
+                <a:latin typeface="Droid Sans Mono Chess ASCII" panose="020B0609030804020204" pitchFamily="50" charset="0"/>
+                <a:ea typeface="Droid Sans Mono Chess ASCII" panose="020B0609030804020204" pitchFamily="50" charset="0"/>
+                <a:cs typeface="Droid Sans Mono Chess ASCII" panose="020B0609030804020204" pitchFamily="50" charset="0"/>
+              </a:rPr>
+              <a:t>] </a:t>
+            </a:r>
+            <a:r>
+              <a:rPr lang="en-US" sz="2000" smtClean="0">
+                <a:latin typeface="Droid Sans Mono Chess ASCII" panose="020B0609030804020204" pitchFamily="50" charset="0"/>
+                <a:ea typeface="Droid Sans Mono Chess ASCII" panose="020B0609030804020204" pitchFamily="50" charset="0"/>
+                <a:cs typeface="Droid Sans Mono Chess ASCII" panose="020B0609030804020204" pitchFamily="50" charset="0"/>
+              </a:rPr>
+              <a:t>  ++   process2 </a:t>
+            </a:r>
+            <a:r>
+              <a:rPr lang="en-US" sz="2000">
+                <a:latin typeface="Droid Sans Mono Chess ASCII" panose="020B0609030804020204" pitchFamily="50" charset="0"/>
+                <a:ea typeface="Droid Sans Mono Chess ASCII" panose="020B0609030804020204" pitchFamily="50" charset="0"/>
+                <a:cs typeface="Droid Sans Mono Chess ASCII" panose="020B0609030804020204" pitchFamily="50" charset="0"/>
+              </a:rPr>
+              <a:t>bigger</a:t>
+            </a:r>
+            <a:endParaRPr lang="de-DE" sz="2000">
+              <a:latin typeface="Droid Sans Mono Chess ASCII" panose="020B0609030804020204" pitchFamily="50" charset="0"/>
+              <a:ea typeface="Droid Sans Mono Chess ASCII" panose="020B0609030804020204" pitchFamily="50" charset="0"/>
+              <a:cs typeface="Droid Sans Mono Chess ASCII" panose="020B0609030804020204" pitchFamily="50" charset="0"/>
+            </a:endParaRPr>
+          </a:p>
+        </p:txBody>
+      </p:sp>
+    </p:spTree>
+    <p:extLst>
+      <p:ext uri="{BB962C8B-B14F-4D97-AF65-F5344CB8AC3E}">
+        <p14:creationId xmlns:p14="http://schemas.microsoft.com/office/powerpoint/2010/main" val="2362116585"/>
+      </p:ext>
+    </p:extLst>
+  </p:cSld>
+  <p:clrMapOvr>
+    <a:masterClrMapping/>
+  </p:clrMapOvr>
+</p:sld>
+</file>
+
+<file path=ppt/slides/slide6.xml><?xml version="1.0" encoding="utf-8"?>
+<p:sld xmlns:a="http://schemas.openxmlformats.org/drawingml/2006/main" xmlns:r="http://schemas.openxmlformats.org/officeDocument/2006/relationships" xmlns:p="http://schemas.openxmlformats.org/presentationml/2006/main">
+  <p:cSld>
+    <p:spTree>
+      <p:nvGrpSpPr>
+        <p:cNvPr id="1" name=""/>
+        <p:cNvGrpSpPr/>
+        <p:nvPr/>
+      </p:nvGrpSpPr>
+      <p:grpSpPr>
+        <a:xfrm>
+          <a:off x="0" y="0"/>
+          <a:ext cx="0" cy="0"/>
+          <a:chOff x="0" y="0"/>
+          <a:chExt cx="0" cy="0"/>
+        </a:xfrm>
+      </p:grpSpPr>
+      <p:sp>
+        <p:nvSpPr>
+          <p:cNvPr id="9218" name="Titel 1"/>
+          <p:cNvSpPr>
+            <a:spLocks noGrp="1"/>
+          </p:cNvSpPr>
+          <p:nvPr>
+            <p:ph type="title"/>
+          </p:nvPr>
+        </p:nvSpPr>
+        <p:spPr bwMode="auto">
+          <a:xfrm>
+            <a:off x="442913" y="93663"/>
+            <a:ext cx="10742612" cy="939800"/>
+          </a:xfrm>
+          <a:noFill/>
+          <a:ln>
+            <a:miter lim="800000"/>
+            <a:headEnd/>
+            <a:tailEnd/>
+          </a:ln>
+        </p:spPr>
+        <p:txBody>
+          <a:bodyPr vert="horz" wrap="square" numCol="1" anchor="t" anchorCtr="0" compatLnSpc="1">
+            <a:prstTxWarp prst="textNoShape">
+              <a:avLst/>
+            </a:prstTxWarp>
+          </a:bodyPr>
+          <a:lstStyle/>
+          <a:p>
+            <a:r>
+              <a:rPr lang="en-US" smtClean="0"/>
+              <a:t>Features</a:t>
+            </a:r>
+          </a:p>
+        </p:txBody>
+      </p:sp>
+      <p:sp>
+        <p:nvSpPr>
+          <p:cNvPr id="3" name="Rectangle 4"/>
+          <p:cNvSpPr>
+            <a:spLocks/>
+          </p:cNvSpPr>
+          <p:nvPr/>
+        </p:nvSpPr>
+        <p:spPr bwMode="auto">
+          <a:xfrm>
+            <a:off x="487362" y="1373188"/>
+            <a:ext cx="10790237" cy="6680200"/>
+          </a:xfrm>
+          <a:prstGeom prst="rect">
+            <a:avLst/>
+          </a:prstGeom>
+          <a:noFill/>
+          <a:ln w="12700" cap="flat">
+            <a:noFill/>
+            <a:miter lim="800000"/>
+            <a:headEnd type="none" w="med" len="med"/>
+            <a:tailEnd type="none" w="med" len="med"/>
+          </a:ln>
+        </p:spPr>
+        <p:txBody>
+          <a:bodyPr lIns="0" tIns="0" rIns="0" bIns="0"/>
+          <a:lstStyle/>
+          <a:p>
+            <a:pPr marL="254000" indent="-254000">
+              <a:lnSpc>
+                <a:spcPct val="120000"/>
+              </a:lnSpc>
+              <a:spcBef>
+                <a:spcPts val="1000"/>
+              </a:spcBef>
+              <a:buSzPct val="120000"/>
+              <a:buFont typeface="Lucida Grande" charset="0"/>
+              <a:buChar char="‣"/>
+              <a:defRPr/>
+            </a:pPr>
+            <a:r>
+              <a:rPr lang="en-US" sz="2600" smtClean="0">
+                <a:solidFill>
+                  <a:srgbClr val="262626"/>
+                </a:solidFill>
+                <a:latin typeface="+mn-lt"/>
+                <a:ea typeface="Gill Sans" charset="0"/>
+                <a:cs typeface="Gill Sans" charset="0"/>
+              </a:rPr>
+              <a:t>Infinite Lists, lazy evaluation, Producer-Consumer Model</a:t>
+            </a:r>
+            <a:endParaRPr lang="en-US" sz="2600">
+              <a:solidFill>
+                <a:srgbClr val="262626"/>
+              </a:solidFill>
+              <a:latin typeface="+mn-lt"/>
+              <a:ea typeface="Gill Sans" charset="0"/>
+              <a:cs typeface="Gill Sans" charset="0"/>
+            </a:endParaRPr>
+          </a:p>
+          <a:p>
+            <a:pPr marL="254000" indent="-254000">
+              <a:lnSpc>
+                <a:spcPct val="120000"/>
+              </a:lnSpc>
+              <a:spcBef>
+                <a:spcPts val="1000"/>
+              </a:spcBef>
+              <a:buSzPct val="120000"/>
+              <a:buFont typeface="Lucida Grande" charset="0"/>
+              <a:buChar char="‣"/>
+              <a:defRPr/>
+            </a:pPr>
+            <a:r>
+              <a:rPr lang="en-US" sz="2600" smtClean="0">
+                <a:solidFill>
+                  <a:srgbClr val="262626"/>
+                </a:solidFill>
+                <a:latin typeface="+mn-lt"/>
+                <a:ea typeface="Gill Sans" charset="0"/>
+                <a:cs typeface="Gill Sans" charset="0"/>
+              </a:rPr>
+              <a:t>Profiling</a:t>
+            </a:r>
+          </a:p>
+          <a:p>
+            <a:pPr marL="254000" indent="-254000">
+              <a:lnSpc>
+                <a:spcPct val="120000"/>
+              </a:lnSpc>
+              <a:spcBef>
+                <a:spcPts val="1000"/>
+              </a:spcBef>
+              <a:buSzPct val="120000"/>
+              <a:buFont typeface="Lucida Grande" charset="0"/>
+              <a:buChar char="‣"/>
+              <a:defRPr/>
+            </a:pPr>
+            <a:r>
+              <a:rPr lang="en-US" sz="2600" smtClean="0">
+                <a:solidFill>
+                  <a:srgbClr val="262626"/>
+                </a:solidFill>
+                <a:latin typeface="+mn-lt"/>
+                <a:ea typeface="Gill Sans" charset="0"/>
+                <a:cs typeface="Gill Sans" charset="0"/>
+              </a:rPr>
+              <a:t>Central Library</a:t>
+            </a:r>
+          </a:p>
+          <a:p>
+            <a:pPr marL="254000" indent="-254000">
+              <a:lnSpc>
+                <a:spcPct val="120000"/>
+              </a:lnSpc>
+              <a:spcBef>
+                <a:spcPts val="1000"/>
+              </a:spcBef>
+              <a:buSzPct val="120000"/>
+              <a:buFont typeface="Lucida Grande" charset="0"/>
+              <a:buChar char="‣"/>
+              <a:defRPr/>
+            </a:pPr>
+            <a:r>
+              <a:rPr lang="en-US" sz="2600" smtClean="0">
+                <a:solidFill>
+                  <a:srgbClr val="262626"/>
+                </a:solidFill>
+                <a:latin typeface="+mn-lt"/>
+                <a:ea typeface="Gill Sans" charset="0"/>
+                <a:cs typeface="Gill Sans" charset="0"/>
+              </a:rPr>
+              <a:t>Compiler and Interpreter</a:t>
+            </a:r>
+          </a:p>
+          <a:p>
+            <a:pPr marL="254000" indent="-254000">
+              <a:lnSpc>
+                <a:spcPct val="120000"/>
+              </a:lnSpc>
+              <a:spcBef>
+                <a:spcPts val="1000"/>
+              </a:spcBef>
+              <a:buSzPct val="120000"/>
+              <a:buFont typeface="Lucida Grande" charset="0"/>
+              <a:buChar char="‣"/>
+              <a:defRPr/>
+            </a:pPr>
+            <a:r>
+              <a:rPr lang="en-US" sz="2600" smtClean="0">
+                <a:solidFill>
+                  <a:srgbClr val="262626"/>
+                </a:solidFill>
+                <a:latin typeface="+mn-lt"/>
+                <a:ea typeface="Gill Sans" charset="0"/>
+                <a:cs typeface="Gill Sans" charset="0"/>
+              </a:rPr>
+              <a:t>Full Programming at command line</a:t>
+            </a:r>
+          </a:p>
+          <a:p>
+            <a:pPr marL="254000" indent="-254000">
+              <a:lnSpc>
+                <a:spcPct val="120000"/>
+              </a:lnSpc>
+              <a:spcBef>
+                <a:spcPts val="1000"/>
+              </a:spcBef>
+              <a:buSzPct val="120000"/>
+              <a:buFont typeface="Lucida Grande" charset="0"/>
+              <a:buChar char="‣"/>
+              <a:defRPr/>
+            </a:pPr>
+            <a:r>
+              <a:rPr lang="en-US" sz="2600" smtClean="0">
+                <a:solidFill>
+                  <a:srgbClr val="262626"/>
+                </a:solidFill>
+                <a:latin typeface="+mn-lt"/>
+                <a:ea typeface="Gill Sans" charset="0"/>
+                <a:cs typeface="Gill Sans" charset="0"/>
+              </a:rPr>
+              <a:t> Industrial Strength (Galois, …)</a:t>
+            </a:r>
+          </a:p>
+          <a:p>
+            <a:pPr marL="254000" indent="-254000">
+              <a:lnSpc>
+                <a:spcPct val="120000"/>
+              </a:lnSpc>
+              <a:spcBef>
+                <a:spcPts val="1000"/>
+              </a:spcBef>
+              <a:buSzPct val="120000"/>
+              <a:buFont typeface="Lucida Grande" charset="0"/>
+              <a:buChar char="‣"/>
+              <a:defRPr/>
+            </a:pPr>
+            <a:r>
+              <a:rPr lang="en-US" sz="2600" smtClean="0">
+                <a:solidFill>
+                  <a:srgbClr val="262626"/>
+                </a:solidFill>
+                <a:latin typeface="+mn-lt"/>
+                <a:ea typeface="Gill Sans" charset="0"/>
+                <a:cs typeface="Gill Sans" charset="0"/>
+              </a:rPr>
+              <a:t>Easy parallelization, Semaphores, …</a:t>
+            </a:r>
+          </a:p>
+          <a:p>
+            <a:pPr marL="254000" indent="-254000">
+              <a:lnSpc>
+                <a:spcPct val="120000"/>
+              </a:lnSpc>
+              <a:spcBef>
+                <a:spcPts val="1000"/>
+              </a:spcBef>
+              <a:buSzPct val="120000"/>
+              <a:buFont typeface="Lucida Grande" charset="0"/>
+              <a:buChar char="‣"/>
+              <a:defRPr/>
+            </a:pPr>
+            <a:r>
+              <a:rPr lang="en-US" sz="2600" smtClean="0">
+                <a:solidFill>
+                  <a:srgbClr val="262626"/>
+                </a:solidFill>
+                <a:latin typeface="+mn-lt"/>
+                <a:ea typeface="Gill Sans" charset="0"/>
+                <a:cs typeface="Gill Sans" charset="0"/>
+              </a:rPr>
+              <a:t>“If it typechecks, it works”</a:t>
+            </a:r>
+          </a:p>
+          <a:p>
+            <a:pPr marL="254000" indent="-254000">
+              <a:lnSpc>
+                <a:spcPct val="120000"/>
+              </a:lnSpc>
+              <a:spcBef>
+                <a:spcPts val="1000"/>
+              </a:spcBef>
+              <a:buSzPct val="120000"/>
+              <a:buFont typeface="Lucida Grande" charset="0"/>
+              <a:buChar char="‣"/>
+              <a:defRPr/>
+            </a:pPr>
+            <a:r>
+              <a:rPr lang="en-US" sz="2600" smtClean="0">
+                <a:solidFill>
+                  <a:srgbClr val="262626"/>
+                </a:solidFill>
+                <a:latin typeface="+mn-lt"/>
+                <a:ea typeface="Gill Sans" charset="0"/>
+                <a:cs typeface="Gill Sans" charset="0"/>
+              </a:rPr>
+              <a:t>Inspiring F#, Java, C#, …</a:t>
+            </a:r>
+          </a:p>
+          <a:p>
+            <a:pPr marL="254000" indent="-254000">
+              <a:lnSpc>
+                <a:spcPct val="120000"/>
+              </a:lnSpc>
+              <a:spcBef>
+                <a:spcPts val="1000"/>
+              </a:spcBef>
+              <a:buSzPct val="120000"/>
+              <a:buFont typeface="Lucida Grande" charset="0"/>
+              <a:buChar char="‣"/>
+              <a:defRPr/>
+            </a:pPr>
+            <a:r>
+              <a:rPr lang="en-US" sz="2600" smtClean="0">
+                <a:solidFill>
+                  <a:srgbClr val="262626"/>
+                </a:solidFill>
+                <a:latin typeface="+mn-lt"/>
+                <a:ea typeface="Gill Sans" charset="0"/>
+                <a:cs typeface="Gill Sans" charset="0"/>
+              </a:rPr>
+              <a:t>Every Monad is a DSL</a:t>
+            </a:r>
+          </a:p>
+          <a:p>
+            <a:pPr marL="254000" indent="-254000">
+              <a:lnSpc>
+                <a:spcPct val="120000"/>
+              </a:lnSpc>
+              <a:spcBef>
+                <a:spcPts val="1000"/>
+              </a:spcBef>
+              <a:buSzPct val="120000"/>
+              <a:buFont typeface="Lucida Grande" charset="0"/>
+              <a:buChar char="‣"/>
+              <a:defRPr/>
+            </a:pPr>
+            <a:r>
+              <a:rPr lang="en-US" sz="2600" smtClean="0">
+                <a:solidFill>
+                  <a:srgbClr val="262626"/>
+                </a:solidFill>
+                <a:latin typeface="+mn-lt"/>
+                <a:ea typeface="Gill Sans" charset="0"/>
+                <a:cs typeface="Gill Sans" charset="0"/>
+              </a:rPr>
+              <a:t>List </a:t>
+            </a:r>
+            <a:r>
+              <a:rPr lang="en-US" sz="2600" smtClean="0">
+                <a:solidFill>
+                  <a:srgbClr val="262626"/>
+                </a:solidFill>
+                <a:latin typeface="+mn-lt"/>
+                <a:ea typeface="Gill Sans" charset="0"/>
+                <a:cs typeface="Gill Sans" charset="0"/>
+              </a:rPr>
+              <a:t>Comprehension</a:t>
+            </a:r>
+          </a:p>
+          <a:p>
+            <a:pPr marL="254000" indent="-254000">
+              <a:lnSpc>
+                <a:spcPct val="120000"/>
+              </a:lnSpc>
+              <a:spcBef>
+                <a:spcPts val="1000"/>
+              </a:spcBef>
+              <a:buSzPct val="120000"/>
+              <a:buFont typeface="Lucida Grande" charset="0"/>
+              <a:buChar char="‣"/>
+              <a:defRPr/>
+            </a:pPr>
+            <a:r>
+              <a:rPr lang="en-US" sz="2600" smtClean="0">
+                <a:solidFill>
+                  <a:srgbClr val="262626"/>
+                </a:solidFill>
+                <a:latin typeface="+mn-lt"/>
+                <a:ea typeface="Gill Sans" charset="0"/>
+                <a:cs typeface="Gill Sans" charset="0"/>
+              </a:rPr>
+              <a:t>No null pointer</a:t>
+            </a:r>
+            <a:endParaRPr lang="en-US" sz="2600" smtClean="0">
+              <a:solidFill>
+                <a:srgbClr val="262626"/>
+              </a:solidFill>
+              <a:latin typeface="+mn-lt"/>
+              <a:ea typeface="Gill Sans" charset="0"/>
+              <a:cs typeface="Gill Sans" charset="0"/>
+            </a:endParaRPr>
+          </a:p>
+          <a:p>
+            <a:pPr marL="254000" indent="-254000">
+              <a:lnSpc>
+                <a:spcPct val="120000"/>
+              </a:lnSpc>
+              <a:spcBef>
+                <a:spcPts val="1000"/>
+              </a:spcBef>
+              <a:buSzPct val="120000"/>
+              <a:buFont typeface="Lucida Grande" charset="0"/>
+              <a:buChar char="‣"/>
+              <a:defRPr/>
+            </a:pPr>
+            <a:endParaRPr lang="en-US" sz="2600">
+              <a:solidFill>
+                <a:srgbClr val="262626"/>
+              </a:solidFill>
+              <a:latin typeface="+mn-lt"/>
+              <a:ea typeface="Gill Sans" charset="0"/>
+              <a:cs typeface="Gill Sans" charset="0"/>
+            </a:endParaRPr>
+          </a:p>
+          <a:p>
+            <a:pPr marL="254000" indent="-254000">
+              <a:lnSpc>
+                <a:spcPct val="120000"/>
+              </a:lnSpc>
+              <a:spcBef>
+                <a:spcPts val="1000"/>
+              </a:spcBef>
+              <a:defRPr/>
+            </a:pPr>
+            <a:endParaRPr lang="en-US" sz="2600">
+              <a:solidFill>
+                <a:srgbClr val="262626"/>
+              </a:solidFill>
+              <a:latin typeface="+mn-lt"/>
+              <a:ea typeface="Gill Sans" charset="0"/>
+              <a:cs typeface="Gill Sans" charset="0"/>
+            </a:endParaRPr>
+          </a:p>
+        </p:txBody>
+      </p:sp>
+    </p:spTree>
+    <p:extLst>
+      <p:ext uri="{BB962C8B-B14F-4D97-AF65-F5344CB8AC3E}">
+        <p14:creationId xmlns:p14="http://schemas.microsoft.com/office/powerpoint/2010/main" val="3297322222"/>
+      </p:ext>
+    </p:extLst>
+  </p:cSld>
+  <p:clrMapOvr>
+    <a:masterClrMapping/>
+  </p:clrMapOvr>
+</p:sld>
+</file>
+
+<file path=ppt/slides/slide7.xml><?xml version="1.0" encoding="utf-8"?>
+<p:sld xmlns:a="http://schemas.openxmlformats.org/drawingml/2006/main" xmlns:r="http://schemas.openxmlformats.org/officeDocument/2006/relationships" xmlns:p="http://schemas.openxmlformats.org/presentationml/2006/main">
+  <p:cSld>
+    <p:spTree>
+      <p:nvGrpSpPr>
+        <p:cNvPr id="1" name=""/>
+        <p:cNvGrpSpPr/>
+        <p:nvPr/>
+      </p:nvGrpSpPr>
+      <p:grpSpPr>
+        <a:xfrm>
+          <a:off x="0" y="0"/>
+          <a:ext cx="0" cy="0"/>
+          <a:chOff x="0" y="0"/>
+          <a:chExt cx="0" cy="0"/>
+        </a:xfrm>
+      </p:grpSpPr>
+      <p:sp>
+        <p:nvSpPr>
+          <p:cNvPr id="9218" name="Titel 1"/>
+          <p:cNvSpPr>
+            <a:spLocks noGrp="1"/>
+          </p:cNvSpPr>
+          <p:nvPr>
+            <p:ph type="title"/>
+          </p:nvPr>
+        </p:nvSpPr>
+        <p:spPr bwMode="auto">
+          <a:xfrm>
+            <a:off x="442913" y="93663"/>
+            <a:ext cx="10742612" cy="939800"/>
+          </a:xfrm>
+          <a:noFill/>
+          <a:ln>
+            <a:miter lim="800000"/>
+            <a:headEnd/>
+            <a:tailEnd/>
+          </a:ln>
+        </p:spPr>
+        <p:txBody>
+          <a:bodyPr vert="horz" wrap="square" numCol="1" anchor="t" anchorCtr="0" compatLnSpc="1">
+            <a:prstTxWarp prst="textNoShape">
+              <a:avLst/>
+            </a:prstTxWarp>
+          </a:bodyPr>
+          <a:lstStyle/>
+          <a:p>
+            <a:r>
+              <a:rPr lang="en-US" smtClean="0"/>
+              <a:t>So called “List Comprehension”</a:t>
+            </a:r>
+          </a:p>
+        </p:txBody>
+      </p:sp>
+      <p:sp>
+        <p:nvSpPr>
+          <p:cNvPr id="3" name="Rectangle 4"/>
+          <p:cNvSpPr>
+            <a:spLocks/>
+          </p:cNvSpPr>
+          <p:nvPr/>
+        </p:nvSpPr>
+        <p:spPr bwMode="auto">
+          <a:xfrm>
+            <a:off x="487362" y="1438502"/>
+            <a:ext cx="10790237" cy="3002869"/>
+          </a:xfrm>
+          <a:prstGeom prst="rect">
+            <a:avLst/>
+          </a:prstGeom>
+          <a:noFill/>
+          <a:ln w="12700" cap="flat">
+            <a:noFill/>
+            <a:miter lim="800000"/>
+            <a:headEnd type="none" w="med" len="med"/>
+            <a:tailEnd type="none" w="med" len="med"/>
+          </a:ln>
+        </p:spPr>
+        <p:txBody>
+          <a:bodyPr lIns="0" tIns="0" rIns="0" bIns="0"/>
+          <a:lstStyle/>
+          <a:p>
+            <a:pPr>
+              <a:lnSpc>
+                <a:spcPct val="120000"/>
+              </a:lnSpc>
+              <a:spcBef>
+                <a:spcPts val="1000"/>
+              </a:spcBef>
+              <a:buSzPct val="120000"/>
+              <a:defRPr/>
+            </a:pPr>
+            <a:r>
+              <a:rPr lang="en-US" sz="2600" smtClean="0">
+                <a:solidFill>
+                  <a:srgbClr val="262626"/>
+                </a:solidFill>
+                <a:latin typeface="+mn-lt"/>
+                <a:ea typeface="Gill Sans" charset="0"/>
+                <a:cs typeface="Gill Sans" charset="0"/>
+              </a:rPr>
+              <a:t>Task: All prime Numbers up to 100!</a:t>
+            </a:r>
+          </a:p>
+          <a:p>
+            <a:pPr>
+              <a:lnSpc>
+                <a:spcPct val="120000"/>
+              </a:lnSpc>
+              <a:spcBef>
+                <a:spcPts val="1000"/>
+              </a:spcBef>
+              <a:buSzPct val="120000"/>
+              <a:defRPr/>
+            </a:pPr>
+            <a:endParaRPr lang="en-US" sz="2600">
+              <a:solidFill>
+                <a:srgbClr val="262626"/>
+              </a:solidFill>
+              <a:latin typeface="+mn-lt"/>
+              <a:ea typeface="Gill Sans" charset="0"/>
+              <a:cs typeface="Gill Sans" charset="0"/>
+            </a:endParaRPr>
+          </a:p>
+          <a:p>
+            <a:pPr>
+              <a:lnSpc>
+                <a:spcPct val="120000"/>
+              </a:lnSpc>
+              <a:spcBef>
+                <a:spcPts val="1000"/>
+              </a:spcBef>
+              <a:buSzPct val="120000"/>
+              <a:defRPr/>
+            </a:pPr>
+            <a:r>
+              <a:rPr lang="en-US" sz="2600" smtClean="0">
+                <a:solidFill>
+                  <a:srgbClr val="262626"/>
+                </a:solidFill>
+                <a:latin typeface="+mn-lt"/>
+                <a:ea typeface="Gill Sans" charset="0"/>
+                <a:cs typeface="Gill Sans" charset="0"/>
+              </a:rPr>
+              <a:t>Lets compute the list of all numbers x where</a:t>
+            </a:r>
+          </a:p>
+          <a:p>
+            <a:pPr>
+              <a:lnSpc>
+                <a:spcPct val="120000"/>
+              </a:lnSpc>
+              <a:spcBef>
+                <a:spcPts val="1000"/>
+              </a:spcBef>
+              <a:buSzPct val="120000"/>
+              <a:defRPr/>
+            </a:pPr>
+            <a:r>
+              <a:rPr lang="en-US" sz="2600" smtClean="0">
+                <a:solidFill>
+                  <a:srgbClr val="262626"/>
+                </a:solidFill>
+                <a:latin typeface="+mn-lt"/>
+                <a:ea typeface="Gill Sans" charset="0"/>
+                <a:cs typeface="Gill Sans" charset="0"/>
+              </a:rPr>
+              <a:t>x is between 2 and 100, and there is</a:t>
+            </a:r>
+          </a:p>
+          <a:p>
+            <a:pPr>
+              <a:lnSpc>
+                <a:spcPct val="120000"/>
+              </a:lnSpc>
+              <a:spcBef>
+                <a:spcPts val="1000"/>
+              </a:spcBef>
+              <a:buSzPct val="120000"/>
+              <a:defRPr/>
+            </a:pPr>
+            <a:r>
+              <a:rPr lang="en-US" sz="2600" smtClean="0">
+                <a:solidFill>
+                  <a:srgbClr val="262626"/>
+                </a:solidFill>
+                <a:latin typeface="+mn-lt"/>
+                <a:ea typeface="Gill Sans" charset="0"/>
+                <a:cs typeface="Gill Sans" charset="0"/>
+              </a:rPr>
+              <a:t>not any divisor of x from 2 to (n-1):</a:t>
+            </a:r>
+          </a:p>
+          <a:p>
+            <a:pPr>
+              <a:lnSpc>
+                <a:spcPct val="120000"/>
+              </a:lnSpc>
+              <a:spcBef>
+                <a:spcPts val="1000"/>
+              </a:spcBef>
+              <a:buSzPct val="120000"/>
+              <a:defRPr/>
+            </a:pPr>
+            <a:endParaRPr lang="en-US" sz="2600">
+              <a:solidFill>
+                <a:srgbClr val="262626"/>
+              </a:solidFill>
+              <a:latin typeface="+mn-lt"/>
+              <a:ea typeface="Gill Sans" charset="0"/>
+              <a:cs typeface="Gill Sans" charset="0"/>
+            </a:endParaRPr>
+          </a:p>
+          <a:p>
+            <a:pPr>
+              <a:lnSpc>
+                <a:spcPct val="120000"/>
+              </a:lnSpc>
+              <a:spcBef>
+                <a:spcPts val="1000"/>
+              </a:spcBef>
+              <a:buSzPct val="120000"/>
+              <a:defRPr/>
+            </a:pPr>
+            <a:endParaRPr lang="en-US" sz="2600" smtClean="0">
+              <a:solidFill>
+                <a:srgbClr val="262626"/>
+              </a:solidFill>
+              <a:latin typeface="+mn-lt"/>
+              <a:ea typeface="Gill Sans" charset="0"/>
+              <a:cs typeface="Gill Sans" charset="0"/>
+            </a:endParaRPr>
+          </a:p>
+          <a:p>
+            <a:pPr>
+              <a:lnSpc>
+                <a:spcPct val="120000"/>
+              </a:lnSpc>
+              <a:spcBef>
+                <a:spcPts val="1000"/>
+              </a:spcBef>
+              <a:buSzPct val="120000"/>
+              <a:defRPr/>
+            </a:pPr>
+            <a:endParaRPr lang="en-US" sz="2600" smtClean="0">
+              <a:solidFill>
+                <a:srgbClr val="262626"/>
+              </a:solidFill>
+              <a:latin typeface="+mn-lt"/>
+              <a:ea typeface="Gill Sans" charset="0"/>
+              <a:cs typeface="Gill Sans" charset="0"/>
+            </a:endParaRPr>
+          </a:p>
+          <a:p>
+            <a:pPr>
+              <a:lnSpc>
+                <a:spcPct val="120000"/>
+              </a:lnSpc>
+              <a:spcBef>
+                <a:spcPts val="1000"/>
+              </a:spcBef>
+              <a:buSzPct val="120000"/>
+              <a:defRPr/>
+            </a:pPr>
+            <a:endParaRPr lang="en-US" sz="2600">
+              <a:solidFill>
+                <a:srgbClr val="262626"/>
+              </a:solidFill>
+              <a:latin typeface="+mn-lt"/>
+              <a:ea typeface="Gill Sans" charset="0"/>
+              <a:cs typeface="Gill Sans" charset="0"/>
+            </a:endParaRPr>
+          </a:p>
+          <a:p>
+            <a:pPr>
+              <a:lnSpc>
+                <a:spcPct val="120000"/>
+              </a:lnSpc>
+              <a:spcBef>
+                <a:spcPts val="1000"/>
+              </a:spcBef>
+              <a:buSzPct val="120000"/>
+              <a:defRPr/>
+            </a:pPr>
+            <a:endParaRPr lang="en-US" sz="2600">
+              <a:solidFill>
+                <a:srgbClr val="262626"/>
+              </a:solidFill>
+              <a:latin typeface="+mn-lt"/>
+              <a:ea typeface="Gill Sans" charset="0"/>
+              <a:cs typeface="Gill Sans" charset="0"/>
+            </a:endParaRPr>
+          </a:p>
+          <a:p>
+            <a:pPr marL="254000" indent="-254000">
+              <a:lnSpc>
+                <a:spcPct val="120000"/>
+              </a:lnSpc>
+              <a:spcBef>
+                <a:spcPts val="1000"/>
+              </a:spcBef>
+              <a:defRPr/>
+            </a:pPr>
+            <a:endParaRPr lang="en-US" sz="2600">
+              <a:solidFill>
+                <a:srgbClr val="262626"/>
+              </a:solidFill>
+              <a:latin typeface="+mn-lt"/>
+              <a:ea typeface="Gill Sans" charset="0"/>
+              <a:cs typeface="Gill Sans" charset="0"/>
+            </a:endParaRPr>
+          </a:p>
+        </p:txBody>
+      </p:sp>
+      <p:sp>
+        <p:nvSpPr>
+          <p:cNvPr id="4" name="Textfeld 3"/>
+          <p:cNvSpPr txBox="1"/>
+          <p:nvPr/>
+        </p:nvSpPr>
+        <p:spPr>
+          <a:xfrm>
+            <a:off x="404057" y="4876368"/>
+            <a:ext cx="8956298" cy="1015663"/>
+          </a:xfrm>
+          <a:prstGeom prst="rect">
+            <a:avLst/>
+          </a:prstGeom>
+          <a:noFill/>
+        </p:spPr>
+        <p:txBody>
+          <a:bodyPr wrap="none" rtlCol="0">
+            <a:spAutoFit/>
+          </a:bodyPr>
+          <a:lstStyle/>
+          <a:p>
+            <a:r>
+              <a:rPr lang="en-US" sz="2000" smtClean="0">
+                <a:latin typeface="Droid Sans Mono Chess ASCII" panose="020B0609030804020204" pitchFamily="50" charset="0"/>
+                <a:ea typeface="Droid Sans Mono Chess ASCII" panose="020B0609030804020204" pitchFamily="50" charset="0"/>
+                <a:cs typeface="Droid Sans Mono Chess ASCII" panose="020B0609030804020204" pitchFamily="50" charset="0"/>
+              </a:rPr>
+              <a:t>[ x | x &lt;- [2..100], not (any (divisorOf x)) [2..(n-1)] ]</a:t>
+            </a:r>
+          </a:p>
+          <a:p>
+            <a:r>
+              <a:rPr lang="en-US" sz="2000">
+                <a:latin typeface="Droid Sans Mono Chess ASCII" panose="020B0609030804020204" pitchFamily="50" charset="0"/>
+                <a:ea typeface="Droid Sans Mono Chess ASCII" panose="020B0609030804020204" pitchFamily="50" charset="0"/>
+                <a:cs typeface="Droid Sans Mono Chess ASCII" panose="020B0609030804020204" pitchFamily="50" charset="0"/>
+              </a:rPr>
+              <a:t>	</a:t>
+            </a:r>
+            <a:r>
+              <a:rPr lang="en-US" sz="2000" smtClean="0">
+                <a:latin typeface="Droid Sans Mono Chess ASCII" panose="020B0609030804020204" pitchFamily="50" charset="0"/>
+                <a:ea typeface="Droid Sans Mono Chess ASCII" panose="020B0609030804020204" pitchFamily="50" charset="0"/>
+                <a:cs typeface="Droid Sans Mono Chess ASCII" panose="020B0609030804020204" pitchFamily="50" charset="0"/>
+              </a:rPr>
+              <a:t>where</a:t>
+            </a:r>
+          </a:p>
+          <a:p>
+            <a:r>
+              <a:rPr lang="en-US" sz="2000">
+                <a:latin typeface="Droid Sans Mono Chess ASCII" panose="020B0609030804020204" pitchFamily="50" charset="0"/>
+                <a:ea typeface="Droid Sans Mono Chess ASCII" panose="020B0609030804020204" pitchFamily="50" charset="0"/>
+                <a:cs typeface="Droid Sans Mono Chess ASCII" panose="020B0609030804020204" pitchFamily="50" charset="0"/>
+              </a:rPr>
+              <a:t> </a:t>
+            </a:r>
+            <a:r>
+              <a:rPr lang="en-US" sz="2000" smtClean="0">
+                <a:latin typeface="Droid Sans Mono Chess ASCII" panose="020B0609030804020204" pitchFamily="50" charset="0"/>
+                <a:ea typeface="Droid Sans Mono Chess ASCII" panose="020B0609030804020204" pitchFamily="50" charset="0"/>
+                <a:cs typeface="Droid Sans Mono Chess ASCII" panose="020B0609030804020204" pitchFamily="50" charset="0"/>
+              </a:rPr>
+              <a:t>     divisorOf x i = mod x i == 0</a:t>
+            </a:r>
+            <a:endParaRPr lang="de-DE" sz="2000">
+              <a:latin typeface="Droid Sans Mono Chess ASCII" panose="020B0609030804020204" pitchFamily="50" charset="0"/>
+              <a:ea typeface="Droid Sans Mono Chess ASCII" panose="020B0609030804020204" pitchFamily="50" charset="0"/>
+              <a:cs typeface="Droid Sans Mono Chess ASCII" panose="020B0609030804020204" pitchFamily="50" charset="0"/>
+            </a:endParaRPr>
+          </a:p>
+        </p:txBody>
+      </p:sp>
+    </p:spTree>
+    <p:extLst>
+      <p:ext uri="{BB962C8B-B14F-4D97-AF65-F5344CB8AC3E}">
+        <p14:creationId xmlns:p14="http://schemas.microsoft.com/office/powerpoint/2010/main" val="3971016912"/>
+      </p:ext>
+    </p:extLst>
+  </p:cSld>
+  <p:clrMapOvr>
+    <a:masterClrMapping/>
+  </p:clrMapOvr>
+</p:sld>
+</file>
+
+<file path=ppt/slides/slide8.xml><?xml version="1.0" encoding="utf-8"?>
+<p:sld xmlns:a="http://schemas.openxmlformats.org/drawingml/2006/main" xmlns:r="http://schemas.openxmlformats.org/officeDocument/2006/relationships" xmlns:p="http://schemas.openxmlformats.org/presentationml/2006/main">
+  <p:cSld>
+    <p:spTree>
+      <p:nvGrpSpPr>
+        <p:cNvPr id="1" name=""/>
+        <p:cNvGrpSpPr/>
+        <p:nvPr/>
+      </p:nvGrpSpPr>
+      <p:grpSpPr>
+        <a:xfrm>
+          <a:off x="0" y="0"/>
+          <a:ext cx="0" cy="0"/>
+          <a:chOff x="0" y="0"/>
+          <a:chExt cx="0" cy="0"/>
+        </a:xfrm>
+      </p:grpSpPr>
+      <p:pic>
+        <p:nvPicPr>
+          <p:cNvPr id="3078" name="Picture 6" descr="TALC"/>
+          <p:cNvPicPr>
+            <a:picLocks noChangeAspect="1" noChangeArrowheads="1"/>
+          </p:cNvPicPr>
+          <p:nvPr/>
+        </p:nvPicPr>
+        <p:blipFill>
+          <a:blip r:embed="rId2">
+            <a:extLst>
+              <a:ext uri="{28A0092B-C50C-407E-A947-70E740481C1C}">
+                <a14:useLocalDpi xmlns:a14="http://schemas.microsoft.com/office/drawing/2010/main" val="0"/>
+              </a:ext>
+            </a:extLst>
+          </a:blip>
+          <a:srcRect/>
+          <a:stretch>
+            <a:fillRect/>
+          </a:stretch>
+        </p:blipFill>
+        <p:spPr bwMode="auto">
+          <a:xfrm>
+            <a:off x="2561315" y="4508837"/>
+            <a:ext cx="7927617" cy="4915127"/>
+          </a:xfrm>
+          <a:prstGeom prst="rect">
+            <a:avLst/>
+          </a:prstGeom>
+          <a:noFill/>
+          <a:extLst>
+            <a:ext uri="{909E8E84-426E-40DD-AFC4-6F175D3DCCD1}">
+              <a14:hiddenFill xmlns:a14="http://schemas.microsoft.com/office/drawing/2010/main">
+                <a:solidFill>
+                  <a:srgbClr val="FFFFFF"/>
+                </a:solidFill>
+              </a14:hiddenFill>
+            </a:ext>
+          </a:extLst>
+        </p:spPr>
+      </p:pic>
+      <p:sp>
+        <p:nvSpPr>
+          <p:cNvPr id="9218" name="Titel 1"/>
+          <p:cNvSpPr>
+            <a:spLocks noGrp="1"/>
+          </p:cNvSpPr>
+          <p:nvPr>
+            <p:ph type="title"/>
+          </p:nvPr>
+        </p:nvSpPr>
+        <p:spPr bwMode="auto">
+          <a:xfrm>
+            <a:off x="442913" y="93663"/>
+            <a:ext cx="10742612" cy="939800"/>
+          </a:xfrm>
+          <a:noFill/>
+          <a:ln>
+            <a:miter lim="800000"/>
+            <a:headEnd/>
+            <a:tailEnd/>
+          </a:ln>
+        </p:spPr>
+        <p:txBody>
+          <a:bodyPr vert="horz" wrap="square" numCol="1" anchor="t" anchorCtr="0" compatLnSpc="1">
+            <a:prstTxWarp prst="textNoShape">
+              <a:avLst/>
+            </a:prstTxWarp>
+          </a:bodyPr>
+          <a:lstStyle/>
+          <a:p>
+            <a:r>
+              <a:rPr lang="en-US" smtClean="0"/>
+              <a:t>When </a:t>
+            </a:r>
+            <a:r>
+              <a:rPr lang="en-US" u="sng" smtClean="0"/>
+              <a:t>not</a:t>
+            </a:r>
+            <a:r>
+              <a:rPr lang="en-US" smtClean="0"/>
+              <a:t> to use Haskell</a:t>
+            </a:r>
+          </a:p>
+        </p:txBody>
+      </p:sp>
+      <p:sp>
+        <p:nvSpPr>
+          <p:cNvPr id="3" name="Rectangle 4"/>
+          <p:cNvSpPr>
+            <a:spLocks/>
+          </p:cNvSpPr>
+          <p:nvPr/>
+        </p:nvSpPr>
+        <p:spPr bwMode="auto">
+          <a:xfrm>
+            <a:off x="443819" y="1373188"/>
+            <a:ext cx="10790237" cy="6680200"/>
+          </a:xfrm>
+          <a:prstGeom prst="rect">
+            <a:avLst/>
+          </a:prstGeom>
+          <a:noFill/>
+          <a:ln w="12700" cap="flat">
+            <a:noFill/>
+            <a:miter lim="800000"/>
+            <a:headEnd type="none" w="med" len="med"/>
+            <a:tailEnd type="none" w="med" len="med"/>
+          </a:ln>
+        </p:spPr>
+        <p:txBody>
+          <a:bodyPr lIns="0" tIns="0" rIns="0" bIns="0"/>
+          <a:lstStyle/>
+          <a:p>
+            <a:pPr marL="254000" indent="-254000">
+              <a:lnSpc>
+                <a:spcPct val="120000"/>
+              </a:lnSpc>
+              <a:spcBef>
+                <a:spcPts val="1000"/>
+              </a:spcBef>
+              <a:buSzPct val="120000"/>
+              <a:buFont typeface="Lucida Grande" charset="0"/>
+              <a:buChar char="‣"/>
+              <a:defRPr/>
+            </a:pPr>
+            <a:r>
+              <a:rPr lang="en-US" sz="2600" smtClean="0">
+                <a:solidFill>
+                  <a:srgbClr val="262626"/>
+                </a:solidFill>
+                <a:latin typeface="+mn-lt"/>
+                <a:ea typeface="Gill Sans" charset="0"/>
+                <a:cs typeface="Gill Sans" charset="0"/>
+              </a:rPr>
+              <a:t>Tight Realtime properties required</a:t>
+            </a:r>
+          </a:p>
+          <a:p>
+            <a:pPr marL="254000" indent="-254000">
+              <a:lnSpc>
+                <a:spcPct val="120000"/>
+              </a:lnSpc>
+              <a:spcBef>
+                <a:spcPts val="1000"/>
+              </a:spcBef>
+              <a:buSzPct val="120000"/>
+              <a:buFont typeface="Lucida Grande" charset="0"/>
+              <a:buChar char="‣"/>
+              <a:defRPr/>
+            </a:pPr>
+            <a:r>
+              <a:rPr lang="en-US" sz="2600" smtClean="0">
+                <a:solidFill>
+                  <a:srgbClr val="262626"/>
+                </a:solidFill>
+                <a:latin typeface="+mn-lt"/>
+                <a:ea typeface="Gill Sans" charset="0"/>
+                <a:cs typeface="Gill Sans" charset="0"/>
+              </a:rPr>
+              <a:t>Very low level problem (machine oriented)</a:t>
+            </a:r>
+          </a:p>
+          <a:p>
+            <a:pPr marL="254000" indent="-254000">
+              <a:lnSpc>
+                <a:spcPct val="120000"/>
+              </a:lnSpc>
+              <a:spcBef>
+                <a:spcPts val="1000"/>
+              </a:spcBef>
+              <a:buSzPct val="120000"/>
+              <a:buFont typeface="Lucida Grande" charset="0"/>
+              <a:buChar char="‣"/>
+              <a:defRPr/>
+            </a:pPr>
+            <a:r>
+              <a:rPr lang="en-US" sz="2600" smtClean="0">
+                <a:solidFill>
+                  <a:srgbClr val="262626"/>
+                </a:solidFill>
+                <a:latin typeface="+mn-lt"/>
+                <a:ea typeface="Gill Sans" charset="0"/>
+                <a:cs typeface="Gill Sans" charset="0"/>
+              </a:rPr>
+              <a:t>In conservative and laggard enviroment</a:t>
+            </a:r>
+            <a:br>
+              <a:rPr lang="en-US" sz="2600" smtClean="0">
+                <a:solidFill>
+                  <a:srgbClr val="262626"/>
+                </a:solidFill>
+                <a:latin typeface="+mn-lt"/>
+                <a:ea typeface="Gill Sans" charset="0"/>
+                <a:cs typeface="Gill Sans" charset="0"/>
+              </a:rPr>
+            </a:br>
+            <a:r>
+              <a:rPr lang="en-US" sz="2600" smtClean="0">
+                <a:solidFill>
+                  <a:srgbClr val="262626"/>
+                </a:solidFill>
+                <a:latin typeface="+mn-lt"/>
+                <a:ea typeface="Gill Sans" charset="0"/>
+                <a:cs typeface="Gill Sans" charset="0"/>
+              </a:rPr>
+              <a:t>(e.g. personal, political reasons):</a:t>
+            </a:r>
+          </a:p>
+          <a:p>
+            <a:pPr marL="254000" indent="-254000">
+              <a:lnSpc>
+                <a:spcPct val="120000"/>
+              </a:lnSpc>
+              <a:spcBef>
+                <a:spcPts val="1000"/>
+              </a:spcBef>
+              <a:buSzPct val="120000"/>
+              <a:buFont typeface="Lucida Grande" charset="0"/>
+              <a:buChar char="‣"/>
+              <a:defRPr/>
+            </a:pPr>
+            <a:endParaRPr lang="en-US" sz="2600">
+              <a:solidFill>
+                <a:srgbClr val="262626"/>
+              </a:solidFill>
+              <a:latin typeface="+mn-lt"/>
+              <a:ea typeface="Gill Sans" charset="0"/>
+              <a:cs typeface="Gill Sans" charset="0"/>
+            </a:endParaRPr>
+          </a:p>
+          <a:p>
+            <a:pPr marL="254000" indent="-254000">
+              <a:lnSpc>
+                <a:spcPct val="120000"/>
+              </a:lnSpc>
+              <a:spcBef>
+                <a:spcPts val="1000"/>
+              </a:spcBef>
+              <a:defRPr/>
+            </a:pPr>
+            <a:endParaRPr lang="en-US" sz="2600">
+              <a:solidFill>
+                <a:srgbClr val="262626"/>
+              </a:solidFill>
+              <a:latin typeface="+mn-lt"/>
+              <a:ea typeface="Gill Sans" charset="0"/>
+              <a:cs typeface="Gill Sans" charset="0"/>
+            </a:endParaRPr>
+          </a:p>
+        </p:txBody>
+      </p:sp>
+      <p:pic>
+        <p:nvPicPr>
+          <p:cNvPr id="3079" name="Picture 7" descr="C:\Users\3t\AppData\Local\Microsoft\Windows\Temporary Internet Files\Content.IE5\OFIS4223\1169px-Achtung.svg[1].png"/>
+          <p:cNvPicPr>
+            <a:picLocks noChangeAspect="1" noChangeArrowheads="1"/>
+          </p:cNvPicPr>
+          <p:nvPr/>
+        </p:nvPicPr>
+        <p:blipFill>
+          <a:blip r:embed="rId3" cstate="print">
+            <a:extLst>
+              <a:ext uri="{28A0092B-C50C-407E-A947-70E740481C1C}">
+                <a14:useLocalDpi xmlns:a14="http://schemas.microsoft.com/office/drawing/2010/main" val="0"/>
+              </a:ext>
+            </a:extLst>
+          </a:blip>
+          <a:srcRect/>
+          <a:stretch>
+            <a:fillRect/>
+          </a:stretch>
+        </p:blipFill>
+        <p:spPr bwMode="auto">
+          <a:xfrm>
+            <a:off x="9579429" y="309883"/>
+            <a:ext cx="2729359" cy="2390816"/>
+          </a:xfrm>
+          <a:prstGeom prst="rect">
+            <a:avLst/>
+          </a:prstGeom>
+          <a:noFill/>
+          <a:extLst>
+            <a:ext uri="{909E8E84-426E-40DD-AFC4-6F175D3DCCD1}">
+              <a14:hiddenFill xmlns:a14="http://schemas.microsoft.com/office/drawing/2010/main">
+                <a:solidFill>
+                  <a:srgbClr val="FFFFFF"/>
+                </a:solidFill>
+              </a14:hiddenFill>
+            </a:ext>
+          </a:extLst>
+        </p:spPr>
+      </p:pic>
+      <p:sp>
+        <p:nvSpPr>
+          <p:cNvPr id="2" name="Rechteck 1"/>
+          <p:cNvSpPr/>
+          <p:nvPr/>
+        </p:nvSpPr>
+        <p:spPr>
+          <a:xfrm>
+            <a:off x="6648038" y="4914900"/>
+            <a:ext cx="3963809" cy="3138488"/>
+          </a:xfrm>
+          <a:prstGeom prst="rect">
+            <a:avLst/>
+          </a:prstGeom>
+          <a:blipFill dpi="0" rotWithShape="1">
+            <a:blip r:embed="rId4">
+              <a:alphaModFix amt="30000"/>
+            </a:blip>
+            <a:srcRect/>
+            <a:stretch>
+              <a:fillRect/>
+            </a:stretch>
+          </a:blipFill>
+          <a:ln w="63500">
+            <a:solidFill>
+              <a:srgbClr val="FF0000"/>
+            </a:solidFill>
+          </a:ln>
+        </p:spPr>
+        <p:style>
+          <a:lnRef idx="2">
+            <a:schemeClr val="accent1">
+              <a:shade val="50000"/>
+            </a:schemeClr>
+          </a:lnRef>
+          <a:fillRef idx="1">
+            <a:schemeClr val="accent1"/>
+          </a:fillRef>
+          <a:effectRef idx="0">
+            <a:schemeClr val="accent1"/>
+          </a:effectRef>
+          <a:fontRef idx="minor">
+            <a:schemeClr val="lt1"/>
+          </a:fontRef>
+        </p:style>
+        <p:txBody>
+          <a:bodyPr rtlCol="0" anchor="ctr"/>
+          <a:lstStyle/>
+          <a:p>
+            <a:pPr algn="ctr"/>
+            <a:endParaRPr lang="de-DE"/>
+          </a:p>
+        </p:txBody>
+      </p:sp>
+      <p:cxnSp>
+        <p:nvCxnSpPr>
+          <p:cNvPr id="9" name="Gerade Verbindung mit Pfeil 8"/>
+          <p:cNvCxnSpPr>
+            <a:endCxn id="3078" idx="0"/>
+          </p:cNvCxnSpPr>
+          <p:nvPr/>
+        </p:nvCxnSpPr>
+        <p:spPr>
+          <a:xfrm>
+            <a:off x="5115375" y="3145987"/>
+            <a:ext cx="1409749" cy="1362850"/>
+          </a:xfrm>
+          <a:prstGeom prst="straightConnector1">
+            <a:avLst/>
+          </a:prstGeom>
+          <a:ln w="50800">
+            <a:solidFill>
+              <a:srgbClr val="FF0000"/>
+            </a:solidFill>
+            <a:tailEnd type="arrow"/>
+          </a:ln>
+        </p:spPr>
+        <p:style>
+          <a:lnRef idx="1">
+            <a:schemeClr val="accent1"/>
+          </a:lnRef>
+          <a:fillRef idx="0">
+            <a:schemeClr val="accent1"/>
+          </a:fillRef>
+          <a:effectRef idx="0">
+            <a:schemeClr val="accent1"/>
+          </a:effectRef>
+          <a:fontRef idx="minor">
+            <a:schemeClr val="tx1"/>
+          </a:fontRef>
+        </p:style>
+      </p:cxnSp>
+    </p:spTree>
+    <p:extLst>
+      <p:ext uri="{BB962C8B-B14F-4D97-AF65-F5344CB8AC3E}">
+        <p14:creationId xmlns:p14="http://schemas.microsoft.com/office/powerpoint/2010/main" val="2077020566"/>
+      </p:ext>
+    </p:extLst>
+  </p:cSld>
+  <p:clrMapOvr>
+    <a:masterClrMapping/>
+  </p:clrMapOvr>
+</p:sld>
+</file>
+
+<file path=ppt/slides/slide9.xml><?xml version="1.0" encoding="utf-8"?>
+<p:sld xmlns:a="http://schemas.openxmlformats.org/drawingml/2006/main" xmlns:r="http://schemas.openxmlformats.org/officeDocument/2006/relationships" xmlns:p="http://schemas.openxmlformats.org/presentationml/2006/main">
+  <p:cSld>
+    <p:spTree>
+      <p:nvGrpSpPr>
+        <p:cNvPr id="1" name=""/>
+        <p:cNvGrpSpPr/>
+        <p:nvPr/>
+      </p:nvGrpSpPr>
+      <p:grpSpPr>
+        <a:xfrm>
+          <a:off x="0" y="0"/>
+          <a:ext cx="0" cy="0"/>
+          <a:chOff x="0" y="0"/>
+          <a:chExt cx="0" cy="0"/>
+        </a:xfrm>
+      </p:grpSpPr>
+      <p:sp>
+        <p:nvSpPr>
+          <p:cNvPr id="9218" name="Titel 1"/>
+          <p:cNvSpPr>
+            <a:spLocks noGrp="1"/>
+          </p:cNvSpPr>
+          <p:nvPr>
+            <p:ph type="title"/>
+          </p:nvPr>
+        </p:nvSpPr>
+        <p:spPr bwMode="auto">
+          <a:xfrm>
+            <a:off x="442913" y="93663"/>
+            <a:ext cx="10742612" cy="939800"/>
+          </a:xfrm>
+          <a:noFill/>
+          <a:ln>
+            <a:miter lim="800000"/>
+            <a:headEnd/>
+            <a:tailEnd/>
+          </a:ln>
+        </p:spPr>
+        <p:txBody>
+          <a:bodyPr vert="horz" wrap="square" numCol="1" anchor="t" anchorCtr="0" compatLnSpc="1">
+            <a:prstTxWarp prst="textNoShape">
+              <a:avLst/>
+            </a:prstTxWarp>
+          </a:bodyPr>
+          <a:lstStyle/>
+          <a:p>
+            <a:r>
+              <a:rPr lang="en-US" smtClean="0"/>
+              <a:t>The NSWC Experiment</a:t>
+            </a:r>
+          </a:p>
+        </p:txBody>
+      </p:sp>
+      <p:pic>
+        <p:nvPicPr>
+          <p:cNvPr id="1026" name="Picture 2"/>
+          <p:cNvPicPr>
+            <a:picLocks noChangeAspect="1" noChangeArrowheads="1"/>
+          </p:cNvPicPr>
+          <p:nvPr/>
+        </p:nvPicPr>
+        <p:blipFill>
+          <a:blip r:embed="rId2">
+            <a:extLst>
+              <a:ext uri="{28A0092B-C50C-407E-A947-70E740481C1C}">
+                <a14:useLocalDpi xmlns:a14="http://schemas.microsoft.com/office/drawing/2010/main" val="0"/>
+              </a:ext>
+            </a:extLst>
+          </a:blip>
+          <a:srcRect/>
+          <a:stretch>
+            <a:fillRect/>
+          </a:stretch>
+        </p:blipFill>
+        <p:spPr bwMode="auto">
+          <a:xfrm>
+            <a:off x="-18823" y="1535454"/>
+            <a:ext cx="7277554" cy="5071156"/>
+          </a:xfrm>
+          <a:prstGeom prst="rect">
+            <a:avLst/>
+          </a:prstGeom>
+          <a:noFill/>
+          <a:ln>
+            <a:noFill/>
+          </a:ln>
+          <a:extLst>
+            <a:ext uri="{909E8E84-426E-40DD-AFC4-6F175D3DCCD1}">
+              <a14:hiddenFill xmlns:a14="http://schemas.microsoft.com/office/drawing/2010/main">
+                <a:solidFill>
+                  <a:schemeClr val="accent1"/>
+                </a:solidFill>
+              </a14:hiddenFill>
+            </a:ext>
+            <a:ext uri="{91240B29-F687-4F45-9708-019B960494DF}">
+              <a14:hiddenLine xmlns:a14="http://schemas.microsoft.com/office/drawing/2010/main" w="9525">
+                <a:solidFill>
+                  <a:schemeClr val="tx1"/>
+                </a:solidFill>
+                <a:miter lim="800000"/>
+                <a:headEnd/>
+                <a:tailEnd/>
+              </a14:hiddenLine>
+            </a:ext>
+          </a:extLst>
+        </p:spPr>
+      </p:pic>
+      <p:pic>
+        <p:nvPicPr>
+          <p:cNvPr id="1027" name="Picture 3"/>
+          <p:cNvPicPr>
+            <a:picLocks noChangeAspect="1" noChangeArrowheads="1"/>
+          </p:cNvPicPr>
+          <p:nvPr/>
+        </p:nvPicPr>
+        <p:blipFill>
+          <a:blip r:embed="rId3">
+            <a:extLst>
+              <a:ext uri="{28A0092B-C50C-407E-A947-70E740481C1C}">
+                <a14:useLocalDpi xmlns:a14="http://schemas.microsoft.com/office/drawing/2010/main" val="0"/>
+              </a:ext>
+            </a:extLst>
+          </a:blip>
+          <a:srcRect/>
+          <a:stretch>
+            <a:fillRect/>
+          </a:stretch>
+        </p:blipFill>
+        <p:spPr bwMode="auto">
+          <a:xfrm>
+            <a:off x="7258731" y="1535454"/>
+            <a:ext cx="5522006" cy="6324600"/>
+          </a:xfrm>
+          <a:prstGeom prst="rect">
+            <a:avLst/>
+          </a:prstGeom>
+          <a:noFill/>
+          <a:ln>
+            <a:noFill/>
+          </a:ln>
+          <a:extLst>
+            <a:ext uri="{909E8E84-426E-40DD-AFC4-6F175D3DCCD1}">
+              <a14:hiddenFill xmlns:a14="http://schemas.microsoft.com/office/drawing/2010/main">
+                <a:solidFill>
+                  <a:schemeClr val="accent1"/>
+                </a:solidFill>
+              </a14:hiddenFill>
+            </a:ext>
+            <a:ext uri="{91240B29-F687-4F45-9708-019B960494DF}">
+              <a14:hiddenLine xmlns:a14="http://schemas.microsoft.com/office/drawing/2010/main" w="9525">
+                <a:solidFill>
+                  <a:schemeClr val="tx1"/>
+                </a:solidFill>
+                <a:miter lim="800000"/>
+                <a:headEnd/>
+                <a:tailEnd/>
+              </a14:hiddenLine>
+            </a:ext>
+          </a:extLst>
+        </p:spPr>
+      </p:pic>
+      <p:sp>
+        <p:nvSpPr>
+          <p:cNvPr id="5" name="Rectangle 4"/>
+          <p:cNvSpPr>
+            <a:spLocks/>
+          </p:cNvSpPr>
+          <p:nvPr/>
+        </p:nvSpPr>
+        <p:spPr bwMode="auto">
+          <a:xfrm>
+            <a:off x="552675" y="8164291"/>
+            <a:ext cx="12052982" cy="957938"/>
+          </a:xfrm>
+          <a:prstGeom prst="rect">
+            <a:avLst/>
+          </a:prstGeom>
+          <a:noFill/>
+          <a:ln w="12700" cap="flat">
+            <a:noFill/>
+            <a:miter lim="800000"/>
+            <a:headEnd type="none" w="med" len="med"/>
+            <a:tailEnd type="none" w="med" len="med"/>
+          </a:ln>
+        </p:spPr>
+        <p:txBody>
+          <a:bodyPr lIns="0" tIns="0" rIns="0" bIns="0"/>
+          <a:lstStyle/>
+          <a:p>
+            <a:pPr>
+              <a:spcBef>
+                <a:spcPts val="1000"/>
+              </a:spcBef>
+              <a:buSzPct val="120000"/>
+              <a:defRPr/>
+            </a:pPr>
+            <a:r>
+              <a:rPr lang="en-US" sz="3600" i="1" smtClean="0">
+                <a:solidFill>
+                  <a:srgbClr val="262626"/>
+                </a:solidFill>
+                <a:effectLst>
+                  <a:outerShdw blurRad="38100" dist="38100" dir="2700000" algn="tl">
+                    <a:srgbClr val="000000">
+                      <a:alpha val="43137"/>
+                    </a:srgbClr>
+                  </a:outerShdw>
+                </a:effectLst>
+                <a:latin typeface="+mn-lt"/>
+                <a:ea typeface="Gill Sans" charset="0"/>
+                <a:cs typeface="Gill Sans" charset="0"/>
+              </a:rPr>
+              <a:t>ADA vs. C++ vs. awk vs. Relational Lisp vs. Haskell vs. …</a:t>
+            </a:r>
+          </a:p>
+          <a:p>
+            <a:pPr marL="254000" indent="-254000">
+              <a:spcBef>
+                <a:spcPts val="1000"/>
+              </a:spcBef>
+              <a:buSzPct val="120000"/>
+              <a:buFont typeface="Lucida Grande" charset="0"/>
+              <a:buChar char="‣"/>
+              <a:defRPr/>
+            </a:pPr>
+            <a:endParaRPr lang="en-US" sz="3600" i="1">
+              <a:solidFill>
+                <a:srgbClr val="262626"/>
+              </a:solidFill>
+              <a:effectLst>
+                <a:outerShdw blurRad="38100" dist="38100" dir="2700000" algn="tl">
+                  <a:srgbClr val="000000">
+                    <a:alpha val="43137"/>
+                  </a:srgbClr>
+                </a:outerShdw>
+              </a:effectLst>
+              <a:latin typeface="+mn-lt"/>
+              <a:ea typeface="Gill Sans" charset="0"/>
+              <a:cs typeface="Gill Sans" charset="0"/>
+            </a:endParaRPr>
+          </a:p>
+          <a:p>
+            <a:pPr marL="254000" indent="-254000">
+              <a:spcBef>
+                <a:spcPts val="1000"/>
+              </a:spcBef>
+              <a:defRPr/>
+            </a:pPr>
+            <a:endParaRPr lang="en-US" sz="3600" i="1">
+              <a:solidFill>
+                <a:srgbClr val="262626"/>
+              </a:solidFill>
+              <a:effectLst>
+                <a:outerShdw blurRad="38100" dist="38100" dir="2700000" algn="tl">
+                  <a:srgbClr val="000000">
+                    <a:alpha val="43137"/>
+                  </a:srgbClr>
+                </a:outerShdw>
+              </a:effectLst>
+              <a:latin typeface="+mn-lt"/>
+              <a:ea typeface="Gill Sans" charset="0"/>
+              <a:cs typeface="Gill Sans" charset="0"/>
+            </a:endParaRPr>
+          </a:p>
+        </p:txBody>
+      </p:sp>
+    </p:spTree>
+    <p:extLst>
+      <p:ext uri="{BB962C8B-B14F-4D97-AF65-F5344CB8AC3E}">
+        <p14:creationId xmlns:p14="http://schemas.microsoft.com/office/powerpoint/2010/main" val="3618038885"/>
       </p:ext>
     </p:extLst>
   </p:cSld>

--- a/ppt/Chess200.pptx
+++ b/ppt/Chess200.pptx
@@ -5,38 +5,39 @@
     <p:sldMasterId id="2147483648" r:id="rId1"/>
   </p:sldMasterIdLst>
   <p:notesMasterIdLst>
-    <p:notesMasterId r:id="rId14"/>
+    <p:notesMasterId r:id="rId15"/>
   </p:notesMasterIdLst>
   <p:handoutMasterIdLst>
-    <p:handoutMasterId r:id="rId15"/>
+    <p:handoutMasterId r:id="rId16"/>
   </p:handoutMasterIdLst>
   <p:sldIdLst>
     <p:sldId id="261" r:id="rId2"/>
     <p:sldId id="280" r:id="rId3"/>
-    <p:sldId id="283" r:id="rId4"/>
-    <p:sldId id="290" r:id="rId5"/>
-    <p:sldId id="284" r:id="rId6"/>
-    <p:sldId id="285" r:id="rId7"/>
-    <p:sldId id="289" r:id="rId8"/>
-    <p:sldId id="288" r:id="rId9"/>
-    <p:sldId id="286" r:id="rId10"/>
-    <p:sldId id="287" r:id="rId11"/>
-    <p:sldId id="281" r:id="rId12"/>
-    <p:sldId id="269" r:id="rId13"/>
+    <p:sldId id="291" r:id="rId4"/>
+    <p:sldId id="283" r:id="rId5"/>
+    <p:sldId id="290" r:id="rId6"/>
+    <p:sldId id="284" r:id="rId7"/>
+    <p:sldId id="285" r:id="rId8"/>
+    <p:sldId id="289" r:id="rId9"/>
+    <p:sldId id="288" r:id="rId10"/>
+    <p:sldId id="286" r:id="rId11"/>
+    <p:sldId id="287" r:id="rId12"/>
+    <p:sldId id="281" r:id="rId13"/>
+    <p:sldId id="269" r:id="rId14"/>
   </p:sldIdLst>
   <p:sldSz cx="13004800" cy="9753600"/>
   <p:notesSz cx="7010400" cy="9296400"/>
   <p:embeddedFontLst>
     <p:embeddedFont>
       <p:font typeface="Calibri" panose="020F0502020204030204" pitchFamily="34" charset="0"/>
-      <p:regular r:id="rId16"/>
-      <p:bold r:id="rId17"/>
-      <p:italic r:id="rId18"/>
-      <p:boldItalic r:id="rId19"/>
+      <p:regular r:id="rId17"/>
+      <p:bold r:id="rId18"/>
+      <p:italic r:id="rId19"/>
+      <p:boldItalic r:id="rId20"/>
     </p:embeddedFont>
     <p:embeddedFont>
       <p:font typeface="Wingdings 3" panose="05040102010807070707" pitchFamily="18" charset="2"/>
-      <p:regular r:id="rId20"/>
+      <p:regular r:id="rId21"/>
     </p:embeddedFont>
   </p:embeddedFontLst>
   <p:defaultTextStyle>
@@ -258,7 +259,7 @@
               <a:pPr>
                 <a:defRPr/>
               </a:pPr>
-              <a:t>10/9/2017</a:t>
+              <a:t>10/11/2017</a:t>
             </a:fld>
             <a:endParaRPr lang="en-US"/>
           </a:p>
@@ -870,7 +871,7 @@
               <a:pPr>
                 <a:defRPr/>
               </a:pPr>
-              <a:t>5</a:t>
+              <a:t>6</a:t>
             </a:fld>
             <a:endParaRPr lang="de-DE"/>
           </a:p>
@@ -3758,15 +3759,7 @@
             </a:r>
             <a:r>
               <a:rPr lang="de-DE" smtClean="0"/>
-              <a:t> </a:t>
-            </a:r>
-            <a:r>
-              <a:rPr lang="de-DE" smtClean="0"/>
-              <a:t>16th</a:t>
-            </a:r>
-            <a:r>
-              <a:rPr lang="de-DE" smtClean="0"/>
-              <a:t>, 2017</a:t>
+              <a:t> 16th, 2017</a:t>
             </a:r>
           </a:p>
         </p:txBody>
@@ -3799,11 +3792,7 @@
             </a:r>
             <a:r>
               <a:rPr lang="en-US" sz="2000" i="1"/>
-              <a:t>long as our hypothetical Blub programmer is looking down the power continuum, he knows he's looking down. Languages less powerful than Blub are obviously less powerful, because they're missing some feature he's used to. But when our hypothetical Blub programmer looks in the other direction, up the power continuum, he doesn't realize he's looking up. What he sees are merely weird languages. He probably considers them about equivalent in power to Blub, but with all this other hairy stuff thrown in as well. Blub is good enough for him, because he thinks in </a:t>
-            </a:r>
-            <a:r>
-              <a:rPr lang="en-US" sz="2000" i="1"/>
-              <a:t>Blub</a:t>
+              <a:t>long as our hypothetical Blub programmer is looking down the power continuum, he knows he's looking down. Languages less powerful than Blub are obviously less powerful, because they're missing some feature he's used to. But when our hypothetical Blub programmer looks in the other direction, up the power continuum, he doesn't realize he's looking up. What he sees are merely weird languages. He probably considers them about equivalent in power to Blub, but with all this other hairy stuff thrown in as well. Blub is good enough for him, because he thinks in Blub</a:t>
             </a:r>
             <a:r>
               <a:rPr lang="en-US" sz="2000" i="1" smtClean="0"/>
@@ -3820,14 +3809,7 @@
                 <a:latin typeface="Arial" panose="020B0604020202020204" pitchFamily="34" charset="0"/>
                 <a:cs typeface="Arial" panose="020B0604020202020204" pitchFamily="34" charset="0"/>
               </a:rPr>
-              <a:t>From the essay “</a:t>
-            </a:r>
-            <a:r>
-              <a:rPr lang="en-US" sz="1600" smtClean="0">
-                <a:latin typeface="Arial" panose="020B0604020202020204" pitchFamily="34" charset="0"/>
-                <a:cs typeface="Arial" panose="020B0604020202020204" pitchFamily="34" charset="0"/>
-              </a:rPr>
-              <a:t>Beating the Averages” by Paul Graham</a:t>
+              <a:t>From the essay “Beating the Averages” by Paul Graham</a:t>
             </a:r>
           </a:p>
           <a:p>
@@ -3862,6 +3844,286 @@
 </file>
 
 <file path=ppt/slides/slide10.xml><?xml version="1.0" encoding="utf-8"?>
+<p:sld xmlns:a="http://schemas.openxmlformats.org/drawingml/2006/main" xmlns:r="http://schemas.openxmlformats.org/officeDocument/2006/relationships" xmlns:p="http://schemas.openxmlformats.org/presentationml/2006/main">
+  <p:cSld>
+    <p:spTree>
+      <p:nvGrpSpPr>
+        <p:cNvPr id="1" name=""/>
+        <p:cNvGrpSpPr/>
+        <p:nvPr/>
+      </p:nvGrpSpPr>
+      <p:grpSpPr>
+        <a:xfrm>
+          <a:off x="0" y="0"/>
+          <a:ext cx="0" cy="0"/>
+          <a:chOff x="0" y="0"/>
+          <a:chExt cx="0" cy="0"/>
+        </a:xfrm>
+      </p:grpSpPr>
+      <p:sp>
+        <p:nvSpPr>
+          <p:cNvPr id="9218" name="Titel 1"/>
+          <p:cNvSpPr>
+            <a:spLocks noGrp="1"/>
+          </p:cNvSpPr>
+          <p:nvPr>
+            <p:ph type="title"/>
+          </p:nvPr>
+        </p:nvSpPr>
+        <p:spPr bwMode="auto">
+          <a:xfrm>
+            <a:off x="442913" y="93663"/>
+            <a:ext cx="10742612" cy="939800"/>
+          </a:xfrm>
+          <a:noFill/>
+          <a:ln>
+            <a:miter lim="800000"/>
+            <a:headEnd/>
+            <a:tailEnd/>
+          </a:ln>
+        </p:spPr>
+        <p:txBody>
+          <a:bodyPr vert="horz" wrap="square" numCol="1" anchor="t" anchorCtr="0" compatLnSpc="1">
+            <a:prstTxWarp prst="textNoShape">
+              <a:avLst/>
+            </a:prstTxWarp>
+          </a:bodyPr>
+          <a:lstStyle/>
+          <a:p>
+            <a:r>
+              <a:rPr lang="en-US" smtClean="0"/>
+              <a:t>The NSWC Experiment</a:t>
+            </a:r>
+          </a:p>
+        </p:txBody>
+      </p:sp>
+      <p:pic>
+        <p:nvPicPr>
+          <p:cNvPr id="1026" name="Picture 2"/>
+          <p:cNvPicPr>
+            <a:picLocks noChangeAspect="1" noChangeArrowheads="1"/>
+          </p:cNvPicPr>
+          <p:nvPr/>
+        </p:nvPicPr>
+        <p:blipFill>
+          <a:blip r:embed="rId2">
+            <a:extLst>
+              <a:ext uri="{28A0092B-C50C-407E-A947-70E740481C1C}">
+                <a14:useLocalDpi xmlns:a14="http://schemas.microsoft.com/office/drawing/2010/main" val="0"/>
+              </a:ext>
+            </a:extLst>
+          </a:blip>
+          <a:srcRect/>
+          <a:stretch>
+            <a:fillRect/>
+          </a:stretch>
+        </p:blipFill>
+        <p:spPr bwMode="auto">
+          <a:xfrm>
+            <a:off x="-18823" y="1535454"/>
+            <a:ext cx="7277554" cy="5071156"/>
+          </a:xfrm>
+          <a:prstGeom prst="rect">
+            <a:avLst/>
+          </a:prstGeom>
+          <a:noFill/>
+          <a:ln>
+            <a:noFill/>
+          </a:ln>
+          <a:extLst>
+            <a:ext uri="{909E8E84-426E-40DD-AFC4-6F175D3DCCD1}">
+              <a14:hiddenFill xmlns:a14="http://schemas.microsoft.com/office/drawing/2010/main">
+                <a:solidFill>
+                  <a:schemeClr val="accent1"/>
+                </a:solidFill>
+              </a14:hiddenFill>
+            </a:ext>
+            <a:ext uri="{91240B29-F687-4F45-9708-019B960494DF}">
+              <a14:hiddenLine xmlns:a14="http://schemas.microsoft.com/office/drawing/2010/main" w="9525">
+                <a:solidFill>
+                  <a:schemeClr val="tx1"/>
+                </a:solidFill>
+                <a:miter lim="800000"/>
+                <a:headEnd/>
+                <a:tailEnd/>
+              </a14:hiddenLine>
+            </a:ext>
+          </a:extLst>
+        </p:spPr>
+      </p:pic>
+      <p:pic>
+        <p:nvPicPr>
+          <p:cNvPr id="1027" name="Picture 3"/>
+          <p:cNvPicPr>
+            <a:picLocks noChangeAspect="1" noChangeArrowheads="1"/>
+          </p:cNvPicPr>
+          <p:nvPr/>
+        </p:nvPicPr>
+        <p:blipFill>
+          <a:blip r:embed="rId3">
+            <a:extLst>
+              <a:ext uri="{28A0092B-C50C-407E-A947-70E740481C1C}">
+                <a14:useLocalDpi xmlns:a14="http://schemas.microsoft.com/office/drawing/2010/main" val="0"/>
+              </a:ext>
+            </a:extLst>
+          </a:blip>
+          <a:srcRect/>
+          <a:stretch>
+            <a:fillRect/>
+          </a:stretch>
+        </p:blipFill>
+        <p:spPr bwMode="auto">
+          <a:xfrm>
+            <a:off x="7258731" y="1535454"/>
+            <a:ext cx="5522006" cy="6324600"/>
+          </a:xfrm>
+          <a:prstGeom prst="rect">
+            <a:avLst/>
+          </a:prstGeom>
+          <a:noFill/>
+          <a:ln>
+            <a:noFill/>
+          </a:ln>
+          <a:extLst>
+            <a:ext uri="{909E8E84-426E-40DD-AFC4-6F175D3DCCD1}">
+              <a14:hiddenFill xmlns:a14="http://schemas.microsoft.com/office/drawing/2010/main">
+                <a:solidFill>
+                  <a:schemeClr val="accent1"/>
+                </a:solidFill>
+              </a14:hiddenFill>
+            </a:ext>
+            <a:ext uri="{91240B29-F687-4F45-9708-019B960494DF}">
+              <a14:hiddenLine xmlns:a14="http://schemas.microsoft.com/office/drawing/2010/main" w="9525">
+                <a:solidFill>
+                  <a:schemeClr val="tx1"/>
+                </a:solidFill>
+                <a:miter lim="800000"/>
+                <a:headEnd/>
+                <a:tailEnd/>
+              </a14:hiddenLine>
+            </a:ext>
+          </a:extLst>
+        </p:spPr>
+      </p:pic>
+      <p:sp>
+        <p:nvSpPr>
+          <p:cNvPr id="5" name="Rectangle 4"/>
+          <p:cNvSpPr>
+            <a:spLocks/>
+          </p:cNvSpPr>
+          <p:nvPr/>
+        </p:nvSpPr>
+        <p:spPr bwMode="auto">
+          <a:xfrm>
+            <a:off x="552675" y="8164291"/>
+            <a:ext cx="12052982" cy="957938"/>
+          </a:xfrm>
+          <a:prstGeom prst="rect">
+            <a:avLst/>
+          </a:prstGeom>
+          <a:noFill/>
+          <a:ln w="12700" cap="flat">
+            <a:noFill/>
+            <a:miter lim="800000"/>
+            <a:headEnd type="none" w="med" len="med"/>
+            <a:tailEnd type="none" w="med" len="med"/>
+          </a:ln>
+        </p:spPr>
+        <p:txBody>
+          <a:bodyPr lIns="0" tIns="0" rIns="0" bIns="0"/>
+          <a:lstStyle/>
+          <a:p>
+            <a:pPr>
+              <a:spcBef>
+                <a:spcPts val="1000"/>
+              </a:spcBef>
+              <a:buSzPct val="120000"/>
+              <a:defRPr/>
+            </a:pPr>
+            <a:r>
+              <a:rPr lang="en-US" sz="3600" i="1" smtClean="0">
+                <a:solidFill>
+                  <a:srgbClr val="262626"/>
+                </a:solidFill>
+                <a:effectLst>
+                  <a:outerShdw blurRad="38100" dist="38100" dir="2700000" algn="tl">
+                    <a:srgbClr val="000000">
+                      <a:alpha val="43137"/>
+                    </a:srgbClr>
+                  </a:outerShdw>
+                </a:effectLst>
+                <a:latin typeface="+mn-lt"/>
+                <a:ea typeface="Gill Sans" charset="0"/>
+                <a:cs typeface="Gill Sans" charset="0"/>
+              </a:rPr>
+              <a:t>ADA vs. C++ vs. awk vs. Relational Lisp vs. Haskell vs. …</a:t>
+            </a:r>
+          </a:p>
+          <a:p>
+            <a:pPr marL="254000" indent="-254000">
+              <a:spcBef>
+                <a:spcPts val="1000"/>
+              </a:spcBef>
+              <a:buSzPct val="120000"/>
+              <a:buFont typeface="Lucida Grande" charset="0"/>
+              <a:buChar char="‣"/>
+              <a:defRPr/>
+            </a:pPr>
+            <a:endParaRPr lang="en-US" sz="3600" i="1">
+              <a:solidFill>
+                <a:srgbClr val="262626"/>
+              </a:solidFill>
+              <a:effectLst>
+                <a:outerShdw blurRad="38100" dist="38100" dir="2700000" algn="tl">
+                  <a:srgbClr val="000000">
+                    <a:alpha val="43137"/>
+                  </a:srgbClr>
+                </a:outerShdw>
+              </a:effectLst>
+              <a:latin typeface="+mn-lt"/>
+              <a:ea typeface="Gill Sans" charset="0"/>
+              <a:cs typeface="Gill Sans" charset="0"/>
+            </a:endParaRPr>
+          </a:p>
+          <a:p>
+            <a:pPr marL="254000" indent="-254000">
+              <a:spcBef>
+                <a:spcPts val="1000"/>
+              </a:spcBef>
+              <a:defRPr/>
+            </a:pPr>
+            <a:endParaRPr lang="en-US" sz="3600" i="1">
+              <a:solidFill>
+                <a:srgbClr val="262626"/>
+              </a:solidFill>
+              <a:effectLst>
+                <a:outerShdw blurRad="38100" dist="38100" dir="2700000" algn="tl">
+                  <a:srgbClr val="000000">
+                    <a:alpha val="43137"/>
+                  </a:srgbClr>
+                </a:outerShdw>
+              </a:effectLst>
+              <a:latin typeface="+mn-lt"/>
+              <a:ea typeface="Gill Sans" charset="0"/>
+              <a:cs typeface="Gill Sans" charset="0"/>
+            </a:endParaRPr>
+          </a:p>
+        </p:txBody>
+      </p:sp>
+    </p:spTree>
+    <p:extLst>
+      <p:ext uri="{BB962C8B-B14F-4D97-AF65-F5344CB8AC3E}">
+        <p14:creationId xmlns:p14="http://schemas.microsoft.com/office/powerpoint/2010/main" val="3618038885"/>
+      </p:ext>
+    </p:extLst>
+  </p:cSld>
+  <p:clrMapOvr>
+    <a:masterClrMapping/>
+  </p:clrMapOvr>
+</p:sld>
+</file>
+
+<file path=ppt/slides/slide11.xml><?xml version="1.0" encoding="utf-8"?>
 <p:sld xmlns:a="http://schemas.openxmlformats.org/drawingml/2006/main" xmlns:r="http://schemas.openxmlformats.org/officeDocument/2006/relationships" xmlns:p="http://schemas.openxmlformats.org/presentationml/2006/main">
   <p:cSld>
     <p:spTree>
@@ -4332,7 +4594,7 @@
 </p:sld>
 </file>
 
-<file path=ppt/slides/slide11.xml><?xml version="1.0" encoding="utf-8"?>
+<file path=ppt/slides/slide12.xml><?xml version="1.0" encoding="utf-8"?>
 <p:sld xmlns:a="http://schemas.openxmlformats.org/drawingml/2006/main" xmlns:r="http://schemas.openxmlformats.org/officeDocument/2006/relationships" xmlns:p="http://schemas.openxmlformats.org/presentationml/2006/main">
   <p:cSld>
     <p:spTree>
@@ -4573,7 +4835,7 @@
 </p:sld>
 </file>
 
-<file path=ppt/slides/slide12.xml><?xml version="1.0" encoding="utf-8"?>
+<file path=ppt/slides/slide13.xml><?xml version="1.0" encoding="utf-8"?>
 <p:sld xmlns:a="http://schemas.openxmlformats.org/drawingml/2006/main" xmlns:r="http://schemas.openxmlformats.org/officeDocument/2006/relationships" xmlns:p="http://schemas.openxmlformats.org/presentationml/2006/main">
   <p:cSld>
     <p:spTree>
@@ -4908,821 +5170,9 @@
           <a:p>
             <a:r>
               <a:rPr lang="en-US" smtClean="0"/>
-              <a:t>What does </a:t>
-            </a:r>
-            <a:r>
-              <a:rPr lang="en-US" smtClean="0">
-                <a:latin typeface="Courier New" panose="02070309020205020404" pitchFamily="49" charset="0"/>
-                <a:cs typeface="Courier New" panose="02070309020205020404" pitchFamily="49" charset="0"/>
-              </a:rPr>
-              <a:t>process</a:t>
-            </a:r>
-            <a:r>
-              <a:rPr lang="en-US" smtClean="0"/>
-              <a:t> do?</a:t>
-            </a:r>
-          </a:p>
-        </p:txBody>
-      </p:sp>
-      <p:sp>
-        <p:nvSpPr>
-          <p:cNvPr id="3" name="Textfeld 2"/>
-          <p:cNvSpPr txBox="1"/>
-          <p:nvPr/>
-        </p:nvSpPr>
-        <p:spPr>
-          <a:xfrm>
-            <a:off x="477520" y="1229360"/>
-            <a:ext cx="5416868" cy="7786747"/>
-          </a:xfrm>
-          <a:prstGeom prst="rect">
-            <a:avLst/>
-          </a:prstGeom>
-          <a:noFill/>
-        </p:spPr>
-        <p:txBody>
-          <a:bodyPr wrap="none" rtlCol="0">
-            <a:spAutoFit/>
-          </a:bodyPr>
-          <a:lstStyle/>
-          <a:p>
-            <a:r>
-              <a:rPr lang="de-DE" sz="2000" err="1">
-                <a:latin typeface="Courier New" panose="02070309020205020404" pitchFamily="49" charset="0"/>
-                <a:cs typeface="Courier New" panose="02070309020205020404" pitchFamily="49" charset="0"/>
-              </a:rPr>
-              <a:t>void</a:t>
-            </a:r>
-            <a:r>
-              <a:rPr lang="de-DE" sz="2000">
-                <a:latin typeface="Courier New" panose="02070309020205020404" pitchFamily="49" charset="0"/>
-                <a:cs typeface="Courier New" panose="02070309020205020404" pitchFamily="49" charset="0"/>
-              </a:rPr>
-              <a:t> </a:t>
-            </a:r>
-            <a:r>
-              <a:rPr lang="de-DE" sz="2000" err="1">
-                <a:latin typeface="Courier New" panose="02070309020205020404" pitchFamily="49" charset="0"/>
-                <a:cs typeface="Courier New" panose="02070309020205020404" pitchFamily="49" charset="0"/>
-              </a:rPr>
-              <a:t>swap</a:t>
-            </a:r>
-            <a:r>
-              <a:rPr lang="de-DE" sz="2000">
-                <a:latin typeface="Courier New" panose="02070309020205020404" pitchFamily="49" charset="0"/>
-                <a:cs typeface="Courier New" panose="02070309020205020404" pitchFamily="49" charset="0"/>
-              </a:rPr>
-              <a:t>(</a:t>
-            </a:r>
-            <a:r>
-              <a:rPr lang="de-DE" sz="2000" err="1">
-                <a:latin typeface="Courier New" panose="02070309020205020404" pitchFamily="49" charset="0"/>
-                <a:cs typeface="Courier New" panose="02070309020205020404" pitchFamily="49" charset="0"/>
-              </a:rPr>
-              <a:t>int</a:t>
-            </a:r>
-            <a:r>
-              <a:rPr lang="de-DE" sz="2000">
-                <a:latin typeface="Courier New" panose="02070309020205020404" pitchFamily="49" charset="0"/>
-                <a:cs typeface="Courier New" panose="02070309020205020404" pitchFamily="49" charset="0"/>
-              </a:rPr>
-              <a:t> *a, </a:t>
-            </a:r>
-            <a:r>
-              <a:rPr lang="de-DE" sz="2000" err="1">
-                <a:latin typeface="Courier New" panose="02070309020205020404" pitchFamily="49" charset="0"/>
-                <a:cs typeface="Courier New" panose="02070309020205020404" pitchFamily="49" charset="0"/>
-              </a:rPr>
-              <a:t>int</a:t>
-            </a:r>
-            <a:r>
-              <a:rPr lang="de-DE" sz="2000">
-                <a:latin typeface="Courier New" panose="02070309020205020404" pitchFamily="49" charset="0"/>
-                <a:cs typeface="Courier New" panose="02070309020205020404" pitchFamily="49" charset="0"/>
-              </a:rPr>
-              <a:t> *b)</a:t>
-            </a:r>
-          </a:p>
-          <a:p>
-            <a:r>
-              <a:rPr lang="de-DE" sz="2000">
-                <a:latin typeface="Courier New" panose="02070309020205020404" pitchFamily="49" charset="0"/>
-                <a:cs typeface="Courier New" panose="02070309020205020404" pitchFamily="49" charset="0"/>
-              </a:rPr>
-              <a:t>{</a:t>
-            </a:r>
-          </a:p>
-          <a:p>
-            <a:r>
-              <a:rPr lang="de-DE" sz="2000">
-                <a:latin typeface="Courier New" panose="02070309020205020404" pitchFamily="49" charset="0"/>
-                <a:cs typeface="Courier New" panose="02070309020205020404" pitchFamily="49" charset="0"/>
-              </a:rPr>
-              <a:t>    </a:t>
-            </a:r>
-            <a:r>
-              <a:rPr lang="de-DE" sz="2000" err="1">
-                <a:latin typeface="Courier New" panose="02070309020205020404" pitchFamily="49" charset="0"/>
-                <a:cs typeface="Courier New" panose="02070309020205020404" pitchFamily="49" charset="0"/>
-              </a:rPr>
-              <a:t>int</a:t>
-            </a:r>
-            <a:r>
-              <a:rPr lang="de-DE" sz="2000">
-                <a:latin typeface="Courier New" panose="02070309020205020404" pitchFamily="49" charset="0"/>
-                <a:cs typeface="Courier New" panose="02070309020205020404" pitchFamily="49" charset="0"/>
-              </a:rPr>
-              <a:t> </a:t>
-            </a:r>
-            <a:r>
-              <a:rPr lang="de-DE" sz="2000" err="1">
-                <a:latin typeface="Courier New" panose="02070309020205020404" pitchFamily="49" charset="0"/>
-                <a:cs typeface="Courier New" panose="02070309020205020404" pitchFamily="49" charset="0"/>
-              </a:rPr>
-              <a:t>tmp</a:t>
-            </a:r>
-            <a:r>
-              <a:rPr lang="de-DE" sz="2000">
-                <a:latin typeface="Courier New" panose="02070309020205020404" pitchFamily="49" charset="0"/>
-                <a:cs typeface="Courier New" panose="02070309020205020404" pitchFamily="49" charset="0"/>
-              </a:rPr>
-              <a:t> = *a;</a:t>
-            </a:r>
-          </a:p>
-          <a:p>
-            <a:r>
-              <a:rPr lang="de-DE" sz="2000">
-                <a:latin typeface="Courier New" panose="02070309020205020404" pitchFamily="49" charset="0"/>
-                <a:cs typeface="Courier New" panose="02070309020205020404" pitchFamily="49" charset="0"/>
-              </a:rPr>
-              <a:t>    *a = *b;</a:t>
-            </a:r>
-          </a:p>
-          <a:p>
-            <a:r>
-              <a:rPr lang="de-DE" sz="2000">
-                <a:latin typeface="Courier New" panose="02070309020205020404" pitchFamily="49" charset="0"/>
-                <a:cs typeface="Courier New" panose="02070309020205020404" pitchFamily="49" charset="0"/>
-              </a:rPr>
-              <a:t>    *b = </a:t>
-            </a:r>
-            <a:r>
-              <a:rPr lang="de-DE" sz="2000" err="1">
-                <a:latin typeface="Courier New" panose="02070309020205020404" pitchFamily="49" charset="0"/>
-                <a:cs typeface="Courier New" panose="02070309020205020404" pitchFamily="49" charset="0"/>
-              </a:rPr>
-              <a:t>tmp</a:t>
-            </a:r>
-            <a:r>
-              <a:rPr lang="de-DE" sz="2000">
-                <a:latin typeface="Courier New" panose="02070309020205020404" pitchFamily="49" charset="0"/>
-                <a:cs typeface="Courier New" panose="02070309020205020404" pitchFamily="49" charset="0"/>
-              </a:rPr>
-              <a:t>;</a:t>
-            </a:r>
-          </a:p>
-          <a:p>
-            <a:r>
-              <a:rPr lang="de-DE" sz="2000">
-                <a:latin typeface="Courier New" panose="02070309020205020404" pitchFamily="49" charset="0"/>
-                <a:cs typeface="Courier New" panose="02070309020205020404" pitchFamily="49" charset="0"/>
-              </a:rPr>
-              <a:t>}</a:t>
-            </a:r>
-          </a:p>
-          <a:p>
-            <a:endParaRPr lang="de-DE" sz="2000">
-              <a:latin typeface="Courier New" panose="02070309020205020404" pitchFamily="49" charset="0"/>
-              <a:cs typeface="Courier New" panose="02070309020205020404" pitchFamily="49" charset="0"/>
-            </a:endParaRPr>
-          </a:p>
-          <a:p>
-            <a:r>
-              <a:rPr lang="de-DE" sz="2000" err="1">
-                <a:latin typeface="Courier New" panose="02070309020205020404" pitchFamily="49" charset="0"/>
-                <a:cs typeface="Courier New" panose="02070309020205020404" pitchFamily="49" charset="0"/>
-              </a:rPr>
-              <a:t>void</a:t>
-            </a:r>
-            <a:r>
-              <a:rPr lang="de-DE" sz="2000">
-                <a:latin typeface="Courier New" panose="02070309020205020404" pitchFamily="49" charset="0"/>
-                <a:cs typeface="Courier New" panose="02070309020205020404" pitchFamily="49" charset="0"/>
-              </a:rPr>
-              <a:t> </a:t>
-            </a:r>
-            <a:r>
-              <a:rPr lang="de-DE" sz="2000" err="1" smtClean="0">
-                <a:latin typeface="Courier New" panose="02070309020205020404" pitchFamily="49" charset="0"/>
-                <a:cs typeface="Courier New" panose="02070309020205020404" pitchFamily="49" charset="0"/>
-              </a:rPr>
-              <a:t>process</a:t>
-            </a:r>
-            <a:r>
-              <a:rPr lang="de-DE" sz="2000" smtClean="0">
-                <a:latin typeface="Courier New" panose="02070309020205020404" pitchFamily="49" charset="0"/>
-                <a:cs typeface="Courier New" panose="02070309020205020404" pitchFamily="49" charset="0"/>
-              </a:rPr>
-              <a:t>(</a:t>
-            </a:r>
-            <a:r>
-              <a:rPr lang="de-DE" sz="2000" err="1" smtClean="0">
-                <a:latin typeface="Courier New" panose="02070309020205020404" pitchFamily="49" charset="0"/>
-                <a:cs typeface="Courier New" panose="02070309020205020404" pitchFamily="49" charset="0"/>
-              </a:rPr>
-              <a:t>int</a:t>
-            </a:r>
-            <a:r>
-              <a:rPr lang="de-DE" sz="2000" smtClean="0">
-                <a:latin typeface="Courier New" panose="02070309020205020404" pitchFamily="49" charset="0"/>
-                <a:cs typeface="Courier New" panose="02070309020205020404" pitchFamily="49" charset="0"/>
-              </a:rPr>
-              <a:t> </a:t>
-            </a:r>
-            <a:r>
-              <a:rPr lang="de-DE" sz="2000">
-                <a:latin typeface="Courier New" panose="02070309020205020404" pitchFamily="49" charset="0"/>
-                <a:cs typeface="Courier New" panose="02070309020205020404" pitchFamily="49" charset="0"/>
-              </a:rPr>
-              <a:t>*</a:t>
-            </a:r>
-            <a:r>
-              <a:rPr lang="de-DE" sz="2000" err="1">
-                <a:latin typeface="Courier New" panose="02070309020205020404" pitchFamily="49" charset="0"/>
-                <a:cs typeface="Courier New" panose="02070309020205020404" pitchFamily="49" charset="0"/>
-              </a:rPr>
-              <a:t>begin</a:t>
-            </a:r>
-            <a:r>
-              <a:rPr lang="de-DE" sz="2000">
-                <a:latin typeface="Courier New" panose="02070309020205020404" pitchFamily="49" charset="0"/>
-                <a:cs typeface="Courier New" panose="02070309020205020404" pitchFamily="49" charset="0"/>
-              </a:rPr>
-              <a:t>, </a:t>
-            </a:r>
-            <a:r>
-              <a:rPr lang="de-DE" sz="2000" err="1">
-                <a:latin typeface="Courier New" panose="02070309020205020404" pitchFamily="49" charset="0"/>
-                <a:cs typeface="Courier New" panose="02070309020205020404" pitchFamily="49" charset="0"/>
-              </a:rPr>
-              <a:t>int</a:t>
-            </a:r>
-            <a:r>
-              <a:rPr lang="de-DE" sz="2000">
-                <a:latin typeface="Courier New" panose="02070309020205020404" pitchFamily="49" charset="0"/>
-                <a:cs typeface="Courier New" panose="02070309020205020404" pitchFamily="49" charset="0"/>
-              </a:rPr>
-              <a:t> *end)</a:t>
-            </a:r>
-          </a:p>
-          <a:p>
-            <a:r>
-              <a:rPr lang="de-DE" sz="2000">
-                <a:latin typeface="Courier New" panose="02070309020205020404" pitchFamily="49" charset="0"/>
-                <a:cs typeface="Courier New" panose="02070309020205020404" pitchFamily="49" charset="0"/>
-              </a:rPr>
-              <a:t>{</a:t>
-            </a:r>
-          </a:p>
-          <a:p>
-            <a:r>
-              <a:rPr lang="de-DE" sz="2000">
-                <a:latin typeface="Courier New" panose="02070309020205020404" pitchFamily="49" charset="0"/>
-                <a:cs typeface="Courier New" panose="02070309020205020404" pitchFamily="49" charset="0"/>
-              </a:rPr>
-              <a:t>    </a:t>
-            </a:r>
-            <a:r>
-              <a:rPr lang="de-DE" sz="2000" err="1">
-                <a:latin typeface="Courier New" panose="02070309020205020404" pitchFamily="49" charset="0"/>
-                <a:cs typeface="Courier New" panose="02070309020205020404" pitchFamily="49" charset="0"/>
-              </a:rPr>
-              <a:t>int</a:t>
-            </a:r>
-            <a:r>
-              <a:rPr lang="de-DE" sz="2000">
-                <a:latin typeface="Courier New" panose="02070309020205020404" pitchFamily="49" charset="0"/>
-                <a:cs typeface="Courier New" panose="02070309020205020404" pitchFamily="49" charset="0"/>
-              </a:rPr>
-              <a:t> *</a:t>
-            </a:r>
-            <a:r>
-              <a:rPr lang="de-DE" sz="2000" err="1">
-                <a:latin typeface="Courier New" panose="02070309020205020404" pitchFamily="49" charset="0"/>
-                <a:cs typeface="Courier New" panose="02070309020205020404" pitchFamily="49" charset="0"/>
-              </a:rPr>
-              <a:t>ptr</a:t>
-            </a:r>
-            <a:r>
-              <a:rPr lang="de-DE" sz="2000">
-                <a:latin typeface="Courier New" panose="02070309020205020404" pitchFamily="49" charset="0"/>
-                <a:cs typeface="Courier New" panose="02070309020205020404" pitchFamily="49" charset="0"/>
-              </a:rPr>
-              <a:t>;</a:t>
-            </a:r>
-          </a:p>
-          <a:p>
-            <a:r>
-              <a:rPr lang="de-DE" sz="2000">
-                <a:latin typeface="Courier New" panose="02070309020205020404" pitchFamily="49" charset="0"/>
-                <a:cs typeface="Courier New" panose="02070309020205020404" pitchFamily="49" charset="0"/>
-              </a:rPr>
-              <a:t>    </a:t>
-            </a:r>
-            <a:r>
-              <a:rPr lang="de-DE" sz="2000" err="1">
-                <a:latin typeface="Courier New" panose="02070309020205020404" pitchFamily="49" charset="0"/>
-                <a:cs typeface="Courier New" panose="02070309020205020404" pitchFamily="49" charset="0"/>
-              </a:rPr>
-              <a:t>int</a:t>
-            </a:r>
-            <a:r>
-              <a:rPr lang="de-DE" sz="2000">
-                <a:latin typeface="Courier New" panose="02070309020205020404" pitchFamily="49" charset="0"/>
-                <a:cs typeface="Courier New" panose="02070309020205020404" pitchFamily="49" charset="0"/>
-              </a:rPr>
-              <a:t> *</a:t>
-            </a:r>
-            <a:r>
-              <a:rPr lang="de-DE" sz="2000" err="1">
-                <a:latin typeface="Courier New" panose="02070309020205020404" pitchFamily="49" charset="0"/>
-                <a:cs typeface="Courier New" panose="02070309020205020404" pitchFamily="49" charset="0"/>
-              </a:rPr>
-              <a:t>split</a:t>
-            </a:r>
-            <a:r>
-              <a:rPr lang="de-DE" sz="2000">
-                <a:latin typeface="Courier New" panose="02070309020205020404" pitchFamily="49" charset="0"/>
-                <a:cs typeface="Courier New" panose="02070309020205020404" pitchFamily="49" charset="0"/>
-              </a:rPr>
-              <a:t>;</a:t>
-            </a:r>
-          </a:p>
-          <a:p>
-            <a:r>
-              <a:rPr lang="de-DE" sz="2000">
-                <a:latin typeface="Courier New" panose="02070309020205020404" pitchFamily="49" charset="0"/>
-                <a:cs typeface="Courier New" panose="02070309020205020404" pitchFamily="49" charset="0"/>
-              </a:rPr>
-              <a:t>    </a:t>
-            </a:r>
-            <a:r>
-              <a:rPr lang="de-DE" sz="2000" err="1">
-                <a:latin typeface="Courier New" panose="02070309020205020404" pitchFamily="49" charset="0"/>
-                <a:cs typeface="Courier New" panose="02070309020205020404" pitchFamily="49" charset="0"/>
-              </a:rPr>
-              <a:t>if</a:t>
-            </a:r>
-            <a:r>
-              <a:rPr lang="de-DE" sz="2000">
-                <a:latin typeface="Courier New" panose="02070309020205020404" pitchFamily="49" charset="0"/>
-                <a:cs typeface="Courier New" panose="02070309020205020404" pitchFamily="49" charset="0"/>
-              </a:rPr>
-              <a:t> (end - </a:t>
-            </a:r>
-            <a:r>
-              <a:rPr lang="de-DE" sz="2000" err="1">
-                <a:latin typeface="Courier New" panose="02070309020205020404" pitchFamily="49" charset="0"/>
-                <a:cs typeface="Courier New" panose="02070309020205020404" pitchFamily="49" charset="0"/>
-              </a:rPr>
-              <a:t>begin</a:t>
-            </a:r>
-            <a:r>
-              <a:rPr lang="de-DE" sz="2000">
-                <a:latin typeface="Courier New" panose="02070309020205020404" pitchFamily="49" charset="0"/>
-                <a:cs typeface="Courier New" panose="02070309020205020404" pitchFamily="49" charset="0"/>
-              </a:rPr>
-              <a:t> &lt;= 1)</a:t>
-            </a:r>
-          </a:p>
-          <a:p>
-            <a:r>
-              <a:rPr lang="de-DE" sz="2000">
-                <a:latin typeface="Courier New" panose="02070309020205020404" pitchFamily="49" charset="0"/>
-                <a:cs typeface="Courier New" panose="02070309020205020404" pitchFamily="49" charset="0"/>
-              </a:rPr>
-              <a:t>        </a:t>
-            </a:r>
-            <a:r>
-              <a:rPr lang="de-DE" sz="2000" err="1">
-                <a:latin typeface="Courier New" panose="02070309020205020404" pitchFamily="49" charset="0"/>
-                <a:cs typeface="Courier New" panose="02070309020205020404" pitchFamily="49" charset="0"/>
-              </a:rPr>
-              <a:t>return</a:t>
-            </a:r>
-            <a:r>
-              <a:rPr lang="de-DE" sz="2000">
-                <a:latin typeface="Courier New" panose="02070309020205020404" pitchFamily="49" charset="0"/>
-                <a:cs typeface="Courier New" panose="02070309020205020404" pitchFamily="49" charset="0"/>
-              </a:rPr>
-              <a:t>;</a:t>
-            </a:r>
-          </a:p>
-          <a:p>
-            <a:r>
-              <a:rPr lang="de-DE" sz="2000">
-                <a:latin typeface="Courier New" panose="02070309020205020404" pitchFamily="49" charset="0"/>
-                <a:cs typeface="Courier New" panose="02070309020205020404" pitchFamily="49" charset="0"/>
-              </a:rPr>
-              <a:t>    </a:t>
-            </a:r>
-            <a:r>
-              <a:rPr lang="de-DE" sz="2000" err="1">
-                <a:latin typeface="Courier New" panose="02070309020205020404" pitchFamily="49" charset="0"/>
-                <a:cs typeface="Courier New" panose="02070309020205020404" pitchFamily="49" charset="0"/>
-              </a:rPr>
-              <a:t>ptr</a:t>
-            </a:r>
-            <a:r>
-              <a:rPr lang="de-DE" sz="2000">
-                <a:latin typeface="Courier New" panose="02070309020205020404" pitchFamily="49" charset="0"/>
-                <a:cs typeface="Courier New" panose="02070309020205020404" pitchFamily="49" charset="0"/>
-              </a:rPr>
-              <a:t> = </a:t>
-            </a:r>
-            <a:r>
-              <a:rPr lang="de-DE" sz="2000" err="1">
-                <a:latin typeface="Courier New" panose="02070309020205020404" pitchFamily="49" charset="0"/>
-                <a:cs typeface="Courier New" panose="02070309020205020404" pitchFamily="49" charset="0"/>
-              </a:rPr>
-              <a:t>begin</a:t>
-            </a:r>
-            <a:r>
-              <a:rPr lang="de-DE" sz="2000">
-                <a:latin typeface="Courier New" panose="02070309020205020404" pitchFamily="49" charset="0"/>
-                <a:cs typeface="Courier New" panose="02070309020205020404" pitchFamily="49" charset="0"/>
-              </a:rPr>
-              <a:t>;</a:t>
-            </a:r>
-          </a:p>
-          <a:p>
-            <a:r>
-              <a:rPr lang="de-DE" sz="2000">
-                <a:latin typeface="Courier New" panose="02070309020205020404" pitchFamily="49" charset="0"/>
-                <a:cs typeface="Courier New" panose="02070309020205020404" pitchFamily="49" charset="0"/>
-              </a:rPr>
-              <a:t>    </a:t>
-            </a:r>
-            <a:r>
-              <a:rPr lang="de-DE" sz="2000" err="1">
-                <a:latin typeface="Courier New" panose="02070309020205020404" pitchFamily="49" charset="0"/>
-                <a:cs typeface="Courier New" panose="02070309020205020404" pitchFamily="49" charset="0"/>
-              </a:rPr>
-              <a:t>split</a:t>
-            </a:r>
-            <a:r>
-              <a:rPr lang="de-DE" sz="2000">
-                <a:latin typeface="Courier New" panose="02070309020205020404" pitchFamily="49" charset="0"/>
-                <a:cs typeface="Courier New" panose="02070309020205020404" pitchFamily="49" charset="0"/>
-              </a:rPr>
-              <a:t> = </a:t>
-            </a:r>
-            <a:r>
-              <a:rPr lang="de-DE" sz="2000" err="1">
-                <a:latin typeface="Courier New" panose="02070309020205020404" pitchFamily="49" charset="0"/>
-                <a:cs typeface="Courier New" panose="02070309020205020404" pitchFamily="49" charset="0"/>
-              </a:rPr>
-              <a:t>begin</a:t>
-            </a:r>
-            <a:r>
-              <a:rPr lang="de-DE" sz="2000">
-                <a:latin typeface="Courier New" panose="02070309020205020404" pitchFamily="49" charset="0"/>
-                <a:cs typeface="Courier New" panose="02070309020205020404" pitchFamily="49" charset="0"/>
-              </a:rPr>
-              <a:t> + 1;</a:t>
-            </a:r>
-          </a:p>
-          <a:p>
-            <a:r>
-              <a:rPr lang="de-DE" sz="2000">
-                <a:latin typeface="Courier New" panose="02070309020205020404" pitchFamily="49" charset="0"/>
-                <a:cs typeface="Courier New" panose="02070309020205020404" pitchFamily="49" charset="0"/>
-              </a:rPr>
-              <a:t>    </a:t>
-            </a:r>
-            <a:r>
-              <a:rPr lang="de-DE" sz="2000" err="1">
-                <a:latin typeface="Courier New" panose="02070309020205020404" pitchFamily="49" charset="0"/>
-                <a:cs typeface="Courier New" panose="02070309020205020404" pitchFamily="49" charset="0"/>
-              </a:rPr>
-              <a:t>while</a:t>
-            </a:r>
-            <a:r>
-              <a:rPr lang="de-DE" sz="2000">
-                <a:latin typeface="Courier New" panose="02070309020205020404" pitchFamily="49" charset="0"/>
-                <a:cs typeface="Courier New" panose="02070309020205020404" pitchFamily="49" charset="0"/>
-              </a:rPr>
-              <a:t> (++</a:t>
-            </a:r>
-            <a:r>
-              <a:rPr lang="de-DE" sz="2000" err="1">
-                <a:latin typeface="Courier New" panose="02070309020205020404" pitchFamily="49" charset="0"/>
-                <a:cs typeface="Courier New" panose="02070309020205020404" pitchFamily="49" charset="0"/>
-              </a:rPr>
-              <a:t>ptr</a:t>
-            </a:r>
-            <a:r>
-              <a:rPr lang="de-DE" sz="2000">
-                <a:latin typeface="Courier New" panose="02070309020205020404" pitchFamily="49" charset="0"/>
-                <a:cs typeface="Courier New" panose="02070309020205020404" pitchFamily="49" charset="0"/>
-              </a:rPr>
-              <a:t> &lt;= end) {</a:t>
-            </a:r>
-          </a:p>
-          <a:p>
-            <a:r>
-              <a:rPr lang="de-DE" sz="2000">
-                <a:latin typeface="Courier New" panose="02070309020205020404" pitchFamily="49" charset="0"/>
-                <a:cs typeface="Courier New" panose="02070309020205020404" pitchFamily="49" charset="0"/>
-              </a:rPr>
-              <a:t>        </a:t>
-            </a:r>
-            <a:r>
-              <a:rPr lang="de-DE" sz="2000" err="1">
-                <a:latin typeface="Courier New" panose="02070309020205020404" pitchFamily="49" charset="0"/>
-                <a:cs typeface="Courier New" panose="02070309020205020404" pitchFamily="49" charset="0"/>
-              </a:rPr>
-              <a:t>if</a:t>
-            </a:r>
-            <a:r>
-              <a:rPr lang="de-DE" sz="2000">
-                <a:latin typeface="Courier New" panose="02070309020205020404" pitchFamily="49" charset="0"/>
-                <a:cs typeface="Courier New" panose="02070309020205020404" pitchFamily="49" charset="0"/>
-              </a:rPr>
-              <a:t> (*</a:t>
-            </a:r>
-            <a:r>
-              <a:rPr lang="de-DE" sz="2000" err="1">
-                <a:latin typeface="Courier New" panose="02070309020205020404" pitchFamily="49" charset="0"/>
-                <a:cs typeface="Courier New" panose="02070309020205020404" pitchFamily="49" charset="0"/>
-              </a:rPr>
-              <a:t>ptr</a:t>
-            </a:r>
-            <a:r>
-              <a:rPr lang="de-DE" sz="2000">
-                <a:latin typeface="Courier New" panose="02070309020205020404" pitchFamily="49" charset="0"/>
-                <a:cs typeface="Courier New" panose="02070309020205020404" pitchFamily="49" charset="0"/>
-              </a:rPr>
-              <a:t> &lt; *</a:t>
-            </a:r>
-            <a:r>
-              <a:rPr lang="de-DE" sz="2000" err="1">
-                <a:latin typeface="Courier New" panose="02070309020205020404" pitchFamily="49" charset="0"/>
-                <a:cs typeface="Courier New" panose="02070309020205020404" pitchFamily="49" charset="0"/>
-              </a:rPr>
-              <a:t>begin</a:t>
-            </a:r>
-            <a:r>
-              <a:rPr lang="de-DE" sz="2000">
-                <a:latin typeface="Courier New" panose="02070309020205020404" pitchFamily="49" charset="0"/>
-                <a:cs typeface="Courier New" panose="02070309020205020404" pitchFamily="49" charset="0"/>
-              </a:rPr>
-              <a:t>) {</a:t>
-            </a:r>
-          </a:p>
-          <a:p>
-            <a:r>
-              <a:rPr lang="de-DE" sz="2000">
-                <a:latin typeface="Courier New" panose="02070309020205020404" pitchFamily="49" charset="0"/>
-                <a:cs typeface="Courier New" panose="02070309020205020404" pitchFamily="49" charset="0"/>
-              </a:rPr>
-              <a:t>            </a:t>
-            </a:r>
-            <a:r>
-              <a:rPr lang="de-DE" sz="2000" err="1">
-                <a:latin typeface="Courier New" panose="02070309020205020404" pitchFamily="49" charset="0"/>
-                <a:cs typeface="Courier New" panose="02070309020205020404" pitchFamily="49" charset="0"/>
-              </a:rPr>
-              <a:t>swap</a:t>
-            </a:r>
-            <a:r>
-              <a:rPr lang="de-DE" sz="2000">
-                <a:latin typeface="Courier New" panose="02070309020205020404" pitchFamily="49" charset="0"/>
-                <a:cs typeface="Courier New" panose="02070309020205020404" pitchFamily="49" charset="0"/>
-              </a:rPr>
-              <a:t>(</a:t>
-            </a:r>
-            <a:r>
-              <a:rPr lang="de-DE" sz="2000" err="1">
-                <a:latin typeface="Courier New" panose="02070309020205020404" pitchFamily="49" charset="0"/>
-                <a:cs typeface="Courier New" panose="02070309020205020404" pitchFamily="49" charset="0"/>
-              </a:rPr>
-              <a:t>ptr</a:t>
-            </a:r>
-            <a:r>
-              <a:rPr lang="de-DE" sz="2000">
-                <a:latin typeface="Courier New" panose="02070309020205020404" pitchFamily="49" charset="0"/>
-                <a:cs typeface="Courier New" panose="02070309020205020404" pitchFamily="49" charset="0"/>
-              </a:rPr>
-              <a:t>, </a:t>
-            </a:r>
-            <a:r>
-              <a:rPr lang="de-DE" sz="2000" err="1">
-                <a:latin typeface="Courier New" panose="02070309020205020404" pitchFamily="49" charset="0"/>
-                <a:cs typeface="Courier New" panose="02070309020205020404" pitchFamily="49" charset="0"/>
-              </a:rPr>
-              <a:t>split</a:t>
-            </a:r>
-            <a:r>
-              <a:rPr lang="de-DE" sz="2000">
-                <a:latin typeface="Courier New" panose="02070309020205020404" pitchFamily="49" charset="0"/>
-                <a:cs typeface="Courier New" panose="02070309020205020404" pitchFamily="49" charset="0"/>
-              </a:rPr>
-              <a:t>);</a:t>
-            </a:r>
-          </a:p>
-          <a:p>
-            <a:r>
-              <a:rPr lang="de-DE" sz="2000">
-                <a:latin typeface="Courier New" panose="02070309020205020404" pitchFamily="49" charset="0"/>
-                <a:cs typeface="Courier New" panose="02070309020205020404" pitchFamily="49" charset="0"/>
-              </a:rPr>
-              <a:t>            ++</a:t>
-            </a:r>
-            <a:r>
-              <a:rPr lang="de-DE" sz="2000" err="1">
-                <a:latin typeface="Courier New" panose="02070309020205020404" pitchFamily="49" charset="0"/>
-                <a:cs typeface="Courier New" panose="02070309020205020404" pitchFamily="49" charset="0"/>
-              </a:rPr>
-              <a:t>split</a:t>
-            </a:r>
-            <a:r>
-              <a:rPr lang="de-DE" sz="2000">
-                <a:latin typeface="Courier New" panose="02070309020205020404" pitchFamily="49" charset="0"/>
-                <a:cs typeface="Courier New" panose="02070309020205020404" pitchFamily="49" charset="0"/>
-              </a:rPr>
-              <a:t>;</a:t>
-            </a:r>
-          </a:p>
-          <a:p>
-            <a:r>
-              <a:rPr lang="de-DE" sz="2000">
-                <a:latin typeface="Courier New" panose="02070309020205020404" pitchFamily="49" charset="0"/>
-                <a:cs typeface="Courier New" panose="02070309020205020404" pitchFamily="49" charset="0"/>
-              </a:rPr>
-              <a:t>        }</a:t>
-            </a:r>
-          </a:p>
-          <a:p>
-            <a:r>
-              <a:rPr lang="de-DE" sz="2000">
-                <a:latin typeface="Courier New" panose="02070309020205020404" pitchFamily="49" charset="0"/>
-                <a:cs typeface="Courier New" panose="02070309020205020404" pitchFamily="49" charset="0"/>
-              </a:rPr>
-              <a:t>    }</a:t>
-            </a:r>
-          </a:p>
-          <a:p>
-            <a:r>
-              <a:rPr lang="de-DE" sz="2000">
-                <a:latin typeface="Courier New" panose="02070309020205020404" pitchFamily="49" charset="0"/>
-                <a:cs typeface="Courier New" panose="02070309020205020404" pitchFamily="49" charset="0"/>
-              </a:rPr>
-              <a:t>    </a:t>
-            </a:r>
-            <a:r>
-              <a:rPr lang="de-DE" sz="2000" err="1">
-                <a:latin typeface="Courier New" panose="02070309020205020404" pitchFamily="49" charset="0"/>
-                <a:cs typeface="Courier New" panose="02070309020205020404" pitchFamily="49" charset="0"/>
-              </a:rPr>
-              <a:t>swap</a:t>
-            </a:r>
-            <a:r>
-              <a:rPr lang="de-DE" sz="2000">
-                <a:latin typeface="Courier New" panose="02070309020205020404" pitchFamily="49" charset="0"/>
-                <a:cs typeface="Courier New" panose="02070309020205020404" pitchFamily="49" charset="0"/>
-              </a:rPr>
-              <a:t>(</a:t>
-            </a:r>
-            <a:r>
-              <a:rPr lang="de-DE" sz="2000" err="1">
-                <a:latin typeface="Courier New" panose="02070309020205020404" pitchFamily="49" charset="0"/>
-                <a:cs typeface="Courier New" panose="02070309020205020404" pitchFamily="49" charset="0"/>
-              </a:rPr>
-              <a:t>begin</a:t>
-            </a:r>
-            <a:r>
-              <a:rPr lang="de-DE" sz="2000">
-                <a:latin typeface="Courier New" panose="02070309020205020404" pitchFamily="49" charset="0"/>
-                <a:cs typeface="Courier New" panose="02070309020205020404" pitchFamily="49" charset="0"/>
-              </a:rPr>
-              <a:t>, </a:t>
-            </a:r>
-            <a:r>
-              <a:rPr lang="de-DE" sz="2000" err="1">
-                <a:latin typeface="Courier New" panose="02070309020205020404" pitchFamily="49" charset="0"/>
-                <a:cs typeface="Courier New" panose="02070309020205020404" pitchFamily="49" charset="0"/>
-              </a:rPr>
-              <a:t>split</a:t>
-            </a:r>
-            <a:r>
-              <a:rPr lang="de-DE" sz="2000">
-                <a:latin typeface="Courier New" panose="02070309020205020404" pitchFamily="49" charset="0"/>
-                <a:cs typeface="Courier New" panose="02070309020205020404" pitchFamily="49" charset="0"/>
-              </a:rPr>
-              <a:t> - 1);</a:t>
-            </a:r>
-          </a:p>
-          <a:p>
-            <a:r>
-              <a:rPr lang="de-DE" sz="2000">
-                <a:latin typeface="Courier New" panose="02070309020205020404" pitchFamily="49" charset="0"/>
-                <a:cs typeface="Courier New" panose="02070309020205020404" pitchFamily="49" charset="0"/>
-              </a:rPr>
-              <a:t>    </a:t>
-            </a:r>
-            <a:r>
-              <a:rPr lang="de-DE" sz="2000" err="1" smtClean="0">
-                <a:latin typeface="Courier New" panose="02070309020205020404" pitchFamily="49" charset="0"/>
-                <a:cs typeface="Courier New" panose="02070309020205020404" pitchFamily="49" charset="0"/>
-              </a:rPr>
-              <a:t>process</a:t>
-            </a:r>
-            <a:r>
-              <a:rPr lang="de-DE" sz="2000" smtClean="0">
-                <a:latin typeface="Courier New" panose="02070309020205020404" pitchFamily="49" charset="0"/>
-                <a:cs typeface="Courier New" panose="02070309020205020404" pitchFamily="49" charset="0"/>
-              </a:rPr>
-              <a:t>(</a:t>
-            </a:r>
-            <a:r>
-              <a:rPr lang="de-DE" sz="2000" err="1" smtClean="0">
-                <a:latin typeface="Courier New" panose="02070309020205020404" pitchFamily="49" charset="0"/>
-                <a:cs typeface="Courier New" panose="02070309020205020404" pitchFamily="49" charset="0"/>
-              </a:rPr>
-              <a:t>begin</a:t>
-            </a:r>
-            <a:r>
-              <a:rPr lang="de-DE" sz="2000">
-                <a:latin typeface="Courier New" panose="02070309020205020404" pitchFamily="49" charset="0"/>
-                <a:cs typeface="Courier New" panose="02070309020205020404" pitchFamily="49" charset="0"/>
-              </a:rPr>
-              <a:t>, </a:t>
-            </a:r>
-            <a:r>
-              <a:rPr lang="de-DE" sz="2000" err="1">
-                <a:latin typeface="Courier New" panose="02070309020205020404" pitchFamily="49" charset="0"/>
-                <a:cs typeface="Courier New" panose="02070309020205020404" pitchFamily="49" charset="0"/>
-              </a:rPr>
-              <a:t>split</a:t>
-            </a:r>
-            <a:r>
-              <a:rPr lang="de-DE" sz="2000">
-                <a:latin typeface="Courier New" panose="02070309020205020404" pitchFamily="49" charset="0"/>
-                <a:cs typeface="Courier New" panose="02070309020205020404" pitchFamily="49" charset="0"/>
-              </a:rPr>
-              <a:t> - 1);</a:t>
-            </a:r>
-          </a:p>
-          <a:p>
-            <a:r>
-              <a:rPr lang="de-DE" sz="2000">
-                <a:latin typeface="Courier New" panose="02070309020205020404" pitchFamily="49" charset="0"/>
-                <a:cs typeface="Courier New" panose="02070309020205020404" pitchFamily="49" charset="0"/>
-              </a:rPr>
-              <a:t>    </a:t>
-            </a:r>
-            <a:r>
-              <a:rPr lang="de-DE" sz="2000" err="1" smtClean="0">
-                <a:latin typeface="Courier New" panose="02070309020205020404" pitchFamily="49" charset="0"/>
-                <a:cs typeface="Courier New" panose="02070309020205020404" pitchFamily="49" charset="0"/>
-              </a:rPr>
-              <a:t>process</a:t>
-            </a:r>
-            <a:r>
-              <a:rPr lang="de-DE" sz="2000" smtClean="0">
-                <a:latin typeface="Courier New" panose="02070309020205020404" pitchFamily="49" charset="0"/>
-                <a:cs typeface="Courier New" panose="02070309020205020404" pitchFamily="49" charset="0"/>
-              </a:rPr>
-              <a:t>(</a:t>
-            </a:r>
-            <a:r>
-              <a:rPr lang="de-DE" sz="2000" err="1" smtClean="0">
-                <a:latin typeface="Courier New" panose="02070309020205020404" pitchFamily="49" charset="0"/>
-                <a:cs typeface="Courier New" panose="02070309020205020404" pitchFamily="49" charset="0"/>
-              </a:rPr>
-              <a:t>split</a:t>
-            </a:r>
-            <a:r>
-              <a:rPr lang="de-DE" sz="2000">
-                <a:latin typeface="Courier New" panose="02070309020205020404" pitchFamily="49" charset="0"/>
-                <a:cs typeface="Courier New" panose="02070309020205020404" pitchFamily="49" charset="0"/>
-              </a:rPr>
-              <a:t>, end);</a:t>
-            </a:r>
-          </a:p>
-          <a:p>
-            <a:r>
-              <a:rPr lang="de-DE" sz="2000">
-                <a:latin typeface="Courier New" panose="02070309020205020404" pitchFamily="49" charset="0"/>
-                <a:cs typeface="Courier New" panose="02070309020205020404" pitchFamily="49" charset="0"/>
-              </a:rPr>
-              <a:t>}</a:t>
-            </a:r>
-            <a:endParaRPr lang="de-DE" sz="2000" smtClean="0">
-              <a:latin typeface="Courier New" panose="02070309020205020404" pitchFamily="49" charset="0"/>
-              <a:cs typeface="Courier New" panose="02070309020205020404" pitchFamily="49" charset="0"/>
-            </a:endParaRPr>
+              <a:t>The “Semantic Gap”</a:t>
+            </a:r>
+            <a:endParaRPr lang="en-US" smtClean="0"/>
           </a:p>
         </p:txBody>
       </p:sp>
@@ -5787,11 +5237,10 @@
             </a:r>
             <a:r>
               <a:rPr lang="en-US" smtClean="0">
-                <a:latin typeface="Droid Sans Mono Chess ASCII" panose="020B0609030804020204" pitchFamily="50" charset="0"/>
-                <a:ea typeface="Droid Sans Mono Chess ASCII" panose="020B0609030804020204" pitchFamily="50" charset="0"/>
-                <a:cs typeface="Droid Sans Mono Chess ASCII" panose="020B0609030804020204" pitchFamily="50" charset="0"/>
-              </a:rPr>
-              <a:t>process2</a:t>
+                <a:latin typeface="Courier New" panose="02070309020205020404" pitchFamily="49" charset="0"/>
+                <a:cs typeface="Courier New" panose="02070309020205020404" pitchFamily="49" charset="0"/>
+              </a:rPr>
+              <a:t>process</a:t>
             </a:r>
             <a:r>
               <a:rPr lang="en-US" smtClean="0"/>
@@ -5808,8 +5257,8 @@
         </p:nvSpPr>
         <p:spPr>
           <a:xfrm>
-            <a:off x="477520" y="2046596"/>
-            <a:ext cx="11435438" cy="1938992"/>
+            <a:off x="477520" y="1229360"/>
+            <a:ext cx="5416868" cy="7786747"/>
           </a:xfrm>
           <a:prstGeom prst="rect">
             <a:avLst/>
@@ -5817,187 +5266,787 @@
           <a:noFill/>
         </p:spPr>
         <p:txBody>
-          <a:bodyPr wrap="square" rtlCol="0">
+          <a:bodyPr wrap="none" rtlCol="0">
             <a:spAutoFit/>
           </a:bodyPr>
           <a:lstStyle/>
           <a:p>
             <a:r>
-              <a:rPr lang="en-US" sz="2000">
-                <a:latin typeface="Droid Sans Mono Chess ASCII" panose="020B0609030804020204" pitchFamily="50" charset="0"/>
-                <a:ea typeface="Droid Sans Mono Chess ASCII" panose="020B0609030804020204" pitchFamily="50" charset="0"/>
-                <a:cs typeface="Droid Sans Mono Chess ASCII" panose="020B0609030804020204" pitchFamily="50" charset="0"/>
-              </a:rPr>
-              <a:t>process2 []           = </a:t>
-            </a:r>
-            <a:r>
-              <a:rPr lang="en-US" sz="2000" smtClean="0">
-                <a:latin typeface="Droid Sans Mono Chess ASCII" panose="020B0609030804020204" pitchFamily="50" charset="0"/>
-                <a:ea typeface="Droid Sans Mono Chess ASCII" panose="020B0609030804020204" pitchFamily="50" charset="0"/>
-                <a:cs typeface="Droid Sans Mono Chess ASCII" panose="020B0609030804020204" pitchFamily="50" charset="0"/>
-              </a:rPr>
-              <a:t>[]</a:t>
-            </a:r>
-          </a:p>
-          <a:p>
-            <a:endParaRPr lang="en-US" sz="2000">
-              <a:latin typeface="Droid Sans Mono Chess ASCII" panose="020B0609030804020204" pitchFamily="50" charset="0"/>
-              <a:ea typeface="Droid Sans Mono Chess ASCII" panose="020B0609030804020204" pitchFamily="50" charset="0"/>
-              <a:cs typeface="Droid Sans Mono Chess ASCII" panose="020B0609030804020204" pitchFamily="50" charset="0"/>
+              <a:rPr lang="de-DE" sz="2000" err="1">
+                <a:latin typeface="Courier New" panose="02070309020205020404" pitchFamily="49" charset="0"/>
+                <a:cs typeface="Courier New" panose="02070309020205020404" pitchFamily="49" charset="0"/>
+              </a:rPr>
+              <a:t>void</a:t>
+            </a:r>
+            <a:r>
+              <a:rPr lang="de-DE" sz="2000">
+                <a:latin typeface="Courier New" panose="02070309020205020404" pitchFamily="49" charset="0"/>
+                <a:cs typeface="Courier New" panose="02070309020205020404" pitchFamily="49" charset="0"/>
+              </a:rPr>
+              <a:t> </a:t>
+            </a:r>
+            <a:r>
+              <a:rPr lang="de-DE" sz="2000" err="1">
+                <a:latin typeface="Courier New" panose="02070309020205020404" pitchFamily="49" charset="0"/>
+                <a:cs typeface="Courier New" panose="02070309020205020404" pitchFamily="49" charset="0"/>
+              </a:rPr>
+              <a:t>swap</a:t>
+            </a:r>
+            <a:r>
+              <a:rPr lang="de-DE" sz="2000">
+                <a:latin typeface="Courier New" panose="02070309020205020404" pitchFamily="49" charset="0"/>
+                <a:cs typeface="Courier New" panose="02070309020205020404" pitchFamily="49" charset="0"/>
+              </a:rPr>
+              <a:t>(</a:t>
+            </a:r>
+            <a:r>
+              <a:rPr lang="de-DE" sz="2000" err="1">
+                <a:latin typeface="Courier New" panose="02070309020205020404" pitchFamily="49" charset="0"/>
+                <a:cs typeface="Courier New" panose="02070309020205020404" pitchFamily="49" charset="0"/>
+              </a:rPr>
+              <a:t>int</a:t>
+            </a:r>
+            <a:r>
+              <a:rPr lang="de-DE" sz="2000">
+                <a:latin typeface="Courier New" panose="02070309020205020404" pitchFamily="49" charset="0"/>
+                <a:cs typeface="Courier New" panose="02070309020205020404" pitchFamily="49" charset="0"/>
+              </a:rPr>
+              <a:t> *a, </a:t>
+            </a:r>
+            <a:r>
+              <a:rPr lang="de-DE" sz="2000" err="1">
+                <a:latin typeface="Courier New" panose="02070309020205020404" pitchFamily="49" charset="0"/>
+                <a:cs typeface="Courier New" panose="02070309020205020404" pitchFamily="49" charset="0"/>
+              </a:rPr>
+              <a:t>int</a:t>
+            </a:r>
+            <a:r>
+              <a:rPr lang="de-DE" sz="2000">
+                <a:latin typeface="Courier New" panose="02070309020205020404" pitchFamily="49" charset="0"/>
+                <a:cs typeface="Courier New" panose="02070309020205020404" pitchFamily="49" charset="0"/>
+              </a:rPr>
+              <a:t> *b)</a:t>
+            </a:r>
+          </a:p>
+          <a:p>
+            <a:r>
+              <a:rPr lang="de-DE" sz="2000">
+                <a:latin typeface="Courier New" panose="02070309020205020404" pitchFamily="49" charset="0"/>
+                <a:cs typeface="Courier New" panose="02070309020205020404" pitchFamily="49" charset="0"/>
+              </a:rPr>
+              <a:t>{</a:t>
+            </a:r>
+          </a:p>
+          <a:p>
+            <a:r>
+              <a:rPr lang="de-DE" sz="2000">
+                <a:latin typeface="Courier New" panose="02070309020205020404" pitchFamily="49" charset="0"/>
+                <a:cs typeface="Courier New" panose="02070309020205020404" pitchFamily="49" charset="0"/>
+              </a:rPr>
+              <a:t>    </a:t>
+            </a:r>
+            <a:r>
+              <a:rPr lang="de-DE" sz="2000" err="1">
+                <a:latin typeface="Courier New" panose="02070309020205020404" pitchFamily="49" charset="0"/>
+                <a:cs typeface="Courier New" panose="02070309020205020404" pitchFamily="49" charset="0"/>
+              </a:rPr>
+              <a:t>int</a:t>
+            </a:r>
+            <a:r>
+              <a:rPr lang="de-DE" sz="2000">
+                <a:latin typeface="Courier New" panose="02070309020205020404" pitchFamily="49" charset="0"/>
+                <a:cs typeface="Courier New" panose="02070309020205020404" pitchFamily="49" charset="0"/>
+              </a:rPr>
+              <a:t> </a:t>
+            </a:r>
+            <a:r>
+              <a:rPr lang="de-DE" sz="2000" err="1">
+                <a:latin typeface="Courier New" panose="02070309020205020404" pitchFamily="49" charset="0"/>
+                <a:cs typeface="Courier New" panose="02070309020205020404" pitchFamily="49" charset="0"/>
+              </a:rPr>
+              <a:t>tmp</a:t>
+            </a:r>
+            <a:r>
+              <a:rPr lang="de-DE" sz="2000">
+                <a:latin typeface="Courier New" panose="02070309020205020404" pitchFamily="49" charset="0"/>
+                <a:cs typeface="Courier New" panose="02070309020205020404" pitchFamily="49" charset="0"/>
+              </a:rPr>
+              <a:t> = *a;</a:t>
+            </a:r>
+          </a:p>
+          <a:p>
+            <a:r>
+              <a:rPr lang="de-DE" sz="2000">
+                <a:latin typeface="Courier New" panose="02070309020205020404" pitchFamily="49" charset="0"/>
+                <a:cs typeface="Courier New" panose="02070309020205020404" pitchFamily="49" charset="0"/>
+              </a:rPr>
+              <a:t>    *a = *b;</a:t>
+            </a:r>
+          </a:p>
+          <a:p>
+            <a:r>
+              <a:rPr lang="de-DE" sz="2000">
+                <a:latin typeface="Courier New" panose="02070309020205020404" pitchFamily="49" charset="0"/>
+                <a:cs typeface="Courier New" panose="02070309020205020404" pitchFamily="49" charset="0"/>
+              </a:rPr>
+              <a:t>    *b = </a:t>
+            </a:r>
+            <a:r>
+              <a:rPr lang="de-DE" sz="2000" err="1">
+                <a:latin typeface="Courier New" panose="02070309020205020404" pitchFamily="49" charset="0"/>
+                <a:cs typeface="Courier New" panose="02070309020205020404" pitchFamily="49" charset="0"/>
+              </a:rPr>
+              <a:t>tmp</a:t>
+            </a:r>
+            <a:r>
+              <a:rPr lang="de-DE" sz="2000">
+                <a:latin typeface="Courier New" panose="02070309020205020404" pitchFamily="49" charset="0"/>
+                <a:cs typeface="Courier New" panose="02070309020205020404" pitchFamily="49" charset="0"/>
+              </a:rPr>
+              <a:t>;</a:t>
+            </a:r>
+          </a:p>
+          <a:p>
+            <a:r>
+              <a:rPr lang="de-DE" sz="2000">
+                <a:latin typeface="Courier New" panose="02070309020205020404" pitchFamily="49" charset="0"/>
+                <a:cs typeface="Courier New" panose="02070309020205020404" pitchFamily="49" charset="0"/>
+              </a:rPr>
+              <a:t>}</a:t>
+            </a:r>
+          </a:p>
+          <a:p>
+            <a:endParaRPr lang="de-DE" sz="2000">
+              <a:latin typeface="Courier New" panose="02070309020205020404" pitchFamily="49" charset="0"/>
+              <a:cs typeface="Courier New" panose="02070309020205020404" pitchFamily="49" charset="0"/>
             </a:endParaRPr>
           </a:p>
           <a:p>
             <a:r>
-              <a:rPr lang="en-US" sz="2000">
-                <a:latin typeface="Droid Sans Mono Chess ASCII" panose="020B0609030804020204" pitchFamily="50" charset="0"/>
-                <a:ea typeface="Droid Sans Mono Chess ASCII" panose="020B0609030804020204" pitchFamily="50" charset="0"/>
-                <a:cs typeface="Droid Sans Mono Chess ASCII" panose="020B0609030804020204" pitchFamily="50" charset="0"/>
-              </a:rPr>
-              <a:t>process2 (first:rest) = </a:t>
-            </a:r>
-            <a:r>
-              <a:rPr lang="en-US" sz="2000" smtClean="0">
-                <a:latin typeface="Droid Sans Mono Chess ASCII" panose="020B0609030804020204" pitchFamily="50" charset="0"/>
-                <a:ea typeface="Droid Sans Mono Chess ASCII" panose="020B0609030804020204" pitchFamily="50" charset="0"/>
-                <a:cs typeface="Droid Sans Mono Chess ASCII" panose="020B0609030804020204" pitchFamily="50" charset="0"/>
-              </a:rPr>
-              <a:t>let smaller </a:t>
-            </a:r>
-            <a:r>
-              <a:rPr lang="en-US" sz="2000">
-                <a:latin typeface="Droid Sans Mono Chess ASCII" panose="020B0609030804020204" pitchFamily="50" charset="0"/>
-                <a:ea typeface="Droid Sans Mono Chess ASCII" panose="020B0609030804020204" pitchFamily="50" charset="0"/>
-                <a:cs typeface="Droid Sans Mono Chess ASCII" panose="020B0609030804020204" pitchFamily="50" charset="0"/>
-              </a:rPr>
-              <a:t>= filter (&lt;= first) rest</a:t>
-            </a:r>
-          </a:p>
-          <a:p>
-            <a:r>
-              <a:rPr lang="en-US" sz="2000">
-                <a:latin typeface="Droid Sans Mono Chess ASCII" panose="020B0609030804020204" pitchFamily="50" charset="0"/>
-                <a:ea typeface="Droid Sans Mono Chess ASCII" panose="020B0609030804020204" pitchFamily="50" charset="0"/>
-                <a:cs typeface="Droid Sans Mono Chess ASCII" panose="020B0609030804020204" pitchFamily="50" charset="0"/>
-              </a:rPr>
-              <a:t>	</a:t>
-            </a:r>
-            <a:r>
-              <a:rPr lang="en-US" sz="2000" smtClean="0">
-                <a:latin typeface="Droid Sans Mono Chess ASCII" panose="020B0609030804020204" pitchFamily="50" charset="0"/>
-                <a:ea typeface="Droid Sans Mono Chess ASCII" panose="020B0609030804020204" pitchFamily="50" charset="0"/>
-                <a:cs typeface="Droid Sans Mono Chess ASCII" panose="020B0609030804020204" pitchFamily="50" charset="0"/>
-              </a:rPr>
-              <a:t>                      bigger  </a:t>
-            </a:r>
-            <a:r>
-              <a:rPr lang="en-US" sz="2000">
-                <a:latin typeface="Droid Sans Mono Chess ASCII" panose="020B0609030804020204" pitchFamily="50" charset="0"/>
-                <a:ea typeface="Droid Sans Mono Chess ASCII" panose="020B0609030804020204" pitchFamily="50" charset="0"/>
-                <a:cs typeface="Droid Sans Mono Chess ASCII" panose="020B0609030804020204" pitchFamily="50" charset="0"/>
-              </a:rPr>
-              <a:t>= filter (&gt;  first</a:t>
-            </a:r>
-            <a:r>
-              <a:rPr lang="en-US" sz="2000">
-                <a:latin typeface="Droid Sans Mono Chess ASCII" panose="020B0609030804020204" pitchFamily="50" charset="0"/>
-                <a:ea typeface="Droid Sans Mono Chess ASCII" panose="020B0609030804020204" pitchFamily="50" charset="0"/>
-                <a:cs typeface="Droid Sans Mono Chess ASCII" panose="020B0609030804020204" pitchFamily="50" charset="0"/>
-              </a:rPr>
-              <a:t>) </a:t>
-            </a:r>
-            <a:r>
-              <a:rPr lang="en-US" sz="2000" smtClean="0">
-                <a:latin typeface="Droid Sans Mono Chess ASCII" panose="020B0609030804020204" pitchFamily="50" charset="0"/>
-                <a:ea typeface="Droid Sans Mono Chess ASCII" panose="020B0609030804020204" pitchFamily="50" charset="0"/>
-                <a:cs typeface="Droid Sans Mono Chess ASCII" panose="020B0609030804020204" pitchFamily="50" charset="0"/>
-              </a:rPr>
-              <a:t>rest</a:t>
-            </a:r>
-            <a:endParaRPr lang="en-US" sz="2000">
-              <a:latin typeface="Droid Sans Mono Chess ASCII" panose="020B0609030804020204" pitchFamily="50" charset="0"/>
-              <a:ea typeface="Droid Sans Mono Chess ASCII" panose="020B0609030804020204" pitchFamily="50" charset="0"/>
-              <a:cs typeface="Droid Sans Mono Chess ASCII" panose="020B0609030804020204" pitchFamily="50" charset="0"/>
-            </a:endParaRPr>
-          </a:p>
-          <a:p>
-            <a:r>
-              <a:rPr lang="en-US" sz="2000">
-                <a:latin typeface="Droid Sans Mono Chess ASCII" panose="020B0609030804020204" pitchFamily="50" charset="0"/>
-                <a:ea typeface="Droid Sans Mono Chess ASCII" panose="020B0609030804020204" pitchFamily="50" charset="0"/>
-                <a:cs typeface="Droid Sans Mono Chess ASCII" panose="020B0609030804020204" pitchFamily="50" charset="0"/>
-              </a:rPr>
-              <a:t>	in</a:t>
-            </a:r>
-          </a:p>
-          <a:p>
-            <a:r>
-              <a:rPr lang="en-US" sz="2000">
-                <a:latin typeface="Droid Sans Mono Chess ASCII" panose="020B0609030804020204" pitchFamily="50" charset="0"/>
-                <a:ea typeface="Droid Sans Mono Chess ASCII" panose="020B0609030804020204" pitchFamily="50" charset="0"/>
-                <a:cs typeface="Droid Sans Mono Chess ASCII" panose="020B0609030804020204" pitchFamily="50" charset="0"/>
-              </a:rPr>
-              <a:t>	</a:t>
-            </a:r>
-            <a:r>
-              <a:rPr lang="en-US" sz="2000" smtClean="0">
-                <a:latin typeface="Droid Sans Mono Chess ASCII" panose="020B0609030804020204" pitchFamily="50" charset="0"/>
-                <a:ea typeface="Droid Sans Mono Chess ASCII" panose="020B0609030804020204" pitchFamily="50" charset="0"/>
-                <a:cs typeface="Droid Sans Mono Chess ASCII" panose="020B0609030804020204" pitchFamily="50" charset="0"/>
-              </a:rPr>
-              <a:t>process2 </a:t>
-            </a:r>
-            <a:r>
-              <a:rPr lang="en-US" sz="2000">
-                <a:latin typeface="Droid Sans Mono Chess ASCII" panose="020B0609030804020204" pitchFamily="50" charset="0"/>
-                <a:ea typeface="Droid Sans Mono Chess ASCII" panose="020B0609030804020204" pitchFamily="50" charset="0"/>
-                <a:cs typeface="Droid Sans Mono Chess ASCII" panose="020B0609030804020204" pitchFamily="50" charset="0"/>
-              </a:rPr>
-              <a:t>smaller </a:t>
-            </a:r>
-            <a:r>
-              <a:rPr lang="en-US" sz="2000" smtClean="0">
-                <a:latin typeface="Droid Sans Mono Chess ASCII" panose="020B0609030804020204" pitchFamily="50" charset="0"/>
-                <a:ea typeface="Droid Sans Mono Chess ASCII" panose="020B0609030804020204" pitchFamily="50" charset="0"/>
-                <a:cs typeface="Droid Sans Mono Chess ASCII" panose="020B0609030804020204" pitchFamily="50" charset="0"/>
-              </a:rPr>
-              <a:t>  ++   [</a:t>
-            </a:r>
-            <a:r>
-              <a:rPr lang="en-US" sz="2000">
-                <a:latin typeface="Droid Sans Mono Chess ASCII" panose="020B0609030804020204" pitchFamily="50" charset="0"/>
-                <a:ea typeface="Droid Sans Mono Chess ASCII" panose="020B0609030804020204" pitchFamily="50" charset="0"/>
-                <a:cs typeface="Droid Sans Mono Chess ASCII" panose="020B0609030804020204" pitchFamily="50" charset="0"/>
-              </a:rPr>
-              <a:t>first</a:t>
-            </a:r>
-            <a:r>
-              <a:rPr lang="en-US" sz="2000">
-                <a:latin typeface="Droid Sans Mono Chess ASCII" panose="020B0609030804020204" pitchFamily="50" charset="0"/>
-                <a:ea typeface="Droid Sans Mono Chess ASCII" panose="020B0609030804020204" pitchFamily="50" charset="0"/>
-                <a:cs typeface="Droid Sans Mono Chess ASCII" panose="020B0609030804020204" pitchFamily="50" charset="0"/>
-              </a:rPr>
-              <a:t>] </a:t>
-            </a:r>
-            <a:r>
-              <a:rPr lang="en-US" sz="2000" smtClean="0">
-                <a:latin typeface="Droid Sans Mono Chess ASCII" panose="020B0609030804020204" pitchFamily="50" charset="0"/>
-                <a:ea typeface="Droid Sans Mono Chess ASCII" panose="020B0609030804020204" pitchFamily="50" charset="0"/>
-                <a:cs typeface="Droid Sans Mono Chess ASCII" panose="020B0609030804020204" pitchFamily="50" charset="0"/>
-              </a:rPr>
-              <a:t>  ++   process2 </a:t>
-            </a:r>
-            <a:r>
-              <a:rPr lang="en-US" sz="2000">
-                <a:latin typeface="Droid Sans Mono Chess ASCII" panose="020B0609030804020204" pitchFamily="50" charset="0"/>
-                <a:ea typeface="Droid Sans Mono Chess ASCII" panose="020B0609030804020204" pitchFamily="50" charset="0"/>
-                <a:cs typeface="Droid Sans Mono Chess ASCII" panose="020B0609030804020204" pitchFamily="50" charset="0"/>
-              </a:rPr>
-              <a:t>bigger</a:t>
-            </a:r>
-            <a:endParaRPr lang="de-DE" sz="2000">
-              <a:latin typeface="Droid Sans Mono Chess ASCII" panose="020B0609030804020204" pitchFamily="50" charset="0"/>
-              <a:ea typeface="Droid Sans Mono Chess ASCII" panose="020B0609030804020204" pitchFamily="50" charset="0"/>
-              <a:cs typeface="Droid Sans Mono Chess ASCII" panose="020B0609030804020204" pitchFamily="50" charset="0"/>
+              <a:rPr lang="de-DE" sz="2000" err="1">
+                <a:latin typeface="Courier New" panose="02070309020205020404" pitchFamily="49" charset="0"/>
+                <a:cs typeface="Courier New" panose="02070309020205020404" pitchFamily="49" charset="0"/>
+              </a:rPr>
+              <a:t>void</a:t>
+            </a:r>
+            <a:r>
+              <a:rPr lang="de-DE" sz="2000">
+                <a:latin typeface="Courier New" panose="02070309020205020404" pitchFamily="49" charset="0"/>
+                <a:cs typeface="Courier New" panose="02070309020205020404" pitchFamily="49" charset="0"/>
+              </a:rPr>
+              <a:t> </a:t>
+            </a:r>
+            <a:r>
+              <a:rPr lang="de-DE" sz="2000" err="1" smtClean="0">
+                <a:latin typeface="Courier New" panose="02070309020205020404" pitchFamily="49" charset="0"/>
+                <a:cs typeface="Courier New" panose="02070309020205020404" pitchFamily="49" charset="0"/>
+              </a:rPr>
+              <a:t>process</a:t>
+            </a:r>
+            <a:r>
+              <a:rPr lang="de-DE" sz="2000" smtClean="0">
+                <a:latin typeface="Courier New" panose="02070309020205020404" pitchFamily="49" charset="0"/>
+                <a:cs typeface="Courier New" panose="02070309020205020404" pitchFamily="49" charset="0"/>
+              </a:rPr>
+              <a:t>(</a:t>
+            </a:r>
+            <a:r>
+              <a:rPr lang="de-DE" sz="2000" err="1" smtClean="0">
+                <a:latin typeface="Courier New" panose="02070309020205020404" pitchFamily="49" charset="0"/>
+                <a:cs typeface="Courier New" panose="02070309020205020404" pitchFamily="49" charset="0"/>
+              </a:rPr>
+              <a:t>int</a:t>
+            </a:r>
+            <a:r>
+              <a:rPr lang="de-DE" sz="2000" smtClean="0">
+                <a:latin typeface="Courier New" panose="02070309020205020404" pitchFamily="49" charset="0"/>
+                <a:cs typeface="Courier New" panose="02070309020205020404" pitchFamily="49" charset="0"/>
+              </a:rPr>
+              <a:t> </a:t>
+            </a:r>
+            <a:r>
+              <a:rPr lang="de-DE" sz="2000">
+                <a:latin typeface="Courier New" panose="02070309020205020404" pitchFamily="49" charset="0"/>
+                <a:cs typeface="Courier New" panose="02070309020205020404" pitchFamily="49" charset="0"/>
+              </a:rPr>
+              <a:t>*</a:t>
+            </a:r>
+            <a:r>
+              <a:rPr lang="de-DE" sz="2000" err="1">
+                <a:latin typeface="Courier New" panose="02070309020205020404" pitchFamily="49" charset="0"/>
+                <a:cs typeface="Courier New" panose="02070309020205020404" pitchFamily="49" charset="0"/>
+              </a:rPr>
+              <a:t>begin</a:t>
+            </a:r>
+            <a:r>
+              <a:rPr lang="de-DE" sz="2000">
+                <a:latin typeface="Courier New" panose="02070309020205020404" pitchFamily="49" charset="0"/>
+                <a:cs typeface="Courier New" panose="02070309020205020404" pitchFamily="49" charset="0"/>
+              </a:rPr>
+              <a:t>, </a:t>
+            </a:r>
+            <a:r>
+              <a:rPr lang="de-DE" sz="2000" err="1">
+                <a:latin typeface="Courier New" panose="02070309020205020404" pitchFamily="49" charset="0"/>
+                <a:cs typeface="Courier New" panose="02070309020205020404" pitchFamily="49" charset="0"/>
+              </a:rPr>
+              <a:t>int</a:t>
+            </a:r>
+            <a:r>
+              <a:rPr lang="de-DE" sz="2000">
+                <a:latin typeface="Courier New" panose="02070309020205020404" pitchFamily="49" charset="0"/>
+                <a:cs typeface="Courier New" panose="02070309020205020404" pitchFamily="49" charset="0"/>
+              </a:rPr>
+              <a:t> *end)</a:t>
+            </a:r>
+          </a:p>
+          <a:p>
+            <a:r>
+              <a:rPr lang="de-DE" sz="2000">
+                <a:latin typeface="Courier New" panose="02070309020205020404" pitchFamily="49" charset="0"/>
+                <a:cs typeface="Courier New" panose="02070309020205020404" pitchFamily="49" charset="0"/>
+              </a:rPr>
+              <a:t>{</a:t>
+            </a:r>
+          </a:p>
+          <a:p>
+            <a:r>
+              <a:rPr lang="de-DE" sz="2000">
+                <a:latin typeface="Courier New" panose="02070309020205020404" pitchFamily="49" charset="0"/>
+                <a:cs typeface="Courier New" panose="02070309020205020404" pitchFamily="49" charset="0"/>
+              </a:rPr>
+              <a:t>    </a:t>
+            </a:r>
+            <a:r>
+              <a:rPr lang="de-DE" sz="2000" err="1">
+                <a:latin typeface="Courier New" panose="02070309020205020404" pitchFamily="49" charset="0"/>
+                <a:cs typeface="Courier New" panose="02070309020205020404" pitchFamily="49" charset="0"/>
+              </a:rPr>
+              <a:t>int</a:t>
+            </a:r>
+            <a:r>
+              <a:rPr lang="de-DE" sz="2000">
+                <a:latin typeface="Courier New" panose="02070309020205020404" pitchFamily="49" charset="0"/>
+                <a:cs typeface="Courier New" panose="02070309020205020404" pitchFamily="49" charset="0"/>
+              </a:rPr>
+              <a:t> *</a:t>
+            </a:r>
+            <a:r>
+              <a:rPr lang="de-DE" sz="2000" err="1">
+                <a:latin typeface="Courier New" panose="02070309020205020404" pitchFamily="49" charset="0"/>
+                <a:cs typeface="Courier New" panose="02070309020205020404" pitchFamily="49" charset="0"/>
+              </a:rPr>
+              <a:t>ptr</a:t>
+            </a:r>
+            <a:r>
+              <a:rPr lang="de-DE" sz="2000">
+                <a:latin typeface="Courier New" panose="02070309020205020404" pitchFamily="49" charset="0"/>
+                <a:cs typeface="Courier New" panose="02070309020205020404" pitchFamily="49" charset="0"/>
+              </a:rPr>
+              <a:t>;</a:t>
+            </a:r>
+          </a:p>
+          <a:p>
+            <a:r>
+              <a:rPr lang="de-DE" sz="2000">
+                <a:latin typeface="Courier New" panose="02070309020205020404" pitchFamily="49" charset="0"/>
+                <a:cs typeface="Courier New" panose="02070309020205020404" pitchFamily="49" charset="0"/>
+              </a:rPr>
+              <a:t>    </a:t>
+            </a:r>
+            <a:r>
+              <a:rPr lang="de-DE" sz="2000" err="1">
+                <a:latin typeface="Courier New" panose="02070309020205020404" pitchFamily="49" charset="0"/>
+                <a:cs typeface="Courier New" panose="02070309020205020404" pitchFamily="49" charset="0"/>
+              </a:rPr>
+              <a:t>int</a:t>
+            </a:r>
+            <a:r>
+              <a:rPr lang="de-DE" sz="2000">
+                <a:latin typeface="Courier New" panose="02070309020205020404" pitchFamily="49" charset="0"/>
+                <a:cs typeface="Courier New" panose="02070309020205020404" pitchFamily="49" charset="0"/>
+              </a:rPr>
+              <a:t> *</a:t>
+            </a:r>
+            <a:r>
+              <a:rPr lang="de-DE" sz="2000" err="1">
+                <a:latin typeface="Courier New" panose="02070309020205020404" pitchFamily="49" charset="0"/>
+                <a:cs typeface="Courier New" panose="02070309020205020404" pitchFamily="49" charset="0"/>
+              </a:rPr>
+              <a:t>split</a:t>
+            </a:r>
+            <a:r>
+              <a:rPr lang="de-DE" sz="2000">
+                <a:latin typeface="Courier New" panose="02070309020205020404" pitchFamily="49" charset="0"/>
+                <a:cs typeface="Courier New" panose="02070309020205020404" pitchFamily="49" charset="0"/>
+              </a:rPr>
+              <a:t>;</a:t>
+            </a:r>
+          </a:p>
+          <a:p>
+            <a:r>
+              <a:rPr lang="de-DE" sz="2000">
+                <a:latin typeface="Courier New" panose="02070309020205020404" pitchFamily="49" charset="0"/>
+                <a:cs typeface="Courier New" panose="02070309020205020404" pitchFamily="49" charset="0"/>
+              </a:rPr>
+              <a:t>    </a:t>
+            </a:r>
+            <a:r>
+              <a:rPr lang="de-DE" sz="2000" err="1">
+                <a:latin typeface="Courier New" panose="02070309020205020404" pitchFamily="49" charset="0"/>
+                <a:cs typeface="Courier New" panose="02070309020205020404" pitchFamily="49" charset="0"/>
+              </a:rPr>
+              <a:t>if</a:t>
+            </a:r>
+            <a:r>
+              <a:rPr lang="de-DE" sz="2000">
+                <a:latin typeface="Courier New" panose="02070309020205020404" pitchFamily="49" charset="0"/>
+                <a:cs typeface="Courier New" panose="02070309020205020404" pitchFamily="49" charset="0"/>
+              </a:rPr>
+              <a:t> (end - </a:t>
+            </a:r>
+            <a:r>
+              <a:rPr lang="de-DE" sz="2000" err="1">
+                <a:latin typeface="Courier New" panose="02070309020205020404" pitchFamily="49" charset="0"/>
+                <a:cs typeface="Courier New" panose="02070309020205020404" pitchFamily="49" charset="0"/>
+              </a:rPr>
+              <a:t>begin</a:t>
+            </a:r>
+            <a:r>
+              <a:rPr lang="de-DE" sz="2000">
+                <a:latin typeface="Courier New" panose="02070309020205020404" pitchFamily="49" charset="0"/>
+                <a:cs typeface="Courier New" panose="02070309020205020404" pitchFamily="49" charset="0"/>
+              </a:rPr>
+              <a:t> &lt;= 1)</a:t>
+            </a:r>
+          </a:p>
+          <a:p>
+            <a:r>
+              <a:rPr lang="de-DE" sz="2000">
+                <a:latin typeface="Courier New" panose="02070309020205020404" pitchFamily="49" charset="0"/>
+                <a:cs typeface="Courier New" panose="02070309020205020404" pitchFamily="49" charset="0"/>
+              </a:rPr>
+              <a:t>        </a:t>
+            </a:r>
+            <a:r>
+              <a:rPr lang="de-DE" sz="2000" err="1">
+                <a:latin typeface="Courier New" panose="02070309020205020404" pitchFamily="49" charset="0"/>
+                <a:cs typeface="Courier New" panose="02070309020205020404" pitchFamily="49" charset="0"/>
+              </a:rPr>
+              <a:t>return</a:t>
+            </a:r>
+            <a:r>
+              <a:rPr lang="de-DE" sz="2000">
+                <a:latin typeface="Courier New" panose="02070309020205020404" pitchFamily="49" charset="0"/>
+                <a:cs typeface="Courier New" panose="02070309020205020404" pitchFamily="49" charset="0"/>
+              </a:rPr>
+              <a:t>;</a:t>
+            </a:r>
+          </a:p>
+          <a:p>
+            <a:r>
+              <a:rPr lang="de-DE" sz="2000">
+                <a:latin typeface="Courier New" panose="02070309020205020404" pitchFamily="49" charset="0"/>
+                <a:cs typeface="Courier New" panose="02070309020205020404" pitchFamily="49" charset="0"/>
+              </a:rPr>
+              <a:t>    </a:t>
+            </a:r>
+            <a:r>
+              <a:rPr lang="de-DE" sz="2000" err="1">
+                <a:latin typeface="Courier New" panose="02070309020205020404" pitchFamily="49" charset="0"/>
+                <a:cs typeface="Courier New" panose="02070309020205020404" pitchFamily="49" charset="0"/>
+              </a:rPr>
+              <a:t>ptr</a:t>
+            </a:r>
+            <a:r>
+              <a:rPr lang="de-DE" sz="2000">
+                <a:latin typeface="Courier New" panose="02070309020205020404" pitchFamily="49" charset="0"/>
+                <a:cs typeface="Courier New" panose="02070309020205020404" pitchFamily="49" charset="0"/>
+              </a:rPr>
+              <a:t> = </a:t>
+            </a:r>
+            <a:r>
+              <a:rPr lang="de-DE" sz="2000" err="1">
+                <a:latin typeface="Courier New" panose="02070309020205020404" pitchFamily="49" charset="0"/>
+                <a:cs typeface="Courier New" panose="02070309020205020404" pitchFamily="49" charset="0"/>
+              </a:rPr>
+              <a:t>begin</a:t>
+            </a:r>
+            <a:r>
+              <a:rPr lang="de-DE" sz="2000">
+                <a:latin typeface="Courier New" panose="02070309020205020404" pitchFamily="49" charset="0"/>
+                <a:cs typeface="Courier New" panose="02070309020205020404" pitchFamily="49" charset="0"/>
+              </a:rPr>
+              <a:t>;</a:t>
+            </a:r>
+          </a:p>
+          <a:p>
+            <a:r>
+              <a:rPr lang="de-DE" sz="2000">
+                <a:latin typeface="Courier New" panose="02070309020205020404" pitchFamily="49" charset="0"/>
+                <a:cs typeface="Courier New" panose="02070309020205020404" pitchFamily="49" charset="0"/>
+              </a:rPr>
+              <a:t>    </a:t>
+            </a:r>
+            <a:r>
+              <a:rPr lang="de-DE" sz="2000" err="1">
+                <a:latin typeface="Courier New" panose="02070309020205020404" pitchFamily="49" charset="0"/>
+                <a:cs typeface="Courier New" panose="02070309020205020404" pitchFamily="49" charset="0"/>
+              </a:rPr>
+              <a:t>split</a:t>
+            </a:r>
+            <a:r>
+              <a:rPr lang="de-DE" sz="2000">
+                <a:latin typeface="Courier New" panose="02070309020205020404" pitchFamily="49" charset="0"/>
+                <a:cs typeface="Courier New" panose="02070309020205020404" pitchFamily="49" charset="0"/>
+              </a:rPr>
+              <a:t> = </a:t>
+            </a:r>
+            <a:r>
+              <a:rPr lang="de-DE" sz="2000" err="1">
+                <a:latin typeface="Courier New" panose="02070309020205020404" pitchFamily="49" charset="0"/>
+                <a:cs typeface="Courier New" panose="02070309020205020404" pitchFamily="49" charset="0"/>
+              </a:rPr>
+              <a:t>begin</a:t>
+            </a:r>
+            <a:r>
+              <a:rPr lang="de-DE" sz="2000">
+                <a:latin typeface="Courier New" panose="02070309020205020404" pitchFamily="49" charset="0"/>
+                <a:cs typeface="Courier New" panose="02070309020205020404" pitchFamily="49" charset="0"/>
+              </a:rPr>
+              <a:t> + 1;</a:t>
+            </a:r>
+          </a:p>
+          <a:p>
+            <a:r>
+              <a:rPr lang="de-DE" sz="2000">
+                <a:latin typeface="Courier New" panose="02070309020205020404" pitchFamily="49" charset="0"/>
+                <a:cs typeface="Courier New" panose="02070309020205020404" pitchFamily="49" charset="0"/>
+              </a:rPr>
+              <a:t>    </a:t>
+            </a:r>
+            <a:r>
+              <a:rPr lang="de-DE" sz="2000" err="1">
+                <a:latin typeface="Courier New" panose="02070309020205020404" pitchFamily="49" charset="0"/>
+                <a:cs typeface="Courier New" panose="02070309020205020404" pitchFamily="49" charset="0"/>
+              </a:rPr>
+              <a:t>while</a:t>
+            </a:r>
+            <a:r>
+              <a:rPr lang="de-DE" sz="2000">
+                <a:latin typeface="Courier New" panose="02070309020205020404" pitchFamily="49" charset="0"/>
+                <a:cs typeface="Courier New" panose="02070309020205020404" pitchFamily="49" charset="0"/>
+              </a:rPr>
+              <a:t> (++</a:t>
+            </a:r>
+            <a:r>
+              <a:rPr lang="de-DE" sz="2000" err="1">
+                <a:latin typeface="Courier New" panose="02070309020205020404" pitchFamily="49" charset="0"/>
+                <a:cs typeface="Courier New" panose="02070309020205020404" pitchFamily="49" charset="0"/>
+              </a:rPr>
+              <a:t>ptr</a:t>
+            </a:r>
+            <a:r>
+              <a:rPr lang="de-DE" sz="2000">
+                <a:latin typeface="Courier New" panose="02070309020205020404" pitchFamily="49" charset="0"/>
+                <a:cs typeface="Courier New" panose="02070309020205020404" pitchFamily="49" charset="0"/>
+              </a:rPr>
+              <a:t> &lt;= end) {</a:t>
+            </a:r>
+          </a:p>
+          <a:p>
+            <a:r>
+              <a:rPr lang="de-DE" sz="2000">
+                <a:latin typeface="Courier New" panose="02070309020205020404" pitchFamily="49" charset="0"/>
+                <a:cs typeface="Courier New" panose="02070309020205020404" pitchFamily="49" charset="0"/>
+              </a:rPr>
+              <a:t>        </a:t>
+            </a:r>
+            <a:r>
+              <a:rPr lang="de-DE" sz="2000" err="1">
+                <a:latin typeface="Courier New" panose="02070309020205020404" pitchFamily="49" charset="0"/>
+                <a:cs typeface="Courier New" panose="02070309020205020404" pitchFamily="49" charset="0"/>
+              </a:rPr>
+              <a:t>if</a:t>
+            </a:r>
+            <a:r>
+              <a:rPr lang="de-DE" sz="2000">
+                <a:latin typeface="Courier New" panose="02070309020205020404" pitchFamily="49" charset="0"/>
+                <a:cs typeface="Courier New" panose="02070309020205020404" pitchFamily="49" charset="0"/>
+              </a:rPr>
+              <a:t> (*</a:t>
+            </a:r>
+            <a:r>
+              <a:rPr lang="de-DE" sz="2000" err="1">
+                <a:latin typeface="Courier New" panose="02070309020205020404" pitchFamily="49" charset="0"/>
+                <a:cs typeface="Courier New" panose="02070309020205020404" pitchFamily="49" charset="0"/>
+              </a:rPr>
+              <a:t>ptr</a:t>
+            </a:r>
+            <a:r>
+              <a:rPr lang="de-DE" sz="2000">
+                <a:latin typeface="Courier New" panose="02070309020205020404" pitchFamily="49" charset="0"/>
+                <a:cs typeface="Courier New" panose="02070309020205020404" pitchFamily="49" charset="0"/>
+              </a:rPr>
+              <a:t> &lt; *</a:t>
+            </a:r>
+            <a:r>
+              <a:rPr lang="de-DE" sz="2000" err="1">
+                <a:latin typeface="Courier New" panose="02070309020205020404" pitchFamily="49" charset="0"/>
+                <a:cs typeface="Courier New" panose="02070309020205020404" pitchFamily="49" charset="0"/>
+              </a:rPr>
+              <a:t>begin</a:t>
+            </a:r>
+            <a:r>
+              <a:rPr lang="de-DE" sz="2000">
+                <a:latin typeface="Courier New" panose="02070309020205020404" pitchFamily="49" charset="0"/>
+                <a:cs typeface="Courier New" panose="02070309020205020404" pitchFamily="49" charset="0"/>
+              </a:rPr>
+              <a:t>) {</a:t>
+            </a:r>
+          </a:p>
+          <a:p>
+            <a:r>
+              <a:rPr lang="de-DE" sz="2000">
+                <a:latin typeface="Courier New" panose="02070309020205020404" pitchFamily="49" charset="0"/>
+                <a:cs typeface="Courier New" panose="02070309020205020404" pitchFamily="49" charset="0"/>
+              </a:rPr>
+              <a:t>            </a:t>
+            </a:r>
+            <a:r>
+              <a:rPr lang="de-DE" sz="2000" err="1">
+                <a:latin typeface="Courier New" panose="02070309020205020404" pitchFamily="49" charset="0"/>
+                <a:cs typeface="Courier New" panose="02070309020205020404" pitchFamily="49" charset="0"/>
+              </a:rPr>
+              <a:t>swap</a:t>
+            </a:r>
+            <a:r>
+              <a:rPr lang="de-DE" sz="2000">
+                <a:latin typeface="Courier New" panose="02070309020205020404" pitchFamily="49" charset="0"/>
+                <a:cs typeface="Courier New" panose="02070309020205020404" pitchFamily="49" charset="0"/>
+              </a:rPr>
+              <a:t>(</a:t>
+            </a:r>
+            <a:r>
+              <a:rPr lang="de-DE" sz="2000" err="1">
+                <a:latin typeface="Courier New" panose="02070309020205020404" pitchFamily="49" charset="0"/>
+                <a:cs typeface="Courier New" panose="02070309020205020404" pitchFamily="49" charset="0"/>
+              </a:rPr>
+              <a:t>ptr</a:t>
+            </a:r>
+            <a:r>
+              <a:rPr lang="de-DE" sz="2000">
+                <a:latin typeface="Courier New" panose="02070309020205020404" pitchFamily="49" charset="0"/>
+                <a:cs typeface="Courier New" panose="02070309020205020404" pitchFamily="49" charset="0"/>
+              </a:rPr>
+              <a:t>, </a:t>
+            </a:r>
+            <a:r>
+              <a:rPr lang="de-DE" sz="2000" err="1">
+                <a:latin typeface="Courier New" panose="02070309020205020404" pitchFamily="49" charset="0"/>
+                <a:cs typeface="Courier New" panose="02070309020205020404" pitchFamily="49" charset="0"/>
+              </a:rPr>
+              <a:t>split</a:t>
+            </a:r>
+            <a:r>
+              <a:rPr lang="de-DE" sz="2000">
+                <a:latin typeface="Courier New" panose="02070309020205020404" pitchFamily="49" charset="0"/>
+                <a:cs typeface="Courier New" panose="02070309020205020404" pitchFamily="49" charset="0"/>
+              </a:rPr>
+              <a:t>);</a:t>
+            </a:r>
+          </a:p>
+          <a:p>
+            <a:r>
+              <a:rPr lang="de-DE" sz="2000">
+                <a:latin typeface="Courier New" panose="02070309020205020404" pitchFamily="49" charset="0"/>
+                <a:cs typeface="Courier New" panose="02070309020205020404" pitchFamily="49" charset="0"/>
+              </a:rPr>
+              <a:t>            ++</a:t>
+            </a:r>
+            <a:r>
+              <a:rPr lang="de-DE" sz="2000" err="1">
+                <a:latin typeface="Courier New" panose="02070309020205020404" pitchFamily="49" charset="0"/>
+                <a:cs typeface="Courier New" panose="02070309020205020404" pitchFamily="49" charset="0"/>
+              </a:rPr>
+              <a:t>split</a:t>
+            </a:r>
+            <a:r>
+              <a:rPr lang="de-DE" sz="2000">
+                <a:latin typeface="Courier New" panose="02070309020205020404" pitchFamily="49" charset="0"/>
+                <a:cs typeface="Courier New" panose="02070309020205020404" pitchFamily="49" charset="0"/>
+              </a:rPr>
+              <a:t>;</a:t>
+            </a:r>
+          </a:p>
+          <a:p>
+            <a:r>
+              <a:rPr lang="de-DE" sz="2000">
+                <a:latin typeface="Courier New" panose="02070309020205020404" pitchFamily="49" charset="0"/>
+                <a:cs typeface="Courier New" panose="02070309020205020404" pitchFamily="49" charset="0"/>
+              </a:rPr>
+              <a:t>        }</a:t>
+            </a:r>
+          </a:p>
+          <a:p>
+            <a:r>
+              <a:rPr lang="de-DE" sz="2000">
+                <a:latin typeface="Courier New" panose="02070309020205020404" pitchFamily="49" charset="0"/>
+                <a:cs typeface="Courier New" panose="02070309020205020404" pitchFamily="49" charset="0"/>
+              </a:rPr>
+              <a:t>    }</a:t>
+            </a:r>
+          </a:p>
+          <a:p>
+            <a:r>
+              <a:rPr lang="de-DE" sz="2000">
+                <a:latin typeface="Courier New" panose="02070309020205020404" pitchFamily="49" charset="0"/>
+                <a:cs typeface="Courier New" panose="02070309020205020404" pitchFamily="49" charset="0"/>
+              </a:rPr>
+              <a:t>    </a:t>
+            </a:r>
+            <a:r>
+              <a:rPr lang="de-DE" sz="2000" err="1">
+                <a:latin typeface="Courier New" panose="02070309020205020404" pitchFamily="49" charset="0"/>
+                <a:cs typeface="Courier New" panose="02070309020205020404" pitchFamily="49" charset="0"/>
+              </a:rPr>
+              <a:t>swap</a:t>
+            </a:r>
+            <a:r>
+              <a:rPr lang="de-DE" sz="2000">
+                <a:latin typeface="Courier New" panose="02070309020205020404" pitchFamily="49" charset="0"/>
+                <a:cs typeface="Courier New" panose="02070309020205020404" pitchFamily="49" charset="0"/>
+              </a:rPr>
+              <a:t>(</a:t>
+            </a:r>
+            <a:r>
+              <a:rPr lang="de-DE" sz="2000" err="1">
+                <a:latin typeface="Courier New" panose="02070309020205020404" pitchFamily="49" charset="0"/>
+                <a:cs typeface="Courier New" panose="02070309020205020404" pitchFamily="49" charset="0"/>
+              </a:rPr>
+              <a:t>begin</a:t>
+            </a:r>
+            <a:r>
+              <a:rPr lang="de-DE" sz="2000">
+                <a:latin typeface="Courier New" panose="02070309020205020404" pitchFamily="49" charset="0"/>
+                <a:cs typeface="Courier New" panose="02070309020205020404" pitchFamily="49" charset="0"/>
+              </a:rPr>
+              <a:t>, </a:t>
+            </a:r>
+            <a:r>
+              <a:rPr lang="de-DE" sz="2000" err="1">
+                <a:latin typeface="Courier New" panose="02070309020205020404" pitchFamily="49" charset="0"/>
+                <a:cs typeface="Courier New" panose="02070309020205020404" pitchFamily="49" charset="0"/>
+              </a:rPr>
+              <a:t>split</a:t>
+            </a:r>
+            <a:r>
+              <a:rPr lang="de-DE" sz="2000">
+                <a:latin typeface="Courier New" panose="02070309020205020404" pitchFamily="49" charset="0"/>
+                <a:cs typeface="Courier New" panose="02070309020205020404" pitchFamily="49" charset="0"/>
+              </a:rPr>
+              <a:t> - 1);</a:t>
+            </a:r>
+          </a:p>
+          <a:p>
+            <a:r>
+              <a:rPr lang="de-DE" sz="2000">
+                <a:latin typeface="Courier New" panose="02070309020205020404" pitchFamily="49" charset="0"/>
+                <a:cs typeface="Courier New" panose="02070309020205020404" pitchFamily="49" charset="0"/>
+              </a:rPr>
+              <a:t>    </a:t>
+            </a:r>
+            <a:r>
+              <a:rPr lang="de-DE" sz="2000" err="1" smtClean="0">
+                <a:latin typeface="Courier New" panose="02070309020205020404" pitchFamily="49" charset="0"/>
+                <a:cs typeface="Courier New" panose="02070309020205020404" pitchFamily="49" charset="0"/>
+              </a:rPr>
+              <a:t>process</a:t>
+            </a:r>
+            <a:r>
+              <a:rPr lang="de-DE" sz="2000" smtClean="0">
+                <a:latin typeface="Courier New" panose="02070309020205020404" pitchFamily="49" charset="0"/>
+                <a:cs typeface="Courier New" panose="02070309020205020404" pitchFamily="49" charset="0"/>
+              </a:rPr>
+              <a:t>(</a:t>
+            </a:r>
+            <a:r>
+              <a:rPr lang="de-DE" sz="2000" err="1" smtClean="0">
+                <a:latin typeface="Courier New" panose="02070309020205020404" pitchFamily="49" charset="0"/>
+                <a:cs typeface="Courier New" panose="02070309020205020404" pitchFamily="49" charset="0"/>
+              </a:rPr>
+              <a:t>begin</a:t>
+            </a:r>
+            <a:r>
+              <a:rPr lang="de-DE" sz="2000">
+                <a:latin typeface="Courier New" panose="02070309020205020404" pitchFamily="49" charset="0"/>
+                <a:cs typeface="Courier New" panose="02070309020205020404" pitchFamily="49" charset="0"/>
+              </a:rPr>
+              <a:t>, </a:t>
+            </a:r>
+            <a:r>
+              <a:rPr lang="de-DE" sz="2000" err="1">
+                <a:latin typeface="Courier New" panose="02070309020205020404" pitchFamily="49" charset="0"/>
+                <a:cs typeface="Courier New" panose="02070309020205020404" pitchFamily="49" charset="0"/>
+              </a:rPr>
+              <a:t>split</a:t>
+            </a:r>
+            <a:r>
+              <a:rPr lang="de-DE" sz="2000">
+                <a:latin typeface="Courier New" panose="02070309020205020404" pitchFamily="49" charset="0"/>
+                <a:cs typeface="Courier New" panose="02070309020205020404" pitchFamily="49" charset="0"/>
+              </a:rPr>
+              <a:t> - 1);</a:t>
+            </a:r>
+          </a:p>
+          <a:p>
+            <a:r>
+              <a:rPr lang="de-DE" sz="2000">
+                <a:latin typeface="Courier New" panose="02070309020205020404" pitchFamily="49" charset="0"/>
+                <a:cs typeface="Courier New" panose="02070309020205020404" pitchFamily="49" charset="0"/>
+              </a:rPr>
+              <a:t>    </a:t>
+            </a:r>
+            <a:r>
+              <a:rPr lang="de-DE" sz="2000" err="1" smtClean="0">
+                <a:latin typeface="Courier New" panose="02070309020205020404" pitchFamily="49" charset="0"/>
+                <a:cs typeface="Courier New" panose="02070309020205020404" pitchFamily="49" charset="0"/>
+              </a:rPr>
+              <a:t>process</a:t>
+            </a:r>
+            <a:r>
+              <a:rPr lang="de-DE" sz="2000" smtClean="0">
+                <a:latin typeface="Courier New" panose="02070309020205020404" pitchFamily="49" charset="0"/>
+                <a:cs typeface="Courier New" panose="02070309020205020404" pitchFamily="49" charset="0"/>
+              </a:rPr>
+              <a:t>(</a:t>
+            </a:r>
+            <a:r>
+              <a:rPr lang="de-DE" sz="2000" err="1" smtClean="0">
+                <a:latin typeface="Courier New" panose="02070309020205020404" pitchFamily="49" charset="0"/>
+                <a:cs typeface="Courier New" panose="02070309020205020404" pitchFamily="49" charset="0"/>
+              </a:rPr>
+              <a:t>split</a:t>
+            </a:r>
+            <a:r>
+              <a:rPr lang="de-DE" sz="2000">
+                <a:latin typeface="Courier New" panose="02070309020205020404" pitchFamily="49" charset="0"/>
+                <a:cs typeface="Courier New" panose="02070309020205020404" pitchFamily="49" charset="0"/>
+              </a:rPr>
+              <a:t>, end);</a:t>
+            </a:r>
+          </a:p>
+          <a:p>
+            <a:r>
+              <a:rPr lang="de-DE" sz="2000">
+                <a:latin typeface="Courier New" panose="02070309020205020404" pitchFamily="49" charset="0"/>
+                <a:cs typeface="Courier New" panose="02070309020205020404" pitchFamily="49" charset="0"/>
+              </a:rPr>
+              <a:t>}</a:t>
+            </a:r>
+            <a:endParaRPr lang="de-DE" sz="2000" smtClean="0">
+              <a:latin typeface="Courier New" panose="02070309020205020404" pitchFamily="49" charset="0"/>
+              <a:cs typeface="Courier New" panose="02070309020205020404" pitchFamily="49" charset="0"/>
             </a:endParaRPr>
           </a:p>
         </p:txBody>
@@ -6005,7 +6054,7 @@
     </p:spTree>
     <p:extLst>
       <p:ext uri="{BB962C8B-B14F-4D97-AF65-F5344CB8AC3E}">
-        <p14:creationId xmlns:p14="http://schemas.microsoft.com/office/powerpoint/2010/main" val="2610126838"/>
+        <p14:creationId xmlns:p14="http://schemas.microsoft.com/office/powerpoint/2010/main" val="2497782321"/>
       </p:ext>
     </p:extLst>
   </p:cSld>
@@ -6063,10 +6112,21 @@
           <a:lstStyle/>
           <a:p>
             <a:r>
-              <a:rPr lang="en-US"/>
-              <a:t>How to prove the functionality?</a:t>
-            </a:r>
-            <a:endParaRPr lang="en-US" smtClean="0"/>
+              <a:rPr lang="en-US" smtClean="0"/>
+              <a:t>What does </a:t>
+            </a:r>
+            <a:r>
+              <a:rPr lang="en-US" smtClean="0">
+                <a:latin typeface="Droid Sans Mono Chess ASCII" panose="020B0609030804020204" pitchFamily="50" charset="0"/>
+                <a:ea typeface="Droid Sans Mono Chess ASCII" panose="020B0609030804020204" pitchFamily="50" charset="0"/>
+                <a:cs typeface="Droid Sans Mono Chess ASCII" panose="020B0609030804020204" pitchFamily="50" charset="0"/>
+              </a:rPr>
+              <a:t>process2</a:t>
+            </a:r>
+            <a:r>
+              <a:rPr lang="en-US" smtClean="0"/>
+              <a:t> do?</a:t>
+            </a:r>
           </a:p>
         </p:txBody>
       </p:sp>
@@ -6078,8 +6138,8 @@
         </p:nvSpPr>
         <p:spPr>
           <a:xfrm>
-            <a:off x="477520" y="1229360"/>
-            <a:ext cx="5416868" cy="7786747"/>
+            <a:off x="477520" y="2046596"/>
+            <a:ext cx="11435438" cy="1938992"/>
           </a:xfrm>
           <a:prstGeom prst="rect">
             <a:avLst/>
@@ -6087,787 +6147,171 @@
           <a:noFill/>
         </p:spPr>
         <p:txBody>
-          <a:bodyPr wrap="none" rtlCol="0">
+          <a:bodyPr wrap="square" rtlCol="0">
             <a:spAutoFit/>
           </a:bodyPr>
           <a:lstStyle/>
           <a:p>
             <a:r>
-              <a:rPr lang="de-DE" sz="2000" err="1">
-                <a:latin typeface="Courier New" panose="02070309020205020404" pitchFamily="49" charset="0"/>
-                <a:cs typeface="Courier New" panose="02070309020205020404" pitchFamily="49" charset="0"/>
-              </a:rPr>
-              <a:t>void</a:t>
-            </a:r>
-            <a:r>
-              <a:rPr lang="de-DE" sz="2000">
-                <a:latin typeface="Courier New" panose="02070309020205020404" pitchFamily="49" charset="0"/>
-                <a:cs typeface="Courier New" panose="02070309020205020404" pitchFamily="49" charset="0"/>
-              </a:rPr>
-              <a:t> </a:t>
-            </a:r>
-            <a:r>
-              <a:rPr lang="de-DE" sz="2000" err="1">
-                <a:latin typeface="Courier New" panose="02070309020205020404" pitchFamily="49" charset="0"/>
-                <a:cs typeface="Courier New" panose="02070309020205020404" pitchFamily="49" charset="0"/>
-              </a:rPr>
-              <a:t>swap</a:t>
-            </a:r>
-            <a:r>
-              <a:rPr lang="de-DE" sz="2000">
-                <a:latin typeface="Courier New" panose="02070309020205020404" pitchFamily="49" charset="0"/>
-                <a:cs typeface="Courier New" panose="02070309020205020404" pitchFamily="49" charset="0"/>
-              </a:rPr>
-              <a:t>(</a:t>
-            </a:r>
-            <a:r>
-              <a:rPr lang="de-DE" sz="2000" err="1">
-                <a:latin typeface="Courier New" panose="02070309020205020404" pitchFamily="49" charset="0"/>
-                <a:cs typeface="Courier New" panose="02070309020205020404" pitchFamily="49" charset="0"/>
-              </a:rPr>
-              <a:t>int</a:t>
-            </a:r>
-            <a:r>
-              <a:rPr lang="de-DE" sz="2000">
-                <a:latin typeface="Courier New" panose="02070309020205020404" pitchFamily="49" charset="0"/>
-                <a:cs typeface="Courier New" panose="02070309020205020404" pitchFamily="49" charset="0"/>
-              </a:rPr>
-              <a:t> *a, </a:t>
-            </a:r>
-            <a:r>
-              <a:rPr lang="de-DE" sz="2000" err="1">
-                <a:latin typeface="Courier New" panose="02070309020205020404" pitchFamily="49" charset="0"/>
-                <a:cs typeface="Courier New" panose="02070309020205020404" pitchFamily="49" charset="0"/>
-              </a:rPr>
-              <a:t>int</a:t>
-            </a:r>
-            <a:r>
-              <a:rPr lang="de-DE" sz="2000">
-                <a:latin typeface="Courier New" panose="02070309020205020404" pitchFamily="49" charset="0"/>
-                <a:cs typeface="Courier New" panose="02070309020205020404" pitchFamily="49" charset="0"/>
-              </a:rPr>
-              <a:t> *b)</a:t>
-            </a:r>
-          </a:p>
-          <a:p>
-            <a:r>
-              <a:rPr lang="de-DE" sz="2000">
-                <a:latin typeface="Courier New" panose="02070309020205020404" pitchFamily="49" charset="0"/>
-                <a:cs typeface="Courier New" panose="02070309020205020404" pitchFamily="49" charset="0"/>
-              </a:rPr>
-              <a:t>{</a:t>
-            </a:r>
-          </a:p>
-          <a:p>
-            <a:r>
-              <a:rPr lang="de-DE" sz="2000">
-                <a:latin typeface="Courier New" panose="02070309020205020404" pitchFamily="49" charset="0"/>
-                <a:cs typeface="Courier New" panose="02070309020205020404" pitchFamily="49" charset="0"/>
-              </a:rPr>
-              <a:t>    </a:t>
-            </a:r>
-            <a:r>
-              <a:rPr lang="de-DE" sz="2000" err="1">
-                <a:latin typeface="Courier New" panose="02070309020205020404" pitchFamily="49" charset="0"/>
-                <a:cs typeface="Courier New" panose="02070309020205020404" pitchFamily="49" charset="0"/>
-              </a:rPr>
-              <a:t>int</a:t>
-            </a:r>
-            <a:r>
-              <a:rPr lang="de-DE" sz="2000">
-                <a:latin typeface="Courier New" panose="02070309020205020404" pitchFamily="49" charset="0"/>
-                <a:cs typeface="Courier New" panose="02070309020205020404" pitchFamily="49" charset="0"/>
-              </a:rPr>
-              <a:t> </a:t>
-            </a:r>
-            <a:r>
-              <a:rPr lang="de-DE" sz="2000" err="1">
-                <a:latin typeface="Courier New" panose="02070309020205020404" pitchFamily="49" charset="0"/>
-                <a:cs typeface="Courier New" panose="02070309020205020404" pitchFamily="49" charset="0"/>
-              </a:rPr>
-              <a:t>tmp</a:t>
-            </a:r>
-            <a:r>
-              <a:rPr lang="de-DE" sz="2000">
-                <a:latin typeface="Courier New" panose="02070309020205020404" pitchFamily="49" charset="0"/>
-                <a:cs typeface="Courier New" panose="02070309020205020404" pitchFamily="49" charset="0"/>
-              </a:rPr>
-              <a:t> = *a;</a:t>
-            </a:r>
-          </a:p>
-          <a:p>
-            <a:r>
-              <a:rPr lang="de-DE" sz="2000">
-                <a:latin typeface="Courier New" panose="02070309020205020404" pitchFamily="49" charset="0"/>
-                <a:cs typeface="Courier New" panose="02070309020205020404" pitchFamily="49" charset="0"/>
-              </a:rPr>
-              <a:t>    *a = *b;</a:t>
-            </a:r>
-          </a:p>
-          <a:p>
-            <a:r>
-              <a:rPr lang="de-DE" sz="2000">
-                <a:latin typeface="Courier New" panose="02070309020205020404" pitchFamily="49" charset="0"/>
-                <a:cs typeface="Courier New" panose="02070309020205020404" pitchFamily="49" charset="0"/>
-              </a:rPr>
-              <a:t>    *b = </a:t>
-            </a:r>
-            <a:r>
-              <a:rPr lang="de-DE" sz="2000" err="1">
-                <a:latin typeface="Courier New" panose="02070309020205020404" pitchFamily="49" charset="0"/>
-                <a:cs typeface="Courier New" panose="02070309020205020404" pitchFamily="49" charset="0"/>
-              </a:rPr>
-              <a:t>tmp</a:t>
-            </a:r>
-            <a:r>
-              <a:rPr lang="de-DE" sz="2000">
-                <a:latin typeface="Courier New" panose="02070309020205020404" pitchFamily="49" charset="0"/>
-                <a:cs typeface="Courier New" panose="02070309020205020404" pitchFamily="49" charset="0"/>
-              </a:rPr>
-              <a:t>;</a:t>
-            </a:r>
-          </a:p>
-          <a:p>
-            <a:r>
-              <a:rPr lang="de-DE" sz="2000">
-                <a:latin typeface="Courier New" panose="02070309020205020404" pitchFamily="49" charset="0"/>
-                <a:cs typeface="Courier New" panose="02070309020205020404" pitchFamily="49" charset="0"/>
-              </a:rPr>
-              <a:t>}</a:t>
-            </a:r>
-          </a:p>
-          <a:p>
+              <a:rPr lang="en-US" sz="2000">
+                <a:latin typeface="Droid Sans Mono Chess ASCII" panose="020B0609030804020204" pitchFamily="50" charset="0"/>
+                <a:ea typeface="Droid Sans Mono Chess ASCII" panose="020B0609030804020204" pitchFamily="50" charset="0"/>
+                <a:cs typeface="Droid Sans Mono Chess ASCII" panose="020B0609030804020204" pitchFamily="50" charset="0"/>
+              </a:rPr>
+              <a:t>process2 []           = </a:t>
+            </a:r>
+            <a:r>
+              <a:rPr lang="en-US" sz="2000" smtClean="0">
+                <a:latin typeface="Droid Sans Mono Chess ASCII" panose="020B0609030804020204" pitchFamily="50" charset="0"/>
+                <a:ea typeface="Droid Sans Mono Chess ASCII" panose="020B0609030804020204" pitchFamily="50" charset="0"/>
+                <a:cs typeface="Droid Sans Mono Chess ASCII" panose="020B0609030804020204" pitchFamily="50" charset="0"/>
+              </a:rPr>
+              <a:t>[]</a:t>
+            </a:r>
+          </a:p>
+          <a:p>
+            <a:endParaRPr lang="en-US" sz="2000">
+              <a:latin typeface="Droid Sans Mono Chess ASCII" panose="020B0609030804020204" pitchFamily="50" charset="0"/>
+              <a:ea typeface="Droid Sans Mono Chess ASCII" panose="020B0609030804020204" pitchFamily="50" charset="0"/>
+              <a:cs typeface="Droid Sans Mono Chess ASCII" panose="020B0609030804020204" pitchFamily="50" charset="0"/>
+            </a:endParaRPr>
+          </a:p>
+          <a:p>
+            <a:r>
+              <a:rPr lang="en-US" sz="2000">
+                <a:latin typeface="Droid Sans Mono Chess ASCII" panose="020B0609030804020204" pitchFamily="50" charset="0"/>
+                <a:ea typeface="Droid Sans Mono Chess ASCII" panose="020B0609030804020204" pitchFamily="50" charset="0"/>
+                <a:cs typeface="Droid Sans Mono Chess ASCII" panose="020B0609030804020204" pitchFamily="50" charset="0"/>
+              </a:rPr>
+              <a:t>process2 (first:rest) = </a:t>
+            </a:r>
+            <a:r>
+              <a:rPr lang="en-US" sz="2000" smtClean="0">
+                <a:latin typeface="Droid Sans Mono Chess ASCII" panose="020B0609030804020204" pitchFamily="50" charset="0"/>
+                <a:ea typeface="Droid Sans Mono Chess ASCII" panose="020B0609030804020204" pitchFamily="50" charset="0"/>
+                <a:cs typeface="Droid Sans Mono Chess ASCII" panose="020B0609030804020204" pitchFamily="50" charset="0"/>
+              </a:rPr>
+              <a:t>let smaller </a:t>
+            </a:r>
+            <a:r>
+              <a:rPr lang="en-US" sz="2000">
+                <a:latin typeface="Droid Sans Mono Chess ASCII" panose="020B0609030804020204" pitchFamily="50" charset="0"/>
+                <a:ea typeface="Droid Sans Mono Chess ASCII" panose="020B0609030804020204" pitchFamily="50" charset="0"/>
+                <a:cs typeface="Droid Sans Mono Chess ASCII" panose="020B0609030804020204" pitchFamily="50" charset="0"/>
+              </a:rPr>
+              <a:t>= filter (&lt;= first) rest</a:t>
+            </a:r>
+          </a:p>
+          <a:p>
+            <a:r>
+              <a:rPr lang="en-US" sz="2000">
+                <a:latin typeface="Droid Sans Mono Chess ASCII" panose="020B0609030804020204" pitchFamily="50" charset="0"/>
+                <a:ea typeface="Droid Sans Mono Chess ASCII" panose="020B0609030804020204" pitchFamily="50" charset="0"/>
+                <a:cs typeface="Droid Sans Mono Chess ASCII" panose="020B0609030804020204" pitchFamily="50" charset="0"/>
+              </a:rPr>
+              <a:t>	</a:t>
+            </a:r>
+            <a:r>
+              <a:rPr lang="en-US" sz="2000" smtClean="0">
+                <a:latin typeface="Droid Sans Mono Chess ASCII" panose="020B0609030804020204" pitchFamily="50" charset="0"/>
+                <a:ea typeface="Droid Sans Mono Chess ASCII" panose="020B0609030804020204" pitchFamily="50" charset="0"/>
+                <a:cs typeface="Droid Sans Mono Chess ASCII" panose="020B0609030804020204" pitchFamily="50" charset="0"/>
+              </a:rPr>
+              <a:t>                      bigger  </a:t>
+            </a:r>
+            <a:r>
+              <a:rPr lang="en-US" sz="2000">
+                <a:latin typeface="Droid Sans Mono Chess ASCII" panose="020B0609030804020204" pitchFamily="50" charset="0"/>
+                <a:ea typeface="Droid Sans Mono Chess ASCII" panose="020B0609030804020204" pitchFamily="50" charset="0"/>
+                <a:cs typeface="Droid Sans Mono Chess ASCII" panose="020B0609030804020204" pitchFamily="50" charset="0"/>
+              </a:rPr>
+              <a:t>= filter (&gt;  first) </a:t>
+            </a:r>
+            <a:r>
+              <a:rPr lang="en-US" sz="2000" smtClean="0">
+                <a:latin typeface="Droid Sans Mono Chess ASCII" panose="020B0609030804020204" pitchFamily="50" charset="0"/>
+                <a:ea typeface="Droid Sans Mono Chess ASCII" panose="020B0609030804020204" pitchFamily="50" charset="0"/>
+                <a:cs typeface="Droid Sans Mono Chess ASCII" panose="020B0609030804020204" pitchFamily="50" charset="0"/>
+              </a:rPr>
+              <a:t>rest</a:t>
+            </a:r>
+            <a:endParaRPr lang="en-US" sz="2000">
+              <a:latin typeface="Droid Sans Mono Chess ASCII" panose="020B0609030804020204" pitchFamily="50" charset="0"/>
+              <a:ea typeface="Droid Sans Mono Chess ASCII" panose="020B0609030804020204" pitchFamily="50" charset="0"/>
+              <a:cs typeface="Droid Sans Mono Chess ASCII" panose="020B0609030804020204" pitchFamily="50" charset="0"/>
+            </a:endParaRPr>
+          </a:p>
+          <a:p>
+            <a:r>
+              <a:rPr lang="en-US" sz="2000">
+                <a:latin typeface="Droid Sans Mono Chess ASCII" panose="020B0609030804020204" pitchFamily="50" charset="0"/>
+                <a:ea typeface="Droid Sans Mono Chess ASCII" panose="020B0609030804020204" pitchFamily="50" charset="0"/>
+                <a:cs typeface="Droid Sans Mono Chess ASCII" panose="020B0609030804020204" pitchFamily="50" charset="0"/>
+              </a:rPr>
+              <a:t>	in</a:t>
+            </a:r>
+          </a:p>
+          <a:p>
+            <a:r>
+              <a:rPr lang="en-US" sz="2000">
+                <a:latin typeface="Droid Sans Mono Chess ASCII" panose="020B0609030804020204" pitchFamily="50" charset="0"/>
+                <a:ea typeface="Droid Sans Mono Chess ASCII" panose="020B0609030804020204" pitchFamily="50" charset="0"/>
+                <a:cs typeface="Droid Sans Mono Chess ASCII" panose="020B0609030804020204" pitchFamily="50" charset="0"/>
+              </a:rPr>
+              <a:t>	</a:t>
+            </a:r>
+            <a:r>
+              <a:rPr lang="en-US" sz="2000" smtClean="0">
+                <a:latin typeface="Droid Sans Mono Chess ASCII" panose="020B0609030804020204" pitchFamily="50" charset="0"/>
+                <a:ea typeface="Droid Sans Mono Chess ASCII" panose="020B0609030804020204" pitchFamily="50" charset="0"/>
+                <a:cs typeface="Droid Sans Mono Chess ASCII" panose="020B0609030804020204" pitchFamily="50" charset="0"/>
+              </a:rPr>
+              <a:t>process2 </a:t>
+            </a:r>
+            <a:r>
+              <a:rPr lang="en-US" sz="2000">
+                <a:latin typeface="Droid Sans Mono Chess ASCII" panose="020B0609030804020204" pitchFamily="50" charset="0"/>
+                <a:ea typeface="Droid Sans Mono Chess ASCII" panose="020B0609030804020204" pitchFamily="50" charset="0"/>
+                <a:cs typeface="Droid Sans Mono Chess ASCII" panose="020B0609030804020204" pitchFamily="50" charset="0"/>
+              </a:rPr>
+              <a:t>smaller </a:t>
+            </a:r>
+            <a:r>
+              <a:rPr lang="en-US" sz="2000" smtClean="0">
+                <a:latin typeface="Droid Sans Mono Chess ASCII" panose="020B0609030804020204" pitchFamily="50" charset="0"/>
+                <a:ea typeface="Droid Sans Mono Chess ASCII" panose="020B0609030804020204" pitchFamily="50" charset="0"/>
+                <a:cs typeface="Droid Sans Mono Chess ASCII" panose="020B0609030804020204" pitchFamily="50" charset="0"/>
+              </a:rPr>
+              <a:t>  ++   [</a:t>
+            </a:r>
+            <a:r>
+              <a:rPr lang="en-US" sz="2000">
+                <a:latin typeface="Droid Sans Mono Chess ASCII" panose="020B0609030804020204" pitchFamily="50" charset="0"/>
+                <a:ea typeface="Droid Sans Mono Chess ASCII" panose="020B0609030804020204" pitchFamily="50" charset="0"/>
+                <a:cs typeface="Droid Sans Mono Chess ASCII" panose="020B0609030804020204" pitchFamily="50" charset="0"/>
+              </a:rPr>
+              <a:t>first] </a:t>
+            </a:r>
+            <a:r>
+              <a:rPr lang="en-US" sz="2000" smtClean="0">
+                <a:latin typeface="Droid Sans Mono Chess ASCII" panose="020B0609030804020204" pitchFamily="50" charset="0"/>
+                <a:ea typeface="Droid Sans Mono Chess ASCII" panose="020B0609030804020204" pitchFamily="50" charset="0"/>
+                <a:cs typeface="Droid Sans Mono Chess ASCII" panose="020B0609030804020204" pitchFamily="50" charset="0"/>
+              </a:rPr>
+              <a:t>  ++   process2 </a:t>
+            </a:r>
+            <a:r>
+              <a:rPr lang="en-US" sz="2000">
+                <a:latin typeface="Droid Sans Mono Chess ASCII" panose="020B0609030804020204" pitchFamily="50" charset="0"/>
+                <a:ea typeface="Droid Sans Mono Chess ASCII" panose="020B0609030804020204" pitchFamily="50" charset="0"/>
+                <a:cs typeface="Droid Sans Mono Chess ASCII" panose="020B0609030804020204" pitchFamily="50" charset="0"/>
+              </a:rPr>
+              <a:t>bigger</a:t>
+            </a:r>
             <a:endParaRPr lang="de-DE" sz="2000">
-              <a:latin typeface="Courier New" panose="02070309020205020404" pitchFamily="49" charset="0"/>
-              <a:cs typeface="Courier New" panose="02070309020205020404" pitchFamily="49" charset="0"/>
-            </a:endParaRPr>
-          </a:p>
-          <a:p>
-            <a:r>
-              <a:rPr lang="de-DE" sz="2000" err="1">
-                <a:latin typeface="Courier New" panose="02070309020205020404" pitchFamily="49" charset="0"/>
-                <a:cs typeface="Courier New" panose="02070309020205020404" pitchFamily="49" charset="0"/>
-              </a:rPr>
-              <a:t>void</a:t>
-            </a:r>
-            <a:r>
-              <a:rPr lang="de-DE" sz="2000">
-                <a:latin typeface="Courier New" panose="02070309020205020404" pitchFamily="49" charset="0"/>
-                <a:cs typeface="Courier New" panose="02070309020205020404" pitchFamily="49" charset="0"/>
-              </a:rPr>
-              <a:t> </a:t>
-            </a:r>
-            <a:r>
-              <a:rPr lang="de-DE" sz="2000" err="1" smtClean="0">
-                <a:latin typeface="Courier New" panose="02070309020205020404" pitchFamily="49" charset="0"/>
-                <a:cs typeface="Courier New" panose="02070309020205020404" pitchFamily="49" charset="0"/>
-              </a:rPr>
-              <a:t>process</a:t>
-            </a:r>
-            <a:r>
-              <a:rPr lang="de-DE" sz="2000" smtClean="0">
-                <a:latin typeface="Courier New" panose="02070309020205020404" pitchFamily="49" charset="0"/>
-                <a:cs typeface="Courier New" panose="02070309020205020404" pitchFamily="49" charset="0"/>
-              </a:rPr>
-              <a:t>(</a:t>
-            </a:r>
-            <a:r>
-              <a:rPr lang="de-DE" sz="2000" err="1" smtClean="0">
-                <a:latin typeface="Courier New" panose="02070309020205020404" pitchFamily="49" charset="0"/>
-                <a:cs typeface="Courier New" panose="02070309020205020404" pitchFamily="49" charset="0"/>
-              </a:rPr>
-              <a:t>int</a:t>
-            </a:r>
-            <a:r>
-              <a:rPr lang="de-DE" sz="2000" smtClean="0">
-                <a:latin typeface="Courier New" panose="02070309020205020404" pitchFamily="49" charset="0"/>
-                <a:cs typeface="Courier New" panose="02070309020205020404" pitchFamily="49" charset="0"/>
-              </a:rPr>
-              <a:t> </a:t>
-            </a:r>
-            <a:r>
-              <a:rPr lang="de-DE" sz="2000">
-                <a:latin typeface="Courier New" panose="02070309020205020404" pitchFamily="49" charset="0"/>
-                <a:cs typeface="Courier New" panose="02070309020205020404" pitchFamily="49" charset="0"/>
-              </a:rPr>
-              <a:t>*</a:t>
-            </a:r>
-            <a:r>
-              <a:rPr lang="de-DE" sz="2000" err="1">
-                <a:latin typeface="Courier New" panose="02070309020205020404" pitchFamily="49" charset="0"/>
-                <a:cs typeface="Courier New" panose="02070309020205020404" pitchFamily="49" charset="0"/>
-              </a:rPr>
-              <a:t>begin</a:t>
-            </a:r>
-            <a:r>
-              <a:rPr lang="de-DE" sz="2000">
-                <a:latin typeface="Courier New" panose="02070309020205020404" pitchFamily="49" charset="0"/>
-                <a:cs typeface="Courier New" panose="02070309020205020404" pitchFamily="49" charset="0"/>
-              </a:rPr>
-              <a:t>, </a:t>
-            </a:r>
-            <a:r>
-              <a:rPr lang="de-DE" sz="2000" err="1">
-                <a:latin typeface="Courier New" panose="02070309020205020404" pitchFamily="49" charset="0"/>
-                <a:cs typeface="Courier New" panose="02070309020205020404" pitchFamily="49" charset="0"/>
-              </a:rPr>
-              <a:t>int</a:t>
-            </a:r>
-            <a:r>
-              <a:rPr lang="de-DE" sz="2000">
-                <a:latin typeface="Courier New" panose="02070309020205020404" pitchFamily="49" charset="0"/>
-                <a:cs typeface="Courier New" panose="02070309020205020404" pitchFamily="49" charset="0"/>
-              </a:rPr>
-              <a:t> *end)</a:t>
-            </a:r>
-          </a:p>
-          <a:p>
-            <a:r>
-              <a:rPr lang="de-DE" sz="2000">
-                <a:latin typeface="Courier New" panose="02070309020205020404" pitchFamily="49" charset="0"/>
-                <a:cs typeface="Courier New" panose="02070309020205020404" pitchFamily="49" charset="0"/>
-              </a:rPr>
-              <a:t>{</a:t>
-            </a:r>
-          </a:p>
-          <a:p>
-            <a:r>
-              <a:rPr lang="de-DE" sz="2000">
-                <a:latin typeface="Courier New" panose="02070309020205020404" pitchFamily="49" charset="0"/>
-                <a:cs typeface="Courier New" panose="02070309020205020404" pitchFamily="49" charset="0"/>
-              </a:rPr>
-              <a:t>    </a:t>
-            </a:r>
-            <a:r>
-              <a:rPr lang="de-DE" sz="2000" err="1">
-                <a:latin typeface="Courier New" panose="02070309020205020404" pitchFamily="49" charset="0"/>
-                <a:cs typeface="Courier New" panose="02070309020205020404" pitchFamily="49" charset="0"/>
-              </a:rPr>
-              <a:t>int</a:t>
-            </a:r>
-            <a:r>
-              <a:rPr lang="de-DE" sz="2000">
-                <a:latin typeface="Courier New" panose="02070309020205020404" pitchFamily="49" charset="0"/>
-                <a:cs typeface="Courier New" panose="02070309020205020404" pitchFamily="49" charset="0"/>
-              </a:rPr>
-              <a:t> *</a:t>
-            </a:r>
-            <a:r>
-              <a:rPr lang="de-DE" sz="2000" err="1">
-                <a:latin typeface="Courier New" panose="02070309020205020404" pitchFamily="49" charset="0"/>
-                <a:cs typeface="Courier New" panose="02070309020205020404" pitchFamily="49" charset="0"/>
-              </a:rPr>
-              <a:t>ptr</a:t>
-            </a:r>
-            <a:r>
-              <a:rPr lang="de-DE" sz="2000">
-                <a:latin typeface="Courier New" panose="02070309020205020404" pitchFamily="49" charset="0"/>
-                <a:cs typeface="Courier New" panose="02070309020205020404" pitchFamily="49" charset="0"/>
-              </a:rPr>
-              <a:t>;</a:t>
-            </a:r>
-          </a:p>
-          <a:p>
-            <a:r>
-              <a:rPr lang="de-DE" sz="2000">
-                <a:latin typeface="Courier New" panose="02070309020205020404" pitchFamily="49" charset="0"/>
-                <a:cs typeface="Courier New" panose="02070309020205020404" pitchFamily="49" charset="0"/>
-              </a:rPr>
-              <a:t>    </a:t>
-            </a:r>
-            <a:r>
-              <a:rPr lang="de-DE" sz="2000" err="1">
-                <a:latin typeface="Courier New" panose="02070309020205020404" pitchFamily="49" charset="0"/>
-                <a:cs typeface="Courier New" panose="02070309020205020404" pitchFamily="49" charset="0"/>
-              </a:rPr>
-              <a:t>int</a:t>
-            </a:r>
-            <a:r>
-              <a:rPr lang="de-DE" sz="2000">
-                <a:latin typeface="Courier New" panose="02070309020205020404" pitchFamily="49" charset="0"/>
-                <a:cs typeface="Courier New" panose="02070309020205020404" pitchFamily="49" charset="0"/>
-              </a:rPr>
-              <a:t> *</a:t>
-            </a:r>
-            <a:r>
-              <a:rPr lang="de-DE" sz="2000" err="1">
-                <a:latin typeface="Courier New" panose="02070309020205020404" pitchFamily="49" charset="0"/>
-                <a:cs typeface="Courier New" panose="02070309020205020404" pitchFamily="49" charset="0"/>
-              </a:rPr>
-              <a:t>split</a:t>
-            </a:r>
-            <a:r>
-              <a:rPr lang="de-DE" sz="2000">
-                <a:latin typeface="Courier New" panose="02070309020205020404" pitchFamily="49" charset="0"/>
-                <a:cs typeface="Courier New" panose="02070309020205020404" pitchFamily="49" charset="0"/>
-              </a:rPr>
-              <a:t>;</a:t>
-            </a:r>
-          </a:p>
-          <a:p>
-            <a:r>
-              <a:rPr lang="de-DE" sz="2000">
-                <a:latin typeface="Courier New" panose="02070309020205020404" pitchFamily="49" charset="0"/>
-                <a:cs typeface="Courier New" panose="02070309020205020404" pitchFamily="49" charset="0"/>
-              </a:rPr>
-              <a:t>    </a:t>
-            </a:r>
-            <a:r>
-              <a:rPr lang="de-DE" sz="2000" err="1">
-                <a:latin typeface="Courier New" panose="02070309020205020404" pitchFamily="49" charset="0"/>
-                <a:cs typeface="Courier New" panose="02070309020205020404" pitchFamily="49" charset="0"/>
-              </a:rPr>
-              <a:t>if</a:t>
-            </a:r>
-            <a:r>
-              <a:rPr lang="de-DE" sz="2000">
-                <a:latin typeface="Courier New" panose="02070309020205020404" pitchFamily="49" charset="0"/>
-                <a:cs typeface="Courier New" panose="02070309020205020404" pitchFamily="49" charset="0"/>
-              </a:rPr>
-              <a:t> (end - </a:t>
-            </a:r>
-            <a:r>
-              <a:rPr lang="de-DE" sz="2000" err="1">
-                <a:latin typeface="Courier New" panose="02070309020205020404" pitchFamily="49" charset="0"/>
-                <a:cs typeface="Courier New" panose="02070309020205020404" pitchFamily="49" charset="0"/>
-              </a:rPr>
-              <a:t>begin</a:t>
-            </a:r>
-            <a:r>
-              <a:rPr lang="de-DE" sz="2000">
-                <a:latin typeface="Courier New" panose="02070309020205020404" pitchFamily="49" charset="0"/>
-                <a:cs typeface="Courier New" panose="02070309020205020404" pitchFamily="49" charset="0"/>
-              </a:rPr>
-              <a:t> &lt;= 1)</a:t>
-            </a:r>
-          </a:p>
-          <a:p>
-            <a:r>
-              <a:rPr lang="de-DE" sz="2000">
-                <a:latin typeface="Courier New" panose="02070309020205020404" pitchFamily="49" charset="0"/>
-                <a:cs typeface="Courier New" panose="02070309020205020404" pitchFamily="49" charset="0"/>
-              </a:rPr>
-              <a:t>        </a:t>
-            </a:r>
-            <a:r>
-              <a:rPr lang="de-DE" sz="2000" err="1">
-                <a:latin typeface="Courier New" panose="02070309020205020404" pitchFamily="49" charset="0"/>
-                <a:cs typeface="Courier New" panose="02070309020205020404" pitchFamily="49" charset="0"/>
-              </a:rPr>
-              <a:t>return</a:t>
-            </a:r>
-            <a:r>
-              <a:rPr lang="de-DE" sz="2000">
-                <a:latin typeface="Courier New" panose="02070309020205020404" pitchFamily="49" charset="0"/>
-                <a:cs typeface="Courier New" panose="02070309020205020404" pitchFamily="49" charset="0"/>
-              </a:rPr>
-              <a:t>;</a:t>
-            </a:r>
-          </a:p>
-          <a:p>
-            <a:r>
-              <a:rPr lang="de-DE" sz="2000">
-                <a:latin typeface="Courier New" panose="02070309020205020404" pitchFamily="49" charset="0"/>
-                <a:cs typeface="Courier New" panose="02070309020205020404" pitchFamily="49" charset="0"/>
-              </a:rPr>
-              <a:t>    </a:t>
-            </a:r>
-            <a:r>
-              <a:rPr lang="de-DE" sz="2000" err="1">
-                <a:latin typeface="Courier New" panose="02070309020205020404" pitchFamily="49" charset="0"/>
-                <a:cs typeface="Courier New" panose="02070309020205020404" pitchFamily="49" charset="0"/>
-              </a:rPr>
-              <a:t>ptr</a:t>
-            </a:r>
-            <a:r>
-              <a:rPr lang="de-DE" sz="2000">
-                <a:latin typeface="Courier New" panose="02070309020205020404" pitchFamily="49" charset="0"/>
-                <a:cs typeface="Courier New" panose="02070309020205020404" pitchFamily="49" charset="0"/>
-              </a:rPr>
-              <a:t> = </a:t>
-            </a:r>
-            <a:r>
-              <a:rPr lang="de-DE" sz="2000" err="1">
-                <a:latin typeface="Courier New" panose="02070309020205020404" pitchFamily="49" charset="0"/>
-                <a:cs typeface="Courier New" panose="02070309020205020404" pitchFamily="49" charset="0"/>
-              </a:rPr>
-              <a:t>begin</a:t>
-            </a:r>
-            <a:r>
-              <a:rPr lang="de-DE" sz="2000">
-                <a:latin typeface="Courier New" panose="02070309020205020404" pitchFamily="49" charset="0"/>
-                <a:cs typeface="Courier New" panose="02070309020205020404" pitchFamily="49" charset="0"/>
-              </a:rPr>
-              <a:t>;</a:t>
-            </a:r>
-          </a:p>
-          <a:p>
-            <a:r>
-              <a:rPr lang="de-DE" sz="2000">
-                <a:latin typeface="Courier New" panose="02070309020205020404" pitchFamily="49" charset="0"/>
-                <a:cs typeface="Courier New" panose="02070309020205020404" pitchFamily="49" charset="0"/>
-              </a:rPr>
-              <a:t>    </a:t>
-            </a:r>
-            <a:r>
-              <a:rPr lang="de-DE" sz="2000" err="1">
-                <a:latin typeface="Courier New" panose="02070309020205020404" pitchFamily="49" charset="0"/>
-                <a:cs typeface="Courier New" panose="02070309020205020404" pitchFamily="49" charset="0"/>
-              </a:rPr>
-              <a:t>split</a:t>
-            </a:r>
-            <a:r>
-              <a:rPr lang="de-DE" sz="2000">
-                <a:latin typeface="Courier New" panose="02070309020205020404" pitchFamily="49" charset="0"/>
-                <a:cs typeface="Courier New" panose="02070309020205020404" pitchFamily="49" charset="0"/>
-              </a:rPr>
-              <a:t> = </a:t>
-            </a:r>
-            <a:r>
-              <a:rPr lang="de-DE" sz="2000" err="1">
-                <a:latin typeface="Courier New" panose="02070309020205020404" pitchFamily="49" charset="0"/>
-                <a:cs typeface="Courier New" panose="02070309020205020404" pitchFamily="49" charset="0"/>
-              </a:rPr>
-              <a:t>begin</a:t>
-            </a:r>
-            <a:r>
-              <a:rPr lang="de-DE" sz="2000">
-                <a:latin typeface="Courier New" panose="02070309020205020404" pitchFamily="49" charset="0"/>
-                <a:cs typeface="Courier New" panose="02070309020205020404" pitchFamily="49" charset="0"/>
-              </a:rPr>
-              <a:t> + 1;</a:t>
-            </a:r>
-          </a:p>
-          <a:p>
-            <a:r>
-              <a:rPr lang="de-DE" sz="2000">
-                <a:latin typeface="Courier New" panose="02070309020205020404" pitchFamily="49" charset="0"/>
-                <a:cs typeface="Courier New" panose="02070309020205020404" pitchFamily="49" charset="0"/>
-              </a:rPr>
-              <a:t>    </a:t>
-            </a:r>
-            <a:r>
-              <a:rPr lang="de-DE" sz="2000" err="1">
-                <a:latin typeface="Courier New" panose="02070309020205020404" pitchFamily="49" charset="0"/>
-                <a:cs typeface="Courier New" panose="02070309020205020404" pitchFamily="49" charset="0"/>
-              </a:rPr>
-              <a:t>while</a:t>
-            </a:r>
-            <a:r>
-              <a:rPr lang="de-DE" sz="2000">
-                <a:latin typeface="Courier New" panose="02070309020205020404" pitchFamily="49" charset="0"/>
-                <a:cs typeface="Courier New" panose="02070309020205020404" pitchFamily="49" charset="0"/>
-              </a:rPr>
-              <a:t> (++</a:t>
-            </a:r>
-            <a:r>
-              <a:rPr lang="de-DE" sz="2000" err="1">
-                <a:latin typeface="Courier New" panose="02070309020205020404" pitchFamily="49" charset="0"/>
-                <a:cs typeface="Courier New" panose="02070309020205020404" pitchFamily="49" charset="0"/>
-              </a:rPr>
-              <a:t>ptr</a:t>
-            </a:r>
-            <a:r>
-              <a:rPr lang="de-DE" sz="2000">
-                <a:latin typeface="Courier New" panose="02070309020205020404" pitchFamily="49" charset="0"/>
-                <a:cs typeface="Courier New" panose="02070309020205020404" pitchFamily="49" charset="0"/>
-              </a:rPr>
-              <a:t> &lt;= end) {</a:t>
-            </a:r>
-          </a:p>
-          <a:p>
-            <a:r>
-              <a:rPr lang="de-DE" sz="2000">
-                <a:latin typeface="Courier New" panose="02070309020205020404" pitchFamily="49" charset="0"/>
-                <a:cs typeface="Courier New" panose="02070309020205020404" pitchFamily="49" charset="0"/>
-              </a:rPr>
-              <a:t>        </a:t>
-            </a:r>
-            <a:r>
-              <a:rPr lang="de-DE" sz="2000" err="1">
-                <a:latin typeface="Courier New" panose="02070309020205020404" pitchFamily="49" charset="0"/>
-                <a:cs typeface="Courier New" panose="02070309020205020404" pitchFamily="49" charset="0"/>
-              </a:rPr>
-              <a:t>if</a:t>
-            </a:r>
-            <a:r>
-              <a:rPr lang="de-DE" sz="2000">
-                <a:latin typeface="Courier New" panose="02070309020205020404" pitchFamily="49" charset="0"/>
-                <a:cs typeface="Courier New" panose="02070309020205020404" pitchFamily="49" charset="0"/>
-              </a:rPr>
-              <a:t> (*</a:t>
-            </a:r>
-            <a:r>
-              <a:rPr lang="de-DE" sz="2000" err="1">
-                <a:latin typeface="Courier New" panose="02070309020205020404" pitchFamily="49" charset="0"/>
-                <a:cs typeface="Courier New" panose="02070309020205020404" pitchFamily="49" charset="0"/>
-              </a:rPr>
-              <a:t>ptr</a:t>
-            </a:r>
-            <a:r>
-              <a:rPr lang="de-DE" sz="2000">
-                <a:latin typeface="Courier New" panose="02070309020205020404" pitchFamily="49" charset="0"/>
-                <a:cs typeface="Courier New" panose="02070309020205020404" pitchFamily="49" charset="0"/>
-              </a:rPr>
-              <a:t> &lt; *</a:t>
-            </a:r>
-            <a:r>
-              <a:rPr lang="de-DE" sz="2000" err="1">
-                <a:latin typeface="Courier New" panose="02070309020205020404" pitchFamily="49" charset="0"/>
-                <a:cs typeface="Courier New" panose="02070309020205020404" pitchFamily="49" charset="0"/>
-              </a:rPr>
-              <a:t>begin</a:t>
-            </a:r>
-            <a:r>
-              <a:rPr lang="de-DE" sz="2000">
-                <a:latin typeface="Courier New" panose="02070309020205020404" pitchFamily="49" charset="0"/>
-                <a:cs typeface="Courier New" panose="02070309020205020404" pitchFamily="49" charset="0"/>
-              </a:rPr>
-              <a:t>) {</a:t>
-            </a:r>
-          </a:p>
-          <a:p>
-            <a:r>
-              <a:rPr lang="de-DE" sz="2000">
-                <a:latin typeface="Courier New" panose="02070309020205020404" pitchFamily="49" charset="0"/>
-                <a:cs typeface="Courier New" panose="02070309020205020404" pitchFamily="49" charset="0"/>
-              </a:rPr>
-              <a:t>            </a:t>
-            </a:r>
-            <a:r>
-              <a:rPr lang="de-DE" sz="2000" err="1">
-                <a:latin typeface="Courier New" panose="02070309020205020404" pitchFamily="49" charset="0"/>
-                <a:cs typeface="Courier New" panose="02070309020205020404" pitchFamily="49" charset="0"/>
-              </a:rPr>
-              <a:t>swap</a:t>
-            </a:r>
-            <a:r>
-              <a:rPr lang="de-DE" sz="2000">
-                <a:latin typeface="Courier New" panose="02070309020205020404" pitchFamily="49" charset="0"/>
-                <a:cs typeface="Courier New" panose="02070309020205020404" pitchFamily="49" charset="0"/>
-              </a:rPr>
-              <a:t>(</a:t>
-            </a:r>
-            <a:r>
-              <a:rPr lang="de-DE" sz="2000" err="1">
-                <a:latin typeface="Courier New" panose="02070309020205020404" pitchFamily="49" charset="0"/>
-                <a:cs typeface="Courier New" panose="02070309020205020404" pitchFamily="49" charset="0"/>
-              </a:rPr>
-              <a:t>ptr</a:t>
-            </a:r>
-            <a:r>
-              <a:rPr lang="de-DE" sz="2000">
-                <a:latin typeface="Courier New" panose="02070309020205020404" pitchFamily="49" charset="0"/>
-                <a:cs typeface="Courier New" panose="02070309020205020404" pitchFamily="49" charset="0"/>
-              </a:rPr>
-              <a:t>, </a:t>
-            </a:r>
-            <a:r>
-              <a:rPr lang="de-DE" sz="2000" err="1">
-                <a:latin typeface="Courier New" panose="02070309020205020404" pitchFamily="49" charset="0"/>
-                <a:cs typeface="Courier New" panose="02070309020205020404" pitchFamily="49" charset="0"/>
-              </a:rPr>
-              <a:t>split</a:t>
-            </a:r>
-            <a:r>
-              <a:rPr lang="de-DE" sz="2000">
-                <a:latin typeface="Courier New" panose="02070309020205020404" pitchFamily="49" charset="0"/>
-                <a:cs typeface="Courier New" panose="02070309020205020404" pitchFamily="49" charset="0"/>
-              </a:rPr>
-              <a:t>);</a:t>
-            </a:r>
-          </a:p>
-          <a:p>
-            <a:r>
-              <a:rPr lang="de-DE" sz="2000">
-                <a:latin typeface="Courier New" panose="02070309020205020404" pitchFamily="49" charset="0"/>
-                <a:cs typeface="Courier New" panose="02070309020205020404" pitchFamily="49" charset="0"/>
-              </a:rPr>
-              <a:t>            ++</a:t>
-            </a:r>
-            <a:r>
-              <a:rPr lang="de-DE" sz="2000" err="1">
-                <a:latin typeface="Courier New" panose="02070309020205020404" pitchFamily="49" charset="0"/>
-                <a:cs typeface="Courier New" panose="02070309020205020404" pitchFamily="49" charset="0"/>
-              </a:rPr>
-              <a:t>split</a:t>
-            </a:r>
-            <a:r>
-              <a:rPr lang="de-DE" sz="2000">
-                <a:latin typeface="Courier New" panose="02070309020205020404" pitchFamily="49" charset="0"/>
-                <a:cs typeface="Courier New" panose="02070309020205020404" pitchFamily="49" charset="0"/>
-              </a:rPr>
-              <a:t>;</a:t>
-            </a:r>
-          </a:p>
-          <a:p>
-            <a:r>
-              <a:rPr lang="de-DE" sz="2000">
-                <a:latin typeface="Courier New" panose="02070309020205020404" pitchFamily="49" charset="0"/>
-                <a:cs typeface="Courier New" panose="02070309020205020404" pitchFamily="49" charset="0"/>
-              </a:rPr>
-              <a:t>        }</a:t>
-            </a:r>
-          </a:p>
-          <a:p>
-            <a:r>
-              <a:rPr lang="de-DE" sz="2000">
-                <a:latin typeface="Courier New" panose="02070309020205020404" pitchFamily="49" charset="0"/>
-                <a:cs typeface="Courier New" panose="02070309020205020404" pitchFamily="49" charset="0"/>
-              </a:rPr>
-              <a:t>    }</a:t>
-            </a:r>
-          </a:p>
-          <a:p>
-            <a:r>
-              <a:rPr lang="de-DE" sz="2000">
-                <a:latin typeface="Courier New" panose="02070309020205020404" pitchFamily="49" charset="0"/>
-                <a:cs typeface="Courier New" panose="02070309020205020404" pitchFamily="49" charset="0"/>
-              </a:rPr>
-              <a:t>    </a:t>
-            </a:r>
-            <a:r>
-              <a:rPr lang="de-DE" sz="2000" err="1">
-                <a:latin typeface="Courier New" panose="02070309020205020404" pitchFamily="49" charset="0"/>
-                <a:cs typeface="Courier New" panose="02070309020205020404" pitchFamily="49" charset="0"/>
-              </a:rPr>
-              <a:t>swap</a:t>
-            </a:r>
-            <a:r>
-              <a:rPr lang="de-DE" sz="2000">
-                <a:latin typeface="Courier New" panose="02070309020205020404" pitchFamily="49" charset="0"/>
-                <a:cs typeface="Courier New" panose="02070309020205020404" pitchFamily="49" charset="0"/>
-              </a:rPr>
-              <a:t>(</a:t>
-            </a:r>
-            <a:r>
-              <a:rPr lang="de-DE" sz="2000" err="1">
-                <a:latin typeface="Courier New" panose="02070309020205020404" pitchFamily="49" charset="0"/>
-                <a:cs typeface="Courier New" panose="02070309020205020404" pitchFamily="49" charset="0"/>
-              </a:rPr>
-              <a:t>begin</a:t>
-            </a:r>
-            <a:r>
-              <a:rPr lang="de-DE" sz="2000">
-                <a:latin typeface="Courier New" panose="02070309020205020404" pitchFamily="49" charset="0"/>
-                <a:cs typeface="Courier New" panose="02070309020205020404" pitchFamily="49" charset="0"/>
-              </a:rPr>
-              <a:t>, </a:t>
-            </a:r>
-            <a:r>
-              <a:rPr lang="de-DE" sz="2000" err="1">
-                <a:latin typeface="Courier New" panose="02070309020205020404" pitchFamily="49" charset="0"/>
-                <a:cs typeface="Courier New" panose="02070309020205020404" pitchFamily="49" charset="0"/>
-              </a:rPr>
-              <a:t>split</a:t>
-            </a:r>
-            <a:r>
-              <a:rPr lang="de-DE" sz="2000">
-                <a:latin typeface="Courier New" panose="02070309020205020404" pitchFamily="49" charset="0"/>
-                <a:cs typeface="Courier New" panose="02070309020205020404" pitchFamily="49" charset="0"/>
-              </a:rPr>
-              <a:t> - 1);</a:t>
-            </a:r>
-          </a:p>
-          <a:p>
-            <a:r>
-              <a:rPr lang="de-DE" sz="2000">
-                <a:latin typeface="Courier New" panose="02070309020205020404" pitchFamily="49" charset="0"/>
-                <a:cs typeface="Courier New" panose="02070309020205020404" pitchFamily="49" charset="0"/>
-              </a:rPr>
-              <a:t>    </a:t>
-            </a:r>
-            <a:r>
-              <a:rPr lang="de-DE" sz="2000" err="1" smtClean="0">
-                <a:latin typeface="Courier New" panose="02070309020205020404" pitchFamily="49" charset="0"/>
-                <a:cs typeface="Courier New" panose="02070309020205020404" pitchFamily="49" charset="0"/>
-              </a:rPr>
-              <a:t>process</a:t>
-            </a:r>
-            <a:r>
-              <a:rPr lang="de-DE" sz="2000" smtClean="0">
-                <a:latin typeface="Courier New" panose="02070309020205020404" pitchFamily="49" charset="0"/>
-                <a:cs typeface="Courier New" panose="02070309020205020404" pitchFamily="49" charset="0"/>
-              </a:rPr>
-              <a:t>(</a:t>
-            </a:r>
-            <a:r>
-              <a:rPr lang="de-DE" sz="2000" err="1" smtClean="0">
-                <a:latin typeface="Courier New" panose="02070309020205020404" pitchFamily="49" charset="0"/>
-                <a:cs typeface="Courier New" panose="02070309020205020404" pitchFamily="49" charset="0"/>
-              </a:rPr>
-              <a:t>begin</a:t>
-            </a:r>
-            <a:r>
-              <a:rPr lang="de-DE" sz="2000">
-                <a:latin typeface="Courier New" panose="02070309020205020404" pitchFamily="49" charset="0"/>
-                <a:cs typeface="Courier New" panose="02070309020205020404" pitchFamily="49" charset="0"/>
-              </a:rPr>
-              <a:t>, </a:t>
-            </a:r>
-            <a:r>
-              <a:rPr lang="de-DE" sz="2000" err="1">
-                <a:latin typeface="Courier New" panose="02070309020205020404" pitchFamily="49" charset="0"/>
-                <a:cs typeface="Courier New" panose="02070309020205020404" pitchFamily="49" charset="0"/>
-              </a:rPr>
-              <a:t>split</a:t>
-            </a:r>
-            <a:r>
-              <a:rPr lang="de-DE" sz="2000">
-                <a:latin typeface="Courier New" panose="02070309020205020404" pitchFamily="49" charset="0"/>
-                <a:cs typeface="Courier New" panose="02070309020205020404" pitchFamily="49" charset="0"/>
-              </a:rPr>
-              <a:t> - 1);</a:t>
-            </a:r>
-          </a:p>
-          <a:p>
-            <a:r>
-              <a:rPr lang="de-DE" sz="2000">
-                <a:latin typeface="Courier New" panose="02070309020205020404" pitchFamily="49" charset="0"/>
-                <a:cs typeface="Courier New" panose="02070309020205020404" pitchFamily="49" charset="0"/>
-              </a:rPr>
-              <a:t>    </a:t>
-            </a:r>
-            <a:r>
-              <a:rPr lang="de-DE" sz="2000" err="1" smtClean="0">
-                <a:latin typeface="Courier New" panose="02070309020205020404" pitchFamily="49" charset="0"/>
-                <a:cs typeface="Courier New" panose="02070309020205020404" pitchFamily="49" charset="0"/>
-              </a:rPr>
-              <a:t>process</a:t>
-            </a:r>
-            <a:r>
-              <a:rPr lang="de-DE" sz="2000" smtClean="0">
-                <a:latin typeface="Courier New" panose="02070309020205020404" pitchFamily="49" charset="0"/>
-                <a:cs typeface="Courier New" panose="02070309020205020404" pitchFamily="49" charset="0"/>
-              </a:rPr>
-              <a:t>(</a:t>
-            </a:r>
-            <a:r>
-              <a:rPr lang="de-DE" sz="2000" err="1" smtClean="0">
-                <a:latin typeface="Courier New" panose="02070309020205020404" pitchFamily="49" charset="0"/>
-                <a:cs typeface="Courier New" panose="02070309020205020404" pitchFamily="49" charset="0"/>
-              </a:rPr>
-              <a:t>split</a:t>
-            </a:r>
-            <a:r>
-              <a:rPr lang="de-DE" sz="2000">
-                <a:latin typeface="Courier New" panose="02070309020205020404" pitchFamily="49" charset="0"/>
-                <a:cs typeface="Courier New" panose="02070309020205020404" pitchFamily="49" charset="0"/>
-              </a:rPr>
-              <a:t>, end);</a:t>
-            </a:r>
-          </a:p>
-          <a:p>
-            <a:r>
-              <a:rPr lang="de-DE" sz="2000">
-                <a:latin typeface="Courier New" panose="02070309020205020404" pitchFamily="49" charset="0"/>
-                <a:cs typeface="Courier New" panose="02070309020205020404" pitchFamily="49" charset="0"/>
-              </a:rPr>
-              <a:t>}</a:t>
-            </a:r>
-            <a:endParaRPr lang="de-DE" sz="2000" smtClean="0">
-              <a:latin typeface="Courier New" panose="02070309020205020404" pitchFamily="49" charset="0"/>
-              <a:cs typeface="Courier New" panose="02070309020205020404" pitchFamily="49" charset="0"/>
+              <a:latin typeface="Droid Sans Mono Chess ASCII" panose="020B0609030804020204" pitchFamily="50" charset="0"/>
+              <a:ea typeface="Droid Sans Mono Chess ASCII" panose="020B0609030804020204" pitchFamily="50" charset="0"/>
+              <a:cs typeface="Droid Sans Mono Chess ASCII" panose="020B0609030804020204" pitchFamily="50" charset="0"/>
             </a:endParaRPr>
           </a:p>
         </p:txBody>
@@ -6875,7 +6319,7 @@
     </p:spTree>
     <p:extLst>
       <p:ext uri="{BB962C8B-B14F-4D97-AF65-F5344CB8AC3E}">
-        <p14:creationId xmlns:p14="http://schemas.microsoft.com/office/powerpoint/2010/main" val="3339263808"/>
+        <p14:creationId xmlns:p14="http://schemas.microsoft.com/office/powerpoint/2010/main" val="2610126838"/>
       </p:ext>
     </p:extLst>
   </p:cSld>
@@ -6933,12 +6377,8 @@
           <a:lstStyle/>
           <a:p>
             <a:r>
-              <a:rPr lang="en-US" smtClean="0"/>
-              <a:t>How to prove </a:t>
-            </a:r>
-            <a:r>
-              <a:rPr lang="en-US" smtClean="0"/>
-              <a:t>the functionality?</a:t>
+              <a:rPr lang="en-US"/>
+              <a:t>How to prove the functionality?</a:t>
             </a:r>
             <a:endParaRPr lang="en-US" smtClean="0"/>
           </a:p>
@@ -6946,14 +6386,14 @@
       </p:sp>
       <p:sp>
         <p:nvSpPr>
-          <p:cNvPr id="4" name="Textfeld 3"/>
+          <p:cNvPr id="3" name="Textfeld 2"/>
           <p:cNvSpPr txBox="1"/>
           <p:nvPr/>
         </p:nvSpPr>
         <p:spPr>
           <a:xfrm>
-            <a:off x="477520" y="2046596"/>
-            <a:ext cx="11435438" cy="1938992"/>
+            <a:off x="477520" y="1229360"/>
+            <a:ext cx="5416868" cy="7786747"/>
           </a:xfrm>
           <a:prstGeom prst="rect">
             <a:avLst/>
@@ -6961,187 +6401,787 @@
           <a:noFill/>
         </p:spPr>
         <p:txBody>
-          <a:bodyPr wrap="square" rtlCol="0">
+          <a:bodyPr wrap="none" rtlCol="0">
             <a:spAutoFit/>
           </a:bodyPr>
           <a:lstStyle/>
           <a:p>
             <a:r>
-              <a:rPr lang="en-US" sz="2000">
-                <a:latin typeface="Droid Sans Mono Chess ASCII" panose="020B0609030804020204" pitchFamily="50" charset="0"/>
-                <a:ea typeface="Droid Sans Mono Chess ASCII" panose="020B0609030804020204" pitchFamily="50" charset="0"/>
-                <a:cs typeface="Droid Sans Mono Chess ASCII" panose="020B0609030804020204" pitchFamily="50" charset="0"/>
-              </a:rPr>
-              <a:t>process2 []           = </a:t>
-            </a:r>
-            <a:r>
-              <a:rPr lang="en-US" sz="2000" smtClean="0">
-                <a:latin typeface="Droid Sans Mono Chess ASCII" panose="020B0609030804020204" pitchFamily="50" charset="0"/>
-                <a:ea typeface="Droid Sans Mono Chess ASCII" panose="020B0609030804020204" pitchFamily="50" charset="0"/>
-                <a:cs typeface="Droid Sans Mono Chess ASCII" panose="020B0609030804020204" pitchFamily="50" charset="0"/>
-              </a:rPr>
-              <a:t>[]</a:t>
-            </a:r>
-          </a:p>
-          <a:p>
-            <a:endParaRPr lang="en-US" sz="2000">
-              <a:latin typeface="Droid Sans Mono Chess ASCII" panose="020B0609030804020204" pitchFamily="50" charset="0"/>
-              <a:ea typeface="Droid Sans Mono Chess ASCII" panose="020B0609030804020204" pitchFamily="50" charset="0"/>
-              <a:cs typeface="Droid Sans Mono Chess ASCII" panose="020B0609030804020204" pitchFamily="50" charset="0"/>
+              <a:rPr lang="de-DE" sz="2000" err="1">
+                <a:latin typeface="Courier New" panose="02070309020205020404" pitchFamily="49" charset="0"/>
+                <a:cs typeface="Courier New" panose="02070309020205020404" pitchFamily="49" charset="0"/>
+              </a:rPr>
+              <a:t>void</a:t>
+            </a:r>
+            <a:r>
+              <a:rPr lang="de-DE" sz="2000">
+                <a:latin typeface="Courier New" panose="02070309020205020404" pitchFamily="49" charset="0"/>
+                <a:cs typeface="Courier New" panose="02070309020205020404" pitchFamily="49" charset="0"/>
+              </a:rPr>
+              <a:t> </a:t>
+            </a:r>
+            <a:r>
+              <a:rPr lang="de-DE" sz="2000" err="1">
+                <a:latin typeface="Courier New" panose="02070309020205020404" pitchFamily="49" charset="0"/>
+                <a:cs typeface="Courier New" panose="02070309020205020404" pitchFamily="49" charset="0"/>
+              </a:rPr>
+              <a:t>swap</a:t>
+            </a:r>
+            <a:r>
+              <a:rPr lang="de-DE" sz="2000">
+                <a:latin typeface="Courier New" panose="02070309020205020404" pitchFamily="49" charset="0"/>
+                <a:cs typeface="Courier New" panose="02070309020205020404" pitchFamily="49" charset="0"/>
+              </a:rPr>
+              <a:t>(</a:t>
+            </a:r>
+            <a:r>
+              <a:rPr lang="de-DE" sz="2000" err="1">
+                <a:latin typeface="Courier New" panose="02070309020205020404" pitchFamily="49" charset="0"/>
+                <a:cs typeface="Courier New" panose="02070309020205020404" pitchFamily="49" charset="0"/>
+              </a:rPr>
+              <a:t>int</a:t>
+            </a:r>
+            <a:r>
+              <a:rPr lang="de-DE" sz="2000">
+                <a:latin typeface="Courier New" panose="02070309020205020404" pitchFamily="49" charset="0"/>
+                <a:cs typeface="Courier New" panose="02070309020205020404" pitchFamily="49" charset="0"/>
+              </a:rPr>
+              <a:t> *a, </a:t>
+            </a:r>
+            <a:r>
+              <a:rPr lang="de-DE" sz="2000" err="1">
+                <a:latin typeface="Courier New" panose="02070309020205020404" pitchFamily="49" charset="0"/>
+                <a:cs typeface="Courier New" panose="02070309020205020404" pitchFamily="49" charset="0"/>
+              </a:rPr>
+              <a:t>int</a:t>
+            </a:r>
+            <a:r>
+              <a:rPr lang="de-DE" sz="2000">
+                <a:latin typeface="Courier New" panose="02070309020205020404" pitchFamily="49" charset="0"/>
+                <a:cs typeface="Courier New" panose="02070309020205020404" pitchFamily="49" charset="0"/>
+              </a:rPr>
+              <a:t> *b)</a:t>
+            </a:r>
+          </a:p>
+          <a:p>
+            <a:r>
+              <a:rPr lang="de-DE" sz="2000">
+                <a:latin typeface="Courier New" panose="02070309020205020404" pitchFamily="49" charset="0"/>
+                <a:cs typeface="Courier New" panose="02070309020205020404" pitchFamily="49" charset="0"/>
+              </a:rPr>
+              <a:t>{</a:t>
+            </a:r>
+          </a:p>
+          <a:p>
+            <a:r>
+              <a:rPr lang="de-DE" sz="2000">
+                <a:latin typeface="Courier New" panose="02070309020205020404" pitchFamily="49" charset="0"/>
+                <a:cs typeface="Courier New" panose="02070309020205020404" pitchFamily="49" charset="0"/>
+              </a:rPr>
+              <a:t>    </a:t>
+            </a:r>
+            <a:r>
+              <a:rPr lang="de-DE" sz="2000" err="1">
+                <a:latin typeface="Courier New" panose="02070309020205020404" pitchFamily="49" charset="0"/>
+                <a:cs typeface="Courier New" panose="02070309020205020404" pitchFamily="49" charset="0"/>
+              </a:rPr>
+              <a:t>int</a:t>
+            </a:r>
+            <a:r>
+              <a:rPr lang="de-DE" sz="2000">
+                <a:latin typeface="Courier New" panose="02070309020205020404" pitchFamily="49" charset="0"/>
+                <a:cs typeface="Courier New" panose="02070309020205020404" pitchFamily="49" charset="0"/>
+              </a:rPr>
+              <a:t> </a:t>
+            </a:r>
+            <a:r>
+              <a:rPr lang="de-DE" sz="2000" err="1">
+                <a:latin typeface="Courier New" panose="02070309020205020404" pitchFamily="49" charset="0"/>
+                <a:cs typeface="Courier New" panose="02070309020205020404" pitchFamily="49" charset="0"/>
+              </a:rPr>
+              <a:t>tmp</a:t>
+            </a:r>
+            <a:r>
+              <a:rPr lang="de-DE" sz="2000">
+                <a:latin typeface="Courier New" panose="02070309020205020404" pitchFamily="49" charset="0"/>
+                <a:cs typeface="Courier New" panose="02070309020205020404" pitchFamily="49" charset="0"/>
+              </a:rPr>
+              <a:t> = *a;</a:t>
+            </a:r>
+          </a:p>
+          <a:p>
+            <a:r>
+              <a:rPr lang="de-DE" sz="2000">
+                <a:latin typeface="Courier New" panose="02070309020205020404" pitchFamily="49" charset="0"/>
+                <a:cs typeface="Courier New" panose="02070309020205020404" pitchFamily="49" charset="0"/>
+              </a:rPr>
+              <a:t>    *a = *b;</a:t>
+            </a:r>
+          </a:p>
+          <a:p>
+            <a:r>
+              <a:rPr lang="de-DE" sz="2000">
+                <a:latin typeface="Courier New" panose="02070309020205020404" pitchFamily="49" charset="0"/>
+                <a:cs typeface="Courier New" panose="02070309020205020404" pitchFamily="49" charset="0"/>
+              </a:rPr>
+              <a:t>    *b = </a:t>
+            </a:r>
+            <a:r>
+              <a:rPr lang="de-DE" sz="2000" err="1">
+                <a:latin typeface="Courier New" panose="02070309020205020404" pitchFamily="49" charset="0"/>
+                <a:cs typeface="Courier New" panose="02070309020205020404" pitchFamily="49" charset="0"/>
+              </a:rPr>
+              <a:t>tmp</a:t>
+            </a:r>
+            <a:r>
+              <a:rPr lang="de-DE" sz="2000">
+                <a:latin typeface="Courier New" panose="02070309020205020404" pitchFamily="49" charset="0"/>
+                <a:cs typeface="Courier New" panose="02070309020205020404" pitchFamily="49" charset="0"/>
+              </a:rPr>
+              <a:t>;</a:t>
+            </a:r>
+          </a:p>
+          <a:p>
+            <a:r>
+              <a:rPr lang="de-DE" sz="2000">
+                <a:latin typeface="Courier New" panose="02070309020205020404" pitchFamily="49" charset="0"/>
+                <a:cs typeface="Courier New" panose="02070309020205020404" pitchFamily="49" charset="0"/>
+              </a:rPr>
+              <a:t>}</a:t>
+            </a:r>
+          </a:p>
+          <a:p>
+            <a:endParaRPr lang="de-DE" sz="2000">
+              <a:latin typeface="Courier New" panose="02070309020205020404" pitchFamily="49" charset="0"/>
+              <a:cs typeface="Courier New" panose="02070309020205020404" pitchFamily="49" charset="0"/>
             </a:endParaRPr>
           </a:p>
           <a:p>
             <a:r>
-              <a:rPr lang="en-US" sz="2000">
-                <a:latin typeface="Droid Sans Mono Chess ASCII" panose="020B0609030804020204" pitchFamily="50" charset="0"/>
-                <a:ea typeface="Droid Sans Mono Chess ASCII" panose="020B0609030804020204" pitchFamily="50" charset="0"/>
-                <a:cs typeface="Droid Sans Mono Chess ASCII" panose="020B0609030804020204" pitchFamily="50" charset="0"/>
-              </a:rPr>
-              <a:t>process2 (first:rest) = </a:t>
-            </a:r>
-            <a:r>
-              <a:rPr lang="en-US" sz="2000" smtClean="0">
-                <a:latin typeface="Droid Sans Mono Chess ASCII" panose="020B0609030804020204" pitchFamily="50" charset="0"/>
-                <a:ea typeface="Droid Sans Mono Chess ASCII" panose="020B0609030804020204" pitchFamily="50" charset="0"/>
-                <a:cs typeface="Droid Sans Mono Chess ASCII" panose="020B0609030804020204" pitchFamily="50" charset="0"/>
-              </a:rPr>
-              <a:t>let smaller </a:t>
-            </a:r>
-            <a:r>
-              <a:rPr lang="en-US" sz="2000">
-                <a:latin typeface="Droid Sans Mono Chess ASCII" panose="020B0609030804020204" pitchFamily="50" charset="0"/>
-                <a:ea typeface="Droid Sans Mono Chess ASCII" panose="020B0609030804020204" pitchFamily="50" charset="0"/>
-                <a:cs typeface="Droid Sans Mono Chess ASCII" panose="020B0609030804020204" pitchFamily="50" charset="0"/>
-              </a:rPr>
-              <a:t>= filter (&lt;= first) rest</a:t>
-            </a:r>
-          </a:p>
-          <a:p>
-            <a:r>
-              <a:rPr lang="en-US" sz="2000">
-                <a:latin typeface="Droid Sans Mono Chess ASCII" panose="020B0609030804020204" pitchFamily="50" charset="0"/>
-                <a:ea typeface="Droid Sans Mono Chess ASCII" panose="020B0609030804020204" pitchFamily="50" charset="0"/>
-                <a:cs typeface="Droid Sans Mono Chess ASCII" panose="020B0609030804020204" pitchFamily="50" charset="0"/>
-              </a:rPr>
-              <a:t>	</a:t>
-            </a:r>
-            <a:r>
-              <a:rPr lang="en-US" sz="2000" smtClean="0">
-                <a:latin typeface="Droid Sans Mono Chess ASCII" panose="020B0609030804020204" pitchFamily="50" charset="0"/>
-                <a:ea typeface="Droid Sans Mono Chess ASCII" panose="020B0609030804020204" pitchFamily="50" charset="0"/>
-                <a:cs typeface="Droid Sans Mono Chess ASCII" panose="020B0609030804020204" pitchFamily="50" charset="0"/>
-              </a:rPr>
-              <a:t>                      bigger  </a:t>
-            </a:r>
-            <a:r>
-              <a:rPr lang="en-US" sz="2000">
-                <a:latin typeface="Droid Sans Mono Chess ASCII" panose="020B0609030804020204" pitchFamily="50" charset="0"/>
-                <a:ea typeface="Droid Sans Mono Chess ASCII" panose="020B0609030804020204" pitchFamily="50" charset="0"/>
-                <a:cs typeface="Droid Sans Mono Chess ASCII" panose="020B0609030804020204" pitchFamily="50" charset="0"/>
-              </a:rPr>
-              <a:t>= filter (&gt;  first</a:t>
-            </a:r>
-            <a:r>
-              <a:rPr lang="en-US" sz="2000">
-                <a:latin typeface="Droid Sans Mono Chess ASCII" panose="020B0609030804020204" pitchFamily="50" charset="0"/>
-                <a:ea typeface="Droid Sans Mono Chess ASCII" panose="020B0609030804020204" pitchFamily="50" charset="0"/>
-                <a:cs typeface="Droid Sans Mono Chess ASCII" panose="020B0609030804020204" pitchFamily="50" charset="0"/>
-              </a:rPr>
-              <a:t>) </a:t>
-            </a:r>
-            <a:r>
-              <a:rPr lang="en-US" sz="2000" smtClean="0">
-                <a:latin typeface="Droid Sans Mono Chess ASCII" panose="020B0609030804020204" pitchFamily="50" charset="0"/>
-                <a:ea typeface="Droid Sans Mono Chess ASCII" panose="020B0609030804020204" pitchFamily="50" charset="0"/>
-                <a:cs typeface="Droid Sans Mono Chess ASCII" panose="020B0609030804020204" pitchFamily="50" charset="0"/>
-              </a:rPr>
-              <a:t>rest</a:t>
-            </a:r>
-            <a:endParaRPr lang="en-US" sz="2000">
-              <a:latin typeface="Droid Sans Mono Chess ASCII" panose="020B0609030804020204" pitchFamily="50" charset="0"/>
-              <a:ea typeface="Droid Sans Mono Chess ASCII" panose="020B0609030804020204" pitchFamily="50" charset="0"/>
-              <a:cs typeface="Droid Sans Mono Chess ASCII" panose="020B0609030804020204" pitchFamily="50" charset="0"/>
-            </a:endParaRPr>
-          </a:p>
-          <a:p>
-            <a:r>
-              <a:rPr lang="en-US" sz="2000">
-                <a:latin typeface="Droid Sans Mono Chess ASCII" panose="020B0609030804020204" pitchFamily="50" charset="0"/>
-                <a:ea typeface="Droid Sans Mono Chess ASCII" panose="020B0609030804020204" pitchFamily="50" charset="0"/>
-                <a:cs typeface="Droid Sans Mono Chess ASCII" panose="020B0609030804020204" pitchFamily="50" charset="0"/>
-              </a:rPr>
-              <a:t>	in</a:t>
-            </a:r>
-          </a:p>
-          <a:p>
-            <a:r>
-              <a:rPr lang="en-US" sz="2000">
-                <a:latin typeface="Droid Sans Mono Chess ASCII" panose="020B0609030804020204" pitchFamily="50" charset="0"/>
-                <a:ea typeface="Droid Sans Mono Chess ASCII" panose="020B0609030804020204" pitchFamily="50" charset="0"/>
-                <a:cs typeface="Droid Sans Mono Chess ASCII" panose="020B0609030804020204" pitchFamily="50" charset="0"/>
-              </a:rPr>
-              <a:t>	</a:t>
-            </a:r>
-            <a:r>
-              <a:rPr lang="en-US" sz="2000" smtClean="0">
-                <a:latin typeface="Droid Sans Mono Chess ASCII" panose="020B0609030804020204" pitchFamily="50" charset="0"/>
-                <a:ea typeface="Droid Sans Mono Chess ASCII" panose="020B0609030804020204" pitchFamily="50" charset="0"/>
-                <a:cs typeface="Droid Sans Mono Chess ASCII" panose="020B0609030804020204" pitchFamily="50" charset="0"/>
-              </a:rPr>
-              <a:t>process2 </a:t>
-            </a:r>
-            <a:r>
-              <a:rPr lang="en-US" sz="2000">
-                <a:latin typeface="Droid Sans Mono Chess ASCII" panose="020B0609030804020204" pitchFamily="50" charset="0"/>
-                <a:ea typeface="Droid Sans Mono Chess ASCII" panose="020B0609030804020204" pitchFamily="50" charset="0"/>
-                <a:cs typeface="Droid Sans Mono Chess ASCII" panose="020B0609030804020204" pitchFamily="50" charset="0"/>
-              </a:rPr>
-              <a:t>smaller </a:t>
-            </a:r>
-            <a:r>
-              <a:rPr lang="en-US" sz="2000" smtClean="0">
-                <a:latin typeface="Droid Sans Mono Chess ASCII" panose="020B0609030804020204" pitchFamily="50" charset="0"/>
-                <a:ea typeface="Droid Sans Mono Chess ASCII" panose="020B0609030804020204" pitchFamily="50" charset="0"/>
-                <a:cs typeface="Droid Sans Mono Chess ASCII" panose="020B0609030804020204" pitchFamily="50" charset="0"/>
-              </a:rPr>
-              <a:t>  ++   [</a:t>
-            </a:r>
-            <a:r>
-              <a:rPr lang="en-US" sz="2000">
-                <a:latin typeface="Droid Sans Mono Chess ASCII" panose="020B0609030804020204" pitchFamily="50" charset="0"/>
-                <a:ea typeface="Droid Sans Mono Chess ASCII" panose="020B0609030804020204" pitchFamily="50" charset="0"/>
-                <a:cs typeface="Droid Sans Mono Chess ASCII" panose="020B0609030804020204" pitchFamily="50" charset="0"/>
-              </a:rPr>
-              <a:t>first</a:t>
-            </a:r>
-            <a:r>
-              <a:rPr lang="en-US" sz="2000">
-                <a:latin typeface="Droid Sans Mono Chess ASCII" panose="020B0609030804020204" pitchFamily="50" charset="0"/>
-                <a:ea typeface="Droid Sans Mono Chess ASCII" panose="020B0609030804020204" pitchFamily="50" charset="0"/>
-                <a:cs typeface="Droid Sans Mono Chess ASCII" panose="020B0609030804020204" pitchFamily="50" charset="0"/>
-              </a:rPr>
-              <a:t>] </a:t>
-            </a:r>
-            <a:r>
-              <a:rPr lang="en-US" sz="2000" smtClean="0">
-                <a:latin typeface="Droid Sans Mono Chess ASCII" panose="020B0609030804020204" pitchFamily="50" charset="0"/>
-                <a:ea typeface="Droid Sans Mono Chess ASCII" panose="020B0609030804020204" pitchFamily="50" charset="0"/>
-                <a:cs typeface="Droid Sans Mono Chess ASCII" panose="020B0609030804020204" pitchFamily="50" charset="0"/>
-              </a:rPr>
-              <a:t>  ++   process2 </a:t>
-            </a:r>
-            <a:r>
-              <a:rPr lang="en-US" sz="2000">
-                <a:latin typeface="Droid Sans Mono Chess ASCII" panose="020B0609030804020204" pitchFamily="50" charset="0"/>
-                <a:ea typeface="Droid Sans Mono Chess ASCII" panose="020B0609030804020204" pitchFamily="50" charset="0"/>
-                <a:cs typeface="Droid Sans Mono Chess ASCII" panose="020B0609030804020204" pitchFamily="50" charset="0"/>
-              </a:rPr>
-              <a:t>bigger</a:t>
-            </a:r>
-            <a:endParaRPr lang="de-DE" sz="2000">
-              <a:latin typeface="Droid Sans Mono Chess ASCII" panose="020B0609030804020204" pitchFamily="50" charset="0"/>
-              <a:ea typeface="Droid Sans Mono Chess ASCII" panose="020B0609030804020204" pitchFamily="50" charset="0"/>
-              <a:cs typeface="Droid Sans Mono Chess ASCII" panose="020B0609030804020204" pitchFamily="50" charset="0"/>
+              <a:rPr lang="de-DE" sz="2000" err="1">
+                <a:latin typeface="Courier New" panose="02070309020205020404" pitchFamily="49" charset="0"/>
+                <a:cs typeface="Courier New" panose="02070309020205020404" pitchFamily="49" charset="0"/>
+              </a:rPr>
+              <a:t>void</a:t>
+            </a:r>
+            <a:r>
+              <a:rPr lang="de-DE" sz="2000">
+                <a:latin typeface="Courier New" panose="02070309020205020404" pitchFamily="49" charset="0"/>
+                <a:cs typeface="Courier New" panose="02070309020205020404" pitchFamily="49" charset="0"/>
+              </a:rPr>
+              <a:t> </a:t>
+            </a:r>
+            <a:r>
+              <a:rPr lang="de-DE" sz="2000" err="1" smtClean="0">
+                <a:latin typeface="Courier New" panose="02070309020205020404" pitchFamily="49" charset="0"/>
+                <a:cs typeface="Courier New" panose="02070309020205020404" pitchFamily="49" charset="0"/>
+              </a:rPr>
+              <a:t>process</a:t>
+            </a:r>
+            <a:r>
+              <a:rPr lang="de-DE" sz="2000" smtClean="0">
+                <a:latin typeface="Courier New" panose="02070309020205020404" pitchFamily="49" charset="0"/>
+                <a:cs typeface="Courier New" panose="02070309020205020404" pitchFamily="49" charset="0"/>
+              </a:rPr>
+              <a:t>(</a:t>
+            </a:r>
+            <a:r>
+              <a:rPr lang="de-DE" sz="2000" err="1" smtClean="0">
+                <a:latin typeface="Courier New" panose="02070309020205020404" pitchFamily="49" charset="0"/>
+                <a:cs typeface="Courier New" panose="02070309020205020404" pitchFamily="49" charset="0"/>
+              </a:rPr>
+              <a:t>int</a:t>
+            </a:r>
+            <a:r>
+              <a:rPr lang="de-DE" sz="2000" smtClean="0">
+                <a:latin typeface="Courier New" panose="02070309020205020404" pitchFamily="49" charset="0"/>
+                <a:cs typeface="Courier New" panose="02070309020205020404" pitchFamily="49" charset="0"/>
+              </a:rPr>
+              <a:t> </a:t>
+            </a:r>
+            <a:r>
+              <a:rPr lang="de-DE" sz="2000">
+                <a:latin typeface="Courier New" panose="02070309020205020404" pitchFamily="49" charset="0"/>
+                <a:cs typeface="Courier New" panose="02070309020205020404" pitchFamily="49" charset="0"/>
+              </a:rPr>
+              <a:t>*</a:t>
+            </a:r>
+            <a:r>
+              <a:rPr lang="de-DE" sz="2000" err="1">
+                <a:latin typeface="Courier New" panose="02070309020205020404" pitchFamily="49" charset="0"/>
+                <a:cs typeface="Courier New" panose="02070309020205020404" pitchFamily="49" charset="0"/>
+              </a:rPr>
+              <a:t>begin</a:t>
+            </a:r>
+            <a:r>
+              <a:rPr lang="de-DE" sz="2000">
+                <a:latin typeface="Courier New" panose="02070309020205020404" pitchFamily="49" charset="0"/>
+                <a:cs typeface="Courier New" panose="02070309020205020404" pitchFamily="49" charset="0"/>
+              </a:rPr>
+              <a:t>, </a:t>
+            </a:r>
+            <a:r>
+              <a:rPr lang="de-DE" sz="2000" err="1">
+                <a:latin typeface="Courier New" panose="02070309020205020404" pitchFamily="49" charset="0"/>
+                <a:cs typeface="Courier New" panose="02070309020205020404" pitchFamily="49" charset="0"/>
+              </a:rPr>
+              <a:t>int</a:t>
+            </a:r>
+            <a:r>
+              <a:rPr lang="de-DE" sz="2000">
+                <a:latin typeface="Courier New" panose="02070309020205020404" pitchFamily="49" charset="0"/>
+                <a:cs typeface="Courier New" panose="02070309020205020404" pitchFamily="49" charset="0"/>
+              </a:rPr>
+              <a:t> *end)</a:t>
+            </a:r>
+          </a:p>
+          <a:p>
+            <a:r>
+              <a:rPr lang="de-DE" sz="2000">
+                <a:latin typeface="Courier New" panose="02070309020205020404" pitchFamily="49" charset="0"/>
+                <a:cs typeface="Courier New" panose="02070309020205020404" pitchFamily="49" charset="0"/>
+              </a:rPr>
+              <a:t>{</a:t>
+            </a:r>
+          </a:p>
+          <a:p>
+            <a:r>
+              <a:rPr lang="de-DE" sz="2000">
+                <a:latin typeface="Courier New" panose="02070309020205020404" pitchFamily="49" charset="0"/>
+                <a:cs typeface="Courier New" panose="02070309020205020404" pitchFamily="49" charset="0"/>
+              </a:rPr>
+              <a:t>    </a:t>
+            </a:r>
+            <a:r>
+              <a:rPr lang="de-DE" sz="2000" err="1">
+                <a:latin typeface="Courier New" panose="02070309020205020404" pitchFamily="49" charset="0"/>
+                <a:cs typeface="Courier New" panose="02070309020205020404" pitchFamily="49" charset="0"/>
+              </a:rPr>
+              <a:t>int</a:t>
+            </a:r>
+            <a:r>
+              <a:rPr lang="de-DE" sz="2000">
+                <a:latin typeface="Courier New" panose="02070309020205020404" pitchFamily="49" charset="0"/>
+                <a:cs typeface="Courier New" panose="02070309020205020404" pitchFamily="49" charset="0"/>
+              </a:rPr>
+              <a:t> *</a:t>
+            </a:r>
+            <a:r>
+              <a:rPr lang="de-DE" sz="2000" err="1">
+                <a:latin typeface="Courier New" panose="02070309020205020404" pitchFamily="49" charset="0"/>
+                <a:cs typeface="Courier New" panose="02070309020205020404" pitchFamily="49" charset="0"/>
+              </a:rPr>
+              <a:t>ptr</a:t>
+            </a:r>
+            <a:r>
+              <a:rPr lang="de-DE" sz="2000">
+                <a:latin typeface="Courier New" panose="02070309020205020404" pitchFamily="49" charset="0"/>
+                <a:cs typeface="Courier New" panose="02070309020205020404" pitchFamily="49" charset="0"/>
+              </a:rPr>
+              <a:t>;</a:t>
+            </a:r>
+          </a:p>
+          <a:p>
+            <a:r>
+              <a:rPr lang="de-DE" sz="2000">
+                <a:latin typeface="Courier New" panose="02070309020205020404" pitchFamily="49" charset="0"/>
+                <a:cs typeface="Courier New" panose="02070309020205020404" pitchFamily="49" charset="0"/>
+              </a:rPr>
+              <a:t>    </a:t>
+            </a:r>
+            <a:r>
+              <a:rPr lang="de-DE" sz="2000" err="1">
+                <a:latin typeface="Courier New" panose="02070309020205020404" pitchFamily="49" charset="0"/>
+                <a:cs typeface="Courier New" panose="02070309020205020404" pitchFamily="49" charset="0"/>
+              </a:rPr>
+              <a:t>int</a:t>
+            </a:r>
+            <a:r>
+              <a:rPr lang="de-DE" sz="2000">
+                <a:latin typeface="Courier New" panose="02070309020205020404" pitchFamily="49" charset="0"/>
+                <a:cs typeface="Courier New" panose="02070309020205020404" pitchFamily="49" charset="0"/>
+              </a:rPr>
+              <a:t> *</a:t>
+            </a:r>
+            <a:r>
+              <a:rPr lang="de-DE" sz="2000" err="1">
+                <a:latin typeface="Courier New" panose="02070309020205020404" pitchFamily="49" charset="0"/>
+                <a:cs typeface="Courier New" panose="02070309020205020404" pitchFamily="49" charset="0"/>
+              </a:rPr>
+              <a:t>split</a:t>
+            </a:r>
+            <a:r>
+              <a:rPr lang="de-DE" sz="2000">
+                <a:latin typeface="Courier New" panose="02070309020205020404" pitchFamily="49" charset="0"/>
+                <a:cs typeface="Courier New" panose="02070309020205020404" pitchFamily="49" charset="0"/>
+              </a:rPr>
+              <a:t>;</a:t>
+            </a:r>
+          </a:p>
+          <a:p>
+            <a:r>
+              <a:rPr lang="de-DE" sz="2000">
+                <a:latin typeface="Courier New" panose="02070309020205020404" pitchFamily="49" charset="0"/>
+                <a:cs typeface="Courier New" panose="02070309020205020404" pitchFamily="49" charset="0"/>
+              </a:rPr>
+              <a:t>    </a:t>
+            </a:r>
+            <a:r>
+              <a:rPr lang="de-DE" sz="2000" err="1">
+                <a:latin typeface="Courier New" panose="02070309020205020404" pitchFamily="49" charset="0"/>
+                <a:cs typeface="Courier New" panose="02070309020205020404" pitchFamily="49" charset="0"/>
+              </a:rPr>
+              <a:t>if</a:t>
+            </a:r>
+            <a:r>
+              <a:rPr lang="de-DE" sz="2000">
+                <a:latin typeface="Courier New" panose="02070309020205020404" pitchFamily="49" charset="0"/>
+                <a:cs typeface="Courier New" panose="02070309020205020404" pitchFamily="49" charset="0"/>
+              </a:rPr>
+              <a:t> (end - </a:t>
+            </a:r>
+            <a:r>
+              <a:rPr lang="de-DE" sz="2000" err="1">
+                <a:latin typeface="Courier New" panose="02070309020205020404" pitchFamily="49" charset="0"/>
+                <a:cs typeface="Courier New" panose="02070309020205020404" pitchFamily="49" charset="0"/>
+              </a:rPr>
+              <a:t>begin</a:t>
+            </a:r>
+            <a:r>
+              <a:rPr lang="de-DE" sz="2000">
+                <a:latin typeface="Courier New" panose="02070309020205020404" pitchFamily="49" charset="0"/>
+                <a:cs typeface="Courier New" panose="02070309020205020404" pitchFamily="49" charset="0"/>
+              </a:rPr>
+              <a:t> &lt;= 1)</a:t>
+            </a:r>
+          </a:p>
+          <a:p>
+            <a:r>
+              <a:rPr lang="de-DE" sz="2000">
+                <a:latin typeface="Courier New" panose="02070309020205020404" pitchFamily="49" charset="0"/>
+                <a:cs typeface="Courier New" panose="02070309020205020404" pitchFamily="49" charset="0"/>
+              </a:rPr>
+              <a:t>        </a:t>
+            </a:r>
+            <a:r>
+              <a:rPr lang="de-DE" sz="2000" err="1">
+                <a:latin typeface="Courier New" panose="02070309020205020404" pitchFamily="49" charset="0"/>
+                <a:cs typeface="Courier New" panose="02070309020205020404" pitchFamily="49" charset="0"/>
+              </a:rPr>
+              <a:t>return</a:t>
+            </a:r>
+            <a:r>
+              <a:rPr lang="de-DE" sz="2000">
+                <a:latin typeface="Courier New" panose="02070309020205020404" pitchFamily="49" charset="0"/>
+                <a:cs typeface="Courier New" panose="02070309020205020404" pitchFamily="49" charset="0"/>
+              </a:rPr>
+              <a:t>;</a:t>
+            </a:r>
+          </a:p>
+          <a:p>
+            <a:r>
+              <a:rPr lang="de-DE" sz="2000">
+                <a:latin typeface="Courier New" panose="02070309020205020404" pitchFamily="49" charset="0"/>
+                <a:cs typeface="Courier New" panose="02070309020205020404" pitchFamily="49" charset="0"/>
+              </a:rPr>
+              <a:t>    </a:t>
+            </a:r>
+            <a:r>
+              <a:rPr lang="de-DE" sz="2000" err="1">
+                <a:latin typeface="Courier New" panose="02070309020205020404" pitchFamily="49" charset="0"/>
+                <a:cs typeface="Courier New" panose="02070309020205020404" pitchFamily="49" charset="0"/>
+              </a:rPr>
+              <a:t>ptr</a:t>
+            </a:r>
+            <a:r>
+              <a:rPr lang="de-DE" sz="2000">
+                <a:latin typeface="Courier New" panose="02070309020205020404" pitchFamily="49" charset="0"/>
+                <a:cs typeface="Courier New" panose="02070309020205020404" pitchFamily="49" charset="0"/>
+              </a:rPr>
+              <a:t> = </a:t>
+            </a:r>
+            <a:r>
+              <a:rPr lang="de-DE" sz="2000" err="1">
+                <a:latin typeface="Courier New" panose="02070309020205020404" pitchFamily="49" charset="0"/>
+                <a:cs typeface="Courier New" panose="02070309020205020404" pitchFamily="49" charset="0"/>
+              </a:rPr>
+              <a:t>begin</a:t>
+            </a:r>
+            <a:r>
+              <a:rPr lang="de-DE" sz="2000">
+                <a:latin typeface="Courier New" panose="02070309020205020404" pitchFamily="49" charset="0"/>
+                <a:cs typeface="Courier New" panose="02070309020205020404" pitchFamily="49" charset="0"/>
+              </a:rPr>
+              <a:t>;</a:t>
+            </a:r>
+          </a:p>
+          <a:p>
+            <a:r>
+              <a:rPr lang="de-DE" sz="2000">
+                <a:latin typeface="Courier New" panose="02070309020205020404" pitchFamily="49" charset="0"/>
+                <a:cs typeface="Courier New" panose="02070309020205020404" pitchFamily="49" charset="0"/>
+              </a:rPr>
+              <a:t>    </a:t>
+            </a:r>
+            <a:r>
+              <a:rPr lang="de-DE" sz="2000" err="1">
+                <a:latin typeface="Courier New" panose="02070309020205020404" pitchFamily="49" charset="0"/>
+                <a:cs typeface="Courier New" panose="02070309020205020404" pitchFamily="49" charset="0"/>
+              </a:rPr>
+              <a:t>split</a:t>
+            </a:r>
+            <a:r>
+              <a:rPr lang="de-DE" sz="2000">
+                <a:latin typeface="Courier New" panose="02070309020205020404" pitchFamily="49" charset="0"/>
+                <a:cs typeface="Courier New" panose="02070309020205020404" pitchFamily="49" charset="0"/>
+              </a:rPr>
+              <a:t> = </a:t>
+            </a:r>
+            <a:r>
+              <a:rPr lang="de-DE" sz="2000" err="1">
+                <a:latin typeface="Courier New" panose="02070309020205020404" pitchFamily="49" charset="0"/>
+                <a:cs typeface="Courier New" panose="02070309020205020404" pitchFamily="49" charset="0"/>
+              </a:rPr>
+              <a:t>begin</a:t>
+            </a:r>
+            <a:r>
+              <a:rPr lang="de-DE" sz="2000">
+                <a:latin typeface="Courier New" panose="02070309020205020404" pitchFamily="49" charset="0"/>
+                <a:cs typeface="Courier New" panose="02070309020205020404" pitchFamily="49" charset="0"/>
+              </a:rPr>
+              <a:t> + 1;</a:t>
+            </a:r>
+          </a:p>
+          <a:p>
+            <a:r>
+              <a:rPr lang="de-DE" sz="2000">
+                <a:latin typeface="Courier New" panose="02070309020205020404" pitchFamily="49" charset="0"/>
+                <a:cs typeface="Courier New" panose="02070309020205020404" pitchFamily="49" charset="0"/>
+              </a:rPr>
+              <a:t>    </a:t>
+            </a:r>
+            <a:r>
+              <a:rPr lang="de-DE" sz="2000" err="1">
+                <a:latin typeface="Courier New" panose="02070309020205020404" pitchFamily="49" charset="0"/>
+                <a:cs typeface="Courier New" panose="02070309020205020404" pitchFamily="49" charset="0"/>
+              </a:rPr>
+              <a:t>while</a:t>
+            </a:r>
+            <a:r>
+              <a:rPr lang="de-DE" sz="2000">
+                <a:latin typeface="Courier New" panose="02070309020205020404" pitchFamily="49" charset="0"/>
+                <a:cs typeface="Courier New" panose="02070309020205020404" pitchFamily="49" charset="0"/>
+              </a:rPr>
+              <a:t> (++</a:t>
+            </a:r>
+            <a:r>
+              <a:rPr lang="de-DE" sz="2000" err="1">
+                <a:latin typeface="Courier New" panose="02070309020205020404" pitchFamily="49" charset="0"/>
+                <a:cs typeface="Courier New" panose="02070309020205020404" pitchFamily="49" charset="0"/>
+              </a:rPr>
+              <a:t>ptr</a:t>
+            </a:r>
+            <a:r>
+              <a:rPr lang="de-DE" sz="2000">
+                <a:latin typeface="Courier New" panose="02070309020205020404" pitchFamily="49" charset="0"/>
+                <a:cs typeface="Courier New" panose="02070309020205020404" pitchFamily="49" charset="0"/>
+              </a:rPr>
+              <a:t> &lt;= end) {</a:t>
+            </a:r>
+          </a:p>
+          <a:p>
+            <a:r>
+              <a:rPr lang="de-DE" sz="2000">
+                <a:latin typeface="Courier New" panose="02070309020205020404" pitchFamily="49" charset="0"/>
+                <a:cs typeface="Courier New" panose="02070309020205020404" pitchFamily="49" charset="0"/>
+              </a:rPr>
+              <a:t>        </a:t>
+            </a:r>
+            <a:r>
+              <a:rPr lang="de-DE" sz="2000" err="1">
+                <a:latin typeface="Courier New" panose="02070309020205020404" pitchFamily="49" charset="0"/>
+                <a:cs typeface="Courier New" panose="02070309020205020404" pitchFamily="49" charset="0"/>
+              </a:rPr>
+              <a:t>if</a:t>
+            </a:r>
+            <a:r>
+              <a:rPr lang="de-DE" sz="2000">
+                <a:latin typeface="Courier New" panose="02070309020205020404" pitchFamily="49" charset="0"/>
+                <a:cs typeface="Courier New" panose="02070309020205020404" pitchFamily="49" charset="0"/>
+              </a:rPr>
+              <a:t> (*</a:t>
+            </a:r>
+            <a:r>
+              <a:rPr lang="de-DE" sz="2000" err="1">
+                <a:latin typeface="Courier New" panose="02070309020205020404" pitchFamily="49" charset="0"/>
+                <a:cs typeface="Courier New" panose="02070309020205020404" pitchFamily="49" charset="0"/>
+              </a:rPr>
+              <a:t>ptr</a:t>
+            </a:r>
+            <a:r>
+              <a:rPr lang="de-DE" sz="2000">
+                <a:latin typeface="Courier New" panose="02070309020205020404" pitchFamily="49" charset="0"/>
+                <a:cs typeface="Courier New" panose="02070309020205020404" pitchFamily="49" charset="0"/>
+              </a:rPr>
+              <a:t> &lt; *</a:t>
+            </a:r>
+            <a:r>
+              <a:rPr lang="de-DE" sz="2000" err="1">
+                <a:latin typeface="Courier New" panose="02070309020205020404" pitchFamily="49" charset="0"/>
+                <a:cs typeface="Courier New" panose="02070309020205020404" pitchFamily="49" charset="0"/>
+              </a:rPr>
+              <a:t>begin</a:t>
+            </a:r>
+            <a:r>
+              <a:rPr lang="de-DE" sz="2000">
+                <a:latin typeface="Courier New" panose="02070309020205020404" pitchFamily="49" charset="0"/>
+                <a:cs typeface="Courier New" panose="02070309020205020404" pitchFamily="49" charset="0"/>
+              </a:rPr>
+              <a:t>) {</a:t>
+            </a:r>
+          </a:p>
+          <a:p>
+            <a:r>
+              <a:rPr lang="de-DE" sz="2000">
+                <a:latin typeface="Courier New" panose="02070309020205020404" pitchFamily="49" charset="0"/>
+                <a:cs typeface="Courier New" panose="02070309020205020404" pitchFamily="49" charset="0"/>
+              </a:rPr>
+              <a:t>            </a:t>
+            </a:r>
+            <a:r>
+              <a:rPr lang="de-DE" sz="2000" err="1">
+                <a:latin typeface="Courier New" panose="02070309020205020404" pitchFamily="49" charset="0"/>
+                <a:cs typeface="Courier New" panose="02070309020205020404" pitchFamily="49" charset="0"/>
+              </a:rPr>
+              <a:t>swap</a:t>
+            </a:r>
+            <a:r>
+              <a:rPr lang="de-DE" sz="2000">
+                <a:latin typeface="Courier New" panose="02070309020205020404" pitchFamily="49" charset="0"/>
+                <a:cs typeface="Courier New" panose="02070309020205020404" pitchFamily="49" charset="0"/>
+              </a:rPr>
+              <a:t>(</a:t>
+            </a:r>
+            <a:r>
+              <a:rPr lang="de-DE" sz="2000" err="1">
+                <a:latin typeface="Courier New" panose="02070309020205020404" pitchFamily="49" charset="0"/>
+                <a:cs typeface="Courier New" panose="02070309020205020404" pitchFamily="49" charset="0"/>
+              </a:rPr>
+              <a:t>ptr</a:t>
+            </a:r>
+            <a:r>
+              <a:rPr lang="de-DE" sz="2000">
+                <a:latin typeface="Courier New" panose="02070309020205020404" pitchFamily="49" charset="0"/>
+                <a:cs typeface="Courier New" panose="02070309020205020404" pitchFamily="49" charset="0"/>
+              </a:rPr>
+              <a:t>, </a:t>
+            </a:r>
+            <a:r>
+              <a:rPr lang="de-DE" sz="2000" err="1">
+                <a:latin typeface="Courier New" panose="02070309020205020404" pitchFamily="49" charset="0"/>
+                <a:cs typeface="Courier New" panose="02070309020205020404" pitchFamily="49" charset="0"/>
+              </a:rPr>
+              <a:t>split</a:t>
+            </a:r>
+            <a:r>
+              <a:rPr lang="de-DE" sz="2000">
+                <a:latin typeface="Courier New" panose="02070309020205020404" pitchFamily="49" charset="0"/>
+                <a:cs typeface="Courier New" panose="02070309020205020404" pitchFamily="49" charset="0"/>
+              </a:rPr>
+              <a:t>);</a:t>
+            </a:r>
+          </a:p>
+          <a:p>
+            <a:r>
+              <a:rPr lang="de-DE" sz="2000">
+                <a:latin typeface="Courier New" panose="02070309020205020404" pitchFamily="49" charset="0"/>
+                <a:cs typeface="Courier New" panose="02070309020205020404" pitchFamily="49" charset="0"/>
+              </a:rPr>
+              <a:t>            ++</a:t>
+            </a:r>
+            <a:r>
+              <a:rPr lang="de-DE" sz="2000" err="1">
+                <a:latin typeface="Courier New" panose="02070309020205020404" pitchFamily="49" charset="0"/>
+                <a:cs typeface="Courier New" panose="02070309020205020404" pitchFamily="49" charset="0"/>
+              </a:rPr>
+              <a:t>split</a:t>
+            </a:r>
+            <a:r>
+              <a:rPr lang="de-DE" sz="2000">
+                <a:latin typeface="Courier New" panose="02070309020205020404" pitchFamily="49" charset="0"/>
+                <a:cs typeface="Courier New" panose="02070309020205020404" pitchFamily="49" charset="0"/>
+              </a:rPr>
+              <a:t>;</a:t>
+            </a:r>
+          </a:p>
+          <a:p>
+            <a:r>
+              <a:rPr lang="de-DE" sz="2000">
+                <a:latin typeface="Courier New" panose="02070309020205020404" pitchFamily="49" charset="0"/>
+                <a:cs typeface="Courier New" panose="02070309020205020404" pitchFamily="49" charset="0"/>
+              </a:rPr>
+              <a:t>        }</a:t>
+            </a:r>
+          </a:p>
+          <a:p>
+            <a:r>
+              <a:rPr lang="de-DE" sz="2000">
+                <a:latin typeface="Courier New" panose="02070309020205020404" pitchFamily="49" charset="0"/>
+                <a:cs typeface="Courier New" panose="02070309020205020404" pitchFamily="49" charset="0"/>
+              </a:rPr>
+              <a:t>    }</a:t>
+            </a:r>
+          </a:p>
+          <a:p>
+            <a:r>
+              <a:rPr lang="de-DE" sz="2000">
+                <a:latin typeface="Courier New" panose="02070309020205020404" pitchFamily="49" charset="0"/>
+                <a:cs typeface="Courier New" panose="02070309020205020404" pitchFamily="49" charset="0"/>
+              </a:rPr>
+              <a:t>    </a:t>
+            </a:r>
+            <a:r>
+              <a:rPr lang="de-DE" sz="2000" err="1">
+                <a:latin typeface="Courier New" panose="02070309020205020404" pitchFamily="49" charset="0"/>
+                <a:cs typeface="Courier New" panose="02070309020205020404" pitchFamily="49" charset="0"/>
+              </a:rPr>
+              <a:t>swap</a:t>
+            </a:r>
+            <a:r>
+              <a:rPr lang="de-DE" sz="2000">
+                <a:latin typeface="Courier New" panose="02070309020205020404" pitchFamily="49" charset="0"/>
+                <a:cs typeface="Courier New" panose="02070309020205020404" pitchFamily="49" charset="0"/>
+              </a:rPr>
+              <a:t>(</a:t>
+            </a:r>
+            <a:r>
+              <a:rPr lang="de-DE" sz="2000" err="1">
+                <a:latin typeface="Courier New" panose="02070309020205020404" pitchFamily="49" charset="0"/>
+                <a:cs typeface="Courier New" panose="02070309020205020404" pitchFamily="49" charset="0"/>
+              </a:rPr>
+              <a:t>begin</a:t>
+            </a:r>
+            <a:r>
+              <a:rPr lang="de-DE" sz="2000">
+                <a:latin typeface="Courier New" panose="02070309020205020404" pitchFamily="49" charset="0"/>
+                <a:cs typeface="Courier New" panose="02070309020205020404" pitchFamily="49" charset="0"/>
+              </a:rPr>
+              <a:t>, </a:t>
+            </a:r>
+            <a:r>
+              <a:rPr lang="de-DE" sz="2000" err="1">
+                <a:latin typeface="Courier New" panose="02070309020205020404" pitchFamily="49" charset="0"/>
+                <a:cs typeface="Courier New" panose="02070309020205020404" pitchFamily="49" charset="0"/>
+              </a:rPr>
+              <a:t>split</a:t>
+            </a:r>
+            <a:r>
+              <a:rPr lang="de-DE" sz="2000">
+                <a:latin typeface="Courier New" panose="02070309020205020404" pitchFamily="49" charset="0"/>
+                <a:cs typeface="Courier New" panose="02070309020205020404" pitchFamily="49" charset="0"/>
+              </a:rPr>
+              <a:t> - 1);</a:t>
+            </a:r>
+          </a:p>
+          <a:p>
+            <a:r>
+              <a:rPr lang="de-DE" sz="2000">
+                <a:latin typeface="Courier New" panose="02070309020205020404" pitchFamily="49" charset="0"/>
+                <a:cs typeface="Courier New" panose="02070309020205020404" pitchFamily="49" charset="0"/>
+              </a:rPr>
+              <a:t>    </a:t>
+            </a:r>
+            <a:r>
+              <a:rPr lang="de-DE" sz="2000" err="1" smtClean="0">
+                <a:latin typeface="Courier New" panose="02070309020205020404" pitchFamily="49" charset="0"/>
+                <a:cs typeface="Courier New" panose="02070309020205020404" pitchFamily="49" charset="0"/>
+              </a:rPr>
+              <a:t>process</a:t>
+            </a:r>
+            <a:r>
+              <a:rPr lang="de-DE" sz="2000" smtClean="0">
+                <a:latin typeface="Courier New" panose="02070309020205020404" pitchFamily="49" charset="0"/>
+                <a:cs typeface="Courier New" panose="02070309020205020404" pitchFamily="49" charset="0"/>
+              </a:rPr>
+              <a:t>(</a:t>
+            </a:r>
+            <a:r>
+              <a:rPr lang="de-DE" sz="2000" err="1" smtClean="0">
+                <a:latin typeface="Courier New" panose="02070309020205020404" pitchFamily="49" charset="0"/>
+                <a:cs typeface="Courier New" panose="02070309020205020404" pitchFamily="49" charset="0"/>
+              </a:rPr>
+              <a:t>begin</a:t>
+            </a:r>
+            <a:r>
+              <a:rPr lang="de-DE" sz="2000">
+                <a:latin typeface="Courier New" panose="02070309020205020404" pitchFamily="49" charset="0"/>
+                <a:cs typeface="Courier New" panose="02070309020205020404" pitchFamily="49" charset="0"/>
+              </a:rPr>
+              <a:t>, </a:t>
+            </a:r>
+            <a:r>
+              <a:rPr lang="de-DE" sz="2000" err="1">
+                <a:latin typeface="Courier New" panose="02070309020205020404" pitchFamily="49" charset="0"/>
+                <a:cs typeface="Courier New" panose="02070309020205020404" pitchFamily="49" charset="0"/>
+              </a:rPr>
+              <a:t>split</a:t>
+            </a:r>
+            <a:r>
+              <a:rPr lang="de-DE" sz="2000">
+                <a:latin typeface="Courier New" panose="02070309020205020404" pitchFamily="49" charset="0"/>
+                <a:cs typeface="Courier New" panose="02070309020205020404" pitchFamily="49" charset="0"/>
+              </a:rPr>
+              <a:t> - 1);</a:t>
+            </a:r>
+          </a:p>
+          <a:p>
+            <a:r>
+              <a:rPr lang="de-DE" sz="2000">
+                <a:latin typeface="Courier New" panose="02070309020205020404" pitchFamily="49" charset="0"/>
+                <a:cs typeface="Courier New" panose="02070309020205020404" pitchFamily="49" charset="0"/>
+              </a:rPr>
+              <a:t>    </a:t>
+            </a:r>
+            <a:r>
+              <a:rPr lang="de-DE" sz="2000" err="1" smtClean="0">
+                <a:latin typeface="Courier New" panose="02070309020205020404" pitchFamily="49" charset="0"/>
+                <a:cs typeface="Courier New" panose="02070309020205020404" pitchFamily="49" charset="0"/>
+              </a:rPr>
+              <a:t>process</a:t>
+            </a:r>
+            <a:r>
+              <a:rPr lang="de-DE" sz="2000" smtClean="0">
+                <a:latin typeface="Courier New" panose="02070309020205020404" pitchFamily="49" charset="0"/>
+                <a:cs typeface="Courier New" panose="02070309020205020404" pitchFamily="49" charset="0"/>
+              </a:rPr>
+              <a:t>(</a:t>
+            </a:r>
+            <a:r>
+              <a:rPr lang="de-DE" sz="2000" err="1" smtClean="0">
+                <a:latin typeface="Courier New" panose="02070309020205020404" pitchFamily="49" charset="0"/>
+                <a:cs typeface="Courier New" panose="02070309020205020404" pitchFamily="49" charset="0"/>
+              </a:rPr>
+              <a:t>split</a:t>
+            </a:r>
+            <a:r>
+              <a:rPr lang="de-DE" sz="2000">
+                <a:latin typeface="Courier New" panose="02070309020205020404" pitchFamily="49" charset="0"/>
+                <a:cs typeface="Courier New" panose="02070309020205020404" pitchFamily="49" charset="0"/>
+              </a:rPr>
+              <a:t>, end);</a:t>
+            </a:r>
+          </a:p>
+          <a:p>
+            <a:r>
+              <a:rPr lang="de-DE" sz="2000">
+                <a:latin typeface="Courier New" panose="02070309020205020404" pitchFamily="49" charset="0"/>
+                <a:cs typeface="Courier New" panose="02070309020205020404" pitchFamily="49" charset="0"/>
+              </a:rPr>
+              <a:t>}</a:t>
+            </a:r>
+            <a:endParaRPr lang="de-DE" sz="2000" smtClean="0">
+              <a:latin typeface="Courier New" panose="02070309020205020404" pitchFamily="49" charset="0"/>
+              <a:cs typeface="Courier New" panose="02070309020205020404" pitchFamily="49" charset="0"/>
             </a:endParaRPr>
           </a:p>
         </p:txBody>
@@ -7149,7 +7189,7 @@
     </p:spTree>
     <p:extLst>
       <p:ext uri="{BB962C8B-B14F-4D97-AF65-F5344CB8AC3E}">
-        <p14:creationId xmlns:p14="http://schemas.microsoft.com/office/powerpoint/2010/main" val="2362116585"/>
+        <p14:creationId xmlns:p14="http://schemas.microsoft.com/office/powerpoint/2010/main" val="3339263808"/>
       </p:ext>
     </p:extLst>
   </p:cSld>
@@ -7208,404 +7248,193 @@
           <a:p>
             <a:r>
               <a:rPr lang="en-US" smtClean="0"/>
-              <a:t>Features</a:t>
+              <a:t>How to prove the functionality?</a:t>
             </a:r>
           </a:p>
         </p:txBody>
       </p:sp>
       <p:sp>
         <p:nvSpPr>
-          <p:cNvPr id="3" name="Rectangle 4"/>
-          <p:cNvSpPr>
-            <a:spLocks/>
-          </p:cNvSpPr>
+          <p:cNvPr id="4" name="Textfeld 3"/>
+          <p:cNvSpPr txBox="1"/>
           <p:nvPr/>
         </p:nvSpPr>
-        <p:spPr bwMode="auto">
+        <p:spPr>
           <a:xfrm>
-            <a:off x="487362" y="1373188"/>
-            <a:ext cx="10790237" cy="6680200"/>
+            <a:off x="477520" y="2046596"/>
+            <a:ext cx="11435438" cy="1938992"/>
           </a:xfrm>
           <a:prstGeom prst="rect">
             <a:avLst/>
           </a:prstGeom>
           <a:noFill/>
-          <a:ln w="12700" cap="flat">
-            <a:noFill/>
-            <a:miter lim="800000"/>
-            <a:headEnd type="none" w="med" len="med"/>
-            <a:tailEnd type="none" w="med" len="med"/>
-          </a:ln>
         </p:spPr>
         <p:txBody>
-          <a:bodyPr lIns="0" tIns="0" rIns="0" bIns="0"/>
+          <a:bodyPr wrap="square" rtlCol="0">
+            <a:spAutoFit/>
+          </a:bodyPr>
           <a:lstStyle/>
           <a:p>
-            <a:pPr marL="254000" indent="-254000">
-              <a:lnSpc>
-                <a:spcPct val="120000"/>
-              </a:lnSpc>
-              <a:spcBef>
-                <a:spcPts val="1000"/>
-              </a:spcBef>
-              <a:buSzPct val="120000"/>
-              <a:buFont typeface="Lucida Grande" charset="0"/>
-              <a:buChar char="‣"/>
-              <a:defRPr/>
-            </a:pPr>
-            <a:r>
-              <a:rPr lang="en-US" sz="2600" smtClean="0">
-                <a:solidFill>
-                  <a:srgbClr val="262626"/>
-                </a:solidFill>
-                <a:latin typeface="+mn-lt"/>
-                <a:ea typeface="Gill Sans" charset="0"/>
-                <a:cs typeface="Gill Sans" charset="0"/>
-              </a:rPr>
-              <a:t>Infinite Lists, lazy evaluation, Producer-Consumer Model</a:t>
-            </a:r>
-            <a:endParaRPr lang="en-US" sz="2600">
-              <a:solidFill>
-                <a:srgbClr val="262626"/>
-              </a:solidFill>
-              <a:latin typeface="+mn-lt"/>
-              <a:ea typeface="Gill Sans" charset="0"/>
-              <a:cs typeface="Gill Sans" charset="0"/>
+            <a:r>
+              <a:rPr lang="en-US" sz="2000">
+                <a:latin typeface="Droid Sans Mono Chess ASCII" panose="020B0609030804020204" pitchFamily="50" charset="0"/>
+                <a:ea typeface="Droid Sans Mono Chess ASCII" panose="020B0609030804020204" pitchFamily="50" charset="0"/>
+                <a:cs typeface="Droid Sans Mono Chess ASCII" panose="020B0609030804020204" pitchFamily="50" charset="0"/>
+              </a:rPr>
+              <a:t>process2 []           = </a:t>
+            </a:r>
+            <a:r>
+              <a:rPr lang="en-US" sz="2000" smtClean="0">
+                <a:latin typeface="Droid Sans Mono Chess ASCII" panose="020B0609030804020204" pitchFamily="50" charset="0"/>
+                <a:ea typeface="Droid Sans Mono Chess ASCII" panose="020B0609030804020204" pitchFamily="50" charset="0"/>
+                <a:cs typeface="Droid Sans Mono Chess ASCII" panose="020B0609030804020204" pitchFamily="50" charset="0"/>
+              </a:rPr>
+              <a:t>[]</a:t>
+            </a:r>
+          </a:p>
+          <a:p>
+            <a:endParaRPr lang="en-US" sz="2000">
+              <a:latin typeface="Droid Sans Mono Chess ASCII" panose="020B0609030804020204" pitchFamily="50" charset="0"/>
+              <a:ea typeface="Droid Sans Mono Chess ASCII" panose="020B0609030804020204" pitchFamily="50" charset="0"/>
+              <a:cs typeface="Droid Sans Mono Chess ASCII" panose="020B0609030804020204" pitchFamily="50" charset="0"/>
             </a:endParaRPr>
           </a:p>
           <a:p>
-            <a:pPr marL="254000" indent="-254000">
-              <a:lnSpc>
-                <a:spcPct val="120000"/>
-              </a:lnSpc>
-              <a:spcBef>
-                <a:spcPts val="1000"/>
-              </a:spcBef>
-              <a:buSzPct val="120000"/>
-              <a:buFont typeface="Lucida Grande" charset="0"/>
-              <a:buChar char="‣"/>
-              <a:defRPr/>
-            </a:pPr>
-            <a:r>
-              <a:rPr lang="en-US" sz="2600" smtClean="0">
-                <a:solidFill>
-                  <a:srgbClr val="262626"/>
-                </a:solidFill>
-                <a:latin typeface="+mn-lt"/>
-                <a:ea typeface="Gill Sans" charset="0"/>
-                <a:cs typeface="Gill Sans" charset="0"/>
-              </a:rPr>
-              <a:t>Profiling</a:t>
-            </a:r>
-          </a:p>
-          <a:p>
-            <a:pPr marL="254000" indent="-254000">
-              <a:lnSpc>
-                <a:spcPct val="120000"/>
-              </a:lnSpc>
-              <a:spcBef>
-                <a:spcPts val="1000"/>
-              </a:spcBef>
-              <a:buSzPct val="120000"/>
-              <a:buFont typeface="Lucida Grande" charset="0"/>
-              <a:buChar char="‣"/>
-              <a:defRPr/>
-            </a:pPr>
-            <a:r>
-              <a:rPr lang="en-US" sz="2600" smtClean="0">
-                <a:solidFill>
-                  <a:srgbClr val="262626"/>
-                </a:solidFill>
-                <a:latin typeface="+mn-lt"/>
-                <a:ea typeface="Gill Sans" charset="0"/>
-                <a:cs typeface="Gill Sans" charset="0"/>
-              </a:rPr>
-              <a:t>Central Library</a:t>
-            </a:r>
-          </a:p>
-          <a:p>
-            <a:pPr marL="254000" indent="-254000">
-              <a:lnSpc>
-                <a:spcPct val="120000"/>
-              </a:lnSpc>
-              <a:spcBef>
-                <a:spcPts val="1000"/>
-              </a:spcBef>
-              <a:buSzPct val="120000"/>
-              <a:buFont typeface="Lucida Grande" charset="0"/>
-              <a:buChar char="‣"/>
-              <a:defRPr/>
-            </a:pPr>
-            <a:r>
-              <a:rPr lang="en-US" sz="2600" smtClean="0">
-                <a:solidFill>
-                  <a:srgbClr val="262626"/>
-                </a:solidFill>
-                <a:latin typeface="+mn-lt"/>
-                <a:ea typeface="Gill Sans" charset="0"/>
-                <a:cs typeface="Gill Sans" charset="0"/>
-              </a:rPr>
-              <a:t>Compiler and Interpreter</a:t>
-            </a:r>
-          </a:p>
-          <a:p>
-            <a:pPr marL="254000" indent="-254000">
-              <a:lnSpc>
-                <a:spcPct val="120000"/>
-              </a:lnSpc>
-              <a:spcBef>
-                <a:spcPts val="1000"/>
-              </a:spcBef>
-              <a:buSzPct val="120000"/>
-              <a:buFont typeface="Lucida Grande" charset="0"/>
-              <a:buChar char="‣"/>
-              <a:defRPr/>
-            </a:pPr>
-            <a:r>
-              <a:rPr lang="en-US" sz="2600" smtClean="0">
-                <a:solidFill>
-                  <a:srgbClr val="262626"/>
-                </a:solidFill>
-                <a:latin typeface="+mn-lt"/>
-                <a:ea typeface="Gill Sans" charset="0"/>
-                <a:cs typeface="Gill Sans" charset="0"/>
-              </a:rPr>
-              <a:t>Full Programming at command line</a:t>
-            </a:r>
-          </a:p>
-          <a:p>
-            <a:pPr marL="254000" indent="-254000">
-              <a:lnSpc>
-                <a:spcPct val="120000"/>
-              </a:lnSpc>
-              <a:spcBef>
-                <a:spcPts val="1000"/>
-              </a:spcBef>
-              <a:buSzPct val="120000"/>
-              <a:buFont typeface="Lucida Grande" charset="0"/>
-              <a:buChar char="‣"/>
-              <a:defRPr/>
-            </a:pPr>
-            <a:r>
-              <a:rPr lang="en-US" sz="2600" smtClean="0">
-                <a:solidFill>
-                  <a:srgbClr val="262626"/>
-                </a:solidFill>
-                <a:latin typeface="+mn-lt"/>
-                <a:ea typeface="Gill Sans" charset="0"/>
-                <a:cs typeface="Gill Sans" charset="0"/>
-              </a:rPr>
-              <a:t> Industrial Strength (Galois, …)</a:t>
-            </a:r>
-          </a:p>
-          <a:p>
-            <a:pPr marL="254000" indent="-254000">
-              <a:lnSpc>
-                <a:spcPct val="120000"/>
-              </a:lnSpc>
-              <a:spcBef>
-                <a:spcPts val="1000"/>
-              </a:spcBef>
-              <a:buSzPct val="120000"/>
-              <a:buFont typeface="Lucida Grande" charset="0"/>
-              <a:buChar char="‣"/>
-              <a:defRPr/>
-            </a:pPr>
-            <a:r>
-              <a:rPr lang="en-US" sz="2600" smtClean="0">
-                <a:solidFill>
-                  <a:srgbClr val="262626"/>
-                </a:solidFill>
-                <a:latin typeface="+mn-lt"/>
-                <a:ea typeface="Gill Sans" charset="0"/>
-                <a:cs typeface="Gill Sans" charset="0"/>
-              </a:rPr>
-              <a:t>Easy parallelization, Semaphores, …</a:t>
-            </a:r>
-          </a:p>
-          <a:p>
-            <a:pPr marL="254000" indent="-254000">
-              <a:lnSpc>
-                <a:spcPct val="120000"/>
-              </a:lnSpc>
-              <a:spcBef>
-                <a:spcPts val="1000"/>
-              </a:spcBef>
-              <a:buSzPct val="120000"/>
-              <a:buFont typeface="Lucida Grande" charset="0"/>
-              <a:buChar char="‣"/>
-              <a:defRPr/>
-            </a:pPr>
-            <a:r>
-              <a:rPr lang="en-US" sz="2600" smtClean="0">
-                <a:solidFill>
-                  <a:srgbClr val="262626"/>
-                </a:solidFill>
-                <a:latin typeface="+mn-lt"/>
-                <a:ea typeface="Gill Sans" charset="0"/>
-                <a:cs typeface="Gill Sans" charset="0"/>
-              </a:rPr>
-              <a:t>“If it typechecks, it works”</a:t>
-            </a:r>
-          </a:p>
-          <a:p>
-            <a:pPr marL="254000" indent="-254000">
-              <a:lnSpc>
-                <a:spcPct val="120000"/>
-              </a:lnSpc>
-              <a:spcBef>
-                <a:spcPts val="1000"/>
-              </a:spcBef>
-              <a:buSzPct val="120000"/>
-              <a:buFont typeface="Lucida Grande" charset="0"/>
-              <a:buChar char="‣"/>
-              <a:defRPr/>
-            </a:pPr>
-            <a:r>
-              <a:rPr lang="en-US" sz="2600" smtClean="0">
-                <a:solidFill>
-                  <a:srgbClr val="262626"/>
-                </a:solidFill>
-                <a:latin typeface="+mn-lt"/>
-                <a:ea typeface="Gill Sans" charset="0"/>
-                <a:cs typeface="Gill Sans" charset="0"/>
-              </a:rPr>
-              <a:t>Inspiring F#, Java, C#, …</a:t>
-            </a:r>
-          </a:p>
-          <a:p>
-            <a:pPr marL="254000" indent="-254000">
-              <a:lnSpc>
-                <a:spcPct val="120000"/>
-              </a:lnSpc>
-              <a:spcBef>
-                <a:spcPts val="1000"/>
-              </a:spcBef>
-              <a:buSzPct val="120000"/>
-              <a:buFont typeface="Lucida Grande" charset="0"/>
-              <a:buChar char="‣"/>
-              <a:defRPr/>
-            </a:pPr>
-            <a:r>
-              <a:rPr lang="en-US" sz="2600" smtClean="0">
-                <a:solidFill>
-                  <a:srgbClr val="262626"/>
-                </a:solidFill>
-                <a:latin typeface="+mn-lt"/>
-                <a:ea typeface="Gill Sans" charset="0"/>
-                <a:cs typeface="Gill Sans" charset="0"/>
-              </a:rPr>
-              <a:t>Every Monad is a DSL</a:t>
-            </a:r>
-          </a:p>
-          <a:p>
-            <a:pPr marL="254000" indent="-254000">
-              <a:lnSpc>
-                <a:spcPct val="120000"/>
-              </a:lnSpc>
-              <a:spcBef>
-                <a:spcPts val="1000"/>
-              </a:spcBef>
-              <a:buSzPct val="120000"/>
-              <a:buFont typeface="Lucida Grande" charset="0"/>
-              <a:buChar char="‣"/>
-              <a:defRPr/>
-            </a:pPr>
-            <a:r>
-              <a:rPr lang="en-US" sz="2600" smtClean="0">
-                <a:solidFill>
-                  <a:srgbClr val="262626"/>
-                </a:solidFill>
-                <a:latin typeface="+mn-lt"/>
-                <a:ea typeface="Gill Sans" charset="0"/>
-                <a:cs typeface="Gill Sans" charset="0"/>
-              </a:rPr>
-              <a:t>List </a:t>
-            </a:r>
-            <a:r>
-              <a:rPr lang="en-US" sz="2600" smtClean="0">
-                <a:solidFill>
-                  <a:srgbClr val="262626"/>
-                </a:solidFill>
-                <a:latin typeface="+mn-lt"/>
-                <a:ea typeface="Gill Sans" charset="0"/>
-                <a:cs typeface="Gill Sans" charset="0"/>
-              </a:rPr>
-              <a:t>Comprehension</a:t>
-            </a:r>
-          </a:p>
-          <a:p>
-            <a:pPr marL="254000" indent="-254000">
-              <a:lnSpc>
-                <a:spcPct val="120000"/>
-              </a:lnSpc>
-              <a:spcBef>
-                <a:spcPts val="1000"/>
-              </a:spcBef>
-              <a:buSzPct val="120000"/>
-              <a:buFont typeface="Lucida Grande" charset="0"/>
-              <a:buChar char="‣"/>
-              <a:defRPr/>
-            </a:pPr>
-            <a:r>
-              <a:rPr lang="en-US" sz="2600" smtClean="0">
-                <a:solidFill>
-                  <a:srgbClr val="262626"/>
-                </a:solidFill>
-                <a:latin typeface="+mn-lt"/>
-                <a:ea typeface="Gill Sans" charset="0"/>
-                <a:cs typeface="Gill Sans" charset="0"/>
-              </a:rPr>
-              <a:t>No null pointer</a:t>
-            </a:r>
-            <a:endParaRPr lang="en-US" sz="2600" smtClean="0">
-              <a:solidFill>
-                <a:srgbClr val="262626"/>
-              </a:solidFill>
-              <a:latin typeface="+mn-lt"/>
-              <a:ea typeface="Gill Sans" charset="0"/>
-              <a:cs typeface="Gill Sans" charset="0"/>
+            <a:r>
+              <a:rPr lang="en-US" sz="2000">
+                <a:latin typeface="Droid Sans Mono Chess ASCII" panose="020B0609030804020204" pitchFamily="50" charset="0"/>
+                <a:ea typeface="Droid Sans Mono Chess ASCII" panose="020B0609030804020204" pitchFamily="50" charset="0"/>
+                <a:cs typeface="Droid Sans Mono Chess ASCII" panose="020B0609030804020204" pitchFamily="50" charset="0"/>
+              </a:rPr>
+              <a:t>process2 (first:rest) = </a:t>
+            </a:r>
+            <a:r>
+              <a:rPr lang="en-US" sz="2000" smtClean="0">
+                <a:latin typeface="Droid Sans Mono Chess ASCII" panose="020B0609030804020204" pitchFamily="50" charset="0"/>
+                <a:ea typeface="Droid Sans Mono Chess ASCII" panose="020B0609030804020204" pitchFamily="50" charset="0"/>
+                <a:cs typeface="Droid Sans Mono Chess ASCII" panose="020B0609030804020204" pitchFamily="50" charset="0"/>
+              </a:rPr>
+              <a:t>let smaller </a:t>
+            </a:r>
+            <a:r>
+              <a:rPr lang="en-US" sz="2000">
+                <a:latin typeface="Droid Sans Mono Chess ASCII" panose="020B0609030804020204" pitchFamily="50" charset="0"/>
+                <a:ea typeface="Droid Sans Mono Chess ASCII" panose="020B0609030804020204" pitchFamily="50" charset="0"/>
+                <a:cs typeface="Droid Sans Mono Chess ASCII" panose="020B0609030804020204" pitchFamily="50" charset="0"/>
+              </a:rPr>
+              <a:t>= filter (&lt;= first) rest</a:t>
+            </a:r>
+          </a:p>
+          <a:p>
+            <a:r>
+              <a:rPr lang="en-US" sz="2000">
+                <a:latin typeface="Droid Sans Mono Chess ASCII" panose="020B0609030804020204" pitchFamily="50" charset="0"/>
+                <a:ea typeface="Droid Sans Mono Chess ASCII" panose="020B0609030804020204" pitchFamily="50" charset="0"/>
+                <a:cs typeface="Droid Sans Mono Chess ASCII" panose="020B0609030804020204" pitchFamily="50" charset="0"/>
+              </a:rPr>
+              <a:t>	</a:t>
+            </a:r>
+            <a:r>
+              <a:rPr lang="en-US" sz="2000" smtClean="0">
+                <a:latin typeface="Droid Sans Mono Chess ASCII" panose="020B0609030804020204" pitchFamily="50" charset="0"/>
+                <a:ea typeface="Droid Sans Mono Chess ASCII" panose="020B0609030804020204" pitchFamily="50" charset="0"/>
+                <a:cs typeface="Droid Sans Mono Chess ASCII" panose="020B0609030804020204" pitchFamily="50" charset="0"/>
+              </a:rPr>
+              <a:t>                      bigger  </a:t>
+            </a:r>
+            <a:r>
+              <a:rPr lang="en-US" sz="2000">
+                <a:latin typeface="Droid Sans Mono Chess ASCII" panose="020B0609030804020204" pitchFamily="50" charset="0"/>
+                <a:ea typeface="Droid Sans Mono Chess ASCII" panose="020B0609030804020204" pitchFamily="50" charset="0"/>
+                <a:cs typeface="Droid Sans Mono Chess ASCII" panose="020B0609030804020204" pitchFamily="50" charset="0"/>
+              </a:rPr>
+              <a:t>= filter (&gt;  first) </a:t>
+            </a:r>
+            <a:r>
+              <a:rPr lang="en-US" sz="2000" smtClean="0">
+                <a:latin typeface="Droid Sans Mono Chess ASCII" panose="020B0609030804020204" pitchFamily="50" charset="0"/>
+                <a:ea typeface="Droid Sans Mono Chess ASCII" panose="020B0609030804020204" pitchFamily="50" charset="0"/>
+                <a:cs typeface="Droid Sans Mono Chess ASCII" panose="020B0609030804020204" pitchFamily="50" charset="0"/>
+              </a:rPr>
+              <a:t>rest</a:t>
+            </a:r>
+            <a:endParaRPr lang="en-US" sz="2000">
+              <a:latin typeface="Droid Sans Mono Chess ASCII" panose="020B0609030804020204" pitchFamily="50" charset="0"/>
+              <a:ea typeface="Droid Sans Mono Chess ASCII" panose="020B0609030804020204" pitchFamily="50" charset="0"/>
+              <a:cs typeface="Droid Sans Mono Chess ASCII" panose="020B0609030804020204" pitchFamily="50" charset="0"/>
             </a:endParaRPr>
           </a:p>
           <a:p>
-            <a:pPr marL="254000" indent="-254000">
-              <a:lnSpc>
-                <a:spcPct val="120000"/>
-              </a:lnSpc>
-              <a:spcBef>
-                <a:spcPts val="1000"/>
-              </a:spcBef>
-              <a:buSzPct val="120000"/>
-              <a:buFont typeface="Lucida Grande" charset="0"/>
-              <a:buChar char="‣"/>
-              <a:defRPr/>
-            </a:pPr>
-            <a:endParaRPr lang="en-US" sz="2600">
-              <a:solidFill>
-                <a:srgbClr val="262626"/>
-              </a:solidFill>
-              <a:latin typeface="+mn-lt"/>
-              <a:ea typeface="Gill Sans" charset="0"/>
-              <a:cs typeface="Gill Sans" charset="0"/>
-            </a:endParaRPr>
-          </a:p>
-          <a:p>
-            <a:pPr marL="254000" indent="-254000">
-              <a:lnSpc>
-                <a:spcPct val="120000"/>
-              </a:lnSpc>
-              <a:spcBef>
-                <a:spcPts val="1000"/>
-              </a:spcBef>
-              <a:defRPr/>
-            </a:pPr>
-            <a:endParaRPr lang="en-US" sz="2600">
-              <a:solidFill>
-                <a:srgbClr val="262626"/>
-              </a:solidFill>
-              <a:latin typeface="+mn-lt"/>
-              <a:ea typeface="Gill Sans" charset="0"/>
-              <a:cs typeface="Gill Sans" charset="0"/>
+            <a:r>
+              <a:rPr lang="en-US" sz="2000">
+                <a:latin typeface="Droid Sans Mono Chess ASCII" panose="020B0609030804020204" pitchFamily="50" charset="0"/>
+                <a:ea typeface="Droid Sans Mono Chess ASCII" panose="020B0609030804020204" pitchFamily="50" charset="0"/>
+                <a:cs typeface="Droid Sans Mono Chess ASCII" panose="020B0609030804020204" pitchFamily="50" charset="0"/>
+              </a:rPr>
+              <a:t>	in</a:t>
+            </a:r>
+          </a:p>
+          <a:p>
+            <a:r>
+              <a:rPr lang="en-US" sz="2000">
+                <a:latin typeface="Droid Sans Mono Chess ASCII" panose="020B0609030804020204" pitchFamily="50" charset="0"/>
+                <a:ea typeface="Droid Sans Mono Chess ASCII" panose="020B0609030804020204" pitchFamily="50" charset="0"/>
+                <a:cs typeface="Droid Sans Mono Chess ASCII" panose="020B0609030804020204" pitchFamily="50" charset="0"/>
+              </a:rPr>
+              <a:t>	</a:t>
+            </a:r>
+            <a:r>
+              <a:rPr lang="en-US" sz="2000" smtClean="0">
+                <a:latin typeface="Droid Sans Mono Chess ASCII" panose="020B0609030804020204" pitchFamily="50" charset="0"/>
+                <a:ea typeface="Droid Sans Mono Chess ASCII" panose="020B0609030804020204" pitchFamily="50" charset="0"/>
+                <a:cs typeface="Droid Sans Mono Chess ASCII" panose="020B0609030804020204" pitchFamily="50" charset="0"/>
+              </a:rPr>
+              <a:t>process2 </a:t>
+            </a:r>
+            <a:r>
+              <a:rPr lang="en-US" sz="2000">
+                <a:latin typeface="Droid Sans Mono Chess ASCII" panose="020B0609030804020204" pitchFamily="50" charset="0"/>
+                <a:ea typeface="Droid Sans Mono Chess ASCII" panose="020B0609030804020204" pitchFamily="50" charset="0"/>
+                <a:cs typeface="Droid Sans Mono Chess ASCII" panose="020B0609030804020204" pitchFamily="50" charset="0"/>
+              </a:rPr>
+              <a:t>smaller </a:t>
+            </a:r>
+            <a:r>
+              <a:rPr lang="en-US" sz="2000" smtClean="0">
+                <a:latin typeface="Droid Sans Mono Chess ASCII" panose="020B0609030804020204" pitchFamily="50" charset="0"/>
+                <a:ea typeface="Droid Sans Mono Chess ASCII" panose="020B0609030804020204" pitchFamily="50" charset="0"/>
+                <a:cs typeface="Droid Sans Mono Chess ASCII" panose="020B0609030804020204" pitchFamily="50" charset="0"/>
+              </a:rPr>
+              <a:t>  ++   [</a:t>
+            </a:r>
+            <a:r>
+              <a:rPr lang="en-US" sz="2000">
+                <a:latin typeface="Droid Sans Mono Chess ASCII" panose="020B0609030804020204" pitchFamily="50" charset="0"/>
+                <a:ea typeface="Droid Sans Mono Chess ASCII" panose="020B0609030804020204" pitchFamily="50" charset="0"/>
+                <a:cs typeface="Droid Sans Mono Chess ASCII" panose="020B0609030804020204" pitchFamily="50" charset="0"/>
+              </a:rPr>
+              <a:t>first] </a:t>
+            </a:r>
+            <a:r>
+              <a:rPr lang="en-US" sz="2000" smtClean="0">
+                <a:latin typeface="Droid Sans Mono Chess ASCII" panose="020B0609030804020204" pitchFamily="50" charset="0"/>
+                <a:ea typeface="Droid Sans Mono Chess ASCII" panose="020B0609030804020204" pitchFamily="50" charset="0"/>
+                <a:cs typeface="Droid Sans Mono Chess ASCII" panose="020B0609030804020204" pitchFamily="50" charset="0"/>
+              </a:rPr>
+              <a:t>  ++   process2 </a:t>
+            </a:r>
+            <a:r>
+              <a:rPr lang="en-US" sz="2000">
+                <a:latin typeface="Droid Sans Mono Chess ASCII" panose="020B0609030804020204" pitchFamily="50" charset="0"/>
+                <a:ea typeface="Droid Sans Mono Chess ASCII" panose="020B0609030804020204" pitchFamily="50" charset="0"/>
+                <a:cs typeface="Droid Sans Mono Chess ASCII" panose="020B0609030804020204" pitchFamily="50" charset="0"/>
+              </a:rPr>
+              <a:t>bigger</a:t>
+            </a:r>
+            <a:endParaRPr lang="de-DE" sz="2000">
+              <a:latin typeface="Droid Sans Mono Chess ASCII" panose="020B0609030804020204" pitchFamily="50" charset="0"/>
+              <a:ea typeface="Droid Sans Mono Chess ASCII" panose="020B0609030804020204" pitchFamily="50" charset="0"/>
+              <a:cs typeface="Droid Sans Mono Chess ASCII" panose="020B0609030804020204" pitchFamily="50" charset="0"/>
             </a:endParaRPr>
           </a:p>
         </p:txBody>
@@ -7613,7 +7442,7 @@
     </p:spTree>
     <p:extLst>
       <p:ext uri="{BB962C8B-B14F-4D97-AF65-F5344CB8AC3E}">
-        <p14:creationId xmlns:p14="http://schemas.microsoft.com/office/powerpoint/2010/main" val="3297322222"/>
+        <p14:creationId xmlns:p14="http://schemas.microsoft.com/office/powerpoint/2010/main" val="2362116585"/>
       </p:ext>
     </p:extLst>
   </p:cSld>
@@ -7672,6 +7501,451 @@
           <a:p>
             <a:r>
               <a:rPr lang="en-US" smtClean="0"/>
+              <a:t>Features</a:t>
+            </a:r>
+          </a:p>
+        </p:txBody>
+      </p:sp>
+      <p:sp>
+        <p:nvSpPr>
+          <p:cNvPr id="3" name="Rectangle 4"/>
+          <p:cNvSpPr>
+            <a:spLocks/>
+          </p:cNvSpPr>
+          <p:nvPr/>
+        </p:nvSpPr>
+        <p:spPr bwMode="auto">
+          <a:xfrm>
+            <a:off x="487362" y="1373188"/>
+            <a:ext cx="10790237" cy="6680200"/>
+          </a:xfrm>
+          <a:prstGeom prst="rect">
+            <a:avLst/>
+          </a:prstGeom>
+          <a:noFill/>
+          <a:ln w="12700" cap="flat">
+            <a:noFill/>
+            <a:miter lim="800000"/>
+            <a:headEnd type="none" w="med" len="med"/>
+            <a:tailEnd type="none" w="med" len="med"/>
+          </a:ln>
+        </p:spPr>
+        <p:txBody>
+          <a:bodyPr lIns="0" tIns="0" rIns="0" bIns="0"/>
+          <a:lstStyle/>
+          <a:p>
+            <a:pPr marL="254000" indent="-254000">
+              <a:lnSpc>
+                <a:spcPct val="120000"/>
+              </a:lnSpc>
+              <a:spcBef>
+                <a:spcPts val="1000"/>
+              </a:spcBef>
+              <a:buSzPct val="120000"/>
+              <a:buFont typeface="Lucida Grande" charset="0"/>
+              <a:buChar char="‣"/>
+              <a:defRPr/>
+            </a:pPr>
+            <a:r>
+              <a:rPr lang="en-US" sz="2600" smtClean="0">
+                <a:solidFill>
+                  <a:srgbClr val="262626"/>
+                </a:solidFill>
+                <a:latin typeface="+mn-lt"/>
+                <a:ea typeface="Gill Sans" charset="0"/>
+                <a:cs typeface="Gill Sans" charset="0"/>
+              </a:rPr>
+              <a:t>Infinite Lists, lazy evaluation, Producer-Consumer Model</a:t>
+            </a:r>
+            <a:endParaRPr lang="en-US" sz="2600">
+              <a:solidFill>
+                <a:srgbClr val="262626"/>
+              </a:solidFill>
+              <a:latin typeface="+mn-lt"/>
+              <a:ea typeface="Gill Sans" charset="0"/>
+              <a:cs typeface="Gill Sans" charset="0"/>
+            </a:endParaRPr>
+          </a:p>
+          <a:p>
+            <a:pPr marL="254000" indent="-254000">
+              <a:lnSpc>
+                <a:spcPct val="120000"/>
+              </a:lnSpc>
+              <a:spcBef>
+                <a:spcPts val="1000"/>
+              </a:spcBef>
+              <a:buSzPct val="120000"/>
+              <a:buFont typeface="Lucida Grande" charset="0"/>
+              <a:buChar char="‣"/>
+              <a:defRPr/>
+            </a:pPr>
+            <a:r>
+              <a:rPr lang="en-US" sz="2600" smtClean="0">
+                <a:solidFill>
+                  <a:srgbClr val="262626"/>
+                </a:solidFill>
+                <a:latin typeface="+mn-lt"/>
+                <a:ea typeface="Gill Sans" charset="0"/>
+                <a:cs typeface="Gill Sans" charset="0"/>
+              </a:rPr>
+              <a:t>Profiling</a:t>
+            </a:r>
+          </a:p>
+          <a:p>
+            <a:pPr marL="254000" indent="-254000">
+              <a:lnSpc>
+                <a:spcPct val="120000"/>
+              </a:lnSpc>
+              <a:spcBef>
+                <a:spcPts val="1000"/>
+              </a:spcBef>
+              <a:buSzPct val="120000"/>
+              <a:buFont typeface="Lucida Grande" charset="0"/>
+              <a:buChar char="‣"/>
+              <a:defRPr/>
+            </a:pPr>
+            <a:r>
+              <a:rPr lang="en-US" sz="2600" smtClean="0">
+                <a:solidFill>
+                  <a:srgbClr val="262626"/>
+                </a:solidFill>
+                <a:latin typeface="+mn-lt"/>
+                <a:ea typeface="Gill Sans" charset="0"/>
+                <a:cs typeface="Gill Sans" charset="0"/>
+              </a:rPr>
+              <a:t>Central Library</a:t>
+            </a:r>
+          </a:p>
+          <a:p>
+            <a:pPr marL="254000" indent="-254000">
+              <a:lnSpc>
+                <a:spcPct val="120000"/>
+              </a:lnSpc>
+              <a:spcBef>
+                <a:spcPts val="1000"/>
+              </a:spcBef>
+              <a:buSzPct val="120000"/>
+              <a:buFont typeface="Lucida Grande" charset="0"/>
+              <a:buChar char="‣"/>
+              <a:defRPr/>
+            </a:pPr>
+            <a:r>
+              <a:rPr lang="en-US" sz="2600" smtClean="0">
+                <a:solidFill>
+                  <a:srgbClr val="262626"/>
+                </a:solidFill>
+                <a:latin typeface="+mn-lt"/>
+                <a:ea typeface="Gill Sans" charset="0"/>
+                <a:cs typeface="Gill Sans" charset="0"/>
+              </a:rPr>
+              <a:t>Compiler and Interpreter</a:t>
+            </a:r>
+          </a:p>
+          <a:p>
+            <a:pPr marL="254000" indent="-254000">
+              <a:lnSpc>
+                <a:spcPct val="120000"/>
+              </a:lnSpc>
+              <a:spcBef>
+                <a:spcPts val="1000"/>
+              </a:spcBef>
+              <a:buSzPct val="120000"/>
+              <a:buFont typeface="Lucida Grande" charset="0"/>
+              <a:buChar char="‣"/>
+              <a:defRPr/>
+            </a:pPr>
+            <a:r>
+              <a:rPr lang="en-US" sz="2600" smtClean="0">
+                <a:solidFill>
+                  <a:srgbClr val="262626"/>
+                </a:solidFill>
+                <a:latin typeface="+mn-lt"/>
+                <a:ea typeface="Gill Sans" charset="0"/>
+                <a:cs typeface="Gill Sans" charset="0"/>
+              </a:rPr>
+              <a:t>Full Programming at command line</a:t>
+            </a:r>
+          </a:p>
+          <a:p>
+            <a:pPr marL="254000" indent="-254000">
+              <a:lnSpc>
+                <a:spcPct val="120000"/>
+              </a:lnSpc>
+              <a:spcBef>
+                <a:spcPts val="1000"/>
+              </a:spcBef>
+              <a:buSzPct val="120000"/>
+              <a:buFont typeface="Lucida Grande" charset="0"/>
+              <a:buChar char="‣"/>
+              <a:defRPr/>
+            </a:pPr>
+            <a:r>
+              <a:rPr lang="en-US" sz="2600" smtClean="0">
+                <a:solidFill>
+                  <a:srgbClr val="262626"/>
+                </a:solidFill>
+                <a:latin typeface="+mn-lt"/>
+                <a:ea typeface="Gill Sans" charset="0"/>
+                <a:cs typeface="Gill Sans" charset="0"/>
+              </a:rPr>
+              <a:t> Industrial Strength (Galois, …)</a:t>
+            </a:r>
+          </a:p>
+          <a:p>
+            <a:pPr marL="254000" indent="-254000">
+              <a:lnSpc>
+                <a:spcPct val="120000"/>
+              </a:lnSpc>
+              <a:spcBef>
+                <a:spcPts val="1000"/>
+              </a:spcBef>
+              <a:buSzPct val="120000"/>
+              <a:buFont typeface="Lucida Grande" charset="0"/>
+              <a:buChar char="‣"/>
+              <a:defRPr/>
+            </a:pPr>
+            <a:r>
+              <a:rPr lang="en-US" sz="2600" smtClean="0">
+                <a:solidFill>
+                  <a:srgbClr val="262626"/>
+                </a:solidFill>
+                <a:latin typeface="+mn-lt"/>
+                <a:ea typeface="Gill Sans" charset="0"/>
+                <a:cs typeface="Gill Sans" charset="0"/>
+              </a:rPr>
+              <a:t>Easy parallelization, Semaphores, …</a:t>
+            </a:r>
+          </a:p>
+          <a:p>
+            <a:pPr marL="254000" indent="-254000">
+              <a:lnSpc>
+                <a:spcPct val="120000"/>
+              </a:lnSpc>
+              <a:spcBef>
+                <a:spcPts val="1000"/>
+              </a:spcBef>
+              <a:buSzPct val="120000"/>
+              <a:buFont typeface="Lucida Grande" charset="0"/>
+              <a:buChar char="‣"/>
+              <a:defRPr/>
+            </a:pPr>
+            <a:r>
+              <a:rPr lang="en-US" sz="2600" smtClean="0">
+                <a:solidFill>
+                  <a:srgbClr val="262626"/>
+                </a:solidFill>
+                <a:latin typeface="+mn-lt"/>
+                <a:ea typeface="Gill Sans" charset="0"/>
+                <a:cs typeface="Gill Sans" charset="0"/>
+              </a:rPr>
+              <a:t>“If it typechecks, it works”</a:t>
+            </a:r>
+          </a:p>
+          <a:p>
+            <a:pPr marL="254000" indent="-254000">
+              <a:lnSpc>
+                <a:spcPct val="120000"/>
+              </a:lnSpc>
+              <a:spcBef>
+                <a:spcPts val="1000"/>
+              </a:spcBef>
+              <a:buSzPct val="120000"/>
+              <a:buFont typeface="Lucida Grande" charset="0"/>
+              <a:buChar char="‣"/>
+              <a:defRPr/>
+            </a:pPr>
+            <a:r>
+              <a:rPr lang="en-US" sz="2600" smtClean="0">
+                <a:solidFill>
+                  <a:srgbClr val="262626"/>
+                </a:solidFill>
+                <a:latin typeface="+mn-lt"/>
+                <a:ea typeface="Gill Sans" charset="0"/>
+                <a:cs typeface="Gill Sans" charset="0"/>
+              </a:rPr>
+              <a:t>Inspiring F#, Java, C#, …</a:t>
+            </a:r>
+          </a:p>
+          <a:p>
+            <a:pPr marL="254000" indent="-254000">
+              <a:lnSpc>
+                <a:spcPct val="120000"/>
+              </a:lnSpc>
+              <a:spcBef>
+                <a:spcPts val="1000"/>
+              </a:spcBef>
+              <a:buSzPct val="120000"/>
+              <a:buFont typeface="Lucida Grande" charset="0"/>
+              <a:buChar char="‣"/>
+              <a:defRPr/>
+            </a:pPr>
+            <a:r>
+              <a:rPr lang="en-US" sz="2600" smtClean="0">
+                <a:solidFill>
+                  <a:srgbClr val="262626"/>
+                </a:solidFill>
+                <a:latin typeface="+mn-lt"/>
+                <a:ea typeface="Gill Sans" charset="0"/>
+                <a:cs typeface="Gill Sans" charset="0"/>
+              </a:rPr>
+              <a:t>Every Monad is a DSL</a:t>
+            </a:r>
+          </a:p>
+          <a:p>
+            <a:pPr marL="254000" indent="-254000">
+              <a:lnSpc>
+                <a:spcPct val="120000"/>
+              </a:lnSpc>
+              <a:spcBef>
+                <a:spcPts val="1000"/>
+              </a:spcBef>
+              <a:buSzPct val="120000"/>
+              <a:buFont typeface="Lucida Grande" charset="0"/>
+              <a:buChar char="‣"/>
+              <a:defRPr/>
+            </a:pPr>
+            <a:r>
+              <a:rPr lang="en-US" sz="2600" smtClean="0">
+                <a:solidFill>
+                  <a:srgbClr val="262626"/>
+                </a:solidFill>
+                <a:latin typeface="+mn-lt"/>
+                <a:ea typeface="Gill Sans" charset="0"/>
+                <a:cs typeface="Gill Sans" charset="0"/>
+              </a:rPr>
+              <a:t>List Comprehension</a:t>
+            </a:r>
+          </a:p>
+          <a:p>
+            <a:pPr marL="254000" indent="-254000">
+              <a:lnSpc>
+                <a:spcPct val="120000"/>
+              </a:lnSpc>
+              <a:spcBef>
+                <a:spcPts val="1000"/>
+              </a:spcBef>
+              <a:buSzPct val="120000"/>
+              <a:buFont typeface="Lucida Grande" charset="0"/>
+              <a:buChar char="‣"/>
+              <a:defRPr/>
+            </a:pPr>
+            <a:r>
+              <a:rPr lang="en-US" sz="2600" smtClean="0">
+                <a:solidFill>
+                  <a:srgbClr val="262626"/>
+                </a:solidFill>
+                <a:latin typeface="+mn-lt"/>
+                <a:ea typeface="Gill Sans" charset="0"/>
+                <a:cs typeface="Gill Sans" charset="0"/>
+              </a:rPr>
+              <a:t>No null pointer</a:t>
+            </a:r>
+          </a:p>
+          <a:p>
+            <a:pPr marL="254000" indent="-254000">
+              <a:lnSpc>
+                <a:spcPct val="120000"/>
+              </a:lnSpc>
+              <a:spcBef>
+                <a:spcPts val="1000"/>
+              </a:spcBef>
+              <a:buSzPct val="120000"/>
+              <a:buFont typeface="Lucida Grande" charset="0"/>
+              <a:buChar char="‣"/>
+              <a:defRPr/>
+            </a:pPr>
+            <a:endParaRPr lang="en-US" sz="2600">
+              <a:solidFill>
+                <a:srgbClr val="262626"/>
+              </a:solidFill>
+              <a:latin typeface="+mn-lt"/>
+              <a:ea typeface="Gill Sans" charset="0"/>
+              <a:cs typeface="Gill Sans" charset="0"/>
+            </a:endParaRPr>
+          </a:p>
+          <a:p>
+            <a:pPr marL="254000" indent="-254000">
+              <a:lnSpc>
+                <a:spcPct val="120000"/>
+              </a:lnSpc>
+              <a:spcBef>
+                <a:spcPts val="1000"/>
+              </a:spcBef>
+              <a:defRPr/>
+            </a:pPr>
+            <a:endParaRPr lang="en-US" sz="2600">
+              <a:solidFill>
+                <a:srgbClr val="262626"/>
+              </a:solidFill>
+              <a:latin typeface="+mn-lt"/>
+              <a:ea typeface="Gill Sans" charset="0"/>
+              <a:cs typeface="Gill Sans" charset="0"/>
+            </a:endParaRPr>
+          </a:p>
+        </p:txBody>
+      </p:sp>
+    </p:spTree>
+    <p:extLst>
+      <p:ext uri="{BB962C8B-B14F-4D97-AF65-F5344CB8AC3E}">
+        <p14:creationId xmlns:p14="http://schemas.microsoft.com/office/powerpoint/2010/main" val="3297322222"/>
+      </p:ext>
+    </p:extLst>
+  </p:cSld>
+  <p:clrMapOvr>
+    <a:masterClrMapping/>
+  </p:clrMapOvr>
+</p:sld>
+</file>
+
+<file path=ppt/slides/slide8.xml><?xml version="1.0" encoding="utf-8"?>
+<p:sld xmlns:a="http://schemas.openxmlformats.org/drawingml/2006/main" xmlns:r="http://schemas.openxmlformats.org/officeDocument/2006/relationships" xmlns:p="http://schemas.openxmlformats.org/presentationml/2006/main">
+  <p:cSld>
+    <p:spTree>
+      <p:nvGrpSpPr>
+        <p:cNvPr id="1" name=""/>
+        <p:cNvGrpSpPr/>
+        <p:nvPr/>
+      </p:nvGrpSpPr>
+      <p:grpSpPr>
+        <a:xfrm>
+          <a:off x="0" y="0"/>
+          <a:ext cx="0" cy="0"/>
+          <a:chOff x="0" y="0"/>
+          <a:chExt cx="0" cy="0"/>
+        </a:xfrm>
+      </p:grpSpPr>
+      <p:sp>
+        <p:nvSpPr>
+          <p:cNvPr id="9218" name="Titel 1"/>
+          <p:cNvSpPr>
+            <a:spLocks noGrp="1"/>
+          </p:cNvSpPr>
+          <p:nvPr>
+            <p:ph type="title"/>
+          </p:nvPr>
+        </p:nvSpPr>
+        <p:spPr bwMode="auto">
+          <a:xfrm>
+            <a:off x="442913" y="93663"/>
+            <a:ext cx="10742612" cy="939800"/>
+          </a:xfrm>
+          <a:noFill/>
+          <a:ln>
+            <a:miter lim="800000"/>
+            <a:headEnd/>
+            <a:tailEnd/>
+          </a:ln>
+        </p:spPr>
+        <p:txBody>
+          <a:bodyPr vert="horz" wrap="square" numCol="1" anchor="t" anchorCtr="0" compatLnSpc="1">
+            <a:prstTxWarp prst="textNoShape">
+              <a:avLst/>
+            </a:prstTxWarp>
+          </a:bodyPr>
+          <a:lstStyle/>
+          <a:p>
+            <a:r>
+              <a:rPr lang="en-US" smtClean="0"/>
               <a:t>So called “List Comprehension”</a:t>
             </a:r>
           </a:p>
@@ -8024,7 +8298,7 @@
 </p:sld>
 </file>
 
-<file path=ppt/slides/slide8.xml><?xml version="1.0" encoding="utf-8"?>
+<file path=ppt/slides/slide9.xml><?xml version="1.0" encoding="utf-8"?>
 <p:sld xmlns:a="http://schemas.openxmlformats.org/drawingml/2006/main" xmlns:r="http://schemas.openxmlformats.org/officeDocument/2006/relationships" xmlns:p="http://schemas.openxmlformats.org/presentationml/2006/main">
   <p:cSld>
     <p:spTree>
@@ -8430,286 +8704,6 @@
     <p:extLst>
       <p:ext uri="{BB962C8B-B14F-4D97-AF65-F5344CB8AC3E}">
         <p14:creationId xmlns:p14="http://schemas.microsoft.com/office/powerpoint/2010/main" val="2077020566"/>
-      </p:ext>
-    </p:extLst>
-  </p:cSld>
-  <p:clrMapOvr>
-    <a:masterClrMapping/>
-  </p:clrMapOvr>
-</p:sld>
-</file>
-
-<file path=ppt/slides/slide9.xml><?xml version="1.0" encoding="utf-8"?>
-<p:sld xmlns:a="http://schemas.openxmlformats.org/drawingml/2006/main" xmlns:r="http://schemas.openxmlformats.org/officeDocument/2006/relationships" xmlns:p="http://schemas.openxmlformats.org/presentationml/2006/main">
-  <p:cSld>
-    <p:spTree>
-      <p:nvGrpSpPr>
-        <p:cNvPr id="1" name=""/>
-        <p:cNvGrpSpPr/>
-        <p:nvPr/>
-      </p:nvGrpSpPr>
-      <p:grpSpPr>
-        <a:xfrm>
-          <a:off x="0" y="0"/>
-          <a:ext cx="0" cy="0"/>
-          <a:chOff x="0" y="0"/>
-          <a:chExt cx="0" cy="0"/>
-        </a:xfrm>
-      </p:grpSpPr>
-      <p:sp>
-        <p:nvSpPr>
-          <p:cNvPr id="9218" name="Titel 1"/>
-          <p:cNvSpPr>
-            <a:spLocks noGrp="1"/>
-          </p:cNvSpPr>
-          <p:nvPr>
-            <p:ph type="title"/>
-          </p:nvPr>
-        </p:nvSpPr>
-        <p:spPr bwMode="auto">
-          <a:xfrm>
-            <a:off x="442913" y="93663"/>
-            <a:ext cx="10742612" cy="939800"/>
-          </a:xfrm>
-          <a:noFill/>
-          <a:ln>
-            <a:miter lim="800000"/>
-            <a:headEnd/>
-            <a:tailEnd/>
-          </a:ln>
-        </p:spPr>
-        <p:txBody>
-          <a:bodyPr vert="horz" wrap="square" numCol="1" anchor="t" anchorCtr="0" compatLnSpc="1">
-            <a:prstTxWarp prst="textNoShape">
-              <a:avLst/>
-            </a:prstTxWarp>
-          </a:bodyPr>
-          <a:lstStyle/>
-          <a:p>
-            <a:r>
-              <a:rPr lang="en-US" smtClean="0"/>
-              <a:t>The NSWC Experiment</a:t>
-            </a:r>
-          </a:p>
-        </p:txBody>
-      </p:sp>
-      <p:pic>
-        <p:nvPicPr>
-          <p:cNvPr id="1026" name="Picture 2"/>
-          <p:cNvPicPr>
-            <a:picLocks noChangeAspect="1" noChangeArrowheads="1"/>
-          </p:cNvPicPr>
-          <p:nvPr/>
-        </p:nvPicPr>
-        <p:blipFill>
-          <a:blip r:embed="rId2">
-            <a:extLst>
-              <a:ext uri="{28A0092B-C50C-407E-A947-70E740481C1C}">
-                <a14:useLocalDpi xmlns:a14="http://schemas.microsoft.com/office/drawing/2010/main" val="0"/>
-              </a:ext>
-            </a:extLst>
-          </a:blip>
-          <a:srcRect/>
-          <a:stretch>
-            <a:fillRect/>
-          </a:stretch>
-        </p:blipFill>
-        <p:spPr bwMode="auto">
-          <a:xfrm>
-            <a:off x="-18823" y="1535454"/>
-            <a:ext cx="7277554" cy="5071156"/>
-          </a:xfrm>
-          <a:prstGeom prst="rect">
-            <a:avLst/>
-          </a:prstGeom>
-          <a:noFill/>
-          <a:ln>
-            <a:noFill/>
-          </a:ln>
-          <a:extLst>
-            <a:ext uri="{909E8E84-426E-40DD-AFC4-6F175D3DCCD1}">
-              <a14:hiddenFill xmlns:a14="http://schemas.microsoft.com/office/drawing/2010/main">
-                <a:solidFill>
-                  <a:schemeClr val="accent1"/>
-                </a:solidFill>
-              </a14:hiddenFill>
-            </a:ext>
-            <a:ext uri="{91240B29-F687-4F45-9708-019B960494DF}">
-              <a14:hiddenLine xmlns:a14="http://schemas.microsoft.com/office/drawing/2010/main" w="9525">
-                <a:solidFill>
-                  <a:schemeClr val="tx1"/>
-                </a:solidFill>
-                <a:miter lim="800000"/>
-                <a:headEnd/>
-                <a:tailEnd/>
-              </a14:hiddenLine>
-            </a:ext>
-          </a:extLst>
-        </p:spPr>
-      </p:pic>
-      <p:pic>
-        <p:nvPicPr>
-          <p:cNvPr id="1027" name="Picture 3"/>
-          <p:cNvPicPr>
-            <a:picLocks noChangeAspect="1" noChangeArrowheads="1"/>
-          </p:cNvPicPr>
-          <p:nvPr/>
-        </p:nvPicPr>
-        <p:blipFill>
-          <a:blip r:embed="rId3">
-            <a:extLst>
-              <a:ext uri="{28A0092B-C50C-407E-A947-70E740481C1C}">
-                <a14:useLocalDpi xmlns:a14="http://schemas.microsoft.com/office/drawing/2010/main" val="0"/>
-              </a:ext>
-            </a:extLst>
-          </a:blip>
-          <a:srcRect/>
-          <a:stretch>
-            <a:fillRect/>
-          </a:stretch>
-        </p:blipFill>
-        <p:spPr bwMode="auto">
-          <a:xfrm>
-            <a:off x="7258731" y="1535454"/>
-            <a:ext cx="5522006" cy="6324600"/>
-          </a:xfrm>
-          <a:prstGeom prst="rect">
-            <a:avLst/>
-          </a:prstGeom>
-          <a:noFill/>
-          <a:ln>
-            <a:noFill/>
-          </a:ln>
-          <a:extLst>
-            <a:ext uri="{909E8E84-426E-40DD-AFC4-6F175D3DCCD1}">
-              <a14:hiddenFill xmlns:a14="http://schemas.microsoft.com/office/drawing/2010/main">
-                <a:solidFill>
-                  <a:schemeClr val="accent1"/>
-                </a:solidFill>
-              </a14:hiddenFill>
-            </a:ext>
-            <a:ext uri="{91240B29-F687-4F45-9708-019B960494DF}">
-              <a14:hiddenLine xmlns:a14="http://schemas.microsoft.com/office/drawing/2010/main" w="9525">
-                <a:solidFill>
-                  <a:schemeClr val="tx1"/>
-                </a:solidFill>
-                <a:miter lim="800000"/>
-                <a:headEnd/>
-                <a:tailEnd/>
-              </a14:hiddenLine>
-            </a:ext>
-          </a:extLst>
-        </p:spPr>
-      </p:pic>
-      <p:sp>
-        <p:nvSpPr>
-          <p:cNvPr id="5" name="Rectangle 4"/>
-          <p:cNvSpPr>
-            <a:spLocks/>
-          </p:cNvSpPr>
-          <p:nvPr/>
-        </p:nvSpPr>
-        <p:spPr bwMode="auto">
-          <a:xfrm>
-            <a:off x="552675" y="8164291"/>
-            <a:ext cx="12052982" cy="957938"/>
-          </a:xfrm>
-          <a:prstGeom prst="rect">
-            <a:avLst/>
-          </a:prstGeom>
-          <a:noFill/>
-          <a:ln w="12700" cap="flat">
-            <a:noFill/>
-            <a:miter lim="800000"/>
-            <a:headEnd type="none" w="med" len="med"/>
-            <a:tailEnd type="none" w="med" len="med"/>
-          </a:ln>
-        </p:spPr>
-        <p:txBody>
-          <a:bodyPr lIns="0" tIns="0" rIns="0" bIns="0"/>
-          <a:lstStyle/>
-          <a:p>
-            <a:pPr>
-              <a:spcBef>
-                <a:spcPts val="1000"/>
-              </a:spcBef>
-              <a:buSzPct val="120000"/>
-              <a:defRPr/>
-            </a:pPr>
-            <a:r>
-              <a:rPr lang="en-US" sz="3600" i="1" smtClean="0">
-                <a:solidFill>
-                  <a:srgbClr val="262626"/>
-                </a:solidFill>
-                <a:effectLst>
-                  <a:outerShdw blurRad="38100" dist="38100" dir="2700000" algn="tl">
-                    <a:srgbClr val="000000">
-                      <a:alpha val="43137"/>
-                    </a:srgbClr>
-                  </a:outerShdw>
-                </a:effectLst>
-                <a:latin typeface="+mn-lt"/>
-                <a:ea typeface="Gill Sans" charset="0"/>
-                <a:cs typeface="Gill Sans" charset="0"/>
-              </a:rPr>
-              <a:t>ADA vs. C++ vs. awk vs. Relational Lisp vs. Haskell vs. …</a:t>
-            </a:r>
-          </a:p>
-          <a:p>
-            <a:pPr marL="254000" indent="-254000">
-              <a:spcBef>
-                <a:spcPts val="1000"/>
-              </a:spcBef>
-              <a:buSzPct val="120000"/>
-              <a:buFont typeface="Lucida Grande" charset="0"/>
-              <a:buChar char="‣"/>
-              <a:defRPr/>
-            </a:pPr>
-            <a:endParaRPr lang="en-US" sz="3600" i="1">
-              <a:solidFill>
-                <a:srgbClr val="262626"/>
-              </a:solidFill>
-              <a:effectLst>
-                <a:outerShdw blurRad="38100" dist="38100" dir="2700000" algn="tl">
-                  <a:srgbClr val="000000">
-                    <a:alpha val="43137"/>
-                  </a:srgbClr>
-                </a:outerShdw>
-              </a:effectLst>
-              <a:latin typeface="+mn-lt"/>
-              <a:ea typeface="Gill Sans" charset="0"/>
-              <a:cs typeface="Gill Sans" charset="0"/>
-            </a:endParaRPr>
-          </a:p>
-          <a:p>
-            <a:pPr marL="254000" indent="-254000">
-              <a:spcBef>
-                <a:spcPts val="1000"/>
-              </a:spcBef>
-              <a:defRPr/>
-            </a:pPr>
-            <a:endParaRPr lang="en-US" sz="3600" i="1">
-              <a:solidFill>
-                <a:srgbClr val="262626"/>
-              </a:solidFill>
-              <a:effectLst>
-                <a:outerShdw blurRad="38100" dist="38100" dir="2700000" algn="tl">
-                  <a:srgbClr val="000000">
-                    <a:alpha val="43137"/>
-                  </a:srgbClr>
-                </a:outerShdw>
-              </a:effectLst>
-              <a:latin typeface="+mn-lt"/>
-              <a:ea typeface="Gill Sans" charset="0"/>
-              <a:cs typeface="Gill Sans" charset="0"/>
-            </a:endParaRPr>
-          </a:p>
-        </p:txBody>
-      </p:sp>
-    </p:spTree>
-    <p:extLst>
-      <p:ext uri="{BB962C8B-B14F-4D97-AF65-F5344CB8AC3E}">
-        <p14:creationId xmlns:p14="http://schemas.microsoft.com/office/powerpoint/2010/main" val="3618038885"/>
       </p:ext>
     </p:extLst>
   </p:cSld>

--- a/ppt/Chess200.pptx
+++ b/ppt/Chess200.pptx
@@ -5,10 +5,10 @@
     <p:sldMasterId id="2147483648" r:id="rId1"/>
   </p:sldMasterIdLst>
   <p:notesMasterIdLst>
-    <p:notesMasterId r:id="rId15"/>
+    <p:notesMasterId r:id="rId18"/>
   </p:notesMasterIdLst>
   <p:handoutMasterIdLst>
-    <p:handoutMasterId r:id="rId16"/>
+    <p:handoutMasterId r:id="rId19"/>
   </p:handoutMasterIdLst>
   <p:sldIdLst>
     <p:sldId id="261" r:id="rId2"/>
@@ -17,27 +17,39 @@
     <p:sldId id="283" r:id="rId5"/>
     <p:sldId id="290" r:id="rId6"/>
     <p:sldId id="284" r:id="rId7"/>
-    <p:sldId id="285" r:id="rId8"/>
-    <p:sldId id="289" r:id="rId9"/>
-    <p:sldId id="288" r:id="rId10"/>
-    <p:sldId id="286" r:id="rId11"/>
-    <p:sldId id="287" r:id="rId12"/>
-    <p:sldId id="281" r:id="rId13"/>
-    <p:sldId id="269" r:id="rId14"/>
+    <p:sldId id="286" r:id="rId8"/>
+    <p:sldId id="287" r:id="rId9"/>
+    <p:sldId id="281" r:id="rId10"/>
+    <p:sldId id="285" r:id="rId11"/>
+    <p:sldId id="289" r:id="rId12"/>
+    <p:sldId id="294" r:id="rId13"/>
+    <p:sldId id="292" r:id="rId14"/>
+    <p:sldId id="293" r:id="rId15"/>
+    <p:sldId id="288" r:id="rId16"/>
+    <p:sldId id="269" r:id="rId17"/>
   </p:sldIdLst>
   <p:sldSz cx="13004800" cy="9753600"/>
   <p:notesSz cx="7010400" cy="9296400"/>
   <p:embeddedFontLst>
     <p:embeddedFont>
       <p:font typeface="Calibri" panose="020F0502020204030204" pitchFamily="34" charset="0"/>
-      <p:regular r:id="rId17"/>
-      <p:bold r:id="rId18"/>
-      <p:italic r:id="rId19"/>
-      <p:boldItalic r:id="rId20"/>
+      <p:regular r:id="rId20"/>
+      <p:bold r:id="rId21"/>
+      <p:italic r:id="rId22"/>
+      <p:boldItalic r:id="rId23"/>
     </p:embeddedFont>
     <p:embeddedFont>
       <p:font typeface="Wingdings 3" panose="05040102010807070707" pitchFamily="18" charset="2"/>
-      <p:regular r:id="rId21"/>
+      <p:regular r:id="rId24"/>
+    </p:embeddedFont>
+    <p:embeddedFont>
+      <p:font typeface="Arial Black" panose="020B0A04020102020204" pitchFamily="34" charset="0"/>
+      <p:bold r:id="rId25"/>
+    </p:embeddedFont>
+    <p:embeddedFont>
+      <p:font typeface="Agency FB" panose="020B0503020202020204" pitchFamily="34" charset="0"/>
+      <p:regular r:id="rId26"/>
+      <p:bold r:id="rId27"/>
     </p:embeddedFont>
   </p:embeddedFontLst>
   <p:defaultTextStyle>
@@ -3892,6 +3904,5358 @@
           <a:p>
             <a:r>
               <a:rPr lang="en-US" smtClean="0"/>
+              <a:t>Features</a:t>
+            </a:r>
+          </a:p>
+        </p:txBody>
+      </p:sp>
+      <p:sp>
+        <p:nvSpPr>
+          <p:cNvPr id="3" name="Rectangle 4"/>
+          <p:cNvSpPr>
+            <a:spLocks/>
+          </p:cNvSpPr>
+          <p:nvPr/>
+        </p:nvSpPr>
+        <p:spPr bwMode="auto">
+          <a:xfrm>
+            <a:off x="487362" y="1373188"/>
+            <a:ext cx="10790237" cy="6680200"/>
+          </a:xfrm>
+          <a:prstGeom prst="rect">
+            <a:avLst/>
+          </a:prstGeom>
+          <a:noFill/>
+          <a:ln w="12700" cap="flat">
+            <a:noFill/>
+            <a:miter lim="800000"/>
+            <a:headEnd type="none" w="med" len="med"/>
+            <a:tailEnd type="none" w="med" len="med"/>
+          </a:ln>
+        </p:spPr>
+        <p:txBody>
+          <a:bodyPr lIns="0" tIns="0" rIns="0" bIns="0"/>
+          <a:lstStyle/>
+          <a:p>
+            <a:pPr marL="254000" indent="-254000">
+              <a:lnSpc>
+                <a:spcPct val="120000"/>
+              </a:lnSpc>
+              <a:spcBef>
+                <a:spcPts val="1000"/>
+              </a:spcBef>
+              <a:buSzPct val="120000"/>
+              <a:buFont typeface="Lucida Grande" charset="0"/>
+              <a:buChar char="‣"/>
+              <a:defRPr/>
+            </a:pPr>
+            <a:r>
+              <a:rPr lang="en-US" sz="2600" smtClean="0">
+                <a:solidFill>
+                  <a:srgbClr val="262626"/>
+                </a:solidFill>
+                <a:latin typeface="+mn-lt"/>
+                <a:ea typeface="Gill Sans" charset="0"/>
+                <a:cs typeface="Gill Sans" charset="0"/>
+              </a:rPr>
+              <a:t>Infinite Lists, lazy evaluation, Producer-Consumer Model</a:t>
+            </a:r>
+            <a:endParaRPr lang="en-US" sz="2600">
+              <a:solidFill>
+                <a:srgbClr val="262626"/>
+              </a:solidFill>
+              <a:latin typeface="+mn-lt"/>
+              <a:ea typeface="Gill Sans" charset="0"/>
+              <a:cs typeface="Gill Sans" charset="0"/>
+            </a:endParaRPr>
+          </a:p>
+          <a:p>
+            <a:pPr marL="254000" indent="-254000">
+              <a:lnSpc>
+                <a:spcPct val="120000"/>
+              </a:lnSpc>
+              <a:spcBef>
+                <a:spcPts val="1000"/>
+              </a:spcBef>
+              <a:buSzPct val="120000"/>
+              <a:buFont typeface="Lucida Grande" charset="0"/>
+              <a:buChar char="‣"/>
+              <a:defRPr/>
+            </a:pPr>
+            <a:r>
+              <a:rPr lang="en-US" sz="2600" smtClean="0">
+                <a:solidFill>
+                  <a:srgbClr val="262626"/>
+                </a:solidFill>
+                <a:latin typeface="+mn-lt"/>
+                <a:ea typeface="Gill Sans" charset="0"/>
+                <a:cs typeface="Gill Sans" charset="0"/>
+              </a:rPr>
+              <a:t>Profiling</a:t>
+            </a:r>
+          </a:p>
+          <a:p>
+            <a:pPr marL="254000" indent="-254000">
+              <a:lnSpc>
+                <a:spcPct val="120000"/>
+              </a:lnSpc>
+              <a:spcBef>
+                <a:spcPts val="1000"/>
+              </a:spcBef>
+              <a:buSzPct val="120000"/>
+              <a:buFont typeface="Lucida Grande" charset="0"/>
+              <a:buChar char="‣"/>
+              <a:defRPr/>
+            </a:pPr>
+            <a:r>
+              <a:rPr lang="en-US" sz="2600" smtClean="0">
+                <a:solidFill>
+                  <a:srgbClr val="262626"/>
+                </a:solidFill>
+                <a:latin typeface="+mn-lt"/>
+                <a:ea typeface="Gill Sans" charset="0"/>
+                <a:cs typeface="Gill Sans" charset="0"/>
+              </a:rPr>
+              <a:t>Central Library</a:t>
+            </a:r>
+          </a:p>
+          <a:p>
+            <a:pPr marL="254000" indent="-254000">
+              <a:lnSpc>
+                <a:spcPct val="120000"/>
+              </a:lnSpc>
+              <a:spcBef>
+                <a:spcPts val="1000"/>
+              </a:spcBef>
+              <a:buSzPct val="120000"/>
+              <a:buFont typeface="Lucida Grande" charset="0"/>
+              <a:buChar char="‣"/>
+              <a:defRPr/>
+            </a:pPr>
+            <a:r>
+              <a:rPr lang="en-US" sz="2600" smtClean="0">
+                <a:solidFill>
+                  <a:srgbClr val="262626"/>
+                </a:solidFill>
+                <a:latin typeface="+mn-lt"/>
+                <a:ea typeface="Gill Sans" charset="0"/>
+                <a:cs typeface="Gill Sans" charset="0"/>
+              </a:rPr>
+              <a:t>Compiler and Interpreter</a:t>
+            </a:r>
+          </a:p>
+          <a:p>
+            <a:pPr marL="254000" indent="-254000">
+              <a:lnSpc>
+                <a:spcPct val="120000"/>
+              </a:lnSpc>
+              <a:spcBef>
+                <a:spcPts val="1000"/>
+              </a:spcBef>
+              <a:buSzPct val="120000"/>
+              <a:buFont typeface="Lucida Grande" charset="0"/>
+              <a:buChar char="‣"/>
+              <a:defRPr/>
+            </a:pPr>
+            <a:r>
+              <a:rPr lang="en-US" sz="2600" smtClean="0">
+                <a:solidFill>
+                  <a:srgbClr val="262626"/>
+                </a:solidFill>
+                <a:latin typeface="+mn-lt"/>
+                <a:ea typeface="Gill Sans" charset="0"/>
+                <a:cs typeface="Gill Sans" charset="0"/>
+              </a:rPr>
+              <a:t>Full Programming at command line</a:t>
+            </a:r>
+          </a:p>
+          <a:p>
+            <a:pPr marL="254000" indent="-254000">
+              <a:lnSpc>
+                <a:spcPct val="120000"/>
+              </a:lnSpc>
+              <a:spcBef>
+                <a:spcPts val="1000"/>
+              </a:spcBef>
+              <a:buSzPct val="120000"/>
+              <a:buFont typeface="Lucida Grande" charset="0"/>
+              <a:buChar char="‣"/>
+              <a:defRPr/>
+            </a:pPr>
+            <a:r>
+              <a:rPr lang="en-US" sz="2600" smtClean="0">
+                <a:solidFill>
+                  <a:srgbClr val="262626"/>
+                </a:solidFill>
+                <a:latin typeface="+mn-lt"/>
+                <a:ea typeface="Gill Sans" charset="0"/>
+                <a:cs typeface="Gill Sans" charset="0"/>
+              </a:rPr>
+              <a:t> Industrial Strength (Galois, …)</a:t>
+            </a:r>
+          </a:p>
+          <a:p>
+            <a:pPr marL="254000" indent="-254000">
+              <a:lnSpc>
+                <a:spcPct val="120000"/>
+              </a:lnSpc>
+              <a:spcBef>
+                <a:spcPts val="1000"/>
+              </a:spcBef>
+              <a:buSzPct val="120000"/>
+              <a:buFont typeface="Lucida Grande" charset="0"/>
+              <a:buChar char="‣"/>
+              <a:defRPr/>
+            </a:pPr>
+            <a:r>
+              <a:rPr lang="en-US" sz="2600" smtClean="0">
+                <a:solidFill>
+                  <a:srgbClr val="262626"/>
+                </a:solidFill>
+                <a:latin typeface="+mn-lt"/>
+                <a:ea typeface="Gill Sans" charset="0"/>
+                <a:cs typeface="Gill Sans" charset="0"/>
+              </a:rPr>
+              <a:t>Easy parallelization, Semaphores, …</a:t>
+            </a:r>
+          </a:p>
+          <a:p>
+            <a:pPr marL="254000" indent="-254000">
+              <a:lnSpc>
+                <a:spcPct val="120000"/>
+              </a:lnSpc>
+              <a:spcBef>
+                <a:spcPts val="1000"/>
+              </a:spcBef>
+              <a:buSzPct val="120000"/>
+              <a:buFont typeface="Lucida Grande" charset="0"/>
+              <a:buChar char="‣"/>
+              <a:defRPr/>
+            </a:pPr>
+            <a:r>
+              <a:rPr lang="en-US" sz="2600" smtClean="0">
+                <a:solidFill>
+                  <a:srgbClr val="262626"/>
+                </a:solidFill>
+                <a:latin typeface="+mn-lt"/>
+                <a:ea typeface="Gill Sans" charset="0"/>
+                <a:cs typeface="Gill Sans" charset="0"/>
+              </a:rPr>
+              <a:t>“If it typechecks, it works”</a:t>
+            </a:r>
+          </a:p>
+          <a:p>
+            <a:pPr marL="254000" indent="-254000">
+              <a:lnSpc>
+                <a:spcPct val="120000"/>
+              </a:lnSpc>
+              <a:spcBef>
+                <a:spcPts val="1000"/>
+              </a:spcBef>
+              <a:buSzPct val="120000"/>
+              <a:buFont typeface="Lucida Grande" charset="0"/>
+              <a:buChar char="‣"/>
+              <a:defRPr/>
+            </a:pPr>
+            <a:r>
+              <a:rPr lang="en-US" sz="2600" smtClean="0">
+                <a:solidFill>
+                  <a:srgbClr val="262626"/>
+                </a:solidFill>
+                <a:latin typeface="+mn-lt"/>
+                <a:ea typeface="Gill Sans" charset="0"/>
+                <a:cs typeface="Gill Sans" charset="0"/>
+              </a:rPr>
+              <a:t>Inspiring F#, Java, C#, …</a:t>
+            </a:r>
+          </a:p>
+          <a:p>
+            <a:pPr marL="254000" indent="-254000">
+              <a:lnSpc>
+                <a:spcPct val="120000"/>
+              </a:lnSpc>
+              <a:spcBef>
+                <a:spcPts val="1000"/>
+              </a:spcBef>
+              <a:buSzPct val="120000"/>
+              <a:buFont typeface="Lucida Grande" charset="0"/>
+              <a:buChar char="‣"/>
+              <a:defRPr/>
+            </a:pPr>
+            <a:r>
+              <a:rPr lang="en-US" sz="2600" smtClean="0">
+                <a:solidFill>
+                  <a:srgbClr val="262626"/>
+                </a:solidFill>
+                <a:latin typeface="+mn-lt"/>
+                <a:ea typeface="Gill Sans" charset="0"/>
+                <a:cs typeface="Gill Sans" charset="0"/>
+              </a:rPr>
+              <a:t>Every Monad is a DSL</a:t>
+            </a:r>
+          </a:p>
+          <a:p>
+            <a:pPr marL="254000" indent="-254000">
+              <a:lnSpc>
+                <a:spcPct val="120000"/>
+              </a:lnSpc>
+              <a:spcBef>
+                <a:spcPts val="1000"/>
+              </a:spcBef>
+              <a:buSzPct val="120000"/>
+              <a:buFont typeface="Lucida Grande" charset="0"/>
+              <a:buChar char="‣"/>
+              <a:defRPr/>
+            </a:pPr>
+            <a:r>
+              <a:rPr lang="en-US" sz="2600" smtClean="0">
+                <a:solidFill>
+                  <a:srgbClr val="262626"/>
+                </a:solidFill>
+                <a:latin typeface="+mn-lt"/>
+                <a:ea typeface="Gill Sans" charset="0"/>
+                <a:cs typeface="Gill Sans" charset="0"/>
+              </a:rPr>
+              <a:t>List Comprehension</a:t>
+            </a:r>
+          </a:p>
+          <a:p>
+            <a:pPr marL="254000" indent="-254000">
+              <a:lnSpc>
+                <a:spcPct val="120000"/>
+              </a:lnSpc>
+              <a:spcBef>
+                <a:spcPts val="1000"/>
+              </a:spcBef>
+              <a:buSzPct val="120000"/>
+              <a:buFont typeface="Lucida Grande" charset="0"/>
+              <a:buChar char="‣"/>
+              <a:defRPr/>
+            </a:pPr>
+            <a:r>
+              <a:rPr lang="en-US" sz="2600" smtClean="0">
+                <a:solidFill>
+                  <a:srgbClr val="262626"/>
+                </a:solidFill>
+                <a:latin typeface="+mn-lt"/>
+                <a:ea typeface="Gill Sans" charset="0"/>
+                <a:cs typeface="Gill Sans" charset="0"/>
+              </a:rPr>
+              <a:t>No null pointer</a:t>
+            </a:r>
+          </a:p>
+          <a:p>
+            <a:pPr marL="254000" indent="-254000">
+              <a:lnSpc>
+                <a:spcPct val="120000"/>
+              </a:lnSpc>
+              <a:spcBef>
+                <a:spcPts val="1000"/>
+              </a:spcBef>
+              <a:buSzPct val="120000"/>
+              <a:buFont typeface="Lucida Grande" charset="0"/>
+              <a:buChar char="‣"/>
+              <a:defRPr/>
+            </a:pPr>
+            <a:endParaRPr lang="en-US" sz="2600">
+              <a:solidFill>
+                <a:srgbClr val="262626"/>
+              </a:solidFill>
+              <a:latin typeface="+mn-lt"/>
+              <a:ea typeface="Gill Sans" charset="0"/>
+              <a:cs typeface="Gill Sans" charset="0"/>
+            </a:endParaRPr>
+          </a:p>
+          <a:p>
+            <a:pPr marL="254000" indent="-254000">
+              <a:lnSpc>
+                <a:spcPct val="120000"/>
+              </a:lnSpc>
+              <a:spcBef>
+                <a:spcPts val="1000"/>
+              </a:spcBef>
+              <a:defRPr/>
+            </a:pPr>
+            <a:endParaRPr lang="en-US" sz="2600">
+              <a:solidFill>
+                <a:srgbClr val="262626"/>
+              </a:solidFill>
+              <a:latin typeface="+mn-lt"/>
+              <a:ea typeface="Gill Sans" charset="0"/>
+              <a:cs typeface="Gill Sans" charset="0"/>
+            </a:endParaRPr>
+          </a:p>
+        </p:txBody>
+      </p:sp>
+    </p:spTree>
+    <p:extLst>
+      <p:ext uri="{BB962C8B-B14F-4D97-AF65-F5344CB8AC3E}">
+        <p14:creationId xmlns:p14="http://schemas.microsoft.com/office/powerpoint/2010/main" val="3297322222"/>
+      </p:ext>
+    </p:extLst>
+  </p:cSld>
+  <p:clrMapOvr>
+    <a:masterClrMapping/>
+  </p:clrMapOvr>
+</p:sld>
+</file>
+
+<file path=ppt/slides/slide11.xml><?xml version="1.0" encoding="utf-8"?>
+<p:sld xmlns:a="http://schemas.openxmlformats.org/drawingml/2006/main" xmlns:r="http://schemas.openxmlformats.org/officeDocument/2006/relationships" xmlns:p="http://schemas.openxmlformats.org/presentationml/2006/main">
+  <p:cSld>
+    <p:spTree>
+      <p:nvGrpSpPr>
+        <p:cNvPr id="1" name=""/>
+        <p:cNvGrpSpPr/>
+        <p:nvPr/>
+      </p:nvGrpSpPr>
+      <p:grpSpPr>
+        <a:xfrm>
+          <a:off x="0" y="0"/>
+          <a:ext cx="0" cy="0"/>
+          <a:chOff x="0" y="0"/>
+          <a:chExt cx="0" cy="0"/>
+        </a:xfrm>
+      </p:grpSpPr>
+      <p:sp>
+        <p:nvSpPr>
+          <p:cNvPr id="9218" name="Titel 1"/>
+          <p:cNvSpPr>
+            <a:spLocks noGrp="1"/>
+          </p:cNvSpPr>
+          <p:nvPr>
+            <p:ph type="title"/>
+          </p:nvPr>
+        </p:nvSpPr>
+        <p:spPr bwMode="auto">
+          <a:xfrm>
+            <a:off x="442913" y="93663"/>
+            <a:ext cx="10742612" cy="939800"/>
+          </a:xfrm>
+          <a:noFill/>
+          <a:ln>
+            <a:miter lim="800000"/>
+            <a:headEnd/>
+            <a:tailEnd/>
+          </a:ln>
+        </p:spPr>
+        <p:txBody>
+          <a:bodyPr vert="horz" wrap="square" numCol="1" anchor="t" anchorCtr="0" compatLnSpc="1">
+            <a:prstTxWarp prst="textNoShape">
+              <a:avLst/>
+            </a:prstTxWarp>
+          </a:bodyPr>
+          <a:lstStyle/>
+          <a:p>
+            <a:r>
+              <a:rPr lang="en-US" smtClean="0"/>
+              <a:t>So called “List Comprehension”</a:t>
+            </a:r>
+          </a:p>
+        </p:txBody>
+      </p:sp>
+      <p:sp>
+        <p:nvSpPr>
+          <p:cNvPr id="3" name="Rectangle 4"/>
+          <p:cNvSpPr>
+            <a:spLocks/>
+          </p:cNvSpPr>
+          <p:nvPr/>
+        </p:nvSpPr>
+        <p:spPr bwMode="auto">
+          <a:xfrm>
+            <a:off x="487362" y="1438502"/>
+            <a:ext cx="10790237" cy="3002869"/>
+          </a:xfrm>
+          <a:prstGeom prst="rect">
+            <a:avLst/>
+          </a:prstGeom>
+          <a:noFill/>
+          <a:ln w="12700" cap="flat">
+            <a:noFill/>
+            <a:miter lim="800000"/>
+            <a:headEnd type="none" w="med" len="med"/>
+            <a:tailEnd type="none" w="med" len="med"/>
+          </a:ln>
+        </p:spPr>
+        <p:txBody>
+          <a:bodyPr lIns="0" tIns="0" rIns="0" bIns="0"/>
+          <a:lstStyle/>
+          <a:p>
+            <a:pPr>
+              <a:lnSpc>
+                <a:spcPct val="120000"/>
+              </a:lnSpc>
+              <a:spcBef>
+                <a:spcPts val="1000"/>
+              </a:spcBef>
+              <a:buSzPct val="120000"/>
+              <a:defRPr/>
+            </a:pPr>
+            <a:r>
+              <a:rPr lang="en-US" sz="2600" smtClean="0">
+                <a:solidFill>
+                  <a:srgbClr val="262626"/>
+                </a:solidFill>
+                <a:latin typeface="+mn-lt"/>
+                <a:ea typeface="Gill Sans" charset="0"/>
+                <a:cs typeface="Gill Sans" charset="0"/>
+              </a:rPr>
+              <a:t>Task: </a:t>
+            </a:r>
+            <a:r>
+              <a:rPr lang="en-US" sz="2600" smtClean="0">
+                <a:solidFill>
+                  <a:srgbClr val="262626"/>
+                </a:solidFill>
+                <a:latin typeface="+mn-lt"/>
+                <a:ea typeface="Gill Sans" charset="0"/>
+                <a:cs typeface="Gill Sans" charset="0"/>
+              </a:rPr>
+              <a:t>Enumerate all </a:t>
+            </a:r>
+            <a:r>
+              <a:rPr lang="en-US" sz="2600" smtClean="0">
+                <a:solidFill>
+                  <a:srgbClr val="262626"/>
+                </a:solidFill>
+                <a:latin typeface="+mn-lt"/>
+                <a:ea typeface="Gill Sans" charset="0"/>
+                <a:cs typeface="Gill Sans" charset="0"/>
+              </a:rPr>
+              <a:t>prime Numbers up to 100!</a:t>
+            </a:r>
+          </a:p>
+          <a:p>
+            <a:pPr>
+              <a:lnSpc>
+                <a:spcPct val="120000"/>
+              </a:lnSpc>
+              <a:spcBef>
+                <a:spcPts val="1000"/>
+              </a:spcBef>
+              <a:buSzPct val="120000"/>
+              <a:defRPr/>
+            </a:pPr>
+            <a:endParaRPr lang="en-US" sz="2600">
+              <a:solidFill>
+                <a:srgbClr val="262626"/>
+              </a:solidFill>
+              <a:latin typeface="+mn-lt"/>
+              <a:ea typeface="Gill Sans" charset="0"/>
+              <a:cs typeface="Gill Sans" charset="0"/>
+            </a:endParaRPr>
+          </a:p>
+          <a:p>
+            <a:pPr>
+              <a:lnSpc>
+                <a:spcPct val="120000"/>
+              </a:lnSpc>
+              <a:spcBef>
+                <a:spcPts val="1000"/>
+              </a:spcBef>
+              <a:buSzPct val="120000"/>
+              <a:defRPr/>
+            </a:pPr>
+            <a:r>
+              <a:rPr lang="en-US" sz="2600" i="1" smtClean="0">
+                <a:solidFill>
+                  <a:srgbClr val="262626"/>
+                </a:solidFill>
+                <a:latin typeface="+mn-lt"/>
+                <a:ea typeface="Gill Sans" charset="0"/>
+                <a:cs typeface="Gill Sans" charset="0"/>
+              </a:rPr>
+              <a:t>“Lets </a:t>
+            </a:r>
+            <a:r>
+              <a:rPr lang="en-US" sz="2600" i="1" smtClean="0">
+                <a:solidFill>
+                  <a:srgbClr val="262626"/>
+                </a:solidFill>
+                <a:latin typeface="+mn-lt"/>
+                <a:ea typeface="Gill Sans" charset="0"/>
+                <a:cs typeface="Gill Sans" charset="0"/>
+              </a:rPr>
+              <a:t>compute the list of all numbers x where</a:t>
+            </a:r>
+          </a:p>
+          <a:p>
+            <a:pPr>
+              <a:lnSpc>
+                <a:spcPct val="120000"/>
+              </a:lnSpc>
+              <a:spcBef>
+                <a:spcPts val="1000"/>
+              </a:spcBef>
+              <a:buSzPct val="120000"/>
+              <a:defRPr/>
+            </a:pPr>
+            <a:r>
+              <a:rPr lang="en-US" sz="2600" i="1" smtClean="0">
+                <a:solidFill>
+                  <a:srgbClr val="262626"/>
+                </a:solidFill>
+                <a:latin typeface="+mn-lt"/>
+                <a:ea typeface="Gill Sans" charset="0"/>
+                <a:cs typeface="Gill Sans" charset="0"/>
+              </a:rPr>
+              <a:t>x is between 2 and 100, </a:t>
+            </a:r>
+            <a:r>
+              <a:rPr lang="en-US" sz="2600" i="1" smtClean="0">
+                <a:solidFill>
+                  <a:srgbClr val="262626"/>
+                </a:solidFill>
+                <a:latin typeface="+mn-lt"/>
+                <a:ea typeface="Gill Sans" charset="0"/>
+                <a:cs typeface="Gill Sans" charset="0"/>
+              </a:rPr>
+              <a:t>and all x are not dividable by 2 up to x-1.”</a:t>
+            </a:r>
+            <a:endParaRPr lang="en-US" sz="2600" i="1" smtClean="0">
+              <a:solidFill>
+                <a:srgbClr val="262626"/>
+              </a:solidFill>
+              <a:latin typeface="+mn-lt"/>
+              <a:ea typeface="Gill Sans" charset="0"/>
+              <a:cs typeface="Gill Sans" charset="0"/>
+            </a:endParaRPr>
+          </a:p>
+          <a:p>
+            <a:pPr>
+              <a:lnSpc>
+                <a:spcPct val="120000"/>
+              </a:lnSpc>
+              <a:spcBef>
+                <a:spcPts val="1000"/>
+              </a:spcBef>
+              <a:buSzPct val="120000"/>
+              <a:defRPr/>
+            </a:pPr>
+            <a:endParaRPr lang="en-US" sz="2600">
+              <a:solidFill>
+                <a:srgbClr val="262626"/>
+              </a:solidFill>
+              <a:latin typeface="+mn-lt"/>
+              <a:ea typeface="Gill Sans" charset="0"/>
+              <a:cs typeface="Gill Sans" charset="0"/>
+            </a:endParaRPr>
+          </a:p>
+          <a:p>
+            <a:pPr>
+              <a:lnSpc>
+                <a:spcPct val="120000"/>
+              </a:lnSpc>
+              <a:spcBef>
+                <a:spcPts val="1000"/>
+              </a:spcBef>
+              <a:buSzPct val="120000"/>
+              <a:defRPr/>
+            </a:pPr>
+            <a:endParaRPr lang="en-US" sz="2600" smtClean="0">
+              <a:solidFill>
+                <a:srgbClr val="262626"/>
+              </a:solidFill>
+              <a:latin typeface="+mn-lt"/>
+              <a:ea typeface="Gill Sans" charset="0"/>
+              <a:cs typeface="Gill Sans" charset="0"/>
+            </a:endParaRPr>
+          </a:p>
+          <a:p>
+            <a:pPr>
+              <a:lnSpc>
+                <a:spcPct val="120000"/>
+              </a:lnSpc>
+              <a:spcBef>
+                <a:spcPts val="1000"/>
+              </a:spcBef>
+              <a:buSzPct val="120000"/>
+              <a:defRPr/>
+            </a:pPr>
+            <a:endParaRPr lang="en-US" sz="2600" smtClean="0">
+              <a:solidFill>
+                <a:srgbClr val="262626"/>
+              </a:solidFill>
+              <a:latin typeface="+mn-lt"/>
+              <a:ea typeface="Gill Sans" charset="0"/>
+              <a:cs typeface="Gill Sans" charset="0"/>
+            </a:endParaRPr>
+          </a:p>
+          <a:p>
+            <a:pPr>
+              <a:lnSpc>
+                <a:spcPct val="120000"/>
+              </a:lnSpc>
+              <a:spcBef>
+                <a:spcPts val="1000"/>
+              </a:spcBef>
+              <a:buSzPct val="120000"/>
+              <a:defRPr/>
+            </a:pPr>
+            <a:endParaRPr lang="en-US" sz="2600">
+              <a:solidFill>
+                <a:srgbClr val="262626"/>
+              </a:solidFill>
+              <a:latin typeface="+mn-lt"/>
+              <a:ea typeface="Gill Sans" charset="0"/>
+              <a:cs typeface="Gill Sans" charset="0"/>
+            </a:endParaRPr>
+          </a:p>
+          <a:p>
+            <a:pPr>
+              <a:lnSpc>
+                <a:spcPct val="120000"/>
+              </a:lnSpc>
+              <a:spcBef>
+                <a:spcPts val="1000"/>
+              </a:spcBef>
+              <a:buSzPct val="120000"/>
+              <a:defRPr/>
+            </a:pPr>
+            <a:endParaRPr lang="en-US" sz="2600">
+              <a:solidFill>
+                <a:srgbClr val="262626"/>
+              </a:solidFill>
+              <a:latin typeface="+mn-lt"/>
+              <a:ea typeface="Gill Sans" charset="0"/>
+              <a:cs typeface="Gill Sans" charset="0"/>
+            </a:endParaRPr>
+          </a:p>
+          <a:p>
+            <a:pPr marL="254000" indent="-254000">
+              <a:lnSpc>
+                <a:spcPct val="120000"/>
+              </a:lnSpc>
+              <a:spcBef>
+                <a:spcPts val="1000"/>
+              </a:spcBef>
+              <a:defRPr/>
+            </a:pPr>
+            <a:endParaRPr lang="en-US" sz="2600">
+              <a:solidFill>
+                <a:srgbClr val="262626"/>
+              </a:solidFill>
+              <a:latin typeface="+mn-lt"/>
+              <a:ea typeface="Gill Sans" charset="0"/>
+              <a:cs typeface="Gill Sans" charset="0"/>
+            </a:endParaRPr>
+          </a:p>
+        </p:txBody>
+      </p:sp>
+      <p:sp>
+        <p:nvSpPr>
+          <p:cNvPr id="4" name="Textfeld 3"/>
+          <p:cNvSpPr txBox="1"/>
+          <p:nvPr/>
+        </p:nvSpPr>
+        <p:spPr>
+          <a:xfrm>
+            <a:off x="404057" y="5384199"/>
+            <a:ext cx="8648521" cy="1015663"/>
+          </a:xfrm>
+          <a:prstGeom prst="rect">
+            <a:avLst/>
+          </a:prstGeom>
+          <a:noFill/>
+        </p:spPr>
+        <p:txBody>
+          <a:bodyPr wrap="none" rtlCol="0">
+            <a:spAutoFit/>
+          </a:bodyPr>
+          <a:lstStyle/>
+          <a:p>
+            <a:r>
+              <a:rPr lang="en-US" sz="2000">
+                <a:latin typeface="Droid Sans Mono Chess ASCII" panose="020B0609030804020204" pitchFamily="50" charset="0"/>
+                <a:ea typeface="Droid Sans Mono Chess ASCII" panose="020B0609030804020204" pitchFamily="50" charset="0"/>
+                <a:cs typeface="Droid Sans Mono Chess ASCII" panose="020B0609030804020204" pitchFamily="50" charset="0"/>
+              </a:rPr>
+              <a:t>let </a:t>
+            </a:r>
+            <a:r>
+              <a:rPr lang="en-US" sz="2000">
+                <a:latin typeface="Droid Sans Mono Chess ASCII" panose="020B0609030804020204" pitchFamily="50" charset="0"/>
+                <a:ea typeface="Droid Sans Mono Chess ASCII" panose="020B0609030804020204" pitchFamily="50" charset="0"/>
+                <a:cs typeface="Droid Sans Mono Chess ASCII" panose="020B0609030804020204" pitchFamily="50" charset="0"/>
+              </a:rPr>
+              <a:t>x </a:t>
+            </a:r>
+            <a:r>
+              <a:rPr lang="en-US" sz="2000" smtClean="0">
+                <a:latin typeface="Droid Sans Mono Chess ASCII" panose="020B0609030804020204" pitchFamily="50" charset="0"/>
+                <a:ea typeface="Droid Sans Mono Chess ASCII" panose="020B0609030804020204" pitchFamily="50" charset="0"/>
+                <a:cs typeface="Droid Sans Mono Chess ASCII" panose="020B0609030804020204" pitchFamily="50" charset="0"/>
+              </a:rPr>
+              <a:t>`notDivableBy</a:t>
+            </a:r>
+            <a:r>
+              <a:rPr lang="en-US" sz="2000">
+                <a:latin typeface="Droid Sans Mono Chess ASCII" panose="020B0609030804020204" pitchFamily="50" charset="0"/>
+                <a:ea typeface="Droid Sans Mono Chess ASCII" panose="020B0609030804020204" pitchFamily="50" charset="0"/>
+                <a:cs typeface="Droid Sans Mono Chess ASCII" panose="020B0609030804020204" pitchFamily="50" charset="0"/>
+              </a:rPr>
+              <a:t>` </a:t>
+            </a:r>
+            <a:r>
+              <a:rPr lang="en-US" sz="2000">
+                <a:latin typeface="Droid Sans Mono Chess ASCII" panose="020B0609030804020204" pitchFamily="50" charset="0"/>
+                <a:ea typeface="Droid Sans Mono Chess ASCII" panose="020B0609030804020204" pitchFamily="50" charset="0"/>
+                <a:cs typeface="Droid Sans Mono Chess ASCII" panose="020B0609030804020204" pitchFamily="50" charset="0"/>
+              </a:rPr>
+              <a:t>d </a:t>
+            </a:r>
+            <a:r>
+              <a:rPr lang="en-US" sz="2000" smtClean="0">
+                <a:latin typeface="Droid Sans Mono Chess ASCII" panose="020B0609030804020204" pitchFamily="50" charset="0"/>
+                <a:ea typeface="Droid Sans Mono Chess ASCII" panose="020B0609030804020204" pitchFamily="50" charset="0"/>
+                <a:cs typeface="Droid Sans Mono Chess ASCII" panose="020B0609030804020204" pitchFamily="50" charset="0"/>
+              </a:rPr>
+              <a:t> =  mod </a:t>
+            </a:r>
+            <a:r>
+              <a:rPr lang="en-US" sz="2000">
+                <a:latin typeface="Droid Sans Mono Chess ASCII" panose="020B0609030804020204" pitchFamily="50" charset="0"/>
+                <a:ea typeface="Droid Sans Mono Chess ASCII" panose="020B0609030804020204" pitchFamily="50" charset="0"/>
+                <a:cs typeface="Droid Sans Mono Chess ASCII" panose="020B0609030804020204" pitchFamily="50" charset="0"/>
+              </a:rPr>
+              <a:t>x </a:t>
+            </a:r>
+            <a:r>
+              <a:rPr lang="en-US" sz="2000">
+                <a:latin typeface="Droid Sans Mono Chess ASCII" panose="020B0609030804020204" pitchFamily="50" charset="0"/>
+                <a:ea typeface="Droid Sans Mono Chess ASCII" panose="020B0609030804020204" pitchFamily="50" charset="0"/>
+                <a:cs typeface="Droid Sans Mono Chess ASCII" panose="020B0609030804020204" pitchFamily="50" charset="0"/>
+              </a:rPr>
+              <a:t>d </a:t>
+            </a:r>
+            <a:r>
+              <a:rPr lang="en-US" sz="2000" smtClean="0">
+                <a:latin typeface="Droid Sans Mono Chess ASCII" panose="020B0609030804020204" pitchFamily="50" charset="0"/>
+                <a:ea typeface="Droid Sans Mono Chess ASCII" panose="020B0609030804020204" pitchFamily="50" charset="0"/>
+                <a:cs typeface="Droid Sans Mono Chess ASCII" panose="020B0609030804020204" pitchFamily="50" charset="0"/>
+              </a:rPr>
+              <a:t>/= 0</a:t>
+            </a:r>
+          </a:p>
+          <a:p>
+            <a:r>
+              <a:rPr lang="en-US" sz="2000" smtClean="0">
+                <a:latin typeface="Droid Sans Mono Chess ASCII" panose="020B0609030804020204" pitchFamily="50" charset="0"/>
+                <a:ea typeface="Droid Sans Mono Chess ASCII" panose="020B0609030804020204" pitchFamily="50" charset="0"/>
+                <a:cs typeface="Droid Sans Mono Chess ASCII" panose="020B0609030804020204" pitchFamily="50" charset="0"/>
+              </a:rPr>
+              <a:t>in</a:t>
+            </a:r>
+          </a:p>
+          <a:p>
+            <a:r>
+              <a:rPr lang="en-US" sz="2000" smtClean="0">
+                <a:latin typeface="Droid Sans Mono Chess ASCII" panose="020B0609030804020204" pitchFamily="50" charset="0"/>
+                <a:ea typeface="Droid Sans Mono Chess ASCII" panose="020B0609030804020204" pitchFamily="50" charset="0"/>
+                <a:cs typeface="Droid Sans Mono Chess ASCII" panose="020B0609030804020204" pitchFamily="50" charset="0"/>
+              </a:rPr>
+              <a:t>[ </a:t>
+            </a:r>
+            <a:r>
+              <a:rPr lang="en-US" sz="2000">
+                <a:latin typeface="Droid Sans Mono Chess ASCII" panose="020B0609030804020204" pitchFamily="50" charset="0"/>
+                <a:ea typeface="Droid Sans Mono Chess ASCII" panose="020B0609030804020204" pitchFamily="50" charset="0"/>
+                <a:cs typeface="Droid Sans Mono Chess ASCII" panose="020B0609030804020204" pitchFamily="50" charset="0"/>
+              </a:rPr>
+              <a:t>x | x&lt;-[2..100</a:t>
+            </a:r>
+            <a:r>
+              <a:rPr lang="en-US" sz="2000">
+                <a:latin typeface="Droid Sans Mono Chess ASCII" panose="020B0609030804020204" pitchFamily="50" charset="0"/>
+                <a:ea typeface="Droid Sans Mono Chess ASCII" panose="020B0609030804020204" pitchFamily="50" charset="0"/>
+                <a:cs typeface="Droid Sans Mono Chess ASCII" panose="020B0609030804020204" pitchFamily="50" charset="0"/>
+              </a:rPr>
+              <a:t>], </a:t>
+            </a:r>
+            <a:r>
+              <a:rPr lang="en-US" sz="2000" smtClean="0">
+                <a:latin typeface="Droid Sans Mono Chess ASCII" panose="020B0609030804020204" pitchFamily="50" charset="0"/>
+                <a:ea typeface="Droid Sans Mono Chess ASCII" panose="020B0609030804020204" pitchFamily="50" charset="0"/>
+                <a:cs typeface="Droid Sans Mono Chess ASCII" panose="020B0609030804020204" pitchFamily="50" charset="0"/>
+              </a:rPr>
+              <a:t>all (x `notDivableBy`) </a:t>
+            </a:r>
+            <a:r>
+              <a:rPr lang="en-US" sz="2000">
+                <a:latin typeface="Droid Sans Mono Chess ASCII" panose="020B0609030804020204" pitchFamily="50" charset="0"/>
+                <a:ea typeface="Droid Sans Mono Chess ASCII" panose="020B0609030804020204" pitchFamily="50" charset="0"/>
+                <a:cs typeface="Droid Sans Mono Chess ASCII" panose="020B0609030804020204" pitchFamily="50" charset="0"/>
+              </a:rPr>
+              <a:t>[2..(x-1)] ]</a:t>
+            </a:r>
+            <a:endParaRPr lang="de-DE" sz="2000">
+              <a:latin typeface="Droid Sans Mono Chess ASCII" panose="020B0609030804020204" pitchFamily="50" charset="0"/>
+              <a:ea typeface="Droid Sans Mono Chess ASCII" panose="020B0609030804020204" pitchFamily="50" charset="0"/>
+              <a:cs typeface="Droid Sans Mono Chess ASCII" panose="020B0609030804020204" pitchFamily="50" charset="0"/>
+            </a:endParaRPr>
+          </a:p>
+        </p:txBody>
+      </p:sp>
+    </p:spTree>
+    <p:extLst>
+      <p:ext uri="{BB962C8B-B14F-4D97-AF65-F5344CB8AC3E}">
+        <p14:creationId xmlns:p14="http://schemas.microsoft.com/office/powerpoint/2010/main" val="3971016912"/>
+      </p:ext>
+    </p:extLst>
+  </p:cSld>
+  <p:clrMapOvr>
+    <a:masterClrMapping/>
+  </p:clrMapOvr>
+</p:sld>
+</file>
+
+<file path=ppt/slides/slide12.xml><?xml version="1.0" encoding="utf-8"?>
+<p:sld xmlns:a="http://schemas.openxmlformats.org/drawingml/2006/main" xmlns:r="http://schemas.openxmlformats.org/officeDocument/2006/relationships" xmlns:p="http://schemas.openxmlformats.org/presentationml/2006/main">
+  <p:cSld>
+    <p:spTree>
+      <p:nvGrpSpPr>
+        <p:cNvPr id="1" name=""/>
+        <p:cNvGrpSpPr/>
+        <p:nvPr/>
+      </p:nvGrpSpPr>
+      <p:grpSpPr>
+        <a:xfrm>
+          <a:off x="0" y="0"/>
+          <a:ext cx="0" cy="0"/>
+          <a:chOff x="0" y="0"/>
+          <a:chExt cx="0" cy="0"/>
+        </a:xfrm>
+      </p:grpSpPr>
+      <p:sp>
+        <p:nvSpPr>
+          <p:cNvPr id="9218" name="Titel 1"/>
+          <p:cNvSpPr>
+            <a:spLocks noGrp="1"/>
+          </p:cNvSpPr>
+          <p:nvPr>
+            <p:ph type="title"/>
+          </p:nvPr>
+        </p:nvSpPr>
+        <p:spPr bwMode="auto">
+          <a:xfrm>
+            <a:off x="442913" y="93663"/>
+            <a:ext cx="10742612" cy="939800"/>
+          </a:xfrm>
+          <a:noFill/>
+          <a:ln>
+            <a:miter lim="800000"/>
+            <a:headEnd/>
+            <a:tailEnd/>
+          </a:ln>
+        </p:spPr>
+        <p:txBody>
+          <a:bodyPr vert="horz" wrap="square" numCol="1" anchor="t" anchorCtr="0" compatLnSpc="1">
+            <a:prstTxWarp prst="textNoShape">
+              <a:avLst/>
+            </a:prstTxWarp>
+          </a:bodyPr>
+          <a:lstStyle/>
+          <a:p>
+            <a:r>
+              <a:rPr lang="en-US" smtClean="0"/>
+              <a:t>Lazy Evaluation</a:t>
+            </a:r>
+            <a:endParaRPr lang="en-US" smtClean="0"/>
+          </a:p>
+        </p:txBody>
+      </p:sp>
+      <p:sp>
+        <p:nvSpPr>
+          <p:cNvPr id="3" name="Rectangle 4"/>
+          <p:cNvSpPr>
+            <a:spLocks/>
+          </p:cNvSpPr>
+          <p:nvPr/>
+        </p:nvSpPr>
+        <p:spPr bwMode="auto">
+          <a:xfrm>
+            <a:off x="459569" y="1438502"/>
+            <a:ext cx="10790237" cy="634998"/>
+          </a:xfrm>
+          <a:prstGeom prst="rect">
+            <a:avLst/>
+          </a:prstGeom>
+          <a:noFill/>
+          <a:ln w="12700" cap="flat">
+            <a:noFill/>
+            <a:miter lim="800000"/>
+            <a:headEnd type="none" w="med" len="med"/>
+            <a:tailEnd type="none" w="med" len="med"/>
+          </a:ln>
+        </p:spPr>
+        <p:txBody>
+          <a:bodyPr lIns="0" tIns="0" rIns="0" bIns="0"/>
+          <a:lstStyle/>
+          <a:p>
+            <a:pPr>
+              <a:lnSpc>
+                <a:spcPct val="120000"/>
+              </a:lnSpc>
+              <a:spcBef>
+                <a:spcPts val="1000"/>
+              </a:spcBef>
+              <a:buSzPct val="120000"/>
+              <a:defRPr/>
+            </a:pPr>
+            <a:r>
+              <a:rPr lang="en-US" sz="2600" smtClean="0">
+                <a:solidFill>
+                  <a:srgbClr val="262626"/>
+                </a:solidFill>
+                <a:latin typeface="+mn-lt"/>
+                <a:ea typeface="Gill Sans" charset="0"/>
+                <a:cs typeface="Gill Sans" charset="0"/>
+              </a:rPr>
+              <a:t>Evaluate only when needed</a:t>
+            </a:r>
+            <a:endParaRPr lang="en-US" sz="2600">
+              <a:solidFill>
+                <a:srgbClr val="262626"/>
+              </a:solidFill>
+              <a:latin typeface="+mn-lt"/>
+              <a:ea typeface="Gill Sans" charset="0"/>
+              <a:cs typeface="Gill Sans" charset="0"/>
+            </a:endParaRPr>
+          </a:p>
+          <a:p>
+            <a:pPr>
+              <a:lnSpc>
+                <a:spcPct val="120000"/>
+              </a:lnSpc>
+              <a:spcBef>
+                <a:spcPts val="1000"/>
+              </a:spcBef>
+              <a:buSzPct val="120000"/>
+              <a:defRPr/>
+            </a:pPr>
+            <a:endParaRPr lang="en-US" sz="2600" smtClean="0">
+              <a:solidFill>
+                <a:srgbClr val="262626"/>
+              </a:solidFill>
+              <a:latin typeface="+mn-lt"/>
+              <a:ea typeface="Gill Sans" charset="0"/>
+              <a:cs typeface="Gill Sans" charset="0"/>
+            </a:endParaRPr>
+          </a:p>
+          <a:p>
+            <a:pPr>
+              <a:lnSpc>
+                <a:spcPct val="120000"/>
+              </a:lnSpc>
+              <a:spcBef>
+                <a:spcPts val="1000"/>
+              </a:spcBef>
+              <a:buSzPct val="120000"/>
+              <a:defRPr/>
+            </a:pPr>
+            <a:endParaRPr lang="en-US" sz="2600" smtClean="0">
+              <a:solidFill>
+                <a:srgbClr val="262626"/>
+              </a:solidFill>
+              <a:latin typeface="+mn-lt"/>
+              <a:ea typeface="Gill Sans" charset="0"/>
+              <a:cs typeface="Gill Sans" charset="0"/>
+            </a:endParaRPr>
+          </a:p>
+          <a:p>
+            <a:pPr>
+              <a:lnSpc>
+                <a:spcPct val="120000"/>
+              </a:lnSpc>
+              <a:spcBef>
+                <a:spcPts val="1000"/>
+              </a:spcBef>
+              <a:buSzPct val="120000"/>
+              <a:defRPr/>
+            </a:pPr>
+            <a:endParaRPr lang="en-US" sz="2600">
+              <a:solidFill>
+                <a:srgbClr val="262626"/>
+              </a:solidFill>
+              <a:latin typeface="+mn-lt"/>
+              <a:ea typeface="Gill Sans" charset="0"/>
+              <a:cs typeface="Gill Sans" charset="0"/>
+            </a:endParaRPr>
+          </a:p>
+          <a:p>
+            <a:pPr>
+              <a:lnSpc>
+                <a:spcPct val="120000"/>
+              </a:lnSpc>
+              <a:spcBef>
+                <a:spcPts val="1000"/>
+              </a:spcBef>
+              <a:buSzPct val="120000"/>
+              <a:defRPr/>
+            </a:pPr>
+            <a:endParaRPr lang="en-US" sz="2600">
+              <a:solidFill>
+                <a:srgbClr val="262626"/>
+              </a:solidFill>
+              <a:latin typeface="+mn-lt"/>
+              <a:ea typeface="Gill Sans" charset="0"/>
+              <a:cs typeface="Gill Sans" charset="0"/>
+            </a:endParaRPr>
+          </a:p>
+          <a:p>
+            <a:pPr marL="254000" indent="-254000">
+              <a:lnSpc>
+                <a:spcPct val="120000"/>
+              </a:lnSpc>
+              <a:spcBef>
+                <a:spcPts val="1000"/>
+              </a:spcBef>
+              <a:defRPr/>
+            </a:pPr>
+            <a:endParaRPr lang="en-US" sz="2600">
+              <a:solidFill>
+                <a:srgbClr val="262626"/>
+              </a:solidFill>
+              <a:latin typeface="+mn-lt"/>
+              <a:ea typeface="Gill Sans" charset="0"/>
+              <a:cs typeface="Gill Sans" charset="0"/>
+            </a:endParaRPr>
+          </a:p>
+        </p:txBody>
+      </p:sp>
+    </p:spTree>
+    <p:extLst>
+      <p:ext uri="{BB962C8B-B14F-4D97-AF65-F5344CB8AC3E}">
+        <p14:creationId xmlns:p14="http://schemas.microsoft.com/office/powerpoint/2010/main" val="2071722743"/>
+      </p:ext>
+    </p:extLst>
+  </p:cSld>
+  <p:clrMapOvr>
+    <a:masterClrMapping/>
+  </p:clrMapOvr>
+</p:sld>
+</file>
+
+<file path=ppt/slides/slide13.xml><?xml version="1.0" encoding="utf-8"?>
+<p:sld xmlns:a="http://schemas.openxmlformats.org/drawingml/2006/main" xmlns:r="http://schemas.openxmlformats.org/officeDocument/2006/relationships" xmlns:p="http://schemas.openxmlformats.org/presentationml/2006/main">
+  <p:cSld>
+    <p:spTree>
+      <p:nvGrpSpPr>
+        <p:cNvPr id="1" name=""/>
+        <p:cNvGrpSpPr/>
+        <p:nvPr/>
+      </p:nvGrpSpPr>
+      <p:grpSpPr>
+        <a:xfrm>
+          <a:off x="0" y="0"/>
+          <a:ext cx="0" cy="0"/>
+          <a:chOff x="0" y="0"/>
+          <a:chExt cx="0" cy="0"/>
+        </a:xfrm>
+      </p:grpSpPr>
+      <p:sp>
+        <p:nvSpPr>
+          <p:cNvPr id="9218" name="Titel 1"/>
+          <p:cNvSpPr>
+            <a:spLocks noGrp="1"/>
+          </p:cNvSpPr>
+          <p:nvPr>
+            <p:ph type="title"/>
+          </p:nvPr>
+        </p:nvSpPr>
+        <p:spPr bwMode="auto">
+          <a:xfrm>
+            <a:off x="442913" y="93663"/>
+            <a:ext cx="10742612" cy="939800"/>
+          </a:xfrm>
+          <a:noFill/>
+          <a:ln>
+            <a:miter lim="800000"/>
+            <a:headEnd/>
+            <a:tailEnd/>
+          </a:ln>
+        </p:spPr>
+        <p:txBody>
+          <a:bodyPr vert="horz" wrap="square" numCol="1" anchor="t" anchorCtr="0" compatLnSpc="1">
+            <a:prstTxWarp prst="textNoShape">
+              <a:avLst/>
+            </a:prstTxWarp>
+          </a:bodyPr>
+          <a:lstStyle/>
+          <a:p>
+            <a:r>
+              <a:rPr lang="en-US" smtClean="0"/>
+              <a:t>Shell Hacking</a:t>
+            </a:r>
+            <a:endParaRPr lang="en-US" smtClean="0"/>
+          </a:p>
+        </p:txBody>
+      </p:sp>
+      <p:sp>
+        <p:nvSpPr>
+          <p:cNvPr id="2" name="AutoShape 2" descr="Bildergebnis für haskell brooks curry"/>
+          <p:cNvSpPr>
+            <a:spLocks noChangeAspect="1" noChangeArrowheads="1"/>
+          </p:cNvSpPr>
+          <p:nvPr/>
+        </p:nvSpPr>
+        <p:spPr bwMode="auto">
+          <a:xfrm>
+            <a:off x="155575" y="-731838"/>
+            <a:ext cx="1228725" cy="1524001"/>
+          </a:xfrm>
+          <a:prstGeom prst="rect">
+            <a:avLst/>
+          </a:prstGeom>
+          <a:noFill/>
+          <a:extLst>
+            <a:ext uri="{909E8E84-426E-40DD-AFC4-6F175D3DCCD1}">
+              <a14:hiddenFill xmlns:a14="http://schemas.microsoft.com/office/drawing/2010/main">
+                <a:solidFill>
+                  <a:srgbClr val="FFFFFF"/>
+                </a:solidFill>
+              </a14:hiddenFill>
+            </a:ext>
+          </a:extLst>
+        </p:spPr>
+        <p:txBody>
+          <a:bodyPr vert="horz" wrap="square" lIns="91440" tIns="45720" rIns="91440" bIns="45720" numCol="1" anchor="t" anchorCtr="0" compatLnSpc="1">
+            <a:prstTxWarp prst="textNoShape">
+              <a:avLst/>
+            </a:prstTxWarp>
+          </a:bodyPr>
+          <a:lstStyle/>
+          <a:p>
+            <a:endParaRPr lang="de-DE"/>
+          </a:p>
+        </p:txBody>
+      </p:sp>
+      <p:sp>
+        <p:nvSpPr>
+          <p:cNvPr id="6" name="Textfeld 5"/>
+          <p:cNvSpPr txBox="1"/>
+          <p:nvPr/>
+        </p:nvSpPr>
+        <p:spPr>
+          <a:xfrm>
+            <a:off x="1563155" y="1701544"/>
+            <a:ext cx="3578224" cy="2246769"/>
+          </a:xfrm>
+          <a:prstGeom prst="rect">
+            <a:avLst/>
+          </a:prstGeom>
+          <a:solidFill>
+            <a:schemeClr val="bg2">
+              <a:lumMod val="40000"/>
+              <a:lumOff val="60000"/>
+            </a:schemeClr>
+          </a:solidFill>
+        </p:spPr>
+        <p:txBody>
+          <a:bodyPr wrap="none" rtlCol="0">
+            <a:spAutoFit/>
+          </a:bodyPr>
+          <a:lstStyle/>
+          <a:p>
+            <a:r>
+              <a:rPr lang="en-US" sz="1400">
+                <a:latin typeface="Droid Sans Mono Chess ASCII" panose="020B0609030804020204" pitchFamily="50" charset="0"/>
+                <a:ea typeface="Droid Sans Mono Chess ASCII" panose="020B0609030804020204" pitchFamily="50" charset="0"/>
+                <a:cs typeface="Droid Sans Mono Chess ASCII" panose="020B0609030804020204" pitchFamily="50" charset="0"/>
+              </a:rPr>
+              <a:t>In chess, two players</a:t>
+            </a:r>
+          </a:p>
+          <a:p>
+            <a:endParaRPr lang="en-US" sz="1400">
+              <a:latin typeface="Droid Sans Mono Chess ASCII" panose="020B0609030804020204" pitchFamily="50" charset="0"/>
+              <a:ea typeface="Droid Sans Mono Chess ASCII" panose="020B0609030804020204" pitchFamily="50" charset="0"/>
+              <a:cs typeface="Droid Sans Mono Chess ASCII" panose="020B0609030804020204" pitchFamily="50" charset="0"/>
+            </a:endParaRPr>
+          </a:p>
+          <a:p>
+            <a:r>
+              <a:rPr lang="en-US" sz="1400">
+                <a:latin typeface="Droid Sans Mono Chess ASCII" panose="020B0609030804020204" pitchFamily="50" charset="0"/>
+                <a:ea typeface="Droid Sans Mono Chess ASCII" panose="020B0609030804020204" pitchFamily="50" charset="0"/>
+                <a:cs typeface="Droid Sans Mono Chess ASCII" panose="020B0609030804020204" pitchFamily="50" charset="0"/>
+              </a:rPr>
+              <a:t>&gt; data Colour = White | Black</a:t>
+            </a:r>
+          </a:p>
+          <a:p>
+            <a:r>
+              <a:rPr lang="en-US" sz="1400">
+                <a:latin typeface="Droid Sans Mono Chess ASCII" panose="020B0609030804020204" pitchFamily="50" charset="0"/>
+                <a:ea typeface="Droid Sans Mono Chess ASCII" panose="020B0609030804020204" pitchFamily="50" charset="0"/>
+                <a:cs typeface="Droid Sans Mono Chess ASCII" panose="020B0609030804020204" pitchFamily="50" charset="0"/>
+              </a:rPr>
+              <a:t>&gt; 	deriving </a:t>
+            </a:r>
+            <a:r>
+              <a:rPr lang="en-US" sz="1400">
+                <a:latin typeface="Droid Sans Mono Chess ASCII" panose="020B0609030804020204" pitchFamily="50" charset="0"/>
+                <a:ea typeface="Droid Sans Mono Chess ASCII" panose="020B0609030804020204" pitchFamily="50" charset="0"/>
+                <a:cs typeface="Droid Sans Mono Chess ASCII" panose="020B0609030804020204" pitchFamily="50" charset="0"/>
+              </a:rPr>
+              <a:t>(</a:t>
+            </a:r>
+            <a:r>
+              <a:rPr lang="en-US" sz="1400" smtClean="0">
+                <a:latin typeface="Droid Sans Mono Chess ASCII" panose="020B0609030804020204" pitchFamily="50" charset="0"/>
+                <a:ea typeface="Droid Sans Mono Chess ASCII" panose="020B0609030804020204" pitchFamily="50" charset="0"/>
+                <a:cs typeface="Droid Sans Mono Chess ASCII" panose="020B0609030804020204" pitchFamily="50" charset="0"/>
+              </a:rPr>
+              <a:t>Show,Eq,Enum)</a:t>
+            </a:r>
+            <a:endParaRPr lang="en-US" sz="1400">
+              <a:latin typeface="Droid Sans Mono Chess ASCII" panose="020B0609030804020204" pitchFamily="50" charset="0"/>
+              <a:ea typeface="Droid Sans Mono Chess ASCII" panose="020B0609030804020204" pitchFamily="50" charset="0"/>
+              <a:cs typeface="Droid Sans Mono Chess ASCII" panose="020B0609030804020204" pitchFamily="50" charset="0"/>
+            </a:endParaRPr>
+          </a:p>
+          <a:p>
+            <a:r>
+              <a:rPr lang="en-US" sz="1400">
+                <a:latin typeface="Droid Sans Mono Chess ASCII" panose="020B0609030804020204" pitchFamily="50" charset="0"/>
+                <a:ea typeface="Droid Sans Mono Chess ASCII" panose="020B0609030804020204" pitchFamily="50" charset="0"/>
+                <a:cs typeface="Droid Sans Mono Chess ASCII" panose="020B0609030804020204" pitchFamily="50" charset="0"/>
+              </a:rPr>
+              <a:t>&gt; instance Hashable Colour</a:t>
+            </a:r>
+          </a:p>
+          <a:p>
+            <a:endParaRPr lang="en-US" sz="1400">
+              <a:latin typeface="Droid Sans Mono Chess ASCII" panose="020B0609030804020204" pitchFamily="50" charset="0"/>
+              <a:ea typeface="Droid Sans Mono Chess ASCII" panose="020B0609030804020204" pitchFamily="50" charset="0"/>
+              <a:cs typeface="Droid Sans Mono Chess ASCII" panose="020B0609030804020204" pitchFamily="50" charset="0"/>
+            </a:endParaRPr>
+          </a:p>
+          <a:p>
+            <a:r>
+              <a:rPr lang="en-US" sz="1400">
+                <a:latin typeface="Droid Sans Mono Chess ASCII" panose="020B0609030804020204" pitchFamily="50" charset="0"/>
+                <a:ea typeface="Droid Sans Mono Chess ASCII" panose="020B0609030804020204" pitchFamily="50" charset="0"/>
+                <a:cs typeface="Droid Sans Mono Chess ASCII" panose="020B0609030804020204" pitchFamily="50" charset="0"/>
+              </a:rPr>
+              <a:t>are taking turns</a:t>
+            </a:r>
+          </a:p>
+          <a:p>
+            <a:endParaRPr lang="en-US" sz="1400">
+              <a:latin typeface="Droid Sans Mono Chess ASCII" panose="020B0609030804020204" pitchFamily="50" charset="0"/>
+              <a:ea typeface="Droid Sans Mono Chess ASCII" panose="020B0609030804020204" pitchFamily="50" charset="0"/>
+              <a:cs typeface="Droid Sans Mono Chess ASCII" panose="020B0609030804020204" pitchFamily="50" charset="0"/>
+            </a:endParaRPr>
+          </a:p>
+          <a:p>
+            <a:r>
+              <a:rPr lang="en-US" sz="1400">
+                <a:latin typeface="Droid Sans Mono Chess ASCII" panose="020B0609030804020204" pitchFamily="50" charset="0"/>
+                <a:ea typeface="Droid Sans Mono Chess ASCII" panose="020B0609030804020204" pitchFamily="50" charset="0"/>
+                <a:cs typeface="Droid Sans Mono Chess ASCII" panose="020B0609030804020204" pitchFamily="50" charset="0"/>
+              </a:rPr>
+              <a:t>&gt; nextColour White = Black</a:t>
+            </a:r>
+          </a:p>
+          <a:p>
+            <a:r>
+              <a:rPr lang="en-US" sz="1400">
+                <a:latin typeface="Droid Sans Mono Chess ASCII" panose="020B0609030804020204" pitchFamily="50" charset="0"/>
+                <a:ea typeface="Droid Sans Mono Chess ASCII" panose="020B0609030804020204" pitchFamily="50" charset="0"/>
+                <a:cs typeface="Droid Sans Mono Chess ASCII" panose="020B0609030804020204" pitchFamily="50" charset="0"/>
+              </a:rPr>
+              <a:t>&gt; nextColour Black = White</a:t>
+            </a:r>
+          </a:p>
+        </p:txBody>
+      </p:sp>
+      <p:sp>
+        <p:nvSpPr>
+          <p:cNvPr id="7" name="Textfeld 6"/>
+          <p:cNvSpPr txBox="1"/>
+          <p:nvPr/>
+        </p:nvSpPr>
+        <p:spPr>
+          <a:xfrm>
+            <a:off x="7511047" y="1701543"/>
+            <a:ext cx="3578224" cy="2246769"/>
+          </a:xfrm>
+          <a:prstGeom prst="rect">
+            <a:avLst/>
+          </a:prstGeom>
+          <a:solidFill>
+            <a:schemeClr val="bg2">
+              <a:lumMod val="40000"/>
+              <a:lumOff val="60000"/>
+            </a:schemeClr>
+          </a:solidFill>
+        </p:spPr>
+        <p:txBody>
+          <a:bodyPr wrap="none" rtlCol="0">
+            <a:spAutoFit/>
+          </a:bodyPr>
+          <a:lstStyle/>
+          <a:p>
+            <a:r>
+              <a:rPr lang="en-US" sz="1400" smtClean="0">
+                <a:latin typeface="Droid Sans Mono Chess ASCII" panose="020B0609030804020204" pitchFamily="50" charset="0"/>
+                <a:ea typeface="Droid Sans Mono Chess ASCII" panose="020B0609030804020204" pitchFamily="50" charset="0"/>
+                <a:cs typeface="Droid Sans Mono Chess ASCII" panose="020B0609030804020204" pitchFamily="50" charset="0"/>
+              </a:rPr>
+              <a:t>-- In </a:t>
+            </a:r>
+            <a:r>
+              <a:rPr lang="en-US" sz="1400">
+                <a:latin typeface="Droid Sans Mono Chess ASCII" panose="020B0609030804020204" pitchFamily="50" charset="0"/>
+                <a:ea typeface="Droid Sans Mono Chess ASCII" panose="020B0609030804020204" pitchFamily="50" charset="0"/>
+                <a:cs typeface="Droid Sans Mono Chess ASCII" panose="020B0609030804020204" pitchFamily="50" charset="0"/>
+              </a:rPr>
+              <a:t>chess, two players</a:t>
+            </a:r>
+          </a:p>
+          <a:p>
+            <a:endParaRPr lang="en-US" sz="1400">
+              <a:latin typeface="Droid Sans Mono Chess ASCII" panose="020B0609030804020204" pitchFamily="50" charset="0"/>
+              <a:ea typeface="Droid Sans Mono Chess ASCII" panose="020B0609030804020204" pitchFamily="50" charset="0"/>
+              <a:cs typeface="Droid Sans Mono Chess ASCII" panose="020B0609030804020204" pitchFamily="50" charset="0"/>
+            </a:endParaRPr>
+          </a:p>
+          <a:p>
+            <a:r>
+              <a:rPr lang="en-US" sz="1400" smtClean="0">
+                <a:latin typeface="Droid Sans Mono Chess ASCII" panose="020B0609030804020204" pitchFamily="50" charset="0"/>
+                <a:ea typeface="Droid Sans Mono Chess ASCII" panose="020B0609030804020204" pitchFamily="50" charset="0"/>
+                <a:cs typeface="Droid Sans Mono Chess ASCII" panose="020B0609030804020204" pitchFamily="50" charset="0"/>
+              </a:rPr>
+              <a:t>data </a:t>
+            </a:r>
+            <a:r>
+              <a:rPr lang="en-US" sz="1400">
+                <a:latin typeface="Droid Sans Mono Chess ASCII" panose="020B0609030804020204" pitchFamily="50" charset="0"/>
+                <a:ea typeface="Droid Sans Mono Chess ASCII" panose="020B0609030804020204" pitchFamily="50" charset="0"/>
+                <a:cs typeface="Droid Sans Mono Chess ASCII" panose="020B0609030804020204" pitchFamily="50" charset="0"/>
+              </a:rPr>
+              <a:t>Colour = White | Black</a:t>
+            </a:r>
+          </a:p>
+          <a:p>
+            <a:r>
+              <a:rPr lang="en-US" sz="1400">
+                <a:latin typeface="Droid Sans Mono Chess ASCII" panose="020B0609030804020204" pitchFamily="50" charset="0"/>
+                <a:ea typeface="Droid Sans Mono Chess ASCII" panose="020B0609030804020204" pitchFamily="50" charset="0"/>
+                <a:cs typeface="Droid Sans Mono Chess ASCII" panose="020B0609030804020204" pitchFamily="50" charset="0"/>
+              </a:rPr>
+              <a:t>	deriving </a:t>
+            </a:r>
+            <a:r>
+              <a:rPr lang="en-US" sz="1400">
+                <a:latin typeface="Droid Sans Mono Chess ASCII" panose="020B0609030804020204" pitchFamily="50" charset="0"/>
+                <a:ea typeface="Droid Sans Mono Chess ASCII" panose="020B0609030804020204" pitchFamily="50" charset="0"/>
+                <a:cs typeface="Droid Sans Mono Chess ASCII" panose="020B0609030804020204" pitchFamily="50" charset="0"/>
+              </a:rPr>
+              <a:t>(</a:t>
+            </a:r>
+            <a:r>
+              <a:rPr lang="en-US" sz="1400" smtClean="0">
+                <a:latin typeface="Droid Sans Mono Chess ASCII" panose="020B0609030804020204" pitchFamily="50" charset="0"/>
+                <a:ea typeface="Droid Sans Mono Chess ASCII" panose="020B0609030804020204" pitchFamily="50" charset="0"/>
+                <a:cs typeface="Droid Sans Mono Chess ASCII" panose="020B0609030804020204" pitchFamily="50" charset="0"/>
+              </a:rPr>
+              <a:t>Show,Eq,Enum)</a:t>
+            </a:r>
+            <a:endParaRPr lang="en-US" sz="1400">
+              <a:latin typeface="Droid Sans Mono Chess ASCII" panose="020B0609030804020204" pitchFamily="50" charset="0"/>
+              <a:ea typeface="Droid Sans Mono Chess ASCII" panose="020B0609030804020204" pitchFamily="50" charset="0"/>
+              <a:cs typeface="Droid Sans Mono Chess ASCII" panose="020B0609030804020204" pitchFamily="50" charset="0"/>
+            </a:endParaRPr>
+          </a:p>
+          <a:p>
+            <a:r>
+              <a:rPr lang="en-US" sz="1400" smtClean="0">
+                <a:latin typeface="Droid Sans Mono Chess ASCII" panose="020B0609030804020204" pitchFamily="50" charset="0"/>
+                <a:ea typeface="Droid Sans Mono Chess ASCII" panose="020B0609030804020204" pitchFamily="50" charset="0"/>
+                <a:cs typeface="Droid Sans Mono Chess ASCII" panose="020B0609030804020204" pitchFamily="50" charset="0"/>
+              </a:rPr>
+              <a:t>instance </a:t>
+            </a:r>
+            <a:r>
+              <a:rPr lang="en-US" sz="1400">
+                <a:latin typeface="Droid Sans Mono Chess ASCII" panose="020B0609030804020204" pitchFamily="50" charset="0"/>
+                <a:ea typeface="Droid Sans Mono Chess ASCII" panose="020B0609030804020204" pitchFamily="50" charset="0"/>
+                <a:cs typeface="Droid Sans Mono Chess ASCII" panose="020B0609030804020204" pitchFamily="50" charset="0"/>
+              </a:rPr>
+              <a:t>Hashable Colour</a:t>
+            </a:r>
+          </a:p>
+          <a:p>
+            <a:endParaRPr lang="en-US" sz="1400">
+              <a:latin typeface="Droid Sans Mono Chess ASCII" panose="020B0609030804020204" pitchFamily="50" charset="0"/>
+              <a:ea typeface="Droid Sans Mono Chess ASCII" panose="020B0609030804020204" pitchFamily="50" charset="0"/>
+              <a:cs typeface="Droid Sans Mono Chess ASCII" panose="020B0609030804020204" pitchFamily="50" charset="0"/>
+            </a:endParaRPr>
+          </a:p>
+          <a:p>
+            <a:r>
+              <a:rPr lang="en-US" sz="1400" smtClean="0">
+                <a:latin typeface="Droid Sans Mono Chess ASCII" panose="020B0609030804020204" pitchFamily="50" charset="0"/>
+                <a:ea typeface="Droid Sans Mono Chess ASCII" panose="020B0609030804020204" pitchFamily="50" charset="0"/>
+                <a:cs typeface="Droid Sans Mono Chess ASCII" panose="020B0609030804020204" pitchFamily="50" charset="0"/>
+              </a:rPr>
+              <a:t>-- are </a:t>
+            </a:r>
+            <a:r>
+              <a:rPr lang="en-US" sz="1400">
+                <a:latin typeface="Droid Sans Mono Chess ASCII" panose="020B0609030804020204" pitchFamily="50" charset="0"/>
+                <a:ea typeface="Droid Sans Mono Chess ASCII" panose="020B0609030804020204" pitchFamily="50" charset="0"/>
+                <a:cs typeface="Droid Sans Mono Chess ASCII" panose="020B0609030804020204" pitchFamily="50" charset="0"/>
+              </a:rPr>
+              <a:t>taking turns</a:t>
+            </a:r>
+          </a:p>
+          <a:p>
+            <a:endParaRPr lang="en-US" sz="1400">
+              <a:latin typeface="Droid Sans Mono Chess ASCII" panose="020B0609030804020204" pitchFamily="50" charset="0"/>
+              <a:ea typeface="Droid Sans Mono Chess ASCII" panose="020B0609030804020204" pitchFamily="50" charset="0"/>
+              <a:cs typeface="Droid Sans Mono Chess ASCII" panose="020B0609030804020204" pitchFamily="50" charset="0"/>
+            </a:endParaRPr>
+          </a:p>
+          <a:p>
+            <a:r>
+              <a:rPr lang="en-US" sz="1400" smtClean="0">
+                <a:latin typeface="Droid Sans Mono Chess ASCII" panose="020B0609030804020204" pitchFamily="50" charset="0"/>
+                <a:ea typeface="Droid Sans Mono Chess ASCII" panose="020B0609030804020204" pitchFamily="50" charset="0"/>
+                <a:cs typeface="Droid Sans Mono Chess ASCII" panose="020B0609030804020204" pitchFamily="50" charset="0"/>
+              </a:rPr>
+              <a:t>nextColour </a:t>
+            </a:r>
+            <a:r>
+              <a:rPr lang="en-US" sz="1400">
+                <a:latin typeface="Droid Sans Mono Chess ASCII" panose="020B0609030804020204" pitchFamily="50" charset="0"/>
+                <a:ea typeface="Droid Sans Mono Chess ASCII" panose="020B0609030804020204" pitchFamily="50" charset="0"/>
+                <a:cs typeface="Droid Sans Mono Chess ASCII" panose="020B0609030804020204" pitchFamily="50" charset="0"/>
+              </a:rPr>
+              <a:t>White = Black</a:t>
+            </a:r>
+          </a:p>
+          <a:p>
+            <a:r>
+              <a:rPr lang="en-US" sz="1400" smtClean="0">
+                <a:latin typeface="Droid Sans Mono Chess ASCII" panose="020B0609030804020204" pitchFamily="50" charset="0"/>
+                <a:ea typeface="Droid Sans Mono Chess ASCII" panose="020B0609030804020204" pitchFamily="50" charset="0"/>
+                <a:cs typeface="Droid Sans Mono Chess ASCII" panose="020B0609030804020204" pitchFamily="50" charset="0"/>
+              </a:rPr>
+              <a:t>nextColour </a:t>
+            </a:r>
+            <a:r>
+              <a:rPr lang="en-US" sz="1400">
+                <a:latin typeface="Droid Sans Mono Chess ASCII" panose="020B0609030804020204" pitchFamily="50" charset="0"/>
+                <a:ea typeface="Droid Sans Mono Chess ASCII" panose="020B0609030804020204" pitchFamily="50" charset="0"/>
+                <a:cs typeface="Droid Sans Mono Chess ASCII" panose="020B0609030804020204" pitchFamily="50" charset="0"/>
+              </a:rPr>
+              <a:t>Black = White</a:t>
+            </a:r>
+          </a:p>
+        </p:txBody>
+      </p:sp>
+      <p:sp>
+        <p:nvSpPr>
+          <p:cNvPr id="3" name="Pfeil nach rechts 2"/>
+          <p:cNvSpPr/>
+          <p:nvPr/>
+        </p:nvSpPr>
+        <p:spPr>
+          <a:xfrm>
+            <a:off x="5847008" y="2524259"/>
+            <a:ext cx="850006" cy="450761"/>
+          </a:xfrm>
+          <a:prstGeom prst="rightArrow">
+            <a:avLst/>
+          </a:prstGeom>
+          <a:noFill/>
+          <a:ln>
+            <a:solidFill>
+              <a:schemeClr val="tx1"/>
+            </a:solidFill>
+          </a:ln>
+        </p:spPr>
+        <p:style>
+          <a:lnRef idx="2">
+            <a:schemeClr val="accent1">
+              <a:shade val="50000"/>
+            </a:schemeClr>
+          </a:lnRef>
+          <a:fillRef idx="1">
+            <a:schemeClr val="accent1"/>
+          </a:fillRef>
+          <a:effectRef idx="0">
+            <a:schemeClr val="accent1"/>
+          </a:effectRef>
+          <a:fontRef idx="minor">
+            <a:schemeClr val="lt1"/>
+          </a:fontRef>
+        </p:style>
+        <p:txBody>
+          <a:bodyPr rtlCol="0" anchor="ctr"/>
+          <a:lstStyle/>
+          <a:p>
+            <a:pPr algn="ctr"/>
+            <a:endParaRPr lang="de-DE"/>
+          </a:p>
+        </p:txBody>
+      </p:sp>
+      <p:sp>
+        <p:nvSpPr>
+          <p:cNvPr id="4" name="Textfeld 3"/>
+          <p:cNvSpPr txBox="1"/>
+          <p:nvPr/>
+        </p:nvSpPr>
+        <p:spPr>
+          <a:xfrm>
+            <a:off x="155575" y="4697055"/>
+            <a:ext cx="12849225" cy="2308324"/>
+          </a:xfrm>
+          <a:prstGeom prst="rect">
+            <a:avLst/>
+          </a:prstGeom>
+          <a:noFill/>
+        </p:spPr>
+        <p:txBody>
+          <a:bodyPr wrap="square" rtlCol="0">
+            <a:spAutoFit/>
+          </a:bodyPr>
+          <a:lstStyle/>
+          <a:p>
+            <a:r>
+              <a:rPr lang="de-DE" sz="2400">
+                <a:solidFill>
+                  <a:schemeClr val="accent1">
+                    <a:lumMod val="50000"/>
+                  </a:schemeClr>
+                </a:solidFill>
+                <a:latin typeface="Agency FB" panose="020B0503020202020204" pitchFamily="34" charset="0"/>
+                <a:cs typeface="Courier New" panose="02070309020205020404" pitchFamily="49" charset="0"/>
+              </a:rPr>
+              <a:t>GHCi, version 8.0.2: http://www.haskell.org/ghc/  :? for help</a:t>
+            </a:r>
+          </a:p>
+          <a:p>
+            <a:r>
+              <a:rPr lang="de-DE" sz="2400">
+                <a:solidFill>
+                  <a:schemeClr val="accent1">
+                    <a:lumMod val="50000"/>
+                  </a:schemeClr>
+                </a:solidFill>
+                <a:latin typeface="Agency FB" panose="020B0503020202020204" pitchFamily="34" charset="0"/>
+                <a:cs typeface="Courier New" panose="02070309020205020404" pitchFamily="49" charset="0"/>
+              </a:rPr>
+              <a:t>Prelude&gt;</a:t>
+            </a:r>
+            <a:r>
+              <a:rPr lang="de-DE" sz="2400">
+                <a:latin typeface="Agency FB" panose="020B0503020202020204" pitchFamily="34" charset="0"/>
+                <a:cs typeface="Courier New" panose="02070309020205020404" pitchFamily="49" charset="0"/>
+              </a:rPr>
+              <a:t> f &lt;- readFile "lit.txt"</a:t>
+            </a:r>
+          </a:p>
+          <a:p>
+            <a:r>
+              <a:rPr lang="de-DE" sz="2400" smtClean="0">
+                <a:solidFill>
+                  <a:schemeClr val="accent1">
+                    <a:lumMod val="50000"/>
+                  </a:schemeClr>
+                </a:solidFill>
+                <a:latin typeface="Agency FB" panose="020B0503020202020204" pitchFamily="34" charset="0"/>
+                <a:cs typeface="Courier New" panose="02070309020205020404" pitchFamily="49" charset="0"/>
+              </a:rPr>
+              <a:t>Prelude&gt;</a:t>
+            </a:r>
+            <a:r>
+              <a:rPr lang="de-DE" sz="2400" smtClean="0">
+                <a:latin typeface="Agency FB" panose="020B0503020202020204" pitchFamily="34" charset="0"/>
+                <a:cs typeface="Courier New" panose="02070309020205020404" pitchFamily="49" charset="0"/>
+              </a:rPr>
+              <a:t> </a:t>
+            </a:r>
+            <a:r>
+              <a:rPr lang="de-DE" sz="2400">
+                <a:latin typeface="Agency FB" panose="020B0503020202020204" pitchFamily="34" charset="0"/>
+                <a:cs typeface="Courier New" panose="02070309020205020404" pitchFamily="49" charset="0"/>
+              </a:rPr>
+              <a:t>import Data.List</a:t>
+            </a:r>
+          </a:p>
+          <a:p>
+            <a:r>
+              <a:rPr lang="de-DE" sz="2400">
+                <a:solidFill>
+                  <a:schemeClr val="accent1">
+                    <a:lumMod val="50000"/>
+                  </a:schemeClr>
+                </a:solidFill>
+                <a:latin typeface="Agency FB" panose="020B0503020202020204" pitchFamily="34" charset="0"/>
+                <a:cs typeface="Courier New" panose="02070309020205020404" pitchFamily="49" charset="0"/>
+              </a:rPr>
+              <a:t>Prelude </a:t>
+            </a:r>
+            <a:r>
+              <a:rPr lang="de-DE" sz="2400" smtClean="0">
+                <a:solidFill>
+                  <a:schemeClr val="accent1">
+                    <a:lumMod val="50000"/>
+                  </a:schemeClr>
+                </a:solidFill>
+                <a:latin typeface="Agency FB" panose="020B0503020202020204" pitchFamily="34" charset="0"/>
+                <a:cs typeface="Courier New" panose="02070309020205020404" pitchFamily="49" charset="0"/>
+              </a:rPr>
+              <a:t>Data.List</a:t>
+            </a:r>
+            <a:r>
+              <a:rPr lang="de-DE" sz="2400">
+                <a:solidFill>
+                  <a:schemeClr val="accent1">
+                    <a:lumMod val="50000"/>
+                  </a:schemeClr>
+                </a:solidFill>
+                <a:latin typeface="Agency FB" panose="020B0503020202020204" pitchFamily="34" charset="0"/>
+                <a:cs typeface="Courier New" panose="02070309020205020404" pitchFamily="49" charset="0"/>
+              </a:rPr>
+              <a:t>&gt;</a:t>
+            </a:r>
+            <a:r>
+              <a:rPr lang="de-DE" sz="2400">
+                <a:latin typeface="Agency FB" panose="020B0503020202020204" pitchFamily="34" charset="0"/>
+                <a:cs typeface="Courier New" panose="02070309020205020404" pitchFamily="49" charset="0"/>
+              </a:rPr>
+              <a:t> data Line = Code String | </a:t>
+            </a:r>
+            <a:r>
+              <a:rPr lang="de-DE" sz="2400">
+                <a:latin typeface="Agency FB" panose="020B0503020202020204" pitchFamily="34" charset="0"/>
+                <a:cs typeface="Courier New" panose="02070309020205020404" pitchFamily="49" charset="0"/>
+              </a:rPr>
+              <a:t>Other </a:t>
+            </a:r>
+            <a:r>
+              <a:rPr lang="de-DE" sz="2400" smtClean="0">
+                <a:latin typeface="Agency FB" panose="020B0503020202020204" pitchFamily="34" charset="0"/>
+                <a:cs typeface="Courier New" panose="02070309020205020404" pitchFamily="49" charset="0"/>
+              </a:rPr>
+              <a:t>String</a:t>
+            </a:r>
+            <a:endParaRPr lang="de-DE" sz="2400">
+              <a:latin typeface="Agency FB" panose="020B0503020202020204" pitchFamily="34" charset="0"/>
+              <a:cs typeface="Courier New" panose="02070309020205020404" pitchFamily="49" charset="0"/>
+            </a:endParaRPr>
+          </a:p>
+          <a:p>
+            <a:r>
+              <a:rPr lang="de-DE" sz="2400">
+                <a:solidFill>
+                  <a:schemeClr val="accent1">
+                    <a:lumMod val="50000"/>
+                  </a:schemeClr>
+                </a:solidFill>
+                <a:latin typeface="Agency FB" panose="020B0503020202020204" pitchFamily="34" charset="0"/>
+                <a:cs typeface="Courier New" panose="02070309020205020404" pitchFamily="49" charset="0"/>
+              </a:rPr>
+              <a:t>Prelude </a:t>
+            </a:r>
+            <a:r>
+              <a:rPr lang="de-DE" sz="2400" smtClean="0">
+                <a:solidFill>
+                  <a:schemeClr val="accent1">
+                    <a:lumMod val="50000"/>
+                  </a:schemeClr>
+                </a:solidFill>
+                <a:latin typeface="Agency FB" panose="020B0503020202020204" pitchFamily="34" charset="0"/>
+                <a:cs typeface="Courier New" panose="02070309020205020404" pitchFamily="49" charset="0"/>
+              </a:rPr>
+              <a:t>Data.List</a:t>
+            </a:r>
+            <a:r>
+              <a:rPr lang="de-DE" sz="2400">
+                <a:solidFill>
+                  <a:schemeClr val="accent1">
+                    <a:lumMod val="50000"/>
+                  </a:schemeClr>
+                </a:solidFill>
+                <a:latin typeface="Agency FB" panose="020B0503020202020204" pitchFamily="34" charset="0"/>
+                <a:cs typeface="Courier New" panose="02070309020205020404" pitchFamily="49" charset="0"/>
+              </a:rPr>
+              <a:t>&gt;</a:t>
+            </a:r>
+            <a:r>
+              <a:rPr lang="de-DE" sz="2400">
+                <a:latin typeface="Agency FB" panose="020B0503020202020204" pitchFamily="34" charset="0"/>
+                <a:cs typeface="Courier New" panose="02070309020205020404" pitchFamily="49" charset="0"/>
+              </a:rPr>
+              <a:t> let ls = map (\ l -&gt; if "&gt; " `isPrefixOf` l then Code l else Other l) $ lines f</a:t>
+            </a:r>
+          </a:p>
+          <a:p>
+            <a:r>
+              <a:rPr lang="de-DE" sz="2400">
+                <a:solidFill>
+                  <a:schemeClr val="accent1">
+                    <a:lumMod val="50000"/>
+                  </a:schemeClr>
+                </a:solidFill>
+                <a:latin typeface="Agency FB" panose="020B0503020202020204" pitchFamily="34" charset="0"/>
+                <a:cs typeface="Courier New" panose="02070309020205020404" pitchFamily="49" charset="0"/>
+              </a:rPr>
+              <a:t>Prelude </a:t>
+            </a:r>
+            <a:r>
+              <a:rPr lang="de-DE" sz="2400" smtClean="0">
+                <a:solidFill>
+                  <a:schemeClr val="accent1">
+                    <a:lumMod val="50000"/>
+                  </a:schemeClr>
+                </a:solidFill>
+                <a:latin typeface="Agency FB" panose="020B0503020202020204" pitchFamily="34" charset="0"/>
+                <a:cs typeface="Courier New" panose="02070309020205020404" pitchFamily="49" charset="0"/>
+              </a:rPr>
+              <a:t>Data.List</a:t>
+            </a:r>
+            <a:r>
+              <a:rPr lang="de-DE" sz="2400">
+                <a:solidFill>
+                  <a:schemeClr val="accent1">
+                    <a:lumMod val="50000"/>
+                  </a:schemeClr>
+                </a:solidFill>
+                <a:latin typeface="Agency FB" panose="020B0503020202020204" pitchFamily="34" charset="0"/>
+                <a:cs typeface="Courier New" panose="02070309020205020404" pitchFamily="49" charset="0"/>
+              </a:rPr>
+              <a:t>&gt;</a:t>
+            </a:r>
+            <a:r>
+              <a:rPr lang="de-DE" sz="2400">
+                <a:latin typeface="Agency FB" panose="020B0503020202020204" pitchFamily="34" charset="0"/>
+                <a:cs typeface="Courier New" panose="02070309020205020404" pitchFamily="49" charset="0"/>
+              </a:rPr>
+              <a:t> writeFile "unlit.hs" $ </a:t>
+            </a:r>
+            <a:r>
+              <a:rPr lang="de-DE" sz="2400">
+                <a:latin typeface="Agency FB" panose="020B0503020202020204" pitchFamily="34" charset="0"/>
+                <a:cs typeface="Courier New" panose="02070309020205020404" pitchFamily="49" charset="0"/>
+              </a:rPr>
+              <a:t>unlines </a:t>
+            </a:r>
+            <a:r>
+              <a:rPr lang="de-DE" sz="2400" smtClean="0">
+                <a:latin typeface="Agency FB" panose="020B0503020202020204" pitchFamily="34" charset="0"/>
+                <a:cs typeface="Courier New" panose="02070309020205020404" pitchFamily="49" charset="0"/>
+              </a:rPr>
+              <a:t>$ map </a:t>
+            </a:r>
+            <a:r>
+              <a:rPr lang="de-DE" sz="2400">
+                <a:latin typeface="Agency FB" panose="020B0503020202020204" pitchFamily="34" charset="0"/>
+                <a:cs typeface="Courier New" panose="02070309020205020404" pitchFamily="49" charset="0"/>
+              </a:rPr>
+              <a:t>(\l -&gt; case l of Code s -&gt; drop 2 s; Other s -&gt; if null s then s else "-- "++s) ls</a:t>
+            </a:r>
+            <a:endParaRPr lang="de-DE" sz="2400" dirty="0" err="1" smtClean="0">
+              <a:latin typeface="Agency FB" panose="020B0503020202020204" pitchFamily="34" charset="0"/>
+              <a:cs typeface="Courier New" panose="02070309020205020404" pitchFamily="49" charset="0"/>
+            </a:endParaRPr>
+          </a:p>
+        </p:txBody>
+      </p:sp>
+    </p:spTree>
+    <p:extLst>
+      <p:ext uri="{BB962C8B-B14F-4D97-AF65-F5344CB8AC3E}">
+        <p14:creationId xmlns:p14="http://schemas.microsoft.com/office/powerpoint/2010/main" val="1358739755"/>
+      </p:ext>
+    </p:extLst>
+  </p:cSld>
+  <p:clrMapOvr>
+    <a:masterClrMapping/>
+  </p:clrMapOvr>
+</p:sld>
+</file>
+
+<file path=ppt/slides/slide14.xml><?xml version="1.0" encoding="utf-8"?>
+<p:sld xmlns:a="http://schemas.openxmlformats.org/drawingml/2006/main" xmlns:r="http://schemas.openxmlformats.org/officeDocument/2006/relationships" xmlns:p="http://schemas.openxmlformats.org/presentationml/2006/main">
+  <p:cSld>
+    <p:spTree>
+      <p:nvGrpSpPr>
+        <p:cNvPr id="1" name=""/>
+        <p:cNvGrpSpPr/>
+        <p:nvPr/>
+      </p:nvGrpSpPr>
+      <p:grpSpPr>
+        <a:xfrm>
+          <a:off x="0" y="0"/>
+          <a:ext cx="0" cy="0"/>
+          <a:chOff x="0" y="0"/>
+          <a:chExt cx="0" cy="0"/>
+        </a:xfrm>
+      </p:grpSpPr>
+      <p:sp>
+        <p:nvSpPr>
+          <p:cNvPr id="9218" name="Titel 1"/>
+          <p:cNvSpPr>
+            <a:spLocks noGrp="1"/>
+          </p:cNvSpPr>
+          <p:nvPr>
+            <p:ph type="title"/>
+          </p:nvPr>
+        </p:nvSpPr>
+        <p:spPr bwMode="auto">
+          <a:xfrm>
+            <a:off x="442913" y="93663"/>
+            <a:ext cx="10742612" cy="939800"/>
+          </a:xfrm>
+          <a:noFill/>
+          <a:ln>
+            <a:miter lim="800000"/>
+            <a:headEnd/>
+            <a:tailEnd/>
+          </a:ln>
+        </p:spPr>
+        <p:txBody>
+          <a:bodyPr vert="horz" wrap="square" numCol="1" anchor="t" anchorCtr="0" compatLnSpc="1">
+            <a:prstTxWarp prst="textNoShape">
+              <a:avLst/>
+            </a:prstTxWarp>
+          </a:bodyPr>
+          <a:lstStyle/>
+          <a:p>
+            <a:r>
+              <a:rPr lang="en-US" smtClean="0"/>
+              <a:t>Coverage Comparison for TI</a:t>
+            </a:r>
+            <a:endParaRPr lang="en-US" smtClean="0"/>
+          </a:p>
+        </p:txBody>
+      </p:sp>
+      <p:sp>
+        <p:nvSpPr>
+          <p:cNvPr id="2" name="AutoShape 2" descr="Bildergebnis für haskell brooks curry"/>
+          <p:cNvSpPr>
+            <a:spLocks noChangeAspect="1" noChangeArrowheads="1"/>
+          </p:cNvSpPr>
+          <p:nvPr/>
+        </p:nvSpPr>
+        <p:spPr bwMode="auto">
+          <a:xfrm>
+            <a:off x="155575" y="-731838"/>
+            <a:ext cx="1228725" cy="1524001"/>
+          </a:xfrm>
+          <a:prstGeom prst="rect">
+            <a:avLst/>
+          </a:prstGeom>
+          <a:noFill/>
+          <a:extLst>
+            <a:ext uri="{909E8E84-426E-40DD-AFC4-6F175D3DCCD1}">
+              <a14:hiddenFill xmlns:a14="http://schemas.microsoft.com/office/drawing/2010/main">
+                <a:solidFill>
+                  <a:srgbClr val="FFFFFF"/>
+                </a:solidFill>
+              </a14:hiddenFill>
+            </a:ext>
+          </a:extLst>
+        </p:spPr>
+        <p:txBody>
+          <a:bodyPr vert="horz" wrap="square" lIns="91440" tIns="45720" rIns="91440" bIns="45720" numCol="1" anchor="t" anchorCtr="0" compatLnSpc="1">
+            <a:prstTxWarp prst="textNoShape">
+              <a:avLst/>
+            </a:prstTxWarp>
+          </a:bodyPr>
+          <a:lstStyle/>
+          <a:p>
+            <a:endParaRPr lang="de-DE"/>
+          </a:p>
+        </p:txBody>
+      </p:sp>
+    </p:spTree>
+    <p:extLst>
+      <p:ext uri="{BB962C8B-B14F-4D97-AF65-F5344CB8AC3E}">
+        <p14:creationId xmlns:p14="http://schemas.microsoft.com/office/powerpoint/2010/main" val="768308647"/>
+      </p:ext>
+    </p:extLst>
+  </p:cSld>
+  <p:clrMapOvr>
+    <a:masterClrMapping/>
+  </p:clrMapOvr>
+</p:sld>
+</file>
+
+<file path=ppt/slides/slide15.xml><?xml version="1.0" encoding="utf-8"?>
+<p:sld xmlns:a="http://schemas.openxmlformats.org/drawingml/2006/main" xmlns:r="http://schemas.openxmlformats.org/officeDocument/2006/relationships" xmlns:p="http://schemas.openxmlformats.org/presentationml/2006/main">
+  <p:cSld>
+    <p:spTree>
+      <p:nvGrpSpPr>
+        <p:cNvPr id="1" name=""/>
+        <p:cNvGrpSpPr/>
+        <p:nvPr/>
+      </p:nvGrpSpPr>
+      <p:grpSpPr>
+        <a:xfrm>
+          <a:off x="0" y="0"/>
+          <a:ext cx="0" cy="0"/>
+          <a:chOff x="0" y="0"/>
+          <a:chExt cx="0" cy="0"/>
+        </a:xfrm>
+      </p:grpSpPr>
+      <p:pic>
+        <p:nvPicPr>
+          <p:cNvPr id="3078" name="Picture 6" descr="TALC"/>
+          <p:cNvPicPr>
+            <a:picLocks noChangeAspect="1" noChangeArrowheads="1"/>
+          </p:cNvPicPr>
+          <p:nvPr/>
+        </p:nvPicPr>
+        <p:blipFill>
+          <a:blip r:embed="rId2">
+            <a:extLst>
+              <a:ext uri="{28A0092B-C50C-407E-A947-70E740481C1C}">
+                <a14:useLocalDpi xmlns:a14="http://schemas.microsoft.com/office/drawing/2010/main" val="0"/>
+              </a:ext>
+            </a:extLst>
+          </a:blip>
+          <a:srcRect/>
+          <a:stretch>
+            <a:fillRect/>
+          </a:stretch>
+        </p:blipFill>
+        <p:spPr bwMode="auto">
+          <a:xfrm>
+            <a:off x="2561315" y="4508837"/>
+            <a:ext cx="7927617" cy="4915127"/>
+          </a:xfrm>
+          <a:prstGeom prst="rect">
+            <a:avLst/>
+          </a:prstGeom>
+          <a:noFill/>
+          <a:extLst>
+            <a:ext uri="{909E8E84-426E-40DD-AFC4-6F175D3DCCD1}">
+              <a14:hiddenFill xmlns:a14="http://schemas.microsoft.com/office/drawing/2010/main">
+                <a:solidFill>
+                  <a:srgbClr val="FFFFFF"/>
+                </a:solidFill>
+              </a14:hiddenFill>
+            </a:ext>
+          </a:extLst>
+        </p:spPr>
+      </p:pic>
+      <p:sp>
+        <p:nvSpPr>
+          <p:cNvPr id="9218" name="Titel 1"/>
+          <p:cNvSpPr>
+            <a:spLocks noGrp="1"/>
+          </p:cNvSpPr>
+          <p:nvPr>
+            <p:ph type="title"/>
+          </p:nvPr>
+        </p:nvSpPr>
+        <p:spPr bwMode="auto">
+          <a:xfrm>
+            <a:off x="442913" y="93663"/>
+            <a:ext cx="10742612" cy="939800"/>
+          </a:xfrm>
+          <a:noFill/>
+          <a:ln>
+            <a:miter lim="800000"/>
+            <a:headEnd/>
+            <a:tailEnd/>
+          </a:ln>
+        </p:spPr>
+        <p:txBody>
+          <a:bodyPr vert="horz" wrap="square" numCol="1" anchor="t" anchorCtr="0" compatLnSpc="1">
+            <a:prstTxWarp prst="textNoShape">
+              <a:avLst/>
+            </a:prstTxWarp>
+          </a:bodyPr>
+          <a:lstStyle/>
+          <a:p>
+            <a:r>
+              <a:rPr lang="en-US" smtClean="0"/>
+              <a:t>When </a:t>
+            </a:r>
+            <a:r>
+              <a:rPr lang="en-US" u="sng" smtClean="0"/>
+              <a:t>not</a:t>
+            </a:r>
+            <a:r>
+              <a:rPr lang="en-US" smtClean="0"/>
+              <a:t> to use Haskell</a:t>
+            </a:r>
+          </a:p>
+        </p:txBody>
+      </p:sp>
+      <p:sp>
+        <p:nvSpPr>
+          <p:cNvPr id="3" name="Rectangle 4"/>
+          <p:cNvSpPr>
+            <a:spLocks/>
+          </p:cNvSpPr>
+          <p:nvPr/>
+        </p:nvSpPr>
+        <p:spPr bwMode="auto">
+          <a:xfrm>
+            <a:off x="443819" y="1373188"/>
+            <a:ext cx="10790237" cy="6680200"/>
+          </a:xfrm>
+          <a:prstGeom prst="rect">
+            <a:avLst/>
+          </a:prstGeom>
+          <a:noFill/>
+          <a:ln w="12700" cap="flat">
+            <a:noFill/>
+            <a:miter lim="800000"/>
+            <a:headEnd type="none" w="med" len="med"/>
+            <a:tailEnd type="none" w="med" len="med"/>
+          </a:ln>
+        </p:spPr>
+        <p:txBody>
+          <a:bodyPr lIns="0" tIns="0" rIns="0" bIns="0"/>
+          <a:lstStyle/>
+          <a:p>
+            <a:pPr marL="254000" indent="-254000">
+              <a:lnSpc>
+                <a:spcPct val="120000"/>
+              </a:lnSpc>
+              <a:spcBef>
+                <a:spcPts val="1000"/>
+              </a:spcBef>
+              <a:buSzPct val="120000"/>
+              <a:buFont typeface="Lucida Grande" charset="0"/>
+              <a:buChar char="‣"/>
+              <a:defRPr/>
+            </a:pPr>
+            <a:r>
+              <a:rPr lang="en-US" sz="2600" smtClean="0">
+                <a:solidFill>
+                  <a:srgbClr val="262626"/>
+                </a:solidFill>
+                <a:latin typeface="+mn-lt"/>
+                <a:ea typeface="Gill Sans" charset="0"/>
+                <a:cs typeface="Gill Sans" charset="0"/>
+              </a:rPr>
+              <a:t>Tight Realtime properties required</a:t>
+            </a:r>
+          </a:p>
+          <a:p>
+            <a:pPr marL="254000" indent="-254000">
+              <a:lnSpc>
+                <a:spcPct val="120000"/>
+              </a:lnSpc>
+              <a:spcBef>
+                <a:spcPts val="1000"/>
+              </a:spcBef>
+              <a:buSzPct val="120000"/>
+              <a:buFont typeface="Lucida Grande" charset="0"/>
+              <a:buChar char="‣"/>
+              <a:defRPr/>
+            </a:pPr>
+            <a:r>
+              <a:rPr lang="en-US" sz="2600" smtClean="0">
+                <a:solidFill>
+                  <a:srgbClr val="262626"/>
+                </a:solidFill>
+                <a:latin typeface="+mn-lt"/>
+                <a:ea typeface="Gill Sans" charset="0"/>
+                <a:cs typeface="Gill Sans" charset="0"/>
+              </a:rPr>
+              <a:t>Very low level problem (machine oriented)</a:t>
+            </a:r>
+          </a:p>
+          <a:p>
+            <a:pPr marL="254000" indent="-254000">
+              <a:lnSpc>
+                <a:spcPct val="120000"/>
+              </a:lnSpc>
+              <a:spcBef>
+                <a:spcPts val="1000"/>
+              </a:spcBef>
+              <a:buSzPct val="120000"/>
+              <a:buFont typeface="Lucida Grande" charset="0"/>
+              <a:buChar char="‣"/>
+              <a:defRPr/>
+            </a:pPr>
+            <a:r>
+              <a:rPr lang="en-US" sz="2600" smtClean="0">
+                <a:solidFill>
+                  <a:srgbClr val="262626"/>
+                </a:solidFill>
+                <a:latin typeface="+mn-lt"/>
+                <a:ea typeface="Gill Sans" charset="0"/>
+                <a:cs typeface="Gill Sans" charset="0"/>
+              </a:rPr>
+              <a:t>In conservative and laggard enviroment</a:t>
+            </a:r>
+            <a:br>
+              <a:rPr lang="en-US" sz="2600" smtClean="0">
+                <a:solidFill>
+                  <a:srgbClr val="262626"/>
+                </a:solidFill>
+                <a:latin typeface="+mn-lt"/>
+                <a:ea typeface="Gill Sans" charset="0"/>
+                <a:cs typeface="Gill Sans" charset="0"/>
+              </a:rPr>
+            </a:br>
+            <a:r>
+              <a:rPr lang="en-US" sz="2600" smtClean="0">
+                <a:solidFill>
+                  <a:srgbClr val="262626"/>
+                </a:solidFill>
+                <a:latin typeface="+mn-lt"/>
+                <a:ea typeface="Gill Sans" charset="0"/>
+                <a:cs typeface="Gill Sans" charset="0"/>
+              </a:rPr>
+              <a:t>(e.g. personal, political reasons):</a:t>
+            </a:r>
+          </a:p>
+          <a:p>
+            <a:pPr marL="254000" indent="-254000">
+              <a:lnSpc>
+                <a:spcPct val="120000"/>
+              </a:lnSpc>
+              <a:spcBef>
+                <a:spcPts val="1000"/>
+              </a:spcBef>
+              <a:buSzPct val="120000"/>
+              <a:buFont typeface="Lucida Grande" charset="0"/>
+              <a:buChar char="‣"/>
+              <a:defRPr/>
+            </a:pPr>
+            <a:endParaRPr lang="en-US" sz="2600">
+              <a:solidFill>
+                <a:srgbClr val="262626"/>
+              </a:solidFill>
+              <a:latin typeface="+mn-lt"/>
+              <a:ea typeface="Gill Sans" charset="0"/>
+              <a:cs typeface="Gill Sans" charset="0"/>
+            </a:endParaRPr>
+          </a:p>
+          <a:p>
+            <a:pPr marL="254000" indent="-254000">
+              <a:lnSpc>
+                <a:spcPct val="120000"/>
+              </a:lnSpc>
+              <a:spcBef>
+                <a:spcPts val="1000"/>
+              </a:spcBef>
+              <a:defRPr/>
+            </a:pPr>
+            <a:endParaRPr lang="en-US" sz="2600">
+              <a:solidFill>
+                <a:srgbClr val="262626"/>
+              </a:solidFill>
+              <a:latin typeface="+mn-lt"/>
+              <a:ea typeface="Gill Sans" charset="0"/>
+              <a:cs typeface="Gill Sans" charset="0"/>
+            </a:endParaRPr>
+          </a:p>
+        </p:txBody>
+      </p:sp>
+      <p:pic>
+        <p:nvPicPr>
+          <p:cNvPr id="3079" name="Picture 7" descr="C:\Users\3t\AppData\Local\Microsoft\Windows\Temporary Internet Files\Content.IE5\OFIS4223\1169px-Achtung.svg[1].png"/>
+          <p:cNvPicPr>
+            <a:picLocks noChangeAspect="1" noChangeArrowheads="1"/>
+          </p:cNvPicPr>
+          <p:nvPr/>
+        </p:nvPicPr>
+        <p:blipFill>
+          <a:blip r:embed="rId3" cstate="print">
+            <a:extLst>
+              <a:ext uri="{28A0092B-C50C-407E-A947-70E740481C1C}">
+                <a14:useLocalDpi xmlns:a14="http://schemas.microsoft.com/office/drawing/2010/main" val="0"/>
+              </a:ext>
+            </a:extLst>
+          </a:blip>
+          <a:srcRect/>
+          <a:stretch>
+            <a:fillRect/>
+          </a:stretch>
+        </p:blipFill>
+        <p:spPr bwMode="auto">
+          <a:xfrm>
+            <a:off x="9579429" y="309883"/>
+            <a:ext cx="2729359" cy="2390816"/>
+          </a:xfrm>
+          <a:prstGeom prst="rect">
+            <a:avLst/>
+          </a:prstGeom>
+          <a:noFill/>
+          <a:extLst>
+            <a:ext uri="{909E8E84-426E-40DD-AFC4-6F175D3DCCD1}">
+              <a14:hiddenFill xmlns:a14="http://schemas.microsoft.com/office/drawing/2010/main">
+                <a:solidFill>
+                  <a:srgbClr val="FFFFFF"/>
+                </a:solidFill>
+              </a14:hiddenFill>
+            </a:ext>
+          </a:extLst>
+        </p:spPr>
+      </p:pic>
+      <p:sp>
+        <p:nvSpPr>
+          <p:cNvPr id="2" name="Rechteck 1"/>
+          <p:cNvSpPr/>
+          <p:nvPr/>
+        </p:nvSpPr>
+        <p:spPr>
+          <a:xfrm>
+            <a:off x="6648038" y="4914900"/>
+            <a:ext cx="3963809" cy="3138488"/>
+          </a:xfrm>
+          <a:prstGeom prst="rect">
+            <a:avLst/>
+          </a:prstGeom>
+          <a:blipFill dpi="0" rotWithShape="1">
+            <a:blip r:embed="rId4">
+              <a:alphaModFix amt="30000"/>
+            </a:blip>
+            <a:srcRect/>
+            <a:stretch>
+              <a:fillRect/>
+            </a:stretch>
+          </a:blipFill>
+          <a:ln w="63500">
+            <a:solidFill>
+              <a:srgbClr val="FF0000"/>
+            </a:solidFill>
+          </a:ln>
+        </p:spPr>
+        <p:style>
+          <a:lnRef idx="2">
+            <a:schemeClr val="accent1">
+              <a:shade val="50000"/>
+            </a:schemeClr>
+          </a:lnRef>
+          <a:fillRef idx="1">
+            <a:schemeClr val="accent1"/>
+          </a:fillRef>
+          <a:effectRef idx="0">
+            <a:schemeClr val="accent1"/>
+          </a:effectRef>
+          <a:fontRef idx="minor">
+            <a:schemeClr val="lt1"/>
+          </a:fontRef>
+        </p:style>
+        <p:txBody>
+          <a:bodyPr rtlCol="0" anchor="ctr"/>
+          <a:lstStyle/>
+          <a:p>
+            <a:pPr algn="ctr"/>
+            <a:endParaRPr lang="de-DE"/>
+          </a:p>
+        </p:txBody>
+      </p:sp>
+      <p:cxnSp>
+        <p:nvCxnSpPr>
+          <p:cNvPr id="9" name="Gerade Verbindung mit Pfeil 8"/>
+          <p:cNvCxnSpPr>
+            <a:endCxn id="3078" idx="0"/>
+          </p:cNvCxnSpPr>
+          <p:nvPr/>
+        </p:nvCxnSpPr>
+        <p:spPr>
+          <a:xfrm>
+            <a:off x="5115375" y="3145987"/>
+            <a:ext cx="1409749" cy="1362850"/>
+          </a:xfrm>
+          <a:prstGeom prst="straightConnector1">
+            <a:avLst/>
+          </a:prstGeom>
+          <a:ln w="50800">
+            <a:solidFill>
+              <a:srgbClr val="FF0000"/>
+            </a:solidFill>
+            <a:tailEnd type="arrow"/>
+          </a:ln>
+        </p:spPr>
+        <p:style>
+          <a:lnRef idx="1">
+            <a:schemeClr val="accent1"/>
+          </a:lnRef>
+          <a:fillRef idx="0">
+            <a:schemeClr val="accent1"/>
+          </a:fillRef>
+          <a:effectRef idx="0">
+            <a:schemeClr val="accent1"/>
+          </a:effectRef>
+          <a:fontRef idx="minor">
+            <a:schemeClr val="tx1"/>
+          </a:fontRef>
+        </p:style>
+      </p:cxnSp>
+    </p:spTree>
+    <p:extLst>
+      <p:ext uri="{BB962C8B-B14F-4D97-AF65-F5344CB8AC3E}">
+        <p14:creationId xmlns:p14="http://schemas.microsoft.com/office/powerpoint/2010/main" val="2077020566"/>
+      </p:ext>
+    </p:extLst>
+  </p:cSld>
+  <p:clrMapOvr>
+    <a:masterClrMapping/>
+  </p:clrMapOvr>
+</p:sld>
+</file>
+
+<file path=ppt/slides/slide16.xml><?xml version="1.0" encoding="utf-8"?>
+<p:sld xmlns:a="http://schemas.openxmlformats.org/drawingml/2006/main" xmlns:r="http://schemas.openxmlformats.org/officeDocument/2006/relationships" xmlns:p="http://schemas.openxmlformats.org/presentationml/2006/main">
+  <p:cSld>
+    <p:spTree>
+      <p:nvGrpSpPr>
+        <p:cNvPr id="1" name=""/>
+        <p:cNvGrpSpPr/>
+        <p:nvPr/>
+      </p:nvGrpSpPr>
+      <p:grpSpPr>
+        <a:xfrm>
+          <a:off x="0" y="0"/>
+          <a:ext cx="0" cy="0"/>
+          <a:chOff x="0" y="0"/>
+          <a:chExt cx="0" cy="0"/>
+        </a:xfrm>
+      </p:grpSpPr>
+      <p:pic>
+        <p:nvPicPr>
+          <p:cNvPr id="17410" name="Picture 2"/>
+          <p:cNvPicPr>
+            <a:picLocks noChangeArrowheads="1"/>
+          </p:cNvPicPr>
+          <p:nvPr/>
+        </p:nvPicPr>
+        <p:blipFill>
+          <a:blip r:embed="rId2" cstate="print"/>
+          <a:srcRect/>
+          <a:stretch>
+            <a:fillRect/>
+          </a:stretch>
+        </p:blipFill>
+        <p:spPr bwMode="auto">
+          <a:xfrm>
+            <a:off x="461963" y="1608138"/>
+            <a:ext cx="5689600" cy="7340600"/>
+          </a:xfrm>
+          <a:prstGeom prst="rect">
+            <a:avLst/>
+          </a:prstGeom>
+          <a:noFill/>
+          <a:ln w="12700">
+            <a:noFill/>
+            <a:miter lim="800000"/>
+            <a:headEnd/>
+            <a:tailEnd/>
+          </a:ln>
+        </p:spPr>
+      </p:pic>
+      <p:sp>
+        <p:nvSpPr>
+          <p:cNvPr id="4" name="Abgerundetes Rechteck 3"/>
+          <p:cNvSpPr/>
+          <p:nvPr/>
+        </p:nvSpPr>
+        <p:spPr>
+          <a:xfrm>
+            <a:off x="6813550" y="1625600"/>
+            <a:ext cx="5703888" cy="5391150"/>
+          </a:xfrm>
+          <a:prstGeom prst="roundRect">
+            <a:avLst>
+              <a:gd name="adj" fmla="val 0"/>
+            </a:avLst>
+          </a:prstGeom>
+          <a:noFill/>
+          <a:ln>
+            <a:noFill/>
+          </a:ln>
+          <a:effectLst/>
+        </p:spPr>
+        <p:style>
+          <a:lnRef idx="2">
+            <a:schemeClr val="accent1">
+              <a:shade val="50000"/>
+            </a:schemeClr>
+          </a:lnRef>
+          <a:fillRef idx="1">
+            <a:schemeClr val="accent1"/>
+          </a:fillRef>
+          <a:effectRef idx="0">
+            <a:schemeClr val="accent1"/>
+          </a:effectRef>
+          <a:fontRef idx="minor">
+            <a:schemeClr val="lt1"/>
+          </a:fontRef>
+        </p:style>
+        <p:txBody>
+          <a:bodyPr lIns="130046" tIns="65023" rIns="130046" bIns="65023" anchor="ctr"/>
+          <a:lstStyle/>
+          <a:p>
+            <a:pPr algn="ctr">
+              <a:defRPr/>
+            </a:pPr>
+            <a:endParaRPr lang="de-DE" sz="3400" b="1">
+              <a:solidFill>
+                <a:srgbClr val="64748B"/>
+              </a:solidFill>
+            </a:endParaRPr>
+          </a:p>
+        </p:txBody>
+      </p:sp>
+      <p:sp>
+        <p:nvSpPr>
+          <p:cNvPr id="5" name="Abgerundetes Rechteck 4"/>
+          <p:cNvSpPr/>
+          <p:nvPr/>
+        </p:nvSpPr>
+        <p:spPr>
+          <a:xfrm>
+            <a:off x="6813550" y="7234238"/>
+            <a:ext cx="5703888" cy="1706562"/>
+          </a:xfrm>
+          <a:prstGeom prst="roundRect">
+            <a:avLst>
+              <a:gd name="adj" fmla="val 0"/>
+            </a:avLst>
+          </a:prstGeom>
+          <a:noFill/>
+          <a:ln>
+            <a:noFill/>
+          </a:ln>
+          <a:effectLst/>
+        </p:spPr>
+        <p:style>
+          <a:lnRef idx="2">
+            <a:schemeClr val="accent1">
+              <a:shade val="50000"/>
+            </a:schemeClr>
+          </a:lnRef>
+          <a:fillRef idx="1">
+            <a:schemeClr val="accent1"/>
+          </a:fillRef>
+          <a:effectRef idx="0">
+            <a:schemeClr val="accent1"/>
+          </a:effectRef>
+          <a:fontRef idx="minor">
+            <a:schemeClr val="lt1"/>
+          </a:fontRef>
+        </p:style>
+        <p:txBody>
+          <a:bodyPr lIns="130046" tIns="65023" rIns="130046" bIns="65023" anchor="ctr"/>
+          <a:lstStyle/>
+          <a:p>
+            <a:pPr algn="ctr">
+              <a:defRPr/>
+            </a:pPr>
+            <a:r>
+              <a:rPr lang="de-DE" b="1">
+                <a:solidFill>
+                  <a:schemeClr val="bg2"/>
+                </a:solidFill>
+              </a:rPr>
+              <a:t>Arnulfstraße 27</a:t>
+            </a:r>
+          </a:p>
+          <a:p>
+            <a:pPr algn="ctr">
+              <a:defRPr/>
+            </a:pPr>
+            <a:r>
+              <a:rPr lang="de-DE" b="1">
+                <a:solidFill>
+                  <a:schemeClr val="bg2"/>
+                </a:solidFill>
+              </a:rPr>
+              <a:t>80335 München</a:t>
+            </a:r>
+          </a:p>
+          <a:p>
+            <a:pPr algn="ctr">
+              <a:defRPr/>
+            </a:pPr>
+            <a:r>
+              <a:rPr lang="de-DE" b="1">
+                <a:solidFill>
+                  <a:schemeClr val="bg2"/>
+                </a:solidFill>
+              </a:rPr>
+              <a:t>www.validas.de</a:t>
+            </a:r>
+          </a:p>
+          <a:p>
+            <a:pPr algn="ctr">
+              <a:defRPr/>
+            </a:pPr>
+            <a:r>
+              <a:rPr lang="de-DE" b="1">
+                <a:solidFill>
+                  <a:schemeClr val="bg2"/>
+                </a:solidFill>
+              </a:rPr>
+              <a:t>info@validas.de</a:t>
+            </a:r>
+          </a:p>
+        </p:txBody>
+      </p:sp>
+      <p:pic>
+        <p:nvPicPr>
+          <p:cNvPr id="17413" name="Picture 2" descr="\\smbsrv.validas\intranet\Validas\CorporateIdentity\ValidasLogos\validas600.png"/>
+          <p:cNvPicPr>
+            <a:picLocks noChangeAspect="1" noChangeArrowheads="1"/>
+          </p:cNvPicPr>
+          <p:nvPr/>
+        </p:nvPicPr>
+        <p:blipFill>
+          <a:blip r:embed="rId3" cstate="print">
+            <a:lum bright="-10000" contrast="30000"/>
+          </a:blip>
+          <a:srcRect/>
+          <a:stretch>
+            <a:fillRect/>
+          </a:stretch>
+        </p:blipFill>
+        <p:spPr bwMode="auto">
+          <a:xfrm>
+            <a:off x="8024813" y="2809875"/>
+            <a:ext cx="3727450" cy="819150"/>
+          </a:xfrm>
+          <a:prstGeom prst="rect">
+            <a:avLst/>
+          </a:prstGeom>
+          <a:noFill/>
+          <a:ln w="9525">
+            <a:noFill/>
+            <a:miter lim="800000"/>
+            <a:headEnd/>
+            <a:tailEnd/>
+          </a:ln>
+        </p:spPr>
+      </p:pic>
+      <p:sp>
+        <p:nvSpPr>
+          <p:cNvPr id="17415" name="Titel 9"/>
+          <p:cNvSpPr>
+            <a:spLocks noGrp="1"/>
+          </p:cNvSpPr>
+          <p:nvPr>
+            <p:ph type="title"/>
+          </p:nvPr>
+        </p:nvSpPr>
+        <p:spPr bwMode="auto">
+          <a:xfrm>
+            <a:off x="442913" y="93663"/>
+            <a:ext cx="10742612" cy="939800"/>
+          </a:xfrm>
+          <a:noFill/>
+          <a:ln>
+            <a:miter lim="800000"/>
+            <a:headEnd/>
+            <a:tailEnd/>
+          </a:ln>
+        </p:spPr>
+        <p:txBody>
+          <a:bodyPr vert="horz" wrap="square" numCol="1" anchor="t" anchorCtr="0" compatLnSpc="1">
+            <a:prstTxWarp prst="textNoShape">
+              <a:avLst/>
+            </a:prstTxWarp>
+          </a:bodyPr>
+          <a:lstStyle/>
+          <a:p>
+            <a:pPr eaLnBrk="1" hangingPunct="1"/>
+            <a:r>
+              <a:rPr lang="de-DE" smtClean="0"/>
+              <a:t>putStrLn „Thank you!“</a:t>
+            </a:r>
+            <a:endParaRPr lang="en-US" smtClean="0"/>
+          </a:p>
+        </p:txBody>
+      </p:sp>
+    </p:spTree>
+  </p:cSld>
+  <p:clrMapOvr>
+    <a:masterClrMapping/>
+  </p:clrMapOvr>
+  <p:transition/>
+  <p:timing>
+    <p:tnLst>
+      <p:par>
+        <p:cTn id="1" dur="indefinite" restart="never" nodeType="tmRoot"/>
+      </p:par>
+    </p:tnLst>
+  </p:timing>
+</p:sld>
+</file>
+
+<file path=ppt/slides/slide2.xml><?xml version="1.0" encoding="utf-8"?>
+<p:sld xmlns:a="http://schemas.openxmlformats.org/drawingml/2006/main" xmlns:r="http://schemas.openxmlformats.org/officeDocument/2006/relationships" xmlns:p="http://schemas.openxmlformats.org/presentationml/2006/main">
+  <p:cSld>
+    <p:spTree>
+      <p:nvGrpSpPr>
+        <p:cNvPr id="1" name=""/>
+        <p:cNvGrpSpPr/>
+        <p:nvPr/>
+      </p:nvGrpSpPr>
+      <p:grpSpPr>
+        <a:xfrm>
+          <a:off x="0" y="0"/>
+          <a:ext cx="0" cy="0"/>
+          <a:chOff x="0" y="0"/>
+          <a:chExt cx="0" cy="0"/>
+        </a:xfrm>
+      </p:grpSpPr>
+      <p:sp>
+        <p:nvSpPr>
+          <p:cNvPr id="9218" name="Titel 1"/>
+          <p:cNvSpPr>
+            <a:spLocks noGrp="1"/>
+          </p:cNvSpPr>
+          <p:nvPr>
+            <p:ph type="title"/>
+          </p:nvPr>
+        </p:nvSpPr>
+        <p:spPr bwMode="auto">
+          <a:xfrm>
+            <a:off x="442913" y="93663"/>
+            <a:ext cx="10742612" cy="939800"/>
+          </a:xfrm>
+          <a:noFill/>
+          <a:ln>
+            <a:miter lim="800000"/>
+            <a:headEnd/>
+            <a:tailEnd/>
+          </a:ln>
+        </p:spPr>
+        <p:txBody>
+          <a:bodyPr vert="horz" wrap="square" numCol="1" anchor="t" anchorCtr="0" compatLnSpc="1">
+            <a:prstTxWarp prst="textNoShape">
+              <a:avLst/>
+            </a:prstTxWarp>
+          </a:bodyPr>
+          <a:lstStyle/>
+          <a:p>
+            <a:r>
+              <a:rPr lang="en-US" smtClean="0"/>
+              <a:t>The “Semantic Gap”</a:t>
+            </a:r>
+            <a:endParaRPr lang="en-US" smtClean="0"/>
+          </a:p>
+        </p:txBody>
+      </p:sp>
+      <p:sp>
+        <p:nvSpPr>
+          <p:cNvPr id="2" name="Pfeil nach unten 1"/>
+          <p:cNvSpPr/>
+          <p:nvPr/>
+        </p:nvSpPr>
+        <p:spPr>
+          <a:xfrm rot="10800000">
+            <a:off x="1442428" y="1403794"/>
+            <a:ext cx="837127" cy="7250807"/>
+          </a:xfrm>
+          <a:prstGeom prst="downArrow">
+            <a:avLst/>
+          </a:prstGeom>
+          <a:gradFill>
+            <a:gsLst>
+              <a:gs pos="0">
+                <a:schemeClr val="accent1">
+                  <a:shade val="30000"/>
+                  <a:satMod val="115000"/>
+                </a:schemeClr>
+              </a:gs>
+              <a:gs pos="50000">
+                <a:schemeClr val="accent1">
+                  <a:shade val="67500"/>
+                  <a:satMod val="115000"/>
+                </a:schemeClr>
+              </a:gs>
+              <a:gs pos="100000">
+                <a:schemeClr val="accent1">
+                  <a:shade val="100000"/>
+                  <a:satMod val="115000"/>
+                </a:schemeClr>
+              </a:gs>
+            </a:gsLst>
+            <a:lin ang="5400000" scaled="0"/>
+          </a:gradFill>
+          <a:ln>
+            <a:solidFill>
+              <a:schemeClr val="tx1"/>
+            </a:solidFill>
+          </a:ln>
+        </p:spPr>
+        <p:style>
+          <a:lnRef idx="2">
+            <a:schemeClr val="accent1">
+              <a:shade val="50000"/>
+            </a:schemeClr>
+          </a:lnRef>
+          <a:fillRef idx="1">
+            <a:schemeClr val="accent1"/>
+          </a:fillRef>
+          <a:effectRef idx="0">
+            <a:schemeClr val="accent1"/>
+          </a:effectRef>
+          <a:fontRef idx="minor">
+            <a:schemeClr val="lt1"/>
+          </a:fontRef>
+        </p:style>
+        <p:txBody>
+          <a:bodyPr vert="vert270" rtlCol="0" anchor="ctr" anchorCtr="0"/>
+          <a:lstStyle/>
+          <a:p>
+            <a:pPr algn="ctr"/>
+            <a:r>
+              <a:rPr lang="de-DE" sz="2400" smtClean="0">
+                <a:solidFill>
+                  <a:schemeClr val="bg1"/>
+                </a:solidFill>
+                <a:latin typeface="Arial Black" panose="020B0A04020102020204" pitchFamily="34" charset="0"/>
+              </a:rPr>
+              <a:t>higher                                                lower</a:t>
+            </a:r>
+            <a:endParaRPr lang="de-DE" sz="2400">
+              <a:solidFill>
+                <a:schemeClr val="bg1"/>
+              </a:solidFill>
+              <a:latin typeface="Arial Black" panose="020B0A04020102020204" pitchFamily="34" charset="0"/>
+            </a:endParaRPr>
+          </a:p>
+        </p:txBody>
+      </p:sp>
+      <p:pic>
+        <p:nvPicPr>
+          <p:cNvPr id="1029" name="Picture 5"/>
+          <p:cNvPicPr>
+            <a:picLocks noChangeAspect="1" noChangeArrowheads="1"/>
+          </p:cNvPicPr>
+          <p:nvPr/>
+        </p:nvPicPr>
+        <p:blipFill>
+          <a:blip r:embed="rId2">
+            <a:extLst>
+              <a:ext uri="{28A0092B-C50C-407E-A947-70E740481C1C}">
+                <a14:useLocalDpi xmlns:a14="http://schemas.microsoft.com/office/drawing/2010/main" val="0"/>
+              </a:ext>
+            </a:extLst>
+          </a:blip>
+          <a:srcRect/>
+          <a:stretch>
+            <a:fillRect/>
+          </a:stretch>
+        </p:blipFill>
+        <p:spPr bwMode="auto">
+          <a:xfrm>
+            <a:off x="1246629" y="3540349"/>
+            <a:ext cx="1228725" cy="3162300"/>
+          </a:xfrm>
+          <a:prstGeom prst="rect">
+            <a:avLst/>
+          </a:prstGeom>
+          <a:noFill/>
+          <a:ln>
+            <a:noFill/>
+          </a:ln>
+          <a:extLst>
+            <a:ext uri="{909E8E84-426E-40DD-AFC4-6F175D3DCCD1}">
+              <a14:hiddenFill xmlns:a14="http://schemas.microsoft.com/office/drawing/2010/main">
+                <a:solidFill>
+                  <a:schemeClr val="accent1"/>
+                </a:solidFill>
+              </a14:hiddenFill>
+            </a:ext>
+            <a:ext uri="{91240B29-F687-4F45-9708-019B960494DF}">
+              <a14:hiddenLine xmlns:a14="http://schemas.microsoft.com/office/drawing/2010/main" w="9525">
+                <a:solidFill>
+                  <a:schemeClr val="tx1"/>
+                </a:solidFill>
+                <a:miter lim="800000"/>
+                <a:headEnd/>
+                <a:tailEnd/>
+              </a14:hiddenLine>
+            </a:ext>
+          </a:extLst>
+        </p:spPr>
+      </p:pic>
+      <p:sp>
+        <p:nvSpPr>
+          <p:cNvPr id="4" name="Textfeld 3"/>
+          <p:cNvSpPr txBox="1"/>
+          <p:nvPr/>
+        </p:nvSpPr>
+        <p:spPr>
+          <a:xfrm>
+            <a:off x="2475354" y="8281115"/>
+            <a:ext cx="3479863" cy="584775"/>
+          </a:xfrm>
+          <a:prstGeom prst="rect">
+            <a:avLst/>
+          </a:prstGeom>
+          <a:noFill/>
+        </p:spPr>
+        <p:txBody>
+          <a:bodyPr wrap="none" rtlCol="0">
+            <a:spAutoFit/>
+          </a:bodyPr>
+          <a:lstStyle/>
+          <a:p>
+            <a:r>
+              <a:rPr lang="de-DE" sz="3200" smtClean="0">
+                <a:latin typeface="+mn-lt"/>
+              </a:rPr>
+              <a:t>„Procedural“: How?</a:t>
+            </a:r>
+            <a:endParaRPr lang="de-DE" sz="3200" dirty="0" err="1" smtClean="0">
+              <a:latin typeface="+mn-lt"/>
+            </a:endParaRPr>
+          </a:p>
+        </p:txBody>
+      </p:sp>
+      <p:sp>
+        <p:nvSpPr>
+          <p:cNvPr id="9" name="Textfeld 8"/>
+          <p:cNvSpPr txBox="1"/>
+          <p:nvPr/>
+        </p:nvSpPr>
+        <p:spPr>
+          <a:xfrm>
+            <a:off x="2475354" y="1839532"/>
+            <a:ext cx="3696076" cy="584775"/>
+          </a:xfrm>
+          <a:prstGeom prst="rect">
+            <a:avLst/>
+          </a:prstGeom>
+          <a:noFill/>
+        </p:spPr>
+        <p:txBody>
+          <a:bodyPr wrap="none" rtlCol="0">
+            <a:spAutoFit/>
+          </a:bodyPr>
+          <a:lstStyle/>
+          <a:p>
+            <a:r>
+              <a:rPr lang="de-DE" sz="3200" smtClean="0">
+                <a:latin typeface="+mn-lt"/>
+              </a:rPr>
+              <a:t>„Declarative“: What?</a:t>
+            </a:r>
+            <a:endParaRPr lang="de-DE" sz="3200" dirty="0" err="1" smtClean="0">
+              <a:latin typeface="+mn-lt"/>
+            </a:endParaRPr>
+          </a:p>
+        </p:txBody>
+      </p:sp>
+      <p:pic>
+        <p:nvPicPr>
+          <p:cNvPr id="1030" name="Picture 6" descr="C:\Users\reitmeier\AppData\Local\Microsoft\Windows\Temporary Internet Files\Content.IE5\3LWRIX8I\cpu-152656_960_720[1].png"/>
+          <p:cNvPicPr>
+            <a:picLocks noChangeAspect="1" noChangeArrowheads="1"/>
+          </p:cNvPicPr>
+          <p:nvPr/>
+        </p:nvPicPr>
+        <p:blipFill>
+          <a:blip r:embed="rId3" cstate="print">
+            <a:extLst>
+              <a:ext uri="{28A0092B-C50C-407E-A947-70E740481C1C}">
+                <a14:useLocalDpi xmlns:a14="http://schemas.microsoft.com/office/drawing/2010/main" val="0"/>
+              </a:ext>
+            </a:extLst>
+          </a:blip>
+          <a:srcRect/>
+          <a:stretch>
+            <a:fillRect/>
+          </a:stretch>
+        </p:blipFill>
+        <p:spPr bwMode="auto">
+          <a:xfrm>
+            <a:off x="6318876" y="7661785"/>
+            <a:ext cx="1823434" cy="1823434"/>
+          </a:xfrm>
+          <a:prstGeom prst="rect">
+            <a:avLst/>
+          </a:prstGeom>
+          <a:noFill/>
+          <a:extLst>
+            <a:ext uri="{909E8E84-426E-40DD-AFC4-6F175D3DCCD1}">
+              <a14:hiddenFill xmlns:a14="http://schemas.microsoft.com/office/drawing/2010/main">
+                <a:solidFill>
+                  <a:srgbClr val="FFFFFF"/>
+                </a:solidFill>
+              </a14:hiddenFill>
+            </a:ext>
+          </a:extLst>
+        </p:spPr>
+      </p:pic>
+      <p:pic>
+        <p:nvPicPr>
+          <p:cNvPr id="1031" name="Picture 7" descr="C:\Users\reitmeier\AppData\Local\Microsoft\Windows\Temporary Internet Files\Content.IE5\CVE2Q6IP\person-311292_960_720[1].png"/>
+          <p:cNvPicPr>
+            <a:picLocks noChangeAspect="1" noChangeArrowheads="1"/>
+          </p:cNvPicPr>
+          <p:nvPr/>
+        </p:nvPicPr>
+        <p:blipFill>
+          <a:blip r:embed="rId4" cstate="print">
+            <a:extLst>
+              <a:ext uri="{28A0092B-C50C-407E-A947-70E740481C1C}">
+                <a14:useLocalDpi xmlns:a14="http://schemas.microsoft.com/office/drawing/2010/main" val="0"/>
+              </a:ext>
+            </a:extLst>
+          </a:blip>
+          <a:srcRect/>
+          <a:stretch>
+            <a:fillRect/>
+          </a:stretch>
+        </p:blipFill>
+        <p:spPr bwMode="auto">
+          <a:xfrm>
+            <a:off x="6549712" y="1403794"/>
+            <a:ext cx="1361762" cy="1776211"/>
+          </a:xfrm>
+          <a:prstGeom prst="rect">
+            <a:avLst/>
+          </a:prstGeom>
+          <a:noFill/>
+          <a:extLst>
+            <a:ext uri="{909E8E84-426E-40DD-AFC4-6F175D3DCCD1}">
+              <a14:hiddenFill xmlns:a14="http://schemas.microsoft.com/office/drawing/2010/main">
+                <a:solidFill>
+                  <a:srgbClr val="FFFFFF"/>
+                </a:solidFill>
+              </a14:hiddenFill>
+            </a:ext>
+          </a:extLst>
+        </p:spPr>
+      </p:pic>
+    </p:spTree>
+  </p:cSld>
+  <p:clrMapOvr>
+    <a:masterClrMapping/>
+  </p:clrMapOvr>
+</p:sld>
+</file>
+
+<file path=ppt/slides/slide3.xml><?xml version="1.0" encoding="utf-8"?>
+<p:sld xmlns:a="http://schemas.openxmlformats.org/drawingml/2006/main" xmlns:r="http://schemas.openxmlformats.org/officeDocument/2006/relationships" xmlns:p="http://schemas.openxmlformats.org/presentationml/2006/main">
+  <p:cSld>
+    <p:spTree>
+      <p:nvGrpSpPr>
+        <p:cNvPr id="1" name=""/>
+        <p:cNvGrpSpPr/>
+        <p:nvPr/>
+      </p:nvGrpSpPr>
+      <p:grpSpPr>
+        <a:xfrm>
+          <a:off x="0" y="0"/>
+          <a:ext cx="0" cy="0"/>
+          <a:chOff x="0" y="0"/>
+          <a:chExt cx="0" cy="0"/>
+        </a:xfrm>
+      </p:grpSpPr>
+      <p:sp>
+        <p:nvSpPr>
+          <p:cNvPr id="9218" name="Titel 1"/>
+          <p:cNvSpPr>
+            <a:spLocks noGrp="1"/>
+          </p:cNvSpPr>
+          <p:nvPr>
+            <p:ph type="title"/>
+          </p:nvPr>
+        </p:nvSpPr>
+        <p:spPr bwMode="auto">
+          <a:xfrm>
+            <a:off x="442913" y="93663"/>
+            <a:ext cx="10742612" cy="939800"/>
+          </a:xfrm>
+          <a:noFill/>
+          <a:ln>
+            <a:miter lim="800000"/>
+            <a:headEnd/>
+            <a:tailEnd/>
+          </a:ln>
+        </p:spPr>
+        <p:txBody>
+          <a:bodyPr vert="horz" wrap="square" numCol="1" anchor="t" anchorCtr="0" compatLnSpc="1">
+            <a:prstTxWarp prst="textNoShape">
+              <a:avLst/>
+            </a:prstTxWarp>
+          </a:bodyPr>
+          <a:lstStyle/>
+          <a:p>
+            <a:r>
+              <a:rPr lang="en-US" smtClean="0"/>
+              <a:t>What does </a:t>
+            </a:r>
+            <a:r>
+              <a:rPr lang="en-US" smtClean="0">
+                <a:latin typeface="Courier New" panose="02070309020205020404" pitchFamily="49" charset="0"/>
+                <a:cs typeface="Courier New" panose="02070309020205020404" pitchFamily="49" charset="0"/>
+              </a:rPr>
+              <a:t>process</a:t>
+            </a:r>
+            <a:r>
+              <a:rPr lang="en-US" smtClean="0"/>
+              <a:t> do?</a:t>
+            </a:r>
+          </a:p>
+        </p:txBody>
+      </p:sp>
+      <p:sp>
+        <p:nvSpPr>
+          <p:cNvPr id="3" name="Textfeld 2"/>
+          <p:cNvSpPr txBox="1"/>
+          <p:nvPr/>
+        </p:nvSpPr>
+        <p:spPr>
+          <a:xfrm>
+            <a:off x="477520" y="1229360"/>
+            <a:ext cx="5416868" cy="7786747"/>
+          </a:xfrm>
+          <a:prstGeom prst="rect">
+            <a:avLst/>
+          </a:prstGeom>
+          <a:noFill/>
+        </p:spPr>
+        <p:txBody>
+          <a:bodyPr wrap="none" rtlCol="0">
+            <a:spAutoFit/>
+          </a:bodyPr>
+          <a:lstStyle/>
+          <a:p>
+            <a:r>
+              <a:rPr lang="de-DE" sz="2000" err="1">
+                <a:latin typeface="Courier New" panose="02070309020205020404" pitchFamily="49" charset="0"/>
+                <a:cs typeface="Courier New" panose="02070309020205020404" pitchFamily="49" charset="0"/>
+              </a:rPr>
+              <a:t>void</a:t>
+            </a:r>
+            <a:r>
+              <a:rPr lang="de-DE" sz="2000">
+                <a:latin typeface="Courier New" panose="02070309020205020404" pitchFamily="49" charset="0"/>
+                <a:cs typeface="Courier New" panose="02070309020205020404" pitchFamily="49" charset="0"/>
+              </a:rPr>
+              <a:t> </a:t>
+            </a:r>
+            <a:r>
+              <a:rPr lang="de-DE" sz="2000" err="1">
+                <a:latin typeface="Courier New" panose="02070309020205020404" pitchFamily="49" charset="0"/>
+                <a:cs typeface="Courier New" panose="02070309020205020404" pitchFamily="49" charset="0"/>
+              </a:rPr>
+              <a:t>swap</a:t>
+            </a:r>
+            <a:r>
+              <a:rPr lang="de-DE" sz="2000">
+                <a:latin typeface="Courier New" panose="02070309020205020404" pitchFamily="49" charset="0"/>
+                <a:cs typeface="Courier New" panose="02070309020205020404" pitchFamily="49" charset="0"/>
+              </a:rPr>
+              <a:t>(</a:t>
+            </a:r>
+            <a:r>
+              <a:rPr lang="de-DE" sz="2000" err="1">
+                <a:latin typeface="Courier New" panose="02070309020205020404" pitchFamily="49" charset="0"/>
+                <a:cs typeface="Courier New" panose="02070309020205020404" pitchFamily="49" charset="0"/>
+              </a:rPr>
+              <a:t>int</a:t>
+            </a:r>
+            <a:r>
+              <a:rPr lang="de-DE" sz="2000">
+                <a:latin typeface="Courier New" panose="02070309020205020404" pitchFamily="49" charset="0"/>
+                <a:cs typeface="Courier New" panose="02070309020205020404" pitchFamily="49" charset="0"/>
+              </a:rPr>
+              <a:t> *a, </a:t>
+            </a:r>
+            <a:r>
+              <a:rPr lang="de-DE" sz="2000" err="1">
+                <a:latin typeface="Courier New" panose="02070309020205020404" pitchFamily="49" charset="0"/>
+                <a:cs typeface="Courier New" panose="02070309020205020404" pitchFamily="49" charset="0"/>
+              </a:rPr>
+              <a:t>int</a:t>
+            </a:r>
+            <a:r>
+              <a:rPr lang="de-DE" sz="2000">
+                <a:latin typeface="Courier New" panose="02070309020205020404" pitchFamily="49" charset="0"/>
+                <a:cs typeface="Courier New" panose="02070309020205020404" pitchFamily="49" charset="0"/>
+              </a:rPr>
+              <a:t> *b)</a:t>
+            </a:r>
+          </a:p>
+          <a:p>
+            <a:r>
+              <a:rPr lang="de-DE" sz="2000">
+                <a:latin typeface="Courier New" panose="02070309020205020404" pitchFamily="49" charset="0"/>
+                <a:cs typeface="Courier New" panose="02070309020205020404" pitchFamily="49" charset="0"/>
+              </a:rPr>
+              <a:t>{</a:t>
+            </a:r>
+          </a:p>
+          <a:p>
+            <a:r>
+              <a:rPr lang="de-DE" sz="2000">
+                <a:latin typeface="Courier New" panose="02070309020205020404" pitchFamily="49" charset="0"/>
+                <a:cs typeface="Courier New" panose="02070309020205020404" pitchFamily="49" charset="0"/>
+              </a:rPr>
+              <a:t>    </a:t>
+            </a:r>
+            <a:r>
+              <a:rPr lang="de-DE" sz="2000" err="1">
+                <a:latin typeface="Courier New" panose="02070309020205020404" pitchFamily="49" charset="0"/>
+                <a:cs typeface="Courier New" panose="02070309020205020404" pitchFamily="49" charset="0"/>
+              </a:rPr>
+              <a:t>int</a:t>
+            </a:r>
+            <a:r>
+              <a:rPr lang="de-DE" sz="2000">
+                <a:latin typeface="Courier New" panose="02070309020205020404" pitchFamily="49" charset="0"/>
+                <a:cs typeface="Courier New" panose="02070309020205020404" pitchFamily="49" charset="0"/>
+              </a:rPr>
+              <a:t> </a:t>
+            </a:r>
+            <a:r>
+              <a:rPr lang="de-DE" sz="2000" err="1">
+                <a:latin typeface="Courier New" panose="02070309020205020404" pitchFamily="49" charset="0"/>
+                <a:cs typeface="Courier New" panose="02070309020205020404" pitchFamily="49" charset="0"/>
+              </a:rPr>
+              <a:t>tmp</a:t>
+            </a:r>
+            <a:r>
+              <a:rPr lang="de-DE" sz="2000">
+                <a:latin typeface="Courier New" panose="02070309020205020404" pitchFamily="49" charset="0"/>
+                <a:cs typeface="Courier New" panose="02070309020205020404" pitchFamily="49" charset="0"/>
+              </a:rPr>
+              <a:t> = *a;</a:t>
+            </a:r>
+          </a:p>
+          <a:p>
+            <a:r>
+              <a:rPr lang="de-DE" sz="2000">
+                <a:latin typeface="Courier New" panose="02070309020205020404" pitchFamily="49" charset="0"/>
+                <a:cs typeface="Courier New" panose="02070309020205020404" pitchFamily="49" charset="0"/>
+              </a:rPr>
+              <a:t>    *a = *b;</a:t>
+            </a:r>
+          </a:p>
+          <a:p>
+            <a:r>
+              <a:rPr lang="de-DE" sz="2000">
+                <a:latin typeface="Courier New" panose="02070309020205020404" pitchFamily="49" charset="0"/>
+                <a:cs typeface="Courier New" panose="02070309020205020404" pitchFamily="49" charset="0"/>
+              </a:rPr>
+              <a:t>    *b = </a:t>
+            </a:r>
+            <a:r>
+              <a:rPr lang="de-DE" sz="2000" err="1">
+                <a:latin typeface="Courier New" panose="02070309020205020404" pitchFamily="49" charset="0"/>
+                <a:cs typeface="Courier New" panose="02070309020205020404" pitchFamily="49" charset="0"/>
+              </a:rPr>
+              <a:t>tmp</a:t>
+            </a:r>
+            <a:r>
+              <a:rPr lang="de-DE" sz="2000">
+                <a:latin typeface="Courier New" panose="02070309020205020404" pitchFamily="49" charset="0"/>
+                <a:cs typeface="Courier New" panose="02070309020205020404" pitchFamily="49" charset="0"/>
+              </a:rPr>
+              <a:t>;</a:t>
+            </a:r>
+          </a:p>
+          <a:p>
+            <a:r>
+              <a:rPr lang="de-DE" sz="2000">
+                <a:latin typeface="Courier New" panose="02070309020205020404" pitchFamily="49" charset="0"/>
+                <a:cs typeface="Courier New" panose="02070309020205020404" pitchFamily="49" charset="0"/>
+              </a:rPr>
+              <a:t>}</a:t>
+            </a:r>
+          </a:p>
+          <a:p>
+            <a:endParaRPr lang="de-DE" sz="2000">
+              <a:latin typeface="Courier New" panose="02070309020205020404" pitchFamily="49" charset="0"/>
+              <a:cs typeface="Courier New" panose="02070309020205020404" pitchFamily="49" charset="0"/>
+            </a:endParaRPr>
+          </a:p>
+          <a:p>
+            <a:r>
+              <a:rPr lang="de-DE" sz="2000" err="1">
+                <a:latin typeface="Courier New" panose="02070309020205020404" pitchFamily="49" charset="0"/>
+                <a:cs typeface="Courier New" panose="02070309020205020404" pitchFamily="49" charset="0"/>
+              </a:rPr>
+              <a:t>void</a:t>
+            </a:r>
+            <a:r>
+              <a:rPr lang="de-DE" sz="2000">
+                <a:latin typeface="Courier New" panose="02070309020205020404" pitchFamily="49" charset="0"/>
+                <a:cs typeface="Courier New" panose="02070309020205020404" pitchFamily="49" charset="0"/>
+              </a:rPr>
+              <a:t> </a:t>
+            </a:r>
+            <a:r>
+              <a:rPr lang="de-DE" sz="2000" err="1" smtClean="0">
+                <a:latin typeface="Courier New" panose="02070309020205020404" pitchFamily="49" charset="0"/>
+                <a:cs typeface="Courier New" panose="02070309020205020404" pitchFamily="49" charset="0"/>
+              </a:rPr>
+              <a:t>process</a:t>
+            </a:r>
+            <a:r>
+              <a:rPr lang="de-DE" sz="2000" smtClean="0">
+                <a:latin typeface="Courier New" panose="02070309020205020404" pitchFamily="49" charset="0"/>
+                <a:cs typeface="Courier New" panose="02070309020205020404" pitchFamily="49" charset="0"/>
+              </a:rPr>
+              <a:t>(</a:t>
+            </a:r>
+            <a:r>
+              <a:rPr lang="de-DE" sz="2000" err="1" smtClean="0">
+                <a:latin typeface="Courier New" panose="02070309020205020404" pitchFamily="49" charset="0"/>
+                <a:cs typeface="Courier New" panose="02070309020205020404" pitchFamily="49" charset="0"/>
+              </a:rPr>
+              <a:t>int</a:t>
+            </a:r>
+            <a:r>
+              <a:rPr lang="de-DE" sz="2000" smtClean="0">
+                <a:latin typeface="Courier New" panose="02070309020205020404" pitchFamily="49" charset="0"/>
+                <a:cs typeface="Courier New" panose="02070309020205020404" pitchFamily="49" charset="0"/>
+              </a:rPr>
+              <a:t> </a:t>
+            </a:r>
+            <a:r>
+              <a:rPr lang="de-DE" sz="2000">
+                <a:latin typeface="Courier New" panose="02070309020205020404" pitchFamily="49" charset="0"/>
+                <a:cs typeface="Courier New" panose="02070309020205020404" pitchFamily="49" charset="0"/>
+              </a:rPr>
+              <a:t>*</a:t>
+            </a:r>
+            <a:r>
+              <a:rPr lang="de-DE" sz="2000" err="1">
+                <a:latin typeface="Courier New" panose="02070309020205020404" pitchFamily="49" charset="0"/>
+                <a:cs typeface="Courier New" panose="02070309020205020404" pitchFamily="49" charset="0"/>
+              </a:rPr>
+              <a:t>begin</a:t>
+            </a:r>
+            <a:r>
+              <a:rPr lang="de-DE" sz="2000">
+                <a:latin typeface="Courier New" panose="02070309020205020404" pitchFamily="49" charset="0"/>
+                <a:cs typeface="Courier New" panose="02070309020205020404" pitchFamily="49" charset="0"/>
+              </a:rPr>
+              <a:t>, </a:t>
+            </a:r>
+            <a:r>
+              <a:rPr lang="de-DE" sz="2000" err="1">
+                <a:latin typeface="Courier New" panose="02070309020205020404" pitchFamily="49" charset="0"/>
+                <a:cs typeface="Courier New" panose="02070309020205020404" pitchFamily="49" charset="0"/>
+              </a:rPr>
+              <a:t>int</a:t>
+            </a:r>
+            <a:r>
+              <a:rPr lang="de-DE" sz="2000">
+                <a:latin typeface="Courier New" panose="02070309020205020404" pitchFamily="49" charset="0"/>
+                <a:cs typeface="Courier New" panose="02070309020205020404" pitchFamily="49" charset="0"/>
+              </a:rPr>
+              <a:t> *end)</a:t>
+            </a:r>
+          </a:p>
+          <a:p>
+            <a:r>
+              <a:rPr lang="de-DE" sz="2000">
+                <a:latin typeface="Courier New" panose="02070309020205020404" pitchFamily="49" charset="0"/>
+                <a:cs typeface="Courier New" panose="02070309020205020404" pitchFamily="49" charset="0"/>
+              </a:rPr>
+              <a:t>{</a:t>
+            </a:r>
+          </a:p>
+          <a:p>
+            <a:r>
+              <a:rPr lang="de-DE" sz="2000">
+                <a:latin typeface="Courier New" panose="02070309020205020404" pitchFamily="49" charset="0"/>
+                <a:cs typeface="Courier New" panose="02070309020205020404" pitchFamily="49" charset="0"/>
+              </a:rPr>
+              <a:t>    </a:t>
+            </a:r>
+            <a:r>
+              <a:rPr lang="de-DE" sz="2000" err="1">
+                <a:latin typeface="Courier New" panose="02070309020205020404" pitchFamily="49" charset="0"/>
+                <a:cs typeface="Courier New" panose="02070309020205020404" pitchFamily="49" charset="0"/>
+              </a:rPr>
+              <a:t>int</a:t>
+            </a:r>
+            <a:r>
+              <a:rPr lang="de-DE" sz="2000">
+                <a:latin typeface="Courier New" panose="02070309020205020404" pitchFamily="49" charset="0"/>
+                <a:cs typeface="Courier New" panose="02070309020205020404" pitchFamily="49" charset="0"/>
+              </a:rPr>
+              <a:t> *</a:t>
+            </a:r>
+            <a:r>
+              <a:rPr lang="de-DE" sz="2000" err="1">
+                <a:latin typeface="Courier New" panose="02070309020205020404" pitchFamily="49" charset="0"/>
+                <a:cs typeface="Courier New" panose="02070309020205020404" pitchFamily="49" charset="0"/>
+              </a:rPr>
+              <a:t>ptr</a:t>
+            </a:r>
+            <a:r>
+              <a:rPr lang="de-DE" sz="2000">
+                <a:latin typeface="Courier New" panose="02070309020205020404" pitchFamily="49" charset="0"/>
+                <a:cs typeface="Courier New" panose="02070309020205020404" pitchFamily="49" charset="0"/>
+              </a:rPr>
+              <a:t>;</a:t>
+            </a:r>
+          </a:p>
+          <a:p>
+            <a:r>
+              <a:rPr lang="de-DE" sz="2000">
+                <a:latin typeface="Courier New" panose="02070309020205020404" pitchFamily="49" charset="0"/>
+                <a:cs typeface="Courier New" panose="02070309020205020404" pitchFamily="49" charset="0"/>
+              </a:rPr>
+              <a:t>    </a:t>
+            </a:r>
+            <a:r>
+              <a:rPr lang="de-DE" sz="2000" err="1">
+                <a:latin typeface="Courier New" panose="02070309020205020404" pitchFamily="49" charset="0"/>
+                <a:cs typeface="Courier New" panose="02070309020205020404" pitchFamily="49" charset="0"/>
+              </a:rPr>
+              <a:t>int</a:t>
+            </a:r>
+            <a:r>
+              <a:rPr lang="de-DE" sz="2000">
+                <a:latin typeface="Courier New" panose="02070309020205020404" pitchFamily="49" charset="0"/>
+                <a:cs typeface="Courier New" panose="02070309020205020404" pitchFamily="49" charset="0"/>
+              </a:rPr>
+              <a:t> *</a:t>
+            </a:r>
+            <a:r>
+              <a:rPr lang="de-DE" sz="2000" err="1">
+                <a:latin typeface="Courier New" panose="02070309020205020404" pitchFamily="49" charset="0"/>
+                <a:cs typeface="Courier New" panose="02070309020205020404" pitchFamily="49" charset="0"/>
+              </a:rPr>
+              <a:t>split</a:t>
+            </a:r>
+            <a:r>
+              <a:rPr lang="de-DE" sz="2000">
+                <a:latin typeface="Courier New" panose="02070309020205020404" pitchFamily="49" charset="0"/>
+                <a:cs typeface="Courier New" panose="02070309020205020404" pitchFamily="49" charset="0"/>
+              </a:rPr>
+              <a:t>;</a:t>
+            </a:r>
+          </a:p>
+          <a:p>
+            <a:r>
+              <a:rPr lang="de-DE" sz="2000">
+                <a:latin typeface="Courier New" panose="02070309020205020404" pitchFamily="49" charset="0"/>
+                <a:cs typeface="Courier New" panose="02070309020205020404" pitchFamily="49" charset="0"/>
+              </a:rPr>
+              <a:t>    </a:t>
+            </a:r>
+            <a:r>
+              <a:rPr lang="de-DE" sz="2000" err="1">
+                <a:latin typeface="Courier New" panose="02070309020205020404" pitchFamily="49" charset="0"/>
+                <a:cs typeface="Courier New" panose="02070309020205020404" pitchFamily="49" charset="0"/>
+              </a:rPr>
+              <a:t>if</a:t>
+            </a:r>
+            <a:r>
+              <a:rPr lang="de-DE" sz="2000">
+                <a:latin typeface="Courier New" panose="02070309020205020404" pitchFamily="49" charset="0"/>
+                <a:cs typeface="Courier New" panose="02070309020205020404" pitchFamily="49" charset="0"/>
+              </a:rPr>
+              <a:t> (end - </a:t>
+            </a:r>
+            <a:r>
+              <a:rPr lang="de-DE" sz="2000" err="1">
+                <a:latin typeface="Courier New" panose="02070309020205020404" pitchFamily="49" charset="0"/>
+                <a:cs typeface="Courier New" panose="02070309020205020404" pitchFamily="49" charset="0"/>
+              </a:rPr>
+              <a:t>begin</a:t>
+            </a:r>
+            <a:r>
+              <a:rPr lang="de-DE" sz="2000">
+                <a:latin typeface="Courier New" panose="02070309020205020404" pitchFamily="49" charset="0"/>
+                <a:cs typeface="Courier New" panose="02070309020205020404" pitchFamily="49" charset="0"/>
+              </a:rPr>
+              <a:t> &lt;= 1)</a:t>
+            </a:r>
+          </a:p>
+          <a:p>
+            <a:r>
+              <a:rPr lang="de-DE" sz="2000">
+                <a:latin typeface="Courier New" panose="02070309020205020404" pitchFamily="49" charset="0"/>
+                <a:cs typeface="Courier New" panose="02070309020205020404" pitchFamily="49" charset="0"/>
+              </a:rPr>
+              <a:t>        </a:t>
+            </a:r>
+            <a:r>
+              <a:rPr lang="de-DE" sz="2000" err="1">
+                <a:latin typeface="Courier New" panose="02070309020205020404" pitchFamily="49" charset="0"/>
+                <a:cs typeface="Courier New" panose="02070309020205020404" pitchFamily="49" charset="0"/>
+              </a:rPr>
+              <a:t>return</a:t>
+            </a:r>
+            <a:r>
+              <a:rPr lang="de-DE" sz="2000">
+                <a:latin typeface="Courier New" panose="02070309020205020404" pitchFamily="49" charset="0"/>
+                <a:cs typeface="Courier New" panose="02070309020205020404" pitchFamily="49" charset="0"/>
+              </a:rPr>
+              <a:t>;</a:t>
+            </a:r>
+          </a:p>
+          <a:p>
+            <a:r>
+              <a:rPr lang="de-DE" sz="2000">
+                <a:latin typeface="Courier New" panose="02070309020205020404" pitchFamily="49" charset="0"/>
+                <a:cs typeface="Courier New" panose="02070309020205020404" pitchFamily="49" charset="0"/>
+              </a:rPr>
+              <a:t>    </a:t>
+            </a:r>
+            <a:r>
+              <a:rPr lang="de-DE" sz="2000" err="1">
+                <a:latin typeface="Courier New" panose="02070309020205020404" pitchFamily="49" charset="0"/>
+                <a:cs typeface="Courier New" panose="02070309020205020404" pitchFamily="49" charset="0"/>
+              </a:rPr>
+              <a:t>ptr</a:t>
+            </a:r>
+            <a:r>
+              <a:rPr lang="de-DE" sz="2000">
+                <a:latin typeface="Courier New" panose="02070309020205020404" pitchFamily="49" charset="0"/>
+                <a:cs typeface="Courier New" panose="02070309020205020404" pitchFamily="49" charset="0"/>
+              </a:rPr>
+              <a:t> = </a:t>
+            </a:r>
+            <a:r>
+              <a:rPr lang="de-DE" sz="2000" err="1">
+                <a:latin typeface="Courier New" panose="02070309020205020404" pitchFamily="49" charset="0"/>
+                <a:cs typeface="Courier New" panose="02070309020205020404" pitchFamily="49" charset="0"/>
+              </a:rPr>
+              <a:t>begin</a:t>
+            </a:r>
+            <a:r>
+              <a:rPr lang="de-DE" sz="2000">
+                <a:latin typeface="Courier New" panose="02070309020205020404" pitchFamily="49" charset="0"/>
+                <a:cs typeface="Courier New" panose="02070309020205020404" pitchFamily="49" charset="0"/>
+              </a:rPr>
+              <a:t>;</a:t>
+            </a:r>
+          </a:p>
+          <a:p>
+            <a:r>
+              <a:rPr lang="de-DE" sz="2000">
+                <a:latin typeface="Courier New" panose="02070309020205020404" pitchFamily="49" charset="0"/>
+                <a:cs typeface="Courier New" panose="02070309020205020404" pitchFamily="49" charset="0"/>
+              </a:rPr>
+              <a:t>    </a:t>
+            </a:r>
+            <a:r>
+              <a:rPr lang="de-DE" sz="2000" err="1">
+                <a:latin typeface="Courier New" panose="02070309020205020404" pitchFamily="49" charset="0"/>
+                <a:cs typeface="Courier New" panose="02070309020205020404" pitchFamily="49" charset="0"/>
+              </a:rPr>
+              <a:t>split</a:t>
+            </a:r>
+            <a:r>
+              <a:rPr lang="de-DE" sz="2000">
+                <a:latin typeface="Courier New" panose="02070309020205020404" pitchFamily="49" charset="0"/>
+                <a:cs typeface="Courier New" panose="02070309020205020404" pitchFamily="49" charset="0"/>
+              </a:rPr>
+              <a:t> = </a:t>
+            </a:r>
+            <a:r>
+              <a:rPr lang="de-DE" sz="2000" err="1">
+                <a:latin typeface="Courier New" panose="02070309020205020404" pitchFamily="49" charset="0"/>
+                <a:cs typeface="Courier New" panose="02070309020205020404" pitchFamily="49" charset="0"/>
+              </a:rPr>
+              <a:t>begin</a:t>
+            </a:r>
+            <a:r>
+              <a:rPr lang="de-DE" sz="2000">
+                <a:latin typeface="Courier New" panose="02070309020205020404" pitchFamily="49" charset="0"/>
+                <a:cs typeface="Courier New" panose="02070309020205020404" pitchFamily="49" charset="0"/>
+              </a:rPr>
+              <a:t> + 1;</a:t>
+            </a:r>
+          </a:p>
+          <a:p>
+            <a:r>
+              <a:rPr lang="de-DE" sz="2000">
+                <a:latin typeface="Courier New" panose="02070309020205020404" pitchFamily="49" charset="0"/>
+                <a:cs typeface="Courier New" panose="02070309020205020404" pitchFamily="49" charset="0"/>
+              </a:rPr>
+              <a:t>    </a:t>
+            </a:r>
+            <a:r>
+              <a:rPr lang="de-DE" sz="2000" err="1">
+                <a:latin typeface="Courier New" panose="02070309020205020404" pitchFamily="49" charset="0"/>
+                <a:cs typeface="Courier New" panose="02070309020205020404" pitchFamily="49" charset="0"/>
+              </a:rPr>
+              <a:t>while</a:t>
+            </a:r>
+            <a:r>
+              <a:rPr lang="de-DE" sz="2000">
+                <a:latin typeface="Courier New" panose="02070309020205020404" pitchFamily="49" charset="0"/>
+                <a:cs typeface="Courier New" panose="02070309020205020404" pitchFamily="49" charset="0"/>
+              </a:rPr>
+              <a:t> (++</a:t>
+            </a:r>
+            <a:r>
+              <a:rPr lang="de-DE" sz="2000" err="1">
+                <a:latin typeface="Courier New" panose="02070309020205020404" pitchFamily="49" charset="0"/>
+                <a:cs typeface="Courier New" panose="02070309020205020404" pitchFamily="49" charset="0"/>
+              </a:rPr>
+              <a:t>ptr</a:t>
+            </a:r>
+            <a:r>
+              <a:rPr lang="de-DE" sz="2000">
+                <a:latin typeface="Courier New" panose="02070309020205020404" pitchFamily="49" charset="0"/>
+                <a:cs typeface="Courier New" panose="02070309020205020404" pitchFamily="49" charset="0"/>
+              </a:rPr>
+              <a:t> &lt;= end) {</a:t>
+            </a:r>
+          </a:p>
+          <a:p>
+            <a:r>
+              <a:rPr lang="de-DE" sz="2000">
+                <a:latin typeface="Courier New" panose="02070309020205020404" pitchFamily="49" charset="0"/>
+                <a:cs typeface="Courier New" panose="02070309020205020404" pitchFamily="49" charset="0"/>
+              </a:rPr>
+              <a:t>        </a:t>
+            </a:r>
+            <a:r>
+              <a:rPr lang="de-DE" sz="2000" err="1">
+                <a:latin typeface="Courier New" panose="02070309020205020404" pitchFamily="49" charset="0"/>
+                <a:cs typeface="Courier New" panose="02070309020205020404" pitchFamily="49" charset="0"/>
+              </a:rPr>
+              <a:t>if</a:t>
+            </a:r>
+            <a:r>
+              <a:rPr lang="de-DE" sz="2000">
+                <a:latin typeface="Courier New" panose="02070309020205020404" pitchFamily="49" charset="0"/>
+                <a:cs typeface="Courier New" panose="02070309020205020404" pitchFamily="49" charset="0"/>
+              </a:rPr>
+              <a:t> (*</a:t>
+            </a:r>
+            <a:r>
+              <a:rPr lang="de-DE" sz="2000" err="1">
+                <a:latin typeface="Courier New" panose="02070309020205020404" pitchFamily="49" charset="0"/>
+                <a:cs typeface="Courier New" panose="02070309020205020404" pitchFamily="49" charset="0"/>
+              </a:rPr>
+              <a:t>ptr</a:t>
+            </a:r>
+            <a:r>
+              <a:rPr lang="de-DE" sz="2000">
+                <a:latin typeface="Courier New" panose="02070309020205020404" pitchFamily="49" charset="0"/>
+                <a:cs typeface="Courier New" panose="02070309020205020404" pitchFamily="49" charset="0"/>
+              </a:rPr>
+              <a:t> &lt; *</a:t>
+            </a:r>
+            <a:r>
+              <a:rPr lang="de-DE" sz="2000" err="1">
+                <a:latin typeface="Courier New" panose="02070309020205020404" pitchFamily="49" charset="0"/>
+                <a:cs typeface="Courier New" panose="02070309020205020404" pitchFamily="49" charset="0"/>
+              </a:rPr>
+              <a:t>begin</a:t>
+            </a:r>
+            <a:r>
+              <a:rPr lang="de-DE" sz="2000">
+                <a:latin typeface="Courier New" panose="02070309020205020404" pitchFamily="49" charset="0"/>
+                <a:cs typeface="Courier New" panose="02070309020205020404" pitchFamily="49" charset="0"/>
+              </a:rPr>
+              <a:t>) {</a:t>
+            </a:r>
+          </a:p>
+          <a:p>
+            <a:r>
+              <a:rPr lang="de-DE" sz="2000">
+                <a:latin typeface="Courier New" panose="02070309020205020404" pitchFamily="49" charset="0"/>
+                <a:cs typeface="Courier New" panose="02070309020205020404" pitchFamily="49" charset="0"/>
+              </a:rPr>
+              <a:t>            </a:t>
+            </a:r>
+            <a:r>
+              <a:rPr lang="de-DE" sz="2000" err="1">
+                <a:latin typeface="Courier New" panose="02070309020205020404" pitchFamily="49" charset="0"/>
+                <a:cs typeface="Courier New" panose="02070309020205020404" pitchFamily="49" charset="0"/>
+              </a:rPr>
+              <a:t>swap</a:t>
+            </a:r>
+            <a:r>
+              <a:rPr lang="de-DE" sz="2000">
+                <a:latin typeface="Courier New" panose="02070309020205020404" pitchFamily="49" charset="0"/>
+                <a:cs typeface="Courier New" panose="02070309020205020404" pitchFamily="49" charset="0"/>
+              </a:rPr>
+              <a:t>(</a:t>
+            </a:r>
+            <a:r>
+              <a:rPr lang="de-DE" sz="2000" err="1">
+                <a:latin typeface="Courier New" panose="02070309020205020404" pitchFamily="49" charset="0"/>
+                <a:cs typeface="Courier New" panose="02070309020205020404" pitchFamily="49" charset="0"/>
+              </a:rPr>
+              <a:t>ptr</a:t>
+            </a:r>
+            <a:r>
+              <a:rPr lang="de-DE" sz="2000">
+                <a:latin typeface="Courier New" panose="02070309020205020404" pitchFamily="49" charset="0"/>
+                <a:cs typeface="Courier New" panose="02070309020205020404" pitchFamily="49" charset="0"/>
+              </a:rPr>
+              <a:t>, </a:t>
+            </a:r>
+            <a:r>
+              <a:rPr lang="de-DE" sz="2000" err="1">
+                <a:latin typeface="Courier New" panose="02070309020205020404" pitchFamily="49" charset="0"/>
+                <a:cs typeface="Courier New" panose="02070309020205020404" pitchFamily="49" charset="0"/>
+              </a:rPr>
+              <a:t>split</a:t>
+            </a:r>
+            <a:r>
+              <a:rPr lang="de-DE" sz="2000">
+                <a:latin typeface="Courier New" panose="02070309020205020404" pitchFamily="49" charset="0"/>
+                <a:cs typeface="Courier New" panose="02070309020205020404" pitchFamily="49" charset="0"/>
+              </a:rPr>
+              <a:t>);</a:t>
+            </a:r>
+          </a:p>
+          <a:p>
+            <a:r>
+              <a:rPr lang="de-DE" sz="2000">
+                <a:latin typeface="Courier New" panose="02070309020205020404" pitchFamily="49" charset="0"/>
+                <a:cs typeface="Courier New" panose="02070309020205020404" pitchFamily="49" charset="0"/>
+              </a:rPr>
+              <a:t>            ++</a:t>
+            </a:r>
+            <a:r>
+              <a:rPr lang="de-DE" sz="2000" err="1">
+                <a:latin typeface="Courier New" panose="02070309020205020404" pitchFamily="49" charset="0"/>
+                <a:cs typeface="Courier New" panose="02070309020205020404" pitchFamily="49" charset="0"/>
+              </a:rPr>
+              <a:t>split</a:t>
+            </a:r>
+            <a:r>
+              <a:rPr lang="de-DE" sz="2000">
+                <a:latin typeface="Courier New" panose="02070309020205020404" pitchFamily="49" charset="0"/>
+                <a:cs typeface="Courier New" panose="02070309020205020404" pitchFamily="49" charset="0"/>
+              </a:rPr>
+              <a:t>;</a:t>
+            </a:r>
+          </a:p>
+          <a:p>
+            <a:r>
+              <a:rPr lang="de-DE" sz="2000">
+                <a:latin typeface="Courier New" panose="02070309020205020404" pitchFamily="49" charset="0"/>
+                <a:cs typeface="Courier New" panose="02070309020205020404" pitchFamily="49" charset="0"/>
+              </a:rPr>
+              <a:t>        }</a:t>
+            </a:r>
+          </a:p>
+          <a:p>
+            <a:r>
+              <a:rPr lang="de-DE" sz="2000">
+                <a:latin typeface="Courier New" panose="02070309020205020404" pitchFamily="49" charset="0"/>
+                <a:cs typeface="Courier New" panose="02070309020205020404" pitchFamily="49" charset="0"/>
+              </a:rPr>
+              <a:t>    }</a:t>
+            </a:r>
+          </a:p>
+          <a:p>
+            <a:r>
+              <a:rPr lang="de-DE" sz="2000">
+                <a:latin typeface="Courier New" panose="02070309020205020404" pitchFamily="49" charset="0"/>
+                <a:cs typeface="Courier New" panose="02070309020205020404" pitchFamily="49" charset="0"/>
+              </a:rPr>
+              <a:t>    </a:t>
+            </a:r>
+            <a:r>
+              <a:rPr lang="de-DE" sz="2000" err="1">
+                <a:latin typeface="Courier New" panose="02070309020205020404" pitchFamily="49" charset="0"/>
+                <a:cs typeface="Courier New" panose="02070309020205020404" pitchFamily="49" charset="0"/>
+              </a:rPr>
+              <a:t>swap</a:t>
+            </a:r>
+            <a:r>
+              <a:rPr lang="de-DE" sz="2000">
+                <a:latin typeface="Courier New" panose="02070309020205020404" pitchFamily="49" charset="0"/>
+                <a:cs typeface="Courier New" panose="02070309020205020404" pitchFamily="49" charset="0"/>
+              </a:rPr>
+              <a:t>(</a:t>
+            </a:r>
+            <a:r>
+              <a:rPr lang="de-DE" sz="2000" err="1">
+                <a:latin typeface="Courier New" panose="02070309020205020404" pitchFamily="49" charset="0"/>
+                <a:cs typeface="Courier New" panose="02070309020205020404" pitchFamily="49" charset="0"/>
+              </a:rPr>
+              <a:t>begin</a:t>
+            </a:r>
+            <a:r>
+              <a:rPr lang="de-DE" sz="2000">
+                <a:latin typeface="Courier New" panose="02070309020205020404" pitchFamily="49" charset="0"/>
+                <a:cs typeface="Courier New" panose="02070309020205020404" pitchFamily="49" charset="0"/>
+              </a:rPr>
+              <a:t>, </a:t>
+            </a:r>
+            <a:r>
+              <a:rPr lang="de-DE" sz="2000" err="1">
+                <a:latin typeface="Courier New" panose="02070309020205020404" pitchFamily="49" charset="0"/>
+                <a:cs typeface="Courier New" panose="02070309020205020404" pitchFamily="49" charset="0"/>
+              </a:rPr>
+              <a:t>split</a:t>
+            </a:r>
+            <a:r>
+              <a:rPr lang="de-DE" sz="2000">
+                <a:latin typeface="Courier New" panose="02070309020205020404" pitchFamily="49" charset="0"/>
+                <a:cs typeface="Courier New" panose="02070309020205020404" pitchFamily="49" charset="0"/>
+              </a:rPr>
+              <a:t> - 1);</a:t>
+            </a:r>
+          </a:p>
+          <a:p>
+            <a:r>
+              <a:rPr lang="de-DE" sz="2000">
+                <a:latin typeface="Courier New" panose="02070309020205020404" pitchFamily="49" charset="0"/>
+                <a:cs typeface="Courier New" panose="02070309020205020404" pitchFamily="49" charset="0"/>
+              </a:rPr>
+              <a:t>    </a:t>
+            </a:r>
+            <a:r>
+              <a:rPr lang="de-DE" sz="2000" err="1" smtClean="0">
+                <a:latin typeface="Courier New" panose="02070309020205020404" pitchFamily="49" charset="0"/>
+                <a:cs typeface="Courier New" panose="02070309020205020404" pitchFamily="49" charset="0"/>
+              </a:rPr>
+              <a:t>process</a:t>
+            </a:r>
+            <a:r>
+              <a:rPr lang="de-DE" sz="2000" smtClean="0">
+                <a:latin typeface="Courier New" panose="02070309020205020404" pitchFamily="49" charset="0"/>
+                <a:cs typeface="Courier New" panose="02070309020205020404" pitchFamily="49" charset="0"/>
+              </a:rPr>
+              <a:t>(</a:t>
+            </a:r>
+            <a:r>
+              <a:rPr lang="de-DE" sz="2000" err="1" smtClean="0">
+                <a:latin typeface="Courier New" panose="02070309020205020404" pitchFamily="49" charset="0"/>
+                <a:cs typeface="Courier New" panose="02070309020205020404" pitchFamily="49" charset="0"/>
+              </a:rPr>
+              <a:t>begin</a:t>
+            </a:r>
+            <a:r>
+              <a:rPr lang="de-DE" sz="2000">
+                <a:latin typeface="Courier New" panose="02070309020205020404" pitchFamily="49" charset="0"/>
+                <a:cs typeface="Courier New" panose="02070309020205020404" pitchFamily="49" charset="0"/>
+              </a:rPr>
+              <a:t>, </a:t>
+            </a:r>
+            <a:r>
+              <a:rPr lang="de-DE" sz="2000" err="1">
+                <a:latin typeface="Courier New" panose="02070309020205020404" pitchFamily="49" charset="0"/>
+                <a:cs typeface="Courier New" panose="02070309020205020404" pitchFamily="49" charset="0"/>
+              </a:rPr>
+              <a:t>split</a:t>
+            </a:r>
+            <a:r>
+              <a:rPr lang="de-DE" sz="2000">
+                <a:latin typeface="Courier New" panose="02070309020205020404" pitchFamily="49" charset="0"/>
+                <a:cs typeface="Courier New" panose="02070309020205020404" pitchFamily="49" charset="0"/>
+              </a:rPr>
+              <a:t> - 1);</a:t>
+            </a:r>
+          </a:p>
+          <a:p>
+            <a:r>
+              <a:rPr lang="de-DE" sz="2000">
+                <a:latin typeface="Courier New" panose="02070309020205020404" pitchFamily="49" charset="0"/>
+                <a:cs typeface="Courier New" panose="02070309020205020404" pitchFamily="49" charset="0"/>
+              </a:rPr>
+              <a:t>    </a:t>
+            </a:r>
+            <a:r>
+              <a:rPr lang="de-DE" sz="2000" err="1" smtClean="0">
+                <a:latin typeface="Courier New" panose="02070309020205020404" pitchFamily="49" charset="0"/>
+                <a:cs typeface="Courier New" panose="02070309020205020404" pitchFamily="49" charset="0"/>
+              </a:rPr>
+              <a:t>process</a:t>
+            </a:r>
+            <a:r>
+              <a:rPr lang="de-DE" sz="2000" smtClean="0">
+                <a:latin typeface="Courier New" panose="02070309020205020404" pitchFamily="49" charset="0"/>
+                <a:cs typeface="Courier New" panose="02070309020205020404" pitchFamily="49" charset="0"/>
+              </a:rPr>
+              <a:t>(</a:t>
+            </a:r>
+            <a:r>
+              <a:rPr lang="de-DE" sz="2000" err="1" smtClean="0">
+                <a:latin typeface="Courier New" panose="02070309020205020404" pitchFamily="49" charset="0"/>
+                <a:cs typeface="Courier New" panose="02070309020205020404" pitchFamily="49" charset="0"/>
+              </a:rPr>
+              <a:t>split</a:t>
+            </a:r>
+            <a:r>
+              <a:rPr lang="de-DE" sz="2000">
+                <a:latin typeface="Courier New" panose="02070309020205020404" pitchFamily="49" charset="0"/>
+                <a:cs typeface="Courier New" panose="02070309020205020404" pitchFamily="49" charset="0"/>
+              </a:rPr>
+              <a:t>, end);</a:t>
+            </a:r>
+          </a:p>
+          <a:p>
+            <a:r>
+              <a:rPr lang="de-DE" sz="2000">
+                <a:latin typeface="Courier New" panose="02070309020205020404" pitchFamily="49" charset="0"/>
+                <a:cs typeface="Courier New" panose="02070309020205020404" pitchFamily="49" charset="0"/>
+              </a:rPr>
+              <a:t>}</a:t>
+            </a:r>
+            <a:endParaRPr lang="de-DE" sz="2000" smtClean="0">
+              <a:latin typeface="Courier New" panose="02070309020205020404" pitchFamily="49" charset="0"/>
+              <a:cs typeface="Courier New" panose="02070309020205020404" pitchFamily="49" charset="0"/>
+            </a:endParaRPr>
+          </a:p>
+        </p:txBody>
+      </p:sp>
+    </p:spTree>
+    <p:extLst>
+      <p:ext uri="{BB962C8B-B14F-4D97-AF65-F5344CB8AC3E}">
+        <p14:creationId xmlns:p14="http://schemas.microsoft.com/office/powerpoint/2010/main" val="2497782321"/>
+      </p:ext>
+    </p:extLst>
+  </p:cSld>
+  <p:clrMapOvr>
+    <a:masterClrMapping/>
+  </p:clrMapOvr>
+</p:sld>
+</file>
+
+<file path=ppt/slides/slide4.xml><?xml version="1.0" encoding="utf-8"?>
+<p:sld xmlns:a="http://schemas.openxmlformats.org/drawingml/2006/main" xmlns:r="http://schemas.openxmlformats.org/officeDocument/2006/relationships" xmlns:p="http://schemas.openxmlformats.org/presentationml/2006/main">
+  <p:cSld>
+    <p:spTree>
+      <p:nvGrpSpPr>
+        <p:cNvPr id="1" name=""/>
+        <p:cNvGrpSpPr/>
+        <p:nvPr/>
+      </p:nvGrpSpPr>
+      <p:grpSpPr>
+        <a:xfrm>
+          <a:off x="0" y="0"/>
+          <a:ext cx="0" cy="0"/>
+          <a:chOff x="0" y="0"/>
+          <a:chExt cx="0" cy="0"/>
+        </a:xfrm>
+      </p:grpSpPr>
+      <p:sp>
+        <p:nvSpPr>
+          <p:cNvPr id="9218" name="Titel 1"/>
+          <p:cNvSpPr>
+            <a:spLocks noGrp="1"/>
+          </p:cNvSpPr>
+          <p:nvPr>
+            <p:ph type="title"/>
+          </p:nvPr>
+        </p:nvSpPr>
+        <p:spPr bwMode="auto">
+          <a:xfrm>
+            <a:off x="442913" y="93663"/>
+            <a:ext cx="10742612" cy="939800"/>
+          </a:xfrm>
+          <a:noFill/>
+          <a:ln>
+            <a:miter lim="800000"/>
+            <a:headEnd/>
+            <a:tailEnd/>
+          </a:ln>
+        </p:spPr>
+        <p:txBody>
+          <a:bodyPr vert="horz" wrap="square" numCol="1" anchor="t" anchorCtr="0" compatLnSpc="1">
+            <a:prstTxWarp prst="textNoShape">
+              <a:avLst/>
+            </a:prstTxWarp>
+          </a:bodyPr>
+          <a:lstStyle/>
+          <a:p>
+            <a:r>
+              <a:rPr lang="en-US" smtClean="0"/>
+              <a:t>What does </a:t>
+            </a:r>
+            <a:r>
+              <a:rPr lang="en-US" smtClean="0">
+                <a:latin typeface="Droid Sans Mono Chess ASCII" panose="020B0609030804020204" pitchFamily="50" charset="0"/>
+                <a:ea typeface="Droid Sans Mono Chess ASCII" panose="020B0609030804020204" pitchFamily="50" charset="0"/>
+                <a:cs typeface="Droid Sans Mono Chess ASCII" panose="020B0609030804020204" pitchFamily="50" charset="0"/>
+              </a:rPr>
+              <a:t>process2</a:t>
+            </a:r>
+            <a:r>
+              <a:rPr lang="en-US" smtClean="0"/>
+              <a:t> do?</a:t>
+            </a:r>
+          </a:p>
+        </p:txBody>
+      </p:sp>
+      <p:sp>
+        <p:nvSpPr>
+          <p:cNvPr id="3" name="Textfeld 2"/>
+          <p:cNvSpPr txBox="1"/>
+          <p:nvPr/>
+        </p:nvSpPr>
+        <p:spPr>
+          <a:xfrm>
+            <a:off x="477520" y="2046596"/>
+            <a:ext cx="11435438" cy="1938992"/>
+          </a:xfrm>
+          <a:prstGeom prst="rect">
+            <a:avLst/>
+          </a:prstGeom>
+          <a:noFill/>
+        </p:spPr>
+        <p:txBody>
+          <a:bodyPr wrap="square" rtlCol="0">
+            <a:spAutoFit/>
+          </a:bodyPr>
+          <a:lstStyle/>
+          <a:p>
+            <a:r>
+              <a:rPr lang="en-US" sz="2000">
+                <a:latin typeface="Droid Sans Mono Chess ASCII" panose="020B0609030804020204" pitchFamily="50" charset="0"/>
+                <a:ea typeface="Droid Sans Mono Chess ASCII" panose="020B0609030804020204" pitchFamily="50" charset="0"/>
+                <a:cs typeface="Droid Sans Mono Chess ASCII" panose="020B0609030804020204" pitchFamily="50" charset="0"/>
+              </a:rPr>
+              <a:t>process2 []           = </a:t>
+            </a:r>
+            <a:r>
+              <a:rPr lang="en-US" sz="2000" smtClean="0">
+                <a:latin typeface="Droid Sans Mono Chess ASCII" panose="020B0609030804020204" pitchFamily="50" charset="0"/>
+                <a:ea typeface="Droid Sans Mono Chess ASCII" panose="020B0609030804020204" pitchFamily="50" charset="0"/>
+                <a:cs typeface="Droid Sans Mono Chess ASCII" panose="020B0609030804020204" pitchFamily="50" charset="0"/>
+              </a:rPr>
+              <a:t>[]</a:t>
+            </a:r>
+          </a:p>
+          <a:p>
+            <a:endParaRPr lang="en-US" sz="2000">
+              <a:latin typeface="Droid Sans Mono Chess ASCII" panose="020B0609030804020204" pitchFamily="50" charset="0"/>
+              <a:ea typeface="Droid Sans Mono Chess ASCII" panose="020B0609030804020204" pitchFamily="50" charset="0"/>
+              <a:cs typeface="Droid Sans Mono Chess ASCII" panose="020B0609030804020204" pitchFamily="50" charset="0"/>
+            </a:endParaRPr>
+          </a:p>
+          <a:p>
+            <a:r>
+              <a:rPr lang="en-US" sz="2000">
+                <a:latin typeface="Droid Sans Mono Chess ASCII" panose="020B0609030804020204" pitchFamily="50" charset="0"/>
+                <a:ea typeface="Droid Sans Mono Chess ASCII" panose="020B0609030804020204" pitchFamily="50" charset="0"/>
+                <a:cs typeface="Droid Sans Mono Chess ASCII" panose="020B0609030804020204" pitchFamily="50" charset="0"/>
+              </a:rPr>
+              <a:t>process2 (first:rest) = </a:t>
+            </a:r>
+            <a:r>
+              <a:rPr lang="en-US" sz="2000" smtClean="0">
+                <a:latin typeface="Droid Sans Mono Chess ASCII" panose="020B0609030804020204" pitchFamily="50" charset="0"/>
+                <a:ea typeface="Droid Sans Mono Chess ASCII" panose="020B0609030804020204" pitchFamily="50" charset="0"/>
+                <a:cs typeface="Droid Sans Mono Chess ASCII" panose="020B0609030804020204" pitchFamily="50" charset="0"/>
+              </a:rPr>
+              <a:t>let smaller </a:t>
+            </a:r>
+            <a:r>
+              <a:rPr lang="en-US" sz="2000">
+                <a:latin typeface="Droid Sans Mono Chess ASCII" panose="020B0609030804020204" pitchFamily="50" charset="0"/>
+                <a:ea typeface="Droid Sans Mono Chess ASCII" panose="020B0609030804020204" pitchFamily="50" charset="0"/>
+                <a:cs typeface="Droid Sans Mono Chess ASCII" panose="020B0609030804020204" pitchFamily="50" charset="0"/>
+              </a:rPr>
+              <a:t>= filter (&lt;= first) rest</a:t>
+            </a:r>
+          </a:p>
+          <a:p>
+            <a:r>
+              <a:rPr lang="en-US" sz="2000">
+                <a:latin typeface="Droid Sans Mono Chess ASCII" panose="020B0609030804020204" pitchFamily="50" charset="0"/>
+                <a:ea typeface="Droid Sans Mono Chess ASCII" panose="020B0609030804020204" pitchFamily="50" charset="0"/>
+                <a:cs typeface="Droid Sans Mono Chess ASCII" panose="020B0609030804020204" pitchFamily="50" charset="0"/>
+              </a:rPr>
+              <a:t>	</a:t>
+            </a:r>
+            <a:r>
+              <a:rPr lang="en-US" sz="2000" smtClean="0">
+                <a:latin typeface="Droid Sans Mono Chess ASCII" panose="020B0609030804020204" pitchFamily="50" charset="0"/>
+                <a:ea typeface="Droid Sans Mono Chess ASCII" panose="020B0609030804020204" pitchFamily="50" charset="0"/>
+                <a:cs typeface="Droid Sans Mono Chess ASCII" panose="020B0609030804020204" pitchFamily="50" charset="0"/>
+              </a:rPr>
+              <a:t>                      bigger  </a:t>
+            </a:r>
+            <a:r>
+              <a:rPr lang="en-US" sz="2000">
+                <a:latin typeface="Droid Sans Mono Chess ASCII" panose="020B0609030804020204" pitchFamily="50" charset="0"/>
+                <a:ea typeface="Droid Sans Mono Chess ASCII" panose="020B0609030804020204" pitchFamily="50" charset="0"/>
+                <a:cs typeface="Droid Sans Mono Chess ASCII" panose="020B0609030804020204" pitchFamily="50" charset="0"/>
+              </a:rPr>
+              <a:t>= filter (&gt;  first) </a:t>
+            </a:r>
+            <a:r>
+              <a:rPr lang="en-US" sz="2000" smtClean="0">
+                <a:latin typeface="Droid Sans Mono Chess ASCII" panose="020B0609030804020204" pitchFamily="50" charset="0"/>
+                <a:ea typeface="Droid Sans Mono Chess ASCII" panose="020B0609030804020204" pitchFamily="50" charset="0"/>
+                <a:cs typeface="Droid Sans Mono Chess ASCII" panose="020B0609030804020204" pitchFamily="50" charset="0"/>
+              </a:rPr>
+              <a:t>rest</a:t>
+            </a:r>
+            <a:endParaRPr lang="en-US" sz="2000">
+              <a:latin typeface="Droid Sans Mono Chess ASCII" panose="020B0609030804020204" pitchFamily="50" charset="0"/>
+              <a:ea typeface="Droid Sans Mono Chess ASCII" panose="020B0609030804020204" pitchFamily="50" charset="0"/>
+              <a:cs typeface="Droid Sans Mono Chess ASCII" panose="020B0609030804020204" pitchFamily="50" charset="0"/>
+            </a:endParaRPr>
+          </a:p>
+          <a:p>
+            <a:r>
+              <a:rPr lang="en-US" sz="2000">
+                <a:latin typeface="Droid Sans Mono Chess ASCII" panose="020B0609030804020204" pitchFamily="50" charset="0"/>
+                <a:ea typeface="Droid Sans Mono Chess ASCII" panose="020B0609030804020204" pitchFamily="50" charset="0"/>
+                <a:cs typeface="Droid Sans Mono Chess ASCII" panose="020B0609030804020204" pitchFamily="50" charset="0"/>
+              </a:rPr>
+              <a:t>	in</a:t>
+            </a:r>
+          </a:p>
+          <a:p>
+            <a:r>
+              <a:rPr lang="en-US" sz="2000">
+                <a:latin typeface="Droid Sans Mono Chess ASCII" panose="020B0609030804020204" pitchFamily="50" charset="0"/>
+                <a:ea typeface="Droid Sans Mono Chess ASCII" panose="020B0609030804020204" pitchFamily="50" charset="0"/>
+                <a:cs typeface="Droid Sans Mono Chess ASCII" panose="020B0609030804020204" pitchFamily="50" charset="0"/>
+              </a:rPr>
+              <a:t>	</a:t>
+            </a:r>
+            <a:r>
+              <a:rPr lang="en-US" sz="2000" smtClean="0">
+                <a:latin typeface="Droid Sans Mono Chess ASCII" panose="020B0609030804020204" pitchFamily="50" charset="0"/>
+                <a:ea typeface="Droid Sans Mono Chess ASCII" panose="020B0609030804020204" pitchFamily="50" charset="0"/>
+                <a:cs typeface="Droid Sans Mono Chess ASCII" panose="020B0609030804020204" pitchFamily="50" charset="0"/>
+              </a:rPr>
+              <a:t>process2 </a:t>
+            </a:r>
+            <a:r>
+              <a:rPr lang="en-US" sz="2000">
+                <a:latin typeface="Droid Sans Mono Chess ASCII" panose="020B0609030804020204" pitchFamily="50" charset="0"/>
+                <a:ea typeface="Droid Sans Mono Chess ASCII" panose="020B0609030804020204" pitchFamily="50" charset="0"/>
+                <a:cs typeface="Droid Sans Mono Chess ASCII" panose="020B0609030804020204" pitchFamily="50" charset="0"/>
+              </a:rPr>
+              <a:t>smaller </a:t>
+            </a:r>
+            <a:r>
+              <a:rPr lang="en-US" sz="2000" smtClean="0">
+                <a:latin typeface="Droid Sans Mono Chess ASCII" panose="020B0609030804020204" pitchFamily="50" charset="0"/>
+                <a:ea typeface="Droid Sans Mono Chess ASCII" panose="020B0609030804020204" pitchFamily="50" charset="0"/>
+                <a:cs typeface="Droid Sans Mono Chess ASCII" panose="020B0609030804020204" pitchFamily="50" charset="0"/>
+              </a:rPr>
+              <a:t>  ++   [</a:t>
+            </a:r>
+            <a:r>
+              <a:rPr lang="en-US" sz="2000">
+                <a:latin typeface="Droid Sans Mono Chess ASCII" panose="020B0609030804020204" pitchFamily="50" charset="0"/>
+                <a:ea typeface="Droid Sans Mono Chess ASCII" panose="020B0609030804020204" pitchFamily="50" charset="0"/>
+                <a:cs typeface="Droid Sans Mono Chess ASCII" panose="020B0609030804020204" pitchFamily="50" charset="0"/>
+              </a:rPr>
+              <a:t>first] </a:t>
+            </a:r>
+            <a:r>
+              <a:rPr lang="en-US" sz="2000" smtClean="0">
+                <a:latin typeface="Droid Sans Mono Chess ASCII" panose="020B0609030804020204" pitchFamily="50" charset="0"/>
+                <a:ea typeface="Droid Sans Mono Chess ASCII" panose="020B0609030804020204" pitchFamily="50" charset="0"/>
+                <a:cs typeface="Droid Sans Mono Chess ASCII" panose="020B0609030804020204" pitchFamily="50" charset="0"/>
+              </a:rPr>
+              <a:t>  ++   process2 </a:t>
+            </a:r>
+            <a:r>
+              <a:rPr lang="en-US" sz="2000">
+                <a:latin typeface="Droid Sans Mono Chess ASCII" panose="020B0609030804020204" pitchFamily="50" charset="0"/>
+                <a:ea typeface="Droid Sans Mono Chess ASCII" panose="020B0609030804020204" pitchFamily="50" charset="0"/>
+                <a:cs typeface="Droid Sans Mono Chess ASCII" panose="020B0609030804020204" pitchFamily="50" charset="0"/>
+              </a:rPr>
+              <a:t>bigger</a:t>
+            </a:r>
+            <a:endParaRPr lang="de-DE" sz="2000">
+              <a:latin typeface="Droid Sans Mono Chess ASCII" panose="020B0609030804020204" pitchFamily="50" charset="0"/>
+              <a:ea typeface="Droid Sans Mono Chess ASCII" panose="020B0609030804020204" pitchFamily="50" charset="0"/>
+              <a:cs typeface="Droid Sans Mono Chess ASCII" panose="020B0609030804020204" pitchFamily="50" charset="0"/>
+            </a:endParaRPr>
+          </a:p>
+        </p:txBody>
+      </p:sp>
+    </p:spTree>
+    <p:extLst>
+      <p:ext uri="{BB962C8B-B14F-4D97-AF65-F5344CB8AC3E}">
+        <p14:creationId xmlns:p14="http://schemas.microsoft.com/office/powerpoint/2010/main" val="2610126838"/>
+      </p:ext>
+    </p:extLst>
+  </p:cSld>
+  <p:clrMapOvr>
+    <a:masterClrMapping/>
+  </p:clrMapOvr>
+</p:sld>
+</file>
+
+<file path=ppt/slides/slide5.xml><?xml version="1.0" encoding="utf-8"?>
+<p:sld xmlns:a="http://schemas.openxmlformats.org/drawingml/2006/main" xmlns:r="http://schemas.openxmlformats.org/officeDocument/2006/relationships" xmlns:p="http://schemas.openxmlformats.org/presentationml/2006/main">
+  <p:cSld>
+    <p:spTree>
+      <p:nvGrpSpPr>
+        <p:cNvPr id="1" name=""/>
+        <p:cNvGrpSpPr/>
+        <p:nvPr/>
+      </p:nvGrpSpPr>
+      <p:grpSpPr>
+        <a:xfrm>
+          <a:off x="0" y="0"/>
+          <a:ext cx="0" cy="0"/>
+          <a:chOff x="0" y="0"/>
+          <a:chExt cx="0" cy="0"/>
+        </a:xfrm>
+      </p:grpSpPr>
+      <p:sp>
+        <p:nvSpPr>
+          <p:cNvPr id="9218" name="Titel 1"/>
+          <p:cNvSpPr>
+            <a:spLocks noGrp="1"/>
+          </p:cNvSpPr>
+          <p:nvPr>
+            <p:ph type="title"/>
+          </p:nvPr>
+        </p:nvSpPr>
+        <p:spPr bwMode="auto">
+          <a:xfrm>
+            <a:off x="442913" y="93663"/>
+            <a:ext cx="10742612" cy="939800"/>
+          </a:xfrm>
+          <a:noFill/>
+          <a:ln>
+            <a:miter lim="800000"/>
+            <a:headEnd/>
+            <a:tailEnd/>
+          </a:ln>
+        </p:spPr>
+        <p:txBody>
+          <a:bodyPr vert="horz" wrap="square" numCol="1" anchor="t" anchorCtr="0" compatLnSpc="1">
+            <a:prstTxWarp prst="textNoShape">
+              <a:avLst/>
+            </a:prstTxWarp>
+          </a:bodyPr>
+          <a:lstStyle/>
+          <a:p>
+            <a:r>
+              <a:rPr lang="en-US"/>
+              <a:t>How to prove the functionality?</a:t>
+            </a:r>
+            <a:endParaRPr lang="en-US" smtClean="0"/>
+          </a:p>
+        </p:txBody>
+      </p:sp>
+      <p:sp>
+        <p:nvSpPr>
+          <p:cNvPr id="3" name="Textfeld 2"/>
+          <p:cNvSpPr txBox="1"/>
+          <p:nvPr/>
+        </p:nvSpPr>
+        <p:spPr>
+          <a:xfrm>
+            <a:off x="477520" y="1229360"/>
+            <a:ext cx="5416868" cy="7786747"/>
+          </a:xfrm>
+          <a:prstGeom prst="rect">
+            <a:avLst/>
+          </a:prstGeom>
+          <a:noFill/>
+        </p:spPr>
+        <p:txBody>
+          <a:bodyPr wrap="none" rtlCol="0">
+            <a:spAutoFit/>
+          </a:bodyPr>
+          <a:lstStyle/>
+          <a:p>
+            <a:r>
+              <a:rPr lang="de-DE" sz="2000" err="1">
+                <a:latin typeface="Courier New" panose="02070309020205020404" pitchFamily="49" charset="0"/>
+                <a:cs typeface="Courier New" panose="02070309020205020404" pitchFamily="49" charset="0"/>
+              </a:rPr>
+              <a:t>void</a:t>
+            </a:r>
+            <a:r>
+              <a:rPr lang="de-DE" sz="2000">
+                <a:latin typeface="Courier New" panose="02070309020205020404" pitchFamily="49" charset="0"/>
+                <a:cs typeface="Courier New" panose="02070309020205020404" pitchFamily="49" charset="0"/>
+              </a:rPr>
+              <a:t> </a:t>
+            </a:r>
+            <a:r>
+              <a:rPr lang="de-DE" sz="2000" err="1">
+                <a:latin typeface="Courier New" panose="02070309020205020404" pitchFamily="49" charset="0"/>
+                <a:cs typeface="Courier New" panose="02070309020205020404" pitchFamily="49" charset="0"/>
+              </a:rPr>
+              <a:t>swap</a:t>
+            </a:r>
+            <a:r>
+              <a:rPr lang="de-DE" sz="2000">
+                <a:latin typeface="Courier New" panose="02070309020205020404" pitchFamily="49" charset="0"/>
+                <a:cs typeface="Courier New" panose="02070309020205020404" pitchFamily="49" charset="0"/>
+              </a:rPr>
+              <a:t>(</a:t>
+            </a:r>
+            <a:r>
+              <a:rPr lang="de-DE" sz="2000" err="1">
+                <a:latin typeface="Courier New" panose="02070309020205020404" pitchFamily="49" charset="0"/>
+                <a:cs typeface="Courier New" panose="02070309020205020404" pitchFamily="49" charset="0"/>
+              </a:rPr>
+              <a:t>int</a:t>
+            </a:r>
+            <a:r>
+              <a:rPr lang="de-DE" sz="2000">
+                <a:latin typeface="Courier New" panose="02070309020205020404" pitchFamily="49" charset="0"/>
+                <a:cs typeface="Courier New" panose="02070309020205020404" pitchFamily="49" charset="0"/>
+              </a:rPr>
+              <a:t> *a, </a:t>
+            </a:r>
+            <a:r>
+              <a:rPr lang="de-DE" sz="2000" err="1">
+                <a:latin typeface="Courier New" panose="02070309020205020404" pitchFamily="49" charset="0"/>
+                <a:cs typeface="Courier New" panose="02070309020205020404" pitchFamily="49" charset="0"/>
+              </a:rPr>
+              <a:t>int</a:t>
+            </a:r>
+            <a:r>
+              <a:rPr lang="de-DE" sz="2000">
+                <a:latin typeface="Courier New" panose="02070309020205020404" pitchFamily="49" charset="0"/>
+                <a:cs typeface="Courier New" panose="02070309020205020404" pitchFamily="49" charset="0"/>
+              </a:rPr>
+              <a:t> *b)</a:t>
+            </a:r>
+          </a:p>
+          <a:p>
+            <a:r>
+              <a:rPr lang="de-DE" sz="2000">
+                <a:latin typeface="Courier New" panose="02070309020205020404" pitchFamily="49" charset="0"/>
+                <a:cs typeface="Courier New" panose="02070309020205020404" pitchFamily="49" charset="0"/>
+              </a:rPr>
+              <a:t>{</a:t>
+            </a:r>
+          </a:p>
+          <a:p>
+            <a:r>
+              <a:rPr lang="de-DE" sz="2000">
+                <a:latin typeface="Courier New" panose="02070309020205020404" pitchFamily="49" charset="0"/>
+                <a:cs typeface="Courier New" panose="02070309020205020404" pitchFamily="49" charset="0"/>
+              </a:rPr>
+              <a:t>    </a:t>
+            </a:r>
+            <a:r>
+              <a:rPr lang="de-DE" sz="2000" err="1">
+                <a:latin typeface="Courier New" panose="02070309020205020404" pitchFamily="49" charset="0"/>
+                <a:cs typeface="Courier New" panose="02070309020205020404" pitchFamily="49" charset="0"/>
+              </a:rPr>
+              <a:t>int</a:t>
+            </a:r>
+            <a:r>
+              <a:rPr lang="de-DE" sz="2000">
+                <a:latin typeface="Courier New" panose="02070309020205020404" pitchFamily="49" charset="0"/>
+                <a:cs typeface="Courier New" panose="02070309020205020404" pitchFamily="49" charset="0"/>
+              </a:rPr>
+              <a:t> </a:t>
+            </a:r>
+            <a:r>
+              <a:rPr lang="de-DE" sz="2000" err="1">
+                <a:latin typeface="Courier New" panose="02070309020205020404" pitchFamily="49" charset="0"/>
+                <a:cs typeface="Courier New" panose="02070309020205020404" pitchFamily="49" charset="0"/>
+              </a:rPr>
+              <a:t>tmp</a:t>
+            </a:r>
+            <a:r>
+              <a:rPr lang="de-DE" sz="2000">
+                <a:latin typeface="Courier New" panose="02070309020205020404" pitchFamily="49" charset="0"/>
+                <a:cs typeface="Courier New" panose="02070309020205020404" pitchFamily="49" charset="0"/>
+              </a:rPr>
+              <a:t> = *a;</a:t>
+            </a:r>
+          </a:p>
+          <a:p>
+            <a:r>
+              <a:rPr lang="de-DE" sz="2000">
+                <a:latin typeface="Courier New" panose="02070309020205020404" pitchFamily="49" charset="0"/>
+                <a:cs typeface="Courier New" panose="02070309020205020404" pitchFamily="49" charset="0"/>
+              </a:rPr>
+              <a:t>    *a = *b;</a:t>
+            </a:r>
+          </a:p>
+          <a:p>
+            <a:r>
+              <a:rPr lang="de-DE" sz="2000">
+                <a:latin typeface="Courier New" panose="02070309020205020404" pitchFamily="49" charset="0"/>
+                <a:cs typeface="Courier New" panose="02070309020205020404" pitchFamily="49" charset="0"/>
+              </a:rPr>
+              <a:t>    *b = </a:t>
+            </a:r>
+            <a:r>
+              <a:rPr lang="de-DE" sz="2000" err="1">
+                <a:latin typeface="Courier New" panose="02070309020205020404" pitchFamily="49" charset="0"/>
+                <a:cs typeface="Courier New" panose="02070309020205020404" pitchFamily="49" charset="0"/>
+              </a:rPr>
+              <a:t>tmp</a:t>
+            </a:r>
+            <a:r>
+              <a:rPr lang="de-DE" sz="2000">
+                <a:latin typeface="Courier New" panose="02070309020205020404" pitchFamily="49" charset="0"/>
+                <a:cs typeface="Courier New" panose="02070309020205020404" pitchFamily="49" charset="0"/>
+              </a:rPr>
+              <a:t>;</a:t>
+            </a:r>
+          </a:p>
+          <a:p>
+            <a:r>
+              <a:rPr lang="de-DE" sz="2000">
+                <a:latin typeface="Courier New" panose="02070309020205020404" pitchFamily="49" charset="0"/>
+                <a:cs typeface="Courier New" panose="02070309020205020404" pitchFamily="49" charset="0"/>
+              </a:rPr>
+              <a:t>}</a:t>
+            </a:r>
+          </a:p>
+          <a:p>
+            <a:endParaRPr lang="de-DE" sz="2000">
+              <a:latin typeface="Courier New" panose="02070309020205020404" pitchFamily="49" charset="0"/>
+              <a:cs typeface="Courier New" panose="02070309020205020404" pitchFamily="49" charset="0"/>
+            </a:endParaRPr>
+          </a:p>
+          <a:p>
+            <a:r>
+              <a:rPr lang="de-DE" sz="2000" err="1">
+                <a:latin typeface="Courier New" panose="02070309020205020404" pitchFamily="49" charset="0"/>
+                <a:cs typeface="Courier New" panose="02070309020205020404" pitchFamily="49" charset="0"/>
+              </a:rPr>
+              <a:t>void</a:t>
+            </a:r>
+            <a:r>
+              <a:rPr lang="de-DE" sz="2000">
+                <a:latin typeface="Courier New" panose="02070309020205020404" pitchFamily="49" charset="0"/>
+                <a:cs typeface="Courier New" panose="02070309020205020404" pitchFamily="49" charset="0"/>
+              </a:rPr>
+              <a:t> </a:t>
+            </a:r>
+            <a:r>
+              <a:rPr lang="de-DE" sz="2000" err="1" smtClean="0">
+                <a:latin typeface="Courier New" panose="02070309020205020404" pitchFamily="49" charset="0"/>
+                <a:cs typeface="Courier New" panose="02070309020205020404" pitchFamily="49" charset="0"/>
+              </a:rPr>
+              <a:t>process</a:t>
+            </a:r>
+            <a:r>
+              <a:rPr lang="de-DE" sz="2000" smtClean="0">
+                <a:latin typeface="Courier New" panose="02070309020205020404" pitchFamily="49" charset="0"/>
+                <a:cs typeface="Courier New" panose="02070309020205020404" pitchFamily="49" charset="0"/>
+              </a:rPr>
+              <a:t>(</a:t>
+            </a:r>
+            <a:r>
+              <a:rPr lang="de-DE" sz="2000" err="1" smtClean="0">
+                <a:latin typeface="Courier New" panose="02070309020205020404" pitchFamily="49" charset="0"/>
+                <a:cs typeface="Courier New" panose="02070309020205020404" pitchFamily="49" charset="0"/>
+              </a:rPr>
+              <a:t>int</a:t>
+            </a:r>
+            <a:r>
+              <a:rPr lang="de-DE" sz="2000" smtClean="0">
+                <a:latin typeface="Courier New" panose="02070309020205020404" pitchFamily="49" charset="0"/>
+                <a:cs typeface="Courier New" panose="02070309020205020404" pitchFamily="49" charset="0"/>
+              </a:rPr>
+              <a:t> </a:t>
+            </a:r>
+            <a:r>
+              <a:rPr lang="de-DE" sz="2000">
+                <a:latin typeface="Courier New" panose="02070309020205020404" pitchFamily="49" charset="0"/>
+                <a:cs typeface="Courier New" panose="02070309020205020404" pitchFamily="49" charset="0"/>
+              </a:rPr>
+              <a:t>*</a:t>
+            </a:r>
+            <a:r>
+              <a:rPr lang="de-DE" sz="2000" err="1">
+                <a:latin typeface="Courier New" panose="02070309020205020404" pitchFamily="49" charset="0"/>
+                <a:cs typeface="Courier New" panose="02070309020205020404" pitchFamily="49" charset="0"/>
+              </a:rPr>
+              <a:t>begin</a:t>
+            </a:r>
+            <a:r>
+              <a:rPr lang="de-DE" sz="2000">
+                <a:latin typeface="Courier New" panose="02070309020205020404" pitchFamily="49" charset="0"/>
+                <a:cs typeface="Courier New" panose="02070309020205020404" pitchFamily="49" charset="0"/>
+              </a:rPr>
+              <a:t>, </a:t>
+            </a:r>
+            <a:r>
+              <a:rPr lang="de-DE" sz="2000" err="1">
+                <a:latin typeface="Courier New" panose="02070309020205020404" pitchFamily="49" charset="0"/>
+                <a:cs typeface="Courier New" panose="02070309020205020404" pitchFamily="49" charset="0"/>
+              </a:rPr>
+              <a:t>int</a:t>
+            </a:r>
+            <a:r>
+              <a:rPr lang="de-DE" sz="2000">
+                <a:latin typeface="Courier New" panose="02070309020205020404" pitchFamily="49" charset="0"/>
+                <a:cs typeface="Courier New" panose="02070309020205020404" pitchFamily="49" charset="0"/>
+              </a:rPr>
+              <a:t> *end)</a:t>
+            </a:r>
+          </a:p>
+          <a:p>
+            <a:r>
+              <a:rPr lang="de-DE" sz="2000">
+                <a:latin typeface="Courier New" panose="02070309020205020404" pitchFamily="49" charset="0"/>
+                <a:cs typeface="Courier New" panose="02070309020205020404" pitchFamily="49" charset="0"/>
+              </a:rPr>
+              <a:t>{</a:t>
+            </a:r>
+          </a:p>
+          <a:p>
+            <a:r>
+              <a:rPr lang="de-DE" sz="2000">
+                <a:latin typeface="Courier New" panose="02070309020205020404" pitchFamily="49" charset="0"/>
+                <a:cs typeface="Courier New" panose="02070309020205020404" pitchFamily="49" charset="0"/>
+              </a:rPr>
+              <a:t>    </a:t>
+            </a:r>
+            <a:r>
+              <a:rPr lang="de-DE" sz="2000" err="1">
+                <a:latin typeface="Courier New" panose="02070309020205020404" pitchFamily="49" charset="0"/>
+                <a:cs typeface="Courier New" panose="02070309020205020404" pitchFamily="49" charset="0"/>
+              </a:rPr>
+              <a:t>int</a:t>
+            </a:r>
+            <a:r>
+              <a:rPr lang="de-DE" sz="2000">
+                <a:latin typeface="Courier New" panose="02070309020205020404" pitchFamily="49" charset="0"/>
+                <a:cs typeface="Courier New" panose="02070309020205020404" pitchFamily="49" charset="0"/>
+              </a:rPr>
+              <a:t> *</a:t>
+            </a:r>
+            <a:r>
+              <a:rPr lang="de-DE" sz="2000" err="1">
+                <a:latin typeface="Courier New" panose="02070309020205020404" pitchFamily="49" charset="0"/>
+                <a:cs typeface="Courier New" panose="02070309020205020404" pitchFamily="49" charset="0"/>
+              </a:rPr>
+              <a:t>ptr</a:t>
+            </a:r>
+            <a:r>
+              <a:rPr lang="de-DE" sz="2000">
+                <a:latin typeface="Courier New" panose="02070309020205020404" pitchFamily="49" charset="0"/>
+                <a:cs typeface="Courier New" panose="02070309020205020404" pitchFamily="49" charset="0"/>
+              </a:rPr>
+              <a:t>;</a:t>
+            </a:r>
+          </a:p>
+          <a:p>
+            <a:r>
+              <a:rPr lang="de-DE" sz="2000">
+                <a:latin typeface="Courier New" panose="02070309020205020404" pitchFamily="49" charset="0"/>
+                <a:cs typeface="Courier New" panose="02070309020205020404" pitchFamily="49" charset="0"/>
+              </a:rPr>
+              <a:t>    </a:t>
+            </a:r>
+            <a:r>
+              <a:rPr lang="de-DE" sz="2000" err="1">
+                <a:latin typeface="Courier New" panose="02070309020205020404" pitchFamily="49" charset="0"/>
+                <a:cs typeface="Courier New" panose="02070309020205020404" pitchFamily="49" charset="0"/>
+              </a:rPr>
+              <a:t>int</a:t>
+            </a:r>
+            <a:r>
+              <a:rPr lang="de-DE" sz="2000">
+                <a:latin typeface="Courier New" panose="02070309020205020404" pitchFamily="49" charset="0"/>
+                <a:cs typeface="Courier New" panose="02070309020205020404" pitchFamily="49" charset="0"/>
+              </a:rPr>
+              <a:t> *</a:t>
+            </a:r>
+            <a:r>
+              <a:rPr lang="de-DE" sz="2000" err="1">
+                <a:latin typeface="Courier New" panose="02070309020205020404" pitchFamily="49" charset="0"/>
+                <a:cs typeface="Courier New" panose="02070309020205020404" pitchFamily="49" charset="0"/>
+              </a:rPr>
+              <a:t>split</a:t>
+            </a:r>
+            <a:r>
+              <a:rPr lang="de-DE" sz="2000">
+                <a:latin typeface="Courier New" panose="02070309020205020404" pitchFamily="49" charset="0"/>
+                <a:cs typeface="Courier New" panose="02070309020205020404" pitchFamily="49" charset="0"/>
+              </a:rPr>
+              <a:t>;</a:t>
+            </a:r>
+          </a:p>
+          <a:p>
+            <a:r>
+              <a:rPr lang="de-DE" sz="2000">
+                <a:latin typeface="Courier New" panose="02070309020205020404" pitchFamily="49" charset="0"/>
+                <a:cs typeface="Courier New" panose="02070309020205020404" pitchFamily="49" charset="0"/>
+              </a:rPr>
+              <a:t>    </a:t>
+            </a:r>
+            <a:r>
+              <a:rPr lang="de-DE" sz="2000" err="1">
+                <a:latin typeface="Courier New" panose="02070309020205020404" pitchFamily="49" charset="0"/>
+                <a:cs typeface="Courier New" panose="02070309020205020404" pitchFamily="49" charset="0"/>
+              </a:rPr>
+              <a:t>if</a:t>
+            </a:r>
+            <a:r>
+              <a:rPr lang="de-DE" sz="2000">
+                <a:latin typeface="Courier New" panose="02070309020205020404" pitchFamily="49" charset="0"/>
+                <a:cs typeface="Courier New" panose="02070309020205020404" pitchFamily="49" charset="0"/>
+              </a:rPr>
+              <a:t> (end - </a:t>
+            </a:r>
+            <a:r>
+              <a:rPr lang="de-DE" sz="2000" err="1">
+                <a:latin typeface="Courier New" panose="02070309020205020404" pitchFamily="49" charset="0"/>
+                <a:cs typeface="Courier New" panose="02070309020205020404" pitchFamily="49" charset="0"/>
+              </a:rPr>
+              <a:t>begin</a:t>
+            </a:r>
+            <a:r>
+              <a:rPr lang="de-DE" sz="2000">
+                <a:latin typeface="Courier New" panose="02070309020205020404" pitchFamily="49" charset="0"/>
+                <a:cs typeface="Courier New" panose="02070309020205020404" pitchFamily="49" charset="0"/>
+              </a:rPr>
+              <a:t> &lt;= 1)</a:t>
+            </a:r>
+          </a:p>
+          <a:p>
+            <a:r>
+              <a:rPr lang="de-DE" sz="2000">
+                <a:latin typeface="Courier New" panose="02070309020205020404" pitchFamily="49" charset="0"/>
+                <a:cs typeface="Courier New" panose="02070309020205020404" pitchFamily="49" charset="0"/>
+              </a:rPr>
+              <a:t>        </a:t>
+            </a:r>
+            <a:r>
+              <a:rPr lang="de-DE" sz="2000" err="1">
+                <a:latin typeface="Courier New" panose="02070309020205020404" pitchFamily="49" charset="0"/>
+                <a:cs typeface="Courier New" panose="02070309020205020404" pitchFamily="49" charset="0"/>
+              </a:rPr>
+              <a:t>return</a:t>
+            </a:r>
+            <a:r>
+              <a:rPr lang="de-DE" sz="2000">
+                <a:latin typeface="Courier New" panose="02070309020205020404" pitchFamily="49" charset="0"/>
+                <a:cs typeface="Courier New" panose="02070309020205020404" pitchFamily="49" charset="0"/>
+              </a:rPr>
+              <a:t>;</a:t>
+            </a:r>
+          </a:p>
+          <a:p>
+            <a:r>
+              <a:rPr lang="de-DE" sz="2000">
+                <a:latin typeface="Courier New" panose="02070309020205020404" pitchFamily="49" charset="0"/>
+                <a:cs typeface="Courier New" panose="02070309020205020404" pitchFamily="49" charset="0"/>
+              </a:rPr>
+              <a:t>    </a:t>
+            </a:r>
+            <a:r>
+              <a:rPr lang="de-DE" sz="2000" err="1">
+                <a:latin typeface="Courier New" panose="02070309020205020404" pitchFamily="49" charset="0"/>
+                <a:cs typeface="Courier New" panose="02070309020205020404" pitchFamily="49" charset="0"/>
+              </a:rPr>
+              <a:t>ptr</a:t>
+            </a:r>
+            <a:r>
+              <a:rPr lang="de-DE" sz="2000">
+                <a:latin typeface="Courier New" panose="02070309020205020404" pitchFamily="49" charset="0"/>
+                <a:cs typeface="Courier New" panose="02070309020205020404" pitchFamily="49" charset="0"/>
+              </a:rPr>
+              <a:t> = </a:t>
+            </a:r>
+            <a:r>
+              <a:rPr lang="de-DE" sz="2000" err="1">
+                <a:latin typeface="Courier New" panose="02070309020205020404" pitchFamily="49" charset="0"/>
+                <a:cs typeface="Courier New" panose="02070309020205020404" pitchFamily="49" charset="0"/>
+              </a:rPr>
+              <a:t>begin</a:t>
+            </a:r>
+            <a:r>
+              <a:rPr lang="de-DE" sz="2000">
+                <a:latin typeface="Courier New" panose="02070309020205020404" pitchFamily="49" charset="0"/>
+                <a:cs typeface="Courier New" panose="02070309020205020404" pitchFamily="49" charset="0"/>
+              </a:rPr>
+              <a:t>;</a:t>
+            </a:r>
+          </a:p>
+          <a:p>
+            <a:r>
+              <a:rPr lang="de-DE" sz="2000">
+                <a:latin typeface="Courier New" panose="02070309020205020404" pitchFamily="49" charset="0"/>
+                <a:cs typeface="Courier New" panose="02070309020205020404" pitchFamily="49" charset="0"/>
+              </a:rPr>
+              <a:t>    </a:t>
+            </a:r>
+            <a:r>
+              <a:rPr lang="de-DE" sz="2000" err="1">
+                <a:latin typeface="Courier New" panose="02070309020205020404" pitchFamily="49" charset="0"/>
+                <a:cs typeface="Courier New" panose="02070309020205020404" pitchFamily="49" charset="0"/>
+              </a:rPr>
+              <a:t>split</a:t>
+            </a:r>
+            <a:r>
+              <a:rPr lang="de-DE" sz="2000">
+                <a:latin typeface="Courier New" panose="02070309020205020404" pitchFamily="49" charset="0"/>
+                <a:cs typeface="Courier New" panose="02070309020205020404" pitchFamily="49" charset="0"/>
+              </a:rPr>
+              <a:t> = </a:t>
+            </a:r>
+            <a:r>
+              <a:rPr lang="de-DE" sz="2000" err="1">
+                <a:latin typeface="Courier New" panose="02070309020205020404" pitchFamily="49" charset="0"/>
+                <a:cs typeface="Courier New" panose="02070309020205020404" pitchFamily="49" charset="0"/>
+              </a:rPr>
+              <a:t>begin</a:t>
+            </a:r>
+            <a:r>
+              <a:rPr lang="de-DE" sz="2000">
+                <a:latin typeface="Courier New" panose="02070309020205020404" pitchFamily="49" charset="0"/>
+                <a:cs typeface="Courier New" panose="02070309020205020404" pitchFamily="49" charset="0"/>
+              </a:rPr>
+              <a:t> + 1;</a:t>
+            </a:r>
+          </a:p>
+          <a:p>
+            <a:r>
+              <a:rPr lang="de-DE" sz="2000">
+                <a:latin typeface="Courier New" panose="02070309020205020404" pitchFamily="49" charset="0"/>
+                <a:cs typeface="Courier New" panose="02070309020205020404" pitchFamily="49" charset="0"/>
+              </a:rPr>
+              <a:t>    </a:t>
+            </a:r>
+            <a:r>
+              <a:rPr lang="de-DE" sz="2000" err="1">
+                <a:latin typeface="Courier New" panose="02070309020205020404" pitchFamily="49" charset="0"/>
+                <a:cs typeface="Courier New" panose="02070309020205020404" pitchFamily="49" charset="0"/>
+              </a:rPr>
+              <a:t>while</a:t>
+            </a:r>
+            <a:r>
+              <a:rPr lang="de-DE" sz="2000">
+                <a:latin typeface="Courier New" panose="02070309020205020404" pitchFamily="49" charset="0"/>
+                <a:cs typeface="Courier New" panose="02070309020205020404" pitchFamily="49" charset="0"/>
+              </a:rPr>
+              <a:t> (++</a:t>
+            </a:r>
+            <a:r>
+              <a:rPr lang="de-DE" sz="2000" err="1">
+                <a:latin typeface="Courier New" panose="02070309020205020404" pitchFamily="49" charset="0"/>
+                <a:cs typeface="Courier New" panose="02070309020205020404" pitchFamily="49" charset="0"/>
+              </a:rPr>
+              <a:t>ptr</a:t>
+            </a:r>
+            <a:r>
+              <a:rPr lang="de-DE" sz="2000">
+                <a:latin typeface="Courier New" panose="02070309020205020404" pitchFamily="49" charset="0"/>
+                <a:cs typeface="Courier New" panose="02070309020205020404" pitchFamily="49" charset="0"/>
+              </a:rPr>
+              <a:t> &lt;= end) {</a:t>
+            </a:r>
+          </a:p>
+          <a:p>
+            <a:r>
+              <a:rPr lang="de-DE" sz="2000">
+                <a:latin typeface="Courier New" panose="02070309020205020404" pitchFamily="49" charset="0"/>
+                <a:cs typeface="Courier New" panose="02070309020205020404" pitchFamily="49" charset="0"/>
+              </a:rPr>
+              <a:t>        </a:t>
+            </a:r>
+            <a:r>
+              <a:rPr lang="de-DE" sz="2000" err="1">
+                <a:latin typeface="Courier New" panose="02070309020205020404" pitchFamily="49" charset="0"/>
+                <a:cs typeface="Courier New" panose="02070309020205020404" pitchFamily="49" charset="0"/>
+              </a:rPr>
+              <a:t>if</a:t>
+            </a:r>
+            <a:r>
+              <a:rPr lang="de-DE" sz="2000">
+                <a:latin typeface="Courier New" panose="02070309020205020404" pitchFamily="49" charset="0"/>
+                <a:cs typeface="Courier New" panose="02070309020205020404" pitchFamily="49" charset="0"/>
+              </a:rPr>
+              <a:t> (*</a:t>
+            </a:r>
+            <a:r>
+              <a:rPr lang="de-DE" sz="2000" err="1">
+                <a:latin typeface="Courier New" panose="02070309020205020404" pitchFamily="49" charset="0"/>
+                <a:cs typeface="Courier New" panose="02070309020205020404" pitchFamily="49" charset="0"/>
+              </a:rPr>
+              <a:t>ptr</a:t>
+            </a:r>
+            <a:r>
+              <a:rPr lang="de-DE" sz="2000">
+                <a:latin typeface="Courier New" panose="02070309020205020404" pitchFamily="49" charset="0"/>
+                <a:cs typeface="Courier New" panose="02070309020205020404" pitchFamily="49" charset="0"/>
+              </a:rPr>
+              <a:t> &lt; *</a:t>
+            </a:r>
+            <a:r>
+              <a:rPr lang="de-DE" sz="2000" err="1">
+                <a:latin typeface="Courier New" panose="02070309020205020404" pitchFamily="49" charset="0"/>
+                <a:cs typeface="Courier New" panose="02070309020205020404" pitchFamily="49" charset="0"/>
+              </a:rPr>
+              <a:t>begin</a:t>
+            </a:r>
+            <a:r>
+              <a:rPr lang="de-DE" sz="2000">
+                <a:latin typeface="Courier New" panose="02070309020205020404" pitchFamily="49" charset="0"/>
+                <a:cs typeface="Courier New" panose="02070309020205020404" pitchFamily="49" charset="0"/>
+              </a:rPr>
+              <a:t>) {</a:t>
+            </a:r>
+          </a:p>
+          <a:p>
+            <a:r>
+              <a:rPr lang="de-DE" sz="2000">
+                <a:latin typeface="Courier New" panose="02070309020205020404" pitchFamily="49" charset="0"/>
+                <a:cs typeface="Courier New" panose="02070309020205020404" pitchFamily="49" charset="0"/>
+              </a:rPr>
+              <a:t>            </a:t>
+            </a:r>
+            <a:r>
+              <a:rPr lang="de-DE" sz="2000" err="1">
+                <a:latin typeface="Courier New" panose="02070309020205020404" pitchFamily="49" charset="0"/>
+                <a:cs typeface="Courier New" panose="02070309020205020404" pitchFamily="49" charset="0"/>
+              </a:rPr>
+              <a:t>swap</a:t>
+            </a:r>
+            <a:r>
+              <a:rPr lang="de-DE" sz="2000">
+                <a:latin typeface="Courier New" panose="02070309020205020404" pitchFamily="49" charset="0"/>
+                <a:cs typeface="Courier New" panose="02070309020205020404" pitchFamily="49" charset="0"/>
+              </a:rPr>
+              <a:t>(</a:t>
+            </a:r>
+            <a:r>
+              <a:rPr lang="de-DE" sz="2000" err="1">
+                <a:latin typeface="Courier New" panose="02070309020205020404" pitchFamily="49" charset="0"/>
+                <a:cs typeface="Courier New" panose="02070309020205020404" pitchFamily="49" charset="0"/>
+              </a:rPr>
+              <a:t>ptr</a:t>
+            </a:r>
+            <a:r>
+              <a:rPr lang="de-DE" sz="2000">
+                <a:latin typeface="Courier New" panose="02070309020205020404" pitchFamily="49" charset="0"/>
+                <a:cs typeface="Courier New" panose="02070309020205020404" pitchFamily="49" charset="0"/>
+              </a:rPr>
+              <a:t>, </a:t>
+            </a:r>
+            <a:r>
+              <a:rPr lang="de-DE" sz="2000" err="1">
+                <a:latin typeface="Courier New" panose="02070309020205020404" pitchFamily="49" charset="0"/>
+                <a:cs typeface="Courier New" panose="02070309020205020404" pitchFamily="49" charset="0"/>
+              </a:rPr>
+              <a:t>split</a:t>
+            </a:r>
+            <a:r>
+              <a:rPr lang="de-DE" sz="2000">
+                <a:latin typeface="Courier New" panose="02070309020205020404" pitchFamily="49" charset="0"/>
+                <a:cs typeface="Courier New" panose="02070309020205020404" pitchFamily="49" charset="0"/>
+              </a:rPr>
+              <a:t>);</a:t>
+            </a:r>
+          </a:p>
+          <a:p>
+            <a:r>
+              <a:rPr lang="de-DE" sz="2000">
+                <a:latin typeface="Courier New" panose="02070309020205020404" pitchFamily="49" charset="0"/>
+                <a:cs typeface="Courier New" panose="02070309020205020404" pitchFamily="49" charset="0"/>
+              </a:rPr>
+              <a:t>            ++</a:t>
+            </a:r>
+            <a:r>
+              <a:rPr lang="de-DE" sz="2000" err="1">
+                <a:latin typeface="Courier New" panose="02070309020205020404" pitchFamily="49" charset="0"/>
+                <a:cs typeface="Courier New" panose="02070309020205020404" pitchFamily="49" charset="0"/>
+              </a:rPr>
+              <a:t>split</a:t>
+            </a:r>
+            <a:r>
+              <a:rPr lang="de-DE" sz="2000">
+                <a:latin typeface="Courier New" panose="02070309020205020404" pitchFamily="49" charset="0"/>
+                <a:cs typeface="Courier New" panose="02070309020205020404" pitchFamily="49" charset="0"/>
+              </a:rPr>
+              <a:t>;</a:t>
+            </a:r>
+          </a:p>
+          <a:p>
+            <a:r>
+              <a:rPr lang="de-DE" sz="2000">
+                <a:latin typeface="Courier New" panose="02070309020205020404" pitchFamily="49" charset="0"/>
+                <a:cs typeface="Courier New" panose="02070309020205020404" pitchFamily="49" charset="0"/>
+              </a:rPr>
+              <a:t>        }</a:t>
+            </a:r>
+          </a:p>
+          <a:p>
+            <a:r>
+              <a:rPr lang="de-DE" sz="2000">
+                <a:latin typeface="Courier New" panose="02070309020205020404" pitchFamily="49" charset="0"/>
+                <a:cs typeface="Courier New" panose="02070309020205020404" pitchFamily="49" charset="0"/>
+              </a:rPr>
+              <a:t>    }</a:t>
+            </a:r>
+          </a:p>
+          <a:p>
+            <a:r>
+              <a:rPr lang="de-DE" sz="2000">
+                <a:latin typeface="Courier New" panose="02070309020205020404" pitchFamily="49" charset="0"/>
+                <a:cs typeface="Courier New" panose="02070309020205020404" pitchFamily="49" charset="0"/>
+              </a:rPr>
+              <a:t>    </a:t>
+            </a:r>
+            <a:r>
+              <a:rPr lang="de-DE" sz="2000" err="1">
+                <a:latin typeface="Courier New" panose="02070309020205020404" pitchFamily="49" charset="0"/>
+                <a:cs typeface="Courier New" panose="02070309020205020404" pitchFamily="49" charset="0"/>
+              </a:rPr>
+              <a:t>swap</a:t>
+            </a:r>
+            <a:r>
+              <a:rPr lang="de-DE" sz="2000">
+                <a:latin typeface="Courier New" panose="02070309020205020404" pitchFamily="49" charset="0"/>
+                <a:cs typeface="Courier New" panose="02070309020205020404" pitchFamily="49" charset="0"/>
+              </a:rPr>
+              <a:t>(</a:t>
+            </a:r>
+            <a:r>
+              <a:rPr lang="de-DE" sz="2000" err="1">
+                <a:latin typeface="Courier New" panose="02070309020205020404" pitchFamily="49" charset="0"/>
+                <a:cs typeface="Courier New" panose="02070309020205020404" pitchFamily="49" charset="0"/>
+              </a:rPr>
+              <a:t>begin</a:t>
+            </a:r>
+            <a:r>
+              <a:rPr lang="de-DE" sz="2000">
+                <a:latin typeface="Courier New" panose="02070309020205020404" pitchFamily="49" charset="0"/>
+                <a:cs typeface="Courier New" panose="02070309020205020404" pitchFamily="49" charset="0"/>
+              </a:rPr>
+              <a:t>, </a:t>
+            </a:r>
+            <a:r>
+              <a:rPr lang="de-DE" sz="2000" err="1">
+                <a:latin typeface="Courier New" panose="02070309020205020404" pitchFamily="49" charset="0"/>
+                <a:cs typeface="Courier New" panose="02070309020205020404" pitchFamily="49" charset="0"/>
+              </a:rPr>
+              <a:t>split</a:t>
+            </a:r>
+            <a:r>
+              <a:rPr lang="de-DE" sz="2000">
+                <a:latin typeface="Courier New" panose="02070309020205020404" pitchFamily="49" charset="0"/>
+                <a:cs typeface="Courier New" panose="02070309020205020404" pitchFamily="49" charset="0"/>
+              </a:rPr>
+              <a:t> - 1);</a:t>
+            </a:r>
+          </a:p>
+          <a:p>
+            <a:r>
+              <a:rPr lang="de-DE" sz="2000">
+                <a:latin typeface="Courier New" panose="02070309020205020404" pitchFamily="49" charset="0"/>
+                <a:cs typeface="Courier New" panose="02070309020205020404" pitchFamily="49" charset="0"/>
+              </a:rPr>
+              <a:t>    </a:t>
+            </a:r>
+            <a:r>
+              <a:rPr lang="de-DE" sz="2000" err="1" smtClean="0">
+                <a:latin typeface="Courier New" panose="02070309020205020404" pitchFamily="49" charset="0"/>
+                <a:cs typeface="Courier New" panose="02070309020205020404" pitchFamily="49" charset="0"/>
+              </a:rPr>
+              <a:t>process</a:t>
+            </a:r>
+            <a:r>
+              <a:rPr lang="de-DE" sz="2000" smtClean="0">
+                <a:latin typeface="Courier New" panose="02070309020205020404" pitchFamily="49" charset="0"/>
+                <a:cs typeface="Courier New" panose="02070309020205020404" pitchFamily="49" charset="0"/>
+              </a:rPr>
+              <a:t>(</a:t>
+            </a:r>
+            <a:r>
+              <a:rPr lang="de-DE" sz="2000" err="1" smtClean="0">
+                <a:latin typeface="Courier New" panose="02070309020205020404" pitchFamily="49" charset="0"/>
+                <a:cs typeface="Courier New" panose="02070309020205020404" pitchFamily="49" charset="0"/>
+              </a:rPr>
+              <a:t>begin</a:t>
+            </a:r>
+            <a:r>
+              <a:rPr lang="de-DE" sz="2000">
+                <a:latin typeface="Courier New" panose="02070309020205020404" pitchFamily="49" charset="0"/>
+                <a:cs typeface="Courier New" panose="02070309020205020404" pitchFamily="49" charset="0"/>
+              </a:rPr>
+              <a:t>, </a:t>
+            </a:r>
+            <a:r>
+              <a:rPr lang="de-DE" sz="2000" err="1">
+                <a:latin typeface="Courier New" panose="02070309020205020404" pitchFamily="49" charset="0"/>
+                <a:cs typeface="Courier New" panose="02070309020205020404" pitchFamily="49" charset="0"/>
+              </a:rPr>
+              <a:t>split</a:t>
+            </a:r>
+            <a:r>
+              <a:rPr lang="de-DE" sz="2000">
+                <a:latin typeface="Courier New" panose="02070309020205020404" pitchFamily="49" charset="0"/>
+                <a:cs typeface="Courier New" panose="02070309020205020404" pitchFamily="49" charset="0"/>
+              </a:rPr>
+              <a:t> - 1);</a:t>
+            </a:r>
+          </a:p>
+          <a:p>
+            <a:r>
+              <a:rPr lang="de-DE" sz="2000">
+                <a:latin typeface="Courier New" panose="02070309020205020404" pitchFamily="49" charset="0"/>
+                <a:cs typeface="Courier New" panose="02070309020205020404" pitchFamily="49" charset="0"/>
+              </a:rPr>
+              <a:t>    </a:t>
+            </a:r>
+            <a:r>
+              <a:rPr lang="de-DE" sz="2000" err="1" smtClean="0">
+                <a:latin typeface="Courier New" panose="02070309020205020404" pitchFamily="49" charset="0"/>
+                <a:cs typeface="Courier New" panose="02070309020205020404" pitchFamily="49" charset="0"/>
+              </a:rPr>
+              <a:t>process</a:t>
+            </a:r>
+            <a:r>
+              <a:rPr lang="de-DE" sz="2000" smtClean="0">
+                <a:latin typeface="Courier New" panose="02070309020205020404" pitchFamily="49" charset="0"/>
+                <a:cs typeface="Courier New" panose="02070309020205020404" pitchFamily="49" charset="0"/>
+              </a:rPr>
+              <a:t>(</a:t>
+            </a:r>
+            <a:r>
+              <a:rPr lang="de-DE" sz="2000" err="1" smtClean="0">
+                <a:latin typeface="Courier New" panose="02070309020205020404" pitchFamily="49" charset="0"/>
+                <a:cs typeface="Courier New" panose="02070309020205020404" pitchFamily="49" charset="0"/>
+              </a:rPr>
+              <a:t>split</a:t>
+            </a:r>
+            <a:r>
+              <a:rPr lang="de-DE" sz="2000">
+                <a:latin typeface="Courier New" panose="02070309020205020404" pitchFamily="49" charset="0"/>
+                <a:cs typeface="Courier New" panose="02070309020205020404" pitchFamily="49" charset="0"/>
+              </a:rPr>
+              <a:t>, end);</a:t>
+            </a:r>
+          </a:p>
+          <a:p>
+            <a:r>
+              <a:rPr lang="de-DE" sz="2000">
+                <a:latin typeface="Courier New" panose="02070309020205020404" pitchFamily="49" charset="0"/>
+                <a:cs typeface="Courier New" panose="02070309020205020404" pitchFamily="49" charset="0"/>
+              </a:rPr>
+              <a:t>}</a:t>
+            </a:r>
+            <a:endParaRPr lang="de-DE" sz="2000" smtClean="0">
+              <a:latin typeface="Courier New" panose="02070309020205020404" pitchFamily="49" charset="0"/>
+              <a:cs typeface="Courier New" panose="02070309020205020404" pitchFamily="49" charset="0"/>
+            </a:endParaRPr>
+          </a:p>
+        </p:txBody>
+      </p:sp>
+    </p:spTree>
+    <p:extLst>
+      <p:ext uri="{BB962C8B-B14F-4D97-AF65-F5344CB8AC3E}">
+        <p14:creationId xmlns:p14="http://schemas.microsoft.com/office/powerpoint/2010/main" val="3339263808"/>
+      </p:ext>
+    </p:extLst>
+  </p:cSld>
+  <p:clrMapOvr>
+    <a:masterClrMapping/>
+  </p:clrMapOvr>
+</p:sld>
+</file>
+
+<file path=ppt/slides/slide6.xml><?xml version="1.0" encoding="utf-8"?>
+<p:sld xmlns:a="http://schemas.openxmlformats.org/drawingml/2006/main" xmlns:r="http://schemas.openxmlformats.org/officeDocument/2006/relationships" xmlns:p="http://schemas.openxmlformats.org/presentationml/2006/main">
+  <p:cSld>
+    <p:spTree>
+      <p:nvGrpSpPr>
+        <p:cNvPr id="1" name=""/>
+        <p:cNvGrpSpPr/>
+        <p:nvPr/>
+      </p:nvGrpSpPr>
+      <p:grpSpPr>
+        <a:xfrm>
+          <a:off x="0" y="0"/>
+          <a:ext cx="0" cy="0"/>
+          <a:chOff x="0" y="0"/>
+          <a:chExt cx="0" cy="0"/>
+        </a:xfrm>
+      </p:grpSpPr>
+      <p:sp>
+        <p:nvSpPr>
+          <p:cNvPr id="9218" name="Titel 1"/>
+          <p:cNvSpPr>
+            <a:spLocks noGrp="1"/>
+          </p:cNvSpPr>
+          <p:nvPr>
+            <p:ph type="title"/>
+          </p:nvPr>
+        </p:nvSpPr>
+        <p:spPr bwMode="auto">
+          <a:xfrm>
+            <a:off x="442913" y="93663"/>
+            <a:ext cx="10742612" cy="939800"/>
+          </a:xfrm>
+          <a:noFill/>
+          <a:ln>
+            <a:miter lim="800000"/>
+            <a:headEnd/>
+            <a:tailEnd/>
+          </a:ln>
+        </p:spPr>
+        <p:txBody>
+          <a:bodyPr vert="horz" wrap="square" numCol="1" anchor="t" anchorCtr="0" compatLnSpc="1">
+            <a:prstTxWarp prst="textNoShape">
+              <a:avLst/>
+            </a:prstTxWarp>
+          </a:bodyPr>
+          <a:lstStyle/>
+          <a:p>
+            <a:r>
+              <a:rPr lang="en-US" smtClean="0"/>
+              <a:t>How to prove the functionality?</a:t>
+            </a:r>
+          </a:p>
+        </p:txBody>
+      </p:sp>
+      <p:sp>
+        <p:nvSpPr>
+          <p:cNvPr id="4" name="Textfeld 3"/>
+          <p:cNvSpPr txBox="1"/>
+          <p:nvPr/>
+        </p:nvSpPr>
+        <p:spPr>
+          <a:xfrm>
+            <a:off x="477520" y="2046596"/>
+            <a:ext cx="11435438" cy="1938992"/>
+          </a:xfrm>
+          <a:prstGeom prst="rect">
+            <a:avLst/>
+          </a:prstGeom>
+          <a:noFill/>
+        </p:spPr>
+        <p:txBody>
+          <a:bodyPr wrap="square" rtlCol="0">
+            <a:spAutoFit/>
+          </a:bodyPr>
+          <a:lstStyle/>
+          <a:p>
+            <a:r>
+              <a:rPr lang="en-US" sz="2000">
+                <a:latin typeface="Droid Sans Mono Chess ASCII" panose="020B0609030804020204" pitchFamily="50" charset="0"/>
+                <a:ea typeface="Droid Sans Mono Chess ASCII" panose="020B0609030804020204" pitchFamily="50" charset="0"/>
+                <a:cs typeface="Droid Sans Mono Chess ASCII" panose="020B0609030804020204" pitchFamily="50" charset="0"/>
+              </a:rPr>
+              <a:t>process2 []           = </a:t>
+            </a:r>
+            <a:r>
+              <a:rPr lang="en-US" sz="2000" smtClean="0">
+                <a:latin typeface="Droid Sans Mono Chess ASCII" panose="020B0609030804020204" pitchFamily="50" charset="0"/>
+                <a:ea typeface="Droid Sans Mono Chess ASCII" panose="020B0609030804020204" pitchFamily="50" charset="0"/>
+                <a:cs typeface="Droid Sans Mono Chess ASCII" panose="020B0609030804020204" pitchFamily="50" charset="0"/>
+              </a:rPr>
+              <a:t>[]</a:t>
+            </a:r>
+          </a:p>
+          <a:p>
+            <a:endParaRPr lang="en-US" sz="2000">
+              <a:latin typeface="Droid Sans Mono Chess ASCII" panose="020B0609030804020204" pitchFamily="50" charset="0"/>
+              <a:ea typeface="Droid Sans Mono Chess ASCII" panose="020B0609030804020204" pitchFamily="50" charset="0"/>
+              <a:cs typeface="Droid Sans Mono Chess ASCII" panose="020B0609030804020204" pitchFamily="50" charset="0"/>
+            </a:endParaRPr>
+          </a:p>
+          <a:p>
+            <a:r>
+              <a:rPr lang="en-US" sz="2000">
+                <a:latin typeface="Droid Sans Mono Chess ASCII" panose="020B0609030804020204" pitchFamily="50" charset="0"/>
+                <a:ea typeface="Droid Sans Mono Chess ASCII" panose="020B0609030804020204" pitchFamily="50" charset="0"/>
+                <a:cs typeface="Droid Sans Mono Chess ASCII" panose="020B0609030804020204" pitchFamily="50" charset="0"/>
+              </a:rPr>
+              <a:t>process2 (first:rest) = </a:t>
+            </a:r>
+            <a:r>
+              <a:rPr lang="en-US" sz="2000" smtClean="0">
+                <a:latin typeface="Droid Sans Mono Chess ASCII" panose="020B0609030804020204" pitchFamily="50" charset="0"/>
+                <a:ea typeface="Droid Sans Mono Chess ASCII" panose="020B0609030804020204" pitchFamily="50" charset="0"/>
+                <a:cs typeface="Droid Sans Mono Chess ASCII" panose="020B0609030804020204" pitchFamily="50" charset="0"/>
+              </a:rPr>
+              <a:t>let smaller </a:t>
+            </a:r>
+            <a:r>
+              <a:rPr lang="en-US" sz="2000">
+                <a:latin typeface="Droid Sans Mono Chess ASCII" panose="020B0609030804020204" pitchFamily="50" charset="0"/>
+                <a:ea typeface="Droid Sans Mono Chess ASCII" panose="020B0609030804020204" pitchFamily="50" charset="0"/>
+                <a:cs typeface="Droid Sans Mono Chess ASCII" panose="020B0609030804020204" pitchFamily="50" charset="0"/>
+              </a:rPr>
+              <a:t>= filter (&lt;= first) rest</a:t>
+            </a:r>
+          </a:p>
+          <a:p>
+            <a:r>
+              <a:rPr lang="en-US" sz="2000">
+                <a:latin typeface="Droid Sans Mono Chess ASCII" panose="020B0609030804020204" pitchFamily="50" charset="0"/>
+                <a:ea typeface="Droid Sans Mono Chess ASCII" panose="020B0609030804020204" pitchFamily="50" charset="0"/>
+                <a:cs typeface="Droid Sans Mono Chess ASCII" panose="020B0609030804020204" pitchFamily="50" charset="0"/>
+              </a:rPr>
+              <a:t>	</a:t>
+            </a:r>
+            <a:r>
+              <a:rPr lang="en-US" sz="2000" smtClean="0">
+                <a:latin typeface="Droid Sans Mono Chess ASCII" panose="020B0609030804020204" pitchFamily="50" charset="0"/>
+                <a:ea typeface="Droid Sans Mono Chess ASCII" panose="020B0609030804020204" pitchFamily="50" charset="0"/>
+                <a:cs typeface="Droid Sans Mono Chess ASCII" panose="020B0609030804020204" pitchFamily="50" charset="0"/>
+              </a:rPr>
+              <a:t>                      bigger  </a:t>
+            </a:r>
+            <a:r>
+              <a:rPr lang="en-US" sz="2000">
+                <a:latin typeface="Droid Sans Mono Chess ASCII" panose="020B0609030804020204" pitchFamily="50" charset="0"/>
+                <a:ea typeface="Droid Sans Mono Chess ASCII" panose="020B0609030804020204" pitchFamily="50" charset="0"/>
+                <a:cs typeface="Droid Sans Mono Chess ASCII" panose="020B0609030804020204" pitchFamily="50" charset="0"/>
+              </a:rPr>
+              <a:t>= filter (&gt;  first) </a:t>
+            </a:r>
+            <a:r>
+              <a:rPr lang="en-US" sz="2000" smtClean="0">
+                <a:latin typeface="Droid Sans Mono Chess ASCII" panose="020B0609030804020204" pitchFamily="50" charset="0"/>
+                <a:ea typeface="Droid Sans Mono Chess ASCII" panose="020B0609030804020204" pitchFamily="50" charset="0"/>
+                <a:cs typeface="Droid Sans Mono Chess ASCII" panose="020B0609030804020204" pitchFamily="50" charset="0"/>
+              </a:rPr>
+              <a:t>rest</a:t>
+            </a:r>
+            <a:endParaRPr lang="en-US" sz="2000">
+              <a:latin typeface="Droid Sans Mono Chess ASCII" panose="020B0609030804020204" pitchFamily="50" charset="0"/>
+              <a:ea typeface="Droid Sans Mono Chess ASCII" panose="020B0609030804020204" pitchFamily="50" charset="0"/>
+              <a:cs typeface="Droid Sans Mono Chess ASCII" panose="020B0609030804020204" pitchFamily="50" charset="0"/>
+            </a:endParaRPr>
+          </a:p>
+          <a:p>
+            <a:r>
+              <a:rPr lang="en-US" sz="2000">
+                <a:latin typeface="Droid Sans Mono Chess ASCII" panose="020B0609030804020204" pitchFamily="50" charset="0"/>
+                <a:ea typeface="Droid Sans Mono Chess ASCII" panose="020B0609030804020204" pitchFamily="50" charset="0"/>
+                <a:cs typeface="Droid Sans Mono Chess ASCII" panose="020B0609030804020204" pitchFamily="50" charset="0"/>
+              </a:rPr>
+              <a:t>	in</a:t>
+            </a:r>
+          </a:p>
+          <a:p>
+            <a:r>
+              <a:rPr lang="en-US" sz="2000">
+                <a:latin typeface="Droid Sans Mono Chess ASCII" panose="020B0609030804020204" pitchFamily="50" charset="0"/>
+                <a:ea typeface="Droid Sans Mono Chess ASCII" panose="020B0609030804020204" pitchFamily="50" charset="0"/>
+                <a:cs typeface="Droid Sans Mono Chess ASCII" panose="020B0609030804020204" pitchFamily="50" charset="0"/>
+              </a:rPr>
+              <a:t>	</a:t>
+            </a:r>
+            <a:r>
+              <a:rPr lang="en-US" sz="2000" smtClean="0">
+                <a:latin typeface="Droid Sans Mono Chess ASCII" panose="020B0609030804020204" pitchFamily="50" charset="0"/>
+                <a:ea typeface="Droid Sans Mono Chess ASCII" panose="020B0609030804020204" pitchFamily="50" charset="0"/>
+                <a:cs typeface="Droid Sans Mono Chess ASCII" panose="020B0609030804020204" pitchFamily="50" charset="0"/>
+              </a:rPr>
+              <a:t>process2 </a:t>
+            </a:r>
+            <a:r>
+              <a:rPr lang="en-US" sz="2000">
+                <a:latin typeface="Droid Sans Mono Chess ASCII" panose="020B0609030804020204" pitchFamily="50" charset="0"/>
+                <a:ea typeface="Droid Sans Mono Chess ASCII" panose="020B0609030804020204" pitchFamily="50" charset="0"/>
+                <a:cs typeface="Droid Sans Mono Chess ASCII" panose="020B0609030804020204" pitchFamily="50" charset="0"/>
+              </a:rPr>
+              <a:t>smaller </a:t>
+            </a:r>
+            <a:r>
+              <a:rPr lang="en-US" sz="2000" smtClean="0">
+                <a:latin typeface="Droid Sans Mono Chess ASCII" panose="020B0609030804020204" pitchFamily="50" charset="0"/>
+                <a:ea typeface="Droid Sans Mono Chess ASCII" panose="020B0609030804020204" pitchFamily="50" charset="0"/>
+                <a:cs typeface="Droid Sans Mono Chess ASCII" panose="020B0609030804020204" pitchFamily="50" charset="0"/>
+              </a:rPr>
+              <a:t>  ++   [</a:t>
+            </a:r>
+            <a:r>
+              <a:rPr lang="en-US" sz="2000">
+                <a:latin typeface="Droid Sans Mono Chess ASCII" panose="020B0609030804020204" pitchFamily="50" charset="0"/>
+                <a:ea typeface="Droid Sans Mono Chess ASCII" panose="020B0609030804020204" pitchFamily="50" charset="0"/>
+                <a:cs typeface="Droid Sans Mono Chess ASCII" panose="020B0609030804020204" pitchFamily="50" charset="0"/>
+              </a:rPr>
+              <a:t>first] </a:t>
+            </a:r>
+            <a:r>
+              <a:rPr lang="en-US" sz="2000" smtClean="0">
+                <a:latin typeface="Droid Sans Mono Chess ASCII" panose="020B0609030804020204" pitchFamily="50" charset="0"/>
+                <a:ea typeface="Droid Sans Mono Chess ASCII" panose="020B0609030804020204" pitchFamily="50" charset="0"/>
+                <a:cs typeface="Droid Sans Mono Chess ASCII" panose="020B0609030804020204" pitchFamily="50" charset="0"/>
+              </a:rPr>
+              <a:t>  ++   process2 </a:t>
+            </a:r>
+            <a:r>
+              <a:rPr lang="en-US" sz="2000">
+                <a:latin typeface="Droid Sans Mono Chess ASCII" panose="020B0609030804020204" pitchFamily="50" charset="0"/>
+                <a:ea typeface="Droid Sans Mono Chess ASCII" panose="020B0609030804020204" pitchFamily="50" charset="0"/>
+                <a:cs typeface="Droid Sans Mono Chess ASCII" panose="020B0609030804020204" pitchFamily="50" charset="0"/>
+              </a:rPr>
+              <a:t>bigger</a:t>
+            </a:r>
+            <a:endParaRPr lang="de-DE" sz="2000">
+              <a:latin typeface="Droid Sans Mono Chess ASCII" panose="020B0609030804020204" pitchFamily="50" charset="0"/>
+              <a:ea typeface="Droid Sans Mono Chess ASCII" panose="020B0609030804020204" pitchFamily="50" charset="0"/>
+              <a:cs typeface="Droid Sans Mono Chess ASCII" panose="020B0609030804020204" pitchFamily="50" charset="0"/>
+            </a:endParaRPr>
+          </a:p>
+        </p:txBody>
+      </p:sp>
+    </p:spTree>
+    <p:extLst>
+      <p:ext uri="{BB962C8B-B14F-4D97-AF65-F5344CB8AC3E}">
+        <p14:creationId xmlns:p14="http://schemas.microsoft.com/office/powerpoint/2010/main" val="2362116585"/>
+      </p:ext>
+    </p:extLst>
+  </p:cSld>
+  <p:clrMapOvr>
+    <a:masterClrMapping/>
+  </p:clrMapOvr>
+</p:sld>
+</file>
+
+<file path=ppt/slides/slide7.xml><?xml version="1.0" encoding="utf-8"?>
+<p:sld xmlns:a="http://schemas.openxmlformats.org/drawingml/2006/main" xmlns:r="http://schemas.openxmlformats.org/officeDocument/2006/relationships" xmlns:p="http://schemas.openxmlformats.org/presentationml/2006/main">
+  <p:cSld>
+    <p:spTree>
+      <p:nvGrpSpPr>
+        <p:cNvPr id="1" name=""/>
+        <p:cNvGrpSpPr/>
+        <p:nvPr/>
+      </p:nvGrpSpPr>
+      <p:grpSpPr>
+        <a:xfrm>
+          <a:off x="0" y="0"/>
+          <a:ext cx="0" cy="0"/>
+          <a:chOff x="0" y="0"/>
+          <a:chExt cx="0" cy="0"/>
+        </a:xfrm>
+      </p:grpSpPr>
+      <p:sp>
+        <p:nvSpPr>
+          <p:cNvPr id="9218" name="Titel 1"/>
+          <p:cNvSpPr>
+            <a:spLocks noGrp="1"/>
+          </p:cNvSpPr>
+          <p:nvPr>
+            <p:ph type="title"/>
+          </p:nvPr>
+        </p:nvSpPr>
+        <p:spPr bwMode="auto">
+          <a:xfrm>
+            <a:off x="442913" y="93663"/>
+            <a:ext cx="10742612" cy="939800"/>
+          </a:xfrm>
+          <a:noFill/>
+          <a:ln>
+            <a:miter lim="800000"/>
+            <a:headEnd/>
+            <a:tailEnd/>
+          </a:ln>
+        </p:spPr>
+        <p:txBody>
+          <a:bodyPr vert="horz" wrap="square" numCol="1" anchor="t" anchorCtr="0" compatLnSpc="1">
+            <a:prstTxWarp prst="textNoShape">
+              <a:avLst/>
+            </a:prstTxWarp>
+          </a:bodyPr>
+          <a:lstStyle/>
+          <a:p>
+            <a:r>
+              <a:rPr lang="en-US" smtClean="0"/>
               <a:t>The NSWC Experiment</a:t>
             </a:r>
           </a:p>
@@ -4123,7 +9487,7 @@
 </p:sld>
 </file>
 
-<file path=ppt/slides/slide11.xml><?xml version="1.0" encoding="utf-8"?>
+<file path=ppt/slides/slide8.xml><?xml version="1.0" encoding="utf-8"?>
 <p:sld xmlns:a="http://schemas.openxmlformats.org/drawingml/2006/main" xmlns:r="http://schemas.openxmlformats.org/officeDocument/2006/relationships" xmlns:p="http://schemas.openxmlformats.org/presentationml/2006/main">
   <p:cSld>
     <p:spTree>
@@ -4563,8 +9927,8 @@
         </p:blipFill>
         <p:spPr bwMode="auto">
           <a:xfrm flipH="1">
-            <a:off x="11281748" y="6008914"/>
-            <a:ext cx="1472162" cy="1472162"/>
+            <a:off x="10637803" y="2840676"/>
+            <a:ext cx="932799" cy="932799"/>
           </a:xfrm>
           <a:prstGeom prst="rect">
             <a:avLst/>
@@ -4594,7 +9958,7 @@
 </p:sld>
 </file>
 
-<file path=ppt/slides/slide12.xml><?xml version="1.0" encoding="utf-8"?>
+<file path=ppt/slides/slide9.xml><?xml version="1.0" encoding="utf-8"?>
 <p:sld xmlns:a="http://schemas.openxmlformats.org/drawingml/2006/main" xmlns:r="http://schemas.openxmlformats.org/officeDocument/2006/relationships" xmlns:p="http://schemas.openxmlformats.org/presentationml/2006/main">
   <p:cSld>
     <p:spTree>
@@ -4697,7 +10061,32 @@
                 <a:ea typeface="Gill Sans" charset="0"/>
                 <a:cs typeface="Gill Sans" charset="0"/>
               </a:rPr>
-              <a:t>Haskell Brooks Curry</a:t>
+              <a:t>Currying</a:t>
+            </a:r>
+          </a:p>
+          <a:p>
+            <a:pPr marL="254000" indent="-254000">
+              <a:lnSpc>
+                <a:spcPct val="120000"/>
+              </a:lnSpc>
+              <a:spcBef>
+                <a:spcPts val="1000"/>
+              </a:spcBef>
+              <a:buSzPct val="120000"/>
+              <a:buFont typeface="Lucida Grande" charset="0"/>
+              <a:buChar char="‣"/>
+              <a:defRPr/>
+            </a:pPr>
+            <a:r>
+              <a:rPr lang="en-US" sz="2600" smtClean="0">
+                <a:solidFill>
+                  <a:srgbClr val="262626"/>
+                </a:solidFill>
+                <a:latin typeface="+mn-lt"/>
+                <a:ea typeface="Gill Sans" charset="0"/>
+                <a:cs typeface="Gill Sans" charset="0"/>
+              </a:rPr>
+              <a:t>Curry-Howard-Isomorphism</a:t>
             </a:r>
             <a:endParaRPr lang="en-US" sz="2600">
               <a:solidFill>
@@ -4826,3884 +10215,6 @@
     <p:extLst>
       <p:ext uri="{BB962C8B-B14F-4D97-AF65-F5344CB8AC3E}">
         <p14:creationId xmlns:p14="http://schemas.microsoft.com/office/powerpoint/2010/main" val="1082810959"/>
-      </p:ext>
-    </p:extLst>
-  </p:cSld>
-  <p:clrMapOvr>
-    <a:masterClrMapping/>
-  </p:clrMapOvr>
-</p:sld>
-</file>
-
-<file path=ppt/slides/slide13.xml><?xml version="1.0" encoding="utf-8"?>
-<p:sld xmlns:a="http://schemas.openxmlformats.org/drawingml/2006/main" xmlns:r="http://schemas.openxmlformats.org/officeDocument/2006/relationships" xmlns:p="http://schemas.openxmlformats.org/presentationml/2006/main">
-  <p:cSld>
-    <p:spTree>
-      <p:nvGrpSpPr>
-        <p:cNvPr id="1" name=""/>
-        <p:cNvGrpSpPr/>
-        <p:nvPr/>
-      </p:nvGrpSpPr>
-      <p:grpSpPr>
-        <a:xfrm>
-          <a:off x="0" y="0"/>
-          <a:ext cx="0" cy="0"/>
-          <a:chOff x="0" y="0"/>
-          <a:chExt cx="0" cy="0"/>
-        </a:xfrm>
-      </p:grpSpPr>
-      <p:pic>
-        <p:nvPicPr>
-          <p:cNvPr id="17410" name="Picture 2"/>
-          <p:cNvPicPr>
-            <a:picLocks noChangeArrowheads="1"/>
-          </p:cNvPicPr>
-          <p:nvPr/>
-        </p:nvPicPr>
-        <p:blipFill>
-          <a:blip r:embed="rId2" cstate="print"/>
-          <a:srcRect/>
-          <a:stretch>
-            <a:fillRect/>
-          </a:stretch>
-        </p:blipFill>
-        <p:spPr bwMode="auto">
-          <a:xfrm>
-            <a:off x="461963" y="1608138"/>
-            <a:ext cx="5689600" cy="7340600"/>
-          </a:xfrm>
-          <a:prstGeom prst="rect">
-            <a:avLst/>
-          </a:prstGeom>
-          <a:noFill/>
-          <a:ln w="12700">
-            <a:noFill/>
-            <a:miter lim="800000"/>
-            <a:headEnd/>
-            <a:tailEnd/>
-          </a:ln>
-        </p:spPr>
-      </p:pic>
-      <p:sp>
-        <p:nvSpPr>
-          <p:cNvPr id="4" name="Abgerundetes Rechteck 3"/>
-          <p:cNvSpPr/>
-          <p:nvPr/>
-        </p:nvSpPr>
-        <p:spPr>
-          <a:xfrm>
-            <a:off x="6813550" y="1625600"/>
-            <a:ext cx="5703888" cy="5391150"/>
-          </a:xfrm>
-          <a:prstGeom prst="roundRect">
-            <a:avLst>
-              <a:gd name="adj" fmla="val 0"/>
-            </a:avLst>
-          </a:prstGeom>
-          <a:noFill/>
-          <a:ln>
-            <a:noFill/>
-          </a:ln>
-          <a:effectLst/>
-        </p:spPr>
-        <p:style>
-          <a:lnRef idx="2">
-            <a:schemeClr val="accent1">
-              <a:shade val="50000"/>
-            </a:schemeClr>
-          </a:lnRef>
-          <a:fillRef idx="1">
-            <a:schemeClr val="accent1"/>
-          </a:fillRef>
-          <a:effectRef idx="0">
-            <a:schemeClr val="accent1"/>
-          </a:effectRef>
-          <a:fontRef idx="minor">
-            <a:schemeClr val="lt1"/>
-          </a:fontRef>
-        </p:style>
-        <p:txBody>
-          <a:bodyPr lIns="130046" tIns="65023" rIns="130046" bIns="65023" anchor="ctr"/>
-          <a:lstStyle/>
-          <a:p>
-            <a:pPr algn="ctr">
-              <a:defRPr/>
-            </a:pPr>
-            <a:endParaRPr lang="de-DE" sz="3400" b="1">
-              <a:solidFill>
-                <a:srgbClr val="64748B"/>
-              </a:solidFill>
-            </a:endParaRPr>
-          </a:p>
-        </p:txBody>
-      </p:sp>
-      <p:sp>
-        <p:nvSpPr>
-          <p:cNvPr id="5" name="Abgerundetes Rechteck 4"/>
-          <p:cNvSpPr/>
-          <p:nvPr/>
-        </p:nvSpPr>
-        <p:spPr>
-          <a:xfrm>
-            <a:off x="6813550" y="7234238"/>
-            <a:ext cx="5703888" cy="1706562"/>
-          </a:xfrm>
-          <a:prstGeom prst="roundRect">
-            <a:avLst>
-              <a:gd name="adj" fmla="val 0"/>
-            </a:avLst>
-          </a:prstGeom>
-          <a:noFill/>
-          <a:ln>
-            <a:noFill/>
-          </a:ln>
-          <a:effectLst/>
-        </p:spPr>
-        <p:style>
-          <a:lnRef idx="2">
-            <a:schemeClr val="accent1">
-              <a:shade val="50000"/>
-            </a:schemeClr>
-          </a:lnRef>
-          <a:fillRef idx="1">
-            <a:schemeClr val="accent1"/>
-          </a:fillRef>
-          <a:effectRef idx="0">
-            <a:schemeClr val="accent1"/>
-          </a:effectRef>
-          <a:fontRef idx="minor">
-            <a:schemeClr val="lt1"/>
-          </a:fontRef>
-        </p:style>
-        <p:txBody>
-          <a:bodyPr lIns="130046" tIns="65023" rIns="130046" bIns="65023" anchor="ctr"/>
-          <a:lstStyle/>
-          <a:p>
-            <a:pPr algn="ctr">
-              <a:defRPr/>
-            </a:pPr>
-            <a:r>
-              <a:rPr lang="de-DE" b="1">
-                <a:solidFill>
-                  <a:schemeClr val="bg2"/>
-                </a:solidFill>
-              </a:rPr>
-              <a:t>Arnulfstraße 27</a:t>
-            </a:r>
-          </a:p>
-          <a:p>
-            <a:pPr algn="ctr">
-              <a:defRPr/>
-            </a:pPr>
-            <a:r>
-              <a:rPr lang="de-DE" b="1">
-                <a:solidFill>
-                  <a:schemeClr val="bg2"/>
-                </a:solidFill>
-              </a:rPr>
-              <a:t>80335 München</a:t>
-            </a:r>
-          </a:p>
-          <a:p>
-            <a:pPr algn="ctr">
-              <a:defRPr/>
-            </a:pPr>
-            <a:r>
-              <a:rPr lang="de-DE" b="1">
-                <a:solidFill>
-                  <a:schemeClr val="bg2"/>
-                </a:solidFill>
-              </a:rPr>
-              <a:t>www.validas.de</a:t>
-            </a:r>
-          </a:p>
-          <a:p>
-            <a:pPr algn="ctr">
-              <a:defRPr/>
-            </a:pPr>
-            <a:r>
-              <a:rPr lang="de-DE" b="1">
-                <a:solidFill>
-                  <a:schemeClr val="bg2"/>
-                </a:solidFill>
-              </a:rPr>
-              <a:t>info@validas.de</a:t>
-            </a:r>
-          </a:p>
-        </p:txBody>
-      </p:sp>
-      <p:pic>
-        <p:nvPicPr>
-          <p:cNvPr id="17413" name="Picture 2" descr="\\smbsrv.validas\intranet\Validas\CorporateIdentity\ValidasLogos\validas600.png"/>
-          <p:cNvPicPr>
-            <a:picLocks noChangeAspect="1" noChangeArrowheads="1"/>
-          </p:cNvPicPr>
-          <p:nvPr/>
-        </p:nvPicPr>
-        <p:blipFill>
-          <a:blip r:embed="rId3" cstate="print">
-            <a:lum bright="-10000" contrast="30000"/>
-          </a:blip>
-          <a:srcRect/>
-          <a:stretch>
-            <a:fillRect/>
-          </a:stretch>
-        </p:blipFill>
-        <p:spPr bwMode="auto">
-          <a:xfrm>
-            <a:off x="8024813" y="2809875"/>
-            <a:ext cx="3727450" cy="819150"/>
-          </a:xfrm>
-          <a:prstGeom prst="rect">
-            <a:avLst/>
-          </a:prstGeom>
-          <a:noFill/>
-          <a:ln w="9525">
-            <a:noFill/>
-            <a:miter lim="800000"/>
-            <a:headEnd/>
-            <a:tailEnd/>
-          </a:ln>
-        </p:spPr>
-      </p:pic>
-      <p:sp>
-        <p:nvSpPr>
-          <p:cNvPr id="17415" name="Titel 9"/>
-          <p:cNvSpPr>
-            <a:spLocks noGrp="1"/>
-          </p:cNvSpPr>
-          <p:nvPr>
-            <p:ph type="title"/>
-          </p:nvPr>
-        </p:nvSpPr>
-        <p:spPr bwMode="auto">
-          <a:xfrm>
-            <a:off x="442913" y="93663"/>
-            <a:ext cx="10742612" cy="939800"/>
-          </a:xfrm>
-          <a:noFill/>
-          <a:ln>
-            <a:miter lim="800000"/>
-            <a:headEnd/>
-            <a:tailEnd/>
-          </a:ln>
-        </p:spPr>
-        <p:txBody>
-          <a:bodyPr vert="horz" wrap="square" numCol="1" anchor="t" anchorCtr="0" compatLnSpc="1">
-            <a:prstTxWarp prst="textNoShape">
-              <a:avLst/>
-            </a:prstTxWarp>
-          </a:bodyPr>
-          <a:lstStyle/>
-          <a:p>
-            <a:pPr eaLnBrk="1" hangingPunct="1"/>
-            <a:r>
-              <a:rPr lang="de-DE" smtClean="0"/>
-              <a:t>Thank you !</a:t>
-            </a:r>
-            <a:endParaRPr lang="en-US" smtClean="0"/>
-          </a:p>
-        </p:txBody>
-      </p:sp>
-    </p:spTree>
-  </p:cSld>
-  <p:clrMapOvr>
-    <a:masterClrMapping/>
-  </p:clrMapOvr>
-  <p:transition/>
-  <p:timing>
-    <p:tnLst>
-      <p:par>
-        <p:cTn id="1" dur="indefinite" restart="never" nodeType="tmRoot"/>
-      </p:par>
-    </p:tnLst>
-  </p:timing>
-</p:sld>
-</file>
-
-<file path=ppt/slides/slide2.xml><?xml version="1.0" encoding="utf-8"?>
-<p:sld xmlns:a="http://schemas.openxmlformats.org/drawingml/2006/main" xmlns:r="http://schemas.openxmlformats.org/officeDocument/2006/relationships" xmlns:p="http://schemas.openxmlformats.org/presentationml/2006/main">
-  <p:cSld>
-    <p:spTree>
-      <p:nvGrpSpPr>
-        <p:cNvPr id="1" name=""/>
-        <p:cNvGrpSpPr/>
-        <p:nvPr/>
-      </p:nvGrpSpPr>
-      <p:grpSpPr>
-        <a:xfrm>
-          <a:off x="0" y="0"/>
-          <a:ext cx="0" cy="0"/>
-          <a:chOff x="0" y="0"/>
-          <a:chExt cx="0" cy="0"/>
-        </a:xfrm>
-      </p:grpSpPr>
-      <p:sp>
-        <p:nvSpPr>
-          <p:cNvPr id="9218" name="Titel 1"/>
-          <p:cNvSpPr>
-            <a:spLocks noGrp="1"/>
-          </p:cNvSpPr>
-          <p:nvPr>
-            <p:ph type="title"/>
-          </p:nvPr>
-        </p:nvSpPr>
-        <p:spPr bwMode="auto">
-          <a:xfrm>
-            <a:off x="442913" y="93663"/>
-            <a:ext cx="10742612" cy="939800"/>
-          </a:xfrm>
-          <a:noFill/>
-          <a:ln>
-            <a:miter lim="800000"/>
-            <a:headEnd/>
-            <a:tailEnd/>
-          </a:ln>
-        </p:spPr>
-        <p:txBody>
-          <a:bodyPr vert="horz" wrap="square" numCol="1" anchor="t" anchorCtr="0" compatLnSpc="1">
-            <a:prstTxWarp prst="textNoShape">
-              <a:avLst/>
-            </a:prstTxWarp>
-          </a:bodyPr>
-          <a:lstStyle/>
-          <a:p>
-            <a:r>
-              <a:rPr lang="en-US" smtClean="0"/>
-              <a:t>The “Semantic Gap”</a:t>
-            </a:r>
-            <a:endParaRPr lang="en-US" smtClean="0"/>
-          </a:p>
-        </p:txBody>
-      </p:sp>
-    </p:spTree>
-  </p:cSld>
-  <p:clrMapOvr>
-    <a:masterClrMapping/>
-  </p:clrMapOvr>
-</p:sld>
-</file>
-
-<file path=ppt/slides/slide3.xml><?xml version="1.0" encoding="utf-8"?>
-<p:sld xmlns:a="http://schemas.openxmlformats.org/drawingml/2006/main" xmlns:r="http://schemas.openxmlformats.org/officeDocument/2006/relationships" xmlns:p="http://schemas.openxmlformats.org/presentationml/2006/main">
-  <p:cSld>
-    <p:spTree>
-      <p:nvGrpSpPr>
-        <p:cNvPr id="1" name=""/>
-        <p:cNvGrpSpPr/>
-        <p:nvPr/>
-      </p:nvGrpSpPr>
-      <p:grpSpPr>
-        <a:xfrm>
-          <a:off x="0" y="0"/>
-          <a:ext cx="0" cy="0"/>
-          <a:chOff x="0" y="0"/>
-          <a:chExt cx="0" cy="0"/>
-        </a:xfrm>
-      </p:grpSpPr>
-      <p:sp>
-        <p:nvSpPr>
-          <p:cNvPr id="9218" name="Titel 1"/>
-          <p:cNvSpPr>
-            <a:spLocks noGrp="1"/>
-          </p:cNvSpPr>
-          <p:nvPr>
-            <p:ph type="title"/>
-          </p:nvPr>
-        </p:nvSpPr>
-        <p:spPr bwMode="auto">
-          <a:xfrm>
-            <a:off x="442913" y="93663"/>
-            <a:ext cx="10742612" cy="939800"/>
-          </a:xfrm>
-          <a:noFill/>
-          <a:ln>
-            <a:miter lim="800000"/>
-            <a:headEnd/>
-            <a:tailEnd/>
-          </a:ln>
-        </p:spPr>
-        <p:txBody>
-          <a:bodyPr vert="horz" wrap="square" numCol="1" anchor="t" anchorCtr="0" compatLnSpc="1">
-            <a:prstTxWarp prst="textNoShape">
-              <a:avLst/>
-            </a:prstTxWarp>
-          </a:bodyPr>
-          <a:lstStyle/>
-          <a:p>
-            <a:r>
-              <a:rPr lang="en-US" smtClean="0"/>
-              <a:t>What does </a:t>
-            </a:r>
-            <a:r>
-              <a:rPr lang="en-US" smtClean="0">
-                <a:latin typeface="Courier New" panose="02070309020205020404" pitchFamily="49" charset="0"/>
-                <a:cs typeface="Courier New" panose="02070309020205020404" pitchFamily="49" charset="0"/>
-              </a:rPr>
-              <a:t>process</a:t>
-            </a:r>
-            <a:r>
-              <a:rPr lang="en-US" smtClean="0"/>
-              <a:t> do?</a:t>
-            </a:r>
-          </a:p>
-        </p:txBody>
-      </p:sp>
-      <p:sp>
-        <p:nvSpPr>
-          <p:cNvPr id="3" name="Textfeld 2"/>
-          <p:cNvSpPr txBox="1"/>
-          <p:nvPr/>
-        </p:nvSpPr>
-        <p:spPr>
-          <a:xfrm>
-            <a:off x="477520" y="1229360"/>
-            <a:ext cx="5416868" cy="7786747"/>
-          </a:xfrm>
-          <a:prstGeom prst="rect">
-            <a:avLst/>
-          </a:prstGeom>
-          <a:noFill/>
-        </p:spPr>
-        <p:txBody>
-          <a:bodyPr wrap="none" rtlCol="0">
-            <a:spAutoFit/>
-          </a:bodyPr>
-          <a:lstStyle/>
-          <a:p>
-            <a:r>
-              <a:rPr lang="de-DE" sz="2000" err="1">
-                <a:latin typeface="Courier New" panose="02070309020205020404" pitchFamily="49" charset="0"/>
-                <a:cs typeface="Courier New" panose="02070309020205020404" pitchFamily="49" charset="0"/>
-              </a:rPr>
-              <a:t>void</a:t>
-            </a:r>
-            <a:r>
-              <a:rPr lang="de-DE" sz="2000">
-                <a:latin typeface="Courier New" panose="02070309020205020404" pitchFamily="49" charset="0"/>
-                <a:cs typeface="Courier New" panose="02070309020205020404" pitchFamily="49" charset="0"/>
-              </a:rPr>
-              <a:t> </a:t>
-            </a:r>
-            <a:r>
-              <a:rPr lang="de-DE" sz="2000" err="1">
-                <a:latin typeface="Courier New" panose="02070309020205020404" pitchFamily="49" charset="0"/>
-                <a:cs typeface="Courier New" panose="02070309020205020404" pitchFamily="49" charset="0"/>
-              </a:rPr>
-              <a:t>swap</a:t>
-            </a:r>
-            <a:r>
-              <a:rPr lang="de-DE" sz="2000">
-                <a:latin typeface="Courier New" panose="02070309020205020404" pitchFamily="49" charset="0"/>
-                <a:cs typeface="Courier New" panose="02070309020205020404" pitchFamily="49" charset="0"/>
-              </a:rPr>
-              <a:t>(</a:t>
-            </a:r>
-            <a:r>
-              <a:rPr lang="de-DE" sz="2000" err="1">
-                <a:latin typeface="Courier New" panose="02070309020205020404" pitchFamily="49" charset="0"/>
-                <a:cs typeface="Courier New" panose="02070309020205020404" pitchFamily="49" charset="0"/>
-              </a:rPr>
-              <a:t>int</a:t>
-            </a:r>
-            <a:r>
-              <a:rPr lang="de-DE" sz="2000">
-                <a:latin typeface="Courier New" panose="02070309020205020404" pitchFamily="49" charset="0"/>
-                <a:cs typeface="Courier New" panose="02070309020205020404" pitchFamily="49" charset="0"/>
-              </a:rPr>
-              <a:t> *a, </a:t>
-            </a:r>
-            <a:r>
-              <a:rPr lang="de-DE" sz="2000" err="1">
-                <a:latin typeface="Courier New" panose="02070309020205020404" pitchFamily="49" charset="0"/>
-                <a:cs typeface="Courier New" panose="02070309020205020404" pitchFamily="49" charset="0"/>
-              </a:rPr>
-              <a:t>int</a:t>
-            </a:r>
-            <a:r>
-              <a:rPr lang="de-DE" sz="2000">
-                <a:latin typeface="Courier New" panose="02070309020205020404" pitchFamily="49" charset="0"/>
-                <a:cs typeface="Courier New" panose="02070309020205020404" pitchFamily="49" charset="0"/>
-              </a:rPr>
-              <a:t> *b)</a:t>
-            </a:r>
-          </a:p>
-          <a:p>
-            <a:r>
-              <a:rPr lang="de-DE" sz="2000">
-                <a:latin typeface="Courier New" panose="02070309020205020404" pitchFamily="49" charset="0"/>
-                <a:cs typeface="Courier New" panose="02070309020205020404" pitchFamily="49" charset="0"/>
-              </a:rPr>
-              <a:t>{</a:t>
-            </a:r>
-          </a:p>
-          <a:p>
-            <a:r>
-              <a:rPr lang="de-DE" sz="2000">
-                <a:latin typeface="Courier New" panose="02070309020205020404" pitchFamily="49" charset="0"/>
-                <a:cs typeface="Courier New" panose="02070309020205020404" pitchFamily="49" charset="0"/>
-              </a:rPr>
-              <a:t>    </a:t>
-            </a:r>
-            <a:r>
-              <a:rPr lang="de-DE" sz="2000" err="1">
-                <a:latin typeface="Courier New" panose="02070309020205020404" pitchFamily="49" charset="0"/>
-                <a:cs typeface="Courier New" panose="02070309020205020404" pitchFamily="49" charset="0"/>
-              </a:rPr>
-              <a:t>int</a:t>
-            </a:r>
-            <a:r>
-              <a:rPr lang="de-DE" sz="2000">
-                <a:latin typeface="Courier New" panose="02070309020205020404" pitchFamily="49" charset="0"/>
-                <a:cs typeface="Courier New" panose="02070309020205020404" pitchFamily="49" charset="0"/>
-              </a:rPr>
-              <a:t> </a:t>
-            </a:r>
-            <a:r>
-              <a:rPr lang="de-DE" sz="2000" err="1">
-                <a:latin typeface="Courier New" panose="02070309020205020404" pitchFamily="49" charset="0"/>
-                <a:cs typeface="Courier New" panose="02070309020205020404" pitchFamily="49" charset="0"/>
-              </a:rPr>
-              <a:t>tmp</a:t>
-            </a:r>
-            <a:r>
-              <a:rPr lang="de-DE" sz="2000">
-                <a:latin typeface="Courier New" panose="02070309020205020404" pitchFamily="49" charset="0"/>
-                <a:cs typeface="Courier New" panose="02070309020205020404" pitchFamily="49" charset="0"/>
-              </a:rPr>
-              <a:t> = *a;</a:t>
-            </a:r>
-          </a:p>
-          <a:p>
-            <a:r>
-              <a:rPr lang="de-DE" sz="2000">
-                <a:latin typeface="Courier New" panose="02070309020205020404" pitchFamily="49" charset="0"/>
-                <a:cs typeface="Courier New" panose="02070309020205020404" pitchFamily="49" charset="0"/>
-              </a:rPr>
-              <a:t>    *a = *b;</a:t>
-            </a:r>
-          </a:p>
-          <a:p>
-            <a:r>
-              <a:rPr lang="de-DE" sz="2000">
-                <a:latin typeface="Courier New" panose="02070309020205020404" pitchFamily="49" charset="0"/>
-                <a:cs typeface="Courier New" panose="02070309020205020404" pitchFamily="49" charset="0"/>
-              </a:rPr>
-              <a:t>    *b = </a:t>
-            </a:r>
-            <a:r>
-              <a:rPr lang="de-DE" sz="2000" err="1">
-                <a:latin typeface="Courier New" panose="02070309020205020404" pitchFamily="49" charset="0"/>
-                <a:cs typeface="Courier New" panose="02070309020205020404" pitchFamily="49" charset="0"/>
-              </a:rPr>
-              <a:t>tmp</a:t>
-            </a:r>
-            <a:r>
-              <a:rPr lang="de-DE" sz="2000">
-                <a:latin typeface="Courier New" panose="02070309020205020404" pitchFamily="49" charset="0"/>
-                <a:cs typeface="Courier New" panose="02070309020205020404" pitchFamily="49" charset="0"/>
-              </a:rPr>
-              <a:t>;</a:t>
-            </a:r>
-          </a:p>
-          <a:p>
-            <a:r>
-              <a:rPr lang="de-DE" sz="2000">
-                <a:latin typeface="Courier New" panose="02070309020205020404" pitchFamily="49" charset="0"/>
-                <a:cs typeface="Courier New" panose="02070309020205020404" pitchFamily="49" charset="0"/>
-              </a:rPr>
-              <a:t>}</a:t>
-            </a:r>
-          </a:p>
-          <a:p>
-            <a:endParaRPr lang="de-DE" sz="2000">
-              <a:latin typeface="Courier New" panose="02070309020205020404" pitchFamily="49" charset="0"/>
-              <a:cs typeface="Courier New" panose="02070309020205020404" pitchFamily="49" charset="0"/>
-            </a:endParaRPr>
-          </a:p>
-          <a:p>
-            <a:r>
-              <a:rPr lang="de-DE" sz="2000" err="1">
-                <a:latin typeface="Courier New" panose="02070309020205020404" pitchFamily="49" charset="0"/>
-                <a:cs typeface="Courier New" panose="02070309020205020404" pitchFamily="49" charset="0"/>
-              </a:rPr>
-              <a:t>void</a:t>
-            </a:r>
-            <a:r>
-              <a:rPr lang="de-DE" sz="2000">
-                <a:latin typeface="Courier New" panose="02070309020205020404" pitchFamily="49" charset="0"/>
-                <a:cs typeface="Courier New" panose="02070309020205020404" pitchFamily="49" charset="0"/>
-              </a:rPr>
-              <a:t> </a:t>
-            </a:r>
-            <a:r>
-              <a:rPr lang="de-DE" sz="2000" err="1" smtClean="0">
-                <a:latin typeface="Courier New" panose="02070309020205020404" pitchFamily="49" charset="0"/>
-                <a:cs typeface="Courier New" panose="02070309020205020404" pitchFamily="49" charset="0"/>
-              </a:rPr>
-              <a:t>process</a:t>
-            </a:r>
-            <a:r>
-              <a:rPr lang="de-DE" sz="2000" smtClean="0">
-                <a:latin typeface="Courier New" panose="02070309020205020404" pitchFamily="49" charset="0"/>
-                <a:cs typeface="Courier New" panose="02070309020205020404" pitchFamily="49" charset="0"/>
-              </a:rPr>
-              <a:t>(</a:t>
-            </a:r>
-            <a:r>
-              <a:rPr lang="de-DE" sz="2000" err="1" smtClean="0">
-                <a:latin typeface="Courier New" panose="02070309020205020404" pitchFamily="49" charset="0"/>
-                <a:cs typeface="Courier New" panose="02070309020205020404" pitchFamily="49" charset="0"/>
-              </a:rPr>
-              <a:t>int</a:t>
-            </a:r>
-            <a:r>
-              <a:rPr lang="de-DE" sz="2000" smtClean="0">
-                <a:latin typeface="Courier New" panose="02070309020205020404" pitchFamily="49" charset="0"/>
-                <a:cs typeface="Courier New" panose="02070309020205020404" pitchFamily="49" charset="0"/>
-              </a:rPr>
-              <a:t> </a:t>
-            </a:r>
-            <a:r>
-              <a:rPr lang="de-DE" sz="2000">
-                <a:latin typeface="Courier New" panose="02070309020205020404" pitchFamily="49" charset="0"/>
-                <a:cs typeface="Courier New" panose="02070309020205020404" pitchFamily="49" charset="0"/>
-              </a:rPr>
-              <a:t>*</a:t>
-            </a:r>
-            <a:r>
-              <a:rPr lang="de-DE" sz="2000" err="1">
-                <a:latin typeface="Courier New" panose="02070309020205020404" pitchFamily="49" charset="0"/>
-                <a:cs typeface="Courier New" panose="02070309020205020404" pitchFamily="49" charset="0"/>
-              </a:rPr>
-              <a:t>begin</a:t>
-            </a:r>
-            <a:r>
-              <a:rPr lang="de-DE" sz="2000">
-                <a:latin typeface="Courier New" panose="02070309020205020404" pitchFamily="49" charset="0"/>
-                <a:cs typeface="Courier New" panose="02070309020205020404" pitchFamily="49" charset="0"/>
-              </a:rPr>
-              <a:t>, </a:t>
-            </a:r>
-            <a:r>
-              <a:rPr lang="de-DE" sz="2000" err="1">
-                <a:latin typeface="Courier New" panose="02070309020205020404" pitchFamily="49" charset="0"/>
-                <a:cs typeface="Courier New" panose="02070309020205020404" pitchFamily="49" charset="0"/>
-              </a:rPr>
-              <a:t>int</a:t>
-            </a:r>
-            <a:r>
-              <a:rPr lang="de-DE" sz="2000">
-                <a:latin typeface="Courier New" panose="02070309020205020404" pitchFamily="49" charset="0"/>
-                <a:cs typeface="Courier New" panose="02070309020205020404" pitchFamily="49" charset="0"/>
-              </a:rPr>
-              <a:t> *end)</a:t>
-            </a:r>
-          </a:p>
-          <a:p>
-            <a:r>
-              <a:rPr lang="de-DE" sz="2000">
-                <a:latin typeface="Courier New" panose="02070309020205020404" pitchFamily="49" charset="0"/>
-                <a:cs typeface="Courier New" panose="02070309020205020404" pitchFamily="49" charset="0"/>
-              </a:rPr>
-              <a:t>{</a:t>
-            </a:r>
-          </a:p>
-          <a:p>
-            <a:r>
-              <a:rPr lang="de-DE" sz="2000">
-                <a:latin typeface="Courier New" panose="02070309020205020404" pitchFamily="49" charset="0"/>
-                <a:cs typeface="Courier New" panose="02070309020205020404" pitchFamily="49" charset="0"/>
-              </a:rPr>
-              <a:t>    </a:t>
-            </a:r>
-            <a:r>
-              <a:rPr lang="de-DE" sz="2000" err="1">
-                <a:latin typeface="Courier New" panose="02070309020205020404" pitchFamily="49" charset="0"/>
-                <a:cs typeface="Courier New" panose="02070309020205020404" pitchFamily="49" charset="0"/>
-              </a:rPr>
-              <a:t>int</a:t>
-            </a:r>
-            <a:r>
-              <a:rPr lang="de-DE" sz="2000">
-                <a:latin typeface="Courier New" panose="02070309020205020404" pitchFamily="49" charset="0"/>
-                <a:cs typeface="Courier New" panose="02070309020205020404" pitchFamily="49" charset="0"/>
-              </a:rPr>
-              <a:t> *</a:t>
-            </a:r>
-            <a:r>
-              <a:rPr lang="de-DE" sz="2000" err="1">
-                <a:latin typeface="Courier New" panose="02070309020205020404" pitchFamily="49" charset="0"/>
-                <a:cs typeface="Courier New" panose="02070309020205020404" pitchFamily="49" charset="0"/>
-              </a:rPr>
-              <a:t>ptr</a:t>
-            </a:r>
-            <a:r>
-              <a:rPr lang="de-DE" sz="2000">
-                <a:latin typeface="Courier New" panose="02070309020205020404" pitchFamily="49" charset="0"/>
-                <a:cs typeface="Courier New" panose="02070309020205020404" pitchFamily="49" charset="0"/>
-              </a:rPr>
-              <a:t>;</a:t>
-            </a:r>
-          </a:p>
-          <a:p>
-            <a:r>
-              <a:rPr lang="de-DE" sz="2000">
-                <a:latin typeface="Courier New" panose="02070309020205020404" pitchFamily="49" charset="0"/>
-                <a:cs typeface="Courier New" panose="02070309020205020404" pitchFamily="49" charset="0"/>
-              </a:rPr>
-              <a:t>    </a:t>
-            </a:r>
-            <a:r>
-              <a:rPr lang="de-DE" sz="2000" err="1">
-                <a:latin typeface="Courier New" panose="02070309020205020404" pitchFamily="49" charset="0"/>
-                <a:cs typeface="Courier New" panose="02070309020205020404" pitchFamily="49" charset="0"/>
-              </a:rPr>
-              <a:t>int</a:t>
-            </a:r>
-            <a:r>
-              <a:rPr lang="de-DE" sz="2000">
-                <a:latin typeface="Courier New" panose="02070309020205020404" pitchFamily="49" charset="0"/>
-                <a:cs typeface="Courier New" panose="02070309020205020404" pitchFamily="49" charset="0"/>
-              </a:rPr>
-              <a:t> *</a:t>
-            </a:r>
-            <a:r>
-              <a:rPr lang="de-DE" sz="2000" err="1">
-                <a:latin typeface="Courier New" panose="02070309020205020404" pitchFamily="49" charset="0"/>
-                <a:cs typeface="Courier New" panose="02070309020205020404" pitchFamily="49" charset="0"/>
-              </a:rPr>
-              <a:t>split</a:t>
-            </a:r>
-            <a:r>
-              <a:rPr lang="de-DE" sz="2000">
-                <a:latin typeface="Courier New" panose="02070309020205020404" pitchFamily="49" charset="0"/>
-                <a:cs typeface="Courier New" panose="02070309020205020404" pitchFamily="49" charset="0"/>
-              </a:rPr>
-              <a:t>;</a:t>
-            </a:r>
-          </a:p>
-          <a:p>
-            <a:r>
-              <a:rPr lang="de-DE" sz="2000">
-                <a:latin typeface="Courier New" panose="02070309020205020404" pitchFamily="49" charset="0"/>
-                <a:cs typeface="Courier New" panose="02070309020205020404" pitchFamily="49" charset="0"/>
-              </a:rPr>
-              <a:t>    </a:t>
-            </a:r>
-            <a:r>
-              <a:rPr lang="de-DE" sz="2000" err="1">
-                <a:latin typeface="Courier New" panose="02070309020205020404" pitchFamily="49" charset="0"/>
-                <a:cs typeface="Courier New" panose="02070309020205020404" pitchFamily="49" charset="0"/>
-              </a:rPr>
-              <a:t>if</a:t>
-            </a:r>
-            <a:r>
-              <a:rPr lang="de-DE" sz="2000">
-                <a:latin typeface="Courier New" panose="02070309020205020404" pitchFamily="49" charset="0"/>
-                <a:cs typeface="Courier New" panose="02070309020205020404" pitchFamily="49" charset="0"/>
-              </a:rPr>
-              <a:t> (end - </a:t>
-            </a:r>
-            <a:r>
-              <a:rPr lang="de-DE" sz="2000" err="1">
-                <a:latin typeface="Courier New" panose="02070309020205020404" pitchFamily="49" charset="0"/>
-                <a:cs typeface="Courier New" panose="02070309020205020404" pitchFamily="49" charset="0"/>
-              </a:rPr>
-              <a:t>begin</a:t>
-            </a:r>
-            <a:r>
-              <a:rPr lang="de-DE" sz="2000">
-                <a:latin typeface="Courier New" panose="02070309020205020404" pitchFamily="49" charset="0"/>
-                <a:cs typeface="Courier New" panose="02070309020205020404" pitchFamily="49" charset="0"/>
-              </a:rPr>
-              <a:t> &lt;= 1)</a:t>
-            </a:r>
-          </a:p>
-          <a:p>
-            <a:r>
-              <a:rPr lang="de-DE" sz="2000">
-                <a:latin typeface="Courier New" panose="02070309020205020404" pitchFamily="49" charset="0"/>
-                <a:cs typeface="Courier New" panose="02070309020205020404" pitchFamily="49" charset="0"/>
-              </a:rPr>
-              <a:t>        </a:t>
-            </a:r>
-            <a:r>
-              <a:rPr lang="de-DE" sz="2000" err="1">
-                <a:latin typeface="Courier New" panose="02070309020205020404" pitchFamily="49" charset="0"/>
-                <a:cs typeface="Courier New" panose="02070309020205020404" pitchFamily="49" charset="0"/>
-              </a:rPr>
-              <a:t>return</a:t>
-            </a:r>
-            <a:r>
-              <a:rPr lang="de-DE" sz="2000">
-                <a:latin typeface="Courier New" panose="02070309020205020404" pitchFamily="49" charset="0"/>
-                <a:cs typeface="Courier New" panose="02070309020205020404" pitchFamily="49" charset="0"/>
-              </a:rPr>
-              <a:t>;</a:t>
-            </a:r>
-          </a:p>
-          <a:p>
-            <a:r>
-              <a:rPr lang="de-DE" sz="2000">
-                <a:latin typeface="Courier New" panose="02070309020205020404" pitchFamily="49" charset="0"/>
-                <a:cs typeface="Courier New" panose="02070309020205020404" pitchFamily="49" charset="0"/>
-              </a:rPr>
-              <a:t>    </a:t>
-            </a:r>
-            <a:r>
-              <a:rPr lang="de-DE" sz="2000" err="1">
-                <a:latin typeface="Courier New" panose="02070309020205020404" pitchFamily="49" charset="0"/>
-                <a:cs typeface="Courier New" panose="02070309020205020404" pitchFamily="49" charset="0"/>
-              </a:rPr>
-              <a:t>ptr</a:t>
-            </a:r>
-            <a:r>
-              <a:rPr lang="de-DE" sz="2000">
-                <a:latin typeface="Courier New" panose="02070309020205020404" pitchFamily="49" charset="0"/>
-                <a:cs typeface="Courier New" panose="02070309020205020404" pitchFamily="49" charset="0"/>
-              </a:rPr>
-              <a:t> = </a:t>
-            </a:r>
-            <a:r>
-              <a:rPr lang="de-DE" sz="2000" err="1">
-                <a:latin typeface="Courier New" panose="02070309020205020404" pitchFamily="49" charset="0"/>
-                <a:cs typeface="Courier New" panose="02070309020205020404" pitchFamily="49" charset="0"/>
-              </a:rPr>
-              <a:t>begin</a:t>
-            </a:r>
-            <a:r>
-              <a:rPr lang="de-DE" sz="2000">
-                <a:latin typeface="Courier New" panose="02070309020205020404" pitchFamily="49" charset="0"/>
-                <a:cs typeface="Courier New" panose="02070309020205020404" pitchFamily="49" charset="0"/>
-              </a:rPr>
-              <a:t>;</a:t>
-            </a:r>
-          </a:p>
-          <a:p>
-            <a:r>
-              <a:rPr lang="de-DE" sz="2000">
-                <a:latin typeface="Courier New" panose="02070309020205020404" pitchFamily="49" charset="0"/>
-                <a:cs typeface="Courier New" panose="02070309020205020404" pitchFamily="49" charset="0"/>
-              </a:rPr>
-              <a:t>    </a:t>
-            </a:r>
-            <a:r>
-              <a:rPr lang="de-DE" sz="2000" err="1">
-                <a:latin typeface="Courier New" panose="02070309020205020404" pitchFamily="49" charset="0"/>
-                <a:cs typeface="Courier New" panose="02070309020205020404" pitchFamily="49" charset="0"/>
-              </a:rPr>
-              <a:t>split</a:t>
-            </a:r>
-            <a:r>
-              <a:rPr lang="de-DE" sz="2000">
-                <a:latin typeface="Courier New" panose="02070309020205020404" pitchFamily="49" charset="0"/>
-                <a:cs typeface="Courier New" panose="02070309020205020404" pitchFamily="49" charset="0"/>
-              </a:rPr>
-              <a:t> = </a:t>
-            </a:r>
-            <a:r>
-              <a:rPr lang="de-DE" sz="2000" err="1">
-                <a:latin typeface="Courier New" panose="02070309020205020404" pitchFamily="49" charset="0"/>
-                <a:cs typeface="Courier New" panose="02070309020205020404" pitchFamily="49" charset="0"/>
-              </a:rPr>
-              <a:t>begin</a:t>
-            </a:r>
-            <a:r>
-              <a:rPr lang="de-DE" sz="2000">
-                <a:latin typeface="Courier New" panose="02070309020205020404" pitchFamily="49" charset="0"/>
-                <a:cs typeface="Courier New" panose="02070309020205020404" pitchFamily="49" charset="0"/>
-              </a:rPr>
-              <a:t> + 1;</a:t>
-            </a:r>
-          </a:p>
-          <a:p>
-            <a:r>
-              <a:rPr lang="de-DE" sz="2000">
-                <a:latin typeface="Courier New" panose="02070309020205020404" pitchFamily="49" charset="0"/>
-                <a:cs typeface="Courier New" panose="02070309020205020404" pitchFamily="49" charset="0"/>
-              </a:rPr>
-              <a:t>    </a:t>
-            </a:r>
-            <a:r>
-              <a:rPr lang="de-DE" sz="2000" err="1">
-                <a:latin typeface="Courier New" panose="02070309020205020404" pitchFamily="49" charset="0"/>
-                <a:cs typeface="Courier New" panose="02070309020205020404" pitchFamily="49" charset="0"/>
-              </a:rPr>
-              <a:t>while</a:t>
-            </a:r>
-            <a:r>
-              <a:rPr lang="de-DE" sz="2000">
-                <a:latin typeface="Courier New" panose="02070309020205020404" pitchFamily="49" charset="0"/>
-                <a:cs typeface="Courier New" panose="02070309020205020404" pitchFamily="49" charset="0"/>
-              </a:rPr>
-              <a:t> (++</a:t>
-            </a:r>
-            <a:r>
-              <a:rPr lang="de-DE" sz="2000" err="1">
-                <a:latin typeface="Courier New" panose="02070309020205020404" pitchFamily="49" charset="0"/>
-                <a:cs typeface="Courier New" panose="02070309020205020404" pitchFamily="49" charset="0"/>
-              </a:rPr>
-              <a:t>ptr</a:t>
-            </a:r>
-            <a:r>
-              <a:rPr lang="de-DE" sz="2000">
-                <a:latin typeface="Courier New" panose="02070309020205020404" pitchFamily="49" charset="0"/>
-                <a:cs typeface="Courier New" panose="02070309020205020404" pitchFamily="49" charset="0"/>
-              </a:rPr>
-              <a:t> &lt;= end) {</a:t>
-            </a:r>
-          </a:p>
-          <a:p>
-            <a:r>
-              <a:rPr lang="de-DE" sz="2000">
-                <a:latin typeface="Courier New" panose="02070309020205020404" pitchFamily="49" charset="0"/>
-                <a:cs typeface="Courier New" panose="02070309020205020404" pitchFamily="49" charset="0"/>
-              </a:rPr>
-              <a:t>        </a:t>
-            </a:r>
-            <a:r>
-              <a:rPr lang="de-DE" sz="2000" err="1">
-                <a:latin typeface="Courier New" panose="02070309020205020404" pitchFamily="49" charset="0"/>
-                <a:cs typeface="Courier New" panose="02070309020205020404" pitchFamily="49" charset="0"/>
-              </a:rPr>
-              <a:t>if</a:t>
-            </a:r>
-            <a:r>
-              <a:rPr lang="de-DE" sz="2000">
-                <a:latin typeface="Courier New" panose="02070309020205020404" pitchFamily="49" charset="0"/>
-                <a:cs typeface="Courier New" panose="02070309020205020404" pitchFamily="49" charset="0"/>
-              </a:rPr>
-              <a:t> (*</a:t>
-            </a:r>
-            <a:r>
-              <a:rPr lang="de-DE" sz="2000" err="1">
-                <a:latin typeface="Courier New" panose="02070309020205020404" pitchFamily="49" charset="0"/>
-                <a:cs typeface="Courier New" panose="02070309020205020404" pitchFamily="49" charset="0"/>
-              </a:rPr>
-              <a:t>ptr</a:t>
-            </a:r>
-            <a:r>
-              <a:rPr lang="de-DE" sz="2000">
-                <a:latin typeface="Courier New" panose="02070309020205020404" pitchFamily="49" charset="0"/>
-                <a:cs typeface="Courier New" panose="02070309020205020404" pitchFamily="49" charset="0"/>
-              </a:rPr>
-              <a:t> &lt; *</a:t>
-            </a:r>
-            <a:r>
-              <a:rPr lang="de-DE" sz="2000" err="1">
-                <a:latin typeface="Courier New" panose="02070309020205020404" pitchFamily="49" charset="0"/>
-                <a:cs typeface="Courier New" panose="02070309020205020404" pitchFamily="49" charset="0"/>
-              </a:rPr>
-              <a:t>begin</a:t>
-            </a:r>
-            <a:r>
-              <a:rPr lang="de-DE" sz="2000">
-                <a:latin typeface="Courier New" panose="02070309020205020404" pitchFamily="49" charset="0"/>
-                <a:cs typeface="Courier New" panose="02070309020205020404" pitchFamily="49" charset="0"/>
-              </a:rPr>
-              <a:t>) {</a:t>
-            </a:r>
-          </a:p>
-          <a:p>
-            <a:r>
-              <a:rPr lang="de-DE" sz="2000">
-                <a:latin typeface="Courier New" panose="02070309020205020404" pitchFamily="49" charset="0"/>
-                <a:cs typeface="Courier New" panose="02070309020205020404" pitchFamily="49" charset="0"/>
-              </a:rPr>
-              <a:t>            </a:t>
-            </a:r>
-            <a:r>
-              <a:rPr lang="de-DE" sz="2000" err="1">
-                <a:latin typeface="Courier New" panose="02070309020205020404" pitchFamily="49" charset="0"/>
-                <a:cs typeface="Courier New" panose="02070309020205020404" pitchFamily="49" charset="0"/>
-              </a:rPr>
-              <a:t>swap</a:t>
-            </a:r>
-            <a:r>
-              <a:rPr lang="de-DE" sz="2000">
-                <a:latin typeface="Courier New" panose="02070309020205020404" pitchFamily="49" charset="0"/>
-                <a:cs typeface="Courier New" panose="02070309020205020404" pitchFamily="49" charset="0"/>
-              </a:rPr>
-              <a:t>(</a:t>
-            </a:r>
-            <a:r>
-              <a:rPr lang="de-DE" sz="2000" err="1">
-                <a:latin typeface="Courier New" panose="02070309020205020404" pitchFamily="49" charset="0"/>
-                <a:cs typeface="Courier New" panose="02070309020205020404" pitchFamily="49" charset="0"/>
-              </a:rPr>
-              <a:t>ptr</a:t>
-            </a:r>
-            <a:r>
-              <a:rPr lang="de-DE" sz="2000">
-                <a:latin typeface="Courier New" panose="02070309020205020404" pitchFamily="49" charset="0"/>
-                <a:cs typeface="Courier New" panose="02070309020205020404" pitchFamily="49" charset="0"/>
-              </a:rPr>
-              <a:t>, </a:t>
-            </a:r>
-            <a:r>
-              <a:rPr lang="de-DE" sz="2000" err="1">
-                <a:latin typeface="Courier New" panose="02070309020205020404" pitchFamily="49" charset="0"/>
-                <a:cs typeface="Courier New" panose="02070309020205020404" pitchFamily="49" charset="0"/>
-              </a:rPr>
-              <a:t>split</a:t>
-            </a:r>
-            <a:r>
-              <a:rPr lang="de-DE" sz="2000">
-                <a:latin typeface="Courier New" panose="02070309020205020404" pitchFamily="49" charset="0"/>
-                <a:cs typeface="Courier New" panose="02070309020205020404" pitchFamily="49" charset="0"/>
-              </a:rPr>
-              <a:t>);</a:t>
-            </a:r>
-          </a:p>
-          <a:p>
-            <a:r>
-              <a:rPr lang="de-DE" sz="2000">
-                <a:latin typeface="Courier New" panose="02070309020205020404" pitchFamily="49" charset="0"/>
-                <a:cs typeface="Courier New" panose="02070309020205020404" pitchFamily="49" charset="0"/>
-              </a:rPr>
-              <a:t>            ++</a:t>
-            </a:r>
-            <a:r>
-              <a:rPr lang="de-DE" sz="2000" err="1">
-                <a:latin typeface="Courier New" panose="02070309020205020404" pitchFamily="49" charset="0"/>
-                <a:cs typeface="Courier New" panose="02070309020205020404" pitchFamily="49" charset="0"/>
-              </a:rPr>
-              <a:t>split</a:t>
-            </a:r>
-            <a:r>
-              <a:rPr lang="de-DE" sz="2000">
-                <a:latin typeface="Courier New" panose="02070309020205020404" pitchFamily="49" charset="0"/>
-                <a:cs typeface="Courier New" panose="02070309020205020404" pitchFamily="49" charset="0"/>
-              </a:rPr>
-              <a:t>;</a:t>
-            </a:r>
-          </a:p>
-          <a:p>
-            <a:r>
-              <a:rPr lang="de-DE" sz="2000">
-                <a:latin typeface="Courier New" panose="02070309020205020404" pitchFamily="49" charset="0"/>
-                <a:cs typeface="Courier New" panose="02070309020205020404" pitchFamily="49" charset="0"/>
-              </a:rPr>
-              <a:t>        }</a:t>
-            </a:r>
-          </a:p>
-          <a:p>
-            <a:r>
-              <a:rPr lang="de-DE" sz="2000">
-                <a:latin typeface="Courier New" panose="02070309020205020404" pitchFamily="49" charset="0"/>
-                <a:cs typeface="Courier New" panose="02070309020205020404" pitchFamily="49" charset="0"/>
-              </a:rPr>
-              <a:t>    }</a:t>
-            </a:r>
-          </a:p>
-          <a:p>
-            <a:r>
-              <a:rPr lang="de-DE" sz="2000">
-                <a:latin typeface="Courier New" panose="02070309020205020404" pitchFamily="49" charset="0"/>
-                <a:cs typeface="Courier New" panose="02070309020205020404" pitchFamily="49" charset="0"/>
-              </a:rPr>
-              <a:t>    </a:t>
-            </a:r>
-            <a:r>
-              <a:rPr lang="de-DE" sz="2000" err="1">
-                <a:latin typeface="Courier New" panose="02070309020205020404" pitchFamily="49" charset="0"/>
-                <a:cs typeface="Courier New" panose="02070309020205020404" pitchFamily="49" charset="0"/>
-              </a:rPr>
-              <a:t>swap</a:t>
-            </a:r>
-            <a:r>
-              <a:rPr lang="de-DE" sz="2000">
-                <a:latin typeface="Courier New" panose="02070309020205020404" pitchFamily="49" charset="0"/>
-                <a:cs typeface="Courier New" panose="02070309020205020404" pitchFamily="49" charset="0"/>
-              </a:rPr>
-              <a:t>(</a:t>
-            </a:r>
-            <a:r>
-              <a:rPr lang="de-DE" sz="2000" err="1">
-                <a:latin typeface="Courier New" panose="02070309020205020404" pitchFamily="49" charset="0"/>
-                <a:cs typeface="Courier New" panose="02070309020205020404" pitchFamily="49" charset="0"/>
-              </a:rPr>
-              <a:t>begin</a:t>
-            </a:r>
-            <a:r>
-              <a:rPr lang="de-DE" sz="2000">
-                <a:latin typeface="Courier New" panose="02070309020205020404" pitchFamily="49" charset="0"/>
-                <a:cs typeface="Courier New" panose="02070309020205020404" pitchFamily="49" charset="0"/>
-              </a:rPr>
-              <a:t>, </a:t>
-            </a:r>
-            <a:r>
-              <a:rPr lang="de-DE" sz="2000" err="1">
-                <a:latin typeface="Courier New" panose="02070309020205020404" pitchFamily="49" charset="0"/>
-                <a:cs typeface="Courier New" panose="02070309020205020404" pitchFamily="49" charset="0"/>
-              </a:rPr>
-              <a:t>split</a:t>
-            </a:r>
-            <a:r>
-              <a:rPr lang="de-DE" sz="2000">
-                <a:latin typeface="Courier New" panose="02070309020205020404" pitchFamily="49" charset="0"/>
-                <a:cs typeface="Courier New" panose="02070309020205020404" pitchFamily="49" charset="0"/>
-              </a:rPr>
-              <a:t> - 1);</a:t>
-            </a:r>
-          </a:p>
-          <a:p>
-            <a:r>
-              <a:rPr lang="de-DE" sz="2000">
-                <a:latin typeface="Courier New" panose="02070309020205020404" pitchFamily="49" charset="0"/>
-                <a:cs typeface="Courier New" panose="02070309020205020404" pitchFamily="49" charset="0"/>
-              </a:rPr>
-              <a:t>    </a:t>
-            </a:r>
-            <a:r>
-              <a:rPr lang="de-DE" sz="2000" err="1" smtClean="0">
-                <a:latin typeface="Courier New" panose="02070309020205020404" pitchFamily="49" charset="0"/>
-                <a:cs typeface="Courier New" panose="02070309020205020404" pitchFamily="49" charset="0"/>
-              </a:rPr>
-              <a:t>process</a:t>
-            </a:r>
-            <a:r>
-              <a:rPr lang="de-DE" sz="2000" smtClean="0">
-                <a:latin typeface="Courier New" panose="02070309020205020404" pitchFamily="49" charset="0"/>
-                <a:cs typeface="Courier New" panose="02070309020205020404" pitchFamily="49" charset="0"/>
-              </a:rPr>
-              <a:t>(</a:t>
-            </a:r>
-            <a:r>
-              <a:rPr lang="de-DE" sz="2000" err="1" smtClean="0">
-                <a:latin typeface="Courier New" panose="02070309020205020404" pitchFamily="49" charset="0"/>
-                <a:cs typeface="Courier New" panose="02070309020205020404" pitchFamily="49" charset="0"/>
-              </a:rPr>
-              <a:t>begin</a:t>
-            </a:r>
-            <a:r>
-              <a:rPr lang="de-DE" sz="2000">
-                <a:latin typeface="Courier New" panose="02070309020205020404" pitchFamily="49" charset="0"/>
-                <a:cs typeface="Courier New" panose="02070309020205020404" pitchFamily="49" charset="0"/>
-              </a:rPr>
-              <a:t>, </a:t>
-            </a:r>
-            <a:r>
-              <a:rPr lang="de-DE" sz="2000" err="1">
-                <a:latin typeface="Courier New" panose="02070309020205020404" pitchFamily="49" charset="0"/>
-                <a:cs typeface="Courier New" panose="02070309020205020404" pitchFamily="49" charset="0"/>
-              </a:rPr>
-              <a:t>split</a:t>
-            </a:r>
-            <a:r>
-              <a:rPr lang="de-DE" sz="2000">
-                <a:latin typeface="Courier New" panose="02070309020205020404" pitchFamily="49" charset="0"/>
-                <a:cs typeface="Courier New" panose="02070309020205020404" pitchFamily="49" charset="0"/>
-              </a:rPr>
-              <a:t> - 1);</a:t>
-            </a:r>
-          </a:p>
-          <a:p>
-            <a:r>
-              <a:rPr lang="de-DE" sz="2000">
-                <a:latin typeface="Courier New" panose="02070309020205020404" pitchFamily="49" charset="0"/>
-                <a:cs typeface="Courier New" panose="02070309020205020404" pitchFamily="49" charset="0"/>
-              </a:rPr>
-              <a:t>    </a:t>
-            </a:r>
-            <a:r>
-              <a:rPr lang="de-DE" sz="2000" err="1" smtClean="0">
-                <a:latin typeface="Courier New" panose="02070309020205020404" pitchFamily="49" charset="0"/>
-                <a:cs typeface="Courier New" panose="02070309020205020404" pitchFamily="49" charset="0"/>
-              </a:rPr>
-              <a:t>process</a:t>
-            </a:r>
-            <a:r>
-              <a:rPr lang="de-DE" sz="2000" smtClean="0">
-                <a:latin typeface="Courier New" panose="02070309020205020404" pitchFamily="49" charset="0"/>
-                <a:cs typeface="Courier New" panose="02070309020205020404" pitchFamily="49" charset="0"/>
-              </a:rPr>
-              <a:t>(</a:t>
-            </a:r>
-            <a:r>
-              <a:rPr lang="de-DE" sz="2000" err="1" smtClean="0">
-                <a:latin typeface="Courier New" panose="02070309020205020404" pitchFamily="49" charset="0"/>
-                <a:cs typeface="Courier New" panose="02070309020205020404" pitchFamily="49" charset="0"/>
-              </a:rPr>
-              <a:t>split</a:t>
-            </a:r>
-            <a:r>
-              <a:rPr lang="de-DE" sz="2000">
-                <a:latin typeface="Courier New" panose="02070309020205020404" pitchFamily="49" charset="0"/>
-                <a:cs typeface="Courier New" panose="02070309020205020404" pitchFamily="49" charset="0"/>
-              </a:rPr>
-              <a:t>, end);</a:t>
-            </a:r>
-          </a:p>
-          <a:p>
-            <a:r>
-              <a:rPr lang="de-DE" sz="2000">
-                <a:latin typeface="Courier New" panose="02070309020205020404" pitchFamily="49" charset="0"/>
-                <a:cs typeface="Courier New" panose="02070309020205020404" pitchFamily="49" charset="0"/>
-              </a:rPr>
-              <a:t>}</a:t>
-            </a:r>
-            <a:endParaRPr lang="de-DE" sz="2000" smtClean="0">
-              <a:latin typeface="Courier New" panose="02070309020205020404" pitchFamily="49" charset="0"/>
-              <a:cs typeface="Courier New" panose="02070309020205020404" pitchFamily="49" charset="0"/>
-            </a:endParaRPr>
-          </a:p>
-        </p:txBody>
-      </p:sp>
-    </p:spTree>
-    <p:extLst>
-      <p:ext uri="{BB962C8B-B14F-4D97-AF65-F5344CB8AC3E}">
-        <p14:creationId xmlns:p14="http://schemas.microsoft.com/office/powerpoint/2010/main" val="2497782321"/>
-      </p:ext>
-    </p:extLst>
-  </p:cSld>
-  <p:clrMapOvr>
-    <a:masterClrMapping/>
-  </p:clrMapOvr>
-</p:sld>
-</file>
-
-<file path=ppt/slides/slide4.xml><?xml version="1.0" encoding="utf-8"?>
-<p:sld xmlns:a="http://schemas.openxmlformats.org/drawingml/2006/main" xmlns:r="http://schemas.openxmlformats.org/officeDocument/2006/relationships" xmlns:p="http://schemas.openxmlformats.org/presentationml/2006/main">
-  <p:cSld>
-    <p:spTree>
-      <p:nvGrpSpPr>
-        <p:cNvPr id="1" name=""/>
-        <p:cNvGrpSpPr/>
-        <p:nvPr/>
-      </p:nvGrpSpPr>
-      <p:grpSpPr>
-        <a:xfrm>
-          <a:off x="0" y="0"/>
-          <a:ext cx="0" cy="0"/>
-          <a:chOff x="0" y="0"/>
-          <a:chExt cx="0" cy="0"/>
-        </a:xfrm>
-      </p:grpSpPr>
-      <p:sp>
-        <p:nvSpPr>
-          <p:cNvPr id="9218" name="Titel 1"/>
-          <p:cNvSpPr>
-            <a:spLocks noGrp="1"/>
-          </p:cNvSpPr>
-          <p:nvPr>
-            <p:ph type="title"/>
-          </p:nvPr>
-        </p:nvSpPr>
-        <p:spPr bwMode="auto">
-          <a:xfrm>
-            <a:off x="442913" y="93663"/>
-            <a:ext cx="10742612" cy="939800"/>
-          </a:xfrm>
-          <a:noFill/>
-          <a:ln>
-            <a:miter lim="800000"/>
-            <a:headEnd/>
-            <a:tailEnd/>
-          </a:ln>
-        </p:spPr>
-        <p:txBody>
-          <a:bodyPr vert="horz" wrap="square" numCol="1" anchor="t" anchorCtr="0" compatLnSpc="1">
-            <a:prstTxWarp prst="textNoShape">
-              <a:avLst/>
-            </a:prstTxWarp>
-          </a:bodyPr>
-          <a:lstStyle/>
-          <a:p>
-            <a:r>
-              <a:rPr lang="en-US" smtClean="0"/>
-              <a:t>What does </a:t>
-            </a:r>
-            <a:r>
-              <a:rPr lang="en-US" smtClean="0">
-                <a:latin typeface="Droid Sans Mono Chess ASCII" panose="020B0609030804020204" pitchFamily="50" charset="0"/>
-                <a:ea typeface="Droid Sans Mono Chess ASCII" panose="020B0609030804020204" pitchFamily="50" charset="0"/>
-                <a:cs typeface="Droid Sans Mono Chess ASCII" panose="020B0609030804020204" pitchFamily="50" charset="0"/>
-              </a:rPr>
-              <a:t>process2</a:t>
-            </a:r>
-            <a:r>
-              <a:rPr lang="en-US" smtClean="0"/>
-              <a:t> do?</a:t>
-            </a:r>
-          </a:p>
-        </p:txBody>
-      </p:sp>
-      <p:sp>
-        <p:nvSpPr>
-          <p:cNvPr id="3" name="Textfeld 2"/>
-          <p:cNvSpPr txBox="1"/>
-          <p:nvPr/>
-        </p:nvSpPr>
-        <p:spPr>
-          <a:xfrm>
-            <a:off x="477520" y="2046596"/>
-            <a:ext cx="11435438" cy="1938992"/>
-          </a:xfrm>
-          <a:prstGeom prst="rect">
-            <a:avLst/>
-          </a:prstGeom>
-          <a:noFill/>
-        </p:spPr>
-        <p:txBody>
-          <a:bodyPr wrap="square" rtlCol="0">
-            <a:spAutoFit/>
-          </a:bodyPr>
-          <a:lstStyle/>
-          <a:p>
-            <a:r>
-              <a:rPr lang="en-US" sz="2000">
-                <a:latin typeface="Droid Sans Mono Chess ASCII" panose="020B0609030804020204" pitchFamily="50" charset="0"/>
-                <a:ea typeface="Droid Sans Mono Chess ASCII" panose="020B0609030804020204" pitchFamily="50" charset="0"/>
-                <a:cs typeface="Droid Sans Mono Chess ASCII" panose="020B0609030804020204" pitchFamily="50" charset="0"/>
-              </a:rPr>
-              <a:t>process2 []           = </a:t>
-            </a:r>
-            <a:r>
-              <a:rPr lang="en-US" sz="2000" smtClean="0">
-                <a:latin typeface="Droid Sans Mono Chess ASCII" panose="020B0609030804020204" pitchFamily="50" charset="0"/>
-                <a:ea typeface="Droid Sans Mono Chess ASCII" panose="020B0609030804020204" pitchFamily="50" charset="0"/>
-                <a:cs typeface="Droid Sans Mono Chess ASCII" panose="020B0609030804020204" pitchFamily="50" charset="0"/>
-              </a:rPr>
-              <a:t>[]</a:t>
-            </a:r>
-          </a:p>
-          <a:p>
-            <a:endParaRPr lang="en-US" sz="2000">
-              <a:latin typeface="Droid Sans Mono Chess ASCII" panose="020B0609030804020204" pitchFamily="50" charset="0"/>
-              <a:ea typeface="Droid Sans Mono Chess ASCII" panose="020B0609030804020204" pitchFamily="50" charset="0"/>
-              <a:cs typeface="Droid Sans Mono Chess ASCII" panose="020B0609030804020204" pitchFamily="50" charset="0"/>
-            </a:endParaRPr>
-          </a:p>
-          <a:p>
-            <a:r>
-              <a:rPr lang="en-US" sz="2000">
-                <a:latin typeface="Droid Sans Mono Chess ASCII" panose="020B0609030804020204" pitchFamily="50" charset="0"/>
-                <a:ea typeface="Droid Sans Mono Chess ASCII" panose="020B0609030804020204" pitchFamily="50" charset="0"/>
-                <a:cs typeface="Droid Sans Mono Chess ASCII" panose="020B0609030804020204" pitchFamily="50" charset="0"/>
-              </a:rPr>
-              <a:t>process2 (first:rest) = </a:t>
-            </a:r>
-            <a:r>
-              <a:rPr lang="en-US" sz="2000" smtClean="0">
-                <a:latin typeface="Droid Sans Mono Chess ASCII" panose="020B0609030804020204" pitchFamily="50" charset="0"/>
-                <a:ea typeface="Droid Sans Mono Chess ASCII" panose="020B0609030804020204" pitchFamily="50" charset="0"/>
-                <a:cs typeface="Droid Sans Mono Chess ASCII" panose="020B0609030804020204" pitchFamily="50" charset="0"/>
-              </a:rPr>
-              <a:t>let smaller </a:t>
-            </a:r>
-            <a:r>
-              <a:rPr lang="en-US" sz="2000">
-                <a:latin typeface="Droid Sans Mono Chess ASCII" panose="020B0609030804020204" pitchFamily="50" charset="0"/>
-                <a:ea typeface="Droid Sans Mono Chess ASCII" panose="020B0609030804020204" pitchFamily="50" charset="0"/>
-                <a:cs typeface="Droid Sans Mono Chess ASCII" panose="020B0609030804020204" pitchFamily="50" charset="0"/>
-              </a:rPr>
-              <a:t>= filter (&lt;= first) rest</a:t>
-            </a:r>
-          </a:p>
-          <a:p>
-            <a:r>
-              <a:rPr lang="en-US" sz="2000">
-                <a:latin typeface="Droid Sans Mono Chess ASCII" panose="020B0609030804020204" pitchFamily="50" charset="0"/>
-                <a:ea typeface="Droid Sans Mono Chess ASCII" panose="020B0609030804020204" pitchFamily="50" charset="0"/>
-                <a:cs typeface="Droid Sans Mono Chess ASCII" panose="020B0609030804020204" pitchFamily="50" charset="0"/>
-              </a:rPr>
-              <a:t>	</a:t>
-            </a:r>
-            <a:r>
-              <a:rPr lang="en-US" sz="2000" smtClean="0">
-                <a:latin typeface="Droid Sans Mono Chess ASCII" panose="020B0609030804020204" pitchFamily="50" charset="0"/>
-                <a:ea typeface="Droid Sans Mono Chess ASCII" panose="020B0609030804020204" pitchFamily="50" charset="0"/>
-                <a:cs typeface="Droid Sans Mono Chess ASCII" panose="020B0609030804020204" pitchFamily="50" charset="0"/>
-              </a:rPr>
-              <a:t>                      bigger  </a:t>
-            </a:r>
-            <a:r>
-              <a:rPr lang="en-US" sz="2000">
-                <a:latin typeface="Droid Sans Mono Chess ASCII" panose="020B0609030804020204" pitchFamily="50" charset="0"/>
-                <a:ea typeface="Droid Sans Mono Chess ASCII" panose="020B0609030804020204" pitchFamily="50" charset="0"/>
-                <a:cs typeface="Droid Sans Mono Chess ASCII" panose="020B0609030804020204" pitchFamily="50" charset="0"/>
-              </a:rPr>
-              <a:t>= filter (&gt;  first) </a:t>
-            </a:r>
-            <a:r>
-              <a:rPr lang="en-US" sz="2000" smtClean="0">
-                <a:latin typeface="Droid Sans Mono Chess ASCII" panose="020B0609030804020204" pitchFamily="50" charset="0"/>
-                <a:ea typeface="Droid Sans Mono Chess ASCII" panose="020B0609030804020204" pitchFamily="50" charset="0"/>
-                <a:cs typeface="Droid Sans Mono Chess ASCII" panose="020B0609030804020204" pitchFamily="50" charset="0"/>
-              </a:rPr>
-              <a:t>rest</a:t>
-            </a:r>
-            <a:endParaRPr lang="en-US" sz="2000">
-              <a:latin typeface="Droid Sans Mono Chess ASCII" panose="020B0609030804020204" pitchFamily="50" charset="0"/>
-              <a:ea typeface="Droid Sans Mono Chess ASCII" panose="020B0609030804020204" pitchFamily="50" charset="0"/>
-              <a:cs typeface="Droid Sans Mono Chess ASCII" panose="020B0609030804020204" pitchFamily="50" charset="0"/>
-            </a:endParaRPr>
-          </a:p>
-          <a:p>
-            <a:r>
-              <a:rPr lang="en-US" sz="2000">
-                <a:latin typeface="Droid Sans Mono Chess ASCII" panose="020B0609030804020204" pitchFamily="50" charset="0"/>
-                <a:ea typeface="Droid Sans Mono Chess ASCII" panose="020B0609030804020204" pitchFamily="50" charset="0"/>
-                <a:cs typeface="Droid Sans Mono Chess ASCII" panose="020B0609030804020204" pitchFamily="50" charset="0"/>
-              </a:rPr>
-              <a:t>	in</a:t>
-            </a:r>
-          </a:p>
-          <a:p>
-            <a:r>
-              <a:rPr lang="en-US" sz="2000">
-                <a:latin typeface="Droid Sans Mono Chess ASCII" panose="020B0609030804020204" pitchFamily="50" charset="0"/>
-                <a:ea typeface="Droid Sans Mono Chess ASCII" panose="020B0609030804020204" pitchFamily="50" charset="0"/>
-                <a:cs typeface="Droid Sans Mono Chess ASCII" panose="020B0609030804020204" pitchFamily="50" charset="0"/>
-              </a:rPr>
-              <a:t>	</a:t>
-            </a:r>
-            <a:r>
-              <a:rPr lang="en-US" sz="2000" smtClean="0">
-                <a:latin typeface="Droid Sans Mono Chess ASCII" panose="020B0609030804020204" pitchFamily="50" charset="0"/>
-                <a:ea typeface="Droid Sans Mono Chess ASCII" panose="020B0609030804020204" pitchFamily="50" charset="0"/>
-                <a:cs typeface="Droid Sans Mono Chess ASCII" panose="020B0609030804020204" pitchFamily="50" charset="0"/>
-              </a:rPr>
-              <a:t>process2 </a:t>
-            </a:r>
-            <a:r>
-              <a:rPr lang="en-US" sz="2000">
-                <a:latin typeface="Droid Sans Mono Chess ASCII" panose="020B0609030804020204" pitchFamily="50" charset="0"/>
-                <a:ea typeface="Droid Sans Mono Chess ASCII" panose="020B0609030804020204" pitchFamily="50" charset="0"/>
-                <a:cs typeface="Droid Sans Mono Chess ASCII" panose="020B0609030804020204" pitchFamily="50" charset="0"/>
-              </a:rPr>
-              <a:t>smaller </a:t>
-            </a:r>
-            <a:r>
-              <a:rPr lang="en-US" sz="2000" smtClean="0">
-                <a:latin typeface="Droid Sans Mono Chess ASCII" panose="020B0609030804020204" pitchFamily="50" charset="0"/>
-                <a:ea typeface="Droid Sans Mono Chess ASCII" panose="020B0609030804020204" pitchFamily="50" charset="0"/>
-                <a:cs typeface="Droid Sans Mono Chess ASCII" panose="020B0609030804020204" pitchFamily="50" charset="0"/>
-              </a:rPr>
-              <a:t>  ++   [</a:t>
-            </a:r>
-            <a:r>
-              <a:rPr lang="en-US" sz="2000">
-                <a:latin typeface="Droid Sans Mono Chess ASCII" panose="020B0609030804020204" pitchFamily="50" charset="0"/>
-                <a:ea typeface="Droid Sans Mono Chess ASCII" panose="020B0609030804020204" pitchFamily="50" charset="0"/>
-                <a:cs typeface="Droid Sans Mono Chess ASCII" panose="020B0609030804020204" pitchFamily="50" charset="0"/>
-              </a:rPr>
-              <a:t>first] </a:t>
-            </a:r>
-            <a:r>
-              <a:rPr lang="en-US" sz="2000" smtClean="0">
-                <a:latin typeface="Droid Sans Mono Chess ASCII" panose="020B0609030804020204" pitchFamily="50" charset="0"/>
-                <a:ea typeface="Droid Sans Mono Chess ASCII" panose="020B0609030804020204" pitchFamily="50" charset="0"/>
-                <a:cs typeface="Droid Sans Mono Chess ASCII" panose="020B0609030804020204" pitchFamily="50" charset="0"/>
-              </a:rPr>
-              <a:t>  ++   process2 </a:t>
-            </a:r>
-            <a:r>
-              <a:rPr lang="en-US" sz="2000">
-                <a:latin typeface="Droid Sans Mono Chess ASCII" panose="020B0609030804020204" pitchFamily="50" charset="0"/>
-                <a:ea typeface="Droid Sans Mono Chess ASCII" panose="020B0609030804020204" pitchFamily="50" charset="0"/>
-                <a:cs typeface="Droid Sans Mono Chess ASCII" panose="020B0609030804020204" pitchFamily="50" charset="0"/>
-              </a:rPr>
-              <a:t>bigger</a:t>
-            </a:r>
-            <a:endParaRPr lang="de-DE" sz="2000">
-              <a:latin typeface="Droid Sans Mono Chess ASCII" panose="020B0609030804020204" pitchFamily="50" charset="0"/>
-              <a:ea typeface="Droid Sans Mono Chess ASCII" panose="020B0609030804020204" pitchFamily="50" charset="0"/>
-              <a:cs typeface="Droid Sans Mono Chess ASCII" panose="020B0609030804020204" pitchFamily="50" charset="0"/>
-            </a:endParaRPr>
-          </a:p>
-        </p:txBody>
-      </p:sp>
-    </p:spTree>
-    <p:extLst>
-      <p:ext uri="{BB962C8B-B14F-4D97-AF65-F5344CB8AC3E}">
-        <p14:creationId xmlns:p14="http://schemas.microsoft.com/office/powerpoint/2010/main" val="2610126838"/>
-      </p:ext>
-    </p:extLst>
-  </p:cSld>
-  <p:clrMapOvr>
-    <a:masterClrMapping/>
-  </p:clrMapOvr>
-</p:sld>
-</file>
-
-<file path=ppt/slides/slide5.xml><?xml version="1.0" encoding="utf-8"?>
-<p:sld xmlns:a="http://schemas.openxmlformats.org/drawingml/2006/main" xmlns:r="http://schemas.openxmlformats.org/officeDocument/2006/relationships" xmlns:p="http://schemas.openxmlformats.org/presentationml/2006/main">
-  <p:cSld>
-    <p:spTree>
-      <p:nvGrpSpPr>
-        <p:cNvPr id="1" name=""/>
-        <p:cNvGrpSpPr/>
-        <p:nvPr/>
-      </p:nvGrpSpPr>
-      <p:grpSpPr>
-        <a:xfrm>
-          <a:off x="0" y="0"/>
-          <a:ext cx="0" cy="0"/>
-          <a:chOff x="0" y="0"/>
-          <a:chExt cx="0" cy="0"/>
-        </a:xfrm>
-      </p:grpSpPr>
-      <p:sp>
-        <p:nvSpPr>
-          <p:cNvPr id="9218" name="Titel 1"/>
-          <p:cNvSpPr>
-            <a:spLocks noGrp="1"/>
-          </p:cNvSpPr>
-          <p:nvPr>
-            <p:ph type="title"/>
-          </p:nvPr>
-        </p:nvSpPr>
-        <p:spPr bwMode="auto">
-          <a:xfrm>
-            <a:off x="442913" y="93663"/>
-            <a:ext cx="10742612" cy="939800"/>
-          </a:xfrm>
-          <a:noFill/>
-          <a:ln>
-            <a:miter lim="800000"/>
-            <a:headEnd/>
-            <a:tailEnd/>
-          </a:ln>
-        </p:spPr>
-        <p:txBody>
-          <a:bodyPr vert="horz" wrap="square" numCol="1" anchor="t" anchorCtr="0" compatLnSpc="1">
-            <a:prstTxWarp prst="textNoShape">
-              <a:avLst/>
-            </a:prstTxWarp>
-          </a:bodyPr>
-          <a:lstStyle/>
-          <a:p>
-            <a:r>
-              <a:rPr lang="en-US"/>
-              <a:t>How to prove the functionality?</a:t>
-            </a:r>
-            <a:endParaRPr lang="en-US" smtClean="0"/>
-          </a:p>
-        </p:txBody>
-      </p:sp>
-      <p:sp>
-        <p:nvSpPr>
-          <p:cNvPr id="3" name="Textfeld 2"/>
-          <p:cNvSpPr txBox="1"/>
-          <p:nvPr/>
-        </p:nvSpPr>
-        <p:spPr>
-          <a:xfrm>
-            <a:off x="477520" y="1229360"/>
-            <a:ext cx="5416868" cy="7786747"/>
-          </a:xfrm>
-          <a:prstGeom prst="rect">
-            <a:avLst/>
-          </a:prstGeom>
-          <a:noFill/>
-        </p:spPr>
-        <p:txBody>
-          <a:bodyPr wrap="none" rtlCol="0">
-            <a:spAutoFit/>
-          </a:bodyPr>
-          <a:lstStyle/>
-          <a:p>
-            <a:r>
-              <a:rPr lang="de-DE" sz="2000" err="1">
-                <a:latin typeface="Courier New" panose="02070309020205020404" pitchFamily="49" charset="0"/>
-                <a:cs typeface="Courier New" panose="02070309020205020404" pitchFamily="49" charset="0"/>
-              </a:rPr>
-              <a:t>void</a:t>
-            </a:r>
-            <a:r>
-              <a:rPr lang="de-DE" sz="2000">
-                <a:latin typeface="Courier New" panose="02070309020205020404" pitchFamily="49" charset="0"/>
-                <a:cs typeface="Courier New" panose="02070309020205020404" pitchFamily="49" charset="0"/>
-              </a:rPr>
-              <a:t> </a:t>
-            </a:r>
-            <a:r>
-              <a:rPr lang="de-DE" sz="2000" err="1">
-                <a:latin typeface="Courier New" panose="02070309020205020404" pitchFamily="49" charset="0"/>
-                <a:cs typeface="Courier New" panose="02070309020205020404" pitchFamily="49" charset="0"/>
-              </a:rPr>
-              <a:t>swap</a:t>
-            </a:r>
-            <a:r>
-              <a:rPr lang="de-DE" sz="2000">
-                <a:latin typeface="Courier New" panose="02070309020205020404" pitchFamily="49" charset="0"/>
-                <a:cs typeface="Courier New" panose="02070309020205020404" pitchFamily="49" charset="0"/>
-              </a:rPr>
-              <a:t>(</a:t>
-            </a:r>
-            <a:r>
-              <a:rPr lang="de-DE" sz="2000" err="1">
-                <a:latin typeface="Courier New" panose="02070309020205020404" pitchFamily="49" charset="0"/>
-                <a:cs typeface="Courier New" panose="02070309020205020404" pitchFamily="49" charset="0"/>
-              </a:rPr>
-              <a:t>int</a:t>
-            </a:r>
-            <a:r>
-              <a:rPr lang="de-DE" sz="2000">
-                <a:latin typeface="Courier New" panose="02070309020205020404" pitchFamily="49" charset="0"/>
-                <a:cs typeface="Courier New" panose="02070309020205020404" pitchFamily="49" charset="0"/>
-              </a:rPr>
-              <a:t> *a, </a:t>
-            </a:r>
-            <a:r>
-              <a:rPr lang="de-DE" sz="2000" err="1">
-                <a:latin typeface="Courier New" panose="02070309020205020404" pitchFamily="49" charset="0"/>
-                <a:cs typeface="Courier New" panose="02070309020205020404" pitchFamily="49" charset="0"/>
-              </a:rPr>
-              <a:t>int</a:t>
-            </a:r>
-            <a:r>
-              <a:rPr lang="de-DE" sz="2000">
-                <a:latin typeface="Courier New" panose="02070309020205020404" pitchFamily="49" charset="0"/>
-                <a:cs typeface="Courier New" panose="02070309020205020404" pitchFamily="49" charset="0"/>
-              </a:rPr>
-              <a:t> *b)</a:t>
-            </a:r>
-          </a:p>
-          <a:p>
-            <a:r>
-              <a:rPr lang="de-DE" sz="2000">
-                <a:latin typeface="Courier New" panose="02070309020205020404" pitchFamily="49" charset="0"/>
-                <a:cs typeface="Courier New" panose="02070309020205020404" pitchFamily="49" charset="0"/>
-              </a:rPr>
-              <a:t>{</a:t>
-            </a:r>
-          </a:p>
-          <a:p>
-            <a:r>
-              <a:rPr lang="de-DE" sz="2000">
-                <a:latin typeface="Courier New" panose="02070309020205020404" pitchFamily="49" charset="0"/>
-                <a:cs typeface="Courier New" panose="02070309020205020404" pitchFamily="49" charset="0"/>
-              </a:rPr>
-              <a:t>    </a:t>
-            </a:r>
-            <a:r>
-              <a:rPr lang="de-DE" sz="2000" err="1">
-                <a:latin typeface="Courier New" panose="02070309020205020404" pitchFamily="49" charset="0"/>
-                <a:cs typeface="Courier New" panose="02070309020205020404" pitchFamily="49" charset="0"/>
-              </a:rPr>
-              <a:t>int</a:t>
-            </a:r>
-            <a:r>
-              <a:rPr lang="de-DE" sz="2000">
-                <a:latin typeface="Courier New" panose="02070309020205020404" pitchFamily="49" charset="0"/>
-                <a:cs typeface="Courier New" panose="02070309020205020404" pitchFamily="49" charset="0"/>
-              </a:rPr>
-              <a:t> </a:t>
-            </a:r>
-            <a:r>
-              <a:rPr lang="de-DE" sz="2000" err="1">
-                <a:latin typeface="Courier New" panose="02070309020205020404" pitchFamily="49" charset="0"/>
-                <a:cs typeface="Courier New" panose="02070309020205020404" pitchFamily="49" charset="0"/>
-              </a:rPr>
-              <a:t>tmp</a:t>
-            </a:r>
-            <a:r>
-              <a:rPr lang="de-DE" sz="2000">
-                <a:latin typeface="Courier New" panose="02070309020205020404" pitchFamily="49" charset="0"/>
-                <a:cs typeface="Courier New" panose="02070309020205020404" pitchFamily="49" charset="0"/>
-              </a:rPr>
-              <a:t> = *a;</a:t>
-            </a:r>
-          </a:p>
-          <a:p>
-            <a:r>
-              <a:rPr lang="de-DE" sz="2000">
-                <a:latin typeface="Courier New" panose="02070309020205020404" pitchFamily="49" charset="0"/>
-                <a:cs typeface="Courier New" panose="02070309020205020404" pitchFamily="49" charset="0"/>
-              </a:rPr>
-              <a:t>    *a = *b;</a:t>
-            </a:r>
-          </a:p>
-          <a:p>
-            <a:r>
-              <a:rPr lang="de-DE" sz="2000">
-                <a:latin typeface="Courier New" panose="02070309020205020404" pitchFamily="49" charset="0"/>
-                <a:cs typeface="Courier New" panose="02070309020205020404" pitchFamily="49" charset="0"/>
-              </a:rPr>
-              <a:t>    *b = </a:t>
-            </a:r>
-            <a:r>
-              <a:rPr lang="de-DE" sz="2000" err="1">
-                <a:latin typeface="Courier New" panose="02070309020205020404" pitchFamily="49" charset="0"/>
-                <a:cs typeface="Courier New" panose="02070309020205020404" pitchFamily="49" charset="0"/>
-              </a:rPr>
-              <a:t>tmp</a:t>
-            </a:r>
-            <a:r>
-              <a:rPr lang="de-DE" sz="2000">
-                <a:latin typeface="Courier New" panose="02070309020205020404" pitchFamily="49" charset="0"/>
-                <a:cs typeface="Courier New" panose="02070309020205020404" pitchFamily="49" charset="0"/>
-              </a:rPr>
-              <a:t>;</a:t>
-            </a:r>
-          </a:p>
-          <a:p>
-            <a:r>
-              <a:rPr lang="de-DE" sz="2000">
-                <a:latin typeface="Courier New" panose="02070309020205020404" pitchFamily="49" charset="0"/>
-                <a:cs typeface="Courier New" panose="02070309020205020404" pitchFamily="49" charset="0"/>
-              </a:rPr>
-              <a:t>}</a:t>
-            </a:r>
-          </a:p>
-          <a:p>
-            <a:endParaRPr lang="de-DE" sz="2000">
-              <a:latin typeface="Courier New" panose="02070309020205020404" pitchFamily="49" charset="0"/>
-              <a:cs typeface="Courier New" panose="02070309020205020404" pitchFamily="49" charset="0"/>
-            </a:endParaRPr>
-          </a:p>
-          <a:p>
-            <a:r>
-              <a:rPr lang="de-DE" sz="2000" err="1">
-                <a:latin typeface="Courier New" panose="02070309020205020404" pitchFamily="49" charset="0"/>
-                <a:cs typeface="Courier New" panose="02070309020205020404" pitchFamily="49" charset="0"/>
-              </a:rPr>
-              <a:t>void</a:t>
-            </a:r>
-            <a:r>
-              <a:rPr lang="de-DE" sz="2000">
-                <a:latin typeface="Courier New" panose="02070309020205020404" pitchFamily="49" charset="0"/>
-                <a:cs typeface="Courier New" panose="02070309020205020404" pitchFamily="49" charset="0"/>
-              </a:rPr>
-              <a:t> </a:t>
-            </a:r>
-            <a:r>
-              <a:rPr lang="de-DE" sz="2000" err="1" smtClean="0">
-                <a:latin typeface="Courier New" panose="02070309020205020404" pitchFamily="49" charset="0"/>
-                <a:cs typeface="Courier New" panose="02070309020205020404" pitchFamily="49" charset="0"/>
-              </a:rPr>
-              <a:t>process</a:t>
-            </a:r>
-            <a:r>
-              <a:rPr lang="de-DE" sz="2000" smtClean="0">
-                <a:latin typeface="Courier New" panose="02070309020205020404" pitchFamily="49" charset="0"/>
-                <a:cs typeface="Courier New" panose="02070309020205020404" pitchFamily="49" charset="0"/>
-              </a:rPr>
-              <a:t>(</a:t>
-            </a:r>
-            <a:r>
-              <a:rPr lang="de-DE" sz="2000" err="1" smtClean="0">
-                <a:latin typeface="Courier New" panose="02070309020205020404" pitchFamily="49" charset="0"/>
-                <a:cs typeface="Courier New" panose="02070309020205020404" pitchFamily="49" charset="0"/>
-              </a:rPr>
-              <a:t>int</a:t>
-            </a:r>
-            <a:r>
-              <a:rPr lang="de-DE" sz="2000" smtClean="0">
-                <a:latin typeface="Courier New" panose="02070309020205020404" pitchFamily="49" charset="0"/>
-                <a:cs typeface="Courier New" panose="02070309020205020404" pitchFamily="49" charset="0"/>
-              </a:rPr>
-              <a:t> </a:t>
-            </a:r>
-            <a:r>
-              <a:rPr lang="de-DE" sz="2000">
-                <a:latin typeface="Courier New" panose="02070309020205020404" pitchFamily="49" charset="0"/>
-                <a:cs typeface="Courier New" panose="02070309020205020404" pitchFamily="49" charset="0"/>
-              </a:rPr>
-              <a:t>*</a:t>
-            </a:r>
-            <a:r>
-              <a:rPr lang="de-DE" sz="2000" err="1">
-                <a:latin typeface="Courier New" panose="02070309020205020404" pitchFamily="49" charset="0"/>
-                <a:cs typeface="Courier New" panose="02070309020205020404" pitchFamily="49" charset="0"/>
-              </a:rPr>
-              <a:t>begin</a:t>
-            </a:r>
-            <a:r>
-              <a:rPr lang="de-DE" sz="2000">
-                <a:latin typeface="Courier New" panose="02070309020205020404" pitchFamily="49" charset="0"/>
-                <a:cs typeface="Courier New" panose="02070309020205020404" pitchFamily="49" charset="0"/>
-              </a:rPr>
-              <a:t>, </a:t>
-            </a:r>
-            <a:r>
-              <a:rPr lang="de-DE" sz="2000" err="1">
-                <a:latin typeface="Courier New" panose="02070309020205020404" pitchFamily="49" charset="0"/>
-                <a:cs typeface="Courier New" panose="02070309020205020404" pitchFamily="49" charset="0"/>
-              </a:rPr>
-              <a:t>int</a:t>
-            </a:r>
-            <a:r>
-              <a:rPr lang="de-DE" sz="2000">
-                <a:latin typeface="Courier New" panose="02070309020205020404" pitchFamily="49" charset="0"/>
-                <a:cs typeface="Courier New" panose="02070309020205020404" pitchFamily="49" charset="0"/>
-              </a:rPr>
-              <a:t> *end)</a:t>
-            </a:r>
-          </a:p>
-          <a:p>
-            <a:r>
-              <a:rPr lang="de-DE" sz="2000">
-                <a:latin typeface="Courier New" panose="02070309020205020404" pitchFamily="49" charset="0"/>
-                <a:cs typeface="Courier New" panose="02070309020205020404" pitchFamily="49" charset="0"/>
-              </a:rPr>
-              <a:t>{</a:t>
-            </a:r>
-          </a:p>
-          <a:p>
-            <a:r>
-              <a:rPr lang="de-DE" sz="2000">
-                <a:latin typeface="Courier New" panose="02070309020205020404" pitchFamily="49" charset="0"/>
-                <a:cs typeface="Courier New" panose="02070309020205020404" pitchFamily="49" charset="0"/>
-              </a:rPr>
-              <a:t>    </a:t>
-            </a:r>
-            <a:r>
-              <a:rPr lang="de-DE" sz="2000" err="1">
-                <a:latin typeface="Courier New" panose="02070309020205020404" pitchFamily="49" charset="0"/>
-                <a:cs typeface="Courier New" panose="02070309020205020404" pitchFamily="49" charset="0"/>
-              </a:rPr>
-              <a:t>int</a:t>
-            </a:r>
-            <a:r>
-              <a:rPr lang="de-DE" sz="2000">
-                <a:latin typeface="Courier New" panose="02070309020205020404" pitchFamily="49" charset="0"/>
-                <a:cs typeface="Courier New" panose="02070309020205020404" pitchFamily="49" charset="0"/>
-              </a:rPr>
-              <a:t> *</a:t>
-            </a:r>
-            <a:r>
-              <a:rPr lang="de-DE" sz="2000" err="1">
-                <a:latin typeface="Courier New" panose="02070309020205020404" pitchFamily="49" charset="0"/>
-                <a:cs typeface="Courier New" panose="02070309020205020404" pitchFamily="49" charset="0"/>
-              </a:rPr>
-              <a:t>ptr</a:t>
-            </a:r>
-            <a:r>
-              <a:rPr lang="de-DE" sz="2000">
-                <a:latin typeface="Courier New" panose="02070309020205020404" pitchFamily="49" charset="0"/>
-                <a:cs typeface="Courier New" panose="02070309020205020404" pitchFamily="49" charset="0"/>
-              </a:rPr>
-              <a:t>;</a:t>
-            </a:r>
-          </a:p>
-          <a:p>
-            <a:r>
-              <a:rPr lang="de-DE" sz="2000">
-                <a:latin typeface="Courier New" panose="02070309020205020404" pitchFamily="49" charset="0"/>
-                <a:cs typeface="Courier New" panose="02070309020205020404" pitchFamily="49" charset="0"/>
-              </a:rPr>
-              <a:t>    </a:t>
-            </a:r>
-            <a:r>
-              <a:rPr lang="de-DE" sz="2000" err="1">
-                <a:latin typeface="Courier New" panose="02070309020205020404" pitchFamily="49" charset="0"/>
-                <a:cs typeface="Courier New" panose="02070309020205020404" pitchFamily="49" charset="0"/>
-              </a:rPr>
-              <a:t>int</a:t>
-            </a:r>
-            <a:r>
-              <a:rPr lang="de-DE" sz="2000">
-                <a:latin typeface="Courier New" panose="02070309020205020404" pitchFamily="49" charset="0"/>
-                <a:cs typeface="Courier New" panose="02070309020205020404" pitchFamily="49" charset="0"/>
-              </a:rPr>
-              <a:t> *</a:t>
-            </a:r>
-            <a:r>
-              <a:rPr lang="de-DE" sz="2000" err="1">
-                <a:latin typeface="Courier New" panose="02070309020205020404" pitchFamily="49" charset="0"/>
-                <a:cs typeface="Courier New" panose="02070309020205020404" pitchFamily="49" charset="0"/>
-              </a:rPr>
-              <a:t>split</a:t>
-            </a:r>
-            <a:r>
-              <a:rPr lang="de-DE" sz="2000">
-                <a:latin typeface="Courier New" panose="02070309020205020404" pitchFamily="49" charset="0"/>
-                <a:cs typeface="Courier New" panose="02070309020205020404" pitchFamily="49" charset="0"/>
-              </a:rPr>
-              <a:t>;</a:t>
-            </a:r>
-          </a:p>
-          <a:p>
-            <a:r>
-              <a:rPr lang="de-DE" sz="2000">
-                <a:latin typeface="Courier New" panose="02070309020205020404" pitchFamily="49" charset="0"/>
-                <a:cs typeface="Courier New" panose="02070309020205020404" pitchFamily="49" charset="0"/>
-              </a:rPr>
-              <a:t>    </a:t>
-            </a:r>
-            <a:r>
-              <a:rPr lang="de-DE" sz="2000" err="1">
-                <a:latin typeface="Courier New" panose="02070309020205020404" pitchFamily="49" charset="0"/>
-                <a:cs typeface="Courier New" panose="02070309020205020404" pitchFamily="49" charset="0"/>
-              </a:rPr>
-              <a:t>if</a:t>
-            </a:r>
-            <a:r>
-              <a:rPr lang="de-DE" sz="2000">
-                <a:latin typeface="Courier New" panose="02070309020205020404" pitchFamily="49" charset="0"/>
-                <a:cs typeface="Courier New" panose="02070309020205020404" pitchFamily="49" charset="0"/>
-              </a:rPr>
-              <a:t> (end - </a:t>
-            </a:r>
-            <a:r>
-              <a:rPr lang="de-DE" sz="2000" err="1">
-                <a:latin typeface="Courier New" panose="02070309020205020404" pitchFamily="49" charset="0"/>
-                <a:cs typeface="Courier New" panose="02070309020205020404" pitchFamily="49" charset="0"/>
-              </a:rPr>
-              <a:t>begin</a:t>
-            </a:r>
-            <a:r>
-              <a:rPr lang="de-DE" sz="2000">
-                <a:latin typeface="Courier New" panose="02070309020205020404" pitchFamily="49" charset="0"/>
-                <a:cs typeface="Courier New" panose="02070309020205020404" pitchFamily="49" charset="0"/>
-              </a:rPr>
-              <a:t> &lt;= 1)</a:t>
-            </a:r>
-          </a:p>
-          <a:p>
-            <a:r>
-              <a:rPr lang="de-DE" sz="2000">
-                <a:latin typeface="Courier New" panose="02070309020205020404" pitchFamily="49" charset="0"/>
-                <a:cs typeface="Courier New" panose="02070309020205020404" pitchFamily="49" charset="0"/>
-              </a:rPr>
-              <a:t>        </a:t>
-            </a:r>
-            <a:r>
-              <a:rPr lang="de-DE" sz="2000" err="1">
-                <a:latin typeface="Courier New" panose="02070309020205020404" pitchFamily="49" charset="0"/>
-                <a:cs typeface="Courier New" panose="02070309020205020404" pitchFamily="49" charset="0"/>
-              </a:rPr>
-              <a:t>return</a:t>
-            </a:r>
-            <a:r>
-              <a:rPr lang="de-DE" sz="2000">
-                <a:latin typeface="Courier New" panose="02070309020205020404" pitchFamily="49" charset="0"/>
-                <a:cs typeface="Courier New" panose="02070309020205020404" pitchFamily="49" charset="0"/>
-              </a:rPr>
-              <a:t>;</a:t>
-            </a:r>
-          </a:p>
-          <a:p>
-            <a:r>
-              <a:rPr lang="de-DE" sz="2000">
-                <a:latin typeface="Courier New" panose="02070309020205020404" pitchFamily="49" charset="0"/>
-                <a:cs typeface="Courier New" panose="02070309020205020404" pitchFamily="49" charset="0"/>
-              </a:rPr>
-              <a:t>    </a:t>
-            </a:r>
-            <a:r>
-              <a:rPr lang="de-DE" sz="2000" err="1">
-                <a:latin typeface="Courier New" panose="02070309020205020404" pitchFamily="49" charset="0"/>
-                <a:cs typeface="Courier New" panose="02070309020205020404" pitchFamily="49" charset="0"/>
-              </a:rPr>
-              <a:t>ptr</a:t>
-            </a:r>
-            <a:r>
-              <a:rPr lang="de-DE" sz="2000">
-                <a:latin typeface="Courier New" panose="02070309020205020404" pitchFamily="49" charset="0"/>
-                <a:cs typeface="Courier New" panose="02070309020205020404" pitchFamily="49" charset="0"/>
-              </a:rPr>
-              <a:t> = </a:t>
-            </a:r>
-            <a:r>
-              <a:rPr lang="de-DE" sz="2000" err="1">
-                <a:latin typeface="Courier New" panose="02070309020205020404" pitchFamily="49" charset="0"/>
-                <a:cs typeface="Courier New" panose="02070309020205020404" pitchFamily="49" charset="0"/>
-              </a:rPr>
-              <a:t>begin</a:t>
-            </a:r>
-            <a:r>
-              <a:rPr lang="de-DE" sz="2000">
-                <a:latin typeface="Courier New" panose="02070309020205020404" pitchFamily="49" charset="0"/>
-                <a:cs typeface="Courier New" panose="02070309020205020404" pitchFamily="49" charset="0"/>
-              </a:rPr>
-              <a:t>;</a:t>
-            </a:r>
-          </a:p>
-          <a:p>
-            <a:r>
-              <a:rPr lang="de-DE" sz="2000">
-                <a:latin typeface="Courier New" panose="02070309020205020404" pitchFamily="49" charset="0"/>
-                <a:cs typeface="Courier New" panose="02070309020205020404" pitchFamily="49" charset="0"/>
-              </a:rPr>
-              <a:t>    </a:t>
-            </a:r>
-            <a:r>
-              <a:rPr lang="de-DE" sz="2000" err="1">
-                <a:latin typeface="Courier New" panose="02070309020205020404" pitchFamily="49" charset="0"/>
-                <a:cs typeface="Courier New" panose="02070309020205020404" pitchFamily="49" charset="0"/>
-              </a:rPr>
-              <a:t>split</a:t>
-            </a:r>
-            <a:r>
-              <a:rPr lang="de-DE" sz="2000">
-                <a:latin typeface="Courier New" panose="02070309020205020404" pitchFamily="49" charset="0"/>
-                <a:cs typeface="Courier New" panose="02070309020205020404" pitchFamily="49" charset="0"/>
-              </a:rPr>
-              <a:t> = </a:t>
-            </a:r>
-            <a:r>
-              <a:rPr lang="de-DE" sz="2000" err="1">
-                <a:latin typeface="Courier New" panose="02070309020205020404" pitchFamily="49" charset="0"/>
-                <a:cs typeface="Courier New" panose="02070309020205020404" pitchFamily="49" charset="0"/>
-              </a:rPr>
-              <a:t>begin</a:t>
-            </a:r>
-            <a:r>
-              <a:rPr lang="de-DE" sz="2000">
-                <a:latin typeface="Courier New" panose="02070309020205020404" pitchFamily="49" charset="0"/>
-                <a:cs typeface="Courier New" panose="02070309020205020404" pitchFamily="49" charset="0"/>
-              </a:rPr>
-              <a:t> + 1;</a:t>
-            </a:r>
-          </a:p>
-          <a:p>
-            <a:r>
-              <a:rPr lang="de-DE" sz="2000">
-                <a:latin typeface="Courier New" panose="02070309020205020404" pitchFamily="49" charset="0"/>
-                <a:cs typeface="Courier New" panose="02070309020205020404" pitchFamily="49" charset="0"/>
-              </a:rPr>
-              <a:t>    </a:t>
-            </a:r>
-            <a:r>
-              <a:rPr lang="de-DE" sz="2000" err="1">
-                <a:latin typeface="Courier New" panose="02070309020205020404" pitchFamily="49" charset="0"/>
-                <a:cs typeface="Courier New" panose="02070309020205020404" pitchFamily="49" charset="0"/>
-              </a:rPr>
-              <a:t>while</a:t>
-            </a:r>
-            <a:r>
-              <a:rPr lang="de-DE" sz="2000">
-                <a:latin typeface="Courier New" panose="02070309020205020404" pitchFamily="49" charset="0"/>
-                <a:cs typeface="Courier New" panose="02070309020205020404" pitchFamily="49" charset="0"/>
-              </a:rPr>
-              <a:t> (++</a:t>
-            </a:r>
-            <a:r>
-              <a:rPr lang="de-DE" sz="2000" err="1">
-                <a:latin typeface="Courier New" panose="02070309020205020404" pitchFamily="49" charset="0"/>
-                <a:cs typeface="Courier New" panose="02070309020205020404" pitchFamily="49" charset="0"/>
-              </a:rPr>
-              <a:t>ptr</a:t>
-            </a:r>
-            <a:r>
-              <a:rPr lang="de-DE" sz="2000">
-                <a:latin typeface="Courier New" panose="02070309020205020404" pitchFamily="49" charset="0"/>
-                <a:cs typeface="Courier New" panose="02070309020205020404" pitchFamily="49" charset="0"/>
-              </a:rPr>
-              <a:t> &lt;= end) {</a:t>
-            </a:r>
-          </a:p>
-          <a:p>
-            <a:r>
-              <a:rPr lang="de-DE" sz="2000">
-                <a:latin typeface="Courier New" panose="02070309020205020404" pitchFamily="49" charset="0"/>
-                <a:cs typeface="Courier New" panose="02070309020205020404" pitchFamily="49" charset="0"/>
-              </a:rPr>
-              <a:t>        </a:t>
-            </a:r>
-            <a:r>
-              <a:rPr lang="de-DE" sz="2000" err="1">
-                <a:latin typeface="Courier New" panose="02070309020205020404" pitchFamily="49" charset="0"/>
-                <a:cs typeface="Courier New" panose="02070309020205020404" pitchFamily="49" charset="0"/>
-              </a:rPr>
-              <a:t>if</a:t>
-            </a:r>
-            <a:r>
-              <a:rPr lang="de-DE" sz="2000">
-                <a:latin typeface="Courier New" panose="02070309020205020404" pitchFamily="49" charset="0"/>
-                <a:cs typeface="Courier New" panose="02070309020205020404" pitchFamily="49" charset="0"/>
-              </a:rPr>
-              <a:t> (*</a:t>
-            </a:r>
-            <a:r>
-              <a:rPr lang="de-DE" sz="2000" err="1">
-                <a:latin typeface="Courier New" panose="02070309020205020404" pitchFamily="49" charset="0"/>
-                <a:cs typeface="Courier New" panose="02070309020205020404" pitchFamily="49" charset="0"/>
-              </a:rPr>
-              <a:t>ptr</a:t>
-            </a:r>
-            <a:r>
-              <a:rPr lang="de-DE" sz="2000">
-                <a:latin typeface="Courier New" panose="02070309020205020404" pitchFamily="49" charset="0"/>
-                <a:cs typeface="Courier New" panose="02070309020205020404" pitchFamily="49" charset="0"/>
-              </a:rPr>
-              <a:t> &lt; *</a:t>
-            </a:r>
-            <a:r>
-              <a:rPr lang="de-DE" sz="2000" err="1">
-                <a:latin typeface="Courier New" panose="02070309020205020404" pitchFamily="49" charset="0"/>
-                <a:cs typeface="Courier New" panose="02070309020205020404" pitchFamily="49" charset="0"/>
-              </a:rPr>
-              <a:t>begin</a:t>
-            </a:r>
-            <a:r>
-              <a:rPr lang="de-DE" sz="2000">
-                <a:latin typeface="Courier New" panose="02070309020205020404" pitchFamily="49" charset="0"/>
-                <a:cs typeface="Courier New" panose="02070309020205020404" pitchFamily="49" charset="0"/>
-              </a:rPr>
-              <a:t>) {</a:t>
-            </a:r>
-          </a:p>
-          <a:p>
-            <a:r>
-              <a:rPr lang="de-DE" sz="2000">
-                <a:latin typeface="Courier New" panose="02070309020205020404" pitchFamily="49" charset="0"/>
-                <a:cs typeface="Courier New" panose="02070309020205020404" pitchFamily="49" charset="0"/>
-              </a:rPr>
-              <a:t>            </a:t>
-            </a:r>
-            <a:r>
-              <a:rPr lang="de-DE" sz="2000" err="1">
-                <a:latin typeface="Courier New" panose="02070309020205020404" pitchFamily="49" charset="0"/>
-                <a:cs typeface="Courier New" panose="02070309020205020404" pitchFamily="49" charset="0"/>
-              </a:rPr>
-              <a:t>swap</a:t>
-            </a:r>
-            <a:r>
-              <a:rPr lang="de-DE" sz="2000">
-                <a:latin typeface="Courier New" panose="02070309020205020404" pitchFamily="49" charset="0"/>
-                <a:cs typeface="Courier New" panose="02070309020205020404" pitchFamily="49" charset="0"/>
-              </a:rPr>
-              <a:t>(</a:t>
-            </a:r>
-            <a:r>
-              <a:rPr lang="de-DE" sz="2000" err="1">
-                <a:latin typeface="Courier New" panose="02070309020205020404" pitchFamily="49" charset="0"/>
-                <a:cs typeface="Courier New" panose="02070309020205020404" pitchFamily="49" charset="0"/>
-              </a:rPr>
-              <a:t>ptr</a:t>
-            </a:r>
-            <a:r>
-              <a:rPr lang="de-DE" sz="2000">
-                <a:latin typeface="Courier New" panose="02070309020205020404" pitchFamily="49" charset="0"/>
-                <a:cs typeface="Courier New" panose="02070309020205020404" pitchFamily="49" charset="0"/>
-              </a:rPr>
-              <a:t>, </a:t>
-            </a:r>
-            <a:r>
-              <a:rPr lang="de-DE" sz="2000" err="1">
-                <a:latin typeface="Courier New" panose="02070309020205020404" pitchFamily="49" charset="0"/>
-                <a:cs typeface="Courier New" panose="02070309020205020404" pitchFamily="49" charset="0"/>
-              </a:rPr>
-              <a:t>split</a:t>
-            </a:r>
-            <a:r>
-              <a:rPr lang="de-DE" sz="2000">
-                <a:latin typeface="Courier New" panose="02070309020205020404" pitchFamily="49" charset="0"/>
-                <a:cs typeface="Courier New" panose="02070309020205020404" pitchFamily="49" charset="0"/>
-              </a:rPr>
-              <a:t>);</a:t>
-            </a:r>
-          </a:p>
-          <a:p>
-            <a:r>
-              <a:rPr lang="de-DE" sz="2000">
-                <a:latin typeface="Courier New" panose="02070309020205020404" pitchFamily="49" charset="0"/>
-                <a:cs typeface="Courier New" panose="02070309020205020404" pitchFamily="49" charset="0"/>
-              </a:rPr>
-              <a:t>            ++</a:t>
-            </a:r>
-            <a:r>
-              <a:rPr lang="de-DE" sz="2000" err="1">
-                <a:latin typeface="Courier New" panose="02070309020205020404" pitchFamily="49" charset="0"/>
-                <a:cs typeface="Courier New" panose="02070309020205020404" pitchFamily="49" charset="0"/>
-              </a:rPr>
-              <a:t>split</a:t>
-            </a:r>
-            <a:r>
-              <a:rPr lang="de-DE" sz="2000">
-                <a:latin typeface="Courier New" panose="02070309020205020404" pitchFamily="49" charset="0"/>
-                <a:cs typeface="Courier New" panose="02070309020205020404" pitchFamily="49" charset="0"/>
-              </a:rPr>
-              <a:t>;</a:t>
-            </a:r>
-          </a:p>
-          <a:p>
-            <a:r>
-              <a:rPr lang="de-DE" sz="2000">
-                <a:latin typeface="Courier New" panose="02070309020205020404" pitchFamily="49" charset="0"/>
-                <a:cs typeface="Courier New" panose="02070309020205020404" pitchFamily="49" charset="0"/>
-              </a:rPr>
-              <a:t>        }</a:t>
-            </a:r>
-          </a:p>
-          <a:p>
-            <a:r>
-              <a:rPr lang="de-DE" sz="2000">
-                <a:latin typeface="Courier New" panose="02070309020205020404" pitchFamily="49" charset="0"/>
-                <a:cs typeface="Courier New" panose="02070309020205020404" pitchFamily="49" charset="0"/>
-              </a:rPr>
-              <a:t>    }</a:t>
-            </a:r>
-          </a:p>
-          <a:p>
-            <a:r>
-              <a:rPr lang="de-DE" sz="2000">
-                <a:latin typeface="Courier New" panose="02070309020205020404" pitchFamily="49" charset="0"/>
-                <a:cs typeface="Courier New" panose="02070309020205020404" pitchFamily="49" charset="0"/>
-              </a:rPr>
-              <a:t>    </a:t>
-            </a:r>
-            <a:r>
-              <a:rPr lang="de-DE" sz="2000" err="1">
-                <a:latin typeface="Courier New" panose="02070309020205020404" pitchFamily="49" charset="0"/>
-                <a:cs typeface="Courier New" panose="02070309020205020404" pitchFamily="49" charset="0"/>
-              </a:rPr>
-              <a:t>swap</a:t>
-            </a:r>
-            <a:r>
-              <a:rPr lang="de-DE" sz="2000">
-                <a:latin typeface="Courier New" panose="02070309020205020404" pitchFamily="49" charset="0"/>
-                <a:cs typeface="Courier New" panose="02070309020205020404" pitchFamily="49" charset="0"/>
-              </a:rPr>
-              <a:t>(</a:t>
-            </a:r>
-            <a:r>
-              <a:rPr lang="de-DE" sz="2000" err="1">
-                <a:latin typeface="Courier New" panose="02070309020205020404" pitchFamily="49" charset="0"/>
-                <a:cs typeface="Courier New" panose="02070309020205020404" pitchFamily="49" charset="0"/>
-              </a:rPr>
-              <a:t>begin</a:t>
-            </a:r>
-            <a:r>
-              <a:rPr lang="de-DE" sz="2000">
-                <a:latin typeface="Courier New" panose="02070309020205020404" pitchFamily="49" charset="0"/>
-                <a:cs typeface="Courier New" panose="02070309020205020404" pitchFamily="49" charset="0"/>
-              </a:rPr>
-              <a:t>, </a:t>
-            </a:r>
-            <a:r>
-              <a:rPr lang="de-DE" sz="2000" err="1">
-                <a:latin typeface="Courier New" panose="02070309020205020404" pitchFamily="49" charset="0"/>
-                <a:cs typeface="Courier New" panose="02070309020205020404" pitchFamily="49" charset="0"/>
-              </a:rPr>
-              <a:t>split</a:t>
-            </a:r>
-            <a:r>
-              <a:rPr lang="de-DE" sz="2000">
-                <a:latin typeface="Courier New" panose="02070309020205020404" pitchFamily="49" charset="0"/>
-                <a:cs typeface="Courier New" panose="02070309020205020404" pitchFamily="49" charset="0"/>
-              </a:rPr>
-              <a:t> - 1);</a:t>
-            </a:r>
-          </a:p>
-          <a:p>
-            <a:r>
-              <a:rPr lang="de-DE" sz="2000">
-                <a:latin typeface="Courier New" panose="02070309020205020404" pitchFamily="49" charset="0"/>
-                <a:cs typeface="Courier New" panose="02070309020205020404" pitchFamily="49" charset="0"/>
-              </a:rPr>
-              <a:t>    </a:t>
-            </a:r>
-            <a:r>
-              <a:rPr lang="de-DE" sz="2000" err="1" smtClean="0">
-                <a:latin typeface="Courier New" panose="02070309020205020404" pitchFamily="49" charset="0"/>
-                <a:cs typeface="Courier New" panose="02070309020205020404" pitchFamily="49" charset="0"/>
-              </a:rPr>
-              <a:t>process</a:t>
-            </a:r>
-            <a:r>
-              <a:rPr lang="de-DE" sz="2000" smtClean="0">
-                <a:latin typeface="Courier New" panose="02070309020205020404" pitchFamily="49" charset="0"/>
-                <a:cs typeface="Courier New" panose="02070309020205020404" pitchFamily="49" charset="0"/>
-              </a:rPr>
-              <a:t>(</a:t>
-            </a:r>
-            <a:r>
-              <a:rPr lang="de-DE" sz="2000" err="1" smtClean="0">
-                <a:latin typeface="Courier New" panose="02070309020205020404" pitchFamily="49" charset="0"/>
-                <a:cs typeface="Courier New" panose="02070309020205020404" pitchFamily="49" charset="0"/>
-              </a:rPr>
-              <a:t>begin</a:t>
-            </a:r>
-            <a:r>
-              <a:rPr lang="de-DE" sz="2000">
-                <a:latin typeface="Courier New" panose="02070309020205020404" pitchFamily="49" charset="0"/>
-                <a:cs typeface="Courier New" panose="02070309020205020404" pitchFamily="49" charset="0"/>
-              </a:rPr>
-              <a:t>, </a:t>
-            </a:r>
-            <a:r>
-              <a:rPr lang="de-DE" sz="2000" err="1">
-                <a:latin typeface="Courier New" panose="02070309020205020404" pitchFamily="49" charset="0"/>
-                <a:cs typeface="Courier New" panose="02070309020205020404" pitchFamily="49" charset="0"/>
-              </a:rPr>
-              <a:t>split</a:t>
-            </a:r>
-            <a:r>
-              <a:rPr lang="de-DE" sz="2000">
-                <a:latin typeface="Courier New" panose="02070309020205020404" pitchFamily="49" charset="0"/>
-                <a:cs typeface="Courier New" panose="02070309020205020404" pitchFamily="49" charset="0"/>
-              </a:rPr>
-              <a:t> - 1);</a:t>
-            </a:r>
-          </a:p>
-          <a:p>
-            <a:r>
-              <a:rPr lang="de-DE" sz="2000">
-                <a:latin typeface="Courier New" panose="02070309020205020404" pitchFamily="49" charset="0"/>
-                <a:cs typeface="Courier New" panose="02070309020205020404" pitchFamily="49" charset="0"/>
-              </a:rPr>
-              <a:t>    </a:t>
-            </a:r>
-            <a:r>
-              <a:rPr lang="de-DE" sz="2000" err="1" smtClean="0">
-                <a:latin typeface="Courier New" panose="02070309020205020404" pitchFamily="49" charset="0"/>
-                <a:cs typeface="Courier New" panose="02070309020205020404" pitchFamily="49" charset="0"/>
-              </a:rPr>
-              <a:t>process</a:t>
-            </a:r>
-            <a:r>
-              <a:rPr lang="de-DE" sz="2000" smtClean="0">
-                <a:latin typeface="Courier New" panose="02070309020205020404" pitchFamily="49" charset="0"/>
-                <a:cs typeface="Courier New" panose="02070309020205020404" pitchFamily="49" charset="0"/>
-              </a:rPr>
-              <a:t>(</a:t>
-            </a:r>
-            <a:r>
-              <a:rPr lang="de-DE" sz="2000" err="1" smtClean="0">
-                <a:latin typeface="Courier New" panose="02070309020205020404" pitchFamily="49" charset="0"/>
-                <a:cs typeface="Courier New" panose="02070309020205020404" pitchFamily="49" charset="0"/>
-              </a:rPr>
-              <a:t>split</a:t>
-            </a:r>
-            <a:r>
-              <a:rPr lang="de-DE" sz="2000">
-                <a:latin typeface="Courier New" panose="02070309020205020404" pitchFamily="49" charset="0"/>
-                <a:cs typeface="Courier New" panose="02070309020205020404" pitchFamily="49" charset="0"/>
-              </a:rPr>
-              <a:t>, end);</a:t>
-            </a:r>
-          </a:p>
-          <a:p>
-            <a:r>
-              <a:rPr lang="de-DE" sz="2000">
-                <a:latin typeface="Courier New" panose="02070309020205020404" pitchFamily="49" charset="0"/>
-                <a:cs typeface="Courier New" panose="02070309020205020404" pitchFamily="49" charset="0"/>
-              </a:rPr>
-              <a:t>}</a:t>
-            </a:r>
-            <a:endParaRPr lang="de-DE" sz="2000" smtClean="0">
-              <a:latin typeface="Courier New" panose="02070309020205020404" pitchFamily="49" charset="0"/>
-              <a:cs typeface="Courier New" panose="02070309020205020404" pitchFamily="49" charset="0"/>
-            </a:endParaRPr>
-          </a:p>
-        </p:txBody>
-      </p:sp>
-    </p:spTree>
-    <p:extLst>
-      <p:ext uri="{BB962C8B-B14F-4D97-AF65-F5344CB8AC3E}">
-        <p14:creationId xmlns:p14="http://schemas.microsoft.com/office/powerpoint/2010/main" val="3339263808"/>
-      </p:ext>
-    </p:extLst>
-  </p:cSld>
-  <p:clrMapOvr>
-    <a:masterClrMapping/>
-  </p:clrMapOvr>
-</p:sld>
-</file>
-
-<file path=ppt/slides/slide6.xml><?xml version="1.0" encoding="utf-8"?>
-<p:sld xmlns:a="http://schemas.openxmlformats.org/drawingml/2006/main" xmlns:r="http://schemas.openxmlformats.org/officeDocument/2006/relationships" xmlns:p="http://schemas.openxmlformats.org/presentationml/2006/main">
-  <p:cSld>
-    <p:spTree>
-      <p:nvGrpSpPr>
-        <p:cNvPr id="1" name=""/>
-        <p:cNvGrpSpPr/>
-        <p:nvPr/>
-      </p:nvGrpSpPr>
-      <p:grpSpPr>
-        <a:xfrm>
-          <a:off x="0" y="0"/>
-          <a:ext cx="0" cy="0"/>
-          <a:chOff x="0" y="0"/>
-          <a:chExt cx="0" cy="0"/>
-        </a:xfrm>
-      </p:grpSpPr>
-      <p:sp>
-        <p:nvSpPr>
-          <p:cNvPr id="9218" name="Titel 1"/>
-          <p:cNvSpPr>
-            <a:spLocks noGrp="1"/>
-          </p:cNvSpPr>
-          <p:nvPr>
-            <p:ph type="title"/>
-          </p:nvPr>
-        </p:nvSpPr>
-        <p:spPr bwMode="auto">
-          <a:xfrm>
-            <a:off x="442913" y="93663"/>
-            <a:ext cx="10742612" cy="939800"/>
-          </a:xfrm>
-          <a:noFill/>
-          <a:ln>
-            <a:miter lim="800000"/>
-            <a:headEnd/>
-            <a:tailEnd/>
-          </a:ln>
-        </p:spPr>
-        <p:txBody>
-          <a:bodyPr vert="horz" wrap="square" numCol="1" anchor="t" anchorCtr="0" compatLnSpc="1">
-            <a:prstTxWarp prst="textNoShape">
-              <a:avLst/>
-            </a:prstTxWarp>
-          </a:bodyPr>
-          <a:lstStyle/>
-          <a:p>
-            <a:r>
-              <a:rPr lang="en-US" smtClean="0"/>
-              <a:t>How to prove the functionality?</a:t>
-            </a:r>
-          </a:p>
-        </p:txBody>
-      </p:sp>
-      <p:sp>
-        <p:nvSpPr>
-          <p:cNvPr id="4" name="Textfeld 3"/>
-          <p:cNvSpPr txBox="1"/>
-          <p:nvPr/>
-        </p:nvSpPr>
-        <p:spPr>
-          <a:xfrm>
-            <a:off x="477520" y="2046596"/>
-            <a:ext cx="11435438" cy="1938992"/>
-          </a:xfrm>
-          <a:prstGeom prst="rect">
-            <a:avLst/>
-          </a:prstGeom>
-          <a:noFill/>
-        </p:spPr>
-        <p:txBody>
-          <a:bodyPr wrap="square" rtlCol="0">
-            <a:spAutoFit/>
-          </a:bodyPr>
-          <a:lstStyle/>
-          <a:p>
-            <a:r>
-              <a:rPr lang="en-US" sz="2000">
-                <a:latin typeface="Droid Sans Mono Chess ASCII" panose="020B0609030804020204" pitchFamily="50" charset="0"/>
-                <a:ea typeface="Droid Sans Mono Chess ASCII" panose="020B0609030804020204" pitchFamily="50" charset="0"/>
-                <a:cs typeface="Droid Sans Mono Chess ASCII" panose="020B0609030804020204" pitchFamily="50" charset="0"/>
-              </a:rPr>
-              <a:t>process2 []           = </a:t>
-            </a:r>
-            <a:r>
-              <a:rPr lang="en-US" sz="2000" smtClean="0">
-                <a:latin typeface="Droid Sans Mono Chess ASCII" panose="020B0609030804020204" pitchFamily="50" charset="0"/>
-                <a:ea typeface="Droid Sans Mono Chess ASCII" panose="020B0609030804020204" pitchFamily="50" charset="0"/>
-                <a:cs typeface="Droid Sans Mono Chess ASCII" panose="020B0609030804020204" pitchFamily="50" charset="0"/>
-              </a:rPr>
-              <a:t>[]</a:t>
-            </a:r>
-          </a:p>
-          <a:p>
-            <a:endParaRPr lang="en-US" sz="2000">
-              <a:latin typeface="Droid Sans Mono Chess ASCII" panose="020B0609030804020204" pitchFamily="50" charset="0"/>
-              <a:ea typeface="Droid Sans Mono Chess ASCII" panose="020B0609030804020204" pitchFamily="50" charset="0"/>
-              <a:cs typeface="Droid Sans Mono Chess ASCII" panose="020B0609030804020204" pitchFamily="50" charset="0"/>
-            </a:endParaRPr>
-          </a:p>
-          <a:p>
-            <a:r>
-              <a:rPr lang="en-US" sz="2000">
-                <a:latin typeface="Droid Sans Mono Chess ASCII" panose="020B0609030804020204" pitchFamily="50" charset="0"/>
-                <a:ea typeface="Droid Sans Mono Chess ASCII" panose="020B0609030804020204" pitchFamily="50" charset="0"/>
-                <a:cs typeface="Droid Sans Mono Chess ASCII" panose="020B0609030804020204" pitchFamily="50" charset="0"/>
-              </a:rPr>
-              <a:t>process2 (first:rest) = </a:t>
-            </a:r>
-            <a:r>
-              <a:rPr lang="en-US" sz="2000" smtClean="0">
-                <a:latin typeface="Droid Sans Mono Chess ASCII" panose="020B0609030804020204" pitchFamily="50" charset="0"/>
-                <a:ea typeface="Droid Sans Mono Chess ASCII" panose="020B0609030804020204" pitchFamily="50" charset="0"/>
-                <a:cs typeface="Droid Sans Mono Chess ASCII" panose="020B0609030804020204" pitchFamily="50" charset="0"/>
-              </a:rPr>
-              <a:t>let smaller </a:t>
-            </a:r>
-            <a:r>
-              <a:rPr lang="en-US" sz="2000">
-                <a:latin typeface="Droid Sans Mono Chess ASCII" panose="020B0609030804020204" pitchFamily="50" charset="0"/>
-                <a:ea typeface="Droid Sans Mono Chess ASCII" panose="020B0609030804020204" pitchFamily="50" charset="0"/>
-                <a:cs typeface="Droid Sans Mono Chess ASCII" panose="020B0609030804020204" pitchFamily="50" charset="0"/>
-              </a:rPr>
-              <a:t>= filter (&lt;= first) rest</a:t>
-            </a:r>
-          </a:p>
-          <a:p>
-            <a:r>
-              <a:rPr lang="en-US" sz="2000">
-                <a:latin typeface="Droid Sans Mono Chess ASCII" panose="020B0609030804020204" pitchFamily="50" charset="0"/>
-                <a:ea typeface="Droid Sans Mono Chess ASCII" panose="020B0609030804020204" pitchFamily="50" charset="0"/>
-                <a:cs typeface="Droid Sans Mono Chess ASCII" panose="020B0609030804020204" pitchFamily="50" charset="0"/>
-              </a:rPr>
-              <a:t>	</a:t>
-            </a:r>
-            <a:r>
-              <a:rPr lang="en-US" sz="2000" smtClean="0">
-                <a:latin typeface="Droid Sans Mono Chess ASCII" panose="020B0609030804020204" pitchFamily="50" charset="0"/>
-                <a:ea typeface="Droid Sans Mono Chess ASCII" panose="020B0609030804020204" pitchFamily="50" charset="0"/>
-                <a:cs typeface="Droid Sans Mono Chess ASCII" panose="020B0609030804020204" pitchFamily="50" charset="0"/>
-              </a:rPr>
-              <a:t>                      bigger  </a:t>
-            </a:r>
-            <a:r>
-              <a:rPr lang="en-US" sz="2000">
-                <a:latin typeface="Droid Sans Mono Chess ASCII" panose="020B0609030804020204" pitchFamily="50" charset="0"/>
-                <a:ea typeface="Droid Sans Mono Chess ASCII" panose="020B0609030804020204" pitchFamily="50" charset="0"/>
-                <a:cs typeface="Droid Sans Mono Chess ASCII" panose="020B0609030804020204" pitchFamily="50" charset="0"/>
-              </a:rPr>
-              <a:t>= filter (&gt;  first) </a:t>
-            </a:r>
-            <a:r>
-              <a:rPr lang="en-US" sz="2000" smtClean="0">
-                <a:latin typeface="Droid Sans Mono Chess ASCII" panose="020B0609030804020204" pitchFamily="50" charset="0"/>
-                <a:ea typeface="Droid Sans Mono Chess ASCII" panose="020B0609030804020204" pitchFamily="50" charset="0"/>
-                <a:cs typeface="Droid Sans Mono Chess ASCII" panose="020B0609030804020204" pitchFamily="50" charset="0"/>
-              </a:rPr>
-              <a:t>rest</a:t>
-            </a:r>
-            <a:endParaRPr lang="en-US" sz="2000">
-              <a:latin typeface="Droid Sans Mono Chess ASCII" panose="020B0609030804020204" pitchFamily="50" charset="0"/>
-              <a:ea typeface="Droid Sans Mono Chess ASCII" panose="020B0609030804020204" pitchFamily="50" charset="0"/>
-              <a:cs typeface="Droid Sans Mono Chess ASCII" panose="020B0609030804020204" pitchFamily="50" charset="0"/>
-            </a:endParaRPr>
-          </a:p>
-          <a:p>
-            <a:r>
-              <a:rPr lang="en-US" sz="2000">
-                <a:latin typeface="Droid Sans Mono Chess ASCII" panose="020B0609030804020204" pitchFamily="50" charset="0"/>
-                <a:ea typeface="Droid Sans Mono Chess ASCII" panose="020B0609030804020204" pitchFamily="50" charset="0"/>
-                <a:cs typeface="Droid Sans Mono Chess ASCII" panose="020B0609030804020204" pitchFamily="50" charset="0"/>
-              </a:rPr>
-              <a:t>	in</a:t>
-            </a:r>
-          </a:p>
-          <a:p>
-            <a:r>
-              <a:rPr lang="en-US" sz="2000">
-                <a:latin typeface="Droid Sans Mono Chess ASCII" panose="020B0609030804020204" pitchFamily="50" charset="0"/>
-                <a:ea typeface="Droid Sans Mono Chess ASCII" panose="020B0609030804020204" pitchFamily="50" charset="0"/>
-                <a:cs typeface="Droid Sans Mono Chess ASCII" panose="020B0609030804020204" pitchFamily="50" charset="0"/>
-              </a:rPr>
-              <a:t>	</a:t>
-            </a:r>
-            <a:r>
-              <a:rPr lang="en-US" sz="2000" smtClean="0">
-                <a:latin typeface="Droid Sans Mono Chess ASCII" panose="020B0609030804020204" pitchFamily="50" charset="0"/>
-                <a:ea typeface="Droid Sans Mono Chess ASCII" panose="020B0609030804020204" pitchFamily="50" charset="0"/>
-                <a:cs typeface="Droid Sans Mono Chess ASCII" panose="020B0609030804020204" pitchFamily="50" charset="0"/>
-              </a:rPr>
-              <a:t>process2 </a:t>
-            </a:r>
-            <a:r>
-              <a:rPr lang="en-US" sz="2000">
-                <a:latin typeface="Droid Sans Mono Chess ASCII" panose="020B0609030804020204" pitchFamily="50" charset="0"/>
-                <a:ea typeface="Droid Sans Mono Chess ASCII" panose="020B0609030804020204" pitchFamily="50" charset="0"/>
-                <a:cs typeface="Droid Sans Mono Chess ASCII" panose="020B0609030804020204" pitchFamily="50" charset="0"/>
-              </a:rPr>
-              <a:t>smaller </a:t>
-            </a:r>
-            <a:r>
-              <a:rPr lang="en-US" sz="2000" smtClean="0">
-                <a:latin typeface="Droid Sans Mono Chess ASCII" panose="020B0609030804020204" pitchFamily="50" charset="0"/>
-                <a:ea typeface="Droid Sans Mono Chess ASCII" panose="020B0609030804020204" pitchFamily="50" charset="0"/>
-                <a:cs typeface="Droid Sans Mono Chess ASCII" panose="020B0609030804020204" pitchFamily="50" charset="0"/>
-              </a:rPr>
-              <a:t>  ++   [</a:t>
-            </a:r>
-            <a:r>
-              <a:rPr lang="en-US" sz="2000">
-                <a:latin typeface="Droid Sans Mono Chess ASCII" panose="020B0609030804020204" pitchFamily="50" charset="0"/>
-                <a:ea typeface="Droid Sans Mono Chess ASCII" panose="020B0609030804020204" pitchFamily="50" charset="0"/>
-                <a:cs typeface="Droid Sans Mono Chess ASCII" panose="020B0609030804020204" pitchFamily="50" charset="0"/>
-              </a:rPr>
-              <a:t>first] </a:t>
-            </a:r>
-            <a:r>
-              <a:rPr lang="en-US" sz="2000" smtClean="0">
-                <a:latin typeface="Droid Sans Mono Chess ASCII" panose="020B0609030804020204" pitchFamily="50" charset="0"/>
-                <a:ea typeface="Droid Sans Mono Chess ASCII" panose="020B0609030804020204" pitchFamily="50" charset="0"/>
-                <a:cs typeface="Droid Sans Mono Chess ASCII" panose="020B0609030804020204" pitchFamily="50" charset="0"/>
-              </a:rPr>
-              <a:t>  ++   process2 </a:t>
-            </a:r>
-            <a:r>
-              <a:rPr lang="en-US" sz="2000">
-                <a:latin typeface="Droid Sans Mono Chess ASCII" panose="020B0609030804020204" pitchFamily="50" charset="0"/>
-                <a:ea typeface="Droid Sans Mono Chess ASCII" panose="020B0609030804020204" pitchFamily="50" charset="0"/>
-                <a:cs typeface="Droid Sans Mono Chess ASCII" panose="020B0609030804020204" pitchFamily="50" charset="0"/>
-              </a:rPr>
-              <a:t>bigger</a:t>
-            </a:r>
-            <a:endParaRPr lang="de-DE" sz="2000">
-              <a:latin typeface="Droid Sans Mono Chess ASCII" panose="020B0609030804020204" pitchFamily="50" charset="0"/>
-              <a:ea typeface="Droid Sans Mono Chess ASCII" panose="020B0609030804020204" pitchFamily="50" charset="0"/>
-              <a:cs typeface="Droid Sans Mono Chess ASCII" panose="020B0609030804020204" pitchFamily="50" charset="0"/>
-            </a:endParaRPr>
-          </a:p>
-        </p:txBody>
-      </p:sp>
-    </p:spTree>
-    <p:extLst>
-      <p:ext uri="{BB962C8B-B14F-4D97-AF65-F5344CB8AC3E}">
-        <p14:creationId xmlns:p14="http://schemas.microsoft.com/office/powerpoint/2010/main" val="2362116585"/>
-      </p:ext>
-    </p:extLst>
-  </p:cSld>
-  <p:clrMapOvr>
-    <a:masterClrMapping/>
-  </p:clrMapOvr>
-</p:sld>
-</file>
-
-<file path=ppt/slides/slide7.xml><?xml version="1.0" encoding="utf-8"?>
-<p:sld xmlns:a="http://schemas.openxmlformats.org/drawingml/2006/main" xmlns:r="http://schemas.openxmlformats.org/officeDocument/2006/relationships" xmlns:p="http://schemas.openxmlformats.org/presentationml/2006/main">
-  <p:cSld>
-    <p:spTree>
-      <p:nvGrpSpPr>
-        <p:cNvPr id="1" name=""/>
-        <p:cNvGrpSpPr/>
-        <p:nvPr/>
-      </p:nvGrpSpPr>
-      <p:grpSpPr>
-        <a:xfrm>
-          <a:off x="0" y="0"/>
-          <a:ext cx="0" cy="0"/>
-          <a:chOff x="0" y="0"/>
-          <a:chExt cx="0" cy="0"/>
-        </a:xfrm>
-      </p:grpSpPr>
-      <p:sp>
-        <p:nvSpPr>
-          <p:cNvPr id="9218" name="Titel 1"/>
-          <p:cNvSpPr>
-            <a:spLocks noGrp="1"/>
-          </p:cNvSpPr>
-          <p:nvPr>
-            <p:ph type="title"/>
-          </p:nvPr>
-        </p:nvSpPr>
-        <p:spPr bwMode="auto">
-          <a:xfrm>
-            <a:off x="442913" y="93663"/>
-            <a:ext cx="10742612" cy="939800"/>
-          </a:xfrm>
-          <a:noFill/>
-          <a:ln>
-            <a:miter lim="800000"/>
-            <a:headEnd/>
-            <a:tailEnd/>
-          </a:ln>
-        </p:spPr>
-        <p:txBody>
-          <a:bodyPr vert="horz" wrap="square" numCol="1" anchor="t" anchorCtr="0" compatLnSpc="1">
-            <a:prstTxWarp prst="textNoShape">
-              <a:avLst/>
-            </a:prstTxWarp>
-          </a:bodyPr>
-          <a:lstStyle/>
-          <a:p>
-            <a:r>
-              <a:rPr lang="en-US" smtClean="0"/>
-              <a:t>Features</a:t>
-            </a:r>
-          </a:p>
-        </p:txBody>
-      </p:sp>
-      <p:sp>
-        <p:nvSpPr>
-          <p:cNvPr id="3" name="Rectangle 4"/>
-          <p:cNvSpPr>
-            <a:spLocks/>
-          </p:cNvSpPr>
-          <p:nvPr/>
-        </p:nvSpPr>
-        <p:spPr bwMode="auto">
-          <a:xfrm>
-            <a:off x="487362" y="1373188"/>
-            <a:ext cx="10790237" cy="6680200"/>
-          </a:xfrm>
-          <a:prstGeom prst="rect">
-            <a:avLst/>
-          </a:prstGeom>
-          <a:noFill/>
-          <a:ln w="12700" cap="flat">
-            <a:noFill/>
-            <a:miter lim="800000"/>
-            <a:headEnd type="none" w="med" len="med"/>
-            <a:tailEnd type="none" w="med" len="med"/>
-          </a:ln>
-        </p:spPr>
-        <p:txBody>
-          <a:bodyPr lIns="0" tIns="0" rIns="0" bIns="0"/>
-          <a:lstStyle/>
-          <a:p>
-            <a:pPr marL="254000" indent="-254000">
-              <a:lnSpc>
-                <a:spcPct val="120000"/>
-              </a:lnSpc>
-              <a:spcBef>
-                <a:spcPts val="1000"/>
-              </a:spcBef>
-              <a:buSzPct val="120000"/>
-              <a:buFont typeface="Lucida Grande" charset="0"/>
-              <a:buChar char="‣"/>
-              <a:defRPr/>
-            </a:pPr>
-            <a:r>
-              <a:rPr lang="en-US" sz="2600" smtClean="0">
-                <a:solidFill>
-                  <a:srgbClr val="262626"/>
-                </a:solidFill>
-                <a:latin typeface="+mn-lt"/>
-                <a:ea typeface="Gill Sans" charset="0"/>
-                <a:cs typeface="Gill Sans" charset="0"/>
-              </a:rPr>
-              <a:t>Infinite Lists, lazy evaluation, Producer-Consumer Model</a:t>
-            </a:r>
-            <a:endParaRPr lang="en-US" sz="2600">
-              <a:solidFill>
-                <a:srgbClr val="262626"/>
-              </a:solidFill>
-              <a:latin typeface="+mn-lt"/>
-              <a:ea typeface="Gill Sans" charset="0"/>
-              <a:cs typeface="Gill Sans" charset="0"/>
-            </a:endParaRPr>
-          </a:p>
-          <a:p>
-            <a:pPr marL="254000" indent="-254000">
-              <a:lnSpc>
-                <a:spcPct val="120000"/>
-              </a:lnSpc>
-              <a:spcBef>
-                <a:spcPts val="1000"/>
-              </a:spcBef>
-              <a:buSzPct val="120000"/>
-              <a:buFont typeface="Lucida Grande" charset="0"/>
-              <a:buChar char="‣"/>
-              <a:defRPr/>
-            </a:pPr>
-            <a:r>
-              <a:rPr lang="en-US" sz="2600" smtClean="0">
-                <a:solidFill>
-                  <a:srgbClr val="262626"/>
-                </a:solidFill>
-                <a:latin typeface="+mn-lt"/>
-                <a:ea typeface="Gill Sans" charset="0"/>
-                <a:cs typeface="Gill Sans" charset="0"/>
-              </a:rPr>
-              <a:t>Profiling</a:t>
-            </a:r>
-          </a:p>
-          <a:p>
-            <a:pPr marL="254000" indent="-254000">
-              <a:lnSpc>
-                <a:spcPct val="120000"/>
-              </a:lnSpc>
-              <a:spcBef>
-                <a:spcPts val="1000"/>
-              </a:spcBef>
-              <a:buSzPct val="120000"/>
-              <a:buFont typeface="Lucida Grande" charset="0"/>
-              <a:buChar char="‣"/>
-              <a:defRPr/>
-            </a:pPr>
-            <a:r>
-              <a:rPr lang="en-US" sz="2600" smtClean="0">
-                <a:solidFill>
-                  <a:srgbClr val="262626"/>
-                </a:solidFill>
-                <a:latin typeface="+mn-lt"/>
-                <a:ea typeface="Gill Sans" charset="0"/>
-                <a:cs typeface="Gill Sans" charset="0"/>
-              </a:rPr>
-              <a:t>Central Library</a:t>
-            </a:r>
-          </a:p>
-          <a:p>
-            <a:pPr marL="254000" indent="-254000">
-              <a:lnSpc>
-                <a:spcPct val="120000"/>
-              </a:lnSpc>
-              <a:spcBef>
-                <a:spcPts val="1000"/>
-              </a:spcBef>
-              <a:buSzPct val="120000"/>
-              <a:buFont typeface="Lucida Grande" charset="0"/>
-              <a:buChar char="‣"/>
-              <a:defRPr/>
-            </a:pPr>
-            <a:r>
-              <a:rPr lang="en-US" sz="2600" smtClean="0">
-                <a:solidFill>
-                  <a:srgbClr val="262626"/>
-                </a:solidFill>
-                <a:latin typeface="+mn-lt"/>
-                <a:ea typeface="Gill Sans" charset="0"/>
-                <a:cs typeface="Gill Sans" charset="0"/>
-              </a:rPr>
-              <a:t>Compiler and Interpreter</a:t>
-            </a:r>
-          </a:p>
-          <a:p>
-            <a:pPr marL="254000" indent="-254000">
-              <a:lnSpc>
-                <a:spcPct val="120000"/>
-              </a:lnSpc>
-              <a:spcBef>
-                <a:spcPts val="1000"/>
-              </a:spcBef>
-              <a:buSzPct val="120000"/>
-              <a:buFont typeface="Lucida Grande" charset="0"/>
-              <a:buChar char="‣"/>
-              <a:defRPr/>
-            </a:pPr>
-            <a:r>
-              <a:rPr lang="en-US" sz="2600" smtClean="0">
-                <a:solidFill>
-                  <a:srgbClr val="262626"/>
-                </a:solidFill>
-                <a:latin typeface="+mn-lt"/>
-                <a:ea typeface="Gill Sans" charset="0"/>
-                <a:cs typeface="Gill Sans" charset="0"/>
-              </a:rPr>
-              <a:t>Full Programming at command line</a:t>
-            </a:r>
-          </a:p>
-          <a:p>
-            <a:pPr marL="254000" indent="-254000">
-              <a:lnSpc>
-                <a:spcPct val="120000"/>
-              </a:lnSpc>
-              <a:spcBef>
-                <a:spcPts val="1000"/>
-              </a:spcBef>
-              <a:buSzPct val="120000"/>
-              <a:buFont typeface="Lucida Grande" charset="0"/>
-              <a:buChar char="‣"/>
-              <a:defRPr/>
-            </a:pPr>
-            <a:r>
-              <a:rPr lang="en-US" sz="2600" smtClean="0">
-                <a:solidFill>
-                  <a:srgbClr val="262626"/>
-                </a:solidFill>
-                <a:latin typeface="+mn-lt"/>
-                <a:ea typeface="Gill Sans" charset="0"/>
-                <a:cs typeface="Gill Sans" charset="0"/>
-              </a:rPr>
-              <a:t> Industrial Strength (Galois, …)</a:t>
-            </a:r>
-          </a:p>
-          <a:p>
-            <a:pPr marL="254000" indent="-254000">
-              <a:lnSpc>
-                <a:spcPct val="120000"/>
-              </a:lnSpc>
-              <a:spcBef>
-                <a:spcPts val="1000"/>
-              </a:spcBef>
-              <a:buSzPct val="120000"/>
-              <a:buFont typeface="Lucida Grande" charset="0"/>
-              <a:buChar char="‣"/>
-              <a:defRPr/>
-            </a:pPr>
-            <a:r>
-              <a:rPr lang="en-US" sz="2600" smtClean="0">
-                <a:solidFill>
-                  <a:srgbClr val="262626"/>
-                </a:solidFill>
-                <a:latin typeface="+mn-lt"/>
-                <a:ea typeface="Gill Sans" charset="0"/>
-                <a:cs typeface="Gill Sans" charset="0"/>
-              </a:rPr>
-              <a:t>Easy parallelization, Semaphores, …</a:t>
-            </a:r>
-          </a:p>
-          <a:p>
-            <a:pPr marL="254000" indent="-254000">
-              <a:lnSpc>
-                <a:spcPct val="120000"/>
-              </a:lnSpc>
-              <a:spcBef>
-                <a:spcPts val="1000"/>
-              </a:spcBef>
-              <a:buSzPct val="120000"/>
-              <a:buFont typeface="Lucida Grande" charset="0"/>
-              <a:buChar char="‣"/>
-              <a:defRPr/>
-            </a:pPr>
-            <a:r>
-              <a:rPr lang="en-US" sz="2600" smtClean="0">
-                <a:solidFill>
-                  <a:srgbClr val="262626"/>
-                </a:solidFill>
-                <a:latin typeface="+mn-lt"/>
-                <a:ea typeface="Gill Sans" charset="0"/>
-                <a:cs typeface="Gill Sans" charset="0"/>
-              </a:rPr>
-              <a:t>“If it typechecks, it works”</a:t>
-            </a:r>
-          </a:p>
-          <a:p>
-            <a:pPr marL="254000" indent="-254000">
-              <a:lnSpc>
-                <a:spcPct val="120000"/>
-              </a:lnSpc>
-              <a:spcBef>
-                <a:spcPts val="1000"/>
-              </a:spcBef>
-              <a:buSzPct val="120000"/>
-              <a:buFont typeface="Lucida Grande" charset="0"/>
-              <a:buChar char="‣"/>
-              <a:defRPr/>
-            </a:pPr>
-            <a:r>
-              <a:rPr lang="en-US" sz="2600" smtClean="0">
-                <a:solidFill>
-                  <a:srgbClr val="262626"/>
-                </a:solidFill>
-                <a:latin typeface="+mn-lt"/>
-                <a:ea typeface="Gill Sans" charset="0"/>
-                <a:cs typeface="Gill Sans" charset="0"/>
-              </a:rPr>
-              <a:t>Inspiring F#, Java, C#, …</a:t>
-            </a:r>
-          </a:p>
-          <a:p>
-            <a:pPr marL="254000" indent="-254000">
-              <a:lnSpc>
-                <a:spcPct val="120000"/>
-              </a:lnSpc>
-              <a:spcBef>
-                <a:spcPts val="1000"/>
-              </a:spcBef>
-              <a:buSzPct val="120000"/>
-              <a:buFont typeface="Lucida Grande" charset="0"/>
-              <a:buChar char="‣"/>
-              <a:defRPr/>
-            </a:pPr>
-            <a:r>
-              <a:rPr lang="en-US" sz="2600" smtClean="0">
-                <a:solidFill>
-                  <a:srgbClr val="262626"/>
-                </a:solidFill>
-                <a:latin typeface="+mn-lt"/>
-                <a:ea typeface="Gill Sans" charset="0"/>
-                <a:cs typeface="Gill Sans" charset="0"/>
-              </a:rPr>
-              <a:t>Every Monad is a DSL</a:t>
-            </a:r>
-          </a:p>
-          <a:p>
-            <a:pPr marL="254000" indent="-254000">
-              <a:lnSpc>
-                <a:spcPct val="120000"/>
-              </a:lnSpc>
-              <a:spcBef>
-                <a:spcPts val="1000"/>
-              </a:spcBef>
-              <a:buSzPct val="120000"/>
-              <a:buFont typeface="Lucida Grande" charset="0"/>
-              <a:buChar char="‣"/>
-              <a:defRPr/>
-            </a:pPr>
-            <a:r>
-              <a:rPr lang="en-US" sz="2600" smtClean="0">
-                <a:solidFill>
-                  <a:srgbClr val="262626"/>
-                </a:solidFill>
-                <a:latin typeface="+mn-lt"/>
-                <a:ea typeface="Gill Sans" charset="0"/>
-                <a:cs typeface="Gill Sans" charset="0"/>
-              </a:rPr>
-              <a:t>List Comprehension</a:t>
-            </a:r>
-          </a:p>
-          <a:p>
-            <a:pPr marL="254000" indent="-254000">
-              <a:lnSpc>
-                <a:spcPct val="120000"/>
-              </a:lnSpc>
-              <a:spcBef>
-                <a:spcPts val="1000"/>
-              </a:spcBef>
-              <a:buSzPct val="120000"/>
-              <a:buFont typeface="Lucida Grande" charset="0"/>
-              <a:buChar char="‣"/>
-              <a:defRPr/>
-            </a:pPr>
-            <a:r>
-              <a:rPr lang="en-US" sz="2600" smtClean="0">
-                <a:solidFill>
-                  <a:srgbClr val="262626"/>
-                </a:solidFill>
-                <a:latin typeface="+mn-lt"/>
-                <a:ea typeface="Gill Sans" charset="0"/>
-                <a:cs typeface="Gill Sans" charset="0"/>
-              </a:rPr>
-              <a:t>No null pointer</a:t>
-            </a:r>
-          </a:p>
-          <a:p>
-            <a:pPr marL="254000" indent="-254000">
-              <a:lnSpc>
-                <a:spcPct val="120000"/>
-              </a:lnSpc>
-              <a:spcBef>
-                <a:spcPts val="1000"/>
-              </a:spcBef>
-              <a:buSzPct val="120000"/>
-              <a:buFont typeface="Lucida Grande" charset="0"/>
-              <a:buChar char="‣"/>
-              <a:defRPr/>
-            </a:pPr>
-            <a:endParaRPr lang="en-US" sz="2600">
-              <a:solidFill>
-                <a:srgbClr val="262626"/>
-              </a:solidFill>
-              <a:latin typeface="+mn-lt"/>
-              <a:ea typeface="Gill Sans" charset="0"/>
-              <a:cs typeface="Gill Sans" charset="0"/>
-            </a:endParaRPr>
-          </a:p>
-          <a:p>
-            <a:pPr marL="254000" indent="-254000">
-              <a:lnSpc>
-                <a:spcPct val="120000"/>
-              </a:lnSpc>
-              <a:spcBef>
-                <a:spcPts val="1000"/>
-              </a:spcBef>
-              <a:defRPr/>
-            </a:pPr>
-            <a:endParaRPr lang="en-US" sz="2600">
-              <a:solidFill>
-                <a:srgbClr val="262626"/>
-              </a:solidFill>
-              <a:latin typeface="+mn-lt"/>
-              <a:ea typeface="Gill Sans" charset="0"/>
-              <a:cs typeface="Gill Sans" charset="0"/>
-            </a:endParaRPr>
-          </a:p>
-        </p:txBody>
-      </p:sp>
-    </p:spTree>
-    <p:extLst>
-      <p:ext uri="{BB962C8B-B14F-4D97-AF65-F5344CB8AC3E}">
-        <p14:creationId xmlns:p14="http://schemas.microsoft.com/office/powerpoint/2010/main" val="3297322222"/>
-      </p:ext>
-    </p:extLst>
-  </p:cSld>
-  <p:clrMapOvr>
-    <a:masterClrMapping/>
-  </p:clrMapOvr>
-</p:sld>
-</file>
-
-<file path=ppt/slides/slide8.xml><?xml version="1.0" encoding="utf-8"?>
-<p:sld xmlns:a="http://schemas.openxmlformats.org/drawingml/2006/main" xmlns:r="http://schemas.openxmlformats.org/officeDocument/2006/relationships" xmlns:p="http://schemas.openxmlformats.org/presentationml/2006/main">
-  <p:cSld>
-    <p:spTree>
-      <p:nvGrpSpPr>
-        <p:cNvPr id="1" name=""/>
-        <p:cNvGrpSpPr/>
-        <p:nvPr/>
-      </p:nvGrpSpPr>
-      <p:grpSpPr>
-        <a:xfrm>
-          <a:off x="0" y="0"/>
-          <a:ext cx="0" cy="0"/>
-          <a:chOff x="0" y="0"/>
-          <a:chExt cx="0" cy="0"/>
-        </a:xfrm>
-      </p:grpSpPr>
-      <p:sp>
-        <p:nvSpPr>
-          <p:cNvPr id="9218" name="Titel 1"/>
-          <p:cNvSpPr>
-            <a:spLocks noGrp="1"/>
-          </p:cNvSpPr>
-          <p:nvPr>
-            <p:ph type="title"/>
-          </p:nvPr>
-        </p:nvSpPr>
-        <p:spPr bwMode="auto">
-          <a:xfrm>
-            <a:off x="442913" y="93663"/>
-            <a:ext cx="10742612" cy="939800"/>
-          </a:xfrm>
-          <a:noFill/>
-          <a:ln>
-            <a:miter lim="800000"/>
-            <a:headEnd/>
-            <a:tailEnd/>
-          </a:ln>
-        </p:spPr>
-        <p:txBody>
-          <a:bodyPr vert="horz" wrap="square" numCol="1" anchor="t" anchorCtr="0" compatLnSpc="1">
-            <a:prstTxWarp prst="textNoShape">
-              <a:avLst/>
-            </a:prstTxWarp>
-          </a:bodyPr>
-          <a:lstStyle/>
-          <a:p>
-            <a:r>
-              <a:rPr lang="en-US" smtClean="0"/>
-              <a:t>So called “List Comprehension”</a:t>
-            </a:r>
-          </a:p>
-        </p:txBody>
-      </p:sp>
-      <p:sp>
-        <p:nvSpPr>
-          <p:cNvPr id="3" name="Rectangle 4"/>
-          <p:cNvSpPr>
-            <a:spLocks/>
-          </p:cNvSpPr>
-          <p:nvPr/>
-        </p:nvSpPr>
-        <p:spPr bwMode="auto">
-          <a:xfrm>
-            <a:off x="487362" y="1438502"/>
-            <a:ext cx="10790237" cy="3002869"/>
-          </a:xfrm>
-          <a:prstGeom prst="rect">
-            <a:avLst/>
-          </a:prstGeom>
-          <a:noFill/>
-          <a:ln w="12700" cap="flat">
-            <a:noFill/>
-            <a:miter lim="800000"/>
-            <a:headEnd type="none" w="med" len="med"/>
-            <a:tailEnd type="none" w="med" len="med"/>
-          </a:ln>
-        </p:spPr>
-        <p:txBody>
-          <a:bodyPr lIns="0" tIns="0" rIns="0" bIns="0"/>
-          <a:lstStyle/>
-          <a:p>
-            <a:pPr>
-              <a:lnSpc>
-                <a:spcPct val="120000"/>
-              </a:lnSpc>
-              <a:spcBef>
-                <a:spcPts val="1000"/>
-              </a:spcBef>
-              <a:buSzPct val="120000"/>
-              <a:defRPr/>
-            </a:pPr>
-            <a:r>
-              <a:rPr lang="en-US" sz="2600" smtClean="0">
-                <a:solidFill>
-                  <a:srgbClr val="262626"/>
-                </a:solidFill>
-                <a:latin typeface="+mn-lt"/>
-                <a:ea typeface="Gill Sans" charset="0"/>
-                <a:cs typeface="Gill Sans" charset="0"/>
-              </a:rPr>
-              <a:t>Task: All prime Numbers up to 100!</a:t>
-            </a:r>
-          </a:p>
-          <a:p>
-            <a:pPr>
-              <a:lnSpc>
-                <a:spcPct val="120000"/>
-              </a:lnSpc>
-              <a:spcBef>
-                <a:spcPts val="1000"/>
-              </a:spcBef>
-              <a:buSzPct val="120000"/>
-              <a:defRPr/>
-            </a:pPr>
-            <a:endParaRPr lang="en-US" sz="2600">
-              <a:solidFill>
-                <a:srgbClr val="262626"/>
-              </a:solidFill>
-              <a:latin typeface="+mn-lt"/>
-              <a:ea typeface="Gill Sans" charset="0"/>
-              <a:cs typeface="Gill Sans" charset="0"/>
-            </a:endParaRPr>
-          </a:p>
-          <a:p>
-            <a:pPr>
-              <a:lnSpc>
-                <a:spcPct val="120000"/>
-              </a:lnSpc>
-              <a:spcBef>
-                <a:spcPts val="1000"/>
-              </a:spcBef>
-              <a:buSzPct val="120000"/>
-              <a:defRPr/>
-            </a:pPr>
-            <a:r>
-              <a:rPr lang="en-US" sz="2600" smtClean="0">
-                <a:solidFill>
-                  <a:srgbClr val="262626"/>
-                </a:solidFill>
-                <a:latin typeface="+mn-lt"/>
-                <a:ea typeface="Gill Sans" charset="0"/>
-                <a:cs typeface="Gill Sans" charset="0"/>
-              </a:rPr>
-              <a:t>Lets compute the list of all numbers x where</a:t>
-            </a:r>
-          </a:p>
-          <a:p>
-            <a:pPr>
-              <a:lnSpc>
-                <a:spcPct val="120000"/>
-              </a:lnSpc>
-              <a:spcBef>
-                <a:spcPts val="1000"/>
-              </a:spcBef>
-              <a:buSzPct val="120000"/>
-              <a:defRPr/>
-            </a:pPr>
-            <a:r>
-              <a:rPr lang="en-US" sz="2600" smtClean="0">
-                <a:solidFill>
-                  <a:srgbClr val="262626"/>
-                </a:solidFill>
-                <a:latin typeface="+mn-lt"/>
-                <a:ea typeface="Gill Sans" charset="0"/>
-                <a:cs typeface="Gill Sans" charset="0"/>
-              </a:rPr>
-              <a:t>x is between 2 and 100, and there is</a:t>
-            </a:r>
-          </a:p>
-          <a:p>
-            <a:pPr>
-              <a:lnSpc>
-                <a:spcPct val="120000"/>
-              </a:lnSpc>
-              <a:spcBef>
-                <a:spcPts val="1000"/>
-              </a:spcBef>
-              <a:buSzPct val="120000"/>
-              <a:defRPr/>
-            </a:pPr>
-            <a:r>
-              <a:rPr lang="en-US" sz="2600" smtClean="0">
-                <a:solidFill>
-                  <a:srgbClr val="262626"/>
-                </a:solidFill>
-                <a:latin typeface="+mn-lt"/>
-                <a:ea typeface="Gill Sans" charset="0"/>
-                <a:cs typeface="Gill Sans" charset="0"/>
-              </a:rPr>
-              <a:t>not any divisor of x from 2 to (n-1):</a:t>
-            </a:r>
-          </a:p>
-          <a:p>
-            <a:pPr>
-              <a:lnSpc>
-                <a:spcPct val="120000"/>
-              </a:lnSpc>
-              <a:spcBef>
-                <a:spcPts val="1000"/>
-              </a:spcBef>
-              <a:buSzPct val="120000"/>
-              <a:defRPr/>
-            </a:pPr>
-            <a:endParaRPr lang="en-US" sz="2600">
-              <a:solidFill>
-                <a:srgbClr val="262626"/>
-              </a:solidFill>
-              <a:latin typeface="+mn-lt"/>
-              <a:ea typeface="Gill Sans" charset="0"/>
-              <a:cs typeface="Gill Sans" charset="0"/>
-            </a:endParaRPr>
-          </a:p>
-          <a:p>
-            <a:pPr>
-              <a:lnSpc>
-                <a:spcPct val="120000"/>
-              </a:lnSpc>
-              <a:spcBef>
-                <a:spcPts val="1000"/>
-              </a:spcBef>
-              <a:buSzPct val="120000"/>
-              <a:defRPr/>
-            </a:pPr>
-            <a:endParaRPr lang="en-US" sz="2600" smtClean="0">
-              <a:solidFill>
-                <a:srgbClr val="262626"/>
-              </a:solidFill>
-              <a:latin typeface="+mn-lt"/>
-              <a:ea typeface="Gill Sans" charset="0"/>
-              <a:cs typeface="Gill Sans" charset="0"/>
-            </a:endParaRPr>
-          </a:p>
-          <a:p>
-            <a:pPr>
-              <a:lnSpc>
-                <a:spcPct val="120000"/>
-              </a:lnSpc>
-              <a:spcBef>
-                <a:spcPts val="1000"/>
-              </a:spcBef>
-              <a:buSzPct val="120000"/>
-              <a:defRPr/>
-            </a:pPr>
-            <a:endParaRPr lang="en-US" sz="2600" smtClean="0">
-              <a:solidFill>
-                <a:srgbClr val="262626"/>
-              </a:solidFill>
-              <a:latin typeface="+mn-lt"/>
-              <a:ea typeface="Gill Sans" charset="0"/>
-              <a:cs typeface="Gill Sans" charset="0"/>
-            </a:endParaRPr>
-          </a:p>
-          <a:p>
-            <a:pPr>
-              <a:lnSpc>
-                <a:spcPct val="120000"/>
-              </a:lnSpc>
-              <a:spcBef>
-                <a:spcPts val="1000"/>
-              </a:spcBef>
-              <a:buSzPct val="120000"/>
-              <a:defRPr/>
-            </a:pPr>
-            <a:endParaRPr lang="en-US" sz="2600">
-              <a:solidFill>
-                <a:srgbClr val="262626"/>
-              </a:solidFill>
-              <a:latin typeface="+mn-lt"/>
-              <a:ea typeface="Gill Sans" charset="0"/>
-              <a:cs typeface="Gill Sans" charset="0"/>
-            </a:endParaRPr>
-          </a:p>
-          <a:p>
-            <a:pPr>
-              <a:lnSpc>
-                <a:spcPct val="120000"/>
-              </a:lnSpc>
-              <a:spcBef>
-                <a:spcPts val="1000"/>
-              </a:spcBef>
-              <a:buSzPct val="120000"/>
-              <a:defRPr/>
-            </a:pPr>
-            <a:endParaRPr lang="en-US" sz="2600">
-              <a:solidFill>
-                <a:srgbClr val="262626"/>
-              </a:solidFill>
-              <a:latin typeface="+mn-lt"/>
-              <a:ea typeface="Gill Sans" charset="0"/>
-              <a:cs typeface="Gill Sans" charset="0"/>
-            </a:endParaRPr>
-          </a:p>
-          <a:p>
-            <a:pPr marL="254000" indent="-254000">
-              <a:lnSpc>
-                <a:spcPct val="120000"/>
-              </a:lnSpc>
-              <a:spcBef>
-                <a:spcPts val="1000"/>
-              </a:spcBef>
-              <a:defRPr/>
-            </a:pPr>
-            <a:endParaRPr lang="en-US" sz="2600">
-              <a:solidFill>
-                <a:srgbClr val="262626"/>
-              </a:solidFill>
-              <a:latin typeface="+mn-lt"/>
-              <a:ea typeface="Gill Sans" charset="0"/>
-              <a:cs typeface="Gill Sans" charset="0"/>
-            </a:endParaRPr>
-          </a:p>
-        </p:txBody>
-      </p:sp>
-      <p:sp>
-        <p:nvSpPr>
-          <p:cNvPr id="4" name="Textfeld 3"/>
-          <p:cNvSpPr txBox="1"/>
-          <p:nvPr/>
-        </p:nvSpPr>
-        <p:spPr>
-          <a:xfrm>
-            <a:off x="404057" y="4876368"/>
-            <a:ext cx="8956298" cy="1015663"/>
-          </a:xfrm>
-          <a:prstGeom prst="rect">
-            <a:avLst/>
-          </a:prstGeom>
-          <a:noFill/>
-        </p:spPr>
-        <p:txBody>
-          <a:bodyPr wrap="none" rtlCol="0">
-            <a:spAutoFit/>
-          </a:bodyPr>
-          <a:lstStyle/>
-          <a:p>
-            <a:r>
-              <a:rPr lang="en-US" sz="2000" smtClean="0">
-                <a:latin typeface="Droid Sans Mono Chess ASCII" panose="020B0609030804020204" pitchFamily="50" charset="0"/>
-                <a:ea typeface="Droid Sans Mono Chess ASCII" panose="020B0609030804020204" pitchFamily="50" charset="0"/>
-                <a:cs typeface="Droid Sans Mono Chess ASCII" panose="020B0609030804020204" pitchFamily="50" charset="0"/>
-              </a:rPr>
-              <a:t>[ x | x &lt;- [2..100], not (any (divisorOf x)) [2..(n-1)] ]</a:t>
-            </a:r>
-          </a:p>
-          <a:p>
-            <a:r>
-              <a:rPr lang="en-US" sz="2000">
-                <a:latin typeface="Droid Sans Mono Chess ASCII" panose="020B0609030804020204" pitchFamily="50" charset="0"/>
-                <a:ea typeface="Droid Sans Mono Chess ASCII" panose="020B0609030804020204" pitchFamily="50" charset="0"/>
-                <a:cs typeface="Droid Sans Mono Chess ASCII" panose="020B0609030804020204" pitchFamily="50" charset="0"/>
-              </a:rPr>
-              <a:t>	</a:t>
-            </a:r>
-            <a:r>
-              <a:rPr lang="en-US" sz="2000" smtClean="0">
-                <a:latin typeface="Droid Sans Mono Chess ASCII" panose="020B0609030804020204" pitchFamily="50" charset="0"/>
-                <a:ea typeface="Droid Sans Mono Chess ASCII" panose="020B0609030804020204" pitchFamily="50" charset="0"/>
-                <a:cs typeface="Droid Sans Mono Chess ASCII" panose="020B0609030804020204" pitchFamily="50" charset="0"/>
-              </a:rPr>
-              <a:t>where</a:t>
-            </a:r>
-          </a:p>
-          <a:p>
-            <a:r>
-              <a:rPr lang="en-US" sz="2000">
-                <a:latin typeface="Droid Sans Mono Chess ASCII" panose="020B0609030804020204" pitchFamily="50" charset="0"/>
-                <a:ea typeface="Droid Sans Mono Chess ASCII" panose="020B0609030804020204" pitchFamily="50" charset="0"/>
-                <a:cs typeface="Droid Sans Mono Chess ASCII" panose="020B0609030804020204" pitchFamily="50" charset="0"/>
-              </a:rPr>
-              <a:t> </a:t>
-            </a:r>
-            <a:r>
-              <a:rPr lang="en-US" sz="2000" smtClean="0">
-                <a:latin typeface="Droid Sans Mono Chess ASCII" panose="020B0609030804020204" pitchFamily="50" charset="0"/>
-                <a:ea typeface="Droid Sans Mono Chess ASCII" panose="020B0609030804020204" pitchFamily="50" charset="0"/>
-                <a:cs typeface="Droid Sans Mono Chess ASCII" panose="020B0609030804020204" pitchFamily="50" charset="0"/>
-              </a:rPr>
-              <a:t>     divisorOf x i = mod x i == 0</a:t>
-            </a:r>
-            <a:endParaRPr lang="de-DE" sz="2000">
-              <a:latin typeface="Droid Sans Mono Chess ASCII" panose="020B0609030804020204" pitchFamily="50" charset="0"/>
-              <a:ea typeface="Droid Sans Mono Chess ASCII" panose="020B0609030804020204" pitchFamily="50" charset="0"/>
-              <a:cs typeface="Droid Sans Mono Chess ASCII" panose="020B0609030804020204" pitchFamily="50" charset="0"/>
-            </a:endParaRPr>
-          </a:p>
-        </p:txBody>
-      </p:sp>
-    </p:spTree>
-    <p:extLst>
-      <p:ext uri="{BB962C8B-B14F-4D97-AF65-F5344CB8AC3E}">
-        <p14:creationId xmlns:p14="http://schemas.microsoft.com/office/powerpoint/2010/main" val="3971016912"/>
-      </p:ext>
-    </p:extLst>
-  </p:cSld>
-  <p:clrMapOvr>
-    <a:masterClrMapping/>
-  </p:clrMapOvr>
-</p:sld>
-</file>
-
-<file path=ppt/slides/slide9.xml><?xml version="1.0" encoding="utf-8"?>
-<p:sld xmlns:a="http://schemas.openxmlformats.org/drawingml/2006/main" xmlns:r="http://schemas.openxmlformats.org/officeDocument/2006/relationships" xmlns:p="http://schemas.openxmlformats.org/presentationml/2006/main">
-  <p:cSld>
-    <p:spTree>
-      <p:nvGrpSpPr>
-        <p:cNvPr id="1" name=""/>
-        <p:cNvGrpSpPr/>
-        <p:nvPr/>
-      </p:nvGrpSpPr>
-      <p:grpSpPr>
-        <a:xfrm>
-          <a:off x="0" y="0"/>
-          <a:ext cx="0" cy="0"/>
-          <a:chOff x="0" y="0"/>
-          <a:chExt cx="0" cy="0"/>
-        </a:xfrm>
-      </p:grpSpPr>
-      <p:pic>
-        <p:nvPicPr>
-          <p:cNvPr id="3078" name="Picture 6" descr="TALC"/>
-          <p:cNvPicPr>
-            <a:picLocks noChangeAspect="1" noChangeArrowheads="1"/>
-          </p:cNvPicPr>
-          <p:nvPr/>
-        </p:nvPicPr>
-        <p:blipFill>
-          <a:blip r:embed="rId2">
-            <a:extLst>
-              <a:ext uri="{28A0092B-C50C-407E-A947-70E740481C1C}">
-                <a14:useLocalDpi xmlns:a14="http://schemas.microsoft.com/office/drawing/2010/main" val="0"/>
-              </a:ext>
-            </a:extLst>
-          </a:blip>
-          <a:srcRect/>
-          <a:stretch>
-            <a:fillRect/>
-          </a:stretch>
-        </p:blipFill>
-        <p:spPr bwMode="auto">
-          <a:xfrm>
-            <a:off x="2561315" y="4508837"/>
-            <a:ext cx="7927617" cy="4915127"/>
-          </a:xfrm>
-          <a:prstGeom prst="rect">
-            <a:avLst/>
-          </a:prstGeom>
-          <a:noFill/>
-          <a:extLst>
-            <a:ext uri="{909E8E84-426E-40DD-AFC4-6F175D3DCCD1}">
-              <a14:hiddenFill xmlns:a14="http://schemas.microsoft.com/office/drawing/2010/main">
-                <a:solidFill>
-                  <a:srgbClr val="FFFFFF"/>
-                </a:solidFill>
-              </a14:hiddenFill>
-            </a:ext>
-          </a:extLst>
-        </p:spPr>
-      </p:pic>
-      <p:sp>
-        <p:nvSpPr>
-          <p:cNvPr id="9218" name="Titel 1"/>
-          <p:cNvSpPr>
-            <a:spLocks noGrp="1"/>
-          </p:cNvSpPr>
-          <p:nvPr>
-            <p:ph type="title"/>
-          </p:nvPr>
-        </p:nvSpPr>
-        <p:spPr bwMode="auto">
-          <a:xfrm>
-            <a:off x="442913" y="93663"/>
-            <a:ext cx="10742612" cy="939800"/>
-          </a:xfrm>
-          <a:noFill/>
-          <a:ln>
-            <a:miter lim="800000"/>
-            <a:headEnd/>
-            <a:tailEnd/>
-          </a:ln>
-        </p:spPr>
-        <p:txBody>
-          <a:bodyPr vert="horz" wrap="square" numCol="1" anchor="t" anchorCtr="0" compatLnSpc="1">
-            <a:prstTxWarp prst="textNoShape">
-              <a:avLst/>
-            </a:prstTxWarp>
-          </a:bodyPr>
-          <a:lstStyle/>
-          <a:p>
-            <a:r>
-              <a:rPr lang="en-US" smtClean="0"/>
-              <a:t>When </a:t>
-            </a:r>
-            <a:r>
-              <a:rPr lang="en-US" u="sng" smtClean="0"/>
-              <a:t>not</a:t>
-            </a:r>
-            <a:r>
-              <a:rPr lang="en-US" smtClean="0"/>
-              <a:t> to use Haskell</a:t>
-            </a:r>
-          </a:p>
-        </p:txBody>
-      </p:sp>
-      <p:sp>
-        <p:nvSpPr>
-          <p:cNvPr id="3" name="Rectangle 4"/>
-          <p:cNvSpPr>
-            <a:spLocks/>
-          </p:cNvSpPr>
-          <p:nvPr/>
-        </p:nvSpPr>
-        <p:spPr bwMode="auto">
-          <a:xfrm>
-            <a:off x="443819" y="1373188"/>
-            <a:ext cx="10790237" cy="6680200"/>
-          </a:xfrm>
-          <a:prstGeom prst="rect">
-            <a:avLst/>
-          </a:prstGeom>
-          <a:noFill/>
-          <a:ln w="12700" cap="flat">
-            <a:noFill/>
-            <a:miter lim="800000"/>
-            <a:headEnd type="none" w="med" len="med"/>
-            <a:tailEnd type="none" w="med" len="med"/>
-          </a:ln>
-        </p:spPr>
-        <p:txBody>
-          <a:bodyPr lIns="0" tIns="0" rIns="0" bIns="0"/>
-          <a:lstStyle/>
-          <a:p>
-            <a:pPr marL="254000" indent="-254000">
-              <a:lnSpc>
-                <a:spcPct val="120000"/>
-              </a:lnSpc>
-              <a:spcBef>
-                <a:spcPts val="1000"/>
-              </a:spcBef>
-              <a:buSzPct val="120000"/>
-              <a:buFont typeface="Lucida Grande" charset="0"/>
-              <a:buChar char="‣"/>
-              <a:defRPr/>
-            </a:pPr>
-            <a:r>
-              <a:rPr lang="en-US" sz="2600" smtClean="0">
-                <a:solidFill>
-                  <a:srgbClr val="262626"/>
-                </a:solidFill>
-                <a:latin typeface="+mn-lt"/>
-                <a:ea typeface="Gill Sans" charset="0"/>
-                <a:cs typeface="Gill Sans" charset="0"/>
-              </a:rPr>
-              <a:t>Tight Realtime properties required</a:t>
-            </a:r>
-          </a:p>
-          <a:p>
-            <a:pPr marL="254000" indent="-254000">
-              <a:lnSpc>
-                <a:spcPct val="120000"/>
-              </a:lnSpc>
-              <a:spcBef>
-                <a:spcPts val="1000"/>
-              </a:spcBef>
-              <a:buSzPct val="120000"/>
-              <a:buFont typeface="Lucida Grande" charset="0"/>
-              <a:buChar char="‣"/>
-              <a:defRPr/>
-            </a:pPr>
-            <a:r>
-              <a:rPr lang="en-US" sz="2600" smtClean="0">
-                <a:solidFill>
-                  <a:srgbClr val="262626"/>
-                </a:solidFill>
-                <a:latin typeface="+mn-lt"/>
-                <a:ea typeface="Gill Sans" charset="0"/>
-                <a:cs typeface="Gill Sans" charset="0"/>
-              </a:rPr>
-              <a:t>Very low level problem (machine oriented)</a:t>
-            </a:r>
-          </a:p>
-          <a:p>
-            <a:pPr marL="254000" indent="-254000">
-              <a:lnSpc>
-                <a:spcPct val="120000"/>
-              </a:lnSpc>
-              <a:spcBef>
-                <a:spcPts val="1000"/>
-              </a:spcBef>
-              <a:buSzPct val="120000"/>
-              <a:buFont typeface="Lucida Grande" charset="0"/>
-              <a:buChar char="‣"/>
-              <a:defRPr/>
-            </a:pPr>
-            <a:r>
-              <a:rPr lang="en-US" sz="2600" smtClean="0">
-                <a:solidFill>
-                  <a:srgbClr val="262626"/>
-                </a:solidFill>
-                <a:latin typeface="+mn-lt"/>
-                <a:ea typeface="Gill Sans" charset="0"/>
-                <a:cs typeface="Gill Sans" charset="0"/>
-              </a:rPr>
-              <a:t>In conservative and laggard enviroment</a:t>
-            </a:r>
-            <a:br>
-              <a:rPr lang="en-US" sz="2600" smtClean="0">
-                <a:solidFill>
-                  <a:srgbClr val="262626"/>
-                </a:solidFill>
-                <a:latin typeface="+mn-lt"/>
-                <a:ea typeface="Gill Sans" charset="0"/>
-                <a:cs typeface="Gill Sans" charset="0"/>
-              </a:rPr>
-            </a:br>
-            <a:r>
-              <a:rPr lang="en-US" sz="2600" smtClean="0">
-                <a:solidFill>
-                  <a:srgbClr val="262626"/>
-                </a:solidFill>
-                <a:latin typeface="+mn-lt"/>
-                <a:ea typeface="Gill Sans" charset="0"/>
-                <a:cs typeface="Gill Sans" charset="0"/>
-              </a:rPr>
-              <a:t>(e.g. personal, political reasons):</a:t>
-            </a:r>
-          </a:p>
-          <a:p>
-            <a:pPr marL="254000" indent="-254000">
-              <a:lnSpc>
-                <a:spcPct val="120000"/>
-              </a:lnSpc>
-              <a:spcBef>
-                <a:spcPts val="1000"/>
-              </a:spcBef>
-              <a:buSzPct val="120000"/>
-              <a:buFont typeface="Lucida Grande" charset="0"/>
-              <a:buChar char="‣"/>
-              <a:defRPr/>
-            </a:pPr>
-            <a:endParaRPr lang="en-US" sz="2600">
-              <a:solidFill>
-                <a:srgbClr val="262626"/>
-              </a:solidFill>
-              <a:latin typeface="+mn-lt"/>
-              <a:ea typeface="Gill Sans" charset="0"/>
-              <a:cs typeface="Gill Sans" charset="0"/>
-            </a:endParaRPr>
-          </a:p>
-          <a:p>
-            <a:pPr marL="254000" indent="-254000">
-              <a:lnSpc>
-                <a:spcPct val="120000"/>
-              </a:lnSpc>
-              <a:spcBef>
-                <a:spcPts val="1000"/>
-              </a:spcBef>
-              <a:defRPr/>
-            </a:pPr>
-            <a:endParaRPr lang="en-US" sz="2600">
-              <a:solidFill>
-                <a:srgbClr val="262626"/>
-              </a:solidFill>
-              <a:latin typeface="+mn-lt"/>
-              <a:ea typeface="Gill Sans" charset="0"/>
-              <a:cs typeface="Gill Sans" charset="0"/>
-            </a:endParaRPr>
-          </a:p>
-        </p:txBody>
-      </p:sp>
-      <p:pic>
-        <p:nvPicPr>
-          <p:cNvPr id="3079" name="Picture 7" descr="C:\Users\3t\AppData\Local\Microsoft\Windows\Temporary Internet Files\Content.IE5\OFIS4223\1169px-Achtung.svg[1].png"/>
-          <p:cNvPicPr>
-            <a:picLocks noChangeAspect="1" noChangeArrowheads="1"/>
-          </p:cNvPicPr>
-          <p:nvPr/>
-        </p:nvPicPr>
-        <p:blipFill>
-          <a:blip r:embed="rId3" cstate="print">
-            <a:extLst>
-              <a:ext uri="{28A0092B-C50C-407E-A947-70E740481C1C}">
-                <a14:useLocalDpi xmlns:a14="http://schemas.microsoft.com/office/drawing/2010/main" val="0"/>
-              </a:ext>
-            </a:extLst>
-          </a:blip>
-          <a:srcRect/>
-          <a:stretch>
-            <a:fillRect/>
-          </a:stretch>
-        </p:blipFill>
-        <p:spPr bwMode="auto">
-          <a:xfrm>
-            <a:off x="9579429" y="309883"/>
-            <a:ext cx="2729359" cy="2390816"/>
-          </a:xfrm>
-          <a:prstGeom prst="rect">
-            <a:avLst/>
-          </a:prstGeom>
-          <a:noFill/>
-          <a:extLst>
-            <a:ext uri="{909E8E84-426E-40DD-AFC4-6F175D3DCCD1}">
-              <a14:hiddenFill xmlns:a14="http://schemas.microsoft.com/office/drawing/2010/main">
-                <a:solidFill>
-                  <a:srgbClr val="FFFFFF"/>
-                </a:solidFill>
-              </a14:hiddenFill>
-            </a:ext>
-          </a:extLst>
-        </p:spPr>
-      </p:pic>
-      <p:sp>
-        <p:nvSpPr>
-          <p:cNvPr id="2" name="Rechteck 1"/>
-          <p:cNvSpPr/>
-          <p:nvPr/>
-        </p:nvSpPr>
-        <p:spPr>
-          <a:xfrm>
-            <a:off x="6648038" y="4914900"/>
-            <a:ext cx="3963809" cy="3138488"/>
-          </a:xfrm>
-          <a:prstGeom prst="rect">
-            <a:avLst/>
-          </a:prstGeom>
-          <a:blipFill dpi="0" rotWithShape="1">
-            <a:blip r:embed="rId4">
-              <a:alphaModFix amt="30000"/>
-            </a:blip>
-            <a:srcRect/>
-            <a:stretch>
-              <a:fillRect/>
-            </a:stretch>
-          </a:blipFill>
-          <a:ln w="63500">
-            <a:solidFill>
-              <a:srgbClr val="FF0000"/>
-            </a:solidFill>
-          </a:ln>
-        </p:spPr>
-        <p:style>
-          <a:lnRef idx="2">
-            <a:schemeClr val="accent1">
-              <a:shade val="50000"/>
-            </a:schemeClr>
-          </a:lnRef>
-          <a:fillRef idx="1">
-            <a:schemeClr val="accent1"/>
-          </a:fillRef>
-          <a:effectRef idx="0">
-            <a:schemeClr val="accent1"/>
-          </a:effectRef>
-          <a:fontRef idx="minor">
-            <a:schemeClr val="lt1"/>
-          </a:fontRef>
-        </p:style>
-        <p:txBody>
-          <a:bodyPr rtlCol="0" anchor="ctr"/>
-          <a:lstStyle/>
-          <a:p>
-            <a:pPr algn="ctr"/>
-            <a:endParaRPr lang="de-DE"/>
-          </a:p>
-        </p:txBody>
-      </p:sp>
-      <p:cxnSp>
-        <p:nvCxnSpPr>
-          <p:cNvPr id="9" name="Gerade Verbindung mit Pfeil 8"/>
-          <p:cNvCxnSpPr>
-            <a:endCxn id="3078" idx="0"/>
-          </p:cNvCxnSpPr>
-          <p:nvPr/>
-        </p:nvCxnSpPr>
-        <p:spPr>
-          <a:xfrm>
-            <a:off x="5115375" y="3145987"/>
-            <a:ext cx="1409749" cy="1362850"/>
-          </a:xfrm>
-          <a:prstGeom prst="straightConnector1">
-            <a:avLst/>
-          </a:prstGeom>
-          <a:ln w="50800">
-            <a:solidFill>
-              <a:srgbClr val="FF0000"/>
-            </a:solidFill>
-            <a:tailEnd type="arrow"/>
-          </a:ln>
-        </p:spPr>
-        <p:style>
-          <a:lnRef idx="1">
-            <a:schemeClr val="accent1"/>
-          </a:lnRef>
-          <a:fillRef idx="0">
-            <a:schemeClr val="accent1"/>
-          </a:fillRef>
-          <a:effectRef idx="0">
-            <a:schemeClr val="accent1"/>
-          </a:effectRef>
-          <a:fontRef idx="minor">
-            <a:schemeClr val="tx1"/>
-          </a:fontRef>
-        </p:style>
-      </p:cxnSp>
-    </p:spTree>
-    <p:extLst>
-      <p:ext uri="{BB962C8B-B14F-4D97-AF65-F5344CB8AC3E}">
-        <p14:creationId xmlns:p14="http://schemas.microsoft.com/office/powerpoint/2010/main" val="2077020566"/>
       </p:ext>
     </p:extLst>
   </p:cSld>

--- a/ppt/Chess200.pptx
+++ b/ppt/Chess200.pptx
@@ -5,10 +5,10 @@
     <p:sldMasterId id="2147483648" r:id="rId1"/>
   </p:sldMasterIdLst>
   <p:notesMasterIdLst>
-    <p:notesMasterId r:id="rId18"/>
+    <p:notesMasterId r:id="rId20"/>
   </p:notesMasterIdLst>
   <p:handoutMasterIdLst>
-    <p:handoutMasterId r:id="rId19"/>
+    <p:handoutMasterId r:id="rId21"/>
   </p:handoutMasterIdLst>
   <p:sldIdLst>
     <p:sldId id="261" r:id="rId2"/>
@@ -23,33 +23,39 @@
     <p:sldId id="285" r:id="rId11"/>
     <p:sldId id="289" r:id="rId12"/>
     <p:sldId id="294" r:id="rId13"/>
-    <p:sldId id="292" r:id="rId14"/>
-    <p:sldId id="293" r:id="rId15"/>
-    <p:sldId id="288" r:id="rId16"/>
-    <p:sldId id="269" r:id="rId17"/>
+    <p:sldId id="295" r:id="rId14"/>
+    <p:sldId id="296" r:id="rId15"/>
+    <p:sldId id="292" r:id="rId16"/>
+    <p:sldId id="293" r:id="rId17"/>
+    <p:sldId id="288" r:id="rId18"/>
+    <p:sldId id="269" r:id="rId19"/>
   </p:sldIdLst>
   <p:sldSz cx="13004800" cy="9753600"/>
   <p:notesSz cx="7010400" cy="9296400"/>
   <p:embeddedFontLst>
     <p:embeddedFont>
+      <p:font typeface="Arial Black" panose="020B0A04020102020204" pitchFamily="34" charset="0"/>
+      <p:bold r:id="rId22"/>
+    </p:embeddedFont>
+    <p:embeddedFont>
       <p:font typeface="Calibri" panose="020F0502020204030204" pitchFamily="34" charset="0"/>
-      <p:regular r:id="rId20"/>
-      <p:bold r:id="rId21"/>
-      <p:italic r:id="rId22"/>
-      <p:boldItalic r:id="rId23"/>
+      <p:regular r:id="rId23"/>
+      <p:bold r:id="rId24"/>
+      <p:italic r:id="rId25"/>
+      <p:boldItalic r:id="rId26"/>
     </p:embeddedFont>
     <p:embeddedFont>
       <p:font typeface="Wingdings 3" panose="05040102010807070707" pitchFamily="18" charset="2"/>
-      <p:regular r:id="rId24"/>
+      <p:regular r:id="rId27"/>
     </p:embeddedFont>
     <p:embeddedFont>
-      <p:font typeface="Arial Black" panose="020B0A04020102020204" pitchFamily="34" charset="0"/>
-      <p:bold r:id="rId25"/>
+      <p:font typeface="Droid Sans Mono Chess ASCII" panose="020B0609030804020204" pitchFamily="50" charset="0"/>
+      <p:regular r:id="rId28"/>
     </p:embeddedFont>
     <p:embeddedFont>
-      <p:font typeface="Agency FB" panose="020B0503020202020204" pitchFamily="34" charset="0"/>
-      <p:regular r:id="rId26"/>
-      <p:bold r:id="rId27"/>
+      <p:font typeface="Agency FB" panose="020B0604020202020204" charset="0"/>
+      <p:regular r:id="rId29"/>
+      <p:bold r:id="rId30"/>
     </p:embeddedFont>
   </p:embeddedFontLst>
   <p:defaultTextStyle>
@@ -4401,29 +4407,7 @@
                 <a:ea typeface="Gill Sans" charset="0"/>
                 <a:cs typeface="Gill Sans" charset="0"/>
               </a:rPr>
-              <a:t>Task: </a:t>
-            </a:r>
-            <a:r>
-              <a:rPr lang="en-US" sz="2600" smtClean="0">
-                <a:solidFill>
-                  <a:srgbClr val="262626"/>
-                </a:solidFill>
-                <a:latin typeface="+mn-lt"/>
-                <a:ea typeface="Gill Sans" charset="0"/>
-                <a:cs typeface="Gill Sans" charset="0"/>
-              </a:rPr>
-              <a:t>Enumerate all </a:t>
-            </a:r>
-            <a:r>
-              <a:rPr lang="en-US" sz="2600" smtClean="0">
-                <a:solidFill>
-                  <a:srgbClr val="262626"/>
-                </a:solidFill>
-                <a:latin typeface="+mn-lt"/>
-                <a:ea typeface="Gill Sans" charset="0"/>
-                <a:cs typeface="Gill Sans" charset="0"/>
-              </a:rPr>
-              <a:t>prime Numbers up to 100!</a:t>
+              <a:t>Task: Enumerate all prime Numbers up to 100!</a:t>
             </a:r>
           </a:p>
           <a:p>
@@ -4466,18 +4450,7 @@
                 <a:ea typeface="Gill Sans" charset="0"/>
                 <a:cs typeface="Gill Sans" charset="0"/>
               </a:rPr>
-              <a:t>“Lets </a:t>
-            </a:r>
-            <a:r>
-              <a:rPr lang="en-US" sz="2600" i="1" smtClean="0">
-                <a:solidFill>
-                  <a:srgbClr val="262626"/>
-                </a:solidFill>
-                <a:latin typeface="+mn-lt"/>
-                <a:ea typeface="Gill Sans" charset="0"/>
-                <a:cs typeface="Gill Sans" charset="0"/>
-              </a:rPr>
-              <a:t>compute the list of all numbers x where</a:t>
+              <a:t>“Lets compute the list of all numbers x where</a:t>
             </a:r>
           </a:p>
           <a:p>
@@ -4500,27 +4473,8 @@
                 <a:ea typeface="Gill Sans" charset="0"/>
                 <a:cs typeface="Gill Sans" charset="0"/>
               </a:rPr>
-              <a:t>x is between 2 and 100, </a:t>
-            </a:r>
-            <a:r>
-              <a:rPr lang="en-US" sz="2600" i="1" smtClean="0">
-                <a:solidFill>
-                  <a:srgbClr val="262626"/>
-                </a:solidFill>
-                <a:latin typeface="+mn-lt"/>
-                <a:ea typeface="Gill Sans" charset="0"/>
-                <a:cs typeface="Gill Sans" charset="0"/>
-              </a:rPr>
-              <a:t>and all x are not dividable by 2 up to x-1.”</a:t>
-            </a:r>
-            <a:endParaRPr lang="en-US" sz="2600" i="1" smtClean="0">
-              <a:solidFill>
-                <a:srgbClr val="262626"/>
-              </a:solidFill>
-              <a:latin typeface="+mn-lt"/>
-              <a:ea typeface="Gill Sans" charset="0"/>
-              <a:cs typeface="Gill Sans" charset="0"/>
-            </a:endParaRPr>
+              <a:t>x is between 2 and 100, and all x are not dividable by 2 up to x-1.”</a:t>
+            </a:r>
           </a:p>
           <a:p>
             <a:pPr>
@@ -4652,7 +4606,7 @@
         <p:spPr>
           <a:xfrm>
             <a:off x="404057" y="5384199"/>
-            <a:ext cx="8648521" cy="1015663"/>
+            <a:ext cx="8802410" cy="1015663"/>
           </a:xfrm>
           <a:prstGeom prst="rect">
             <a:avLst/>
@@ -4671,7 +4625,15 @@
                 <a:ea typeface="Droid Sans Mono Chess ASCII" panose="020B0609030804020204" pitchFamily="50" charset="0"/>
                 <a:cs typeface="Droid Sans Mono Chess ASCII" panose="020B0609030804020204" pitchFamily="50" charset="0"/>
               </a:rPr>
-              <a:t>let </a:t>
+              <a:t>let x </a:t>
+            </a:r>
+            <a:r>
+              <a:rPr lang="en-US" sz="2000" smtClean="0">
+                <a:latin typeface="Droid Sans Mono Chess ASCII" panose="020B0609030804020204" pitchFamily="50" charset="0"/>
+                <a:ea typeface="Droid Sans Mono Chess ASCII" panose="020B0609030804020204" pitchFamily="50" charset="0"/>
+                <a:cs typeface="Droid Sans Mono Chess ASCII" panose="020B0609030804020204" pitchFamily="50" charset="0"/>
+              </a:rPr>
+              <a:t>`notDivableBy</a:t>
             </a:r>
             <a:r>
               <a:rPr lang="en-US" sz="2000">
@@ -4679,7 +4641,7 @@
                 <a:ea typeface="Droid Sans Mono Chess ASCII" panose="020B0609030804020204" pitchFamily="50" charset="0"/>
                 <a:cs typeface="Droid Sans Mono Chess ASCII" panose="020B0609030804020204" pitchFamily="50" charset="0"/>
               </a:rPr>
-              <a:t>x </a:t>
+              <a:t>` d </a:t>
             </a:r>
             <a:r>
               <a:rPr lang="en-US" sz="2000" smtClean="0">
@@ -4687,7 +4649,7 @@
                 <a:ea typeface="Droid Sans Mono Chess ASCII" panose="020B0609030804020204" pitchFamily="50" charset="0"/>
                 <a:cs typeface="Droid Sans Mono Chess ASCII" panose="020B0609030804020204" pitchFamily="50" charset="0"/>
               </a:rPr>
-              <a:t>`notDivableBy</a:t>
+              <a:t> =  mod </a:t>
             </a:r>
             <a:r>
               <a:rPr lang="en-US" sz="2000">
@@ -4695,7 +4657,35 @@
                 <a:ea typeface="Droid Sans Mono Chess ASCII" panose="020B0609030804020204" pitchFamily="50" charset="0"/>
                 <a:cs typeface="Droid Sans Mono Chess ASCII" panose="020B0609030804020204" pitchFamily="50" charset="0"/>
               </a:rPr>
-              <a:t>` </a:t>
+              <a:t>x d </a:t>
+            </a:r>
+            <a:r>
+              <a:rPr lang="en-US" sz="2000" smtClean="0">
+                <a:latin typeface="Droid Sans Mono Chess ASCII" panose="020B0609030804020204" pitchFamily="50" charset="0"/>
+                <a:ea typeface="Droid Sans Mono Chess ASCII" panose="020B0609030804020204" pitchFamily="50" charset="0"/>
+                <a:cs typeface="Droid Sans Mono Chess ASCII" panose="020B0609030804020204" pitchFamily="50" charset="0"/>
+              </a:rPr>
+              <a:t>/= 0</a:t>
+            </a:r>
+          </a:p>
+          <a:p>
+            <a:r>
+              <a:rPr lang="en-US" sz="2000" smtClean="0">
+                <a:latin typeface="Droid Sans Mono Chess ASCII" panose="020B0609030804020204" pitchFamily="50" charset="0"/>
+                <a:ea typeface="Droid Sans Mono Chess ASCII" panose="020B0609030804020204" pitchFamily="50" charset="0"/>
+                <a:cs typeface="Droid Sans Mono Chess ASCII" panose="020B0609030804020204" pitchFamily="50" charset="0"/>
+              </a:rPr>
+              <a:t>in</a:t>
+            </a:r>
+          </a:p>
+          <a:p>
+            <a:r>
+              <a:rPr lang="en-US" sz="2000" smtClean="0">
+                <a:latin typeface="Droid Sans Mono Chess ASCII" panose="020B0609030804020204" pitchFamily="50" charset="0"/>
+                <a:ea typeface="Droid Sans Mono Chess ASCII" panose="020B0609030804020204" pitchFamily="50" charset="0"/>
+                <a:cs typeface="Droid Sans Mono Chess ASCII" panose="020B0609030804020204" pitchFamily="50" charset="0"/>
+              </a:rPr>
+              <a:t>[ </a:t>
             </a:r>
             <a:r>
               <a:rPr lang="en-US" sz="2000">
@@ -4703,7 +4693,7 @@
                 <a:ea typeface="Droid Sans Mono Chess ASCII" panose="020B0609030804020204" pitchFamily="50" charset="0"/>
                 <a:cs typeface="Droid Sans Mono Chess ASCII" panose="020B0609030804020204" pitchFamily="50" charset="0"/>
               </a:rPr>
-              <a:t>d </a:t>
+              <a:t>x | </a:t>
             </a:r>
             <a:r>
               <a:rPr lang="en-US" sz="2000" smtClean="0">
@@ -4711,7 +4701,7 @@
                 <a:ea typeface="Droid Sans Mono Chess ASCII" panose="020B0609030804020204" pitchFamily="50" charset="0"/>
                 <a:cs typeface="Droid Sans Mono Chess ASCII" panose="020B0609030804020204" pitchFamily="50" charset="0"/>
               </a:rPr>
-              <a:t> =  mod </a:t>
+              <a:t>x &lt;- [</a:t>
             </a:r>
             <a:r>
               <a:rPr lang="en-US" sz="2000">
@@ -4719,59 +4709,7 @@
                 <a:ea typeface="Droid Sans Mono Chess ASCII" panose="020B0609030804020204" pitchFamily="50" charset="0"/>
                 <a:cs typeface="Droid Sans Mono Chess ASCII" panose="020B0609030804020204" pitchFamily="50" charset="0"/>
               </a:rPr>
-              <a:t>x </a:t>
-            </a:r>
-            <a:r>
-              <a:rPr lang="en-US" sz="2000">
-                <a:latin typeface="Droid Sans Mono Chess ASCII" panose="020B0609030804020204" pitchFamily="50" charset="0"/>
-                <a:ea typeface="Droid Sans Mono Chess ASCII" panose="020B0609030804020204" pitchFamily="50" charset="0"/>
-                <a:cs typeface="Droid Sans Mono Chess ASCII" panose="020B0609030804020204" pitchFamily="50" charset="0"/>
-              </a:rPr>
-              <a:t>d </a:t>
-            </a:r>
-            <a:r>
-              <a:rPr lang="en-US" sz="2000" smtClean="0">
-                <a:latin typeface="Droid Sans Mono Chess ASCII" panose="020B0609030804020204" pitchFamily="50" charset="0"/>
-                <a:ea typeface="Droid Sans Mono Chess ASCII" panose="020B0609030804020204" pitchFamily="50" charset="0"/>
-                <a:cs typeface="Droid Sans Mono Chess ASCII" panose="020B0609030804020204" pitchFamily="50" charset="0"/>
-              </a:rPr>
-              <a:t>/= 0</a:t>
-            </a:r>
-          </a:p>
-          <a:p>
-            <a:r>
-              <a:rPr lang="en-US" sz="2000" smtClean="0">
-                <a:latin typeface="Droid Sans Mono Chess ASCII" panose="020B0609030804020204" pitchFamily="50" charset="0"/>
-                <a:ea typeface="Droid Sans Mono Chess ASCII" panose="020B0609030804020204" pitchFamily="50" charset="0"/>
-                <a:cs typeface="Droid Sans Mono Chess ASCII" panose="020B0609030804020204" pitchFamily="50" charset="0"/>
-              </a:rPr>
-              <a:t>in</a:t>
-            </a:r>
-          </a:p>
-          <a:p>
-            <a:r>
-              <a:rPr lang="en-US" sz="2000" smtClean="0">
-                <a:latin typeface="Droid Sans Mono Chess ASCII" panose="020B0609030804020204" pitchFamily="50" charset="0"/>
-                <a:ea typeface="Droid Sans Mono Chess ASCII" panose="020B0609030804020204" pitchFamily="50" charset="0"/>
-                <a:cs typeface="Droid Sans Mono Chess ASCII" panose="020B0609030804020204" pitchFamily="50" charset="0"/>
-              </a:rPr>
-              <a:t>[ </a:t>
-            </a:r>
-            <a:r>
-              <a:rPr lang="en-US" sz="2000">
-                <a:latin typeface="Droid Sans Mono Chess ASCII" panose="020B0609030804020204" pitchFamily="50" charset="0"/>
-                <a:ea typeface="Droid Sans Mono Chess ASCII" panose="020B0609030804020204" pitchFamily="50" charset="0"/>
-                <a:cs typeface="Droid Sans Mono Chess ASCII" panose="020B0609030804020204" pitchFamily="50" charset="0"/>
-              </a:rPr>
-              <a:t>x | x&lt;-[2..100</a:t>
-            </a:r>
-            <a:r>
-              <a:rPr lang="en-US" sz="2000">
-                <a:latin typeface="Droid Sans Mono Chess ASCII" panose="020B0609030804020204" pitchFamily="50" charset="0"/>
-                <a:ea typeface="Droid Sans Mono Chess ASCII" panose="020B0609030804020204" pitchFamily="50" charset="0"/>
-                <a:cs typeface="Droid Sans Mono Chess ASCII" panose="020B0609030804020204" pitchFamily="50" charset="0"/>
-              </a:rPr>
-              <a:t>], </a:t>
+              <a:t>2..100], </a:t>
             </a:r>
             <a:r>
               <a:rPr lang="en-US" sz="2000" smtClean="0">
@@ -4859,7 +4797,11 @@
           <a:p>
             <a:r>
               <a:rPr lang="en-US" smtClean="0"/>
-              <a:t>Lazy Evaluation</a:t>
+              <a:t>Lazy </a:t>
+            </a:r>
+            <a:r>
+              <a:rPr lang="en-US" smtClean="0"/>
+              <a:t>Evaluation</a:t>
             </a:r>
             <a:endParaRPr lang="en-US" smtClean="0"/>
           </a:p>
@@ -4912,48 +4854,19 @@
                 <a:ea typeface="Gill Sans" charset="0"/>
                 <a:cs typeface="Gill Sans" charset="0"/>
               </a:rPr>
-              <a:t>Evaluate only when needed</a:t>
-            </a:r>
-            <a:endParaRPr lang="en-US" sz="2600">
-              <a:solidFill>
-                <a:srgbClr val="262626"/>
-              </a:solidFill>
-              <a:latin typeface="+mn-lt"/>
-              <a:ea typeface="Gill Sans" charset="0"/>
-              <a:cs typeface="Gill Sans" charset="0"/>
-            </a:endParaRPr>
-          </a:p>
-          <a:p>
-            <a:pPr>
-              <a:lnSpc>
-                <a:spcPct val="120000"/>
-              </a:lnSpc>
-              <a:spcBef>
-                <a:spcPts val="1000"/>
-              </a:spcBef>
-              <a:buSzPct val="120000"/>
-              <a:defRPr/>
-            </a:pPr>
-            <a:endParaRPr lang="en-US" sz="2600" smtClean="0">
-              <a:solidFill>
-                <a:srgbClr val="262626"/>
-              </a:solidFill>
-              <a:latin typeface="+mn-lt"/>
-              <a:ea typeface="Gill Sans" charset="0"/>
-              <a:cs typeface="Gill Sans" charset="0"/>
-            </a:endParaRPr>
-          </a:p>
-          <a:p>
-            <a:pPr>
-              <a:lnSpc>
-                <a:spcPct val="120000"/>
-              </a:lnSpc>
-              <a:spcBef>
-                <a:spcPts val="1000"/>
-              </a:spcBef>
-              <a:buSzPct val="120000"/>
-              <a:defRPr/>
-            </a:pPr>
+              <a:t>Evaluate only </a:t>
+            </a:r>
+            <a:r>
+              <a:rPr lang="en-US" sz="2600" smtClean="0">
+                <a:solidFill>
+                  <a:srgbClr val="262626"/>
+                </a:solidFill>
+                <a:latin typeface="+mn-lt"/>
+                <a:ea typeface="Gill Sans" charset="0"/>
+                <a:cs typeface="Gill Sans" charset="0"/>
+              </a:rPr>
+              <a:t>if needed!</a:t>
+            </a:r>
             <a:endParaRPr lang="en-US" sz="2600" smtClean="0">
               <a:solidFill>
                 <a:srgbClr val="262626"/>
@@ -5020,6 +4933,160 @@
               <a:latin typeface="+mn-lt"/>
               <a:ea typeface="Gill Sans" charset="0"/>
               <a:cs typeface="Gill Sans" charset="0"/>
+            </a:endParaRPr>
+          </a:p>
+        </p:txBody>
+      </p:sp>
+      <p:sp>
+        <p:nvSpPr>
+          <p:cNvPr id="4" name="Rectangle 4"/>
+          <p:cNvSpPr>
+            <a:spLocks/>
+          </p:cNvSpPr>
+          <p:nvPr/>
+        </p:nvSpPr>
+        <p:spPr bwMode="auto">
+          <a:xfrm>
+            <a:off x="459569" y="2287587"/>
+            <a:ext cx="10790237" cy="1108755"/>
+          </a:xfrm>
+          <a:prstGeom prst="rect">
+            <a:avLst/>
+          </a:prstGeom>
+          <a:noFill/>
+          <a:ln w="12700" cap="flat">
+            <a:noFill/>
+            <a:miter lim="800000"/>
+            <a:headEnd type="none" w="med" len="med"/>
+            <a:tailEnd type="none" w="med" len="med"/>
+          </a:ln>
+        </p:spPr>
+        <p:txBody>
+          <a:bodyPr lIns="0" tIns="0" rIns="0" bIns="0"/>
+          <a:lstStyle/>
+          <a:p>
+            <a:pPr>
+              <a:lnSpc>
+                <a:spcPct val="120000"/>
+              </a:lnSpc>
+              <a:spcBef>
+                <a:spcPts val="1000"/>
+              </a:spcBef>
+              <a:buSzPct val="120000"/>
+              <a:defRPr/>
+            </a:pPr>
+            <a:r>
+              <a:rPr lang="en-US" sz="4000" b="1" smtClean="0">
+                <a:latin typeface="+mj-lt"/>
+                <a:ea typeface="+mj-ea"/>
+                <a:cs typeface="+mj-cs"/>
+              </a:rPr>
+              <a:t>… enables lazy programming:</a:t>
+            </a:r>
+            <a:endParaRPr lang="en-US" sz="4000" smtClean="0">
+              <a:solidFill>
+                <a:srgbClr val="262626"/>
+              </a:solidFill>
+              <a:latin typeface="+mn-lt"/>
+              <a:ea typeface="Gill Sans" charset="0"/>
+              <a:cs typeface="Gill Sans" charset="0"/>
+            </a:endParaRPr>
+          </a:p>
+          <a:p>
+            <a:pPr>
+              <a:lnSpc>
+                <a:spcPct val="120000"/>
+              </a:lnSpc>
+              <a:spcBef>
+                <a:spcPts val="1000"/>
+              </a:spcBef>
+              <a:buSzPct val="120000"/>
+              <a:defRPr/>
+            </a:pPr>
+            <a:endParaRPr lang="en-US" sz="4000">
+              <a:solidFill>
+                <a:srgbClr val="262626"/>
+              </a:solidFill>
+              <a:latin typeface="+mn-lt"/>
+              <a:ea typeface="Gill Sans" charset="0"/>
+              <a:cs typeface="Gill Sans" charset="0"/>
+            </a:endParaRPr>
+          </a:p>
+          <a:p>
+            <a:pPr>
+              <a:lnSpc>
+                <a:spcPct val="120000"/>
+              </a:lnSpc>
+              <a:spcBef>
+                <a:spcPts val="1000"/>
+              </a:spcBef>
+              <a:buSzPct val="120000"/>
+              <a:defRPr/>
+            </a:pPr>
+            <a:endParaRPr lang="en-US" sz="4000">
+              <a:solidFill>
+                <a:srgbClr val="262626"/>
+              </a:solidFill>
+              <a:latin typeface="+mn-lt"/>
+              <a:ea typeface="Gill Sans" charset="0"/>
+              <a:cs typeface="Gill Sans" charset="0"/>
+            </a:endParaRPr>
+          </a:p>
+          <a:p>
+            <a:pPr marL="254000" indent="-254000">
+              <a:lnSpc>
+                <a:spcPct val="120000"/>
+              </a:lnSpc>
+              <a:spcBef>
+                <a:spcPts val="1000"/>
+              </a:spcBef>
+              <a:defRPr/>
+            </a:pPr>
+            <a:endParaRPr lang="en-US" sz="4000">
+              <a:solidFill>
+                <a:srgbClr val="262626"/>
+              </a:solidFill>
+              <a:latin typeface="+mn-lt"/>
+              <a:ea typeface="Gill Sans" charset="0"/>
+              <a:cs typeface="Gill Sans" charset="0"/>
+            </a:endParaRPr>
+          </a:p>
+        </p:txBody>
+      </p:sp>
+      <p:sp>
+        <p:nvSpPr>
+          <p:cNvPr id="5" name="Textfeld 4"/>
+          <p:cNvSpPr txBox="1"/>
+          <p:nvPr/>
+        </p:nvSpPr>
+        <p:spPr>
+          <a:xfrm>
+            <a:off x="404057" y="3686027"/>
+            <a:ext cx="5878532" cy="400110"/>
+          </a:xfrm>
+          <a:prstGeom prst="rect">
+            <a:avLst/>
+          </a:prstGeom>
+          <a:noFill/>
+        </p:spPr>
+        <p:txBody>
+          <a:bodyPr wrap="none" rtlCol="0">
+            <a:spAutoFit/>
+          </a:bodyPr>
+          <a:lstStyle/>
+          <a:p>
+            <a:r>
+              <a:rPr lang="en-US" sz="2000" smtClean="0">
+                <a:latin typeface="Droid Sans Mono Chess ASCII" panose="020B0609030804020204" pitchFamily="50" charset="0"/>
+                <a:ea typeface="Droid Sans Mono Chess ASCII" panose="020B0609030804020204" pitchFamily="50" charset="0"/>
+                <a:cs typeface="Droid Sans Mono Chess ASCII" panose="020B0609030804020204" pitchFamily="50" charset="0"/>
+              </a:rPr>
+              <a:t>minimum list = head ( process2 list )</a:t>
+            </a:r>
+            <a:endParaRPr lang="de-DE" sz="2000">
+              <a:latin typeface="Droid Sans Mono Chess ASCII" panose="020B0609030804020204" pitchFamily="50" charset="0"/>
+              <a:ea typeface="Droid Sans Mono Chess ASCII" panose="020B0609030804020204" pitchFamily="50" charset="0"/>
+              <a:cs typeface="Droid Sans Mono Chess ASCII" panose="020B0609030804020204" pitchFamily="50" charset="0"/>
             </a:endParaRPr>
           </a:p>
         </p:txBody>
@@ -5054,6 +5121,47 @@
           <a:chExt cx="0" cy="0"/>
         </a:xfrm>
       </p:grpSpPr>
+      <p:pic>
+        <p:nvPicPr>
+          <p:cNvPr id="1028" name="Picture 4" descr="Bildergebnis für java null pointer"/>
+          <p:cNvPicPr>
+            <a:picLocks noChangeAspect="1" noChangeArrowheads="1"/>
+          </p:cNvPicPr>
+          <p:nvPr/>
+        </p:nvPicPr>
+        <p:blipFill>
+          <a:blip r:embed="rId2">
+            <a:extLst>
+              <a:ext uri="{28A0092B-C50C-407E-A947-70E740481C1C}">
+                <a14:useLocalDpi xmlns:a14="http://schemas.microsoft.com/office/drawing/2010/main" val="0"/>
+              </a:ext>
+            </a:extLst>
+          </a:blip>
+          <a:srcRect/>
+          <a:stretch>
+            <a:fillRect/>
+          </a:stretch>
+        </p:blipFill>
+        <p:spPr bwMode="auto">
+          <a:xfrm>
+            <a:off x="1308653" y="2950756"/>
+            <a:ext cx="10535003" cy="6281987"/>
+          </a:xfrm>
+          <a:prstGeom prst="rect">
+            <a:avLst/>
+          </a:prstGeom>
+          <a:noFill/>
+          <a:extLst>
+            <a:ext uri="{909E8E84-426E-40DD-AFC4-6F175D3DCCD1}">
+              <a14:hiddenFill xmlns:a14="http://schemas.microsoft.com/office/drawing/2010/main">
+                <a:solidFill>
+                  <a:srgbClr val="FFFFFF"/>
+                </a:solidFill>
+              </a14:hiddenFill>
+            </a:ext>
+          </a:extLst>
+        </p:spPr>
+      </p:pic>
       <p:sp>
         <p:nvSpPr>
           <p:cNvPr id="9218" name="Titel 1"/>
@@ -5067,7 +5175,7 @@
         <p:spPr bwMode="auto">
           <a:xfrm>
             <a:off x="442913" y="93663"/>
-            <a:ext cx="10742612" cy="939800"/>
+            <a:ext cx="11074174" cy="939800"/>
           </a:xfrm>
           <a:noFill/>
           <a:ln>
@@ -5085,25 +5193,122 @@
           <a:lstStyle/>
           <a:p>
             <a:r>
-              <a:rPr lang="en-US" smtClean="0"/>
-              <a:t>Shell Hacking</a:t>
-            </a:r>
-            <a:endParaRPr lang="en-US" smtClean="0"/>
+              <a:rPr lang="en-US" sz="5400" smtClean="0"/>
+              <a:t>Sir Tony Hoare’s billion dollar mistake</a:t>
+            </a:r>
+            <a:endParaRPr lang="en-US" sz="5400" smtClean="0"/>
           </a:p>
         </p:txBody>
       </p:sp>
       <p:sp>
         <p:nvSpPr>
-          <p:cNvPr id="2" name="AutoShape 2" descr="Bildergebnis für haskell brooks curry"/>
+          <p:cNvPr id="3" name="Rectangle 4"/>
           <p:cNvSpPr>
-            <a:spLocks noChangeAspect="1" noChangeArrowheads="1"/>
+            <a:spLocks/>
           </p:cNvSpPr>
           <p:nvPr/>
         </p:nvSpPr>
         <p:spPr bwMode="auto">
           <a:xfrm>
-            <a:off x="155575" y="-731838"/>
-            <a:ext cx="1228725" cy="1524001"/>
+            <a:off x="459569" y="1242558"/>
+            <a:ext cx="10790237" cy="1326469"/>
+          </a:xfrm>
+          <a:prstGeom prst="rect">
+            <a:avLst/>
+          </a:prstGeom>
+          <a:noFill/>
+          <a:ln w="12700" cap="flat">
+            <a:noFill/>
+            <a:miter lim="800000"/>
+            <a:headEnd type="none" w="med" len="med"/>
+            <a:tailEnd type="none" w="med" len="med"/>
+          </a:ln>
+        </p:spPr>
+        <p:txBody>
+          <a:bodyPr lIns="0" tIns="0" rIns="0" bIns="0"/>
+          <a:lstStyle/>
+          <a:p>
+            <a:pPr>
+              <a:lnSpc>
+                <a:spcPct val="120000"/>
+              </a:lnSpc>
+              <a:spcBef>
+                <a:spcPts val="1000"/>
+              </a:spcBef>
+              <a:buSzPct val="120000"/>
+              <a:defRPr/>
+            </a:pPr>
+            <a:r>
+              <a:rPr lang="en-US" sz="2800" i="1" smtClean="0"/>
+              <a:t>“I </a:t>
+            </a:r>
+            <a:r>
+              <a:rPr lang="en-US" sz="2800" i="1"/>
+              <a:t>call it my </a:t>
+            </a:r>
+            <a:r>
+              <a:rPr lang="en-US" sz="2800" i="1"/>
+              <a:t>billion-dollar </a:t>
+            </a:r>
+            <a:r>
+              <a:rPr lang="en-US" sz="2800" i="1" smtClean="0"/>
+              <a:t>mistake.</a:t>
+            </a:r>
+            <a:br>
+              <a:rPr lang="en-US" sz="2800" i="1" smtClean="0"/>
+            </a:br>
+            <a:r>
+              <a:rPr lang="en-US" sz="2800" i="1" smtClean="0"/>
+              <a:t>It </a:t>
+            </a:r>
+            <a:r>
+              <a:rPr lang="en-US" sz="2800" i="1"/>
+              <a:t>was the invention of the null reference in </a:t>
+            </a:r>
+            <a:r>
+              <a:rPr lang="en-US" sz="2800" i="1"/>
+              <a:t>1965</a:t>
+            </a:r>
+            <a:r>
+              <a:rPr lang="en-US" sz="2800" i="1" smtClean="0"/>
+              <a:t>.”</a:t>
+            </a:r>
+            <a:endParaRPr lang="en-US" sz="2600" i="1">
+              <a:solidFill>
+                <a:srgbClr val="262626"/>
+              </a:solidFill>
+              <a:latin typeface="+mn-lt"/>
+              <a:ea typeface="Gill Sans" charset="0"/>
+              <a:cs typeface="Gill Sans" charset="0"/>
+            </a:endParaRPr>
+          </a:p>
+        </p:txBody>
+      </p:sp>
+      <p:pic>
+        <p:nvPicPr>
+          <p:cNvPr id="1026" name="Picture 2" descr="Sir Tony Hoare IMG 5125.jpg"/>
+          <p:cNvPicPr>
+            <a:picLocks noChangeAspect="1" noChangeArrowheads="1"/>
+          </p:cNvPicPr>
+          <p:nvPr/>
+        </p:nvPicPr>
+        <p:blipFill>
+          <a:blip r:embed="rId3">
+            <a:extLst>
+              <a:ext uri="{28A0092B-C50C-407E-A947-70E740481C1C}">
+                <a14:useLocalDpi xmlns:a14="http://schemas.microsoft.com/office/drawing/2010/main" val="0"/>
+              </a:ext>
+            </a:extLst>
+          </a:blip>
+          <a:srcRect/>
+          <a:stretch>
+            <a:fillRect/>
+          </a:stretch>
+        </p:blipFill>
+        <p:spPr bwMode="auto">
+          <a:xfrm>
+            <a:off x="5290845" y="6091749"/>
+            <a:ext cx="2570617" cy="2570618"/>
           </a:xfrm>
           <a:prstGeom prst="rect">
             <a:avLst/>
@@ -5119,660 +5324,11 @@
             </a:ext>
           </a:extLst>
         </p:spPr>
-        <p:txBody>
-          <a:bodyPr vert="horz" wrap="square" lIns="91440" tIns="45720" rIns="91440" bIns="45720" numCol="1" anchor="t" anchorCtr="0" compatLnSpc="1">
-            <a:prstTxWarp prst="textNoShape">
-              <a:avLst/>
-            </a:prstTxWarp>
-          </a:bodyPr>
-          <a:lstStyle/>
-          <a:p>
-            <a:endParaRPr lang="de-DE"/>
-          </a:p>
-        </p:txBody>
-      </p:sp>
-      <p:sp>
-        <p:nvSpPr>
-          <p:cNvPr id="6" name="Textfeld 5"/>
-          <p:cNvSpPr txBox="1"/>
-          <p:nvPr/>
-        </p:nvSpPr>
-        <p:spPr>
-          <a:xfrm>
-            <a:off x="1563155" y="1701544"/>
-            <a:ext cx="3578224" cy="2246769"/>
-          </a:xfrm>
-          <a:prstGeom prst="rect">
-            <a:avLst/>
-          </a:prstGeom>
-          <a:solidFill>
-            <a:schemeClr val="bg2">
-              <a:lumMod val="40000"/>
-              <a:lumOff val="60000"/>
-            </a:schemeClr>
-          </a:solidFill>
-        </p:spPr>
-        <p:txBody>
-          <a:bodyPr wrap="none" rtlCol="0">
-            <a:spAutoFit/>
-          </a:bodyPr>
-          <a:lstStyle/>
-          <a:p>
-            <a:r>
-              <a:rPr lang="en-US" sz="1400">
-                <a:latin typeface="Droid Sans Mono Chess ASCII" panose="020B0609030804020204" pitchFamily="50" charset="0"/>
-                <a:ea typeface="Droid Sans Mono Chess ASCII" panose="020B0609030804020204" pitchFamily="50" charset="0"/>
-                <a:cs typeface="Droid Sans Mono Chess ASCII" panose="020B0609030804020204" pitchFamily="50" charset="0"/>
-              </a:rPr>
-              <a:t>In chess, two players</a:t>
-            </a:r>
-          </a:p>
-          <a:p>
-            <a:endParaRPr lang="en-US" sz="1400">
-              <a:latin typeface="Droid Sans Mono Chess ASCII" panose="020B0609030804020204" pitchFamily="50" charset="0"/>
-              <a:ea typeface="Droid Sans Mono Chess ASCII" panose="020B0609030804020204" pitchFamily="50" charset="0"/>
-              <a:cs typeface="Droid Sans Mono Chess ASCII" panose="020B0609030804020204" pitchFamily="50" charset="0"/>
-            </a:endParaRPr>
-          </a:p>
-          <a:p>
-            <a:r>
-              <a:rPr lang="en-US" sz="1400">
-                <a:latin typeface="Droid Sans Mono Chess ASCII" panose="020B0609030804020204" pitchFamily="50" charset="0"/>
-                <a:ea typeface="Droid Sans Mono Chess ASCII" panose="020B0609030804020204" pitchFamily="50" charset="0"/>
-                <a:cs typeface="Droid Sans Mono Chess ASCII" panose="020B0609030804020204" pitchFamily="50" charset="0"/>
-              </a:rPr>
-              <a:t>&gt; data Colour = White | Black</a:t>
-            </a:r>
-          </a:p>
-          <a:p>
-            <a:r>
-              <a:rPr lang="en-US" sz="1400">
-                <a:latin typeface="Droid Sans Mono Chess ASCII" panose="020B0609030804020204" pitchFamily="50" charset="0"/>
-                <a:ea typeface="Droid Sans Mono Chess ASCII" panose="020B0609030804020204" pitchFamily="50" charset="0"/>
-                <a:cs typeface="Droid Sans Mono Chess ASCII" panose="020B0609030804020204" pitchFamily="50" charset="0"/>
-              </a:rPr>
-              <a:t>&gt; 	deriving </a:t>
-            </a:r>
-            <a:r>
-              <a:rPr lang="en-US" sz="1400">
-                <a:latin typeface="Droid Sans Mono Chess ASCII" panose="020B0609030804020204" pitchFamily="50" charset="0"/>
-                <a:ea typeface="Droid Sans Mono Chess ASCII" panose="020B0609030804020204" pitchFamily="50" charset="0"/>
-                <a:cs typeface="Droid Sans Mono Chess ASCII" panose="020B0609030804020204" pitchFamily="50" charset="0"/>
-              </a:rPr>
-              <a:t>(</a:t>
-            </a:r>
-            <a:r>
-              <a:rPr lang="en-US" sz="1400" smtClean="0">
-                <a:latin typeface="Droid Sans Mono Chess ASCII" panose="020B0609030804020204" pitchFamily="50" charset="0"/>
-                <a:ea typeface="Droid Sans Mono Chess ASCII" panose="020B0609030804020204" pitchFamily="50" charset="0"/>
-                <a:cs typeface="Droid Sans Mono Chess ASCII" panose="020B0609030804020204" pitchFamily="50" charset="0"/>
-              </a:rPr>
-              <a:t>Show,Eq,Enum)</a:t>
-            </a:r>
-            <a:endParaRPr lang="en-US" sz="1400">
-              <a:latin typeface="Droid Sans Mono Chess ASCII" panose="020B0609030804020204" pitchFamily="50" charset="0"/>
-              <a:ea typeface="Droid Sans Mono Chess ASCII" panose="020B0609030804020204" pitchFamily="50" charset="0"/>
-              <a:cs typeface="Droid Sans Mono Chess ASCII" panose="020B0609030804020204" pitchFamily="50" charset="0"/>
-            </a:endParaRPr>
-          </a:p>
-          <a:p>
-            <a:r>
-              <a:rPr lang="en-US" sz="1400">
-                <a:latin typeface="Droid Sans Mono Chess ASCII" panose="020B0609030804020204" pitchFamily="50" charset="0"/>
-                <a:ea typeface="Droid Sans Mono Chess ASCII" panose="020B0609030804020204" pitchFamily="50" charset="0"/>
-                <a:cs typeface="Droid Sans Mono Chess ASCII" panose="020B0609030804020204" pitchFamily="50" charset="0"/>
-              </a:rPr>
-              <a:t>&gt; instance Hashable Colour</a:t>
-            </a:r>
-          </a:p>
-          <a:p>
-            <a:endParaRPr lang="en-US" sz="1400">
-              <a:latin typeface="Droid Sans Mono Chess ASCII" panose="020B0609030804020204" pitchFamily="50" charset="0"/>
-              <a:ea typeface="Droid Sans Mono Chess ASCII" panose="020B0609030804020204" pitchFamily="50" charset="0"/>
-              <a:cs typeface="Droid Sans Mono Chess ASCII" panose="020B0609030804020204" pitchFamily="50" charset="0"/>
-            </a:endParaRPr>
-          </a:p>
-          <a:p>
-            <a:r>
-              <a:rPr lang="en-US" sz="1400">
-                <a:latin typeface="Droid Sans Mono Chess ASCII" panose="020B0609030804020204" pitchFamily="50" charset="0"/>
-                <a:ea typeface="Droid Sans Mono Chess ASCII" panose="020B0609030804020204" pitchFamily="50" charset="0"/>
-                <a:cs typeface="Droid Sans Mono Chess ASCII" panose="020B0609030804020204" pitchFamily="50" charset="0"/>
-              </a:rPr>
-              <a:t>are taking turns</a:t>
-            </a:r>
-          </a:p>
-          <a:p>
-            <a:endParaRPr lang="en-US" sz="1400">
-              <a:latin typeface="Droid Sans Mono Chess ASCII" panose="020B0609030804020204" pitchFamily="50" charset="0"/>
-              <a:ea typeface="Droid Sans Mono Chess ASCII" panose="020B0609030804020204" pitchFamily="50" charset="0"/>
-              <a:cs typeface="Droid Sans Mono Chess ASCII" panose="020B0609030804020204" pitchFamily="50" charset="0"/>
-            </a:endParaRPr>
-          </a:p>
-          <a:p>
-            <a:r>
-              <a:rPr lang="en-US" sz="1400">
-                <a:latin typeface="Droid Sans Mono Chess ASCII" panose="020B0609030804020204" pitchFamily="50" charset="0"/>
-                <a:ea typeface="Droid Sans Mono Chess ASCII" panose="020B0609030804020204" pitchFamily="50" charset="0"/>
-                <a:cs typeface="Droid Sans Mono Chess ASCII" panose="020B0609030804020204" pitchFamily="50" charset="0"/>
-              </a:rPr>
-              <a:t>&gt; nextColour White = Black</a:t>
-            </a:r>
-          </a:p>
-          <a:p>
-            <a:r>
-              <a:rPr lang="en-US" sz="1400">
-                <a:latin typeface="Droid Sans Mono Chess ASCII" panose="020B0609030804020204" pitchFamily="50" charset="0"/>
-                <a:ea typeface="Droid Sans Mono Chess ASCII" panose="020B0609030804020204" pitchFamily="50" charset="0"/>
-                <a:cs typeface="Droid Sans Mono Chess ASCII" panose="020B0609030804020204" pitchFamily="50" charset="0"/>
-              </a:rPr>
-              <a:t>&gt; nextColour Black = White</a:t>
-            </a:r>
-          </a:p>
-        </p:txBody>
-      </p:sp>
-      <p:sp>
-        <p:nvSpPr>
-          <p:cNvPr id="7" name="Textfeld 6"/>
-          <p:cNvSpPr txBox="1"/>
-          <p:nvPr/>
-        </p:nvSpPr>
-        <p:spPr>
-          <a:xfrm>
-            <a:off x="7511047" y="1701543"/>
-            <a:ext cx="3578224" cy="2246769"/>
-          </a:xfrm>
-          <a:prstGeom prst="rect">
-            <a:avLst/>
-          </a:prstGeom>
-          <a:solidFill>
-            <a:schemeClr val="bg2">
-              <a:lumMod val="40000"/>
-              <a:lumOff val="60000"/>
-            </a:schemeClr>
-          </a:solidFill>
-        </p:spPr>
-        <p:txBody>
-          <a:bodyPr wrap="none" rtlCol="0">
-            <a:spAutoFit/>
-          </a:bodyPr>
-          <a:lstStyle/>
-          <a:p>
-            <a:r>
-              <a:rPr lang="en-US" sz="1400" smtClean="0">
-                <a:latin typeface="Droid Sans Mono Chess ASCII" panose="020B0609030804020204" pitchFamily="50" charset="0"/>
-                <a:ea typeface="Droid Sans Mono Chess ASCII" panose="020B0609030804020204" pitchFamily="50" charset="0"/>
-                <a:cs typeface="Droid Sans Mono Chess ASCII" panose="020B0609030804020204" pitchFamily="50" charset="0"/>
-              </a:rPr>
-              <a:t>-- In </a:t>
-            </a:r>
-            <a:r>
-              <a:rPr lang="en-US" sz="1400">
-                <a:latin typeface="Droid Sans Mono Chess ASCII" panose="020B0609030804020204" pitchFamily="50" charset="0"/>
-                <a:ea typeface="Droid Sans Mono Chess ASCII" panose="020B0609030804020204" pitchFamily="50" charset="0"/>
-                <a:cs typeface="Droid Sans Mono Chess ASCII" panose="020B0609030804020204" pitchFamily="50" charset="0"/>
-              </a:rPr>
-              <a:t>chess, two players</a:t>
-            </a:r>
-          </a:p>
-          <a:p>
-            <a:endParaRPr lang="en-US" sz="1400">
-              <a:latin typeface="Droid Sans Mono Chess ASCII" panose="020B0609030804020204" pitchFamily="50" charset="0"/>
-              <a:ea typeface="Droid Sans Mono Chess ASCII" panose="020B0609030804020204" pitchFamily="50" charset="0"/>
-              <a:cs typeface="Droid Sans Mono Chess ASCII" panose="020B0609030804020204" pitchFamily="50" charset="0"/>
-            </a:endParaRPr>
-          </a:p>
-          <a:p>
-            <a:r>
-              <a:rPr lang="en-US" sz="1400" smtClean="0">
-                <a:latin typeface="Droid Sans Mono Chess ASCII" panose="020B0609030804020204" pitchFamily="50" charset="0"/>
-                <a:ea typeface="Droid Sans Mono Chess ASCII" panose="020B0609030804020204" pitchFamily="50" charset="0"/>
-                <a:cs typeface="Droid Sans Mono Chess ASCII" panose="020B0609030804020204" pitchFamily="50" charset="0"/>
-              </a:rPr>
-              <a:t>data </a:t>
-            </a:r>
-            <a:r>
-              <a:rPr lang="en-US" sz="1400">
-                <a:latin typeface="Droid Sans Mono Chess ASCII" panose="020B0609030804020204" pitchFamily="50" charset="0"/>
-                <a:ea typeface="Droid Sans Mono Chess ASCII" panose="020B0609030804020204" pitchFamily="50" charset="0"/>
-                <a:cs typeface="Droid Sans Mono Chess ASCII" panose="020B0609030804020204" pitchFamily="50" charset="0"/>
-              </a:rPr>
-              <a:t>Colour = White | Black</a:t>
-            </a:r>
-          </a:p>
-          <a:p>
-            <a:r>
-              <a:rPr lang="en-US" sz="1400">
-                <a:latin typeface="Droid Sans Mono Chess ASCII" panose="020B0609030804020204" pitchFamily="50" charset="0"/>
-                <a:ea typeface="Droid Sans Mono Chess ASCII" panose="020B0609030804020204" pitchFamily="50" charset="0"/>
-                <a:cs typeface="Droid Sans Mono Chess ASCII" panose="020B0609030804020204" pitchFamily="50" charset="0"/>
-              </a:rPr>
-              <a:t>	deriving </a:t>
-            </a:r>
-            <a:r>
-              <a:rPr lang="en-US" sz="1400">
-                <a:latin typeface="Droid Sans Mono Chess ASCII" panose="020B0609030804020204" pitchFamily="50" charset="0"/>
-                <a:ea typeface="Droid Sans Mono Chess ASCII" panose="020B0609030804020204" pitchFamily="50" charset="0"/>
-                <a:cs typeface="Droid Sans Mono Chess ASCII" panose="020B0609030804020204" pitchFamily="50" charset="0"/>
-              </a:rPr>
-              <a:t>(</a:t>
-            </a:r>
-            <a:r>
-              <a:rPr lang="en-US" sz="1400" smtClean="0">
-                <a:latin typeface="Droid Sans Mono Chess ASCII" panose="020B0609030804020204" pitchFamily="50" charset="0"/>
-                <a:ea typeface="Droid Sans Mono Chess ASCII" panose="020B0609030804020204" pitchFamily="50" charset="0"/>
-                <a:cs typeface="Droid Sans Mono Chess ASCII" panose="020B0609030804020204" pitchFamily="50" charset="0"/>
-              </a:rPr>
-              <a:t>Show,Eq,Enum)</a:t>
-            </a:r>
-            <a:endParaRPr lang="en-US" sz="1400">
-              <a:latin typeface="Droid Sans Mono Chess ASCII" panose="020B0609030804020204" pitchFamily="50" charset="0"/>
-              <a:ea typeface="Droid Sans Mono Chess ASCII" panose="020B0609030804020204" pitchFamily="50" charset="0"/>
-              <a:cs typeface="Droid Sans Mono Chess ASCII" panose="020B0609030804020204" pitchFamily="50" charset="0"/>
-            </a:endParaRPr>
-          </a:p>
-          <a:p>
-            <a:r>
-              <a:rPr lang="en-US" sz="1400" smtClean="0">
-                <a:latin typeface="Droid Sans Mono Chess ASCII" panose="020B0609030804020204" pitchFamily="50" charset="0"/>
-                <a:ea typeface="Droid Sans Mono Chess ASCII" panose="020B0609030804020204" pitchFamily="50" charset="0"/>
-                <a:cs typeface="Droid Sans Mono Chess ASCII" panose="020B0609030804020204" pitchFamily="50" charset="0"/>
-              </a:rPr>
-              <a:t>instance </a:t>
-            </a:r>
-            <a:r>
-              <a:rPr lang="en-US" sz="1400">
-                <a:latin typeface="Droid Sans Mono Chess ASCII" panose="020B0609030804020204" pitchFamily="50" charset="0"/>
-                <a:ea typeface="Droid Sans Mono Chess ASCII" panose="020B0609030804020204" pitchFamily="50" charset="0"/>
-                <a:cs typeface="Droid Sans Mono Chess ASCII" panose="020B0609030804020204" pitchFamily="50" charset="0"/>
-              </a:rPr>
-              <a:t>Hashable Colour</a:t>
-            </a:r>
-          </a:p>
-          <a:p>
-            <a:endParaRPr lang="en-US" sz="1400">
-              <a:latin typeface="Droid Sans Mono Chess ASCII" panose="020B0609030804020204" pitchFamily="50" charset="0"/>
-              <a:ea typeface="Droid Sans Mono Chess ASCII" panose="020B0609030804020204" pitchFamily="50" charset="0"/>
-              <a:cs typeface="Droid Sans Mono Chess ASCII" panose="020B0609030804020204" pitchFamily="50" charset="0"/>
-            </a:endParaRPr>
-          </a:p>
-          <a:p>
-            <a:r>
-              <a:rPr lang="en-US" sz="1400" smtClean="0">
-                <a:latin typeface="Droid Sans Mono Chess ASCII" panose="020B0609030804020204" pitchFamily="50" charset="0"/>
-                <a:ea typeface="Droid Sans Mono Chess ASCII" panose="020B0609030804020204" pitchFamily="50" charset="0"/>
-                <a:cs typeface="Droid Sans Mono Chess ASCII" panose="020B0609030804020204" pitchFamily="50" charset="0"/>
-              </a:rPr>
-              <a:t>-- are </a:t>
-            </a:r>
-            <a:r>
-              <a:rPr lang="en-US" sz="1400">
-                <a:latin typeface="Droid Sans Mono Chess ASCII" panose="020B0609030804020204" pitchFamily="50" charset="0"/>
-                <a:ea typeface="Droid Sans Mono Chess ASCII" panose="020B0609030804020204" pitchFamily="50" charset="0"/>
-                <a:cs typeface="Droid Sans Mono Chess ASCII" panose="020B0609030804020204" pitchFamily="50" charset="0"/>
-              </a:rPr>
-              <a:t>taking turns</a:t>
-            </a:r>
-          </a:p>
-          <a:p>
-            <a:endParaRPr lang="en-US" sz="1400">
-              <a:latin typeface="Droid Sans Mono Chess ASCII" panose="020B0609030804020204" pitchFamily="50" charset="0"/>
-              <a:ea typeface="Droid Sans Mono Chess ASCII" panose="020B0609030804020204" pitchFamily="50" charset="0"/>
-              <a:cs typeface="Droid Sans Mono Chess ASCII" panose="020B0609030804020204" pitchFamily="50" charset="0"/>
-            </a:endParaRPr>
-          </a:p>
-          <a:p>
-            <a:r>
-              <a:rPr lang="en-US" sz="1400" smtClean="0">
-                <a:latin typeface="Droid Sans Mono Chess ASCII" panose="020B0609030804020204" pitchFamily="50" charset="0"/>
-                <a:ea typeface="Droid Sans Mono Chess ASCII" panose="020B0609030804020204" pitchFamily="50" charset="0"/>
-                <a:cs typeface="Droid Sans Mono Chess ASCII" panose="020B0609030804020204" pitchFamily="50" charset="0"/>
-              </a:rPr>
-              <a:t>nextColour </a:t>
-            </a:r>
-            <a:r>
-              <a:rPr lang="en-US" sz="1400">
-                <a:latin typeface="Droid Sans Mono Chess ASCII" panose="020B0609030804020204" pitchFamily="50" charset="0"/>
-                <a:ea typeface="Droid Sans Mono Chess ASCII" panose="020B0609030804020204" pitchFamily="50" charset="0"/>
-                <a:cs typeface="Droid Sans Mono Chess ASCII" panose="020B0609030804020204" pitchFamily="50" charset="0"/>
-              </a:rPr>
-              <a:t>White = Black</a:t>
-            </a:r>
-          </a:p>
-          <a:p>
-            <a:r>
-              <a:rPr lang="en-US" sz="1400" smtClean="0">
-                <a:latin typeface="Droid Sans Mono Chess ASCII" panose="020B0609030804020204" pitchFamily="50" charset="0"/>
-                <a:ea typeface="Droid Sans Mono Chess ASCII" panose="020B0609030804020204" pitchFamily="50" charset="0"/>
-                <a:cs typeface="Droid Sans Mono Chess ASCII" panose="020B0609030804020204" pitchFamily="50" charset="0"/>
-              </a:rPr>
-              <a:t>nextColour </a:t>
-            </a:r>
-            <a:r>
-              <a:rPr lang="en-US" sz="1400">
-                <a:latin typeface="Droid Sans Mono Chess ASCII" panose="020B0609030804020204" pitchFamily="50" charset="0"/>
-                <a:ea typeface="Droid Sans Mono Chess ASCII" panose="020B0609030804020204" pitchFamily="50" charset="0"/>
-                <a:cs typeface="Droid Sans Mono Chess ASCII" panose="020B0609030804020204" pitchFamily="50" charset="0"/>
-              </a:rPr>
-              <a:t>Black = White</a:t>
-            </a:r>
-          </a:p>
-        </p:txBody>
-      </p:sp>
-      <p:sp>
-        <p:nvSpPr>
-          <p:cNvPr id="3" name="Pfeil nach rechts 2"/>
-          <p:cNvSpPr/>
-          <p:nvPr/>
-        </p:nvSpPr>
-        <p:spPr>
-          <a:xfrm>
-            <a:off x="5847008" y="2524259"/>
-            <a:ext cx="850006" cy="450761"/>
-          </a:xfrm>
-          <a:prstGeom prst="rightArrow">
-            <a:avLst/>
-          </a:prstGeom>
-          <a:noFill/>
-          <a:ln>
-            <a:solidFill>
-              <a:schemeClr val="tx1"/>
-            </a:solidFill>
-          </a:ln>
-        </p:spPr>
-        <p:style>
-          <a:lnRef idx="2">
-            <a:schemeClr val="accent1">
-              <a:shade val="50000"/>
-            </a:schemeClr>
-          </a:lnRef>
-          <a:fillRef idx="1">
-            <a:schemeClr val="accent1"/>
-          </a:fillRef>
-          <a:effectRef idx="0">
-            <a:schemeClr val="accent1"/>
-          </a:effectRef>
-          <a:fontRef idx="minor">
-            <a:schemeClr val="lt1"/>
-          </a:fontRef>
-        </p:style>
-        <p:txBody>
-          <a:bodyPr rtlCol="0" anchor="ctr"/>
-          <a:lstStyle/>
-          <a:p>
-            <a:pPr algn="ctr"/>
-            <a:endParaRPr lang="de-DE"/>
-          </a:p>
-        </p:txBody>
-      </p:sp>
-      <p:sp>
-        <p:nvSpPr>
-          <p:cNvPr id="4" name="Textfeld 3"/>
-          <p:cNvSpPr txBox="1"/>
-          <p:nvPr/>
-        </p:nvSpPr>
-        <p:spPr>
-          <a:xfrm>
-            <a:off x="155575" y="4697055"/>
-            <a:ext cx="12849225" cy="2308324"/>
-          </a:xfrm>
-          <a:prstGeom prst="rect">
-            <a:avLst/>
-          </a:prstGeom>
-          <a:noFill/>
-        </p:spPr>
-        <p:txBody>
-          <a:bodyPr wrap="square" rtlCol="0">
-            <a:spAutoFit/>
-          </a:bodyPr>
-          <a:lstStyle/>
-          <a:p>
-            <a:r>
-              <a:rPr lang="de-DE" sz="2400">
-                <a:solidFill>
-                  <a:schemeClr val="accent1">
-                    <a:lumMod val="50000"/>
-                  </a:schemeClr>
-                </a:solidFill>
-                <a:latin typeface="Agency FB" panose="020B0503020202020204" pitchFamily="34" charset="0"/>
-                <a:cs typeface="Courier New" panose="02070309020205020404" pitchFamily="49" charset="0"/>
-              </a:rPr>
-              <a:t>GHCi, version 8.0.2: http://www.haskell.org/ghc/  :? for help</a:t>
-            </a:r>
-          </a:p>
-          <a:p>
-            <a:r>
-              <a:rPr lang="de-DE" sz="2400">
-                <a:solidFill>
-                  <a:schemeClr val="accent1">
-                    <a:lumMod val="50000"/>
-                  </a:schemeClr>
-                </a:solidFill>
-                <a:latin typeface="Agency FB" panose="020B0503020202020204" pitchFamily="34" charset="0"/>
-                <a:cs typeface="Courier New" panose="02070309020205020404" pitchFamily="49" charset="0"/>
-              </a:rPr>
-              <a:t>Prelude&gt;</a:t>
-            </a:r>
-            <a:r>
-              <a:rPr lang="de-DE" sz="2400">
-                <a:latin typeface="Agency FB" panose="020B0503020202020204" pitchFamily="34" charset="0"/>
-                <a:cs typeface="Courier New" panose="02070309020205020404" pitchFamily="49" charset="0"/>
-              </a:rPr>
-              <a:t> f &lt;- readFile "lit.txt"</a:t>
-            </a:r>
-          </a:p>
-          <a:p>
-            <a:r>
-              <a:rPr lang="de-DE" sz="2400" smtClean="0">
-                <a:solidFill>
-                  <a:schemeClr val="accent1">
-                    <a:lumMod val="50000"/>
-                  </a:schemeClr>
-                </a:solidFill>
-                <a:latin typeface="Agency FB" panose="020B0503020202020204" pitchFamily="34" charset="0"/>
-                <a:cs typeface="Courier New" panose="02070309020205020404" pitchFamily="49" charset="0"/>
-              </a:rPr>
-              <a:t>Prelude&gt;</a:t>
-            </a:r>
-            <a:r>
-              <a:rPr lang="de-DE" sz="2400" smtClean="0">
-                <a:latin typeface="Agency FB" panose="020B0503020202020204" pitchFamily="34" charset="0"/>
-                <a:cs typeface="Courier New" panose="02070309020205020404" pitchFamily="49" charset="0"/>
-              </a:rPr>
-              <a:t> </a:t>
-            </a:r>
-            <a:r>
-              <a:rPr lang="de-DE" sz="2400">
-                <a:latin typeface="Agency FB" panose="020B0503020202020204" pitchFamily="34" charset="0"/>
-                <a:cs typeface="Courier New" panose="02070309020205020404" pitchFamily="49" charset="0"/>
-              </a:rPr>
-              <a:t>import Data.List</a:t>
-            </a:r>
-          </a:p>
-          <a:p>
-            <a:r>
-              <a:rPr lang="de-DE" sz="2400">
-                <a:solidFill>
-                  <a:schemeClr val="accent1">
-                    <a:lumMod val="50000"/>
-                  </a:schemeClr>
-                </a:solidFill>
-                <a:latin typeface="Agency FB" panose="020B0503020202020204" pitchFamily="34" charset="0"/>
-                <a:cs typeface="Courier New" panose="02070309020205020404" pitchFamily="49" charset="0"/>
-              </a:rPr>
-              <a:t>Prelude </a:t>
-            </a:r>
-            <a:r>
-              <a:rPr lang="de-DE" sz="2400" smtClean="0">
-                <a:solidFill>
-                  <a:schemeClr val="accent1">
-                    <a:lumMod val="50000"/>
-                  </a:schemeClr>
-                </a:solidFill>
-                <a:latin typeface="Agency FB" panose="020B0503020202020204" pitchFamily="34" charset="0"/>
-                <a:cs typeface="Courier New" panose="02070309020205020404" pitchFamily="49" charset="0"/>
-              </a:rPr>
-              <a:t>Data.List</a:t>
-            </a:r>
-            <a:r>
-              <a:rPr lang="de-DE" sz="2400">
-                <a:solidFill>
-                  <a:schemeClr val="accent1">
-                    <a:lumMod val="50000"/>
-                  </a:schemeClr>
-                </a:solidFill>
-                <a:latin typeface="Agency FB" panose="020B0503020202020204" pitchFamily="34" charset="0"/>
-                <a:cs typeface="Courier New" panose="02070309020205020404" pitchFamily="49" charset="0"/>
-              </a:rPr>
-              <a:t>&gt;</a:t>
-            </a:r>
-            <a:r>
-              <a:rPr lang="de-DE" sz="2400">
-                <a:latin typeface="Agency FB" panose="020B0503020202020204" pitchFamily="34" charset="0"/>
-                <a:cs typeface="Courier New" panose="02070309020205020404" pitchFamily="49" charset="0"/>
-              </a:rPr>
-              <a:t> data Line = Code String | </a:t>
-            </a:r>
-            <a:r>
-              <a:rPr lang="de-DE" sz="2400">
-                <a:latin typeface="Agency FB" panose="020B0503020202020204" pitchFamily="34" charset="0"/>
-                <a:cs typeface="Courier New" panose="02070309020205020404" pitchFamily="49" charset="0"/>
-              </a:rPr>
-              <a:t>Other </a:t>
-            </a:r>
-            <a:r>
-              <a:rPr lang="de-DE" sz="2400" smtClean="0">
-                <a:latin typeface="Agency FB" panose="020B0503020202020204" pitchFamily="34" charset="0"/>
-                <a:cs typeface="Courier New" panose="02070309020205020404" pitchFamily="49" charset="0"/>
-              </a:rPr>
-              <a:t>String</a:t>
-            </a:r>
-            <a:endParaRPr lang="de-DE" sz="2400">
-              <a:latin typeface="Agency FB" panose="020B0503020202020204" pitchFamily="34" charset="0"/>
-              <a:cs typeface="Courier New" panose="02070309020205020404" pitchFamily="49" charset="0"/>
-            </a:endParaRPr>
-          </a:p>
-          <a:p>
-            <a:r>
-              <a:rPr lang="de-DE" sz="2400">
-                <a:solidFill>
-                  <a:schemeClr val="accent1">
-                    <a:lumMod val="50000"/>
-                  </a:schemeClr>
-                </a:solidFill>
-                <a:latin typeface="Agency FB" panose="020B0503020202020204" pitchFamily="34" charset="0"/>
-                <a:cs typeface="Courier New" panose="02070309020205020404" pitchFamily="49" charset="0"/>
-              </a:rPr>
-              <a:t>Prelude </a:t>
-            </a:r>
-            <a:r>
-              <a:rPr lang="de-DE" sz="2400" smtClean="0">
-                <a:solidFill>
-                  <a:schemeClr val="accent1">
-                    <a:lumMod val="50000"/>
-                  </a:schemeClr>
-                </a:solidFill>
-                <a:latin typeface="Agency FB" panose="020B0503020202020204" pitchFamily="34" charset="0"/>
-                <a:cs typeface="Courier New" panose="02070309020205020404" pitchFamily="49" charset="0"/>
-              </a:rPr>
-              <a:t>Data.List</a:t>
-            </a:r>
-            <a:r>
-              <a:rPr lang="de-DE" sz="2400">
-                <a:solidFill>
-                  <a:schemeClr val="accent1">
-                    <a:lumMod val="50000"/>
-                  </a:schemeClr>
-                </a:solidFill>
-                <a:latin typeface="Agency FB" panose="020B0503020202020204" pitchFamily="34" charset="0"/>
-                <a:cs typeface="Courier New" panose="02070309020205020404" pitchFamily="49" charset="0"/>
-              </a:rPr>
-              <a:t>&gt;</a:t>
-            </a:r>
-            <a:r>
-              <a:rPr lang="de-DE" sz="2400">
-                <a:latin typeface="Agency FB" panose="020B0503020202020204" pitchFamily="34" charset="0"/>
-                <a:cs typeface="Courier New" panose="02070309020205020404" pitchFamily="49" charset="0"/>
-              </a:rPr>
-              <a:t> let ls = map (\ l -&gt; if "&gt; " `isPrefixOf` l then Code l else Other l) $ lines f</a:t>
-            </a:r>
-          </a:p>
-          <a:p>
-            <a:r>
-              <a:rPr lang="de-DE" sz="2400">
-                <a:solidFill>
-                  <a:schemeClr val="accent1">
-                    <a:lumMod val="50000"/>
-                  </a:schemeClr>
-                </a:solidFill>
-                <a:latin typeface="Agency FB" panose="020B0503020202020204" pitchFamily="34" charset="0"/>
-                <a:cs typeface="Courier New" panose="02070309020205020404" pitchFamily="49" charset="0"/>
-              </a:rPr>
-              <a:t>Prelude </a:t>
-            </a:r>
-            <a:r>
-              <a:rPr lang="de-DE" sz="2400" smtClean="0">
-                <a:solidFill>
-                  <a:schemeClr val="accent1">
-                    <a:lumMod val="50000"/>
-                  </a:schemeClr>
-                </a:solidFill>
-                <a:latin typeface="Agency FB" panose="020B0503020202020204" pitchFamily="34" charset="0"/>
-                <a:cs typeface="Courier New" panose="02070309020205020404" pitchFamily="49" charset="0"/>
-              </a:rPr>
-              <a:t>Data.List</a:t>
-            </a:r>
-            <a:r>
-              <a:rPr lang="de-DE" sz="2400">
-                <a:solidFill>
-                  <a:schemeClr val="accent1">
-                    <a:lumMod val="50000"/>
-                  </a:schemeClr>
-                </a:solidFill>
-                <a:latin typeface="Agency FB" panose="020B0503020202020204" pitchFamily="34" charset="0"/>
-                <a:cs typeface="Courier New" panose="02070309020205020404" pitchFamily="49" charset="0"/>
-              </a:rPr>
-              <a:t>&gt;</a:t>
-            </a:r>
-            <a:r>
-              <a:rPr lang="de-DE" sz="2400">
-                <a:latin typeface="Agency FB" panose="020B0503020202020204" pitchFamily="34" charset="0"/>
-                <a:cs typeface="Courier New" panose="02070309020205020404" pitchFamily="49" charset="0"/>
-              </a:rPr>
-              <a:t> writeFile "unlit.hs" $ </a:t>
-            </a:r>
-            <a:r>
-              <a:rPr lang="de-DE" sz="2400">
-                <a:latin typeface="Agency FB" panose="020B0503020202020204" pitchFamily="34" charset="0"/>
-                <a:cs typeface="Courier New" panose="02070309020205020404" pitchFamily="49" charset="0"/>
-              </a:rPr>
-              <a:t>unlines </a:t>
-            </a:r>
-            <a:r>
-              <a:rPr lang="de-DE" sz="2400" smtClean="0">
-                <a:latin typeface="Agency FB" panose="020B0503020202020204" pitchFamily="34" charset="0"/>
-                <a:cs typeface="Courier New" panose="02070309020205020404" pitchFamily="49" charset="0"/>
-              </a:rPr>
-              <a:t>$ map </a:t>
-            </a:r>
-            <a:r>
-              <a:rPr lang="de-DE" sz="2400">
-                <a:latin typeface="Agency FB" panose="020B0503020202020204" pitchFamily="34" charset="0"/>
-                <a:cs typeface="Courier New" panose="02070309020205020404" pitchFamily="49" charset="0"/>
-              </a:rPr>
-              <a:t>(\l -&gt; case l of Code s -&gt; drop 2 s; Other s -&gt; if null s then s else "-- "++s) ls</a:t>
-            </a:r>
-            <a:endParaRPr lang="de-DE" sz="2400" dirty="0" err="1" smtClean="0">
-              <a:latin typeface="Agency FB" panose="020B0503020202020204" pitchFamily="34" charset="0"/>
-              <a:cs typeface="Courier New" panose="02070309020205020404" pitchFamily="49" charset="0"/>
-            </a:endParaRPr>
-          </a:p>
-        </p:txBody>
-      </p:sp>
+      </p:pic>
     </p:spTree>
     <p:extLst>
       <p:ext uri="{BB962C8B-B14F-4D97-AF65-F5344CB8AC3E}">
-        <p14:creationId xmlns:p14="http://schemas.microsoft.com/office/powerpoint/2010/main" val="1358739755"/>
+        <p14:creationId xmlns:p14="http://schemas.microsoft.com/office/powerpoint/2010/main" val="560358061"/>
       </p:ext>
     </p:extLst>
   </p:cSld>
@@ -5831,9 +5387,167 @@
           <a:p>
             <a:r>
               <a:rPr lang="en-US" smtClean="0"/>
-              <a:t>Coverage Comparison for TI</a:t>
+              <a:t>No Null Pointer Constructor</a:t>
             </a:r>
             <a:endParaRPr lang="en-US" smtClean="0"/>
+          </a:p>
+        </p:txBody>
+      </p:sp>
+      <p:sp>
+        <p:nvSpPr>
+          <p:cNvPr id="5" name="Textfeld 4"/>
+          <p:cNvSpPr txBox="1"/>
+          <p:nvPr/>
+        </p:nvSpPr>
+        <p:spPr>
+          <a:xfrm>
+            <a:off x="404057" y="1791913"/>
+            <a:ext cx="6340197" cy="1631216"/>
+          </a:xfrm>
+          <a:prstGeom prst="rect">
+            <a:avLst/>
+          </a:prstGeom>
+          <a:noFill/>
+        </p:spPr>
+        <p:txBody>
+          <a:bodyPr wrap="none" rtlCol="0">
+            <a:spAutoFit/>
+          </a:bodyPr>
+          <a:lstStyle/>
+          <a:p>
+            <a:r>
+              <a:rPr lang="en-US" sz="2000" smtClean="0">
+                <a:latin typeface="Droid Sans Mono Chess ASCII" panose="020B0609030804020204" pitchFamily="50" charset="0"/>
+                <a:ea typeface="Droid Sans Mono Chess ASCII" panose="020B0609030804020204" pitchFamily="50" charset="0"/>
+                <a:cs typeface="Droid Sans Mono Chess ASCII" panose="020B0609030804020204" pitchFamily="50" charset="0"/>
+              </a:rPr>
+              <a:t>data Maybe Int = Just Int | Nothing</a:t>
+            </a:r>
+          </a:p>
+          <a:p>
+            <a:endParaRPr lang="en-US" sz="2000">
+              <a:latin typeface="Droid Sans Mono Chess ASCII" panose="020B0609030804020204" pitchFamily="50" charset="0"/>
+              <a:ea typeface="Droid Sans Mono Chess ASCII" panose="020B0609030804020204" pitchFamily="50" charset="0"/>
+              <a:cs typeface="Droid Sans Mono Chess ASCII" panose="020B0609030804020204" pitchFamily="50" charset="0"/>
+            </a:endParaRPr>
+          </a:p>
+          <a:p>
+            <a:r>
+              <a:rPr lang="en-US" sz="2000" smtClean="0">
+                <a:latin typeface="Droid Sans Mono Chess ASCII" panose="020B0609030804020204" pitchFamily="50" charset="0"/>
+                <a:ea typeface="Droid Sans Mono Chess ASCII" panose="020B0609030804020204" pitchFamily="50" charset="0"/>
+                <a:cs typeface="Droid Sans Mono Chess ASCII" panose="020B0609030804020204" pitchFamily="50" charset="0"/>
+              </a:rPr>
+              <a:t>case measurement of</a:t>
+            </a:r>
+          </a:p>
+          <a:p>
+            <a:r>
+              <a:rPr lang="en-US" sz="2000" smtClean="0">
+                <a:latin typeface="Droid Sans Mono Chess ASCII" panose="020B0609030804020204" pitchFamily="50" charset="0"/>
+                <a:ea typeface="Droid Sans Mono Chess ASCII" panose="020B0609030804020204" pitchFamily="50" charset="0"/>
+                <a:cs typeface="Droid Sans Mono Chess ASCII" panose="020B0609030804020204" pitchFamily="50" charset="0"/>
+              </a:rPr>
+              <a:t>    Just value -&gt; …</a:t>
+            </a:r>
+          </a:p>
+          <a:p>
+            <a:r>
+              <a:rPr lang="en-US" sz="2000">
+                <a:latin typeface="Droid Sans Mono Chess ASCII" panose="020B0609030804020204" pitchFamily="50" charset="0"/>
+                <a:ea typeface="Droid Sans Mono Chess ASCII" panose="020B0609030804020204" pitchFamily="50" charset="0"/>
+                <a:cs typeface="Droid Sans Mono Chess ASCII" panose="020B0609030804020204" pitchFamily="50" charset="0"/>
+              </a:rPr>
+              <a:t> </a:t>
+            </a:r>
+            <a:r>
+              <a:rPr lang="en-US" sz="2000" smtClean="0">
+                <a:latin typeface="Droid Sans Mono Chess ASCII" panose="020B0609030804020204" pitchFamily="50" charset="0"/>
+                <a:ea typeface="Droid Sans Mono Chess ASCII" panose="020B0609030804020204" pitchFamily="50" charset="0"/>
+                <a:cs typeface="Droid Sans Mono Chess ASCII" panose="020B0609030804020204" pitchFamily="50" charset="0"/>
+              </a:rPr>
+              <a:t>   Nothing    -&gt; </a:t>
+            </a:r>
+            <a:r>
+              <a:rPr lang="en-US" sz="2000" i="1" smtClean="0">
+                <a:latin typeface="Droid Sans Mono Chess ASCII" panose="020B0609030804020204" pitchFamily="50" charset="0"/>
+                <a:ea typeface="Droid Sans Mono Chess ASCII" panose="020B0609030804020204" pitchFamily="50" charset="0"/>
+                <a:cs typeface="Droid Sans Mono Chess ASCII" panose="020B0609030804020204" pitchFamily="50" charset="0"/>
+              </a:rPr>
+              <a:t>&lt;deal with it somehow&gt;</a:t>
+            </a:r>
+            <a:endParaRPr lang="de-DE" sz="2000" i="1">
+              <a:latin typeface="Droid Sans Mono Chess ASCII" panose="020B0609030804020204" pitchFamily="50" charset="0"/>
+              <a:ea typeface="Droid Sans Mono Chess ASCII" panose="020B0609030804020204" pitchFamily="50" charset="0"/>
+              <a:cs typeface="Droid Sans Mono Chess ASCII" panose="020B0609030804020204" pitchFamily="50" charset="0"/>
+            </a:endParaRPr>
+          </a:p>
+        </p:txBody>
+      </p:sp>
+    </p:spTree>
+    <p:extLst>
+      <p:ext uri="{BB962C8B-B14F-4D97-AF65-F5344CB8AC3E}">
+        <p14:creationId xmlns:p14="http://schemas.microsoft.com/office/powerpoint/2010/main" val="1597187117"/>
+      </p:ext>
+    </p:extLst>
+  </p:cSld>
+  <p:clrMapOvr>
+    <a:masterClrMapping/>
+  </p:clrMapOvr>
+</p:sld>
+</file>
+
+<file path=ppt/slides/slide15.xml><?xml version="1.0" encoding="utf-8"?>
+<p:sld xmlns:a="http://schemas.openxmlformats.org/drawingml/2006/main" xmlns:r="http://schemas.openxmlformats.org/officeDocument/2006/relationships" xmlns:p="http://schemas.openxmlformats.org/presentationml/2006/main">
+  <p:cSld>
+    <p:spTree>
+      <p:nvGrpSpPr>
+        <p:cNvPr id="1" name=""/>
+        <p:cNvGrpSpPr/>
+        <p:nvPr/>
+      </p:nvGrpSpPr>
+      <p:grpSpPr>
+        <a:xfrm>
+          <a:off x="0" y="0"/>
+          <a:ext cx="0" cy="0"/>
+          <a:chOff x="0" y="0"/>
+          <a:chExt cx="0" cy="0"/>
+        </a:xfrm>
+      </p:grpSpPr>
+      <p:sp>
+        <p:nvSpPr>
+          <p:cNvPr id="9218" name="Titel 1"/>
+          <p:cNvSpPr>
+            <a:spLocks noGrp="1"/>
+          </p:cNvSpPr>
+          <p:nvPr>
+            <p:ph type="title"/>
+          </p:nvPr>
+        </p:nvSpPr>
+        <p:spPr bwMode="auto">
+          <a:xfrm>
+            <a:off x="442913" y="93663"/>
+            <a:ext cx="10742612" cy="939800"/>
+          </a:xfrm>
+          <a:noFill/>
+          <a:ln>
+            <a:miter lim="800000"/>
+            <a:headEnd/>
+            <a:tailEnd/>
+          </a:ln>
+        </p:spPr>
+        <p:txBody>
+          <a:bodyPr vert="horz" wrap="square" numCol="1" anchor="t" anchorCtr="0" compatLnSpc="1">
+            <a:prstTxWarp prst="textNoShape">
+              <a:avLst/>
+            </a:prstTxWarp>
+          </a:bodyPr>
+          <a:lstStyle/>
+          <a:p>
+            <a:r>
+              <a:rPr lang="en-US" smtClean="0"/>
+              <a:t>Shell Hacking</a:t>
+            </a:r>
           </a:p>
         </p:txBody>
       </p:sp>
@@ -5876,6 +5590,720 @@
           </a:p>
         </p:txBody>
       </p:sp>
+      <p:sp>
+        <p:nvSpPr>
+          <p:cNvPr id="6" name="Textfeld 5"/>
+          <p:cNvSpPr txBox="1"/>
+          <p:nvPr/>
+        </p:nvSpPr>
+        <p:spPr>
+          <a:xfrm>
+            <a:off x="1563155" y="1701544"/>
+            <a:ext cx="3578224" cy="2246769"/>
+          </a:xfrm>
+          <a:prstGeom prst="rect">
+            <a:avLst/>
+          </a:prstGeom>
+          <a:solidFill>
+            <a:schemeClr val="bg2">
+              <a:lumMod val="40000"/>
+              <a:lumOff val="60000"/>
+            </a:schemeClr>
+          </a:solidFill>
+        </p:spPr>
+        <p:txBody>
+          <a:bodyPr wrap="none" rtlCol="0">
+            <a:spAutoFit/>
+          </a:bodyPr>
+          <a:lstStyle/>
+          <a:p>
+            <a:r>
+              <a:rPr lang="en-US" sz="1400">
+                <a:latin typeface="Droid Sans Mono Chess ASCII" panose="020B0609030804020204" pitchFamily="50" charset="0"/>
+                <a:ea typeface="Droid Sans Mono Chess ASCII" panose="020B0609030804020204" pitchFamily="50" charset="0"/>
+                <a:cs typeface="Droid Sans Mono Chess ASCII" panose="020B0609030804020204" pitchFamily="50" charset="0"/>
+              </a:rPr>
+              <a:t>In chess, two players</a:t>
+            </a:r>
+          </a:p>
+          <a:p>
+            <a:endParaRPr lang="en-US" sz="1400">
+              <a:latin typeface="Droid Sans Mono Chess ASCII" panose="020B0609030804020204" pitchFamily="50" charset="0"/>
+              <a:ea typeface="Droid Sans Mono Chess ASCII" panose="020B0609030804020204" pitchFamily="50" charset="0"/>
+              <a:cs typeface="Droid Sans Mono Chess ASCII" panose="020B0609030804020204" pitchFamily="50" charset="0"/>
+            </a:endParaRPr>
+          </a:p>
+          <a:p>
+            <a:r>
+              <a:rPr lang="en-US" sz="1400">
+                <a:latin typeface="Droid Sans Mono Chess ASCII" panose="020B0609030804020204" pitchFamily="50" charset="0"/>
+                <a:ea typeface="Droid Sans Mono Chess ASCII" panose="020B0609030804020204" pitchFamily="50" charset="0"/>
+                <a:cs typeface="Droid Sans Mono Chess ASCII" panose="020B0609030804020204" pitchFamily="50" charset="0"/>
+              </a:rPr>
+              <a:t>&gt; data Colour = White | Black</a:t>
+            </a:r>
+          </a:p>
+          <a:p>
+            <a:r>
+              <a:rPr lang="en-US" sz="1400">
+                <a:latin typeface="Droid Sans Mono Chess ASCII" panose="020B0609030804020204" pitchFamily="50" charset="0"/>
+                <a:ea typeface="Droid Sans Mono Chess ASCII" panose="020B0609030804020204" pitchFamily="50" charset="0"/>
+                <a:cs typeface="Droid Sans Mono Chess ASCII" panose="020B0609030804020204" pitchFamily="50" charset="0"/>
+              </a:rPr>
+              <a:t>&gt; 	deriving (</a:t>
+            </a:r>
+            <a:r>
+              <a:rPr lang="en-US" sz="1400" smtClean="0">
+                <a:latin typeface="Droid Sans Mono Chess ASCII" panose="020B0609030804020204" pitchFamily="50" charset="0"/>
+                <a:ea typeface="Droid Sans Mono Chess ASCII" panose="020B0609030804020204" pitchFamily="50" charset="0"/>
+                <a:cs typeface="Droid Sans Mono Chess ASCII" panose="020B0609030804020204" pitchFamily="50" charset="0"/>
+              </a:rPr>
+              <a:t>Show,Eq,Enum)</a:t>
+            </a:r>
+            <a:endParaRPr lang="en-US" sz="1400">
+              <a:latin typeface="Droid Sans Mono Chess ASCII" panose="020B0609030804020204" pitchFamily="50" charset="0"/>
+              <a:ea typeface="Droid Sans Mono Chess ASCII" panose="020B0609030804020204" pitchFamily="50" charset="0"/>
+              <a:cs typeface="Droid Sans Mono Chess ASCII" panose="020B0609030804020204" pitchFamily="50" charset="0"/>
+            </a:endParaRPr>
+          </a:p>
+          <a:p>
+            <a:r>
+              <a:rPr lang="en-US" sz="1400">
+                <a:latin typeface="Droid Sans Mono Chess ASCII" panose="020B0609030804020204" pitchFamily="50" charset="0"/>
+                <a:ea typeface="Droid Sans Mono Chess ASCII" panose="020B0609030804020204" pitchFamily="50" charset="0"/>
+                <a:cs typeface="Droid Sans Mono Chess ASCII" panose="020B0609030804020204" pitchFamily="50" charset="0"/>
+              </a:rPr>
+              <a:t>&gt; instance Hashable Colour</a:t>
+            </a:r>
+          </a:p>
+          <a:p>
+            <a:endParaRPr lang="en-US" sz="1400">
+              <a:latin typeface="Droid Sans Mono Chess ASCII" panose="020B0609030804020204" pitchFamily="50" charset="0"/>
+              <a:ea typeface="Droid Sans Mono Chess ASCII" panose="020B0609030804020204" pitchFamily="50" charset="0"/>
+              <a:cs typeface="Droid Sans Mono Chess ASCII" panose="020B0609030804020204" pitchFamily="50" charset="0"/>
+            </a:endParaRPr>
+          </a:p>
+          <a:p>
+            <a:r>
+              <a:rPr lang="en-US" sz="1400">
+                <a:latin typeface="Droid Sans Mono Chess ASCII" panose="020B0609030804020204" pitchFamily="50" charset="0"/>
+                <a:ea typeface="Droid Sans Mono Chess ASCII" panose="020B0609030804020204" pitchFamily="50" charset="0"/>
+                <a:cs typeface="Droid Sans Mono Chess ASCII" panose="020B0609030804020204" pitchFamily="50" charset="0"/>
+              </a:rPr>
+              <a:t>are taking turns</a:t>
+            </a:r>
+          </a:p>
+          <a:p>
+            <a:endParaRPr lang="en-US" sz="1400">
+              <a:latin typeface="Droid Sans Mono Chess ASCII" panose="020B0609030804020204" pitchFamily="50" charset="0"/>
+              <a:ea typeface="Droid Sans Mono Chess ASCII" panose="020B0609030804020204" pitchFamily="50" charset="0"/>
+              <a:cs typeface="Droid Sans Mono Chess ASCII" panose="020B0609030804020204" pitchFamily="50" charset="0"/>
+            </a:endParaRPr>
+          </a:p>
+          <a:p>
+            <a:r>
+              <a:rPr lang="en-US" sz="1400">
+                <a:latin typeface="Droid Sans Mono Chess ASCII" panose="020B0609030804020204" pitchFamily="50" charset="0"/>
+                <a:ea typeface="Droid Sans Mono Chess ASCII" panose="020B0609030804020204" pitchFamily="50" charset="0"/>
+                <a:cs typeface="Droid Sans Mono Chess ASCII" panose="020B0609030804020204" pitchFamily="50" charset="0"/>
+              </a:rPr>
+              <a:t>&gt; nextColour White = Black</a:t>
+            </a:r>
+          </a:p>
+          <a:p>
+            <a:r>
+              <a:rPr lang="en-US" sz="1400">
+                <a:latin typeface="Droid Sans Mono Chess ASCII" panose="020B0609030804020204" pitchFamily="50" charset="0"/>
+                <a:ea typeface="Droid Sans Mono Chess ASCII" panose="020B0609030804020204" pitchFamily="50" charset="0"/>
+                <a:cs typeface="Droid Sans Mono Chess ASCII" panose="020B0609030804020204" pitchFamily="50" charset="0"/>
+              </a:rPr>
+              <a:t>&gt; nextColour Black = White</a:t>
+            </a:r>
+          </a:p>
+        </p:txBody>
+      </p:sp>
+      <p:sp>
+        <p:nvSpPr>
+          <p:cNvPr id="7" name="Textfeld 6"/>
+          <p:cNvSpPr txBox="1"/>
+          <p:nvPr/>
+        </p:nvSpPr>
+        <p:spPr>
+          <a:xfrm>
+            <a:off x="7511047" y="1701543"/>
+            <a:ext cx="3578224" cy="2246769"/>
+          </a:xfrm>
+          <a:prstGeom prst="rect">
+            <a:avLst/>
+          </a:prstGeom>
+          <a:solidFill>
+            <a:schemeClr val="bg2">
+              <a:lumMod val="40000"/>
+              <a:lumOff val="60000"/>
+            </a:schemeClr>
+          </a:solidFill>
+        </p:spPr>
+        <p:txBody>
+          <a:bodyPr wrap="none" rtlCol="0">
+            <a:spAutoFit/>
+          </a:bodyPr>
+          <a:lstStyle/>
+          <a:p>
+            <a:r>
+              <a:rPr lang="en-US" sz="1400" smtClean="0">
+                <a:latin typeface="Droid Sans Mono Chess ASCII" panose="020B0609030804020204" pitchFamily="50" charset="0"/>
+                <a:ea typeface="Droid Sans Mono Chess ASCII" panose="020B0609030804020204" pitchFamily="50" charset="0"/>
+                <a:cs typeface="Droid Sans Mono Chess ASCII" panose="020B0609030804020204" pitchFamily="50" charset="0"/>
+              </a:rPr>
+              <a:t>-- In </a:t>
+            </a:r>
+            <a:r>
+              <a:rPr lang="en-US" sz="1400">
+                <a:latin typeface="Droid Sans Mono Chess ASCII" panose="020B0609030804020204" pitchFamily="50" charset="0"/>
+                <a:ea typeface="Droid Sans Mono Chess ASCII" panose="020B0609030804020204" pitchFamily="50" charset="0"/>
+                <a:cs typeface="Droid Sans Mono Chess ASCII" panose="020B0609030804020204" pitchFamily="50" charset="0"/>
+              </a:rPr>
+              <a:t>chess, two players</a:t>
+            </a:r>
+          </a:p>
+          <a:p>
+            <a:endParaRPr lang="en-US" sz="1400">
+              <a:latin typeface="Droid Sans Mono Chess ASCII" panose="020B0609030804020204" pitchFamily="50" charset="0"/>
+              <a:ea typeface="Droid Sans Mono Chess ASCII" panose="020B0609030804020204" pitchFamily="50" charset="0"/>
+              <a:cs typeface="Droid Sans Mono Chess ASCII" panose="020B0609030804020204" pitchFamily="50" charset="0"/>
+            </a:endParaRPr>
+          </a:p>
+          <a:p>
+            <a:r>
+              <a:rPr lang="en-US" sz="1400" smtClean="0">
+                <a:latin typeface="Droid Sans Mono Chess ASCII" panose="020B0609030804020204" pitchFamily="50" charset="0"/>
+                <a:ea typeface="Droid Sans Mono Chess ASCII" panose="020B0609030804020204" pitchFamily="50" charset="0"/>
+                <a:cs typeface="Droid Sans Mono Chess ASCII" panose="020B0609030804020204" pitchFamily="50" charset="0"/>
+              </a:rPr>
+              <a:t>data </a:t>
+            </a:r>
+            <a:r>
+              <a:rPr lang="en-US" sz="1400">
+                <a:latin typeface="Droid Sans Mono Chess ASCII" panose="020B0609030804020204" pitchFamily="50" charset="0"/>
+                <a:ea typeface="Droid Sans Mono Chess ASCII" panose="020B0609030804020204" pitchFamily="50" charset="0"/>
+                <a:cs typeface="Droid Sans Mono Chess ASCII" panose="020B0609030804020204" pitchFamily="50" charset="0"/>
+              </a:rPr>
+              <a:t>Colour = White | Black</a:t>
+            </a:r>
+          </a:p>
+          <a:p>
+            <a:r>
+              <a:rPr lang="en-US" sz="1400">
+                <a:latin typeface="Droid Sans Mono Chess ASCII" panose="020B0609030804020204" pitchFamily="50" charset="0"/>
+                <a:ea typeface="Droid Sans Mono Chess ASCII" panose="020B0609030804020204" pitchFamily="50" charset="0"/>
+                <a:cs typeface="Droid Sans Mono Chess ASCII" panose="020B0609030804020204" pitchFamily="50" charset="0"/>
+              </a:rPr>
+              <a:t>	deriving (</a:t>
+            </a:r>
+            <a:r>
+              <a:rPr lang="en-US" sz="1400" smtClean="0">
+                <a:latin typeface="Droid Sans Mono Chess ASCII" panose="020B0609030804020204" pitchFamily="50" charset="0"/>
+                <a:ea typeface="Droid Sans Mono Chess ASCII" panose="020B0609030804020204" pitchFamily="50" charset="0"/>
+                <a:cs typeface="Droid Sans Mono Chess ASCII" panose="020B0609030804020204" pitchFamily="50" charset="0"/>
+              </a:rPr>
+              <a:t>Show,Eq,Enum)</a:t>
+            </a:r>
+            <a:endParaRPr lang="en-US" sz="1400">
+              <a:latin typeface="Droid Sans Mono Chess ASCII" panose="020B0609030804020204" pitchFamily="50" charset="0"/>
+              <a:ea typeface="Droid Sans Mono Chess ASCII" panose="020B0609030804020204" pitchFamily="50" charset="0"/>
+              <a:cs typeface="Droid Sans Mono Chess ASCII" panose="020B0609030804020204" pitchFamily="50" charset="0"/>
+            </a:endParaRPr>
+          </a:p>
+          <a:p>
+            <a:r>
+              <a:rPr lang="en-US" sz="1400" smtClean="0">
+                <a:latin typeface="Droid Sans Mono Chess ASCII" panose="020B0609030804020204" pitchFamily="50" charset="0"/>
+                <a:ea typeface="Droid Sans Mono Chess ASCII" panose="020B0609030804020204" pitchFamily="50" charset="0"/>
+                <a:cs typeface="Droid Sans Mono Chess ASCII" panose="020B0609030804020204" pitchFamily="50" charset="0"/>
+              </a:rPr>
+              <a:t>instance </a:t>
+            </a:r>
+            <a:r>
+              <a:rPr lang="en-US" sz="1400">
+                <a:latin typeface="Droid Sans Mono Chess ASCII" panose="020B0609030804020204" pitchFamily="50" charset="0"/>
+                <a:ea typeface="Droid Sans Mono Chess ASCII" panose="020B0609030804020204" pitchFamily="50" charset="0"/>
+                <a:cs typeface="Droid Sans Mono Chess ASCII" panose="020B0609030804020204" pitchFamily="50" charset="0"/>
+              </a:rPr>
+              <a:t>Hashable Colour</a:t>
+            </a:r>
+          </a:p>
+          <a:p>
+            <a:endParaRPr lang="en-US" sz="1400">
+              <a:latin typeface="Droid Sans Mono Chess ASCII" panose="020B0609030804020204" pitchFamily="50" charset="0"/>
+              <a:ea typeface="Droid Sans Mono Chess ASCII" panose="020B0609030804020204" pitchFamily="50" charset="0"/>
+              <a:cs typeface="Droid Sans Mono Chess ASCII" panose="020B0609030804020204" pitchFamily="50" charset="0"/>
+            </a:endParaRPr>
+          </a:p>
+          <a:p>
+            <a:r>
+              <a:rPr lang="en-US" sz="1400" smtClean="0">
+                <a:latin typeface="Droid Sans Mono Chess ASCII" panose="020B0609030804020204" pitchFamily="50" charset="0"/>
+                <a:ea typeface="Droid Sans Mono Chess ASCII" panose="020B0609030804020204" pitchFamily="50" charset="0"/>
+                <a:cs typeface="Droid Sans Mono Chess ASCII" panose="020B0609030804020204" pitchFamily="50" charset="0"/>
+              </a:rPr>
+              <a:t>-- are </a:t>
+            </a:r>
+            <a:r>
+              <a:rPr lang="en-US" sz="1400">
+                <a:latin typeface="Droid Sans Mono Chess ASCII" panose="020B0609030804020204" pitchFamily="50" charset="0"/>
+                <a:ea typeface="Droid Sans Mono Chess ASCII" panose="020B0609030804020204" pitchFamily="50" charset="0"/>
+                <a:cs typeface="Droid Sans Mono Chess ASCII" panose="020B0609030804020204" pitchFamily="50" charset="0"/>
+              </a:rPr>
+              <a:t>taking turns</a:t>
+            </a:r>
+          </a:p>
+          <a:p>
+            <a:endParaRPr lang="en-US" sz="1400">
+              <a:latin typeface="Droid Sans Mono Chess ASCII" panose="020B0609030804020204" pitchFamily="50" charset="0"/>
+              <a:ea typeface="Droid Sans Mono Chess ASCII" panose="020B0609030804020204" pitchFamily="50" charset="0"/>
+              <a:cs typeface="Droid Sans Mono Chess ASCII" panose="020B0609030804020204" pitchFamily="50" charset="0"/>
+            </a:endParaRPr>
+          </a:p>
+          <a:p>
+            <a:r>
+              <a:rPr lang="en-US" sz="1400" smtClean="0">
+                <a:latin typeface="Droid Sans Mono Chess ASCII" panose="020B0609030804020204" pitchFamily="50" charset="0"/>
+                <a:ea typeface="Droid Sans Mono Chess ASCII" panose="020B0609030804020204" pitchFamily="50" charset="0"/>
+                <a:cs typeface="Droid Sans Mono Chess ASCII" panose="020B0609030804020204" pitchFamily="50" charset="0"/>
+              </a:rPr>
+              <a:t>nextColour </a:t>
+            </a:r>
+            <a:r>
+              <a:rPr lang="en-US" sz="1400">
+                <a:latin typeface="Droid Sans Mono Chess ASCII" panose="020B0609030804020204" pitchFamily="50" charset="0"/>
+                <a:ea typeface="Droid Sans Mono Chess ASCII" panose="020B0609030804020204" pitchFamily="50" charset="0"/>
+                <a:cs typeface="Droid Sans Mono Chess ASCII" panose="020B0609030804020204" pitchFamily="50" charset="0"/>
+              </a:rPr>
+              <a:t>White = Black</a:t>
+            </a:r>
+          </a:p>
+          <a:p>
+            <a:r>
+              <a:rPr lang="en-US" sz="1400" smtClean="0">
+                <a:latin typeface="Droid Sans Mono Chess ASCII" panose="020B0609030804020204" pitchFamily="50" charset="0"/>
+                <a:ea typeface="Droid Sans Mono Chess ASCII" panose="020B0609030804020204" pitchFamily="50" charset="0"/>
+                <a:cs typeface="Droid Sans Mono Chess ASCII" panose="020B0609030804020204" pitchFamily="50" charset="0"/>
+              </a:rPr>
+              <a:t>nextColour </a:t>
+            </a:r>
+            <a:r>
+              <a:rPr lang="en-US" sz="1400">
+                <a:latin typeface="Droid Sans Mono Chess ASCII" panose="020B0609030804020204" pitchFamily="50" charset="0"/>
+                <a:ea typeface="Droid Sans Mono Chess ASCII" panose="020B0609030804020204" pitchFamily="50" charset="0"/>
+                <a:cs typeface="Droid Sans Mono Chess ASCII" panose="020B0609030804020204" pitchFamily="50" charset="0"/>
+              </a:rPr>
+              <a:t>Black = White</a:t>
+            </a:r>
+          </a:p>
+        </p:txBody>
+      </p:sp>
+      <p:sp>
+        <p:nvSpPr>
+          <p:cNvPr id="3" name="Pfeil nach rechts 2"/>
+          <p:cNvSpPr/>
+          <p:nvPr/>
+        </p:nvSpPr>
+        <p:spPr>
+          <a:xfrm>
+            <a:off x="5847008" y="2524259"/>
+            <a:ext cx="850006" cy="450761"/>
+          </a:xfrm>
+          <a:prstGeom prst="rightArrow">
+            <a:avLst/>
+          </a:prstGeom>
+          <a:noFill/>
+          <a:ln>
+            <a:solidFill>
+              <a:schemeClr val="tx1"/>
+            </a:solidFill>
+          </a:ln>
+        </p:spPr>
+        <p:style>
+          <a:lnRef idx="2">
+            <a:schemeClr val="accent1">
+              <a:shade val="50000"/>
+            </a:schemeClr>
+          </a:lnRef>
+          <a:fillRef idx="1">
+            <a:schemeClr val="accent1"/>
+          </a:fillRef>
+          <a:effectRef idx="0">
+            <a:schemeClr val="accent1"/>
+          </a:effectRef>
+          <a:fontRef idx="minor">
+            <a:schemeClr val="lt1"/>
+          </a:fontRef>
+        </p:style>
+        <p:txBody>
+          <a:bodyPr rtlCol="0" anchor="ctr"/>
+          <a:lstStyle/>
+          <a:p>
+            <a:pPr algn="ctr"/>
+            <a:endParaRPr lang="de-DE"/>
+          </a:p>
+        </p:txBody>
+      </p:sp>
+      <p:sp>
+        <p:nvSpPr>
+          <p:cNvPr id="4" name="Textfeld 3"/>
+          <p:cNvSpPr txBox="1"/>
+          <p:nvPr/>
+        </p:nvSpPr>
+        <p:spPr>
+          <a:xfrm>
+            <a:off x="155575" y="4697055"/>
+            <a:ext cx="12849225" cy="2308324"/>
+          </a:xfrm>
+          <a:prstGeom prst="rect">
+            <a:avLst/>
+          </a:prstGeom>
+          <a:noFill/>
+        </p:spPr>
+        <p:txBody>
+          <a:bodyPr wrap="square" rtlCol="0">
+            <a:spAutoFit/>
+          </a:bodyPr>
+          <a:lstStyle/>
+          <a:p>
+            <a:r>
+              <a:rPr lang="de-DE" sz="2400">
+                <a:solidFill>
+                  <a:schemeClr val="accent1">
+                    <a:lumMod val="50000"/>
+                  </a:schemeClr>
+                </a:solidFill>
+                <a:latin typeface="Agency FB" panose="020B0503020202020204" pitchFamily="34" charset="0"/>
+                <a:cs typeface="Courier New" panose="02070309020205020404" pitchFamily="49" charset="0"/>
+              </a:rPr>
+              <a:t>GHCi, version 8.0.2: http://www.haskell.org/ghc/  :? for help</a:t>
+            </a:r>
+          </a:p>
+          <a:p>
+            <a:r>
+              <a:rPr lang="de-DE" sz="2400">
+                <a:solidFill>
+                  <a:schemeClr val="accent1">
+                    <a:lumMod val="50000"/>
+                  </a:schemeClr>
+                </a:solidFill>
+                <a:latin typeface="Agency FB" panose="020B0503020202020204" pitchFamily="34" charset="0"/>
+                <a:cs typeface="Courier New" panose="02070309020205020404" pitchFamily="49" charset="0"/>
+              </a:rPr>
+              <a:t>Prelude&gt;</a:t>
+            </a:r>
+            <a:r>
+              <a:rPr lang="de-DE" sz="2400">
+                <a:latin typeface="Agency FB" panose="020B0503020202020204" pitchFamily="34" charset="0"/>
+                <a:cs typeface="Courier New" panose="02070309020205020404" pitchFamily="49" charset="0"/>
+              </a:rPr>
+              <a:t> f &lt;- readFile "lit.txt"</a:t>
+            </a:r>
+          </a:p>
+          <a:p>
+            <a:r>
+              <a:rPr lang="de-DE" sz="2400" smtClean="0">
+                <a:solidFill>
+                  <a:schemeClr val="accent1">
+                    <a:lumMod val="50000"/>
+                  </a:schemeClr>
+                </a:solidFill>
+                <a:latin typeface="Agency FB" panose="020B0503020202020204" pitchFamily="34" charset="0"/>
+                <a:cs typeface="Courier New" panose="02070309020205020404" pitchFamily="49" charset="0"/>
+              </a:rPr>
+              <a:t>Prelude&gt;</a:t>
+            </a:r>
+            <a:r>
+              <a:rPr lang="de-DE" sz="2400" smtClean="0">
+                <a:latin typeface="Agency FB" panose="020B0503020202020204" pitchFamily="34" charset="0"/>
+                <a:cs typeface="Courier New" panose="02070309020205020404" pitchFamily="49" charset="0"/>
+              </a:rPr>
+              <a:t> </a:t>
+            </a:r>
+            <a:r>
+              <a:rPr lang="de-DE" sz="2400">
+                <a:latin typeface="Agency FB" panose="020B0503020202020204" pitchFamily="34" charset="0"/>
+                <a:cs typeface="Courier New" panose="02070309020205020404" pitchFamily="49" charset="0"/>
+              </a:rPr>
+              <a:t>import Data.List</a:t>
+            </a:r>
+          </a:p>
+          <a:p>
+            <a:r>
+              <a:rPr lang="de-DE" sz="2400">
+                <a:solidFill>
+                  <a:schemeClr val="accent1">
+                    <a:lumMod val="50000"/>
+                  </a:schemeClr>
+                </a:solidFill>
+                <a:latin typeface="Agency FB" panose="020B0503020202020204" pitchFamily="34" charset="0"/>
+                <a:cs typeface="Courier New" panose="02070309020205020404" pitchFamily="49" charset="0"/>
+              </a:rPr>
+              <a:t>Prelude </a:t>
+            </a:r>
+            <a:r>
+              <a:rPr lang="de-DE" sz="2400" smtClean="0">
+                <a:solidFill>
+                  <a:schemeClr val="accent1">
+                    <a:lumMod val="50000"/>
+                  </a:schemeClr>
+                </a:solidFill>
+                <a:latin typeface="Agency FB" panose="020B0503020202020204" pitchFamily="34" charset="0"/>
+                <a:cs typeface="Courier New" panose="02070309020205020404" pitchFamily="49" charset="0"/>
+              </a:rPr>
+              <a:t>Data.List</a:t>
+            </a:r>
+            <a:r>
+              <a:rPr lang="de-DE" sz="2400">
+                <a:solidFill>
+                  <a:schemeClr val="accent1">
+                    <a:lumMod val="50000"/>
+                  </a:schemeClr>
+                </a:solidFill>
+                <a:latin typeface="Agency FB" panose="020B0503020202020204" pitchFamily="34" charset="0"/>
+                <a:cs typeface="Courier New" panose="02070309020205020404" pitchFamily="49" charset="0"/>
+              </a:rPr>
+              <a:t>&gt;</a:t>
+            </a:r>
+            <a:r>
+              <a:rPr lang="de-DE" sz="2400">
+                <a:latin typeface="Agency FB" panose="020B0503020202020204" pitchFamily="34" charset="0"/>
+                <a:cs typeface="Courier New" panose="02070309020205020404" pitchFamily="49" charset="0"/>
+              </a:rPr>
+              <a:t> data Line = Code String | Other </a:t>
+            </a:r>
+            <a:r>
+              <a:rPr lang="de-DE" sz="2400" smtClean="0">
+                <a:latin typeface="Agency FB" panose="020B0503020202020204" pitchFamily="34" charset="0"/>
+                <a:cs typeface="Courier New" panose="02070309020205020404" pitchFamily="49" charset="0"/>
+              </a:rPr>
+              <a:t>String</a:t>
+            </a:r>
+            <a:endParaRPr lang="de-DE" sz="2400">
+              <a:latin typeface="Agency FB" panose="020B0503020202020204" pitchFamily="34" charset="0"/>
+              <a:cs typeface="Courier New" panose="02070309020205020404" pitchFamily="49" charset="0"/>
+            </a:endParaRPr>
+          </a:p>
+          <a:p>
+            <a:r>
+              <a:rPr lang="de-DE" sz="2400">
+                <a:solidFill>
+                  <a:schemeClr val="accent1">
+                    <a:lumMod val="50000"/>
+                  </a:schemeClr>
+                </a:solidFill>
+                <a:latin typeface="Agency FB" panose="020B0503020202020204" pitchFamily="34" charset="0"/>
+                <a:cs typeface="Courier New" panose="02070309020205020404" pitchFamily="49" charset="0"/>
+              </a:rPr>
+              <a:t>Prelude </a:t>
+            </a:r>
+            <a:r>
+              <a:rPr lang="de-DE" sz="2400" smtClean="0">
+                <a:solidFill>
+                  <a:schemeClr val="accent1">
+                    <a:lumMod val="50000"/>
+                  </a:schemeClr>
+                </a:solidFill>
+                <a:latin typeface="Agency FB" panose="020B0503020202020204" pitchFamily="34" charset="0"/>
+                <a:cs typeface="Courier New" panose="02070309020205020404" pitchFamily="49" charset="0"/>
+              </a:rPr>
+              <a:t>Data.List</a:t>
+            </a:r>
+            <a:r>
+              <a:rPr lang="de-DE" sz="2400">
+                <a:solidFill>
+                  <a:schemeClr val="accent1">
+                    <a:lumMod val="50000"/>
+                  </a:schemeClr>
+                </a:solidFill>
+                <a:latin typeface="Agency FB" panose="020B0503020202020204" pitchFamily="34" charset="0"/>
+                <a:cs typeface="Courier New" panose="02070309020205020404" pitchFamily="49" charset="0"/>
+              </a:rPr>
+              <a:t>&gt;</a:t>
+            </a:r>
+            <a:r>
+              <a:rPr lang="de-DE" sz="2400">
+                <a:latin typeface="Agency FB" panose="020B0503020202020204" pitchFamily="34" charset="0"/>
+                <a:cs typeface="Courier New" panose="02070309020205020404" pitchFamily="49" charset="0"/>
+              </a:rPr>
+              <a:t> let ls = map (\ l -&gt; if "&gt; " `isPrefixOf` l then Code l else Other l) $ lines f</a:t>
+            </a:r>
+          </a:p>
+          <a:p>
+            <a:r>
+              <a:rPr lang="de-DE" sz="2400">
+                <a:solidFill>
+                  <a:schemeClr val="accent1">
+                    <a:lumMod val="50000"/>
+                  </a:schemeClr>
+                </a:solidFill>
+                <a:latin typeface="Agency FB" panose="020B0503020202020204" pitchFamily="34" charset="0"/>
+                <a:cs typeface="Courier New" panose="02070309020205020404" pitchFamily="49" charset="0"/>
+              </a:rPr>
+              <a:t>Prelude </a:t>
+            </a:r>
+            <a:r>
+              <a:rPr lang="de-DE" sz="2400" smtClean="0">
+                <a:solidFill>
+                  <a:schemeClr val="accent1">
+                    <a:lumMod val="50000"/>
+                  </a:schemeClr>
+                </a:solidFill>
+                <a:latin typeface="Agency FB" panose="020B0503020202020204" pitchFamily="34" charset="0"/>
+                <a:cs typeface="Courier New" panose="02070309020205020404" pitchFamily="49" charset="0"/>
+              </a:rPr>
+              <a:t>Data.List</a:t>
+            </a:r>
+            <a:r>
+              <a:rPr lang="de-DE" sz="2400">
+                <a:solidFill>
+                  <a:schemeClr val="accent1">
+                    <a:lumMod val="50000"/>
+                  </a:schemeClr>
+                </a:solidFill>
+                <a:latin typeface="Agency FB" panose="020B0503020202020204" pitchFamily="34" charset="0"/>
+                <a:cs typeface="Courier New" panose="02070309020205020404" pitchFamily="49" charset="0"/>
+              </a:rPr>
+              <a:t>&gt;</a:t>
+            </a:r>
+            <a:r>
+              <a:rPr lang="de-DE" sz="2400">
+                <a:latin typeface="Agency FB" panose="020B0503020202020204" pitchFamily="34" charset="0"/>
+                <a:cs typeface="Courier New" panose="02070309020205020404" pitchFamily="49" charset="0"/>
+              </a:rPr>
+              <a:t> writeFile "unlit.hs" $ unlines </a:t>
+            </a:r>
+            <a:r>
+              <a:rPr lang="de-DE" sz="2400" smtClean="0">
+                <a:latin typeface="Agency FB" panose="020B0503020202020204" pitchFamily="34" charset="0"/>
+                <a:cs typeface="Courier New" panose="02070309020205020404" pitchFamily="49" charset="0"/>
+              </a:rPr>
+              <a:t>$ map </a:t>
+            </a:r>
+            <a:r>
+              <a:rPr lang="de-DE" sz="2400">
+                <a:latin typeface="Agency FB" panose="020B0503020202020204" pitchFamily="34" charset="0"/>
+                <a:cs typeface="Courier New" panose="02070309020205020404" pitchFamily="49" charset="0"/>
+              </a:rPr>
+              <a:t>(\l -&gt; case l of Code s -&gt; drop 2 s; Other s -&gt; if null s then s else "-- "++s) ls</a:t>
+            </a:r>
+            <a:endParaRPr lang="de-DE" sz="2400" dirty="0" err="1" smtClean="0">
+              <a:latin typeface="Agency FB" panose="020B0503020202020204" pitchFamily="34" charset="0"/>
+              <a:cs typeface="Courier New" panose="02070309020205020404" pitchFamily="49" charset="0"/>
+            </a:endParaRPr>
+          </a:p>
+        </p:txBody>
+      </p:sp>
+    </p:spTree>
+    <p:extLst>
+      <p:ext uri="{BB962C8B-B14F-4D97-AF65-F5344CB8AC3E}">
+        <p14:creationId xmlns:p14="http://schemas.microsoft.com/office/powerpoint/2010/main" val="1358739755"/>
+      </p:ext>
+    </p:extLst>
+  </p:cSld>
+  <p:clrMapOvr>
+    <a:masterClrMapping/>
+  </p:clrMapOvr>
+</p:sld>
+</file>
+
+<file path=ppt/slides/slide16.xml><?xml version="1.0" encoding="utf-8"?>
+<p:sld xmlns:a="http://schemas.openxmlformats.org/drawingml/2006/main" xmlns:r="http://schemas.openxmlformats.org/officeDocument/2006/relationships" xmlns:p="http://schemas.openxmlformats.org/presentationml/2006/main">
+  <p:cSld>
+    <p:spTree>
+      <p:nvGrpSpPr>
+        <p:cNvPr id="1" name=""/>
+        <p:cNvGrpSpPr/>
+        <p:nvPr/>
+      </p:nvGrpSpPr>
+      <p:grpSpPr>
+        <a:xfrm>
+          <a:off x="0" y="0"/>
+          <a:ext cx="0" cy="0"/>
+          <a:chOff x="0" y="0"/>
+          <a:chExt cx="0" cy="0"/>
+        </a:xfrm>
+      </p:grpSpPr>
+      <p:sp>
+        <p:nvSpPr>
+          <p:cNvPr id="9218" name="Titel 1"/>
+          <p:cNvSpPr>
+            <a:spLocks noGrp="1"/>
+          </p:cNvSpPr>
+          <p:nvPr>
+            <p:ph type="title"/>
+          </p:nvPr>
+        </p:nvSpPr>
+        <p:spPr bwMode="auto">
+          <a:xfrm>
+            <a:off x="442913" y="93663"/>
+            <a:ext cx="10742612" cy="939800"/>
+          </a:xfrm>
+          <a:noFill/>
+          <a:ln>
+            <a:miter lim="800000"/>
+            <a:headEnd/>
+            <a:tailEnd/>
+          </a:ln>
+        </p:spPr>
+        <p:txBody>
+          <a:bodyPr vert="horz" wrap="square" numCol="1" anchor="t" anchorCtr="0" compatLnSpc="1">
+            <a:prstTxWarp prst="textNoShape">
+              <a:avLst/>
+            </a:prstTxWarp>
+          </a:bodyPr>
+          <a:lstStyle/>
+          <a:p>
+            <a:r>
+              <a:rPr lang="en-US" smtClean="0"/>
+              <a:t>Coverage Comparison for TI</a:t>
+            </a:r>
+          </a:p>
+        </p:txBody>
+      </p:sp>
+      <p:sp>
+        <p:nvSpPr>
+          <p:cNvPr id="2" name="AutoShape 2" descr="Bildergebnis für haskell brooks curry"/>
+          <p:cNvSpPr>
+            <a:spLocks noChangeAspect="1" noChangeArrowheads="1"/>
+          </p:cNvSpPr>
+          <p:nvPr/>
+        </p:nvSpPr>
+        <p:spPr bwMode="auto">
+          <a:xfrm>
+            <a:off x="155575" y="-731838"/>
+            <a:ext cx="1228725" cy="1524001"/>
+          </a:xfrm>
+          <a:prstGeom prst="rect">
+            <a:avLst/>
+          </a:prstGeom>
+          <a:noFill/>
+          <a:extLst>
+            <a:ext uri="{909E8E84-426E-40DD-AFC4-6F175D3DCCD1}">
+              <a14:hiddenFill xmlns:a14="http://schemas.microsoft.com/office/drawing/2010/main">
+                <a:solidFill>
+                  <a:srgbClr val="FFFFFF"/>
+                </a:solidFill>
+              </a14:hiddenFill>
+            </a:ext>
+          </a:extLst>
+        </p:spPr>
+        <p:txBody>
+          <a:bodyPr vert="horz" wrap="square" lIns="91440" tIns="45720" rIns="91440" bIns="45720" numCol="1" anchor="t" anchorCtr="0" compatLnSpc="1">
+            <a:prstTxWarp prst="textNoShape">
+              <a:avLst/>
+            </a:prstTxWarp>
+          </a:bodyPr>
+          <a:lstStyle/>
+          <a:p>
+            <a:endParaRPr lang="de-DE"/>
+          </a:p>
+        </p:txBody>
+      </p:sp>
     </p:spTree>
     <p:extLst>
       <p:ext uri="{BB962C8B-B14F-4D97-AF65-F5344CB8AC3E}">
@@ -5889,7 +6317,7 @@
 </p:sld>
 </file>
 
-<file path=ppt/slides/slide15.xml><?xml version="1.0" encoding="utf-8"?>
+<file path=ppt/slides/slide17.xml><?xml version="1.0" encoding="utf-8"?>
 <p:sld xmlns:a="http://schemas.openxmlformats.org/drawingml/2006/main" xmlns:r="http://schemas.openxmlformats.org/officeDocument/2006/relationships" xmlns:p="http://schemas.openxmlformats.org/presentationml/2006/main">
   <p:cSld>
     <p:spTree>
@@ -6304,7 +6732,7 @@
 </p:sld>
 </file>
 
-<file path=ppt/slides/slide16.xml><?xml version="1.0" encoding="utf-8"?>
+<file path=ppt/slides/slide18.xml><?xml version="1.0" encoding="utf-8"?>
 <p:sld xmlns:a="http://schemas.openxmlformats.org/drawingml/2006/main" xmlns:r="http://schemas.openxmlformats.org/officeDocument/2006/relationships" xmlns:p="http://schemas.openxmlformats.org/presentationml/2006/main">
   <p:cSld>
     <p:spTree>
@@ -6641,7 +7069,6 @@
               <a:rPr lang="en-US" smtClean="0"/>
               <a:t>The “Semantic Gap”</a:t>
             </a:r>
-            <a:endParaRPr lang="en-US" smtClean="0"/>
           </a:p>
         </p:txBody>
       </p:sp>

--- a/ppt/Chess200.pptx
+++ b/ppt/Chess200.pptx
@@ -5061,8 +5061,8 @@
         </p:nvSpPr>
         <p:spPr>
           <a:xfrm>
-            <a:off x="404057" y="3686027"/>
-            <a:ext cx="5878532" cy="400110"/>
+            <a:off x="404057" y="3686026"/>
+            <a:ext cx="11679086" cy="707886"/>
           </a:xfrm>
           <a:prstGeom prst="rect">
             <a:avLst/>
@@ -5070,20 +5070,20 @@
           <a:noFill/>
         </p:spPr>
         <p:txBody>
-          <a:bodyPr wrap="none" rtlCol="0">
+          <a:bodyPr wrap="square" rtlCol="0">
             <a:spAutoFit/>
           </a:bodyPr>
           <a:lstStyle/>
           <a:p>
             <a:r>
-              <a:rPr lang="en-US" sz="2000" smtClean="0">
+              <a:rPr lang="en-US" sz="4000" smtClean="0">
                 <a:latin typeface="Droid Sans Mono Chess ASCII" panose="020B0609030804020204" pitchFamily="50" charset="0"/>
                 <a:ea typeface="Droid Sans Mono Chess ASCII" panose="020B0609030804020204" pitchFamily="50" charset="0"/>
                 <a:cs typeface="Droid Sans Mono Chess ASCII" panose="020B0609030804020204" pitchFamily="50" charset="0"/>
               </a:rPr>
               <a:t>minimum list = head ( process2 list )</a:t>
             </a:r>
-            <a:endParaRPr lang="de-DE" sz="2000">
+            <a:endParaRPr lang="de-DE" sz="4000">
               <a:latin typeface="Droid Sans Mono Chess ASCII" panose="020B0609030804020204" pitchFamily="50" charset="0"/>
               <a:ea typeface="Droid Sans Mono Chess ASCII" panose="020B0609030804020204" pitchFamily="50" charset="0"/>
               <a:cs typeface="Droid Sans Mono Chess ASCII" panose="020B0609030804020204" pitchFamily="50" charset="0"/>
@@ -5194,7 +5194,7 @@
           <a:p>
             <a:r>
               <a:rPr lang="en-US" sz="5400" smtClean="0"/>
-              <a:t>Sir Tony Hoare’s billion dollar mistake</a:t>
+              <a:t>Sir Tony Hoare’s billion-dollar mistake</a:t>
             </a:r>
             <a:endParaRPr lang="en-US" sz="5400" smtClean="0"/>
           </a:p>
@@ -5387,7 +5387,7 @@
           <a:p>
             <a:r>
               <a:rPr lang="en-US" smtClean="0"/>
-              <a:t>No Null Pointer Constructor</a:t>
+              <a:t>No Null Pointer, No Cry</a:t>
             </a:r>
             <a:endParaRPr lang="en-US" smtClean="0"/>
           </a:p>
@@ -5402,7 +5402,7 @@
         <p:spPr>
           <a:xfrm>
             <a:off x="404057" y="1791913"/>
-            <a:ext cx="6340197" cy="1631216"/>
+            <a:ext cx="12114514" cy="2862322"/>
           </a:xfrm>
           <a:prstGeom prst="rect">
             <a:avLst/>
@@ -5410,22 +5410,22 @@
           <a:noFill/>
         </p:spPr>
         <p:txBody>
-          <a:bodyPr wrap="none" rtlCol="0">
+          <a:bodyPr wrap="square" rtlCol="0">
             <a:spAutoFit/>
           </a:bodyPr>
           <a:lstStyle/>
           <a:p>
             <a:r>
-              <a:rPr lang="en-US" sz="2000" smtClean="0">
+              <a:rPr lang="en-US" sz="3600" smtClean="0">
                 <a:latin typeface="Droid Sans Mono Chess ASCII" panose="020B0609030804020204" pitchFamily="50" charset="0"/>
                 <a:ea typeface="Droid Sans Mono Chess ASCII" panose="020B0609030804020204" pitchFamily="50" charset="0"/>
                 <a:cs typeface="Droid Sans Mono Chess ASCII" panose="020B0609030804020204" pitchFamily="50" charset="0"/>
               </a:rPr>
-              <a:t>data Maybe Int = Just Int | Nothing</a:t>
-            </a:r>
-          </a:p>
-          <a:p>
-            <a:endParaRPr lang="en-US" sz="2000">
+              <a:t>data Maybe typ = Just typ | Nothing</a:t>
+            </a:r>
+          </a:p>
+          <a:p>
+            <a:endParaRPr lang="en-US" sz="3600">
               <a:latin typeface="Droid Sans Mono Chess ASCII" panose="020B0609030804020204" pitchFamily="50" charset="0"/>
               <a:ea typeface="Droid Sans Mono Chess ASCII" panose="020B0609030804020204" pitchFamily="50" charset="0"/>
               <a:cs typeface="Droid Sans Mono Chess ASCII" panose="020B0609030804020204" pitchFamily="50" charset="0"/>
@@ -5433,7 +5433,7 @@
           </a:p>
           <a:p>
             <a:r>
-              <a:rPr lang="en-US" sz="2000" smtClean="0">
+              <a:rPr lang="en-US" sz="3600" smtClean="0">
                 <a:latin typeface="Droid Sans Mono Chess ASCII" panose="020B0609030804020204" pitchFamily="50" charset="0"/>
                 <a:ea typeface="Droid Sans Mono Chess ASCII" panose="020B0609030804020204" pitchFamily="50" charset="0"/>
                 <a:cs typeface="Droid Sans Mono Chess ASCII" panose="020B0609030804020204" pitchFamily="50" charset="0"/>
@@ -5443,7 +5443,7 @@
           </a:p>
           <a:p>
             <a:r>
-              <a:rPr lang="en-US" sz="2000" smtClean="0">
+              <a:rPr lang="en-US" sz="3600" smtClean="0">
                 <a:latin typeface="Droid Sans Mono Chess ASCII" panose="020B0609030804020204" pitchFamily="50" charset="0"/>
                 <a:ea typeface="Droid Sans Mono Chess ASCII" panose="020B0609030804020204" pitchFamily="50" charset="0"/>
                 <a:cs typeface="Droid Sans Mono Chess ASCII" panose="020B0609030804020204" pitchFamily="50" charset="0"/>
@@ -5453,7 +5453,7 @@
           </a:p>
           <a:p>
             <a:r>
-              <a:rPr lang="en-US" sz="2000">
+              <a:rPr lang="en-US" sz="3600">
                 <a:latin typeface="Droid Sans Mono Chess ASCII" panose="020B0609030804020204" pitchFamily="50" charset="0"/>
                 <a:ea typeface="Droid Sans Mono Chess ASCII" panose="020B0609030804020204" pitchFamily="50" charset="0"/>
                 <a:cs typeface="Droid Sans Mono Chess ASCII" panose="020B0609030804020204" pitchFamily="50" charset="0"/>
@@ -5461,7 +5461,7 @@
               <a:t> </a:t>
             </a:r>
             <a:r>
-              <a:rPr lang="en-US" sz="2000" smtClean="0">
+              <a:rPr lang="en-US" sz="3600" smtClean="0">
                 <a:latin typeface="Droid Sans Mono Chess ASCII" panose="020B0609030804020204" pitchFamily="50" charset="0"/>
                 <a:ea typeface="Droid Sans Mono Chess ASCII" panose="020B0609030804020204" pitchFamily="50" charset="0"/>
                 <a:cs typeface="Droid Sans Mono Chess ASCII" panose="020B0609030804020204" pitchFamily="50" charset="0"/>
@@ -5469,14 +5469,14 @@
               <a:t>   Nothing    -&gt; </a:t>
             </a:r>
             <a:r>
-              <a:rPr lang="en-US" sz="2000" i="1" smtClean="0">
+              <a:rPr lang="en-US" sz="3600" i="1" smtClean="0">
                 <a:latin typeface="Droid Sans Mono Chess ASCII" panose="020B0609030804020204" pitchFamily="50" charset="0"/>
                 <a:ea typeface="Droid Sans Mono Chess ASCII" panose="020B0609030804020204" pitchFamily="50" charset="0"/>
                 <a:cs typeface="Droid Sans Mono Chess ASCII" panose="020B0609030804020204" pitchFamily="50" charset="0"/>
               </a:rPr>
               <a:t>&lt;deal with it somehow&gt;</a:t>
             </a:r>
-            <a:endParaRPr lang="de-DE" sz="2000" i="1">
+            <a:endParaRPr lang="de-DE" sz="3600" i="1">
               <a:latin typeface="Droid Sans Mono Chess ASCII" panose="020B0609030804020204" pitchFamily="50" charset="0"/>
               <a:ea typeface="Droid Sans Mono Chess ASCII" panose="020B0609030804020204" pitchFamily="50" charset="0"/>
               <a:cs typeface="Droid Sans Mono Chess ASCII" panose="020B0609030804020204" pitchFamily="50" charset="0"/>
@@ -8314,14 +8314,14 @@
       </p:sp>
       <p:sp>
         <p:nvSpPr>
-          <p:cNvPr id="3" name="Textfeld 2"/>
+          <p:cNvPr id="4" name="Textfeld 3"/>
           <p:cNvSpPr txBox="1"/>
           <p:nvPr/>
         </p:nvSpPr>
         <p:spPr>
           <a:xfrm>
-            <a:off x="477520" y="2046596"/>
-            <a:ext cx="11435438" cy="1938992"/>
+            <a:off x="477520" y="1894195"/>
+            <a:ext cx="11435438" cy="2308324"/>
           </a:xfrm>
           <a:prstGeom prst="rect">
             <a:avLst/>
@@ -8335,7 +8335,7 @@
           <a:lstStyle/>
           <a:p>
             <a:r>
-              <a:rPr lang="en-US" sz="2000">
+              <a:rPr lang="en-US" sz="2400">
                 <a:latin typeface="Droid Sans Mono Chess ASCII" panose="020B0609030804020204" pitchFamily="50" charset="0"/>
                 <a:ea typeface="Droid Sans Mono Chess ASCII" panose="020B0609030804020204" pitchFamily="50" charset="0"/>
                 <a:cs typeface="Droid Sans Mono Chess ASCII" panose="020B0609030804020204" pitchFamily="50" charset="0"/>
@@ -8343,7 +8343,7 @@
               <a:t>process2 []           = </a:t>
             </a:r>
             <a:r>
-              <a:rPr lang="en-US" sz="2000" smtClean="0">
+              <a:rPr lang="en-US" sz="2400" smtClean="0">
                 <a:latin typeface="Droid Sans Mono Chess ASCII" panose="020B0609030804020204" pitchFamily="50" charset="0"/>
                 <a:ea typeface="Droid Sans Mono Chess ASCII" panose="020B0609030804020204" pitchFamily="50" charset="0"/>
                 <a:cs typeface="Droid Sans Mono Chess ASCII" panose="020B0609030804020204" pitchFamily="50" charset="0"/>
@@ -8352,7 +8352,7 @@
             </a:r>
           </a:p>
           <a:p>
-            <a:endParaRPr lang="en-US" sz="2000">
+            <a:endParaRPr lang="en-US" sz="2400">
               <a:latin typeface="Droid Sans Mono Chess ASCII" panose="020B0609030804020204" pitchFamily="50" charset="0"/>
               <a:ea typeface="Droid Sans Mono Chess ASCII" panose="020B0609030804020204" pitchFamily="50" charset="0"/>
               <a:cs typeface="Droid Sans Mono Chess ASCII" panose="020B0609030804020204" pitchFamily="50" charset="0"/>
@@ -8360,7 +8360,7 @@
           </a:p>
           <a:p>
             <a:r>
-              <a:rPr lang="en-US" sz="2000">
+              <a:rPr lang="en-US" sz="2400">
                 <a:latin typeface="Droid Sans Mono Chess ASCII" panose="020B0609030804020204" pitchFamily="50" charset="0"/>
                 <a:ea typeface="Droid Sans Mono Chess ASCII" panose="020B0609030804020204" pitchFamily="50" charset="0"/>
                 <a:cs typeface="Droid Sans Mono Chess ASCII" panose="020B0609030804020204" pitchFamily="50" charset="0"/>
@@ -8368,7 +8368,7 @@
               <a:t>process2 (first:rest) = </a:t>
             </a:r>
             <a:r>
-              <a:rPr lang="en-US" sz="2000" smtClean="0">
+              <a:rPr lang="en-US" sz="2400" smtClean="0">
                 <a:latin typeface="Droid Sans Mono Chess ASCII" panose="020B0609030804020204" pitchFamily="50" charset="0"/>
                 <a:ea typeface="Droid Sans Mono Chess ASCII" panose="020B0609030804020204" pitchFamily="50" charset="0"/>
                 <a:cs typeface="Droid Sans Mono Chess ASCII" panose="020B0609030804020204" pitchFamily="50" charset="0"/>
@@ -8376,7 +8376,7 @@
               <a:t>let smaller </a:t>
             </a:r>
             <a:r>
-              <a:rPr lang="en-US" sz="2000">
+              <a:rPr lang="en-US" sz="2400">
                 <a:latin typeface="Droid Sans Mono Chess ASCII" panose="020B0609030804020204" pitchFamily="50" charset="0"/>
                 <a:ea typeface="Droid Sans Mono Chess ASCII" panose="020B0609030804020204" pitchFamily="50" charset="0"/>
                 <a:cs typeface="Droid Sans Mono Chess ASCII" panose="020B0609030804020204" pitchFamily="50" charset="0"/>
@@ -8386,7 +8386,7 @@
           </a:p>
           <a:p>
             <a:r>
-              <a:rPr lang="en-US" sz="2000">
+              <a:rPr lang="en-US" sz="2400">
                 <a:latin typeface="Droid Sans Mono Chess ASCII" panose="020B0609030804020204" pitchFamily="50" charset="0"/>
                 <a:ea typeface="Droid Sans Mono Chess ASCII" panose="020B0609030804020204" pitchFamily="50" charset="0"/>
                 <a:cs typeface="Droid Sans Mono Chess ASCII" panose="020B0609030804020204" pitchFamily="50" charset="0"/>
@@ -8394,30 +8394,38 @@
               <a:t>	</a:t>
             </a:r>
             <a:r>
-              <a:rPr lang="en-US" sz="2000" smtClean="0">
+              <a:rPr lang="en-US" sz="2400" smtClean="0">
                 <a:latin typeface="Droid Sans Mono Chess ASCII" panose="020B0609030804020204" pitchFamily="50" charset="0"/>
                 <a:ea typeface="Droid Sans Mono Chess ASCII" panose="020B0609030804020204" pitchFamily="50" charset="0"/>
                 <a:cs typeface="Droid Sans Mono Chess ASCII" panose="020B0609030804020204" pitchFamily="50" charset="0"/>
               </a:rPr>
-              <a:t>                      bigger  </a:t>
-            </a:r>
-            <a:r>
-              <a:rPr lang="en-US" sz="2000">
+              <a:t>                      </a:t>
+            </a:r>
+            <a:r>
+              <a:rPr lang="en-US" sz="2400" smtClean="0">
                 <a:latin typeface="Droid Sans Mono Chess ASCII" panose="020B0609030804020204" pitchFamily="50" charset="0"/>
                 <a:ea typeface="Droid Sans Mono Chess ASCII" panose="020B0609030804020204" pitchFamily="50" charset="0"/>
                 <a:cs typeface="Droid Sans Mono Chess ASCII" panose="020B0609030804020204" pitchFamily="50" charset="0"/>
               </a:rPr>
-              <a:t>= filter (&gt;  first) </a:t>
-            </a:r>
-            <a:r>
-              <a:rPr lang="en-US" sz="2000" smtClean="0">
+              <a:t> bigger  = </a:t>
+            </a:r>
+            <a:r>
+              <a:rPr lang="en-US" sz="2400">
                 <a:latin typeface="Droid Sans Mono Chess ASCII" panose="020B0609030804020204" pitchFamily="50" charset="0"/>
                 <a:ea typeface="Droid Sans Mono Chess ASCII" panose="020B0609030804020204" pitchFamily="50" charset="0"/>
                 <a:cs typeface="Droid Sans Mono Chess ASCII" panose="020B0609030804020204" pitchFamily="50" charset="0"/>
               </a:rPr>
+              <a:t>filter (&gt;  first) </a:t>
+            </a:r>
+            <a:r>
+              <a:rPr lang="en-US" sz="2400" smtClean="0">
+                <a:latin typeface="Droid Sans Mono Chess ASCII" panose="020B0609030804020204" pitchFamily="50" charset="0"/>
+                <a:ea typeface="Droid Sans Mono Chess ASCII" panose="020B0609030804020204" pitchFamily="50" charset="0"/>
+                <a:cs typeface="Droid Sans Mono Chess ASCII" panose="020B0609030804020204" pitchFamily="50" charset="0"/>
+              </a:rPr>
               <a:t>rest</a:t>
             </a:r>
-            <a:endParaRPr lang="en-US" sz="2000">
+            <a:endParaRPr lang="en-US" sz="2400">
               <a:latin typeface="Droid Sans Mono Chess ASCII" panose="020B0609030804020204" pitchFamily="50" charset="0"/>
               <a:ea typeface="Droid Sans Mono Chess ASCII" panose="020B0609030804020204" pitchFamily="50" charset="0"/>
               <a:cs typeface="Droid Sans Mono Chess ASCII" panose="020B0609030804020204" pitchFamily="50" charset="0"/>
@@ -8425,7 +8433,7 @@
           </a:p>
           <a:p>
             <a:r>
-              <a:rPr lang="en-US" sz="2000">
+              <a:rPr lang="en-US" sz="2400">
                 <a:latin typeface="Droid Sans Mono Chess ASCII" panose="020B0609030804020204" pitchFamily="50" charset="0"/>
                 <a:ea typeface="Droid Sans Mono Chess ASCII" panose="020B0609030804020204" pitchFamily="50" charset="0"/>
                 <a:cs typeface="Droid Sans Mono Chess ASCII" panose="020B0609030804020204" pitchFamily="50" charset="0"/>
@@ -8435,7 +8443,7 @@
           </a:p>
           <a:p>
             <a:r>
-              <a:rPr lang="en-US" sz="2000">
+              <a:rPr lang="en-US" sz="2400">
                 <a:latin typeface="Droid Sans Mono Chess ASCII" panose="020B0609030804020204" pitchFamily="50" charset="0"/>
                 <a:ea typeface="Droid Sans Mono Chess ASCII" panose="020B0609030804020204" pitchFamily="50" charset="0"/>
                 <a:cs typeface="Droid Sans Mono Chess ASCII" panose="020B0609030804020204" pitchFamily="50" charset="0"/>
@@ -8443,7 +8451,7 @@
               <a:t>	</a:t>
             </a:r>
             <a:r>
-              <a:rPr lang="en-US" sz="2000" smtClean="0">
+              <a:rPr lang="en-US" sz="2400" smtClean="0">
                 <a:latin typeface="Droid Sans Mono Chess ASCII" panose="020B0609030804020204" pitchFamily="50" charset="0"/>
                 <a:ea typeface="Droid Sans Mono Chess ASCII" panose="020B0609030804020204" pitchFamily="50" charset="0"/>
                 <a:cs typeface="Droid Sans Mono Chess ASCII" panose="020B0609030804020204" pitchFamily="50" charset="0"/>
@@ -8451,7 +8459,7 @@
               <a:t>process2 </a:t>
             </a:r>
             <a:r>
-              <a:rPr lang="en-US" sz="2000">
+              <a:rPr lang="en-US" sz="2400">
                 <a:latin typeface="Droid Sans Mono Chess ASCII" panose="020B0609030804020204" pitchFamily="50" charset="0"/>
                 <a:ea typeface="Droid Sans Mono Chess ASCII" panose="020B0609030804020204" pitchFamily="50" charset="0"/>
                 <a:cs typeface="Droid Sans Mono Chess ASCII" panose="020B0609030804020204" pitchFamily="50" charset="0"/>
@@ -8459,7 +8467,7 @@
               <a:t>smaller </a:t>
             </a:r>
             <a:r>
-              <a:rPr lang="en-US" sz="2000" smtClean="0">
+              <a:rPr lang="en-US" sz="2400" smtClean="0">
                 <a:latin typeface="Droid Sans Mono Chess ASCII" panose="020B0609030804020204" pitchFamily="50" charset="0"/>
                 <a:ea typeface="Droid Sans Mono Chess ASCII" panose="020B0609030804020204" pitchFamily="50" charset="0"/>
                 <a:cs typeface="Droid Sans Mono Chess ASCII" panose="020B0609030804020204" pitchFamily="50" charset="0"/>
@@ -8467,7 +8475,7 @@
               <a:t>  ++   [</a:t>
             </a:r>
             <a:r>
-              <a:rPr lang="en-US" sz="2000">
+              <a:rPr lang="en-US" sz="2400">
                 <a:latin typeface="Droid Sans Mono Chess ASCII" panose="020B0609030804020204" pitchFamily="50" charset="0"/>
                 <a:ea typeface="Droid Sans Mono Chess ASCII" panose="020B0609030804020204" pitchFamily="50" charset="0"/>
                 <a:cs typeface="Droid Sans Mono Chess ASCII" panose="020B0609030804020204" pitchFamily="50" charset="0"/>
@@ -8475,7 +8483,7 @@
               <a:t>first] </a:t>
             </a:r>
             <a:r>
-              <a:rPr lang="en-US" sz="2000" smtClean="0">
+              <a:rPr lang="en-US" sz="2400" smtClean="0">
                 <a:latin typeface="Droid Sans Mono Chess ASCII" panose="020B0609030804020204" pitchFamily="50" charset="0"/>
                 <a:ea typeface="Droid Sans Mono Chess ASCII" panose="020B0609030804020204" pitchFamily="50" charset="0"/>
                 <a:cs typeface="Droid Sans Mono Chess ASCII" panose="020B0609030804020204" pitchFamily="50" charset="0"/>
@@ -8483,14 +8491,14 @@
               <a:t>  ++   process2 </a:t>
             </a:r>
             <a:r>
-              <a:rPr lang="en-US" sz="2000">
+              <a:rPr lang="en-US" sz="2400">
                 <a:latin typeface="Droid Sans Mono Chess ASCII" panose="020B0609030804020204" pitchFamily="50" charset="0"/>
                 <a:ea typeface="Droid Sans Mono Chess ASCII" panose="020B0609030804020204" pitchFamily="50" charset="0"/>
                 <a:cs typeface="Droid Sans Mono Chess ASCII" panose="020B0609030804020204" pitchFamily="50" charset="0"/>
               </a:rPr>
               <a:t>bigger</a:t>
             </a:r>
-            <a:endParaRPr lang="de-DE" sz="2000">
+            <a:endParaRPr lang="de-DE" sz="2400">
               <a:latin typeface="Droid Sans Mono Chess ASCII" panose="020B0609030804020204" pitchFamily="50" charset="0"/>
               <a:ea typeface="Droid Sans Mono Chess ASCII" panose="020B0609030804020204" pitchFamily="50" charset="0"/>
               <a:cs typeface="Droid Sans Mono Chess ASCII" panose="020B0609030804020204" pitchFamily="50" charset="0"/>
@@ -9444,7 +9452,7 @@
         <p:spPr>
           <a:xfrm>
             <a:off x="477520" y="2046596"/>
-            <a:ext cx="11435438" cy="1938992"/>
+            <a:ext cx="11435438" cy="2308324"/>
           </a:xfrm>
           <a:prstGeom prst="rect">
             <a:avLst/>
@@ -9458,7 +9466,7 @@
           <a:lstStyle/>
           <a:p>
             <a:r>
-              <a:rPr lang="en-US" sz="2000">
+              <a:rPr lang="en-US" sz="2400">
                 <a:latin typeface="Droid Sans Mono Chess ASCII" panose="020B0609030804020204" pitchFamily="50" charset="0"/>
                 <a:ea typeface="Droid Sans Mono Chess ASCII" panose="020B0609030804020204" pitchFamily="50" charset="0"/>
                 <a:cs typeface="Droid Sans Mono Chess ASCII" panose="020B0609030804020204" pitchFamily="50" charset="0"/>
@@ -9466,7 +9474,7 @@
               <a:t>process2 []           = </a:t>
             </a:r>
             <a:r>
-              <a:rPr lang="en-US" sz="2000" smtClean="0">
+              <a:rPr lang="en-US" sz="2400" smtClean="0">
                 <a:latin typeface="Droid Sans Mono Chess ASCII" panose="020B0609030804020204" pitchFamily="50" charset="0"/>
                 <a:ea typeface="Droid Sans Mono Chess ASCII" panose="020B0609030804020204" pitchFamily="50" charset="0"/>
                 <a:cs typeface="Droid Sans Mono Chess ASCII" panose="020B0609030804020204" pitchFamily="50" charset="0"/>
@@ -9475,7 +9483,7 @@
             </a:r>
           </a:p>
           <a:p>
-            <a:endParaRPr lang="en-US" sz="2000">
+            <a:endParaRPr lang="en-US" sz="2400">
               <a:latin typeface="Droid Sans Mono Chess ASCII" panose="020B0609030804020204" pitchFamily="50" charset="0"/>
               <a:ea typeface="Droid Sans Mono Chess ASCII" panose="020B0609030804020204" pitchFamily="50" charset="0"/>
               <a:cs typeface="Droid Sans Mono Chess ASCII" panose="020B0609030804020204" pitchFamily="50" charset="0"/>
@@ -9483,7 +9491,7 @@
           </a:p>
           <a:p>
             <a:r>
-              <a:rPr lang="en-US" sz="2000">
+              <a:rPr lang="en-US" sz="2400">
                 <a:latin typeface="Droid Sans Mono Chess ASCII" panose="020B0609030804020204" pitchFamily="50" charset="0"/>
                 <a:ea typeface="Droid Sans Mono Chess ASCII" panose="020B0609030804020204" pitchFamily="50" charset="0"/>
                 <a:cs typeface="Droid Sans Mono Chess ASCII" panose="020B0609030804020204" pitchFamily="50" charset="0"/>
@@ -9491,7 +9499,7 @@
               <a:t>process2 (first:rest) = </a:t>
             </a:r>
             <a:r>
-              <a:rPr lang="en-US" sz="2000" smtClean="0">
+              <a:rPr lang="en-US" sz="2400" smtClean="0">
                 <a:latin typeface="Droid Sans Mono Chess ASCII" panose="020B0609030804020204" pitchFamily="50" charset="0"/>
                 <a:ea typeface="Droid Sans Mono Chess ASCII" panose="020B0609030804020204" pitchFamily="50" charset="0"/>
                 <a:cs typeface="Droid Sans Mono Chess ASCII" panose="020B0609030804020204" pitchFamily="50" charset="0"/>
@@ -9499,7 +9507,7 @@
               <a:t>let smaller </a:t>
             </a:r>
             <a:r>
-              <a:rPr lang="en-US" sz="2000">
+              <a:rPr lang="en-US" sz="2400">
                 <a:latin typeface="Droid Sans Mono Chess ASCII" panose="020B0609030804020204" pitchFamily="50" charset="0"/>
                 <a:ea typeface="Droid Sans Mono Chess ASCII" panose="020B0609030804020204" pitchFamily="50" charset="0"/>
                 <a:cs typeface="Droid Sans Mono Chess ASCII" panose="020B0609030804020204" pitchFamily="50" charset="0"/>
@@ -9509,7 +9517,7 @@
           </a:p>
           <a:p>
             <a:r>
-              <a:rPr lang="en-US" sz="2000">
+              <a:rPr lang="en-US" sz="2400">
                 <a:latin typeface="Droid Sans Mono Chess ASCII" panose="020B0609030804020204" pitchFamily="50" charset="0"/>
                 <a:ea typeface="Droid Sans Mono Chess ASCII" panose="020B0609030804020204" pitchFamily="50" charset="0"/>
                 <a:cs typeface="Droid Sans Mono Chess ASCII" panose="020B0609030804020204" pitchFamily="50" charset="0"/>
@@ -9517,30 +9525,38 @@
               <a:t>	</a:t>
             </a:r>
             <a:r>
-              <a:rPr lang="en-US" sz="2000" smtClean="0">
+              <a:rPr lang="en-US" sz="2400" smtClean="0">
                 <a:latin typeface="Droid Sans Mono Chess ASCII" panose="020B0609030804020204" pitchFamily="50" charset="0"/>
                 <a:ea typeface="Droid Sans Mono Chess ASCII" panose="020B0609030804020204" pitchFamily="50" charset="0"/>
                 <a:cs typeface="Droid Sans Mono Chess ASCII" panose="020B0609030804020204" pitchFamily="50" charset="0"/>
               </a:rPr>
-              <a:t>                      bigger  </a:t>
-            </a:r>
-            <a:r>
-              <a:rPr lang="en-US" sz="2000">
+              <a:t>                      </a:t>
+            </a:r>
+            <a:r>
+              <a:rPr lang="en-US" sz="2400" smtClean="0">
                 <a:latin typeface="Droid Sans Mono Chess ASCII" panose="020B0609030804020204" pitchFamily="50" charset="0"/>
                 <a:ea typeface="Droid Sans Mono Chess ASCII" panose="020B0609030804020204" pitchFamily="50" charset="0"/>
                 <a:cs typeface="Droid Sans Mono Chess ASCII" panose="020B0609030804020204" pitchFamily="50" charset="0"/>
               </a:rPr>
-              <a:t>= filter (&gt;  first) </a:t>
-            </a:r>
-            <a:r>
-              <a:rPr lang="en-US" sz="2000" smtClean="0">
+              <a:t> bigger  = </a:t>
+            </a:r>
+            <a:r>
+              <a:rPr lang="en-US" sz="2400">
                 <a:latin typeface="Droid Sans Mono Chess ASCII" panose="020B0609030804020204" pitchFamily="50" charset="0"/>
                 <a:ea typeface="Droid Sans Mono Chess ASCII" panose="020B0609030804020204" pitchFamily="50" charset="0"/>
                 <a:cs typeface="Droid Sans Mono Chess ASCII" panose="020B0609030804020204" pitchFamily="50" charset="0"/>
               </a:rPr>
+              <a:t>filter (&gt;  first) </a:t>
+            </a:r>
+            <a:r>
+              <a:rPr lang="en-US" sz="2400" smtClean="0">
+                <a:latin typeface="Droid Sans Mono Chess ASCII" panose="020B0609030804020204" pitchFamily="50" charset="0"/>
+                <a:ea typeface="Droid Sans Mono Chess ASCII" panose="020B0609030804020204" pitchFamily="50" charset="0"/>
+                <a:cs typeface="Droid Sans Mono Chess ASCII" panose="020B0609030804020204" pitchFamily="50" charset="0"/>
+              </a:rPr>
               <a:t>rest</a:t>
             </a:r>
-            <a:endParaRPr lang="en-US" sz="2000">
+            <a:endParaRPr lang="en-US" sz="2400">
               <a:latin typeface="Droid Sans Mono Chess ASCII" panose="020B0609030804020204" pitchFamily="50" charset="0"/>
               <a:ea typeface="Droid Sans Mono Chess ASCII" panose="020B0609030804020204" pitchFamily="50" charset="0"/>
               <a:cs typeface="Droid Sans Mono Chess ASCII" panose="020B0609030804020204" pitchFamily="50" charset="0"/>
@@ -9548,7 +9564,7 @@
           </a:p>
           <a:p>
             <a:r>
-              <a:rPr lang="en-US" sz="2000">
+              <a:rPr lang="en-US" sz="2400">
                 <a:latin typeface="Droid Sans Mono Chess ASCII" panose="020B0609030804020204" pitchFamily="50" charset="0"/>
                 <a:ea typeface="Droid Sans Mono Chess ASCII" panose="020B0609030804020204" pitchFamily="50" charset="0"/>
                 <a:cs typeface="Droid Sans Mono Chess ASCII" panose="020B0609030804020204" pitchFamily="50" charset="0"/>
@@ -9558,7 +9574,7 @@
           </a:p>
           <a:p>
             <a:r>
-              <a:rPr lang="en-US" sz="2000">
+              <a:rPr lang="en-US" sz="2400">
                 <a:latin typeface="Droid Sans Mono Chess ASCII" panose="020B0609030804020204" pitchFamily="50" charset="0"/>
                 <a:ea typeface="Droid Sans Mono Chess ASCII" panose="020B0609030804020204" pitchFamily="50" charset="0"/>
                 <a:cs typeface="Droid Sans Mono Chess ASCII" panose="020B0609030804020204" pitchFamily="50" charset="0"/>
@@ -9566,7 +9582,7 @@
               <a:t>	</a:t>
             </a:r>
             <a:r>
-              <a:rPr lang="en-US" sz="2000" smtClean="0">
+              <a:rPr lang="en-US" sz="2400" smtClean="0">
                 <a:latin typeface="Droid Sans Mono Chess ASCII" panose="020B0609030804020204" pitchFamily="50" charset="0"/>
                 <a:ea typeface="Droid Sans Mono Chess ASCII" panose="020B0609030804020204" pitchFamily="50" charset="0"/>
                 <a:cs typeface="Droid Sans Mono Chess ASCII" panose="020B0609030804020204" pitchFamily="50" charset="0"/>
@@ -9574,7 +9590,7 @@
               <a:t>process2 </a:t>
             </a:r>
             <a:r>
-              <a:rPr lang="en-US" sz="2000">
+              <a:rPr lang="en-US" sz="2400">
                 <a:latin typeface="Droid Sans Mono Chess ASCII" panose="020B0609030804020204" pitchFamily="50" charset="0"/>
                 <a:ea typeface="Droid Sans Mono Chess ASCII" panose="020B0609030804020204" pitchFamily="50" charset="0"/>
                 <a:cs typeface="Droid Sans Mono Chess ASCII" panose="020B0609030804020204" pitchFamily="50" charset="0"/>
@@ -9582,7 +9598,7 @@
               <a:t>smaller </a:t>
             </a:r>
             <a:r>
-              <a:rPr lang="en-US" sz="2000" smtClean="0">
+              <a:rPr lang="en-US" sz="2400" smtClean="0">
                 <a:latin typeface="Droid Sans Mono Chess ASCII" panose="020B0609030804020204" pitchFamily="50" charset="0"/>
                 <a:ea typeface="Droid Sans Mono Chess ASCII" panose="020B0609030804020204" pitchFamily="50" charset="0"/>
                 <a:cs typeface="Droid Sans Mono Chess ASCII" panose="020B0609030804020204" pitchFamily="50" charset="0"/>
@@ -9590,7 +9606,7 @@
               <a:t>  ++   [</a:t>
             </a:r>
             <a:r>
-              <a:rPr lang="en-US" sz="2000">
+              <a:rPr lang="en-US" sz="2400">
                 <a:latin typeface="Droid Sans Mono Chess ASCII" panose="020B0609030804020204" pitchFamily="50" charset="0"/>
                 <a:ea typeface="Droid Sans Mono Chess ASCII" panose="020B0609030804020204" pitchFamily="50" charset="0"/>
                 <a:cs typeface="Droid Sans Mono Chess ASCII" panose="020B0609030804020204" pitchFamily="50" charset="0"/>
@@ -9598,7 +9614,7 @@
               <a:t>first] </a:t>
             </a:r>
             <a:r>
-              <a:rPr lang="en-US" sz="2000" smtClean="0">
+              <a:rPr lang="en-US" sz="2400" smtClean="0">
                 <a:latin typeface="Droid Sans Mono Chess ASCII" panose="020B0609030804020204" pitchFamily="50" charset="0"/>
                 <a:ea typeface="Droid Sans Mono Chess ASCII" panose="020B0609030804020204" pitchFamily="50" charset="0"/>
                 <a:cs typeface="Droid Sans Mono Chess ASCII" panose="020B0609030804020204" pitchFamily="50" charset="0"/>
@@ -9606,14 +9622,14 @@
               <a:t>  ++   process2 </a:t>
             </a:r>
             <a:r>
-              <a:rPr lang="en-US" sz="2000">
+              <a:rPr lang="en-US" sz="2400">
                 <a:latin typeface="Droid Sans Mono Chess ASCII" panose="020B0609030804020204" pitchFamily="50" charset="0"/>
                 <a:ea typeface="Droid Sans Mono Chess ASCII" panose="020B0609030804020204" pitchFamily="50" charset="0"/>
                 <a:cs typeface="Droid Sans Mono Chess ASCII" panose="020B0609030804020204" pitchFamily="50" charset="0"/>
               </a:rPr>
               <a:t>bigger</a:t>
             </a:r>
-            <a:endParaRPr lang="de-DE" sz="2000">
+            <a:endParaRPr lang="de-DE" sz="2400">
               <a:latin typeface="Droid Sans Mono Chess ASCII" panose="020B0609030804020204" pitchFamily="50" charset="0"/>
               <a:ea typeface="Droid Sans Mono Chess ASCII" panose="020B0609030804020204" pitchFamily="50" charset="0"/>
               <a:cs typeface="Droid Sans Mono Chess ASCII" panose="020B0609030804020204" pitchFamily="50" charset="0"/>
@@ -10450,7 +10466,7 @@
         <p:spPr bwMode="auto">
           <a:xfrm>
             <a:off x="487363" y="1373188"/>
-            <a:ext cx="5588000" cy="6680200"/>
+            <a:ext cx="5588000" cy="1870755"/>
           </a:xfrm>
           <a:prstGeom prst="rect">
             <a:avLst/>
@@ -10480,7 +10496,7 @@
               <a:defRPr/>
             </a:pPr>
             <a:r>
-              <a:rPr lang="en-US" sz="2600" smtClean="0">
+              <a:rPr lang="en-US" sz="3600" smtClean="0">
                 <a:solidFill>
                   <a:srgbClr val="262626"/>
                 </a:solidFill>
@@ -10505,7 +10521,7 @@
               <a:defRPr/>
             </a:pPr>
             <a:r>
-              <a:rPr lang="en-US" sz="2600" smtClean="0">
+              <a:rPr lang="en-US" sz="3600" smtClean="0">
                 <a:solidFill>
                   <a:srgbClr val="262626"/>
                 </a:solidFill>
@@ -10515,7 +10531,7 @@
               </a:rPr>
               <a:t>Curry-Howard-Isomorphism</a:t>
             </a:r>
-            <a:endParaRPr lang="en-US" sz="2600">
+            <a:endParaRPr lang="en-US" sz="3600">
               <a:solidFill>
                 <a:srgbClr val="262626"/>
               </a:solidFill>
@@ -10534,7 +10550,7 @@
               </a:spcBef>
               <a:defRPr/>
             </a:pPr>
-            <a:endParaRPr lang="en-US" sz="2600">
+            <a:endParaRPr lang="en-US" sz="3600">
               <a:solidFill>
                 <a:srgbClr val="262626"/>
               </a:solidFill>

--- a/ppt/Chess200.pptx
+++ b/ppt/Chess200.pptx
@@ -5,10 +5,10 @@
     <p:sldMasterId id="2147483648" r:id="rId1"/>
   </p:sldMasterIdLst>
   <p:notesMasterIdLst>
-    <p:notesMasterId r:id="rId20"/>
+    <p:notesMasterId r:id="rId21"/>
   </p:notesMasterIdLst>
   <p:handoutMasterIdLst>
-    <p:handoutMasterId r:id="rId21"/>
+    <p:handoutMasterId r:id="rId22"/>
   </p:handoutMasterIdLst>
   <p:sldIdLst>
     <p:sldId id="261" r:id="rId2"/>
@@ -27,35 +27,43 @@
     <p:sldId id="296" r:id="rId15"/>
     <p:sldId id="292" r:id="rId16"/>
     <p:sldId id="293" r:id="rId17"/>
-    <p:sldId id="288" r:id="rId18"/>
-    <p:sldId id="269" r:id="rId19"/>
+    <p:sldId id="297" r:id="rId18"/>
+    <p:sldId id="288" r:id="rId19"/>
+    <p:sldId id="269" r:id="rId20"/>
   </p:sldIdLst>
   <p:sldSz cx="13004800" cy="9753600"/>
   <p:notesSz cx="7010400" cy="9296400"/>
   <p:embeddedFontLst>
     <p:embeddedFont>
+      <p:font typeface="Droid Sans Mono Chess ASCII" panose="020B0604020202020204" charset="0"/>
+      <p:regular r:id="rId23"/>
+    </p:embeddedFont>
+    <p:embeddedFont>
       <p:font typeface="Arial Black" panose="020B0A04020102020204" pitchFamily="34" charset="0"/>
-      <p:bold r:id="rId22"/>
+      <p:bold r:id="rId24"/>
+    </p:embeddedFont>
+    <p:embeddedFont>
+      <p:font typeface="Agency FB" panose="020B0503020202020204" pitchFamily="34" charset="0"/>
+      <p:regular r:id="rId25"/>
+      <p:bold r:id="rId26"/>
     </p:embeddedFont>
     <p:embeddedFont>
       <p:font typeface="Calibri" panose="020F0502020204030204" pitchFamily="34" charset="0"/>
-      <p:regular r:id="rId23"/>
-      <p:bold r:id="rId24"/>
-      <p:italic r:id="rId25"/>
-      <p:boldItalic r:id="rId26"/>
+      <p:regular r:id="rId27"/>
+      <p:bold r:id="rId28"/>
+      <p:italic r:id="rId29"/>
+      <p:boldItalic r:id="rId30"/>
     </p:embeddedFont>
     <p:embeddedFont>
       <p:font typeface="Wingdings 3" panose="05040102010807070707" pitchFamily="18" charset="2"/>
-      <p:regular r:id="rId27"/>
+      <p:regular r:id="rId31"/>
     </p:embeddedFont>
     <p:embeddedFont>
-      <p:font typeface="Droid Sans Mono Chess ASCII" panose="020B0609030804020204" pitchFamily="50" charset="0"/>
-      <p:regular r:id="rId28"/>
-    </p:embeddedFont>
-    <p:embeddedFont>
-      <p:font typeface="Agency FB" panose="020B0604020202020204" charset="0"/>
-      <p:regular r:id="rId29"/>
-      <p:bold r:id="rId30"/>
+      <p:font typeface="Arial Narrow" panose="020B0606020202030204" pitchFamily="34" charset="0"/>
+      <p:regular r:id="rId32"/>
+      <p:bold r:id="rId33"/>
+      <p:italic r:id="rId34"/>
+      <p:boldItalic r:id="rId35"/>
     </p:embeddedFont>
   </p:embeddedFontLst>
   <p:defaultTextStyle>
@@ -277,7 +285,7 @@
               <a:pPr>
                 <a:defRPr/>
               </a:pPr>
-              <a:t>10/11/2017</a:t>
+              <a:t>10/12/2017</a:t>
             </a:fld>
             <a:endParaRPr lang="en-US"/>
           </a:p>
@@ -4303,6 +4311,13 @@
   <p:clrMapOvr>
     <a:masterClrMapping/>
   </p:clrMapOvr>
+  <p:timing>
+    <p:tnLst>
+      <p:par>
+        <p:cTn id="1" dur="indefinite" restart="never" nodeType="tmRoot"/>
+      </p:par>
+    </p:tnLst>
+  </p:timing>
 </p:sld>
 </file>
 
@@ -4399,7 +4414,7 @@
               <a:defRPr/>
             </a:pPr>
             <a:r>
-              <a:rPr lang="en-US" sz="2600" smtClean="0">
+              <a:rPr lang="en-US" sz="3200" smtClean="0">
                 <a:solidFill>
                   <a:srgbClr val="262626"/>
                 </a:solidFill>
@@ -4421,7 +4436,7 @@
               <a:buSzPct val="120000"/>
               <a:defRPr/>
             </a:pPr>
-            <a:endParaRPr lang="en-US" sz="2600">
+            <a:endParaRPr lang="en-US" sz="3200">
               <a:solidFill>
                 <a:srgbClr val="262626"/>
               </a:solidFill>
@@ -4442,7 +4457,7 @@
               <a:defRPr/>
             </a:pPr>
             <a:r>
-              <a:rPr lang="en-US" sz="2600" i="1" smtClean="0">
+              <a:rPr lang="en-US" sz="3200" i="1" smtClean="0">
                 <a:solidFill>
                   <a:srgbClr val="262626"/>
                 </a:solidFill>
@@ -4465,7 +4480,7 @@
               <a:defRPr/>
             </a:pPr>
             <a:r>
-              <a:rPr lang="en-US" sz="2600" i="1" smtClean="0">
+              <a:rPr lang="en-US" sz="3200" i="1" smtClean="0">
                 <a:solidFill>
                   <a:srgbClr val="262626"/>
                 </a:solidFill>
@@ -4487,7 +4502,7 @@
               <a:buSzPct val="120000"/>
               <a:defRPr/>
             </a:pPr>
-            <a:endParaRPr lang="en-US" sz="2600">
+            <a:endParaRPr lang="en-US" sz="3200">
               <a:solidFill>
                 <a:srgbClr val="262626"/>
               </a:solidFill>
@@ -4507,7 +4522,7 @@
               <a:buSzPct val="120000"/>
               <a:defRPr/>
             </a:pPr>
-            <a:endParaRPr lang="en-US" sz="2600" smtClean="0">
+            <a:endParaRPr lang="en-US" sz="3200" smtClean="0">
               <a:solidFill>
                 <a:srgbClr val="262626"/>
               </a:solidFill>
@@ -4527,7 +4542,7 @@
               <a:buSzPct val="120000"/>
               <a:defRPr/>
             </a:pPr>
-            <a:endParaRPr lang="en-US" sz="2600" smtClean="0">
+            <a:endParaRPr lang="en-US" sz="3200" smtClean="0">
               <a:solidFill>
                 <a:srgbClr val="262626"/>
               </a:solidFill>
@@ -4547,7 +4562,7 @@
               <a:buSzPct val="120000"/>
               <a:defRPr/>
             </a:pPr>
-            <a:endParaRPr lang="en-US" sz="2600">
+            <a:endParaRPr lang="en-US" sz="3200">
               <a:solidFill>
                 <a:srgbClr val="262626"/>
               </a:solidFill>
@@ -4567,7 +4582,7 @@
               <a:buSzPct val="120000"/>
               <a:defRPr/>
             </a:pPr>
-            <a:endParaRPr lang="en-US" sz="2600">
+            <a:endParaRPr lang="en-US" sz="3200">
               <a:solidFill>
                 <a:srgbClr val="262626"/>
               </a:solidFill>
@@ -4586,7 +4601,7 @@
               </a:spcBef>
               <a:defRPr/>
             </a:pPr>
-            <a:endParaRPr lang="en-US" sz="2600">
+            <a:endParaRPr lang="en-US" sz="3200">
               <a:solidFill>
                 <a:srgbClr val="262626"/>
               </a:solidFill>
@@ -4606,7 +4621,7 @@
         <p:spPr>
           <a:xfrm>
             <a:off x="404057" y="5384199"/>
-            <a:ext cx="8802410" cy="1015663"/>
+            <a:ext cx="12213600" cy="1384995"/>
           </a:xfrm>
           <a:prstGeom prst="rect">
             <a:avLst/>
@@ -4620,7 +4635,7 @@
           <a:lstStyle/>
           <a:p>
             <a:r>
-              <a:rPr lang="en-US" sz="2000">
+              <a:rPr lang="en-US" sz="2800">
                 <a:latin typeface="Droid Sans Mono Chess ASCII" panose="020B0609030804020204" pitchFamily="50" charset="0"/>
                 <a:ea typeface="Droid Sans Mono Chess ASCII" panose="020B0609030804020204" pitchFamily="50" charset="0"/>
                 <a:cs typeface="Droid Sans Mono Chess ASCII" panose="020B0609030804020204" pitchFamily="50" charset="0"/>
@@ -4628,7 +4643,7 @@
               <a:t>let x </a:t>
             </a:r>
             <a:r>
-              <a:rPr lang="en-US" sz="2000" smtClean="0">
+              <a:rPr lang="en-US" sz="2800" smtClean="0">
                 <a:latin typeface="Droid Sans Mono Chess ASCII" panose="020B0609030804020204" pitchFamily="50" charset="0"/>
                 <a:ea typeface="Droid Sans Mono Chess ASCII" panose="020B0609030804020204" pitchFamily="50" charset="0"/>
                 <a:cs typeface="Droid Sans Mono Chess ASCII" panose="020B0609030804020204" pitchFamily="50" charset="0"/>
@@ -4636,7 +4651,7 @@
               <a:t>`notDivableBy</a:t>
             </a:r>
             <a:r>
-              <a:rPr lang="en-US" sz="2000">
+              <a:rPr lang="en-US" sz="2800">
                 <a:latin typeface="Droid Sans Mono Chess ASCII" panose="020B0609030804020204" pitchFamily="50" charset="0"/>
                 <a:ea typeface="Droid Sans Mono Chess ASCII" panose="020B0609030804020204" pitchFamily="50" charset="0"/>
                 <a:cs typeface="Droid Sans Mono Chess ASCII" panose="020B0609030804020204" pitchFamily="50" charset="0"/>
@@ -4644,7 +4659,7 @@
               <a:t>` d </a:t>
             </a:r>
             <a:r>
-              <a:rPr lang="en-US" sz="2000" smtClean="0">
+              <a:rPr lang="en-US" sz="2800" smtClean="0">
                 <a:latin typeface="Droid Sans Mono Chess ASCII" panose="020B0609030804020204" pitchFamily="50" charset="0"/>
                 <a:ea typeface="Droid Sans Mono Chess ASCII" panose="020B0609030804020204" pitchFamily="50" charset="0"/>
                 <a:cs typeface="Droid Sans Mono Chess ASCII" panose="020B0609030804020204" pitchFamily="50" charset="0"/>
@@ -4652,7 +4667,7 @@
               <a:t> =  mod </a:t>
             </a:r>
             <a:r>
-              <a:rPr lang="en-US" sz="2000">
+              <a:rPr lang="en-US" sz="2800">
                 <a:latin typeface="Droid Sans Mono Chess ASCII" panose="020B0609030804020204" pitchFamily="50" charset="0"/>
                 <a:ea typeface="Droid Sans Mono Chess ASCII" panose="020B0609030804020204" pitchFamily="50" charset="0"/>
                 <a:cs typeface="Droid Sans Mono Chess ASCII" panose="020B0609030804020204" pitchFamily="50" charset="0"/>
@@ -4660,7 +4675,7 @@
               <a:t>x d </a:t>
             </a:r>
             <a:r>
-              <a:rPr lang="en-US" sz="2000" smtClean="0">
+              <a:rPr lang="en-US" sz="2800" smtClean="0">
                 <a:latin typeface="Droid Sans Mono Chess ASCII" panose="020B0609030804020204" pitchFamily="50" charset="0"/>
                 <a:ea typeface="Droid Sans Mono Chess ASCII" panose="020B0609030804020204" pitchFamily="50" charset="0"/>
                 <a:cs typeface="Droid Sans Mono Chess ASCII" panose="020B0609030804020204" pitchFamily="50" charset="0"/>
@@ -4670,7 +4685,7 @@
           </a:p>
           <a:p>
             <a:r>
-              <a:rPr lang="en-US" sz="2000" smtClean="0">
+              <a:rPr lang="en-US" sz="2800" smtClean="0">
                 <a:latin typeface="Droid Sans Mono Chess ASCII" panose="020B0609030804020204" pitchFamily="50" charset="0"/>
                 <a:ea typeface="Droid Sans Mono Chess ASCII" panose="020B0609030804020204" pitchFamily="50" charset="0"/>
                 <a:cs typeface="Droid Sans Mono Chess ASCII" panose="020B0609030804020204" pitchFamily="50" charset="0"/>
@@ -4680,7 +4695,7 @@
           </a:p>
           <a:p>
             <a:r>
-              <a:rPr lang="en-US" sz="2000" smtClean="0">
+              <a:rPr lang="en-US" sz="2800" smtClean="0">
                 <a:latin typeface="Droid Sans Mono Chess ASCII" panose="020B0609030804020204" pitchFamily="50" charset="0"/>
                 <a:ea typeface="Droid Sans Mono Chess ASCII" panose="020B0609030804020204" pitchFamily="50" charset="0"/>
                 <a:cs typeface="Droid Sans Mono Chess ASCII" panose="020B0609030804020204" pitchFamily="50" charset="0"/>
@@ -4688,7 +4703,7 @@
               <a:t>[ </a:t>
             </a:r>
             <a:r>
-              <a:rPr lang="en-US" sz="2000">
+              <a:rPr lang="en-US" sz="2800">
                 <a:latin typeface="Droid Sans Mono Chess ASCII" panose="020B0609030804020204" pitchFamily="50" charset="0"/>
                 <a:ea typeface="Droid Sans Mono Chess ASCII" panose="020B0609030804020204" pitchFamily="50" charset="0"/>
                 <a:cs typeface="Droid Sans Mono Chess ASCII" panose="020B0609030804020204" pitchFamily="50" charset="0"/>
@@ -4696,7 +4711,7 @@
               <a:t>x | </a:t>
             </a:r>
             <a:r>
-              <a:rPr lang="en-US" sz="2000" smtClean="0">
+              <a:rPr lang="en-US" sz="2800" smtClean="0">
                 <a:latin typeface="Droid Sans Mono Chess ASCII" panose="020B0609030804020204" pitchFamily="50" charset="0"/>
                 <a:ea typeface="Droid Sans Mono Chess ASCII" panose="020B0609030804020204" pitchFamily="50" charset="0"/>
                 <a:cs typeface="Droid Sans Mono Chess ASCII" panose="020B0609030804020204" pitchFamily="50" charset="0"/>
@@ -4704,7 +4719,7 @@
               <a:t>x &lt;- [</a:t>
             </a:r>
             <a:r>
-              <a:rPr lang="en-US" sz="2000">
+              <a:rPr lang="en-US" sz="2800">
                 <a:latin typeface="Droid Sans Mono Chess ASCII" panose="020B0609030804020204" pitchFamily="50" charset="0"/>
                 <a:ea typeface="Droid Sans Mono Chess ASCII" panose="020B0609030804020204" pitchFamily="50" charset="0"/>
                 <a:cs typeface="Droid Sans Mono Chess ASCII" panose="020B0609030804020204" pitchFamily="50" charset="0"/>
@@ -4712,7 +4727,7 @@
               <a:t>2..100], </a:t>
             </a:r>
             <a:r>
-              <a:rPr lang="en-US" sz="2000" smtClean="0">
+              <a:rPr lang="en-US" sz="2800" smtClean="0">
                 <a:latin typeface="Droid Sans Mono Chess ASCII" panose="020B0609030804020204" pitchFamily="50" charset="0"/>
                 <a:ea typeface="Droid Sans Mono Chess ASCII" panose="020B0609030804020204" pitchFamily="50" charset="0"/>
                 <a:cs typeface="Droid Sans Mono Chess ASCII" panose="020B0609030804020204" pitchFamily="50" charset="0"/>
@@ -4720,14 +4735,14 @@
               <a:t>all (x `notDivableBy`) </a:t>
             </a:r>
             <a:r>
-              <a:rPr lang="en-US" sz="2000">
+              <a:rPr lang="en-US" sz="2800">
                 <a:latin typeface="Droid Sans Mono Chess ASCII" panose="020B0609030804020204" pitchFamily="50" charset="0"/>
                 <a:ea typeface="Droid Sans Mono Chess ASCII" panose="020B0609030804020204" pitchFamily="50" charset="0"/>
                 <a:cs typeface="Droid Sans Mono Chess ASCII" panose="020B0609030804020204" pitchFamily="50" charset="0"/>
               </a:rPr>
               <a:t>[2..(x-1)] ]</a:t>
             </a:r>
-            <a:endParaRPr lang="de-DE" sz="2000">
+            <a:endParaRPr lang="de-DE" sz="2800">
               <a:latin typeface="Droid Sans Mono Chess ASCII" panose="020B0609030804020204" pitchFamily="50" charset="0"/>
               <a:ea typeface="Droid Sans Mono Chess ASCII" panose="020B0609030804020204" pitchFamily="50" charset="0"/>
               <a:cs typeface="Droid Sans Mono Chess ASCII" panose="020B0609030804020204" pitchFamily="50" charset="0"/>
@@ -4745,6 +4760,13 @@
   <p:clrMapOvr>
     <a:masterClrMapping/>
   </p:clrMapOvr>
+  <p:timing>
+    <p:tnLst>
+      <p:par>
+        <p:cTn id="1" dur="indefinite" restart="never" nodeType="tmRoot"/>
+      </p:par>
+    </p:tnLst>
+  </p:timing>
 </p:sld>
 </file>
 
@@ -4797,13 +4819,8 @@
           <a:p>
             <a:r>
               <a:rPr lang="en-US" smtClean="0"/>
-              <a:t>Lazy </a:t>
-            </a:r>
-            <a:r>
-              <a:rPr lang="en-US" smtClean="0"/>
-              <a:t>Evaluation</a:t>
-            </a:r>
-            <a:endParaRPr lang="en-US" smtClean="0"/>
+              <a:t>Lazy Evaluation</a:t>
+            </a:r>
           </a:p>
         </p:txBody>
       </p:sp>
@@ -4854,27 +4871,8 @@
                 <a:ea typeface="Gill Sans" charset="0"/>
                 <a:cs typeface="Gill Sans" charset="0"/>
               </a:rPr>
-              <a:t>Evaluate only </a:t>
-            </a:r>
-            <a:r>
-              <a:rPr lang="en-US" sz="2600" smtClean="0">
-                <a:solidFill>
-                  <a:srgbClr val="262626"/>
-                </a:solidFill>
-                <a:latin typeface="+mn-lt"/>
-                <a:ea typeface="Gill Sans" charset="0"/>
-                <a:cs typeface="Gill Sans" charset="0"/>
-              </a:rPr>
-              <a:t>if needed!</a:t>
-            </a:r>
-            <a:endParaRPr lang="en-US" sz="2600" smtClean="0">
-              <a:solidFill>
-                <a:srgbClr val="262626"/>
-              </a:solidFill>
-              <a:latin typeface="+mn-lt"/>
-              <a:ea typeface="Gill Sans" charset="0"/>
-              <a:cs typeface="Gill Sans" charset="0"/>
-            </a:endParaRPr>
+              <a:t>Evaluate only if needed!</a:t>
+            </a:r>
           </a:p>
           <a:p>
             <a:pPr>
@@ -5101,6 +5099,13 @@
   <p:clrMapOvr>
     <a:masterClrMapping/>
   </p:clrMapOvr>
+  <p:timing>
+    <p:tnLst>
+      <p:par>
+        <p:cTn id="1" dur="indefinite" restart="never" nodeType="tmRoot"/>
+      </p:par>
+    </p:tnLst>
+  </p:timing>
 </p:sld>
 </file>
 
@@ -5196,7 +5201,6 @@
               <a:rPr lang="en-US" sz="5400" smtClean="0"/>
               <a:t>Sir Tony Hoare’s billion-dollar mistake</a:t>
             </a:r>
-            <a:endParaRPr lang="en-US" sz="5400" smtClean="0"/>
           </a:p>
         </p:txBody>
       </p:sp>
@@ -5244,11 +5248,7 @@
             </a:r>
             <a:r>
               <a:rPr lang="en-US" sz="2800" i="1"/>
-              <a:t>call it my </a:t>
-            </a:r>
-            <a:r>
-              <a:rPr lang="en-US" sz="2800" i="1"/>
-              <a:t>billion-dollar </a:t>
+              <a:t>call it my billion-dollar </a:t>
             </a:r>
             <a:r>
               <a:rPr lang="en-US" sz="2800" i="1" smtClean="0"/>
@@ -5263,11 +5263,7 @@
             </a:r>
             <a:r>
               <a:rPr lang="en-US" sz="2800" i="1"/>
-              <a:t>was the invention of the null reference in </a:t>
-            </a:r>
-            <a:r>
-              <a:rPr lang="en-US" sz="2800" i="1"/>
-              <a:t>1965</a:t>
+              <a:t>was the invention of the null reference in 1965</a:t>
             </a:r>
             <a:r>
               <a:rPr lang="en-US" sz="2800" i="1" smtClean="0"/>
@@ -5335,6 +5331,13 @@
   <p:clrMapOvr>
     <a:masterClrMapping/>
   </p:clrMapOvr>
+  <p:timing>
+    <p:tnLst>
+      <p:par>
+        <p:cTn id="1" dur="indefinite" restart="never" nodeType="tmRoot"/>
+      </p:par>
+    </p:tnLst>
+  </p:timing>
 </p:sld>
 </file>
 
@@ -5389,7 +5392,6 @@
               <a:rPr lang="en-US" smtClean="0"/>
               <a:t>No Null Pointer, No Cry</a:t>
             </a:r>
-            <a:endParaRPr lang="en-US" smtClean="0"/>
           </a:p>
         </p:txBody>
       </p:sp>
@@ -5494,6 +5496,13 @@
   <p:clrMapOvr>
     <a:masterClrMapping/>
   </p:clrMapOvr>
+  <p:timing>
+    <p:tnLst>
+      <p:par>
+        <p:cTn id="1" dur="indefinite" restart="never" nodeType="tmRoot"/>
+      </p:par>
+    </p:tnLst>
+  </p:timing>
 </p:sld>
 </file>
 
@@ -6208,6 +6217,13 @@
   <p:clrMapOvr>
     <a:masterClrMapping/>
   </p:clrMapOvr>
+  <p:timing>
+    <p:tnLst>
+      <p:par>
+        <p:cTn id="1" dur="indefinite" restart="never" nodeType="tmRoot"/>
+      </p:par>
+    </p:tnLst>
+  </p:timing>
 </p:sld>
 </file>
 
@@ -6260,8 +6276,9 @@
           <a:p>
             <a:r>
               <a:rPr lang="en-US" smtClean="0"/>
-              <a:t>Coverage Comparison for TI</a:t>
-            </a:r>
+              <a:t>DSL for XML</a:t>
+            </a:r>
+            <a:endParaRPr lang="en-US" smtClean="0"/>
           </a:p>
         </p:txBody>
       </p:sp>
@@ -6304,6 +6321,628 @@
           </a:p>
         </p:txBody>
       </p:sp>
+      <p:sp>
+        <p:nvSpPr>
+          <p:cNvPr id="4" name="Textfeld 3"/>
+          <p:cNvSpPr txBox="1"/>
+          <p:nvPr/>
+        </p:nvSpPr>
+        <p:spPr>
+          <a:xfrm>
+            <a:off x="404057" y="4598588"/>
+            <a:ext cx="12341840" cy="4401205"/>
+          </a:xfrm>
+          <a:prstGeom prst="rect">
+            <a:avLst/>
+          </a:prstGeom>
+          <a:noFill/>
+        </p:spPr>
+        <p:txBody>
+          <a:bodyPr wrap="none" rtlCol="0">
+            <a:spAutoFit/>
+          </a:bodyPr>
+          <a:lstStyle/>
+          <a:p>
+            <a:r>
+              <a:rPr lang="en-US" sz="2000">
+                <a:latin typeface="Droid Sans Mono Chess ASCII" panose="020B0609030804020204" pitchFamily="50" charset="0"/>
+                <a:ea typeface="Droid Sans Mono Chess ASCII" panose="020B0609030804020204" pitchFamily="50" charset="0"/>
+                <a:cs typeface="Droid Sans Mono Chess ASCII" panose="020B0609030804020204" pitchFamily="50" charset="0"/>
+              </a:rPr>
+              <a:t>diff file1 file2 = do</a:t>
+            </a:r>
+          </a:p>
+          <a:p>
+            <a:r>
+              <a:rPr lang="en-US" sz="2000">
+                <a:latin typeface="Droid Sans Mono Chess ASCII" panose="020B0609030804020204" pitchFamily="50" charset="0"/>
+                <a:ea typeface="Droid Sans Mono Chess ASCII" panose="020B0609030804020204" pitchFamily="50" charset="0"/>
+                <a:cs typeface="Droid Sans Mono Chess ASCII" panose="020B0609030804020204" pitchFamily="50" charset="0"/>
+              </a:rPr>
+              <a:t>	cov1 &lt;- readCov file1</a:t>
+            </a:r>
+          </a:p>
+          <a:p>
+            <a:r>
+              <a:rPr lang="en-US" sz="2000">
+                <a:latin typeface="Droid Sans Mono Chess ASCII" panose="020B0609030804020204" pitchFamily="50" charset="0"/>
+                <a:ea typeface="Droid Sans Mono Chess ASCII" panose="020B0609030804020204" pitchFamily="50" charset="0"/>
+                <a:cs typeface="Droid Sans Mono Chess ASCII" panose="020B0609030804020204" pitchFamily="50" charset="0"/>
+              </a:rPr>
+              <a:t>	writeFile (replaceExtension file1 "txt") $ unlines (sort cov1)</a:t>
+            </a:r>
+          </a:p>
+          <a:p>
+            <a:r>
+              <a:rPr lang="en-US" sz="2000">
+                <a:latin typeface="Droid Sans Mono Chess ASCII" panose="020B0609030804020204" pitchFamily="50" charset="0"/>
+                <a:ea typeface="Droid Sans Mono Chess ASCII" panose="020B0609030804020204" pitchFamily="50" charset="0"/>
+                <a:cs typeface="Droid Sans Mono Chess ASCII" panose="020B0609030804020204" pitchFamily="50" charset="0"/>
+              </a:rPr>
+              <a:t>	cov2 &lt;- readCov file2</a:t>
+            </a:r>
+          </a:p>
+          <a:p>
+            <a:r>
+              <a:rPr lang="en-US" sz="2000">
+                <a:latin typeface="Droid Sans Mono Chess ASCII" panose="020B0609030804020204" pitchFamily="50" charset="0"/>
+                <a:ea typeface="Droid Sans Mono Chess ASCII" panose="020B0609030804020204" pitchFamily="50" charset="0"/>
+                <a:cs typeface="Droid Sans Mono Chess ASCII" panose="020B0609030804020204" pitchFamily="50" charset="0"/>
+              </a:rPr>
+              <a:t>	writeFile (replaceExtension file2 "txt") $ unlines (sort cov2)</a:t>
+            </a:r>
+          </a:p>
+          <a:p>
+            <a:r>
+              <a:rPr lang="en-US" sz="2000">
+                <a:latin typeface="Droid Sans Mono Chess ASCII" panose="020B0609030804020204" pitchFamily="50" charset="0"/>
+                <a:ea typeface="Droid Sans Mono Chess ASCII" panose="020B0609030804020204" pitchFamily="50" charset="0"/>
+                <a:cs typeface="Droid Sans Mono Chess ASCII" panose="020B0609030804020204" pitchFamily="50" charset="0"/>
+              </a:rPr>
+              <a:t>	writeFile "uncovered.txt" $ unlines (sort $ cov1 \\ cov2)</a:t>
+            </a:r>
+          </a:p>
+          <a:p>
+            <a:endParaRPr lang="en-US" sz="2000">
+              <a:latin typeface="Droid Sans Mono Chess ASCII" panose="020B0609030804020204" pitchFamily="50" charset="0"/>
+              <a:ea typeface="Droid Sans Mono Chess ASCII" panose="020B0609030804020204" pitchFamily="50" charset="0"/>
+              <a:cs typeface="Droid Sans Mono Chess ASCII" panose="020B0609030804020204" pitchFamily="50" charset="0"/>
+            </a:endParaRPr>
+          </a:p>
+          <a:p>
+            <a:r>
+              <a:rPr lang="en-US" sz="2000">
+                <a:latin typeface="Droid Sans Mono Chess ASCII" panose="020B0609030804020204" pitchFamily="50" charset="0"/>
+                <a:ea typeface="Droid Sans Mono Chess ASCII" panose="020B0609030804020204" pitchFamily="50" charset="0"/>
+                <a:cs typeface="Droid Sans Mono Chess ASCII" panose="020B0609030804020204" pitchFamily="50" charset="0"/>
+              </a:rPr>
+              <a:t>readCov file = runX $ do</a:t>
+            </a:r>
+          </a:p>
+          <a:p>
+            <a:r>
+              <a:rPr lang="en-US" sz="2000">
+                <a:latin typeface="Droid Sans Mono Chess ASCII" panose="020B0609030804020204" pitchFamily="50" charset="0"/>
+                <a:ea typeface="Droid Sans Mono Chess ASCII" panose="020B0609030804020204" pitchFamily="50" charset="0"/>
+                <a:cs typeface="Droid Sans Mono Chess ASCII" panose="020B0609030804020204" pitchFamily="50" charset="0"/>
+              </a:rPr>
+              <a:t>	readDocument ([ withValidate no, withRemoveWS yes, withExpat True ]) file</a:t>
+            </a:r>
+          </a:p>
+          <a:p>
+            <a:r>
+              <a:rPr lang="en-US" sz="2000">
+                <a:latin typeface="Droid Sans Mono Chess ASCII" panose="020B0609030804020204" pitchFamily="50" charset="0"/>
+                <a:ea typeface="Droid Sans Mono Chess ASCII" panose="020B0609030804020204" pitchFamily="50" charset="0"/>
+                <a:cs typeface="Droid Sans Mono Chess ASCII" panose="020B0609030804020204" pitchFamily="50" charset="0"/>
+              </a:rPr>
+              <a:t>	&gt;&gt;&gt;</a:t>
+            </a:r>
+          </a:p>
+          <a:p>
+            <a:r>
+              <a:rPr lang="en-US" sz="2000">
+                <a:latin typeface="Droid Sans Mono Chess ASCII" panose="020B0609030804020204" pitchFamily="50" charset="0"/>
+                <a:ea typeface="Droid Sans Mono Chess ASCII" panose="020B0609030804020204" pitchFamily="50" charset="0"/>
+                <a:cs typeface="Droid Sans Mono Chess ASCII" panose="020B0609030804020204" pitchFamily="50" charset="0"/>
+              </a:rPr>
+              <a:t>	getChildren &gt;&gt;&gt; isElem &gt;&gt;&gt; hasName "BullseyeCoverage" &gt;&gt;&gt; deep extractFn</a:t>
+            </a:r>
+          </a:p>
+          <a:p>
+            <a:endParaRPr lang="en-US" sz="2000">
+              <a:latin typeface="Droid Sans Mono Chess ASCII" panose="020B0609030804020204" pitchFamily="50" charset="0"/>
+              <a:ea typeface="Droid Sans Mono Chess ASCII" panose="020B0609030804020204" pitchFamily="50" charset="0"/>
+              <a:cs typeface="Droid Sans Mono Chess ASCII" panose="020B0609030804020204" pitchFamily="50" charset="0"/>
+            </a:endParaRPr>
+          </a:p>
+          <a:p>
+            <a:r>
+              <a:rPr lang="en-US" sz="2000">
+                <a:latin typeface="Droid Sans Mono Chess ASCII" panose="020B0609030804020204" pitchFamily="50" charset="0"/>
+                <a:ea typeface="Droid Sans Mono Chess ASCII" panose="020B0609030804020204" pitchFamily="50" charset="0"/>
+                <a:cs typeface="Droid Sans Mono Chess ASCII" panose="020B0609030804020204" pitchFamily="50" charset="0"/>
+              </a:rPr>
+              <a:t>extractFn = isElem &gt;&gt;&gt; hasName "fn" &gt;&gt;&gt; hasAttr "name" &gt;&gt;&gt; hasAttr </a:t>
+            </a:r>
+            <a:r>
+              <a:rPr lang="en-US" sz="2000">
+                <a:latin typeface="Droid Sans Mono Chess ASCII" panose="020B0609030804020204" pitchFamily="50" charset="0"/>
+                <a:ea typeface="Droid Sans Mono Chess ASCII" panose="020B0609030804020204" pitchFamily="50" charset="0"/>
+                <a:cs typeface="Droid Sans Mono Chess ASCII" panose="020B0609030804020204" pitchFamily="50" charset="0"/>
+              </a:rPr>
+              <a:t>"</a:t>
+            </a:r>
+            <a:r>
+              <a:rPr lang="en-US" sz="2000" smtClean="0">
+                <a:latin typeface="Droid Sans Mono Chess ASCII" panose="020B0609030804020204" pitchFamily="50" charset="0"/>
+                <a:ea typeface="Droid Sans Mono Chess ASCII" panose="020B0609030804020204" pitchFamily="50" charset="0"/>
+                <a:cs typeface="Droid Sans Mono Chess ASCII" panose="020B0609030804020204" pitchFamily="50" charset="0"/>
+              </a:rPr>
+              <a:t>fn-cov</a:t>
+            </a:r>
+            <a:r>
+              <a:rPr lang="en-US" sz="2000">
+                <a:latin typeface="Droid Sans Mono Chess ASCII" panose="020B0609030804020204" pitchFamily="50" charset="0"/>
+                <a:ea typeface="Droid Sans Mono Chess ASCII" panose="020B0609030804020204" pitchFamily="50" charset="0"/>
+                <a:cs typeface="Droid Sans Mono Chess ASCII" panose="020B0609030804020204" pitchFamily="50" charset="0"/>
+              </a:rPr>
+              <a:t>" &gt;&gt;&gt;</a:t>
+            </a:r>
+          </a:p>
+          <a:p>
+            <a:r>
+              <a:rPr lang="en-US" sz="2000">
+                <a:latin typeface="Droid Sans Mono Chess ASCII" panose="020B0609030804020204" pitchFamily="50" charset="0"/>
+                <a:ea typeface="Droid Sans Mono Chess ASCII" panose="020B0609030804020204" pitchFamily="50" charset="0"/>
+                <a:cs typeface="Droid Sans Mono Chess ASCII" panose="020B0609030804020204" pitchFamily="50" charset="0"/>
+              </a:rPr>
+              <a:t>	hasAttrValue </a:t>
+            </a:r>
+            <a:r>
+              <a:rPr lang="en-US" sz="2000">
+                <a:latin typeface="Droid Sans Mono Chess ASCII" panose="020B0609030804020204" pitchFamily="50" charset="0"/>
+                <a:ea typeface="Droid Sans Mono Chess ASCII" panose="020B0609030804020204" pitchFamily="50" charset="0"/>
+                <a:cs typeface="Droid Sans Mono Chess ASCII" panose="020B0609030804020204" pitchFamily="50" charset="0"/>
+              </a:rPr>
+              <a:t>"</a:t>
+            </a:r>
+            <a:r>
+              <a:rPr lang="en-US" sz="2000" smtClean="0">
+                <a:latin typeface="Droid Sans Mono Chess ASCII" panose="020B0609030804020204" pitchFamily="50" charset="0"/>
+                <a:ea typeface="Droid Sans Mono Chess ASCII" panose="020B0609030804020204" pitchFamily="50" charset="0"/>
+                <a:cs typeface="Droid Sans Mono Chess ASCII" panose="020B0609030804020204" pitchFamily="50" charset="0"/>
+              </a:rPr>
+              <a:t>fn-cov</a:t>
+            </a:r>
+            <a:r>
+              <a:rPr lang="en-US" sz="2000">
+                <a:latin typeface="Droid Sans Mono Chess ASCII" panose="020B0609030804020204" pitchFamily="50" charset="0"/>
+                <a:ea typeface="Droid Sans Mono Chess ASCII" panose="020B0609030804020204" pitchFamily="50" charset="0"/>
+                <a:cs typeface="Droid Sans Mono Chess ASCII" panose="020B0609030804020204" pitchFamily="50" charset="0"/>
+              </a:rPr>
+              <a:t>" (=="1") &gt;&gt;&gt; getAttrValue "name"</a:t>
+            </a:r>
+            <a:endParaRPr lang="de-DE" sz="2000">
+              <a:latin typeface="Droid Sans Mono Chess ASCII" panose="020B0609030804020204" pitchFamily="50" charset="0"/>
+              <a:ea typeface="Droid Sans Mono Chess ASCII" panose="020B0609030804020204" pitchFamily="50" charset="0"/>
+              <a:cs typeface="Droid Sans Mono Chess ASCII" panose="020B0609030804020204" pitchFamily="50" charset="0"/>
+            </a:endParaRPr>
+          </a:p>
+        </p:txBody>
+      </p:sp>
+      <p:sp>
+        <p:nvSpPr>
+          <p:cNvPr id="3" name="Fensterinhalt vertikal verschieben 2"/>
+          <p:cNvSpPr/>
+          <p:nvPr/>
+        </p:nvSpPr>
+        <p:spPr>
+          <a:xfrm>
+            <a:off x="1395499" y="1715640"/>
+            <a:ext cx="3142447" cy="1748307"/>
+          </a:xfrm>
+          <a:prstGeom prst="verticalScroll">
+            <a:avLst/>
+          </a:prstGeom>
+          <a:solidFill>
+            <a:schemeClr val="bg1">
+              <a:lumMod val="85000"/>
+            </a:schemeClr>
+          </a:solidFill>
+          <a:ln>
+            <a:solidFill>
+              <a:schemeClr val="tx1"/>
+            </a:solidFill>
+          </a:ln>
+        </p:spPr>
+        <p:style>
+          <a:lnRef idx="2">
+            <a:schemeClr val="accent1">
+              <a:shade val="50000"/>
+            </a:schemeClr>
+          </a:lnRef>
+          <a:fillRef idx="1">
+            <a:schemeClr val="accent1"/>
+          </a:fillRef>
+          <a:effectRef idx="0">
+            <a:schemeClr val="accent1"/>
+          </a:effectRef>
+          <a:fontRef idx="minor">
+            <a:schemeClr val="lt1"/>
+          </a:fontRef>
+        </p:style>
+        <p:txBody>
+          <a:bodyPr rtlCol="0" anchor="ctr"/>
+          <a:lstStyle/>
+          <a:p>
+            <a:pPr algn="ctr"/>
+            <a:r>
+              <a:rPr lang="de-DE" smtClean="0">
+                <a:solidFill>
+                  <a:schemeClr val="tx1"/>
+                </a:solidFill>
+                <a:latin typeface="Arial Narrow" panose="020B0606020202030204" pitchFamily="34" charset="0"/>
+              </a:rPr>
+              <a:t>&lt;fn name=„f1“ fc_cov=1&gt;</a:t>
+            </a:r>
+            <a:endParaRPr lang="de-DE" smtClean="0">
+              <a:solidFill>
+                <a:schemeClr val="tx1"/>
+              </a:solidFill>
+              <a:latin typeface="Arial Narrow" panose="020B0606020202030204" pitchFamily="34" charset="0"/>
+            </a:endParaRPr>
+          </a:p>
+          <a:p>
+            <a:pPr algn="ctr"/>
+            <a:r>
+              <a:rPr lang="de-DE">
+                <a:solidFill>
+                  <a:schemeClr val="tx1"/>
+                </a:solidFill>
+                <a:latin typeface="Arial Narrow" panose="020B0606020202030204" pitchFamily="34" charset="0"/>
+              </a:rPr>
+              <a:t>&lt;fn name</a:t>
+            </a:r>
+            <a:r>
+              <a:rPr lang="de-DE">
+                <a:solidFill>
+                  <a:schemeClr val="tx1"/>
+                </a:solidFill>
+                <a:latin typeface="Arial Narrow" panose="020B0606020202030204" pitchFamily="34" charset="0"/>
+              </a:rPr>
+              <a:t>=„</a:t>
+            </a:r>
+            <a:r>
+              <a:rPr lang="de-DE" smtClean="0">
+                <a:solidFill>
+                  <a:schemeClr val="tx1"/>
+                </a:solidFill>
+                <a:latin typeface="Arial Narrow" panose="020B0606020202030204" pitchFamily="34" charset="0"/>
+              </a:rPr>
+              <a:t>f2“ </a:t>
+            </a:r>
+            <a:r>
+              <a:rPr lang="de-DE">
+                <a:solidFill>
+                  <a:schemeClr val="tx1"/>
+                </a:solidFill>
+                <a:latin typeface="Arial Narrow" panose="020B0606020202030204" pitchFamily="34" charset="0"/>
+              </a:rPr>
+              <a:t>fc_cov=1&gt;</a:t>
+            </a:r>
+          </a:p>
+          <a:p>
+            <a:pPr algn="ctr"/>
+            <a:r>
+              <a:rPr lang="de-DE">
+                <a:solidFill>
+                  <a:schemeClr val="tx1"/>
+                </a:solidFill>
+                <a:latin typeface="Arial Narrow" panose="020B0606020202030204" pitchFamily="34" charset="0"/>
+              </a:rPr>
+              <a:t>&lt;fn name</a:t>
+            </a:r>
+            <a:r>
+              <a:rPr lang="de-DE">
+                <a:solidFill>
+                  <a:schemeClr val="tx1"/>
+                </a:solidFill>
+                <a:latin typeface="Arial Narrow" panose="020B0606020202030204" pitchFamily="34" charset="0"/>
+              </a:rPr>
+              <a:t>=„</a:t>
+            </a:r>
+            <a:r>
+              <a:rPr lang="de-DE" smtClean="0">
+                <a:solidFill>
+                  <a:schemeClr val="tx1"/>
+                </a:solidFill>
+                <a:latin typeface="Arial Narrow" panose="020B0606020202030204" pitchFamily="34" charset="0"/>
+              </a:rPr>
+              <a:t>f3“ </a:t>
+            </a:r>
+            <a:r>
+              <a:rPr lang="de-DE">
+                <a:solidFill>
+                  <a:schemeClr val="tx1"/>
+                </a:solidFill>
+                <a:latin typeface="Arial Narrow" panose="020B0606020202030204" pitchFamily="34" charset="0"/>
+              </a:rPr>
+              <a:t>fc_cov=1&gt;</a:t>
+            </a:r>
+          </a:p>
+        </p:txBody>
+      </p:sp>
+      <p:sp>
+        <p:nvSpPr>
+          <p:cNvPr id="6" name="Fensterinhalt vertikal verschieben 5"/>
+          <p:cNvSpPr/>
+          <p:nvPr/>
+        </p:nvSpPr>
+        <p:spPr>
+          <a:xfrm>
+            <a:off x="6059393" y="1725921"/>
+            <a:ext cx="3153582" cy="1748307"/>
+          </a:xfrm>
+          <a:prstGeom prst="verticalScroll">
+            <a:avLst/>
+          </a:prstGeom>
+          <a:solidFill>
+            <a:schemeClr val="bg1">
+              <a:lumMod val="85000"/>
+            </a:schemeClr>
+          </a:solidFill>
+          <a:ln>
+            <a:solidFill>
+              <a:schemeClr val="tx1"/>
+            </a:solidFill>
+          </a:ln>
+        </p:spPr>
+        <p:style>
+          <a:lnRef idx="2">
+            <a:schemeClr val="accent1">
+              <a:shade val="50000"/>
+            </a:schemeClr>
+          </a:lnRef>
+          <a:fillRef idx="1">
+            <a:schemeClr val="accent1"/>
+          </a:fillRef>
+          <a:effectRef idx="0">
+            <a:schemeClr val="accent1"/>
+          </a:effectRef>
+          <a:fontRef idx="minor">
+            <a:schemeClr val="lt1"/>
+          </a:fontRef>
+        </p:style>
+        <p:txBody>
+          <a:bodyPr rtlCol="0" anchor="ctr"/>
+          <a:lstStyle/>
+          <a:p>
+            <a:pPr algn="ctr"/>
+            <a:r>
+              <a:rPr lang="de-DE">
+                <a:solidFill>
+                  <a:schemeClr val="tx1"/>
+                </a:solidFill>
+                <a:latin typeface="Arial Narrow" panose="020B0606020202030204" pitchFamily="34" charset="0"/>
+              </a:rPr>
+              <a:t>&lt;fn name=„f1“ fc_cov=1&gt;</a:t>
+            </a:r>
+          </a:p>
+          <a:p>
+            <a:pPr algn="ctr"/>
+            <a:r>
+              <a:rPr lang="de-DE">
+                <a:solidFill>
+                  <a:schemeClr val="tx1"/>
+                </a:solidFill>
+                <a:latin typeface="Arial Narrow" panose="020B0606020202030204" pitchFamily="34" charset="0"/>
+              </a:rPr>
+              <a:t>&lt;fn name=„f2</a:t>
+            </a:r>
+            <a:r>
+              <a:rPr lang="de-DE">
+                <a:solidFill>
+                  <a:schemeClr val="tx1"/>
+                </a:solidFill>
+                <a:latin typeface="Arial Narrow" panose="020B0606020202030204" pitchFamily="34" charset="0"/>
+              </a:rPr>
+              <a:t>“ </a:t>
+            </a:r>
+            <a:r>
+              <a:rPr lang="de-DE" smtClean="0">
+                <a:solidFill>
+                  <a:schemeClr val="tx1"/>
+                </a:solidFill>
+                <a:latin typeface="Arial Narrow" panose="020B0606020202030204" pitchFamily="34" charset="0"/>
+              </a:rPr>
+              <a:t>fc_cov=0&gt;</a:t>
+            </a:r>
+            <a:endParaRPr lang="de-DE">
+              <a:solidFill>
+                <a:schemeClr val="tx1"/>
+              </a:solidFill>
+              <a:latin typeface="Arial Narrow" panose="020B0606020202030204" pitchFamily="34" charset="0"/>
+            </a:endParaRPr>
+          </a:p>
+        </p:txBody>
+      </p:sp>
+      <p:sp>
+        <p:nvSpPr>
+          <p:cNvPr id="7" name="Textfeld 6"/>
+          <p:cNvSpPr txBox="1"/>
+          <p:nvPr/>
+        </p:nvSpPr>
+        <p:spPr>
+          <a:xfrm>
+            <a:off x="5140871" y="1866518"/>
+            <a:ext cx="530915" cy="1446550"/>
+          </a:xfrm>
+          <a:prstGeom prst="rect">
+            <a:avLst/>
+          </a:prstGeom>
+          <a:noFill/>
+        </p:spPr>
+        <p:txBody>
+          <a:bodyPr wrap="none" rtlCol="0">
+            <a:spAutoFit/>
+          </a:bodyPr>
+          <a:lstStyle/>
+          <a:p>
+            <a:r>
+              <a:rPr lang="de-DE" sz="8800" smtClean="0">
+                <a:latin typeface="+mn-lt"/>
+              </a:rPr>
+              <a:t>-</a:t>
+            </a:r>
+            <a:endParaRPr lang="de-DE" sz="8800" dirty="0" err="1" smtClean="0">
+              <a:latin typeface="+mn-lt"/>
+            </a:endParaRPr>
+          </a:p>
+        </p:txBody>
+      </p:sp>
+      <p:sp>
+        <p:nvSpPr>
+          <p:cNvPr id="9" name="Textfeld 8"/>
+          <p:cNvSpPr txBox="1"/>
+          <p:nvPr/>
+        </p:nvSpPr>
+        <p:spPr>
+          <a:xfrm>
+            <a:off x="9839347" y="1863680"/>
+            <a:ext cx="2034531" cy="1446550"/>
+          </a:xfrm>
+          <a:prstGeom prst="rect">
+            <a:avLst/>
+          </a:prstGeom>
+          <a:noFill/>
+        </p:spPr>
+        <p:txBody>
+          <a:bodyPr wrap="none" rtlCol="0">
+            <a:spAutoFit/>
+          </a:bodyPr>
+          <a:lstStyle/>
+          <a:p>
+            <a:r>
+              <a:rPr lang="de-DE" sz="8800" smtClean="0">
+                <a:latin typeface="+mn-lt"/>
+              </a:rPr>
+              <a:t>=   ?</a:t>
+            </a:r>
+            <a:endParaRPr lang="de-DE" sz="8800" dirty="0" err="1" smtClean="0">
+              <a:latin typeface="+mn-lt"/>
+            </a:endParaRPr>
+          </a:p>
+        </p:txBody>
+      </p:sp>
+      <p:sp>
+        <p:nvSpPr>
+          <p:cNvPr id="8" name="Textfeld 7"/>
+          <p:cNvSpPr txBox="1"/>
+          <p:nvPr/>
+        </p:nvSpPr>
+        <p:spPr>
+          <a:xfrm>
+            <a:off x="2004695" y="3500712"/>
+            <a:ext cx="1924053" cy="646331"/>
+          </a:xfrm>
+          <a:prstGeom prst="rect">
+            <a:avLst/>
+          </a:prstGeom>
+          <a:noFill/>
+        </p:spPr>
+        <p:txBody>
+          <a:bodyPr wrap="none" rtlCol="0">
+            <a:spAutoFit/>
+          </a:bodyPr>
+          <a:lstStyle/>
+          <a:p>
+            <a:r>
+              <a:rPr lang="de-DE" smtClean="0">
+                <a:latin typeface="+mn-lt"/>
+              </a:rPr>
+              <a:t>Covered Functions</a:t>
+            </a:r>
+          </a:p>
+          <a:p>
+            <a:r>
+              <a:rPr lang="de-DE" smtClean="0">
+                <a:latin typeface="+mn-lt"/>
+              </a:rPr>
+              <a:t>in </a:t>
+            </a:r>
+            <a:r>
+              <a:rPr lang="de-DE" smtClean="0">
+                <a:solidFill>
+                  <a:srgbClr val="FF0000"/>
+                </a:solidFill>
+                <a:latin typeface="+mn-lt"/>
+              </a:rPr>
+              <a:t>Production Use</a:t>
+            </a:r>
+            <a:endParaRPr lang="de-DE" dirty="0" err="1" smtClean="0">
+              <a:solidFill>
+                <a:srgbClr val="FF0000"/>
+              </a:solidFill>
+              <a:latin typeface="+mn-lt"/>
+            </a:endParaRPr>
+          </a:p>
+        </p:txBody>
+      </p:sp>
+      <p:sp>
+        <p:nvSpPr>
+          <p:cNvPr id="11" name="Textfeld 10"/>
+          <p:cNvSpPr txBox="1"/>
+          <p:nvPr/>
+        </p:nvSpPr>
+        <p:spPr>
+          <a:xfrm>
+            <a:off x="6674157" y="3460364"/>
+            <a:ext cx="2033057" cy="646331"/>
+          </a:xfrm>
+          <a:prstGeom prst="rect">
+            <a:avLst/>
+          </a:prstGeom>
+          <a:noFill/>
+        </p:spPr>
+        <p:txBody>
+          <a:bodyPr wrap="none" rtlCol="0">
+            <a:spAutoFit/>
+          </a:bodyPr>
+          <a:lstStyle/>
+          <a:p>
+            <a:r>
+              <a:rPr lang="de-DE" smtClean="0">
+                <a:latin typeface="+mn-lt"/>
+              </a:rPr>
+              <a:t>Covered Functions</a:t>
+            </a:r>
+          </a:p>
+          <a:p>
+            <a:r>
+              <a:rPr lang="de-DE" smtClean="0">
+                <a:latin typeface="+mn-lt"/>
+              </a:rPr>
+              <a:t>executing </a:t>
+            </a:r>
+            <a:r>
+              <a:rPr lang="de-DE" smtClean="0">
+                <a:solidFill>
+                  <a:srgbClr val="00B050"/>
+                </a:solidFill>
+                <a:latin typeface="+mn-lt"/>
+              </a:rPr>
+              <a:t>Test Suite</a:t>
+            </a:r>
+            <a:endParaRPr lang="de-DE" dirty="0" err="1" smtClean="0">
+              <a:solidFill>
+                <a:srgbClr val="00B050"/>
+              </a:solidFill>
+              <a:latin typeface="+mn-lt"/>
+            </a:endParaRPr>
+          </a:p>
+        </p:txBody>
+      </p:sp>
     </p:spTree>
     <p:extLst>
       <p:ext uri="{BB962C8B-B14F-4D97-AF65-F5344CB8AC3E}">
@@ -6314,10 +6953,1329 @@
   <p:clrMapOvr>
     <a:masterClrMapping/>
   </p:clrMapOvr>
+  <p:timing>
+    <p:tnLst>
+      <p:par>
+        <p:cTn id="1" dur="indefinite" restart="never" nodeType="tmRoot">
+          <p:childTnLst>
+            <p:seq concurrent="1" nextAc="seek">
+              <p:cTn id="2" dur="indefinite" nodeType="mainSeq">
+                <p:childTnLst>
+                  <p:par>
+                    <p:cTn id="3" fill="hold">
+                      <p:stCondLst>
+                        <p:cond delay="indefinite"/>
+                      </p:stCondLst>
+                      <p:childTnLst>
+                        <p:par>
+                          <p:cTn id="4" fill="hold">
+                            <p:stCondLst>
+                              <p:cond delay="0"/>
+                            </p:stCondLst>
+                            <p:childTnLst>
+                              <p:par>
+                                <p:cTn id="5" presetID="1" presetClass="entr" presetSubtype="0" fill="hold" grpId="0" nodeType="clickEffect">
+                                  <p:stCondLst>
+                                    <p:cond delay="0"/>
+                                  </p:stCondLst>
+                                  <p:childTnLst>
+                                    <p:set>
+                                      <p:cBhvr>
+                                        <p:cTn id="6" dur="1" fill="hold">
+                                          <p:stCondLst>
+                                            <p:cond delay="0"/>
+                                          </p:stCondLst>
+                                        </p:cTn>
+                                        <p:tgtEl>
+                                          <p:spTgt spid="4"/>
+                                        </p:tgtEl>
+                                        <p:attrNameLst>
+                                          <p:attrName>style.visibility</p:attrName>
+                                        </p:attrNameLst>
+                                      </p:cBhvr>
+                                      <p:to>
+                                        <p:strVal val="visible"/>
+                                      </p:to>
+                                    </p:set>
+                                  </p:childTnLst>
+                                </p:cTn>
+                              </p:par>
+                            </p:childTnLst>
+                          </p:cTn>
+                        </p:par>
+                      </p:childTnLst>
+                    </p:cTn>
+                  </p:par>
+                </p:childTnLst>
+              </p:cTn>
+              <p:prevCondLst>
+                <p:cond evt="onPrev" delay="0">
+                  <p:tgtEl>
+                    <p:sldTgt/>
+                  </p:tgtEl>
+                </p:cond>
+              </p:prevCondLst>
+              <p:nextCondLst>
+                <p:cond evt="onNext" delay="0">
+                  <p:tgtEl>
+                    <p:sldTgt/>
+                  </p:tgtEl>
+                </p:cond>
+              </p:nextCondLst>
+            </p:seq>
+          </p:childTnLst>
+        </p:cTn>
+      </p:par>
+    </p:tnLst>
+    <p:bldLst>
+      <p:bldP spid="4" grpId="0"/>
+    </p:bldLst>
+  </p:timing>
 </p:sld>
 </file>
 
 <file path=ppt/slides/slide17.xml><?xml version="1.0" encoding="utf-8"?>
+<p:sld xmlns:a="http://schemas.openxmlformats.org/drawingml/2006/main" xmlns:r="http://schemas.openxmlformats.org/officeDocument/2006/relationships" xmlns:p="http://schemas.openxmlformats.org/presentationml/2006/main">
+  <p:cSld>
+    <p:spTree>
+      <p:nvGrpSpPr>
+        <p:cNvPr id="1" name=""/>
+        <p:cNvGrpSpPr/>
+        <p:nvPr/>
+      </p:nvGrpSpPr>
+      <p:grpSpPr>
+        <a:xfrm>
+          <a:off x="0" y="0"/>
+          <a:ext cx="0" cy="0"/>
+          <a:chOff x="0" y="0"/>
+          <a:chExt cx="0" cy="0"/>
+        </a:xfrm>
+      </p:grpSpPr>
+      <p:sp>
+        <p:nvSpPr>
+          <p:cNvPr id="9218" name="Titel 1"/>
+          <p:cNvSpPr>
+            <a:spLocks noGrp="1"/>
+          </p:cNvSpPr>
+          <p:nvPr>
+            <p:ph type="title"/>
+          </p:nvPr>
+        </p:nvSpPr>
+        <p:spPr bwMode="auto">
+          <a:xfrm>
+            <a:off x="442913" y="93663"/>
+            <a:ext cx="10742612" cy="939800"/>
+          </a:xfrm>
+          <a:noFill/>
+          <a:ln>
+            <a:miter lim="800000"/>
+            <a:headEnd/>
+            <a:tailEnd/>
+          </a:ln>
+        </p:spPr>
+        <p:txBody>
+          <a:bodyPr vert="horz" wrap="square" numCol="1" anchor="t" anchorCtr="0" compatLnSpc="1">
+            <a:prstTxWarp prst="textNoShape">
+              <a:avLst/>
+            </a:prstTxWarp>
+          </a:bodyPr>
+          <a:lstStyle/>
+          <a:p>
+            <a:r>
+              <a:rPr lang="en-US" smtClean="0"/>
+              <a:t>Without DSL (Python,procedural)</a:t>
+            </a:r>
+            <a:endParaRPr lang="en-US" smtClean="0"/>
+          </a:p>
+        </p:txBody>
+      </p:sp>
+      <p:sp>
+        <p:nvSpPr>
+          <p:cNvPr id="2" name="AutoShape 2" descr="Bildergebnis für haskell brooks curry"/>
+          <p:cNvSpPr>
+            <a:spLocks noChangeAspect="1" noChangeArrowheads="1"/>
+          </p:cNvSpPr>
+          <p:nvPr/>
+        </p:nvSpPr>
+        <p:spPr bwMode="auto">
+          <a:xfrm>
+            <a:off x="155575" y="-731838"/>
+            <a:ext cx="1228725" cy="1524001"/>
+          </a:xfrm>
+          <a:prstGeom prst="rect">
+            <a:avLst/>
+          </a:prstGeom>
+          <a:noFill/>
+          <a:extLst>
+            <a:ext uri="{909E8E84-426E-40DD-AFC4-6F175D3DCCD1}">
+              <a14:hiddenFill xmlns:a14="http://schemas.microsoft.com/office/drawing/2010/main">
+                <a:solidFill>
+                  <a:srgbClr val="FFFFFF"/>
+                </a:solidFill>
+              </a14:hiddenFill>
+            </a:ext>
+          </a:extLst>
+        </p:spPr>
+        <p:txBody>
+          <a:bodyPr vert="horz" wrap="square" lIns="91440" tIns="45720" rIns="91440" bIns="45720" numCol="1" anchor="t" anchorCtr="0" compatLnSpc="1">
+            <a:prstTxWarp prst="textNoShape">
+              <a:avLst/>
+            </a:prstTxWarp>
+          </a:bodyPr>
+          <a:lstStyle/>
+          <a:p>
+            <a:endParaRPr lang="de-DE"/>
+          </a:p>
+        </p:txBody>
+      </p:sp>
+      <p:sp>
+        <p:nvSpPr>
+          <p:cNvPr id="4" name="Textfeld 3"/>
+          <p:cNvSpPr txBox="1"/>
+          <p:nvPr/>
+        </p:nvSpPr>
+        <p:spPr>
+          <a:xfrm>
+            <a:off x="404057" y="1259040"/>
+            <a:ext cx="5842197" cy="8094524"/>
+          </a:xfrm>
+          <a:prstGeom prst="rect">
+            <a:avLst/>
+          </a:prstGeom>
+          <a:noFill/>
+        </p:spPr>
+        <p:txBody>
+          <a:bodyPr wrap="square" rtlCol="0">
+            <a:spAutoFit/>
+          </a:bodyPr>
+          <a:lstStyle/>
+          <a:p>
+            <a:r>
+              <a:rPr lang="en-US" sz="1000">
+                <a:latin typeface="Courier New" panose="02070309020205020404" pitchFamily="49" charset="0"/>
+                <a:ea typeface="Droid Sans Mono Chess ASCII" panose="020B0609030804020204" pitchFamily="50" charset="0"/>
+                <a:cs typeface="Courier New" panose="02070309020205020404" pitchFamily="49" charset="0"/>
+              </a:rPr>
+              <a:t>#</a:t>
+            </a:r>
+          </a:p>
+          <a:p>
+            <a:r>
+              <a:rPr lang="en-US" sz="1000">
+                <a:latin typeface="Courier New" panose="02070309020205020404" pitchFamily="49" charset="0"/>
+                <a:ea typeface="Droid Sans Mono Chess ASCII" panose="020B0609030804020204" pitchFamily="50" charset="0"/>
+                <a:cs typeface="Courier New" panose="02070309020205020404" pitchFamily="49" charset="0"/>
+              </a:rPr>
+              <a:t>#</a:t>
+            </a:r>
+          </a:p>
+          <a:p>
+            <a:endParaRPr lang="en-US" sz="1000">
+              <a:latin typeface="Courier New" panose="02070309020205020404" pitchFamily="49" charset="0"/>
+              <a:ea typeface="Droid Sans Mono Chess ASCII" panose="020B0609030804020204" pitchFamily="50" charset="0"/>
+              <a:cs typeface="Courier New" panose="02070309020205020404" pitchFamily="49" charset="0"/>
+            </a:endParaRPr>
+          </a:p>
+          <a:p>
+            <a:r>
+              <a:rPr lang="en-US" sz="1000">
+                <a:latin typeface="Courier New" panose="02070309020205020404" pitchFamily="49" charset="0"/>
+                <a:ea typeface="Droid Sans Mono Chess ASCII" panose="020B0609030804020204" pitchFamily="50" charset="0"/>
+                <a:cs typeface="Courier New" panose="02070309020205020404" pitchFamily="49" charset="0"/>
+              </a:rPr>
+              <a:t># Argumente</a:t>
+            </a:r>
+          </a:p>
+          <a:p>
+            <a:r>
+              <a:rPr lang="en-US" sz="1000">
+                <a:latin typeface="Courier New" panose="02070309020205020404" pitchFamily="49" charset="0"/>
+                <a:ea typeface="Droid Sans Mono Chess ASCII" panose="020B0609030804020204" pitchFamily="50" charset="0"/>
+                <a:cs typeface="Courier New" panose="02070309020205020404" pitchFamily="49" charset="0"/>
+              </a:rPr>
+              <a:t>$file1 = $ARGV[0];</a:t>
+            </a:r>
+          </a:p>
+          <a:p>
+            <a:r>
+              <a:rPr lang="en-US" sz="1000">
+                <a:latin typeface="Courier New" panose="02070309020205020404" pitchFamily="49" charset="0"/>
+                <a:ea typeface="Droid Sans Mono Chess ASCII" panose="020B0609030804020204" pitchFamily="50" charset="0"/>
+                <a:cs typeface="Courier New" panose="02070309020205020404" pitchFamily="49" charset="0"/>
+              </a:rPr>
+              <a:t>$file2 = $ARGV[1];</a:t>
+            </a:r>
+          </a:p>
+          <a:p>
+            <a:endParaRPr lang="en-US" sz="1000">
+              <a:latin typeface="Courier New" panose="02070309020205020404" pitchFamily="49" charset="0"/>
+              <a:ea typeface="Droid Sans Mono Chess ASCII" panose="020B0609030804020204" pitchFamily="50" charset="0"/>
+              <a:cs typeface="Courier New" panose="02070309020205020404" pitchFamily="49" charset="0"/>
+            </a:endParaRPr>
+          </a:p>
+          <a:p>
+            <a:r>
+              <a:rPr lang="en-US" sz="1000">
+                <a:latin typeface="Courier New" panose="02070309020205020404" pitchFamily="49" charset="0"/>
+                <a:ea typeface="Droid Sans Mono Chess ASCII" panose="020B0609030804020204" pitchFamily="50" charset="0"/>
+                <a:cs typeface="Courier New" panose="02070309020205020404" pitchFamily="49" charset="0"/>
+              </a:rPr>
+              <a:t>$diffopt = $ARGV[2];</a:t>
+            </a:r>
+          </a:p>
+          <a:p>
+            <a:endParaRPr lang="en-US" sz="1000">
+              <a:latin typeface="Courier New" panose="02070309020205020404" pitchFamily="49" charset="0"/>
+              <a:ea typeface="Droid Sans Mono Chess ASCII" panose="020B0609030804020204" pitchFamily="50" charset="0"/>
+              <a:cs typeface="Courier New" panose="02070309020205020404" pitchFamily="49" charset="0"/>
+            </a:endParaRPr>
+          </a:p>
+          <a:p>
+            <a:r>
+              <a:rPr lang="en-US" sz="1000" smtClean="0">
+                <a:latin typeface="Courier New" panose="02070309020205020404" pitchFamily="49" charset="0"/>
+                <a:ea typeface="Droid Sans Mono Chess ASCII" panose="020B0609030804020204" pitchFamily="50" charset="0"/>
+                <a:cs typeface="Courier New" panose="02070309020205020404" pitchFamily="49" charset="0"/>
+              </a:rPr>
+              <a:t>[..]</a:t>
+            </a:r>
+            <a:endParaRPr lang="en-US" sz="1000">
+              <a:latin typeface="Courier New" panose="02070309020205020404" pitchFamily="49" charset="0"/>
+              <a:ea typeface="Droid Sans Mono Chess ASCII" panose="020B0609030804020204" pitchFamily="50" charset="0"/>
+              <a:cs typeface="Courier New" panose="02070309020205020404" pitchFamily="49" charset="0"/>
+            </a:endParaRPr>
+          </a:p>
+          <a:p>
+            <a:endParaRPr lang="en-US" sz="1000">
+              <a:latin typeface="Courier New" panose="02070309020205020404" pitchFamily="49" charset="0"/>
+              <a:ea typeface="Droid Sans Mono Chess ASCII" panose="020B0609030804020204" pitchFamily="50" charset="0"/>
+              <a:cs typeface="Courier New" panose="02070309020205020404" pitchFamily="49" charset="0"/>
+            </a:endParaRPr>
+          </a:p>
+          <a:p>
+            <a:endParaRPr lang="en-US" sz="1000">
+              <a:latin typeface="Courier New" panose="02070309020205020404" pitchFamily="49" charset="0"/>
+              <a:ea typeface="Droid Sans Mono Chess ASCII" panose="020B0609030804020204" pitchFamily="50" charset="0"/>
+              <a:cs typeface="Courier New" panose="02070309020205020404" pitchFamily="49" charset="0"/>
+            </a:endParaRPr>
+          </a:p>
+          <a:p>
+            <a:r>
+              <a:rPr lang="en-US" sz="1000">
+                <a:latin typeface="Courier New" panose="02070309020205020404" pitchFamily="49" charset="0"/>
+                <a:ea typeface="Droid Sans Mono Chess ASCII" panose="020B0609030804020204" pitchFamily="50" charset="0"/>
+                <a:cs typeface="Courier New" panose="02070309020205020404" pitchFamily="49" charset="0"/>
+              </a:rPr>
+              <a:t>#Öffne Dateien</a:t>
+            </a:r>
+          </a:p>
+          <a:p>
+            <a:r>
+              <a:rPr lang="en-US" sz="1000">
+                <a:latin typeface="Courier New" panose="02070309020205020404" pitchFamily="49" charset="0"/>
+                <a:ea typeface="Droid Sans Mono Chess ASCII" panose="020B0609030804020204" pitchFamily="50" charset="0"/>
+                <a:cs typeface="Courier New" panose="02070309020205020404" pitchFamily="49" charset="0"/>
+              </a:rPr>
+              <a:t>open(IN, $file1) or die "could not open $file1 !";</a:t>
+            </a:r>
+          </a:p>
+          <a:p>
+            <a:r>
+              <a:rPr lang="en-US" sz="1000">
+                <a:latin typeface="Courier New" panose="02070309020205020404" pitchFamily="49" charset="0"/>
+                <a:ea typeface="Droid Sans Mono Chess ASCII" panose="020B0609030804020204" pitchFamily="50" charset="0"/>
+                <a:cs typeface="Courier New" panose="02070309020205020404" pitchFamily="49" charset="0"/>
+              </a:rPr>
+              <a:t>@inhalt1=&lt;IN&gt;;</a:t>
+            </a:r>
+          </a:p>
+          <a:p>
+            <a:r>
+              <a:rPr lang="en-US" sz="1000">
+                <a:latin typeface="Courier New" panose="02070309020205020404" pitchFamily="49" charset="0"/>
+                <a:ea typeface="Droid Sans Mono Chess ASCII" panose="020B0609030804020204" pitchFamily="50" charset="0"/>
+                <a:cs typeface="Courier New" panose="02070309020205020404" pitchFamily="49" charset="0"/>
+              </a:rPr>
+              <a:t>close(IN);</a:t>
+            </a:r>
+          </a:p>
+          <a:p>
+            <a:endParaRPr lang="en-US" sz="1000">
+              <a:latin typeface="Courier New" panose="02070309020205020404" pitchFamily="49" charset="0"/>
+              <a:ea typeface="Droid Sans Mono Chess ASCII" panose="020B0609030804020204" pitchFamily="50" charset="0"/>
+              <a:cs typeface="Courier New" panose="02070309020205020404" pitchFamily="49" charset="0"/>
+            </a:endParaRPr>
+          </a:p>
+          <a:p>
+            <a:r>
+              <a:rPr lang="en-US" sz="1000">
+                <a:latin typeface="Courier New" panose="02070309020205020404" pitchFamily="49" charset="0"/>
+                <a:ea typeface="Droid Sans Mono Chess ASCII" panose="020B0609030804020204" pitchFamily="50" charset="0"/>
+                <a:cs typeface="Courier New" panose="02070309020205020404" pitchFamily="49" charset="0"/>
+              </a:rPr>
+              <a:t>open(IN, $file2) or die "could not open $file2 !";</a:t>
+            </a:r>
+          </a:p>
+          <a:p>
+            <a:r>
+              <a:rPr lang="en-US" sz="1000">
+                <a:latin typeface="Courier New" panose="02070309020205020404" pitchFamily="49" charset="0"/>
+                <a:ea typeface="Droid Sans Mono Chess ASCII" panose="020B0609030804020204" pitchFamily="50" charset="0"/>
+                <a:cs typeface="Courier New" panose="02070309020205020404" pitchFamily="49" charset="0"/>
+              </a:rPr>
+              <a:t>@inhalt2=&lt;IN&gt;;</a:t>
+            </a:r>
+          </a:p>
+          <a:p>
+            <a:r>
+              <a:rPr lang="en-US" sz="1000">
+                <a:latin typeface="Courier New" panose="02070309020205020404" pitchFamily="49" charset="0"/>
+                <a:ea typeface="Droid Sans Mono Chess ASCII" panose="020B0609030804020204" pitchFamily="50" charset="0"/>
+                <a:cs typeface="Courier New" panose="02070309020205020404" pitchFamily="49" charset="0"/>
+              </a:rPr>
+              <a:t>close(IN);</a:t>
+            </a:r>
+          </a:p>
+          <a:p>
+            <a:endParaRPr lang="en-US" sz="1000">
+              <a:latin typeface="Courier New" panose="02070309020205020404" pitchFamily="49" charset="0"/>
+              <a:ea typeface="Droid Sans Mono Chess ASCII" panose="020B0609030804020204" pitchFamily="50" charset="0"/>
+              <a:cs typeface="Courier New" panose="02070309020205020404" pitchFamily="49" charset="0"/>
+            </a:endParaRPr>
+          </a:p>
+          <a:p>
+            <a:r>
+              <a:rPr lang="en-US" sz="1000">
+                <a:latin typeface="Courier New" panose="02070309020205020404" pitchFamily="49" charset="0"/>
+                <a:ea typeface="Droid Sans Mono Chess ASCII" panose="020B0609030804020204" pitchFamily="50" charset="0"/>
+                <a:cs typeface="Courier New" panose="02070309020205020404" pitchFamily="49" charset="0"/>
+              </a:rPr>
+              <a:t>$line_nr = 0;</a:t>
+            </a:r>
+          </a:p>
+          <a:p>
+            <a:r>
+              <a:rPr lang="en-US" sz="1000">
+                <a:latin typeface="Courier New" panose="02070309020205020404" pitchFamily="49" charset="0"/>
+                <a:ea typeface="Droid Sans Mono Chess ASCII" panose="020B0609030804020204" pitchFamily="50" charset="0"/>
+                <a:cs typeface="Courier New" panose="02070309020205020404" pitchFamily="49" charset="0"/>
+              </a:rPr>
+              <a:t>$fn_name = "";</a:t>
+            </a:r>
+          </a:p>
+          <a:p>
+            <a:r>
+              <a:rPr lang="en-US" sz="1000">
+                <a:latin typeface="Courier New" panose="02070309020205020404" pitchFamily="49" charset="0"/>
+                <a:ea typeface="Droid Sans Mono Chess ASCII" panose="020B0609030804020204" pitchFamily="50" charset="0"/>
+                <a:cs typeface="Courier New" panose="02070309020205020404" pitchFamily="49" charset="0"/>
+              </a:rPr>
+              <a:t>$print_fn_name = 0;</a:t>
+            </a:r>
+          </a:p>
+          <a:p>
+            <a:r>
+              <a:rPr lang="en-US" sz="1000">
+                <a:latin typeface="Courier New" panose="02070309020205020404" pitchFamily="49" charset="0"/>
+                <a:ea typeface="Droid Sans Mono Chess ASCII" panose="020B0609030804020204" pitchFamily="50" charset="0"/>
+                <a:cs typeface="Courier New" panose="02070309020205020404" pitchFamily="49" charset="0"/>
+              </a:rPr>
+              <a:t>while ( defined($inhalt1[$line_nr]) ) {</a:t>
+            </a:r>
+          </a:p>
+          <a:p>
+            <a:r>
+              <a:rPr lang="en-US" sz="1000">
+                <a:latin typeface="Courier New" panose="02070309020205020404" pitchFamily="49" charset="0"/>
+                <a:ea typeface="Droid Sans Mono Chess ASCII" panose="020B0609030804020204" pitchFamily="50" charset="0"/>
+                <a:cs typeface="Courier New" panose="02070309020205020404" pitchFamily="49" charset="0"/>
+              </a:rPr>
+              <a:t>  $line1 = $inhalt1[$line_nr];</a:t>
+            </a:r>
+          </a:p>
+          <a:p>
+            <a:r>
+              <a:rPr lang="en-US" sz="1000">
+                <a:latin typeface="Courier New" panose="02070309020205020404" pitchFamily="49" charset="0"/>
+                <a:ea typeface="Droid Sans Mono Chess ASCII" panose="020B0609030804020204" pitchFamily="50" charset="0"/>
+                <a:cs typeface="Courier New" panose="02070309020205020404" pitchFamily="49" charset="0"/>
+              </a:rPr>
+              <a:t>  $line2 = $inhalt2[$line_nr];</a:t>
+            </a:r>
+          </a:p>
+          <a:p>
+            <a:r>
+              <a:rPr lang="en-US" sz="1000">
+                <a:latin typeface="Courier New" panose="02070309020205020404" pitchFamily="49" charset="0"/>
+                <a:ea typeface="Droid Sans Mono Chess ASCII" panose="020B0609030804020204" pitchFamily="50" charset="0"/>
+                <a:cs typeface="Courier New" panose="02070309020205020404" pitchFamily="49" charset="0"/>
+              </a:rPr>
+              <a:t>  #print $inhalt1[$line_nr];</a:t>
+            </a:r>
+          </a:p>
+          <a:p>
+            <a:r>
+              <a:rPr lang="en-US" sz="1000">
+                <a:latin typeface="Courier New" panose="02070309020205020404" pitchFamily="49" charset="0"/>
+                <a:ea typeface="Droid Sans Mono Chess ASCII" panose="020B0609030804020204" pitchFamily="50" charset="0"/>
+                <a:cs typeface="Courier New" panose="02070309020205020404" pitchFamily="49" charset="0"/>
+              </a:rPr>
+              <a:t>  #print $inhalt2[$line_nr];</a:t>
+            </a:r>
+          </a:p>
+          <a:p>
+            <a:endParaRPr lang="en-US" sz="1000">
+              <a:latin typeface="Courier New" panose="02070309020205020404" pitchFamily="49" charset="0"/>
+              <a:ea typeface="Droid Sans Mono Chess ASCII" panose="020B0609030804020204" pitchFamily="50" charset="0"/>
+              <a:cs typeface="Courier New" panose="02070309020205020404" pitchFamily="49" charset="0"/>
+            </a:endParaRPr>
+          </a:p>
+          <a:p>
+            <a:r>
+              <a:rPr lang="en-US" sz="1000">
+                <a:latin typeface="Courier New" panose="02070309020205020404" pitchFamily="49" charset="0"/>
+                <a:ea typeface="Droid Sans Mono Chess ASCII" panose="020B0609030804020204" pitchFamily="50" charset="0"/>
+                <a:cs typeface="Courier New" panose="02070309020205020404" pitchFamily="49" charset="0"/>
+              </a:rPr>
+              <a:t>  if ( $line1 =~ /^&lt;fn name=\"/ ) {</a:t>
+            </a:r>
+          </a:p>
+          <a:p>
+            <a:r>
+              <a:rPr lang="en-US" sz="1000">
+                <a:latin typeface="Courier New" panose="02070309020205020404" pitchFamily="49" charset="0"/>
+                <a:ea typeface="Droid Sans Mono Chess ASCII" panose="020B0609030804020204" pitchFamily="50" charset="0"/>
+                <a:cs typeface="Courier New" panose="02070309020205020404" pitchFamily="49" charset="0"/>
+              </a:rPr>
+              <a:t>	#print last Funktionsnamen;</a:t>
+            </a:r>
+          </a:p>
+          <a:p>
+            <a:r>
+              <a:rPr lang="en-US" sz="1000">
+                <a:latin typeface="Courier New" panose="02070309020205020404" pitchFamily="49" charset="0"/>
+                <a:ea typeface="Droid Sans Mono Chess ASCII" panose="020B0609030804020204" pitchFamily="50" charset="0"/>
+                <a:cs typeface="Courier New" panose="02070309020205020404" pitchFamily="49" charset="0"/>
+              </a:rPr>
+              <a:t>	if ( $print_fn_name == 1 ) {</a:t>
+            </a:r>
+          </a:p>
+          <a:p>
+            <a:r>
+              <a:rPr lang="en-US" sz="1000">
+                <a:latin typeface="Courier New" panose="02070309020205020404" pitchFamily="49" charset="0"/>
+                <a:ea typeface="Droid Sans Mono Chess ASCII" panose="020B0609030804020204" pitchFamily="50" charset="0"/>
+                <a:cs typeface="Courier New" panose="02070309020205020404" pitchFamily="49" charset="0"/>
+              </a:rPr>
+              <a:t>	  print "$fn_name\n";</a:t>
+            </a:r>
+          </a:p>
+          <a:p>
+            <a:r>
+              <a:rPr lang="en-US" sz="1000">
+                <a:latin typeface="Courier New" panose="02070309020205020404" pitchFamily="49" charset="0"/>
+                <a:ea typeface="Droid Sans Mono Chess ASCII" panose="020B0609030804020204" pitchFamily="50" charset="0"/>
+                <a:cs typeface="Courier New" panose="02070309020205020404" pitchFamily="49" charset="0"/>
+              </a:rPr>
+              <a:t>	  $print_fn_name = 0;</a:t>
+            </a:r>
+          </a:p>
+          <a:p>
+            <a:r>
+              <a:rPr lang="en-US" sz="1000">
+                <a:latin typeface="Courier New" panose="02070309020205020404" pitchFamily="49" charset="0"/>
+                <a:ea typeface="Droid Sans Mono Chess ASCII" panose="020B0609030804020204" pitchFamily="50" charset="0"/>
+                <a:cs typeface="Courier New" panose="02070309020205020404" pitchFamily="49" charset="0"/>
+              </a:rPr>
+              <a:t>    }</a:t>
+            </a:r>
+          </a:p>
+          <a:p>
+            <a:endParaRPr lang="en-US" sz="1000">
+              <a:latin typeface="Courier New" panose="02070309020205020404" pitchFamily="49" charset="0"/>
+              <a:ea typeface="Droid Sans Mono Chess ASCII" panose="020B0609030804020204" pitchFamily="50" charset="0"/>
+              <a:cs typeface="Courier New" panose="02070309020205020404" pitchFamily="49" charset="0"/>
+            </a:endParaRPr>
+          </a:p>
+          <a:p>
+            <a:r>
+              <a:rPr lang="en-US" sz="1000">
+                <a:latin typeface="Courier New" panose="02070309020205020404" pitchFamily="49" charset="0"/>
+                <a:ea typeface="Droid Sans Mono Chess ASCII" panose="020B0609030804020204" pitchFamily="50" charset="0"/>
+                <a:cs typeface="Courier New" panose="02070309020205020404" pitchFamily="49" charset="0"/>
+              </a:rPr>
+              <a:t>    #Extrahiere Funktionsname aus file1</a:t>
+            </a:r>
+          </a:p>
+          <a:p>
+            <a:r>
+              <a:rPr lang="en-US" sz="1000">
+                <a:latin typeface="Courier New" panose="02070309020205020404" pitchFamily="49" charset="0"/>
+                <a:ea typeface="Droid Sans Mono Chess ASCII" panose="020B0609030804020204" pitchFamily="50" charset="0"/>
+                <a:cs typeface="Courier New" panose="02070309020205020404" pitchFamily="49" charset="0"/>
+              </a:rPr>
+              <a:t>	@tmp = $line1 =~ /^&lt;fn name=\"([^\"]*)/;</a:t>
+            </a:r>
+          </a:p>
+          <a:p>
+            <a:r>
+              <a:rPr lang="en-US" sz="1000">
+                <a:latin typeface="Courier New" panose="02070309020205020404" pitchFamily="49" charset="0"/>
+                <a:ea typeface="Droid Sans Mono Chess ASCII" panose="020B0609030804020204" pitchFamily="50" charset="0"/>
+                <a:cs typeface="Courier New" panose="02070309020205020404" pitchFamily="49" charset="0"/>
+              </a:rPr>
+              <a:t>    $fn_name = $tmp[0];</a:t>
+            </a:r>
+          </a:p>
+          <a:p>
+            <a:r>
+              <a:rPr lang="en-US" sz="1000">
+                <a:latin typeface="Courier New" panose="02070309020205020404" pitchFamily="49" charset="0"/>
+                <a:ea typeface="Droid Sans Mono Chess ASCII" panose="020B0609030804020204" pitchFamily="50" charset="0"/>
+                <a:cs typeface="Courier New" panose="02070309020205020404" pitchFamily="49" charset="0"/>
+              </a:rPr>
+              <a:t>	#print "fn name1=$</a:t>
+            </a:r>
+            <a:r>
+              <a:rPr lang="en-US" sz="1000">
+                <a:latin typeface="Courier New" panose="02070309020205020404" pitchFamily="49" charset="0"/>
+                <a:ea typeface="Droid Sans Mono Chess ASCII" panose="020B0609030804020204" pitchFamily="50" charset="0"/>
+                <a:cs typeface="Courier New" panose="02070309020205020404" pitchFamily="49" charset="0"/>
+              </a:rPr>
+              <a:t>fn_name\n</a:t>
+            </a:r>
+            <a:r>
+              <a:rPr lang="en-US" sz="1000" smtClean="0">
+                <a:latin typeface="Courier New" panose="02070309020205020404" pitchFamily="49" charset="0"/>
+                <a:ea typeface="Droid Sans Mono Chess ASCII" panose="020B0609030804020204" pitchFamily="50" charset="0"/>
+                <a:cs typeface="Courier New" panose="02070309020205020404" pitchFamily="49" charset="0"/>
+              </a:rPr>
+              <a:t>";</a:t>
+            </a:r>
+          </a:p>
+          <a:p>
+            <a:endParaRPr lang="en-US" sz="1000" smtClean="0">
+              <a:latin typeface="Courier New" panose="02070309020205020404" pitchFamily="49" charset="0"/>
+              <a:ea typeface="Droid Sans Mono Chess ASCII" panose="020B0609030804020204" pitchFamily="50" charset="0"/>
+              <a:cs typeface="Courier New" panose="02070309020205020404" pitchFamily="49" charset="0"/>
+            </a:endParaRPr>
+          </a:p>
+          <a:p>
+            <a:r>
+              <a:rPr lang="en-US" sz="1000" smtClean="0">
+                <a:latin typeface="Courier New" panose="02070309020205020404" pitchFamily="49" charset="0"/>
+                <a:ea typeface="Droid Sans Mono Chess ASCII" panose="020B0609030804020204" pitchFamily="50" charset="0"/>
+                <a:cs typeface="Courier New" panose="02070309020205020404" pitchFamily="49" charset="0"/>
+              </a:rPr>
+              <a:t>#</a:t>
+            </a:r>
+            <a:r>
+              <a:rPr lang="en-US" sz="1000">
+                <a:latin typeface="Courier New" panose="02070309020205020404" pitchFamily="49" charset="0"/>
+                <a:ea typeface="Droid Sans Mono Chess ASCII" panose="020B0609030804020204" pitchFamily="50" charset="0"/>
+                <a:cs typeface="Courier New" panose="02070309020205020404" pitchFamily="49" charset="0"/>
+              </a:rPr>
+              <a:t>Extrahiere Funktionsparameter aus file1</a:t>
+            </a:r>
+          </a:p>
+          <a:p>
+            <a:r>
+              <a:rPr lang="en-US" sz="1000">
+                <a:latin typeface="Courier New" panose="02070309020205020404" pitchFamily="49" charset="0"/>
+                <a:ea typeface="Droid Sans Mono Chess ASCII" panose="020B0609030804020204" pitchFamily="50" charset="0"/>
+                <a:cs typeface="Courier New" panose="02070309020205020404" pitchFamily="49" charset="0"/>
+              </a:rPr>
+              <a:t>    @tmp = $line1 =~ /fn_cov=\"([^\"]*)/;</a:t>
+            </a:r>
+          </a:p>
+          <a:p>
+            <a:r>
+              <a:rPr lang="en-US" sz="1000">
+                <a:latin typeface="Courier New" panose="02070309020205020404" pitchFamily="49" charset="0"/>
+                <a:ea typeface="Droid Sans Mono Chess ASCII" panose="020B0609030804020204" pitchFamily="50" charset="0"/>
+                <a:cs typeface="Courier New" panose="02070309020205020404" pitchFamily="49" charset="0"/>
+              </a:rPr>
+              <a:t>    $fn_cov1 = $tmp[0];</a:t>
+            </a:r>
+          </a:p>
+          <a:p>
+            <a:r>
+              <a:rPr lang="en-US" sz="1000">
+                <a:latin typeface="Courier New" panose="02070309020205020404" pitchFamily="49" charset="0"/>
+                <a:ea typeface="Droid Sans Mono Chess ASCII" panose="020B0609030804020204" pitchFamily="50" charset="0"/>
+                <a:cs typeface="Courier New" panose="02070309020205020404" pitchFamily="49" charset="0"/>
+              </a:rPr>
+              <a:t>    @tmp = $line1 =~ /cd_cov=\"([^\"]*)/;</a:t>
+            </a:r>
+          </a:p>
+          <a:p>
+            <a:r>
+              <a:rPr lang="en-US" sz="1000">
+                <a:latin typeface="Courier New" panose="02070309020205020404" pitchFamily="49" charset="0"/>
+                <a:ea typeface="Droid Sans Mono Chess ASCII" panose="020B0609030804020204" pitchFamily="50" charset="0"/>
+                <a:cs typeface="Courier New" panose="02070309020205020404" pitchFamily="49" charset="0"/>
+              </a:rPr>
+              <a:t>    $cd_cov1 = $tmp[0];</a:t>
+            </a:r>
+          </a:p>
+          <a:p>
+            <a:r>
+              <a:rPr lang="en-US" sz="1000">
+                <a:latin typeface="Courier New" panose="02070309020205020404" pitchFamily="49" charset="0"/>
+                <a:ea typeface="Droid Sans Mono Chess ASCII" panose="020B0609030804020204" pitchFamily="50" charset="0"/>
+                <a:cs typeface="Courier New" panose="02070309020205020404" pitchFamily="49" charset="0"/>
+              </a:rPr>
+              <a:t>    @tmp = $line1 =~ /d_cov=\"([^\"]*)/;</a:t>
+            </a:r>
+          </a:p>
+          <a:p>
+            <a:r>
+              <a:rPr lang="en-US" sz="1000">
+                <a:latin typeface="Courier New" panose="02070309020205020404" pitchFamily="49" charset="0"/>
+                <a:ea typeface="Droid Sans Mono Chess ASCII" panose="020B0609030804020204" pitchFamily="50" charset="0"/>
+                <a:cs typeface="Courier New" panose="02070309020205020404" pitchFamily="49" charset="0"/>
+              </a:rPr>
+              <a:t>    $d_cov1 = $tmp[0];</a:t>
+            </a:r>
+          </a:p>
+          <a:p>
+            <a:endParaRPr lang="en-US" sz="1000">
+              <a:latin typeface="Courier New" panose="02070309020205020404" pitchFamily="49" charset="0"/>
+              <a:ea typeface="Droid Sans Mono Chess ASCII" panose="020B0609030804020204" pitchFamily="50" charset="0"/>
+              <a:cs typeface="Courier New" panose="02070309020205020404" pitchFamily="49" charset="0"/>
+            </a:endParaRPr>
+          </a:p>
+          <a:p>
+            <a:endParaRPr lang="en-US" sz="1000">
+              <a:latin typeface="Courier New" panose="02070309020205020404" pitchFamily="49" charset="0"/>
+              <a:ea typeface="Droid Sans Mono Chess ASCII" panose="020B0609030804020204" pitchFamily="50" charset="0"/>
+              <a:cs typeface="Courier New" panose="02070309020205020404" pitchFamily="49" charset="0"/>
+            </a:endParaRPr>
+          </a:p>
+          <a:p>
+            <a:r>
+              <a:rPr lang="en-US" sz="1000">
+                <a:latin typeface="Courier New" panose="02070309020205020404" pitchFamily="49" charset="0"/>
+                <a:ea typeface="Droid Sans Mono Chess ASCII" panose="020B0609030804020204" pitchFamily="50" charset="0"/>
+                <a:cs typeface="Courier New" panose="02070309020205020404" pitchFamily="49" charset="0"/>
+              </a:rPr>
+              <a:t>	</a:t>
+            </a:r>
+            <a:endParaRPr lang="en-US" sz="1000">
+              <a:latin typeface="Courier New" panose="02070309020205020404" pitchFamily="49" charset="0"/>
+              <a:ea typeface="Droid Sans Mono Chess ASCII" panose="020B0609030804020204" pitchFamily="50" charset="0"/>
+              <a:cs typeface="Courier New" panose="02070309020205020404" pitchFamily="49" charset="0"/>
+            </a:endParaRPr>
+          </a:p>
+        </p:txBody>
+      </p:sp>
+      <p:sp>
+        <p:nvSpPr>
+          <p:cNvPr id="5" name="Rechteck 4"/>
+          <p:cNvSpPr/>
+          <p:nvPr/>
+        </p:nvSpPr>
+        <p:spPr>
+          <a:xfrm>
+            <a:off x="6400800" y="1259040"/>
+            <a:ext cx="6347854" cy="8248412"/>
+          </a:xfrm>
+          <a:prstGeom prst="rect">
+            <a:avLst/>
+          </a:prstGeom>
+        </p:spPr>
+        <p:txBody>
+          <a:bodyPr wrap="square">
+            <a:spAutoFit/>
+          </a:bodyPr>
+          <a:lstStyle/>
+          <a:p>
+            <a:r>
+              <a:rPr lang="en-US" sz="1000">
+                <a:latin typeface="Courier New" panose="02070309020205020404" pitchFamily="49" charset="0"/>
+                <a:ea typeface="Droid Sans Mono Chess ASCII" panose="020B0609030804020204" pitchFamily="50" charset="0"/>
+                <a:cs typeface="Courier New" panose="02070309020205020404" pitchFamily="49" charset="0"/>
+              </a:rPr>
+              <a:t>	</a:t>
+            </a:r>
+          </a:p>
+          <a:p>
+            <a:r>
+              <a:rPr lang="en-US" sz="1000" smtClean="0">
+                <a:latin typeface="Courier New" panose="02070309020205020404" pitchFamily="49" charset="0"/>
+                <a:ea typeface="Droid Sans Mono Chess ASCII" panose="020B0609030804020204" pitchFamily="50" charset="0"/>
+                <a:cs typeface="Courier New" panose="02070309020205020404" pitchFamily="49" charset="0"/>
+              </a:rPr>
+              <a:t>#</a:t>
+            </a:r>
+            <a:r>
+              <a:rPr lang="en-US" sz="1000">
+                <a:latin typeface="Courier New" panose="02070309020205020404" pitchFamily="49" charset="0"/>
+                <a:ea typeface="Droid Sans Mono Chess ASCII" panose="020B0609030804020204" pitchFamily="50" charset="0"/>
+                <a:cs typeface="Courier New" panose="02070309020205020404" pitchFamily="49" charset="0"/>
+              </a:rPr>
+              <a:t>Extrahiere Funktionsparameter aus file2</a:t>
+            </a:r>
+          </a:p>
+          <a:p>
+            <a:r>
+              <a:rPr lang="en-US" sz="1000">
+                <a:latin typeface="Courier New" panose="02070309020205020404" pitchFamily="49" charset="0"/>
+                <a:ea typeface="Droid Sans Mono Chess ASCII" panose="020B0609030804020204" pitchFamily="50" charset="0"/>
+                <a:cs typeface="Courier New" panose="02070309020205020404" pitchFamily="49" charset="0"/>
+              </a:rPr>
+              <a:t>    @tmp = $line2 =~ /fn_cov=\"([^\"]*)/;</a:t>
+            </a:r>
+          </a:p>
+          <a:p>
+            <a:r>
+              <a:rPr lang="en-US" sz="1000">
+                <a:latin typeface="Courier New" panose="02070309020205020404" pitchFamily="49" charset="0"/>
+                <a:ea typeface="Droid Sans Mono Chess ASCII" panose="020B0609030804020204" pitchFamily="50" charset="0"/>
+                <a:cs typeface="Courier New" panose="02070309020205020404" pitchFamily="49" charset="0"/>
+              </a:rPr>
+              <a:t>    $fn_cov2 = $tmp[0];</a:t>
+            </a:r>
+          </a:p>
+          <a:p>
+            <a:r>
+              <a:rPr lang="en-US" sz="1000">
+                <a:latin typeface="Courier New" panose="02070309020205020404" pitchFamily="49" charset="0"/>
+                <a:ea typeface="Droid Sans Mono Chess ASCII" panose="020B0609030804020204" pitchFamily="50" charset="0"/>
+                <a:cs typeface="Courier New" panose="02070309020205020404" pitchFamily="49" charset="0"/>
+              </a:rPr>
+              <a:t>    @tmp = $line2 =~ /cd_cov=\"([^\"]*)/;</a:t>
+            </a:r>
+          </a:p>
+          <a:p>
+            <a:r>
+              <a:rPr lang="en-US" sz="1000">
+                <a:latin typeface="Courier New" panose="02070309020205020404" pitchFamily="49" charset="0"/>
+                <a:ea typeface="Droid Sans Mono Chess ASCII" panose="020B0609030804020204" pitchFamily="50" charset="0"/>
+                <a:cs typeface="Courier New" panose="02070309020205020404" pitchFamily="49" charset="0"/>
+              </a:rPr>
+              <a:t>    $cd_cov2 = $tmp[0];</a:t>
+            </a:r>
+          </a:p>
+          <a:p>
+            <a:r>
+              <a:rPr lang="en-US" sz="1000">
+                <a:latin typeface="Courier New" panose="02070309020205020404" pitchFamily="49" charset="0"/>
+                <a:ea typeface="Droid Sans Mono Chess ASCII" panose="020B0609030804020204" pitchFamily="50" charset="0"/>
+                <a:cs typeface="Courier New" panose="02070309020205020404" pitchFamily="49" charset="0"/>
+              </a:rPr>
+              <a:t>    @tmp = $line2 =~ /d_cov=\"([^\"]*)/;</a:t>
+            </a:r>
+          </a:p>
+          <a:p>
+            <a:r>
+              <a:rPr lang="en-US" sz="1000">
+                <a:latin typeface="Courier New" panose="02070309020205020404" pitchFamily="49" charset="0"/>
+                <a:ea typeface="Droid Sans Mono Chess ASCII" panose="020B0609030804020204" pitchFamily="50" charset="0"/>
+                <a:cs typeface="Courier New" panose="02070309020205020404" pitchFamily="49" charset="0"/>
+              </a:rPr>
+              <a:t>    $d_cov2 = $tmp[0];</a:t>
+            </a:r>
+          </a:p>
+          <a:p>
+            <a:r>
+              <a:rPr lang="en-US" sz="1000">
+                <a:latin typeface="Courier New" panose="02070309020205020404" pitchFamily="49" charset="0"/>
+                <a:ea typeface="Droid Sans Mono Chess ASCII" panose="020B0609030804020204" pitchFamily="50" charset="0"/>
+                <a:cs typeface="Courier New" panose="02070309020205020404" pitchFamily="49" charset="0"/>
+              </a:rPr>
+              <a:t>	</a:t>
+            </a:r>
+          </a:p>
+          <a:p>
+            <a:r>
+              <a:rPr lang="en-US" sz="1000">
+                <a:latin typeface="Courier New" panose="02070309020205020404" pitchFamily="49" charset="0"/>
+                <a:ea typeface="Droid Sans Mono Chess ASCII" panose="020B0609030804020204" pitchFamily="50" charset="0"/>
+                <a:cs typeface="Courier New" panose="02070309020205020404" pitchFamily="49" charset="0"/>
+              </a:rPr>
+              <a:t>	#print "$fn_name (f): '$fn_cov1' '$fn_cov2'\n";</a:t>
+            </a:r>
+          </a:p>
+          <a:p>
+            <a:r>
+              <a:rPr lang="en-US" sz="1000">
+                <a:latin typeface="Courier New" panose="02070309020205020404" pitchFamily="49" charset="0"/>
+                <a:ea typeface="Droid Sans Mono Chess ASCII" panose="020B0609030804020204" pitchFamily="50" charset="0"/>
+                <a:cs typeface="Courier New" panose="02070309020205020404" pitchFamily="49" charset="0"/>
+              </a:rPr>
+              <a:t>	#print "$fn_name (d): '$cd_cov1' '$cd_cov2'\n";</a:t>
+            </a:r>
+          </a:p>
+          <a:p>
+            <a:r>
+              <a:rPr lang="en-US" sz="1000">
+                <a:latin typeface="Courier New" panose="02070309020205020404" pitchFamily="49" charset="0"/>
+                <a:ea typeface="Droid Sans Mono Chess ASCII" panose="020B0609030804020204" pitchFamily="50" charset="0"/>
+                <a:cs typeface="Courier New" panose="02070309020205020404" pitchFamily="49" charset="0"/>
+              </a:rPr>
+              <a:t>	#print "$fn_name (c): '$d_cov1' '$d_cov2'\n";</a:t>
+            </a:r>
+          </a:p>
+          <a:p>
+            <a:r>
+              <a:rPr lang="en-US" sz="1000">
+                <a:latin typeface="Courier New" panose="02070309020205020404" pitchFamily="49" charset="0"/>
+                <a:ea typeface="Droid Sans Mono Chess ASCII" panose="020B0609030804020204" pitchFamily="50" charset="0"/>
+                <a:cs typeface="Courier New" panose="02070309020205020404" pitchFamily="49" charset="0"/>
+              </a:rPr>
+              <a:t>	if ( ($diffopt =~ /f/ ) and $fn_cov1==1 and $fn_cov2==0) {</a:t>
+            </a:r>
+          </a:p>
+          <a:p>
+            <a:r>
+              <a:rPr lang="en-US" sz="1000">
+                <a:latin typeface="Courier New" panose="02070309020205020404" pitchFamily="49" charset="0"/>
+                <a:ea typeface="Droid Sans Mono Chess ASCII" panose="020B0609030804020204" pitchFamily="50" charset="0"/>
+                <a:cs typeface="Courier New" panose="02070309020205020404" pitchFamily="49" charset="0"/>
+              </a:rPr>
+              <a:t>	  $print_fn_name = 1;</a:t>
+            </a:r>
+          </a:p>
+          <a:p>
+            <a:r>
+              <a:rPr lang="en-US" sz="1000">
+                <a:latin typeface="Courier New" panose="02070309020205020404" pitchFamily="49" charset="0"/>
+                <a:ea typeface="Droid Sans Mono Chess ASCII" panose="020B0609030804020204" pitchFamily="50" charset="0"/>
+                <a:cs typeface="Courier New" panose="02070309020205020404" pitchFamily="49" charset="0"/>
+              </a:rPr>
+              <a:t>    }</a:t>
+            </a:r>
+          </a:p>
+          <a:p>
+            <a:r>
+              <a:rPr lang="en-US" sz="1000">
+                <a:latin typeface="Courier New" panose="02070309020205020404" pitchFamily="49" charset="0"/>
+                <a:ea typeface="Droid Sans Mono Chess ASCII" panose="020B0609030804020204" pitchFamily="50" charset="0"/>
+                <a:cs typeface="Courier New" panose="02070309020205020404" pitchFamily="49" charset="0"/>
+              </a:rPr>
+              <a:t>  }</a:t>
+            </a:r>
+          </a:p>
+          <a:p>
+            <a:endParaRPr lang="en-US" sz="1000">
+              <a:latin typeface="Courier New" panose="02070309020205020404" pitchFamily="49" charset="0"/>
+              <a:ea typeface="Droid Sans Mono Chess ASCII" panose="020B0609030804020204" pitchFamily="50" charset="0"/>
+              <a:cs typeface="Courier New" panose="02070309020205020404" pitchFamily="49" charset="0"/>
+            </a:endParaRPr>
+          </a:p>
+          <a:p>
+            <a:r>
+              <a:rPr lang="en-US" sz="1000">
+                <a:latin typeface="Courier New" panose="02070309020205020404" pitchFamily="49" charset="0"/>
+                <a:ea typeface="Droid Sans Mono Chess ASCII" panose="020B0609030804020204" pitchFamily="50" charset="0"/>
+                <a:cs typeface="Courier New" panose="02070309020205020404" pitchFamily="49" charset="0"/>
+              </a:rPr>
+              <a:t>  if ( $line1 =~ /^&lt;probe line=\"/ ) {</a:t>
+            </a:r>
+          </a:p>
+          <a:p>
+            <a:r>
+              <a:rPr lang="en-US" sz="1000">
+                <a:latin typeface="Courier New" panose="02070309020205020404" pitchFamily="49" charset="0"/>
+                <a:ea typeface="Droid Sans Mono Chess ASCII" panose="020B0609030804020204" pitchFamily="50" charset="0"/>
+                <a:cs typeface="Courier New" panose="02070309020205020404" pitchFamily="49" charset="0"/>
+              </a:rPr>
+              <a:t>    if ( ($line1 =~ /kind=\"decision\"/ and $diffopt =~ /d/ )  or</a:t>
+            </a:r>
+          </a:p>
+          <a:p>
+            <a:r>
+              <a:rPr lang="en-US" sz="1000">
+                <a:latin typeface="Courier New" panose="02070309020205020404" pitchFamily="49" charset="0"/>
+                <a:ea typeface="Droid Sans Mono Chess ASCII" panose="020B0609030804020204" pitchFamily="50" charset="0"/>
+                <a:cs typeface="Courier New" panose="02070309020205020404" pitchFamily="49" charset="0"/>
+              </a:rPr>
+              <a:t>	     ($line1 =~ /kind=\"condition\"/  and $diffopt =~ /c/ ) ) {</a:t>
+            </a:r>
+          </a:p>
+          <a:p>
+            <a:r>
+              <a:rPr lang="en-US" sz="1000">
+                <a:latin typeface="Courier New" panose="02070309020205020404" pitchFamily="49" charset="0"/>
+                <a:ea typeface="Droid Sans Mono Chess ASCII" panose="020B0609030804020204" pitchFamily="50" charset="0"/>
+                <a:cs typeface="Courier New" panose="02070309020205020404" pitchFamily="49" charset="0"/>
+              </a:rPr>
+              <a:t>      @tmp = $line1 =~ /kind=\"([^\"]*)/;</a:t>
+            </a:r>
+          </a:p>
+          <a:p>
+            <a:r>
+              <a:rPr lang="en-US" sz="1000">
+                <a:latin typeface="Courier New" panose="02070309020205020404" pitchFamily="49" charset="0"/>
+                <a:ea typeface="Droid Sans Mono Chess ASCII" panose="020B0609030804020204" pitchFamily="50" charset="0"/>
+                <a:cs typeface="Courier New" panose="02070309020205020404" pitchFamily="49" charset="0"/>
+              </a:rPr>
+              <a:t>      $probe_kind = $tmp[0];</a:t>
+            </a:r>
+          </a:p>
+          <a:p>
+            <a:r>
+              <a:rPr lang="en-US" sz="1000">
+                <a:latin typeface="Courier New" panose="02070309020205020404" pitchFamily="49" charset="0"/>
+                <a:ea typeface="Droid Sans Mono Chess ASCII" panose="020B0609030804020204" pitchFamily="50" charset="0"/>
+                <a:cs typeface="Courier New" panose="02070309020205020404" pitchFamily="49" charset="0"/>
+              </a:rPr>
+              <a:t>      @tmp = $line1 =~ /event=\"([^\"]*)/;</a:t>
+            </a:r>
+          </a:p>
+          <a:p>
+            <a:r>
+              <a:rPr lang="en-US" sz="1000">
+                <a:latin typeface="Courier New" panose="02070309020205020404" pitchFamily="49" charset="0"/>
+                <a:ea typeface="Droid Sans Mono Chess ASCII" panose="020B0609030804020204" pitchFamily="50" charset="0"/>
+                <a:cs typeface="Courier New" panose="02070309020205020404" pitchFamily="49" charset="0"/>
+              </a:rPr>
+              <a:t>      $cd_event1 = $tmp[0];</a:t>
+            </a:r>
+          </a:p>
+          <a:p>
+            <a:r>
+              <a:rPr lang="en-US" sz="1000">
+                <a:latin typeface="Courier New" panose="02070309020205020404" pitchFamily="49" charset="0"/>
+                <a:ea typeface="Droid Sans Mono Chess ASCII" panose="020B0609030804020204" pitchFamily="50" charset="0"/>
+                <a:cs typeface="Courier New" panose="02070309020205020404" pitchFamily="49" charset="0"/>
+              </a:rPr>
+              <a:t>      @tmp = $line2 =~ /event=\"([^\"]*)/;</a:t>
+            </a:r>
+          </a:p>
+          <a:p>
+            <a:r>
+              <a:rPr lang="en-US" sz="1000">
+                <a:latin typeface="Courier New" panose="02070309020205020404" pitchFamily="49" charset="0"/>
+                <a:ea typeface="Droid Sans Mono Chess ASCII" panose="020B0609030804020204" pitchFamily="50" charset="0"/>
+                <a:cs typeface="Courier New" panose="02070309020205020404" pitchFamily="49" charset="0"/>
+              </a:rPr>
+              <a:t>      $cd_event2 = $tmp[0];</a:t>
+            </a:r>
+          </a:p>
+          <a:p>
+            <a:endParaRPr lang="en-US" sz="1000">
+              <a:latin typeface="Courier New" panose="02070309020205020404" pitchFamily="49" charset="0"/>
+              <a:ea typeface="Droid Sans Mono Chess ASCII" panose="020B0609030804020204" pitchFamily="50" charset="0"/>
+              <a:cs typeface="Courier New" panose="02070309020205020404" pitchFamily="49" charset="0"/>
+            </a:endParaRPr>
+          </a:p>
+          <a:p>
+            <a:r>
+              <a:rPr lang="en-US" sz="1000">
+                <a:latin typeface="Courier New" panose="02070309020205020404" pitchFamily="49" charset="0"/>
+                <a:ea typeface="Droid Sans Mono Chess ASCII" panose="020B0609030804020204" pitchFamily="50" charset="0"/>
+                <a:cs typeface="Courier New" panose="02070309020205020404" pitchFamily="49" charset="0"/>
+              </a:rPr>
+              <a:t>      #print "$fn_name $d_event1 $d_event2 \n";</a:t>
+            </a:r>
+          </a:p>
+          <a:p>
+            <a:r>
+              <a:rPr lang="en-US" sz="1000">
+                <a:latin typeface="Courier New" panose="02070309020205020404" pitchFamily="49" charset="0"/>
+                <a:ea typeface="Droid Sans Mono Chess ASCII" panose="020B0609030804020204" pitchFamily="50" charset="0"/>
+                <a:cs typeface="Courier New" panose="02070309020205020404" pitchFamily="49" charset="0"/>
+              </a:rPr>
+              <a:t>	  if ( ($cd_event1 eq "full" and $cd_event2 ne "full") or</a:t>
+            </a:r>
+          </a:p>
+          <a:p>
+            <a:r>
+              <a:rPr lang="en-US" sz="1000">
+                <a:latin typeface="Courier New" panose="02070309020205020404" pitchFamily="49" charset="0"/>
+                <a:ea typeface="Droid Sans Mono Chess ASCII" panose="020B0609030804020204" pitchFamily="50" charset="0"/>
+                <a:cs typeface="Courier New" panose="02070309020205020404" pitchFamily="49" charset="0"/>
+              </a:rPr>
+              <a:t>	       ($cd_event1 eq "true" and ($cd_event2 eq "false" or $cd_event2 eq "none")) or</a:t>
+            </a:r>
+          </a:p>
+          <a:p>
+            <a:r>
+              <a:rPr lang="en-US" sz="1000">
+                <a:latin typeface="Courier New" panose="02070309020205020404" pitchFamily="49" charset="0"/>
+                <a:ea typeface="Droid Sans Mono Chess ASCII" panose="020B0609030804020204" pitchFamily="50" charset="0"/>
+                <a:cs typeface="Courier New" panose="02070309020205020404" pitchFamily="49" charset="0"/>
+              </a:rPr>
+              <a:t>	       ($cd_event1 eq "false" and ($cd_event2 eq "true" or $cd_event2 eq "none") )</a:t>
+            </a:r>
+          </a:p>
+          <a:p>
+            <a:r>
+              <a:rPr lang="en-US" sz="1000">
+                <a:latin typeface="Courier New" panose="02070309020205020404" pitchFamily="49" charset="0"/>
+                <a:ea typeface="Droid Sans Mono Chess ASCII" panose="020B0609030804020204" pitchFamily="50" charset="0"/>
+                <a:cs typeface="Courier New" panose="02070309020205020404" pitchFamily="49" charset="0"/>
+              </a:rPr>
+              <a:t>         ) {</a:t>
+            </a:r>
+          </a:p>
+          <a:p>
+            <a:r>
+              <a:rPr lang="en-US" sz="1000">
+                <a:latin typeface="Courier New" panose="02070309020205020404" pitchFamily="49" charset="0"/>
+                <a:ea typeface="Droid Sans Mono Chess ASCII" panose="020B0609030804020204" pitchFamily="50" charset="0"/>
+                <a:cs typeface="Courier New" panose="02070309020205020404" pitchFamily="49" charset="0"/>
+              </a:rPr>
+              <a:t>		if ($diffopt =~ /F/ ) {</a:t>
+            </a:r>
+          </a:p>
+          <a:p>
+            <a:r>
+              <a:rPr lang="en-US" sz="1000">
+                <a:latin typeface="Courier New" panose="02070309020205020404" pitchFamily="49" charset="0"/>
+                <a:ea typeface="Droid Sans Mono Chess ASCII" panose="020B0609030804020204" pitchFamily="50" charset="0"/>
+                <a:cs typeface="Courier New" panose="02070309020205020404" pitchFamily="49" charset="0"/>
+              </a:rPr>
+              <a:t>     	  $print_fn_name = 1;</a:t>
+            </a:r>
+          </a:p>
+          <a:p>
+            <a:r>
+              <a:rPr lang="en-US" sz="1000">
+                <a:latin typeface="Courier New" panose="02070309020205020404" pitchFamily="49" charset="0"/>
+                <a:ea typeface="Droid Sans Mono Chess ASCII" panose="020B0609030804020204" pitchFamily="50" charset="0"/>
+                <a:cs typeface="Courier New" panose="02070309020205020404" pitchFamily="49" charset="0"/>
+              </a:rPr>
+              <a:t>		} else {</a:t>
+            </a:r>
+          </a:p>
+          <a:p>
+            <a:r>
+              <a:rPr lang="en-US" sz="1000">
+                <a:latin typeface="Courier New" panose="02070309020205020404" pitchFamily="49" charset="0"/>
+                <a:ea typeface="Droid Sans Mono Chess ASCII" panose="020B0609030804020204" pitchFamily="50" charset="0"/>
+                <a:cs typeface="Courier New" panose="02070309020205020404" pitchFamily="49" charset="0"/>
+              </a:rPr>
+              <a:t>		  @tmp = $line1 =~ /line=\"([^\"]*)/;</a:t>
+            </a:r>
+          </a:p>
+          <a:p>
+            <a:r>
+              <a:rPr lang="en-US" sz="1000">
+                <a:latin typeface="Courier New" panose="02070309020205020404" pitchFamily="49" charset="0"/>
+                <a:ea typeface="Droid Sans Mono Chess ASCII" panose="020B0609030804020204" pitchFamily="50" charset="0"/>
+                <a:cs typeface="Courier New" panose="02070309020205020404" pitchFamily="49" charset="0"/>
+              </a:rPr>
+              <a:t>	      printf("%-15s: probe line=\"$tmp[0]\"  kind=\"$probe_kind\"  -  event=\"$cd_event1\" vs. \"$cd_event2\"\n", $fn_name);</a:t>
+            </a:r>
+          </a:p>
+          <a:p>
+            <a:r>
+              <a:rPr lang="en-US" sz="1000">
+                <a:latin typeface="Courier New" panose="02070309020205020404" pitchFamily="49" charset="0"/>
+                <a:ea typeface="Droid Sans Mono Chess ASCII" panose="020B0609030804020204" pitchFamily="50" charset="0"/>
+                <a:cs typeface="Courier New" panose="02070309020205020404" pitchFamily="49" charset="0"/>
+              </a:rPr>
+              <a:t>		}</a:t>
+            </a:r>
+          </a:p>
+          <a:p>
+            <a:r>
+              <a:rPr lang="en-US" sz="1000">
+                <a:latin typeface="Courier New" panose="02070309020205020404" pitchFamily="49" charset="0"/>
+                <a:ea typeface="Droid Sans Mono Chess ASCII" panose="020B0609030804020204" pitchFamily="50" charset="0"/>
+                <a:cs typeface="Courier New" panose="02070309020205020404" pitchFamily="49" charset="0"/>
+              </a:rPr>
+              <a:t>	  }</a:t>
+            </a:r>
+          </a:p>
+          <a:p>
+            <a:r>
+              <a:rPr lang="en-US" sz="1000">
+                <a:latin typeface="Courier New" panose="02070309020205020404" pitchFamily="49" charset="0"/>
+                <a:ea typeface="Droid Sans Mono Chess ASCII" panose="020B0609030804020204" pitchFamily="50" charset="0"/>
+                <a:cs typeface="Courier New" panose="02070309020205020404" pitchFamily="49" charset="0"/>
+              </a:rPr>
+              <a:t>    }</a:t>
+            </a:r>
+          </a:p>
+          <a:p>
+            <a:r>
+              <a:rPr lang="en-US" sz="1000">
+                <a:latin typeface="Courier New" panose="02070309020205020404" pitchFamily="49" charset="0"/>
+                <a:ea typeface="Droid Sans Mono Chess ASCII" panose="020B0609030804020204" pitchFamily="50" charset="0"/>
+                <a:cs typeface="Courier New" panose="02070309020205020404" pitchFamily="49" charset="0"/>
+              </a:rPr>
+              <a:t>  }</a:t>
+            </a:r>
+          </a:p>
+          <a:p>
+            <a:endParaRPr lang="en-US" sz="1000">
+              <a:latin typeface="Courier New" panose="02070309020205020404" pitchFamily="49" charset="0"/>
+              <a:ea typeface="Droid Sans Mono Chess ASCII" panose="020B0609030804020204" pitchFamily="50" charset="0"/>
+              <a:cs typeface="Courier New" panose="02070309020205020404" pitchFamily="49" charset="0"/>
+            </a:endParaRPr>
+          </a:p>
+          <a:p>
+            <a:r>
+              <a:rPr lang="en-US" sz="1000">
+                <a:latin typeface="Courier New" panose="02070309020205020404" pitchFamily="49" charset="0"/>
+                <a:ea typeface="Droid Sans Mono Chess ASCII" panose="020B0609030804020204" pitchFamily="50" charset="0"/>
+                <a:cs typeface="Courier New" panose="02070309020205020404" pitchFamily="49" charset="0"/>
+              </a:rPr>
+              <a:t>  $line_nr +=1;</a:t>
+            </a:r>
+          </a:p>
+          <a:p>
+            <a:r>
+              <a:rPr lang="en-US" sz="1000">
+                <a:latin typeface="Courier New" panose="02070309020205020404" pitchFamily="49" charset="0"/>
+                <a:ea typeface="Droid Sans Mono Chess ASCII" panose="020B0609030804020204" pitchFamily="50" charset="0"/>
+                <a:cs typeface="Courier New" panose="02070309020205020404" pitchFamily="49" charset="0"/>
+              </a:rPr>
+              <a:t>}</a:t>
+            </a:r>
+          </a:p>
+          <a:p>
+            <a:endParaRPr lang="en-US" sz="1000">
+              <a:latin typeface="Courier New" panose="02070309020205020404" pitchFamily="49" charset="0"/>
+              <a:ea typeface="Droid Sans Mono Chess ASCII" panose="020B0609030804020204" pitchFamily="50" charset="0"/>
+              <a:cs typeface="Courier New" panose="02070309020205020404" pitchFamily="49" charset="0"/>
+            </a:endParaRPr>
+          </a:p>
+          <a:p>
+            <a:r>
+              <a:rPr lang="en-US" sz="1000">
+                <a:latin typeface="Courier New" panose="02070309020205020404" pitchFamily="49" charset="0"/>
+                <a:ea typeface="Droid Sans Mono Chess ASCII" panose="020B0609030804020204" pitchFamily="50" charset="0"/>
+                <a:cs typeface="Courier New" panose="02070309020205020404" pitchFamily="49" charset="0"/>
+              </a:rPr>
+              <a:t>if ( $print_fn_name == 1 ) {</a:t>
+            </a:r>
+          </a:p>
+          <a:p>
+            <a:r>
+              <a:rPr lang="en-US" sz="1000">
+                <a:latin typeface="Courier New" panose="02070309020205020404" pitchFamily="49" charset="0"/>
+                <a:ea typeface="Droid Sans Mono Chess ASCII" panose="020B0609030804020204" pitchFamily="50" charset="0"/>
+                <a:cs typeface="Courier New" panose="02070309020205020404" pitchFamily="49" charset="0"/>
+              </a:rPr>
+              <a:t>  print "$fn_name\n";</a:t>
+            </a:r>
+          </a:p>
+          <a:p>
+            <a:r>
+              <a:rPr lang="en-US" sz="1000">
+                <a:latin typeface="Courier New" panose="02070309020205020404" pitchFamily="49" charset="0"/>
+                <a:ea typeface="Droid Sans Mono Chess ASCII" panose="020B0609030804020204" pitchFamily="50" charset="0"/>
+                <a:cs typeface="Courier New" panose="02070309020205020404" pitchFamily="49" charset="0"/>
+              </a:rPr>
+              <a:t>}</a:t>
+            </a:r>
+          </a:p>
+          <a:p>
+            <a:r>
+              <a:rPr lang="en-US" sz="1000">
+                <a:latin typeface="Courier New" panose="02070309020205020404" pitchFamily="49" charset="0"/>
+                <a:ea typeface="Droid Sans Mono Chess ASCII" panose="020B0609030804020204" pitchFamily="50" charset="0"/>
+                <a:cs typeface="Courier New" panose="02070309020205020404" pitchFamily="49" charset="0"/>
+              </a:rPr>
+              <a:t>  </a:t>
+            </a:r>
+          </a:p>
+          <a:p>
+            <a:endParaRPr lang="en-US" sz="1000">
+              <a:latin typeface="Courier New" panose="02070309020205020404" pitchFamily="49" charset="0"/>
+              <a:ea typeface="Droid Sans Mono Chess ASCII" panose="020B0609030804020204" pitchFamily="50" charset="0"/>
+              <a:cs typeface="Courier New" panose="02070309020205020404" pitchFamily="49" charset="0"/>
+            </a:endParaRPr>
+          </a:p>
+        </p:txBody>
+      </p:sp>
+    </p:spTree>
+    <p:extLst>
+      <p:ext uri="{BB962C8B-B14F-4D97-AF65-F5344CB8AC3E}">
+        <p14:creationId xmlns:p14="http://schemas.microsoft.com/office/powerpoint/2010/main" val="3618540833"/>
+      </p:ext>
+    </p:extLst>
+  </p:cSld>
+  <p:clrMapOvr>
+    <a:masterClrMapping/>
+  </p:clrMapOvr>
+  <p:timing>
+    <p:tnLst>
+      <p:par>
+        <p:cTn id="1" dur="indefinite" restart="never" nodeType="tmRoot">
+          <p:childTnLst>
+            <p:seq concurrent="1" nextAc="seek">
+              <p:cTn id="2" dur="indefinite" nodeType="mainSeq">
+                <p:childTnLst>
+                  <p:par>
+                    <p:cTn id="3" fill="hold">
+                      <p:stCondLst>
+                        <p:cond delay="indefinite"/>
+                      </p:stCondLst>
+                      <p:childTnLst>
+                        <p:par>
+                          <p:cTn id="4" fill="hold">
+                            <p:stCondLst>
+                              <p:cond delay="0"/>
+                            </p:stCondLst>
+                            <p:childTnLst>
+                              <p:par>
+                                <p:cTn id="5" presetID="1" presetClass="entr" presetSubtype="0" fill="hold" grpId="0" nodeType="clickEffect">
+                                  <p:stCondLst>
+                                    <p:cond delay="0"/>
+                                  </p:stCondLst>
+                                  <p:childTnLst>
+                                    <p:set>
+                                      <p:cBhvr>
+                                        <p:cTn id="6" dur="1" fill="hold">
+                                          <p:stCondLst>
+                                            <p:cond delay="0"/>
+                                          </p:stCondLst>
+                                        </p:cTn>
+                                        <p:tgtEl>
+                                          <p:spTgt spid="4"/>
+                                        </p:tgtEl>
+                                        <p:attrNameLst>
+                                          <p:attrName>style.visibility</p:attrName>
+                                        </p:attrNameLst>
+                                      </p:cBhvr>
+                                      <p:to>
+                                        <p:strVal val="visible"/>
+                                      </p:to>
+                                    </p:set>
+                                  </p:childTnLst>
+                                </p:cTn>
+                              </p:par>
+                            </p:childTnLst>
+                          </p:cTn>
+                        </p:par>
+                      </p:childTnLst>
+                    </p:cTn>
+                  </p:par>
+                </p:childTnLst>
+              </p:cTn>
+              <p:prevCondLst>
+                <p:cond evt="onPrev" delay="0">
+                  <p:tgtEl>
+                    <p:sldTgt/>
+                  </p:tgtEl>
+                </p:cond>
+              </p:prevCondLst>
+              <p:nextCondLst>
+                <p:cond evt="onNext" delay="0">
+                  <p:tgtEl>
+                    <p:sldTgt/>
+                  </p:tgtEl>
+                </p:cond>
+              </p:nextCondLst>
+            </p:seq>
+          </p:childTnLst>
+        </p:cTn>
+      </p:par>
+    </p:tnLst>
+    <p:bldLst>
+      <p:bldP spid="4" grpId="0"/>
+    </p:bldLst>
+  </p:timing>
+</p:sld>
+</file>
+
+<file path=ppt/slides/slide18.xml><?xml version="1.0" encoding="utf-8"?>
 <p:sld xmlns:a="http://schemas.openxmlformats.org/drawingml/2006/main" xmlns:r="http://schemas.openxmlformats.org/officeDocument/2006/relationships" xmlns:p="http://schemas.openxmlformats.org/presentationml/2006/main">
   <p:cSld>
     <p:spTree>
@@ -6729,10 +8687,17 @@
   <p:clrMapOvr>
     <a:masterClrMapping/>
   </p:clrMapOvr>
+  <p:timing>
+    <p:tnLst>
+      <p:par>
+        <p:cTn id="1" dur="indefinite" restart="never" nodeType="tmRoot"/>
+      </p:par>
+    </p:tnLst>
+  </p:timing>
 </p:sld>
 </file>
 
-<file path=ppt/slides/slide18.xml><?xml version="1.0" encoding="utf-8"?>
+<file path=ppt/slides/slide19.xml><?xml version="1.0" encoding="utf-8"?>
 <p:sld xmlns:a="http://schemas.openxmlformats.org/drawingml/2006/main" xmlns:r="http://schemas.openxmlformats.org/officeDocument/2006/relationships" xmlns:p="http://schemas.openxmlformats.org/presentationml/2006/main">
   <p:cSld>
     <p:spTree>
@@ -8399,15 +10364,7 @@
                 <a:ea typeface="Droid Sans Mono Chess ASCII" panose="020B0609030804020204" pitchFamily="50" charset="0"/>
                 <a:cs typeface="Droid Sans Mono Chess ASCII" panose="020B0609030804020204" pitchFamily="50" charset="0"/>
               </a:rPr>
-              <a:t>                      </a:t>
-            </a:r>
-            <a:r>
-              <a:rPr lang="en-US" sz="2400" smtClean="0">
-                <a:latin typeface="Droid Sans Mono Chess ASCII" panose="020B0609030804020204" pitchFamily="50" charset="0"/>
-                <a:ea typeface="Droid Sans Mono Chess ASCII" panose="020B0609030804020204" pitchFamily="50" charset="0"/>
-                <a:cs typeface="Droid Sans Mono Chess ASCII" panose="020B0609030804020204" pitchFamily="50" charset="0"/>
-              </a:rPr>
-              <a:t> bigger  = </a:t>
+              <a:t>                       bigger  = </a:t>
             </a:r>
             <a:r>
               <a:rPr lang="en-US" sz="2400">
@@ -9530,15 +11487,7 @@
                 <a:ea typeface="Droid Sans Mono Chess ASCII" panose="020B0609030804020204" pitchFamily="50" charset="0"/>
                 <a:cs typeface="Droid Sans Mono Chess ASCII" panose="020B0609030804020204" pitchFamily="50" charset="0"/>
               </a:rPr>
-              <a:t>                      </a:t>
-            </a:r>
-            <a:r>
-              <a:rPr lang="en-US" sz="2400" smtClean="0">
-                <a:latin typeface="Droid Sans Mono Chess ASCII" panose="020B0609030804020204" pitchFamily="50" charset="0"/>
-                <a:ea typeface="Droid Sans Mono Chess ASCII" panose="020B0609030804020204" pitchFamily="50" charset="0"/>
-                <a:cs typeface="Droid Sans Mono Chess ASCII" panose="020B0609030804020204" pitchFamily="50" charset="0"/>
-              </a:rPr>
-              <a:t> bigger  = </a:t>
+              <a:t>                       bigger  = </a:t>
             </a:r>
             <a:r>
               <a:rPr lang="en-US" sz="2400">
@@ -9647,6 +11596,13 @@
   <p:clrMapOvr>
     <a:masterClrMapping/>
   </p:clrMapOvr>
+  <p:timing>
+    <p:tnLst>
+      <p:par>
+        <p:cTn id="1" dur="indefinite" restart="never" nodeType="tmRoot"/>
+      </p:par>
+    </p:tnLst>
+  </p:timing>
 </p:sld>
 </file>
 
@@ -9927,6 +11883,13 @@
   <p:clrMapOvr>
     <a:masterClrMapping/>
   </p:clrMapOvr>
+  <p:timing>
+    <p:tnLst>
+      <p:par>
+        <p:cTn id="1" dur="indefinite" restart="never" nodeType="tmRoot"/>
+      </p:par>
+    </p:tnLst>
+  </p:timing>
 </p:sld>
 </file>
 
@@ -10191,162 +12154,177 @@
           </a:p>
         </p:txBody>
       </p:sp>
-      <p:sp>
-        <p:nvSpPr>
-          <p:cNvPr id="2" name="Rechteck 1"/>
-          <p:cNvSpPr/>
+      <p:grpSp>
+        <p:nvGrpSpPr>
+          <p:cNvPr id="3" name="Gruppieren 2"/>
+          <p:cNvGrpSpPr/>
           <p:nvPr/>
-        </p:nvSpPr>
-        <p:spPr>
+        </p:nvGrpSpPr>
+        <p:grpSpPr>
           <a:xfrm>
-            <a:off x="487362" y="5072743"/>
-            <a:ext cx="12076758" cy="473791"/>
+            <a:off x="219919" y="5072743"/>
+            <a:ext cx="12344201" cy="3237880"/>
+            <a:chOff x="219919" y="5072743"/>
+            <a:chExt cx="12344201" cy="3237880"/>
           </a:xfrm>
-          <a:prstGeom prst="rect">
-            <a:avLst/>
-          </a:prstGeom>
-          <a:solidFill>
-            <a:srgbClr val="FFFF00">
-              <a:alpha val="20000"/>
-            </a:srgbClr>
-          </a:solidFill>
-          <a:ln w="50800">
+        </p:grpSpPr>
+        <p:sp>
+          <p:nvSpPr>
+            <p:cNvPr id="2" name="Rechteck 1"/>
+            <p:cNvSpPr/>
+            <p:nvPr/>
+          </p:nvSpPr>
+          <p:spPr>
+            <a:xfrm>
+              <a:off x="487362" y="5072743"/>
+              <a:ext cx="12076758" cy="473791"/>
+            </a:xfrm>
+            <a:prstGeom prst="rect">
+              <a:avLst/>
+            </a:prstGeom>
             <a:solidFill>
-              <a:srgbClr val="FF0000"/>
+              <a:srgbClr val="FFFF00">
+                <a:alpha val="20000"/>
+              </a:srgbClr>
             </a:solidFill>
-          </a:ln>
-        </p:spPr>
-        <p:style>
-          <a:lnRef idx="2">
-            <a:schemeClr val="accent1">
-              <a:shade val="50000"/>
-            </a:schemeClr>
-          </a:lnRef>
-          <a:fillRef idx="1">
-            <a:schemeClr val="accent1"/>
-          </a:fillRef>
-          <a:effectRef idx="0">
-            <a:schemeClr val="accent1"/>
-          </a:effectRef>
-          <a:fontRef idx="minor">
-            <a:schemeClr val="lt1"/>
-          </a:fontRef>
-        </p:style>
-        <p:txBody>
-          <a:bodyPr rtlCol="0" anchor="ctr"/>
-          <a:lstStyle/>
-          <a:p>
-            <a:pPr algn="ctr"/>
-            <a:endParaRPr lang="de-DE"/>
-          </a:p>
-        </p:txBody>
-      </p:sp>
-      <p:cxnSp>
-        <p:nvCxnSpPr>
-          <p:cNvPr id="10" name="Gerade Verbindung mit Pfeil 9"/>
-          <p:cNvCxnSpPr/>
-          <p:nvPr/>
-        </p:nvCxnSpPr>
-        <p:spPr>
-          <a:xfrm>
-            <a:off x="219919" y="5309638"/>
-            <a:ext cx="267442" cy="0"/>
-          </a:xfrm>
-          <a:prstGeom prst="straightConnector1">
-            <a:avLst/>
-          </a:prstGeom>
-          <a:ln w="50800">
-            <a:solidFill>
-              <a:srgbClr val="FF0000"/>
-            </a:solidFill>
-            <a:tailEnd type="arrow"/>
-          </a:ln>
-        </p:spPr>
-        <p:style>
-          <a:lnRef idx="1">
-            <a:schemeClr val="accent1"/>
-          </a:lnRef>
-          <a:fillRef idx="0">
-            <a:schemeClr val="accent1"/>
-          </a:fillRef>
-          <a:effectRef idx="0">
-            <a:schemeClr val="accent1"/>
-          </a:effectRef>
-          <a:fontRef idx="minor">
-            <a:schemeClr val="tx1"/>
-          </a:fontRef>
-        </p:style>
-      </p:cxnSp>
-      <p:cxnSp>
-        <p:nvCxnSpPr>
-          <p:cNvPr id="13" name="Gerade Verbindung 12"/>
-          <p:cNvCxnSpPr/>
-          <p:nvPr/>
-        </p:nvCxnSpPr>
-        <p:spPr>
-          <a:xfrm>
-            <a:off x="219919" y="5309638"/>
-            <a:ext cx="0" cy="3000985"/>
-          </a:xfrm>
-          <a:prstGeom prst="line">
-            <a:avLst/>
-          </a:prstGeom>
-          <a:ln w="50800">
-            <a:solidFill>
-              <a:srgbClr val="FF0000"/>
-            </a:solidFill>
-          </a:ln>
-        </p:spPr>
-        <p:style>
-          <a:lnRef idx="1">
-            <a:schemeClr val="accent1"/>
-          </a:lnRef>
-          <a:fillRef idx="0">
-            <a:schemeClr val="accent1"/>
-          </a:fillRef>
-          <a:effectRef idx="0">
-            <a:schemeClr val="accent1"/>
-          </a:effectRef>
-          <a:fontRef idx="minor">
-            <a:schemeClr val="tx1"/>
-          </a:fontRef>
-        </p:style>
-      </p:cxnSp>
-      <p:cxnSp>
-        <p:nvCxnSpPr>
-          <p:cNvPr id="19" name="Gerade Verbindung 18"/>
-          <p:cNvCxnSpPr/>
-          <p:nvPr/>
-        </p:nvCxnSpPr>
-        <p:spPr>
-          <a:xfrm>
-            <a:off x="219919" y="8310623"/>
-            <a:ext cx="267442" cy="0"/>
-          </a:xfrm>
-          <a:prstGeom prst="line">
-            <a:avLst/>
-          </a:prstGeom>
-          <a:ln w="50800">
-            <a:solidFill>
-              <a:srgbClr val="FF0000"/>
-            </a:solidFill>
-          </a:ln>
-        </p:spPr>
-        <p:style>
-          <a:lnRef idx="1">
-            <a:schemeClr val="accent1"/>
-          </a:lnRef>
-          <a:fillRef idx="0">
-            <a:schemeClr val="accent1"/>
-          </a:fillRef>
-          <a:effectRef idx="0">
-            <a:schemeClr val="accent1"/>
-          </a:effectRef>
-          <a:fontRef idx="minor">
-            <a:schemeClr val="tx1"/>
-          </a:fontRef>
-        </p:style>
-      </p:cxnSp>
+            <a:ln w="50800">
+              <a:solidFill>
+                <a:srgbClr val="FF0000"/>
+              </a:solidFill>
+            </a:ln>
+          </p:spPr>
+          <p:style>
+            <a:lnRef idx="2">
+              <a:schemeClr val="accent1">
+                <a:shade val="50000"/>
+              </a:schemeClr>
+            </a:lnRef>
+            <a:fillRef idx="1">
+              <a:schemeClr val="accent1"/>
+            </a:fillRef>
+            <a:effectRef idx="0">
+              <a:schemeClr val="accent1"/>
+            </a:effectRef>
+            <a:fontRef idx="minor">
+              <a:schemeClr val="lt1"/>
+            </a:fontRef>
+          </p:style>
+          <p:txBody>
+            <a:bodyPr rtlCol="0" anchor="ctr"/>
+            <a:lstStyle/>
+            <a:p>
+              <a:pPr algn="ctr"/>
+              <a:endParaRPr lang="de-DE"/>
+            </a:p>
+          </p:txBody>
+        </p:sp>
+        <p:cxnSp>
+          <p:nvCxnSpPr>
+            <p:cNvPr id="10" name="Gerade Verbindung mit Pfeil 9"/>
+            <p:cNvCxnSpPr/>
+            <p:nvPr/>
+          </p:nvCxnSpPr>
+          <p:spPr>
+            <a:xfrm>
+              <a:off x="219919" y="5309638"/>
+              <a:ext cx="267442" cy="0"/>
+            </a:xfrm>
+            <a:prstGeom prst="straightConnector1">
+              <a:avLst/>
+            </a:prstGeom>
+            <a:ln w="50800">
+              <a:solidFill>
+                <a:srgbClr val="FF0000"/>
+              </a:solidFill>
+              <a:tailEnd type="arrow"/>
+            </a:ln>
+          </p:spPr>
+          <p:style>
+            <a:lnRef idx="1">
+              <a:schemeClr val="accent1"/>
+            </a:lnRef>
+            <a:fillRef idx="0">
+              <a:schemeClr val="accent1"/>
+            </a:fillRef>
+            <a:effectRef idx="0">
+              <a:schemeClr val="accent1"/>
+            </a:effectRef>
+            <a:fontRef idx="minor">
+              <a:schemeClr val="tx1"/>
+            </a:fontRef>
+          </p:style>
+        </p:cxnSp>
+        <p:cxnSp>
+          <p:nvCxnSpPr>
+            <p:cNvPr id="13" name="Gerade Verbindung 12"/>
+            <p:cNvCxnSpPr/>
+            <p:nvPr/>
+          </p:nvCxnSpPr>
+          <p:spPr>
+            <a:xfrm>
+              <a:off x="219919" y="5309638"/>
+              <a:ext cx="0" cy="3000985"/>
+            </a:xfrm>
+            <a:prstGeom prst="line">
+              <a:avLst/>
+            </a:prstGeom>
+            <a:ln w="50800">
+              <a:solidFill>
+                <a:srgbClr val="FF0000"/>
+              </a:solidFill>
+            </a:ln>
+          </p:spPr>
+          <p:style>
+            <a:lnRef idx="1">
+              <a:schemeClr val="accent1"/>
+            </a:lnRef>
+            <a:fillRef idx="0">
+              <a:schemeClr val="accent1"/>
+            </a:fillRef>
+            <a:effectRef idx="0">
+              <a:schemeClr val="accent1"/>
+            </a:effectRef>
+            <a:fontRef idx="minor">
+              <a:schemeClr val="tx1"/>
+            </a:fontRef>
+          </p:style>
+        </p:cxnSp>
+        <p:cxnSp>
+          <p:nvCxnSpPr>
+            <p:cNvPr id="19" name="Gerade Verbindung 18"/>
+            <p:cNvCxnSpPr/>
+            <p:nvPr/>
+          </p:nvCxnSpPr>
+          <p:spPr>
+            <a:xfrm>
+              <a:off x="219919" y="8310623"/>
+              <a:ext cx="267442" cy="0"/>
+            </a:xfrm>
+            <a:prstGeom prst="line">
+              <a:avLst/>
+            </a:prstGeom>
+            <a:ln w="50800">
+              <a:solidFill>
+                <a:srgbClr val="FF0000"/>
+              </a:solidFill>
+            </a:ln>
+          </p:spPr>
+          <p:style>
+            <a:lnRef idx="1">
+              <a:schemeClr val="accent1"/>
+            </a:lnRef>
+            <a:fillRef idx="0">
+              <a:schemeClr val="accent1"/>
+            </a:fillRef>
+            <a:effectRef idx="0">
+              <a:schemeClr val="accent1"/>
+            </a:effectRef>
+            <a:fontRef idx="minor">
+              <a:schemeClr val="tx1"/>
+            </a:fontRef>
+          </p:style>
+        </p:cxnSp>
+      </p:grpSp>
       <p:pic>
         <p:nvPicPr>
           <p:cNvPr id="2051" name="Picture 3" descr="C:\Users\3t\AppData\Local\Microsoft\Windows\Temporary Internet Files\Content.IE5\OFIS4223\500px-Face-wink.svg[1].png"/>
@@ -10398,6 +12376,81 @@
   <p:clrMapOvr>
     <a:masterClrMapping/>
   </p:clrMapOvr>
+  <p:timing>
+    <p:tnLst>
+      <p:par>
+        <p:cTn id="1" dur="indefinite" restart="never" nodeType="tmRoot">
+          <p:childTnLst>
+            <p:seq concurrent="1" nextAc="seek">
+              <p:cTn id="2" dur="indefinite" nodeType="mainSeq">
+                <p:childTnLst>
+                  <p:par>
+                    <p:cTn id="3" fill="hold">
+                      <p:stCondLst>
+                        <p:cond delay="indefinite"/>
+                      </p:stCondLst>
+                      <p:childTnLst>
+                        <p:par>
+                          <p:cTn id="4" fill="hold">
+                            <p:stCondLst>
+                              <p:cond delay="0"/>
+                            </p:stCondLst>
+                            <p:childTnLst>
+                              <p:par>
+                                <p:cTn id="5" presetID="1" presetClass="entr" presetSubtype="0" fill="hold" nodeType="clickEffect">
+                                  <p:stCondLst>
+                                    <p:cond delay="0"/>
+                                  </p:stCondLst>
+                                  <p:childTnLst>
+                                    <p:set>
+                                      <p:cBhvr>
+                                        <p:cTn id="6" dur="1" fill="hold">
+                                          <p:stCondLst>
+                                            <p:cond delay="0"/>
+                                          </p:stCondLst>
+                                        </p:cTn>
+                                        <p:tgtEl>
+                                          <p:spTgt spid="3"/>
+                                        </p:tgtEl>
+                                        <p:attrNameLst>
+                                          <p:attrName>style.visibility</p:attrName>
+                                        </p:attrNameLst>
+                                      </p:cBhvr>
+                                      <p:to>
+                                        <p:strVal val="visible"/>
+                                      </p:to>
+                                    </p:set>
+                                  </p:childTnLst>
+                                </p:cTn>
+                              </p:par>
+                            </p:childTnLst>
+                          </p:cTn>
+                        </p:par>
+                      </p:childTnLst>
+                    </p:cTn>
+                  </p:par>
+                </p:childTnLst>
+              </p:cTn>
+              <p:prevCondLst>
+                <p:cond evt="onPrev" delay="0">
+                  <p:tgtEl>
+                    <p:sldTgt/>
+                  </p:tgtEl>
+                </p:cond>
+              </p:prevCondLst>
+              <p:nextCondLst>
+                <p:cond evt="onNext" delay="0">
+                  <p:tgtEl>
+                    <p:sldTgt/>
+                  </p:tgtEl>
+                </p:cond>
+              </p:nextCondLst>
+            </p:seq>
+          </p:childTnLst>
+        </p:cTn>
+      </p:par>
+    </p:tnLst>
+  </p:timing>
 </p:sld>
 </file>
 
@@ -10664,6 +12717,13 @@
   <p:clrMapOvr>
     <a:masterClrMapping/>
   </p:clrMapOvr>
+  <p:timing>
+    <p:tnLst>
+      <p:par>
+        <p:cTn id="1" dur="indefinite" restart="never" nodeType="tmRoot"/>
+      </p:par>
+    </p:tnLst>
+  </p:timing>
 </p:sld>
 </file>
 

--- a/ppt/Chess200.pptx
+++ b/ppt/Chess200.pptx
@@ -35,31 +35,31 @@
   <p:notesSz cx="7010400" cy="9296400"/>
   <p:embeddedFontLst>
     <p:embeddedFont>
-      <p:font typeface="Droid Sans Mono Chess ASCII" panose="020B0604020202020204" charset="0"/>
+      <p:font typeface="Arial Narrow" panose="020B0606020202030204" pitchFamily="34" charset="0"/>
       <p:regular r:id="rId23"/>
+      <p:bold r:id="rId24"/>
+      <p:italic r:id="rId25"/>
+      <p:boldItalic r:id="rId26"/>
+    </p:embeddedFont>
+    <p:embeddedFont>
+      <p:font typeface="Wingdings 3" panose="05040102010807070707" pitchFamily="18" charset="2"/>
+      <p:regular r:id="rId27"/>
     </p:embeddedFont>
     <p:embeddedFont>
       <p:font typeface="Arial Black" panose="020B0A04020102020204" pitchFamily="34" charset="0"/>
-      <p:bold r:id="rId24"/>
+      <p:bold r:id="rId28"/>
     </p:embeddedFont>
     <p:embeddedFont>
-      <p:font typeface="Agency FB" panose="020B0503020202020204" pitchFamily="34" charset="0"/>
-      <p:regular r:id="rId25"/>
-      <p:bold r:id="rId26"/>
+      <p:font typeface="Agency FB" panose="020B0604020202020204" charset="0"/>
+      <p:regular r:id="rId29"/>
+      <p:bold r:id="rId30"/>
+    </p:embeddedFont>
+    <p:embeddedFont>
+      <p:font typeface="Droid Sans Mono Chess ASCII" panose="020B0609030804020204" pitchFamily="50" charset="0"/>
+      <p:regular r:id="rId31"/>
     </p:embeddedFont>
     <p:embeddedFont>
       <p:font typeface="Calibri" panose="020F0502020204030204" pitchFamily="34" charset="0"/>
-      <p:regular r:id="rId27"/>
-      <p:bold r:id="rId28"/>
-      <p:italic r:id="rId29"/>
-      <p:boldItalic r:id="rId30"/>
-    </p:embeddedFont>
-    <p:embeddedFont>
-      <p:font typeface="Wingdings 3" panose="05040102010807070707" pitchFamily="18" charset="2"/>
-      <p:regular r:id="rId31"/>
-    </p:embeddedFont>
-    <p:embeddedFont>
-      <p:font typeface="Arial Narrow" panose="020B0606020202030204" pitchFamily="34" charset="0"/>
       <p:regular r:id="rId32"/>
       <p:bold r:id="rId33"/>
       <p:italic r:id="rId34"/>
@@ -3798,8 +3798,8 @@
         </p:nvSpPr>
         <p:spPr>
           <a:xfrm>
-            <a:off x="1249251" y="3080465"/>
-            <a:ext cx="10547798" cy="3046988"/>
+            <a:off x="1249251" y="2451815"/>
+            <a:ext cx="10547798" cy="3970318"/>
           </a:xfrm>
           <a:prstGeom prst="rect">
             <a:avLst/>
@@ -3813,25 +3813,25 @@
           <a:lstStyle/>
           <a:p>
             <a:r>
-              <a:rPr lang="en-US" sz="2000" i="1" smtClean="0"/>
+              <a:rPr lang="en-US" sz="2400" i="1" smtClean="0"/>
               <a:t>“As </a:t>
             </a:r>
             <a:r>
-              <a:rPr lang="en-US" sz="2000" i="1"/>
+              <a:rPr lang="en-US" sz="2400" i="1"/>
               <a:t>long as our hypothetical Blub programmer is looking down the power continuum, he knows he's looking down. Languages less powerful than Blub are obviously less powerful, because they're missing some feature he's used to. But when our hypothetical Blub programmer looks in the other direction, up the power continuum, he doesn't realize he's looking up. What he sees are merely weird languages. He probably considers them about equivalent in power to Blub, but with all this other hairy stuff thrown in as well. Blub is good enough for him, because he thinks in Blub</a:t>
             </a:r>
             <a:r>
-              <a:rPr lang="en-US" sz="2000" i="1" smtClean="0"/>
+              <a:rPr lang="en-US" sz="2400" i="1" smtClean="0"/>
               <a:t>.”</a:t>
             </a:r>
           </a:p>
           <a:p>
-            <a:endParaRPr lang="en-US" sz="2000" i="1" smtClean="0"/>
+            <a:endParaRPr lang="en-US" sz="2400" i="1" smtClean="0"/>
           </a:p>
           <a:p>
             <a:pPr algn="r"/>
             <a:r>
-              <a:rPr lang="en-US" sz="1600" smtClean="0">
+              <a:rPr lang="en-US" smtClean="0">
                 <a:latin typeface="Arial" panose="020B0604020202020204" pitchFamily="34" charset="0"/>
                 <a:cs typeface="Arial" panose="020B0604020202020204" pitchFamily="34" charset="0"/>
               </a:rPr>
@@ -3841,13 +3841,13 @@
           <a:p>
             <a:pPr algn="r"/>
             <a:r>
-              <a:rPr lang="en-US" sz="1600" smtClean="0">
+              <a:rPr lang="en-US" smtClean="0">
                 <a:latin typeface="Arial" panose="020B0604020202020204" pitchFamily="34" charset="0"/>
                 <a:cs typeface="Arial" panose="020B0604020202020204" pitchFamily="34" charset="0"/>
               </a:rPr>
               <a:t>(Startup Millionaire, co-Founder of YCombinator)</a:t>
             </a:r>
-            <a:endParaRPr lang="de-DE" sz="1600" smtClean="0">
+            <a:endParaRPr lang="de-DE" smtClean="0">
               <a:latin typeface="Arial" panose="020B0604020202020204" pitchFamily="34" charset="0"/>
               <a:cs typeface="Arial" panose="020B0604020202020204" pitchFamily="34" charset="0"/>
             </a:endParaRPr>
@@ -4080,7 +4080,18 @@
                 <a:ea typeface="Gill Sans" charset="0"/>
                 <a:cs typeface="Gill Sans" charset="0"/>
               </a:rPr>
-              <a:t>Full Programming at command line</a:t>
+              <a:t>Industrial </a:t>
+            </a:r>
+            <a:r>
+              <a:rPr lang="en-US" sz="2600" smtClean="0">
+                <a:solidFill>
+                  <a:srgbClr val="262626"/>
+                </a:solidFill>
+                <a:latin typeface="+mn-lt"/>
+                <a:ea typeface="Gill Sans" charset="0"/>
+                <a:cs typeface="Gill Sans" charset="0"/>
+              </a:rPr>
+              <a:t>Strength (Galois, …)</a:t>
             </a:r>
           </a:p>
           <a:p>
@@ -4105,7 +4116,7 @@
                 <a:ea typeface="Gill Sans" charset="0"/>
                 <a:cs typeface="Gill Sans" charset="0"/>
               </a:rPr>
-              <a:t> Industrial Strength (Galois, …)</a:t>
+              <a:t>Easy parallelization, Semaphores, …</a:t>
             </a:r>
           </a:p>
           <a:p>
@@ -4130,7 +4141,7 @@
                 <a:ea typeface="Gill Sans" charset="0"/>
                 <a:cs typeface="Gill Sans" charset="0"/>
               </a:rPr>
-              <a:t>Easy parallelization, Semaphores, …</a:t>
+              <a:t>“If it typechecks, it works”</a:t>
             </a:r>
           </a:p>
           <a:p>
@@ -4155,11 +4166,11 @@
                 <a:ea typeface="Gill Sans" charset="0"/>
                 <a:cs typeface="Gill Sans" charset="0"/>
               </a:rPr>
-              <a:t>“If it typechecks, it works”</a:t>
-            </a:r>
-          </a:p>
-          <a:p>
-            <a:pPr marL="254000" indent="-254000">
+              <a:t>Inspiring F#, Java, C#, …</a:t>
+            </a:r>
+          </a:p>
+          <a:p>
+            <a:pPr>
               <a:lnSpc>
                 <a:spcPct val="120000"/>
               </a:lnSpc>
@@ -4167,108 +4178,6 @@
                 <a:spcPts val="1000"/>
               </a:spcBef>
               <a:buSzPct val="120000"/>
-              <a:buFont typeface="Lucida Grande" charset="0"/>
-              <a:buChar char="‣"/>
-              <a:defRPr/>
-            </a:pPr>
-            <a:r>
-              <a:rPr lang="en-US" sz="2600" smtClean="0">
-                <a:solidFill>
-                  <a:srgbClr val="262626"/>
-                </a:solidFill>
-                <a:latin typeface="+mn-lt"/>
-                <a:ea typeface="Gill Sans" charset="0"/>
-                <a:cs typeface="Gill Sans" charset="0"/>
-              </a:rPr>
-              <a:t>Inspiring F#, Java, C#, …</a:t>
-            </a:r>
-          </a:p>
-          <a:p>
-            <a:pPr marL="254000" indent="-254000">
-              <a:lnSpc>
-                <a:spcPct val="120000"/>
-              </a:lnSpc>
-              <a:spcBef>
-                <a:spcPts val="1000"/>
-              </a:spcBef>
-              <a:buSzPct val="120000"/>
-              <a:buFont typeface="Lucida Grande" charset="0"/>
-              <a:buChar char="‣"/>
-              <a:defRPr/>
-            </a:pPr>
-            <a:r>
-              <a:rPr lang="en-US" sz="2600" smtClean="0">
-                <a:solidFill>
-                  <a:srgbClr val="262626"/>
-                </a:solidFill>
-                <a:latin typeface="+mn-lt"/>
-                <a:ea typeface="Gill Sans" charset="0"/>
-                <a:cs typeface="Gill Sans" charset="0"/>
-              </a:rPr>
-              <a:t>Every Monad is a DSL</a:t>
-            </a:r>
-          </a:p>
-          <a:p>
-            <a:pPr marL="254000" indent="-254000">
-              <a:lnSpc>
-                <a:spcPct val="120000"/>
-              </a:lnSpc>
-              <a:spcBef>
-                <a:spcPts val="1000"/>
-              </a:spcBef>
-              <a:buSzPct val="120000"/>
-              <a:buFont typeface="Lucida Grande" charset="0"/>
-              <a:buChar char="‣"/>
-              <a:defRPr/>
-            </a:pPr>
-            <a:r>
-              <a:rPr lang="en-US" sz="2600" smtClean="0">
-                <a:solidFill>
-                  <a:srgbClr val="262626"/>
-                </a:solidFill>
-                <a:latin typeface="+mn-lt"/>
-                <a:ea typeface="Gill Sans" charset="0"/>
-                <a:cs typeface="Gill Sans" charset="0"/>
-              </a:rPr>
-              <a:t>List Comprehension</a:t>
-            </a:r>
-          </a:p>
-          <a:p>
-            <a:pPr marL="254000" indent="-254000">
-              <a:lnSpc>
-                <a:spcPct val="120000"/>
-              </a:lnSpc>
-              <a:spcBef>
-                <a:spcPts val="1000"/>
-              </a:spcBef>
-              <a:buSzPct val="120000"/>
-              <a:buFont typeface="Lucida Grande" charset="0"/>
-              <a:buChar char="‣"/>
-              <a:defRPr/>
-            </a:pPr>
-            <a:r>
-              <a:rPr lang="en-US" sz="2600" smtClean="0">
-                <a:solidFill>
-                  <a:srgbClr val="262626"/>
-                </a:solidFill>
-                <a:latin typeface="+mn-lt"/>
-                <a:ea typeface="Gill Sans" charset="0"/>
-                <a:cs typeface="Gill Sans" charset="0"/>
-              </a:rPr>
-              <a:t>No null pointer</a:t>
-            </a:r>
-          </a:p>
-          <a:p>
-            <a:pPr marL="254000" indent="-254000">
-              <a:lnSpc>
-                <a:spcPct val="120000"/>
-              </a:lnSpc>
-              <a:spcBef>
-                <a:spcPts val="1000"/>
-              </a:spcBef>
-              <a:buSzPct val="120000"/>
-              <a:buFont typeface="Lucida Grande" charset="0"/>
-              <a:buChar char="‣"/>
               <a:defRPr/>
             </a:pPr>
             <a:endParaRPr lang="en-US" sz="2600">
@@ -4370,7 +4279,11 @@
           <a:p>
             <a:r>
               <a:rPr lang="en-US" smtClean="0"/>
-              <a:t>So called “List Comprehension”</a:t>
+              <a:t>“</a:t>
+            </a:r>
+            <a:r>
+              <a:rPr lang="en-US" smtClean="0"/>
+              <a:t>List Comprehension”</a:t>
             </a:r>
           </a:p>
         </p:txBody>
@@ -5060,7 +4973,7 @@
         <p:spPr>
           <a:xfrm>
             <a:off x="404057" y="3686026"/>
-            <a:ext cx="11679086" cy="707886"/>
+            <a:ext cx="5450630" cy="707886"/>
           </a:xfrm>
           <a:prstGeom prst="rect">
             <a:avLst/>
@@ -5079,7 +4992,61 @@
                 <a:ea typeface="Droid Sans Mono Chess ASCII" panose="020B0609030804020204" pitchFamily="50" charset="0"/>
                 <a:cs typeface="Droid Sans Mono Chess ASCII" panose="020B0609030804020204" pitchFamily="50" charset="0"/>
               </a:rPr>
-              <a:t>minimum list = head ( process2 list )</a:t>
+              <a:t>minimum </a:t>
+            </a:r>
+            <a:r>
+              <a:rPr lang="en-US" sz="4000" smtClean="0">
+                <a:latin typeface="Droid Sans Mono Chess ASCII" panose="020B0609030804020204" pitchFamily="50" charset="0"/>
+                <a:ea typeface="Droid Sans Mono Chess ASCII" panose="020B0609030804020204" pitchFamily="50" charset="0"/>
+                <a:cs typeface="Droid Sans Mono Chess ASCII" panose="020B0609030804020204" pitchFamily="50" charset="0"/>
+              </a:rPr>
+              <a:t>list =</a:t>
+            </a:r>
+            <a:endParaRPr lang="de-DE" sz="4000">
+              <a:latin typeface="Droid Sans Mono Chess ASCII" panose="020B0609030804020204" pitchFamily="50" charset="0"/>
+              <a:ea typeface="Droid Sans Mono Chess ASCII" panose="020B0609030804020204" pitchFamily="50" charset="0"/>
+              <a:cs typeface="Droid Sans Mono Chess ASCII" panose="020B0609030804020204" pitchFamily="50" charset="0"/>
+            </a:endParaRPr>
+          </a:p>
+        </p:txBody>
+      </p:sp>
+      <p:sp>
+        <p:nvSpPr>
+          <p:cNvPr id="6" name="Textfeld 5"/>
+          <p:cNvSpPr txBox="1"/>
+          <p:nvPr/>
+        </p:nvSpPr>
+        <p:spPr>
+          <a:xfrm>
+            <a:off x="5147507" y="3686026"/>
+            <a:ext cx="7177843" cy="707886"/>
+          </a:xfrm>
+          <a:prstGeom prst="rect">
+            <a:avLst/>
+          </a:prstGeom>
+          <a:noFill/>
+        </p:spPr>
+        <p:txBody>
+          <a:bodyPr wrap="square" rtlCol="0">
+            <a:spAutoFit/>
+          </a:bodyPr>
+          <a:lstStyle/>
+          <a:p>
+            <a:r>
+              <a:rPr lang="en-US" sz="4000" smtClean="0">
+                <a:latin typeface="Droid Sans Mono Chess ASCII" panose="020B0609030804020204" pitchFamily="50" charset="0"/>
+                <a:ea typeface="Droid Sans Mono Chess ASCII" panose="020B0609030804020204" pitchFamily="50" charset="0"/>
+                <a:cs typeface="Droid Sans Mono Chess ASCII" panose="020B0609030804020204" pitchFamily="50" charset="0"/>
+              </a:rPr>
+              <a:t>head </a:t>
+            </a:r>
+            <a:r>
+              <a:rPr lang="en-US" sz="4000" smtClean="0">
+                <a:latin typeface="Droid Sans Mono Chess ASCII" panose="020B0609030804020204" pitchFamily="50" charset="0"/>
+                <a:ea typeface="Droid Sans Mono Chess ASCII" panose="020B0609030804020204" pitchFamily="50" charset="0"/>
+                <a:cs typeface="Droid Sans Mono Chess ASCII" panose="020B0609030804020204" pitchFamily="50" charset="0"/>
+              </a:rPr>
+              <a:t>( process2 list )</a:t>
             </a:r>
             <a:endParaRPr lang="de-DE" sz="4000">
               <a:latin typeface="Droid Sans Mono Chess ASCII" panose="020B0609030804020204" pitchFamily="50" charset="0"/>
@@ -5102,9 +5069,178 @@
   <p:timing>
     <p:tnLst>
       <p:par>
-        <p:cTn id="1" dur="indefinite" restart="never" nodeType="tmRoot"/>
+        <p:cTn id="1" dur="indefinite" restart="never" nodeType="tmRoot">
+          <p:childTnLst>
+            <p:seq concurrent="1" nextAc="seek">
+              <p:cTn id="2" dur="indefinite" nodeType="mainSeq">
+                <p:childTnLst>
+                  <p:par>
+                    <p:cTn id="3" fill="hold">
+                      <p:stCondLst>
+                        <p:cond delay="indefinite"/>
+                      </p:stCondLst>
+                      <p:childTnLst>
+                        <p:par>
+                          <p:cTn id="4" fill="hold">
+                            <p:stCondLst>
+                              <p:cond delay="0"/>
+                            </p:stCondLst>
+                            <p:childTnLst>
+                              <p:par>
+                                <p:cTn id="5" presetID="1" presetClass="entr" presetSubtype="0" fill="hold" grpId="0" nodeType="clickEffect">
+                                  <p:stCondLst>
+                                    <p:cond delay="0"/>
+                                  </p:stCondLst>
+                                  <p:childTnLst>
+                                    <p:set>
+                                      <p:cBhvr>
+                                        <p:cTn id="6" dur="1" fill="hold">
+                                          <p:stCondLst>
+                                            <p:cond delay="0"/>
+                                          </p:stCondLst>
+                                        </p:cTn>
+                                        <p:tgtEl>
+                                          <p:spTgt spid="4"/>
+                                        </p:tgtEl>
+                                        <p:attrNameLst>
+                                          <p:attrName>style.visibility</p:attrName>
+                                        </p:attrNameLst>
+                                      </p:cBhvr>
+                                      <p:to>
+                                        <p:strVal val="visible"/>
+                                      </p:to>
+                                    </p:set>
+                                  </p:childTnLst>
+                                </p:cTn>
+                              </p:par>
+                            </p:childTnLst>
+                          </p:cTn>
+                        </p:par>
+                      </p:childTnLst>
+                    </p:cTn>
+                  </p:par>
+                  <p:par>
+                    <p:cTn id="7" fill="hold">
+                      <p:stCondLst>
+                        <p:cond delay="indefinite"/>
+                      </p:stCondLst>
+                      <p:childTnLst>
+                        <p:par>
+                          <p:cTn id="8" fill="hold">
+                            <p:stCondLst>
+                              <p:cond delay="0"/>
+                            </p:stCondLst>
+                            <p:childTnLst>
+                              <p:par>
+                                <p:cTn id="9" presetID="1" presetClass="entr" presetSubtype="0" fill="hold" nodeType="clickEffect">
+                                  <p:stCondLst>
+                                    <p:cond delay="0"/>
+                                  </p:stCondLst>
+                                  <p:childTnLst>
+                                    <p:set>
+                                      <p:cBhvr>
+                                        <p:cTn id="10" dur="1" fill="hold">
+                                          <p:stCondLst>
+                                            <p:cond delay="0"/>
+                                          </p:stCondLst>
+                                        </p:cTn>
+                                        <p:tgtEl>
+                                          <p:spTgt spid="5">
+                                            <p:txEl>
+                                              <p:pRg st="0" end="0"/>
+                                            </p:txEl>
+                                          </p:spTgt>
+                                        </p:tgtEl>
+                                        <p:attrNameLst>
+                                          <p:attrName>style.visibility</p:attrName>
+                                        </p:attrNameLst>
+                                      </p:cBhvr>
+                                      <p:to>
+                                        <p:strVal val="visible"/>
+                                      </p:to>
+                                    </p:set>
+                                  </p:childTnLst>
+                                </p:cTn>
+                              </p:par>
+                            </p:childTnLst>
+                          </p:cTn>
+                        </p:par>
+                      </p:childTnLst>
+                    </p:cTn>
+                  </p:par>
+                  <p:par>
+                    <p:cTn id="11" fill="hold">
+                      <p:stCondLst>
+                        <p:cond delay="indefinite"/>
+                      </p:stCondLst>
+                      <p:childTnLst>
+                        <p:par>
+                          <p:cTn id="12" fill="hold">
+                            <p:stCondLst>
+                              <p:cond delay="0"/>
+                            </p:stCondLst>
+                            <p:childTnLst>
+                              <p:par>
+                                <p:cTn id="13" presetID="1" presetClass="entr" presetSubtype="0" fill="hold" nodeType="clickEffect">
+                                  <p:stCondLst>
+                                    <p:cond delay="0"/>
+                                  </p:stCondLst>
+                                  <p:childTnLst>
+                                    <p:set>
+                                      <p:cBhvr>
+                                        <p:cTn id="14" dur="1" fill="hold">
+                                          <p:stCondLst>
+                                            <p:cond delay="0"/>
+                                          </p:stCondLst>
+                                        </p:cTn>
+                                        <p:tgtEl>
+                                          <p:spTgt spid="6">
+                                            <p:txEl>
+                                              <p:pRg st="0" end="0"/>
+                                            </p:txEl>
+                                          </p:spTgt>
+                                        </p:tgtEl>
+                                        <p:attrNameLst>
+                                          <p:attrName>style.visibility</p:attrName>
+                                        </p:attrNameLst>
+                                      </p:cBhvr>
+                                      <p:to>
+                                        <p:strVal val="visible"/>
+                                      </p:to>
+                                    </p:set>
+                                  </p:childTnLst>
+                                </p:cTn>
+                              </p:par>
+                            </p:childTnLst>
+                          </p:cTn>
+                        </p:par>
+                      </p:childTnLst>
+                    </p:cTn>
+                  </p:par>
+                </p:childTnLst>
+              </p:cTn>
+              <p:prevCondLst>
+                <p:cond evt="onPrev" delay="0">
+                  <p:tgtEl>
+                    <p:sldTgt/>
+                  </p:tgtEl>
+                </p:cond>
+              </p:prevCondLst>
+              <p:nextCondLst>
+                <p:cond evt="onNext" delay="0">
+                  <p:tgtEl>
+                    <p:sldTgt/>
+                  </p:tgtEl>
+                </p:cond>
+              </p:nextCondLst>
+            </p:seq>
+          </p:childTnLst>
+        </p:cTn>
       </p:par>
     </p:tnLst>
+    <p:bldLst>
+      <p:bldP spid="4" grpId="0"/>
+    </p:bldLst>
   </p:timing>
 </p:sld>
 </file>
@@ -5403,8 +5539,8 @@
         </p:nvSpPr>
         <p:spPr>
           <a:xfrm>
-            <a:off x="404057" y="1791913"/>
-            <a:ext cx="12114514" cy="2862322"/>
+            <a:off x="404057" y="2154391"/>
+            <a:ext cx="12114514" cy="646331"/>
           </a:xfrm>
           <a:prstGeom prst="rect">
             <a:avLst/>
@@ -5423,16 +5559,61 @@
                 <a:ea typeface="Droid Sans Mono Chess ASCII" panose="020B0609030804020204" pitchFamily="50" charset="0"/>
                 <a:cs typeface="Droid Sans Mono Chess ASCII" panose="020B0609030804020204" pitchFamily="50" charset="0"/>
               </a:rPr>
-              <a:t>data Maybe typ = Just typ | Nothing</a:t>
-            </a:r>
-          </a:p>
-          <a:p>
-            <a:endParaRPr lang="en-US" sz="3600">
+              <a:t>data Maybe </a:t>
+            </a:r>
+            <a:r>
+              <a:rPr lang="en-US" sz="3600" smtClean="0">
+                <a:latin typeface="Droid Sans Mono Chess ASCII" panose="020B0609030804020204" pitchFamily="50" charset="0"/>
+                <a:ea typeface="Droid Sans Mono Chess ASCII" panose="020B0609030804020204" pitchFamily="50" charset="0"/>
+                <a:cs typeface="Droid Sans Mono Chess ASCII" panose="020B0609030804020204" pitchFamily="50" charset="0"/>
+              </a:rPr>
+              <a:t>typ   =   Just </a:t>
+            </a:r>
+            <a:r>
+              <a:rPr lang="en-US" sz="3600" smtClean="0">
+                <a:latin typeface="Droid Sans Mono Chess ASCII" panose="020B0609030804020204" pitchFamily="50" charset="0"/>
+                <a:ea typeface="Droid Sans Mono Chess ASCII" panose="020B0609030804020204" pitchFamily="50" charset="0"/>
+                <a:cs typeface="Droid Sans Mono Chess ASCII" panose="020B0609030804020204" pitchFamily="50" charset="0"/>
+              </a:rPr>
+              <a:t>typ | </a:t>
+            </a:r>
+            <a:r>
+              <a:rPr lang="en-US" sz="3600" smtClean="0">
+                <a:latin typeface="Droid Sans Mono Chess ASCII" panose="020B0609030804020204" pitchFamily="50" charset="0"/>
+                <a:ea typeface="Droid Sans Mono Chess ASCII" panose="020B0609030804020204" pitchFamily="50" charset="0"/>
+                <a:cs typeface="Droid Sans Mono Chess ASCII" panose="020B0609030804020204" pitchFamily="50" charset="0"/>
+              </a:rPr>
+              <a:t>Nothing</a:t>
+            </a:r>
+            <a:endParaRPr lang="en-US" sz="3600" smtClean="0">
               <a:latin typeface="Droid Sans Mono Chess ASCII" panose="020B0609030804020204" pitchFamily="50" charset="0"/>
               <a:ea typeface="Droid Sans Mono Chess ASCII" panose="020B0609030804020204" pitchFamily="50" charset="0"/>
               <a:cs typeface="Droid Sans Mono Chess ASCII" panose="020B0609030804020204" pitchFamily="50" charset="0"/>
             </a:endParaRPr>
           </a:p>
+        </p:txBody>
+      </p:sp>
+      <p:sp>
+        <p:nvSpPr>
+          <p:cNvPr id="4" name="Textfeld 3"/>
+          <p:cNvSpPr txBox="1"/>
+          <p:nvPr/>
+        </p:nvSpPr>
+        <p:spPr>
+          <a:xfrm>
+            <a:off x="404057" y="4363663"/>
+            <a:ext cx="12114514" cy="1754326"/>
+          </a:xfrm>
+          <a:prstGeom prst="rect">
+            <a:avLst/>
+          </a:prstGeom>
+          <a:noFill/>
+        </p:spPr>
+        <p:txBody>
+          <a:bodyPr wrap="square" rtlCol="0">
+            <a:spAutoFit/>
+          </a:bodyPr>
+          <a:lstStyle/>
           <a:p>
             <a:r>
               <a:rPr lang="en-US" sz="3600" smtClean="0">
@@ -5440,7 +5621,15 @@
                 <a:ea typeface="Droid Sans Mono Chess ASCII" panose="020B0609030804020204" pitchFamily="50" charset="0"/>
                 <a:cs typeface="Droid Sans Mono Chess ASCII" panose="020B0609030804020204" pitchFamily="50" charset="0"/>
               </a:rPr>
-              <a:t>case measurement of</a:t>
+              <a:t>case </a:t>
+            </a:r>
+            <a:r>
+              <a:rPr lang="en-US" sz="3600" smtClean="0">
+                <a:latin typeface="Droid Sans Mono Chess ASCII" panose="020B0609030804020204" pitchFamily="50" charset="0"/>
+                <a:ea typeface="Droid Sans Mono Chess ASCII" panose="020B0609030804020204" pitchFamily="50" charset="0"/>
+                <a:cs typeface="Droid Sans Mono Chess ASCII" panose="020B0609030804020204" pitchFamily="50" charset="0"/>
+              </a:rPr>
+              <a:t>measurement of</a:t>
             </a:r>
           </a:p>
           <a:p>
@@ -5499,9 +5688,80 @@
   <p:timing>
     <p:tnLst>
       <p:par>
-        <p:cTn id="1" dur="indefinite" restart="never" nodeType="tmRoot"/>
+        <p:cTn id="1" dur="indefinite" restart="never" nodeType="tmRoot">
+          <p:childTnLst>
+            <p:seq concurrent="1" nextAc="seek">
+              <p:cTn id="2" dur="indefinite" nodeType="mainSeq">
+                <p:childTnLst>
+                  <p:par>
+                    <p:cTn id="3" fill="hold">
+                      <p:stCondLst>
+                        <p:cond delay="indefinite"/>
+                      </p:stCondLst>
+                      <p:childTnLst>
+                        <p:par>
+                          <p:cTn id="4" fill="hold">
+                            <p:stCondLst>
+                              <p:cond delay="0"/>
+                            </p:stCondLst>
+                            <p:childTnLst>
+                              <p:par>
+                                <p:cTn id="5" presetID="1" presetClass="entr" presetSubtype="0" fill="hold" grpId="0" nodeType="clickEffect">
+                                  <p:stCondLst>
+                                    <p:cond delay="0"/>
+                                  </p:stCondLst>
+                                  <p:childTnLst>
+                                    <p:set>
+                                      <p:cBhvr>
+                                        <p:cTn id="6" dur="1" fill="hold">
+                                          <p:stCondLst>
+                                            <p:cond delay="0"/>
+                                          </p:stCondLst>
+                                        </p:cTn>
+                                        <p:tgtEl>
+                                          <p:spTgt spid="4"/>
+                                        </p:tgtEl>
+                                        <p:attrNameLst>
+                                          <p:attrName>style.visibility</p:attrName>
+                                        </p:attrNameLst>
+                                      </p:cBhvr>
+                                      <p:to>
+                                        <p:strVal val="visible"/>
+                                      </p:to>
+                                    </p:set>
+                                  </p:childTnLst>
+                                </p:cTn>
+                              </p:par>
+                            </p:childTnLst>
+                          </p:cTn>
+                        </p:par>
+                      </p:childTnLst>
+                    </p:cTn>
+                  </p:par>
+                </p:childTnLst>
+              </p:cTn>
+              <p:prevCondLst>
+                <p:cond evt="onPrev" delay="0">
+                  <p:tgtEl>
+                    <p:sldTgt/>
+                  </p:tgtEl>
+                </p:cond>
+              </p:prevCondLst>
+              <p:nextCondLst>
+                <p:cond evt="onNext" delay="0">
+                  <p:tgtEl>
+                    <p:sldTgt/>
+                  </p:tgtEl>
+                </p:cond>
+              </p:nextCondLst>
+            </p:seq>
+          </p:childTnLst>
+        </p:cTn>
       </p:par>
     </p:tnLst>
+    <p:bldLst>
+      <p:bldP spid="4" grpId="0"/>
+    </p:bldLst>
   </p:timing>
 </p:sld>
 </file>
@@ -5607,8 +5867,8 @@
         </p:nvSpPr>
         <p:spPr>
           <a:xfrm>
-            <a:off x="1563155" y="1701544"/>
-            <a:ext cx="3578224" cy="2246769"/>
+            <a:off x="769937" y="1563718"/>
+            <a:ext cx="4278735" cy="2862322"/>
           </a:xfrm>
           <a:prstGeom prst="rect">
             <a:avLst/>
@@ -5627,7 +5887,7 @@
           <a:lstStyle/>
           <a:p>
             <a:r>
-              <a:rPr lang="en-US" sz="1400">
+              <a:rPr lang="en-US">
                 <a:latin typeface="Droid Sans Mono Chess ASCII" panose="020B0609030804020204" pitchFamily="50" charset="0"/>
                 <a:ea typeface="Droid Sans Mono Chess ASCII" panose="020B0609030804020204" pitchFamily="50" charset="0"/>
                 <a:cs typeface="Droid Sans Mono Chess ASCII" panose="020B0609030804020204" pitchFamily="50" charset="0"/>
@@ -5636,7 +5896,7 @@
             </a:r>
           </a:p>
           <a:p>
-            <a:endParaRPr lang="en-US" sz="1400">
+            <a:endParaRPr lang="en-US">
               <a:latin typeface="Droid Sans Mono Chess ASCII" panose="020B0609030804020204" pitchFamily="50" charset="0"/>
               <a:ea typeface="Droid Sans Mono Chess ASCII" panose="020B0609030804020204" pitchFamily="50" charset="0"/>
               <a:cs typeface="Droid Sans Mono Chess ASCII" panose="020B0609030804020204" pitchFamily="50" charset="0"/>
@@ -5644,7 +5904,7 @@
           </a:p>
           <a:p>
             <a:r>
-              <a:rPr lang="en-US" sz="1400">
+              <a:rPr lang="en-US">
                 <a:latin typeface="Droid Sans Mono Chess ASCII" panose="020B0609030804020204" pitchFamily="50" charset="0"/>
                 <a:ea typeface="Droid Sans Mono Chess ASCII" panose="020B0609030804020204" pitchFamily="50" charset="0"/>
                 <a:cs typeface="Droid Sans Mono Chess ASCII" panose="020B0609030804020204" pitchFamily="50" charset="0"/>
@@ -5654,7 +5914,7 @@
           </a:p>
           <a:p>
             <a:r>
-              <a:rPr lang="en-US" sz="1400">
+              <a:rPr lang="en-US">
                 <a:latin typeface="Droid Sans Mono Chess ASCII" panose="020B0609030804020204" pitchFamily="50" charset="0"/>
                 <a:ea typeface="Droid Sans Mono Chess ASCII" panose="020B0609030804020204" pitchFamily="50" charset="0"/>
                 <a:cs typeface="Droid Sans Mono Chess ASCII" panose="020B0609030804020204" pitchFamily="50" charset="0"/>
@@ -5662,14 +5922,14 @@
               <a:t>&gt; 	deriving (</a:t>
             </a:r>
             <a:r>
-              <a:rPr lang="en-US" sz="1400" smtClean="0">
+              <a:rPr lang="en-US" smtClean="0">
                 <a:latin typeface="Droid Sans Mono Chess ASCII" panose="020B0609030804020204" pitchFamily="50" charset="0"/>
                 <a:ea typeface="Droid Sans Mono Chess ASCII" panose="020B0609030804020204" pitchFamily="50" charset="0"/>
                 <a:cs typeface="Droid Sans Mono Chess ASCII" panose="020B0609030804020204" pitchFamily="50" charset="0"/>
               </a:rPr>
               <a:t>Show,Eq,Enum)</a:t>
             </a:r>
-            <a:endParaRPr lang="en-US" sz="1400">
+            <a:endParaRPr lang="en-US">
               <a:latin typeface="Droid Sans Mono Chess ASCII" panose="020B0609030804020204" pitchFamily="50" charset="0"/>
               <a:ea typeface="Droid Sans Mono Chess ASCII" panose="020B0609030804020204" pitchFamily="50" charset="0"/>
               <a:cs typeface="Droid Sans Mono Chess ASCII" panose="020B0609030804020204" pitchFamily="50" charset="0"/>
@@ -5677,7 +5937,7 @@
           </a:p>
           <a:p>
             <a:r>
-              <a:rPr lang="en-US" sz="1400">
+              <a:rPr lang="en-US">
                 <a:latin typeface="Droid Sans Mono Chess ASCII" panose="020B0609030804020204" pitchFamily="50" charset="0"/>
                 <a:ea typeface="Droid Sans Mono Chess ASCII" panose="020B0609030804020204" pitchFamily="50" charset="0"/>
                 <a:cs typeface="Droid Sans Mono Chess ASCII" panose="020B0609030804020204" pitchFamily="50" charset="0"/>
@@ -5686,7 +5946,7 @@
             </a:r>
           </a:p>
           <a:p>
-            <a:endParaRPr lang="en-US" sz="1400">
+            <a:endParaRPr lang="en-US">
               <a:latin typeface="Droid Sans Mono Chess ASCII" panose="020B0609030804020204" pitchFamily="50" charset="0"/>
               <a:ea typeface="Droid Sans Mono Chess ASCII" panose="020B0609030804020204" pitchFamily="50" charset="0"/>
               <a:cs typeface="Droid Sans Mono Chess ASCII" panose="020B0609030804020204" pitchFamily="50" charset="0"/>
@@ -5694,7 +5954,7 @@
           </a:p>
           <a:p>
             <a:r>
-              <a:rPr lang="en-US" sz="1400">
+              <a:rPr lang="en-US">
                 <a:latin typeface="Droid Sans Mono Chess ASCII" panose="020B0609030804020204" pitchFamily="50" charset="0"/>
                 <a:ea typeface="Droid Sans Mono Chess ASCII" panose="020B0609030804020204" pitchFamily="50" charset="0"/>
                 <a:cs typeface="Droid Sans Mono Chess ASCII" panose="020B0609030804020204" pitchFamily="50" charset="0"/>
@@ -5703,7 +5963,7 @@
             </a:r>
           </a:p>
           <a:p>
-            <a:endParaRPr lang="en-US" sz="1400">
+            <a:endParaRPr lang="en-US">
               <a:latin typeface="Droid Sans Mono Chess ASCII" panose="020B0609030804020204" pitchFamily="50" charset="0"/>
               <a:ea typeface="Droid Sans Mono Chess ASCII" panose="020B0609030804020204" pitchFamily="50" charset="0"/>
               <a:cs typeface="Droid Sans Mono Chess ASCII" panose="020B0609030804020204" pitchFamily="50" charset="0"/>
@@ -5711,7 +5971,7 @@
           </a:p>
           <a:p>
             <a:r>
-              <a:rPr lang="en-US" sz="1400">
+              <a:rPr lang="en-US">
                 <a:latin typeface="Droid Sans Mono Chess ASCII" panose="020B0609030804020204" pitchFamily="50" charset="0"/>
                 <a:ea typeface="Droid Sans Mono Chess ASCII" panose="020B0609030804020204" pitchFamily="50" charset="0"/>
                 <a:cs typeface="Droid Sans Mono Chess ASCII" panose="020B0609030804020204" pitchFamily="50" charset="0"/>
@@ -5721,7 +5981,7 @@
           </a:p>
           <a:p>
             <a:r>
-              <a:rPr lang="en-US" sz="1400">
+              <a:rPr lang="en-US">
                 <a:latin typeface="Droid Sans Mono Chess ASCII" panose="020B0609030804020204" pitchFamily="50" charset="0"/>
                 <a:ea typeface="Droid Sans Mono Chess ASCII" panose="020B0609030804020204" pitchFamily="50" charset="0"/>
                 <a:cs typeface="Droid Sans Mono Chess ASCII" panose="020B0609030804020204" pitchFamily="50" charset="0"/>
@@ -5739,8 +5999,8 @@
         </p:nvSpPr>
         <p:spPr>
           <a:xfrm>
-            <a:off x="7511047" y="1701543"/>
-            <a:ext cx="3578224" cy="2246769"/>
+            <a:off x="7511047" y="1543859"/>
+            <a:ext cx="4278735" cy="2862322"/>
           </a:xfrm>
           <a:prstGeom prst="rect">
             <a:avLst/>
@@ -5759,7 +6019,7 @@
           <a:lstStyle/>
           <a:p>
             <a:r>
-              <a:rPr lang="en-US" sz="1400" smtClean="0">
+              <a:rPr lang="en-US" smtClean="0">
                 <a:latin typeface="Droid Sans Mono Chess ASCII" panose="020B0609030804020204" pitchFamily="50" charset="0"/>
                 <a:ea typeface="Droid Sans Mono Chess ASCII" panose="020B0609030804020204" pitchFamily="50" charset="0"/>
                 <a:cs typeface="Droid Sans Mono Chess ASCII" panose="020B0609030804020204" pitchFamily="50" charset="0"/>
@@ -5767,7 +6027,7 @@
               <a:t>-- In </a:t>
             </a:r>
             <a:r>
-              <a:rPr lang="en-US" sz="1400">
+              <a:rPr lang="en-US">
                 <a:latin typeface="Droid Sans Mono Chess ASCII" panose="020B0609030804020204" pitchFamily="50" charset="0"/>
                 <a:ea typeface="Droid Sans Mono Chess ASCII" panose="020B0609030804020204" pitchFamily="50" charset="0"/>
                 <a:cs typeface="Droid Sans Mono Chess ASCII" panose="020B0609030804020204" pitchFamily="50" charset="0"/>
@@ -5776,7 +6036,7 @@
             </a:r>
           </a:p>
           <a:p>
-            <a:endParaRPr lang="en-US" sz="1400">
+            <a:endParaRPr lang="en-US">
               <a:latin typeface="Droid Sans Mono Chess ASCII" panose="020B0609030804020204" pitchFamily="50" charset="0"/>
               <a:ea typeface="Droid Sans Mono Chess ASCII" panose="020B0609030804020204" pitchFamily="50" charset="0"/>
               <a:cs typeface="Droid Sans Mono Chess ASCII" panose="020B0609030804020204" pitchFamily="50" charset="0"/>
@@ -5784,7 +6044,7 @@
           </a:p>
           <a:p>
             <a:r>
-              <a:rPr lang="en-US" sz="1400" smtClean="0">
+              <a:rPr lang="en-US" smtClean="0">
                 <a:latin typeface="Droid Sans Mono Chess ASCII" panose="020B0609030804020204" pitchFamily="50" charset="0"/>
                 <a:ea typeface="Droid Sans Mono Chess ASCII" panose="020B0609030804020204" pitchFamily="50" charset="0"/>
                 <a:cs typeface="Droid Sans Mono Chess ASCII" panose="020B0609030804020204" pitchFamily="50" charset="0"/>
@@ -5792,7 +6052,7 @@
               <a:t>data </a:t>
             </a:r>
             <a:r>
-              <a:rPr lang="en-US" sz="1400">
+              <a:rPr lang="en-US">
                 <a:latin typeface="Droid Sans Mono Chess ASCII" panose="020B0609030804020204" pitchFamily="50" charset="0"/>
                 <a:ea typeface="Droid Sans Mono Chess ASCII" panose="020B0609030804020204" pitchFamily="50" charset="0"/>
                 <a:cs typeface="Droid Sans Mono Chess ASCII" panose="020B0609030804020204" pitchFamily="50" charset="0"/>
@@ -5802,7 +6062,7 @@
           </a:p>
           <a:p>
             <a:r>
-              <a:rPr lang="en-US" sz="1400">
+              <a:rPr lang="en-US">
                 <a:latin typeface="Droid Sans Mono Chess ASCII" panose="020B0609030804020204" pitchFamily="50" charset="0"/>
                 <a:ea typeface="Droid Sans Mono Chess ASCII" panose="020B0609030804020204" pitchFamily="50" charset="0"/>
                 <a:cs typeface="Droid Sans Mono Chess ASCII" panose="020B0609030804020204" pitchFamily="50" charset="0"/>
@@ -5810,14 +6070,14 @@
               <a:t>	deriving (</a:t>
             </a:r>
             <a:r>
-              <a:rPr lang="en-US" sz="1400" smtClean="0">
+              <a:rPr lang="en-US" smtClean="0">
                 <a:latin typeface="Droid Sans Mono Chess ASCII" panose="020B0609030804020204" pitchFamily="50" charset="0"/>
                 <a:ea typeface="Droid Sans Mono Chess ASCII" panose="020B0609030804020204" pitchFamily="50" charset="0"/>
                 <a:cs typeface="Droid Sans Mono Chess ASCII" panose="020B0609030804020204" pitchFamily="50" charset="0"/>
               </a:rPr>
               <a:t>Show,Eq,Enum)</a:t>
             </a:r>
-            <a:endParaRPr lang="en-US" sz="1400">
+            <a:endParaRPr lang="en-US">
               <a:latin typeface="Droid Sans Mono Chess ASCII" panose="020B0609030804020204" pitchFamily="50" charset="0"/>
               <a:ea typeface="Droid Sans Mono Chess ASCII" panose="020B0609030804020204" pitchFamily="50" charset="0"/>
               <a:cs typeface="Droid Sans Mono Chess ASCII" panose="020B0609030804020204" pitchFamily="50" charset="0"/>
@@ -5825,7 +6085,7 @@
           </a:p>
           <a:p>
             <a:r>
-              <a:rPr lang="en-US" sz="1400" smtClean="0">
+              <a:rPr lang="en-US" smtClean="0">
                 <a:latin typeface="Droid Sans Mono Chess ASCII" panose="020B0609030804020204" pitchFamily="50" charset="0"/>
                 <a:ea typeface="Droid Sans Mono Chess ASCII" panose="020B0609030804020204" pitchFamily="50" charset="0"/>
                 <a:cs typeface="Droid Sans Mono Chess ASCII" panose="020B0609030804020204" pitchFamily="50" charset="0"/>
@@ -5833,7 +6093,7 @@
               <a:t>instance </a:t>
             </a:r>
             <a:r>
-              <a:rPr lang="en-US" sz="1400">
+              <a:rPr lang="en-US">
                 <a:latin typeface="Droid Sans Mono Chess ASCII" panose="020B0609030804020204" pitchFamily="50" charset="0"/>
                 <a:ea typeface="Droid Sans Mono Chess ASCII" panose="020B0609030804020204" pitchFamily="50" charset="0"/>
                 <a:cs typeface="Droid Sans Mono Chess ASCII" panose="020B0609030804020204" pitchFamily="50" charset="0"/>
@@ -5842,7 +6102,7 @@
             </a:r>
           </a:p>
           <a:p>
-            <a:endParaRPr lang="en-US" sz="1400">
+            <a:endParaRPr lang="en-US">
               <a:latin typeface="Droid Sans Mono Chess ASCII" panose="020B0609030804020204" pitchFamily="50" charset="0"/>
               <a:ea typeface="Droid Sans Mono Chess ASCII" panose="020B0609030804020204" pitchFamily="50" charset="0"/>
               <a:cs typeface="Droid Sans Mono Chess ASCII" panose="020B0609030804020204" pitchFamily="50" charset="0"/>
@@ -5850,7 +6110,7 @@
           </a:p>
           <a:p>
             <a:r>
-              <a:rPr lang="en-US" sz="1400" smtClean="0">
+              <a:rPr lang="en-US" smtClean="0">
                 <a:latin typeface="Droid Sans Mono Chess ASCII" panose="020B0609030804020204" pitchFamily="50" charset="0"/>
                 <a:ea typeface="Droid Sans Mono Chess ASCII" panose="020B0609030804020204" pitchFamily="50" charset="0"/>
                 <a:cs typeface="Droid Sans Mono Chess ASCII" panose="020B0609030804020204" pitchFamily="50" charset="0"/>
@@ -5858,7 +6118,7 @@
               <a:t>-- are </a:t>
             </a:r>
             <a:r>
-              <a:rPr lang="en-US" sz="1400">
+              <a:rPr lang="en-US">
                 <a:latin typeface="Droid Sans Mono Chess ASCII" panose="020B0609030804020204" pitchFamily="50" charset="0"/>
                 <a:ea typeface="Droid Sans Mono Chess ASCII" panose="020B0609030804020204" pitchFamily="50" charset="0"/>
                 <a:cs typeface="Droid Sans Mono Chess ASCII" panose="020B0609030804020204" pitchFamily="50" charset="0"/>
@@ -5867,7 +6127,7 @@
             </a:r>
           </a:p>
           <a:p>
-            <a:endParaRPr lang="en-US" sz="1400">
+            <a:endParaRPr lang="en-US">
               <a:latin typeface="Droid Sans Mono Chess ASCII" panose="020B0609030804020204" pitchFamily="50" charset="0"/>
               <a:ea typeface="Droid Sans Mono Chess ASCII" panose="020B0609030804020204" pitchFamily="50" charset="0"/>
               <a:cs typeface="Droid Sans Mono Chess ASCII" panose="020B0609030804020204" pitchFamily="50" charset="0"/>
@@ -5875,7 +6135,7 @@
           </a:p>
           <a:p>
             <a:r>
-              <a:rPr lang="en-US" sz="1400" smtClean="0">
+              <a:rPr lang="en-US" smtClean="0">
                 <a:latin typeface="Droid Sans Mono Chess ASCII" panose="020B0609030804020204" pitchFamily="50" charset="0"/>
                 <a:ea typeface="Droid Sans Mono Chess ASCII" panose="020B0609030804020204" pitchFamily="50" charset="0"/>
                 <a:cs typeface="Droid Sans Mono Chess ASCII" panose="020B0609030804020204" pitchFamily="50" charset="0"/>
@@ -5883,7 +6143,7 @@
               <a:t>nextColour </a:t>
             </a:r>
             <a:r>
-              <a:rPr lang="en-US" sz="1400">
+              <a:rPr lang="en-US">
                 <a:latin typeface="Droid Sans Mono Chess ASCII" panose="020B0609030804020204" pitchFamily="50" charset="0"/>
                 <a:ea typeface="Droid Sans Mono Chess ASCII" panose="020B0609030804020204" pitchFamily="50" charset="0"/>
                 <a:cs typeface="Droid Sans Mono Chess ASCII" panose="020B0609030804020204" pitchFamily="50" charset="0"/>
@@ -5893,7 +6153,7 @@
           </a:p>
           <a:p>
             <a:r>
-              <a:rPr lang="en-US" sz="1400" smtClean="0">
+              <a:rPr lang="en-US" smtClean="0">
                 <a:latin typeface="Droid Sans Mono Chess ASCII" panose="020B0609030804020204" pitchFamily="50" charset="0"/>
                 <a:ea typeface="Droid Sans Mono Chess ASCII" panose="020B0609030804020204" pitchFamily="50" charset="0"/>
                 <a:cs typeface="Droid Sans Mono Chess ASCII" panose="020B0609030804020204" pitchFamily="50" charset="0"/>
@@ -5901,7 +6161,7 @@
               <a:t>nextColour </a:t>
             </a:r>
             <a:r>
-              <a:rPr lang="en-US" sz="1400">
+              <a:rPr lang="en-US">
                 <a:latin typeface="Droid Sans Mono Chess ASCII" panose="020B0609030804020204" pitchFamily="50" charset="0"/>
                 <a:ea typeface="Droid Sans Mono Chess ASCII" panose="020B0609030804020204" pitchFamily="50" charset="0"/>
                 <a:cs typeface="Droid Sans Mono Chess ASCII" panose="020B0609030804020204" pitchFamily="50" charset="0"/>
@@ -5919,7 +6179,7 @@
         </p:nvSpPr>
         <p:spPr>
           <a:xfrm>
-            <a:off x="5847008" y="2524259"/>
+            <a:off x="5847008" y="2749639"/>
             <a:ext cx="850006" cy="450761"/>
           </a:xfrm>
           <a:prstGeom prst="rightArrow">
@@ -5965,7 +6225,7 @@
         </p:nvSpPr>
         <p:spPr>
           <a:xfrm>
-            <a:off x="155575" y="4697055"/>
+            <a:off x="155575" y="5440005"/>
             <a:ext cx="12849225" cy="2308324"/>
           </a:xfrm>
           <a:prstGeom prst="rect">
@@ -6220,9 +6480,134 @@
   <p:timing>
     <p:tnLst>
       <p:par>
-        <p:cTn id="1" dur="indefinite" restart="never" nodeType="tmRoot"/>
+        <p:cTn id="1" dur="indefinite" restart="never" nodeType="tmRoot">
+          <p:childTnLst>
+            <p:seq concurrent="1" nextAc="seek">
+              <p:cTn id="2" dur="indefinite" nodeType="mainSeq">
+                <p:childTnLst>
+                  <p:par>
+                    <p:cTn id="3" fill="hold">
+                      <p:stCondLst>
+                        <p:cond delay="indefinite"/>
+                      </p:stCondLst>
+                      <p:childTnLst>
+                        <p:par>
+                          <p:cTn id="4" fill="hold">
+                            <p:stCondLst>
+                              <p:cond delay="0"/>
+                            </p:stCondLst>
+                            <p:childTnLst>
+                              <p:par>
+                                <p:cTn id="5" presetID="42" presetClass="entr" presetSubtype="0" fill="hold" grpId="0" nodeType="clickEffect">
+                                  <p:stCondLst>
+                                    <p:cond delay="0"/>
+                                  </p:stCondLst>
+                                  <p:childTnLst>
+                                    <p:set>
+                                      <p:cBhvr>
+                                        <p:cTn id="6" dur="1" fill="hold">
+                                          <p:stCondLst>
+                                            <p:cond delay="0"/>
+                                          </p:stCondLst>
+                                        </p:cTn>
+                                        <p:tgtEl>
+                                          <p:spTgt spid="4"/>
+                                        </p:tgtEl>
+                                        <p:attrNameLst>
+                                          <p:attrName>style.visibility</p:attrName>
+                                        </p:attrNameLst>
+                                      </p:cBhvr>
+                                      <p:to>
+                                        <p:strVal val="visible"/>
+                                      </p:to>
+                                    </p:set>
+                                    <p:animEffect transition="in" filter="fade">
+                                      <p:cBhvr>
+                                        <p:cTn id="7" dur="1000"/>
+                                        <p:tgtEl>
+                                          <p:spTgt spid="4"/>
+                                        </p:tgtEl>
+                                      </p:cBhvr>
+                                    </p:animEffect>
+                                    <p:anim calcmode="lin" valueType="num">
+                                      <p:cBhvr>
+                                        <p:cTn id="8" dur="1000" fill="hold"/>
+                                        <p:tgtEl>
+                                          <p:spTgt spid="4"/>
+                                        </p:tgtEl>
+                                        <p:attrNameLst>
+                                          <p:attrName>ppt_x</p:attrName>
+                                        </p:attrNameLst>
+                                      </p:cBhvr>
+                                      <p:tavLst>
+                                        <p:tav tm="0">
+                                          <p:val>
+                                            <p:strVal val="#ppt_x"/>
+                                          </p:val>
+                                        </p:tav>
+                                        <p:tav tm="100000">
+                                          <p:val>
+                                            <p:strVal val="#ppt_x"/>
+                                          </p:val>
+                                        </p:tav>
+                                      </p:tavLst>
+                                    </p:anim>
+                                    <p:anim calcmode="lin" valueType="num">
+                                      <p:cBhvr>
+                                        <p:cTn id="9" dur="1000" fill="hold"/>
+                                        <p:tgtEl>
+                                          <p:spTgt spid="4"/>
+                                        </p:tgtEl>
+                                        <p:attrNameLst>
+                                          <p:attrName>ppt_y</p:attrName>
+                                        </p:attrNameLst>
+                                      </p:cBhvr>
+                                      <p:tavLst>
+                                        <p:tav tm="0">
+                                          <p:val>
+                                            <p:strVal val="#ppt_y+.1"/>
+                                          </p:val>
+                                        </p:tav>
+                                        <p:tav tm="100000">
+                                          <p:val>
+                                            <p:strVal val="#ppt_y"/>
+                                          </p:val>
+                                        </p:tav>
+                                      </p:tavLst>
+                                    </p:anim>
+                                  </p:childTnLst>
+                                </p:cTn>
+                              </p:par>
+                            </p:childTnLst>
+                          </p:cTn>
+                        </p:par>
+                      </p:childTnLst>
+                    </p:cTn>
+                  </p:par>
+                </p:childTnLst>
+              </p:cTn>
+              <p:prevCondLst>
+                <p:cond evt="onPrev" delay="0">
+                  <p:tgtEl>
+                    <p:sldTgt/>
+                  </p:tgtEl>
+                </p:cond>
+              </p:prevCondLst>
+              <p:nextCondLst>
+                <p:cond evt="onNext" delay="0">
+                  <p:tgtEl>
+                    <p:sldTgt/>
+                  </p:tgtEl>
+                </p:cond>
+              </p:nextCondLst>
+            </p:seq>
+          </p:childTnLst>
+        </p:cTn>
       </p:par>
     </p:tnLst>
+    <p:bldLst>
+      <p:bldP spid="4" grpId="0"/>
+    </p:bldLst>
   </p:timing>
 </p:sld>
 </file>
@@ -6278,7 +6663,6 @@
               <a:rPr lang="en-US" smtClean="0"/>
               <a:t>DSL for XML</a:t>
             </a:r>
-            <a:endParaRPr lang="en-US" smtClean="0"/>
           </a:p>
         </p:txBody>
       </p:sp>
@@ -6463,7 +6847,15 @@
                 <a:ea typeface="Droid Sans Mono Chess ASCII" panose="020B0609030804020204" pitchFamily="50" charset="0"/>
                 <a:cs typeface="Droid Sans Mono Chess ASCII" panose="020B0609030804020204" pitchFamily="50" charset="0"/>
               </a:rPr>
-              <a:t>extractFn = isElem &gt;&gt;&gt; hasName "fn" &gt;&gt;&gt; hasAttr "name" &gt;&gt;&gt; hasAttr </a:t>
+              <a:t>extractFn = isElem &gt;&gt;&gt; hasName "fn" &gt;&gt;&gt; hasAttr "name" &gt;&gt;&gt; hasAttr "</a:t>
+            </a:r>
+            <a:r>
+              <a:rPr lang="en-US" sz="2000" smtClean="0">
+                <a:latin typeface="Droid Sans Mono Chess ASCII" panose="020B0609030804020204" pitchFamily="50" charset="0"/>
+                <a:ea typeface="Droid Sans Mono Chess ASCII" panose="020B0609030804020204" pitchFamily="50" charset="0"/>
+                <a:cs typeface="Droid Sans Mono Chess ASCII" panose="020B0609030804020204" pitchFamily="50" charset="0"/>
+              </a:rPr>
+              <a:t>fn-cov</a:t>
             </a:r>
             <a:r>
               <a:rPr lang="en-US" sz="2000">
@@ -6471,41 +6863,17 @@
                 <a:ea typeface="Droid Sans Mono Chess ASCII" panose="020B0609030804020204" pitchFamily="50" charset="0"/>
                 <a:cs typeface="Droid Sans Mono Chess ASCII" panose="020B0609030804020204" pitchFamily="50" charset="0"/>
               </a:rPr>
-              <a:t>"</a:t>
-            </a:r>
-            <a:r>
-              <a:rPr lang="en-US" sz="2000" smtClean="0">
-                <a:latin typeface="Droid Sans Mono Chess ASCII" panose="020B0609030804020204" pitchFamily="50" charset="0"/>
-                <a:ea typeface="Droid Sans Mono Chess ASCII" panose="020B0609030804020204" pitchFamily="50" charset="0"/>
-                <a:cs typeface="Droid Sans Mono Chess ASCII" panose="020B0609030804020204" pitchFamily="50" charset="0"/>
-              </a:rPr>
-              <a:t>fn-cov</a:t>
-            </a:r>
+              <a:t>" &gt;&gt;&gt;</a:t>
+            </a:r>
+          </a:p>
+          <a:p>
             <a:r>
               <a:rPr lang="en-US" sz="2000">
                 <a:latin typeface="Droid Sans Mono Chess ASCII" panose="020B0609030804020204" pitchFamily="50" charset="0"/>
                 <a:ea typeface="Droid Sans Mono Chess ASCII" panose="020B0609030804020204" pitchFamily="50" charset="0"/>
                 <a:cs typeface="Droid Sans Mono Chess ASCII" panose="020B0609030804020204" pitchFamily="50" charset="0"/>
               </a:rPr>
-              <a:t>" &gt;&gt;&gt;</a:t>
-            </a:r>
-          </a:p>
-          <a:p>
-            <a:r>
-              <a:rPr lang="en-US" sz="2000">
-                <a:latin typeface="Droid Sans Mono Chess ASCII" panose="020B0609030804020204" pitchFamily="50" charset="0"/>
-                <a:ea typeface="Droid Sans Mono Chess ASCII" panose="020B0609030804020204" pitchFamily="50" charset="0"/>
-                <a:cs typeface="Droid Sans Mono Chess ASCII" panose="020B0609030804020204" pitchFamily="50" charset="0"/>
-              </a:rPr>
-              <a:t>	hasAttrValue </a:t>
-            </a:r>
-            <a:r>
-              <a:rPr lang="en-US" sz="2000">
-                <a:latin typeface="Droid Sans Mono Chess ASCII" panose="020B0609030804020204" pitchFamily="50" charset="0"/>
-                <a:ea typeface="Droid Sans Mono Chess ASCII" panose="020B0609030804020204" pitchFamily="50" charset="0"/>
-                <a:cs typeface="Droid Sans Mono Chess ASCII" panose="020B0609030804020204" pitchFamily="50" charset="0"/>
-              </a:rPr>
-              <a:t>"</a:t>
+              <a:t>	hasAttrValue "</a:t>
             </a:r>
             <a:r>
               <a:rPr lang="en-US" sz="2000" smtClean="0">
@@ -6586,12 +6954,6 @@
               </a:rPr>
               <a:t>&lt;fn name=„f1“ fc_cov=1&gt;</a:t>
             </a:r>
-            <a:endParaRPr lang="de-DE" smtClean="0">
-              <a:solidFill>
-                <a:schemeClr val="tx1"/>
-              </a:solidFill>
-              <a:latin typeface="Arial Narrow" panose="020B0606020202030204" pitchFamily="34" charset="0"/>
-            </a:endParaRPr>
           </a:p>
           <a:p>
             <a:pPr algn="ctr"/>
@@ -6602,7 +6964,16 @@
                 </a:solidFill>
                 <a:latin typeface="Arial Narrow" panose="020B0606020202030204" pitchFamily="34" charset="0"/>
               </a:rPr>
-              <a:t>&lt;fn name</a:t>
+              <a:t>&lt;fn name=„</a:t>
+            </a:r>
+            <a:r>
+              <a:rPr lang="de-DE" smtClean="0">
+                <a:solidFill>
+                  <a:schemeClr val="tx1"/>
+                </a:solidFill>
+                <a:latin typeface="Arial Narrow" panose="020B0606020202030204" pitchFamily="34" charset="0"/>
+              </a:rPr>
+              <a:t>f2“ </a:t>
             </a:r>
             <a:r>
               <a:rPr lang="de-DE">
@@ -6611,17 +6982,11 @@
                 </a:solidFill>
                 <a:latin typeface="Arial Narrow" panose="020B0606020202030204" pitchFamily="34" charset="0"/>
               </a:rPr>
-              <a:t>=„</a:t>
-            </a:r>
-            <a:r>
-              <a:rPr lang="de-DE" smtClean="0">
-                <a:solidFill>
-                  <a:schemeClr val="tx1"/>
-                </a:solidFill>
-                <a:latin typeface="Arial Narrow" panose="020B0606020202030204" pitchFamily="34" charset="0"/>
-              </a:rPr>
-              <a:t>f2“ </a:t>
-            </a:r>
+              <a:t>fc_cov=1&gt;</a:t>
+            </a:r>
+          </a:p>
+          <a:p>
+            <a:pPr algn="ctr"/>
             <a:r>
               <a:rPr lang="de-DE">
                 <a:solidFill>
@@ -6629,28 +6994,7 @@
                 </a:solidFill>
                 <a:latin typeface="Arial Narrow" panose="020B0606020202030204" pitchFamily="34" charset="0"/>
               </a:rPr>
-              <a:t>fc_cov=1&gt;</a:t>
-            </a:r>
-          </a:p>
-          <a:p>
-            <a:pPr algn="ctr"/>
-            <a:r>
-              <a:rPr lang="de-DE">
-                <a:solidFill>
-                  <a:schemeClr val="tx1"/>
-                </a:solidFill>
-                <a:latin typeface="Arial Narrow" panose="020B0606020202030204" pitchFamily="34" charset="0"/>
-              </a:rPr>
-              <a:t>&lt;fn name</a:t>
-            </a:r>
-            <a:r>
-              <a:rPr lang="de-DE">
-                <a:solidFill>
-                  <a:schemeClr val="tx1"/>
-                </a:solidFill>
-                <a:latin typeface="Arial Narrow" panose="020B0606020202030204" pitchFamily="34" charset="0"/>
-              </a:rPr>
-              <a:t>=„</a:t>
+              <a:t>&lt;fn name=„</a:t>
             </a:r>
             <a:r>
               <a:rPr lang="de-DE" smtClean="0">
@@ -6738,16 +7082,7 @@
                 </a:solidFill>
                 <a:latin typeface="Arial Narrow" panose="020B0606020202030204" pitchFamily="34" charset="0"/>
               </a:rPr>
-              <a:t>&lt;fn name=„f2</a:t>
-            </a:r>
-            <a:r>
-              <a:rPr lang="de-DE">
-                <a:solidFill>
-                  <a:schemeClr val="tx1"/>
-                </a:solidFill>
-                <a:latin typeface="Arial Narrow" panose="020B0606020202030204" pitchFamily="34" charset="0"/>
-              </a:rPr>
-              <a:t>“ </a:t>
+              <a:t>&lt;fn name=„f2“ </a:t>
             </a:r>
             <a:r>
               <a:rPr lang="de-DE" smtClean="0">
@@ -7085,7 +7420,6 @@
               <a:rPr lang="en-US" smtClean="0"/>
               <a:t>Without DSL (Python,procedural)</a:t>
             </a:r>
-            <a:endParaRPr lang="en-US" smtClean="0"/>
           </a:p>
         </p:txBody>
       </p:sp>
@@ -7534,15 +7868,7 @@
                 <a:ea typeface="Droid Sans Mono Chess ASCII" panose="020B0609030804020204" pitchFamily="50" charset="0"/>
                 <a:cs typeface="Courier New" panose="02070309020205020404" pitchFamily="49" charset="0"/>
               </a:rPr>
-              <a:t>	#print "fn name1=$</a:t>
-            </a:r>
-            <a:r>
-              <a:rPr lang="en-US" sz="1000">
-                <a:latin typeface="Courier New" panose="02070309020205020404" pitchFamily="49" charset="0"/>
-                <a:ea typeface="Droid Sans Mono Chess ASCII" panose="020B0609030804020204" pitchFamily="50" charset="0"/>
-                <a:cs typeface="Courier New" panose="02070309020205020404" pitchFamily="49" charset="0"/>
-              </a:rPr>
-              <a:t>fn_name\n</a:t>
+              <a:t>	#print "fn name1=$fn_name\n</a:t>
             </a:r>
             <a:r>
               <a:rPr lang="en-US" sz="1000" smtClean="0">
@@ -7661,11 +7987,6 @@
               </a:rPr>
               <a:t>	</a:t>
             </a:r>
-            <a:endParaRPr lang="en-US" sz="1000">
-              <a:latin typeface="Courier New" panose="02070309020205020404" pitchFamily="49" charset="0"/>
-              <a:ea typeface="Droid Sans Mono Chess ASCII" panose="020B0609030804020204" pitchFamily="50" charset="0"/>
-              <a:cs typeface="Courier New" panose="02070309020205020404" pitchFamily="49" charset="0"/>
-            </a:endParaRPr>
           </a:p>
         </p:txBody>
       </p:sp>
@@ -8690,9 +9011,299 @@
   <p:timing>
     <p:tnLst>
       <p:par>
-        <p:cTn id="1" dur="indefinite" restart="never" nodeType="tmRoot"/>
+        <p:cTn id="1" dur="indefinite" restart="never" nodeType="tmRoot">
+          <p:childTnLst>
+            <p:seq concurrent="1" nextAc="seek">
+              <p:cTn id="2" dur="indefinite" nodeType="mainSeq">
+                <p:childTnLst>
+                  <p:par>
+                    <p:cTn id="3" fill="hold">
+                      <p:stCondLst>
+                        <p:cond delay="indefinite"/>
+                      </p:stCondLst>
+                      <p:childTnLst>
+                        <p:par>
+                          <p:cTn id="4" fill="hold">
+                            <p:stCondLst>
+                              <p:cond delay="0"/>
+                            </p:stCondLst>
+                            <p:childTnLst>
+                              <p:par>
+                                <p:cTn id="5" presetID="1" presetClass="entr" presetSubtype="0" fill="hold" nodeType="clickEffect">
+                                  <p:stCondLst>
+                                    <p:cond delay="0"/>
+                                  </p:stCondLst>
+                                  <p:childTnLst>
+                                    <p:set>
+                                      <p:cBhvr>
+                                        <p:cTn id="6" dur="1" fill="hold">
+                                          <p:stCondLst>
+                                            <p:cond delay="0"/>
+                                          </p:stCondLst>
+                                        </p:cTn>
+                                        <p:tgtEl>
+                                          <p:spTgt spid="3">
+                                            <p:txEl>
+                                              <p:pRg st="0" end="0"/>
+                                            </p:txEl>
+                                          </p:spTgt>
+                                        </p:tgtEl>
+                                        <p:attrNameLst>
+                                          <p:attrName>style.visibility</p:attrName>
+                                        </p:attrNameLst>
+                                      </p:cBhvr>
+                                      <p:to>
+                                        <p:strVal val="visible"/>
+                                      </p:to>
+                                    </p:set>
+                                  </p:childTnLst>
+                                </p:cTn>
+                              </p:par>
+                            </p:childTnLst>
+                          </p:cTn>
+                        </p:par>
+                      </p:childTnLst>
+                    </p:cTn>
+                  </p:par>
+                  <p:par>
+                    <p:cTn id="7" fill="hold">
+                      <p:stCondLst>
+                        <p:cond delay="indefinite"/>
+                      </p:stCondLst>
+                      <p:childTnLst>
+                        <p:par>
+                          <p:cTn id="8" fill="hold">
+                            <p:stCondLst>
+                              <p:cond delay="0"/>
+                            </p:stCondLst>
+                            <p:childTnLst>
+                              <p:par>
+                                <p:cTn id="9" presetID="1" presetClass="entr" presetSubtype="0" fill="hold" nodeType="clickEffect">
+                                  <p:stCondLst>
+                                    <p:cond delay="0"/>
+                                  </p:stCondLst>
+                                  <p:childTnLst>
+                                    <p:set>
+                                      <p:cBhvr>
+                                        <p:cTn id="10" dur="1" fill="hold">
+                                          <p:stCondLst>
+                                            <p:cond delay="0"/>
+                                          </p:stCondLst>
+                                        </p:cTn>
+                                        <p:tgtEl>
+                                          <p:spTgt spid="3">
+                                            <p:txEl>
+                                              <p:pRg st="1" end="1"/>
+                                            </p:txEl>
+                                          </p:spTgt>
+                                        </p:tgtEl>
+                                        <p:attrNameLst>
+                                          <p:attrName>style.visibility</p:attrName>
+                                        </p:attrNameLst>
+                                      </p:cBhvr>
+                                      <p:to>
+                                        <p:strVal val="visible"/>
+                                      </p:to>
+                                    </p:set>
+                                  </p:childTnLst>
+                                </p:cTn>
+                              </p:par>
+                            </p:childTnLst>
+                          </p:cTn>
+                        </p:par>
+                      </p:childTnLst>
+                    </p:cTn>
+                  </p:par>
+                  <p:par>
+                    <p:cTn id="11" fill="hold">
+                      <p:stCondLst>
+                        <p:cond delay="indefinite"/>
+                      </p:stCondLst>
+                      <p:childTnLst>
+                        <p:par>
+                          <p:cTn id="12" fill="hold">
+                            <p:stCondLst>
+                              <p:cond delay="0"/>
+                            </p:stCondLst>
+                            <p:childTnLst>
+                              <p:par>
+                                <p:cTn id="13" presetID="1" presetClass="entr" presetSubtype="0" fill="hold" nodeType="clickEffect">
+                                  <p:stCondLst>
+                                    <p:cond delay="0"/>
+                                  </p:stCondLst>
+                                  <p:childTnLst>
+                                    <p:set>
+                                      <p:cBhvr>
+                                        <p:cTn id="14" dur="1" fill="hold">
+                                          <p:stCondLst>
+                                            <p:cond delay="0"/>
+                                          </p:stCondLst>
+                                        </p:cTn>
+                                        <p:tgtEl>
+                                          <p:spTgt spid="3">
+                                            <p:txEl>
+                                              <p:pRg st="2" end="2"/>
+                                            </p:txEl>
+                                          </p:spTgt>
+                                        </p:tgtEl>
+                                        <p:attrNameLst>
+                                          <p:attrName>style.visibility</p:attrName>
+                                        </p:attrNameLst>
+                                      </p:cBhvr>
+                                      <p:to>
+                                        <p:strVal val="visible"/>
+                                      </p:to>
+                                    </p:set>
+                                  </p:childTnLst>
+                                </p:cTn>
+                              </p:par>
+                            </p:childTnLst>
+                          </p:cTn>
+                        </p:par>
+                      </p:childTnLst>
+                    </p:cTn>
+                  </p:par>
+                  <p:par>
+                    <p:cTn id="15" fill="hold">
+                      <p:stCondLst>
+                        <p:cond delay="indefinite"/>
+                      </p:stCondLst>
+                      <p:childTnLst>
+                        <p:par>
+                          <p:cTn id="16" fill="hold">
+                            <p:stCondLst>
+                              <p:cond delay="0"/>
+                            </p:stCondLst>
+                            <p:childTnLst>
+                              <p:par>
+                                <p:cTn id="17" presetID="1" presetClass="entr" presetSubtype="0" fill="hold" nodeType="clickEffect">
+                                  <p:stCondLst>
+                                    <p:cond delay="0"/>
+                                  </p:stCondLst>
+                                  <p:childTnLst>
+                                    <p:set>
+                                      <p:cBhvr>
+                                        <p:cTn id="18" dur="1" fill="hold">
+                                          <p:stCondLst>
+                                            <p:cond delay="0"/>
+                                          </p:stCondLst>
+                                        </p:cTn>
+                                        <p:tgtEl>
+                                          <p:spTgt spid="3078"/>
+                                        </p:tgtEl>
+                                        <p:attrNameLst>
+                                          <p:attrName>style.visibility</p:attrName>
+                                        </p:attrNameLst>
+                                      </p:cBhvr>
+                                      <p:to>
+                                        <p:strVal val="visible"/>
+                                      </p:to>
+                                    </p:set>
+                                  </p:childTnLst>
+                                </p:cTn>
+                              </p:par>
+                              <p:par>
+                                <p:cTn id="19" presetID="1" presetClass="entr" presetSubtype="0" fill="hold" nodeType="withEffect">
+                                  <p:stCondLst>
+                                    <p:cond delay="0"/>
+                                  </p:stCondLst>
+                                  <p:childTnLst>
+                                    <p:set>
+                                      <p:cBhvr>
+                                        <p:cTn id="20" dur="1" fill="hold">
+                                          <p:stCondLst>
+                                            <p:cond delay="0"/>
+                                          </p:stCondLst>
+                                        </p:cTn>
+                                        <p:tgtEl>
+                                          <p:spTgt spid="9"/>
+                                        </p:tgtEl>
+                                        <p:attrNameLst>
+                                          <p:attrName>style.visibility</p:attrName>
+                                        </p:attrNameLst>
+                                      </p:cBhvr>
+                                      <p:to>
+                                        <p:strVal val="visible"/>
+                                      </p:to>
+                                    </p:set>
+                                  </p:childTnLst>
+                                </p:cTn>
+                              </p:par>
+                            </p:childTnLst>
+                          </p:cTn>
+                        </p:par>
+                      </p:childTnLst>
+                    </p:cTn>
+                  </p:par>
+                  <p:par>
+                    <p:cTn id="21" fill="hold">
+                      <p:stCondLst>
+                        <p:cond delay="indefinite"/>
+                      </p:stCondLst>
+                      <p:childTnLst>
+                        <p:par>
+                          <p:cTn id="22" fill="hold">
+                            <p:stCondLst>
+                              <p:cond delay="0"/>
+                            </p:stCondLst>
+                            <p:childTnLst>
+                              <p:par>
+                                <p:cTn id="23" presetID="1" presetClass="entr" presetSubtype="0" fill="hold" grpId="0" nodeType="clickEffect">
+                                  <p:stCondLst>
+                                    <p:cond delay="0"/>
+                                  </p:stCondLst>
+                                  <p:childTnLst>
+                                    <p:set>
+                                      <p:cBhvr>
+                                        <p:cTn id="24" dur="1" fill="hold">
+                                          <p:stCondLst>
+                                            <p:cond delay="0"/>
+                                          </p:stCondLst>
+                                        </p:cTn>
+                                        <p:tgtEl>
+                                          <p:spTgt spid="2"/>
+                                        </p:tgtEl>
+                                        <p:attrNameLst>
+                                          <p:attrName>style.visibility</p:attrName>
+                                        </p:attrNameLst>
+                                      </p:cBhvr>
+                                      <p:to>
+                                        <p:strVal val="visible"/>
+                                      </p:to>
+                                    </p:set>
+                                  </p:childTnLst>
+                                </p:cTn>
+                              </p:par>
+                            </p:childTnLst>
+                          </p:cTn>
+                        </p:par>
+                      </p:childTnLst>
+                    </p:cTn>
+                  </p:par>
+                </p:childTnLst>
+              </p:cTn>
+              <p:prevCondLst>
+                <p:cond evt="onPrev" delay="0">
+                  <p:tgtEl>
+                    <p:sldTgt/>
+                  </p:tgtEl>
+                </p:cond>
+              </p:prevCondLst>
+              <p:nextCondLst>
+                <p:cond evt="onNext" delay="0">
+                  <p:tgtEl>
+                    <p:sldTgt/>
+                  </p:tgtEl>
+                </p:cond>
+              </p:nextCondLst>
+            </p:seq>
+          </p:childTnLst>
+        </p:cTn>
       </p:par>
     </p:tnLst>
+    <p:bldLst>
+      <p:bldP spid="2" grpId="0" animBg="1"/>
+    </p:bldLst>
   </p:timing>
 </p:sld>
 </file>
@@ -9032,8 +9643,9 @@
           <a:p>
             <a:r>
               <a:rPr lang="en-US" smtClean="0"/>
-              <a:t>The “Semantic Gap”</a:t>
-            </a:r>
+              <a:t>Power Continuum</a:t>
+            </a:r>
+            <a:endParaRPr lang="en-US" smtClean="0"/>
           </a:p>
         </p:txBody>
       </p:sp>
@@ -9199,7 +9811,13 @@
               <a:rPr lang="de-DE" sz="3200" smtClean="0">
                 <a:latin typeface="+mn-lt"/>
               </a:rPr>
-              <a:t>„Procedural“: How?</a:t>
+              <a:t>„Procedural“: </a:t>
+            </a:r>
+            <a:r>
+              <a:rPr lang="de-DE" sz="3200" smtClean="0">
+                <a:latin typeface="+mn-lt"/>
+              </a:rPr>
+              <a:t>How!</a:t>
             </a:r>
             <a:endParaRPr lang="de-DE" sz="3200" dirty="0" err="1" smtClean="0">
               <a:latin typeface="+mn-lt"/>
@@ -9233,7 +9851,13 @@
               <a:rPr lang="de-DE" sz="3200" smtClean="0">
                 <a:latin typeface="+mn-lt"/>
               </a:rPr>
-              <a:t>„Declarative“: What?</a:t>
+              <a:t>„Declarative“: </a:t>
+            </a:r>
+            <a:r>
+              <a:rPr lang="de-DE" sz="3200" smtClean="0">
+                <a:latin typeface="+mn-lt"/>
+              </a:rPr>
+              <a:t>What!</a:t>
             </a:r>
             <a:endParaRPr lang="de-DE" sz="3200" dirty="0" err="1" smtClean="0">
               <a:latin typeface="+mn-lt"/>
@@ -9323,11 +9947,154 @@
           </a:extLst>
         </p:spPr>
       </p:pic>
+      <p:sp>
+        <p:nvSpPr>
+          <p:cNvPr id="10" name="Textfeld 9"/>
+          <p:cNvSpPr txBox="1"/>
+          <p:nvPr/>
+        </p:nvSpPr>
+        <p:spPr>
+          <a:xfrm>
+            <a:off x="2971483" y="4736809"/>
+            <a:ext cx="3631828" cy="830997"/>
+          </a:xfrm>
+          <a:prstGeom prst="rect">
+            <a:avLst/>
+          </a:prstGeom>
+          <a:noFill/>
+        </p:spPr>
+        <p:txBody>
+          <a:bodyPr wrap="none" rtlCol="0">
+            <a:spAutoFit/>
+          </a:bodyPr>
+          <a:lstStyle/>
+          <a:p>
+            <a:r>
+              <a:rPr lang="de-DE" sz="4800" smtClean="0">
+                <a:latin typeface="+mn-lt"/>
+              </a:rPr>
+              <a:t>Semantic Gap</a:t>
+            </a:r>
+            <a:endParaRPr lang="de-DE" sz="4800" dirty="0" err="1" smtClean="0">
+              <a:latin typeface="+mn-lt"/>
+            </a:endParaRPr>
+          </a:p>
+        </p:txBody>
+      </p:sp>
+      <p:sp>
+        <p:nvSpPr>
+          <p:cNvPr id="11" name="Textfeld 10"/>
+          <p:cNvSpPr txBox="1"/>
+          <p:nvPr/>
+        </p:nvSpPr>
+        <p:spPr>
+          <a:xfrm>
+            <a:off x="8628504" y="8281114"/>
+            <a:ext cx="3165867" cy="584775"/>
+          </a:xfrm>
+          <a:prstGeom prst="rect">
+            <a:avLst/>
+          </a:prstGeom>
+          <a:noFill/>
+        </p:spPr>
+        <p:txBody>
+          <a:bodyPr wrap="none" rtlCol="0">
+            <a:spAutoFit/>
+          </a:bodyPr>
+          <a:lstStyle/>
+          <a:p>
+            <a:r>
+              <a:rPr lang="de-DE" sz="3200" smtClean="0">
+                <a:latin typeface="+mn-lt"/>
+              </a:rPr>
+              <a:t>Easy for machines</a:t>
+            </a:r>
+            <a:endParaRPr lang="de-DE" sz="3200" dirty="0" err="1" smtClean="0">
+              <a:latin typeface="+mn-lt"/>
+            </a:endParaRPr>
+          </a:p>
+        </p:txBody>
+      </p:sp>
+      <p:sp>
+        <p:nvSpPr>
+          <p:cNvPr id="12" name="Textfeld 11"/>
+          <p:cNvSpPr txBox="1"/>
+          <p:nvPr/>
+        </p:nvSpPr>
+        <p:spPr>
+          <a:xfrm>
+            <a:off x="8628503" y="1839531"/>
+            <a:ext cx="2910990" cy="584775"/>
+          </a:xfrm>
+          <a:prstGeom prst="rect">
+            <a:avLst/>
+          </a:prstGeom>
+          <a:noFill/>
+        </p:spPr>
+        <p:txBody>
+          <a:bodyPr wrap="none" rtlCol="0">
+            <a:spAutoFit/>
+          </a:bodyPr>
+          <a:lstStyle/>
+          <a:p>
+            <a:r>
+              <a:rPr lang="de-DE" sz="3200" smtClean="0">
+                <a:latin typeface="+mn-lt"/>
+              </a:rPr>
+              <a:t>Easy for humans</a:t>
+            </a:r>
+            <a:endParaRPr lang="de-DE" sz="3200" dirty="0" err="1" smtClean="0">
+              <a:latin typeface="+mn-lt"/>
+            </a:endParaRPr>
+          </a:p>
+        </p:txBody>
+      </p:sp>
+      <p:cxnSp>
+        <p:nvCxnSpPr>
+          <p:cNvPr id="5" name="Gerade Verbindung mit Pfeil 4"/>
+          <p:cNvCxnSpPr/>
+          <p:nvPr/>
+        </p:nvCxnSpPr>
+        <p:spPr>
+          <a:xfrm>
+            <a:off x="10083998" y="2838450"/>
+            <a:ext cx="0" cy="4972050"/>
+          </a:xfrm>
+          <a:prstGeom prst="straightConnector1">
+            <a:avLst/>
+          </a:prstGeom>
+          <a:ln w="63500">
+            <a:headEnd type="arrow"/>
+            <a:tailEnd type="arrow"/>
+          </a:ln>
+        </p:spPr>
+        <p:style>
+          <a:lnRef idx="1">
+            <a:schemeClr val="accent1"/>
+          </a:lnRef>
+          <a:fillRef idx="0">
+            <a:schemeClr val="accent1"/>
+          </a:fillRef>
+          <a:effectRef idx="0">
+            <a:schemeClr val="accent1"/>
+          </a:effectRef>
+          <a:fontRef idx="minor">
+            <a:schemeClr val="tx1"/>
+          </a:fontRef>
+        </p:style>
+      </p:cxnSp>
     </p:spTree>
   </p:cSld>
   <p:clrMapOvr>
     <a:masterClrMapping/>
   </p:clrMapOvr>
+  <p:timing>
+    <p:tnLst>
+      <p:par>
+        <p:cTn id="1" dur="indefinite" restart="never" nodeType="tmRoot"/>
+      </p:par>
+    </p:tnLst>
+  </p:timing>
 </p:sld>
 </file>
 

--- a/ppt/Chess200.pptx
+++ b/ppt/Chess200.pptx
@@ -4299,7 +4299,7 @@
         <p:spPr bwMode="auto">
           <a:xfrm>
             <a:off x="487362" y="1438502"/>
-            <a:ext cx="10790237" cy="3002869"/>
+            <a:ext cx="12130295" cy="3002869"/>
           </a:xfrm>
           <a:prstGeom prst="rect">
             <a:avLst/>
@@ -4335,7 +4335,29 @@
                 <a:ea typeface="Gill Sans" charset="0"/>
                 <a:cs typeface="Gill Sans" charset="0"/>
               </a:rPr>
-              <a:t>Task: Enumerate all prime Numbers up to 100!</a:t>
+              <a:t>Task: Enumerate all prime </a:t>
+            </a:r>
+            <a:r>
+              <a:rPr lang="en-US" sz="3200" smtClean="0">
+                <a:solidFill>
+                  <a:srgbClr val="262626"/>
+                </a:solidFill>
+                <a:latin typeface="+mn-lt"/>
+                <a:ea typeface="Gill Sans" charset="0"/>
+                <a:cs typeface="Gill Sans" charset="0"/>
+              </a:rPr>
+              <a:t>numbers </a:t>
+            </a:r>
+            <a:r>
+              <a:rPr lang="en-US" sz="3200" smtClean="0">
+                <a:solidFill>
+                  <a:srgbClr val="262626"/>
+                </a:solidFill>
+                <a:latin typeface="+mn-lt"/>
+                <a:ea typeface="Gill Sans" charset="0"/>
+                <a:cs typeface="Gill Sans" charset="0"/>
+              </a:rPr>
+              <a:t>up to 100!</a:t>
             </a:r>
           </a:p>
           <a:p>
@@ -4378,7 +4400,40 @@
                 <a:ea typeface="Gill Sans" charset="0"/>
                 <a:cs typeface="Gill Sans" charset="0"/>
               </a:rPr>
-              <a:t>“Lets compute the list of all numbers x where</a:t>
+              <a:t>“Compute </a:t>
+            </a:r>
+            <a:r>
+              <a:rPr lang="en-US" sz="3200" i="1" smtClean="0">
+                <a:solidFill>
+                  <a:srgbClr val="262626"/>
+                </a:solidFill>
+                <a:latin typeface="+mn-lt"/>
+                <a:ea typeface="Gill Sans" charset="0"/>
+                <a:cs typeface="Gill Sans" charset="0"/>
+              </a:rPr>
+              <a:t>the list of </a:t>
+            </a:r>
+            <a:r>
+              <a:rPr lang="en-US" sz="3200" i="1" smtClean="0">
+                <a:solidFill>
+                  <a:srgbClr val="262626"/>
+                </a:solidFill>
+                <a:latin typeface="+mn-lt"/>
+                <a:ea typeface="Gill Sans" charset="0"/>
+                <a:cs typeface="Gill Sans" charset="0"/>
+              </a:rPr>
+              <a:t>numbers </a:t>
+            </a:r>
+            <a:r>
+              <a:rPr lang="en-US" sz="3200" i="1" smtClean="0">
+                <a:solidFill>
+                  <a:srgbClr val="262626"/>
+                </a:solidFill>
+                <a:latin typeface="+mn-lt"/>
+                <a:ea typeface="Gill Sans" charset="0"/>
+                <a:cs typeface="Gill Sans" charset="0"/>
+              </a:rPr>
+              <a:t>x where</a:t>
             </a:r>
           </a:p>
           <a:p>
@@ -4401,7 +4456,51 @@
                 <a:ea typeface="Gill Sans" charset="0"/>
                 <a:cs typeface="Gill Sans" charset="0"/>
               </a:rPr>
-              <a:t>x is between 2 and 100, and all x are not dividable by 2 up to x-1.”</a:t>
+              <a:t>x is between 2 and 100, and </a:t>
+            </a:r>
+            <a:r>
+              <a:rPr lang="en-US" sz="3200" i="1" smtClean="0">
+                <a:solidFill>
+                  <a:srgbClr val="262626"/>
+                </a:solidFill>
+                <a:latin typeface="+mn-lt"/>
+                <a:ea typeface="Gill Sans" charset="0"/>
+                <a:cs typeface="Gill Sans" charset="0"/>
+              </a:rPr>
+              <a:t>x is not dividable </a:t>
+            </a:r>
+            <a:r>
+              <a:rPr lang="en-US" sz="3200" i="1" smtClean="0">
+                <a:solidFill>
+                  <a:srgbClr val="262626"/>
+                </a:solidFill>
+                <a:latin typeface="+mn-lt"/>
+                <a:ea typeface="Gill Sans" charset="0"/>
+                <a:cs typeface="Gill Sans" charset="0"/>
+              </a:rPr>
+              <a:t>by </a:t>
+            </a:r>
+            <a:r>
+              <a:rPr lang="en-US" sz="3200" i="1" smtClean="0">
+                <a:solidFill>
+                  <a:srgbClr val="262626"/>
+                </a:solidFill>
+                <a:latin typeface="+mn-lt"/>
+                <a:ea typeface="Gill Sans" charset="0"/>
+                <a:cs typeface="Gill Sans" charset="0"/>
+              </a:rPr>
+              <a:t>all numbers 2 </a:t>
+            </a:r>
+            <a:r>
+              <a:rPr lang="en-US" sz="3200" i="1" smtClean="0">
+                <a:solidFill>
+                  <a:srgbClr val="262626"/>
+                </a:solidFill>
+                <a:latin typeface="+mn-lt"/>
+                <a:ea typeface="Gill Sans" charset="0"/>
+                <a:cs typeface="Gill Sans" charset="0"/>
+              </a:rPr>
+              <a:t>up to x-1.”</a:t>
             </a:r>
           </a:p>
           <a:p>
@@ -4534,7 +4633,7 @@
         <p:spPr>
           <a:xfrm>
             <a:off x="404057" y="5384199"/>
-            <a:ext cx="12213600" cy="1384995"/>
+            <a:ext cx="12213600" cy="2677656"/>
           </a:xfrm>
           <a:prstGeom prst="rect">
             <a:avLst/>
@@ -4548,12 +4647,20 @@
           <a:lstStyle/>
           <a:p>
             <a:r>
+              <a:rPr lang="en-US" sz="2800" smtClean="0">
+                <a:latin typeface="Droid Sans Mono Chess ASCII" panose="020B0609030804020204" pitchFamily="50" charset="0"/>
+                <a:ea typeface="Droid Sans Mono Chess ASCII" panose="020B0609030804020204" pitchFamily="50" charset="0"/>
+                <a:cs typeface="Droid Sans Mono Chess ASCII" panose="020B0609030804020204" pitchFamily="50" charset="0"/>
+              </a:rPr>
+              <a:t>[ </a:t>
+            </a:r>
+            <a:r>
               <a:rPr lang="en-US" sz="2800">
                 <a:latin typeface="Droid Sans Mono Chess ASCII" panose="020B0609030804020204" pitchFamily="50" charset="0"/>
                 <a:ea typeface="Droid Sans Mono Chess ASCII" panose="020B0609030804020204" pitchFamily="50" charset="0"/>
                 <a:cs typeface="Droid Sans Mono Chess ASCII" panose="020B0609030804020204" pitchFamily="50" charset="0"/>
               </a:rPr>
-              <a:t>let x </a:t>
+              <a:t>x | </a:t>
             </a:r>
             <a:r>
               <a:rPr lang="en-US" sz="2800" smtClean="0">
@@ -4561,7 +4668,7 @@
                 <a:ea typeface="Droid Sans Mono Chess ASCII" panose="020B0609030804020204" pitchFamily="50" charset="0"/>
                 <a:cs typeface="Droid Sans Mono Chess ASCII" panose="020B0609030804020204" pitchFamily="50" charset="0"/>
               </a:rPr>
-              <a:t>`notDivableBy</a:t>
+              <a:t>x &lt;- [</a:t>
             </a:r>
             <a:r>
               <a:rPr lang="en-US" sz="2800">
@@ -4569,7 +4676,7 @@
                 <a:ea typeface="Droid Sans Mono Chess ASCII" panose="020B0609030804020204" pitchFamily="50" charset="0"/>
                 <a:cs typeface="Droid Sans Mono Chess ASCII" panose="020B0609030804020204" pitchFamily="50" charset="0"/>
               </a:rPr>
-              <a:t>` d </a:t>
+              <a:t>2..100], </a:t>
             </a:r>
             <a:r>
               <a:rPr lang="en-US" sz="2800" smtClean="0">
@@ -4577,7 +4684,7 @@
                 <a:ea typeface="Droid Sans Mono Chess ASCII" panose="020B0609030804020204" pitchFamily="50" charset="0"/>
                 <a:cs typeface="Droid Sans Mono Chess ASCII" panose="020B0609030804020204" pitchFamily="50" charset="0"/>
               </a:rPr>
-              <a:t> =  mod </a:t>
+              <a:t>all (x `notDivableBy`) </a:t>
             </a:r>
             <a:r>
               <a:rPr lang="en-US" sz="2800">
@@ -4585,7 +4692,7 @@
                 <a:ea typeface="Droid Sans Mono Chess ASCII" panose="020B0609030804020204" pitchFamily="50" charset="0"/>
                 <a:cs typeface="Droid Sans Mono Chess ASCII" panose="020B0609030804020204" pitchFamily="50" charset="0"/>
               </a:rPr>
-              <a:t>x d </a:t>
+              <a:t>[2..(x-1)] </a:t>
             </a:r>
             <a:r>
               <a:rPr lang="en-US" sz="2800" smtClean="0">
@@ -4593,8 +4700,15 @@
                 <a:ea typeface="Droid Sans Mono Chess ASCII" panose="020B0609030804020204" pitchFamily="50" charset="0"/>
                 <a:cs typeface="Droid Sans Mono Chess ASCII" panose="020B0609030804020204" pitchFamily="50" charset="0"/>
               </a:rPr>
-              <a:t>/= 0</a:t>
-            </a:r>
+              <a:t>]</a:t>
+            </a:r>
+          </a:p>
+          <a:p>
+            <a:endParaRPr lang="en-US" sz="2800" smtClean="0">
+              <a:latin typeface="Droid Sans Mono Chess ASCII" panose="020B0609030804020204" pitchFamily="50" charset="0"/>
+              <a:ea typeface="Droid Sans Mono Chess ASCII" panose="020B0609030804020204" pitchFamily="50" charset="0"/>
+              <a:cs typeface="Droid Sans Mono Chess ASCII" panose="020B0609030804020204" pitchFamily="50" charset="0"/>
+            </a:endParaRPr>
           </a:p>
           <a:p>
             <a:r>
@@ -4603,8 +4717,15 @@
                 <a:ea typeface="Droid Sans Mono Chess ASCII" panose="020B0609030804020204" pitchFamily="50" charset="0"/>
                 <a:cs typeface="Droid Sans Mono Chess ASCII" panose="020B0609030804020204" pitchFamily="50" charset="0"/>
               </a:rPr>
-              <a:t>in</a:t>
-            </a:r>
+              <a:t>where</a:t>
+            </a:r>
+          </a:p>
+          <a:p>
+            <a:endParaRPr lang="en-US" sz="2800" smtClean="0">
+              <a:latin typeface="Droid Sans Mono Chess ASCII" panose="020B0609030804020204" pitchFamily="50" charset="0"/>
+              <a:ea typeface="Droid Sans Mono Chess ASCII" panose="020B0609030804020204" pitchFamily="50" charset="0"/>
+              <a:cs typeface="Droid Sans Mono Chess ASCII" panose="020B0609030804020204" pitchFamily="50" charset="0"/>
+            </a:endParaRPr>
           </a:p>
           <a:p>
             <a:r>
@@ -4613,7 +4734,7 @@
                 <a:ea typeface="Droid Sans Mono Chess ASCII" panose="020B0609030804020204" pitchFamily="50" charset="0"/>
                 <a:cs typeface="Droid Sans Mono Chess ASCII" panose="020B0609030804020204" pitchFamily="50" charset="0"/>
               </a:rPr>
-              <a:t>[ </a:t>
+              <a:t>x </a:t>
             </a:r>
             <a:r>
               <a:rPr lang="en-US" sz="2800">
@@ -4621,40 +4742,10 @@
                 <a:ea typeface="Droid Sans Mono Chess ASCII" panose="020B0609030804020204" pitchFamily="50" charset="0"/>
                 <a:cs typeface="Droid Sans Mono Chess ASCII" panose="020B0609030804020204" pitchFamily="50" charset="0"/>
               </a:rPr>
-              <a:t>x | </a:t>
-            </a:r>
-            <a:r>
-              <a:rPr lang="en-US" sz="2800" smtClean="0">
-                <a:latin typeface="Droid Sans Mono Chess ASCII" panose="020B0609030804020204" pitchFamily="50" charset="0"/>
-                <a:ea typeface="Droid Sans Mono Chess ASCII" panose="020B0609030804020204" pitchFamily="50" charset="0"/>
-                <a:cs typeface="Droid Sans Mono Chess ASCII" panose="020B0609030804020204" pitchFamily="50" charset="0"/>
-              </a:rPr>
-              <a:t>x &lt;- [</a:t>
-            </a:r>
-            <a:r>
-              <a:rPr lang="en-US" sz="2800">
-                <a:latin typeface="Droid Sans Mono Chess ASCII" panose="020B0609030804020204" pitchFamily="50" charset="0"/>
-                <a:ea typeface="Droid Sans Mono Chess ASCII" panose="020B0609030804020204" pitchFamily="50" charset="0"/>
-                <a:cs typeface="Droid Sans Mono Chess ASCII" panose="020B0609030804020204" pitchFamily="50" charset="0"/>
-              </a:rPr>
-              <a:t>2..100], </a:t>
-            </a:r>
-            <a:r>
-              <a:rPr lang="en-US" sz="2800" smtClean="0">
-                <a:latin typeface="Droid Sans Mono Chess ASCII" panose="020B0609030804020204" pitchFamily="50" charset="0"/>
-                <a:ea typeface="Droid Sans Mono Chess ASCII" panose="020B0609030804020204" pitchFamily="50" charset="0"/>
-                <a:cs typeface="Droid Sans Mono Chess ASCII" panose="020B0609030804020204" pitchFamily="50" charset="0"/>
-              </a:rPr>
-              <a:t>all (x `notDivableBy`) </a:t>
-            </a:r>
-            <a:r>
-              <a:rPr lang="en-US" sz="2800">
-                <a:latin typeface="Droid Sans Mono Chess ASCII" panose="020B0609030804020204" pitchFamily="50" charset="0"/>
-                <a:ea typeface="Droid Sans Mono Chess ASCII" panose="020B0609030804020204" pitchFamily="50" charset="0"/>
-                <a:cs typeface="Droid Sans Mono Chess ASCII" panose="020B0609030804020204" pitchFamily="50" charset="0"/>
-              </a:rPr>
-              <a:t>[2..(x-1)] ]</a:t>
-            </a:r>
+              <a:t>`notDivableBy` d  =  mod x d /= 0</a:t>
+            </a:r>
+          </a:p>
+          <a:p>
             <a:endParaRPr lang="de-DE" sz="2800">
               <a:latin typeface="Droid Sans Mono Chess ASCII" panose="020B0609030804020204" pitchFamily="50" charset="0"/>
               <a:ea typeface="Droid Sans Mono Chess ASCII" panose="020B0609030804020204" pitchFamily="50" charset="0"/>
@@ -4676,9 +4767,126 @@
   <p:timing>
     <p:tnLst>
       <p:par>
-        <p:cTn id="1" dur="indefinite" restart="never" nodeType="tmRoot"/>
+        <p:cTn id="1" dur="indefinite" restart="never" nodeType="tmRoot">
+          <p:childTnLst>
+            <p:seq concurrent="1" nextAc="seek">
+              <p:cTn id="2" dur="indefinite" nodeType="mainSeq">
+                <p:childTnLst>
+                  <p:par>
+                    <p:cTn id="3" fill="hold">
+                      <p:stCondLst>
+                        <p:cond delay="indefinite"/>
+                      </p:stCondLst>
+                      <p:childTnLst>
+                        <p:par>
+                          <p:cTn id="4" fill="hold">
+                            <p:stCondLst>
+                              <p:cond delay="0"/>
+                            </p:stCondLst>
+                            <p:childTnLst>
+                              <p:par>
+                                <p:cTn id="5" presetID="1" presetClass="entr" presetSubtype="0" fill="hold" grpId="0" nodeType="clickEffect">
+                                  <p:stCondLst>
+                                    <p:cond delay="0"/>
+                                  </p:stCondLst>
+                                  <p:childTnLst>
+                                    <p:set>
+                                      <p:cBhvr>
+                                        <p:cTn id="6" dur="1" fill="hold">
+                                          <p:stCondLst>
+                                            <p:cond delay="0"/>
+                                          </p:stCondLst>
+                                        </p:cTn>
+                                        <p:tgtEl>
+                                          <p:spTgt spid="3"/>
+                                        </p:tgtEl>
+                                        <p:attrNameLst>
+                                          <p:attrName>style.visibility</p:attrName>
+                                        </p:attrNameLst>
+                                      </p:cBhvr>
+                                      <p:to>
+                                        <p:strVal val="visible"/>
+                                      </p:to>
+                                    </p:set>
+                                  </p:childTnLst>
+                                </p:cTn>
+                              </p:par>
+                            </p:childTnLst>
+                          </p:cTn>
+                        </p:par>
+                      </p:childTnLst>
+                    </p:cTn>
+                  </p:par>
+                  <p:par>
+                    <p:cTn id="7" fill="hold">
+                      <p:stCondLst>
+                        <p:cond delay="indefinite"/>
+                      </p:stCondLst>
+                      <p:childTnLst>
+                        <p:par>
+                          <p:cTn id="8" fill="hold">
+                            <p:stCondLst>
+                              <p:cond delay="0"/>
+                            </p:stCondLst>
+                            <p:childTnLst>
+                              <p:par>
+                                <p:cTn id="9" presetID="1" presetClass="entr" presetSubtype="0" fill="hold" grpId="0" nodeType="clickEffect">
+                                  <p:stCondLst>
+                                    <p:cond delay="0"/>
+                                  </p:stCondLst>
+                                  <p:childTnLst>
+                                    <p:set>
+                                      <p:cBhvr>
+                                        <p:cTn id="10" dur="1" fill="hold">
+                                          <p:stCondLst>
+                                            <p:cond delay="0"/>
+                                          </p:stCondLst>
+                                        </p:cTn>
+                                        <p:tgtEl>
+                                          <p:spTgt spid="4"/>
+                                        </p:tgtEl>
+                                        <p:attrNameLst>
+                                          <p:attrName>style.visibility</p:attrName>
+                                        </p:attrNameLst>
+                                      </p:cBhvr>
+                                      <p:to>
+                                        <p:strVal val="visible"/>
+                                      </p:to>
+                                    </p:set>
+                                  </p:childTnLst>
+                                </p:cTn>
+                              </p:par>
+                            </p:childTnLst>
+                          </p:cTn>
+                        </p:par>
+                      </p:childTnLst>
+                    </p:cTn>
+                  </p:par>
+                </p:childTnLst>
+              </p:cTn>
+              <p:prevCondLst>
+                <p:cond evt="onPrev" delay="0">
+                  <p:tgtEl>
+                    <p:sldTgt/>
+                  </p:tgtEl>
+                </p:cond>
+              </p:prevCondLst>
+              <p:nextCondLst>
+                <p:cond evt="onNext" delay="0">
+                  <p:tgtEl>
+                    <p:sldTgt/>
+                  </p:tgtEl>
+                </p:cond>
+              </p:nextCondLst>
+            </p:seq>
+          </p:childTnLst>
+        </p:cTn>
       </p:par>
     </p:tnLst>
+    <p:bldLst>
+      <p:bldP spid="3" grpId="0"/>
+      <p:bldP spid="4" grpId="0"/>
+    </p:bldLst>
   </p:timing>
 </p:sld>
 </file>
@@ -5285,8 +5493,8 @@
         </p:blipFill>
         <p:spPr bwMode="auto">
           <a:xfrm>
-            <a:off x="1308653" y="2950756"/>
-            <a:ext cx="10535003" cy="6281987"/>
+            <a:off x="4212418" y="4682262"/>
+            <a:ext cx="7631237" cy="4550481"/>
           </a:xfrm>
           <a:prstGeom prst="rect">
             <a:avLst/>
@@ -5350,8 +5558,8 @@
         </p:nvSpPr>
         <p:spPr bwMode="auto">
           <a:xfrm>
-            <a:off x="459569" y="1242558"/>
-            <a:ext cx="10790237" cy="1326469"/>
+            <a:off x="4212419" y="1284966"/>
+            <a:ext cx="8360581" cy="1326469"/>
           </a:xfrm>
           <a:prstGeom prst="rect">
             <a:avLst/>
@@ -5439,7 +5647,7 @@
         </p:blipFill>
         <p:spPr bwMode="auto">
           <a:xfrm>
-            <a:off x="5290845" y="6091749"/>
+            <a:off x="928395" y="1284966"/>
             <a:ext cx="2570617" cy="2570618"/>
           </a:xfrm>
           <a:prstGeom prst="rect">
@@ -6225,8 +6433,8 @@
         </p:nvSpPr>
         <p:spPr>
           <a:xfrm>
-            <a:off x="155575" y="5440005"/>
-            <a:ext cx="12849225" cy="2308324"/>
+            <a:off x="155575" y="5116155"/>
+            <a:ext cx="12849225" cy="3539430"/>
           </a:xfrm>
           <a:prstGeom prst="rect">
             <a:avLst/>
@@ -6240,7 +6448,7 @@
           <a:lstStyle/>
           <a:p>
             <a:r>
-              <a:rPr lang="de-DE" sz="2400">
+              <a:rPr lang="de-DE" sz="3200">
                 <a:solidFill>
                   <a:schemeClr val="accent1">
                     <a:lumMod val="50000"/>
@@ -6254,7 +6462,7 @@
           </a:p>
           <a:p>
             <a:r>
-              <a:rPr lang="de-DE" sz="2400">
+              <a:rPr lang="de-DE" sz="3200">
                 <a:solidFill>
                   <a:schemeClr val="accent1">
                     <a:lumMod val="50000"/>
@@ -6266,16 +6474,27 @@
               <a:t>Prelude&gt;</a:t>
             </a:r>
             <a:r>
-              <a:rPr lang="de-DE" sz="2400">
+              <a:rPr lang="de-DE" sz="3200">
                 <a:latin typeface="Agency FB" panose="020B0503020202020204" pitchFamily="34" charset="0"/>
                 <a:cs typeface="Courier New" panose="02070309020205020404" pitchFamily="49" charset="0"/>
               </a:rPr>
-              <a:t> f &lt;- readFile "lit.txt"</a:t>
-            </a:r>
-          </a:p>
-          <a:p>
-            <a:r>
-              <a:rPr lang="de-DE" sz="2400" smtClean="0">
+              <a:t> f &lt;- readFile "</a:t>
+            </a:r>
+            <a:r>
+              <a:rPr lang="de-DE" sz="3200" smtClean="0">
+                <a:latin typeface="Agency FB" panose="020B0503020202020204" pitchFamily="34" charset="0"/>
+                <a:cs typeface="Courier New" panose="02070309020205020404" pitchFamily="49" charset="0"/>
+              </a:rPr>
+              <a:t>lit.lhs"</a:t>
+            </a:r>
+            <a:endParaRPr lang="de-DE" sz="3200">
+              <a:latin typeface="Agency FB" panose="020B0503020202020204" pitchFamily="34" charset="0"/>
+              <a:cs typeface="Courier New" panose="02070309020205020404" pitchFamily="49" charset="0"/>
+            </a:endParaRPr>
+          </a:p>
+          <a:p>
+            <a:r>
+              <a:rPr lang="de-DE" sz="3200" smtClean="0">
                 <a:solidFill>
                   <a:schemeClr val="accent1">
                     <a:lumMod val="50000"/>
@@ -6287,14 +6506,14 @@
               <a:t>Prelude&gt;</a:t>
             </a:r>
             <a:r>
-              <a:rPr lang="de-DE" sz="2400" smtClean="0">
+              <a:rPr lang="de-DE" sz="3200" smtClean="0">
                 <a:latin typeface="Agency FB" panose="020B0503020202020204" pitchFamily="34" charset="0"/>
                 <a:cs typeface="Courier New" panose="02070309020205020404" pitchFamily="49" charset="0"/>
               </a:rPr>
               <a:t> </a:t>
             </a:r>
             <a:r>
-              <a:rPr lang="de-DE" sz="2400">
+              <a:rPr lang="de-DE" sz="3200">
                 <a:latin typeface="Agency FB" panose="020B0503020202020204" pitchFamily="34" charset="0"/>
                 <a:cs typeface="Courier New" panose="02070309020205020404" pitchFamily="49" charset="0"/>
               </a:rPr>
@@ -6303,7 +6522,7 @@
           </a:p>
           <a:p>
             <a:r>
-              <a:rPr lang="de-DE" sz="2400">
+              <a:rPr lang="de-DE" sz="3200">
                 <a:solidFill>
                   <a:schemeClr val="accent1">
                     <a:lumMod val="50000"/>
@@ -6315,7 +6534,7 @@
               <a:t>Prelude </a:t>
             </a:r>
             <a:r>
-              <a:rPr lang="de-DE" sz="2400" smtClean="0">
+              <a:rPr lang="de-DE" sz="3200" smtClean="0">
                 <a:solidFill>
                   <a:schemeClr val="accent1">
                     <a:lumMod val="50000"/>
@@ -6327,7 +6546,7 @@
               <a:t>Data.List</a:t>
             </a:r>
             <a:r>
-              <a:rPr lang="de-DE" sz="2400">
+              <a:rPr lang="de-DE" sz="3200">
                 <a:solidFill>
                   <a:schemeClr val="accent1">
                     <a:lumMod val="50000"/>
@@ -6339,27 +6558,27 @@
               <a:t>&gt;</a:t>
             </a:r>
             <a:r>
-              <a:rPr lang="de-DE" sz="2400">
+              <a:rPr lang="de-DE" sz="3200">
                 <a:latin typeface="Agency FB" panose="020B0503020202020204" pitchFamily="34" charset="0"/>
                 <a:cs typeface="Courier New" panose="02070309020205020404" pitchFamily="49" charset="0"/>
               </a:rPr>
               <a:t> data Line = Code String | Other </a:t>
             </a:r>
             <a:r>
-              <a:rPr lang="de-DE" sz="2400" smtClean="0">
+              <a:rPr lang="de-DE" sz="3200" smtClean="0">
                 <a:latin typeface="Agency FB" panose="020B0503020202020204" pitchFamily="34" charset="0"/>
                 <a:cs typeface="Courier New" panose="02070309020205020404" pitchFamily="49" charset="0"/>
               </a:rPr>
               <a:t>String</a:t>
             </a:r>
-            <a:endParaRPr lang="de-DE" sz="2400">
+            <a:endParaRPr lang="de-DE" sz="3200">
               <a:latin typeface="Agency FB" panose="020B0503020202020204" pitchFamily="34" charset="0"/>
               <a:cs typeface="Courier New" panose="02070309020205020404" pitchFamily="49" charset="0"/>
             </a:endParaRPr>
           </a:p>
           <a:p>
             <a:r>
-              <a:rPr lang="de-DE" sz="2400">
+              <a:rPr lang="de-DE" sz="3200">
                 <a:solidFill>
                   <a:schemeClr val="accent1">
                     <a:lumMod val="50000"/>
@@ -6371,7 +6590,7 @@
               <a:t>Prelude </a:t>
             </a:r>
             <a:r>
-              <a:rPr lang="de-DE" sz="2400" smtClean="0">
+              <a:rPr lang="de-DE" sz="3200" smtClean="0">
                 <a:solidFill>
                   <a:schemeClr val="accent1">
                     <a:lumMod val="50000"/>
@@ -6383,7 +6602,7 @@
               <a:t>Data.List</a:t>
             </a:r>
             <a:r>
-              <a:rPr lang="de-DE" sz="2400">
+              <a:rPr lang="de-DE" sz="3200">
                 <a:solidFill>
                   <a:schemeClr val="accent1">
                     <a:lumMod val="50000"/>
@@ -6395,7 +6614,7 @@
               <a:t>&gt;</a:t>
             </a:r>
             <a:r>
-              <a:rPr lang="de-DE" sz="2400">
+              <a:rPr lang="de-DE" sz="3200">
                 <a:latin typeface="Agency FB" panose="020B0503020202020204" pitchFamily="34" charset="0"/>
                 <a:cs typeface="Courier New" panose="02070309020205020404" pitchFamily="49" charset="0"/>
               </a:rPr>
@@ -6404,7 +6623,7 @@
           </a:p>
           <a:p>
             <a:r>
-              <a:rPr lang="de-DE" sz="2400">
+              <a:rPr lang="de-DE" sz="3200">
                 <a:solidFill>
                   <a:schemeClr val="accent1">
                     <a:lumMod val="50000"/>
@@ -6416,7 +6635,7 @@
               <a:t>Prelude </a:t>
             </a:r>
             <a:r>
-              <a:rPr lang="de-DE" sz="2400" smtClean="0">
+              <a:rPr lang="de-DE" sz="3200" smtClean="0">
                 <a:solidFill>
                   <a:schemeClr val="accent1">
                     <a:lumMod val="50000"/>
@@ -6428,7 +6647,7 @@
               <a:t>Data.List</a:t>
             </a:r>
             <a:r>
-              <a:rPr lang="de-DE" sz="2400">
+              <a:rPr lang="de-DE" sz="3200">
                 <a:solidFill>
                   <a:schemeClr val="accent1">
                     <a:lumMod val="50000"/>
@@ -6440,27 +6659,36 @@
               <a:t>&gt;</a:t>
             </a:r>
             <a:r>
-              <a:rPr lang="de-DE" sz="2400">
+              <a:rPr lang="de-DE" sz="3200">
                 <a:latin typeface="Agency FB" panose="020B0503020202020204" pitchFamily="34" charset="0"/>
                 <a:cs typeface="Courier New" panose="02070309020205020404" pitchFamily="49" charset="0"/>
               </a:rPr>
-              <a:t> writeFile "unlit.hs" $ unlines </a:t>
-            </a:r>
-            <a:r>
-              <a:rPr lang="de-DE" sz="2400" smtClean="0">
+              <a:t> writeFile "unlit.hs" $ </a:t>
+            </a:r>
+            <a:r>
+              <a:rPr lang="de-DE" sz="3200" smtClean="0">
                 <a:latin typeface="Agency FB" panose="020B0503020202020204" pitchFamily="34" charset="0"/>
                 <a:cs typeface="Courier New" panose="02070309020205020404" pitchFamily="49" charset="0"/>
               </a:rPr>
-              <a:t>$ map </a:t>
-            </a:r>
-            <a:r>
-              <a:rPr lang="de-DE" sz="2400">
+              <a:t>unlines $</a:t>
+            </a:r>
+          </a:p>
+          <a:p>
+            <a:r>
+              <a:rPr lang="de-DE" sz="3200" smtClean="0">
                 <a:latin typeface="Agency FB" panose="020B0503020202020204" pitchFamily="34" charset="0"/>
                 <a:cs typeface="Courier New" panose="02070309020205020404" pitchFamily="49" charset="0"/>
               </a:rPr>
+              <a:t>map </a:t>
+            </a:r>
+            <a:r>
+              <a:rPr lang="de-DE" sz="3200">
+                <a:latin typeface="Agency FB" panose="020B0503020202020204" pitchFamily="34" charset="0"/>
+                <a:cs typeface="Courier New" panose="02070309020205020404" pitchFamily="49" charset="0"/>
+              </a:rPr>
               <a:t>(\l -&gt; case l of Code s -&gt; drop 2 s; Other s -&gt; if null s then s else "-- "++s) ls</a:t>
             </a:r>
-            <a:endParaRPr lang="de-DE" sz="2400" dirty="0" err="1" smtClean="0">
+            <a:endParaRPr lang="de-DE" sz="3200" dirty="0" err="1" smtClean="0">
               <a:latin typeface="Agency FB" panose="020B0503020202020204" pitchFamily="34" charset="0"/>
               <a:cs typeface="Courier New" panose="02070309020205020404" pitchFamily="49" charset="0"/>
             </a:endParaRPr>
@@ -6661,8 +6889,9 @@
           <a:p>
             <a:r>
               <a:rPr lang="en-US" smtClean="0"/>
-              <a:t>DSL for XML</a:t>
-            </a:r>
+              <a:t>Domain Specific Languages</a:t>
+            </a:r>
+            <a:endParaRPr lang="en-US" smtClean="0"/>
           </a:p>
         </p:txBody>
       </p:sp>
@@ -6855,7 +7084,7 @@
                 <a:ea typeface="Droid Sans Mono Chess ASCII" panose="020B0609030804020204" pitchFamily="50" charset="0"/>
                 <a:cs typeface="Droid Sans Mono Chess ASCII" panose="020B0609030804020204" pitchFamily="50" charset="0"/>
               </a:rPr>
-              <a:t>fn-cov</a:t>
+              <a:t>fn_cov</a:t>
             </a:r>
             <a:r>
               <a:rPr lang="en-US" sz="2000">
@@ -6881,7 +7110,7 @@
                 <a:ea typeface="Droid Sans Mono Chess ASCII" panose="020B0609030804020204" pitchFamily="50" charset="0"/>
                 <a:cs typeface="Droid Sans Mono Chess ASCII" panose="020B0609030804020204" pitchFamily="50" charset="0"/>
               </a:rPr>
-              <a:t>fn-cov</a:t>
+              <a:t>fn_cov</a:t>
             </a:r>
             <a:r>
               <a:rPr lang="en-US" sz="2000">
@@ -7273,6 +7502,90 @@
               <a:solidFill>
                 <a:srgbClr val="00B050"/>
               </a:solidFill>
+              <a:latin typeface="+mn-lt"/>
+            </a:endParaRPr>
+          </a:p>
+        </p:txBody>
+      </p:sp>
+      <p:sp>
+        <p:nvSpPr>
+          <p:cNvPr id="5" name="Rechteck 4"/>
+          <p:cNvSpPr/>
+          <p:nvPr/>
+        </p:nvSpPr>
+        <p:spPr>
+          <a:xfrm>
+            <a:off x="404057" y="7105650"/>
+            <a:ext cx="12341840" cy="1894143"/>
+          </a:xfrm>
+          <a:prstGeom prst="rect">
+            <a:avLst/>
+          </a:prstGeom>
+          <a:solidFill>
+            <a:schemeClr val="accent1">
+              <a:alpha val="23000"/>
+            </a:schemeClr>
+          </a:solidFill>
+          <a:ln>
+            <a:solidFill>
+              <a:schemeClr val="tx1"/>
+            </a:solidFill>
+          </a:ln>
+        </p:spPr>
+        <p:style>
+          <a:lnRef idx="2">
+            <a:schemeClr val="accent1">
+              <a:shade val="50000"/>
+            </a:schemeClr>
+          </a:lnRef>
+          <a:fillRef idx="1">
+            <a:schemeClr val="accent1"/>
+          </a:fillRef>
+          <a:effectRef idx="0">
+            <a:schemeClr val="accent1"/>
+          </a:effectRef>
+          <a:fontRef idx="minor">
+            <a:schemeClr val="lt1"/>
+          </a:fontRef>
+        </p:style>
+        <p:txBody>
+          <a:bodyPr rtlCol="0" anchor="ctr"/>
+          <a:lstStyle/>
+          <a:p>
+            <a:pPr algn="ctr"/>
+            <a:endParaRPr lang="de-DE"/>
+          </a:p>
+        </p:txBody>
+      </p:sp>
+      <p:sp>
+        <p:nvSpPr>
+          <p:cNvPr id="10" name="Textfeld 9"/>
+          <p:cNvSpPr txBox="1"/>
+          <p:nvPr/>
+        </p:nvSpPr>
+        <p:spPr>
+          <a:xfrm>
+            <a:off x="5602370" y="9075993"/>
+            <a:ext cx="1945213" cy="523220"/>
+          </a:xfrm>
+          <a:prstGeom prst="rect">
+            <a:avLst/>
+          </a:prstGeom>
+          <a:noFill/>
+        </p:spPr>
+        <p:txBody>
+          <a:bodyPr wrap="none" rtlCol="0">
+            <a:spAutoFit/>
+          </a:bodyPr>
+          <a:lstStyle/>
+          <a:p>
+            <a:r>
+              <a:rPr lang="de-DE" sz="2800" smtClean="0">
+                <a:latin typeface="+mn-lt"/>
+              </a:rPr>
+              <a:t>DSL for XML</a:t>
+            </a:r>
+            <a:endParaRPr lang="de-DE" sz="2800" dirty="0" err="1" smtClean="0">
               <a:latin typeface="+mn-lt"/>
             </a:endParaRPr>
           </a:p>
@@ -7341,6 +7654,78 @@
                       </p:childTnLst>
                     </p:cTn>
                   </p:par>
+                  <p:par>
+                    <p:cTn id="7" fill="hold">
+                      <p:stCondLst>
+                        <p:cond delay="indefinite"/>
+                      </p:stCondLst>
+                      <p:childTnLst>
+                        <p:par>
+                          <p:cTn id="8" fill="hold">
+                            <p:stCondLst>
+                              <p:cond delay="0"/>
+                            </p:stCondLst>
+                            <p:childTnLst>
+                              <p:par>
+                                <p:cTn id="9" presetID="1" presetClass="entr" presetSubtype="0" fill="hold" grpId="0" nodeType="clickEffect">
+                                  <p:stCondLst>
+                                    <p:cond delay="0"/>
+                                  </p:stCondLst>
+                                  <p:childTnLst>
+                                    <p:set>
+                                      <p:cBhvr>
+                                        <p:cTn id="10" dur="1" fill="hold">
+                                          <p:stCondLst>
+                                            <p:cond delay="0"/>
+                                          </p:stCondLst>
+                                        </p:cTn>
+                                        <p:tgtEl>
+                                          <p:spTgt spid="5"/>
+                                        </p:tgtEl>
+                                        <p:attrNameLst>
+                                          <p:attrName>style.visibility</p:attrName>
+                                        </p:attrNameLst>
+                                      </p:cBhvr>
+                                      <p:to>
+                                        <p:strVal val="visible"/>
+                                      </p:to>
+                                    </p:set>
+                                  </p:childTnLst>
+                                </p:cTn>
+                              </p:par>
+                              <p:par>
+                                <p:cTn id="11" presetID="1" presetClass="entr" presetSubtype="0" fill="hold" grpId="0" nodeType="withEffect">
+                                  <p:stCondLst>
+                                    <p:cond delay="0"/>
+                                  </p:stCondLst>
+                                  <p:childTnLst>
+                                    <p:set>
+                                      <p:cBhvr>
+                                        <p:cTn id="12" dur="1" fill="hold">
+                                          <p:stCondLst>
+                                            <p:cond delay="0"/>
+                                          </p:stCondLst>
+                                        </p:cTn>
+                                        <p:tgtEl>
+                                          <p:spTgt spid="10"/>
+                                        </p:tgtEl>
+                                        <p:attrNameLst>
+                                          <p:attrName>style.visibility</p:attrName>
+                                        </p:attrNameLst>
+                                      </p:cBhvr>
+                                      <p:to>
+                                        <p:strVal val="visible"/>
+                                      </p:to>
+                                    </p:set>
+                                  </p:childTnLst>
+                                </p:cTn>
+                              </p:par>
+                            </p:childTnLst>
+                          </p:cTn>
+                        </p:par>
+                      </p:childTnLst>
+                    </p:cTn>
+                  </p:par>
                 </p:childTnLst>
               </p:cTn>
               <p:prevCondLst>
@@ -7364,6 +7749,8 @@
     </p:tnLst>
     <p:bldLst>
       <p:bldP spid="4" grpId="0"/>
+      <p:bldP spid="5" grpId="0" animBg="1"/>
+      <p:bldP spid="10" grpId="0"/>
     </p:bldLst>
   </p:timing>
 </p:sld>
@@ -9954,8 +10341,8 @@
           <p:nvPr/>
         </p:nvSpPr>
         <p:spPr>
-          <a:xfrm>
-            <a:off x="2971483" y="4736809"/>
+          <a:xfrm rot="5400000">
+            <a:off x="7816733" y="4908976"/>
             <a:ext cx="3631828" cy="830997"/>
           </a:xfrm>
           <a:prstGeom prst="rect">
@@ -10975,6 +11362,13 @@
   <p:clrMapOvr>
     <a:masterClrMapping/>
   </p:clrMapOvr>
+  <p:timing>
+    <p:tnLst>
+      <p:par>
+        <p:cTn id="1" dur="indefinite" restart="never" nodeType="tmRoot"/>
+      </p:par>
+    </p:tnLst>
+  </p:timing>
 </p:sld>
 </file>
 
@@ -11240,6 +11634,13 @@
   <p:clrMapOvr>
     <a:masterClrMapping/>
   </p:clrMapOvr>
+  <p:timing>
+    <p:tnLst>
+      <p:par>
+        <p:cTn id="1" dur="indefinite" restart="never" nodeType="tmRoot"/>
+      </p:par>
+    </p:tnLst>
+  </p:timing>
 </p:sld>
 </file>
 
@@ -12110,6 +12511,13 @@
   <p:clrMapOvr>
     <a:masterClrMapping/>
   </p:clrMapOvr>
+  <p:timing>
+    <p:tnLst>
+      <p:par>
+        <p:cTn id="1" dur="indefinite" restart="never" nodeType="tmRoot"/>
+      </p:par>
+    </p:tnLst>
+  </p:timing>
 </p:sld>
 </file>
 
@@ -13422,6 +13830,60 @@
       </p:sp>
       <p:pic>
         <p:nvPicPr>
+          <p:cNvPr id="1026" name="Picture 2"/>
+          <p:cNvPicPr>
+            <a:picLocks noChangeAspect="1" noChangeArrowheads="1"/>
+          </p:cNvPicPr>
+          <p:nvPr/>
+        </p:nvPicPr>
+        <p:blipFill>
+          <a:blip r:embed="rId2">
+            <a:extLst>
+              <a:ext uri="{28A0092B-C50C-407E-A947-70E740481C1C}">
+                <a14:useLocalDpi xmlns:a14="http://schemas.microsoft.com/office/drawing/2010/main" val="0"/>
+              </a:ext>
+            </a:extLst>
+          </a:blip>
+          <a:srcRect/>
+          <a:stretch>
+            <a:fillRect/>
+          </a:stretch>
+        </p:blipFill>
+        <p:spPr bwMode="auto">
+          <a:xfrm>
+            <a:off x="487363" y="3467100"/>
+            <a:ext cx="9001125" cy="5600700"/>
+          </a:xfrm>
+          <a:prstGeom prst="rect">
+            <a:avLst/>
+          </a:prstGeom>
+          <a:noFill/>
+          <a:ln>
+            <a:noFill/>
+          </a:ln>
+          <a:extLst>
+            <a:ext uri="{909E8E84-426E-40DD-AFC4-6F175D3DCCD1}">
+              <a14:hiddenFill xmlns:a14="http://schemas.microsoft.com/office/drawing/2010/main">
+                <a:solidFill>
+                  <a:schemeClr val="accent1"/>
+                </a:solidFill>
+              </a14:hiddenFill>
+            </a:ext>
+            <a:ext uri="{91240B29-F687-4F45-9708-019B960494DF}">
+              <a14:hiddenLine xmlns:a14="http://schemas.microsoft.com/office/drawing/2010/main" w="9525">
+                <a:solidFill>
+                  <a:schemeClr val="tx1"/>
+                </a:solidFill>
+                <a:miter lim="800000"/>
+                <a:headEnd/>
+                <a:tailEnd/>
+              </a14:hiddenLine>
+            </a:ext>
+          </a:extLst>
+        </p:spPr>
+      </p:pic>
+      <p:pic>
+        <p:nvPicPr>
           <p:cNvPr id="3076" name="Picture 4"/>
           <p:cNvPicPr>
             <a:picLocks noChangeAspect="1" noChangeArrowheads="1"/>
@@ -13429,7 +13891,7 @@
           <p:nvPr/>
         </p:nvPicPr>
         <p:blipFill>
-          <a:blip r:embed="rId2">
+          <a:blip r:embed="rId3">
             <a:extLst>
               <a:ext uri="{28A0092B-C50C-407E-A947-70E740481C1C}">
                 <a14:useLocalDpi xmlns:a14="http://schemas.microsoft.com/office/drawing/2010/main" val="0"/>

--- a/ppt/Chess200.pptx
+++ b/ppt/Chess200.pptx
@@ -5,10 +5,10 @@
     <p:sldMasterId id="2147483648" r:id="rId1"/>
   </p:sldMasterIdLst>
   <p:notesMasterIdLst>
-    <p:notesMasterId r:id="rId21"/>
+    <p:notesMasterId r:id="rId27"/>
   </p:notesMasterIdLst>
   <p:handoutMasterIdLst>
-    <p:handoutMasterId r:id="rId22"/>
+    <p:handoutMasterId r:id="rId28"/>
   </p:handoutMasterIdLst>
   <p:sldIdLst>
     <p:sldId id="261" r:id="rId2"/>
@@ -29,41 +29,47 @@
     <p:sldId id="293" r:id="rId17"/>
     <p:sldId id="297" r:id="rId18"/>
     <p:sldId id="288" r:id="rId19"/>
-    <p:sldId id="269" r:id="rId20"/>
+    <p:sldId id="299" r:id="rId20"/>
+    <p:sldId id="300" r:id="rId21"/>
+    <p:sldId id="301" r:id="rId22"/>
+    <p:sldId id="302" r:id="rId23"/>
+    <p:sldId id="303" r:id="rId24"/>
+    <p:sldId id="298" r:id="rId25"/>
+    <p:sldId id="269" r:id="rId26"/>
   </p:sldIdLst>
   <p:sldSz cx="13004800" cy="9753600"/>
   <p:notesSz cx="7010400" cy="9296400"/>
   <p:embeddedFontLst>
     <p:embeddedFont>
       <p:font typeface="Arial Narrow" panose="020B0606020202030204" pitchFamily="34" charset="0"/>
-      <p:regular r:id="rId23"/>
-      <p:bold r:id="rId24"/>
-      <p:italic r:id="rId25"/>
-      <p:boldItalic r:id="rId26"/>
+      <p:regular r:id="rId29"/>
+      <p:bold r:id="rId30"/>
+      <p:italic r:id="rId31"/>
+      <p:boldItalic r:id="rId32"/>
     </p:embeddedFont>
     <p:embeddedFont>
       <p:font typeface="Wingdings 3" panose="05040102010807070707" pitchFamily="18" charset="2"/>
-      <p:regular r:id="rId27"/>
+      <p:regular r:id="rId33"/>
     </p:embeddedFont>
     <p:embeddedFont>
       <p:font typeface="Arial Black" panose="020B0A04020102020204" pitchFamily="34" charset="0"/>
-      <p:bold r:id="rId28"/>
+      <p:bold r:id="rId34"/>
     </p:embeddedFont>
     <p:embeddedFont>
       <p:font typeface="Agency FB" panose="020B0604020202020204" charset="0"/>
-      <p:regular r:id="rId29"/>
-      <p:bold r:id="rId30"/>
+      <p:regular r:id="rId35"/>
+      <p:bold r:id="rId36"/>
     </p:embeddedFont>
     <p:embeddedFont>
       <p:font typeface="Droid Sans Mono Chess ASCII" panose="020B0609030804020204" pitchFamily="50" charset="0"/>
-      <p:regular r:id="rId31"/>
+      <p:regular r:id="rId37"/>
     </p:embeddedFont>
     <p:embeddedFont>
       <p:font typeface="Calibri" panose="020F0502020204030204" pitchFamily="34" charset="0"/>
-      <p:regular r:id="rId32"/>
-      <p:bold r:id="rId33"/>
-      <p:italic r:id="rId34"/>
-      <p:boldItalic r:id="rId35"/>
+      <p:regular r:id="rId38"/>
+      <p:bold r:id="rId39"/>
+      <p:italic r:id="rId40"/>
+      <p:boldItalic r:id="rId41"/>
     </p:embeddedFont>
   </p:embeddedFontLst>
   <p:defaultTextStyle>
@@ -4141,22 +4147,8 @@
                 <a:ea typeface="Gill Sans" charset="0"/>
                 <a:cs typeface="Gill Sans" charset="0"/>
               </a:rPr>
-              <a:t>“If it typechecks, it works”</a:t>
-            </a:r>
-          </a:p>
-          <a:p>
-            <a:pPr marL="254000" indent="-254000">
-              <a:lnSpc>
-                <a:spcPct val="120000"/>
-              </a:lnSpc>
-              <a:spcBef>
-                <a:spcPts val="1000"/>
-              </a:spcBef>
-              <a:buSzPct val="120000"/>
-              <a:buFont typeface="Lucida Grande" charset="0"/>
-              <a:buChar char="‣"/>
-              <a:defRPr/>
-            </a:pPr>
+              <a:t>Inspiring </a:t>
+            </a:r>
             <a:r>
               <a:rPr lang="en-US" sz="2600" smtClean="0">
                 <a:solidFill>
@@ -4166,7 +4158,7 @@
                 <a:ea typeface="Gill Sans" charset="0"/>
                 <a:cs typeface="Gill Sans" charset="0"/>
               </a:rPr>
-              <a:t>Inspiring F#, Java, C#, …</a:t>
+              <a:t>F#, Java, C#, …</a:t>
             </a:r>
           </a:p>
           <a:p>
@@ -9000,6 +8992,2699 @@
           <a:chExt cx="0" cy="0"/>
         </a:xfrm>
       </p:grpSpPr>
+      <p:sp>
+        <p:nvSpPr>
+          <p:cNvPr id="9218" name="Titel 1"/>
+          <p:cNvSpPr>
+            <a:spLocks noGrp="1"/>
+          </p:cNvSpPr>
+          <p:nvPr>
+            <p:ph type="title"/>
+          </p:nvPr>
+        </p:nvSpPr>
+        <p:spPr bwMode="auto">
+          <a:xfrm>
+            <a:off x="442913" y="93663"/>
+            <a:ext cx="10742612" cy="939800"/>
+          </a:xfrm>
+          <a:noFill/>
+          <a:ln>
+            <a:miter lim="800000"/>
+            <a:headEnd/>
+            <a:tailEnd/>
+          </a:ln>
+        </p:spPr>
+        <p:txBody>
+          <a:bodyPr vert="horz" wrap="square" numCol="1" anchor="t" anchorCtr="0" compatLnSpc="1">
+            <a:prstTxWarp prst="textNoShape">
+              <a:avLst/>
+            </a:prstTxWarp>
+          </a:bodyPr>
+          <a:lstStyle/>
+          <a:p>
+            <a:r>
+              <a:rPr lang="en-US" smtClean="0"/>
+              <a:t>Code</a:t>
+            </a:r>
+            <a:endParaRPr lang="en-US" smtClean="0"/>
+          </a:p>
+        </p:txBody>
+      </p:sp>
+      <p:sp>
+        <p:nvSpPr>
+          <p:cNvPr id="4" name="Rechteck 3"/>
+          <p:cNvSpPr/>
+          <p:nvPr/>
+        </p:nvSpPr>
+        <p:spPr>
+          <a:xfrm>
+            <a:off x="514350" y="1466850"/>
+            <a:ext cx="11925300" cy="4708981"/>
+          </a:xfrm>
+          <a:prstGeom prst="rect">
+            <a:avLst/>
+          </a:prstGeom>
+        </p:spPr>
+        <p:txBody>
+          <a:bodyPr wrap="square">
+            <a:spAutoFit/>
+          </a:bodyPr>
+          <a:lstStyle/>
+          <a:p>
+            <a:pPr defTabSz="619200"/>
+            <a:r>
+              <a:rPr lang="de-DE" sz="2000">
+                <a:latin typeface="Droid Sans Mono Chess ASCII" panose="020B0609030804020204" pitchFamily="50" charset="0"/>
+                <a:ea typeface="Droid Sans Mono Chess ASCII" panose="020B0609030804020204" pitchFamily="50" charset="0"/>
+                <a:cs typeface="Droid Sans Mono Chess ASCII" panose="020B0609030804020204" pitchFamily="50" charset="0"/>
+              </a:rPr>
+              <a:t>data Colour = White | Black</a:t>
+            </a:r>
+          </a:p>
+          <a:p>
+            <a:pPr defTabSz="619200"/>
+            <a:r>
+              <a:rPr lang="de-DE" sz="2000">
+                <a:latin typeface="Droid Sans Mono Chess ASCII" panose="020B0609030804020204" pitchFamily="50" charset="0"/>
+                <a:ea typeface="Droid Sans Mono Chess ASCII" panose="020B0609030804020204" pitchFamily="50" charset="0"/>
+                <a:cs typeface="Droid Sans Mono Chess ASCII" panose="020B0609030804020204" pitchFamily="50" charset="0"/>
+              </a:rPr>
+              <a:t>	deriving (Show,Eq,Enum,Bounded,Ord)</a:t>
+            </a:r>
+          </a:p>
+          <a:p>
+            <a:pPr defTabSz="619200"/>
+            <a:endParaRPr lang="de-DE" sz="2000">
+              <a:latin typeface="Droid Sans Mono Chess ASCII" panose="020B0609030804020204" pitchFamily="50" charset="0"/>
+              <a:ea typeface="Droid Sans Mono Chess ASCII" panose="020B0609030804020204" pitchFamily="50" charset="0"/>
+              <a:cs typeface="Droid Sans Mono Chess ASCII" panose="020B0609030804020204" pitchFamily="50" charset="0"/>
+            </a:endParaRPr>
+          </a:p>
+          <a:p>
+            <a:pPr defTabSz="619200"/>
+            <a:r>
+              <a:rPr lang="de-DE" sz="2000">
+                <a:latin typeface="Droid Sans Mono Chess ASCII" panose="020B0609030804020204" pitchFamily="50" charset="0"/>
+                <a:ea typeface="Droid Sans Mono Chess ASCII" panose="020B0609030804020204" pitchFamily="50" charset="0"/>
+                <a:cs typeface="Droid Sans Mono Chess ASCII" panose="020B0609030804020204" pitchFamily="50" charset="0"/>
+              </a:rPr>
+              <a:t>nextColour White = Black</a:t>
+            </a:r>
+          </a:p>
+          <a:p>
+            <a:pPr defTabSz="619200"/>
+            <a:r>
+              <a:rPr lang="de-DE" sz="2000">
+                <a:latin typeface="Droid Sans Mono Chess ASCII" panose="020B0609030804020204" pitchFamily="50" charset="0"/>
+                <a:ea typeface="Droid Sans Mono Chess ASCII" panose="020B0609030804020204" pitchFamily="50" charset="0"/>
+                <a:cs typeface="Droid Sans Mono Chess ASCII" panose="020B0609030804020204" pitchFamily="50" charset="0"/>
+              </a:rPr>
+              <a:t>nextColour Black = White</a:t>
+            </a:r>
+          </a:p>
+          <a:p>
+            <a:pPr defTabSz="619200"/>
+            <a:endParaRPr lang="de-DE" sz="2000">
+              <a:latin typeface="Droid Sans Mono Chess ASCII" panose="020B0609030804020204" pitchFamily="50" charset="0"/>
+              <a:ea typeface="Droid Sans Mono Chess ASCII" panose="020B0609030804020204" pitchFamily="50" charset="0"/>
+              <a:cs typeface="Droid Sans Mono Chess ASCII" panose="020B0609030804020204" pitchFamily="50" charset="0"/>
+            </a:endParaRPr>
+          </a:p>
+          <a:p>
+            <a:pPr defTabSz="619200"/>
+            <a:r>
+              <a:rPr lang="de-DE" sz="2000">
+                <a:latin typeface="Droid Sans Mono Chess ASCII" panose="020B0609030804020204" pitchFamily="50" charset="0"/>
+                <a:ea typeface="Droid Sans Mono Chess ASCII" panose="020B0609030804020204" pitchFamily="50" charset="0"/>
+                <a:cs typeface="Droid Sans Mono Chess ASCII" panose="020B0609030804020204" pitchFamily="50" charset="0"/>
+              </a:rPr>
+              <a:t>data Piece = Ù | Ú | Û | Ü | Ý | Þ</a:t>
+            </a:r>
+          </a:p>
+          <a:p>
+            <a:pPr defTabSz="619200"/>
+            <a:r>
+              <a:rPr lang="de-DE" sz="2000">
+                <a:latin typeface="Droid Sans Mono Chess ASCII" panose="020B0609030804020204" pitchFamily="50" charset="0"/>
+                <a:ea typeface="Droid Sans Mono Chess ASCII" panose="020B0609030804020204" pitchFamily="50" charset="0"/>
+                <a:cs typeface="Droid Sans Mono Chess ASCII" panose="020B0609030804020204" pitchFamily="50" charset="0"/>
+              </a:rPr>
+              <a:t>	deriving (Eq,Enum,Bounded,Ord,Show)</a:t>
+            </a:r>
+          </a:p>
+          <a:p>
+            <a:pPr defTabSz="619200"/>
+            <a:endParaRPr lang="de-DE" sz="2000">
+              <a:latin typeface="Droid Sans Mono Chess ASCII" panose="020B0609030804020204" pitchFamily="50" charset="0"/>
+              <a:ea typeface="Droid Sans Mono Chess ASCII" panose="020B0609030804020204" pitchFamily="50" charset="0"/>
+              <a:cs typeface="Droid Sans Mono Chess ASCII" panose="020B0609030804020204" pitchFamily="50" charset="0"/>
+            </a:endParaRPr>
+          </a:p>
+          <a:p>
+            <a:pPr defTabSz="619200"/>
+            <a:r>
+              <a:rPr lang="de-DE" sz="2000">
+                <a:latin typeface="Droid Sans Mono Chess ASCII" panose="020B0609030804020204" pitchFamily="50" charset="0"/>
+                <a:ea typeface="Droid Sans Mono Chess ASCII" panose="020B0609030804020204" pitchFamily="50" charset="0"/>
+                <a:cs typeface="Droid Sans Mono Chess ASCII" panose="020B0609030804020204" pitchFamily="50" charset="0"/>
+              </a:rPr>
+              <a:t>type Board  = Array Coors Square</a:t>
+            </a:r>
+          </a:p>
+          <a:p>
+            <a:pPr defTabSz="619200"/>
+            <a:r>
+              <a:rPr lang="de-DE" sz="2000">
+                <a:latin typeface="Droid Sans Mono Chess ASCII" panose="020B0609030804020204" pitchFamily="50" charset="0"/>
+                <a:ea typeface="Droid Sans Mono Chess ASCII" panose="020B0609030804020204" pitchFamily="50" charset="0"/>
+                <a:cs typeface="Droid Sans Mono Chess ASCII" panose="020B0609030804020204" pitchFamily="50" charset="0"/>
+              </a:rPr>
+              <a:t>type Square = Maybe (Colour,Piece)</a:t>
+            </a:r>
+          </a:p>
+          <a:p>
+            <a:pPr defTabSz="619200"/>
+            <a:endParaRPr lang="de-DE" sz="2000">
+              <a:latin typeface="Droid Sans Mono Chess ASCII" panose="020B0609030804020204" pitchFamily="50" charset="0"/>
+              <a:ea typeface="Droid Sans Mono Chess ASCII" panose="020B0609030804020204" pitchFamily="50" charset="0"/>
+              <a:cs typeface="Droid Sans Mono Chess ASCII" panose="020B0609030804020204" pitchFamily="50" charset="0"/>
+            </a:endParaRPr>
+          </a:p>
+          <a:p>
+            <a:pPr defTabSz="619200"/>
+            <a:r>
+              <a:rPr lang="de-DE" sz="2000">
+                <a:latin typeface="Droid Sans Mono Chess ASCII" panose="020B0609030804020204" pitchFamily="50" charset="0"/>
+                <a:ea typeface="Droid Sans Mono Chess ASCII" panose="020B0609030804020204" pitchFamily="50" charset="0"/>
+                <a:cs typeface="Droid Sans Mono Chess ASCII" panose="020B0609030804020204" pitchFamily="50" charset="0"/>
+              </a:rPr>
+              <a:t>type Coors = (Int,Int)</a:t>
+            </a:r>
+          </a:p>
+          <a:p>
+            <a:pPr defTabSz="619200"/>
+            <a:r>
+              <a:rPr lang="de-DE" sz="2000">
+                <a:latin typeface="Droid Sans Mono Chess ASCII" panose="020B0609030804020204" pitchFamily="50" charset="0"/>
+                <a:ea typeface="Droid Sans Mono Chess ASCII" panose="020B0609030804020204" pitchFamily="50" charset="0"/>
+                <a:cs typeface="Droid Sans Mono Chess ASCII" panose="020B0609030804020204" pitchFamily="50" charset="0"/>
+              </a:rPr>
+              <a:t>instance Show Coors where</a:t>
+            </a:r>
+          </a:p>
+          <a:p>
+            <a:pPr defTabSz="619200"/>
+            <a:r>
+              <a:rPr lang="de-DE" sz="2000">
+                <a:latin typeface="Droid Sans Mono Chess ASCII" panose="020B0609030804020204" pitchFamily="50" charset="0"/>
+                <a:ea typeface="Droid Sans Mono Chess ASCII" panose="020B0609030804020204" pitchFamily="50" charset="0"/>
+                <a:cs typeface="Droid Sans Mono Chess ASCII" panose="020B0609030804020204" pitchFamily="50" charset="0"/>
+              </a:rPr>
+              <a:t>	show (file,rank) = (chr $ ord 'a' + file - 1) : show rank</a:t>
+            </a:r>
+          </a:p>
+        </p:txBody>
+      </p:sp>
+    </p:spTree>
+    <p:extLst>
+      <p:ext uri="{BB962C8B-B14F-4D97-AF65-F5344CB8AC3E}">
+        <p14:creationId xmlns:p14="http://schemas.microsoft.com/office/powerpoint/2010/main" val="2077020566"/>
+      </p:ext>
+    </p:extLst>
+  </p:cSld>
+  <p:clrMapOvr>
+    <a:masterClrMapping/>
+  </p:clrMapOvr>
+  <p:timing>
+    <p:tnLst>
+      <p:par>
+        <p:cTn id="1" dur="indefinite" restart="never" nodeType="tmRoot"/>
+      </p:par>
+    </p:tnLst>
+  </p:timing>
+</p:sld>
+</file>
+
+<file path=ppt/slides/slide19.xml><?xml version="1.0" encoding="utf-8"?>
+<p:sld xmlns:a="http://schemas.openxmlformats.org/drawingml/2006/main" xmlns:r="http://schemas.openxmlformats.org/officeDocument/2006/relationships" xmlns:p="http://schemas.openxmlformats.org/presentationml/2006/main">
+  <p:cSld>
+    <p:spTree>
+      <p:nvGrpSpPr>
+        <p:cNvPr id="1" name=""/>
+        <p:cNvGrpSpPr/>
+        <p:nvPr/>
+      </p:nvGrpSpPr>
+      <p:grpSpPr>
+        <a:xfrm>
+          <a:off x="0" y="0"/>
+          <a:ext cx="0" cy="0"/>
+          <a:chOff x="0" y="0"/>
+          <a:chExt cx="0" cy="0"/>
+        </a:xfrm>
+      </p:grpSpPr>
+      <p:sp>
+        <p:nvSpPr>
+          <p:cNvPr id="9218" name="Titel 1"/>
+          <p:cNvSpPr>
+            <a:spLocks noGrp="1"/>
+          </p:cNvSpPr>
+          <p:nvPr>
+            <p:ph type="title"/>
+          </p:nvPr>
+        </p:nvSpPr>
+        <p:spPr bwMode="auto">
+          <a:xfrm>
+            <a:off x="442913" y="93663"/>
+            <a:ext cx="10742612" cy="939800"/>
+          </a:xfrm>
+          <a:noFill/>
+          <a:ln>
+            <a:miter lim="800000"/>
+            <a:headEnd/>
+            <a:tailEnd/>
+          </a:ln>
+        </p:spPr>
+        <p:txBody>
+          <a:bodyPr vert="horz" wrap="square" numCol="1" anchor="t" anchorCtr="0" compatLnSpc="1">
+            <a:prstTxWarp prst="textNoShape">
+              <a:avLst/>
+            </a:prstTxWarp>
+          </a:bodyPr>
+          <a:lstStyle/>
+          <a:p>
+            <a:r>
+              <a:rPr lang="en-US" smtClean="0"/>
+              <a:t>Code</a:t>
+            </a:r>
+            <a:endParaRPr lang="en-US" smtClean="0"/>
+          </a:p>
+        </p:txBody>
+      </p:sp>
+      <p:sp>
+        <p:nvSpPr>
+          <p:cNvPr id="4" name="Rechteck 3"/>
+          <p:cNvSpPr/>
+          <p:nvPr/>
+        </p:nvSpPr>
+        <p:spPr>
+          <a:xfrm>
+            <a:off x="514350" y="1466850"/>
+            <a:ext cx="11925300" cy="6863417"/>
+          </a:xfrm>
+          <a:prstGeom prst="rect">
+            <a:avLst/>
+          </a:prstGeom>
+        </p:spPr>
+        <p:txBody>
+          <a:bodyPr wrap="square">
+            <a:spAutoFit/>
+          </a:bodyPr>
+          <a:lstStyle/>
+          <a:p>
+            <a:pPr defTabSz="619200"/>
+            <a:r>
+              <a:rPr lang="de-DE" sz="2000" smtClean="0">
+                <a:latin typeface="Droid Sans Mono Chess ASCII" panose="020B0609030804020204" pitchFamily="50" charset="0"/>
+                <a:ea typeface="Droid Sans Mono Chess ASCII" panose="020B0609030804020204" pitchFamily="50" charset="0"/>
+                <a:cs typeface="Droid Sans Mono Chess ASCII" panose="020B0609030804020204" pitchFamily="50" charset="0"/>
+              </a:rPr>
+              <a:t>initialPosition </a:t>
+            </a:r>
+            <a:r>
+              <a:rPr lang="de-DE" sz="2000">
+                <a:latin typeface="Droid Sans Mono Chess ASCII" panose="020B0609030804020204" pitchFamily="50" charset="0"/>
+                <a:ea typeface="Droid Sans Mono Chess ASCII" panose="020B0609030804020204" pitchFamily="50" charset="0"/>
+                <a:cs typeface="Droid Sans Mono Chess ASCII" panose="020B0609030804020204" pitchFamily="50" charset="0"/>
+              </a:rPr>
+              <a:t>= Position {</a:t>
+            </a:r>
+          </a:p>
+          <a:p>
+            <a:pPr defTabSz="619200"/>
+            <a:r>
+              <a:rPr lang="de-DE" sz="2000">
+                <a:latin typeface="Droid Sans Mono Chess ASCII" panose="020B0609030804020204" pitchFamily="50" charset="0"/>
+                <a:ea typeface="Droid Sans Mono Chess ASCII" panose="020B0609030804020204" pitchFamily="50" charset="0"/>
+                <a:cs typeface="Droid Sans Mono Chess ASCII" panose="020B0609030804020204" pitchFamily="50" charset="0"/>
+              </a:rPr>
+              <a:t>	pBoard = boardFromString [</a:t>
+            </a:r>
+          </a:p>
+          <a:p>
+            <a:pPr defTabSz="619200"/>
+            <a:r>
+              <a:rPr lang="de-DE" sz="2000">
+                <a:latin typeface="Droid Sans Mono Chess ASCII" panose="020B0609030804020204" pitchFamily="50" charset="0"/>
+                <a:ea typeface="Droid Sans Mono Chess ASCII" panose="020B0609030804020204" pitchFamily="50" charset="0"/>
+                <a:cs typeface="Droid Sans Mono Chess ASCII" panose="020B0609030804020204" pitchFamily="50" charset="0"/>
+              </a:rPr>
+              <a:t>		"âïáòäðàñ",</a:t>
+            </a:r>
+          </a:p>
+          <a:p>
+            <a:pPr defTabSz="619200"/>
+            <a:r>
+              <a:rPr lang="de-DE" sz="2000">
+                <a:latin typeface="Droid Sans Mono Chess ASCII" panose="020B0609030804020204" pitchFamily="50" charset="0"/>
+                <a:ea typeface="Droid Sans Mono Chess ASCII" panose="020B0609030804020204" pitchFamily="50" charset="0"/>
+                <a:cs typeface="Droid Sans Mono Chess ASCII" panose="020B0609030804020204" pitchFamily="50" charset="0"/>
+              </a:rPr>
+              <a:t>		"îßîßîßîß",</a:t>
+            </a:r>
+          </a:p>
+          <a:p>
+            <a:pPr defTabSz="619200"/>
+            <a:r>
+              <a:rPr lang="de-DE" sz="2000">
+                <a:latin typeface="Droid Sans Mono Chess ASCII" panose="020B0609030804020204" pitchFamily="50" charset="0"/>
+                <a:ea typeface="Droid Sans Mono Chess ASCII" panose="020B0609030804020204" pitchFamily="50" charset="0"/>
+                <a:cs typeface="Droid Sans Mono Chess ASCII" panose="020B0609030804020204" pitchFamily="50" charset="0"/>
+              </a:rPr>
+              <a:t>		"ØçØçØçØç",</a:t>
+            </a:r>
+          </a:p>
+          <a:p>
+            <a:pPr defTabSz="619200"/>
+            <a:r>
+              <a:rPr lang="de-DE" sz="2000">
+                <a:latin typeface="Droid Sans Mono Chess ASCII" panose="020B0609030804020204" pitchFamily="50" charset="0"/>
+                <a:ea typeface="Droid Sans Mono Chess ASCII" panose="020B0609030804020204" pitchFamily="50" charset="0"/>
+                <a:cs typeface="Droid Sans Mono Chess ASCII" panose="020B0609030804020204" pitchFamily="50" charset="0"/>
+              </a:rPr>
+              <a:t>		"çØçØçØçØ",</a:t>
+            </a:r>
+          </a:p>
+          <a:p>
+            <a:pPr defTabSz="619200"/>
+            <a:r>
+              <a:rPr lang="de-DE" sz="2000">
+                <a:latin typeface="Droid Sans Mono Chess ASCII" panose="020B0609030804020204" pitchFamily="50" charset="0"/>
+                <a:ea typeface="Droid Sans Mono Chess ASCII" panose="020B0609030804020204" pitchFamily="50" charset="0"/>
+                <a:cs typeface="Droid Sans Mono Chess ASCII" panose="020B0609030804020204" pitchFamily="50" charset="0"/>
+              </a:rPr>
+              <a:t>		"ØçØçØçØç",</a:t>
+            </a:r>
+          </a:p>
+          <a:p>
+            <a:pPr defTabSz="619200"/>
+            <a:r>
+              <a:rPr lang="de-DE" sz="2000">
+                <a:latin typeface="Droid Sans Mono Chess ASCII" panose="020B0609030804020204" pitchFamily="50" charset="0"/>
+                <a:ea typeface="Droid Sans Mono Chess ASCII" panose="020B0609030804020204" pitchFamily="50" charset="0"/>
+                <a:cs typeface="Droid Sans Mono Chess ASCII" panose="020B0609030804020204" pitchFamily="50" charset="0"/>
+              </a:rPr>
+              <a:t>		"çØçØçØçØ",</a:t>
+            </a:r>
+          </a:p>
+          <a:p>
+            <a:pPr defTabSz="619200"/>
+            <a:r>
+              <a:rPr lang="de-DE" sz="2000">
+                <a:latin typeface="Droid Sans Mono Chess ASCII" panose="020B0609030804020204" pitchFamily="50" charset="0"/>
+                <a:ea typeface="Droid Sans Mono Chess ASCII" panose="020B0609030804020204" pitchFamily="50" charset="0"/>
+                <a:cs typeface="Droid Sans Mono Chess ASCII" panose="020B0609030804020204" pitchFamily="50" charset="0"/>
+              </a:rPr>
+              <a:t>		"ÙèÙèÙèÙè",</a:t>
+            </a:r>
+          </a:p>
+          <a:p>
+            <a:pPr defTabSz="619200"/>
+            <a:r>
+              <a:rPr lang="de-DE" sz="2000">
+                <a:latin typeface="Droid Sans Mono Chess ASCII" panose="020B0609030804020204" pitchFamily="50" charset="0"/>
+                <a:ea typeface="Droid Sans Mono Chess ASCII" panose="020B0609030804020204" pitchFamily="50" charset="0"/>
+                <a:cs typeface="Droid Sans Mono Chess ASCII" panose="020B0609030804020204" pitchFamily="50" charset="0"/>
+              </a:rPr>
+              <a:t>		"ëÚêÝíÛéÜ" ],</a:t>
+            </a:r>
+          </a:p>
+          <a:p>
+            <a:pPr defTabSz="619200"/>
+            <a:r>
+              <a:rPr lang="de-DE" sz="2000">
+                <a:latin typeface="Droid Sans Mono Chess ASCII" panose="020B0609030804020204" pitchFamily="50" charset="0"/>
+                <a:ea typeface="Droid Sans Mono Chess ASCII" panose="020B0609030804020204" pitchFamily="50" charset="0"/>
+                <a:cs typeface="Droid Sans Mono Chess ASCII" panose="020B0609030804020204" pitchFamily="50" charset="0"/>
+              </a:rPr>
+              <a:t>	pColourToMove       = White,</a:t>
+            </a:r>
+          </a:p>
+          <a:p>
+            <a:pPr defTabSz="619200"/>
+            <a:r>
+              <a:rPr lang="de-DE" sz="2000">
+                <a:latin typeface="Droid Sans Mono Chess ASCII" panose="020B0609030804020204" pitchFamily="50" charset="0"/>
+                <a:ea typeface="Droid Sans Mono Chess ASCII" panose="020B0609030804020204" pitchFamily="50" charset="0"/>
+                <a:cs typeface="Droid Sans Mono Chess ASCII" panose="020B0609030804020204" pitchFamily="50" charset="0"/>
+              </a:rPr>
+              <a:t>	pCanCastleQueenSide = allOfThem,</a:t>
+            </a:r>
+          </a:p>
+          <a:p>
+            <a:pPr defTabSz="619200"/>
+            <a:r>
+              <a:rPr lang="de-DE" sz="2000">
+                <a:latin typeface="Droid Sans Mono Chess ASCII" panose="020B0609030804020204" pitchFamily="50" charset="0"/>
+                <a:ea typeface="Droid Sans Mono Chess ASCII" panose="020B0609030804020204" pitchFamily="50" charset="0"/>
+                <a:cs typeface="Droid Sans Mono Chess ASCII" panose="020B0609030804020204" pitchFamily="50" charset="0"/>
+              </a:rPr>
+              <a:t>	pCanCastleKingSide  = allOfThem,</a:t>
+            </a:r>
+          </a:p>
+          <a:p>
+            <a:pPr defTabSz="619200"/>
+            <a:r>
+              <a:rPr lang="de-DE" sz="2000">
+                <a:latin typeface="Droid Sans Mono Chess ASCII" panose="020B0609030804020204" pitchFamily="50" charset="0"/>
+                <a:ea typeface="Droid Sans Mono Chess ASCII" panose="020B0609030804020204" pitchFamily="50" charset="0"/>
+                <a:cs typeface="Droid Sans Mono Chess ASCII" panose="020B0609030804020204" pitchFamily="50" charset="0"/>
+              </a:rPr>
+              <a:t>	pEnPassant          = Nothing,</a:t>
+            </a:r>
+          </a:p>
+          <a:p>
+            <a:pPr defTabSz="619200"/>
+            <a:r>
+              <a:rPr lang="de-DE" sz="2000">
+                <a:latin typeface="Droid Sans Mono Chess ASCII" panose="020B0609030804020204" pitchFamily="50" charset="0"/>
+                <a:ea typeface="Droid Sans Mono Chess ASCII" panose="020B0609030804020204" pitchFamily="50" charset="0"/>
+                <a:cs typeface="Droid Sans Mono Chess ASCII" panose="020B0609030804020204" pitchFamily="50" charset="0"/>
+              </a:rPr>
+              <a:t>	pHalfmoveClock      = 0,</a:t>
+            </a:r>
+          </a:p>
+          <a:p>
+            <a:pPr defTabSz="619200"/>
+            <a:r>
+              <a:rPr lang="de-DE" sz="2000">
+                <a:latin typeface="Droid Sans Mono Chess ASCII" panose="020B0609030804020204" pitchFamily="50" charset="0"/>
+                <a:ea typeface="Droid Sans Mono Chess ASCII" panose="020B0609030804020204" pitchFamily="50" charset="0"/>
+                <a:cs typeface="Droid Sans Mono Chess ASCII" panose="020B0609030804020204" pitchFamily="50" charset="0"/>
+              </a:rPr>
+              <a:t>	pNextMoveNumber     = 1 }</a:t>
+            </a:r>
+          </a:p>
+          <a:p>
+            <a:pPr defTabSz="619200"/>
+            <a:endParaRPr lang="de-DE" sz="2000">
+              <a:latin typeface="Droid Sans Mono Chess ASCII" panose="020B0609030804020204" pitchFamily="50" charset="0"/>
+              <a:ea typeface="Droid Sans Mono Chess ASCII" panose="020B0609030804020204" pitchFamily="50" charset="0"/>
+              <a:cs typeface="Droid Sans Mono Chess ASCII" panose="020B0609030804020204" pitchFamily="50" charset="0"/>
+            </a:endParaRPr>
+          </a:p>
+          <a:p>
+            <a:pPr defTabSz="619200"/>
+            <a:r>
+              <a:rPr lang="de-DE" sz="2000" smtClean="0">
+                <a:latin typeface="Droid Sans Mono Chess ASCII" panose="020B0609030804020204" pitchFamily="50" charset="0"/>
+                <a:ea typeface="Droid Sans Mono Chess ASCII" panose="020B0609030804020204" pitchFamily="50" charset="0"/>
+                <a:cs typeface="Droid Sans Mono Chess ASCII" panose="020B0609030804020204" pitchFamily="50" charset="0"/>
+              </a:rPr>
+              <a:t>boardFromString </a:t>
+            </a:r>
+            <a:r>
+              <a:rPr lang="de-DE" sz="2000">
+                <a:latin typeface="Droid Sans Mono Chess ASCII" panose="020B0609030804020204" pitchFamily="50" charset="0"/>
+                <a:ea typeface="Droid Sans Mono Chess ASCII" panose="020B0609030804020204" pitchFamily="50" charset="0"/>
+                <a:cs typeface="Droid Sans Mono Chess ASCII" panose="020B0609030804020204" pitchFamily="50" charset="0"/>
+              </a:rPr>
+              <a:t>ranks = array ((1,1),(max_f,max_r)) $ zip [ (f,r</a:t>
+            </a:r>
+            <a:r>
+              <a:rPr lang="de-DE" sz="2000">
+                <a:latin typeface="Droid Sans Mono Chess ASCII" panose="020B0609030804020204" pitchFamily="50" charset="0"/>
+                <a:ea typeface="Droid Sans Mono Chess ASCII" panose="020B0609030804020204" pitchFamily="50" charset="0"/>
+                <a:cs typeface="Droid Sans Mono Chess ASCII" panose="020B0609030804020204" pitchFamily="50" charset="0"/>
+              </a:rPr>
+              <a:t>) </a:t>
+            </a:r>
+            <a:r>
+              <a:rPr lang="de-DE" sz="2000" smtClean="0">
+                <a:latin typeface="Droid Sans Mono Chess ASCII" panose="020B0609030804020204" pitchFamily="50" charset="0"/>
+                <a:ea typeface="Droid Sans Mono Chess ASCII" panose="020B0609030804020204" pitchFamily="50" charset="0"/>
+                <a:cs typeface="Droid Sans Mono Chess ASCII" panose="020B0609030804020204" pitchFamily="50" charset="0"/>
+              </a:rPr>
+              <a:t>|</a:t>
+            </a:r>
+          </a:p>
+          <a:p>
+            <a:pPr defTabSz="619200"/>
+            <a:r>
+              <a:rPr lang="de-DE" sz="2000">
+                <a:latin typeface="Droid Sans Mono Chess ASCII" panose="020B0609030804020204" pitchFamily="50" charset="0"/>
+                <a:ea typeface="Droid Sans Mono Chess ASCII" panose="020B0609030804020204" pitchFamily="50" charset="0"/>
+                <a:cs typeface="Droid Sans Mono Chess ASCII" panose="020B0609030804020204" pitchFamily="50" charset="0"/>
+              </a:rPr>
+              <a:t>	</a:t>
+            </a:r>
+            <a:r>
+              <a:rPr lang="de-DE" sz="2000" smtClean="0">
+                <a:latin typeface="Droid Sans Mono Chess ASCII" panose="020B0609030804020204" pitchFamily="50" charset="0"/>
+                <a:ea typeface="Droid Sans Mono Chess ASCII" panose="020B0609030804020204" pitchFamily="50" charset="0"/>
+                <a:cs typeface="Droid Sans Mono Chess ASCII" panose="020B0609030804020204" pitchFamily="50" charset="0"/>
+              </a:rPr>
+              <a:t>r </a:t>
+            </a:r>
+            <a:r>
+              <a:rPr lang="de-DE" sz="2000">
+                <a:latin typeface="Droid Sans Mono Chess ASCII" panose="020B0609030804020204" pitchFamily="50" charset="0"/>
+                <a:ea typeface="Droid Sans Mono Chess ASCII" panose="020B0609030804020204" pitchFamily="50" charset="0"/>
+                <a:cs typeface="Droid Sans Mono Chess ASCII" panose="020B0609030804020204" pitchFamily="50" charset="0"/>
+              </a:rPr>
+              <a:t>&lt;- reverse [1..max_r], f &lt;- [1..max_f</a:t>
+            </a:r>
+            <a:r>
+              <a:rPr lang="de-DE" sz="2000">
+                <a:latin typeface="Droid Sans Mono Chess ASCII" panose="020B0609030804020204" pitchFamily="50" charset="0"/>
+                <a:ea typeface="Droid Sans Mono Chess ASCII" panose="020B0609030804020204" pitchFamily="50" charset="0"/>
+                <a:cs typeface="Droid Sans Mono Chess ASCII" panose="020B0609030804020204" pitchFamily="50" charset="0"/>
+              </a:rPr>
+              <a:t>] </a:t>
+            </a:r>
+            <a:r>
+              <a:rPr lang="de-DE" sz="2000" smtClean="0">
+                <a:latin typeface="Droid Sans Mono Chess ASCII" panose="020B0609030804020204" pitchFamily="50" charset="0"/>
+                <a:ea typeface="Droid Sans Mono Chess ASCII" panose="020B0609030804020204" pitchFamily="50" charset="0"/>
+                <a:cs typeface="Droid Sans Mono Chess ASCII" panose="020B0609030804020204" pitchFamily="50" charset="0"/>
+              </a:rPr>
+              <a:t>] (</a:t>
+            </a:r>
+            <a:r>
+              <a:rPr lang="de-DE" sz="2000">
+                <a:latin typeface="Droid Sans Mono Chess ASCII" panose="020B0609030804020204" pitchFamily="50" charset="0"/>
+                <a:ea typeface="Droid Sans Mono Chess ASCII" panose="020B0609030804020204" pitchFamily="50" charset="0"/>
+                <a:cs typeface="Droid Sans Mono Chess ASCII" panose="020B0609030804020204" pitchFamily="50" charset="0"/>
+              </a:rPr>
+              <a:t>concatMap read_rank ranks)</a:t>
+            </a:r>
+          </a:p>
+          <a:p>
+            <a:pPr defTabSz="619200"/>
+            <a:r>
+              <a:rPr lang="de-DE" sz="2000">
+                <a:latin typeface="Droid Sans Mono Chess ASCII" panose="020B0609030804020204" pitchFamily="50" charset="0"/>
+                <a:ea typeface="Droid Sans Mono Chess ASCII" panose="020B0609030804020204" pitchFamily="50" charset="0"/>
+                <a:cs typeface="Droid Sans Mono Chess ASCII" panose="020B0609030804020204" pitchFamily="50" charset="0"/>
+              </a:rPr>
+              <a:t>	where</a:t>
+            </a:r>
+          </a:p>
+          <a:p>
+            <a:pPr defTabSz="619200"/>
+            <a:r>
+              <a:rPr lang="de-DE" sz="2000">
+                <a:latin typeface="Droid Sans Mono Chess ASCII" panose="020B0609030804020204" pitchFamily="50" charset="0"/>
+                <a:ea typeface="Droid Sans Mono Chess ASCII" panose="020B0609030804020204" pitchFamily="50" charset="0"/>
+                <a:cs typeface="Droid Sans Mono Chess ASCII" panose="020B0609030804020204" pitchFamily="50" charset="0"/>
+              </a:rPr>
+              <a:t>	read_rank = map read_square</a:t>
+            </a:r>
+          </a:p>
+          <a:p>
+            <a:pPr defTabSz="619200"/>
+            <a:r>
+              <a:rPr lang="de-DE" sz="2000">
+                <a:latin typeface="Droid Sans Mono Chess ASCII" panose="020B0609030804020204" pitchFamily="50" charset="0"/>
+                <a:ea typeface="Droid Sans Mono Chess ASCII" panose="020B0609030804020204" pitchFamily="50" charset="0"/>
+                <a:cs typeface="Droid Sans Mono Chess ASCII" panose="020B0609030804020204" pitchFamily="50" charset="0"/>
+              </a:rPr>
+              <a:t>	(max_f,max_r) = (maximum (map length ranks),length ranks)</a:t>
+            </a:r>
+          </a:p>
+        </p:txBody>
+      </p:sp>
+    </p:spTree>
+    <p:extLst>
+      <p:ext uri="{BB962C8B-B14F-4D97-AF65-F5344CB8AC3E}">
+        <p14:creationId xmlns:p14="http://schemas.microsoft.com/office/powerpoint/2010/main" val="237075208"/>
+      </p:ext>
+    </p:extLst>
+  </p:cSld>
+  <p:clrMapOvr>
+    <a:masterClrMapping/>
+  </p:clrMapOvr>
+  <p:timing>
+    <p:tnLst>
+      <p:par>
+        <p:cTn id="1" dur="indefinite" restart="never" nodeType="tmRoot"/>
+      </p:par>
+    </p:tnLst>
+  </p:timing>
+</p:sld>
+</file>
+
+<file path=ppt/slides/slide2.xml><?xml version="1.0" encoding="utf-8"?>
+<p:sld xmlns:a="http://schemas.openxmlformats.org/drawingml/2006/main" xmlns:r="http://schemas.openxmlformats.org/officeDocument/2006/relationships" xmlns:p="http://schemas.openxmlformats.org/presentationml/2006/main">
+  <p:cSld>
+    <p:spTree>
+      <p:nvGrpSpPr>
+        <p:cNvPr id="1" name=""/>
+        <p:cNvGrpSpPr/>
+        <p:nvPr/>
+      </p:nvGrpSpPr>
+      <p:grpSpPr>
+        <a:xfrm>
+          <a:off x="0" y="0"/>
+          <a:ext cx="0" cy="0"/>
+          <a:chOff x="0" y="0"/>
+          <a:chExt cx="0" cy="0"/>
+        </a:xfrm>
+      </p:grpSpPr>
+      <p:sp>
+        <p:nvSpPr>
+          <p:cNvPr id="9218" name="Titel 1"/>
+          <p:cNvSpPr>
+            <a:spLocks noGrp="1"/>
+          </p:cNvSpPr>
+          <p:nvPr>
+            <p:ph type="title"/>
+          </p:nvPr>
+        </p:nvSpPr>
+        <p:spPr bwMode="auto">
+          <a:xfrm>
+            <a:off x="442913" y="93663"/>
+            <a:ext cx="10742612" cy="939800"/>
+          </a:xfrm>
+          <a:noFill/>
+          <a:ln>
+            <a:miter lim="800000"/>
+            <a:headEnd/>
+            <a:tailEnd/>
+          </a:ln>
+        </p:spPr>
+        <p:txBody>
+          <a:bodyPr vert="horz" wrap="square" numCol="1" anchor="t" anchorCtr="0" compatLnSpc="1">
+            <a:prstTxWarp prst="textNoShape">
+              <a:avLst/>
+            </a:prstTxWarp>
+          </a:bodyPr>
+          <a:lstStyle/>
+          <a:p>
+            <a:r>
+              <a:rPr lang="en-US" smtClean="0"/>
+              <a:t>Power Continuum</a:t>
+            </a:r>
+            <a:endParaRPr lang="en-US" smtClean="0"/>
+          </a:p>
+        </p:txBody>
+      </p:sp>
+      <p:sp>
+        <p:nvSpPr>
+          <p:cNvPr id="2" name="Pfeil nach unten 1"/>
+          <p:cNvSpPr/>
+          <p:nvPr/>
+        </p:nvSpPr>
+        <p:spPr>
+          <a:xfrm rot="10800000">
+            <a:off x="1442428" y="1403794"/>
+            <a:ext cx="837127" cy="7250807"/>
+          </a:xfrm>
+          <a:prstGeom prst="downArrow">
+            <a:avLst/>
+          </a:prstGeom>
+          <a:gradFill>
+            <a:gsLst>
+              <a:gs pos="0">
+                <a:schemeClr val="accent1">
+                  <a:shade val="30000"/>
+                  <a:satMod val="115000"/>
+                </a:schemeClr>
+              </a:gs>
+              <a:gs pos="50000">
+                <a:schemeClr val="accent1">
+                  <a:shade val="67500"/>
+                  <a:satMod val="115000"/>
+                </a:schemeClr>
+              </a:gs>
+              <a:gs pos="100000">
+                <a:schemeClr val="accent1">
+                  <a:shade val="100000"/>
+                  <a:satMod val="115000"/>
+                </a:schemeClr>
+              </a:gs>
+            </a:gsLst>
+            <a:lin ang="5400000" scaled="0"/>
+          </a:gradFill>
+          <a:ln>
+            <a:solidFill>
+              <a:schemeClr val="tx1"/>
+            </a:solidFill>
+          </a:ln>
+        </p:spPr>
+        <p:style>
+          <a:lnRef idx="2">
+            <a:schemeClr val="accent1">
+              <a:shade val="50000"/>
+            </a:schemeClr>
+          </a:lnRef>
+          <a:fillRef idx="1">
+            <a:schemeClr val="accent1"/>
+          </a:fillRef>
+          <a:effectRef idx="0">
+            <a:schemeClr val="accent1"/>
+          </a:effectRef>
+          <a:fontRef idx="minor">
+            <a:schemeClr val="lt1"/>
+          </a:fontRef>
+        </p:style>
+        <p:txBody>
+          <a:bodyPr vert="vert270" rtlCol="0" anchor="ctr" anchorCtr="0"/>
+          <a:lstStyle/>
+          <a:p>
+            <a:pPr algn="ctr"/>
+            <a:r>
+              <a:rPr lang="de-DE" sz="2400" smtClean="0">
+                <a:solidFill>
+                  <a:schemeClr val="bg1"/>
+                </a:solidFill>
+                <a:latin typeface="Arial Black" panose="020B0A04020102020204" pitchFamily="34" charset="0"/>
+              </a:rPr>
+              <a:t>higher                                                lower</a:t>
+            </a:r>
+            <a:endParaRPr lang="de-DE" sz="2400">
+              <a:solidFill>
+                <a:schemeClr val="bg1"/>
+              </a:solidFill>
+              <a:latin typeface="Arial Black" panose="020B0A04020102020204" pitchFamily="34" charset="0"/>
+            </a:endParaRPr>
+          </a:p>
+        </p:txBody>
+      </p:sp>
+      <p:pic>
+        <p:nvPicPr>
+          <p:cNvPr id="1029" name="Picture 5"/>
+          <p:cNvPicPr>
+            <a:picLocks noChangeAspect="1" noChangeArrowheads="1"/>
+          </p:cNvPicPr>
+          <p:nvPr/>
+        </p:nvPicPr>
+        <p:blipFill>
+          <a:blip r:embed="rId2">
+            <a:extLst>
+              <a:ext uri="{28A0092B-C50C-407E-A947-70E740481C1C}">
+                <a14:useLocalDpi xmlns:a14="http://schemas.microsoft.com/office/drawing/2010/main" val="0"/>
+              </a:ext>
+            </a:extLst>
+          </a:blip>
+          <a:srcRect/>
+          <a:stretch>
+            <a:fillRect/>
+          </a:stretch>
+        </p:blipFill>
+        <p:spPr bwMode="auto">
+          <a:xfrm>
+            <a:off x="1246629" y="3540349"/>
+            <a:ext cx="1228725" cy="3162300"/>
+          </a:xfrm>
+          <a:prstGeom prst="rect">
+            <a:avLst/>
+          </a:prstGeom>
+          <a:noFill/>
+          <a:ln>
+            <a:noFill/>
+          </a:ln>
+          <a:extLst>
+            <a:ext uri="{909E8E84-426E-40DD-AFC4-6F175D3DCCD1}">
+              <a14:hiddenFill xmlns:a14="http://schemas.microsoft.com/office/drawing/2010/main">
+                <a:solidFill>
+                  <a:schemeClr val="accent1"/>
+                </a:solidFill>
+              </a14:hiddenFill>
+            </a:ext>
+            <a:ext uri="{91240B29-F687-4F45-9708-019B960494DF}">
+              <a14:hiddenLine xmlns:a14="http://schemas.microsoft.com/office/drawing/2010/main" w="9525">
+                <a:solidFill>
+                  <a:schemeClr val="tx1"/>
+                </a:solidFill>
+                <a:miter lim="800000"/>
+                <a:headEnd/>
+                <a:tailEnd/>
+              </a14:hiddenLine>
+            </a:ext>
+          </a:extLst>
+        </p:spPr>
+      </p:pic>
+      <p:sp>
+        <p:nvSpPr>
+          <p:cNvPr id="4" name="Textfeld 3"/>
+          <p:cNvSpPr txBox="1"/>
+          <p:nvPr/>
+        </p:nvSpPr>
+        <p:spPr>
+          <a:xfrm>
+            <a:off x="2475354" y="8281115"/>
+            <a:ext cx="3479863" cy="584775"/>
+          </a:xfrm>
+          <a:prstGeom prst="rect">
+            <a:avLst/>
+          </a:prstGeom>
+          <a:noFill/>
+        </p:spPr>
+        <p:txBody>
+          <a:bodyPr wrap="none" rtlCol="0">
+            <a:spAutoFit/>
+          </a:bodyPr>
+          <a:lstStyle/>
+          <a:p>
+            <a:r>
+              <a:rPr lang="de-DE" sz="3200" smtClean="0">
+                <a:latin typeface="+mn-lt"/>
+              </a:rPr>
+              <a:t>„Procedural“: </a:t>
+            </a:r>
+            <a:r>
+              <a:rPr lang="de-DE" sz="3200" smtClean="0">
+                <a:latin typeface="+mn-lt"/>
+              </a:rPr>
+              <a:t>How!</a:t>
+            </a:r>
+            <a:endParaRPr lang="de-DE" sz="3200" dirty="0" err="1" smtClean="0">
+              <a:latin typeface="+mn-lt"/>
+            </a:endParaRPr>
+          </a:p>
+        </p:txBody>
+      </p:sp>
+      <p:sp>
+        <p:nvSpPr>
+          <p:cNvPr id="9" name="Textfeld 8"/>
+          <p:cNvSpPr txBox="1"/>
+          <p:nvPr/>
+        </p:nvSpPr>
+        <p:spPr>
+          <a:xfrm>
+            <a:off x="2475354" y="1839532"/>
+            <a:ext cx="3696076" cy="584775"/>
+          </a:xfrm>
+          <a:prstGeom prst="rect">
+            <a:avLst/>
+          </a:prstGeom>
+          <a:noFill/>
+        </p:spPr>
+        <p:txBody>
+          <a:bodyPr wrap="none" rtlCol="0">
+            <a:spAutoFit/>
+          </a:bodyPr>
+          <a:lstStyle/>
+          <a:p>
+            <a:r>
+              <a:rPr lang="de-DE" sz="3200" smtClean="0">
+                <a:latin typeface="+mn-lt"/>
+              </a:rPr>
+              <a:t>„Declarative“: </a:t>
+            </a:r>
+            <a:r>
+              <a:rPr lang="de-DE" sz="3200" smtClean="0">
+                <a:latin typeface="+mn-lt"/>
+              </a:rPr>
+              <a:t>What!</a:t>
+            </a:r>
+            <a:endParaRPr lang="de-DE" sz="3200" dirty="0" err="1" smtClean="0">
+              <a:latin typeface="+mn-lt"/>
+            </a:endParaRPr>
+          </a:p>
+        </p:txBody>
+      </p:sp>
+      <p:pic>
+        <p:nvPicPr>
+          <p:cNvPr id="1030" name="Picture 6" descr="C:\Users\reitmeier\AppData\Local\Microsoft\Windows\Temporary Internet Files\Content.IE5\3LWRIX8I\cpu-152656_960_720[1].png"/>
+          <p:cNvPicPr>
+            <a:picLocks noChangeAspect="1" noChangeArrowheads="1"/>
+          </p:cNvPicPr>
+          <p:nvPr/>
+        </p:nvPicPr>
+        <p:blipFill>
+          <a:blip r:embed="rId3" cstate="print">
+            <a:extLst>
+              <a:ext uri="{28A0092B-C50C-407E-A947-70E740481C1C}">
+                <a14:useLocalDpi xmlns:a14="http://schemas.microsoft.com/office/drawing/2010/main" val="0"/>
+              </a:ext>
+            </a:extLst>
+          </a:blip>
+          <a:srcRect/>
+          <a:stretch>
+            <a:fillRect/>
+          </a:stretch>
+        </p:blipFill>
+        <p:spPr bwMode="auto">
+          <a:xfrm>
+            <a:off x="6318876" y="7661785"/>
+            <a:ext cx="1823434" cy="1823434"/>
+          </a:xfrm>
+          <a:prstGeom prst="rect">
+            <a:avLst/>
+          </a:prstGeom>
+          <a:noFill/>
+          <a:extLst>
+            <a:ext uri="{909E8E84-426E-40DD-AFC4-6F175D3DCCD1}">
+              <a14:hiddenFill xmlns:a14="http://schemas.microsoft.com/office/drawing/2010/main">
+                <a:solidFill>
+                  <a:srgbClr val="FFFFFF"/>
+                </a:solidFill>
+              </a14:hiddenFill>
+            </a:ext>
+          </a:extLst>
+        </p:spPr>
+      </p:pic>
+      <p:pic>
+        <p:nvPicPr>
+          <p:cNvPr id="1031" name="Picture 7" descr="C:\Users\reitmeier\AppData\Local\Microsoft\Windows\Temporary Internet Files\Content.IE5\CVE2Q6IP\person-311292_960_720[1].png"/>
+          <p:cNvPicPr>
+            <a:picLocks noChangeAspect="1" noChangeArrowheads="1"/>
+          </p:cNvPicPr>
+          <p:nvPr/>
+        </p:nvPicPr>
+        <p:blipFill>
+          <a:blip r:embed="rId4" cstate="print">
+            <a:extLst>
+              <a:ext uri="{28A0092B-C50C-407E-A947-70E740481C1C}">
+                <a14:useLocalDpi xmlns:a14="http://schemas.microsoft.com/office/drawing/2010/main" val="0"/>
+              </a:ext>
+            </a:extLst>
+          </a:blip>
+          <a:srcRect/>
+          <a:stretch>
+            <a:fillRect/>
+          </a:stretch>
+        </p:blipFill>
+        <p:spPr bwMode="auto">
+          <a:xfrm>
+            <a:off x="6549712" y="1403794"/>
+            <a:ext cx="1361762" cy="1776211"/>
+          </a:xfrm>
+          <a:prstGeom prst="rect">
+            <a:avLst/>
+          </a:prstGeom>
+          <a:noFill/>
+          <a:extLst>
+            <a:ext uri="{909E8E84-426E-40DD-AFC4-6F175D3DCCD1}">
+              <a14:hiddenFill xmlns:a14="http://schemas.microsoft.com/office/drawing/2010/main">
+                <a:solidFill>
+                  <a:srgbClr val="FFFFFF"/>
+                </a:solidFill>
+              </a14:hiddenFill>
+            </a:ext>
+          </a:extLst>
+        </p:spPr>
+      </p:pic>
+      <p:sp>
+        <p:nvSpPr>
+          <p:cNvPr id="10" name="Textfeld 9"/>
+          <p:cNvSpPr txBox="1"/>
+          <p:nvPr/>
+        </p:nvSpPr>
+        <p:spPr>
+          <a:xfrm rot="5400000">
+            <a:off x="7816733" y="4908976"/>
+            <a:ext cx="3631828" cy="830997"/>
+          </a:xfrm>
+          <a:prstGeom prst="rect">
+            <a:avLst/>
+          </a:prstGeom>
+          <a:noFill/>
+        </p:spPr>
+        <p:txBody>
+          <a:bodyPr wrap="none" rtlCol="0">
+            <a:spAutoFit/>
+          </a:bodyPr>
+          <a:lstStyle/>
+          <a:p>
+            <a:r>
+              <a:rPr lang="de-DE" sz="4800" smtClean="0">
+                <a:latin typeface="+mn-lt"/>
+              </a:rPr>
+              <a:t>Semantic Gap</a:t>
+            </a:r>
+            <a:endParaRPr lang="de-DE" sz="4800" dirty="0" err="1" smtClean="0">
+              <a:latin typeface="+mn-lt"/>
+            </a:endParaRPr>
+          </a:p>
+        </p:txBody>
+      </p:sp>
+      <p:sp>
+        <p:nvSpPr>
+          <p:cNvPr id="11" name="Textfeld 10"/>
+          <p:cNvSpPr txBox="1"/>
+          <p:nvPr/>
+        </p:nvSpPr>
+        <p:spPr>
+          <a:xfrm>
+            <a:off x="8628504" y="8281114"/>
+            <a:ext cx="3165867" cy="584775"/>
+          </a:xfrm>
+          <a:prstGeom prst="rect">
+            <a:avLst/>
+          </a:prstGeom>
+          <a:noFill/>
+        </p:spPr>
+        <p:txBody>
+          <a:bodyPr wrap="none" rtlCol="0">
+            <a:spAutoFit/>
+          </a:bodyPr>
+          <a:lstStyle/>
+          <a:p>
+            <a:r>
+              <a:rPr lang="de-DE" sz="3200" smtClean="0">
+                <a:latin typeface="+mn-lt"/>
+              </a:rPr>
+              <a:t>Easy for machines</a:t>
+            </a:r>
+            <a:endParaRPr lang="de-DE" sz="3200" dirty="0" err="1" smtClean="0">
+              <a:latin typeface="+mn-lt"/>
+            </a:endParaRPr>
+          </a:p>
+        </p:txBody>
+      </p:sp>
+      <p:sp>
+        <p:nvSpPr>
+          <p:cNvPr id="12" name="Textfeld 11"/>
+          <p:cNvSpPr txBox="1"/>
+          <p:nvPr/>
+        </p:nvSpPr>
+        <p:spPr>
+          <a:xfrm>
+            <a:off x="8628503" y="1839531"/>
+            <a:ext cx="2910990" cy="584775"/>
+          </a:xfrm>
+          <a:prstGeom prst="rect">
+            <a:avLst/>
+          </a:prstGeom>
+          <a:noFill/>
+        </p:spPr>
+        <p:txBody>
+          <a:bodyPr wrap="none" rtlCol="0">
+            <a:spAutoFit/>
+          </a:bodyPr>
+          <a:lstStyle/>
+          <a:p>
+            <a:r>
+              <a:rPr lang="de-DE" sz="3200" smtClean="0">
+                <a:latin typeface="+mn-lt"/>
+              </a:rPr>
+              <a:t>Easy for humans</a:t>
+            </a:r>
+            <a:endParaRPr lang="de-DE" sz="3200" dirty="0" err="1" smtClean="0">
+              <a:latin typeface="+mn-lt"/>
+            </a:endParaRPr>
+          </a:p>
+        </p:txBody>
+      </p:sp>
+      <p:cxnSp>
+        <p:nvCxnSpPr>
+          <p:cNvPr id="5" name="Gerade Verbindung mit Pfeil 4"/>
+          <p:cNvCxnSpPr/>
+          <p:nvPr/>
+        </p:nvCxnSpPr>
+        <p:spPr>
+          <a:xfrm>
+            <a:off x="10083998" y="2838450"/>
+            <a:ext cx="0" cy="4972050"/>
+          </a:xfrm>
+          <a:prstGeom prst="straightConnector1">
+            <a:avLst/>
+          </a:prstGeom>
+          <a:ln w="63500">
+            <a:headEnd type="arrow"/>
+            <a:tailEnd type="arrow"/>
+          </a:ln>
+        </p:spPr>
+        <p:style>
+          <a:lnRef idx="1">
+            <a:schemeClr val="accent1"/>
+          </a:lnRef>
+          <a:fillRef idx="0">
+            <a:schemeClr val="accent1"/>
+          </a:fillRef>
+          <a:effectRef idx="0">
+            <a:schemeClr val="accent1"/>
+          </a:effectRef>
+          <a:fontRef idx="minor">
+            <a:schemeClr val="tx1"/>
+          </a:fontRef>
+        </p:style>
+      </p:cxnSp>
+    </p:spTree>
+  </p:cSld>
+  <p:clrMapOvr>
+    <a:masterClrMapping/>
+  </p:clrMapOvr>
+  <p:timing>
+    <p:tnLst>
+      <p:par>
+        <p:cTn id="1" dur="indefinite" restart="never" nodeType="tmRoot"/>
+      </p:par>
+    </p:tnLst>
+  </p:timing>
+</p:sld>
+</file>
+
+<file path=ppt/slides/slide20.xml><?xml version="1.0" encoding="utf-8"?>
+<p:sld xmlns:a="http://schemas.openxmlformats.org/drawingml/2006/main" xmlns:r="http://schemas.openxmlformats.org/officeDocument/2006/relationships" xmlns:p="http://schemas.openxmlformats.org/presentationml/2006/main">
+  <p:cSld>
+    <p:spTree>
+      <p:nvGrpSpPr>
+        <p:cNvPr id="1" name=""/>
+        <p:cNvGrpSpPr/>
+        <p:nvPr/>
+      </p:nvGrpSpPr>
+      <p:grpSpPr>
+        <a:xfrm>
+          <a:off x="0" y="0"/>
+          <a:ext cx="0" cy="0"/>
+          <a:chOff x="0" y="0"/>
+          <a:chExt cx="0" cy="0"/>
+        </a:xfrm>
+      </p:grpSpPr>
+      <p:sp>
+        <p:nvSpPr>
+          <p:cNvPr id="9218" name="Titel 1"/>
+          <p:cNvSpPr>
+            <a:spLocks noGrp="1"/>
+          </p:cNvSpPr>
+          <p:nvPr>
+            <p:ph type="title"/>
+          </p:nvPr>
+        </p:nvSpPr>
+        <p:spPr bwMode="auto">
+          <a:xfrm>
+            <a:off x="442913" y="93663"/>
+            <a:ext cx="10742612" cy="939800"/>
+          </a:xfrm>
+          <a:noFill/>
+          <a:ln>
+            <a:miter lim="800000"/>
+            <a:headEnd/>
+            <a:tailEnd/>
+          </a:ln>
+        </p:spPr>
+        <p:txBody>
+          <a:bodyPr vert="horz" wrap="square" numCol="1" anchor="t" anchorCtr="0" compatLnSpc="1">
+            <a:prstTxWarp prst="textNoShape">
+              <a:avLst/>
+            </a:prstTxWarp>
+          </a:bodyPr>
+          <a:lstStyle/>
+          <a:p>
+            <a:r>
+              <a:rPr lang="en-US" smtClean="0"/>
+              <a:t>Code</a:t>
+            </a:r>
+            <a:endParaRPr lang="en-US" smtClean="0"/>
+          </a:p>
+        </p:txBody>
+      </p:sp>
+      <p:sp>
+        <p:nvSpPr>
+          <p:cNvPr id="4" name="Rechteck 3"/>
+          <p:cNvSpPr/>
+          <p:nvPr/>
+        </p:nvSpPr>
+        <p:spPr>
+          <a:xfrm>
+            <a:off x="514350" y="1466850"/>
+            <a:ext cx="12249150" cy="6247864"/>
+          </a:xfrm>
+          <a:prstGeom prst="rect">
+            <a:avLst/>
+          </a:prstGeom>
+        </p:spPr>
+        <p:txBody>
+          <a:bodyPr wrap="square">
+            <a:spAutoFit/>
+          </a:bodyPr>
+          <a:lstStyle/>
+          <a:p>
+            <a:r>
+              <a:rPr lang="de-DE" sz="2000">
+                <a:latin typeface="Droid Sans Mono Chess ASCII" panose="020B0609030804020204" pitchFamily="50" charset="0"/>
+                <a:ea typeface="Droid Sans Mono Chess ASCII" panose="020B0609030804020204" pitchFamily="50" charset="0"/>
+                <a:cs typeface="Droid Sans Mono Chess ASCII" panose="020B0609030804020204" pitchFamily="50" charset="0"/>
+              </a:rPr>
+              <a:t>(north,east) = ((0,1),(1,0))</a:t>
+            </a:r>
+          </a:p>
+          <a:p>
+            <a:r>
+              <a:rPr lang="de-DE" sz="2000">
+                <a:latin typeface="Droid Sans Mono Chess ASCII" panose="020B0609030804020204" pitchFamily="50" charset="0"/>
+                <a:ea typeface="Droid Sans Mono Chess ASCII" panose="020B0609030804020204" pitchFamily="50" charset="0"/>
+                <a:cs typeface="Droid Sans Mono Chess ASCII" panose="020B0609030804020204" pitchFamily="50" charset="0"/>
+              </a:rPr>
+              <a:t>(south,west) = (-north,-east)</a:t>
+            </a:r>
+          </a:p>
+          <a:p>
+            <a:endParaRPr lang="de-DE" sz="2000">
+              <a:latin typeface="Droid Sans Mono Chess ASCII" panose="020B0609030804020204" pitchFamily="50" charset="0"/>
+              <a:ea typeface="Droid Sans Mono Chess ASCII" panose="020B0609030804020204" pitchFamily="50" charset="0"/>
+              <a:cs typeface="Droid Sans Mono Chess ASCII" panose="020B0609030804020204" pitchFamily="50" charset="0"/>
+            </a:endParaRPr>
+          </a:p>
+          <a:p>
+            <a:r>
+              <a:rPr lang="de-DE" sz="2000">
+                <a:latin typeface="Droid Sans Mono Chess ASCII" panose="020B0609030804020204" pitchFamily="50" charset="0"/>
+                <a:ea typeface="Droid Sans Mono Chess ASCII" panose="020B0609030804020204" pitchFamily="50" charset="0"/>
+                <a:cs typeface="Droid Sans Mono Chess ASCII" panose="020B0609030804020204" pitchFamily="50" charset="0"/>
+              </a:rPr>
+              <a:t>pawnStep White = north</a:t>
+            </a:r>
+          </a:p>
+          <a:p>
+            <a:r>
+              <a:rPr lang="de-DE" sz="2000">
+                <a:latin typeface="Droid Sans Mono Chess ASCII" panose="020B0609030804020204" pitchFamily="50" charset="0"/>
+                <a:ea typeface="Droid Sans Mono Chess ASCII" panose="020B0609030804020204" pitchFamily="50" charset="0"/>
+                <a:cs typeface="Droid Sans Mono Chess ASCII" panose="020B0609030804020204" pitchFamily="50" charset="0"/>
+              </a:rPr>
+              <a:t>pawnStep Black = south</a:t>
+            </a:r>
+          </a:p>
+          <a:p>
+            <a:endParaRPr lang="de-DE" sz="2000">
+              <a:latin typeface="Droid Sans Mono Chess ASCII" panose="020B0609030804020204" pitchFamily="50" charset="0"/>
+              <a:ea typeface="Droid Sans Mono Chess ASCII" panose="020B0609030804020204" pitchFamily="50" charset="0"/>
+              <a:cs typeface="Droid Sans Mono Chess ASCII" panose="020B0609030804020204" pitchFamily="50" charset="0"/>
+            </a:endParaRPr>
+          </a:p>
+          <a:p>
+            <a:r>
+              <a:rPr lang="de-DE" sz="2000">
+                <a:latin typeface="Droid Sans Mono Chess ASCII" panose="020B0609030804020204" pitchFamily="50" charset="0"/>
+                <a:ea typeface="Droid Sans Mono Chess ASCII" panose="020B0609030804020204" pitchFamily="50" charset="0"/>
+                <a:cs typeface="Droid Sans Mono Chess ASCII" panose="020B0609030804020204" pitchFamily="50" charset="0"/>
+              </a:rPr>
+              <a:t>baseRank White = 1</a:t>
+            </a:r>
+          </a:p>
+          <a:p>
+            <a:r>
+              <a:rPr lang="de-DE" sz="2000">
+                <a:latin typeface="Droid Sans Mono Chess ASCII" panose="020B0609030804020204" pitchFamily="50" charset="0"/>
+                <a:ea typeface="Droid Sans Mono Chess ASCII" panose="020B0609030804020204" pitchFamily="50" charset="0"/>
+                <a:cs typeface="Droid Sans Mono Chess ASCII" panose="020B0609030804020204" pitchFamily="50" charset="0"/>
+              </a:rPr>
+              <a:t>baseRank Black = 8</a:t>
+            </a:r>
+          </a:p>
+          <a:p>
+            <a:endParaRPr lang="de-DE" sz="2000">
+              <a:latin typeface="Droid Sans Mono Chess ASCII" panose="020B0609030804020204" pitchFamily="50" charset="0"/>
+              <a:ea typeface="Droid Sans Mono Chess ASCII" panose="020B0609030804020204" pitchFamily="50" charset="0"/>
+              <a:cs typeface="Droid Sans Mono Chess ASCII" panose="020B0609030804020204" pitchFamily="50" charset="0"/>
+            </a:endParaRPr>
+          </a:p>
+          <a:p>
+            <a:r>
+              <a:rPr lang="de-DE" sz="2000">
+                <a:latin typeface="Droid Sans Mono Chess ASCII" panose="020B0609030804020204" pitchFamily="50" charset="0"/>
+                <a:ea typeface="Droid Sans Mono Chess ASCII" panose="020B0609030804020204" pitchFamily="50" charset="0"/>
+                <a:cs typeface="Droid Sans Mono Chess ASCII" panose="020B0609030804020204" pitchFamily="50" charset="0"/>
+              </a:rPr>
+              <a:t>show_square darksquare square = case square of </a:t>
+            </a:r>
+          </a:p>
+          <a:p>
+            <a:r>
+              <a:rPr lang="de-DE" sz="2000">
+                <a:latin typeface="Droid Sans Mono Chess ASCII" panose="020B0609030804020204" pitchFamily="50" charset="0"/>
+                <a:ea typeface="Droid Sans Mono Chess ASCII" panose="020B0609030804020204" pitchFamily="50" charset="0"/>
+                <a:cs typeface="Droid Sans Mono Chess ASCII" panose="020B0609030804020204" pitchFamily="50" charset="0"/>
+              </a:rPr>
+              <a:t>	Nothing            | darksquare → 'ç'</a:t>
+            </a:r>
+          </a:p>
+          <a:p>
+            <a:r>
+              <a:rPr lang="de-DE" sz="2000">
+                <a:latin typeface="Droid Sans Mono Chess ASCII" panose="020B0609030804020204" pitchFamily="50" charset="0"/>
+                <a:ea typeface="Droid Sans Mono Chess ASCII" panose="020B0609030804020204" pitchFamily="50" charset="0"/>
+                <a:cs typeface="Droid Sans Mono Chess ASCII" panose="020B0609030804020204" pitchFamily="50" charset="0"/>
+              </a:rPr>
+              <a:t>	Nothing                         → 'Ø'</a:t>
+            </a:r>
+          </a:p>
+          <a:p>
+            <a:r>
+              <a:rPr lang="de-DE" sz="2000">
+                <a:latin typeface="Droid Sans Mono Chess ASCII" panose="020B0609030804020204" pitchFamily="50" charset="0"/>
+                <a:ea typeface="Droid Sans Mono Chess ASCII" panose="020B0609030804020204" pitchFamily="50" charset="0"/>
+                <a:cs typeface="Droid Sans Mono Chess ASCII" panose="020B0609030804020204" pitchFamily="50" charset="0"/>
+              </a:rPr>
+              <a:t>	Just (White,piece) | darksquare → "èéêëìí" !! (fromEnum piece)</a:t>
+            </a:r>
+          </a:p>
+          <a:p>
+            <a:r>
+              <a:rPr lang="de-DE" sz="2000">
+                <a:latin typeface="Droid Sans Mono Chess ASCII" panose="020B0609030804020204" pitchFamily="50" charset="0"/>
+                <a:ea typeface="Droid Sans Mono Chess ASCII" panose="020B0609030804020204" pitchFamily="50" charset="0"/>
+                <a:cs typeface="Droid Sans Mono Chess ASCII" panose="020B0609030804020204" pitchFamily="50" charset="0"/>
+              </a:rPr>
+              <a:t>	Just (White,piece)              → "ÙÚÛÜÝÞ" !! (fromEnum piece)</a:t>
+            </a:r>
+          </a:p>
+          <a:p>
+            <a:r>
+              <a:rPr lang="de-DE" sz="2000">
+                <a:latin typeface="Droid Sans Mono Chess ASCII" panose="020B0609030804020204" pitchFamily="50" charset="0"/>
+                <a:ea typeface="Droid Sans Mono Chess ASCII" panose="020B0609030804020204" pitchFamily="50" charset="0"/>
+                <a:cs typeface="Droid Sans Mono Chess ASCII" panose="020B0609030804020204" pitchFamily="50" charset="0"/>
+              </a:rPr>
+              <a:t>	Just (Black,piece) | darksquare → "îïðñòó" !! (fromEnum piece)</a:t>
+            </a:r>
+          </a:p>
+          <a:p>
+            <a:r>
+              <a:rPr lang="de-DE" sz="2000">
+                <a:latin typeface="Droid Sans Mono Chess ASCII" panose="020B0609030804020204" pitchFamily="50" charset="0"/>
+                <a:ea typeface="Droid Sans Mono Chess ASCII" panose="020B0609030804020204" pitchFamily="50" charset="0"/>
+                <a:cs typeface="Droid Sans Mono Chess ASCII" panose="020B0609030804020204" pitchFamily="50" charset="0"/>
+              </a:rPr>
+              <a:t>	Just (Black,piece)              → "ßàáâãä" !! (fromEnum piece)</a:t>
+            </a:r>
+          </a:p>
+          <a:p>
+            <a:endParaRPr lang="de-DE" sz="2000">
+              <a:latin typeface="Droid Sans Mono Chess ASCII" panose="020B0609030804020204" pitchFamily="50" charset="0"/>
+              <a:ea typeface="Droid Sans Mono Chess ASCII" panose="020B0609030804020204" pitchFamily="50" charset="0"/>
+              <a:cs typeface="Droid Sans Mono Chess ASCII" panose="020B0609030804020204" pitchFamily="50" charset="0"/>
+            </a:endParaRPr>
+          </a:p>
+          <a:p>
+            <a:r>
+              <a:rPr lang="de-DE" sz="2000">
+                <a:latin typeface="Droid Sans Mono Chess ASCII" panose="020B0609030804020204" pitchFamily="50" charset="0"/>
+                <a:ea typeface="Droid Sans Mono Chess ASCII" panose="020B0609030804020204" pitchFamily="50" charset="0"/>
+                <a:cs typeface="Droid Sans Mono Chess ASCII" panose="020B0609030804020204" pitchFamily="50" charset="0"/>
+              </a:rPr>
+              <a:t>read_square c = lookup c [ (show_square dark (Just (col,piece)), (col,piece)) |</a:t>
+            </a:r>
+          </a:p>
+          <a:p>
+            <a:r>
+              <a:rPr lang="de-DE" sz="2000">
+                <a:latin typeface="Droid Sans Mono Chess ASCII" panose="020B0609030804020204" pitchFamily="50" charset="0"/>
+                <a:ea typeface="Droid Sans Mono Chess ASCII" panose="020B0609030804020204" pitchFamily="50" charset="0"/>
+                <a:cs typeface="Droid Sans Mono Chess ASCII" panose="020B0609030804020204" pitchFamily="50" charset="0"/>
+              </a:rPr>
+              <a:t>	col &lt;- allOfThem, piece &lt;- allOfThem, dark &lt;- allOfThem ]</a:t>
+            </a:r>
+          </a:p>
+          <a:p>
+            <a:endParaRPr lang="de-DE" sz="2000">
+              <a:latin typeface="Droid Sans Mono Chess ASCII" panose="020B0609030804020204" pitchFamily="50" charset="0"/>
+              <a:ea typeface="Droid Sans Mono Chess ASCII" panose="020B0609030804020204" pitchFamily="50" charset="0"/>
+              <a:cs typeface="Droid Sans Mono Chess ASCII" panose="020B0609030804020204" pitchFamily="50" charset="0"/>
+            </a:endParaRPr>
+          </a:p>
+        </p:txBody>
+      </p:sp>
+    </p:spTree>
+    <p:extLst>
+      <p:ext uri="{BB962C8B-B14F-4D97-AF65-F5344CB8AC3E}">
+        <p14:creationId xmlns:p14="http://schemas.microsoft.com/office/powerpoint/2010/main" val="376159251"/>
+      </p:ext>
+    </p:extLst>
+  </p:cSld>
+  <p:clrMapOvr>
+    <a:masterClrMapping/>
+  </p:clrMapOvr>
+  <p:timing>
+    <p:tnLst>
+      <p:par>
+        <p:cTn id="1" dur="indefinite" restart="never" nodeType="tmRoot"/>
+      </p:par>
+    </p:tnLst>
+  </p:timing>
+</p:sld>
+</file>
+
+<file path=ppt/slides/slide21.xml><?xml version="1.0" encoding="utf-8"?>
+<p:sld xmlns:a="http://schemas.openxmlformats.org/drawingml/2006/main" xmlns:r="http://schemas.openxmlformats.org/officeDocument/2006/relationships" xmlns:p="http://schemas.openxmlformats.org/presentationml/2006/main">
+  <p:cSld>
+    <p:spTree>
+      <p:nvGrpSpPr>
+        <p:cNvPr id="1" name=""/>
+        <p:cNvGrpSpPr/>
+        <p:nvPr/>
+      </p:nvGrpSpPr>
+      <p:grpSpPr>
+        <a:xfrm>
+          <a:off x="0" y="0"/>
+          <a:ext cx="0" cy="0"/>
+          <a:chOff x="0" y="0"/>
+          <a:chExt cx="0" cy="0"/>
+        </a:xfrm>
+      </p:grpSpPr>
+      <p:sp>
+        <p:nvSpPr>
+          <p:cNvPr id="9218" name="Titel 1"/>
+          <p:cNvSpPr>
+            <a:spLocks noGrp="1"/>
+          </p:cNvSpPr>
+          <p:nvPr>
+            <p:ph type="title"/>
+          </p:nvPr>
+        </p:nvSpPr>
+        <p:spPr bwMode="auto">
+          <a:xfrm>
+            <a:off x="442913" y="93663"/>
+            <a:ext cx="10742612" cy="939800"/>
+          </a:xfrm>
+          <a:noFill/>
+          <a:ln>
+            <a:miter lim="800000"/>
+            <a:headEnd/>
+            <a:tailEnd/>
+          </a:ln>
+        </p:spPr>
+        <p:txBody>
+          <a:bodyPr vert="horz" wrap="square" numCol="1" anchor="t" anchorCtr="0" compatLnSpc="1">
+            <a:prstTxWarp prst="textNoShape">
+              <a:avLst/>
+            </a:prstTxWarp>
+          </a:bodyPr>
+          <a:lstStyle/>
+          <a:p>
+            <a:r>
+              <a:rPr lang="en-US" smtClean="0"/>
+              <a:t>Code</a:t>
+            </a:r>
+            <a:endParaRPr lang="en-US" smtClean="0"/>
+          </a:p>
+        </p:txBody>
+      </p:sp>
+      <p:sp>
+        <p:nvSpPr>
+          <p:cNvPr id="4" name="Rechteck 3"/>
+          <p:cNvSpPr/>
+          <p:nvPr/>
+        </p:nvSpPr>
+        <p:spPr>
+          <a:xfrm>
+            <a:off x="514350" y="1466850"/>
+            <a:ext cx="12249150" cy="7478970"/>
+          </a:xfrm>
+          <a:prstGeom prst="rect">
+            <a:avLst/>
+          </a:prstGeom>
+        </p:spPr>
+        <p:txBody>
+          <a:bodyPr wrap="square">
+            <a:spAutoFit/>
+          </a:bodyPr>
+          <a:lstStyle/>
+          <a:p>
+            <a:pPr defTabSz="619200"/>
+            <a:r>
+              <a:rPr lang="de-DE" sz="2000">
+                <a:latin typeface="Droid Sans Mono Chess ASCII" panose="020B0609030804020204" pitchFamily="50" charset="0"/>
+                <a:ea typeface="Droid Sans Mono Chess ASCII" panose="020B0609030804020204" pitchFamily="50" charset="0"/>
+                <a:cs typeface="Droid Sans Mono Chess ASCII" panose="020B0609030804020204" pitchFamily="50" charset="0"/>
+              </a:rPr>
+              <a:t>addCoors board coors offset = case coors+offset of</a:t>
+            </a:r>
+          </a:p>
+          <a:p>
+            <a:pPr defTabSz="619200"/>
+            <a:r>
+              <a:rPr lang="de-DE" sz="2000">
+                <a:latin typeface="Droid Sans Mono Chess ASCII" panose="020B0609030804020204" pitchFamily="50" charset="0"/>
+                <a:ea typeface="Droid Sans Mono Chess ASCII" panose="020B0609030804020204" pitchFamily="50" charset="0"/>
+                <a:cs typeface="Droid Sans Mono Chess ASCII" panose="020B0609030804020204" pitchFamily="50" charset="0"/>
+              </a:rPr>
+              <a:t>	coors' | coors' `elem` (indices board) → Just coors'</a:t>
+            </a:r>
+          </a:p>
+          <a:p>
+            <a:pPr defTabSz="619200"/>
+            <a:r>
+              <a:rPr lang="de-DE" sz="2000">
+                <a:latin typeface="Droid Sans Mono Chess ASCII" panose="020B0609030804020204" pitchFamily="50" charset="0"/>
+                <a:ea typeface="Droid Sans Mono Chess ASCII" panose="020B0609030804020204" pitchFamily="50" charset="0"/>
+                <a:cs typeface="Droid Sans Mono Chess ASCII" panose="020B0609030804020204" pitchFamily="50" charset="0"/>
+              </a:rPr>
+              <a:t>	_      | otherwise                     → Nothing</a:t>
+            </a:r>
+          </a:p>
+          <a:p>
+            <a:pPr defTabSz="619200"/>
+            <a:endParaRPr lang="de-DE" sz="2000">
+              <a:latin typeface="Droid Sans Mono Chess ASCII" panose="020B0609030804020204" pitchFamily="50" charset="0"/>
+              <a:ea typeface="Droid Sans Mono Chess ASCII" panose="020B0609030804020204" pitchFamily="50" charset="0"/>
+              <a:cs typeface="Droid Sans Mono Chess ASCII" panose="020B0609030804020204" pitchFamily="50" charset="0"/>
+            </a:endParaRPr>
+          </a:p>
+          <a:p>
+            <a:pPr defTabSz="619200"/>
+            <a:r>
+              <a:rPr lang="de-DE" sz="2000">
+                <a:latin typeface="Droid Sans Mono Chess ASCII" panose="020B0609030804020204" pitchFamily="50" charset="0"/>
+                <a:ea typeface="Droid Sans Mono Chess ASCII" panose="020B0609030804020204" pitchFamily="50" charset="0"/>
+                <a:cs typeface="Droid Sans Mono Chess ASCII" panose="020B0609030804020204" pitchFamily="50" charset="0"/>
+              </a:rPr>
+              <a:t>data Move =</a:t>
+            </a:r>
+          </a:p>
+          <a:p>
+            <a:pPr defTabSz="619200"/>
+            <a:r>
+              <a:rPr lang="de-DE" sz="2000">
+                <a:latin typeface="Droid Sans Mono Chess ASCII" panose="020B0609030804020204" pitchFamily="50" charset="0"/>
+                <a:ea typeface="Droid Sans Mono Chess ASCII" panose="020B0609030804020204" pitchFamily="50" charset="0"/>
+                <a:cs typeface="Droid Sans Mono Chess ASCII" panose="020B0609030804020204" pitchFamily="50" charset="0"/>
+              </a:rPr>
+              <a:t>	Move {</a:t>
+            </a:r>
+          </a:p>
+          <a:p>
+            <a:pPr defTabSz="619200"/>
+            <a:r>
+              <a:rPr lang="de-DE" sz="2000">
+                <a:latin typeface="Droid Sans Mono Chess ASCII" panose="020B0609030804020204" pitchFamily="50" charset="0"/>
+                <a:ea typeface="Droid Sans Mono Chess ASCII" panose="020B0609030804020204" pitchFamily="50" charset="0"/>
+                <a:cs typeface="Droid Sans Mono Chess ASCII" panose="020B0609030804020204" pitchFamily="50" charset="0"/>
+              </a:rPr>
+              <a:t>		moveFrom    :: Coors,</a:t>
+            </a:r>
+          </a:p>
+          <a:p>
+            <a:pPr defTabSz="619200"/>
+            <a:r>
+              <a:rPr lang="de-DE" sz="2000">
+                <a:latin typeface="Droid Sans Mono Chess ASCII" panose="020B0609030804020204" pitchFamily="50" charset="0"/>
+                <a:ea typeface="Droid Sans Mono Chess ASCII" panose="020B0609030804020204" pitchFamily="50" charset="0"/>
+                <a:cs typeface="Droid Sans Mono Chess ASCII" panose="020B0609030804020204" pitchFamily="50" charset="0"/>
+              </a:rPr>
+              <a:t>		moveTo      :: Coors,</a:t>
+            </a:r>
+          </a:p>
+          <a:p>
+            <a:pPr defTabSz="619200"/>
+            <a:r>
+              <a:rPr lang="de-DE" sz="2000">
+                <a:latin typeface="Droid Sans Mono Chess ASCII" panose="020B0609030804020204" pitchFamily="50" charset="0"/>
+                <a:ea typeface="Droid Sans Mono Chess ASCII" panose="020B0609030804020204" pitchFamily="50" charset="0"/>
+                <a:cs typeface="Droid Sans Mono Chess ASCII" panose="020B0609030804020204" pitchFamily="50" charset="0"/>
+              </a:rPr>
+              <a:t>		moveTakes   :: Maybe Coors,</a:t>
+            </a:r>
+          </a:p>
+          <a:p>
+            <a:pPr defTabSz="619200"/>
+            <a:r>
+              <a:rPr lang="de-DE" sz="2000">
+                <a:latin typeface="Droid Sans Mono Chess ASCII" panose="020B0609030804020204" pitchFamily="50" charset="0"/>
+                <a:ea typeface="Droid Sans Mono Chess ASCII" panose="020B0609030804020204" pitchFamily="50" charset="0"/>
+                <a:cs typeface="Droid Sans Mono Chess ASCII" panose="020B0609030804020204" pitchFamily="50" charset="0"/>
+              </a:rPr>
+              <a:t>		movePromote :: Maybe Piece } |</a:t>
+            </a:r>
+          </a:p>
+          <a:p>
+            <a:pPr defTabSz="619200"/>
+            <a:r>
+              <a:rPr lang="de-DE" sz="2000">
+                <a:latin typeface="Droid Sans Mono Chess ASCII" panose="020B0609030804020204" pitchFamily="50" charset="0"/>
+                <a:ea typeface="Droid Sans Mono Chess ASCII" panose="020B0609030804020204" pitchFamily="50" charset="0"/>
+                <a:cs typeface="Droid Sans Mono Chess ASCII" panose="020B0609030804020204" pitchFamily="50" charset="0"/>
+              </a:rPr>
+              <a:t>	Castling CastlingSide</a:t>
+            </a:r>
+          </a:p>
+          <a:p>
+            <a:pPr defTabSz="619200"/>
+            <a:r>
+              <a:rPr lang="de-DE" sz="2000">
+                <a:latin typeface="Droid Sans Mono Chess ASCII" panose="020B0609030804020204" pitchFamily="50" charset="0"/>
+                <a:ea typeface="Droid Sans Mono Chess ASCII" panose="020B0609030804020204" pitchFamily="50" charset="0"/>
+                <a:cs typeface="Droid Sans Mono Chess ASCII" panose="020B0609030804020204" pitchFamily="50" charset="0"/>
+              </a:rPr>
+              <a:t>	deriving Eq</a:t>
+            </a:r>
+          </a:p>
+          <a:p>
+            <a:pPr defTabSz="619200"/>
+            <a:endParaRPr lang="de-DE" sz="2000" smtClean="0">
+              <a:latin typeface="Droid Sans Mono Chess ASCII" panose="020B0609030804020204" pitchFamily="50" charset="0"/>
+              <a:ea typeface="Droid Sans Mono Chess ASCII" panose="020B0609030804020204" pitchFamily="50" charset="0"/>
+              <a:cs typeface="Droid Sans Mono Chess ASCII" panose="020B0609030804020204" pitchFamily="50" charset="0"/>
+            </a:endParaRPr>
+          </a:p>
+          <a:p>
+            <a:pPr defTabSz="619200"/>
+            <a:r>
+              <a:rPr lang="de-DE" sz="2000" smtClean="0">
+                <a:latin typeface="Droid Sans Mono Chess ASCII" panose="020B0609030804020204" pitchFamily="50" charset="0"/>
+                <a:ea typeface="Droid Sans Mono Chess ASCII" panose="020B0609030804020204" pitchFamily="50" charset="0"/>
+                <a:cs typeface="Droid Sans Mono Chess ASCII" panose="020B0609030804020204" pitchFamily="50" charset="0"/>
+              </a:rPr>
+              <a:t>data </a:t>
+            </a:r>
+            <a:r>
+              <a:rPr lang="de-DE" sz="2000">
+                <a:latin typeface="Droid Sans Mono Chess ASCII" panose="020B0609030804020204" pitchFamily="50" charset="0"/>
+                <a:ea typeface="Droid Sans Mono Chess ASCII" panose="020B0609030804020204" pitchFamily="50" charset="0"/>
+                <a:cs typeface="Droid Sans Mono Chess ASCII" panose="020B0609030804020204" pitchFamily="50" charset="0"/>
+              </a:rPr>
+              <a:t>CastlingSide = Queenside | Kingside deriving Eq</a:t>
+            </a:r>
+          </a:p>
+          <a:p>
+            <a:pPr defTabSz="619200"/>
+            <a:endParaRPr lang="de-DE" sz="2000">
+              <a:latin typeface="Droid Sans Mono Chess ASCII" panose="020B0609030804020204" pitchFamily="50" charset="0"/>
+              <a:ea typeface="Droid Sans Mono Chess ASCII" panose="020B0609030804020204" pitchFamily="50" charset="0"/>
+              <a:cs typeface="Droid Sans Mono Chess ASCII" panose="020B0609030804020204" pitchFamily="50" charset="0"/>
+            </a:endParaRPr>
+          </a:p>
+          <a:p>
+            <a:pPr defTabSz="619200"/>
+            <a:r>
+              <a:rPr lang="de-DE" sz="2000">
+                <a:latin typeface="Droid Sans Mono Chess ASCII" panose="020B0609030804020204" pitchFamily="50" charset="0"/>
+                <a:ea typeface="Droid Sans Mono Chess ASCII" panose="020B0609030804020204" pitchFamily="50" charset="0"/>
+                <a:cs typeface="Droid Sans Mono Chess ASCII" panose="020B0609030804020204" pitchFamily="50" charset="0"/>
+              </a:rPr>
+              <a:t>instance Show Move </a:t>
+            </a:r>
+            <a:r>
+              <a:rPr lang="de-DE" sz="2000">
+                <a:latin typeface="Droid Sans Mono Chess ASCII" panose="020B0609030804020204" pitchFamily="50" charset="0"/>
+                <a:ea typeface="Droid Sans Mono Chess ASCII" panose="020B0609030804020204" pitchFamily="50" charset="0"/>
+                <a:cs typeface="Droid Sans Mono Chess ASCII" panose="020B0609030804020204" pitchFamily="50" charset="0"/>
+              </a:rPr>
+              <a:t>where</a:t>
+            </a:r>
+          </a:p>
+          <a:p>
+            <a:pPr defTabSz="619200"/>
+            <a:r>
+              <a:rPr lang="de-DE" sz="2000">
+                <a:latin typeface="Droid Sans Mono Chess ASCII" panose="020B0609030804020204" pitchFamily="50" charset="0"/>
+                <a:ea typeface="Droid Sans Mono Chess ASCII" panose="020B0609030804020204" pitchFamily="50" charset="0"/>
+                <a:cs typeface="Droid Sans Mono Chess ASCII" panose="020B0609030804020204" pitchFamily="50" charset="0"/>
+              </a:rPr>
+              <a:t>	show Move{..} = show moveFrom ++ show moveTo ++ case movePromote of</a:t>
+            </a:r>
+          </a:p>
+          <a:p>
+            <a:pPr defTabSz="619200"/>
+            <a:r>
+              <a:rPr lang="de-DE" sz="2000">
+                <a:latin typeface="Droid Sans Mono Chess ASCII" panose="020B0609030804020204" pitchFamily="50" charset="0"/>
+                <a:ea typeface="Droid Sans Mono Chess ASCII" panose="020B0609030804020204" pitchFamily="50" charset="0"/>
+                <a:cs typeface="Droid Sans Mono Chess ASCII" panose="020B0609030804020204" pitchFamily="50" charset="0"/>
+              </a:rPr>
+              <a:t>		Nothing → ""</a:t>
+            </a:r>
+          </a:p>
+          <a:p>
+            <a:pPr defTabSz="619200"/>
+            <a:r>
+              <a:rPr lang="de-DE" sz="2000">
+                <a:latin typeface="Droid Sans Mono Chess ASCII" panose="020B0609030804020204" pitchFamily="50" charset="0"/>
+                <a:ea typeface="Droid Sans Mono Chess ASCII" panose="020B0609030804020204" pitchFamily="50" charset="0"/>
+                <a:cs typeface="Droid Sans Mono Chess ASCII" panose="020B0609030804020204" pitchFamily="50" charset="0"/>
+              </a:rPr>
+              <a:t>		Just Ú → "N"</a:t>
+            </a:r>
+          </a:p>
+          <a:p>
+            <a:pPr defTabSz="619200"/>
+            <a:r>
+              <a:rPr lang="de-DE" sz="2000">
+                <a:latin typeface="Droid Sans Mono Chess ASCII" panose="020B0609030804020204" pitchFamily="50" charset="0"/>
+                <a:ea typeface="Droid Sans Mono Chess ASCII" panose="020B0609030804020204" pitchFamily="50" charset="0"/>
+                <a:cs typeface="Droid Sans Mono Chess ASCII" panose="020B0609030804020204" pitchFamily="50" charset="0"/>
+              </a:rPr>
+              <a:t>		Just Û → "B"</a:t>
+            </a:r>
+          </a:p>
+          <a:p>
+            <a:pPr defTabSz="619200"/>
+            <a:r>
+              <a:rPr lang="de-DE" sz="2000">
+                <a:latin typeface="Droid Sans Mono Chess ASCII" panose="020B0609030804020204" pitchFamily="50" charset="0"/>
+                <a:ea typeface="Droid Sans Mono Chess ASCII" panose="020B0609030804020204" pitchFamily="50" charset="0"/>
+                <a:cs typeface="Droid Sans Mono Chess ASCII" panose="020B0609030804020204" pitchFamily="50" charset="0"/>
+              </a:rPr>
+              <a:t>		Just Ü → "R"</a:t>
+            </a:r>
+          </a:p>
+          <a:p>
+            <a:pPr defTabSz="619200"/>
+            <a:r>
+              <a:rPr lang="de-DE" sz="2000">
+                <a:latin typeface="Droid Sans Mono Chess ASCII" panose="020B0609030804020204" pitchFamily="50" charset="0"/>
+                <a:ea typeface="Droid Sans Mono Chess ASCII" panose="020B0609030804020204" pitchFamily="50" charset="0"/>
+                <a:cs typeface="Droid Sans Mono Chess ASCII" panose="020B0609030804020204" pitchFamily="50" charset="0"/>
+              </a:rPr>
+              <a:t>		Just Ý → "Q"</a:t>
+            </a:r>
+          </a:p>
+          <a:p>
+            <a:pPr defTabSz="619200"/>
+            <a:r>
+              <a:rPr lang="de-DE" sz="2000">
+                <a:latin typeface="Droid Sans Mono Chess ASCII" panose="020B0609030804020204" pitchFamily="50" charset="0"/>
+                <a:ea typeface="Droid Sans Mono Chess ASCII" panose="020B0609030804020204" pitchFamily="50" charset="0"/>
+                <a:cs typeface="Droid Sans Mono Chess ASCII" panose="020B0609030804020204" pitchFamily="50" charset="0"/>
+              </a:rPr>
+              <a:t>	show (Castling Queenside) = "O-O-O"</a:t>
+            </a:r>
+          </a:p>
+          <a:p>
+            <a:pPr defTabSz="619200"/>
+            <a:r>
+              <a:rPr lang="de-DE" sz="2000">
+                <a:latin typeface="Droid Sans Mono Chess ASCII" panose="020B0609030804020204" pitchFamily="50" charset="0"/>
+                <a:ea typeface="Droid Sans Mono Chess ASCII" panose="020B0609030804020204" pitchFamily="50" charset="0"/>
+                <a:cs typeface="Droid Sans Mono Chess ASCII" panose="020B0609030804020204" pitchFamily="50" charset="0"/>
+              </a:rPr>
+              <a:t>	show (Castling Kingside)  = "O-O"</a:t>
+            </a:r>
+          </a:p>
+        </p:txBody>
+      </p:sp>
+    </p:spTree>
+    <p:extLst>
+      <p:ext uri="{BB962C8B-B14F-4D97-AF65-F5344CB8AC3E}">
+        <p14:creationId xmlns:p14="http://schemas.microsoft.com/office/powerpoint/2010/main" val="1958943556"/>
+      </p:ext>
+    </p:extLst>
+  </p:cSld>
+  <p:clrMapOvr>
+    <a:masterClrMapping/>
+  </p:clrMapOvr>
+  <p:timing>
+    <p:tnLst>
+      <p:par>
+        <p:cTn id="1" dur="indefinite" restart="never" nodeType="tmRoot"/>
+      </p:par>
+    </p:tnLst>
+  </p:timing>
+</p:sld>
+</file>
+
+<file path=ppt/slides/slide22.xml><?xml version="1.0" encoding="utf-8"?>
+<p:sld xmlns:a="http://schemas.openxmlformats.org/drawingml/2006/main" xmlns:r="http://schemas.openxmlformats.org/officeDocument/2006/relationships" xmlns:p="http://schemas.openxmlformats.org/presentationml/2006/main">
+  <p:cSld>
+    <p:spTree>
+      <p:nvGrpSpPr>
+        <p:cNvPr id="1" name=""/>
+        <p:cNvGrpSpPr/>
+        <p:nvPr/>
+      </p:nvGrpSpPr>
+      <p:grpSpPr>
+        <a:xfrm>
+          <a:off x="0" y="0"/>
+          <a:ext cx="0" cy="0"/>
+          <a:chOff x="0" y="0"/>
+          <a:chExt cx="0" cy="0"/>
+        </a:xfrm>
+      </p:grpSpPr>
+      <p:sp>
+        <p:nvSpPr>
+          <p:cNvPr id="9218" name="Titel 1"/>
+          <p:cNvSpPr>
+            <a:spLocks noGrp="1"/>
+          </p:cNvSpPr>
+          <p:nvPr>
+            <p:ph type="title"/>
+          </p:nvPr>
+        </p:nvSpPr>
+        <p:spPr bwMode="auto">
+          <a:xfrm>
+            <a:off x="442913" y="93663"/>
+            <a:ext cx="10742612" cy="939800"/>
+          </a:xfrm>
+          <a:noFill/>
+          <a:ln>
+            <a:miter lim="800000"/>
+            <a:headEnd/>
+            <a:tailEnd/>
+          </a:ln>
+        </p:spPr>
+        <p:txBody>
+          <a:bodyPr vert="horz" wrap="square" numCol="1" anchor="t" anchorCtr="0" compatLnSpc="1">
+            <a:prstTxWarp prst="textNoShape">
+              <a:avLst/>
+            </a:prstTxWarp>
+          </a:bodyPr>
+          <a:lstStyle/>
+          <a:p>
+            <a:r>
+              <a:rPr lang="en-US" smtClean="0"/>
+              <a:t>Code</a:t>
+            </a:r>
+            <a:endParaRPr lang="en-US" smtClean="0"/>
+          </a:p>
+        </p:txBody>
+      </p:sp>
+      <p:sp>
+        <p:nvSpPr>
+          <p:cNvPr id="4" name="Rechteck 3"/>
+          <p:cNvSpPr/>
+          <p:nvPr/>
+        </p:nvSpPr>
+        <p:spPr>
+          <a:xfrm>
+            <a:off x="285750" y="1466850"/>
+            <a:ext cx="12477750" cy="7478970"/>
+          </a:xfrm>
+          <a:prstGeom prst="rect">
+            <a:avLst/>
+          </a:prstGeom>
+        </p:spPr>
+        <p:txBody>
+          <a:bodyPr wrap="square">
+            <a:spAutoFit/>
+          </a:bodyPr>
+          <a:lstStyle/>
+          <a:p>
+            <a:pPr defTabSz="619200"/>
+            <a:r>
+              <a:rPr lang="de-DE" sz="2000">
+                <a:latin typeface="Droid Sans Mono Chess ASCII" panose="020B0609030804020204" pitchFamily="50" charset="0"/>
+                <a:ea typeface="Droid Sans Mono Chess ASCII" panose="020B0609030804020204" pitchFamily="50" charset="0"/>
+                <a:cs typeface="Droid Sans Mono Chess ASCII" panose="020B0609030804020204" pitchFamily="50" charset="0"/>
+              </a:rPr>
+              <a:t>doMove pos@Position{..} move = </a:t>
+            </a:r>
+            <a:r>
+              <a:rPr lang="de-DE" sz="2000">
+                <a:latin typeface="Droid Sans Mono Chess ASCII" panose="020B0609030804020204" pitchFamily="50" charset="0"/>
+                <a:ea typeface="Droid Sans Mono Chess ASCII" panose="020B0609030804020204" pitchFamily="50" charset="0"/>
+                <a:cs typeface="Droid Sans Mono Chess ASCII" panose="020B0609030804020204" pitchFamily="50" charset="0"/>
+              </a:rPr>
+              <a:t>pos </a:t>
+            </a:r>
+            <a:r>
+              <a:rPr lang="de-DE" sz="2000" smtClean="0">
+                <a:latin typeface="Droid Sans Mono Chess ASCII" panose="020B0609030804020204" pitchFamily="50" charset="0"/>
+                <a:ea typeface="Droid Sans Mono Chess ASCII" panose="020B0609030804020204" pitchFamily="50" charset="0"/>
+                <a:cs typeface="Droid Sans Mono Chess ASCII" panose="020B0609030804020204" pitchFamily="50" charset="0"/>
+              </a:rPr>
+              <a:t>{</a:t>
+            </a:r>
+            <a:endParaRPr lang="de-DE" sz="2000">
+              <a:latin typeface="Droid Sans Mono Chess ASCII" panose="020B0609030804020204" pitchFamily="50" charset="0"/>
+              <a:ea typeface="Droid Sans Mono Chess ASCII" panose="020B0609030804020204" pitchFamily="50" charset="0"/>
+              <a:cs typeface="Droid Sans Mono Chess ASCII" panose="020B0609030804020204" pitchFamily="50" charset="0"/>
+            </a:endParaRPr>
+          </a:p>
+          <a:p>
+            <a:pPr defTabSz="619200"/>
+            <a:r>
+              <a:rPr lang="de-DE" sz="2000">
+                <a:latin typeface="Droid Sans Mono Chess ASCII" panose="020B0609030804020204" pitchFamily="50" charset="0"/>
+                <a:ea typeface="Droid Sans Mono Chess ASCII" panose="020B0609030804020204" pitchFamily="50" charset="0"/>
+                <a:cs typeface="Droid Sans Mono Chess ASCII" panose="020B0609030804020204" pitchFamily="50" charset="0"/>
+              </a:rPr>
+              <a:t>	pBoard              = pBoard // case move of</a:t>
+            </a:r>
+          </a:p>
+          <a:p>
+            <a:pPr defTabSz="619200"/>
+            <a:r>
+              <a:rPr lang="de-DE" sz="2000">
+                <a:latin typeface="Droid Sans Mono Chess ASCII" panose="020B0609030804020204" pitchFamily="50" charset="0"/>
+                <a:ea typeface="Droid Sans Mono Chess ASCII" panose="020B0609030804020204" pitchFamily="50" charset="0"/>
+                <a:cs typeface="Droid Sans Mono Chess ASCII" panose="020B0609030804020204" pitchFamily="50" charset="0"/>
+              </a:rPr>
+              <a:t>		Move{..} → ( case moveTakes of</a:t>
+            </a:r>
+          </a:p>
+          <a:p>
+            <a:pPr defTabSz="619200"/>
+            <a:r>
+              <a:rPr lang="de-DE" sz="2000">
+                <a:latin typeface="Droid Sans Mono Chess ASCII" panose="020B0609030804020204" pitchFamily="50" charset="0"/>
+                <a:ea typeface="Droid Sans Mono Chess ASCII" panose="020B0609030804020204" pitchFamily="50" charset="0"/>
+                <a:cs typeface="Droid Sans Mono Chess ASCII" panose="020B0609030804020204" pitchFamily="50" charset="0"/>
+              </a:rPr>
+              <a:t>			Nothing → []</a:t>
+            </a:r>
+          </a:p>
+          <a:p>
+            <a:pPr defTabSz="619200"/>
+            <a:r>
+              <a:rPr lang="de-DE" sz="2000">
+                <a:latin typeface="Droid Sans Mono Chess ASCII" panose="020B0609030804020204" pitchFamily="50" charset="0"/>
+                <a:ea typeface="Droid Sans Mono Chess ASCII" panose="020B0609030804020204" pitchFamily="50" charset="0"/>
+                <a:cs typeface="Droid Sans Mono Chess ASCII" panose="020B0609030804020204" pitchFamily="50" charset="0"/>
+              </a:rPr>
+              <a:t>			Just take_coors → [(take_coors,Nothing)] ) ++</a:t>
+            </a:r>
+          </a:p>
+          <a:p>
+            <a:pPr defTabSz="619200"/>
+            <a:r>
+              <a:rPr lang="de-DE" sz="2000">
+                <a:latin typeface="Droid Sans Mono Chess ASCII" panose="020B0609030804020204" pitchFamily="50" charset="0"/>
+                <a:ea typeface="Droid Sans Mono Chess ASCII" panose="020B0609030804020204" pitchFamily="50" charset="0"/>
+                <a:cs typeface="Droid Sans Mono Chess ASCII" panose="020B0609030804020204" pitchFamily="50" charset="0"/>
+              </a:rPr>
+              <a:t>			[ (moveFrom,Nothing), (moveTo,case movePromote of</a:t>
+            </a:r>
+          </a:p>
+          <a:p>
+            <a:pPr defTabSz="619200"/>
+            <a:r>
+              <a:rPr lang="de-DE" sz="2000">
+                <a:latin typeface="Droid Sans Mono Chess ASCII" panose="020B0609030804020204" pitchFamily="50" charset="0"/>
+                <a:ea typeface="Droid Sans Mono Chess ASCII" panose="020B0609030804020204" pitchFamily="50" charset="0"/>
+                <a:cs typeface="Droid Sans Mono Chess ASCII" panose="020B0609030804020204" pitchFamily="50" charset="0"/>
+              </a:rPr>
+              <a:t>				Nothing         → pBoard!moveFrom</a:t>
+            </a:r>
+          </a:p>
+          <a:p>
+            <a:pPr defTabSz="619200"/>
+            <a:r>
+              <a:rPr lang="de-DE" sz="2000">
+                <a:latin typeface="Droid Sans Mono Chess ASCII" panose="020B0609030804020204" pitchFamily="50" charset="0"/>
+                <a:ea typeface="Droid Sans Mono Chess ASCII" panose="020B0609030804020204" pitchFamily="50" charset="0"/>
+                <a:cs typeface="Droid Sans Mono Chess ASCII" panose="020B0609030804020204" pitchFamily="50" charset="0"/>
+              </a:rPr>
+              <a:t>				Just promote_to → Just (pColourToMove,promote_to) ) ]</a:t>
+            </a:r>
+          </a:p>
+          <a:p>
+            <a:pPr defTabSz="619200"/>
+            <a:r>
+              <a:rPr lang="de-DE" sz="2000">
+                <a:latin typeface="Droid Sans Mono Chess ASCII" panose="020B0609030804020204" pitchFamily="50" charset="0"/>
+                <a:ea typeface="Droid Sans Mono Chess ASCII" panose="020B0609030804020204" pitchFamily="50" charset="0"/>
+                <a:cs typeface="Droid Sans Mono Chess ASCII" panose="020B0609030804020204" pitchFamily="50" charset="0"/>
+              </a:rPr>
+              <a:t>		Castling Queenside </a:t>
+            </a:r>
+            <a:r>
+              <a:rPr lang="de-DE" sz="2000">
+                <a:latin typeface="Droid Sans Mono Chess ASCII" panose="020B0609030804020204" pitchFamily="50" charset="0"/>
+                <a:ea typeface="Droid Sans Mono Chess ASCII" panose="020B0609030804020204" pitchFamily="50" charset="0"/>
+                <a:cs typeface="Droid Sans Mono Chess ASCII" panose="020B0609030804020204" pitchFamily="50" charset="0"/>
+              </a:rPr>
+              <a:t>→ </a:t>
+            </a:r>
+            <a:r>
+              <a:rPr lang="de-DE" sz="2000" smtClean="0">
+                <a:latin typeface="Droid Sans Mono Chess ASCII" panose="020B0609030804020204" pitchFamily="50" charset="0"/>
+                <a:ea typeface="Droid Sans Mono Chess ASCII" panose="020B0609030804020204" pitchFamily="50" charset="0"/>
+                <a:cs typeface="Droid Sans Mono Chess ASCII" panose="020B0609030804020204" pitchFamily="50" charset="0"/>
+              </a:rPr>
+              <a:t>[ ((</a:t>
+            </a:r>
+            <a:r>
+              <a:rPr lang="de-DE" sz="2000">
+                <a:latin typeface="Droid Sans Mono Chess ASCII" panose="020B0609030804020204" pitchFamily="50" charset="0"/>
+                <a:ea typeface="Droid Sans Mono Chess ASCII" panose="020B0609030804020204" pitchFamily="50" charset="0"/>
+                <a:cs typeface="Droid Sans Mono Chess ASCII" panose="020B0609030804020204" pitchFamily="50" charset="0"/>
+              </a:rPr>
+              <a:t>1,base),Nothing), ((4,base),pBoard!(</a:t>
+            </a:r>
+            <a:r>
+              <a:rPr lang="de-DE" sz="2000">
+                <a:latin typeface="Droid Sans Mono Chess ASCII" panose="020B0609030804020204" pitchFamily="50" charset="0"/>
+                <a:ea typeface="Droid Sans Mono Chess ASCII" panose="020B0609030804020204" pitchFamily="50" charset="0"/>
+                <a:cs typeface="Droid Sans Mono Chess ASCII" panose="020B0609030804020204" pitchFamily="50" charset="0"/>
+              </a:rPr>
+              <a:t>1,base</a:t>
+            </a:r>
+            <a:r>
+              <a:rPr lang="de-DE" sz="2000" smtClean="0">
+                <a:latin typeface="Droid Sans Mono Chess ASCII" panose="020B0609030804020204" pitchFamily="50" charset="0"/>
+                <a:ea typeface="Droid Sans Mono Chess ASCII" panose="020B0609030804020204" pitchFamily="50" charset="0"/>
+                <a:cs typeface="Droid Sans Mono Chess ASCII" panose="020B0609030804020204" pitchFamily="50" charset="0"/>
+              </a:rPr>
+              <a:t>)),</a:t>
+            </a:r>
+          </a:p>
+          <a:p>
+            <a:pPr defTabSz="619200"/>
+            <a:r>
+              <a:rPr lang="de-DE" sz="2000">
+                <a:latin typeface="Droid Sans Mono Chess ASCII" panose="020B0609030804020204" pitchFamily="50" charset="0"/>
+                <a:ea typeface="Droid Sans Mono Chess ASCII" panose="020B0609030804020204" pitchFamily="50" charset="0"/>
+                <a:cs typeface="Droid Sans Mono Chess ASCII" panose="020B0609030804020204" pitchFamily="50" charset="0"/>
+              </a:rPr>
+              <a:t>	</a:t>
+            </a:r>
+            <a:r>
+              <a:rPr lang="de-DE" sz="2000" smtClean="0">
+                <a:latin typeface="Droid Sans Mono Chess ASCII" panose="020B0609030804020204" pitchFamily="50" charset="0"/>
+                <a:ea typeface="Droid Sans Mono Chess ASCII" panose="020B0609030804020204" pitchFamily="50" charset="0"/>
+                <a:cs typeface="Droid Sans Mono Chess ASCII" panose="020B0609030804020204" pitchFamily="50" charset="0"/>
+              </a:rPr>
+              <a:t>						  </a:t>
+            </a:r>
+            <a:r>
+              <a:rPr lang="de-DE" sz="2000">
+                <a:latin typeface="Droid Sans Mono Chess ASCII" panose="020B0609030804020204" pitchFamily="50" charset="0"/>
+                <a:ea typeface="Droid Sans Mono Chess ASCII" panose="020B0609030804020204" pitchFamily="50" charset="0"/>
+                <a:cs typeface="Droid Sans Mono Chess ASCII" panose="020B0609030804020204" pitchFamily="50" charset="0"/>
+              </a:rPr>
+              <a:t>((5,base),Nothing), ((3,base),pBoard!(5,base)) ]</a:t>
+            </a:r>
+          </a:p>
+          <a:p>
+            <a:pPr defTabSz="619200"/>
+            <a:r>
+              <a:rPr lang="de-DE" sz="2000">
+                <a:latin typeface="Droid Sans Mono Chess ASCII" panose="020B0609030804020204" pitchFamily="50" charset="0"/>
+                <a:ea typeface="Droid Sans Mono Chess ASCII" panose="020B0609030804020204" pitchFamily="50" charset="0"/>
+                <a:cs typeface="Droid Sans Mono Chess ASCII" panose="020B0609030804020204" pitchFamily="50" charset="0"/>
+              </a:rPr>
+              <a:t>		Castling Kingside  → [ ((8,base),Nothing), ((6,base),pBoard!(</a:t>
+            </a:r>
+            <a:r>
+              <a:rPr lang="de-DE" sz="2000">
+                <a:latin typeface="Droid Sans Mono Chess ASCII" panose="020B0609030804020204" pitchFamily="50" charset="0"/>
+                <a:ea typeface="Droid Sans Mono Chess ASCII" panose="020B0609030804020204" pitchFamily="50" charset="0"/>
+                <a:cs typeface="Droid Sans Mono Chess ASCII" panose="020B0609030804020204" pitchFamily="50" charset="0"/>
+              </a:rPr>
+              <a:t>8,base</a:t>
+            </a:r>
+            <a:r>
+              <a:rPr lang="de-DE" sz="2000" smtClean="0">
+                <a:latin typeface="Droid Sans Mono Chess ASCII" panose="020B0609030804020204" pitchFamily="50" charset="0"/>
+                <a:ea typeface="Droid Sans Mono Chess ASCII" panose="020B0609030804020204" pitchFamily="50" charset="0"/>
+                <a:cs typeface="Droid Sans Mono Chess ASCII" panose="020B0609030804020204" pitchFamily="50" charset="0"/>
+              </a:rPr>
+              <a:t>)),</a:t>
+            </a:r>
+          </a:p>
+          <a:p>
+            <a:pPr defTabSz="619200"/>
+            <a:r>
+              <a:rPr lang="de-DE" sz="2000" smtClean="0">
+                <a:latin typeface="Droid Sans Mono Chess ASCII" panose="020B0609030804020204" pitchFamily="50" charset="0"/>
+                <a:ea typeface="Droid Sans Mono Chess ASCII" panose="020B0609030804020204" pitchFamily="50" charset="0"/>
+                <a:cs typeface="Droid Sans Mono Chess ASCII" panose="020B0609030804020204" pitchFamily="50" charset="0"/>
+              </a:rPr>
+              <a:t>                               ((</a:t>
+            </a:r>
+            <a:r>
+              <a:rPr lang="de-DE" sz="2000">
+                <a:latin typeface="Droid Sans Mono Chess ASCII" panose="020B0609030804020204" pitchFamily="50" charset="0"/>
+                <a:ea typeface="Droid Sans Mono Chess ASCII" panose="020B0609030804020204" pitchFamily="50" charset="0"/>
+                <a:cs typeface="Droid Sans Mono Chess ASCII" panose="020B0609030804020204" pitchFamily="50" charset="0"/>
+              </a:rPr>
+              <a:t>5,base),Nothing), ((7,base),pBoard!(5,base)) ],</a:t>
+            </a:r>
+          </a:p>
+          <a:p>
+            <a:pPr defTabSz="619200"/>
+            <a:endParaRPr lang="de-DE" sz="2000">
+              <a:latin typeface="Droid Sans Mono Chess ASCII" panose="020B0609030804020204" pitchFamily="50" charset="0"/>
+              <a:ea typeface="Droid Sans Mono Chess ASCII" panose="020B0609030804020204" pitchFamily="50" charset="0"/>
+              <a:cs typeface="Droid Sans Mono Chess ASCII" panose="020B0609030804020204" pitchFamily="50" charset="0"/>
+            </a:endParaRPr>
+          </a:p>
+          <a:p>
+            <a:pPr defTabSz="619200"/>
+            <a:r>
+              <a:rPr lang="de-DE" sz="2000">
+                <a:latin typeface="Droid Sans Mono Chess ASCII" panose="020B0609030804020204" pitchFamily="50" charset="0"/>
+                <a:ea typeface="Droid Sans Mono Chess ASCII" panose="020B0609030804020204" pitchFamily="50" charset="0"/>
+                <a:cs typeface="Droid Sans Mono Chess ASCII" panose="020B0609030804020204" pitchFamily="50" charset="0"/>
+              </a:rPr>
+              <a:t>	</a:t>
+            </a:r>
+            <a:r>
+              <a:rPr lang="de-DE" sz="2000">
+                <a:latin typeface="Droid Sans Mono Chess ASCII" panose="020B0609030804020204" pitchFamily="50" charset="0"/>
+                <a:ea typeface="Droid Sans Mono Chess ASCII" panose="020B0609030804020204" pitchFamily="50" charset="0"/>
+                <a:cs typeface="Droid Sans Mono Chess ASCII" panose="020B0609030804020204" pitchFamily="50" charset="0"/>
+              </a:rPr>
+              <a:t>pCanCastleQueenSide </a:t>
+            </a:r>
+            <a:r>
+              <a:rPr lang="de-DE" sz="2000" smtClean="0">
+                <a:latin typeface="Droid Sans Mono Chess ASCII" panose="020B0609030804020204" pitchFamily="50" charset="0"/>
+                <a:ea typeface="Droid Sans Mono Chess ASCII" panose="020B0609030804020204" pitchFamily="50" charset="0"/>
+                <a:cs typeface="Droid Sans Mono Chess ASCII" panose="020B0609030804020204" pitchFamily="50" charset="0"/>
+              </a:rPr>
+              <a:t>= (</a:t>
+            </a:r>
+            <a:r>
+              <a:rPr lang="de-DE" sz="2000">
+                <a:latin typeface="Droid Sans Mono Chess ASCII" panose="020B0609030804020204" pitchFamily="50" charset="0"/>
+                <a:ea typeface="Droid Sans Mono Chess ASCII" panose="020B0609030804020204" pitchFamily="50" charset="0"/>
+                <a:cs typeface="Droid Sans Mono Chess ASCII" panose="020B0609030804020204" pitchFamily="50" charset="0"/>
+              </a:rPr>
+              <a:t>if forfeit_queenside then </a:t>
+            </a:r>
+            <a:r>
+              <a:rPr lang="de-DE" sz="2000">
+                <a:latin typeface="Droid Sans Mono Chess ASCII" panose="020B0609030804020204" pitchFamily="50" charset="0"/>
+                <a:ea typeface="Droid Sans Mono Chess ASCII" panose="020B0609030804020204" pitchFamily="50" charset="0"/>
+                <a:cs typeface="Droid Sans Mono Chess ASCII" panose="020B0609030804020204" pitchFamily="50" charset="0"/>
+              </a:rPr>
+              <a:t>delete </a:t>
+            </a:r>
+            <a:r>
+              <a:rPr lang="de-DE" sz="2000" smtClean="0">
+                <a:latin typeface="Droid Sans Mono Chess ASCII" panose="020B0609030804020204" pitchFamily="50" charset="0"/>
+                <a:ea typeface="Droid Sans Mono Chess ASCII" panose="020B0609030804020204" pitchFamily="50" charset="0"/>
+                <a:cs typeface="Droid Sans Mono Chess ASCII" panose="020B0609030804020204" pitchFamily="50" charset="0"/>
+              </a:rPr>
+              <a:t>pColourToMove</a:t>
+            </a:r>
+          </a:p>
+          <a:p>
+            <a:pPr defTabSz="619200"/>
+            <a:r>
+              <a:rPr lang="de-DE" sz="2000">
+                <a:latin typeface="Droid Sans Mono Chess ASCII" panose="020B0609030804020204" pitchFamily="50" charset="0"/>
+                <a:ea typeface="Droid Sans Mono Chess ASCII" panose="020B0609030804020204" pitchFamily="50" charset="0"/>
+                <a:cs typeface="Droid Sans Mono Chess ASCII" panose="020B0609030804020204" pitchFamily="50" charset="0"/>
+              </a:rPr>
+              <a:t>	</a:t>
+            </a:r>
+            <a:r>
+              <a:rPr lang="de-DE" sz="2000" smtClean="0">
+                <a:latin typeface="Droid Sans Mono Chess ASCII" panose="020B0609030804020204" pitchFamily="50" charset="0"/>
+                <a:ea typeface="Droid Sans Mono Chess ASCII" panose="020B0609030804020204" pitchFamily="50" charset="0"/>
+                <a:cs typeface="Droid Sans Mono Chess ASCII" panose="020B0609030804020204" pitchFamily="50" charset="0"/>
+              </a:rPr>
+              <a:t>	else id) pCanCastleQueenSide</a:t>
+            </a:r>
+            <a:r>
+              <a:rPr lang="de-DE" sz="2000">
+                <a:latin typeface="Droid Sans Mono Chess ASCII" panose="020B0609030804020204" pitchFamily="50" charset="0"/>
+                <a:ea typeface="Droid Sans Mono Chess ASCII" panose="020B0609030804020204" pitchFamily="50" charset="0"/>
+                <a:cs typeface="Droid Sans Mono Chess ASCII" panose="020B0609030804020204" pitchFamily="50" charset="0"/>
+              </a:rPr>
+              <a:t>,</a:t>
+            </a:r>
+          </a:p>
+          <a:p>
+            <a:pPr defTabSz="619200"/>
+            <a:r>
+              <a:rPr lang="de-DE" sz="2000">
+                <a:latin typeface="Droid Sans Mono Chess ASCII" panose="020B0609030804020204" pitchFamily="50" charset="0"/>
+                <a:ea typeface="Droid Sans Mono Chess ASCII" panose="020B0609030804020204" pitchFamily="50" charset="0"/>
+                <a:cs typeface="Droid Sans Mono Chess ASCII" panose="020B0609030804020204" pitchFamily="50" charset="0"/>
+              </a:rPr>
+              <a:t>	pCanCastleKingSide  = (if forfeit_kingside  then </a:t>
+            </a:r>
+            <a:r>
+              <a:rPr lang="de-DE" sz="2000">
+                <a:latin typeface="Droid Sans Mono Chess ASCII" panose="020B0609030804020204" pitchFamily="50" charset="0"/>
+                <a:ea typeface="Droid Sans Mono Chess ASCII" panose="020B0609030804020204" pitchFamily="50" charset="0"/>
+                <a:cs typeface="Droid Sans Mono Chess ASCII" panose="020B0609030804020204" pitchFamily="50" charset="0"/>
+              </a:rPr>
+              <a:t>delete </a:t>
+            </a:r>
+            <a:r>
+              <a:rPr lang="de-DE" sz="2000" smtClean="0">
+                <a:latin typeface="Droid Sans Mono Chess ASCII" panose="020B0609030804020204" pitchFamily="50" charset="0"/>
+                <a:ea typeface="Droid Sans Mono Chess ASCII" panose="020B0609030804020204" pitchFamily="50" charset="0"/>
+                <a:cs typeface="Droid Sans Mono Chess ASCII" panose="020B0609030804020204" pitchFamily="50" charset="0"/>
+              </a:rPr>
+              <a:t>pColourToMove</a:t>
+            </a:r>
+          </a:p>
+          <a:p>
+            <a:pPr defTabSz="619200"/>
+            <a:r>
+              <a:rPr lang="de-DE" sz="2000">
+                <a:latin typeface="Droid Sans Mono Chess ASCII" panose="020B0609030804020204" pitchFamily="50" charset="0"/>
+                <a:ea typeface="Droid Sans Mono Chess ASCII" panose="020B0609030804020204" pitchFamily="50" charset="0"/>
+                <a:cs typeface="Droid Sans Mono Chess ASCII" panose="020B0609030804020204" pitchFamily="50" charset="0"/>
+              </a:rPr>
+              <a:t>	</a:t>
+            </a:r>
+            <a:r>
+              <a:rPr lang="de-DE" sz="2000" smtClean="0">
+                <a:latin typeface="Droid Sans Mono Chess ASCII" panose="020B0609030804020204" pitchFamily="50" charset="0"/>
+                <a:ea typeface="Droid Sans Mono Chess ASCII" panose="020B0609030804020204" pitchFamily="50" charset="0"/>
+                <a:cs typeface="Droid Sans Mono Chess ASCII" panose="020B0609030804020204" pitchFamily="50" charset="0"/>
+              </a:rPr>
+              <a:t>	else </a:t>
+            </a:r>
+            <a:r>
+              <a:rPr lang="de-DE" sz="2000">
+                <a:latin typeface="Droid Sans Mono Chess ASCII" panose="020B0609030804020204" pitchFamily="50" charset="0"/>
+                <a:ea typeface="Droid Sans Mono Chess ASCII" panose="020B0609030804020204" pitchFamily="50" charset="0"/>
+                <a:cs typeface="Droid Sans Mono Chess ASCII" panose="020B0609030804020204" pitchFamily="50" charset="0"/>
+              </a:rPr>
+              <a:t>id) pCanCastleKingSide,</a:t>
+            </a:r>
+          </a:p>
+          <a:p>
+            <a:pPr defTabSz="619200"/>
+            <a:r>
+              <a:rPr lang="de-DE" sz="2000">
+                <a:latin typeface="Droid Sans Mono Chess ASCII" panose="020B0609030804020204" pitchFamily="50" charset="0"/>
+                <a:ea typeface="Droid Sans Mono Chess ASCII" panose="020B0609030804020204" pitchFamily="50" charset="0"/>
+                <a:cs typeface="Droid Sans Mono Chess ASCII" panose="020B0609030804020204" pitchFamily="50" charset="0"/>
+              </a:rPr>
+              <a:t>	pColourToMove       = nextColour pColourToMove,</a:t>
+            </a:r>
+          </a:p>
+          <a:p>
+            <a:pPr defTabSz="619200"/>
+            <a:endParaRPr lang="de-DE" sz="2000">
+              <a:latin typeface="Droid Sans Mono Chess ASCII" panose="020B0609030804020204" pitchFamily="50" charset="0"/>
+              <a:ea typeface="Droid Sans Mono Chess ASCII" panose="020B0609030804020204" pitchFamily="50" charset="0"/>
+              <a:cs typeface="Droid Sans Mono Chess ASCII" panose="020B0609030804020204" pitchFamily="50" charset="0"/>
+            </a:endParaRPr>
+          </a:p>
+          <a:p>
+            <a:pPr defTabSz="619200"/>
+            <a:r>
+              <a:rPr lang="de-DE" sz="2000">
+                <a:latin typeface="Droid Sans Mono Chess ASCII" panose="020B0609030804020204" pitchFamily="50" charset="0"/>
+                <a:ea typeface="Droid Sans Mono Chess ASCII" panose="020B0609030804020204" pitchFamily="50" charset="0"/>
+                <a:cs typeface="Droid Sans Mono Chess ASCII" panose="020B0609030804020204" pitchFamily="50" charset="0"/>
+              </a:rPr>
+              <a:t>	pHalfmoveClock      = case move of</a:t>
+            </a:r>
+          </a:p>
+          <a:p>
+            <a:pPr defTabSz="619200"/>
+            <a:r>
+              <a:rPr lang="de-DE" sz="2000">
+                <a:latin typeface="Droid Sans Mono Chess ASCII" panose="020B0609030804020204" pitchFamily="50" charset="0"/>
+                <a:ea typeface="Droid Sans Mono Chess ASCII" panose="020B0609030804020204" pitchFamily="50" charset="0"/>
+                <a:cs typeface="Droid Sans Mono Chess ASCII" panose="020B0609030804020204" pitchFamily="50" charset="0"/>
+              </a:rPr>
+              <a:t>		Move{..} | Just _      &lt;- moveTakes       → 0</a:t>
+            </a:r>
+          </a:p>
+          <a:p>
+            <a:pPr defTabSz="619200"/>
+            <a:r>
+              <a:rPr lang="de-DE" sz="2000">
+                <a:latin typeface="Droid Sans Mono Chess ASCII" panose="020B0609030804020204" pitchFamily="50" charset="0"/>
+                <a:ea typeface="Droid Sans Mono Chess ASCII" panose="020B0609030804020204" pitchFamily="50" charset="0"/>
+                <a:cs typeface="Droid Sans Mono Chess ASCII" panose="020B0609030804020204" pitchFamily="50" charset="0"/>
+              </a:rPr>
+              <a:t>		Move{..} | Just (_,Ù) &lt;- pBoard!moveFrom → 0</a:t>
+            </a:r>
+          </a:p>
+          <a:p>
+            <a:pPr defTabSz="619200"/>
+            <a:r>
+              <a:rPr lang="de-DE" sz="2000">
+                <a:latin typeface="Droid Sans Mono Chess ASCII" panose="020B0609030804020204" pitchFamily="50" charset="0"/>
+                <a:ea typeface="Droid Sans Mono Chess ASCII" panose="020B0609030804020204" pitchFamily="50" charset="0"/>
+                <a:cs typeface="Droid Sans Mono Chess ASCII" panose="020B0609030804020204" pitchFamily="50" charset="0"/>
+              </a:rPr>
+              <a:t>		_        | otherwise                      → pHalfmoveClock + 1,</a:t>
+            </a:r>
+          </a:p>
+          <a:p>
+            <a:pPr defTabSz="619200"/>
+            <a:endParaRPr lang="de-DE" sz="2000">
+              <a:latin typeface="Droid Sans Mono Chess ASCII" panose="020B0609030804020204" pitchFamily="50" charset="0"/>
+              <a:ea typeface="Droid Sans Mono Chess ASCII" panose="020B0609030804020204" pitchFamily="50" charset="0"/>
+              <a:cs typeface="Droid Sans Mono Chess ASCII" panose="020B0609030804020204" pitchFamily="50" charset="0"/>
+            </a:endParaRPr>
+          </a:p>
+        </p:txBody>
+      </p:sp>
+    </p:spTree>
+    <p:extLst>
+      <p:ext uri="{BB962C8B-B14F-4D97-AF65-F5344CB8AC3E}">
+        <p14:creationId xmlns:p14="http://schemas.microsoft.com/office/powerpoint/2010/main" val="2450844087"/>
+      </p:ext>
+    </p:extLst>
+  </p:cSld>
+  <p:clrMapOvr>
+    <a:masterClrMapping/>
+  </p:clrMapOvr>
+  <p:timing>
+    <p:tnLst>
+      <p:par>
+        <p:cTn id="1" dur="indefinite" restart="never" nodeType="tmRoot"/>
+      </p:par>
+    </p:tnLst>
+  </p:timing>
+</p:sld>
+</file>
+
+<file path=ppt/slides/slide23.xml><?xml version="1.0" encoding="utf-8"?>
+<p:sld xmlns:a="http://schemas.openxmlformats.org/drawingml/2006/main" xmlns:r="http://schemas.openxmlformats.org/officeDocument/2006/relationships" xmlns:p="http://schemas.openxmlformats.org/presentationml/2006/main">
+  <p:cSld>
+    <p:spTree>
+      <p:nvGrpSpPr>
+        <p:cNvPr id="1" name=""/>
+        <p:cNvGrpSpPr/>
+        <p:nvPr/>
+      </p:nvGrpSpPr>
+      <p:grpSpPr>
+        <a:xfrm>
+          <a:off x="0" y="0"/>
+          <a:ext cx="0" cy="0"/>
+          <a:chOff x="0" y="0"/>
+          <a:chExt cx="0" cy="0"/>
+        </a:xfrm>
+      </p:grpSpPr>
+      <p:sp>
+        <p:nvSpPr>
+          <p:cNvPr id="9218" name="Titel 1"/>
+          <p:cNvSpPr>
+            <a:spLocks noGrp="1"/>
+          </p:cNvSpPr>
+          <p:nvPr>
+            <p:ph type="title"/>
+          </p:nvPr>
+        </p:nvSpPr>
+        <p:spPr bwMode="auto">
+          <a:xfrm>
+            <a:off x="442913" y="93663"/>
+            <a:ext cx="10742612" cy="939800"/>
+          </a:xfrm>
+          <a:noFill/>
+          <a:ln>
+            <a:miter lim="800000"/>
+            <a:headEnd/>
+            <a:tailEnd/>
+          </a:ln>
+        </p:spPr>
+        <p:txBody>
+          <a:bodyPr vert="horz" wrap="square" numCol="1" anchor="t" anchorCtr="0" compatLnSpc="1">
+            <a:prstTxWarp prst="textNoShape">
+              <a:avLst/>
+            </a:prstTxWarp>
+          </a:bodyPr>
+          <a:lstStyle/>
+          <a:p>
+            <a:r>
+              <a:rPr lang="en-US" smtClean="0"/>
+              <a:t>Code</a:t>
+            </a:r>
+            <a:endParaRPr lang="en-US" smtClean="0"/>
+          </a:p>
+        </p:txBody>
+      </p:sp>
+      <p:sp>
+        <p:nvSpPr>
+          <p:cNvPr id="4" name="Rechteck 3"/>
+          <p:cNvSpPr/>
+          <p:nvPr/>
+        </p:nvSpPr>
+        <p:spPr>
+          <a:xfrm>
+            <a:off x="285750" y="1466850"/>
+            <a:ext cx="12477750" cy="6247864"/>
+          </a:xfrm>
+          <a:prstGeom prst="rect">
+            <a:avLst/>
+          </a:prstGeom>
+        </p:spPr>
+        <p:txBody>
+          <a:bodyPr wrap="square">
+            <a:spAutoFit/>
+          </a:bodyPr>
+          <a:lstStyle/>
+          <a:p>
+            <a:pPr defTabSz="619200"/>
+            <a:r>
+              <a:rPr lang="de-DE" sz="2000">
+                <a:latin typeface="Droid Sans Mono Chess ASCII" panose="020B0609030804020204" pitchFamily="50" charset="0"/>
+                <a:ea typeface="Droid Sans Mono Chess ASCII" panose="020B0609030804020204" pitchFamily="50" charset="0"/>
+                <a:cs typeface="Droid Sans Mono Chess ASCII" panose="020B0609030804020204" pitchFamily="50" charset="0"/>
+              </a:rPr>
+              <a:t>	</a:t>
+            </a:r>
+            <a:r>
+              <a:rPr lang="de-DE" sz="2000">
+                <a:latin typeface="Droid Sans Mono Chess ASCII" panose="020B0609030804020204" pitchFamily="50" charset="0"/>
+                <a:ea typeface="Droid Sans Mono Chess ASCII" panose="020B0609030804020204" pitchFamily="50" charset="0"/>
+                <a:cs typeface="Droid Sans Mono Chess ASCII" panose="020B0609030804020204" pitchFamily="50" charset="0"/>
+              </a:rPr>
+              <a:t>pNextMoveNumber </a:t>
+            </a:r>
+            <a:r>
+              <a:rPr lang="de-DE" sz="2000" smtClean="0">
+                <a:latin typeface="Droid Sans Mono Chess ASCII" panose="020B0609030804020204" pitchFamily="50" charset="0"/>
+                <a:ea typeface="Droid Sans Mono Chess ASCII" panose="020B0609030804020204" pitchFamily="50" charset="0"/>
+                <a:cs typeface="Droid Sans Mono Chess ASCII" panose="020B0609030804020204" pitchFamily="50" charset="0"/>
+              </a:rPr>
+              <a:t>    =</a:t>
+            </a:r>
+          </a:p>
+          <a:p>
+            <a:pPr defTabSz="619200"/>
+            <a:r>
+              <a:rPr lang="de-DE" sz="2000">
+                <a:latin typeface="Droid Sans Mono Chess ASCII" panose="020B0609030804020204" pitchFamily="50" charset="0"/>
+                <a:ea typeface="Droid Sans Mono Chess ASCII" panose="020B0609030804020204" pitchFamily="50" charset="0"/>
+                <a:cs typeface="Droid Sans Mono Chess ASCII" panose="020B0609030804020204" pitchFamily="50" charset="0"/>
+              </a:rPr>
+              <a:t>	</a:t>
+            </a:r>
+            <a:r>
+              <a:rPr lang="de-DE" sz="2000" smtClean="0">
+                <a:latin typeface="Droid Sans Mono Chess ASCII" panose="020B0609030804020204" pitchFamily="50" charset="0"/>
+                <a:ea typeface="Droid Sans Mono Chess ASCII" panose="020B0609030804020204" pitchFamily="50" charset="0"/>
+                <a:cs typeface="Droid Sans Mono Chess ASCII" panose="020B0609030804020204" pitchFamily="50" charset="0"/>
+              </a:rPr>
+              <a:t>	if </a:t>
+            </a:r>
+            <a:r>
+              <a:rPr lang="de-DE" sz="2000">
+                <a:latin typeface="Droid Sans Mono Chess ASCII" panose="020B0609030804020204" pitchFamily="50" charset="0"/>
+                <a:ea typeface="Droid Sans Mono Chess ASCII" panose="020B0609030804020204" pitchFamily="50" charset="0"/>
+                <a:cs typeface="Droid Sans Mono Chess ASCII" panose="020B0609030804020204" pitchFamily="50" charset="0"/>
+              </a:rPr>
+              <a:t>pColourToMove==Black then pNextMoveNumber+1 else pNextMoveNumber,</a:t>
+            </a:r>
+          </a:p>
+          <a:p>
+            <a:pPr defTabSz="619200"/>
+            <a:endParaRPr lang="de-DE" sz="2000">
+              <a:latin typeface="Droid Sans Mono Chess ASCII" panose="020B0609030804020204" pitchFamily="50" charset="0"/>
+              <a:ea typeface="Droid Sans Mono Chess ASCII" panose="020B0609030804020204" pitchFamily="50" charset="0"/>
+              <a:cs typeface="Droid Sans Mono Chess ASCII" panose="020B0609030804020204" pitchFamily="50" charset="0"/>
+            </a:endParaRPr>
+          </a:p>
+          <a:p>
+            <a:pPr defTabSz="619200"/>
+            <a:r>
+              <a:rPr lang="de-DE" sz="2000">
+                <a:latin typeface="Droid Sans Mono Chess ASCII" panose="020B0609030804020204" pitchFamily="50" charset="0"/>
+                <a:ea typeface="Droid Sans Mono Chess ASCII" panose="020B0609030804020204" pitchFamily="50" charset="0"/>
+                <a:cs typeface="Droid Sans Mono Chess ASCII" panose="020B0609030804020204" pitchFamily="50" charset="0"/>
+              </a:rPr>
+              <a:t>	pEnPassant          = case move of</a:t>
+            </a:r>
+          </a:p>
+          <a:p>
+            <a:pPr defTabSz="619200"/>
+            <a:r>
+              <a:rPr lang="de-DE" sz="2000">
+                <a:latin typeface="Droid Sans Mono Chess ASCII" panose="020B0609030804020204" pitchFamily="50" charset="0"/>
+                <a:ea typeface="Droid Sans Mono Chess ASCII" panose="020B0609030804020204" pitchFamily="50" charset="0"/>
+                <a:cs typeface="Droid Sans Mono Chess ASCII" panose="020B0609030804020204" pitchFamily="50" charset="0"/>
+              </a:rPr>
+              <a:t>		Move from to Nothing Nothing |</a:t>
+            </a:r>
+          </a:p>
+          <a:p>
+            <a:pPr defTabSz="619200"/>
+            <a:r>
+              <a:rPr lang="de-DE" sz="2000">
+                <a:latin typeface="Droid Sans Mono Chess ASCII" panose="020B0609030804020204" pitchFamily="50" charset="0"/>
+                <a:ea typeface="Droid Sans Mono Chess ASCII" panose="020B0609030804020204" pitchFamily="50" charset="0"/>
+                <a:cs typeface="Droid Sans Mono Chess ASCII" panose="020B0609030804020204" pitchFamily="50" charset="0"/>
+              </a:rPr>
+              <a:t>			Just (_,Ù) &lt;- pBoard!from,</a:t>
+            </a:r>
+          </a:p>
+          <a:p>
+            <a:pPr defTabSz="619200"/>
+            <a:r>
+              <a:rPr lang="de-DE" sz="2000">
+                <a:latin typeface="Droid Sans Mono Chess ASCII" panose="020B0609030804020204" pitchFamily="50" charset="0"/>
+                <a:ea typeface="Droid Sans Mono Chess ASCII" panose="020B0609030804020204" pitchFamily="50" charset="0"/>
+                <a:cs typeface="Droid Sans Mono Chess ASCII" panose="020B0609030804020204" pitchFamily="50" charset="0"/>
+              </a:rPr>
+              <a:t>			Just to == addCoors pBoard from (2*pawn_step),</a:t>
+            </a:r>
+          </a:p>
+          <a:p>
+            <a:pPr defTabSz="619200"/>
+            <a:r>
+              <a:rPr lang="de-DE" sz="2000">
+                <a:latin typeface="Droid Sans Mono Chess ASCII" panose="020B0609030804020204" pitchFamily="50" charset="0"/>
+                <a:ea typeface="Droid Sans Mono Chess ASCII" panose="020B0609030804020204" pitchFamily="50" charset="0"/>
+                <a:cs typeface="Droid Sans Mono Chess ASCII" panose="020B0609030804020204" pitchFamily="50" charset="0"/>
+              </a:rPr>
+              <a:t>			Just middle &lt;- addCoors pBoard from pawn_step → Just (middle,to)</a:t>
+            </a:r>
+          </a:p>
+          <a:p>
+            <a:pPr defTabSz="619200"/>
+            <a:r>
+              <a:rPr lang="de-DE" sz="2000">
+                <a:latin typeface="Droid Sans Mono Chess ASCII" panose="020B0609030804020204" pitchFamily="50" charset="0"/>
+                <a:ea typeface="Droid Sans Mono Chess ASCII" panose="020B0609030804020204" pitchFamily="50" charset="0"/>
+                <a:cs typeface="Droid Sans Mono Chess ASCII" panose="020B0609030804020204" pitchFamily="50" charset="0"/>
+              </a:rPr>
+              <a:t>		_ | otherwise                                     → Nothing }</a:t>
+            </a:r>
+          </a:p>
+          <a:p>
+            <a:pPr defTabSz="619200"/>
+            <a:endParaRPr lang="de-DE" sz="2000">
+              <a:latin typeface="Droid Sans Mono Chess ASCII" panose="020B0609030804020204" pitchFamily="50" charset="0"/>
+              <a:ea typeface="Droid Sans Mono Chess ASCII" panose="020B0609030804020204" pitchFamily="50" charset="0"/>
+              <a:cs typeface="Droid Sans Mono Chess ASCII" panose="020B0609030804020204" pitchFamily="50" charset="0"/>
+            </a:endParaRPr>
+          </a:p>
+          <a:p>
+            <a:pPr defTabSz="619200"/>
+            <a:r>
+              <a:rPr lang="de-DE" sz="2000">
+                <a:latin typeface="Droid Sans Mono Chess ASCII" panose="020B0609030804020204" pitchFamily="50" charset="0"/>
+                <a:ea typeface="Droid Sans Mono Chess ASCII" panose="020B0609030804020204" pitchFamily="50" charset="0"/>
+                <a:cs typeface="Droid Sans Mono Chess ASCII" panose="020B0609030804020204" pitchFamily="50" charset="0"/>
+              </a:rPr>
+              <a:t>	where</a:t>
+            </a:r>
+          </a:p>
+          <a:p>
+            <a:pPr defTabSz="619200"/>
+            <a:endParaRPr lang="de-DE" sz="2000">
+              <a:latin typeface="Droid Sans Mono Chess ASCII" panose="020B0609030804020204" pitchFamily="50" charset="0"/>
+              <a:ea typeface="Droid Sans Mono Chess ASCII" panose="020B0609030804020204" pitchFamily="50" charset="0"/>
+              <a:cs typeface="Droid Sans Mono Chess ASCII" panose="020B0609030804020204" pitchFamily="50" charset="0"/>
+            </a:endParaRPr>
+          </a:p>
+          <a:p>
+            <a:pPr defTabSz="619200"/>
+            <a:r>
+              <a:rPr lang="de-DE" sz="2000">
+                <a:latin typeface="Droid Sans Mono Chess ASCII" panose="020B0609030804020204" pitchFamily="50" charset="0"/>
+                <a:ea typeface="Droid Sans Mono Chess ASCII" panose="020B0609030804020204" pitchFamily="50" charset="0"/>
+                <a:cs typeface="Droid Sans Mono Chess ASCII" panose="020B0609030804020204" pitchFamily="50" charset="0"/>
+              </a:rPr>
+              <a:t>	pawn_step = pawnStep pColourToMove</a:t>
+            </a:r>
+          </a:p>
+          <a:p>
+            <a:pPr defTabSz="619200"/>
+            <a:r>
+              <a:rPr lang="de-DE" sz="2000">
+                <a:latin typeface="Droid Sans Mono Chess ASCII" panose="020B0609030804020204" pitchFamily="50" charset="0"/>
+                <a:ea typeface="Droid Sans Mono Chess ASCII" panose="020B0609030804020204" pitchFamily="50" charset="0"/>
+                <a:cs typeface="Droid Sans Mono Chess ASCII" panose="020B0609030804020204" pitchFamily="50" charset="0"/>
+              </a:rPr>
+              <a:t>	base = baseRank pColourToMove</a:t>
+            </a:r>
+          </a:p>
+          <a:p>
+            <a:pPr defTabSz="619200"/>
+            <a:r>
+              <a:rPr lang="de-DE" sz="2000">
+                <a:latin typeface="Droid Sans Mono Chess ASCII" panose="020B0609030804020204" pitchFamily="50" charset="0"/>
+                <a:ea typeface="Droid Sans Mono Chess ASCII" panose="020B0609030804020204" pitchFamily="50" charset="0"/>
+                <a:cs typeface="Droid Sans Mono Chess ASCII" panose="020B0609030804020204" pitchFamily="50" charset="0"/>
+              </a:rPr>
+              <a:t>	(forfeit_queenside,forfeit_kingside) = case move of</a:t>
+            </a:r>
+          </a:p>
+          <a:p>
+            <a:pPr defTabSz="619200"/>
+            <a:r>
+              <a:rPr lang="de-DE" sz="2000">
+                <a:latin typeface="Droid Sans Mono Chess ASCII" panose="020B0609030804020204" pitchFamily="50" charset="0"/>
+                <a:ea typeface="Droid Sans Mono Chess ASCII" panose="020B0609030804020204" pitchFamily="50" charset="0"/>
+                <a:cs typeface="Droid Sans Mono Chess ASCII" panose="020B0609030804020204" pitchFamily="50" charset="0"/>
+              </a:rPr>
+              <a:t>		Castling _                         → (True, True )</a:t>
+            </a:r>
+          </a:p>
+          <a:p>
+            <a:pPr defTabSz="619200"/>
+            <a:r>
+              <a:rPr lang="de-DE" sz="2000">
+                <a:latin typeface="Droid Sans Mono Chess ASCII" panose="020B0609030804020204" pitchFamily="50" charset="0"/>
+                <a:ea typeface="Droid Sans Mono Chess ASCII" panose="020B0609030804020204" pitchFamily="50" charset="0"/>
+                <a:cs typeface="Droid Sans Mono Chess ASCII" panose="020B0609030804020204" pitchFamily="50" charset="0"/>
+              </a:rPr>
+              <a:t>		Move (1,rank) _ _ _ | rank == base → (True, False)</a:t>
+            </a:r>
+          </a:p>
+          <a:p>
+            <a:pPr defTabSz="619200"/>
+            <a:r>
+              <a:rPr lang="de-DE" sz="2000">
+                <a:latin typeface="Droid Sans Mono Chess ASCII" panose="020B0609030804020204" pitchFamily="50" charset="0"/>
+                <a:ea typeface="Droid Sans Mono Chess ASCII" panose="020B0609030804020204" pitchFamily="50" charset="0"/>
+                <a:cs typeface="Droid Sans Mono Chess ASCII" panose="020B0609030804020204" pitchFamily="50" charset="0"/>
+              </a:rPr>
+              <a:t>		Move (5,rank) _ _ _ | rank == base → (True, True )</a:t>
+            </a:r>
+          </a:p>
+          <a:p>
+            <a:pPr defTabSz="619200"/>
+            <a:r>
+              <a:rPr lang="de-DE" sz="2000">
+                <a:latin typeface="Droid Sans Mono Chess ASCII" panose="020B0609030804020204" pitchFamily="50" charset="0"/>
+                <a:ea typeface="Droid Sans Mono Chess ASCII" panose="020B0609030804020204" pitchFamily="50" charset="0"/>
+                <a:cs typeface="Droid Sans Mono Chess ASCII" panose="020B0609030804020204" pitchFamily="50" charset="0"/>
+              </a:rPr>
+              <a:t>		Move (8,rank) _ _ _ | rank == base → (False,True )</a:t>
+            </a:r>
+          </a:p>
+          <a:p>
+            <a:pPr defTabSz="619200"/>
+            <a:r>
+              <a:rPr lang="de-DE" sz="2000">
+                <a:latin typeface="Droid Sans Mono Chess ASCII" panose="020B0609030804020204" pitchFamily="50" charset="0"/>
+                <a:ea typeface="Droid Sans Mono Chess ASCII" panose="020B0609030804020204" pitchFamily="50" charset="0"/>
+                <a:cs typeface="Droid Sans Mono Chess ASCII" panose="020B0609030804020204" pitchFamily="50" charset="0"/>
+              </a:rPr>
+              <a:t>		_                   | otherwise    → (False,False)</a:t>
+            </a:r>
+          </a:p>
+        </p:txBody>
+      </p:sp>
+    </p:spTree>
+    <p:extLst>
+      <p:ext uri="{BB962C8B-B14F-4D97-AF65-F5344CB8AC3E}">
+        <p14:creationId xmlns:p14="http://schemas.microsoft.com/office/powerpoint/2010/main" val="521375686"/>
+      </p:ext>
+    </p:extLst>
+  </p:cSld>
+  <p:clrMapOvr>
+    <a:masterClrMapping/>
+  </p:clrMapOvr>
+  <p:timing>
+    <p:tnLst>
+      <p:par>
+        <p:cTn id="1" dur="indefinite" restart="never" nodeType="tmRoot"/>
+      </p:par>
+    </p:tnLst>
+  </p:timing>
+</p:sld>
+</file>
+
+<file path=ppt/slides/slide24.xml><?xml version="1.0" encoding="utf-8"?>
+<p:sld xmlns:a="http://schemas.openxmlformats.org/drawingml/2006/main" xmlns:r="http://schemas.openxmlformats.org/officeDocument/2006/relationships" xmlns:p="http://schemas.openxmlformats.org/presentationml/2006/main">
+  <p:cSld>
+    <p:spTree>
+      <p:nvGrpSpPr>
+        <p:cNvPr id="1" name=""/>
+        <p:cNvGrpSpPr/>
+        <p:nvPr/>
+      </p:nvGrpSpPr>
+      <p:grpSpPr>
+        <a:xfrm>
+          <a:off x="0" y="0"/>
+          <a:ext cx="0" cy="0"/>
+          <a:chOff x="0" y="0"/>
+          <a:chExt cx="0" cy="0"/>
+        </a:xfrm>
+      </p:grpSpPr>
       <p:pic>
         <p:nvPicPr>
           <p:cNvPr id="3078" name="Picture 6" descr="TALC"/>
@@ -9388,7 +12073,7 @@
     </p:spTree>
     <p:extLst>
       <p:ext uri="{BB962C8B-B14F-4D97-AF65-F5344CB8AC3E}">
-        <p14:creationId xmlns:p14="http://schemas.microsoft.com/office/powerpoint/2010/main" val="2077020566"/>
+        <p14:creationId xmlns:p14="http://schemas.microsoft.com/office/powerpoint/2010/main" val="3813992867"/>
       </p:ext>
     </p:extLst>
   </p:cSld>
@@ -9695,7 +12380,7 @@
 </p:sld>
 </file>
 
-<file path=ppt/slides/slide19.xml><?xml version="1.0" encoding="utf-8"?>
+<file path=ppt/slides/slide25.xml><?xml version="1.0" encoding="utf-8"?>
 <p:sld xmlns:a="http://schemas.openxmlformats.org/drawingml/2006/main" xmlns:r="http://schemas.openxmlformats.org/officeDocument/2006/relationships" xmlns:p="http://schemas.openxmlformats.org/presentationml/2006/main">
   <p:cSld>
     <p:spTree>
@@ -9971,510 +12656,6 @@
     <a:masterClrMapping/>
   </p:clrMapOvr>
   <p:transition/>
-  <p:timing>
-    <p:tnLst>
-      <p:par>
-        <p:cTn id="1" dur="indefinite" restart="never" nodeType="tmRoot"/>
-      </p:par>
-    </p:tnLst>
-  </p:timing>
-</p:sld>
-</file>
-
-<file path=ppt/slides/slide2.xml><?xml version="1.0" encoding="utf-8"?>
-<p:sld xmlns:a="http://schemas.openxmlformats.org/drawingml/2006/main" xmlns:r="http://schemas.openxmlformats.org/officeDocument/2006/relationships" xmlns:p="http://schemas.openxmlformats.org/presentationml/2006/main">
-  <p:cSld>
-    <p:spTree>
-      <p:nvGrpSpPr>
-        <p:cNvPr id="1" name=""/>
-        <p:cNvGrpSpPr/>
-        <p:nvPr/>
-      </p:nvGrpSpPr>
-      <p:grpSpPr>
-        <a:xfrm>
-          <a:off x="0" y="0"/>
-          <a:ext cx="0" cy="0"/>
-          <a:chOff x="0" y="0"/>
-          <a:chExt cx="0" cy="0"/>
-        </a:xfrm>
-      </p:grpSpPr>
-      <p:sp>
-        <p:nvSpPr>
-          <p:cNvPr id="9218" name="Titel 1"/>
-          <p:cNvSpPr>
-            <a:spLocks noGrp="1"/>
-          </p:cNvSpPr>
-          <p:nvPr>
-            <p:ph type="title"/>
-          </p:nvPr>
-        </p:nvSpPr>
-        <p:spPr bwMode="auto">
-          <a:xfrm>
-            <a:off x="442913" y="93663"/>
-            <a:ext cx="10742612" cy="939800"/>
-          </a:xfrm>
-          <a:noFill/>
-          <a:ln>
-            <a:miter lim="800000"/>
-            <a:headEnd/>
-            <a:tailEnd/>
-          </a:ln>
-        </p:spPr>
-        <p:txBody>
-          <a:bodyPr vert="horz" wrap="square" numCol="1" anchor="t" anchorCtr="0" compatLnSpc="1">
-            <a:prstTxWarp prst="textNoShape">
-              <a:avLst/>
-            </a:prstTxWarp>
-          </a:bodyPr>
-          <a:lstStyle/>
-          <a:p>
-            <a:r>
-              <a:rPr lang="en-US" smtClean="0"/>
-              <a:t>Power Continuum</a:t>
-            </a:r>
-            <a:endParaRPr lang="en-US" smtClean="0"/>
-          </a:p>
-        </p:txBody>
-      </p:sp>
-      <p:sp>
-        <p:nvSpPr>
-          <p:cNvPr id="2" name="Pfeil nach unten 1"/>
-          <p:cNvSpPr/>
-          <p:nvPr/>
-        </p:nvSpPr>
-        <p:spPr>
-          <a:xfrm rot="10800000">
-            <a:off x="1442428" y="1403794"/>
-            <a:ext cx="837127" cy="7250807"/>
-          </a:xfrm>
-          <a:prstGeom prst="downArrow">
-            <a:avLst/>
-          </a:prstGeom>
-          <a:gradFill>
-            <a:gsLst>
-              <a:gs pos="0">
-                <a:schemeClr val="accent1">
-                  <a:shade val="30000"/>
-                  <a:satMod val="115000"/>
-                </a:schemeClr>
-              </a:gs>
-              <a:gs pos="50000">
-                <a:schemeClr val="accent1">
-                  <a:shade val="67500"/>
-                  <a:satMod val="115000"/>
-                </a:schemeClr>
-              </a:gs>
-              <a:gs pos="100000">
-                <a:schemeClr val="accent1">
-                  <a:shade val="100000"/>
-                  <a:satMod val="115000"/>
-                </a:schemeClr>
-              </a:gs>
-            </a:gsLst>
-            <a:lin ang="5400000" scaled="0"/>
-          </a:gradFill>
-          <a:ln>
-            <a:solidFill>
-              <a:schemeClr val="tx1"/>
-            </a:solidFill>
-          </a:ln>
-        </p:spPr>
-        <p:style>
-          <a:lnRef idx="2">
-            <a:schemeClr val="accent1">
-              <a:shade val="50000"/>
-            </a:schemeClr>
-          </a:lnRef>
-          <a:fillRef idx="1">
-            <a:schemeClr val="accent1"/>
-          </a:fillRef>
-          <a:effectRef idx="0">
-            <a:schemeClr val="accent1"/>
-          </a:effectRef>
-          <a:fontRef idx="minor">
-            <a:schemeClr val="lt1"/>
-          </a:fontRef>
-        </p:style>
-        <p:txBody>
-          <a:bodyPr vert="vert270" rtlCol="0" anchor="ctr" anchorCtr="0"/>
-          <a:lstStyle/>
-          <a:p>
-            <a:pPr algn="ctr"/>
-            <a:r>
-              <a:rPr lang="de-DE" sz="2400" smtClean="0">
-                <a:solidFill>
-                  <a:schemeClr val="bg1"/>
-                </a:solidFill>
-                <a:latin typeface="Arial Black" panose="020B0A04020102020204" pitchFamily="34" charset="0"/>
-              </a:rPr>
-              <a:t>higher                                                lower</a:t>
-            </a:r>
-            <a:endParaRPr lang="de-DE" sz="2400">
-              <a:solidFill>
-                <a:schemeClr val="bg1"/>
-              </a:solidFill>
-              <a:latin typeface="Arial Black" panose="020B0A04020102020204" pitchFamily="34" charset="0"/>
-            </a:endParaRPr>
-          </a:p>
-        </p:txBody>
-      </p:sp>
-      <p:pic>
-        <p:nvPicPr>
-          <p:cNvPr id="1029" name="Picture 5"/>
-          <p:cNvPicPr>
-            <a:picLocks noChangeAspect="1" noChangeArrowheads="1"/>
-          </p:cNvPicPr>
-          <p:nvPr/>
-        </p:nvPicPr>
-        <p:blipFill>
-          <a:blip r:embed="rId2">
-            <a:extLst>
-              <a:ext uri="{28A0092B-C50C-407E-A947-70E740481C1C}">
-                <a14:useLocalDpi xmlns:a14="http://schemas.microsoft.com/office/drawing/2010/main" val="0"/>
-              </a:ext>
-            </a:extLst>
-          </a:blip>
-          <a:srcRect/>
-          <a:stretch>
-            <a:fillRect/>
-          </a:stretch>
-        </p:blipFill>
-        <p:spPr bwMode="auto">
-          <a:xfrm>
-            <a:off x="1246629" y="3540349"/>
-            <a:ext cx="1228725" cy="3162300"/>
-          </a:xfrm>
-          <a:prstGeom prst="rect">
-            <a:avLst/>
-          </a:prstGeom>
-          <a:noFill/>
-          <a:ln>
-            <a:noFill/>
-          </a:ln>
-          <a:extLst>
-            <a:ext uri="{909E8E84-426E-40DD-AFC4-6F175D3DCCD1}">
-              <a14:hiddenFill xmlns:a14="http://schemas.microsoft.com/office/drawing/2010/main">
-                <a:solidFill>
-                  <a:schemeClr val="accent1"/>
-                </a:solidFill>
-              </a14:hiddenFill>
-            </a:ext>
-            <a:ext uri="{91240B29-F687-4F45-9708-019B960494DF}">
-              <a14:hiddenLine xmlns:a14="http://schemas.microsoft.com/office/drawing/2010/main" w="9525">
-                <a:solidFill>
-                  <a:schemeClr val="tx1"/>
-                </a:solidFill>
-                <a:miter lim="800000"/>
-                <a:headEnd/>
-                <a:tailEnd/>
-              </a14:hiddenLine>
-            </a:ext>
-          </a:extLst>
-        </p:spPr>
-      </p:pic>
-      <p:sp>
-        <p:nvSpPr>
-          <p:cNvPr id="4" name="Textfeld 3"/>
-          <p:cNvSpPr txBox="1"/>
-          <p:nvPr/>
-        </p:nvSpPr>
-        <p:spPr>
-          <a:xfrm>
-            <a:off x="2475354" y="8281115"/>
-            <a:ext cx="3479863" cy="584775"/>
-          </a:xfrm>
-          <a:prstGeom prst="rect">
-            <a:avLst/>
-          </a:prstGeom>
-          <a:noFill/>
-        </p:spPr>
-        <p:txBody>
-          <a:bodyPr wrap="none" rtlCol="0">
-            <a:spAutoFit/>
-          </a:bodyPr>
-          <a:lstStyle/>
-          <a:p>
-            <a:r>
-              <a:rPr lang="de-DE" sz="3200" smtClean="0">
-                <a:latin typeface="+mn-lt"/>
-              </a:rPr>
-              <a:t>„Procedural“: </a:t>
-            </a:r>
-            <a:r>
-              <a:rPr lang="de-DE" sz="3200" smtClean="0">
-                <a:latin typeface="+mn-lt"/>
-              </a:rPr>
-              <a:t>How!</a:t>
-            </a:r>
-            <a:endParaRPr lang="de-DE" sz="3200" dirty="0" err="1" smtClean="0">
-              <a:latin typeface="+mn-lt"/>
-            </a:endParaRPr>
-          </a:p>
-        </p:txBody>
-      </p:sp>
-      <p:sp>
-        <p:nvSpPr>
-          <p:cNvPr id="9" name="Textfeld 8"/>
-          <p:cNvSpPr txBox="1"/>
-          <p:nvPr/>
-        </p:nvSpPr>
-        <p:spPr>
-          <a:xfrm>
-            <a:off x="2475354" y="1839532"/>
-            <a:ext cx="3696076" cy="584775"/>
-          </a:xfrm>
-          <a:prstGeom prst="rect">
-            <a:avLst/>
-          </a:prstGeom>
-          <a:noFill/>
-        </p:spPr>
-        <p:txBody>
-          <a:bodyPr wrap="none" rtlCol="0">
-            <a:spAutoFit/>
-          </a:bodyPr>
-          <a:lstStyle/>
-          <a:p>
-            <a:r>
-              <a:rPr lang="de-DE" sz="3200" smtClean="0">
-                <a:latin typeface="+mn-lt"/>
-              </a:rPr>
-              <a:t>„Declarative“: </a:t>
-            </a:r>
-            <a:r>
-              <a:rPr lang="de-DE" sz="3200" smtClean="0">
-                <a:latin typeface="+mn-lt"/>
-              </a:rPr>
-              <a:t>What!</a:t>
-            </a:r>
-            <a:endParaRPr lang="de-DE" sz="3200" dirty="0" err="1" smtClean="0">
-              <a:latin typeface="+mn-lt"/>
-            </a:endParaRPr>
-          </a:p>
-        </p:txBody>
-      </p:sp>
-      <p:pic>
-        <p:nvPicPr>
-          <p:cNvPr id="1030" name="Picture 6" descr="C:\Users\reitmeier\AppData\Local\Microsoft\Windows\Temporary Internet Files\Content.IE5\3LWRIX8I\cpu-152656_960_720[1].png"/>
-          <p:cNvPicPr>
-            <a:picLocks noChangeAspect="1" noChangeArrowheads="1"/>
-          </p:cNvPicPr>
-          <p:nvPr/>
-        </p:nvPicPr>
-        <p:blipFill>
-          <a:blip r:embed="rId3" cstate="print">
-            <a:extLst>
-              <a:ext uri="{28A0092B-C50C-407E-A947-70E740481C1C}">
-                <a14:useLocalDpi xmlns:a14="http://schemas.microsoft.com/office/drawing/2010/main" val="0"/>
-              </a:ext>
-            </a:extLst>
-          </a:blip>
-          <a:srcRect/>
-          <a:stretch>
-            <a:fillRect/>
-          </a:stretch>
-        </p:blipFill>
-        <p:spPr bwMode="auto">
-          <a:xfrm>
-            <a:off x="6318876" y="7661785"/>
-            <a:ext cx="1823434" cy="1823434"/>
-          </a:xfrm>
-          <a:prstGeom prst="rect">
-            <a:avLst/>
-          </a:prstGeom>
-          <a:noFill/>
-          <a:extLst>
-            <a:ext uri="{909E8E84-426E-40DD-AFC4-6F175D3DCCD1}">
-              <a14:hiddenFill xmlns:a14="http://schemas.microsoft.com/office/drawing/2010/main">
-                <a:solidFill>
-                  <a:srgbClr val="FFFFFF"/>
-                </a:solidFill>
-              </a14:hiddenFill>
-            </a:ext>
-          </a:extLst>
-        </p:spPr>
-      </p:pic>
-      <p:pic>
-        <p:nvPicPr>
-          <p:cNvPr id="1031" name="Picture 7" descr="C:\Users\reitmeier\AppData\Local\Microsoft\Windows\Temporary Internet Files\Content.IE5\CVE2Q6IP\person-311292_960_720[1].png"/>
-          <p:cNvPicPr>
-            <a:picLocks noChangeAspect="1" noChangeArrowheads="1"/>
-          </p:cNvPicPr>
-          <p:nvPr/>
-        </p:nvPicPr>
-        <p:blipFill>
-          <a:blip r:embed="rId4" cstate="print">
-            <a:extLst>
-              <a:ext uri="{28A0092B-C50C-407E-A947-70E740481C1C}">
-                <a14:useLocalDpi xmlns:a14="http://schemas.microsoft.com/office/drawing/2010/main" val="0"/>
-              </a:ext>
-            </a:extLst>
-          </a:blip>
-          <a:srcRect/>
-          <a:stretch>
-            <a:fillRect/>
-          </a:stretch>
-        </p:blipFill>
-        <p:spPr bwMode="auto">
-          <a:xfrm>
-            <a:off x="6549712" y="1403794"/>
-            <a:ext cx="1361762" cy="1776211"/>
-          </a:xfrm>
-          <a:prstGeom prst="rect">
-            <a:avLst/>
-          </a:prstGeom>
-          <a:noFill/>
-          <a:extLst>
-            <a:ext uri="{909E8E84-426E-40DD-AFC4-6F175D3DCCD1}">
-              <a14:hiddenFill xmlns:a14="http://schemas.microsoft.com/office/drawing/2010/main">
-                <a:solidFill>
-                  <a:srgbClr val="FFFFFF"/>
-                </a:solidFill>
-              </a14:hiddenFill>
-            </a:ext>
-          </a:extLst>
-        </p:spPr>
-      </p:pic>
-      <p:sp>
-        <p:nvSpPr>
-          <p:cNvPr id="10" name="Textfeld 9"/>
-          <p:cNvSpPr txBox="1"/>
-          <p:nvPr/>
-        </p:nvSpPr>
-        <p:spPr>
-          <a:xfrm rot="5400000">
-            <a:off x="7816733" y="4908976"/>
-            <a:ext cx="3631828" cy="830997"/>
-          </a:xfrm>
-          <a:prstGeom prst="rect">
-            <a:avLst/>
-          </a:prstGeom>
-          <a:noFill/>
-        </p:spPr>
-        <p:txBody>
-          <a:bodyPr wrap="none" rtlCol="0">
-            <a:spAutoFit/>
-          </a:bodyPr>
-          <a:lstStyle/>
-          <a:p>
-            <a:r>
-              <a:rPr lang="de-DE" sz="4800" smtClean="0">
-                <a:latin typeface="+mn-lt"/>
-              </a:rPr>
-              <a:t>Semantic Gap</a:t>
-            </a:r>
-            <a:endParaRPr lang="de-DE" sz="4800" dirty="0" err="1" smtClean="0">
-              <a:latin typeface="+mn-lt"/>
-            </a:endParaRPr>
-          </a:p>
-        </p:txBody>
-      </p:sp>
-      <p:sp>
-        <p:nvSpPr>
-          <p:cNvPr id="11" name="Textfeld 10"/>
-          <p:cNvSpPr txBox="1"/>
-          <p:nvPr/>
-        </p:nvSpPr>
-        <p:spPr>
-          <a:xfrm>
-            <a:off x="8628504" y="8281114"/>
-            <a:ext cx="3165867" cy="584775"/>
-          </a:xfrm>
-          <a:prstGeom prst="rect">
-            <a:avLst/>
-          </a:prstGeom>
-          <a:noFill/>
-        </p:spPr>
-        <p:txBody>
-          <a:bodyPr wrap="none" rtlCol="0">
-            <a:spAutoFit/>
-          </a:bodyPr>
-          <a:lstStyle/>
-          <a:p>
-            <a:r>
-              <a:rPr lang="de-DE" sz="3200" smtClean="0">
-                <a:latin typeface="+mn-lt"/>
-              </a:rPr>
-              <a:t>Easy for machines</a:t>
-            </a:r>
-            <a:endParaRPr lang="de-DE" sz="3200" dirty="0" err="1" smtClean="0">
-              <a:latin typeface="+mn-lt"/>
-            </a:endParaRPr>
-          </a:p>
-        </p:txBody>
-      </p:sp>
-      <p:sp>
-        <p:nvSpPr>
-          <p:cNvPr id="12" name="Textfeld 11"/>
-          <p:cNvSpPr txBox="1"/>
-          <p:nvPr/>
-        </p:nvSpPr>
-        <p:spPr>
-          <a:xfrm>
-            <a:off x="8628503" y="1839531"/>
-            <a:ext cx="2910990" cy="584775"/>
-          </a:xfrm>
-          <a:prstGeom prst="rect">
-            <a:avLst/>
-          </a:prstGeom>
-          <a:noFill/>
-        </p:spPr>
-        <p:txBody>
-          <a:bodyPr wrap="none" rtlCol="0">
-            <a:spAutoFit/>
-          </a:bodyPr>
-          <a:lstStyle/>
-          <a:p>
-            <a:r>
-              <a:rPr lang="de-DE" sz="3200" smtClean="0">
-                <a:latin typeface="+mn-lt"/>
-              </a:rPr>
-              <a:t>Easy for humans</a:t>
-            </a:r>
-            <a:endParaRPr lang="de-DE" sz="3200" dirty="0" err="1" smtClean="0">
-              <a:latin typeface="+mn-lt"/>
-            </a:endParaRPr>
-          </a:p>
-        </p:txBody>
-      </p:sp>
-      <p:cxnSp>
-        <p:nvCxnSpPr>
-          <p:cNvPr id="5" name="Gerade Verbindung mit Pfeil 4"/>
-          <p:cNvCxnSpPr/>
-          <p:nvPr/>
-        </p:nvCxnSpPr>
-        <p:spPr>
-          <a:xfrm>
-            <a:off x="10083998" y="2838450"/>
-            <a:ext cx="0" cy="4972050"/>
-          </a:xfrm>
-          <a:prstGeom prst="straightConnector1">
-            <a:avLst/>
-          </a:prstGeom>
-          <a:ln w="63500">
-            <a:headEnd type="arrow"/>
-            <a:tailEnd type="arrow"/>
-          </a:ln>
-        </p:spPr>
-        <p:style>
-          <a:lnRef idx="1">
-            <a:schemeClr val="accent1"/>
-          </a:lnRef>
-          <a:fillRef idx="0">
-            <a:schemeClr val="accent1"/>
-          </a:fillRef>
-          <a:effectRef idx="0">
-            <a:schemeClr val="accent1"/>
-          </a:effectRef>
-          <a:fontRef idx="minor">
-            <a:schemeClr val="tx1"/>
-          </a:fontRef>
-        </p:style>
-      </p:cxnSp>
-    </p:spTree>
-  </p:cSld>
-  <p:clrMapOvr>
-    <a:masterClrMapping/>
-  </p:clrMapOvr>
   <p:timing>
     <p:tnLst>
       <p:par>
